--- a/Presentations/IUAC-2024/Introduction_to_Large_Language_Models-From_Foundation_to_Real_World_Applications.pptx
+++ b/Presentations/IUAC-2024/Introduction_to_Large_Language_Models-From_Foundation_to_Real_World_Applications.pptx
@@ -46,20 +46,20 @@
     <p:sldId id="3921" r:id="rId37"/>
     <p:sldId id="3920" r:id="rId38"/>
     <p:sldId id="3919" r:id="rId39"/>
-    <p:sldId id="3923" r:id="rId40"/>
-    <p:sldId id="3922" r:id="rId41"/>
-    <p:sldId id="3878" r:id="rId42"/>
-    <p:sldId id="3888" r:id="rId43"/>
-    <p:sldId id="3907" r:id="rId44"/>
-    <p:sldId id="3912" r:id="rId45"/>
-    <p:sldId id="3915" r:id="rId46"/>
-    <p:sldId id="3909" r:id="rId47"/>
-    <p:sldId id="3910" r:id="rId48"/>
-    <p:sldId id="3916" r:id="rId49"/>
-    <p:sldId id="3875" r:id="rId50"/>
-    <p:sldId id="3859" r:id="rId51"/>
-    <p:sldId id="3918" r:id="rId52"/>
-    <p:sldId id="3846" r:id="rId53"/>
+    <p:sldId id="3924" r:id="rId40"/>
+    <p:sldId id="3923" r:id="rId41"/>
+    <p:sldId id="3922" r:id="rId42"/>
+    <p:sldId id="3878" r:id="rId43"/>
+    <p:sldId id="3888" r:id="rId44"/>
+    <p:sldId id="3907" r:id="rId45"/>
+    <p:sldId id="3912" r:id="rId46"/>
+    <p:sldId id="3915" r:id="rId47"/>
+    <p:sldId id="3909" r:id="rId48"/>
+    <p:sldId id="3910" r:id="rId49"/>
+    <p:sldId id="3916" r:id="rId50"/>
+    <p:sldId id="3875" r:id="rId51"/>
+    <p:sldId id="3859" r:id="rId52"/>
+    <p:sldId id="3918" r:id="rId53"/>
     <p:sldId id="3850" r:id="rId54"/>
     <p:sldId id="265" r:id="rId55"/>
     <p:sldId id="263" r:id="rId56"/>
@@ -3448,7 +3448,7 @@
     </p:spTree>
     <p:extLst>
       <p:ext uri="{BB962C8B-B14F-4D97-AF65-F5344CB8AC3E}">
-        <p14:creationId xmlns:p14="http://schemas.microsoft.com/office/powerpoint/2010/main" val="4275274872"/>
+        <p14:creationId xmlns:p14="http://schemas.microsoft.com/office/powerpoint/2010/main" val="2058409110"/>
       </p:ext>
     </p:extLst>
   </p:cSld>
@@ -3533,7 +3533,7 @@
     </p:spTree>
     <p:extLst>
       <p:ext uri="{BB962C8B-B14F-4D97-AF65-F5344CB8AC3E}">
-        <p14:creationId xmlns:p14="http://schemas.microsoft.com/office/powerpoint/2010/main" val="2863594969"/>
+        <p14:creationId xmlns:p14="http://schemas.microsoft.com/office/powerpoint/2010/main" val="4275274872"/>
       </p:ext>
     </p:extLst>
   </p:cSld>
@@ -3618,7 +3618,7 @@
     </p:spTree>
     <p:extLst>
       <p:ext uri="{BB962C8B-B14F-4D97-AF65-F5344CB8AC3E}">
-        <p14:creationId xmlns:p14="http://schemas.microsoft.com/office/powerpoint/2010/main" val="737681818"/>
+        <p14:creationId xmlns:p14="http://schemas.microsoft.com/office/powerpoint/2010/main" val="2863594969"/>
       </p:ext>
     </p:extLst>
   </p:cSld>
@@ -3958,7 +3958,7 @@
     </p:spTree>
     <p:extLst>
       <p:ext uri="{BB962C8B-B14F-4D97-AF65-F5344CB8AC3E}">
-        <p14:creationId xmlns:p14="http://schemas.microsoft.com/office/powerpoint/2010/main" val="922949278"/>
+        <p14:creationId xmlns:p14="http://schemas.microsoft.com/office/powerpoint/2010/main" val="737681818"/>
       </p:ext>
     </p:extLst>
   </p:cSld>
@@ -4298,7 +4298,7 @@
     </p:spTree>
     <p:extLst>
       <p:ext uri="{BB962C8B-B14F-4D97-AF65-F5344CB8AC3E}">
-        <p14:creationId xmlns:p14="http://schemas.microsoft.com/office/powerpoint/2010/main" val="2840793627"/>
+        <p14:creationId xmlns:p14="http://schemas.microsoft.com/office/powerpoint/2010/main" val="922949278"/>
       </p:ext>
     </p:extLst>
   </p:cSld>
@@ -4383,7 +4383,7 @@
     </p:spTree>
     <p:extLst>
       <p:ext uri="{BB962C8B-B14F-4D97-AF65-F5344CB8AC3E}">
-        <p14:creationId xmlns:p14="http://schemas.microsoft.com/office/powerpoint/2010/main" val="737681818"/>
+        <p14:creationId xmlns:p14="http://schemas.microsoft.com/office/powerpoint/2010/main" val="2840793627"/>
       </p:ext>
     </p:extLst>
   </p:cSld>
@@ -4468,7 +4468,7 @@
     </p:spTree>
     <p:extLst>
       <p:ext uri="{BB962C8B-B14F-4D97-AF65-F5344CB8AC3E}">
-        <p14:creationId xmlns:p14="http://schemas.microsoft.com/office/powerpoint/2010/main" val="4151229091"/>
+        <p14:creationId xmlns:p14="http://schemas.microsoft.com/office/powerpoint/2010/main" val="737681818"/>
       </p:ext>
     </p:extLst>
   </p:cSld>
@@ -4553,7 +4553,7 @@
     </p:spTree>
     <p:extLst>
       <p:ext uri="{BB962C8B-B14F-4D97-AF65-F5344CB8AC3E}">
-        <p14:creationId xmlns:p14="http://schemas.microsoft.com/office/powerpoint/2010/main" val="2063242982"/>
+        <p14:creationId xmlns:p14="http://schemas.microsoft.com/office/powerpoint/2010/main" val="4151229091"/>
       </p:ext>
     </p:extLst>
   </p:cSld>
@@ -4626,7 +4626,7 @@
           <a:bodyPr/>
           <a:lstStyle/>
           <a:p>
-            <a:fld id="{D40C6A29-4676-420C-BBE3-ACC2B80F64D4}" type="slidenum">
+            <a:fld id="{8B57D50D-BAA9-464B-B391-243138E078D8}" type="slidenum">
               <a:rPr lang="en-US" smtClean="0"/>
               <a:pPr/>
               <a:t>49</a:t>
@@ -4638,7 +4638,7 @@
     </p:spTree>
     <p:extLst>
       <p:ext uri="{BB962C8B-B14F-4D97-AF65-F5344CB8AC3E}">
-        <p14:creationId xmlns:p14="http://schemas.microsoft.com/office/powerpoint/2010/main" val="2439709705"/>
+        <p14:creationId xmlns:p14="http://schemas.microsoft.com/office/powerpoint/2010/main" val="2063242982"/>
       </p:ext>
     </p:extLst>
   </p:cSld>
@@ -6249,844 +6249,6 @@
 
 <file path=ppt/slideLayouts/slideLayout10.xml><?xml version="1.0" encoding="utf-8"?>
 <p:sldLayout xmlns:a="http://schemas.openxmlformats.org/drawingml/2006/main" xmlns:r="http://schemas.openxmlformats.org/officeDocument/2006/relationships" xmlns:p="http://schemas.openxmlformats.org/presentationml/2006/main" preserve="1" userDrawn="1">
-  <p:cSld name="Content and Table">
-    <p:spTree>
-      <p:nvGrpSpPr>
-        <p:cNvPr id="1" name=""/>
-        <p:cNvGrpSpPr/>
-        <p:nvPr/>
-      </p:nvGrpSpPr>
-      <p:grpSpPr>
-        <a:xfrm>
-          <a:off x="0" y="0"/>
-          <a:ext cx="0" cy="0"/>
-          <a:chOff x="0" y="0"/>
-          <a:chExt cx="0" cy="0"/>
-        </a:xfrm>
-      </p:grpSpPr>
-      <p:grpSp>
-        <p:nvGrpSpPr>
-          <p:cNvPr id="11" name="Group 10">
-            <a:extLst>
-              <a:ext uri="{FF2B5EF4-FFF2-40B4-BE49-F238E27FC236}">
-                <a16:creationId xmlns:a16="http://schemas.microsoft.com/office/drawing/2014/main" id="{521BD3DB-6F51-C1AE-FF0E-D0BDCB55F30B}"/>
-              </a:ext>
-              <a:ext uri="{C183D7F6-B498-43B3-948B-1728B52AA6E4}">
-                <adec:decorative xmlns:adec="http://schemas.microsoft.com/office/drawing/2017/decorative" val="1"/>
-              </a:ext>
-            </a:extLst>
-          </p:cNvPr>
-          <p:cNvGrpSpPr/>
-          <p:nvPr userDrawn="1"/>
-        </p:nvGrpSpPr>
-        <p:grpSpPr>
-          <a:xfrm>
-            <a:off x="92652" y="1"/>
-            <a:ext cx="8415169" cy="5143499"/>
-            <a:chOff x="123536" y="2"/>
-            <a:chExt cx="11220225" cy="6857998"/>
-          </a:xfrm>
-        </p:grpSpPr>
-        <p:sp>
-          <p:nvSpPr>
-            <p:cNvPr id="12" name="Freeform: Shape 7">
-              <a:extLst>
-                <a:ext uri="{FF2B5EF4-FFF2-40B4-BE49-F238E27FC236}">
-                  <a16:creationId xmlns:a16="http://schemas.microsoft.com/office/drawing/2014/main" id="{59903C17-0733-BE0C-7392-283FEC2E98B0}"/>
-                </a:ext>
-              </a:extLst>
-            </p:cNvPr>
-            <p:cNvSpPr/>
-            <p:nvPr/>
-          </p:nvSpPr>
-          <p:spPr>
-            <a:xfrm flipH="1">
-              <a:off x="123536" y="5717905"/>
-              <a:ext cx="1771609" cy="1140095"/>
-            </a:xfrm>
-            <a:custGeom>
-              <a:avLst/>
-              <a:gdLst>
-                <a:gd name="connsiteX0" fmla="*/ 1561721 w 1771609"/>
-                <a:gd name="connsiteY0" fmla="*/ 763041 h 1140095"/>
-                <a:gd name="connsiteX1" fmla="*/ 1623024 w 1771609"/>
-                <a:gd name="connsiteY1" fmla="*/ 792810 h 1140095"/>
-                <a:gd name="connsiteX2" fmla="*/ 1711735 w 1771609"/>
-                <a:gd name="connsiteY2" fmla="*/ 970132 h 1140095"/>
-                <a:gd name="connsiteX3" fmla="*/ 1771609 w 1771609"/>
-                <a:gd name="connsiteY3" fmla="*/ 1140095 h 1140095"/>
-                <a:gd name="connsiteX4" fmla="*/ 1637225 w 1771609"/>
-                <a:gd name="connsiteY4" fmla="*/ 1140095 h 1140095"/>
-                <a:gd name="connsiteX5" fmla="*/ 1594820 w 1771609"/>
-                <a:gd name="connsiteY5" fmla="*/ 1019711 h 1140095"/>
-                <a:gd name="connsiteX6" fmla="*/ 1513200 w 1771609"/>
-                <a:gd name="connsiteY6" fmla="*/ 856627 h 1140095"/>
-                <a:gd name="connsiteX7" fmla="*/ 1538499 w 1771609"/>
-                <a:gd name="connsiteY7" fmla="*/ 770415 h 1140095"/>
-                <a:gd name="connsiteX8" fmla="*/ 1561721 w 1771609"/>
-                <a:gd name="connsiteY8" fmla="*/ 763041 h 1140095"/>
-                <a:gd name="connsiteX9" fmla="*/ 933455 w 1771609"/>
-                <a:gd name="connsiteY9" fmla="*/ 161309 h 1140095"/>
-                <a:gd name="connsiteX10" fmla="*/ 957797 w 1771609"/>
-                <a:gd name="connsiteY10" fmla="*/ 167970 h 1140095"/>
-                <a:gd name="connsiteX11" fmla="*/ 1286982 w 1771609"/>
-                <a:gd name="connsiteY11" fmla="*/ 387616 h 1140095"/>
-                <a:gd name="connsiteX12" fmla="*/ 1293725 w 1771609"/>
-                <a:gd name="connsiteY12" fmla="*/ 477075 h 1140095"/>
-                <a:gd name="connsiteX13" fmla="*/ 1245453 w 1771609"/>
-                <a:gd name="connsiteY13" fmla="*/ 499154 h 1140095"/>
-                <a:gd name="connsiteX14" fmla="*/ 1245167 w 1771609"/>
-                <a:gd name="connsiteY14" fmla="*/ 499154 h 1140095"/>
-                <a:gd name="connsiteX15" fmla="*/ 1203638 w 1771609"/>
-                <a:gd name="connsiteY15" fmla="*/ 484104 h 1140095"/>
-                <a:gd name="connsiteX16" fmla="*/ 900647 w 1771609"/>
-                <a:gd name="connsiteY16" fmla="*/ 281508 h 1140095"/>
-                <a:gd name="connsiteX17" fmla="*/ 872454 w 1771609"/>
-                <a:gd name="connsiteY17" fmla="*/ 196164 h 1140095"/>
-                <a:gd name="connsiteX18" fmla="*/ 933455 w 1771609"/>
-                <a:gd name="connsiteY18" fmla="*/ 161309 h 1140095"/>
-                <a:gd name="connsiteX19" fmla="*/ 256260 w 1771609"/>
-                <a:gd name="connsiteY19" fmla="*/ 29 h 1140095"/>
-                <a:gd name="connsiteX20" fmla="*/ 454020 w 1771609"/>
-                <a:gd name="connsiteY20" fmla="*/ 13474 h 1140095"/>
-                <a:gd name="connsiteX21" fmla="*/ 509236 w 1771609"/>
-                <a:gd name="connsiteY21" fmla="*/ 84182 h 1140095"/>
-                <a:gd name="connsiteX22" fmla="*/ 445829 w 1771609"/>
-                <a:gd name="connsiteY22" fmla="*/ 139871 h 1140095"/>
-                <a:gd name="connsiteX23" fmla="*/ 437447 w 1771609"/>
-                <a:gd name="connsiteY23" fmla="*/ 139395 h 1140095"/>
-                <a:gd name="connsiteX24" fmla="*/ 73211 w 1771609"/>
-                <a:gd name="connsiteY24" fmla="*/ 137204 h 1140095"/>
-                <a:gd name="connsiteX25" fmla="*/ 749 w 1771609"/>
-                <a:gd name="connsiteY25" fmla="*/ 84082 h 1140095"/>
-                <a:gd name="connsiteX26" fmla="*/ 53871 w 1771609"/>
-                <a:gd name="connsiteY26" fmla="*/ 11621 h 1140095"/>
-                <a:gd name="connsiteX27" fmla="*/ 58352 w 1771609"/>
-                <a:gd name="connsiteY27" fmla="*/ 11093 h 1140095"/>
-                <a:gd name="connsiteX28" fmla="*/ 256260 w 1771609"/>
-                <a:gd name="connsiteY28" fmla="*/ 29 h 1140095"/>
-              </a:gdLst>
-              <a:ahLst/>
-              <a:cxnLst>
-                <a:cxn ang="0">
-                  <a:pos x="connsiteX0" y="connsiteY0"/>
-                </a:cxn>
-                <a:cxn ang="0">
-                  <a:pos x="connsiteX1" y="connsiteY1"/>
-                </a:cxn>
-                <a:cxn ang="0">
-                  <a:pos x="connsiteX2" y="connsiteY2"/>
-                </a:cxn>
-                <a:cxn ang="0">
-                  <a:pos x="connsiteX3" y="connsiteY3"/>
-                </a:cxn>
-                <a:cxn ang="0">
-                  <a:pos x="connsiteX4" y="connsiteY4"/>
-                </a:cxn>
-                <a:cxn ang="0">
-                  <a:pos x="connsiteX5" y="connsiteY5"/>
-                </a:cxn>
-                <a:cxn ang="0">
-                  <a:pos x="connsiteX6" y="connsiteY6"/>
-                </a:cxn>
-                <a:cxn ang="0">
-                  <a:pos x="connsiteX7" y="connsiteY7"/>
-                </a:cxn>
-                <a:cxn ang="0">
-                  <a:pos x="connsiteX8" y="connsiteY8"/>
-                </a:cxn>
-                <a:cxn ang="0">
-                  <a:pos x="connsiteX9" y="connsiteY9"/>
-                </a:cxn>
-                <a:cxn ang="0">
-                  <a:pos x="connsiteX10" y="connsiteY10"/>
-                </a:cxn>
-                <a:cxn ang="0">
-                  <a:pos x="connsiteX11" y="connsiteY11"/>
-                </a:cxn>
-                <a:cxn ang="0">
-                  <a:pos x="connsiteX12" y="connsiteY12"/>
-                </a:cxn>
-                <a:cxn ang="0">
-                  <a:pos x="connsiteX13" y="connsiteY13"/>
-                </a:cxn>
-                <a:cxn ang="0">
-                  <a:pos x="connsiteX14" y="connsiteY14"/>
-                </a:cxn>
-                <a:cxn ang="0">
-                  <a:pos x="connsiteX15" y="connsiteY15"/>
-                </a:cxn>
-                <a:cxn ang="0">
-                  <a:pos x="connsiteX16" y="connsiteY16"/>
-                </a:cxn>
-                <a:cxn ang="0">
-                  <a:pos x="connsiteX17" y="connsiteY17"/>
-                </a:cxn>
-                <a:cxn ang="0">
-                  <a:pos x="connsiteX18" y="connsiteY18"/>
-                </a:cxn>
-                <a:cxn ang="0">
-                  <a:pos x="connsiteX19" y="connsiteY19"/>
-                </a:cxn>
-                <a:cxn ang="0">
-                  <a:pos x="connsiteX20" y="connsiteY20"/>
-                </a:cxn>
-                <a:cxn ang="0">
-                  <a:pos x="connsiteX21" y="connsiteY21"/>
-                </a:cxn>
-                <a:cxn ang="0">
-                  <a:pos x="connsiteX22" y="connsiteY22"/>
-                </a:cxn>
-                <a:cxn ang="0">
-                  <a:pos x="connsiteX23" y="connsiteY23"/>
-                </a:cxn>
-                <a:cxn ang="0">
-                  <a:pos x="connsiteX24" y="connsiteY24"/>
-                </a:cxn>
-                <a:cxn ang="0">
-                  <a:pos x="connsiteX25" y="connsiteY25"/>
-                </a:cxn>
-                <a:cxn ang="0">
-                  <a:pos x="connsiteX26" y="connsiteY26"/>
-                </a:cxn>
-                <a:cxn ang="0">
-                  <a:pos x="connsiteX27" y="connsiteY27"/>
-                </a:cxn>
-                <a:cxn ang="0">
-                  <a:pos x="connsiteX28" y="connsiteY28"/>
-                </a:cxn>
-              </a:cxnLst>
-              <a:rect l="l" t="t" r="r" b="b"/>
-              <a:pathLst>
-                <a:path w="1771609" h="1140095">
-                  <a:moveTo>
-                    <a:pt x="1561721" y="763041"/>
-                  </a:moveTo>
-                  <a:cubicBezTo>
-                    <a:pt x="1585506" y="760324"/>
-                    <a:pt x="1609722" y="771249"/>
-                    <a:pt x="1623024" y="792810"/>
-                  </a:cubicBezTo>
-                  <a:cubicBezTo>
-                    <a:pt x="1656300" y="850065"/>
-                    <a:pt x="1685920" y="909291"/>
-                    <a:pt x="1711735" y="970132"/>
-                  </a:cubicBezTo>
-                  <a:lnTo>
-                    <a:pt x="1771609" y="1140095"/>
-                  </a:lnTo>
-                  <a:lnTo>
-                    <a:pt x="1637225" y="1140095"/>
-                  </a:lnTo>
-                  <a:lnTo>
-                    <a:pt x="1594820" y="1019711"/>
-                  </a:lnTo>
-                  <a:cubicBezTo>
-                    <a:pt x="1571072" y="963753"/>
-                    <a:pt x="1543818" y="909282"/>
-                    <a:pt x="1513200" y="856627"/>
-                  </a:cubicBezTo>
-                  <a:cubicBezTo>
-                    <a:pt x="1496379" y="825834"/>
-                    <a:pt x="1507704" y="787236"/>
-                    <a:pt x="1538499" y="770415"/>
-                  </a:cubicBezTo>
-                  <a:cubicBezTo>
-                    <a:pt x="1545912" y="766367"/>
-                    <a:pt x="1553792" y="763946"/>
-                    <a:pt x="1561721" y="763041"/>
-                  </a:cubicBezTo>
-                  <a:close/>
-                  <a:moveTo>
-                    <a:pt x="933455" y="161309"/>
-                  </a:moveTo>
-                  <a:cubicBezTo>
-                    <a:pt x="941693" y="161855"/>
-                    <a:pt x="949959" y="164025"/>
-                    <a:pt x="957797" y="167970"/>
-                  </a:cubicBezTo>
-                  <a:cubicBezTo>
-                    <a:pt x="1076184" y="227289"/>
-                    <a:pt x="1186759" y="301068"/>
-                    <a:pt x="1286982" y="387616"/>
-                  </a:cubicBezTo>
-                  <a:cubicBezTo>
-                    <a:pt x="1313547" y="410457"/>
-                    <a:pt x="1316566" y="450510"/>
-                    <a:pt x="1293725" y="477075"/>
-                  </a:cubicBezTo>
-                  <a:cubicBezTo>
-                    <a:pt x="1281638" y="491137"/>
-                    <a:pt x="1263998" y="499204"/>
-                    <a:pt x="1245453" y="499154"/>
-                  </a:cubicBezTo>
-                  <a:lnTo>
-                    <a:pt x="1245167" y="499154"/>
-                  </a:lnTo>
-                  <a:cubicBezTo>
-                    <a:pt x="1229965" y="499301"/>
-                    <a:pt x="1215220" y="493956"/>
-                    <a:pt x="1203638" y="484104"/>
-                  </a:cubicBezTo>
-                  <a:cubicBezTo>
-                    <a:pt x="1111407" y="404300"/>
-                    <a:pt x="1009633" y="336248"/>
-                    <a:pt x="900647" y="281508"/>
-                  </a:cubicBezTo>
-                  <a:cubicBezTo>
-                    <a:pt x="869295" y="265726"/>
-                    <a:pt x="856672" y="227516"/>
-                    <a:pt x="872454" y="196164"/>
-                  </a:cubicBezTo>
-                  <a:cubicBezTo>
-                    <a:pt x="884290" y="172650"/>
-                    <a:pt x="908742" y="159670"/>
-                    <a:pt x="933455" y="161309"/>
-                  </a:cubicBezTo>
-                  <a:close/>
-                  <a:moveTo>
-                    <a:pt x="256260" y="29"/>
-                  </a:moveTo>
-                  <a:cubicBezTo>
-                    <a:pt x="322331" y="427"/>
-                    <a:pt x="388378" y="4909"/>
-                    <a:pt x="454020" y="13474"/>
-                  </a:cubicBezTo>
-                  <a:cubicBezTo>
-                    <a:pt x="488793" y="17752"/>
-                    <a:pt x="513514" y="49409"/>
-                    <a:pt x="509236" y="84182"/>
-                  </a:cubicBezTo>
-                  <a:cubicBezTo>
-                    <a:pt x="505303" y="116151"/>
-                    <a:pt x="478038" y="140098"/>
-                    <a:pt x="445829" y="139871"/>
-                  </a:cubicBezTo>
-                  <a:cubicBezTo>
-                    <a:pt x="443027" y="139899"/>
-                    <a:pt x="440227" y="139740"/>
-                    <a:pt x="437447" y="139395"/>
-                  </a:cubicBezTo>
-                  <a:cubicBezTo>
-                    <a:pt x="316592" y="123615"/>
-                    <a:pt x="194247" y="122878"/>
-                    <a:pt x="73211" y="137204"/>
-                  </a:cubicBezTo>
-                  <a:cubicBezTo>
-                    <a:pt x="38532" y="142545"/>
-                    <a:pt x="6090" y="118762"/>
-                    <a:pt x="749" y="84082"/>
-                  </a:cubicBezTo>
-                  <a:cubicBezTo>
-                    <a:pt x="-4591" y="49403"/>
-                    <a:pt x="19192" y="16961"/>
-                    <a:pt x="53871" y="11621"/>
-                  </a:cubicBezTo>
-                  <a:cubicBezTo>
-                    <a:pt x="55358" y="11392"/>
-                    <a:pt x="56852" y="11216"/>
-                    <a:pt x="58352" y="11093"/>
-                  </a:cubicBezTo>
-                  <a:cubicBezTo>
-                    <a:pt x="124093" y="3319"/>
-                    <a:pt x="190189" y="-369"/>
-                    <a:pt x="256260" y="29"/>
-                  </a:cubicBezTo>
-                  <a:close/>
-                </a:path>
-              </a:pathLst>
-            </a:custGeom>
-            <a:solidFill>
-              <a:schemeClr val="accent5"/>
-            </a:solidFill>
-            <a:ln w="9525" cap="flat">
-              <a:noFill/>
-              <a:prstDash val="solid"/>
-              <a:miter/>
-            </a:ln>
-          </p:spPr>
-          <p:txBody>
-            <a:bodyPr rtlCol="0" anchor="ctr"/>
-            <a:lstStyle/>
-            <a:p>
-              <a:pPr marL="0" marR="0" lvl="0" indent="0" algn="l" defTabSz="685800" rtl="0" eaLnBrk="1" fontAlgn="auto" latinLnBrk="0" hangingPunct="1">
-                <a:lnSpc>
-                  <a:spcPct val="100000"/>
-                </a:lnSpc>
-                <a:spcBef>
-                  <a:spcPts val="0"/>
-                </a:spcBef>
-                <a:spcAft>
-                  <a:spcPts val="0"/>
-                </a:spcAft>
-                <a:buClrTx/>
-                <a:buSzTx/>
-                <a:buFontTx/>
-                <a:buNone/>
-                <a:tabLst/>
-                <a:defRPr/>
-              </a:pPr>
-              <a:endParaRPr kumimoji="0" lang="en-US" sz="1400" b="0" i="0" u="none" strike="noStrike" kern="1200" cap="none" spc="0" normalizeH="0" baseline="0" noProof="0" dirty="0">
-                <a:ln>
-                  <a:noFill/>
-                </a:ln>
-                <a:solidFill>
-                  <a:prstClr val="black"/>
-                </a:solidFill>
-                <a:effectLst/>
-                <a:uLnTx/>
-                <a:uFillTx/>
-                <a:latin typeface="Calibri" panose="020F0502020204030204"/>
-                <a:ea typeface="+mn-ea"/>
-                <a:cs typeface="+mn-cs"/>
-              </a:endParaRPr>
-            </a:p>
-          </p:txBody>
-        </p:sp>
-        <p:sp>
-          <p:nvSpPr>
-            <p:cNvPr id="13" name="Freeform: Shape 1">
-              <a:extLst>
-                <a:ext uri="{FF2B5EF4-FFF2-40B4-BE49-F238E27FC236}">
-                  <a16:creationId xmlns:a16="http://schemas.microsoft.com/office/drawing/2014/main" id="{898A3450-9C87-13ED-79CC-F4F65D14FF72}"/>
-                </a:ext>
-              </a:extLst>
-            </p:cNvPr>
-            <p:cNvSpPr/>
-            <p:nvPr userDrawn="1"/>
-          </p:nvSpPr>
-          <p:spPr>
-            <a:xfrm>
-              <a:off x="10494433" y="2"/>
-              <a:ext cx="849328" cy="357668"/>
-            </a:xfrm>
-            <a:custGeom>
-              <a:avLst/>
-              <a:gdLst>
-                <a:gd name="connsiteX0" fmla="*/ 0 w 1135066"/>
-                <a:gd name="connsiteY0" fmla="*/ 0 h 477997"/>
-                <a:gd name="connsiteX1" fmla="*/ 1135066 w 1135066"/>
-                <a:gd name="connsiteY1" fmla="*/ 0 h 477997"/>
-                <a:gd name="connsiteX2" fmla="*/ 1133370 w 1135066"/>
-                <a:gd name="connsiteY2" fmla="*/ 16827 h 477997"/>
-                <a:gd name="connsiteX3" fmla="*/ 567533 w 1135066"/>
-                <a:gd name="connsiteY3" fmla="*/ 477997 h 477997"/>
-                <a:gd name="connsiteX4" fmla="*/ 1696 w 1135066"/>
-                <a:gd name="connsiteY4" fmla="*/ 16827 h 477997"/>
-              </a:gdLst>
-              <a:ahLst/>
-              <a:cxnLst>
-                <a:cxn ang="0">
-                  <a:pos x="connsiteX0" y="connsiteY0"/>
-                </a:cxn>
-                <a:cxn ang="0">
-                  <a:pos x="connsiteX1" y="connsiteY1"/>
-                </a:cxn>
-                <a:cxn ang="0">
-                  <a:pos x="connsiteX2" y="connsiteY2"/>
-                </a:cxn>
-                <a:cxn ang="0">
-                  <a:pos x="connsiteX3" y="connsiteY3"/>
-                </a:cxn>
-                <a:cxn ang="0">
-                  <a:pos x="connsiteX4" y="connsiteY4"/>
-                </a:cxn>
-              </a:cxnLst>
-              <a:rect l="l" t="t" r="r" b="b"/>
-              <a:pathLst>
-                <a:path w="1135066" h="477997">
-                  <a:moveTo>
-                    <a:pt x="0" y="0"/>
-                  </a:moveTo>
-                  <a:lnTo>
-                    <a:pt x="1135066" y="0"/>
-                  </a:lnTo>
-                  <a:lnTo>
-                    <a:pt x="1133370" y="16827"/>
-                  </a:lnTo>
-                  <a:cubicBezTo>
-                    <a:pt x="1079514" y="280016"/>
-                    <a:pt x="846644" y="477997"/>
-                    <a:pt x="567533" y="477997"/>
-                  </a:cubicBezTo>
-                  <a:cubicBezTo>
-                    <a:pt x="288422" y="477997"/>
-                    <a:pt x="55552" y="280016"/>
-                    <a:pt x="1696" y="16827"/>
-                  </a:cubicBezTo>
-                  <a:close/>
-                </a:path>
-              </a:pathLst>
-            </a:custGeom>
-            <a:solidFill>
-              <a:schemeClr val="accent4"/>
-            </a:solidFill>
-            <a:ln>
-              <a:noFill/>
-            </a:ln>
-          </p:spPr>
-          <p:style>
-            <a:lnRef idx="2">
-              <a:schemeClr val="accent1">
-                <a:shade val="50000"/>
-              </a:schemeClr>
-            </a:lnRef>
-            <a:fillRef idx="1">
-              <a:schemeClr val="accent1"/>
-            </a:fillRef>
-            <a:effectRef idx="0">
-              <a:schemeClr val="accent1"/>
-            </a:effectRef>
-            <a:fontRef idx="minor">
-              <a:schemeClr val="lt1"/>
-            </a:fontRef>
-          </p:style>
-          <p:txBody>
-            <a:bodyPr wrap="square" rtlCol="0" anchor="ctr">
-              <a:noAutofit/>
-            </a:bodyPr>
-            <a:lstStyle/>
-            <a:p>
-              <a:pPr marL="0" marR="0" lvl="0" indent="0" algn="ctr" defTabSz="685800" rtl="0" eaLnBrk="1" fontAlgn="auto" latinLnBrk="0" hangingPunct="1">
-                <a:lnSpc>
-                  <a:spcPct val="100000"/>
-                </a:lnSpc>
-                <a:spcBef>
-                  <a:spcPts val="0"/>
-                </a:spcBef>
-                <a:spcAft>
-                  <a:spcPts val="0"/>
-                </a:spcAft>
-                <a:buClrTx/>
-                <a:buSzTx/>
-                <a:buFontTx/>
-                <a:buNone/>
-                <a:tabLst/>
-                <a:defRPr/>
-              </a:pPr>
-              <a:endParaRPr kumimoji="0" lang="en-US" sz="1400" b="0" i="0" u="none" strike="noStrike" kern="1200" cap="none" spc="0" normalizeH="0" baseline="0" noProof="0" dirty="0">
-                <a:ln>
-                  <a:noFill/>
-                </a:ln>
-                <a:solidFill>
-                  <a:prstClr val="white"/>
-                </a:solidFill>
-                <a:effectLst/>
-                <a:uLnTx/>
-                <a:uFillTx/>
-                <a:latin typeface="Calibri" panose="020F0502020204030204"/>
-                <a:ea typeface="+mn-ea"/>
-                <a:cs typeface="+mn-cs"/>
-              </a:endParaRPr>
-            </a:p>
-          </p:txBody>
-        </p:sp>
-      </p:grpSp>
-      <p:sp>
-        <p:nvSpPr>
-          <p:cNvPr id="2" name="Title 1">
-            <a:extLst>
-              <a:ext uri="{FF2B5EF4-FFF2-40B4-BE49-F238E27FC236}">
-                <a16:creationId xmlns:a16="http://schemas.microsoft.com/office/drawing/2014/main" id="{0C40C44A-93E6-6C58-5E88-AFDC594EC27A}"/>
-              </a:ext>
-            </a:extLst>
-          </p:cNvPr>
-          <p:cNvSpPr>
-            <a:spLocks noGrp="1"/>
-          </p:cNvSpPr>
-          <p:nvPr>
-            <p:ph type="title" hasCustomPrompt="1"/>
-          </p:nvPr>
-        </p:nvSpPr>
-        <p:spPr/>
-        <p:txBody>
-          <a:bodyPr anchor="ctr" anchorCtr="0">
-            <a:noAutofit/>
-          </a:bodyPr>
-          <a:lstStyle>
-            <a:lvl1pPr>
-              <a:defRPr/>
-            </a:lvl1pPr>
-          </a:lstStyle>
-          <a:p>
-            <a:r>
-              <a:rPr lang="en-US" dirty="0"/>
-              <a:t>Click to add title</a:t>
-            </a:r>
-          </a:p>
-        </p:txBody>
-      </p:sp>
-      <p:sp>
-        <p:nvSpPr>
-          <p:cNvPr id="3" name="Content Placeholder 2">
-            <a:extLst>
-              <a:ext uri="{FF2B5EF4-FFF2-40B4-BE49-F238E27FC236}">
-                <a16:creationId xmlns:a16="http://schemas.microsoft.com/office/drawing/2014/main" id="{0C813049-5F46-053E-6279-8183259649A6}"/>
-              </a:ext>
-            </a:extLst>
-          </p:cNvPr>
-          <p:cNvSpPr>
-            <a:spLocks noGrp="1"/>
-          </p:cNvSpPr>
-          <p:nvPr>
-            <p:ph sz="half" idx="1" hasCustomPrompt="1"/>
-          </p:nvPr>
-        </p:nvSpPr>
-        <p:spPr>
-          <a:xfrm>
-            <a:off x="628650" y="1369219"/>
-            <a:ext cx="2161847" cy="3223259"/>
-          </a:xfrm>
-        </p:spPr>
-        <p:txBody>
-          <a:bodyPr>
-            <a:normAutofit/>
-          </a:bodyPr>
-          <a:lstStyle>
-            <a:lvl1pPr marL="0" indent="0">
-              <a:spcBef>
-                <a:spcPts val="750"/>
-              </a:spcBef>
-              <a:spcAft>
-                <a:spcPts val="600"/>
-              </a:spcAft>
-              <a:buNone/>
-              <a:defRPr sz="1400"/>
-            </a:lvl1pPr>
-            <a:lvl2pPr marL="557213" indent="-214313">
-              <a:spcBef>
-                <a:spcPts val="750"/>
-              </a:spcBef>
-              <a:spcAft>
-                <a:spcPts val="600"/>
-              </a:spcAft>
-              <a:buClr>
-                <a:schemeClr val="accent2"/>
-              </a:buClr>
-              <a:buFont typeface="Arial" panose="020B0604020202020204" pitchFamily="34" charset="0"/>
-              <a:buChar char="•"/>
-              <a:defRPr sz="1200"/>
-            </a:lvl2pPr>
-            <a:lvl3pPr marL="900113" indent="-214313">
-              <a:spcBef>
-                <a:spcPts val="750"/>
-              </a:spcBef>
-              <a:spcAft>
-                <a:spcPts val="600"/>
-              </a:spcAft>
-              <a:buClr>
-                <a:schemeClr val="accent2"/>
-              </a:buClr>
-              <a:buFont typeface="Arial" panose="020B0604020202020204" pitchFamily="34" charset="0"/>
-              <a:buChar char="•"/>
-              <a:defRPr sz="1100"/>
-            </a:lvl3pPr>
-            <a:lvl4pPr marL="1157288" indent="-128588">
-              <a:spcBef>
-                <a:spcPts val="750"/>
-              </a:spcBef>
-              <a:spcAft>
-                <a:spcPts val="600"/>
-              </a:spcAft>
-              <a:buClr>
-                <a:schemeClr val="accent2"/>
-              </a:buClr>
-              <a:buFont typeface="Arial" panose="020B0604020202020204" pitchFamily="34" charset="0"/>
-              <a:buChar char="•"/>
-              <a:defRPr sz="900"/>
-            </a:lvl4pPr>
-            <a:lvl5pPr marL="1500188" indent="-128588">
-              <a:spcBef>
-                <a:spcPts val="750"/>
-              </a:spcBef>
-              <a:spcAft>
-                <a:spcPts val="600"/>
-              </a:spcAft>
-              <a:buClr>
-                <a:schemeClr val="accent2"/>
-              </a:buClr>
-              <a:buFont typeface="Arial" panose="020B0604020202020204" pitchFamily="34" charset="0"/>
-              <a:buChar char="•"/>
-              <a:defRPr sz="900"/>
-            </a:lvl5pPr>
-          </a:lstStyle>
-          <a:p>
-            <a:pPr lvl="0"/>
-            <a:r>
-              <a:rPr lang="en-US" dirty="0"/>
-              <a:t>Click to add content</a:t>
-            </a:r>
-          </a:p>
-          <a:p>
-            <a:pPr lvl="1"/>
-            <a:r>
-              <a:rPr lang="en-US" dirty="0"/>
-              <a:t>Second level</a:t>
-            </a:r>
-          </a:p>
-          <a:p>
-            <a:pPr lvl="2"/>
-            <a:r>
-              <a:rPr lang="en-US" dirty="0"/>
-              <a:t>Third level</a:t>
-            </a:r>
-          </a:p>
-          <a:p>
-            <a:pPr lvl="3"/>
-            <a:r>
-              <a:rPr lang="en-US" dirty="0"/>
-              <a:t>Fourth level</a:t>
-            </a:r>
-          </a:p>
-          <a:p>
-            <a:pPr lvl="4"/>
-            <a:r>
-              <a:rPr lang="en-US" dirty="0"/>
-              <a:t>Fifth level</a:t>
-            </a:r>
-          </a:p>
-        </p:txBody>
-      </p:sp>
-      <p:sp>
-        <p:nvSpPr>
-          <p:cNvPr id="8" name="Table Placeholder 7">
-            <a:extLst>
-              <a:ext uri="{FF2B5EF4-FFF2-40B4-BE49-F238E27FC236}">
-                <a16:creationId xmlns:a16="http://schemas.microsoft.com/office/drawing/2014/main" id="{423FEB60-8FB5-7F10-EDD7-8AB4B3139EF6}"/>
-              </a:ext>
-            </a:extLst>
-          </p:cNvPr>
-          <p:cNvSpPr>
-            <a:spLocks noGrp="1"/>
-          </p:cNvSpPr>
-          <p:nvPr>
-            <p:ph type="tbl" sz="quarter" idx="13"/>
-          </p:nvPr>
-        </p:nvSpPr>
-        <p:spPr>
-          <a:xfrm>
-            <a:off x="3028950" y="1369219"/>
-            <a:ext cx="5486399" cy="3223260"/>
-          </a:xfrm>
-        </p:spPr>
-        <p:txBody>
-          <a:bodyPr>
-            <a:normAutofit/>
-          </a:bodyPr>
-          <a:lstStyle>
-            <a:lvl1pPr marL="0" indent="0">
-              <a:buNone/>
-              <a:defRPr sz="1800"/>
-            </a:lvl1pPr>
-          </a:lstStyle>
-          <a:p>
-            <a:r>
-              <a:rPr lang="en-US" dirty="0"/>
-              <a:t>Click icon to add table</a:t>
-            </a:r>
-          </a:p>
-        </p:txBody>
-      </p:sp>
-      <p:sp>
-        <p:nvSpPr>
-          <p:cNvPr id="5" name="Date Placeholder 4">
-            <a:extLst>
-              <a:ext uri="{FF2B5EF4-FFF2-40B4-BE49-F238E27FC236}">
-                <a16:creationId xmlns:a16="http://schemas.microsoft.com/office/drawing/2014/main" id="{C6CFCEB5-4092-FD13-478E-51CD74FDB82E}"/>
-              </a:ext>
-            </a:extLst>
-          </p:cNvPr>
-          <p:cNvSpPr>
-            <a:spLocks noGrp="1"/>
-          </p:cNvSpPr>
-          <p:nvPr>
-            <p:ph type="dt" sz="half" idx="10"/>
-          </p:nvPr>
-        </p:nvSpPr>
-        <p:spPr/>
-        <p:txBody>
-          <a:bodyPr/>
-          <a:lstStyle/>
-          <a:p>
-            <a:fld id="{D6D8061D-18C3-4F4F-85EF-561633F58754}" type="datetimeFigureOut">
-              <a:rPr lang="en-US" smtClean="0"/>
-              <a:pPr/>
-              <a:t>10/12/2024</a:t>
-            </a:fld>
-            <a:endParaRPr lang="en-US" dirty="0"/>
-          </a:p>
-        </p:txBody>
-      </p:sp>
-      <p:sp>
-        <p:nvSpPr>
-          <p:cNvPr id="6" name="Footer Placeholder 5">
-            <a:extLst>
-              <a:ext uri="{FF2B5EF4-FFF2-40B4-BE49-F238E27FC236}">
-                <a16:creationId xmlns:a16="http://schemas.microsoft.com/office/drawing/2014/main" id="{5D077A4D-E7C0-912D-293F-D93F0CB5CA49}"/>
-              </a:ext>
-            </a:extLst>
-          </p:cNvPr>
-          <p:cNvSpPr>
-            <a:spLocks noGrp="1"/>
-          </p:cNvSpPr>
-          <p:nvPr>
-            <p:ph type="ftr" sz="quarter" idx="11"/>
-          </p:nvPr>
-        </p:nvSpPr>
-        <p:spPr/>
-        <p:txBody>
-          <a:bodyPr/>
-          <a:lstStyle/>
-          <a:p>
-            <a:endParaRPr lang="en-US" dirty="0"/>
-          </a:p>
-        </p:txBody>
-      </p:sp>
-      <p:sp>
-        <p:nvSpPr>
-          <p:cNvPr id="7" name="Slide Number Placeholder 6">
-            <a:extLst>
-              <a:ext uri="{FF2B5EF4-FFF2-40B4-BE49-F238E27FC236}">
-                <a16:creationId xmlns:a16="http://schemas.microsoft.com/office/drawing/2014/main" id="{CA6AA9E1-334B-5F8F-8A92-67DD095F7838}"/>
-              </a:ext>
-            </a:extLst>
-          </p:cNvPr>
-          <p:cNvSpPr>
-            <a:spLocks noGrp="1"/>
-          </p:cNvSpPr>
-          <p:nvPr>
-            <p:ph type="sldNum" sz="quarter" idx="12"/>
-          </p:nvPr>
-        </p:nvSpPr>
-        <p:spPr/>
-        <p:txBody>
-          <a:bodyPr/>
-          <a:lstStyle/>
-          <a:p>
-            <a:fld id="{CBD12358-51D2-46B3-9BDE-DF29528B9454}" type="slidenum">
-              <a:rPr lang="en-US" smtClean="0"/>
-              <a:pPr/>
-              <a:t>‹#›</a:t>
-            </a:fld>
-            <a:endParaRPr lang="en-US" dirty="0"/>
-          </a:p>
-        </p:txBody>
-      </p:sp>
-    </p:spTree>
-    <p:extLst>
-      <p:ext uri="{BB962C8B-B14F-4D97-AF65-F5344CB8AC3E}">
-        <p14:creationId xmlns:p14="http://schemas.microsoft.com/office/powerpoint/2010/main" val="280815037"/>
-      </p:ext>
-    </p:extLst>
-  </p:cSld>
-  <p:clrMapOvr>
-    <a:masterClrMapping/>
-  </p:clrMapOvr>
-</p:sldLayout>
-</file>
-
-<file path=ppt/slideLayouts/slideLayout11.xml><?xml version="1.0" encoding="utf-8"?>
-<p:sldLayout xmlns:a="http://schemas.openxmlformats.org/drawingml/2006/main" xmlns:r="http://schemas.openxmlformats.org/officeDocument/2006/relationships" xmlns:p="http://schemas.openxmlformats.org/presentationml/2006/main" preserve="1" userDrawn="1">
   <p:cSld name="Two Content 3">
     <p:spTree>
       <p:nvGrpSpPr>
@@ -7773,7 +6935,7 @@
 </p:sldLayout>
 </file>
 
-<file path=ppt/slideLayouts/slideLayout12.xml><?xml version="1.0" encoding="utf-8"?>
+<file path=ppt/slideLayouts/slideLayout11.xml><?xml version="1.0" encoding="utf-8"?>
 <p:sldLayout xmlns:a="http://schemas.openxmlformats.org/drawingml/2006/main" xmlns:r="http://schemas.openxmlformats.org/officeDocument/2006/relationships" xmlns:p="http://schemas.openxmlformats.org/presentationml/2006/main" preserve="1" userDrawn="1">
   <p:cSld name="Table">
     <p:spTree>
@@ -7957,7 +7119,7 @@
 </p:sldLayout>
 </file>
 
-<file path=ppt/slideLayouts/slideLayout13.xml><?xml version="1.0" encoding="utf-8"?>
+<file path=ppt/slideLayouts/slideLayout12.xml><?xml version="1.0" encoding="utf-8"?>
 <p:sldLayout xmlns:a="http://schemas.openxmlformats.org/drawingml/2006/main" xmlns:r="http://schemas.openxmlformats.org/officeDocument/2006/relationships" xmlns:p="http://schemas.openxmlformats.org/presentationml/2006/main" preserve="1" userDrawn="1">
   <p:cSld name="Content 3">
     <p:spTree>
@@ -10096,970 +9258,6 @@
 </file>
 
 <file path=ppt/slideLayouts/slideLayout4.xml><?xml version="1.0" encoding="utf-8"?>
-<p:sldLayout xmlns:a="http://schemas.openxmlformats.org/drawingml/2006/main" xmlns:r="http://schemas.openxmlformats.org/officeDocument/2006/relationships" xmlns:p="http://schemas.openxmlformats.org/presentationml/2006/main" userDrawn="1">
-  <p:cSld name="Summary">
-    <p:spTree>
-      <p:nvGrpSpPr>
-        <p:cNvPr id="1" name=""/>
-        <p:cNvGrpSpPr/>
-        <p:nvPr/>
-      </p:nvGrpSpPr>
-      <p:grpSpPr>
-        <a:xfrm>
-          <a:off x="0" y="0"/>
-          <a:ext cx="0" cy="0"/>
-          <a:chOff x="0" y="0"/>
-          <a:chExt cx="0" cy="0"/>
-        </a:xfrm>
-      </p:grpSpPr>
-      <p:grpSp>
-        <p:nvGrpSpPr>
-          <p:cNvPr id="2" name="Group 1">
-            <a:extLst>
-              <a:ext uri="{FF2B5EF4-FFF2-40B4-BE49-F238E27FC236}">
-                <a16:creationId xmlns:a16="http://schemas.microsoft.com/office/drawing/2014/main" id="{BCB8A6E1-44B2-54E1-6460-1C9B27EE75FD}"/>
-              </a:ext>
-              <a:ext uri="{C183D7F6-B498-43B3-948B-1728B52AA6E4}">
-                <adec:decorative xmlns:adec="http://schemas.microsoft.com/office/drawing/2017/decorative" val="1"/>
-              </a:ext>
-            </a:extLst>
-          </p:cNvPr>
-          <p:cNvGrpSpPr/>
-          <p:nvPr userDrawn="1"/>
-        </p:nvGrpSpPr>
-        <p:grpSpPr>
-          <a:xfrm>
-            <a:off x="0" y="0"/>
-            <a:ext cx="4274184" cy="5143501"/>
-            <a:chOff x="0" y="-1"/>
-            <a:chExt cx="5698912" cy="6858001"/>
-          </a:xfrm>
-        </p:grpSpPr>
-        <p:sp>
-          <p:nvSpPr>
-            <p:cNvPr id="12" name="Freeform: Shape 11">
-              <a:extLst>
-                <a:ext uri="{FF2B5EF4-FFF2-40B4-BE49-F238E27FC236}">
-                  <a16:creationId xmlns:a16="http://schemas.microsoft.com/office/drawing/2014/main" id="{D22D7888-22FA-4AA1-9BA4-CC61D6643D47}"/>
-                </a:ext>
-              </a:extLst>
-            </p:cNvPr>
-            <p:cNvSpPr/>
-            <p:nvPr userDrawn="1"/>
-          </p:nvSpPr>
-          <p:spPr>
-            <a:xfrm flipH="1">
-              <a:off x="530529" y="0"/>
-              <a:ext cx="1155142" cy="591009"/>
-            </a:xfrm>
-            <a:custGeom>
-              <a:avLst/>
-              <a:gdLst>
-                <a:gd name="connsiteX0" fmla="*/ 1355 w 1155142"/>
-                <a:gd name="connsiteY0" fmla="*/ 0 h 591009"/>
-                <a:gd name="connsiteX1" fmla="*/ 1153787 w 1155142"/>
-                <a:gd name="connsiteY1" fmla="*/ 0 h 591009"/>
-                <a:gd name="connsiteX2" fmla="*/ 1155142 w 1155142"/>
-                <a:gd name="connsiteY2" fmla="*/ 13438 h 591009"/>
-                <a:gd name="connsiteX3" fmla="*/ 577571 w 1155142"/>
-                <a:gd name="connsiteY3" fmla="*/ 591009 h 591009"/>
-                <a:gd name="connsiteX4" fmla="*/ 0 w 1155142"/>
-                <a:gd name="connsiteY4" fmla="*/ 13438 h 591009"/>
-              </a:gdLst>
-              <a:ahLst/>
-              <a:cxnLst>
-                <a:cxn ang="0">
-                  <a:pos x="connsiteX0" y="connsiteY0"/>
-                </a:cxn>
-                <a:cxn ang="0">
-                  <a:pos x="connsiteX1" y="connsiteY1"/>
-                </a:cxn>
-                <a:cxn ang="0">
-                  <a:pos x="connsiteX2" y="connsiteY2"/>
-                </a:cxn>
-                <a:cxn ang="0">
-                  <a:pos x="connsiteX3" y="connsiteY3"/>
-                </a:cxn>
-                <a:cxn ang="0">
-                  <a:pos x="connsiteX4" y="connsiteY4"/>
-                </a:cxn>
-              </a:cxnLst>
-              <a:rect l="l" t="t" r="r" b="b"/>
-              <a:pathLst>
-                <a:path w="1155142" h="591009">
-                  <a:moveTo>
-                    <a:pt x="1355" y="0"/>
-                  </a:moveTo>
-                  <a:lnTo>
-                    <a:pt x="1153787" y="0"/>
-                  </a:lnTo>
-                  <a:lnTo>
-                    <a:pt x="1155142" y="13438"/>
-                  </a:lnTo>
-                  <a:cubicBezTo>
-                    <a:pt x="1155142" y="332422"/>
-                    <a:pt x="896555" y="591009"/>
-                    <a:pt x="577571" y="591009"/>
-                  </a:cubicBezTo>
-                  <a:cubicBezTo>
-                    <a:pt x="258587" y="591009"/>
-                    <a:pt x="0" y="332422"/>
-                    <a:pt x="0" y="13438"/>
-                  </a:cubicBezTo>
-                  <a:close/>
-                </a:path>
-              </a:pathLst>
-            </a:custGeom>
-            <a:solidFill>
-              <a:schemeClr val="accent5"/>
-            </a:solidFill>
-            <a:ln>
-              <a:noFill/>
-            </a:ln>
-          </p:spPr>
-          <p:style>
-            <a:lnRef idx="2">
-              <a:schemeClr val="accent1">
-                <a:shade val="50000"/>
-              </a:schemeClr>
-            </a:lnRef>
-            <a:fillRef idx="1">
-              <a:schemeClr val="accent1"/>
-            </a:fillRef>
-            <a:effectRef idx="0">
-              <a:schemeClr val="accent1"/>
-            </a:effectRef>
-            <a:fontRef idx="minor">
-              <a:schemeClr val="lt1"/>
-            </a:fontRef>
-          </p:style>
-          <p:txBody>
-            <a:bodyPr wrap="square" rtlCol="0" anchor="ctr">
-              <a:noAutofit/>
-            </a:bodyPr>
-            <a:lstStyle/>
-            <a:p>
-              <a:pPr marL="0" marR="0" lvl="0" indent="0" algn="ctr" defTabSz="685800" rtl="0" eaLnBrk="1" fontAlgn="auto" latinLnBrk="0" hangingPunct="1">
-                <a:lnSpc>
-                  <a:spcPct val="100000"/>
-                </a:lnSpc>
-                <a:spcBef>
-                  <a:spcPts val="0"/>
-                </a:spcBef>
-                <a:spcAft>
-                  <a:spcPts val="0"/>
-                </a:spcAft>
-                <a:buClrTx/>
-                <a:buSzTx/>
-                <a:buFontTx/>
-                <a:buNone/>
-                <a:tabLst/>
-                <a:defRPr/>
-              </a:pPr>
-              <a:endParaRPr kumimoji="0" lang="en-US" sz="1400" b="0" i="0" u="none" strike="noStrike" kern="1200" cap="none" spc="0" normalizeH="0" baseline="0" noProof="0" dirty="0">
-                <a:ln>
-                  <a:noFill/>
-                </a:ln>
-                <a:solidFill>
-                  <a:prstClr val="white"/>
-                </a:solidFill>
-                <a:effectLst/>
-                <a:uLnTx/>
-                <a:uFillTx/>
-                <a:latin typeface="Calibri" panose="020F0502020204030204"/>
-                <a:ea typeface="+mn-ea"/>
-                <a:cs typeface="+mn-cs"/>
-              </a:endParaRPr>
-            </a:p>
-          </p:txBody>
-        </p:sp>
-        <p:sp>
-          <p:nvSpPr>
-            <p:cNvPr id="14" name="Freeform: Shape 13">
-              <a:extLst>
-                <a:ext uri="{FF2B5EF4-FFF2-40B4-BE49-F238E27FC236}">
-                  <a16:creationId xmlns:a16="http://schemas.microsoft.com/office/drawing/2014/main" id="{EBB6E464-8999-4773-A1F2-E6CAA990E572}"/>
-                </a:ext>
-              </a:extLst>
-            </p:cNvPr>
-            <p:cNvSpPr/>
-            <p:nvPr userDrawn="1"/>
-          </p:nvSpPr>
-          <p:spPr>
-            <a:xfrm flipH="1">
-              <a:off x="3961511" y="-1"/>
-              <a:ext cx="1737401" cy="959536"/>
-            </a:xfrm>
-            <a:custGeom>
-              <a:avLst/>
-              <a:gdLst>
-                <a:gd name="connsiteX0" fmla="*/ 0 w 1737401"/>
-                <a:gd name="connsiteY0" fmla="*/ 0 h 959536"/>
-                <a:gd name="connsiteX1" fmla="*/ 123825 w 1737401"/>
-                <a:gd name="connsiteY1" fmla="*/ 0 h 959536"/>
-                <a:gd name="connsiteX2" fmla="*/ 123825 w 1737401"/>
-                <a:gd name="connsiteY2" fmla="*/ 790277 h 959536"/>
-                <a:gd name="connsiteX3" fmla="*/ 1490095 w 1737401"/>
-                <a:gd name="connsiteY3" fmla="*/ 0 h 959536"/>
-                <a:gd name="connsiteX4" fmla="*/ 1737401 w 1737401"/>
-                <a:gd name="connsiteY4" fmla="*/ 0 h 959536"/>
-                <a:gd name="connsiteX5" fmla="*/ 92869 w 1737401"/>
-                <a:gd name="connsiteY5" fmla="*/ 951249 h 959536"/>
-                <a:gd name="connsiteX6" fmla="*/ 61913 w 1737401"/>
-                <a:gd name="connsiteY6" fmla="*/ 959536 h 959536"/>
-                <a:gd name="connsiteX7" fmla="*/ 0 w 1737401"/>
-                <a:gd name="connsiteY7" fmla="*/ 897624 h 959536"/>
-              </a:gdLst>
-              <a:ahLst/>
-              <a:cxnLst>
-                <a:cxn ang="0">
-                  <a:pos x="connsiteX0" y="connsiteY0"/>
-                </a:cxn>
-                <a:cxn ang="0">
-                  <a:pos x="connsiteX1" y="connsiteY1"/>
-                </a:cxn>
-                <a:cxn ang="0">
-                  <a:pos x="connsiteX2" y="connsiteY2"/>
-                </a:cxn>
-                <a:cxn ang="0">
-                  <a:pos x="connsiteX3" y="connsiteY3"/>
-                </a:cxn>
-                <a:cxn ang="0">
-                  <a:pos x="connsiteX4" y="connsiteY4"/>
-                </a:cxn>
-                <a:cxn ang="0">
-                  <a:pos x="connsiteX5" y="connsiteY5"/>
-                </a:cxn>
-                <a:cxn ang="0">
-                  <a:pos x="connsiteX6" y="connsiteY6"/>
-                </a:cxn>
-                <a:cxn ang="0">
-                  <a:pos x="connsiteX7" y="connsiteY7"/>
-                </a:cxn>
-              </a:cxnLst>
-              <a:rect l="l" t="t" r="r" b="b"/>
-              <a:pathLst>
-                <a:path w="1737401" h="959536">
-                  <a:moveTo>
-                    <a:pt x="0" y="0"/>
-                  </a:moveTo>
-                  <a:lnTo>
-                    <a:pt x="123825" y="0"/>
-                  </a:lnTo>
-                  <a:lnTo>
-                    <a:pt x="123825" y="790277"/>
-                  </a:lnTo>
-                  <a:lnTo>
-                    <a:pt x="1490095" y="0"/>
-                  </a:lnTo>
-                  <a:lnTo>
-                    <a:pt x="1737401" y="0"/>
-                  </a:lnTo>
-                  <a:lnTo>
-                    <a:pt x="92869" y="951249"/>
-                  </a:lnTo>
-                  <a:cubicBezTo>
-                    <a:pt x="83458" y="956688"/>
-                    <a:pt x="72780" y="959546"/>
-                    <a:pt x="61913" y="959536"/>
-                  </a:cubicBezTo>
-                  <a:cubicBezTo>
-                    <a:pt x="27719" y="959536"/>
-                    <a:pt x="0" y="931818"/>
-                    <a:pt x="0" y="897624"/>
-                  </a:cubicBezTo>
-                  <a:close/>
-                </a:path>
-              </a:pathLst>
-            </a:custGeom>
-            <a:solidFill>
-              <a:schemeClr val="accent6"/>
-            </a:solidFill>
-            <a:ln w="9525" cap="flat">
-              <a:noFill/>
-              <a:prstDash val="solid"/>
-              <a:miter/>
-            </a:ln>
-          </p:spPr>
-          <p:txBody>
-            <a:bodyPr rtlCol="0" anchor="ctr"/>
-            <a:lstStyle/>
-            <a:p>
-              <a:pPr marL="0" marR="0" lvl="0" indent="0" algn="l" defTabSz="685800" rtl="0" eaLnBrk="1" fontAlgn="auto" latinLnBrk="0" hangingPunct="1">
-                <a:lnSpc>
-                  <a:spcPct val="100000"/>
-                </a:lnSpc>
-                <a:spcBef>
-                  <a:spcPts val="0"/>
-                </a:spcBef>
-                <a:spcAft>
-                  <a:spcPts val="0"/>
-                </a:spcAft>
-                <a:buClrTx/>
-                <a:buSzTx/>
-                <a:buFontTx/>
-                <a:buNone/>
-                <a:tabLst/>
-                <a:defRPr/>
-              </a:pPr>
-              <a:endParaRPr kumimoji="0" lang="en-US" sz="1400" b="0" i="0" u="none" strike="noStrike" kern="1200" cap="none" spc="0" normalizeH="0" baseline="0" noProof="0" dirty="0">
-                <a:ln>
-                  <a:noFill/>
-                </a:ln>
-                <a:solidFill>
-                  <a:prstClr val="black"/>
-                </a:solidFill>
-                <a:effectLst/>
-                <a:uLnTx/>
-                <a:uFillTx/>
-                <a:latin typeface="Calibri" panose="020F0502020204030204"/>
-                <a:ea typeface="+mn-ea"/>
-                <a:cs typeface="+mn-cs"/>
-              </a:endParaRPr>
-            </a:p>
-          </p:txBody>
-        </p:sp>
-        <p:sp>
-          <p:nvSpPr>
-            <p:cNvPr id="18" name="Freeform: Shape 17">
-              <a:extLst>
-                <a:ext uri="{FF2B5EF4-FFF2-40B4-BE49-F238E27FC236}">
-                  <a16:creationId xmlns:a16="http://schemas.microsoft.com/office/drawing/2014/main" id="{1EA14BE8-FDD0-4434-9C3E-BFF78C22D9E3}"/>
-                </a:ext>
-              </a:extLst>
-            </p:cNvPr>
-            <p:cNvSpPr/>
-            <p:nvPr userDrawn="1"/>
-          </p:nvSpPr>
-          <p:spPr>
-            <a:xfrm flipH="1">
-              <a:off x="0" y="5835649"/>
-              <a:ext cx="1548180" cy="1022351"/>
-            </a:xfrm>
-            <a:custGeom>
-              <a:avLst/>
-              <a:gdLst>
-                <a:gd name="connsiteX0" fmla="*/ 61913 w 1548180"/>
-                <a:gd name="connsiteY0" fmla="*/ 0 h 1022351"/>
-                <a:gd name="connsiteX1" fmla="*/ 1548180 w 1548180"/>
-                <a:gd name="connsiteY1" fmla="*/ 0 h 1022351"/>
-                <a:gd name="connsiteX2" fmla="*/ 1548180 w 1548180"/>
-                <a:gd name="connsiteY2" fmla="*/ 123825 h 1022351"/>
-                <a:gd name="connsiteX3" fmla="*/ 123825 w 1548180"/>
-                <a:gd name="connsiteY3" fmla="*/ 123825 h 1022351"/>
-                <a:gd name="connsiteX4" fmla="*/ 123825 w 1548180"/>
-                <a:gd name="connsiteY4" fmla="*/ 1022351 h 1022351"/>
-                <a:gd name="connsiteX5" fmla="*/ 0 w 1548180"/>
-                <a:gd name="connsiteY5" fmla="*/ 1022351 h 1022351"/>
-                <a:gd name="connsiteX6" fmla="*/ 0 w 1548180"/>
-                <a:gd name="connsiteY6" fmla="*/ 61913 h 1022351"/>
-                <a:gd name="connsiteX7" fmla="*/ 61913 w 1548180"/>
-                <a:gd name="connsiteY7" fmla="*/ 0 h 1022351"/>
-              </a:gdLst>
-              <a:ahLst/>
-              <a:cxnLst>
-                <a:cxn ang="0">
-                  <a:pos x="connsiteX0" y="connsiteY0"/>
-                </a:cxn>
-                <a:cxn ang="0">
-                  <a:pos x="connsiteX1" y="connsiteY1"/>
-                </a:cxn>
-                <a:cxn ang="0">
-                  <a:pos x="connsiteX2" y="connsiteY2"/>
-                </a:cxn>
-                <a:cxn ang="0">
-                  <a:pos x="connsiteX3" y="connsiteY3"/>
-                </a:cxn>
-                <a:cxn ang="0">
-                  <a:pos x="connsiteX4" y="connsiteY4"/>
-                </a:cxn>
-                <a:cxn ang="0">
-                  <a:pos x="connsiteX5" y="connsiteY5"/>
-                </a:cxn>
-                <a:cxn ang="0">
-                  <a:pos x="connsiteX6" y="connsiteY6"/>
-                </a:cxn>
-                <a:cxn ang="0">
-                  <a:pos x="connsiteX7" y="connsiteY7"/>
-                </a:cxn>
-              </a:cxnLst>
-              <a:rect l="l" t="t" r="r" b="b"/>
-              <a:pathLst>
-                <a:path w="1548180" h="1022351">
-                  <a:moveTo>
-                    <a:pt x="61913" y="0"/>
-                  </a:moveTo>
-                  <a:lnTo>
-                    <a:pt x="1548180" y="0"/>
-                  </a:lnTo>
-                  <a:lnTo>
-                    <a:pt x="1548180" y="123825"/>
-                  </a:lnTo>
-                  <a:lnTo>
-                    <a:pt x="123825" y="123825"/>
-                  </a:lnTo>
-                  <a:lnTo>
-                    <a:pt x="123825" y="1022351"/>
-                  </a:lnTo>
-                  <a:lnTo>
-                    <a:pt x="0" y="1022351"/>
-                  </a:lnTo>
-                  <a:lnTo>
-                    <a:pt x="0" y="61913"/>
-                  </a:lnTo>
-                  <a:cubicBezTo>
-                    <a:pt x="0" y="27719"/>
-                    <a:pt x="27719" y="0"/>
-                    <a:pt x="61913" y="0"/>
-                  </a:cubicBezTo>
-                  <a:close/>
-                </a:path>
-              </a:pathLst>
-            </a:custGeom>
-            <a:solidFill>
-              <a:schemeClr val="accent6"/>
-            </a:solidFill>
-            <a:ln w="9525" cap="flat">
-              <a:noFill/>
-              <a:prstDash val="solid"/>
-              <a:miter/>
-            </a:ln>
-          </p:spPr>
-          <p:txBody>
-            <a:bodyPr rtlCol="0" anchor="ctr"/>
-            <a:lstStyle/>
-            <a:p>
-              <a:pPr marL="0" marR="0" lvl="0" indent="0" algn="l" defTabSz="685800" rtl="0" eaLnBrk="1" fontAlgn="auto" latinLnBrk="0" hangingPunct="1">
-                <a:lnSpc>
-                  <a:spcPct val="100000"/>
-                </a:lnSpc>
-                <a:spcBef>
-                  <a:spcPts val="0"/>
-                </a:spcBef>
-                <a:spcAft>
-                  <a:spcPts val="0"/>
-                </a:spcAft>
-                <a:buClrTx/>
-                <a:buSzTx/>
-                <a:buFontTx/>
-                <a:buNone/>
-                <a:tabLst/>
-                <a:defRPr/>
-              </a:pPr>
-              <a:endParaRPr kumimoji="0" lang="en-US" sz="1400" b="0" i="0" u="none" strike="noStrike" kern="1200" cap="none" spc="0" normalizeH="0" baseline="0" noProof="0" dirty="0">
-                <a:ln>
-                  <a:noFill/>
-                </a:ln>
-                <a:solidFill>
-                  <a:prstClr val="black"/>
-                </a:solidFill>
-                <a:effectLst/>
-                <a:uLnTx/>
-                <a:uFillTx/>
-                <a:latin typeface="Calibri" panose="020F0502020204030204"/>
-                <a:ea typeface="+mn-ea"/>
-                <a:cs typeface="+mn-cs"/>
-              </a:endParaRPr>
-            </a:p>
-          </p:txBody>
-        </p:sp>
-        <p:sp>
-          <p:nvSpPr>
-            <p:cNvPr id="22" name="Freeform: Shape 21">
-              <a:extLst>
-                <a:ext uri="{FF2B5EF4-FFF2-40B4-BE49-F238E27FC236}">
-                  <a16:creationId xmlns:a16="http://schemas.microsoft.com/office/drawing/2014/main" id="{E494E364-7EA8-4D92-915D-75D1A3A67C07}"/>
-                </a:ext>
-              </a:extLst>
-            </p:cNvPr>
-            <p:cNvSpPr/>
-            <p:nvPr userDrawn="1"/>
-          </p:nvSpPr>
-          <p:spPr>
-            <a:xfrm flipH="1">
-              <a:off x="4132972" y="6258755"/>
-              <a:ext cx="1565940" cy="599245"/>
-            </a:xfrm>
-            <a:custGeom>
-              <a:avLst/>
-              <a:gdLst>
-                <a:gd name="connsiteX0" fmla="*/ 782970 w 1565940"/>
-                <a:gd name="connsiteY0" fmla="*/ 0 h 599245"/>
-                <a:gd name="connsiteX1" fmla="*/ 1528042 w 1565940"/>
-                <a:gd name="connsiteY1" fmla="*/ 480469 h 599245"/>
-                <a:gd name="connsiteX2" fmla="*/ 1565940 w 1565940"/>
-                <a:gd name="connsiteY2" fmla="*/ 599245 h 599245"/>
-                <a:gd name="connsiteX3" fmla="*/ 0 w 1565940"/>
-                <a:gd name="connsiteY3" fmla="*/ 599245 h 599245"/>
-                <a:gd name="connsiteX4" fmla="*/ 37898 w 1565940"/>
-                <a:gd name="connsiteY4" fmla="*/ 480469 h 599245"/>
-                <a:gd name="connsiteX5" fmla="*/ 782970 w 1565940"/>
-                <a:gd name="connsiteY5" fmla="*/ 0 h 599245"/>
-              </a:gdLst>
-              <a:ahLst/>
-              <a:cxnLst>
-                <a:cxn ang="0">
-                  <a:pos x="connsiteX0" y="connsiteY0"/>
-                </a:cxn>
-                <a:cxn ang="0">
-                  <a:pos x="connsiteX1" y="connsiteY1"/>
-                </a:cxn>
-                <a:cxn ang="0">
-                  <a:pos x="connsiteX2" y="connsiteY2"/>
-                </a:cxn>
-                <a:cxn ang="0">
-                  <a:pos x="connsiteX3" y="connsiteY3"/>
-                </a:cxn>
-                <a:cxn ang="0">
-                  <a:pos x="connsiteX4" y="connsiteY4"/>
-                </a:cxn>
-                <a:cxn ang="0">
-                  <a:pos x="connsiteX5" y="connsiteY5"/>
-                </a:cxn>
-              </a:cxnLst>
-              <a:rect l="l" t="t" r="r" b="b"/>
-              <a:pathLst>
-                <a:path w="1565940" h="599245">
-                  <a:moveTo>
-                    <a:pt x="782970" y="0"/>
-                  </a:moveTo>
-                  <a:cubicBezTo>
-                    <a:pt x="1117910" y="0"/>
-                    <a:pt x="1405287" y="198118"/>
-                    <a:pt x="1528042" y="480469"/>
-                  </a:cubicBezTo>
-                  <a:lnTo>
-                    <a:pt x="1565940" y="599245"/>
-                  </a:lnTo>
-                  <a:lnTo>
-                    <a:pt x="0" y="599245"/>
-                  </a:lnTo>
-                  <a:lnTo>
-                    <a:pt x="37898" y="480469"/>
-                  </a:lnTo>
-                  <a:cubicBezTo>
-                    <a:pt x="160653" y="198118"/>
-                    <a:pt x="448030" y="0"/>
-                    <a:pt x="782970" y="0"/>
-                  </a:cubicBezTo>
-                  <a:close/>
-                </a:path>
-              </a:pathLst>
-            </a:custGeom>
-            <a:solidFill>
-              <a:schemeClr val="accent2"/>
-            </a:solidFill>
-            <a:ln>
-              <a:noFill/>
-            </a:ln>
-          </p:spPr>
-          <p:style>
-            <a:lnRef idx="2">
-              <a:schemeClr val="accent1">
-                <a:shade val="50000"/>
-              </a:schemeClr>
-            </a:lnRef>
-            <a:fillRef idx="1">
-              <a:schemeClr val="accent1"/>
-            </a:fillRef>
-            <a:effectRef idx="0">
-              <a:schemeClr val="accent1"/>
-            </a:effectRef>
-            <a:fontRef idx="minor">
-              <a:schemeClr val="lt1"/>
-            </a:fontRef>
-          </p:style>
-          <p:txBody>
-            <a:bodyPr wrap="square" rtlCol="0" anchor="ctr">
-              <a:noAutofit/>
-            </a:bodyPr>
-            <a:lstStyle/>
-            <a:p>
-              <a:pPr marL="0" marR="0" lvl="0" indent="0" algn="ctr" defTabSz="685800" rtl="0" eaLnBrk="1" fontAlgn="auto" latinLnBrk="0" hangingPunct="1">
-                <a:lnSpc>
-                  <a:spcPct val="100000"/>
-                </a:lnSpc>
-                <a:spcBef>
-                  <a:spcPts val="0"/>
-                </a:spcBef>
-                <a:spcAft>
-                  <a:spcPts val="0"/>
-                </a:spcAft>
-                <a:buClrTx/>
-                <a:buSzTx/>
-                <a:buFontTx/>
-                <a:buNone/>
-                <a:tabLst/>
-                <a:defRPr/>
-              </a:pPr>
-              <a:endParaRPr kumimoji="0" lang="en-US" sz="1400" b="0" i="0" u="none" strike="noStrike" kern="1200" cap="none" spc="0" normalizeH="0" baseline="0" noProof="0" dirty="0">
-                <a:ln>
-                  <a:noFill/>
-                </a:ln>
-                <a:solidFill>
-                  <a:prstClr val="white"/>
-                </a:solidFill>
-                <a:effectLst/>
-                <a:uLnTx/>
-                <a:uFillTx/>
-                <a:latin typeface="Calibri" panose="020F0502020204030204"/>
-                <a:ea typeface="+mn-ea"/>
-                <a:cs typeface="+mn-cs"/>
-              </a:endParaRPr>
-            </a:p>
-          </p:txBody>
-        </p:sp>
-      </p:grpSp>
-      <p:sp>
-        <p:nvSpPr>
-          <p:cNvPr id="7" name="Title 1">
-            <a:extLst>
-              <a:ext uri="{FF2B5EF4-FFF2-40B4-BE49-F238E27FC236}">
-                <a16:creationId xmlns:a16="http://schemas.microsoft.com/office/drawing/2014/main" id="{4F9EBE3B-A856-C23C-4698-B764DF4BC70D}"/>
-              </a:ext>
-            </a:extLst>
-          </p:cNvPr>
-          <p:cNvSpPr>
-            <a:spLocks noGrp="1"/>
-          </p:cNvSpPr>
-          <p:nvPr>
-            <p:ph type="title" hasCustomPrompt="1"/>
-          </p:nvPr>
-        </p:nvSpPr>
-        <p:spPr>
-          <a:xfrm>
-            <a:off x="4666589" y="197071"/>
-            <a:ext cx="4130566" cy="2737289"/>
-          </a:xfrm>
-        </p:spPr>
-        <p:txBody>
-          <a:bodyPr anchor="b">
-            <a:normAutofit/>
-          </a:bodyPr>
-          <a:lstStyle>
-            <a:lvl1pPr>
-              <a:defRPr sz="4500"/>
-            </a:lvl1pPr>
-          </a:lstStyle>
-          <a:p>
-            <a:r>
-              <a:rPr lang="en-US" dirty="0"/>
-              <a:t>Click to add title</a:t>
-            </a:r>
-          </a:p>
-        </p:txBody>
-      </p:sp>
-      <p:sp>
-        <p:nvSpPr>
-          <p:cNvPr id="8" name="Picture Placeholder 7">
-            <a:extLst>
-              <a:ext uri="{FF2B5EF4-FFF2-40B4-BE49-F238E27FC236}">
-                <a16:creationId xmlns:a16="http://schemas.microsoft.com/office/drawing/2014/main" id="{74C9CB37-5251-201C-ACE3-FD69A00C772E}"/>
-              </a:ext>
-            </a:extLst>
-          </p:cNvPr>
-          <p:cNvSpPr>
-            <a:spLocks noGrp="1"/>
-          </p:cNvSpPr>
-          <p:nvPr>
-            <p:ph type="pic" sz="quarter" idx="14"/>
-          </p:nvPr>
-        </p:nvSpPr>
-        <p:spPr>
-          <a:xfrm>
-            <a:off x="530545" y="635700"/>
-            <a:ext cx="3464719" cy="3463290"/>
-          </a:xfrm>
-          <a:prstGeom prst="ellipse">
-            <a:avLst/>
-          </a:prstGeom>
-          <a:noFill/>
-        </p:spPr>
-        <p:txBody>
-          <a:bodyPr tIns="411480">
-            <a:normAutofit/>
-          </a:bodyPr>
-          <a:lstStyle>
-            <a:lvl1pPr marL="0" indent="0" algn="ctr">
-              <a:buNone/>
-              <a:defRPr sz="1500"/>
-            </a:lvl1pPr>
-          </a:lstStyle>
-          <a:p>
-            <a:r>
-              <a:rPr lang="en-US" dirty="0"/>
-              <a:t>Click icon to add picture</a:t>
-            </a:r>
-          </a:p>
-        </p:txBody>
-      </p:sp>
-      <p:sp>
-        <p:nvSpPr>
-          <p:cNvPr id="9" name="Content Placeholder 2">
-            <a:extLst>
-              <a:ext uri="{FF2B5EF4-FFF2-40B4-BE49-F238E27FC236}">
-                <a16:creationId xmlns:a16="http://schemas.microsoft.com/office/drawing/2014/main" id="{EBF08299-9068-827D-783B-BFF5B95E9574}"/>
-              </a:ext>
-            </a:extLst>
-          </p:cNvPr>
-          <p:cNvSpPr>
-            <a:spLocks noGrp="1"/>
-          </p:cNvSpPr>
-          <p:nvPr>
-            <p:ph idx="1" hasCustomPrompt="1"/>
-          </p:nvPr>
-        </p:nvSpPr>
-        <p:spPr>
-          <a:xfrm>
-            <a:off x="4666589" y="3043697"/>
-            <a:ext cx="4130566" cy="1606112"/>
-          </a:xfrm>
-        </p:spPr>
-        <p:txBody>
-          <a:bodyPr>
-            <a:normAutofit/>
-          </a:bodyPr>
-          <a:lstStyle>
-            <a:lvl1pPr marL="0" indent="0">
-              <a:lnSpc>
-                <a:spcPct val="90000"/>
-              </a:lnSpc>
-              <a:buFont typeface="Arial" panose="020B0604020202020204" pitchFamily="34" charset="0"/>
-              <a:buNone/>
-              <a:defRPr sz="1800"/>
-            </a:lvl1pPr>
-            <a:lvl2pPr marL="171450">
-              <a:lnSpc>
-                <a:spcPct val="90000"/>
-              </a:lnSpc>
-              <a:buClr>
-                <a:schemeClr val="accent2"/>
-              </a:buClr>
-              <a:defRPr sz="1500"/>
-            </a:lvl2pPr>
-            <a:lvl3pPr marL="342900">
-              <a:lnSpc>
-                <a:spcPct val="90000"/>
-              </a:lnSpc>
-              <a:buClr>
-                <a:schemeClr val="accent2"/>
-              </a:buClr>
-              <a:defRPr sz="1400"/>
-            </a:lvl3pPr>
-            <a:lvl4pPr marL="514350">
-              <a:lnSpc>
-                <a:spcPct val="90000"/>
-              </a:lnSpc>
-              <a:buClr>
-                <a:schemeClr val="accent2"/>
-              </a:buClr>
-              <a:defRPr sz="1200"/>
-            </a:lvl4pPr>
-            <a:lvl5pPr>
-              <a:lnSpc>
-                <a:spcPct val="110000"/>
-              </a:lnSpc>
-              <a:defRPr/>
-            </a:lvl5pPr>
-          </a:lstStyle>
-          <a:p>
-            <a:pPr lvl="0"/>
-            <a:r>
-              <a:rPr lang="en-US" dirty="0"/>
-              <a:t>Click to add content</a:t>
-            </a:r>
-          </a:p>
-          <a:p>
-            <a:pPr lvl="1"/>
-            <a:r>
-              <a:rPr lang="en-US" dirty="0"/>
-              <a:t>Second level</a:t>
-            </a:r>
-          </a:p>
-          <a:p>
-            <a:pPr lvl="2"/>
-            <a:r>
-              <a:rPr lang="en-US" dirty="0"/>
-              <a:t>Third level</a:t>
-            </a:r>
-          </a:p>
-          <a:p>
-            <a:pPr lvl="3"/>
-            <a:r>
-              <a:rPr lang="en-US" dirty="0"/>
-              <a:t>Fourth level</a:t>
-            </a:r>
-          </a:p>
-        </p:txBody>
-      </p:sp>
-      <p:sp>
-        <p:nvSpPr>
-          <p:cNvPr id="3" name="Date Placeholder 2">
-            <a:extLst>
-              <a:ext uri="{FF2B5EF4-FFF2-40B4-BE49-F238E27FC236}">
-                <a16:creationId xmlns:a16="http://schemas.microsoft.com/office/drawing/2014/main" id="{254D3190-B78C-42F1-9D62-F523886BBE51}"/>
-              </a:ext>
-            </a:extLst>
-          </p:cNvPr>
-          <p:cNvSpPr>
-            <a:spLocks noGrp="1"/>
-          </p:cNvSpPr>
-          <p:nvPr>
-            <p:ph type="dt" sz="half" idx="10"/>
-          </p:nvPr>
-        </p:nvSpPr>
-        <p:spPr>
-          <a:xfrm>
-            <a:off x="1261872" y="4767263"/>
-            <a:ext cx="1159002" cy="273844"/>
-          </a:xfrm>
-        </p:spPr>
-        <p:txBody>
-          <a:bodyPr/>
-          <a:lstStyle>
-            <a:lvl1pPr>
-              <a:defRPr>
-                <a:latin typeface="+mn-lt"/>
-              </a:defRPr>
-            </a:lvl1pPr>
-          </a:lstStyle>
-          <a:p>
-            <a:pPr>
-              <a:defRPr/>
-            </a:pPr>
-            <a:r>
-              <a:rPr lang="en-US" dirty="0">
-                <a:solidFill>
-                  <a:prstClr val="black">
-                    <a:tint val="75000"/>
-                  </a:prstClr>
-                </a:solidFill>
-              </a:rPr>
-              <a:t>9/3/20XX</a:t>
-            </a:r>
-          </a:p>
-        </p:txBody>
-      </p:sp>
-      <p:sp>
-        <p:nvSpPr>
-          <p:cNvPr id="4" name="Footer Placeholder 3">
-            <a:extLst>
-              <a:ext uri="{FF2B5EF4-FFF2-40B4-BE49-F238E27FC236}">
-                <a16:creationId xmlns:a16="http://schemas.microsoft.com/office/drawing/2014/main" id="{EA381C40-F9FC-4D58-8508-F0632DF5A018}"/>
-              </a:ext>
-            </a:extLst>
-          </p:cNvPr>
-          <p:cNvSpPr>
-            <a:spLocks noGrp="1"/>
-          </p:cNvSpPr>
-          <p:nvPr>
-            <p:ph type="ftr" sz="quarter" idx="11"/>
-          </p:nvPr>
-        </p:nvSpPr>
-        <p:spPr>
-          <a:xfrm>
-            <a:off x="4574286" y="4767263"/>
-            <a:ext cx="3086100" cy="273844"/>
-          </a:xfrm>
-        </p:spPr>
-        <p:txBody>
-          <a:bodyPr/>
-          <a:lstStyle>
-            <a:lvl1pPr algn="l">
-              <a:defRPr>
-                <a:latin typeface="+mn-lt"/>
-              </a:defRPr>
-            </a:lvl1pPr>
-          </a:lstStyle>
-          <a:p>
-            <a:pPr algn="l">
-              <a:defRPr/>
-            </a:pPr>
-            <a:r>
-              <a:rPr lang="en-US" dirty="0">
-                <a:solidFill>
-                  <a:prstClr val="black">
-                    <a:tint val="75000"/>
-                  </a:prstClr>
-                </a:solidFill>
-              </a:rPr>
-              <a:t>Pitch deck</a:t>
-            </a:r>
-          </a:p>
-        </p:txBody>
-      </p:sp>
-      <p:sp>
-        <p:nvSpPr>
-          <p:cNvPr id="5" name="Slide Number Placeholder 4">
-            <a:extLst>
-              <a:ext uri="{FF2B5EF4-FFF2-40B4-BE49-F238E27FC236}">
-                <a16:creationId xmlns:a16="http://schemas.microsoft.com/office/drawing/2014/main" id="{2101CBCC-4CC2-49BD-B155-01E0F4D798BE}"/>
-              </a:ext>
-            </a:extLst>
-          </p:cNvPr>
-          <p:cNvSpPr>
-            <a:spLocks noGrp="1"/>
-          </p:cNvSpPr>
-          <p:nvPr>
-            <p:ph type="sldNum" sz="quarter" idx="12"/>
-          </p:nvPr>
-        </p:nvSpPr>
-        <p:spPr>
-          <a:xfrm>
-            <a:off x="7879842" y="4767263"/>
-            <a:ext cx="637794" cy="273844"/>
-          </a:xfrm>
-        </p:spPr>
-        <p:txBody>
-          <a:bodyPr/>
-          <a:lstStyle>
-            <a:lvl1pPr>
-              <a:defRPr>
-                <a:latin typeface="+mn-lt"/>
-              </a:defRPr>
-            </a:lvl1pPr>
-          </a:lstStyle>
-          <a:p>
-            <a:pPr>
-              <a:defRPr/>
-            </a:pPr>
-            <a:fld id="{D76B855D-E9CC-4FF8-AD85-6CDC7B89A0DE}" type="slidenum">
-              <a:rPr lang="en-US" smtClean="0">
-                <a:solidFill>
-                  <a:prstClr val="black">
-                    <a:tint val="75000"/>
-                  </a:prstClr>
-                </a:solidFill>
-              </a:rPr>
-              <a:pPr>
-                <a:defRPr/>
-              </a:pPr>
-              <a:t>‹#›</a:t>
-            </a:fld>
-            <a:endParaRPr lang="en-US" dirty="0">
-              <a:solidFill>
-                <a:prstClr val="black">
-                  <a:tint val="75000"/>
-                </a:prstClr>
-              </a:solidFill>
-            </a:endParaRPr>
-          </a:p>
-        </p:txBody>
-      </p:sp>
-    </p:spTree>
-    <p:extLst>
-      <p:ext uri="{BB962C8B-B14F-4D97-AF65-F5344CB8AC3E}">
-        <p14:creationId xmlns:p14="http://schemas.microsoft.com/office/powerpoint/2010/main" val="1517468019"/>
-      </p:ext>
-    </p:extLst>
-  </p:cSld>
-  <p:clrMapOvr>
-    <a:masterClrMapping/>
-  </p:clrMapOvr>
-</p:sldLayout>
-</file>
-
-<file path=ppt/slideLayouts/slideLayout5.xml><?xml version="1.0" encoding="utf-8"?>
 <p:sldLayout xmlns:a="http://schemas.openxmlformats.org/drawingml/2006/main" xmlns:r="http://schemas.openxmlformats.org/officeDocument/2006/relationships" xmlns:p="http://schemas.openxmlformats.org/presentationml/2006/main" preserve="1" userDrawn="1">
   <p:cSld name="Title and Content 2">
     <p:spTree>
@@ -11812,7 +10010,7 @@
 </p:sldLayout>
 </file>
 
-<file path=ppt/slideLayouts/slideLayout6.xml><?xml version="1.0" encoding="utf-8"?>
+<file path=ppt/slideLayouts/slideLayout5.xml><?xml version="1.0" encoding="utf-8"?>
 <p:sldLayout xmlns:a="http://schemas.openxmlformats.org/drawingml/2006/main" xmlns:r="http://schemas.openxmlformats.org/officeDocument/2006/relationships" xmlns:p="http://schemas.openxmlformats.org/presentationml/2006/main" preserve="1" userDrawn="1">
   <p:cSld name="Section Title">
     <p:spTree>
@@ -12617,7 +10815,7 @@
 </p:sldLayout>
 </file>
 
-<file path=ppt/slideLayouts/slideLayout7.xml><?xml version="1.0" encoding="utf-8"?>
+<file path=ppt/slideLayouts/slideLayout6.xml><?xml version="1.0" encoding="utf-8"?>
 <p:sldLayout xmlns:a="http://schemas.openxmlformats.org/drawingml/2006/main" xmlns:r="http://schemas.openxmlformats.org/officeDocument/2006/relationships" xmlns:p="http://schemas.openxmlformats.org/presentationml/2006/main" preserve="1" userDrawn="1">
   <p:cSld name="Two Content 1">
     <p:spTree>
@@ -13684,7 +11882,7 @@
 </p:sldLayout>
 </file>
 
-<file path=ppt/slideLayouts/slideLayout8.xml><?xml version="1.0" encoding="utf-8"?>
+<file path=ppt/slideLayouts/slideLayout7.xml><?xml version="1.0" encoding="utf-8"?>
 <p:sldLayout xmlns:a="http://schemas.openxmlformats.org/drawingml/2006/main" xmlns:r="http://schemas.openxmlformats.org/officeDocument/2006/relationships" xmlns:p="http://schemas.openxmlformats.org/presentationml/2006/main" preserve="1" userDrawn="1">
   <p:cSld name="Two Content 2">
     <p:spTree>
@@ -14432,7 +12630,7 @@
 </p:sldLayout>
 </file>
 
-<file path=ppt/slideLayouts/slideLayout9.xml><?xml version="1.0" encoding="utf-8"?>
+<file path=ppt/slideLayouts/slideLayout8.xml><?xml version="1.0" encoding="utf-8"?>
 <p:sldLayout xmlns:a="http://schemas.openxmlformats.org/drawingml/2006/main" xmlns:r="http://schemas.openxmlformats.org/officeDocument/2006/relationships" xmlns:p="http://schemas.openxmlformats.org/presentationml/2006/main" preserve="1" userDrawn="1">
   <p:cSld name="Content and Picture">
     <p:spTree>
@@ -15063,6 +13261,844 @@
 </p:sldLayout>
 </file>
 
+<file path=ppt/slideLayouts/slideLayout9.xml><?xml version="1.0" encoding="utf-8"?>
+<p:sldLayout xmlns:a="http://schemas.openxmlformats.org/drawingml/2006/main" xmlns:r="http://schemas.openxmlformats.org/officeDocument/2006/relationships" xmlns:p="http://schemas.openxmlformats.org/presentationml/2006/main" preserve="1" userDrawn="1">
+  <p:cSld name="Content and Table">
+    <p:spTree>
+      <p:nvGrpSpPr>
+        <p:cNvPr id="1" name=""/>
+        <p:cNvGrpSpPr/>
+        <p:nvPr/>
+      </p:nvGrpSpPr>
+      <p:grpSpPr>
+        <a:xfrm>
+          <a:off x="0" y="0"/>
+          <a:ext cx="0" cy="0"/>
+          <a:chOff x="0" y="0"/>
+          <a:chExt cx="0" cy="0"/>
+        </a:xfrm>
+      </p:grpSpPr>
+      <p:grpSp>
+        <p:nvGrpSpPr>
+          <p:cNvPr id="11" name="Group 10">
+            <a:extLst>
+              <a:ext uri="{FF2B5EF4-FFF2-40B4-BE49-F238E27FC236}">
+                <a16:creationId xmlns:a16="http://schemas.microsoft.com/office/drawing/2014/main" id="{521BD3DB-6F51-C1AE-FF0E-D0BDCB55F30B}"/>
+              </a:ext>
+              <a:ext uri="{C183D7F6-B498-43B3-948B-1728B52AA6E4}">
+                <adec:decorative xmlns:adec="http://schemas.microsoft.com/office/drawing/2017/decorative" val="1"/>
+              </a:ext>
+            </a:extLst>
+          </p:cNvPr>
+          <p:cNvGrpSpPr/>
+          <p:nvPr userDrawn="1"/>
+        </p:nvGrpSpPr>
+        <p:grpSpPr>
+          <a:xfrm>
+            <a:off x="92652" y="1"/>
+            <a:ext cx="8415169" cy="5143499"/>
+            <a:chOff x="123536" y="2"/>
+            <a:chExt cx="11220225" cy="6857998"/>
+          </a:xfrm>
+        </p:grpSpPr>
+        <p:sp>
+          <p:nvSpPr>
+            <p:cNvPr id="12" name="Freeform: Shape 7">
+              <a:extLst>
+                <a:ext uri="{FF2B5EF4-FFF2-40B4-BE49-F238E27FC236}">
+                  <a16:creationId xmlns:a16="http://schemas.microsoft.com/office/drawing/2014/main" id="{59903C17-0733-BE0C-7392-283FEC2E98B0}"/>
+                </a:ext>
+              </a:extLst>
+            </p:cNvPr>
+            <p:cNvSpPr/>
+            <p:nvPr/>
+          </p:nvSpPr>
+          <p:spPr>
+            <a:xfrm flipH="1">
+              <a:off x="123536" y="5717905"/>
+              <a:ext cx="1771609" cy="1140095"/>
+            </a:xfrm>
+            <a:custGeom>
+              <a:avLst/>
+              <a:gdLst>
+                <a:gd name="connsiteX0" fmla="*/ 1561721 w 1771609"/>
+                <a:gd name="connsiteY0" fmla="*/ 763041 h 1140095"/>
+                <a:gd name="connsiteX1" fmla="*/ 1623024 w 1771609"/>
+                <a:gd name="connsiteY1" fmla="*/ 792810 h 1140095"/>
+                <a:gd name="connsiteX2" fmla="*/ 1711735 w 1771609"/>
+                <a:gd name="connsiteY2" fmla="*/ 970132 h 1140095"/>
+                <a:gd name="connsiteX3" fmla="*/ 1771609 w 1771609"/>
+                <a:gd name="connsiteY3" fmla="*/ 1140095 h 1140095"/>
+                <a:gd name="connsiteX4" fmla="*/ 1637225 w 1771609"/>
+                <a:gd name="connsiteY4" fmla="*/ 1140095 h 1140095"/>
+                <a:gd name="connsiteX5" fmla="*/ 1594820 w 1771609"/>
+                <a:gd name="connsiteY5" fmla="*/ 1019711 h 1140095"/>
+                <a:gd name="connsiteX6" fmla="*/ 1513200 w 1771609"/>
+                <a:gd name="connsiteY6" fmla="*/ 856627 h 1140095"/>
+                <a:gd name="connsiteX7" fmla="*/ 1538499 w 1771609"/>
+                <a:gd name="connsiteY7" fmla="*/ 770415 h 1140095"/>
+                <a:gd name="connsiteX8" fmla="*/ 1561721 w 1771609"/>
+                <a:gd name="connsiteY8" fmla="*/ 763041 h 1140095"/>
+                <a:gd name="connsiteX9" fmla="*/ 933455 w 1771609"/>
+                <a:gd name="connsiteY9" fmla="*/ 161309 h 1140095"/>
+                <a:gd name="connsiteX10" fmla="*/ 957797 w 1771609"/>
+                <a:gd name="connsiteY10" fmla="*/ 167970 h 1140095"/>
+                <a:gd name="connsiteX11" fmla="*/ 1286982 w 1771609"/>
+                <a:gd name="connsiteY11" fmla="*/ 387616 h 1140095"/>
+                <a:gd name="connsiteX12" fmla="*/ 1293725 w 1771609"/>
+                <a:gd name="connsiteY12" fmla="*/ 477075 h 1140095"/>
+                <a:gd name="connsiteX13" fmla="*/ 1245453 w 1771609"/>
+                <a:gd name="connsiteY13" fmla="*/ 499154 h 1140095"/>
+                <a:gd name="connsiteX14" fmla="*/ 1245167 w 1771609"/>
+                <a:gd name="connsiteY14" fmla="*/ 499154 h 1140095"/>
+                <a:gd name="connsiteX15" fmla="*/ 1203638 w 1771609"/>
+                <a:gd name="connsiteY15" fmla="*/ 484104 h 1140095"/>
+                <a:gd name="connsiteX16" fmla="*/ 900647 w 1771609"/>
+                <a:gd name="connsiteY16" fmla="*/ 281508 h 1140095"/>
+                <a:gd name="connsiteX17" fmla="*/ 872454 w 1771609"/>
+                <a:gd name="connsiteY17" fmla="*/ 196164 h 1140095"/>
+                <a:gd name="connsiteX18" fmla="*/ 933455 w 1771609"/>
+                <a:gd name="connsiteY18" fmla="*/ 161309 h 1140095"/>
+                <a:gd name="connsiteX19" fmla="*/ 256260 w 1771609"/>
+                <a:gd name="connsiteY19" fmla="*/ 29 h 1140095"/>
+                <a:gd name="connsiteX20" fmla="*/ 454020 w 1771609"/>
+                <a:gd name="connsiteY20" fmla="*/ 13474 h 1140095"/>
+                <a:gd name="connsiteX21" fmla="*/ 509236 w 1771609"/>
+                <a:gd name="connsiteY21" fmla="*/ 84182 h 1140095"/>
+                <a:gd name="connsiteX22" fmla="*/ 445829 w 1771609"/>
+                <a:gd name="connsiteY22" fmla="*/ 139871 h 1140095"/>
+                <a:gd name="connsiteX23" fmla="*/ 437447 w 1771609"/>
+                <a:gd name="connsiteY23" fmla="*/ 139395 h 1140095"/>
+                <a:gd name="connsiteX24" fmla="*/ 73211 w 1771609"/>
+                <a:gd name="connsiteY24" fmla="*/ 137204 h 1140095"/>
+                <a:gd name="connsiteX25" fmla="*/ 749 w 1771609"/>
+                <a:gd name="connsiteY25" fmla="*/ 84082 h 1140095"/>
+                <a:gd name="connsiteX26" fmla="*/ 53871 w 1771609"/>
+                <a:gd name="connsiteY26" fmla="*/ 11621 h 1140095"/>
+                <a:gd name="connsiteX27" fmla="*/ 58352 w 1771609"/>
+                <a:gd name="connsiteY27" fmla="*/ 11093 h 1140095"/>
+                <a:gd name="connsiteX28" fmla="*/ 256260 w 1771609"/>
+                <a:gd name="connsiteY28" fmla="*/ 29 h 1140095"/>
+              </a:gdLst>
+              <a:ahLst/>
+              <a:cxnLst>
+                <a:cxn ang="0">
+                  <a:pos x="connsiteX0" y="connsiteY0"/>
+                </a:cxn>
+                <a:cxn ang="0">
+                  <a:pos x="connsiteX1" y="connsiteY1"/>
+                </a:cxn>
+                <a:cxn ang="0">
+                  <a:pos x="connsiteX2" y="connsiteY2"/>
+                </a:cxn>
+                <a:cxn ang="0">
+                  <a:pos x="connsiteX3" y="connsiteY3"/>
+                </a:cxn>
+                <a:cxn ang="0">
+                  <a:pos x="connsiteX4" y="connsiteY4"/>
+                </a:cxn>
+                <a:cxn ang="0">
+                  <a:pos x="connsiteX5" y="connsiteY5"/>
+                </a:cxn>
+                <a:cxn ang="0">
+                  <a:pos x="connsiteX6" y="connsiteY6"/>
+                </a:cxn>
+                <a:cxn ang="0">
+                  <a:pos x="connsiteX7" y="connsiteY7"/>
+                </a:cxn>
+                <a:cxn ang="0">
+                  <a:pos x="connsiteX8" y="connsiteY8"/>
+                </a:cxn>
+                <a:cxn ang="0">
+                  <a:pos x="connsiteX9" y="connsiteY9"/>
+                </a:cxn>
+                <a:cxn ang="0">
+                  <a:pos x="connsiteX10" y="connsiteY10"/>
+                </a:cxn>
+                <a:cxn ang="0">
+                  <a:pos x="connsiteX11" y="connsiteY11"/>
+                </a:cxn>
+                <a:cxn ang="0">
+                  <a:pos x="connsiteX12" y="connsiteY12"/>
+                </a:cxn>
+                <a:cxn ang="0">
+                  <a:pos x="connsiteX13" y="connsiteY13"/>
+                </a:cxn>
+                <a:cxn ang="0">
+                  <a:pos x="connsiteX14" y="connsiteY14"/>
+                </a:cxn>
+                <a:cxn ang="0">
+                  <a:pos x="connsiteX15" y="connsiteY15"/>
+                </a:cxn>
+                <a:cxn ang="0">
+                  <a:pos x="connsiteX16" y="connsiteY16"/>
+                </a:cxn>
+                <a:cxn ang="0">
+                  <a:pos x="connsiteX17" y="connsiteY17"/>
+                </a:cxn>
+                <a:cxn ang="0">
+                  <a:pos x="connsiteX18" y="connsiteY18"/>
+                </a:cxn>
+                <a:cxn ang="0">
+                  <a:pos x="connsiteX19" y="connsiteY19"/>
+                </a:cxn>
+                <a:cxn ang="0">
+                  <a:pos x="connsiteX20" y="connsiteY20"/>
+                </a:cxn>
+                <a:cxn ang="0">
+                  <a:pos x="connsiteX21" y="connsiteY21"/>
+                </a:cxn>
+                <a:cxn ang="0">
+                  <a:pos x="connsiteX22" y="connsiteY22"/>
+                </a:cxn>
+                <a:cxn ang="0">
+                  <a:pos x="connsiteX23" y="connsiteY23"/>
+                </a:cxn>
+                <a:cxn ang="0">
+                  <a:pos x="connsiteX24" y="connsiteY24"/>
+                </a:cxn>
+                <a:cxn ang="0">
+                  <a:pos x="connsiteX25" y="connsiteY25"/>
+                </a:cxn>
+                <a:cxn ang="0">
+                  <a:pos x="connsiteX26" y="connsiteY26"/>
+                </a:cxn>
+                <a:cxn ang="0">
+                  <a:pos x="connsiteX27" y="connsiteY27"/>
+                </a:cxn>
+                <a:cxn ang="0">
+                  <a:pos x="connsiteX28" y="connsiteY28"/>
+                </a:cxn>
+              </a:cxnLst>
+              <a:rect l="l" t="t" r="r" b="b"/>
+              <a:pathLst>
+                <a:path w="1771609" h="1140095">
+                  <a:moveTo>
+                    <a:pt x="1561721" y="763041"/>
+                  </a:moveTo>
+                  <a:cubicBezTo>
+                    <a:pt x="1585506" y="760324"/>
+                    <a:pt x="1609722" y="771249"/>
+                    <a:pt x="1623024" y="792810"/>
+                  </a:cubicBezTo>
+                  <a:cubicBezTo>
+                    <a:pt x="1656300" y="850065"/>
+                    <a:pt x="1685920" y="909291"/>
+                    <a:pt x="1711735" y="970132"/>
+                  </a:cubicBezTo>
+                  <a:lnTo>
+                    <a:pt x="1771609" y="1140095"/>
+                  </a:lnTo>
+                  <a:lnTo>
+                    <a:pt x="1637225" y="1140095"/>
+                  </a:lnTo>
+                  <a:lnTo>
+                    <a:pt x="1594820" y="1019711"/>
+                  </a:lnTo>
+                  <a:cubicBezTo>
+                    <a:pt x="1571072" y="963753"/>
+                    <a:pt x="1543818" y="909282"/>
+                    <a:pt x="1513200" y="856627"/>
+                  </a:cubicBezTo>
+                  <a:cubicBezTo>
+                    <a:pt x="1496379" y="825834"/>
+                    <a:pt x="1507704" y="787236"/>
+                    <a:pt x="1538499" y="770415"/>
+                  </a:cubicBezTo>
+                  <a:cubicBezTo>
+                    <a:pt x="1545912" y="766367"/>
+                    <a:pt x="1553792" y="763946"/>
+                    <a:pt x="1561721" y="763041"/>
+                  </a:cubicBezTo>
+                  <a:close/>
+                  <a:moveTo>
+                    <a:pt x="933455" y="161309"/>
+                  </a:moveTo>
+                  <a:cubicBezTo>
+                    <a:pt x="941693" y="161855"/>
+                    <a:pt x="949959" y="164025"/>
+                    <a:pt x="957797" y="167970"/>
+                  </a:cubicBezTo>
+                  <a:cubicBezTo>
+                    <a:pt x="1076184" y="227289"/>
+                    <a:pt x="1186759" y="301068"/>
+                    <a:pt x="1286982" y="387616"/>
+                  </a:cubicBezTo>
+                  <a:cubicBezTo>
+                    <a:pt x="1313547" y="410457"/>
+                    <a:pt x="1316566" y="450510"/>
+                    <a:pt x="1293725" y="477075"/>
+                  </a:cubicBezTo>
+                  <a:cubicBezTo>
+                    <a:pt x="1281638" y="491137"/>
+                    <a:pt x="1263998" y="499204"/>
+                    <a:pt x="1245453" y="499154"/>
+                  </a:cubicBezTo>
+                  <a:lnTo>
+                    <a:pt x="1245167" y="499154"/>
+                  </a:lnTo>
+                  <a:cubicBezTo>
+                    <a:pt x="1229965" y="499301"/>
+                    <a:pt x="1215220" y="493956"/>
+                    <a:pt x="1203638" y="484104"/>
+                  </a:cubicBezTo>
+                  <a:cubicBezTo>
+                    <a:pt x="1111407" y="404300"/>
+                    <a:pt x="1009633" y="336248"/>
+                    <a:pt x="900647" y="281508"/>
+                  </a:cubicBezTo>
+                  <a:cubicBezTo>
+                    <a:pt x="869295" y="265726"/>
+                    <a:pt x="856672" y="227516"/>
+                    <a:pt x="872454" y="196164"/>
+                  </a:cubicBezTo>
+                  <a:cubicBezTo>
+                    <a:pt x="884290" y="172650"/>
+                    <a:pt x="908742" y="159670"/>
+                    <a:pt x="933455" y="161309"/>
+                  </a:cubicBezTo>
+                  <a:close/>
+                  <a:moveTo>
+                    <a:pt x="256260" y="29"/>
+                  </a:moveTo>
+                  <a:cubicBezTo>
+                    <a:pt x="322331" y="427"/>
+                    <a:pt x="388378" y="4909"/>
+                    <a:pt x="454020" y="13474"/>
+                  </a:cubicBezTo>
+                  <a:cubicBezTo>
+                    <a:pt x="488793" y="17752"/>
+                    <a:pt x="513514" y="49409"/>
+                    <a:pt x="509236" y="84182"/>
+                  </a:cubicBezTo>
+                  <a:cubicBezTo>
+                    <a:pt x="505303" y="116151"/>
+                    <a:pt x="478038" y="140098"/>
+                    <a:pt x="445829" y="139871"/>
+                  </a:cubicBezTo>
+                  <a:cubicBezTo>
+                    <a:pt x="443027" y="139899"/>
+                    <a:pt x="440227" y="139740"/>
+                    <a:pt x="437447" y="139395"/>
+                  </a:cubicBezTo>
+                  <a:cubicBezTo>
+                    <a:pt x="316592" y="123615"/>
+                    <a:pt x="194247" y="122878"/>
+                    <a:pt x="73211" y="137204"/>
+                  </a:cubicBezTo>
+                  <a:cubicBezTo>
+                    <a:pt x="38532" y="142545"/>
+                    <a:pt x="6090" y="118762"/>
+                    <a:pt x="749" y="84082"/>
+                  </a:cubicBezTo>
+                  <a:cubicBezTo>
+                    <a:pt x="-4591" y="49403"/>
+                    <a:pt x="19192" y="16961"/>
+                    <a:pt x="53871" y="11621"/>
+                  </a:cubicBezTo>
+                  <a:cubicBezTo>
+                    <a:pt x="55358" y="11392"/>
+                    <a:pt x="56852" y="11216"/>
+                    <a:pt x="58352" y="11093"/>
+                  </a:cubicBezTo>
+                  <a:cubicBezTo>
+                    <a:pt x="124093" y="3319"/>
+                    <a:pt x="190189" y="-369"/>
+                    <a:pt x="256260" y="29"/>
+                  </a:cubicBezTo>
+                  <a:close/>
+                </a:path>
+              </a:pathLst>
+            </a:custGeom>
+            <a:solidFill>
+              <a:schemeClr val="accent5"/>
+            </a:solidFill>
+            <a:ln w="9525" cap="flat">
+              <a:noFill/>
+              <a:prstDash val="solid"/>
+              <a:miter/>
+            </a:ln>
+          </p:spPr>
+          <p:txBody>
+            <a:bodyPr rtlCol="0" anchor="ctr"/>
+            <a:lstStyle/>
+            <a:p>
+              <a:pPr marL="0" marR="0" lvl="0" indent="0" algn="l" defTabSz="685800" rtl="0" eaLnBrk="1" fontAlgn="auto" latinLnBrk="0" hangingPunct="1">
+                <a:lnSpc>
+                  <a:spcPct val="100000"/>
+                </a:lnSpc>
+                <a:spcBef>
+                  <a:spcPts val="0"/>
+                </a:spcBef>
+                <a:spcAft>
+                  <a:spcPts val="0"/>
+                </a:spcAft>
+                <a:buClrTx/>
+                <a:buSzTx/>
+                <a:buFontTx/>
+                <a:buNone/>
+                <a:tabLst/>
+                <a:defRPr/>
+              </a:pPr>
+              <a:endParaRPr kumimoji="0" lang="en-US" sz="1400" b="0" i="0" u="none" strike="noStrike" kern="1200" cap="none" spc="0" normalizeH="0" baseline="0" noProof="0" dirty="0">
+                <a:ln>
+                  <a:noFill/>
+                </a:ln>
+                <a:solidFill>
+                  <a:prstClr val="black"/>
+                </a:solidFill>
+                <a:effectLst/>
+                <a:uLnTx/>
+                <a:uFillTx/>
+                <a:latin typeface="Calibri" panose="020F0502020204030204"/>
+                <a:ea typeface="+mn-ea"/>
+                <a:cs typeface="+mn-cs"/>
+              </a:endParaRPr>
+            </a:p>
+          </p:txBody>
+        </p:sp>
+        <p:sp>
+          <p:nvSpPr>
+            <p:cNvPr id="13" name="Freeform: Shape 1">
+              <a:extLst>
+                <a:ext uri="{FF2B5EF4-FFF2-40B4-BE49-F238E27FC236}">
+                  <a16:creationId xmlns:a16="http://schemas.microsoft.com/office/drawing/2014/main" id="{898A3450-9C87-13ED-79CC-F4F65D14FF72}"/>
+                </a:ext>
+              </a:extLst>
+            </p:cNvPr>
+            <p:cNvSpPr/>
+            <p:nvPr userDrawn="1"/>
+          </p:nvSpPr>
+          <p:spPr>
+            <a:xfrm>
+              <a:off x="10494433" y="2"/>
+              <a:ext cx="849328" cy="357668"/>
+            </a:xfrm>
+            <a:custGeom>
+              <a:avLst/>
+              <a:gdLst>
+                <a:gd name="connsiteX0" fmla="*/ 0 w 1135066"/>
+                <a:gd name="connsiteY0" fmla="*/ 0 h 477997"/>
+                <a:gd name="connsiteX1" fmla="*/ 1135066 w 1135066"/>
+                <a:gd name="connsiteY1" fmla="*/ 0 h 477997"/>
+                <a:gd name="connsiteX2" fmla="*/ 1133370 w 1135066"/>
+                <a:gd name="connsiteY2" fmla="*/ 16827 h 477997"/>
+                <a:gd name="connsiteX3" fmla="*/ 567533 w 1135066"/>
+                <a:gd name="connsiteY3" fmla="*/ 477997 h 477997"/>
+                <a:gd name="connsiteX4" fmla="*/ 1696 w 1135066"/>
+                <a:gd name="connsiteY4" fmla="*/ 16827 h 477997"/>
+              </a:gdLst>
+              <a:ahLst/>
+              <a:cxnLst>
+                <a:cxn ang="0">
+                  <a:pos x="connsiteX0" y="connsiteY0"/>
+                </a:cxn>
+                <a:cxn ang="0">
+                  <a:pos x="connsiteX1" y="connsiteY1"/>
+                </a:cxn>
+                <a:cxn ang="0">
+                  <a:pos x="connsiteX2" y="connsiteY2"/>
+                </a:cxn>
+                <a:cxn ang="0">
+                  <a:pos x="connsiteX3" y="connsiteY3"/>
+                </a:cxn>
+                <a:cxn ang="0">
+                  <a:pos x="connsiteX4" y="connsiteY4"/>
+                </a:cxn>
+              </a:cxnLst>
+              <a:rect l="l" t="t" r="r" b="b"/>
+              <a:pathLst>
+                <a:path w="1135066" h="477997">
+                  <a:moveTo>
+                    <a:pt x="0" y="0"/>
+                  </a:moveTo>
+                  <a:lnTo>
+                    <a:pt x="1135066" y="0"/>
+                  </a:lnTo>
+                  <a:lnTo>
+                    <a:pt x="1133370" y="16827"/>
+                  </a:lnTo>
+                  <a:cubicBezTo>
+                    <a:pt x="1079514" y="280016"/>
+                    <a:pt x="846644" y="477997"/>
+                    <a:pt x="567533" y="477997"/>
+                  </a:cubicBezTo>
+                  <a:cubicBezTo>
+                    <a:pt x="288422" y="477997"/>
+                    <a:pt x="55552" y="280016"/>
+                    <a:pt x="1696" y="16827"/>
+                  </a:cubicBezTo>
+                  <a:close/>
+                </a:path>
+              </a:pathLst>
+            </a:custGeom>
+            <a:solidFill>
+              <a:schemeClr val="accent4"/>
+            </a:solidFill>
+            <a:ln>
+              <a:noFill/>
+            </a:ln>
+          </p:spPr>
+          <p:style>
+            <a:lnRef idx="2">
+              <a:schemeClr val="accent1">
+                <a:shade val="50000"/>
+              </a:schemeClr>
+            </a:lnRef>
+            <a:fillRef idx="1">
+              <a:schemeClr val="accent1"/>
+            </a:fillRef>
+            <a:effectRef idx="0">
+              <a:schemeClr val="accent1"/>
+            </a:effectRef>
+            <a:fontRef idx="minor">
+              <a:schemeClr val="lt1"/>
+            </a:fontRef>
+          </p:style>
+          <p:txBody>
+            <a:bodyPr wrap="square" rtlCol="0" anchor="ctr">
+              <a:noAutofit/>
+            </a:bodyPr>
+            <a:lstStyle/>
+            <a:p>
+              <a:pPr marL="0" marR="0" lvl="0" indent="0" algn="ctr" defTabSz="685800" rtl="0" eaLnBrk="1" fontAlgn="auto" latinLnBrk="0" hangingPunct="1">
+                <a:lnSpc>
+                  <a:spcPct val="100000"/>
+                </a:lnSpc>
+                <a:spcBef>
+                  <a:spcPts val="0"/>
+                </a:spcBef>
+                <a:spcAft>
+                  <a:spcPts val="0"/>
+                </a:spcAft>
+                <a:buClrTx/>
+                <a:buSzTx/>
+                <a:buFontTx/>
+                <a:buNone/>
+                <a:tabLst/>
+                <a:defRPr/>
+              </a:pPr>
+              <a:endParaRPr kumimoji="0" lang="en-US" sz="1400" b="0" i="0" u="none" strike="noStrike" kern="1200" cap="none" spc="0" normalizeH="0" baseline="0" noProof="0" dirty="0">
+                <a:ln>
+                  <a:noFill/>
+                </a:ln>
+                <a:solidFill>
+                  <a:prstClr val="white"/>
+                </a:solidFill>
+                <a:effectLst/>
+                <a:uLnTx/>
+                <a:uFillTx/>
+                <a:latin typeface="Calibri" panose="020F0502020204030204"/>
+                <a:ea typeface="+mn-ea"/>
+                <a:cs typeface="+mn-cs"/>
+              </a:endParaRPr>
+            </a:p>
+          </p:txBody>
+        </p:sp>
+      </p:grpSp>
+      <p:sp>
+        <p:nvSpPr>
+          <p:cNvPr id="2" name="Title 1">
+            <a:extLst>
+              <a:ext uri="{FF2B5EF4-FFF2-40B4-BE49-F238E27FC236}">
+                <a16:creationId xmlns:a16="http://schemas.microsoft.com/office/drawing/2014/main" id="{0C40C44A-93E6-6C58-5E88-AFDC594EC27A}"/>
+              </a:ext>
+            </a:extLst>
+          </p:cNvPr>
+          <p:cNvSpPr>
+            <a:spLocks noGrp="1"/>
+          </p:cNvSpPr>
+          <p:nvPr>
+            <p:ph type="title" hasCustomPrompt="1"/>
+          </p:nvPr>
+        </p:nvSpPr>
+        <p:spPr/>
+        <p:txBody>
+          <a:bodyPr anchor="ctr" anchorCtr="0">
+            <a:noAutofit/>
+          </a:bodyPr>
+          <a:lstStyle>
+            <a:lvl1pPr>
+              <a:defRPr/>
+            </a:lvl1pPr>
+          </a:lstStyle>
+          <a:p>
+            <a:r>
+              <a:rPr lang="en-US" dirty="0"/>
+              <a:t>Click to add title</a:t>
+            </a:r>
+          </a:p>
+        </p:txBody>
+      </p:sp>
+      <p:sp>
+        <p:nvSpPr>
+          <p:cNvPr id="3" name="Content Placeholder 2">
+            <a:extLst>
+              <a:ext uri="{FF2B5EF4-FFF2-40B4-BE49-F238E27FC236}">
+                <a16:creationId xmlns:a16="http://schemas.microsoft.com/office/drawing/2014/main" id="{0C813049-5F46-053E-6279-8183259649A6}"/>
+              </a:ext>
+            </a:extLst>
+          </p:cNvPr>
+          <p:cNvSpPr>
+            <a:spLocks noGrp="1"/>
+          </p:cNvSpPr>
+          <p:nvPr>
+            <p:ph sz="half" idx="1" hasCustomPrompt="1"/>
+          </p:nvPr>
+        </p:nvSpPr>
+        <p:spPr>
+          <a:xfrm>
+            <a:off x="628650" y="1369219"/>
+            <a:ext cx="2161847" cy="3223259"/>
+          </a:xfrm>
+        </p:spPr>
+        <p:txBody>
+          <a:bodyPr>
+            <a:normAutofit/>
+          </a:bodyPr>
+          <a:lstStyle>
+            <a:lvl1pPr marL="0" indent="0">
+              <a:spcBef>
+                <a:spcPts val="750"/>
+              </a:spcBef>
+              <a:spcAft>
+                <a:spcPts val="600"/>
+              </a:spcAft>
+              <a:buNone/>
+              <a:defRPr sz="1400"/>
+            </a:lvl1pPr>
+            <a:lvl2pPr marL="557213" indent="-214313">
+              <a:spcBef>
+                <a:spcPts val="750"/>
+              </a:spcBef>
+              <a:spcAft>
+                <a:spcPts val="600"/>
+              </a:spcAft>
+              <a:buClr>
+                <a:schemeClr val="accent2"/>
+              </a:buClr>
+              <a:buFont typeface="Arial" panose="020B0604020202020204" pitchFamily="34" charset="0"/>
+              <a:buChar char="•"/>
+              <a:defRPr sz="1200"/>
+            </a:lvl2pPr>
+            <a:lvl3pPr marL="900113" indent="-214313">
+              <a:spcBef>
+                <a:spcPts val="750"/>
+              </a:spcBef>
+              <a:spcAft>
+                <a:spcPts val="600"/>
+              </a:spcAft>
+              <a:buClr>
+                <a:schemeClr val="accent2"/>
+              </a:buClr>
+              <a:buFont typeface="Arial" panose="020B0604020202020204" pitchFamily="34" charset="0"/>
+              <a:buChar char="•"/>
+              <a:defRPr sz="1100"/>
+            </a:lvl3pPr>
+            <a:lvl4pPr marL="1157288" indent="-128588">
+              <a:spcBef>
+                <a:spcPts val="750"/>
+              </a:spcBef>
+              <a:spcAft>
+                <a:spcPts val="600"/>
+              </a:spcAft>
+              <a:buClr>
+                <a:schemeClr val="accent2"/>
+              </a:buClr>
+              <a:buFont typeface="Arial" panose="020B0604020202020204" pitchFamily="34" charset="0"/>
+              <a:buChar char="•"/>
+              <a:defRPr sz="900"/>
+            </a:lvl4pPr>
+            <a:lvl5pPr marL="1500188" indent="-128588">
+              <a:spcBef>
+                <a:spcPts val="750"/>
+              </a:spcBef>
+              <a:spcAft>
+                <a:spcPts val="600"/>
+              </a:spcAft>
+              <a:buClr>
+                <a:schemeClr val="accent2"/>
+              </a:buClr>
+              <a:buFont typeface="Arial" panose="020B0604020202020204" pitchFamily="34" charset="0"/>
+              <a:buChar char="•"/>
+              <a:defRPr sz="900"/>
+            </a:lvl5pPr>
+          </a:lstStyle>
+          <a:p>
+            <a:pPr lvl="0"/>
+            <a:r>
+              <a:rPr lang="en-US" dirty="0"/>
+              <a:t>Click to add content</a:t>
+            </a:r>
+          </a:p>
+          <a:p>
+            <a:pPr lvl="1"/>
+            <a:r>
+              <a:rPr lang="en-US" dirty="0"/>
+              <a:t>Second level</a:t>
+            </a:r>
+          </a:p>
+          <a:p>
+            <a:pPr lvl="2"/>
+            <a:r>
+              <a:rPr lang="en-US" dirty="0"/>
+              <a:t>Third level</a:t>
+            </a:r>
+          </a:p>
+          <a:p>
+            <a:pPr lvl="3"/>
+            <a:r>
+              <a:rPr lang="en-US" dirty="0"/>
+              <a:t>Fourth level</a:t>
+            </a:r>
+          </a:p>
+          <a:p>
+            <a:pPr lvl="4"/>
+            <a:r>
+              <a:rPr lang="en-US" dirty="0"/>
+              <a:t>Fifth level</a:t>
+            </a:r>
+          </a:p>
+        </p:txBody>
+      </p:sp>
+      <p:sp>
+        <p:nvSpPr>
+          <p:cNvPr id="8" name="Table Placeholder 7">
+            <a:extLst>
+              <a:ext uri="{FF2B5EF4-FFF2-40B4-BE49-F238E27FC236}">
+                <a16:creationId xmlns:a16="http://schemas.microsoft.com/office/drawing/2014/main" id="{423FEB60-8FB5-7F10-EDD7-8AB4B3139EF6}"/>
+              </a:ext>
+            </a:extLst>
+          </p:cNvPr>
+          <p:cNvSpPr>
+            <a:spLocks noGrp="1"/>
+          </p:cNvSpPr>
+          <p:nvPr>
+            <p:ph type="tbl" sz="quarter" idx="13"/>
+          </p:nvPr>
+        </p:nvSpPr>
+        <p:spPr>
+          <a:xfrm>
+            <a:off x="3028950" y="1369219"/>
+            <a:ext cx="5486399" cy="3223260"/>
+          </a:xfrm>
+        </p:spPr>
+        <p:txBody>
+          <a:bodyPr>
+            <a:normAutofit/>
+          </a:bodyPr>
+          <a:lstStyle>
+            <a:lvl1pPr marL="0" indent="0">
+              <a:buNone/>
+              <a:defRPr sz="1800"/>
+            </a:lvl1pPr>
+          </a:lstStyle>
+          <a:p>
+            <a:r>
+              <a:rPr lang="en-US" dirty="0"/>
+              <a:t>Click icon to add table</a:t>
+            </a:r>
+          </a:p>
+        </p:txBody>
+      </p:sp>
+      <p:sp>
+        <p:nvSpPr>
+          <p:cNvPr id="5" name="Date Placeholder 4">
+            <a:extLst>
+              <a:ext uri="{FF2B5EF4-FFF2-40B4-BE49-F238E27FC236}">
+                <a16:creationId xmlns:a16="http://schemas.microsoft.com/office/drawing/2014/main" id="{C6CFCEB5-4092-FD13-478E-51CD74FDB82E}"/>
+              </a:ext>
+            </a:extLst>
+          </p:cNvPr>
+          <p:cNvSpPr>
+            <a:spLocks noGrp="1"/>
+          </p:cNvSpPr>
+          <p:nvPr>
+            <p:ph type="dt" sz="half" idx="10"/>
+          </p:nvPr>
+        </p:nvSpPr>
+        <p:spPr/>
+        <p:txBody>
+          <a:bodyPr/>
+          <a:lstStyle/>
+          <a:p>
+            <a:fld id="{D6D8061D-18C3-4F4F-85EF-561633F58754}" type="datetimeFigureOut">
+              <a:rPr lang="en-US" smtClean="0"/>
+              <a:pPr/>
+              <a:t>10/12/2024</a:t>
+            </a:fld>
+            <a:endParaRPr lang="en-US" dirty="0"/>
+          </a:p>
+        </p:txBody>
+      </p:sp>
+      <p:sp>
+        <p:nvSpPr>
+          <p:cNvPr id="6" name="Footer Placeholder 5">
+            <a:extLst>
+              <a:ext uri="{FF2B5EF4-FFF2-40B4-BE49-F238E27FC236}">
+                <a16:creationId xmlns:a16="http://schemas.microsoft.com/office/drawing/2014/main" id="{5D077A4D-E7C0-912D-293F-D93F0CB5CA49}"/>
+              </a:ext>
+            </a:extLst>
+          </p:cNvPr>
+          <p:cNvSpPr>
+            <a:spLocks noGrp="1"/>
+          </p:cNvSpPr>
+          <p:nvPr>
+            <p:ph type="ftr" sz="quarter" idx="11"/>
+          </p:nvPr>
+        </p:nvSpPr>
+        <p:spPr/>
+        <p:txBody>
+          <a:bodyPr/>
+          <a:lstStyle/>
+          <a:p>
+            <a:endParaRPr lang="en-US" dirty="0"/>
+          </a:p>
+        </p:txBody>
+      </p:sp>
+      <p:sp>
+        <p:nvSpPr>
+          <p:cNvPr id="7" name="Slide Number Placeholder 6">
+            <a:extLst>
+              <a:ext uri="{FF2B5EF4-FFF2-40B4-BE49-F238E27FC236}">
+                <a16:creationId xmlns:a16="http://schemas.microsoft.com/office/drawing/2014/main" id="{CA6AA9E1-334B-5F8F-8A92-67DD095F7838}"/>
+              </a:ext>
+            </a:extLst>
+          </p:cNvPr>
+          <p:cNvSpPr>
+            <a:spLocks noGrp="1"/>
+          </p:cNvSpPr>
+          <p:nvPr>
+            <p:ph type="sldNum" sz="quarter" idx="12"/>
+          </p:nvPr>
+        </p:nvSpPr>
+        <p:spPr/>
+        <p:txBody>
+          <a:bodyPr/>
+          <a:lstStyle/>
+          <a:p>
+            <a:fld id="{CBD12358-51D2-46B3-9BDE-DF29528B9454}" type="slidenum">
+              <a:rPr lang="en-US" smtClean="0"/>
+              <a:pPr/>
+              <a:t>‹#›</a:t>
+            </a:fld>
+            <a:endParaRPr lang="en-US" dirty="0"/>
+          </a:p>
+        </p:txBody>
+      </p:sp>
+    </p:spTree>
+    <p:extLst>
+      <p:ext uri="{BB962C8B-B14F-4D97-AF65-F5344CB8AC3E}">
+        <p14:creationId xmlns:p14="http://schemas.microsoft.com/office/powerpoint/2010/main" val="280815037"/>
+      </p:ext>
+    </p:extLst>
+  </p:cSld>
+  <p:clrMapOvr>
+    <a:masterClrMapping/>
+  </p:clrMapOvr>
+</p:sldLayout>
+</file>
+
 <file path=ppt/slideMasters/slideMaster1.xml><?xml version="1.0" encoding="utf-8"?>
 <p:sldMaster xmlns:a="http://schemas.openxmlformats.org/drawingml/2006/main" xmlns:r="http://schemas.openxmlformats.org/officeDocument/2006/relationships" xmlns:p="http://schemas.openxmlformats.org/presentationml/2006/main">
   <p:cSld>
@@ -15341,16 +14377,15 @@
     <p:sldLayoutId id="2147483654" r:id="rId1"/>
     <p:sldLayoutId id="2147483660" r:id="rId2"/>
     <p:sldLayoutId id="2147483658" r:id="rId3"/>
-    <p:sldLayoutId id="2147483667" r:id="rId4"/>
-    <p:sldLayoutId id="2147483650" r:id="rId5"/>
-    <p:sldLayoutId id="2147483649" r:id="rId6"/>
-    <p:sldLayoutId id="2147483662" r:id="rId7"/>
-    <p:sldLayoutId id="2147483663" r:id="rId8"/>
-    <p:sldLayoutId id="2147483652" r:id="rId9"/>
-    <p:sldLayoutId id="2147483666" r:id="rId10"/>
-    <p:sldLayoutId id="2147483664" r:id="rId11"/>
-    <p:sldLayoutId id="2147483665" r:id="rId12"/>
-    <p:sldLayoutId id="2147483661" r:id="rId13"/>
+    <p:sldLayoutId id="2147483650" r:id="rId4"/>
+    <p:sldLayoutId id="2147483649" r:id="rId5"/>
+    <p:sldLayoutId id="2147483662" r:id="rId6"/>
+    <p:sldLayoutId id="2147483663" r:id="rId7"/>
+    <p:sldLayoutId id="2147483652" r:id="rId8"/>
+    <p:sldLayoutId id="2147483666" r:id="rId9"/>
+    <p:sldLayoutId id="2147483664" r:id="rId10"/>
+    <p:sldLayoutId id="2147483665" r:id="rId11"/>
+    <p:sldLayoutId id="2147483661" r:id="rId12"/>
   </p:sldLayoutIdLst>
   <p:txStyles>
     <p:titleStyle>
@@ -23465,6 +22500,88 @@
           </p:sp>
         </p:grpSp>
       </p:grpSp>
+      <p:sp>
+        <p:nvSpPr>
+          <p:cNvPr id="42" name="TextBox 41">
+            <a:extLst>
+              <a:ext uri="{FF2B5EF4-FFF2-40B4-BE49-F238E27FC236}">
+                <a16:creationId xmlns:a16="http://schemas.microsoft.com/office/drawing/2014/main" id="{CEA5AA58-5E79-9756-636E-D5CEE56F3AAF}"/>
+              </a:ext>
+            </a:extLst>
+          </p:cNvPr>
+          <p:cNvSpPr txBox="1"/>
+          <p:nvPr/>
+        </p:nvSpPr>
+        <p:spPr>
+          <a:xfrm>
+            <a:off x="1733550" y="4714875"/>
+            <a:ext cx="5761969" cy="307777"/>
+          </a:xfrm>
+          <a:prstGeom prst="rect">
+            <a:avLst/>
+          </a:prstGeom>
+          <a:noFill/>
+        </p:spPr>
+        <p:txBody>
+          <a:bodyPr wrap="square" rtlCol="0">
+            <a:spAutoFit/>
+          </a:bodyPr>
+          <a:lstStyle/>
+          <a:p>
+            <a:pPr algn="r"/>
+            <a:r>
+              <a:rPr lang="en-IN" b="1" dirty="0">
+                <a:solidFill>
+                  <a:schemeClr val="accent2">
+                    <a:lumMod val="50000"/>
+                  </a:schemeClr>
+                </a:solidFill>
+              </a:rPr>
+              <a:t>* </a:t>
+            </a:r>
+            <a:r>
+              <a:rPr lang="en-IN" b="1" dirty="0" err="1">
+                <a:solidFill>
+                  <a:schemeClr val="accent2">
+                    <a:lumMod val="50000"/>
+                  </a:schemeClr>
+                </a:solidFill>
+              </a:rPr>
+              <a:t>Sahaayak</a:t>
+            </a:r>
+            <a:r>
+              <a:rPr lang="en-IN" b="1" dirty="0">
+                <a:solidFill>
+                  <a:schemeClr val="accent2">
+                    <a:lumMod val="50000"/>
+                  </a:schemeClr>
+                </a:solidFill>
+              </a:rPr>
+              <a:t> – Gaurika Gupta, Mohini </a:t>
+            </a:r>
+            <a:r>
+              <a:rPr lang="en-IN" b="1" dirty="0" err="1">
+                <a:solidFill>
+                  <a:schemeClr val="accent2">
+                    <a:lumMod val="50000"/>
+                  </a:schemeClr>
+                </a:solidFill>
+              </a:rPr>
+              <a:t>Laghate</a:t>
+            </a:r>
+            <a:r>
+              <a:rPr lang="en-IN" b="1" dirty="0">
+                <a:solidFill>
+                  <a:schemeClr val="accent2">
+                    <a:lumMod val="50000"/>
+                  </a:schemeClr>
+                </a:solidFill>
+              </a:rPr>
+              <a:t> &amp; Pritam Shete</a:t>
+            </a:r>
+          </a:p>
+        </p:txBody>
+      </p:sp>
     </p:spTree>
     <p:extLst>
       <p:ext uri="{BB962C8B-B14F-4D97-AF65-F5344CB8AC3E}">
@@ -23543,7 +22660,7 @@
         </p:nvGrpSpPr>
         <p:grpSpPr>
           <a:xfrm>
-            <a:off x="917770" y="1409001"/>
+            <a:off x="917770" y="1285913"/>
             <a:ext cx="6832950" cy="3428345"/>
             <a:chOff x="917770" y="1600200"/>
             <a:chExt cx="6832950" cy="3428345"/>
@@ -26707,6 +25824,88 @@
           </p:txBody>
         </p:sp>
       </p:grpSp>
+      <p:sp>
+        <p:nvSpPr>
+          <p:cNvPr id="8" name="TextBox 7">
+            <a:extLst>
+              <a:ext uri="{FF2B5EF4-FFF2-40B4-BE49-F238E27FC236}">
+                <a16:creationId xmlns:a16="http://schemas.microsoft.com/office/drawing/2014/main" id="{5F862C2B-E72E-62FA-0A90-95337F2AD4AA}"/>
+              </a:ext>
+            </a:extLst>
+          </p:cNvPr>
+          <p:cNvSpPr txBox="1"/>
+          <p:nvPr/>
+        </p:nvSpPr>
+        <p:spPr>
+          <a:xfrm>
+            <a:off x="1733550" y="4714875"/>
+            <a:ext cx="5761969" cy="307777"/>
+          </a:xfrm>
+          <a:prstGeom prst="rect">
+            <a:avLst/>
+          </a:prstGeom>
+          <a:noFill/>
+        </p:spPr>
+        <p:txBody>
+          <a:bodyPr wrap="square" rtlCol="0">
+            <a:spAutoFit/>
+          </a:bodyPr>
+          <a:lstStyle/>
+          <a:p>
+            <a:pPr algn="r"/>
+            <a:r>
+              <a:rPr lang="en-IN" b="1" dirty="0">
+                <a:solidFill>
+                  <a:schemeClr val="accent2">
+                    <a:lumMod val="50000"/>
+                  </a:schemeClr>
+                </a:solidFill>
+              </a:rPr>
+              <a:t>* </a:t>
+            </a:r>
+            <a:r>
+              <a:rPr lang="en-IN" b="1" dirty="0" err="1">
+                <a:solidFill>
+                  <a:schemeClr val="accent2">
+                    <a:lumMod val="50000"/>
+                  </a:schemeClr>
+                </a:solidFill>
+              </a:rPr>
+              <a:t>Sahaayak</a:t>
+            </a:r>
+            <a:r>
+              <a:rPr lang="en-IN" b="1" dirty="0">
+                <a:solidFill>
+                  <a:schemeClr val="accent2">
+                    <a:lumMod val="50000"/>
+                  </a:schemeClr>
+                </a:solidFill>
+              </a:rPr>
+              <a:t> – Gaurika Gupta, Mohini </a:t>
+            </a:r>
+            <a:r>
+              <a:rPr lang="en-IN" b="1" dirty="0" err="1">
+                <a:solidFill>
+                  <a:schemeClr val="accent2">
+                    <a:lumMod val="50000"/>
+                  </a:schemeClr>
+                </a:solidFill>
+              </a:rPr>
+              <a:t>Laghate</a:t>
+            </a:r>
+            <a:r>
+              <a:rPr lang="en-IN" b="1" dirty="0">
+                <a:solidFill>
+                  <a:schemeClr val="accent2">
+                    <a:lumMod val="50000"/>
+                  </a:schemeClr>
+                </a:solidFill>
+              </a:rPr>
+              <a:t> &amp; Pritam Shete</a:t>
+            </a:r>
+          </a:p>
+        </p:txBody>
+      </p:sp>
     </p:spTree>
     <p:extLst>
       <p:ext uri="{BB962C8B-B14F-4D97-AF65-F5344CB8AC3E}">
@@ -28931,7 +28130,7 @@
           <a:p>
             <a:r>
               <a:rPr lang="en-US" dirty="0"/>
-              <a:t>BLIP-2</a:t>
+              <a:t>FashionVLM</a:t>
             </a:r>
             <a:endParaRPr lang="en-US" dirty="0">
               <a:solidFill>
@@ -28971,7 +28170,7 @@
         </p:spPr>
         <p:txBody>
           <a:bodyPr vert="horz" lIns="68580" tIns="34290" rIns="68580" bIns="34290" rtlCol="0" anchor="t">
-            <a:normAutofit/>
+            <a:normAutofit lnSpcReduction="10000"/>
           </a:bodyPr>
           <a:lstStyle/>
           <a:p>
@@ -28988,6 +28187,23 @@
             </a:pPr>
             <a:r>
               <a:rPr lang="en-IN" sz="2000" dirty="0"/>
+              <a:t>BLIP-2</a:t>
+            </a:r>
+          </a:p>
+          <a:p>
+            <a:pPr marL="514350" lvl="2">
+              <a:spcBef>
+                <a:spcPts val="750"/>
+              </a:spcBef>
+              <a:spcAft>
+                <a:spcPts val="600"/>
+              </a:spcAft>
+              <a:buClr>
+                <a:schemeClr val="accent2"/>
+              </a:buClr>
+            </a:pPr>
+            <a:r>
+              <a:rPr lang="en-IN" sz="1700" dirty="0"/>
               <a:t>Bootstrapping Language Image Pre–training </a:t>
             </a:r>
           </a:p>
@@ -29102,6 +28318,48 @@
               <a:t>Querying Transformer (Q-Former)</a:t>
             </a:r>
             <a:endParaRPr lang="en-US" sz="1700" dirty="0"/>
+          </a:p>
+        </p:txBody>
+      </p:sp>
+      <p:sp>
+        <p:nvSpPr>
+          <p:cNvPr id="2" name="TextBox 1">
+            <a:extLst>
+              <a:ext uri="{FF2B5EF4-FFF2-40B4-BE49-F238E27FC236}">
+                <a16:creationId xmlns:a16="http://schemas.microsoft.com/office/drawing/2014/main" id="{294FBF46-685F-AD18-6C68-10B5F24960BF}"/>
+              </a:ext>
+            </a:extLst>
+          </p:cNvPr>
+          <p:cNvSpPr txBox="1"/>
+          <p:nvPr/>
+        </p:nvSpPr>
+        <p:spPr>
+          <a:xfrm>
+            <a:off x="1733550" y="4714875"/>
+            <a:ext cx="5761969" cy="307777"/>
+          </a:xfrm>
+          <a:prstGeom prst="rect">
+            <a:avLst/>
+          </a:prstGeom>
+          <a:noFill/>
+        </p:spPr>
+        <p:txBody>
+          <a:bodyPr wrap="square" rtlCol="0">
+            <a:spAutoFit/>
+          </a:bodyPr>
+          <a:lstStyle/>
+          <a:p>
+            <a:pPr algn="r"/>
+            <a:r>
+              <a:rPr lang="en-IN" b="1" dirty="0">
+                <a:solidFill>
+                  <a:schemeClr val="accent2">
+                    <a:lumMod val="50000"/>
+                  </a:schemeClr>
+                </a:solidFill>
+              </a:rPr>
+              <a:t>* Gaurika Gupta &amp; Pritam Shete</a:t>
+            </a:r>
           </a:p>
         </p:txBody>
       </p:sp>
@@ -29382,7 +28640,7 @@
             </a:pPr>
             <a:r>
               <a:rPr lang="en-US" sz="2000" dirty="0"/>
-              <a:t>Largest dataset</a:t>
+              <a:t>Largest dataset of fashion items</a:t>
             </a:r>
           </a:p>
           <a:p>
@@ -29618,6 +28876,870 @@
       </p:grpSpPr>
       <p:sp>
         <p:nvSpPr>
+          <p:cNvPr id="2" name="Title 1">
+            <a:extLst>
+              <a:ext uri="{FF2B5EF4-FFF2-40B4-BE49-F238E27FC236}">
+                <a16:creationId xmlns:a16="http://schemas.microsoft.com/office/drawing/2014/main" id="{D1FC59F6-9B22-C211-4B4C-A2FD4B914C46}"/>
+              </a:ext>
+            </a:extLst>
+          </p:cNvPr>
+          <p:cNvSpPr>
+            <a:spLocks noGrp="1"/>
+          </p:cNvSpPr>
+          <p:nvPr>
+            <p:ph type="title"/>
+          </p:nvPr>
+        </p:nvSpPr>
+        <p:spPr>
+          <a:xfrm>
+            <a:off x="628650" y="273844"/>
+            <a:ext cx="7886700" cy="994172"/>
+          </a:xfrm>
+          <a:noFill/>
+        </p:spPr>
+        <p:txBody>
+          <a:bodyPr anchor="ctr"/>
+          <a:lstStyle/>
+          <a:p>
+            <a:r>
+              <a:rPr lang="en-US" dirty="0"/>
+              <a:t>FashionVLM – Evaluation on FACAD</a:t>
+            </a:r>
+          </a:p>
+        </p:txBody>
+      </p:sp>
+      <p:graphicFrame>
+        <p:nvGraphicFramePr>
+          <p:cNvPr id="4" name="Table Placeholder 3">
+            <a:extLst>
+              <a:ext uri="{FF2B5EF4-FFF2-40B4-BE49-F238E27FC236}">
+                <a16:creationId xmlns:a16="http://schemas.microsoft.com/office/drawing/2014/main" id="{0519CAC4-33D8-0B1E-88FF-086E69894AFB}"/>
+              </a:ext>
+            </a:extLst>
+          </p:cNvPr>
+          <p:cNvGraphicFramePr>
+            <a:graphicFrameLocks noGrp="1"/>
+          </p:cNvGraphicFramePr>
+          <p:nvPr>
+            <p:ph type="tbl" sz="quarter" idx="13"/>
+            <p:extLst>
+              <p:ext uri="{D42A27DB-BD31-4B8C-83A1-F6EECF244321}">
+                <p14:modId xmlns:p14="http://schemas.microsoft.com/office/powerpoint/2010/main" val="1443616024"/>
+              </p:ext>
+            </p:extLst>
+          </p:nvPr>
+        </p:nvGraphicFramePr>
+        <p:xfrm>
+          <a:off x="628650" y="1369219"/>
+          <a:ext cx="7886701" cy="3307080"/>
+        </p:xfrm>
+        <a:graphic>
+          <a:graphicData uri="http://schemas.openxmlformats.org/drawingml/2006/table">
+            <a:tbl>
+              <a:tblPr firstRow="1" bandRow="1">
+                <a:tableStyleId>{72833802-FEF1-4C79-8D5D-14CF1EAF98D9}</a:tableStyleId>
+              </a:tblPr>
+              <a:tblGrid>
+                <a:gridCol w="1859717">
+                  <a:extLst>
+                    <a:ext uri="{9D8B030D-6E8A-4147-A177-3AD203B41FA5}">
+                      <a16:colId xmlns:a16="http://schemas.microsoft.com/office/drawing/2014/main" val="2382218087"/>
+                    </a:ext>
+                  </a:extLst>
+                </a:gridCol>
+                <a:gridCol w="1506746">
+                  <a:extLst>
+                    <a:ext uri="{9D8B030D-6E8A-4147-A177-3AD203B41FA5}">
+                      <a16:colId xmlns:a16="http://schemas.microsoft.com/office/drawing/2014/main" val="3953468724"/>
+                    </a:ext>
+                  </a:extLst>
+                </a:gridCol>
+                <a:gridCol w="1506746">
+                  <a:extLst>
+                    <a:ext uri="{9D8B030D-6E8A-4147-A177-3AD203B41FA5}">
+                      <a16:colId xmlns:a16="http://schemas.microsoft.com/office/drawing/2014/main" val="2046445661"/>
+                    </a:ext>
+                  </a:extLst>
+                </a:gridCol>
+                <a:gridCol w="1506746">
+                  <a:extLst>
+                    <a:ext uri="{9D8B030D-6E8A-4147-A177-3AD203B41FA5}">
+                      <a16:colId xmlns:a16="http://schemas.microsoft.com/office/drawing/2014/main" val="3495531260"/>
+                    </a:ext>
+                  </a:extLst>
+                </a:gridCol>
+                <a:gridCol w="1506746">
+                  <a:extLst>
+                    <a:ext uri="{9D8B030D-6E8A-4147-A177-3AD203B41FA5}">
+                      <a16:colId xmlns:a16="http://schemas.microsoft.com/office/drawing/2014/main" val="3623106039"/>
+                    </a:ext>
+                  </a:extLst>
+                </a:gridCol>
+              </a:tblGrid>
+              <a:tr h="274320">
+                <a:tc rowSpan="2">
+                  <a:txBody>
+                    <a:bodyPr/>
+                    <a:lstStyle/>
+                    <a:p>
+                      <a:pPr algn="ctr"/>
+                      <a:r>
+                        <a:rPr lang="en-US" sz="1400" b="1" i="0" dirty="0">
+                          <a:latin typeface="+mj-lt"/>
+                        </a:rPr>
+                        <a:t>Models</a:t>
+                      </a:r>
+                    </a:p>
+                  </a:txBody>
+                  <a:tcPr marL="68580" marR="68580" marT="34290" marB="34290" anchor="ctr"/>
+                </a:tc>
+                <a:tc gridSpan="4">
+                  <a:txBody>
+                    <a:bodyPr/>
+                    <a:lstStyle/>
+                    <a:p>
+                      <a:pPr algn="ctr"/>
+                      <a:r>
+                        <a:rPr lang="en-US" sz="1400" b="1" i="0" dirty="0">
+                          <a:latin typeface="+mj-lt"/>
+                        </a:rPr>
+                        <a:t>Evaluation Metrics (%)</a:t>
+                      </a:r>
+                    </a:p>
+                  </a:txBody>
+                  <a:tcPr marL="68580" marR="68580" marT="34290" marB="34290" anchor="ctr">
+                    <a:solidFill>
+                      <a:schemeClr val="accent2"/>
+                    </a:solidFill>
+                  </a:tcPr>
+                </a:tc>
+                <a:tc hMerge="1">
+                  <a:txBody>
+                    <a:bodyPr/>
+                    <a:lstStyle/>
+                    <a:p>
+                      <a:pPr algn="ctr"/>
+                      <a:endParaRPr lang="en-US" sz="1400" b="1" i="0" dirty="0">
+                        <a:latin typeface="+mj-lt"/>
+                      </a:endParaRPr>
+                    </a:p>
+                  </a:txBody>
+                  <a:tcPr marL="68580" marR="68580" marT="34290" marB="34290" anchor="ctr">
+                    <a:solidFill>
+                      <a:schemeClr val="accent2"/>
+                    </a:solidFill>
+                  </a:tcPr>
+                </a:tc>
+                <a:tc hMerge="1">
+                  <a:txBody>
+                    <a:bodyPr/>
+                    <a:lstStyle/>
+                    <a:p>
+                      <a:pPr algn="ctr"/>
+                      <a:endParaRPr lang="en-US" sz="1400" b="1" i="0" dirty="0">
+                        <a:latin typeface="+mj-lt"/>
+                      </a:endParaRPr>
+                    </a:p>
+                  </a:txBody>
+                  <a:tcPr marL="68580" marR="68580" marT="34290" marB="34290" anchor="ctr">
+                    <a:solidFill>
+                      <a:schemeClr val="accent2"/>
+                    </a:solidFill>
+                  </a:tcPr>
+                </a:tc>
+                <a:tc hMerge="1">
+                  <a:txBody>
+                    <a:bodyPr/>
+                    <a:lstStyle/>
+                    <a:p>
+                      <a:pPr algn="ctr"/>
+                      <a:endParaRPr lang="en-US" sz="1400" b="1" i="0" dirty="0">
+                        <a:latin typeface="+mj-lt"/>
+                      </a:endParaRPr>
+                    </a:p>
+                  </a:txBody>
+                  <a:tcPr marL="68580" marR="68580" marT="34290" marB="34290" anchor="ctr">
+                    <a:solidFill>
+                      <a:schemeClr val="accent2"/>
+                    </a:solidFill>
+                  </a:tcPr>
+                </a:tc>
+                <a:extLst>
+                  <a:ext uri="{0D108BD9-81ED-4DB2-BD59-A6C34878D82A}">
+                    <a16:rowId xmlns:a16="http://schemas.microsoft.com/office/drawing/2014/main" val="2857107962"/>
+                  </a:ext>
+                </a:extLst>
+              </a:tr>
+              <a:tr h="274320">
+                <a:tc vMerge="1">
+                  <a:txBody>
+                    <a:bodyPr/>
+                    <a:lstStyle/>
+                    <a:p>
+                      <a:endParaRPr lang="en-IN"/>
+                    </a:p>
+                  </a:txBody>
+                  <a:tcPr/>
+                </a:tc>
+                <a:tc>
+                  <a:txBody>
+                    <a:bodyPr/>
+                    <a:lstStyle/>
+                    <a:p>
+                      <a:pPr algn="ctr"/>
+                      <a:r>
+                        <a:rPr lang="en-US" sz="1400" b="1" i="0" dirty="0">
+                          <a:solidFill>
+                            <a:srgbClr val="FFF6F6"/>
+                          </a:solidFill>
+                          <a:latin typeface="+mj-lt"/>
+                        </a:rPr>
+                        <a:t>BLEU-4</a:t>
+                      </a:r>
+                    </a:p>
+                  </a:txBody>
+                  <a:tcPr marL="68580" marR="68580" marT="34290" marB="34290" anchor="ctr">
+                    <a:solidFill>
+                      <a:schemeClr val="accent2"/>
+                    </a:solidFill>
+                  </a:tcPr>
+                </a:tc>
+                <a:tc>
+                  <a:txBody>
+                    <a:bodyPr/>
+                    <a:lstStyle/>
+                    <a:p>
+                      <a:pPr algn="ctr"/>
+                      <a:r>
+                        <a:rPr lang="en-US" sz="1400" b="1" i="0" dirty="0">
+                          <a:solidFill>
+                            <a:srgbClr val="FFF6F6"/>
+                          </a:solidFill>
+                          <a:latin typeface="+mj-lt"/>
+                        </a:rPr>
+                        <a:t>CIDEr</a:t>
+                      </a:r>
+                    </a:p>
+                  </a:txBody>
+                  <a:tcPr marL="68580" marR="68580" marT="34290" marB="34290" anchor="ctr">
+                    <a:solidFill>
+                      <a:schemeClr val="accent2"/>
+                    </a:solidFill>
+                  </a:tcPr>
+                </a:tc>
+                <a:tc>
+                  <a:txBody>
+                    <a:bodyPr/>
+                    <a:lstStyle/>
+                    <a:p>
+                      <a:pPr algn="ctr"/>
+                      <a:r>
+                        <a:rPr lang="en-US" sz="1400" b="1" i="0" dirty="0">
+                          <a:solidFill>
+                            <a:srgbClr val="FFF6F6"/>
+                          </a:solidFill>
+                          <a:latin typeface="+mj-lt"/>
+                        </a:rPr>
+                        <a:t>ROUGE-L</a:t>
+                      </a:r>
+                    </a:p>
+                  </a:txBody>
+                  <a:tcPr marL="68580" marR="68580" marT="34290" marB="34290" anchor="ctr">
+                    <a:solidFill>
+                      <a:schemeClr val="accent2"/>
+                    </a:solidFill>
+                  </a:tcPr>
+                </a:tc>
+                <a:tc>
+                  <a:txBody>
+                    <a:bodyPr/>
+                    <a:lstStyle/>
+                    <a:p>
+                      <a:pPr algn="ctr"/>
+                      <a:r>
+                        <a:rPr lang="en-US" sz="1400" b="1" i="0" dirty="0">
+                          <a:solidFill>
+                            <a:srgbClr val="FFF6F6"/>
+                          </a:solidFill>
+                          <a:latin typeface="+mj-lt"/>
+                        </a:rPr>
+                        <a:t>METEOR</a:t>
+                      </a:r>
+                    </a:p>
+                  </a:txBody>
+                  <a:tcPr marL="68580" marR="68580" marT="34290" marB="34290" anchor="ctr">
+                    <a:solidFill>
+                      <a:schemeClr val="accent2"/>
+                    </a:solidFill>
+                  </a:tcPr>
+                </a:tc>
+                <a:extLst>
+                  <a:ext uri="{0D108BD9-81ED-4DB2-BD59-A6C34878D82A}">
+                    <a16:rowId xmlns:a16="http://schemas.microsoft.com/office/drawing/2014/main" val="2548491233"/>
+                  </a:ext>
+                </a:extLst>
+              </a:tr>
+              <a:tr h="548640">
+                <a:tc>
+                  <a:txBody>
+                    <a:bodyPr/>
+                    <a:lstStyle/>
+                    <a:p>
+                      <a:pPr algn="ctr"/>
+                      <a:r>
+                        <a:rPr lang="en-US" sz="1400" b="0" i="0" dirty="0">
+                          <a:latin typeface="+mn-lt"/>
+                        </a:rPr>
+                        <a:t>Tang et. al.</a:t>
+                      </a:r>
+                    </a:p>
+                  </a:txBody>
+                  <a:tcPr marL="68580" marR="68580" marT="34290" marB="34290" anchor="ctr"/>
+                </a:tc>
+                <a:tc>
+                  <a:txBody>
+                    <a:bodyPr/>
+                    <a:lstStyle/>
+                    <a:p>
+                      <a:pPr algn="ctr"/>
+                      <a:r>
+                        <a:rPr lang="en-US" sz="1400" b="0" i="0" dirty="0">
+                          <a:latin typeface="+mn-lt"/>
+                        </a:rPr>
+                        <a:t>10.0</a:t>
+                      </a:r>
+                    </a:p>
+                  </a:txBody>
+                  <a:tcPr marL="68580" marR="68580" marT="34290" marB="34290" anchor="ctr"/>
+                </a:tc>
+                <a:tc>
+                  <a:txBody>
+                    <a:bodyPr/>
+                    <a:lstStyle/>
+                    <a:p>
+                      <a:pPr algn="ctr"/>
+                      <a:r>
+                        <a:rPr lang="en-US" sz="1400" b="0" i="0" dirty="0">
+                          <a:latin typeface="+mn-lt"/>
+                        </a:rPr>
+                        <a:t>81.8</a:t>
+                      </a:r>
+                      <a:endParaRPr lang="en-IN" b="0" dirty="0"/>
+                    </a:p>
+                  </a:txBody>
+                  <a:tcPr marL="68580" marR="68580" marT="34290" marB="34290" anchor="ctr"/>
+                </a:tc>
+                <a:tc>
+                  <a:txBody>
+                    <a:bodyPr/>
+                    <a:lstStyle/>
+                    <a:p>
+                      <a:pPr algn="ctr"/>
+                      <a:r>
+                        <a:rPr lang="en-US" sz="1400" b="1" i="0" u="sng" dirty="0">
+                          <a:latin typeface="+mn-lt"/>
+                        </a:rPr>
+                        <a:t>23.0</a:t>
+                      </a:r>
+                      <a:endParaRPr lang="en-IN" b="1" u="sng" dirty="0"/>
+                    </a:p>
+                  </a:txBody>
+                  <a:tcPr marL="68580" marR="68580" marT="34290" marB="34290" anchor="ctr"/>
+                </a:tc>
+                <a:tc>
+                  <a:txBody>
+                    <a:bodyPr/>
+                    <a:lstStyle/>
+                    <a:p>
+                      <a:pPr algn="ctr"/>
+                      <a:r>
+                        <a:rPr lang="en-US" sz="1400" b="1" i="0" u="sng" dirty="0">
+                          <a:latin typeface="+mn-lt"/>
+                        </a:rPr>
+                        <a:t>11.9</a:t>
+                      </a:r>
+                      <a:endParaRPr lang="en-IN" b="1" u="sng" dirty="0"/>
+                    </a:p>
+                  </a:txBody>
+                  <a:tcPr marL="68580" marR="68580" marT="34290" marB="34290" anchor="ctr"/>
+                </a:tc>
+                <a:extLst>
+                  <a:ext uri="{0D108BD9-81ED-4DB2-BD59-A6C34878D82A}">
+                    <a16:rowId xmlns:a16="http://schemas.microsoft.com/office/drawing/2014/main" val="1671386868"/>
+                  </a:ext>
+                </a:extLst>
+              </a:tr>
+              <a:tr h="548640">
+                <a:tc>
+                  <a:txBody>
+                    <a:bodyPr/>
+                    <a:lstStyle/>
+                    <a:p>
+                      <a:pPr algn="ctr"/>
+                      <a:r>
+                        <a:rPr lang="en-US" sz="1400" b="0" i="0" dirty="0" err="1">
+                          <a:latin typeface="+mn-lt"/>
+                        </a:rPr>
+                        <a:t>Moratelli</a:t>
+                      </a:r>
+                      <a:r>
+                        <a:rPr lang="en-US" sz="1400" b="0" i="0" dirty="0">
+                          <a:latin typeface="+mn-lt"/>
+                        </a:rPr>
+                        <a:t> et. al.</a:t>
+                      </a:r>
+                    </a:p>
+                  </a:txBody>
+                  <a:tcPr marL="68580" marR="68580" marT="34290" marB="34290" anchor="ctr"/>
+                </a:tc>
+                <a:tc>
+                  <a:txBody>
+                    <a:bodyPr/>
+                    <a:lstStyle/>
+                    <a:p>
+                      <a:pPr algn="ctr"/>
+                      <a:r>
+                        <a:rPr lang="en-US" sz="1400" b="1" i="0" u="sng" dirty="0">
+                          <a:latin typeface="+mn-lt"/>
+                        </a:rPr>
+                        <a:t>10.6</a:t>
+                      </a:r>
+                    </a:p>
+                  </a:txBody>
+                  <a:tcPr marL="68580" marR="68580" marT="34290" marB="34290" anchor="ctr"/>
+                </a:tc>
+                <a:tc>
+                  <a:txBody>
+                    <a:bodyPr/>
+                    <a:lstStyle/>
+                    <a:p>
+                      <a:pPr algn="ctr"/>
+                      <a:r>
+                        <a:rPr lang="en-US" sz="1400" b="1" i="0" u="sng" dirty="0">
+                          <a:latin typeface="+mn-lt"/>
+                        </a:rPr>
+                        <a:t>84.5</a:t>
+                      </a:r>
+                      <a:endParaRPr lang="en-IN" b="1" u="sng" dirty="0"/>
+                    </a:p>
+                  </a:txBody>
+                  <a:tcPr marL="68580" marR="68580" marT="34290" marB="34290" anchor="ctr"/>
+                </a:tc>
+                <a:tc>
+                  <a:txBody>
+                    <a:bodyPr/>
+                    <a:lstStyle/>
+                    <a:p>
+                      <a:pPr algn="ctr"/>
+                      <a:r>
+                        <a:rPr lang="en-US" sz="1400" b="0" i="0" dirty="0">
+                          <a:latin typeface="+mn-lt"/>
+                        </a:rPr>
+                        <a:t>22.4</a:t>
+                      </a:r>
+                      <a:endParaRPr lang="en-IN" b="0" dirty="0"/>
+                    </a:p>
+                  </a:txBody>
+                  <a:tcPr marL="68580" marR="68580" marT="34290" marB="34290" anchor="ctr"/>
+                </a:tc>
+                <a:tc>
+                  <a:txBody>
+                    <a:bodyPr/>
+                    <a:lstStyle/>
+                    <a:p>
+                      <a:pPr algn="ctr"/>
+                      <a:r>
+                        <a:rPr lang="en-US" sz="1400" b="0" i="0" dirty="0">
+                          <a:latin typeface="+mn-lt"/>
+                        </a:rPr>
+                        <a:t>11.6</a:t>
+                      </a:r>
+                      <a:endParaRPr lang="en-IN" b="0" dirty="0"/>
+                    </a:p>
+                  </a:txBody>
+                  <a:tcPr marL="68580" marR="68580" marT="34290" marB="34290" anchor="ctr"/>
+                </a:tc>
+                <a:extLst>
+                  <a:ext uri="{0D108BD9-81ED-4DB2-BD59-A6C34878D82A}">
+                    <a16:rowId xmlns:a16="http://schemas.microsoft.com/office/drawing/2014/main" val="380626418"/>
+                  </a:ext>
+                </a:extLst>
+              </a:tr>
+              <a:tr h="548640">
+                <a:tc>
+                  <a:txBody>
+                    <a:bodyPr/>
+                    <a:lstStyle/>
+                    <a:p>
+                      <a:pPr algn="ctr"/>
+                      <a:r>
+                        <a:rPr lang="en-US" sz="1400" b="0" i="0" dirty="0">
+                          <a:latin typeface="+mn-lt"/>
+                        </a:rPr>
+                        <a:t>OPT-6.7</a:t>
+                      </a:r>
+                    </a:p>
+                    <a:p>
+                      <a:pPr algn="ctr"/>
+                      <a:r>
+                        <a:rPr lang="en-US" sz="1400" b="0" i="0" dirty="0">
+                          <a:latin typeface="+mn-lt"/>
+                        </a:rPr>
+                        <a:t>Stage One</a:t>
+                      </a:r>
+                    </a:p>
+                  </a:txBody>
+                  <a:tcPr marL="68580" marR="68580" marT="34290" marB="34290" anchor="ctr"/>
+                </a:tc>
+                <a:tc>
+                  <a:txBody>
+                    <a:bodyPr/>
+                    <a:lstStyle/>
+                    <a:p>
+                      <a:pPr algn="ctr"/>
+                      <a:r>
+                        <a:rPr lang="en-US" sz="1400" b="0" i="0" dirty="0">
+                          <a:latin typeface="+mn-lt"/>
+                        </a:rPr>
+                        <a:t>12.331</a:t>
+                      </a:r>
+                    </a:p>
+                  </a:txBody>
+                  <a:tcPr marL="68580" marR="68580" marT="34290" marB="34290" anchor="ctr"/>
+                </a:tc>
+                <a:tc>
+                  <a:txBody>
+                    <a:bodyPr/>
+                    <a:lstStyle/>
+                    <a:p>
+                      <a:pPr algn="ctr"/>
+                      <a:r>
+                        <a:rPr lang="en-US" sz="1400" b="0" i="0" dirty="0">
+                          <a:latin typeface="+mn-lt"/>
+                        </a:rPr>
+                        <a:t>101.205	</a:t>
+                      </a:r>
+                      <a:endParaRPr lang="en-IN" b="0" dirty="0"/>
+                    </a:p>
+                  </a:txBody>
+                  <a:tcPr marL="68580" marR="68580" marT="34290" marB="34290" anchor="ctr"/>
+                </a:tc>
+                <a:tc>
+                  <a:txBody>
+                    <a:bodyPr/>
+                    <a:lstStyle/>
+                    <a:p>
+                      <a:pPr algn="ctr"/>
+                      <a:r>
+                        <a:rPr lang="en-US" sz="1400" b="0" i="0" dirty="0">
+                          <a:latin typeface="+mn-lt"/>
+                        </a:rPr>
+                        <a:t>26.746</a:t>
+                      </a:r>
+                      <a:endParaRPr lang="en-IN" b="0" dirty="0"/>
+                    </a:p>
+                  </a:txBody>
+                  <a:tcPr marL="68580" marR="68580" marT="34290" marB="34290" anchor="ctr"/>
+                </a:tc>
+                <a:tc>
+                  <a:txBody>
+                    <a:bodyPr/>
+                    <a:lstStyle/>
+                    <a:p>
+                      <a:pPr algn="ctr"/>
+                      <a:r>
+                        <a:rPr lang="en-US" sz="1400" b="0" i="0" dirty="0">
+                          <a:latin typeface="+mn-lt"/>
+                        </a:rPr>
+                        <a:t>14.279</a:t>
+                      </a:r>
+                      <a:endParaRPr lang="en-IN" b="0" dirty="0"/>
+                    </a:p>
+                  </a:txBody>
+                  <a:tcPr marL="68580" marR="68580" marT="34290" marB="34290" anchor="ctr"/>
+                </a:tc>
+                <a:extLst>
+                  <a:ext uri="{0D108BD9-81ED-4DB2-BD59-A6C34878D82A}">
+                    <a16:rowId xmlns:a16="http://schemas.microsoft.com/office/drawing/2014/main" val="2132482967"/>
+                  </a:ext>
+                </a:extLst>
+              </a:tr>
+              <a:tr h="548640">
+                <a:tc>
+                  <a:txBody>
+                    <a:bodyPr/>
+                    <a:lstStyle/>
+                    <a:p>
+                      <a:pPr algn="ctr"/>
+                      <a:r>
+                        <a:rPr lang="en-US" sz="1400" b="0" i="0" dirty="0">
+                          <a:latin typeface="+mn-lt"/>
+                        </a:rPr>
+                        <a:t>OPT-6.7</a:t>
+                      </a:r>
+                    </a:p>
+                    <a:p>
+                      <a:pPr algn="ctr"/>
+                      <a:r>
+                        <a:rPr lang="en-US" sz="1400" b="0" i="0" dirty="0">
+                          <a:latin typeface="+mn-lt"/>
+                        </a:rPr>
+                        <a:t>Stage Two</a:t>
+                      </a:r>
+                    </a:p>
+                  </a:txBody>
+                  <a:tcPr marL="68580" marR="68580" marT="34290" marB="34290" anchor="ctr"/>
+                </a:tc>
+                <a:tc>
+                  <a:txBody>
+                    <a:bodyPr/>
+                    <a:lstStyle/>
+                    <a:p>
+                      <a:pPr algn="ctr"/>
+                      <a:r>
+                        <a:rPr lang="en-US" sz="1400" b="0" i="0" dirty="0">
+                          <a:latin typeface="+mn-lt"/>
+                        </a:rPr>
+                        <a:t>13.409</a:t>
+                      </a:r>
+                    </a:p>
+                  </a:txBody>
+                  <a:tcPr marL="68580" marR="68580" marT="34290" marB="34290" anchor="ctr"/>
+                </a:tc>
+                <a:tc>
+                  <a:txBody>
+                    <a:bodyPr/>
+                    <a:lstStyle/>
+                    <a:p>
+                      <a:pPr algn="ctr"/>
+                      <a:r>
+                        <a:rPr lang="en-US" sz="1400" b="0" i="0" dirty="0">
+                          <a:latin typeface="+mn-lt"/>
+                        </a:rPr>
+                        <a:t>111.396</a:t>
+                      </a:r>
+                      <a:endParaRPr lang="en-IN" b="0" dirty="0"/>
+                    </a:p>
+                  </a:txBody>
+                  <a:tcPr marL="68580" marR="68580" marT="34290" marB="34290" anchor="ctr"/>
+                </a:tc>
+                <a:tc>
+                  <a:txBody>
+                    <a:bodyPr/>
+                    <a:lstStyle/>
+                    <a:p>
+                      <a:pPr algn="ctr"/>
+                      <a:r>
+                        <a:rPr lang="en-US" sz="1400" b="0" i="0" dirty="0">
+                          <a:latin typeface="+mn-lt"/>
+                        </a:rPr>
+                        <a:t>27.756</a:t>
+                      </a:r>
+                      <a:endParaRPr lang="en-IN" b="0" dirty="0"/>
+                    </a:p>
+                  </a:txBody>
+                  <a:tcPr marL="68580" marR="68580" marT="34290" marB="34290" anchor="ctr"/>
+                </a:tc>
+                <a:tc>
+                  <a:txBody>
+                    <a:bodyPr/>
+                    <a:lstStyle/>
+                    <a:p>
+                      <a:pPr algn="ctr"/>
+                      <a:r>
+                        <a:rPr lang="en-US" sz="1400" b="0" i="0" dirty="0">
+                          <a:latin typeface="+mn-lt"/>
+                        </a:rPr>
+                        <a:t>14.946</a:t>
+                      </a:r>
+                      <a:endParaRPr lang="en-IN" b="0" dirty="0"/>
+                    </a:p>
+                  </a:txBody>
+                  <a:tcPr marL="68580" marR="68580" marT="34290" marB="34290" anchor="ctr"/>
+                </a:tc>
+                <a:extLst>
+                  <a:ext uri="{0D108BD9-81ED-4DB2-BD59-A6C34878D82A}">
+                    <a16:rowId xmlns:a16="http://schemas.microsoft.com/office/drawing/2014/main" val="3936251906"/>
+                  </a:ext>
+                </a:extLst>
+              </a:tr>
+              <a:tr h="548640">
+                <a:tc>
+                  <a:txBody>
+                    <a:bodyPr/>
+                    <a:lstStyle/>
+                    <a:p>
+                      <a:pPr algn="ctr"/>
+                      <a:r>
+                        <a:rPr lang="en-US" sz="1400" b="0" i="0" dirty="0">
+                          <a:latin typeface="+mn-lt"/>
+                        </a:rPr>
+                        <a:t>OPT-6.7</a:t>
+                      </a:r>
+                    </a:p>
+                    <a:p>
+                      <a:pPr algn="ctr"/>
+                      <a:r>
+                        <a:rPr lang="en-US" sz="1400" b="0" i="0" dirty="0">
+                          <a:latin typeface="+mn-lt"/>
+                        </a:rPr>
+                        <a:t>Stage Three</a:t>
+                      </a:r>
+                    </a:p>
+                  </a:txBody>
+                  <a:tcPr marL="68580" marR="68580" marT="34290" marB="34290" anchor="ctr"/>
+                </a:tc>
+                <a:tc>
+                  <a:txBody>
+                    <a:bodyPr/>
+                    <a:lstStyle/>
+                    <a:p>
+                      <a:pPr algn="ctr"/>
+                      <a:r>
+                        <a:rPr lang="en-US" sz="1400" b="1" i="0" u="sng" dirty="0">
+                          <a:latin typeface="+mn-lt"/>
+                        </a:rPr>
+                        <a:t>14.881</a:t>
+                      </a:r>
+                    </a:p>
+                  </a:txBody>
+                  <a:tcPr marL="68580" marR="68580" marT="34290" marB="34290" anchor="ctr"/>
+                </a:tc>
+                <a:tc>
+                  <a:txBody>
+                    <a:bodyPr/>
+                    <a:lstStyle/>
+                    <a:p>
+                      <a:pPr algn="ctr"/>
+                      <a:r>
+                        <a:rPr lang="en-US" sz="1400" b="1" i="0" u="sng" dirty="0">
+                          <a:latin typeface="+mn-lt"/>
+                        </a:rPr>
+                        <a:t>123.515</a:t>
+                      </a:r>
+                      <a:endParaRPr lang="en-IN" b="1" u="sng" dirty="0"/>
+                    </a:p>
+                  </a:txBody>
+                  <a:tcPr marL="68580" marR="68580" marT="34290" marB="34290" anchor="ctr"/>
+                </a:tc>
+                <a:tc>
+                  <a:txBody>
+                    <a:bodyPr/>
+                    <a:lstStyle/>
+                    <a:p>
+                      <a:pPr algn="ctr"/>
+                      <a:r>
+                        <a:rPr lang="en-US" sz="1400" b="1" i="0" u="sng" dirty="0">
+                          <a:latin typeface="+mn-lt"/>
+                        </a:rPr>
+                        <a:t>28.667</a:t>
+                      </a:r>
+                      <a:endParaRPr lang="en-IN" b="1" u="sng" dirty="0"/>
+                    </a:p>
+                  </a:txBody>
+                  <a:tcPr marL="68580" marR="68580" marT="34290" marB="34290" anchor="ctr"/>
+                </a:tc>
+                <a:tc>
+                  <a:txBody>
+                    <a:bodyPr/>
+                    <a:lstStyle/>
+                    <a:p>
+                      <a:pPr algn="ctr"/>
+                      <a:r>
+                        <a:rPr lang="en-US" sz="1400" b="1" i="0" u="sng" dirty="0">
+                          <a:latin typeface="+mn-lt"/>
+                        </a:rPr>
+                        <a:t>15.419</a:t>
+                      </a:r>
+                      <a:endParaRPr lang="en-IN" b="1" u="sng" dirty="0"/>
+                    </a:p>
+                  </a:txBody>
+                  <a:tcPr marL="68580" marR="68580" marT="34290" marB="34290" anchor="ctr"/>
+                </a:tc>
+                <a:extLst>
+                  <a:ext uri="{0D108BD9-81ED-4DB2-BD59-A6C34878D82A}">
+                    <a16:rowId xmlns:a16="http://schemas.microsoft.com/office/drawing/2014/main" val="568537164"/>
+                  </a:ext>
+                </a:extLst>
+              </a:tr>
+            </a:tbl>
+          </a:graphicData>
+        </a:graphic>
+      </p:graphicFrame>
+      <p:sp>
+        <p:nvSpPr>
+          <p:cNvPr id="3" name="TextBox 2">
+            <a:extLst>
+              <a:ext uri="{FF2B5EF4-FFF2-40B4-BE49-F238E27FC236}">
+                <a16:creationId xmlns:a16="http://schemas.microsoft.com/office/drawing/2014/main" id="{CD58462D-AA4A-99E4-6146-BEF9F71F8C5A}"/>
+              </a:ext>
+            </a:extLst>
+          </p:cNvPr>
+          <p:cNvSpPr txBox="1"/>
+          <p:nvPr/>
+        </p:nvSpPr>
+        <p:spPr>
+          <a:xfrm>
+            <a:off x="1733550" y="4714875"/>
+            <a:ext cx="5761969" cy="307777"/>
+          </a:xfrm>
+          <a:prstGeom prst="rect">
+            <a:avLst/>
+          </a:prstGeom>
+          <a:noFill/>
+        </p:spPr>
+        <p:txBody>
+          <a:bodyPr wrap="square" rtlCol="0">
+            <a:spAutoFit/>
+          </a:bodyPr>
+          <a:lstStyle/>
+          <a:p>
+            <a:pPr algn="r"/>
+            <a:r>
+              <a:rPr lang="en-IN" b="1" dirty="0">
+                <a:solidFill>
+                  <a:schemeClr val="accent2">
+                    <a:lumMod val="50000"/>
+                  </a:schemeClr>
+                </a:solidFill>
+              </a:rPr>
+              <a:t>* FashionVLM – Gaurika Gupta &amp; Pritam Shete</a:t>
+            </a:r>
+          </a:p>
+        </p:txBody>
+      </p:sp>
+    </p:spTree>
+    <p:extLst>
+      <p:ext uri="{BB962C8B-B14F-4D97-AF65-F5344CB8AC3E}">
+        <p14:creationId xmlns:p14="http://schemas.microsoft.com/office/powerpoint/2010/main" val="2696368595"/>
+      </p:ext>
+    </p:extLst>
+  </p:cSld>
+  <p:clrMapOvr>
+    <a:masterClrMapping/>
+  </p:clrMapOvr>
+</p:sld>
+</file>
+
+<file path=ppt/slides/slide37.xml><?xml version="1.0" encoding="utf-8"?>
+<p:sld xmlns:a="http://schemas.openxmlformats.org/drawingml/2006/main" xmlns:r="http://schemas.openxmlformats.org/officeDocument/2006/relationships" xmlns:p="http://schemas.openxmlformats.org/presentationml/2006/main">
+  <p:cSld>
+    <p:spTree>
+      <p:nvGrpSpPr>
+        <p:cNvPr id="1" name=""/>
+        <p:cNvGrpSpPr/>
+        <p:nvPr/>
+      </p:nvGrpSpPr>
+      <p:grpSpPr>
+        <a:xfrm>
+          <a:off x="0" y="0"/>
+          <a:ext cx="0" cy="0"/>
+          <a:chOff x="0" y="0"/>
+          <a:chExt cx="0" cy="0"/>
+        </a:xfrm>
+      </p:grpSpPr>
+      <p:sp>
+        <p:nvSpPr>
           <p:cNvPr id="8" name="Title 1">
             <a:extLst>
               <a:ext uri="{FF2B5EF4-FFF2-40B4-BE49-F238E27FC236}">
@@ -29792,7 +29914,7 @@
 </p:sld>
 </file>
 
-<file path=ppt/slides/slide37.xml><?xml version="1.0" encoding="utf-8"?>
+<file path=ppt/slides/slide38.xml><?xml version="1.0" encoding="utf-8"?>
 <p:sld xmlns:a="http://schemas.openxmlformats.org/drawingml/2006/main" xmlns:r="http://schemas.openxmlformats.org/officeDocument/2006/relationships" xmlns:p="http://schemas.openxmlformats.org/presentationml/2006/main">
   <p:cSld>
     <p:spTree>
@@ -32741,415 +32863,6 @@
 </p:sld>
 </file>
 
-<file path=ppt/slides/slide38.xml><?xml version="1.0" encoding="utf-8"?>
-<p:sld xmlns:a="http://schemas.openxmlformats.org/drawingml/2006/main" xmlns:r="http://schemas.openxmlformats.org/officeDocument/2006/relationships" xmlns:p="http://schemas.openxmlformats.org/presentationml/2006/main">
-  <p:cSld>
-    <p:spTree>
-      <p:nvGrpSpPr>
-        <p:cNvPr id="1" name=""/>
-        <p:cNvGrpSpPr/>
-        <p:nvPr/>
-      </p:nvGrpSpPr>
-      <p:grpSpPr>
-        <a:xfrm>
-          <a:off x="0" y="0"/>
-          <a:ext cx="0" cy="0"/>
-          <a:chOff x="0" y="0"/>
-          <a:chExt cx="0" cy="0"/>
-        </a:xfrm>
-      </p:grpSpPr>
-      <p:sp>
-        <p:nvSpPr>
-          <p:cNvPr id="2" name="Title 1">
-            <a:extLst>
-              <a:ext uri="{FF2B5EF4-FFF2-40B4-BE49-F238E27FC236}">
-                <a16:creationId xmlns:a16="http://schemas.microsoft.com/office/drawing/2014/main" id="{5D030A76-B788-B363-104E-266B7C7F7208}"/>
-              </a:ext>
-            </a:extLst>
-          </p:cNvPr>
-          <p:cNvSpPr>
-            <a:spLocks noGrp="1"/>
-          </p:cNvSpPr>
-          <p:nvPr>
-            <p:ph type="title"/>
-          </p:nvPr>
-        </p:nvSpPr>
-        <p:spPr>
-          <a:xfrm>
-            <a:off x="628650" y="273844"/>
-            <a:ext cx="7886700" cy="994172"/>
-          </a:xfrm>
-          <a:noFill/>
-        </p:spPr>
-        <p:txBody>
-          <a:bodyPr anchor="ctr"/>
-          <a:lstStyle/>
-          <a:p>
-            <a:r>
-              <a:rPr lang="en-US" dirty="0"/>
-              <a:t>Code Generation</a:t>
-            </a:r>
-          </a:p>
-        </p:txBody>
-      </p:sp>
-      <p:sp>
-        <p:nvSpPr>
-          <p:cNvPr id="7" name="Content Placeholder 2">
-            <a:extLst>
-              <a:ext uri="{FF2B5EF4-FFF2-40B4-BE49-F238E27FC236}">
-                <a16:creationId xmlns:a16="http://schemas.microsoft.com/office/drawing/2014/main" id="{68A5FD2B-E3E5-1C2B-0151-21F216B14A33}"/>
-              </a:ext>
-            </a:extLst>
-          </p:cNvPr>
-          <p:cNvSpPr>
-            <a:spLocks noGrp="1"/>
-          </p:cNvSpPr>
-          <p:nvPr>
-            <p:ph sz="half" idx="4294967295"/>
-          </p:nvPr>
-        </p:nvSpPr>
-        <p:spPr>
-          <a:xfrm>
-            <a:off x="628651" y="1369219"/>
-            <a:ext cx="3686372" cy="3223260"/>
-          </a:xfrm>
-          <a:prstGeom prst="rect">
-            <a:avLst/>
-          </a:prstGeom>
-          <a:noFill/>
-        </p:spPr>
-        <p:txBody>
-          <a:bodyPr>
-            <a:normAutofit/>
-          </a:bodyPr>
-          <a:lstStyle/>
-          <a:p>
-            <a:pPr marL="0" indent="0" algn="just">
-              <a:spcAft>
-                <a:spcPts val="600"/>
-              </a:spcAft>
-              <a:buNone/>
-            </a:pPr>
-            <a:r>
-              <a:rPr lang="en-IN" sz="1800" b="1" dirty="0">
-                <a:solidFill>
-                  <a:schemeClr val="accent5">
-                    <a:lumMod val="50000"/>
-                  </a:schemeClr>
-                </a:solidFill>
-              </a:rPr>
-              <a:t>Write Python function to find a factorial of an input number.</a:t>
-            </a:r>
-          </a:p>
-          <a:p>
-            <a:pPr algn="just"/>
-            <a:endParaRPr lang="en-US" sz="1800" dirty="0">
-              <a:solidFill>
-                <a:schemeClr val="accent5">
-                  <a:lumMod val="50000"/>
-                </a:schemeClr>
-              </a:solidFill>
-            </a:endParaRPr>
-          </a:p>
-        </p:txBody>
-      </p:sp>
-      <p:sp>
-        <p:nvSpPr>
-          <p:cNvPr id="9" name="TextBox 8"/>
-          <p:cNvSpPr txBox="1"/>
-          <p:nvPr/>
-        </p:nvSpPr>
-        <p:spPr>
-          <a:xfrm>
-            <a:off x="1733550" y="4714875"/>
-            <a:ext cx="5761969" cy="307777"/>
-          </a:xfrm>
-          <a:prstGeom prst="rect">
-            <a:avLst/>
-          </a:prstGeom>
-          <a:noFill/>
-        </p:spPr>
-        <p:txBody>
-          <a:bodyPr wrap="square" rtlCol="0">
-            <a:spAutoFit/>
-          </a:bodyPr>
-          <a:lstStyle/>
-          <a:p>
-            <a:pPr algn="r"/>
-            <a:r>
-              <a:rPr lang="en-IN" b="1" dirty="0">
-                <a:solidFill>
-                  <a:schemeClr val="accent2">
-                    <a:lumMod val="50000"/>
-                  </a:schemeClr>
-                </a:solidFill>
-              </a:rPr>
-              <a:t>*Meta-Llama-3.1-8B-Instruct</a:t>
-            </a:r>
-          </a:p>
-        </p:txBody>
-      </p:sp>
-      <p:sp>
-        <p:nvSpPr>
-          <p:cNvPr id="10" name="Content Placeholder 3">
-            <a:extLst>
-              <a:ext uri="{FF2B5EF4-FFF2-40B4-BE49-F238E27FC236}">
-                <a16:creationId xmlns:a16="http://schemas.microsoft.com/office/drawing/2014/main" id="{ACFBB810-3430-2C29-1AA0-9744AA0A1AA3}"/>
-              </a:ext>
-            </a:extLst>
-          </p:cNvPr>
-          <p:cNvSpPr>
-            <a:spLocks noGrp="1"/>
-          </p:cNvSpPr>
-          <p:nvPr>
-            <p:ph sz="half" idx="4294967295"/>
-          </p:nvPr>
-        </p:nvSpPr>
-        <p:spPr>
-          <a:xfrm>
-            <a:off x="4610922" y="1362687"/>
-            <a:ext cx="3909060" cy="3223260"/>
-          </a:xfrm>
-          <a:prstGeom prst="rect">
-            <a:avLst/>
-          </a:prstGeom>
-          <a:noFill/>
-        </p:spPr>
-        <p:txBody>
-          <a:bodyPr>
-            <a:normAutofit/>
-          </a:bodyPr>
-          <a:lstStyle/>
-          <a:p>
-            <a:pPr marL="0" indent="0" algn="just">
-              <a:lnSpc>
-                <a:spcPct val="100000"/>
-              </a:lnSpc>
-              <a:spcBef>
-                <a:spcPts val="300"/>
-              </a:spcBef>
-              <a:spcAft>
-                <a:spcPts val="300"/>
-              </a:spcAft>
-              <a:buNone/>
-            </a:pPr>
-            <a:r>
-              <a:rPr lang="en-IN" sz="1600" b="1" dirty="0">
-                <a:solidFill>
-                  <a:schemeClr val="accent4">
-                    <a:lumMod val="50000"/>
-                  </a:schemeClr>
-                </a:solidFill>
-              </a:rPr>
-              <a:t>def factorial(n):</a:t>
-            </a:r>
-          </a:p>
-          <a:p>
-            <a:pPr marL="0" indent="0" algn="just">
-              <a:lnSpc>
-                <a:spcPct val="100000"/>
-              </a:lnSpc>
-              <a:spcBef>
-                <a:spcPts val="300"/>
-              </a:spcBef>
-              <a:spcAft>
-                <a:spcPts val="300"/>
-              </a:spcAft>
-              <a:buNone/>
-            </a:pPr>
-            <a:r>
-              <a:rPr lang="en-IN" sz="1600" b="1" dirty="0">
-                <a:solidFill>
-                  <a:schemeClr val="accent4">
-                    <a:lumMod val="50000"/>
-                  </a:schemeClr>
-                </a:solidFill>
-              </a:rPr>
-              <a:t>    if n &lt; 0:</a:t>
-            </a:r>
-          </a:p>
-          <a:p>
-            <a:pPr marL="0" indent="0" algn="just">
-              <a:lnSpc>
-                <a:spcPct val="100000"/>
-              </a:lnSpc>
-              <a:spcBef>
-                <a:spcPts val="300"/>
-              </a:spcBef>
-              <a:spcAft>
-                <a:spcPts val="300"/>
-              </a:spcAft>
-              <a:buNone/>
-            </a:pPr>
-            <a:r>
-              <a:rPr lang="en-IN" sz="1600" b="1" dirty="0">
-                <a:solidFill>
-                  <a:schemeClr val="accent4">
-                    <a:lumMod val="50000"/>
-                  </a:schemeClr>
-                </a:solidFill>
-              </a:rPr>
-              <a:t>        raise </a:t>
-            </a:r>
-            <a:r>
-              <a:rPr lang="en-IN" sz="1600" b="1" dirty="0" err="1">
-                <a:solidFill>
-                  <a:schemeClr val="accent4">
-                    <a:lumMod val="50000"/>
-                  </a:schemeClr>
-                </a:solidFill>
-              </a:rPr>
-              <a:t>ValueError</a:t>
-            </a:r>
-            <a:r>
-              <a:rPr lang="en-IN" sz="1600" b="1" dirty="0">
-                <a:solidFill>
-                  <a:schemeClr val="accent4">
-                    <a:lumMod val="50000"/>
-                  </a:schemeClr>
-                </a:solidFill>
-              </a:rPr>
-              <a:t>("Factorial is not defined for negative numbers")</a:t>
-            </a:r>
-          </a:p>
-          <a:p>
-            <a:pPr marL="0" indent="0" algn="just">
-              <a:lnSpc>
-                <a:spcPct val="100000"/>
-              </a:lnSpc>
-              <a:spcBef>
-                <a:spcPts val="300"/>
-              </a:spcBef>
-              <a:spcAft>
-                <a:spcPts val="300"/>
-              </a:spcAft>
-              <a:buNone/>
-            </a:pPr>
-            <a:r>
-              <a:rPr lang="en-IN" sz="1600" b="1" dirty="0">
-                <a:solidFill>
-                  <a:schemeClr val="accent4">
-                    <a:lumMod val="50000"/>
-                  </a:schemeClr>
-                </a:solidFill>
-              </a:rPr>
-              <a:t>    </a:t>
-            </a:r>
-            <a:r>
-              <a:rPr lang="en-IN" sz="1600" b="1" dirty="0" err="1">
-                <a:solidFill>
-                  <a:schemeClr val="accent4">
-                    <a:lumMod val="50000"/>
-                  </a:schemeClr>
-                </a:solidFill>
-              </a:rPr>
-              <a:t>elif</a:t>
-            </a:r>
-            <a:r>
-              <a:rPr lang="en-IN" sz="1600" b="1" dirty="0">
-                <a:solidFill>
-                  <a:schemeClr val="accent4">
-                    <a:lumMod val="50000"/>
-                  </a:schemeClr>
-                </a:solidFill>
-              </a:rPr>
-              <a:t> n == 0 or n == 1:</a:t>
-            </a:r>
-          </a:p>
-          <a:p>
-            <a:pPr marL="0" indent="0" algn="just">
-              <a:lnSpc>
-                <a:spcPct val="100000"/>
-              </a:lnSpc>
-              <a:spcBef>
-                <a:spcPts val="300"/>
-              </a:spcBef>
-              <a:spcAft>
-                <a:spcPts val="300"/>
-              </a:spcAft>
-              <a:buNone/>
-            </a:pPr>
-            <a:r>
-              <a:rPr lang="en-IN" sz="1600" b="1" dirty="0">
-                <a:solidFill>
-                  <a:schemeClr val="accent4">
-                    <a:lumMod val="50000"/>
-                  </a:schemeClr>
-                </a:solidFill>
-              </a:rPr>
-              <a:t>        return 1</a:t>
-            </a:r>
-          </a:p>
-          <a:p>
-            <a:pPr marL="0" indent="0" algn="just">
-              <a:lnSpc>
-                <a:spcPct val="100000"/>
-              </a:lnSpc>
-              <a:spcBef>
-                <a:spcPts val="300"/>
-              </a:spcBef>
-              <a:spcAft>
-                <a:spcPts val="300"/>
-              </a:spcAft>
-              <a:buNone/>
-            </a:pPr>
-            <a:r>
-              <a:rPr lang="en-IN" sz="1600" b="1" dirty="0">
-                <a:solidFill>
-                  <a:schemeClr val="accent4">
-                    <a:lumMod val="50000"/>
-                  </a:schemeClr>
-                </a:solidFill>
-              </a:rPr>
-              <a:t>    else:</a:t>
-            </a:r>
-          </a:p>
-          <a:p>
-            <a:pPr marL="0" indent="0" algn="just">
-              <a:lnSpc>
-                <a:spcPct val="100000"/>
-              </a:lnSpc>
-              <a:spcBef>
-                <a:spcPts val="300"/>
-              </a:spcBef>
-              <a:spcAft>
-                <a:spcPts val="300"/>
-              </a:spcAft>
-              <a:buNone/>
-            </a:pPr>
-            <a:r>
-              <a:rPr lang="en-IN" sz="1600" b="1" dirty="0">
-                <a:solidFill>
-                  <a:schemeClr val="accent4">
-                    <a:lumMod val="50000"/>
-                  </a:schemeClr>
-                </a:solidFill>
-              </a:rPr>
-              <a:t>        return n * factorial(n-1)</a:t>
-            </a:r>
-            <a:endParaRPr lang="en-US" sz="1600" b="1" dirty="0">
-              <a:solidFill>
-                <a:schemeClr val="accent4">
-                  <a:lumMod val="50000"/>
-                </a:schemeClr>
-              </a:solidFill>
-            </a:endParaRPr>
-          </a:p>
-        </p:txBody>
-      </p:sp>
-    </p:spTree>
-    <p:extLst>
-      <p:ext uri="{BB962C8B-B14F-4D97-AF65-F5344CB8AC3E}">
-        <p14:creationId xmlns:p14="http://schemas.microsoft.com/office/powerpoint/2010/main" val="414613742"/>
-      </p:ext>
-    </p:extLst>
-  </p:cSld>
-  <p:clrMapOvr>
-    <a:masterClrMapping/>
-  </p:clrMapOvr>
-</p:sld>
-</file>
-
 <file path=ppt/slides/slide39.xml><?xml version="1.0" encoding="utf-8"?>
 <p:sld xmlns:a="http://schemas.openxmlformats.org/drawingml/2006/main" xmlns:r="http://schemas.openxmlformats.org/officeDocument/2006/relationships" xmlns:p="http://schemas.openxmlformats.org/presentationml/2006/main">
   <p:cSld>
@@ -33247,212 +32960,7 @@
                   </a:schemeClr>
                 </a:solidFill>
               </a:rPr>
-              <a:t>Correct following Python code.</a:t>
-            </a:r>
-          </a:p>
-          <a:p>
-            <a:pPr marL="0" indent="0" algn="just">
-              <a:spcBef>
-                <a:spcPts val="300"/>
-              </a:spcBef>
-              <a:spcAft>
-                <a:spcPts val="300"/>
-              </a:spcAft>
-              <a:buNone/>
-            </a:pPr>
-            <a:r>
-              <a:rPr lang="en-IN" sz="1800" dirty="0">
-                <a:solidFill>
-                  <a:schemeClr val="accent6">
-                    <a:lumMod val="75000"/>
-                  </a:schemeClr>
-                </a:solidFill>
-              </a:rPr>
-              <a:t>def factorial(n):</a:t>
-            </a:r>
-          </a:p>
-          <a:p>
-            <a:pPr marL="0" indent="0" algn="just">
-              <a:spcBef>
-                <a:spcPts val="300"/>
-              </a:spcBef>
-              <a:spcAft>
-                <a:spcPts val="300"/>
-              </a:spcAft>
-              <a:buNone/>
-            </a:pPr>
-            <a:r>
-              <a:rPr lang="en-IN" sz="1800" dirty="0">
-                <a:solidFill>
-                  <a:schemeClr val="accent6">
-                    <a:lumMod val="75000"/>
-                  </a:schemeClr>
-                </a:solidFill>
-              </a:rPr>
-              <a:t>    if n == 0 or n == 1:</a:t>
-            </a:r>
-          </a:p>
-          <a:p>
-            <a:pPr marL="0" indent="0" algn="just">
-              <a:spcBef>
-                <a:spcPts val="300"/>
-              </a:spcBef>
-              <a:spcAft>
-                <a:spcPts val="300"/>
-              </a:spcAft>
-              <a:buNone/>
-            </a:pPr>
-            <a:r>
-              <a:rPr lang="en-IN" sz="1800" dirty="0">
-                <a:solidFill>
-                  <a:schemeClr val="accent6">
-                    <a:lumMod val="75000"/>
-                  </a:schemeClr>
-                </a:solidFill>
-              </a:rPr>
-              <a:t>        return 1</a:t>
-            </a:r>
-          </a:p>
-          <a:p>
-            <a:pPr marL="0" indent="0" algn="just">
-              <a:spcBef>
-                <a:spcPts val="300"/>
-              </a:spcBef>
-              <a:spcAft>
-                <a:spcPts val="300"/>
-              </a:spcAft>
-              <a:buNone/>
-            </a:pPr>
-            <a:r>
-              <a:rPr lang="en-IN" sz="1800" dirty="0">
-                <a:solidFill>
-                  <a:schemeClr val="accent6">
-                    <a:lumMod val="75000"/>
-                  </a:schemeClr>
-                </a:solidFill>
-              </a:rPr>
-              <a:t>    else:</a:t>
-            </a:r>
-          </a:p>
-          <a:p>
-            <a:pPr marL="0" indent="0" algn="just">
-              <a:spcBef>
-                <a:spcPts val="300"/>
-              </a:spcBef>
-              <a:spcAft>
-                <a:spcPts val="300"/>
-              </a:spcAft>
-              <a:buNone/>
-            </a:pPr>
-            <a:r>
-              <a:rPr lang="en-IN" sz="1800" dirty="0">
-                <a:solidFill>
-                  <a:schemeClr val="accent6">
-                    <a:lumMod val="75000"/>
-                  </a:schemeClr>
-                </a:solidFill>
-              </a:rPr>
-              <a:t>        result = 1</a:t>
-            </a:r>
-          </a:p>
-          <a:p>
-            <a:pPr marL="0" indent="0" algn="just">
-              <a:spcBef>
-                <a:spcPts val="300"/>
-              </a:spcBef>
-              <a:spcAft>
-                <a:spcPts val="300"/>
-              </a:spcAft>
-              <a:buNone/>
-            </a:pPr>
-            <a:r>
-              <a:rPr lang="en-IN" sz="1800" dirty="0">
-                <a:solidFill>
-                  <a:schemeClr val="accent6">
-                    <a:lumMod val="75000"/>
-                  </a:schemeClr>
-                </a:solidFill>
-              </a:rPr>
-              <a:t>        for </a:t>
-            </a:r>
-            <a:r>
-              <a:rPr lang="en-IN" sz="1800" dirty="0" err="1">
-                <a:solidFill>
-                  <a:schemeClr val="accent6">
-                    <a:lumMod val="75000"/>
-                  </a:schemeClr>
-                </a:solidFill>
-              </a:rPr>
-              <a:t>i</a:t>
-            </a:r>
-            <a:r>
-              <a:rPr lang="en-IN" sz="1800" dirty="0">
-                <a:solidFill>
-                  <a:schemeClr val="accent6">
-                    <a:lumMod val="75000"/>
-                  </a:schemeClr>
-                </a:solidFill>
-              </a:rPr>
-              <a:t> in range(2, n + 1):</a:t>
-            </a:r>
-          </a:p>
-          <a:p>
-            <a:pPr marL="0" indent="0" algn="just">
-              <a:spcBef>
-                <a:spcPts val="300"/>
-              </a:spcBef>
-              <a:spcAft>
-                <a:spcPts val="300"/>
-              </a:spcAft>
-              <a:buNone/>
-            </a:pPr>
-            <a:r>
-              <a:rPr lang="en-IN" sz="1800" dirty="0">
-                <a:solidFill>
-                  <a:schemeClr val="accent6">
-                    <a:lumMod val="75000"/>
-                  </a:schemeClr>
-                </a:solidFill>
-              </a:rPr>
-              <a:t>            result *= </a:t>
-            </a:r>
-            <a:r>
-              <a:rPr lang="en-IN" sz="1800" dirty="0" err="1">
-                <a:solidFill>
-                  <a:schemeClr val="accent6">
-                    <a:lumMod val="75000"/>
-                  </a:schemeClr>
-                </a:solidFill>
-              </a:rPr>
-              <a:t>i</a:t>
-            </a:r>
-            <a:endParaRPr lang="en-IN" sz="1800" dirty="0">
-              <a:solidFill>
-                <a:schemeClr val="accent6">
-                  <a:lumMod val="75000"/>
-                </a:schemeClr>
-              </a:solidFill>
-            </a:endParaRPr>
-          </a:p>
-          <a:p>
-            <a:pPr marL="0" indent="0" algn="just">
-              <a:spcBef>
-                <a:spcPts val="300"/>
-              </a:spcBef>
-              <a:spcAft>
-                <a:spcPts val="300"/>
-              </a:spcAft>
-              <a:buNone/>
-            </a:pPr>
-            <a:r>
-              <a:rPr lang="en-IN" sz="1800" dirty="0">
-                <a:solidFill>
-                  <a:schemeClr val="accent6">
-                    <a:lumMod val="75000"/>
-                  </a:schemeClr>
-                </a:solidFill>
-              </a:rPr>
-              <a:t>        return result</a:t>
+              <a:t>Write Python function to find a factorial of an input number.</a:t>
             </a:r>
           </a:p>
           <a:p>
@@ -34170,6 +33678,620 @@
       </p:sp>
       <p:sp>
         <p:nvSpPr>
+          <p:cNvPr id="7" name="Content Placeholder 2">
+            <a:extLst>
+              <a:ext uri="{FF2B5EF4-FFF2-40B4-BE49-F238E27FC236}">
+                <a16:creationId xmlns:a16="http://schemas.microsoft.com/office/drawing/2014/main" id="{68A5FD2B-E3E5-1C2B-0151-21F216B14A33}"/>
+              </a:ext>
+            </a:extLst>
+          </p:cNvPr>
+          <p:cNvSpPr>
+            <a:spLocks noGrp="1"/>
+          </p:cNvSpPr>
+          <p:nvPr>
+            <p:ph sz="half" idx="4294967295"/>
+          </p:nvPr>
+        </p:nvSpPr>
+        <p:spPr>
+          <a:xfrm>
+            <a:off x="628651" y="1369219"/>
+            <a:ext cx="3686372" cy="3223260"/>
+          </a:xfrm>
+          <a:prstGeom prst="rect">
+            <a:avLst/>
+          </a:prstGeom>
+          <a:noFill/>
+        </p:spPr>
+        <p:txBody>
+          <a:bodyPr>
+            <a:normAutofit/>
+          </a:bodyPr>
+          <a:lstStyle/>
+          <a:p>
+            <a:pPr marL="0" indent="0" algn="just">
+              <a:spcAft>
+                <a:spcPts val="600"/>
+              </a:spcAft>
+              <a:buNone/>
+            </a:pPr>
+            <a:r>
+              <a:rPr lang="en-IN" sz="1800" b="1" dirty="0">
+                <a:solidFill>
+                  <a:schemeClr val="accent5">
+                    <a:lumMod val="50000"/>
+                  </a:schemeClr>
+                </a:solidFill>
+              </a:rPr>
+              <a:t>Correct following Python code.</a:t>
+            </a:r>
+          </a:p>
+          <a:p>
+            <a:pPr marL="0" indent="0" algn="just">
+              <a:spcBef>
+                <a:spcPts val="300"/>
+              </a:spcBef>
+              <a:spcAft>
+                <a:spcPts val="300"/>
+              </a:spcAft>
+              <a:buNone/>
+            </a:pPr>
+            <a:r>
+              <a:rPr lang="en-IN" sz="1800" dirty="0">
+                <a:solidFill>
+                  <a:schemeClr val="accent6">
+                    <a:lumMod val="75000"/>
+                  </a:schemeClr>
+                </a:solidFill>
+              </a:rPr>
+              <a:t>def factorial(n):</a:t>
+            </a:r>
+          </a:p>
+          <a:p>
+            <a:pPr marL="0" indent="0" algn="just">
+              <a:spcBef>
+                <a:spcPts val="300"/>
+              </a:spcBef>
+              <a:spcAft>
+                <a:spcPts val="300"/>
+              </a:spcAft>
+              <a:buNone/>
+            </a:pPr>
+            <a:r>
+              <a:rPr lang="en-IN" sz="1800" dirty="0">
+                <a:solidFill>
+                  <a:schemeClr val="accent6">
+                    <a:lumMod val="75000"/>
+                  </a:schemeClr>
+                </a:solidFill>
+              </a:rPr>
+              <a:t>    if n == 0 or n == 1:</a:t>
+            </a:r>
+          </a:p>
+          <a:p>
+            <a:pPr marL="0" indent="0" algn="just">
+              <a:spcBef>
+                <a:spcPts val="300"/>
+              </a:spcBef>
+              <a:spcAft>
+                <a:spcPts val="300"/>
+              </a:spcAft>
+              <a:buNone/>
+            </a:pPr>
+            <a:r>
+              <a:rPr lang="en-IN" sz="1800" dirty="0">
+                <a:solidFill>
+                  <a:schemeClr val="accent6">
+                    <a:lumMod val="75000"/>
+                  </a:schemeClr>
+                </a:solidFill>
+              </a:rPr>
+              <a:t>        return 1</a:t>
+            </a:r>
+          </a:p>
+          <a:p>
+            <a:pPr marL="0" indent="0" algn="just">
+              <a:spcBef>
+                <a:spcPts val="300"/>
+              </a:spcBef>
+              <a:spcAft>
+                <a:spcPts val="300"/>
+              </a:spcAft>
+              <a:buNone/>
+            </a:pPr>
+            <a:r>
+              <a:rPr lang="en-IN" sz="1800" dirty="0">
+                <a:solidFill>
+                  <a:schemeClr val="accent6">
+                    <a:lumMod val="75000"/>
+                  </a:schemeClr>
+                </a:solidFill>
+              </a:rPr>
+              <a:t>    else:</a:t>
+            </a:r>
+          </a:p>
+          <a:p>
+            <a:pPr marL="0" indent="0" algn="just">
+              <a:spcBef>
+                <a:spcPts val="300"/>
+              </a:spcBef>
+              <a:spcAft>
+                <a:spcPts val="300"/>
+              </a:spcAft>
+              <a:buNone/>
+            </a:pPr>
+            <a:r>
+              <a:rPr lang="en-IN" sz="1800" dirty="0">
+                <a:solidFill>
+                  <a:schemeClr val="accent6">
+                    <a:lumMod val="75000"/>
+                  </a:schemeClr>
+                </a:solidFill>
+              </a:rPr>
+              <a:t>        result = 1</a:t>
+            </a:r>
+          </a:p>
+          <a:p>
+            <a:pPr marL="0" indent="0" algn="just">
+              <a:spcBef>
+                <a:spcPts val="300"/>
+              </a:spcBef>
+              <a:spcAft>
+                <a:spcPts val="300"/>
+              </a:spcAft>
+              <a:buNone/>
+            </a:pPr>
+            <a:r>
+              <a:rPr lang="en-IN" sz="1800" dirty="0">
+                <a:solidFill>
+                  <a:schemeClr val="accent6">
+                    <a:lumMod val="75000"/>
+                  </a:schemeClr>
+                </a:solidFill>
+              </a:rPr>
+              <a:t>        for </a:t>
+            </a:r>
+            <a:r>
+              <a:rPr lang="en-IN" sz="1800" dirty="0" err="1">
+                <a:solidFill>
+                  <a:schemeClr val="accent6">
+                    <a:lumMod val="75000"/>
+                  </a:schemeClr>
+                </a:solidFill>
+              </a:rPr>
+              <a:t>i</a:t>
+            </a:r>
+            <a:r>
+              <a:rPr lang="en-IN" sz="1800" dirty="0">
+                <a:solidFill>
+                  <a:schemeClr val="accent6">
+                    <a:lumMod val="75000"/>
+                  </a:schemeClr>
+                </a:solidFill>
+              </a:rPr>
+              <a:t> in range(2, n + 1):</a:t>
+            </a:r>
+          </a:p>
+          <a:p>
+            <a:pPr marL="0" indent="0" algn="just">
+              <a:spcBef>
+                <a:spcPts val="300"/>
+              </a:spcBef>
+              <a:spcAft>
+                <a:spcPts val="300"/>
+              </a:spcAft>
+              <a:buNone/>
+            </a:pPr>
+            <a:r>
+              <a:rPr lang="en-IN" sz="1800" dirty="0">
+                <a:solidFill>
+                  <a:schemeClr val="accent6">
+                    <a:lumMod val="75000"/>
+                  </a:schemeClr>
+                </a:solidFill>
+              </a:rPr>
+              <a:t>            result *= </a:t>
+            </a:r>
+            <a:r>
+              <a:rPr lang="en-IN" sz="1800" dirty="0" err="1">
+                <a:solidFill>
+                  <a:schemeClr val="accent6">
+                    <a:lumMod val="75000"/>
+                  </a:schemeClr>
+                </a:solidFill>
+              </a:rPr>
+              <a:t>i</a:t>
+            </a:r>
+            <a:endParaRPr lang="en-IN" sz="1800" dirty="0">
+              <a:solidFill>
+                <a:schemeClr val="accent6">
+                  <a:lumMod val="75000"/>
+                </a:schemeClr>
+              </a:solidFill>
+            </a:endParaRPr>
+          </a:p>
+          <a:p>
+            <a:pPr marL="0" indent="0" algn="just">
+              <a:spcBef>
+                <a:spcPts val="300"/>
+              </a:spcBef>
+              <a:spcAft>
+                <a:spcPts val="300"/>
+              </a:spcAft>
+              <a:buNone/>
+            </a:pPr>
+            <a:r>
+              <a:rPr lang="en-IN" sz="1800" dirty="0">
+                <a:solidFill>
+                  <a:schemeClr val="accent6">
+                    <a:lumMod val="75000"/>
+                  </a:schemeClr>
+                </a:solidFill>
+              </a:rPr>
+              <a:t>        return result</a:t>
+            </a:r>
+          </a:p>
+          <a:p>
+            <a:pPr algn="just"/>
+            <a:endParaRPr lang="en-US" sz="1800" dirty="0">
+              <a:solidFill>
+                <a:schemeClr val="accent5">
+                  <a:lumMod val="50000"/>
+                </a:schemeClr>
+              </a:solidFill>
+            </a:endParaRPr>
+          </a:p>
+        </p:txBody>
+      </p:sp>
+      <p:sp>
+        <p:nvSpPr>
+          <p:cNvPr id="9" name="TextBox 8"/>
+          <p:cNvSpPr txBox="1"/>
+          <p:nvPr/>
+        </p:nvSpPr>
+        <p:spPr>
+          <a:xfrm>
+            <a:off x="1733550" y="4714875"/>
+            <a:ext cx="5761969" cy="307777"/>
+          </a:xfrm>
+          <a:prstGeom prst="rect">
+            <a:avLst/>
+          </a:prstGeom>
+          <a:noFill/>
+        </p:spPr>
+        <p:txBody>
+          <a:bodyPr wrap="square" rtlCol="0">
+            <a:spAutoFit/>
+          </a:bodyPr>
+          <a:lstStyle/>
+          <a:p>
+            <a:pPr algn="r"/>
+            <a:r>
+              <a:rPr lang="en-IN" b="1" dirty="0">
+                <a:solidFill>
+                  <a:schemeClr val="accent2">
+                    <a:lumMod val="50000"/>
+                  </a:schemeClr>
+                </a:solidFill>
+              </a:rPr>
+              <a:t>*Meta-Llama-3.1-8B-Instruct</a:t>
+            </a:r>
+          </a:p>
+        </p:txBody>
+      </p:sp>
+      <p:sp>
+        <p:nvSpPr>
+          <p:cNvPr id="10" name="Content Placeholder 3">
+            <a:extLst>
+              <a:ext uri="{FF2B5EF4-FFF2-40B4-BE49-F238E27FC236}">
+                <a16:creationId xmlns:a16="http://schemas.microsoft.com/office/drawing/2014/main" id="{ACFBB810-3430-2C29-1AA0-9744AA0A1AA3}"/>
+              </a:ext>
+            </a:extLst>
+          </p:cNvPr>
+          <p:cNvSpPr>
+            <a:spLocks noGrp="1"/>
+          </p:cNvSpPr>
+          <p:nvPr>
+            <p:ph sz="half" idx="4294967295"/>
+          </p:nvPr>
+        </p:nvSpPr>
+        <p:spPr>
+          <a:xfrm>
+            <a:off x="4610922" y="1362687"/>
+            <a:ext cx="3909060" cy="3223260"/>
+          </a:xfrm>
+          <a:prstGeom prst="rect">
+            <a:avLst/>
+          </a:prstGeom>
+          <a:noFill/>
+        </p:spPr>
+        <p:txBody>
+          <a:bodyPr>
+            <a:normAutofit/>
+          </a:bodyPr>
+          <a:lstStyle/>
+          <a:p>
+            <a:pPr marL="0" indent="0" algn="just">
+              <a:lnSpc>
+                <a:spcPct val="100000"/>
+              </a:lnSpc>
+              <a:spcBef>
+                <a:spcPts val="300"/>
+              </a:spcBef>
+              <a:spcAft>
+                <a:spcPts val="300"/>
+              </a:spcAft>
+              <a:buNone/>
+            </a:pPr>
+            <a:r>
+              <a:rPr lang="en-IN" sz="1600" b="1" dirty="0">
+                <a:solidFill>
+                  <a:schemeClr val="accent4">
+                    <a:lumMod val="50000"/>
+                  </a:schemeClr>
+                </a:solidFill>
+              </a:rPr>
+              <a:t>def factorial(n):</a:t>
+            </a:r>
+          </a:p>
+          <a:p>
+            <a:pPr marL="0" indent="0" algn="just">
+              <a:lnSpc>
+                <a:spcPct val="100000"/>
+              </a:lnSpc>
+              <a:spcBef>
+                <a:spcPts val="300"/>
+              </a:spcBef>
+              <a:spcAft>
+                <a:spcPts val="300"/>
+              </a:spcAft>
+              <a:buNone/>
+            </a:pPr>
+            <a:r>
+              <a:rPr lang="en-IN" sz="1600" b="1" dirty="0">
+                <a:solidFill>
+                  <a:schemeClr val="accent4">
+                    <a:lumMod val="50000"/>
+                  </a:schemeClr>
+                </a:solidFill>
+              </a:rPr>
+              <a:t>    if n &lt; 0:</a:t>
+            </a:r>
+          </a:p>
+          <a:p>
+            <a:pPr marL="0" indent="0" algn="just">
+              <a:lnSpc>
+                <a:spcPct val="100000"/>
+              </a:lnSpc>
+              <a:spcBef>
+                <a:spcPts val="300"/>
+              </a:spcBef>
+              <a:spcAft>
+                <a:spcPts val="300"/>
+              </a:spcAft>
+              <a:buNone/>
+            </a:pPr>
+            <a:r>
+              <a:rPr lang="en-IN" sz="1600" b="1" dirty="0">
+                <a:solidFill>
+                  <a:schemeClr val="accent4">
+                    <a:lumMod val="50000"/>
+                  </a:schemeClr>
+                </a:solidFill>
+              </a:rPr>
+              <a:t>        raise </a:t>
+            </a:r>
+            <a:r>
+              <a:rPr lang="en-IN" sz="1600" b="1" dirty="0" err="1">
+                <a:solidFill>
+                  <a:schemeClr val="accent4">
+                    <a:lumMod val="50000"/>
+                  </a:schemeClr>
+                </a:solidFill>
+              </a:rPr>
+              <a:t>ValueError</a:t>
+            </a:r>
+            <a:r>
+              <a:rPr lang="en-IN" sz="1600" b="1" dirty="0">
+                <a:solidFill>
+                  <a:schemeClr val="accent4">
+                    <a:lumMod val="50000"/>
+                  </a:schemeClr>
+                </a:solidFill>
+              </a:rPr>
+              <a:t>("Factorial is not defined for negative numbers")</a:t>
+            </a:r>
+          </a:p>
+          <a:p>
+            <a:pPr marL="0" indent="0" algn="just">
+              <a:lnSpc>
+                <a:spcPct val="100000"/>
+              </a:lnSpc>
+              <a:spcBef>
+                <a:spcPts val="300"/>
+              </a:spcBef>
+              <a:spcAft>
+                <a:spcPts val="300"/>
+              </a:spcAft>
+              <a:buNone/>
+            </a:pPr>
+            <a:r>
+              <a:rPr lang="en-IN" sz="1600" b="1" dirty="0">
+                <a:solidFill>
+                  <a:schemeClr val="accent4">
+                    <a:lumMod val="50000"/>
+                  </a:schemeClr>
+                </a:solidFill>
+              </a:rPr>
+              <a:t>    </a:t>
+            </a:r>
+            <a:r>
+              <a:rPr lang="en-IN" sz="1600" b="1" dirty="0" err="1">
+                <a:solidFill>
+                  <a:schemeClr val="accent4">
+                    <a:lumMod val="50000"/>
+                  </a:schemeClr>
+                </a:solidFill>
+              </a:rPr>
+              <a:t>elif</a:t>
+            </a:r>
+            <a:r>
+              <a:rPr lang="en-IN" sz="1600" b="1" dirty="0">
+                <a:solidFill>
+                  <a:schemeClr val="accent4">
+                    <a:lumMod val="50000"/>
+                  </a:schemeClr>
+                </a:solidFill>
+              </a:rPr>
+              <a:t> n == 0 or n == 1:</a:t>
+            </a:r>
+          </a:p>
+          <a:p>
+            <a:pPr marL="0" indent="0" algn="just">
+              <a:lnSpc>
+                <a:spcPct val="100000"/>
+              </a:lnSpc>
+              <a:spcBef>
+                <a:spcPts val="300"/>
+              </a:spcBef>
+              <a:spcAft>
+                <a:spcPts val="300"/>
+              </a:spcAft>
+              <a:buNone/>
+            </a:pPr>
+            <a:r>
+              <a:rPr lang="en-IN" sz="1600" b="1" dirty="0">
+                <a:solidFill>
+                  <a:schemeClr val="accent4">
+                    <a:lumMod val="50000"/>
+                  </a:schemeClr>
+                </a:solidFill>
+              </a:rPr>
+              <a:t>        return 1</a:t>
+            </a:r>
+          </a:p>
+          <a:p>
+            <a:pPr marL="0" indent="0" algn="just">
+              <a:lnSpc>
+                <a:spcPct val="100000"/>
+              </a:lnSpc>
+              <a:spcBef>
+                <a:spcPts val="300"/>
+              </a:spcBef>
+              <a:spcAft>
+                <a:spcPts val="300"/>
+              </a:spcAft>
+              <a:buNone/>
+            </a:pPr>
+            <a:r>
+              <a:rPr lang="en-IN" sz="1600" b="1" dirty="0">
+                <a:solidFill>
+                  <a:schemeClr val="accent4">
+                    <a:lumMod val="50000"/>
+                  </a:schemeClr>
+                </a:solidFill>
+              </a:rPr>
+              <a:t>    else:</a:t>
+            </a:r>
+          </a:p>
+          <a:p>
+            <a:pPr marL="0" indent="0" algn="just">
+              <a:lnSpc>
+                <a:spcPct val="100000"/>
+              </a:lnSpc>
+              <a:spcBef>
+                <a:spcPts val="300"/>
+              </a:spcBef>
+              <a:spcAft>
+                <a:spcPts val="300"/>
+              </a:spcAft>
+              <a:buNone/>
+            </a:pPr>
+            <a:r>
+              <a:rPr lang="en-IN" sz="1600" b="1" dirty="0">
+                <a:solidFill>
+                  <a:schemeClr val="accent4">
+                    <a:lumMod val="50000"/>
+                  </a:schemeClr>
+                </a:solidFill>
+              </a:rPr>
+              <a:t>        return n * factorial(n-1)</a:t>
+            </a:r>
+            <a:endParaRPr lang="en-US" sz="1600" b="1" dirty="0">
+              <a:solidFill>
+                <a:schemeClr val="accent4">
+                  <a:lumMod val="50000"/>
+                </a:schemeClr>
+              </a:solidFill>
+            </a:endParaRPr>
+          </a:p>
+        </p:txBody>
+      </p:sp>
+    </p:spTree>
+    <p:extLst>
+      <p:ext uri="{BB962C8B-B14F-4D97-AF65-F5344CB8AC3E}">
+        <p14:creationId xmlns:p14="http://schemas.microsoft.com/office/powerpoint/2010/main" val="414613742"/>
+      </p:ext>
+    </p:extLst>
+  </p:cSld>
+  <p:clrMapOvr>
+    <a:masterClrMapping/>
+  </p:clrMapOvr>
+</p:sld>
+</file>
+
+<file path=ppt/slides/slide41.xml><?xml version="1.0" encoding="utf-8"?>
+<p:sld xmlns:a="http://schemas.openxmlformats.org/drawingml/2006/main" xmlns:r="http://schemas.openxmlformats.org/officeDocument/2006/relationships" xmlns:p="http://schemas.openxmlformats.org/presentationml/2006/main">
+  <p:cSld>
+    <p:spTree>
+      <p:nvGrpSpPr>
+        <p:cNvPr id="1" name=""/>
+        <p:cNvGrpSpPr/>
+        <p:nvPr/>
+      </p:nvGrpSpPr>
+      <p:grpSpPr>
+        <a:xfrm>
+          <a:off x="0" y="0"/>
+          <a:ext cx="0" cy="0"/>
+          <a:chOff x="0" y="0"/>
+          <a:chExt cx="0" cy="0"/>
+        </a:xfrm>
+      </p:grpSpPr>
+      <p:sp>
+        <p:nvSpPr>
+          <p:cNvPr id="2" name="Title 1">
+            <a:extLst>
+              <a:ext uri="{FF2B5EF4-FFF2-40B4-BE49-F238E27FC236}">
+                <a16:creationId xmlns:a16="http://schemas.microsoft.com/office/drawing/2014/main" id="{5D030A76-B788-B363-104E-266B7C7F7208}"/>
+              </a:ext>
+            </a:extLst>
+          </p:cNvPr>
+          <p:cNvSpPr>
+            <a:spLocks noGrp="1"/>
+          </p:cNvSpPr>
+          <p:nvPr>
+            <p:ph type="title"/>
+          </p:nvPr>
+        </p:nvSpPr>
+        <p:spPr>
+          <a:xfrm>
+            <a:off x="628650" y="273844"/>
+            <a:ext cx="7886700" cy="994172"/>
+          </a:xfrm>
+          <a:noFill/>
+        </p:spPr>
+        <p:txBody>
+          <a:bodyPr anchor="ctr"/>
+          <a:lstStyle/>
+          <a:p>
+            <a:r>
+              <a:rPr lang="en-US" dirty="0"/>
+              <a:t>Code Generation</a:t>
+            </a:r>
+          </a:p>
+        </p:txBody>
+      </p:sp>
+      <p:sp>
+        <p:nvSpPr>
           <p:cNvPr id="6" name="Content Placeholder 2">
             <a:extLst>
               <a:ext uri="{FF2B5EF4-FFF2-40B4-BE49-F238E27FC236}">
@@ -34387,7 +34509,7 @@
 </p:sld>
 </file>
 
-<file path=ppt/slides/slide41.xml><?xml version="1.0" encoding="utf-8"?>
+<file path=ppt/slides/slide42.xml><?xml version="1.0" encoding="utf-8"?>
 <p:sld xmlns:a="http://schemas.openxmlformats.org/drawingml/2006/main" xmlns:r="http://schemas.openxmlformats.org/officeDocument/2006/relationships" xmlns:p="http://schemas.openxmlformats.org/presentationml/2006/main">
   <p:cSld>
     <p:spTree>
@@ -34617,317 +34739,6 @@
 </p:sld>
 </file>
 
-<file path=ppt/slides/slide42.xml><?xml version="1.0" encoding="utf-8"?>
-<p:sld xmlns:a="http://schemas.openxmlformats.org/drawingml/2006/main" xmlns:r="http://schemas.openxmlformats.org/officeDocument/2006/relationships" xmlns:p="http://schemas.openxmlformats.org/presentationml/2006/main">
-  <p:cSld>
-    <p:spTree>
-      <p:nvGrpSpPr>
-        <p:cNvPr id="1" name=""/>
-        <p:cNvGrpSpPr/>
-        <p:nvPr/>
-      </p:nvGrpSpPr>
-      <p:grpSpPr>
-        <a:xfrm>
-          <a:off x="0" y="0"/>
-          <a:ext cx="0" cy="0"/>
-          <a:chOff x="0" y="0"/>
-          <a:chExt cx="0" cy="0"/>
-        </a:xfrm>
-      </p:grpSpPr>
-      <p:sp>
-        <p:nvSpPr>
-          <p:cNvPr id="2" name="Title 1">
-            <a:extLst>
-              <a:ext uri="{FF2B5EF4-FFF2-40B4-BE49-F238E27FC236}">
-                <a16:creationId xmlns:a16="http://schemas.microsoft.com/office/drawing/2014/main" id="{47A9874B-BCA9-8420-1595-EDD1865A099A}"/>
-              </a:ext>
-            </a:extLst>
-          </p:cNvPr>
-          <p:cNvSpPr>
-            <a:spLocks noGrp="1"/>
-          </p:cNvSpPr>
-          <p:nvPr>
-            <p:ph type="title"/>
-          </p:nvPr>
-        </p:nvSpPr>
-        <p:spPr>
-          <a:xfrm>
-            <a:off x="628650" y="273844"/>
-            <a:ext cx="7886700" cy="994172"/>
-          </a:xfrm>
-          <a:noFill/>
-        </p:spPr>
-        <p:txBody>
-          <a:bodyPr anchor="ctr"/>
-          <a:lstStyle/>
-          <a:p>
-            <a:r>
-              <a:rPr lang="en-US" dirty="0"/>
-              <a:t>Medical Diagnosis</a:t>
-            </a:r>
-          </a:p>
-        </p:txBody>
-      </p:sp>
-      <p:sp>
-        <p:nvSpPr>
-          <p:cNvPr id="3" name="Content Placeholder 2">
-            <a:extLst>
-              <a:ext uri="{FF2B5EF4-FFF2-40B4-BE49-F238E27FC236}">
-                <a16:creationId xmlns:a16="http://schemas.microsoft.com/office/drawing/2014/main" id="{68A5FD2B-E3E5-1C2B-0151-21F216B14A33}"/>
-              </a:ext>
-            </a:extLst>
-          </p:cNvPr>
-          <p:cNvSpPr>
-            <a:spLocks noGrp="1"/>
-          </p:cNvSpPr>
-          <p:nvPr>
-            <p:ph sz="half" idx="1"/>
-          </p:nvPr>
-        </p:nvSpPr>
-        <p:spPr>
-          <a:xfrm>
-            <a:off x="628651" y="1369219"/>
-            <a:ext cx="3771899" cy="3223260"/>
-          </a:xfrm>
-          <a:noFill/>
-        </p:spPr>
-        <p:txBody>
-          <a:bodyPr>
-            <a:normAutofit/>
-          </a:bodyPr>
-          <a:lstStyle/>
-          <a:p>
-            <a:pPr lvl="1"/>
-            <a:r>
-              <a:rPr lang="en-US" sz="2000" dirty="0"/>
-              <a:t>Symptom analysis</a:t>
-            </a:r>
-          </a:p>
-          <a:p>
-            <a:pPr lvl="1"/>
-            <a:r>
-              <a:rPr lang="en-US" sz="2000" dirty="0"/>
-              <a:t>Disease identification</a:t>
-            </a:r>
-          </a:p>
-          <a:p>
-            <a:pPr lvl="1"/>
-            <a:r>
-              <a:rPr lang="en-US" sz="2000" dirty="0"/>
-              <a:t>Treatment recommendations</a:t>
-            </a:r>
-          </a:p>
-          <a:p>
-            <a:pPr lvl="1"/>
-            <a:r>
-              <a:rPr lang="en-US" sz="2000" dirty="0"/>
-              <a:t>Medical literature analysis</a:t>
-            </a:r>
-          </a:p>
-          <a:p>
-            <a:pPr lvl="1"/>
-            <a:r>
-              <a:rPr lang="en-US" sz="2000" dirty="0"/>
-              <a:t>Medical question answering</a:t>
-            </a:r>
-          </a:p>
-          <a:p>
-            <a:pPr lvl="1"/>
-            <a:r>
-              <a:rPr lang="en-US" sz="2000" dirty="0"/>
-              <a:t>Medical imaging analysis</a:t>
-            </a:r>
-          </a:p>
-        </p:txBody>
-      </p:sp>
-      <p:sp>
-        <p:nvSpPr>
-          <p:cNvPr id="10" name="Content Placeholder 2">
-            <a:extLst>
-              <a:ext uri="{FF2B5EF4-FFF2-40B4-BE49-F238E27FC236}">
-                <a16:creationId xmlns:a16="http://schemas.microsoft.com/office/drawing/2014/main" id="{A6A33159-D030-2F82-A142-F75940728319}"/>
-              </a:ext>
-            </a:extLst>
-          </p:cNvPr>
-          <p:cNvSpPr>
-            <a:spLocks noGrp="1"/>
-          </p:cNvSpPr>
-          <p:nvPr>
-            <p:ph sz="quarter" idx="4294967295"/>
-          </p:nvPr>
-        </p:nvSpPr>
-        <p:spPr>
-          <a:xfrm>
-            <a:off x="4714875" y="1378574"/>
-            <a:ext cx="3638550" cy="3213667"/>
-          </a:xfrm>
-          <a:prstGeom prst="rect">
-            <a:avLst/>
-          </a:prstGeom>
-          <a:noFill/>
-        </p:spPr>
-        <p:txBody>
-          <a:bodyPr vert="horz" lIns="68580" tIns="34290" rIns="68580" bIns="34290" rtlCol="0" anchor="t">
-            <a:normAutofit/>
-          </a:bodyPr>
-          <a:lstStyle/>
-          <a:p>
-            <a:pPr marL="171450" lvl="1">
-              <a:spcBef>
-                <a:spcPts val="750"/>
-              </a:spcBef>
-              <a:spcAft>
-                <a:spcPts val="600"/>
-              </a:spcAft>
-              <a:buClr>
-                <a:schemeClr val="accent2"/>
-              </a:buClr>
-            </a:pPr>
-            <a:r>
-              <a:rPr lang="en-US" sz="2000" dirty="0"/>
-              <a:t>Google Med–</a:t>
-            </a:r>
-            <a:r>
-              <a:rPr lang="en-US" sz="2000" dirty="0" err="1"/>
-              <a:t>PaLM</a:t>
-            </a:r>
-            <a:r>
-              <a:rPr lang="en-US" sz="2000" dirty="0"/>
-              <a:t> 2</a:t>
-            </a:r>
-          </a:p>
-          <a:p>
-            <a:pPr marL="514350" lvl="2">
-              <a:spcBef>
-                <a:spcPts val="750"/>
-              </a:spcBef>
-              <a:spcAft>
-                <a:spcPts val="600"/>
-              </a:spcAft>
-              <a:buClr>
-                <a:schemeClr val="accent2"/>
-              </a:buClr>
-            </a:pPr>
-            <a:r>
-              <a:rPr lang="en-US" sz="1700" dirty="0"/>
-              <a:t>Medical question answering</a:t>
-            </a:r>
-          </a:p>
-          <a:p>
-            <a:pPr marL="171450" lvl="1">
-              <a:spcBef>
-                <a:spcPts val="750"/>
-              </a:spcBef>
-              <a:spcAft>
-                <a:spcPts val="600"/>
-              </a:spcAft>
-              <a:buClr>
-                <a:schemeClr val="accent2"/>
-              </a:buClr>
-            </a:pPr>
-            <a:r>
-              <a:rPr lang="en-US" sz="2000" dirty="0"/>
-              <a:t>Google Med-Gemini</a:t>
-            </a:r>
-          </a:p>
-          <a:p>
-            <a:pPr marL="514350" lvl="2">
-              <a:spcBef>
-                <a:spcPts val="750"/>
-              </a:spcBef>
-              <a:spcAft>
-                <a:spcPts val="600"/>
-              </a:spcAft>
-              <a:buClr>
-                <a:schemeClr val="accent2"/>
-              </a:buClr>
-            </a:pPr>
-            <a:r>
-              <a:rPr lang="en-US" sz="1700" dirty="0"/>
-              <a:t>Medical question answering</a:t>
-            </a:r>
-          </a:p>
-          <a:p>
-            <a:pPr marL="171450" lvl="1">
-              <a:spcBef>
-                <a:spcPts val="750"/>
-              </a:spcBef>
-              <a:spcAft>
-                <a:spcPts val="600"/>
-              </a:spcAft>
-              <a:buClr>
-                <a:schemeClr val="accent2"/>
-              </a:buClr>
-            </a:pPr>
-            <a:r>
-              <a:rPr lang="en-IN" sz="2000" dirty="0" err="1"/>
-              <a:t>BiomedGPT</a:t>
-            </a:r>
-            <a:endParaRPr lang="en-IN" sz="2000" dirty="0"/>
-          </a:p>
-          <a:p>
-            <a:pPr marL="514350" lvl="2">
-              <a:spcBef>
-                <a:spcPts val="750"/>
-              </a:spcBef>
-              <a:spcAft>
-                <a:spcPts val="600"/>
-              </a:spcAft>
-              <a:buClr>
-                <a:schemeClr val="accent2"/>
-              </a:buClr>
-            </a:pPr>
-            <a:r>
-              <a:rPr lang="en-IN" sz="1700" dirty="0"/>
-              <a:t>Vision language model</a:t>
-            </a:r>
-          </a:p>
-          <a:p>
-            <a:pPr marL="514350" lvl="2">
-              <a:spcBef>
-                <a:spcPts val="750"/>
-              </a:spcBef>
-              <a:spcAft>
-                <a:spcPts val="600"/>
-              </a:spcAft>
-              <a:buClr>
-                <a:schemeClr val="accent2"/>
-              </a:buClr>
-            </a:pPr>
-            <a:r>
-              <a:rPr lang="en-IN" sz="1700" dirty="0"/>
-              <a:t>Visual question answering</a:t>
-            </a:r>
-          </a:p>
-          <a:p>
-            <a:pPr marL="171450" lvl="1">
-              <a:spcBef>
-                <a:spcPts val="750"/>
-              </a:spcBef>
-              <a:spcAft>
-                <a:spcPts val="600"/>
-              </a:spcAft>
-              <a:buClr>
-                <a:schemeClr val="accent2"/>
-              </a:buClr>
-            </a:pPr>
-            <a:endParaRPr lang="en-US" sz="1700" dirty="0"/>
-          </a:p>
-        </p:txBody>
-      </p:sp>
-    </p:spTree>
-    <p:extLst>
-      <p:ext uri="{BB962C8B-B14F-4D97-AF65-F5344CB8AC3E}">
-        <p14:creationId xmlns:p14="http://schemas.microsoft.com/office/powerpoint/2010/main" val="1127649784"/>
-      </p:ext>
-    </p:extLst>
-  </p:cSld>
-  <p:clrMapOvr>
-    <a:masterClrMapping/>
-  </p:clrMapOvr>
-</p:sld>
-</file>
-
 <file path=ppt/slides/slide43.xml><?xml version="1.0" encoding="utf-8"?>
 <p:sld xmlns:a="http://schemas.openxmlformats.org/drawingml/2006/main" xmlns:r="http://schemas.openxmlformats.org/officeDocument/2006/relationships" xmlns:p="http://schemas.openxmlformats.org/presentationml/2006/main">
   <p:cSld>
@@ -34974,7 +34785,7 @@
           <a:p>
             <a:r>
               <a:rPr lang="en-US" dirty="0"/>
-              <a:t>Creative Writing</a:t>
+              <a:t>Medical Diagnosis</a:t>
             </a:r>
           </a:p>
         </p:txBody>
@@ -34998,7 +34809,7 @@
         <p:spPr>
           <a:xfrm>
             <a:off x="628651" y="1369219"/>
-            <a:ext cx="3686372" cy="3223260"/>
+            <a:ext cx="3771899" cy="3223260"/>
           </a:xfrm>
           <a:noFill/>
         </p:spPr>
@@ -35008,46 +34819,55 @@
           </a:bodyPr>
           <a:lstStyle/>
           <a:p>
-            <a:pPr algn="just"/>
-            <a:r>
-              <a:rPr lang="en-IN" b="1" dirty="0">
-                <a:solidFill>
-                  <a:schemeClr val="accent5">
-                    <a:lumMod val="50000"/>
-                  </a:schemeClr>
-                </a:solidFill>
-              </a:rPr>
-              <a:t>Write a story on atom for first standard student.</a:t>
-            </a:r>
-            <a:r>
-              <a:rPr lang="en-IN" dirty="0">
-                <a:solidFill>
-                  <a:schemeClr val="accent5">
-                    <a:lumMod val="50000"/>
-                  </a:schemeClr>
-                </a:solidFill>
-              </a:rPr>
-              <a:t> </a:t>
-            </a:r>
-          </a:p>
-          <a:p>
-            <a:pPr algn="just"/>
-            <a:endParaRPr lang="en-US" sz="1800" dirty="0">
-              <a:solidFill>
-                <a:schemeClr val="accent5">
-                  <a:lumMod val="50000"/>
-                </a:schemeClr>
-              </a:solidFill>
-            </a:endParaRPr>
+            <a:pPr lvl="1"/>
+            <a:r>
+              <a:rPr lang="en-US" sz="2000" dirty="0"/>
+              <a:t>Symptom analysis</a:t>
+            </a:r>
+          </a:p>
+          <a:p>
+            <a:pPr lvl="1"/>
+            <a:r>
+              <a:rPr lang="en-US" sz="2000" dirty="0"/>
+              <a:t>Disease identification</a:t>
+            </a:r>
+          </a:p>
+          <a:p>
+            <a:pPr lvl="1"/>
+            <a:r>
+              <a:rPr lang="en-US" sz="2000" dirty="0"/>
+              <a:t>Treatment recommendations</a:t>
+            </a:r>
+          </a:p>
+          <a:p>
+            <a:pPr lvl="1"/>
+            <a:r>
+              <a:rPr lang="en-US" sz="2000" dirty="0"/>
+              <a:t>Medical literature analysis</a:t>
+            </a:r>
+          </a:p>
+          <a:p>
+            <a:pPr lvl="1"/>
+            <a:r>
+              <a:rPr lang="en-US" sz="2000" dirty="0"/>
+              <a:t>Medical question answering</a:t>
+            </a:r>
+          </a:p>
+          <a:p>
+            <a:pPr lvl="1"/>
+            <a:r>
+              <a:rPr lang="en-US" sz="2000" dirty="0"/>
+              <a:t>Medical imaging analysis</a:t>
+            </a:r>
           </a:p>
         </p:txBody>
       </p:sp>
       <p:sp>
         <p:nvSpPr>
-          <p:cNvPr id="4" name="Content Placeholder 3">
+          <p:cNvPr id="10" name="Content Placeholder 2">
             <a:extLst>
               <a:ext uri="{FF2B5EF4-FFF2-40B4-BE49-F238E27FC236}">
-                <a16:creationId xmlns:a16="http://schemas.microsoft.com/office/drawing/2014/main" id="{ACFBB810-3430-2C29-1AA0-9744AA0A1AA3}"/>
+                <a16:creationId xmlns:a16="http://schemas.microsoft.com/office/drawing/2014/main" id="{A6A33159-D030-2F82-A142-F75940728319}"/>
               </a:ext>
             </a:extLst>
           </p:cNvPr>
@@ -35055,125 +34875,13 @@
             <a:spLocks noGrp="1"/>
           </p:cNvSpPr>
           <p:nvPr>
-            <p:ph sz="half" idx="15"/>
+            <p:ph sz="quarter" idx="4294967295"/>
           </p:nvPr>
         </p:nvSpPr>
         <p:spPr>
           <a:xfrm>
-            <a:off x="4610922" y="1362687"/>
-            <a:ext cx="3909060" cy="3223260"/>
-          </a:xfrm>
-          <a:noFill/>
-        </p:spPr>
-        <p:txBody>
-          <a:bodyPr>
-            <a:normAutofit fontScale="92500" lnSpcReduction="20000"/>
-          </a:bodyPr>
-          <a:lstStyle/>
-          <a:p>
-            <a:pPr algn="just"/>
-            <a:r>
-              <a:rPr lang="en-IN" sz="1600" dirty="0">
-                <a:solidFill>
-                  <a:schemeClr val="accent4">
-                    <a:lumMod val="50000"/>
-                  </a:schemeClr>
-                </a:solidFill>
-              </a:rPr>
-              <a:t>The Adventures of Atom</a:t>
-            </a:r>
-          </a:p>
-          <a:p>
-            <a:pPr algn="just"/>
-            <a:r>
-              <a:rPr lang="en-IN" sz="1600" dirty="0">
-                <a:solidFill>
-                  <a:schemeClr val="accent4">
-                    <a:lumMod val="50000"/>
-                  </a:schemeClr>
-                </a:solidFill>
-              </a:rPr>
-              <a:t>Once upon a time, in a tiny world, there was a tiny creature named Atom. Atom was so small that you needed a special tool to see him.</a:t>
-            </a:r>
-          </a:p>
-          <a:p>
-            <a:pPr algn="just"/>
-            <a:r>
-              <a:rPr lang="en-IN" sz="1600" dirty="0">
-                <a:solidFill>
-                  <a:schemeClr val="accent4">
-                    <a:lumMod val="50000"/>
-                  </a:schemeClr>
-                </a:solidFill>
-              </a:rPr>
-              <a:t>... </a:t>
-            </a:r>
-          </a:p>
-          <a:p>
-            <a:pPr algn="just"/>
-            <a:r>
-              <a:rPr lang="en-IN" sz="1600" dirty="0">
-                <a:solidFill>
-                  <a:schemeClr val="accent4">
-                    <a:lumMod val="50000"/>
-                  </a:schemeClr>
-                </a:solidFill>
-              </a:rPr>
-              <a:t>One day, Atom decided to go on an adventure. He packed a small bag and said goodbye to his family.</a:t>
-            </a:r>
-          </a:p>
-          <a:p>
-            <a:pPr algn="just"/>
-            <a:r>
-              <a:rPr lang="en-IN" sz="1600" dirty="0">
-                <a:solidFill>
-                  <a:schemeClr val="accent4">
-                    <a:lumMod val="50000"/>
-                  </a:schemeClr>
-                </a:solidFill>
-              </a:rPr>
-              <a:t>... </a:t>
-            </a:r>
-          </a:p>
-          <a:p>
-            <a:pPr algn="just"/>
-            <a:r>
-              <a:rPr lang="en-IN" sz="1600" dirty="0">
-                <a:solidFill>
-                  <a:schemeClr val="accent4">
-                    <a:lumMod val="50000"/>
-                  </a:schemeClr>
-                </a:solidFill>
-              </a:rPr>
-              <a:t>The End</a:t>
-            </a:r>
-          </a:p>
-          <a:p>
-            <a:pPr algn="just"/>
-            <a:r>
-              <a:rPr lang="en-IN" sz="1600" dirty="0">
-                <a:solidFill>
-                  <a:schemeClr val="accent4">
-                    <a:lumMod val="50000"/>
-                  </a:schemeClr>
-                </a:solidFill>
-              </a:rPr>
-              <a:t>This story is designed to be simple and easy to understand for a first standard student. </a:t>
-            </a:r>
-            <a:endParaRPr lang="en-US" sz="1800" dirty="0"/>
-          </a:p>
-        </p:txBody>
-      </p:sp>
-      <p:sp>
-        <p:nvSpPr>
-          <p:cNvPr id="6" name="TextBox 5"/>
-          <p:cNvSpPr txBox="1"/>
-          <p:nvPr/>
-        </p:nvSpPr>
-        <p:spPr>
-          <a:xfrm>
-            <a:off x="1733550" y="4714875"/>
-            <a:ext cx="5761969" cy="307777"/>
+            <a:off x="4714875" y="1378574"/>
+            <a:ext cx="3638550" cy="3213667"/>
           </a:xfrm>
           <a:prstGeom prst="rect">
             <a:avLst/>
@@ -35181,22 +34889,151 @@
           <a:noFill/>
         </p:spPr>
         <p:txBody>
-          <a:bodyPr wrap="square" rtlCol="0">
-            <a:spAutoFit/>
+          <a:bodyPr vert="horz" lIns="68580" tIns="34290" rIns="68580" bIns="34290" rtlCol="0" anchor="t">
+            <a:normAutofit/>
           </a:bodyPr>
           <a:lstStyle/>
           <a:p>
-            <a:pPr algn="r"/>
-            <a:r>
-              <a:rPr lang="en-IN" b="1" dirty="0">
-                <a:solidFill>
-                  <a:schemeClr val="accent2">
-                    <a:lumMod val="50000"/>
-                  </a:schemeClr>
-                </a:solidFill>
-              </a:rPr>
-              <a:t>*Meta-Llama-3.1-8B-Instruct</a:t>
-            </a:r>
+            <a:pPr marL="171450" lvl="1">
+              <a:spcBef>
+                <a:spcPts val="750"/>
+              </a:spcBef>
+              <a:spcAft>
+                <a:spcPts val="600"/>
+              </a:spcAft>
+              <a:buClr>
+                <a:schemeClr val="accent2"/>
+              </a:buClr>
+            </a:pPr>
+            <a:r>
+              <a:rPr lang="en-US" sz="2000" dirty="0"/>
+              <a:t>Google Med–</a:t>
+            </a:r>
+            <a:r>
+              <a:rPr lang="en-US" sz="2000" dirty="0" err="1"/>
+              <a:t>PaLM</a:t>
+            </a:r>
+            <a:r>
+              <a:rPr lang="en-US" sz="2000" dirty="0"/>
+              <a:t> 2</a:t>
+            </a:r>
+          </a:p>
+          <a:p>
+            <a:pPr marL="514350" lvl="2">
+              <a:spcBef>
+                <a:spcPts val="750"/>
+              </a:spcBef>
+              <a:spcAft>
+                <a:spcPts val="600"/>
+              </a:spcAft>
+              <a:buClr>
+                <a:schemeClr val="accent2"/>
+              </a:buClr>
+            </a:pPr>
+            <a:r>
+              <a:rPr lang="en-US" sz="1700" dirty="0"/>
+              <a:t>Medical question answering</a:t>
+            </a:r>
+          </a:p>
+          <a:p>
+            <a:pPr marL="171450" lvl="1">
+              <a:spcBef>
+                <a:spcPts val="750"/>
+              </a:spcBef>
+              <a:spcAft>
+                <a:spcPts val="600"/>
+              </a:spcAft>
+              <a:buClr>
+                <a:schemeClr val="accent2"/>
+              </a:buClr>
+            </a:pPr>
+            <a:r>
+              <a:rPr lang="en-US" sz="2000" dirty="0"/>
+              <a:t>Google Med-Gemini</a:t>
+            </a:r>
+          </a:p>
+          <a:p>
+            <a:pPr marL="514350" lvl="2">
+              <a:spcBef>
+                <a:spcPts val="750"/>
+              </a:spcBef>
+              <a:spcAft>
+                <a:spcPts val="600"/>
+              </a:spcAft>
+              <a:buClr>
+                <a:schemeClr val="accent2"/>
+              </a:buClr>
+            </a:pPr>
+            <a:r>
+              <a:rPr lang="en-US" sz="1700" dirty="0"/>
+              <a:t>Medical question answering</a:t>
+            </a:r>
+          </a:p>
+          <a:p>
+            <a:pPr marL="171450" lvl="1">
+              <a:spcBef>
+                <a:spcPts val="750"/>
+              </a:spcBef>
+              <a:spcAft>
+                <a:spcPts val="600"/>
+              </a:spcAft>
+              <a:buClr>
+                <a:schemeClr val="accent2"/>
+              </a:buClr>
+            </a:pPr>
+            <a:r>
+              <a:rPr lang="en-IN" sz="2000" dirty="0" err="1"/>
+              <a:t>BiomedGPT</a:t>
+            </a:r>
+            <a:endParaRPr lang="en-IN" sz="2000" dirty="0"/>
+          </a:p>
+          <a:p>
+            <a:pPr marL="514350" lvl="2">
+              <a:spcBef>
+                <a:spcPts val="750"/>
+              </a:spcBef>
+              <a:spcAft>
+                <a:spcPts val="600"/>
+              </a:spcAft>
+              <a:buClr>
+                <a:schemeClr val="accent2"/>
+              </a:buClr>
+            </a:pPr>
+            <a:r>
+              <a:rPr lang="en-IN" sz="1700" dirty="0"/>
+              <a:t>Vision language model</a:t>
+            </a:r>
+          </a:p>
+          <a:p>
+            <a:pPr marL="514350" lvl="2">
+              <a:spcBef>
+                <a:spcPts val="750"/>
+              </a:spcBef>
+              <a:spcAft>
+                <a:spcPts val="600"/>
+              </a:spcAft>
+              <a:buClr>
+                <a:schemeClr val="accent2"/>
+              </a:buClr>
+            </a:pPr>
+            <a:r>
+              <a:rPr lang="en-IN" sz="1700" dirty="0"/>
+              <a:t>Visual question answering</a:t>
+            </a:r>
+          </a:p>
+          <a:p>
+            <a:pPr marL="171450" lvl="1">
+              <a:spcBef>
+                <a:spcPts val="750"/>
+              </a:spcBef>
+              <a:spcAft>
+                <a:spcPts val="600"/>
+              </a:spcAft>
+              <a:buClr>
+                <a:schemeClr val="accent2"/>
+              </a:buClr>
+            </a:pPr>
+            <a:endParaRPr lang="en-US" sz="1700" dirty="0"/>
           </a:p>
         </p:txBody>
       </p:sp>
@@ -35259,7 +35096,7 @@
           <a:p>
             <a:r>
               <a:rPr lang="en-US" dirty="0"/>
-              <a:t>Education</a:t>
+              <a:t>Creative Writing</a:t>
             </a:r>
           </a:p>
         </p:txBody>
@@ -35295,14 +35132,24 @@
           <a:p>
             <a:pPr algn="just"/>
             <a:r>
-              <a:rPr lang="en-IN" sz="1800" dirty="0">
+              <a:rPr lang="en-IN" b="1" dirty="0">
                 <a:solidFill>
                   <a:schemeClr val="accent5">
                     <a:lumMod val="50000"/>
                   </a:schemeClr>
                 </a:solidFill>
               </a:rPr>
-              <a:t>In six sentences, explain proton, neutron and electron to first standard student.</a:t>
+              <a:t>Write a story on atom for first standard student.</a:t>
+            </a:r>
+            <a:r>
+              <a:rPr lang="en-IN" dirty="0">
+                <a:solidFill>
+                  <a:schemeClr val="accent5">
+                    <a:lumMod val="50000"/>
+                  </a:schemeClr>
+                </a:solidFill>
+              </a:rPr>
+              <a:t> </a:t>
             </a:r>
           </a:p>
           <a:p>
@@ -35355,7 +35202,7 @@
                   </a:schemeClr>
                 </a:solidFill>
               </a:rPr>
-              <a:t>Here's an explanation of protons, neutrons, and electrons that a first standard student can understand:</a:t>
+              <a:t>The Adventures of Atom</a:t>
             </a:r>
           </a:p>
           <a:p>
@@ -35368,7 +35215,7 @@
                   </a:schemeClr>
                 </a:solidFill>
               </a:rPr>
-              <a:t>The Tiny Building Blocks of Atoms</a:t>
+              <a:t>Once upon a time, in a tiny world, there was a tiny creature named Atom. Atom was so small that you needed a special tool to see him.</a:t>
             </a:r>
           </a:p>
           <a:p>
@@ -35381,11 +35228,60 @@
                   </a:schemeClr>
                 </a:solidFill>
               </a:rPr>
-              <a:t>You know how we're made up of tiny things called atoms? Well, atoms are made up of even smaller things called protons, neutrons, and electrons. Protons are like the strong and brave soldiers that live in the center of the atom. Neutrons are like the quiet and calm friends who live with the protons in the center. Electrons are like the fast and energetic runners who zoom around the outside of the atom. All three of them work together to make the atom strong and stable!</a:t>
+              <a:t>... </a:t>
             </a:r>
           </a:p>
           <a:p>
             <a:pPr algn="just"/>
+            <a:r>
+              <a:rPr lang="en-IN" sz="1600" dirty="0">
+                <a:solidFill>
+                  <a:schemeClr val="accent4">
+                    <a:lumMod val="50000"/>
+                  </a:schemeClr>
+                </a:solidFill>
+              </a:rPr>
+              <a:t>One day, Atom decided to go on an adventure. He packed a small bag and said goodbye to his family.</a:t>
+            </a:r>
+          </a:p>
+          <a:p>
+            <a:pPr algn="just"/>
+            <a:r>
+              <a:rPr lang="en-IN" sz="1600" dirty="0">
+                <a:solidFill>
+                  <a:schemeClr val="accent4">
+                    <a:lumMod val="50000"/>
+                  </a:schemeClr>
+                </a:solidFill>
+              </a:rPr>
+              <a:t>... </a:t>
+            </a:r>
+          </a:p>
+          <a:p>
+            <a:pPr algn="just"/>
+            <a:r>
+              <a:rPr lang="en-IN" sz="1600" dirty="0">
+                <a:solidFill>
+                  <a:schemeClr val="accent4">
+                    <a:lumMod val="50000"/>
+                  </a:schemeClr>
+                </a:solidFill>
+              </a:rPr>
+              <a:t>The End</a:t>
+            </a:r>
+          </a:p>
+          <a:p>
+            <a:pPr algn="just"/>
+            <a:r>
+              <a:rPr lang="en-IN" sz="1600" dirty="0">
+                <a:solidFill>
+                  <a:schemeClr val="accent4">
+                    <a:lumMod val="50000"/>
+                  </a:schemeClr>
+                </a:solidFill>
+              </a:rPr>
+              <a:t>This story is designed to be simple and easy to understand for a first standard student. </a:t>
+            </a:r>
             <a:endParaRPr lang="en-US" sz="1800" dirty="0"/>
           </a:p>
         </p:txBody>
@@ -35440,6 +35336,232 @@
 </file>
 
 <file path=ppt/slides/slide45.xml><?xml version="1.0" encoding="utf-8"?>
+<p:sld xmlns:a="http://schemas.openxmlformats.org/drawingml/2006/main" xmlns:r="http://schemas.openxmlformats.org/officeDocument/2006/relationships" xmlns:p="http://schemas.openxmlformats.org/presentationml/2006/main">
+  <p:cSld>
+    <p:spTree>
+      <p:nvGrpSpPr>
+        <p:cNvPr id="1" name=""/>
+        <p:cNvGrpSpPr/>
+        <p:nvPr/>
+      </p:nvGrpSpPr>
+      <p:grpSpPr>
+        <a:xfrm>
+          <a:off x="0" y="0"/>
+          <a:ext cx="0" cy="0"/>
+          <a:chOff x="0" y="0"/>
+          <a:chExt cx="0" cy="0"/>
+        </a:xfrm>
+      </p:grpSpPr>
+      <p:sp>
+        <p:nvSpPr>
+          <p:cNvPr id="2" name="Title 1">
+            <a:extLst>
+              <a:ext uri="{FF2B5EF4-FFF2-40B4-BE49-F238E27FC236}">
+                <a16:creationId xmlns:a16="http://schemas.microsoft.com/office/drawing/2014/main" id="{47A9874B-BCA9-8420-1595-EDD1865A099A}"/>
+              </a:ext>
+            </a:extLst>
+          </p:cNvPr>
+          <p:cNvSpPr>
+            <a:spLocks noGrp="1"/>
+          </p:cNvSpPr>
+          <p:nvPr>
+            <p:ph type="title"/>
+          </p:nvPr>
+        </p:nvSpPr>
+        <p:spPr>
+          <a:xfrm>
+            <a:off x="628650" y="273844"/>
+            <a:ext cx="7886700" cy="994172"/>
+          </a:xfrm>
+          <a:noFill/>
+        </p:spPr>
+        <p:txBody>
+          <a:bodyPr anchor="ctr"/>
+          <a:lstStyle/>
+          <a:p>
+            <a:r>
+              <a:rPr lang="en-US" dirty="0"/>
+              <a:t>Education</a:t>
+            </a:r>
+          </a:p>
+        </p:txBody>
+      </p:sp>
+      <p:sp>
+        <p:nvSpPr>
+          <p:cNvPr id="3" name="Content Placeholder 2">
+            <a:extLst>
+              <a:ext uri="{FF2B5EF4-FFF2-40B4-BE49-F238E27FC236}">
+                <a16:creationId xmlns:a16="http://schemas.microsoft.com/office/drawing/2014/main" id="{68A5FD2B-E3E5-1C2B-0151-21F216B14A33}"/>
+              </a:ext>
+            </a:extLst>
+          </p:cNvPr>
+          <p:cNvSpPr>
+            <a:spLocks noGrp="1"/>
+          </p:cNvSpPr>
+          <p:nvPr>
+            <p:ph sz="half" idx="1"/>
+          </p:nvPr>
+        </p:nvSpPr>
+        <p:spPr>
+          <a:xfrm>
+            <a:off x="628651" y="1369219"/>
+            <a:ext cx="3686372" cy="3223260"/>
+          </a:xfrm>
+          <a:noFill/>
+        </p:spPr>
+        <p:txBody>
+          <a:bodyPr>
+            <a:normAutofit/>
+          </a:bodyPr>
+          <a:lstStyle/>
+          <a:p>
+            <a:pPr algn="just"/>
+            <a:r>
+              <a:rPr lang="en-IN" sz="1800" dirty="0">
+                <a:solidFill>
+                  <a:schemeClr val="accent5">
+                    <a:lumMod val="50000"/>
+                  </a:schemeClr>
+                </a:solidFill>
+              </a:rPr>
+              <a:t>In six sentences, explain proton, neutron and electron to first standard student.</a:t>
+            </a:r>
+          </a:p>
+          <a:p>
+            <a:pPr algn="just"/>
+            <a:endParaRPr lang="en-US" sz="1800" dirty="0">
+              <a:solidFill>
+                <a:schemeClr val="accent5">
+                  <a:lumMod val="50000"/>
+                </a:schemeClr>
+              </a:solidFill>
+            </a:endParaRPr>
+          </a:p>
+        </p:txBody>
+      </p:sp>
+      <p:sp>
+        <p:nvSpPr>
+          <p:cNvPr id="4" name="Content Placeholder 3">
+            <a:extLst>
+              <a:ext uri="{FF2B5EF4-FFF2-40B4-BE49-F238E27FC236}">
+                <a16:creationId xmlns:a16="http://schemas.microsoft.com/office/drawing/2014/main" id="{ACFBB810-3430-2C29-1AA0-9744AA0A1AA3}"/>
+              </a:ext>
+            </a:extLst>
+          </p:cNvPr>
+          <p:cNvSpPr>
+            <a:spLocks noGrp="1"/>
+          </p:cNvSpPr>
+          <p:nvPr>
+            <p:ph sz="half" idx="15"/>
+          </p:nvPr>
+        </p:nvSpPr>
+        <p:spPr>
+          <a:xfrm>
+            <a:off x="4610922" y="1362687"/>
+            <a:ext cx="3909060" cy="3223260"/>
+          </a:xfrm>
+          <a:noFill/>
+        </p:spPr>
+        <p:txBody>
+          <a:bodyPr>
+            <a:normAutofit fontScale="92500" lnSpcReduction="20000"/>
+          </a:bodyPr>
+          <a:lstStyle/>
+          <a:p>
+            <a:pPr algn="just"/>
+            <a:r>
+              <a:rPr lang="en-IN" sz="1600" dirty="0">
+                <a:solidFill>
+                  <a:schemeClr val="accent4">
+                    <a:lumMod val="50000"/>
+                  </a:schemeClr>
+                </a:solidFill>
+              </a:rPr>
+              <a:t>Here's an explanation of protons, neutrons, and electrons that a first standard student can understand:</a:t>
+            </a:r>
+          </a:p>
+          <a:p>
+            <a:pPr algn="just"/>
+            <a:r>
+              <a:rPr lang="en-IN" sz="1600" dirty="0">
+                <a:solidFill>
+                  <a:schemeClr val="accent4">
+                    <a:lumMod val="50000"/>
+                  </a:schemeClr>
+                </a:solidFill>
+              </a:rPr>
+              <a:t>The Tiny Building Blocks of Atoms</a:t>
+            </a:r>
+          </a:p>
+          <a:p>
+            <a:pPr algn="just"/>
+            <a:r>
+              <a:rPr lang="en-IN" sz="1600" dirty="0">
+                <a:solidFill>
+                  <a:schemeClr val="accent4">
+                    <a:lumMod val="50000"/>
+                  </a:schemeClr>
+                </a:solidFill>
+              </a:rPr>
+              <a:t>You know how we're made up of tiny things called atoms? Well, atoms are made up of even smaller things called protons, neutrons, and electrons. Protons are like the strong and brave soldiers that live in the center of the atom. Neutrons are like the quiet and calm friends who live with the protons in the center. Electrons are like the fast and energetic runners who zoom around the outside of the atom. All three of them work together to make the atom strong and stable!</a:t>
+            </a:r>
+          </a:p>
+          <a:p>
+            <a:pPr algn="just"/>
+            <a:endParaRPr lang="en-US" sz="1800" dirty="0"/>
+          </a:p>
+        </p:txBody>
+      </p:sp>
+      <p:sp>
+        <p:nvSpPr>
+          <p:cNvPr id="6" name="TextBox 5"/>
+          <p:cNvSpPr txBox="1"/>
+          <p:nvPr/>
+        </p:nvSpPr>
+        <p:spPr>
+          <a:xfrm>
+            <a:off x="1733550" y="4714875"/>
+            <a:ext cx="5761969" cy="307777"/>
+          </a:xfrm>
+          <a:prstGeom prst="rect">
+            <a:avLst/>
+          </a:prstGeom>
+          <a:noFill/>
+        </p:spPr>
+        <p:txBody>
+          <a:bodyPr wrap="square" rtlCol="0">
+            <a:spAutoFit/>
+          </a:bodyPr>
+          <a:lstStyle/>
+          <a:p>
+            <a:pPr algn="r"/>
+            <a:r>
+              <a:rPr lang="en-IN" b="1" dirty="0">
+                <a:solidFill>
+                  <a:schemeClr val="accent2">
+                    <a:lumMod val="50000"/>
+                  </a:schemeClr>
+                </a:solidFill>
+              </a:rPr>
+              <a:t>*Meta-Llama-3.1-8B-Instruct</a:t>
+            </a:r>
+          </a:p>
+        </p:txBody>
+      </p:sp>
+    </p:spTree>
+    <p:extLst>
+      <p:ext uri="{BB962C8B-B14F-4D97-AF65-F5344CB8AC3E}">
+        <p14:creationId xmlns:p14="http://schemas.microsoft.com/office/powerpoint/2010/main" val="1127649784"/>
+      </p:ext>
+    </p:extLst>
+  </p:cSld>
+  <p:clrMapOvr>
+    <a:masterClrMapping/>
+  </p:clrMapOvr>
+</p:sld>
+</file>
+
+<file path=ppt/slides/slide46.xml><?xml version="1.0" encoding="utf-8"?>
 <p:sld xmlns:a="http://schemas.openxmlformats.org/drawingml/2006/main" xmlns:r="http://schemas.openxmlformats.org/officeDocument/2006/relationships" xmlns:p="http://schemas.openxmlformats.org/presentationml/2006/main">
   <p:cSld>
     <p:spTree>
@@ -36228,7 +36350,7 @@
 </p:sld>
 </file>
 
-<file path=ppt/slides/slide46.xml><?xml version="1.0" encoding="utf-8"?>
+<file path=ppt/slides/slide47.xml><?xml version="1.0" encoding="utf-8"?>
 <p:sld xmlns:a="http://schemas.openxmlformats.org/drawingml/2006/main" xmlns:r="http://schemas.openxmlformats.org/officeDocument/2006/relationships" xmlns:p="http://schemas.openxmlformats.org/presentationml/2006/main">
   <p:cSld>
     <p:spTree>
@@ -36441,7 +36563,7 @@
 </p:sld>
 </file>
 
-<file path=ppt/slides/slide47.xml><?xml version="1.0" encoding="utf-8"?>
+<file path=ppt/slides/slide48.xml><?xml version="1.0" encoding="utf-8"?>
 <p:sld xmlns:a="http://schemas.openxmlformats.org/drawingml/2006/main" xmlns:r="http://schemas.openxmlformats.org/officeDocument/2006/relationships" xmlns:p="http://schemas.openxmlformats.org/presentationml/2006/main">
   <p:cSld>
     <p:spTree>
@@ -36556,7 +36678,7 @@
 </p:sld>
 </file>
 
-<file path=ppt/slides/slide48.xml><?xml version="1.0" encoding="utf-8"?>
+<file path=ppt/slides/slide49.xml><?xml version="1.0" encoding="utf-8"?>
 <p:sld xmlns:a="http://schemas.openxmlformats.org/drawingml/2006/main" xmlns:r="http://schemas.openxmlformats.org/officeDocument/2006/relationships" xmlns:p="http://schemas.openxmlformats.org/presentationml/2006/main">
   <p:cSld>
     <p:bg>
@@ -36591,153 +36713,6 @@
     <p:extLst>
       <p:ext uri="{BB962C8B-B14F-4D97-AF65-F5344CB8AC3E}">
         <p14:creationId xmlns:p14="http://schemas.microsoft.com/office/powerpoint/2010/main" val="4102268587"/>
-      </p:ext>
-    </p:extLst>
-  </p:cSld>
-  <p:clrMapOvr>
-    <a:masterClrMapping/>
-  </p:clrMapOvr>
-</p:sld>
-</file>
-
-<file path=ppt/slides/slide49.xml><?xml version="1.0" encoding="utf-8"?>
-<p:sld xmlns:a="http://schemas.openxmlformats.org/drawingml/2006/main" xmlns:r="http://schemas.openxmlformats.org/officeDocument/2006/relationships" xmlns:p="http://schemas.openxmlformats.org/presentationml/2006/main">
-  <p:cSld>
-    <p:spTree>
-      <p:nvGrpSpPr>
-        <p:cNvPr id="1" name=""/>
-        <p:cNvGrpSpPr/>
-        <p:nvPr/>
-      </p:nvGrpSpPr>
-      <p:grpSpPr>
-        <a:xfrm>
-          <a:off x="0" y="0"/>
-          <a:ext cx="0" cy="0"/>
-          <a:chOff x="0" y="0"/>
-          <a:chExt cx="0" cy="0"/>
-        </a:xfrm>
-      </p:grpSpPr>
-      <p:sp>
-        <p:nvSpPr>
-          <p:cNvPr id="4" name="Title 3">
-            <a:extLst>
-              <a:ext uri="{FF2B5EF4-FFF2-40B4-BE49-F238E27FC236}">
-                <a16:creationId xmlns:a16="http://schemas.microsoft.com/office/drawing/2014/main" id="{82513E45-4F5C-9394-1D42-7FB6C0170D83}"/>
-              </a:ext>
-            </a:extLst>
-          </p:cNvPr>
-          <p:cNvSpPr>
-            <a:spLocks noGrp="1"/>
-          </p:cNvSpPr>
-          <p:nvPr>
-            <p:ph type="title"/>
-          </p:nvPr>
-        </p:nvSpPr>
-        <p:spPr>
-          <a:xfrm>
-            <a:off x="4666589" y="197071"/>
-            <a:ext cx="4130566" cy="2737289"/>
-          </a:xfrm>
-        </p:spPr>
-        <p:txBody>
-          <a:bodyPr anchor="b">
-            <a:normAutofit/>
-          </a:bodyPr>
-          <a:lstStyle/>
-          <a:p>
-            <a:r>
-              <a:rPr lang="en-US" dirty="0"/>
-              <a:t>Overcoming</a:t>
-            </a:r>
-            <a:br>
-              <a:rPr lang="en-US" dirty="0"/>
-            </a:br>
-            <a:r>
-              <a:rPr lang="en-US" dirty="0"/>
-              <a:t>nervousness</a:t>
-            </a:r>
-          </a:p>
-        </p:txBody>
-      </p:sp>
-      <p:pic>
-        <p:nvPicPr>
-          <p:cNvPr id="10" name="Content Placeholder 10" descr="Child looking at a world map">
-            <a:extLst>
-              <a:ext uri="{FF2B5EF4-FFF2-40B4-BE49-F238E27FC236}">
-                <a16:creationId xmlns:a16="http://schemas.microsoft.com/office/drawing/2014/main" id="{BDDFC830-574D-79C7-544E-026A2E301E99}"/>
-              </a:ext>
-            </a:extLst>
-          </p:cNvPr>
-          <p:cNvPicPr>
-            <a:picLocks noGrp="1" noChangeAspect="1"/>
-          </p:cNvPicPr>
-          <p:nvPr>
-            <p:ph type="pic" sz="quarter" idx="14"/>
-          </p:nvPr>
-        </p:nvPicPr>
-        <p:blipFill rotWithShape="1">
-          <a:blip r:embed="rId3" cstate="email">
-            <a:extLst>
-              <a:ext uri="{28A0092B-C50C-407E-A947-70E740481C1C}">
-                <a14:useLocalDpi xmlns:a14="http://schemas.microsoft.com/office/drawing/2010/main"/>
-              </a:ext>
-            </a:extLst>
-          </a:blip>
-          <a:srcRect t="120" b="120"/>
-          <a:stretch/>
-        </p:blipFill>
-        <p:spPr>
-          <a:xfrm>
-            <a:off x="530545" y="635700"/>
-            <a:ext cx="3464719" cy="3463290"/>
-          </a:xfrm>
-        </p:spPr>
-      </p:pic>
-      <p:sp>
-        <p:nvSpPr>
-          <p:cNvPr id="5" name="Content Placeholder 4">
-            <a:extLst>
-              <a:ext uri="{FF2B5EF4-FFF2-40B4-BE49-F238E27FC236}">
-                <a16:creationId xmlns:a16="http://schemas.microsoft.com/office/drawing/2014/main" id="{55C37F52-5C08-7C02-C9CA-E2AD930A95FB}"/>
-              </a:ext>
-            </a:extLst>
-          </p:cNvPr>
-          <p:cNvSpPr>
-            <a:spLocks noGrp="1"/>
-          </p:cNvSpPr>
-          <p:nvPr>
-            <p:ph idx="1"/>
-          </p:nvPr>
-        </p:nvSpPr>
-        <p:spPr>
-          <a:xfrm>
-            <a:off x="4666589" y="3043697"/>
-            <a:ext cx="4130566" cy="1606112"/>
-          </a:xfrm>
-        </p:spPr>
-        <p:txBody>
-          <a:bodyPr>
-            <a:normAutofit/>
-          </a:bodyPr>
-          <a:lstStyle/>
-          <a:p>
-            <a:r>
-              <a:rPr lang="en-US" dirty="0"/>
-              <a:t>Confidence-building</a:t>
-            </a:r>
-          </a:p>
-          <a:p>
-            <a:r>
-              <a:rPr lang="en-US" dirty="0"/>
-              <a:t>strategies</a:t>
-            </a:r>
-          </a:p>
-        </p:txBody>
-      </p:sp>
-    </p:spTree>
-    <p:extLst>
-      <p:ext uri="{BB962C8B-B14F-4D97-AF65-F5344CB8AC3E}">
-        <p14:creationId xmlns:p14="http://schemas.microsoft.com/office/powerpoint/2010/main" val="3293924303"/>
       </p:ext>
     </p:extLst>
   </p:cSld>
@@ -37189,87 +37164,6 @@
           <a:chExt cx="0" cy="0"/>
         </a:xfrm>
       </p:grpSpPr>
-      <p:sp>
-        <p:nvSpPr>
-          <p:cNvPr id="2" name="Title 1">
-            <a:extLst>
-              <a:ext uri="{FF2B5EF4-FFF2-40B4-BE49-F238E27FC236}">
-                <a16:creationId xmlns:a16="http://schemas.microsoft.com/office/drawing/2014/main" id="{BF463CB3-2956-E8D2-C23D-A3BAA7295DEC}"/>
-              </a:ext>
-            </a:extLst>
-          </p:cNvPr>
-          <p:cNvSpPr>
-            <a:spLocks noGrp="1"/>
-          </p:cNvSpPr>
-          <p:nvPr>
-            <p:ph type="ctrTitle"/>
-          </p:nvPr>
-        </p:nvSpPr>
-        <p:spPr>
-          <a:xfrm>
-            <a:off x="2111947" y="1012369"/>
-            <a:ext cx="4920107" cy="2297362"/>
-          </a:xfrm>
-          <a:noFill/>
-        </p:spPr>
-        <p:txBody>
-          <a:bodyPr/>
-          <a:lstStyle/>
-          <a:p>
-            <a:r>
-              <a:rPr lang="en-US" dirty="0"/>
-              <a:t>Selecting</a:t>
-            </a:r>
-            <a:br>
-              <a:rPr lang="en-US" dirty="0"/>
-            </a:br>
-            <a:r>
-              <a:rPr lang="en-US" dirty="0"/>
-              <a:t>visual aids </a:t>
-            </a:r>
-          </a:p>
-        </p:txBody>
-      </p:sp>
-      <p:sp>
-        <p:nvSpPr>
-          <p:cNvPr id="3" name="Subtitle 2">
-            <a:extLst>
-              <a:ext uri="{FF2B5EF4-FFF2-40B4-BE49-F238E27FC236}">
-                <a16:creationId xmlns:a16="http://schemas.microsoft.com/office/drawing/2014/main" id="{FEECEBD4-35BF-26BB-D438-DA43EBD5EE89}"/>
-              </a:ext>
-            </a:extLst>
-          </p:cNvPr>
-          <p:cNvSpPr>
-            <a:spLocks noGrp="1"/>
-          </p:cNvSpPr>
-          <p:nvPr>
-            <p:ph type="subTitle" idx="1"/>
-          </p:nvPr>
-        </p:nvSpPr>
-        <p:spPr>
-          <a:xfrm>
-            <a:off x="2111947" y="3309730"/>
-            <a:ext cx="4920107" cy="1451678"/>
-          </a:xfrm>
-          <a:noFill/>
-        </p:spPr>
-        <p:txBody>
-          <a:bodyPr/>
-          <a:lstStyle/>
-          <a:p>
-            <a:r>
-              <a:rPr lang="en-US" dirty="0"/>
-              <a:t>Enhancing your</a:t>
-            </a:r>
-          </a:p>
-          <a:p>
-            <a:r>
-              <a:rPr lang="en-US" dirty="0"/>
-              <a:t>presentation</a:t>
-            </a:r>
-          </a:p>
-        </p:txBody>
-      </p:sp>
     </p:spTree>
     <p:extLst>
       <p:ext uri="{BB962C8B-B14F-4D97-AF65-F5344CB8AC3E}">
@@ -37300,152 +37194,6 @@
           <a:chExt cx="0" cy="0"/>
         </a:xfrm>
       </p:grpSpPr>
-      <p:sp>
-        <p:nvSpPr>
-          <p:cNvPr id="2" name="Title 1">
-            <a:extLst>
-              <a:ext uri="{FF2B5EF4-FFF2-40B4-BE49-F238E27FC236}">
-                <a16:creationId xmlns:a16="http://schemas.microsoft.com/office/drawing/2014/main" id="{314C27C8-165C-5513-DB4B-9D840097C545}"/>
-              </a:ext>
-            </a:extLst>
-          </p:cNvPr>
-          <p:cNvSpPr>
-            <a:spLocks noGrp="1"/>
-          </p:cNvSpPr>
-          <p:nvPr>
-            <p:ph type="title"/>
-          </p:nvPr>
-        </p:nvSpPr>
-        <p:spPr>
-          <a:xfrm>
-            <a:off x="628650" y="273844"/>
-            <a:ext cx="7886700" cy="994172"/>
-          </a:xfrm>
-          <a:noFill/>
-        </p:spPr>
-        <p:txBody>
-          <a:bodyPr anchor="ctr"/>
-          <a:lstStyle/>
-          <a:p>
-            <a:r>
-              <a:rPr lang="en-US" dirty="0"/>
-              <a:t>Navigating Q&amp;A sessions</a:t>
-            </a:r>
-          </a:p>
-        </p:txBody>
-      </p:sp>
-      <p:sp>
-        <p:nvSpPr>
-          <p:cNvPr id="3" name="Content Placeholder 2">
-            <a:extLst>
-              <a:ext uri="{FF2B5EF4-FFF2-40B4-BE49-F238E27FC236}">
-                <a16:creationId xmlns:a16="http://schemas.microsoft.com/office/drawing/2014/main" id="{FACE640F-7F5A-BDB7-205D-765FA80B6796}"/>
-              </a:ext>
-            </a:extLst>
-          </p:cNvPr>
-          <p:cNvSpPr>
-            <a:spLocks noGrp="1"/>
-          </p:cNvSpPr>
-          <p:nvPr>
-            <p:ph sz="half" idx="1"/>
-          </p:nvPr>
-        </p:nvSpPr>
-        <p:spPr>
-          <a:xfrm>
-            <a:off x="628651" y="1369219"/>
-            <a:ext cx="2331719" cy="3223260"/>
-          </a:xfrm>
-          <a:noFill/>
-        </p:spPr>
-        <p:txBody>
-          <a:bodyPr>
-            <a:normAutofit/>
-          </a:bodyPr>
-          <a:lstStyle/>
-          <a:p>
-            <a:r>
-              <a:rPr lang="en-US" dirty="0"/>
-              <a:t>Know your material in advance</a:t>
-            </a:r>
-          </a:p>
-          <a:p>
-            <a:r>
-              <a:rPr lang="en-US" dirty="0"/>
-              <a:t>Anticipate common questions</a:t>
-            </a:r>
-          </a:p>
-          <a:p>
-            <a:r>
-              <a:rPr lang="en-US" dirty="0"/>
-              <a:t>Rehearse your responses</a:t>
-            </a:r>
-          </a:p>
-        </p:txBody>
-      </p:sp>
-      <p:sp>
-        <p:nvSpPr>
-          <p:cNvPr id="4" name="Content Placeholder 3">
-            <a:extLst>
-              <a:ext uri="{FF2B5EF4-FFF2-40B4-BE49-F238E27FC236}">
-                <a16:creationId xmlns:a16="http://schemas.microsoft.com/office/drawing/2014/main" id="{83302BFD-960F-CBB3-E984-CDC12813A10C}"/>
-              </a:ext>
-            </a:extLst>
-          </p:cNvPr>
-          <p:cNvSpPr>
-            <a:spLocks noGrp="1"/>
-          </p:cNvSpPr>
-          <p:nvPr>
-            <p:ph sz="half" idx="15"/>
-          </p:nvPr>
-        </p:nvSpPr>
-        <p:spPr>
-          <a:xfrm>
-            <a:off x="3496365" y="1362687"/>
-            <a:ext cx="5023617" cy="3223260"/>
-          </a:xfrm>
-          <a:noFill/>
-        </p:spPr>
-        <p:txBody>
-          <a:bodyPr>
-            <a:normAutofit/>
-          </a:bodyPr>
-          <a:lstStyle/>
-          <a:p>
-            <a:r>
-              <a:rPr lang="en-US" dirty="0"/>
-              <a:t>Maintaining composure during the Q&amp;A session is essential for projecting confidence and authority. Consider the following tips for staying composed:</a:t>
-            </a:r>
-          </a:p>
-          <a:p>
-            <a:pPr lvl="1"/>
-            <a:r>
-              <a:rPr lang="en-US" dirty="0"/>
-              <a:t>Stay calm</a:t>
-            </a:r>
-          </a:p>
-          <a:p>
-            <a:pPr lvl="1"/>
-            <a:r>
-              <a:rPr lang="en-US" dirty="0"/>
-              <a:t>Actively listen</a:t>
-            </a:r>
-          </a:p>
-          <a:p>
-            <a:pPr lvl="1"/>
-            <a:r>
-              <a:rPr lang="en-US" dirty="0"/>
-              <a:t>Pause and reflect</a:t>
-            </a:r>
-          </a:p>
-          <a:p>
-            <a:pPr lvl="1"/>
-            <a:r>
-              <a:rPr lang="en-US" dirty="0"/>
-              <a:t>Maintain eye contact</a:t>
-            </a:r>
-          </a:p>
-        </p:txBody>
-      </p:sp>
     </p:spTree>
     <p:extLst>
       <p:ext uri="{BB962C8B-B14F-4D97-AF65-F5344CB8AC3E}">
@@ -37476,116 +37224,6 @@
           <a:chExt cx="0" cy="0"/>
         </a:xfrm>
       </p:grpSpPr>
-      <p:sp>
-        <p:nvSpPr>
-          <p:cNvPr id="2" name="Title 1">
-            <a:extLst>
-              <a:ext uri="{FF2B5EF4-FFF2-40B4-BE49-F238E27FC236}">
-                <a16:creationId xmlns:a16="http://schemas.microsoft.com/office/drawing/2014/main" id="{338A15DE-D135-0710-9984-A0A55E960CB0}"/>
-              </a:ext>
-            </a:extLst>
-          </p:cNvPr>
-          <p:cNvSpPr>
-            <a:spLocks noGrp="1"/>
-          </p:cNvSpPr>
-          <p:nvPr>
-            <p:ph type="title"/>
-          </p:nvPr>
-        </p:nvSpPr>
-        <p:spPr>
-          <a:xfrm>
-            <a:off x="628650" y="148828"/>
-            <a:ext cx="3943350" cy="1743035"/>
-          </a:xfrm>
-          <a:noFill/>
-        </p:spPr>
-        <p:txBody>
-          <a:bodyPr anchor="b"/>
-          <a:lstStyle/>
-          <a:p>
-            <a:r>
-              <a:rPr lang="en-US" dirty="0"/>
-              <a:t>Speaking impact</a:t>
-            </a:r>
-          </a:p>
-        </p:txBody>
-      </p:sp>
-      <p:sp>
-        <p:nvSpPr>
-          <p:cNvPr id="3" name="Content Placeholder 2">
-            <a:extLst>
-              <a:ext uri="{FF2B5EF4-FFF2-40B4-BE49-F238E27FC236}">
-                <a16:creationId xmlns:a16="http://schemas.microsoft.com/office/drawing/2014/main" id="{ECC8AA23-D8D0-93BE-5C5F-103A750B0D2F}"/>
-              </a:ext>
-            </a:extLst>
-          </p:cNvPr>
-          <p:cNvSpPr>
-            <a:spLocks noGrp="1"/>
-          </p:cNvSpPr>
-          <p:nvPr>
-            <p:ph sz="half" idx="1"/>
-          </p:nvPr>
-        </p:nvSpPr>
-        <p:spPr>
-          <a:xfrm>
-            <a:off x="628650" y="1992987"/>
-            <a:ext cx="3943350" cy="2527394"/>
-          </a:xfrm>
-          <a:noFill/>
-        </p:spPr>
-        <p:txBody>
-          <a:bodyPr vert="horz" lIns="68580" tIns="34290" rIns="68580" bIns="34290" rtlCol="0" anchor="t">
-            <a:normAutofit/>
-          </a:bodyPr>
-          <a:lstStyle/>
-          <a:p>
-            <a:r>
-              <a:rPr lang="en-US" dirty="0"/>
-              <a:t>Your ability to communicate effectively will leave a lasting impact on your audience</a:t>
-            </a:r>
-          </a:p>
-          <a:p>
-            <a:r>
-              <a:rPr lang="en-US" dirty="0"/>
-              <a:t>Effectively communicating involves not only delivering a message but also resonating with the experiences, values, and emotions of those listening </a:t>
-            </a:r>
-          </a:p>
-        </p:txBody>
-      </p:sp>
-      <p:pic>
-        <p:nvPicPr>
-          <p:cNvPr id="11" name="Picture Placeholder 13" descr="Kids playing and drawing on the ground">
-            <a:extLst>
-              <a:ext uri="{FF2B5EF4-FFF2-40B4-BE49-F238E27FC236}">
-                <a16:creationId xmlns:a16="http://schemas.microsoft.com/office/drawing/2014/main" id="{1505EF47-21F0-359C-67AF-1DE6EA73D605}"/>
-              </a:ext>
-            </a:extLst>
-          </p:cNvPr>
-          <p:cNvPicPr>
-            <a:picLocks noGrp="1" noChangeAspect="1"/>
-          </p:cNvPicPr>
-          <p:nvPr>
-            <p:ph type="pic" sz="quarter" idx="13"/>
-          </p:nvPr>
-        </p:nvPicPr>
-        <p:blipFill>
-          <a:blip r:embed="rId3" cstate="email">
-            <a:extLst>
-              <a:ext uri="{28A0092B-C50C-407E-A947-70E740481C1C}">
-                <a14:useLocalDpi xmlns:a14="http://schemas.microsoft.com/office/drawing/2010/main"/>
-              </a:ext>
-            </a:extLst>
-          </a:blip>
-          <a:srcRect l="15" r="15"/>
-          <a:stretch/>
-        </p:blipFill>
-        <p:spPr>
-          <a:xfrm>
-            <a:off x="4809836" y="633801"/>
-            <a:ext cx="3895344" cy="3895344"/>
-          </a:xfrm>
-        </p:spPr>
-      </p:pic>
     </p:spTree>
     <p:extLst>
       <p:ext uri="{BB962C8B-B14F-4D97-AF65-F5344CB8AC3E}">
@@ -39675,6 +39313,26 @@
 </file>
 
 <file path=customXml/item1.xml><?xml version="1.0" encoding="utf-8"?>
+<p:properties xmlns:p="http://schemas.microsoft.com/office/2006/metadata/properties" xmlns:xsi="http://www.w3.org/2001/XMLSchema-instance" xmlns:pc="http://schemas.microsoft.com/office/infopath/2007/PartnerControls">
+  <documentManagement>
+    <_ip_UnifiedCompliancePolicyUIAction xmlns="http://schemas.microsoft.com/sharepoint/v3" xsi:nil="true"/>
+    <Image xmlns="71af3243-3dd4-4a8d-8c0d-dd76da1f02a5">
+      <Url xsi:nil="true"/>
+      <Description xsi:nil="true"/>
+    </Image>
+    <Status xmlns="71af3243-3dd4-4a8d-8c0d-dd76da1f02a5">Not started</Status>
+    <Background xmlns="71af3243-3dd4-4a8d-8c0d-dd76da1f02a5">false</Background>
+    <_ip_UnifiedCompliancePolicyProperties xmlns="http://schemas.microsoft.com/sharepoint/v3" xsi:nil="true"/>
+    <ImageTagsTaxHTField xmlns="71af3243-3dd4-4a8d-8c0d-dd76da1f02a5">
+      <Terms xmlns="http://schemas.microsoft.com/office/infopath/2007/PartnerControls"/>
+    </ImageTagsTaxHTField>
+    <TaxCatchAll xmlns="230e9df3-be65-4c73-a93b-d1236ebd677e" xsi:nil="true"/>
+    <MediaServiceKeyPoints xmlns="71af3243-3dd4-4a8d-8c0d-dd76da1f02a5" xsi:nil="true"/>
+  </documentManagement>
+</p:properties>
+</file>
+
+<file path=customXml/item2.xml><?xml version="1.0" encoding="utf-8"?>
 <?mso-contentType ?>
 <FormTemplates xmlns="http://schemas.microsoft.com/sharepoint/v3/contenttype/forms">
   <Display>DocumentLibraryForm</Display>
@@ -39683,7 +39341,7 @@
 </FormTemplates>
 </file>
 
-<file path=customXml/item2.xml><?xml version="1.0" encoding="utf-8"?>
+<file path=customXml/item3.xml><?xml version="1.0" encoding="utf-8"?>
 <ct:contentTypeSchema xmlns:ct="http://schemas.microsoft.com/office/2006/metadata/contentType" xmlns:ma="http://schemas.microsoft.com/office/2006/metadata/properties/metaAttributes" ct:_="" ma:_="" ma:contentTypeName="Document" ma:contentTypeID="0x01010079F111ED35F8CC479449609E8A0923A6" ma:contentTypeVersion="28" ma:contentTypeDescription="Create a new document." ma:contentTypeScope="" ma:versionID="60f5a4f2d2b0abadcf532d48ebf9cb71">
   <xsd:schema xmlns:xsd="http://www.w3.org/2001/XMLSchema" xmlns:xs="http://www.w3.org/2001/XMLSchema" xmlns:p="http://schemas.microsoft.com/office/2006/metadata/properties" xmlns:ns1="http://schemas.microsoft.com/sharepoint/v3" xmlns:ns2="71af3243-3dd4-4a8d-8c0d-dd76da1f02a5" xmlns:ns3="16c05727-aa75-4e4a-9b5f-8a80a1165891" xmlns:ns4="230e9df3-be65-4c73-a93b-d1236ebd677e" targetNamespace="http://schemas.microsoft.com/office/2006/metadata/properties" ma:root="true" ma:fieldsID="7dd78129e6a1811f84807ad11c651531" ns1:_="" ns2:_="" ns3:_="" ns4:_="">
     <xsd:import namespace="http://schemas.microsoft.com/sharepoint/v3"/>
@@ -39995,27 +39653,19 @@
 </ct:contentTypeSchema>
 </file>
 
-<file path=customXml/item3.xml><?xml version="1.0" encoding="utf-8"?>
-<p:properties xmlns:p="http://schemas.microsoft.com/office/2006/metadata/properties" xmlns:xsi="http://www.w3.org/2001/XMLSchema-instance" xmlns:pc="http://schemas.microsoft.com/office/infopath/2007/PartnerControls">
-  <documentManagement>
-    <_ip_UnifiedCompliancePolicyUIAction xmlns="http://schemas.microsoft.com/sharepoint/v3" xsi:nil="true"/>
-    <Image xmlns="71af3243-3dd4-4a8d-8c0d-dd76da1f02a5">
-      <Url xsi:nil="true"/>
-      <Description xsi:nil="true"/>
-    </Image>
-    <Status xmlns="71af3243-3dd4-4a8d-8c0d-dd76da1f02a5">Not started</Status>
-    <Background xmlns="71af3243-3dd4-4a8d-8c0d-dd76da1f02a5">false</Background>
-    <_ip_UnifiedCompliancePolicyProperties xmlns="http://schemas.microsoft.com/sharepoint/v3" xsi:nil="true"/>
-    <ImageTagsTaxHTField xmlns="71af3243-3dd4-4a8d-8c0d-dd76da1f02a5">
-      <Terms xmlns="http://schemas.microsoft.com/office/infopath/2007/PartnerControls"/>
-    </ImageTagsTaxHTField>
-    <TaxCatchAll xmlns="230e9df3-be65-4c73-a93b-d1236ebd677e" xsi:nil="true"/>
-    <MediaServiceKeyPoints xmlns="71af3243-3dd4-4a8d-8c0d-dd76da1f02a5" xsi:nil="true"/>
-  </documentManagement>
-</p:properties>
+<file path=customXml/itemProps1.xml><?xml version="1.0" encoding="utf-8"?>
+<ds:datastoreItem xmlns:ds="http://schemas.openxmlformats.org/officeDocument/2006/customXml" ds:itemID="{A3165DE6-2DCE-44FC-94B7-A499559DBF88}">
+  <ds:schemaRefs>
+    <ds:schemaRef ds:uri="http://schemas.microsoft.com/office/2006/metadata/properties"/>
+    <ds:schemaRef ds:uri="http://schemas.microsoft.com/office/infopath/2007/PartnerControls"/>
+    <ds:schemaRef ds:uri="http://schemas.microsoft.com/sharepoint/v3"/>
+    <ds:schemaRef ds:uri="71af3243-3dd4-4a8d-8c0d-dd76da1f02a5"/>
+    <ds:schemaRef ds:uri="230e9df3-be65-4c73-a93b-d1236ebd677e"/>
+  </ds:schemaRefs>
+</ds:datastoreItem>
 </file>
 
-<file path=customXml/itemProps1.xml><?xml version="1.0" encoding="utf-8"?>
+<file path=customXml/itemProps2.xml><?xml version="1.0" encoding="utf-8"?>
 <ds:datastoreItem xmlns:ds="http://schemas.openxmlformats.org/officeDocument/2006/customXml" ds:itemID="{67FFD73E-D96B-4428-99CD-717A4897D3B4}">
   <ds:schemaRefs>
     <ds:schemaRef ds:uri="http://schemas.microsoft.com/sharepoint/v3/contenttype/forms"/>
@@ -40023,7 +39673,7 @@
 </ds:datastoreItem>
 </file>
 
-<file path=customXml/itemProps2.xml><?xml version="1.0" encoding="utf-8"?>
+<file path=customXml/itemProps3.xml><?xml version="1.0" encoding="utf-8"?>
 <ds:datastoreItem xmlns:ds="http://schemas.openxmlformats.org/officeDocument/2006/customXml" ds:itemID="{1285E733-8340-4FDD-A6FC-B22F1B75E4E2}">
   <ds:schemaRefs>
     <ds:schemaRef ds:uri="http://schemas.microsoft.com/office/2006/metadata/contentType"/>
@@ -40044,18 +39694,6 @@
 </ds:datastoreItem>
 </file>
 
-<file path=customXml/itemProps3.xml><?xml version="1.0" encoding="utf-8"?>
-<ds:datastoreItem xmlns:ds="http://schemas.openxmlformats.org/officeDocument/2006/customXml" ds:itemID="{A3165DE6-2DCE-44FC-94B7-A499559DBF88}">
-  <ds:schemaRefs>
-    <ds:schemaRef ds:uri="http://schemas.microsoft.com/office/2006/metadata/properties"/>
-    <ds:schemaRef ds:uri="http://schemas.microsoft.com/office/infopath/2007/PartnerControls"/>
-    <ds:schemaRef ds:uri="http://schemas.microsoft.com/sharepoint/v3"/>
-    <ds:schemaRef ds:uri="71af3243-3dd4-4a8d-8c0d-dd76da1f02a5"/>
-    <ds:schemaRef ds:uri="230e9df3-be65-4c73-a93b-d1236ebd677e"/>
-  </ds:schemaRefs>
-</ds:datastoreItem>
-</file>
-
 <file path=docMetadata/LabelInfo.xml><?xml version="1.0" encoding="utf-8"?>
 <clbl:labelList xmlns:clbl="http://schemas.microsoft.com/office/2020/mipLabelMetadata"/>
 </file>
--- a/Presentations/IUAC-2024/Introduction_to_Large_Language_Models-From_Foundation_to_Real_World_Applications.pptx
+++ b/Presentations/IUAC-2024/Introduction_to_Large_Language_Models-From_Foundation_to_Real_World_Applications.pptx
@@ -5,10 +5,10 @@
     <p:sldMasterId id="2147483648" r:id="rId4"/>
   </p:sldMasterIdLst>
   <p:notesMasterIdLst>
-    <p:notesMasterId r:id="rId57"/>
+    <p:notesMasterId r:id="rId56"/>
   </p:notesMasterIdLst>
   <p:handoutMasterIdLst>
-    <p:handoutMasterId r:id="rId58"/>
+    <p:handoutMasterId r:id="rId57"/>
   </p:handoutMasterIdLst>
   <p:sldIdLst>
     <p:sldId id="256" r:id="rId5"/>
@@ -59,10 +59,9 @@
     <p:sldId id="3916" r:id="rId50"/>
     <p:sldId id="3875" r:id="rId51"/>
     <p:sldId id="3859" r:id="rId52"/>
-    <p:sldId id="3918" r:id="rId53"/>
-    <p:sldId id="3850" r:id="rId54"/>
-    <p:sldId id="265" r:id="rId55"/>
-    <p:sldId id="263" r:id="rId56"/>
+    <p:sldId id="3850" r:id="rId53"/>
+    <p:sldId id="265" r:id="rId54"/>
+    <p:sldId id="263" r:id="rId55"/>
   </p:sldIdLst>
   <p:sldSz cx="9144000" cy="5143500" type="screen16x9"/>
   <p:notesSz cx="6858000" cy="9144000"/>
@@ -4638,7 +4637,7 @@
     </p:spTree>
     <p:extLst>
       <p:ext uri="{BB962C8B-B14F-4D97-AF65-F5344CB8AC3E}">
-        <p14:creationId xmlns:p14="http://schemas.microsoft.com/office/powerpoint/2010/main" val="2063242982"/>
+        <p14:creationId xmlns:p14="http://schemas.microsoft.com/office/powerpoint/2010/main" val="3522538323"/>
       </p:ext>
     </p:extLst>
   </p:cSld>
@@ -4808,7 +4807,7 @@
     </p:spTree>
     <p:extLst>
       <p:ext uri="{BB962C8B-B14F-4D97-AF65-F5344CB8AC3E}">
-        <p14:creationId xmlns:p14="http://schemas.microsoft.com/office/powerpoint/2010/main" val="3522538323"/>
+        <p14:creationId xmlns:p14="http://schemas.microsoft.com/office/powerpoint/2010/main" val="1721109855"/>
       </p:ext>
     </p:extLst>
   </p:cSld>
@@ -4885,91 +4884,6 @@
               <a:rPr lang="en-US" smtClean="0"/>
               <a:pPr/>
               <a:t>51</a:t>
-            </a:fld>
-            <a:endParaRPr lang="en-US" dirty="0"/>
-          </a:p>
-        </p:txBody>
-      </p:sp>
-    </p:spTree>
-    <p:extLst>
-      <p:ext uri="{BB962C8B-B14F-4D97-AF65-F5344CB8AC3E}">
-        <p14:creationId xmlns:p14="http://schemas.microsoft.com/office/powerpoint/2010/main" val="1721109855"/>
-      </p:ext>
-    </p:extLst>
-  </p:cSld>
-  <p:clrMapOvr>
-    <a:masterClrMapping/>
-  </p:clrMapOvr>
-</p:notes>
-</file>
-
-<file path=ppt/notesSlides/notesSlide52.xml><?xml version="1.0" encoding="utf-8"?>
-<p:notes xmlns:a="http://schemas.openxmlformats.org/drawingml/2006/main" xmlns:r="http://schemas.openxmlformats.org/officeDocument/2006/relationships" xmlns:p="http://schemas.openxmlformats.org/presentationml/2006/main">
-  <p:cSld>
-    <p:spTree>
-      <p:nvGrpSpPr>
-        <p:cNvPr id="1" name=""/>
-        <p:cNvGrpSpPr/>
-        <p:nvPr/>
-      </p:nvGrpSpPr>
-      <p:grpSpPr>
-        <a:xfrm>
-          <a:off x="0" y="0"/>
-          <a:ext cx="0" cy="0"/>
-          <a:chOff x="0" y="0"/>
-          <a:chExt cx="0" cy="0"/>
-        </a:xfrm>
-      </p:grpSpPr>
-      <p:sp>
-        <p:nvSpPr>
-          <p:cNvPr id="2" name="Slide Image Placeholder 1"/>
-          <p:cNvSpPr>
-            <a:spLocks noGrp="1" noRot="1" noChangeAspect="1"/>
-          </p:cNvSpPr>
-          <p:nvPr>
-            <p:ph type="sldImg"/>
-          </p:nvPr>
-        </p:nvSpPr>
-        <p:spPr/>
-      </p:sp>
-      <p:sp>
-        <p:nvSpPr>
-          <p:cNvPr id="3" name="Notes Placeholder 2"/>
-          <p:cNvSpPr>
-            <a:spLocks noGrp="1"/>
-          </p:cNvSpPr>
-          <p:nvPr>
-            <p:ph type="body" idx="1"/>
-          </p:nvPr>
-        </p:nvSpPr>
-        <p:spPr/>
-        <p:txBody>
-          <a:bodyPr/>
-          <a:lstStyle/>
-          <a:p>
-            <a:endParaRPr lang="en-US" dirty="0"/>
-          </a:p>
-        </p:txBody>
-      </p:sp>
-      <p:sp>
-        <p:nvSpPr>
-          <p:cNvPr id="4" name="Slide Number Placeholder 3"/>
-          <p:cNvSpPr>
-            <a:spLocks noGrp="1"/>
-          </p:cNvSpPr>
-          <p:nvPr>
-            <p:ph type="sldNum" sz="quarter" idx="5"/>
-          </p:nvPr>
-        </p:nvSpPr>
-        <p:spPr/>
-        <p:txBody>
-          <a:bodyPr/>
-          <a:lstStyle/>
-          <a:p>
-            <a:fld id="{8B57D50D-BAA9-464B-B391-243138E078D8}" type="slidenum">
-              <a:rPr lang="en-US" smtClean="0"/>
-              <a:pPr/>
-              <a:t>52</a:t>
             </a:fld>
             <a:endParaRPr lang="en-US" dirty="0"/>
           </a:p>
@@ -28358,7 +28272,7 @@
                   </a:schemeClr>
                 </a:solidFill>
               </a:rPr>
-              <a:t>* Gaurika Gupta &amp; Pritam Shete</a:t>
+              <a:t>* FashionVLM (2023) – Gaurika Gupta &amp; Pritam Shete</a:t>
             </a:r>
           </a:p>
         </p:txBody>
@@ -28924,7 +28838,7 @@
             <p:ph type="tbl" sz="quarter" idx="13"/>
             <p:extLst>
               <p:ext uri="{D42A27DB-BD31-4B8C-83A1-F6EECF244321}">
-                <p14:modId xmlns:p14="http://schemas.microsoft.com/office/powerpoint/2010/main" val="1443616024"/>
+                <p14:modId xmlns:p14="http://schemas.microsoft.com/office/powerpoint/2010/main" val="3483451250"/>
               </p:ext>
             </p:extLst>
           </p:nvPr>
@@ -29190,7 +29104,7 @@
                         <a:rPr lang="en-US" sz="1400" b="0" i="0" dirty="0">
                           <a:latin typeface="+mn-lt"/>
                         </a:rPr>
-                        <a:t>Tang et. al.</a:t>
+                        <a:t>Tang (2023)</a:t>
                       </a:r>
                     </a:p>
                   </a:txBody>
@@ -29286,7 +29200,7 @@
                         <a:rPr lang="en-US" sz="1400" b="0" i="0" dirty="0">
                           <a:latin typeface="+mn-lt"/>
                         </a:rPr>
-                        <a:t> et. al.</a:t>
+                        <a:t> (2023)</a:t>
                       </a:r>
                     </a:p>
                   </a:txBody>
@@ -29703,7 +29617,7 @@
                   </a:schemeClr>
                 </a:solidFill>
               </a:rPr>
-              <a:t>* FashionVLM – Gaurika Gupta &amp; Pritam Shete</a:t>
+              <a:t>* FashionVLM (2023) – Gaurika Gupta &amp; Pritam Shete</a:t>
             </a:r>
           </a:p>
         </p:txBody>
@@ -36681,20 +36595,6 @@
 <file path=ppt/slides/slide49.xml><?xml version="1.0" encoding="utf-8"?>
 <p:sld xmlns:a="http://schemas.openxmlformats.org/drawingml/2006/main" xmlns:r="http://schemas.openxmlformats.org/officeDocument/2006/relationships" xmlns:p="http://schemas.openxmlformats.org/presentationml/2006/main">
   <p:cSld>
-    <p:bg>
-      <p:bgPr>
-        <a:blipFill dpi="0" rotWithShape="1">
-          <a:blip r:embed="rId3">
-            <a:lum/>
-          </a:blip>
-          <a:srcRect/>
-          <a:stretch>
-            <a:fillRect t="-3000" b="-3000"/>
-          </a:stretch>
-        </a:blipFill>
-        <a:effectLst/>
-      </p:bgPr>
-    </p:bg>
     <p:spTree>
       <p:nvGrpSpPr>
         <p:cNvPr id="1" name=""/>
@@ -36712,7 +36612,7 @@
     </p:spTree>
     <p:extLst>
       <p:ext uri="{BB962C8B-B14F-4D97-AF65-F5344CB8AC3E}">
-        <p14:creationId xmlns:p14="http://schemas.microsoft.com/office/powerpoint/2010/main" val="4102268587"/>
+        <p14:creationId xmlns:p14="http://schemas.microsoft.com/office/powerpoint/2010/main" val="363098972"/>
       </p:ext>
     </p:extLst>
   </p:cSld>
@@ -37167,7 +37067,7 @@
     </p:spTree>
     <p:extLst>
       <p:ext uri="{BB962C8B-B14F-4D97-AF65-F5344CB8AC3E}">
-        <p14:creationId xmlns:p14="http://schemas.microsoft.com/office/powerpoint/2010/main" val="363098972"/>
+        <p14:creationId xmlns:p14="http://schemas.microsoft.com/office/powerpoint/2010/main" val="729609147"/>
       </p:ext>
     </p:extLst>
   </p:cSld>
@@ -37178,36 +37078,6 @@
 </file>
 
 <file path=ppt/slides/slide51.xml><?xml version="1.0" encoding="utf-8"?>
-<p:sld xmlns:a="http://schemas.openxmlformats.org/drawingml/2006/main" xmlns:r="http://schemas.openxmlformats.org/officeDocument/2006/relationships" xmlns:p="http://schemas.openxmlformats.org/presentationml/2006/main">
-  <p:cSld>
-    <p:spTree>
-      <p:nvGrpSpPr>
-        <p:cNvPr id="1" name=""/>
-        <p:cNvGrpSpPr/>
-        <p:nvPr/>
-      </p:nvGrpSpPr>
-      <p:grpSpPr>
-        <a:xfrm>
-          <a:off x="0" y="0"/>
-          <a:ext cx="0" cy="0"/>
-          <a:chOff x="0" y="0"/>
-          <a:chExt cx="0" cy="0"/>
-        </a:xfrm>
-      </p:grpSpPr>
-    </p:spTree>
-    <p:extLst>
-      <p:ext uri="{BB962C8B-B14F-4D97-AF65-F5344CB8AC3E}">
-        <p14:creationId xmlns:p14="http://schemas.microsoft.com/office/powerpoint/2010/main" val="729609147"/>
-      </p:ext>
-    </p:extLst>
-  </p:cSld>
-  <p:clrMapOvr>
-    <a:masterClrMapping/>
-  </p:clrMapOvr>
-</p:sld>
-</file>
-
-<file path=ppt/slides/slide52.xml><?xml version="1.0" encoding="utf-8"?>
 <p:sld xmlns:a="http://schemas.openxmlformats.org/drawingml/2006/main" xmlns:r="http://schemas.openxmlformats.org/officeDocument/2006/relationships" xmlns:p="http://schemas.openxmlformats.org/presentationml/2006/main">
   <p:cSld>
     <p:spTree>
@@ -39313,35 +39183,6 @@
 </file>
 
 <file path=customXml/item1.xml><?xml version="1.0" encoding="utf-8"?>
-<p:properties xmlns:p="http://schemas.microsoft.com/office/2006/metadata/properties" xmlns:xsi="http://www.w3.org/2001/XMLSchema-instance" xmlns:pc="http://schemas.microsoft.com/office/infopath/2007/PartnerControls">
-  <documentManagement>
-    <_ip_UnifiedCompliancePolicyUIAction xmlns="http://schemas.microsoft.com/sharepoint/v3" xsi:nil="true"/>
-    <Image xmlns="71af3243-3dd4-4a8d-8c0d-dd76da1f02a5">
-      <Url xsi:nil="true"/>
-      <Description xsi:nil="true"/>
-    </Image>
-    <Status xmlns="71af3243-3dd4-4a8d-8c0d-dd76da1f02a5">Not started</Status>
-    <Background xmlns="71af3243-3dd4-4a8d-8c0d-dd76da1f02a5">false</Background>
-    <_ip_UnifiedCompliancePolicyProperties xmlns="http://schemas.microsoft.com/sharepoint/v3" xsi:nil="true"/>
-    <ImageTagsTaxHTField xmlns="71af3243-3dd4-4a8d-8c0d-dd76da1f02a5">
-      <Terms xmlns="http://schemas.microsoft.com/office/infopath/2007/PartnerControls"/>
-    </ImageTagsTaxHTField>
-    <TaxCatchAll xmlns="230e9df3-be65-4c73-a93b-d1236ebd677e" xsi:nil="true"/>
-    <MediaServiceKeyPoints xmlns="71af3243-3dd4-4a8d-8c0d-dd76da1f02a5" xsi:nil="true"/>
-  </documentManagement>
-</p:properties>
-</file>
-
-<file path=customXml/item2.xml><?xml version="1.0" encoding="utf-8"?>
-<?mso-contentType ?>
-<FormTemplates xmlns="http://schemas.microsoft.com/sharepoint/v3/contenttype/forms">
-  <Display>DocumentLibraryForm</Display>
-  <Edit>DocumentLibraryForm</Edit>
-  <New>DocumentLibraryForm</New>
-</FormTemplates>
-</file>
-
-<file path=customXml/item3.xml><?xml version="1.0" encoding="utf-8"?>
 <ct:contentTypeSchema xmlns:ct="http://schemas.microsoft.com/office/2006/metadata/contentType" xmlns:ma="http://schemas.microsoft.com/office/2006/metadata/properties/metaAttributes" ct:_="" ma:_="" ma:contentTypeName="Document" ma:contentTypeID="0x01010079F111ED35F8CC479449609E8A0923A6" ma:contentTypeVersion="28" ma:contentTypeDescription="Create a new document." ma:contentTypeScope="" ma:versionID="60f5a4f2d2b0abadcf532d48ebf9cb71">
   <xsd:schema xmlns:xsd="http://www.w3.org/2001/XMLSchema" xmlns:xs="http://www.w3.org/2001/XMLSchema" xmlns:p="http://schemas.microsoft.com/office/2006/metadata/properties" xmlns:ns1="http://schemas.microsoft.com/sharepoint/v3" xmlns:ns2="71af3243-3dd4-4a8d-8c0d-dd76da1f02a5" xmlns:ns3="16c05727-aa75-4e4a-9b5f-8a80a1165891" xmlns:ns4="230e9df3-be65-4c73-a93b-d1236ebd677e" targetNamespace="http://schemas.microsoft.com/office/2006/metadata/properties" ma:root="true" ma:fieldsID="7dd78129e6a1811f84807ad11c651531" ns1:_="" ns2:_="" ns3:_="" ns4:_="">
     <xsd:import namespace="http://schemas.microsoft.com/sharepoint/v3"/>
@@ -39653,27 +39494,36 @@
 </ct:contentTypeSchema>
 </file>
 
-<file path=customXml/itemProps1.xml><?xml version="1.0" encoding="utf-8"?>
-<ds:datastoreItem xmlns:ds="http://schemas.openxmlformats.org/officeDocument/2006/customXml" ds:itemID="{A3165DE6-2DCE-44FC-94B7-A499559DBF88}">
-  <ds:schemaRefs>
-    <ds:schemaRef ds:uri="http://schemas.microsoft.com/office/2006/metadata/properties"/>
-    <ds:schemaRef ds:uri="http://schemas.microsoft.com/office/infopath/2007/PartnerControls"/>
-    <ds:schemaRef ds:uri="http://schemas.microsoft.com/sharepoint/v3"/>
-    <ds:schemaRef ds:uri="71af3243-3dd4-4a8d-8c0d-dd76da1f02a5"/>
-    <ds:schemaRef ds:uri="230e9df3-be65-4c73-a93b-d1236ebd677e"/>
-  </ds:schemaRefs>
-</ds:datastoreItem>
+<file path=customXml/item2.xml><?xml version="1.0" encoding="utf-8"?>
+<p:properties xmlns:p="http://schemas.microsoft.com/office/2006/metadata/properties" xmlns:xsi="http://www.w3.org/2001/XMLSchema-instance" xmlns:pc="http://schemas.microsoft.com/office/infopath/2007/PartnerControls">
+  <documentManagement>
+    <_ip_UnifiedCompliancePolicyUIAction xmlns="http://schemas.microsoft.com/sharepoint/v3" xsi:nil="true"/>
+    <Image xmlns="71af3243-3dd4-4a8d-8c0d-dd76da1f02a5">
+      <Url xsi:nil="true"/>
+      <Description xsi:nil="true"/>
+    </Image>
+    <Status xmlns="71af3243-3dd4-4a8d-8c0d-dd76da1f02a5">Not started</Status>
+    <Background xmlns="71af3243-3dd4-4a8d-8c0d-dd76da1f02a5">false</Background>
+    <_ip_UnifiedCompliancePolicyProperties xmlns="http://schemas.microsoft.com/sharepoint/v3" xsi:nil="true"/>
+    <ImageTagsTaxHTField xmlns="71af3243-3dd4-4a8d-8c0d-dd76da1f02a5">
+      <Terms xmlns="http://schemas.microsoft.com/office/infopath/2007/PartnerControls"/>
+    </ImageTagsTaxHTField>
+    <TaxCatchAll xmlns="230e9df3-be65-4c73-a93b-d1236ebd677e" xsi:nil="true"/>
+    <MediaServiceKeyPoints xmlns="71af3243-3dd4-4a8d-8c0d-dd76da1f02a5" xsi:nil="true"/>
+  </documentManagement>
+</p:properties>
 </file>
 
-<file path=customXml/itemProps2.xml><?xml version="1.0" encoding="utf-8"?>
-<ds:datastoreItem xmlns:ds="http://schemas.openxmlformats.org/officeDocument/2006/customXml" ds:itemID="{67FFD73E-D96B-4428-99CD-717A4897D3B4}">
-  <ds:schemaRefs>
-    <ds:schemaRef ds:uri="http://schemas.microsoft.com/sharepoint/v3/contenttype/forms"/>
-  </ds:schemaRefs>
-</ds:datastoreItem>
+<file path=customXml/item3.xml><?xml version="1.0" encoding="utf-8"?>
+<?mso-contentType ?>
+<FormTemplates xmlns="http://schemas.microsoft.com/sharepoint/v3/contenttype/forms">
+  <Display>DocumentLibraryForm</Display>
+  <Edit>DocumentLibraryForm</Edit>
+  <New>DocumentLibraryForm</New>
+</FormTemplates>
 </file>
 
-<file path=customXml/itemProps3.xml><?xml version="1.0" encoding="utf-8"?>
+<file path=customXml/itemProps1.xml><?xml version="1.0" encoding="utf-8"?>
 <ds:datastoreItem xmlns:ds="http://schemas.openxmlformats.org/officeDocument/2006/customXml" ds:itemID="{1285E733-8340-4FDD-A6FC-B22F1B75E4E2}">
   <ds:schemaRefs>
     <ds:schemaRef ds:uri="http://schemas.microsoft.com/office/2006/metadata/contentType"/>
@@ -39694,6 +39544,26 @@
 </ds:datastoreItem>
 </file>
 
+<file path=customXml/itemProps2.xml><?xml version="1.0" encoding="utf-8"?>
+<ds:datastoreItem xmlns:ds="http://schemas.openxmlformats.org/officeDocument/2006/customXml" ds:itemID="{A3165DE6-2DCE-44FC-94B7-A499559DBF88}">
+  <ds:schemaRefs>
+    <ds:schemaRef ds:uri="http://schemas.microsoft.com/office/2006/metadata/properties"/>
+    <ds:schemaRef ds:uri="http://schemas.microsoft.com/office/infopath/2007/PartnerControls"/>
+    <ds:schemaRef ds:uri="http://schemas.microsoft.com/sharepoint/v3"/>
+    <ds:schemaRef ds:uri="71af3243-3dd4-4a8d-8c0d-dd76da1f02a5"/>
+    <ds:schemaRef ds:uri="230e9df3-be65-4c73-a93b-d1236ebd677e"/>
+  </ds:schemaRefs>
+</ds:datastoreItem>
+</file>
+
+<file path=customXml/itemProps3.xml><?xml version="1.0" encoding="utf-8"?>
+<ds:datastoreItem xmlns:ds="http://schemas.openxmlformats.org/officeDocument/2006/customXml" ds:itemID="{67FFD73E-D96B-4428-99CD-717A4897D3B4}">
+  <ds:schemaRefs>
+    <ds:schemaRef ds:uri="http://schemas.microsoft.com/sharepoint/v3/contenttype/forms"/>
+  </ds:schemaRefs>
+</ds:datastoreItem>
+</file>
+
 <file path=docMetadata/LabelInfo.xml><?xml version="1.0" encoding="utf-8"?>
 <clbl:labelList xmlns:clbl="http://schemas.microsoft.com/office/2020/mipLabelMetadata"/>
 </file>
--- a/Presentations/IUAC-2024/Introduction_to_Large_Language_Models-From_Foundation_to_Real_World_Applications.pptx
+++ b/Presentations/IUAC-2024/Introduction_to_Large_Language_Models-From_Foundation_to_Real_World_Applications.pptx
@@ -5,10 +5,10 @@
     <p:sldMasterId id="2147483648" r:id="rId4"/>
   </p:sldMasterIdLst>
   <p:notesMasterIdLst>
-    <p:notesMasterId r:id="rId56"/>
+    <p:notesMasterId r:id="rId57"/>
   </p:notesMasterIdLst>
   <p:handoutMasterIdLst>
-    <p:handoutMasterId r:id="rId57"/>
+    <p:handoutMasterId r:id="rId58"/>
   </p:handoutMasterIdLst>
   <p:sldIdLst>
     <p:sldId id="256" r:id="rId5"/>
@@ -49,19 +49,20 @@
     <p:sldId id="3924" r:id="rId40"/>
     <p:sldId id="3923" r:id="rId41"/>
     <p:sldId id="3922" r:id="rId42"/>
-    <p:sldId id="3878" r:id="rId43"/>
-    <p:sldId id="3888" r:id="rId44"/>
-    <p:sldId id="3907" r:id="rId45"/>
-    <p:sldId id="3912" r:id="rId46"/>
-    <p:sldId id="3915" r:id="rId47"/>
-    <p:sldId id="3909" r:id="rId48"/>
-    <p:sldId id="3910" r:id="rId49"/>
-    <p:sldId id="3916" r:id="rId50"/>
-    <p:sldId id="3875" r:id="rId51"/>
-    <p:sldId id="3859" r:id="rId52"/>
-    <p:sldId id="3850" r:id="rId53"/>
-    <p:sldId id="265" r:id="rId54"/>
-    <p:sldId id="263" r:id="rId55"/>
+    <p:sldId id="3926" r:id="rId43"/>
+    <p:sldId id="3925" r:id="rId44"/>
+    <p:sldId id="3878" r:id="rId45"/>
+    <p:sldId id="3888" r:id="rId46"/>
+    <p:sldId id="3907" r:id="rId47"/>
+    <p:sldId id="3912" r:id="rId48"/>
+    <p:sldId id="3915" r:id="rId49"/>
+    <p:sldId id="3909" r:id="rId50"/>
+    <p:sldId id="3910" r:id="rId51"/>
+    <p:sldId id="3916" r:id="rId52"/>
+    <p:sldId id="3875" r:id="rId53"/>
+    <p:sldId id="3859" r:id="rId54"/>
+    <p:sldId id="3850" r:id="rId55"/>
+    <p:sldId id="265" r:id="rId56"/>
   </p:sldIdLst>
   <p:sldSz cx="9144000" cy="5143500" type="screen16x9"/>
   <p:notesSz cx="6858000" cy="9144000"/>
@@ -3702,7 +3703,7 @@
     </p:spTree>
     <p:extLst>
       <p:ext uri="{BB962C8B-B14F-4D97-AF65-F5344CB8AC3E}">
-        <p14:creationId xmlns:p14="http://schemas.microsoft.com/office/powerpoint/2010/main" val="737681818"/>
+        <p14:creationId xmlns:p14="http://schemas.microsoft.com/office/powerpoint/2010/main" val="2173114525"/>
       </p:ext>
     </p:extLst>
   </p:cSld>
@@ -3872,7 +3873,7 @@
     </p:spTree>
     <p:extLst>
       <p:ext uri="{BB962C8B-B14F-4D97-AF65-F5344CB8AC3E}">
-        <p14:creationId xmlns:p14="http://schemas.microsoft.com/office/powerpoint/2010/main" val="737681818"/>
+        <p14:creationId xmlns:p14="http://schemas.microsoft.com/office/powerpoint/2010/main" val="2535942635"/>
       </p:ext>
     </p:extLst>
   </p:cSld>
@@ -4042,7 +4043,7 @@
     </p:spTree>
     <p:extLst>
       <p:ext uri="{BB962C8B-B14F-4D97-AF65-F5344CB8AC3E}">
-        <p14:creationId xmlns:p14="http://schemas.microsoft.com/office/powerpoint/2010/main" val="922949278"/>
+        <p14:creationId xmlns:p14="http://schemas.microsoft.com/office/powerpoint/2010/main" val="737681818"/>
       </p:ext>
     </p:extLst>
   </p:cSld>
@@ -4127,7 +4128,7 @@
     </p:spTree>
     <p:extLst>
       <p:ext uri="{BB962C8B-B14F-4D97-AF65-F5344CB8AC3E}">
-        <p14:creationId xmlns:p14="http://schemas.microsoft.com/office/powerpoint/2010/main" val="922949278"/>
+        <p14:creationId xmlns:p14="http://schemas.microsoft.com/office/powerpoint/2010/main" val="737681818"/>
       </p:ext>
     </p:extLst>
   </p:cSld>
@@ -4382,7 +4383,7 @@
     </p:spTree>
     <p:extLst>
       <p:ext uri="{BB962C8B-B14F-4D97-AF65-F5344CB8AC3E}">
-        <p14:creationId xmlns:p14="http://schemas.microsoft.com/office/powerpoint/2010/main" val="2840793627"/>
+        <p14:creationId xmlns:p14="http://schemas.microsoft.com/office/powerpoint/2010/main" val="922949278"/>
       </p:ext>
     </p:extLst>
   </p:cSld>
@@ -4467,7 +4468,7 @@
     </p:spTree>
     <p:extLst>
       <p:ext uri="{BB962C8B-B14F-4D97-AF65-F5344CB8AC3E}">
-        <p14:creationId xmlns:p14="http://schemas.microsoft.com/office/powerpoint/2010/main" val="737681818"/>
+        <p14:creationId xmlns:p14="http://schemas.microsoft.com/office/powerpoint/2010/main" val="922949278"/>
       </p:ext>
     </p:extLst>
   </p:cSld>
@@ -4552,7 +4553,7 @@
     </p:spTree>
     <p:extLst>
       <p:ext uri="{BB962C8B-B14F-4D97-AF65-F5344CB8AC3E}">
-        <p14:creationId xmlns:p14="http://schemas.microsoft.com/office/powerpoint/2010/main" val="4151229091"/>
+        <p14:creationId xmlns:p14="http://schemas.microsoft.com/office/powerpoint/2010/main" val="2840793627"/>
       </p:ext>
     </p:extLst>
   </p:cSld>
@@ -4637,7 +4638,7 @@
     </p:spTree>
     <p:extLst>
       <p:ext uri="{BB962C8B-B14F-4D97-AF65-F5344CB8AC3E}">
-        <p14:creationId xmlns:p14="http://schemas.microsoft.com/office/powerpoint/2010/main" val="3522538323"/>
+        <p14:creationId xmlns:p14="http://schemas.microsoft.com/office/powerpoint/2010/main" val="737681818"/>
       </p:ext>
     </p:extLst>
   </p:cSld>
@@ -4807,7 +4808,7 @@
     </p:spTree>
     <p:extLst>
       <p:ext uri="{BB962C8B-B14F-4D97-AF65-F5344CB8AC3E}">
-        <p14:creationId xmlns:p14="http://schemas.microsoft.com/office/powerpoint/2010/main" val="1721109855"/>
+        <p14:creationId xmlns:p14="http://schemas.microsoft.com/office/powerpoint/2010/main" val="4151229091"/>
       </p:ext>
     </p:extLst>
   </p:cSld>
@@ -4892,7 +4893,92 @@
     </p:spTree>
     <p:extLst>
       <p:ext uri="{BB962C8B-B14F-4D97-AF65-F5344CB8AC3E}">
-        <p14:creationId xmlns:p14="http://schemas.microsoft.com/office/powerpoint/2010/main" val="2540028172"/>
+        <p14:creationId xmlns:p14="http://schemas.microsoft.com/office/powerpoint/2010/main" val="3522538323"/>
+      </p:ext>
+    </p:extLst>
+  </p:cSld>
+  <p:clrMapOvr>
+    <a:masterClrMapping/>
+  </p:clrMapOvr>
+</p:notes>
+</file>
+
+<file path=ppt/notesSlides/notesSlide52.xml><?xml version="1.0" encoding="utf-8"?>
+<p:notes xmlns:a="http://schemas.openxmlformats.org/drawingml/2006/main" xmlns:r="http://schemas.openxmlformats.org/officeDocument/2006/relationships" xmlns:p="http://schemas.openxmlformats.org/presentationml/2006/main">
+  <p:cSld>
+    <p:spTree>
+      <p:nvGrpSpPr>
+        <p:cNvPr id="1" name=""/>
+        <p:cNvGrpSpPr/>
+        <p:nvPr/>
+      </p:nvGrpSpPr>
+      <p:grpSpPr>
+        <a:xfrm>
+          <a:off x="0" y="0"/>
+          <a:ext cx="0" cy="0"/>
+          <a:chOff x="0" y="0"/>
+          <a:chExt cx="0" cy="0"/>
+        </a:xfrm>
+      </p:grpSpPr>
+      <p:sp>
+        <p:nvSpPr>
+          <p:cNvPr id="2" name="Slide Image Placeholder 1"/>
+          <p:cNvSpPr>
+            <a:spLocks noGrp="1" noRot="1" noChangeAspect="1"/>
+          </p:cNvSpPr>
+          <p:nvPr>
+            <p:ph type="sldImg"/>
+          </p:nvPr>
+        </p:nvSpPr>
+        <p:spPr/>
+      </p:sp>
+      <p:sp>
+        <p:nvSpPr>
+          <p:cNvPr id="3" name="Notes Placeholder 2"/>
+          <p:cNvSpPr>
+            <a:spLocks noGrp="1"/>
+          </p:cNvSpPr>
+          <p:nvPr>
+            <p:ph type="body" idx="1"/>
+          </p:nvPr>
+        </p:nvSpPr>
+        <p:spPr/>
+        <p:txBody>
+          <a:bodyPr/>
+          <a:lstStyle/>
+          <a:p>
+            <a:endParaRPr lang="en-US" dirty="0"/>
+          </a:p>
+        </p:txBody>
+      </p:sp>
+      <p:sp>
+        <p:nvSpPr>
+          <p:cNvPr id="4" name="Slide Number Placeholder 3"/>
+          <p:cNvSpPr>
+            <a:spLocks noGrp="1"/>
+          </p:cNvSpPr>
+          <p:nvPr>
+            <p:ph type="sldNum" sz="quarter" idx="5"/>
+          </p:nvPr>
+        </p:nvSpPr>
+        <p:spPr/>
+        <p:txBody>
+          <a:bodyPr/>
+          <a:lstStyle/>
+          <a:p>
+            <a:fld id="{8B57D50D-BAA9-464B-B391-243138E078D8}" type="slidenum">
+              <a:rPr lang="en-US" smtClean="0"/>
+              <a:pPr/>
+              <a:t>52</a:t>
+            </a:fld>
+            <a:endParaRPr lang="en-US" dirty="0"/>
+          </a:p>
+        </p:txBody>
+      </p:sp>
+    </p:spTree>
+    <p:extLst>
+      <p:ext uri="{BB962C8B-B14F-4D97-AF65-F5344CB8AC3E}">
+        <p14:creationId xmlns:p14="http://schemas.microsoft.com/office/powerpoint/2010/main" val="1721109855"/>
       </p:ext>
     </p:extLst>
   </p:cSld>
@@ -32796,10 +32882,10 @@
       </p:grpSpPr>
       <p:sp>
         <p:nvSpPr>
-          <p:cNvPr id="2" name="Title 1">
+          <p:cNvPr id="8" name="Title 1">
             <a:extLst>
               <a:ext uri="{FF2B5EF4-FFF2-40B4-BE49-F238E27FC236}">
-                <a16:creationId xmlns:a16="http://schemas.microsoft.com/office/drawing/2014/main" id="{5D030A76-B788-B363-104E-266B7C7F7208}"/>
+                <a16:creationId xmlns:a16="http://schemas.microsoft.com/office/drawing/2014/main" id="{47A9874B-BCA9-8420-1595-EDD1865A099A}"/>
               </a:ext>
             </a:extLst>
           </p:cNvPr>
@@ -32823,17 +32909,17 @@
           <a:p>
             <a:r>
               <a:rPr lang="en-US" dirty="0"/>
-              <a:t>Code Generation</a:t>
+              <a:t>Chain-of-Thought Prompting</a:t>
             </a:r>
           </a:p>
         </p:txBody>
       </p:sp>
       <p:sp>
         <p:nvSpPr>
-          <p:cNvPr id="7" name="Content Placeholder 2">
+          <p:cNvPr id="9" name="Content Placeholder 2">
             <a:extLst>
               <a:ext uri="{FF2B5EF4-FFF2-40B4-BE49-F238E27FC236}">
-                <a16:creationId xmlns:a16="http://schemas.microsoft.com/office/drawing/2014/main" id="{68A5FD2B-E3E5-1C2B-0151-21F216B14A33}"/>
+                <a16:creationId xmlns:a16="http://schemas.microsoft.com/office/drawing/2014/main" id="{A6A33159-D030-2F82-A142-F75940728319}"/>
               </a:ext>
             </a:extLst>
           </p:cNvPr>
@@ -32841,13 +32927,13 @@
             <a:spLocks noGrp="1"/>
           </p:cNvSpPr>
           <p:nvPr>
-            <p:ph sz="half" idx="4294967295"/>
+            <p:ph sz="quarter" idx="4294967295"/>
           </p:nvPr>
         </p:nvSpPr>
         <p:spPr>
           <a:xfrm>
-            <a:off x="628651" y="1369219"/>
-            <a:ext cx="3686372" cy="3223260"/>
+            <a:off x="628650" y="1378574"/>
+            <a:ext cx="7867650" cy="3213667"/>
           </a:xfrm>
           <a:prstGeom prst="rect">
             <a:avLst/>
@@ -32855,328 +32941,134 @@
           <a:noFill/>
         </p:spPr>
         <p:txBody>
-          <a:bodyPr>
+          <a:bodyPr vert="horz" lIns="68580" tIns="34290" rIns="68580" bIns="34290" rtlCol="0" anchor="t">
             <a:normAutofit/>
           </a:bodyPr>
           <a:lstStyle/>
           <a:p>
-            <a:pPr marL="0" indent="0" algn="just">
+            <a:pPr marL="171450" lvl="1">
+              <a:spcBef>
+                <a:spcPts val="750"/>
+              </a:spcBef>
               <a:spcAft>
                 <a:spcPts val="600"/>
               </a:spcAft>
-              <a:buNone/>
+              <a:buClr>
+                <a:schemeClr val="accent2"/>
+              </a:buClr>
             </a:pPr>
             <a:r>
-              <a:rPr lang="en-IN" sz="1800" b="1" dirty="0">
-                <a:solidFill>
-                  <a:schemeClr val="accent5">
-                    <a:lumMod val="50000"/>
-                  </a:schemeClr>
-                </a:solidFill>
-              </a:rPr>
-              <a:t>Write Python function to find a factorial of an input number.</a:t>
-            </a:r>
-          </a:p>
-          <a:p>
-            <a:pPr algn="just"/>
-            <a:endParaRPr lang="en-US" sz="1800" dirty="0">
-              <a:solidFill>
-                <a:schemeClr val="accent5">
-                  <a:lumMod val="50000"/>
-                </a:schemeClr>
-              </a:solidFill>
-            </a:endParaRPr>
-          </a:p>
-        </p:txBody>
-      </p:sp>
-      <p:sp>
-        <p:nvSpPr>
-          <p:cNvPr id="9" name="TextBox 8"/>
-          <p:cNvSpPr txBox="1"/>
-          <p:nvPr/>
-        </p:nvSpPr>
-        <p:spPr>
-          <a:xfrm>
-            <a:off x="1733550" y="4714875"/>
-            <a:ext cx="5761969" cy="307777"/>
-          </a:xfrm>
-          <a:prstGeom prst="rect">
-            <a:avLst/>
-          </a:prstGeom>
-          <a:noFill/>
-        </p:spPr>
-        <p:txBody>
-          <a:bodyPr wrap="square" rtlCol="0">
-            <a:spAutoFit/>
-          </a:bodyPr>
-          <a:lstStyle/>
-          <a:p>
-            <a:pPr algn="r"/>
-            <a:r>
-              <a:rPr lang="en-IN" b="1" dirty="0">
-                <a:solidFill>
-                  <a:schemeClr val="accent2">
-                    <a:lumMod val="50000"/>
-                  </a:schemeClr>
-                </a:solidFill>
-              </a:rPr>
-              <a:t>*Meta-Llama-3.1-8B-Instruct</a:t>
-            </a:r>
-          </a:p>
-        </p:txBody>
-      </p:sp>
-      <p:sp>
-        <p:nvSpPr>
-          <p:cNvPr id="10" name="Content Placeholder 3">
-            <a:extLst>
-              <a:ext uri="{FF2B5EF4-FFF2-40B4-BE49-F238E27FC236}">
-                <a16:creationId xmlns:a16="http://schemas.microsoft.com/office/drawing/2014/main" id="{ACFBB810-3430-2C29-1AA0-9744AA0A1AA3}"/>
-              </a:ext>
-            </a:extLst>
-          </p:cNvPr>
-          <p:cNvSpPr>
-            <a:spLocks noGrp="1"/>
-          </p:cNvSpPr>
-          <p:nvPr>
-            <p:ph sz="half" idx="4294967295"/>
-          </p:nvPr>
-        </p:nvSpPr>
-        <p:spPr>
-          <a:xfrm>
-            <a:off x="4610922" y="1362687"/>
-            <a:ext cx="3909060" cy="3223260"/>
-          </a:xfrm>
-          <a:prstGeom prst="rect">
-            <a:avLst/>
-          </a:prstGeom>
-          <a:noFill/>
-        </p:spPr>
-        <p:txBody>
-          <a:bodyPr>
-            <a:normAutofit/>
-          </a:bodyPr>
-          <a:lstStyle/>
-          <a:p>
-            <a:pPr marL="0" indent="0" algn="just">
-              <a:lnSpc>
-                <a:spcPct val="100000"/>
-              </a:lnSpc>
+              <a:rPr lang="en-US" sz="2000" dirty="0"/>
+              <a:t>Break down complex task into series of steps</a:t>
+            </a:r>
+            <a:endParaRPr lang="en-IN" sz="2000" dirty="0"/>
+          </a:p>
+          <a:p>
+            <a:pPr marL="171450" lvl="1">
               <a:spcBef>
-                <a:spcPts val="300"/>
+                <a:spcPts val="750"/>
               </a:spcBef>
               <a:spcAft>
-                <a:spcPts val="300"/>
+                <a:spcPts val="600"/>
               </a:spcAft>
-              <a:buNone/>
+              <a:buClr>
+                <a:schemeClr val="accent2"/>
+              </a:buClr>
             </a:pPr>
             <a:r>
-              <a:rPr lang="en-IN" sz="1600" b="1" dirty="0">
-                <a:solidFill>
-                  <a:schemeClr val="accent4">
-                    <a:lumMod val="50000"/>
-                  </a:schemeClr>
-                </a:solidFill>
-              </a:rPr>
-              <a:t>def factorial(n):</a:t>
-            </a:r>
-          </a:p>
-          <a:p>
-            <a:pPr marL="0" indent="0" algn="just">
-              <a:lnSpc>
-                <a:spcPct val="100000"/>
-              </a:lnSpc>
+              <a:rPr lang="en-US" sz="2000" dirty="0"/>
+              <a:t>Focus on one step of task at a time</a:t>
+            </a:r>
+          </a:p>
+          <a:p>
+            <a:pPr marL="171450" lvl="1">
               <a:spcBef>
-                <a:spcPts val="300"/>
+                <a:spcPts val="750"/>
               </a:spcBef>
               <a:spcAft>
-                <a:spcPts val="300"/>
+                <a:spcPts val="600"/>
               </a:spcAft>
-              <a:buNone/>
+              <a:buClr>
+                <a:schemeClr val="accent2"/>
+              </a:buClr>
             </a:pPr>
             <a:r>
-              <a:rPr lang="en-IN" sz="1600" b="1" dirty="0">
-                <a:solidFill>
-                  <a:schemeClr val="accent4">
-                    <a:lumMod val="50000"/>
-                  </a:schemeClr>
-                </a:solidFill>
-              </a:rPr>
-              <a:t>    if n &lt; 0:</a:t>
-            </a:r>
-          </a:p>
-          <a:p>
-            <a:pPr marL="0" indent="0" algn="just">
-              <a:lnSpc>
-                <a:spcPct val="100000"/>
-              </a:lnSpc>
+              <a:rPr lang="en-US" sz="2000" dirty="0"/>
+              <a:t>Include responses to intermediate steps leading to final answer</a:t>
+            </a:r>
+          </a:p>
+          <a:p>
+            <a:pPr marL="171450" lvl="1">
               <a:spcBef>
-                <a:spcPts val="300"/>
+                <a:spcPts val="750"/>
               </a:spcBef>
               <a:spcAft>
-                <a:spcPts val="300"/>
+                <a:spcPts val="600"/>
               </a:spcAft>
-              <a:buNone/>
+              <a:buClr>
+                <a:schemeClr val="accent2"/>
+              </a:buClr>
             </a:pPr>
             <a:r>
-              <a:rPr lang="en-IN" sz="1600" b="1" dirty="0">
-                <a:solidFill>
-                  <a:schemeClr val="accent4">
-                    <a:lumMod val="50000"/>
-                  </a:schemeClr>
-                </a:solidFill>
-              </a:rPr>
-              <a:t>        raise </a:t>
-            </a:r>
-            <a:r>
-              <a:rPr lang="en-IN" sz="1600" b="1" dirty="0" err="1">
-                <a:solidFill>
-                  <a:schemeClr val="accent4">
-                    <a:lumMod val="50000"/>
-                  </a:schemeClr>
-                </a:solidFill>
-              </a:rPr>
-              <a:t>ValueError</a:t>
-            </a:r>
-            <a:r>
-              <a:rPr lang="en-IN" sz="1600" b="1" dirty="0">
-                <a:solidFill>
-                  <a:schemeClr val="accent4">
-                    <a:lumMod val="50000"/>
-                  </a:schemeClr>
-                </a:solidFill>
-              </a:rPr>
-              <a:t>("Factorial is not defined for negative numbers")</a:t>
-            </a:r>
-          </a:p>
-          <a:p>
-            <a:pPr marL="0" indent="0" algn="just">
-              <a:lnSpc>
-                <a:spcPct val="100000"/>
-              </a:lnSpc>
+              <a:rPr lang="en-US" sz="2000" dirty="0"/>
+              <a:t>Improve accuracy of LLM's responses</a:t>
+            </a:r>
+          </a:p>
+          <a:p>
+            <a:pPr marL="171450" lvl="1">
               <a:spcBef>
-                <a:spcPts val="300"/>
+                <a:spcPts val="750"/>
               </a:spcBef>
               <a:spcAft>
-                <a:spcPts val="300"/>
+                <a:spcPts val="600"/>
               </a:spcAft>
-              <a:buNone/>
+              <a:buClr>
+                <a:schemeClr val="accent2"/>
+              </a:buClr>
             </a:pPr>
             <a:r>
-              <a:rPr lang="en-IN" sz="1600" b="1" dirty="0">
-                <a:solidFill>
-                  <a:schemeClr val="accent4">
-                    <a:lumMod val="50000"/>
-                  </a:schemeClr>
-                </a:solidFill>
-              </a:rPr>
-              <a:t>    </a:t>
-            </a:r>
-            <a:r>
-              <a:rPr lang="en-IN" sz="1600" b="1" dirty="0" err="1">
-                <a:solidFill>
-                  <a:schemeClr val="accent4">
-                    <a:lumMod val="50000"/>
-                  </a:schemeClr>
-                </a:solidFill>
-              </a:rPr>
-              <a:t>elif</a:t>
-            </a:r>
-            <a:r>
-              <a:rPr lang="en-IN" sz="1600" b="1" dirty="0">
-                <a:solidFill>
-                  <a:schemeClr val="accent4">
-                    <a:lumMod val="50000"/>
-                  </a:schemeClr>
-                </a:solidFill>
-              </a:rPr>
-              <a:t> n == 0 or n == 1:</a:t>
-            </a:r>
-          </a:p>
-          <a:p>
-            <a:pPr marL="0" indent="0" algn="just">
-              <a:lnSpc>
-                <a:spcPct val="100000"/>
-              </a:lnSpc>
+              <a:rPr lang="en-US" sz="2000" dirty="0"/>
+              <a:t>Improve relevance of LLM's responses</a:t>
+            </a:r>
+          </a:p>
+          <a:p>
+            <a:pPr marL="171450" lvl="1">
               <a:spcBef>
-                <a:spcPts val="300"/>
+                <a:spcPts val="750"/>
               </a:spcBef>
               <a:spcAft>
-                <a:spcPts val="300"/>
+                <a:spcPts val="600"/>
               </a:spcAft>
-              <a:buNone/>
+              <a:buClr>
+                <a:schemeClr val="accent2"/>
+              </a:buClr>
             </a:pPr>
             <a:r>
-              <a:rPr lang="en-IN" sz="1600" b="1" dirty="0">
-                <a:solidFill>
-                  <a:schemeClr val="accent4">
-                    <a:lumMod val="50000"/>
-                  </a:schemeClr>
-                </a:solidFill>
-              </a:rPr>
-              <a:t>        return 1</a:t>
-            </a:r>
-          </a:p>
-          <a:p>
-            <a:pPr marL="0" indent="0" algn="just">
-              <a:lnSpc>
-                <a:spcPct val="100000"/>
-              </a:lnSpc>
+              <a:rPr lang="en-US" sz="2000" dirty="0"/>
+              <a:t>Reduce hallucination</a:t>
+            </a:r>
+            <a:endParaRPr lang="en-IN" sz="2000" dirty="0"/>
+          </a:p>
+          <a:p>
+            <a:pPr marL="171450" lvl="1">
               <a:spcBef>
-                <a:spcPts val="300"/>
+                <a:spcPts val="750"/>
               </a:spcBef>
               <a:spcAft>
-                <a:spcPts val="300"/>
+                <a:spcPts val="600"/>
               </a:spcAft>
-              <a:buNone/>
+              <a:buClr>
+                <a:schemeClr val="accent2"/>
+              </a:buClr>
             </a:pPr>
-            <a:r>
-              <a:rPr lang="en-IN" sz="1600" b="1" dirty="0">
-                <a:solidFill>
-                  <a:schemeClr val="accent4">
-                    <a:lumMod val="50000"/>
-                  </a:schemeClr>
-                </a:solidFill>
-              </a:rPr>
-              <a:t>    else:</a:t>
-            </a:r>
-          </a:p>
-          <a:p>
-            <a:pPr marL="0" indent="0" algn="just">
-              <a:lnSpc>
-                <a:spcPct val="100000"/>
-              </a:lnSpc>
-              <a:spcBef>
-                <a:spcPts val="300"/>
-              </a:spcBef>
-              <a:spcAft>
-                <a:spcPts val="300"/>
-              </a:spcAft>
-              <a:buNone/>
-            </a:pPr>
-            <a:r>
-              <a:rPr lang="en-IN" sz="1600" b="1" dirty="0">
-                <a:solidFill>
-                  <a:schemeClr val="accent4">
-                    <a:lumMod val="50000"/>
-                  </a:schemeClr>
-                </a:solidFill>
-              </a:rPr>
-              <a:t>        return n * factorial(n-1)</a:t>
-            </a:r>
-            <a:endParaRPr lang="en-US" sz="1600" b="1" dirty="0">
-              <a:solidFill>
-                <a:schemeClr val="accent4">
-                  <a:lumMod val="50000"/>
-                </a:schemeClr>
-              </a:solidFill>
-            </a:endParaRPr>
+            <a:endParaRPr lang="en-US" sz="2000" dirty="0"/>
           </a:p>
         </p:txBody>
       </p:sp>
     </p:spTree>
     <p:extLst>
       <p:ext uri="{BB962C8B-B14F-4D97-AF65-F5344CB8AC3E}">
-        <p14:creationId xmlns:p14="http://schemas.microsoft.com/office/powerpoint/2010/main" val="414613742"/>
+        <p14:creationId xmlns:p14="http://schemas.microsoft.com/office/powerpoint/2010/main" val="3029778717"/>
       </p:ext>
     </p:extLst>
   </p:cSld>
@@ -33561,7 +33453,7 @@
           <p:cNvPr id="2" name="Title 1">
             <a:extLst>
               <a:ext uri="{FF2B5EF4-FFF2-40B4-BE49-F238E27FC236}">
-                <a16:creationId xmlns:a16="http://schemas.microsoft.com/office/drawing/2014/main" id="{5D030A76-B788-B363-104E-266B7C7F7208}"/>
+                <a16:creationId xmlns:a16="http://schemas.microsoft.com/office/drawing/2014/main" id="{47A9874B-BCA9-8420-1595-EDD1865A099A}"/>
               </a:ext>
             </a:extLst>
           </p:cNvPr>
@@ -33585,14 +33477,14 @@
           <a:p>
             <a:r>
               <a:rPr lang="en-US" dirty="0"/>
-              <a:t>Code Generation</a:t>
+              <a:t>Chain-of-Thought Prompting</a:t>
             </a:r>
           </a:p>
         </p:txBody>
       </p:sp>
       <p:sp>
         <p:nvSpPr>
-          <p:cNvPr id="7" name="Content Placeholder 2">
+          <p:cNvPr id="3" name="Content Placeholder 2">
             <a:extLst>
               <a:ext uri="{FF2B5EF4-FFF2-40B4-BE49-F238E27FC236}">
                 <a16:creationId xmlns:a16="http://schemas.microsoft.com/office/drawing/2014/main" id="{68A5FD2B-E3E5-1C2B-0151-21F216B14A33}"/>
@@ -33603,7 +33495,7 @@
             <a:spLocks noGrp="1"/>
           </p:cNvSpPr>
           <p:nvPr>
-            <p:ph sz="half" idx="4294967295"/>
+            <p:ph sz="half" idx="1"/>
           </p:nvPr>
         </p:nvSpPr>
         <p:spPr>
@@ -33611,238 +33503,84 @@
             <a:off x="628651" y="1369219"/>
             <a:ext cx="3686372" cy="3223260"/>
           </a:xfrm>
-          <a:prstGeom prst="rect">
-            <a:avLst/>
-          </a:prstGeom>
           <a:noFill/>
         </p:spPr>
         <p:txBody>
           <a:bodyPr>
-            <a:normAutofit/>
+            <a:normAutofit lnSpcReduction="10000"/>
           </a:bodyPr>
           <a:lstStyle/>
           <a:p>
-            <a:pPr marL="0" indent="0" algn="just">
-              <a:spcAft>
-                <a:spcPts val="600"/>
-              </a:spcAft>
-              <a:buNone/>
-            </a:pPr>
-            <a:r>
-              <a:rPr lang="en-IN" sz="1800" b="1" dirty="0">
+            <a:pPr algn="just"/>
+            <a:r>
+              <a:rPr lang="en-US" sz="1900" b="1" dirty="0">
                 <a:solidFill>
                   <a:schemeClr val="accent5">
                     <a:lumMod val="50000"/>
                   </a:schemeClr>
                 </a:solidFill>
               </a:rPr>
-              <a:t>Correct following Python code.</a:t>
-            </a:r>
-          </a:p>
-          <a:p>
-            <a:pPr marL="0" indent="0" algn="just">
-              <a:spcBef>
-                <a:spcPts val="300"/>
-              </a:spcBef>
-              <a:spcAft>
-                <a:spcPts val="300"/>
-              </a:spcAft>
-              <a:buNone/>
-            </a:pPr>
-            <a:r>
-              <a:rPr lang="en-IN" sz="1800" dirty="0">
+              <a:t>Let us solve this step-by-step. </a:t>
+            </a:r>
+          </a:p>
+          <a:p>
+            <a:pPr algn="just"/>
+            <a:r>
+              <a:rPr lang="en-US" sz="1900" b="1" dirty="0">
                 <a:solidFill>
-                  <a:schemeClr val="accent6">
-                    <a:lumMod val="75000"/>
+                  <a:schemeClr val="accent5">
+                    <a:lumMod val="50000"/>
                   </a:schemeClr>
                 </a:solidFill>
               </a:rPr>
-              <a:t>def factorial(n):</a:t>
-            </a:r>
-          </a:p>
-          <a:p>
-            <a:pPr marL="0" indent="0" algn="just">
-              <a:spcBef>
-                <a:spcPts val="300"/>
-              </a:spcBef>
-              <a:spcAft>
-                <a:spcPts val="300"/>
-              </a:spcAft>
-              <a:buNone/>
-            </a:pPr>
-            <a:r>
-              <a:rPr lang="en-IN" sz="1800" dirty="0">
+              <a:t>What information do we need to find? </a:t>
+            </a:r>
+          </a:p>
+          <a:p>
+            <a:pPr algn="just"/>
+            <a:r>
+              <a:rPr lang="en-US" sz="1900" b="1" dirty="0">
                 <a:solidFill>
-                  <a:schemeClr val="accent6">
-                    <a:lumMod val="75000"/>
+                  <a:schemeClr val="accent5">
+                    <a:lumMod val="50000"/>
                   </a:schemeClr>
                 </a:solidFill>
               </a:rPr>
-              <a:t>    if n == 0 or n == 1:</a:t>
-            </a:r>
-          </a:p>
-          <a:p>
-            <a:pPr marL="0" indent="0" algn="just">
-              <a:spcBef>
-                <a:spcPts val="300"/>
-              </a:spcBef>
-              <a:spcAft>
-                <a:spcPts val="300"/>
-              </a:spcAft>
-              <a:buNone/>
-            </a:pPr>
-            <a:r>
-              <a:rPr lang="en-IN" sz="1800" dirty="0">
+              <a:t>What operations might help us to solve this? </a:t>
+            </a:r>
+          </a:p>
+          <a:p>
+            <a:pPr algn="just"/>
+            <a:r>
+              <a:rPr lang="en-US" sz="1900" b="1" dirty="0">
                 <a:solidFill>
-                  <a:schemeClr val="accent6">
-                    <a:lumMod val="75000"/>
+                  <a:schemeClr val="accent5">
+                    <a:lumMod val="50000"/>
                   </a:schemeClr>
                 </a:solidFill>
               </a:rPr>
-              <a:t>        return 1</a:t>
-            </a:r>
-          </a:p>
-          <a:p>
-            <a:pPr marL="0" indent="0" algn="just">
-              <a:spcBef>
-                <a:spcPts val="300"/>
-              </a:spcBef>
-              <a:spcAft>
-                <a:spcPts val="300"/>
-              </a:spcAft>
-              <a:buNone/>
-            </a:pPr>
-            <a:r>
-              <a:rPr lang="en-IN" sz="1800" dirty="0">
+              <a:t>Explain your reasoning and prove the answer.</a:t>
+            </a:r>
+          </a:p>
+          <a:p>
+            <a:pPr algn="just"/>
+            <a:r>
+              <a:rPr lang="en-US" sz="1900" dirty="0">
                 <a:solidFill>
-                  <a:schemeClr val="accent6">
-                    <a:lumMod val="75000"/>
+                  <a:schemeClr val="accent5">
+                    <a:lumMod val="50000"/>
                   </a:schemeClr>
                 </a:solidFill>
               </a:rPr>
-              <a:t>    else:</a:t>
-            </a:r>
-          </a:p>
-          <a:p>
-            <a:pPr marL="0" indent="0" algn="just">
-              <a:spcBef>
-                <a:spcPts val="300"/>
-              </a:spcBef>
-              <a:spcAft>
-                <a:spcPts val="300"/>
-              </a:spcAft>
-              <a:buNone/>
-            </a:pPr>
-            <a:r>
-              <a:rPr lang="en-IN" sz="1800" dirty="0">
-                <a:solidFill>
-                  <a:schemeClr val="accent6">
-                    <a:lumMod val="75000"/>
-                  </a:schemeClr>
-                </a:solidFill>
-              </a:rPr>
-              <a:t>        result = 1</a:t>
-            </a:r>
-          </a:p>
-          <a:p>
-            <a:pPr marL="0" indent="0" algn="just">
-              <a:spcBef>
-                <a:spcPts val="300"/>
-              </a:spcBef>
-              <a:spcAft>
-                <a:spcPts val="300"/>
-              </a:spcAft>
-              <a:buNone/>
-            </a:pPr>
-            <a:r>
-              <a:rPr lang="en-IN" sz="1800" dirty="0">
-                <a:solidFill>
-                  <a:schemeClr val="accent6">
-                    <a:lumMod val="75000"/>
-                  </a:schemeClr>
-                </a:solidFill>
-              </a:rPr>
-              <a:t>        for </a:t>
-            </a:r>
-            <a:r>
-              <a:rPr lang="en-IN" sz="1800" dirty="0" err="1">
-                <a:solidFill>
-                  <a:schemeClr val="accent6">
-                    <a:lumMod val="75000"/>
-                  </a:schemeClr>
-                </a:solidFill>
-              </a:rPr>
-              <a:t>i</a:t>
-            </a:r>
-            <a:r>
-              <a:rPr lang="en-IN" sz="1800" dirty="0">
-                <a:solidFill>
-                  <a:schemeClr val="accent6">
-                    <a:lumMod val="75000"/>
-                  </a:schemeClr>
-                </a:solidFill>
-              </a:rPr>
-              <a:t> in range(2, n + 1):</a:t>
-            </a:r>
-          </a:p>
-          <a:p>
-            <a:pPr marL="0" indent="0" algn="just">
-              <a:spcBef>
-                <a:spcPts val="300"/>
-              </a:spcBef>
-              <a:spcAft>
-                <a:spcPts val="300"/>
-              </a:spcAft>
-              <a:buNone/>
-            </a:pPr>
-            <a:r>
-              <a:rPr lang="en-IN" sz="1800" dirty="0">
-                <a:solidFill>
-                  <a:schemeClr val="accent6">
-                    <a:lumMod val="75000"/>
-                  </a:schemeClr>
-                </a:solidFill>
-              </a:rPr>
-              <a:t>            result *= </a:t>
-            </a:r>
-            <a:r>
-              <a:rPr lang="en-IN" sz="1800" dirty="0" err="1">
-                <a:solidFill>
-                  <a:schemeClr val="accent6">
-                    <a:lumMod val="75000"/>
-                  </a:schemeClr>
-                </a:solidFill>
-              </a:rPr>
-              <a:t>i</a:t>
-            </a:r>
-            <a:endParaRPr lang="en-IN" sz="1800" dirty="0">
+              <a:t>If there are 10 birds on a branch and 3 birds fly away. How many birds are remaining?</a:t>
+            </a:r>
+            <a:endParaRPr lang="en-IN" sz="1900" dirty="0">
               <a:solidFill>
-                <a:schemeClr val="accent6">
-                  <a:lumMod val="75000"/>
+                <a:schemeClr val="accent5">
+                  <a:lumMod val="50000"/>
                 </a:schemeClr>
               </a:solidFill>
             </a:endParaRPr>
-          </a:p>
-          <a:p>
-            <a:pPr marL="0" indent="0" algn="just">
-              <a:spcBef>
-                <a:spcPts val="300"/>
-              </a:spcBef>
-              <a:spcAft>
-                <a:spcPts val="300"/>
-              </a:spcAft>
-              <a:buNone/>
-            </a:pPr>
-            <a:r>
-              <a:rPr lang="en-IN" sz="1800" dirty="0">
-                <a:solidFill>
-                  <a:schemeClr val="accent6">
-                    <a:lumMod val="75000"/>
-                  </a:schemeClr>
-                </a:solidFill>
-              </a:rPr>
-              <a:t>        return result</a:t>
-            </a:r>
           </a:p>
           <a:p>
             <a:pPr algn="just"/>
@@ -33858,7 +33596,116 @@
       </p:sp>
       <p:sp>
         <p:nvSpPr>
-          <p:cNvPr id="9" name="TextBox 8"/>
+          <p:cNvPr id="4" name="Content Placeholder 3">
+            <a:extLst>
+              <a:ext uri="{FF2B5EF4-FFF2-40B4-BE49-F238E27FC236}">
+                <a16:creationId xmlns:a16="http://schemas.microsoft.com/office/drawing/2014/main" id="{ACFBB810-3430-2C29-1AA0-9744AA0A1AA3}"/>
+              </a:ext>
+            </a:extLst>
+          </p:cNvPr>
+          <p:cNvSpPr>
+            <a:spLocks noGrp="1"/>
+          </p:cNvSpPr>
+          <p:nvPr>
+            <p:ph sz="half" idx="15"/>
+          </p:nvPr>
+        </p:nvSpPr>
+        <p:spPr>
+          <a:xfrm>
+            <a:off x="4610922" y="1362687"/>
+            <a:ext cx="3909060" cy="3223260"/>
+          </a:xfrm>
+          <a:noFill/>
+        </p:spPr>
+        <p:txBody>
+          <a:bodyPr>
+            <a:normAutofit fontScale="70000" lnSpcReduction="20000"/>
+          </a:bodyPr>
+          <a:lstStyle/>
+          <a:p>
+            <a:pPr algn="just"/>
+            <a:r>
+              <a:rPr lang="en-US" sz="1600" dirty="0">
+                <a:solidFill>
+                  <a:schemeClr val="accent4">
+                    <a:lumMod val="50000"/>
+                  </a:schemeClr>
+                </a:solidFill>
+              </a:rPr>
+              <a:t>Let's break down the problem step-by-step.</a:t>
+            </a:r>
+          </a:p>
+          <a:p>
+            <a:pPr algn="just"/>
+            <a:r>
+              <a:rPr lang="en-US" sz="1600" dirty="0">
+                <a:solidFill>
+                  <a:schemeClr val="accent4">
+                    <a:lumMod val="50000"/>
+                  </a:schemeClr>
+                </a:solidFill>
+              </a:rPr>
+              <a:t>What information do we need to find? We need to find the number of birds remaining on the branch after 3 birds fly away.</a:t>
+            </a:r>
+          </a:p>
+          <a:p>
+            <a:pPr algn="just"/>
+            <a:r>
+              <a:rPr lang="en-US" sz="1600" dirty="0">
+                <a:solidFill>
+                  <a:schemeClr val="accent4">
+                    <a:lumMod val="50000"/>
+                  </a:schemeClr>
+                </a:solidFill>
+              </a:rPr>
+              <a:t>What operations might help us to solve this? To solve this problem, we can use a simple subtraction operation. We know the initial number of birds (10) and the number of birds that fly away (3). By subtracting the number of birds that fly away from the initial number, we can find the number of birds remaining.</a:t>
+            </a:r>
+          </a:p>
+          <a:p>
+            <a:pPr algn="just"/>
+            <a:r>
+              <a:rPr lang="en-US" sz="1600" dirty="0">
+                <a:solidFill>
+                  <a:schemeClr val="accent4">
+                    <a:lumMod val="50000"/>
+                  </a:schemeClr>
+                </a:solidFill>
+              </a:rPr>
+              <a:t>Why subtraction? Subtraction is the correct operation because we are removing a certain number of birds (3) from the initial total (10). By subtracting 3 from 10, we are essentially "taking away" 3 birds from the branch, leaving us with the remaining number of birds.</a:t>
+            </a:r>
+          </a:p>
+          <a:p>
+            <a:pPr algn="just"/>
+            <a:r>
+              <a:rPr lang="en-US" sz="1600" dirty="0">
+                <a:solidFill>
+                  <a:schemeClr val="accent4">
+                    <a:lumMod val="50000"/>
+                  </a:schemeClr>
+                </a:solidFill>
+              </a:rPr>
+              <a:t>Let's calculate! 10 (initial number of birds) - 3 (number of birds that fly away) = 7</a:t>
+            </a:r>
+          </a:p>
+          <a:p>
+            <a:pPr algn="just"/>
+            <a:r>
+              <a:rPr lang="en-US" sz="1600" dirty="0">
+                <a:solidFill>
+                  <a:schemeClr val="accent4">
+                    <a:lumMod val="50000"/>
+                  </a:schemeClr>
+                </a:solidFill>
+              </a:rPr>
+              <a:t>Therefore, there are 7 birds remaining on the branch.</a:t>
+            </a:r>
+            <a:endParaRPr lang="en-US" sz="1600" dirty="0"/>
+          </a:p>
+        </p:txBody>
+      </p:sp>
+      <p:sp>
+        <p:nvSpPr>
+          <p:cNvPr id="6" name="TextBox 5"/>
           <p:cNvSpPr txBox="1"/>
           <p:nvPr/>
         </p:nvSpPr>
@@ -33892,258 +33739,10 @@
           </a:p>
         </p:txBody>
       </p:sp>
-      <p:sp>
-        <p:nvSpPr>
-          <p:cNvPr id="10" name="Content Placeholder 3">
-            <a:extLst>
-              <a:ext uri="{FF2B5EF4-FFF2-40B4-BE49-F238E27FC236}">
-                <a16:creationId xmlns:a16="http://schemas.microsoft.com/office/drawing/2014/main" id="{ACFBB810-3430-2C29-1AA0-9744AA0A1AA3}"/>
-              </a:ext>
-            </a:extLst>
-          </p:cNvPr>
-          <p:cNvSpPr>
-            <a:spLocks noGrp="1"/>
-          </p:cNvSpPr>
-          <p:nvPr>
-            <p:ph sz="half" idx="4294967295"/>
-          </p:nvPr>
-        </p:nvSpPr>
-        <p:spPr>
-          <a:xfrm>
-            <a:off x="4610922" y="1362687"/>
-            <a:ext cx="3909060" cy="3223260"/>
-          </a:xfrm>
-          <a:prstGeom prst="rect">
-            <a:avLst/>
-          </a:prstGeom>
-          <a:noFill/>
-        </p:spPr>
-        <p:txBody>
-          <a:bodyPr>
-            <a:normAutofit/>
-          </a:bodyPr>
-          <a:lstStyle/>
-          <a:p>
-            <a:pPr marL="0" indent="0" algn="just">
-              <a:lnSpc>
-                <a:spcPct val="100000"/>
-              </a:lnSpc>
-              <a:spcBef>
-                <a:spcPts val="300"/>
-              </a:spcBef>
-              <a:spcAft>
-                <a:spcPts val="300"/>
-              </a:spcAft>
-              <a:buNone/>
-            </a:pPr>
-            <a:r>
-              <a:rPr lang="en-IN" sz="1600" b="1" dirty="0">
-                <a:solidFill>
-                  <a:schemeClr val="accent4">
-                    <a:lumMod val="50000"/>
-                  </a:schemeClr>
-                </a:solidFill>
-              </a:rPr>
-              <a:t>def factorial(n):</a:t>
-            </a:r>
-          </a:p>
-          <a:p>
-            <a:pPr marL="0" indent="0" algn="just">
-              <a:lnSpc>
-                <a:spcPct val="100000"/>
-              </a:lnSpc>
-              <a:spcBef>
-                <a:spcPts val="300"/>
-              </a:spcBef>
-              <a:spcAft>
-                <a:spcPts val="300"/>
-              </a:spcAft>
-              <a:buNone/>
-            </a:pPr>
-            <a:r>
-              <a:rPr lang="en-IN" sz="1600" b="1" dirty="0">
-                <a:solidFill>
-                  <a:schemeClr val="accent4">
-                    <a:lumMod val="50000"/>
-                  </a:schemeClr>
-                </a:solidFill>
-              </a:rPr>
-              <a:t>    if n &lt; 0:</a:t>
-            </a:r>
-          </a:p>
-          <a:p>
-            <a:pPr marL="0" indent="0" algn="just">
-              <a:lnSpc>
-                <a:spcPct val="100000"/>
-              </a:lnSpc>
-              <a:spcBef>
-                <a:spcPts val="300"/>
-              </a:spcBef>
-              <a:spcAft>
-                <a:spcPts val="300"/>
-              </a:spcAft>
-              <a:buNone/>
-            </a:pPr>
-            <a:r>
-              <a:rPr lang="en-IN" sz="1600" b="1" dirty="0">
-                <a:solidFill>
-                  <a:schemeClr val="accent4">
-                    <a:lumMod val="50000"/>
-                  </a:schemeClr>
-                </a:solidFill>
-              </a:rPr>
-              <a:t>        raise </a:t>
-            </a:r>
-            <a:r>
-              <a:rPr lang="en-IN" sz="1600" b="1" dirty="0" err="1">
-                <a:solidFill>
-                  <a:schemeClr val="accent4">
-                    <a:lumMod val="50000"/>
-                  </a:schemeClr>
-                </a:solidFill>
-              </a:rPr>
-              <a:t>ValueError</a:t>
-            </a:r>
-            <a:r>
-              <a:rPr lang="en-IN" sz="1600" b="1" dirty="0">
-                <a:solidFill>
-                  <a:schemeClr val="accent4">
-                    <a:lumMod val="50000"/>
-                  </a:schemeClr>
-                </a:solidFill>
-              </a:rPr>
-              <a:t>("Factorial is not defined for negative numbers")</a:t>
-            </a:r>
-          </a:p>
-          <a:p>
-            <a:pPr marL="0" indent="0" algn="just">
-              <a:lnSpc>
-                <a:spcPct val="100000"/>
-              </a:lnSpc>
-              <a:spcBef>
-                <a:spcPts val="300"/>
-              </a:spcBef>
-              <a:spcAft>
-                <a:spcPts val="300"/>
-              </a:spcAft>
-              <a:buNone/>
-            </a:pPr>
-            <a:r>
-              <a:rPr lang="en-IN" sz="1600" b="1" dirty="0">
-                <a:solidFill>
-                  <a:schemeClr val="accent4">
-                    <a:lumMod val="50000"/>
-                  </a:schemeClr>
-                </a:solidFill>
-              </a:rPr>
-              <a:t>    </a:t>
-            </a:r>
-            <a:r>
-              <a:rPr lang="en-IN" sz="1600" b="1" dirty="0" err="1">
-                <a:solidFill>
-                  <a:schemeClr val="accent4">
-                    <a:lumMod val="50000"/>
-                  </a:schemeClr>
-                </a:solidFill>
-              </a:rPr>
-              <a:t>elif</a:t>
-            </a:r>
-            <a:r>
-              <a:rPr lang="en-IN" sz="1600" b="1" dirty="0">
-                <a:solidFill>
-                  <a:schemeClr val="accent4">
-                    <a:lumMod val="50000"/>
-                  </a:schemeClr>
-                </a:solidFill>
-              </a:rPr>
-              <a:t> n == 0 or n == 1:</a:t>
-            </a:r>
-          </a:p>
-          <a:p>
-            <a:pPr marL="0" indent="0" algn="just">
-              <a:lnSpc>
-                <a:spcPct val="100000"/>
-              </a:lnSpc>
-              <a:spcBef>
-                <a:spcPts val="300"/>
-              </a:spcBef>
-              <a:spcAft>
-                <a:spcPts val="300"/>
-              </a:spcAft>
-              <a:buNone/>
-            </a:pPr>
-            <a:r>
-              <a:rPr lang="en-IN" sz="1600" b="1" dirty="0">
-                <a:solidFill>
-                  <a:schemeClr val="accent4">
-                    <a:lumMod val="50000"/>
-                  </a:schemeClr>
-                </a:solidFill>
-              </a:rPr>
-              <a:t>        return 1</a:t>
-            </a:r>
-          </a:p>
-          <a:p>
-            <a:pPr marL="0" indent="0" algn="just">
-              <a:lnSpc>
-                <a:spcPct val="100000"/>
-              </a:lnSpc>
-              <a:spcBef>
-                <a:spcPts val="300"/>
-              </a:spcBef>
-              <a:spcAft>
-                <a:spcPts val="300"/>
-              </a:spcAft>
-              <a:buNone/>
-            </a:pPr>
-            <a:r>
-              <a:rPr lang="en-IN" sz="1600" b="1" dirty="0">
-                <a:solidFill>
-                  <a:schemeClr val="accent4">
-                    <a:lumMod val="50000"/>
-                  </a:schemeClr>
-                </a:solidFill>
-              </a:rPr>
-              <a:t>    else:</a:t>
-            </a:r>
-          </a:p>
-          <a:p>
-            <a:pPr marL="0" indent="0" algn="just">
-              <a:lnSpc>
-                <a:spcPct val="100000"/>
-              </a:lnSpc>
-              <a:spcBef>
-                <a:spcPts val="300"/>
-              </a:spcBef>
-              <a:spcAft>
-                <a:spcPts val="300"/>
-              </a:spcAft>
-              <a:buNone/>
-            </a:pPr>
-            <a:r>
-              <a:rPr lang="en-IN" sz="1600" b="1" dirty="0">
-                <a:solidFill>
-                  <a:schemeClr val="accent4">
-                    <a:lumMod val="50000"/>
-                  </a:schemeClr>
-                </a:solidFill>
-              </a:rPr>
-              <a:t>        return n * factorial(n-1)</a:t>
-            </a:r>
-            <a:endParaRPr lang="en-US" sz="1600" b="1" dirty="0">
-              <a:solidFill>
-                <a:schemeClr val="accent4">
-                  <a:lumMod val="50000"/>
-                </a:schemeClr>
-              </a:solidFill>
-            </a:endParaRPr>
-          </a:p>
-        </p:txBody>
-      </p:sp>
     </p:spTree>
     <p:extLst>
       <p:ext uri="{BB962C8B-B14F-4D97-AF65-F5344CB8AC3E}">
-        <p14:creationId xmlns:p14="http://schemas.microsoft.com/office/powerpoint/2010/main" val="414613742"/>
+        <p14:creationId xmlns:p14="http://schemas.microsoft.com/office/powerpoint/2010/main" val="2198835006"/>
       </p:ext>
     </p:extLst>
   </p:cSld>
@@ -34206,6 +33805,1029 @@
       </p:sp>
       <p:sp>
         <p:nvSpPr>
+          <p:cNvPr id="7" name="Content Placeholder 2">
+            <a:extLst>
+              <a:ext uri="{FF2B5EF4-FFF2-40B4-BE49-F238E27FC236}">
+                <a16:creationId xmlns:a16="http://schemas.microsoft.com/office/drawing/2014/main" id="{68A5FD2B-E3E5-1C2B-0151-21F216B14A33}"/>
+              </a:ext>
+            </a:extLst>
+          </p:cNvPr>
+          <p:cNvSpPr>
+            <a:spLocks noGrp="1"/>
+          </p:cNvSpPr>
+          <p:nvPr>
+            <p:ph sz="half" idx="4294967295"/>
+          </p:nvPr>
+        </p:nvSpPr>
+        <p:spPr>
+          <a:xfrm>
+            <a:off x="628651" y="1369219"/>
+            <a:ext cx="3686372" cy="3223260"/>
+          </a:xfrm>
+          <a:prstGeom prst="rect">
+            <a:avLst/>
+          </a:prstGeom>
+          <a:noFill/>
+        </p:spPr>
+        <p:txBody>
+          <a:bodyPr>
+            <a:normAutofit/>
+          </a:bodyPr>
+          <a:lstStyle/>
+          <a:p>
+            <a:pPr marL="0" indent="0" algn="just">
+              <a:spcAft>
+                <a:spcPts val="600"/>
+              </a:spcAft>
+              <a:buNone/>
+            </a:pPr>
+            <a:r>
+              <a:rPr lang="en-IN" sz="1800" b="1" dirty="0">
+                <a:solidFill>
+                  <a:schemeClr val="accent5">
+                    <a:lumMod val="50000"/>
+                  </a:schemeClr>
+                </a:solidFill>
+              </a:rPr>
+              <a:t>Write Python function to find a factorial of an input number.</a:t>
+            </a:r>
+          </a:p>
+          <a:p>
+            <a:pPr algn="just"/>
+            <a:endParaRPr lang="en-US" sz="1800" dirty="0">
+              <a:solidFill>
+                <a:schemeClr val="accent5">
+                  <a:lumMod val="50000"/>
+                </a:schemeClr>
+              </a:solidFill>
+            </a:endParaRPr>
+          </a:p>
+        </p:txBody>
+      </p:sp>
+      <p:sp>
+        <p:nvSpPr>
+          <p:cNvPr id="9" name="TextBox 8"/>
+          <p:cNvSpPr txBox="1"/>
+          <p:nvPr/>
+        </p:nvSpPr>
+        <p:spPr>
+          <a:xfrm>
+            <a:off x="1733550" y="4714875"/>
+            <a:ext cx="5761969" cy="307777"/>
+          </a:xfrm>
+          <a:prstGeom prst="rect">
+            <a:avLst/>
+          </a:prstGeom>
+          <a:noFill/>
+        </p:spPr>
+        <p:txBody>
+          <a:bodyPr wrap="square" rtlCol="0">
+            <a:spAutoFit/>
+          </a:bodyPr>
+          <a:lstStyle/>
+          <a:p>
+            <a:pPr algn="r"/>
+            <a:r>
+              <a:rPr lang="en-IN" b="1" dirty="0">
+                <a:solidFill>
+                  <a:schemeClr val="accent2">
+                    <a:lumMod val="50000"/>
+                  </a:schemeClr>
+                </a:solidFill>
+              </a:rPr>
+              <a:t>*Meta-Llama-3.1-8B-Instruct</a:t>
+            </a:r>
+          </a:p>
+        </p:txBody>
+      </p:sp>
+      <p:sp>
+        <p:nvSpPr>
+          <p:cNvPr id="10" name="Content Placeholder 3">
+            <a:extLst>
+              <a:ext uri="{FF2B5EF4-FFF2-40B4-BE49-F238E27FC236}">
+                <a16:creationId xmlns:a16="http://schemas.microsoft.com/office/drawing/2014/main" id="{ACFBB810-3430-2C29-1AA0-9744AA0A1AA3}"/>
+              </a:ext>
+            </a:extLst>
+          </p:cNvPr>
+          <p:cNvSpPr>
+            <a:spLocks noGrp="1"/>
+          </p:cNvSpPr>
+          <p:nvPr>
+            <p:ph sz="half" idx="4294967295"/>
+          </p:nvPr>
+        </p:nvSpPr>
+        <p:spPr>
+          <a:xfrm>
+            <a:off x="4610922" y="1362687"/>
+            <a:ext cx="3909060" cy="3223260"/>
+          </a:xfrm>
+          <a:prstGeom prst="rect">
+            <a:avLst/>
+          </a:prstGeom>
+          <a:noFill/>
+        </p:spPr>
+        <p:txBody>
+          <a:bodyPr>
+            <a:normAutofit/>
+          </a:bodyPr>
+          <a:lstStyle/>
+          <a:p>
+            <a:pPr marL="0" indent="0" algn="just">
+              <a:lnSpc>
+                <a:spcPct val="100000"/>
+              </a:lnSpc>
+              <a:spcBef>
+                <a:spcPts val="300"/>
+              </a:spcBef>
+              <a:spcAft>
+                <a:spcPts val="300"/>
+              </a:spcAft>
+              <a:buNone/>
+            </a:pPr>
+            <a:r>
+              <a:rPr lang="en-IN" sz="1600" b="1" dirty="0">
+                <a:solidFill>
+                  <a:schemeClr val="accent4">
+                    <a:lumMod val="50000"/>
+                  </a:schemeClr>
+                </a:solidFill>
+              </a:rPr>
+              <a:t>def factorial(n):</a:t>
+            </a:r>
+          </a:p>
+          <a:p>
+            <a:pPr marL="0" indent="0" algn="just">
+              <a:lnSpc>
+                <a:spcPct val="100000"/>
+              </a:lnSpc>
+              <a:spcBef>
+                <a:spcPts val="300"/>
+              </a:spcBef>
+              <a:spcAft>
+                <a:spcPts val="300"/>
+              </a:spcAft>
+              <a:buNone/>
+            </a:pPr>
+            <a:r>
+              <a:rPr lang="en-IN" sz="1600" b="1" dirty="0">
+                <a:solidFill>
+                  <a:schemeClr val="accent4">
+                    <a:lumMod val="50000"/>
+                  </a:schemeClr>
+                </a:solidFill>
+              </a:rPr>
+              <a:t>    if n &lt; 0:</a:t>
+            </a:r>
+          </a:p>
+          <a:p>
+            <a:pPr marL="0" indent="0" algn="just">
+              <a:lnSpc>
+                <a:spcPct val="100000"/>
+              </a:lnSpc>
+              <a:spcBef>
+                <a:spcPts val="300"/>
+              </a:spcBef>
+              <a:spcAft>
+                <a:spcPts val="300"/>
+              </a:spcAft>
+              <a:buNone/>
+            </a:pPr>
+            <a:r>
+              <a:rPr lang="en-IN" sz="1600" b="1" dirty="0">
+                <a:solidFill>
+                  <a:schemeClr val="accent4">
+                    <a:lumMod val="50000"/>
+                  </a:schemeClr>
+                </a:solidFill>
+              </a:rPr>
+              <a:t>        raise </a:t>
+            </a:r>
+            <a:r>
+              <a:rPr lang="en-IN" sz="1600" b="1" dirty="0" err="1">
+                <a:solidFill>
+                  <a:schemeClr val="accent4">
+                    <a:lumMod val="50000"/>
+                  </a:schemeClr>
+                </a:solidFill>
+              </a:rPr>
+              <a:t>ValueError</a:t>
+            </a:r>
+            <a:r>
+              <a:rPr lang="en-IN" sz="1600" b="1" dirty="0">
+                <a:solidFill>
+                  <a:schemeClr val="accent4">
+                    <a:lumMod val="50000"/>
+                  </a:schemeClr>
+                </a:solidFill>
+              </a:rPr>
+              <a:t>("Factorial is not defined for negative numbers")</a:t>
+            </a:r>
+          </a:p>
+          <a:p>
+            <a:pPr marL="0" indent="0" algn="just">
+              <a:lnSpc>
+                <a:spcPct val="100000"/>
+              </a:lnSpc>
+              <a:spcBef>
+                <a:spcPts val="300"/>
+              </a:spcBef>
+              <a:spcAft>
+                <a:spcPts val="300"/>
+              </a:spcAft>
+              <a:buNone/>
+            </a:pPr>
+            <a:r>
+              <a:rPr lang="en-IN" sz="1600" b="1" dirty="0">
+                <a:solidFill>
+                  <a:schemeClr val="accent4">
+                    <a:lumMod val="50000"/>
+                  </a:schemeClr>
+                </a:solidFill>
+              </a:rPr>
+              <a:t>    </a:t>
+            </a:r>
+            <a:r>
+              <a:rPr lang="en-IN" sz="1600" b="1" dirty="0" err="1">
+                <a:solidFill>
+                  <a:schemeClr val="accent4">
+                    <a:lumMod val="50000"/>
+                  </a:schemeClr>
+                </a:solidFill>
+              </a:rPr>
+              <a:t>elif</a:t>
+            </a:r>
+            <a:r>
+              <a:rPr lang="en-IN" sz="1600" b="1" dirty="0">
+                <a:solidFill>
+                  <a:schemeClr val="accent4">
+                    <a:lumMod val="50000"/>
+                  </a:schemeClr>
+                </a:solidFill>
+              </a:rPr>
+              <a:t> n == 0 or n == 1:</a:t>
+            </a:r>
+          </a:p>
+          <a:p>
+            <a:pPr marL="0" indent="0" algn="just">
+              <a:lnSpc>
+                <a:spcPct val="100000"/>
+              </a:lnSpc>
+              <a:spcBef>
+                <a:spcPts val="300"/>
+              </a:spcBef>
+              <a:spcAft>
+                <a:spcPts val="300"/>
+              </a:spcAft>
+              <a:buNone/>
+            </a:pPr>
+            <a:r>
+              <a:rPr lang="en-IN" sz="1600" b="1" dirty="0">
+                <a:solidFill>
+                  <a:schemeClr val="accent4">
+                    <a:lumMod val="50000"/>
+                  </a:schemeClr>
+                </a:solidFill>
+              </a:rPr>
+              <a:t>        return 1</a:t>
+            </a:r>
+          </a:p>
+          <a:p>
+            <a:pPr marL="0" indent="0" algn="just">
+              <a:lnSpc>
+                <a:spcPct val="100000"/>
+              </a:lnSpc>
+              <a:spcBef>
+                <a:spcPts val="300"/>
+              </a:spcBef>
+              <a:spcAft>
+                <a:spcPts val="300"/>
+              </a:spcAft>
+              <a:buNone/>
+            </a:pPr>
+            <a:r>
+              <a:rPr lang="en-IN" sz="1600" b="1" dirty="0">
+                <a:solidFill>
+                  <a:schemeClr val="accent4">
+                    <a:lumMod val="50000"/>
+                  </a:schemeClr>
+                </a:solidFill>
+              </a:rPr>
+              <a:t>    else:</a:t>
+            </a:r>
+          </a:p>
+          <a:p>
+            <a:pPr marL="0" indent="0" algn="just">
+              <a:lnSpc>
+                <a:spcPct val="100000"/>
+              </a:lnSpc>
+              <a:spcBef>
+                <a:spcPts val="300"/>
+              </a:spcBef>
+              <a:spcAft>
+                <a:spcPts val="300"/>
+              </a:spcAft>
+              <a:buNone/>
+            </a:pPr>
+            <a:r>
+              <a:rPr lang="en-IN" sz="1600" b="1" dirty="0">
+                <a:solidFill>
+                  <a:schemeClr val="accent4">
+                    <a:lumMod val="50000"/>
+                  </a:schemeClr>
+                </a:solidFill>
+              </a:rPr>
+              <a:t>        return n * factorial(n-1)</a:t>
+            </a:r>
+            <a:endParaRPr lang="en-US" sz="1600" b="1" dirty="0">
+              <a:solidFill>
+                <a:schemeClr val="accent4">
+                  <a:lumMod val="50000"/>
+                </a:schemeClr>
+              </a:solidFill>
+            </a:endParaRPr>
+          </a:p>
+        </p:txBody>
+      </p:sp>
+    </p:spTree>
+    <p:extLst>
+      <p:ext uri="{BB962C8B-B14F-4D97-AF65-F5344CB8AC3E}">
+        <p14:creationId xmlns:p14="http://schemas.microsoft.com/office/powerpoint/2010/main" val="414613742"/>
+      </p:ext>
+    </p:extLst>
+  </p:cSld>
+  <p:clrMapOvr>
+    <a:masterClrMapping/>
+  </p:clrMapOvr>
+</p:sld>
+</file>
+
+<file path=ppt/slides/slide42.xml><?xml version="1.0" encoding="utf-8"?>
+<p:sld xmlns:a="http://schemas.openxmlformats.org/drawingml/2006/main" xmlns:r="http://schemas.openxmlformats.org/officeDocument/2006/relationships" xmlns:p="http://schemas.openxmlformats.org/presentationml/2006/main">
+  <p:cSld>
+    <p:spTree>
+      <p:nvGrpSpPr>
+        <p:cNvPr id="1" name=""/>
+        <p:cNvGrpSpPr/>
+        <p:nvPr/>
+      </p:nvGrpSpPr>
+      <p:grpSpPr>
+        <a:xfrm>
+          <a:off x="0" y="0"/>
+          <a:ext cx="0" cy="0"/>
+          <a:chOff x="0" y="0"/>
+          <a:chExt cx="0" cy="0"/>
+        </a:xfrm>
+      </p:grpSpPr>
+      <p:sp>
+        <p:nvSpPr>
+          <p:cNvPr id="2" name="Title 1">
+            <a:extLst>
+              <a:ext uri="{FF2B5EF4-FFF2-40B4-BE49-F238E27FC236}">
+                <a16:creationId xmlns:a16="http://schemas.microsoft.com/office/drawing/2014/main" id="{5D030A76-B788-B363-104E-266B7C7F7208}"/>
+              </a:ext>
+            </a:extLst>
+          </p:cNvPr>
+          <p:cNvSpPr>
+            <a:spLocks noGrp="1"/>
+          </p:cNvSpPr>
+          <p:nvPr>
+            <p:ph type="title"/>
+          </p:nvPr>
+        </p:nvSpPr>
+        <p:spPr>
+          <a:xfrm>
+            <a:off x="628650" y="273844"/>
+            <a:ext cx="7886700" cy="994172"/>
+          </a:xfrm>
+          <a:noFill/>
+        </p:spPr>
+        <p:txBody>
+          <a:bodyPr anchor="ctr"/>
+          <a:lstStyle/>
+          <a:p>
+            <a:r>
+              <a:rPr lang="en-US" dirty="0"/>
+              <a:t>Code Generation</a:t>
+            </a:r>
+          </a:p>
+        </p:txBody>
+      </p:sp>
+      <p:sp>
+        <p:nvSpPr>
+          <p:cNvPr id="7" name="Content Placeholder 2">
+            <a:extLst>
+              <a:ext uri="{FF2B5EF4-FFF2-40B4-BE49-F238E27FC236}">
+                <a16:creationId xmlns:a16="http://schemas.microsoft.com/office/drawing/2014/main" id="{68A5FD2B-E3E5-1C2B-0151-21F216B14A33}"/>
+              </a:ext>
+            </a:extLst>
+          </p:cNvPr>
+          <p:cNvSpPr>
+            <a:spLocks noGrp="1"/>
+          </p:cNvSpPr>
+          <p:nvPr>
+            <p:ph sz="half" idx="4294967295"/>
+          </p:nvPr>
+        </p:nvSpPr>
+        <p:spPr>
+          <a:xfrm>
+            <a:off x="628651" y="1369219"/>
+            <a:ext cx="3686372" cy="3223260"/>
+          </a:xfrm>
+          <a:prstGeom prst="rect">
+            <a:avLst/>
+          </a:prstGeom>
+          <a:noFill/>
+        </p:spPr>
+        <p:txBody>
+          <a:bodyPr>
+            <a:normAutofit/>
+          </a:bodyPr>
+          <a:lstStyle/>
+          <a:p>
+            <a:pPr marL="0" indent="0" algn="just">
+              <a:spcAft>
+                <a:spcPts val="600"/>
+              </a:spcAft>
+              <a:buNone/>
+            </a:pPr>
+            <a:r>
+              <a:rPr lang="en-IN" sz="1800" b="1" dirty="0">
+                <a:solidFill>
+                  <a:schemeClr val="accent5">
+                    <a:lumMod val="50000"/>
+                  </a:schemeClr>
+                </a:solidFill>
+              </a:rPr>
+              <a:t>Correct following Python code.</a:t>
+            </a:r>
+          </a:p>
+          <a:p>
+            <a:pPr marL="0" indent="0" algn="just">
+              <a:spcBef>
+                <a:spcPts val="300"/>
+              </a:spcBef>
+              <a:spcAft>
+                <a:spcPts val="300"/>
+              </a:spcAft>
+              <a:buNone/>
+            </a:pPr>
+            <a:r>
+              <a:rPr lang="en-IN" sz="1800" dirty="0">
+                <a:solidFill>
+                  <a:schemeClr val="accent6">
+                    <a:lumMod val="75000"/>
+                  </a:schemeClr>
+                </a:solidFill>
+              </a:rPr>
+              <a:t>def factorial(n):</a:t>
+            </a:r>
+          </a:p>
+          <a:p>
+            <a:pPr marL="0" indent="0" algn="just">
+              <a:spcBef>
+                <a:spcPts val="300"/>
+              </a:spcBef>
+              <a:spcAft>
+                <a:spcPts val="300"/>
+              </a:spcAft>
+              <a:buNone/>
+            </a:pPr>
+            <a:r>
+              <a:rPr lang="en-IN" sz="1800" dirty="0">
+                <a:solidFill>
+                  <a:schemeClr val="accent6">
+                    <a:lumMod val="75000"/>
+                  </a:schemeClr>
+                </a:solidFill>
+              </a:rPr>
+              <a:t>    if n == 0 or n == 1:</a:t>
+            </a:r>
+          </a:p>
+          <a:p>
+            <a:pPr marL="0" indent="0" algn="just">
+              <a:spcBef>
+                <a:spcPts val="300"/>
+              </a:spcBef>
+              <a:spcAft>
+                <a:spcPts val="300"/>
+              </a:spcAft>
+              <a:buNone/>
+            </a:pPr>
+            <a:r>
+              <a:rPr lang="en-IN" sz="1800" dirty="0">
+                <a:solidFill>
+                  <a:schemeClr val="accent6">
+                    <a:lumMod val="75000"/>
+                  </a:schemeClr>
+                </a:solidFill>
+              </a:rPr>
+              <a:t>        return 1</a:t>
+            </a:r>
+          </a:p>
+          <a:p>
+            <a:pPr marL="0" indent="0" algn="just">
+              <a:spcBef>
+                <a:spcPts val="300"/>
+              </a:spcBef>
+              <a:spcAft>
+                <a:spcPts val="300"/>
+              </a:spcAft>
+              <a:buNone/>
+            </a:pPr>
+            <a:r>
+              <a:rPr lang="en-IN" sz="1800" dirty="0">
+                <a:solidFill>
+                  <a:schemeClr val="accent6">
+                    <a:lumMod val="75000"/>
+                  </a:schemeClr>
+                </a:solidFill>
+              </a:rPr>
+              <a:t>    else:</a:t>
+            </a:r>
+          </a:p>
+          <a:p>
+            <a:pPr marL="0" indent="0" algn="just">
+              <a:spcBef>
+                <a:spcPts val="300"/>
+              </a:spcBef>
+              <a:spcAft>
+                <a:spcPts val="300"/>
+              </a:spcAft>
+              <a:buNone/>
+            </a:pPr>
+            <a:r>
+              <a:rPr lang="en-IN" sz="1800" dirty="0">
+                <a:solidFill>
+                  <a:schemeClr val="accent6">
+                    <a:lumMod val="75000"/>
+                  </a:schemeClr>
+                </a:solidFill>
+              </a:rPr>
+              <a:t>        result = 1</a:t>
+            </a:r>
+          </a:p>
+          <a:p>
+            <a:pPr marL="0" indent="0" algn="just">
+              <a:spcBef>
+                <a:spcPts val="300"/>
+              </a:spcBef>
+              <a:spcAft>
+                <a:spcPts val="300"/>
+              </a:spcAft>
+              <a:buNone/>
+            </a:pPr>
+            <a:r>
+              <a:rPr lang="en-IN" sz="1800" dirty="0">
+                <a:solidFill>
+                  <a:schemeClr val="accent6">
+                    <a:lumMod val="75000"/>
+                  </a:schemeClr>
+                </a:solidFill>
+              </a:rPr>
+              <a:t>        for </a:t>
+            </a:r>
+            <a:r>
+              <a:rPr lang="en-IN" sz="1800" dirty="0" err="1">
+                <a:solidFill>
+                  <a:schemeClr val="accent6">
+                    <a:lumMod val="75000"/>
+                  </a:schemeClr>
+                </a:solidFill>
+              </a:rPr>
+              <a:t>i</a:t>
+            </a:r>
+            <a:r>
+              <a:rPr lang="en-IN" sz="1800" dirty="0">
+                <a:solidFill>
+                  <a:schemeClr val="accent6">
+                    <a:lumMod val="75000"/>
+                  </a:schemeClr>
+                </a:solidFill>
+              </a:rPr>
+              <a:t> in range(2, n + 1):</a:t>
+            </a:r>
+          </a:p>
+          <a:p>
+            <a:pPr marL="0" indent="0" algn="just">
+              <a:spcBef>
+                <a:spcPts val="300"/>
+              </a:spcBef>
+              <a:spcAft>
+                <a:spcPts val="300"/>
+              </a:spcAft>
+              <a:buNone/>
+            </a:pPr>
+            <a:r>
+              <a:rPr lang="en-IN" sz="1800" dirty="0">
+                <a:solidFill>
+                  <a:schemeClr val="accent6">
+                    <a:lumMod val="75000"/>
+                  </a:schemeClr>
+                </a:solidFill>
+              </a:rPr>
+              <a:t>            result *= </a:t>
+            </a:r>
+            <a:r>
+              <a:rPr lang="en-IN" sz="1800" dirty="0" err="1">
+                <a:solidFill>
+                  <a:schemeClr val="accent6">
+                    <a:lumMod val="75000"/>
+                  </a:schemeClr>
+                </a:solidFill>
+              </a:rPr>
+              <a:t>i</a:t>
+            </a:r>
+            <a:endParaRPr lang="en-IN" sz="1800" dirty="0">
+              <a:solidFill>
+                <a:schemeClr val="accent6">
+                  <a:lumMod val="75000"/>
+                </a:schemeClr>
+              </a:solidFill>
+            </a:endParaRPr>
+          </a:p>
+          <a:p>
+            <a:pPr marL="0" indent="0" algn="just">
+              <a:spcBef>
+                <a:spcPts val="300"/>
+              </a:spcBef>
+              <a:spcAft>
+                <a:spcPts val="300"/>
+              </a:spcAft>
+              <a:buNone/>
+            </a:pPr>
+            <a:r>
+              <a:rPr lang="en-IN" sz="1800" dirty="0">
+                <a:solidFill>
+                  <a:schemeClr val="accent6">
+                    <a:lumMod val="75000"/>
+                  </a:schemeClr>
+                </a:solidFill>
+              </a:rPr>
+              <a:t>        return result</a:t>
+            </a:r>
+          </a:p>
+          <a:p>
+            <a:pPr algn="just"/>
+            <a:endParaRPr lang="en-US" sz="1800" dirty="0">
+              <a:solidFill>
+                <a:schemeClr val="accent5">
+                  <a:lumMod val="50000"/>
+                </a:schemeClr>
+              </a:solidFill>
+            </a:endParaRPr>
+          </a:p>
+        </p:txBody>
+      </p:sp>
+      <p:sp>
+        <p:nvSpPr>
+          <p:cNvPr id="9" name="TextBox 8"/>
+          <p:cNvSpPr txBox="1"/>
+          <p:nvPr/>
+        </p:nvSpPr>
+        <p:spPr>
+          <a:xfrm>
+            <a:off x="1733550" y="4714875"/>
+            <a:ext cx="5761969" cy="307777"/>
+          </a:xfrm>
+          <a:prstGeom prst="rect">
+            <a:avLst/>
+          </a:prstGeom>
+          <a:noFill/>
+        </p:spPr>
+        <p:txBody>
+          <a:bodyPr wrap="square" rtlCol="0">
+            <a:spAutoFit/>
+          </a:bodyPr>
+          <a:lstStyle/>
+          <a:p>
+            <a:pPr algn="r"/>
+            <a:r>
+              <a:rPr lang="en-IN" b="1" dirty="0">
+                <a:solidFill>
+                  <a:schemeClr val="accent2">
+                    <a:lumMod val="50000"/>
+                  </a:schemeClr>
+                </a:solidFill>
+              </a:rPr>
+              <a:t>*Meta-Llama-3.1-8B-Instruct</a:t>
+            </a:r>
+          </a:p>
+        </p:txBody>
+      </p:sp>
+      <p:sp>
+        <p:nvSpPr>
+          <p:cNvPr id="10" name="Content Placeholder 3">
+            <a:extLst>
+              <a:ext uri="{FF2B5EF4-FFF2-40B4-BE49-F238E27FC236}">
+                <a16:creationId xmlns:a16="http://schemas.microsoft.com/office/drawing/2014/main" id="{ACFBB810-3430-2C29-1AA0-9744AA0A1AA3}"/>
+              </a:ext>
+            </a:extLst>
+          </p:cNvPr>
+          <p:cNvSpPr>
+            <a:spLocks noGrp="1"/>
+          </p:cNvSpPr>
+          <p:nvPr>
+            <p:ph sz="half" idx="4294967295"/>
+          </p:nvPr>
+        </p:nvSpPr>
+        <p:spPr>
+          <a:xfrm>
+            <a:off x="4610922" y="1362687"/>
+            <a:ext cx="3909060" cy="3223260"/>
+          </a:xfrm>
+          <a:prstGeom prst="rect">
+            <a:avLst/>
+          </a:prstGeom>
+          <a:noFill/>
+        </p:spPr>
+        <p:txBody>
+          <a:bodyPr>
+            <a:normAutofit/>
+          </a:bodyPr>
+          <a:lstStyle/>
+          <a:p>
+            <a:pPr marL="0" indent="0" algn="just">
+              <a:lnSpc>
+                <a:spcPct val="100000"/>
+              </a:lnSpc>
+              <a:spcBef>
+                <a:spcPts val="300"/>
+              </a:spcBef>
+              <a:spcAft>
+                <a:spcPts val="300"/>
+              </a:spcAft>
+              <a:buNone/>
+            </a:pPr>
+            <a:r>
+              <a:rPr lang="en-IN" sz="1600" b="1" dirty="0">
+                <a:solidFill>
+                  <a:schemeClr val="accent4">
+                    <a:lumMod val="50000"/>
+                  </a:schemeClr>
+                </a:solidFill>
+              </a:rPr>
+              <a:t>def factorial(n):</a:t>
+            </a:r>
+          </a:p>
+          <a:p>
+            <a:pPr marL="0" indent="0" algn="just">
+              <a:lnSpc>
+                <a:spcPct val="100000"/>
+              </a:lnSpc>
+              <a:spcBef>
+                <a:spcPts val="300"/>
+              </a:spcBef>
+              <a:spcAft>
+                <a:spcPts val="300"/>
+              </a:spcAft>
+              <a:buNone/>
+            </a:pPr>
+            <a:r>
+              <a:rPr lang="en-IN" sz="1600" b="1" dirty="0">
+                <a:solidFill>
+                  <a:schemeClr val="accent4">
+                    <a:lumMod val="50000"/>
+                  </a:schemeClr>
+                </a:solidFill>
+              </a:rPr>
+              <a:t>    if n &lt; 0:</a:t>
+            </a:r>
+          </a:p>
+          <a:p>
+            <a:pPr marL="0" indent="0" algn="just">
+              <a:lnSpc>
+                <a:spcPct val="100000"/>
+              </a:lnSpc>
+              <a:spcBef>
+                <a:spcPts val="300"/>
+              </a:spcBef>
+              <a:spcAft>
+                <a:spcPts val="300"/>
+              </a:spcAft>
+              <a:buNone/>
+            </a:pPr>
+            <a:r>
+              <a:rPr lang="en-IN" sz="1600" b="1" dirty="0">
+                <a:solidFill>
+                  <a:schemeClr val="accent4">
+                    <a:lumMod val="50000"/>
+                  </a:schemeClr>
+                </a:solidFill>
+              </a:rPr>
+              <a:t>        raise </a:t>
+            </a:r>
+            <a:r>
+              <a:rPr lang="en-IN" sz="1600" b="1" dirty="0" err="1">
+                <a:solidFill>
+                  <a:schemeClr val="accent4">
+                    <a:lumMod val="50000"/>
+                  </a:schemeClr>
+                </a:solidFill>
+              </a:rPr>
+              <a:t>ValueError</a:t>
+            </a:r>
+            <a:r>
+              <a:rPr lang="en-IN" sz="1600" b="1" dirty="0">
+                <a:solidFill>
+                  <a:schemeClr val="accent4">
+                    <a:lumMod val="50000"/>
+                  </a:schemeClr>
+                </a:solidFill>
+              </a:rPr>
+              <a:t>("Factorial is not defined for negative numbers")</a:t>
+            </a:r>
+          </a:p>
+          <a:p>
+            <a:pPr marL="0" indent="0" algn="just">
+              <a:lnSpc>
+                <a:spcPct val="100000"/>
+              </a:lnSpc>
+              <a:spcBef>
+                <a:spcPts val="300"/>
+              </a:spcBef>
+              <a:spcAft>
+                <a:spcPts val="300"/>
+              </a:spcAft>
+              <a:buNone/>
+            </a:pPr>
+            <a:r>
+              <a:rPr lang="en-IN" sz="1600" b="1" dirty="0">
+                <a:solidFill>
+                  <a:schemeClr val="accent4">
+                    <a:lumMod val="50000"/>
+                  </a:schemeClr>
+                </a:solidFill>
+              </a:rPr>
+              <a:t>    </a:t>
+            </a:r>
+            <a:r>
+              <a:rPr lang="en-IN" sz="1600" b="1" dirty="0" err="1">
+                <a:solidFill>
+                  <a:schemeClr val="accent4">
+                    <a:lumMod val="50000"/>
+                  </a:schemeClr>
+                </a:solidFill>
+              </a:rPr>
+              <a:t>elif</a:t>
+            </a:r>
+            <a:r>
+              <a:rPr lang="en-IN" sz="1600" b="1" dirty="0">
+                <a:solidFill>
+                  <a:schemeClr val="accent4">
+                    <a:lumMod val="50000"/>
+                  </a:schemeClr>
+                </a:solidFill>
+              </a:rPr>
+              <a:t> n == 0 or n == 1:</a:t>
+            </a:r>
+          </a:p>
+          <a:p>
+            <a:pPr marL="0" indent="0" algn="just">
+              <a:lnSpc>
+                <a:spcPct val="100000"/>
+              </a:lnSpc>
+              <a:spcBef>
+                <a:spcPts val="300"/>
+              </a:spcBef>
+              <a:spcAft>
+                <a:spcPts val="300"/>
+              </a:spcAft>
+              <a:buNone/>
+            </a:pPr>
+            <a:r>
+              <a:rPr lang="en-IN" sz="1600" b="1" dirty="0">
+                <a:solidFill>
+                  <a:schemeClr val="accent4">
+                    <a:lumMod val="50000"/>
+                  </a:schemeClr>
+                </a:solidFill>
+              </a:rPr>
+              <a:t>        return 1</a:t>
+            </a:r>
+          </a:p>
+          <a:p>
+            <a:pPr marL="0" indent="0" algn="just">
+              <a:lnSpc>
+                <a:spcPct val="100000"/>
+              </a:lnSpc>
+              <a:spcBef>
+                <a:spcPts val="300"/>
+              </a:spcBef>
+              <a:spcAft>
+                <a:spcPts val="300"/>
+              </a:spcAft>
+              <a:buNone/>
+            </a:pPr>
+            <a:r>
+              <a:rPr lang="en-IN" sz="1600" b="1" dirty="0">
+                <a:solidFill>
+                  <a:schemeClr val="accent4">
+                    <a:lumMod val="50000"/>
+                  </a:schemeClr>
+                </a:solidFill>
+              </a:rPr>
+              <a:t>    else:</a:t>
+            </a:r>
+          </a:p>
+          <a:p>
+            <a:pPr marL="0" indent="0" algn="just">
+              <a:lnSpc>
+                <a:spcPct val="100000"/>
+              </a:lnSpc>
+              <a:spcBef>
+                <a:spcPts val="300"/>
+              </a:spcBef>
+              <a:spcAft>
+                <a:spcPts val="300"/>
+              </a:spcAft>
+              <a:buNone/>
+            </a:pPr>
+            <a:r>
+              <a:rPr lang="en-IN" sz="1600" b="1" dirty="0">
+                <a:solidFill>
+                  <a:schemeClr val="accent4">
+                    <a:lumMod val="50000"/>
+                  </a:schemeClr>
+                </a:solidFill>
+              </a:rPr>
+              <a:t>        return n * factorial(n-1)</a:t>
+            </a:r>
+            <a:endParaRPr lang="en-US" sz="1600" b="1" dirty="0">
+              <a:solidFill>
+                <a:schemeClr val="accent4">
+                  <a:lumMod val="50000"/>
+                </a:schemeClr>
+              </a:solidFill>
+            </a:endParaRPr>
+          </a:p>
+        </p:txBody>
+      </p:sp>
+    </p:spTree>
+    <p:extLst>
+      <p:ext uri="{BB962C8B-B14F-4D97-AF65-F5344CB8AC3E}">
+        <p14:creationId xmlns:p14="http://schemas.microsoft.com/office/powerpoint/2010/main" val="414613742"/>
+      </p:ext>
+    </p:extLst>
+  </p:cSld>
+  <p:clrMapOvr>
+    <a:masterClrMapping/>
+  </p:clrMapOvr>
+</p:sld>
+</file>
+
+<file path=ppt/slides/slide43.xml><?xml version="1.0" encoding="utf-8"?>
+<p:sld xmlns:a="http://schemas.openxmlformats.org/drawingml/2006/main" xmlns:r="http://schemas.openxmlformats.org/officeDocument/2006/relationships" xmlns:p="http://schemas.openxmlformats.org/presentationml/2006/main">
+  <p:cSld>
+    <p:spTree>
+      <p:nvGrpSpPr>
+        <p:cNvPr id="1" name=""/>
+        <p:cNvGrpSpPr/>
+        <p:nvPr/>
+      </p:nvGrpSpPr>
+      <p:grpSpPr>
+        <a:xfrm>
+          <a:off x="0" y="0"/>
+          <a:ext cx="0" cy="0"/>
+          <a:chOff x="0" y="0"/>
+          <a:chExt cx="0" cy="0"/>
+        </a:xfrm>
+      </p:grpSpPr>
+      <p:sp>
+        <p:nvSpPr>
+          <p:cNvPr id="2" name="Title 1">
+            <a:extLst>
+              <a:ext uri="{FF2B5EF4-FFF2-40B4-BE49-F238E27FC236}">
+                <a16:creationId xmlns:a16="http://schemas.microsoft.com/office/drawing/2014/main" id="{5D030A76-B788-B363-104E-266B7C7F7208}"/>
+              </a:ext>
+            </a:extLst>
+          </p:cNvPr>
+          <p:cNvSpPr>
+            <a:spLocks noGrp="1"/>
+          </p:cNvSpPr>
+          <p:nvPr>
+            <p:ph type="title"/>
+          </p:nvPr>
+        </p:nvSpPr>
+        <p:spPr>
+          <a:xfrm>
+            <a:off x="628650" y="273844"/>
+            <a:ext cx="7886700" cy="994172"/>
+          </a:xfrm>
+          <a:noFill/>
+        </p:spPr>
+        <p:txBody>
+          <a:bodyPr anchor="ctr"/>
+          <a:lstStyle/>
+          <a:p>
+            <a:r>
+              <a:rPr lang="en-US" dirty="0"/>
+              <a:t>Code Generation</a:t>
+            </a:r>
+          </a:p>
+        </p:txBody>
+      </p:sp>
+      <p:sp>
+        <p:nvSpPr>
           <p:cNvPr id="6" name="Content Placeholder 2">
             <a:extLst>
               <a:ext uri="{FF2B5EF4-FFF2-40B4-BE49-F238E27FC236}">
@@ -34423,7 +35045,7 @@
 </p:sld>
 </file>
 
-<file path=ppt/slides/slide42.xml><?xml version="1.0" encoding="utf-8"?>
+<file path=ppt/slides/slide44.xml><?xml version="1.0" encoding="utf-8"?>
 <p:sld xmlns:a="http://schemas.openxmlformats.org/drawingml/2006/main" xmlns:r="http://schemas.openxmlformats.org/officeDocument/2006/relationships" xmlns:p="http://schemas.openxmlformats.org/presentationml/2006/main">
   <p:cSld>
     <p:spTree>
@@ -34653,602 +35275,6 @@
 </p:sld>
 </file>
 
-<file path=ppt/slides/slide43.xml><?xml version="1.0" encoding="utf-8"?>
-<p:sld xmlns:a="http://schemas.openxmlformats.org/drawingml/2006/main" xmlns:r="http://schemas.openxmlformats.org/officeDocument/2006/relationships" xmlns:p="http://schemas.openxmlformats.org/presentationml/2006/main">
-  <p:cSld>
-    <p:spTree>
-      <p:nvGrpSpPr>
-        <p:cNvPr id="1" name=""/>
-        <p:cNvGrpSpPr/>
-        <p:nvPr/>
-      </p:nvGrpSpPr>
-      <p:grpSpPr>
-        <a:xfrm>
-          <a:off x="0" y="0"/>
-          <a:ext cx="0" cy="0"/>
-          <a:chOff x="0" y="0"/>
-          <a:chExt cx="0" cy="0"/>
-        </a:xfrm>
-      </p:grpSpPr>
-      <p:sp>
-        <p:nvSpPr>
-          <p:cNvPr id="2" name="Title 1">
-            <a:extLst>
-              <a:ext uri="{FF2B5EF4-FFF2-40B4-BE49-F238E27FC236}">
-                <a16:creationId xmlns:a16="http://schemas.microsoft.com/office/drawing/2014/main" id="{47A9874B-BCA9-8420-1595-EDD1865A099A}"/>
-              </a:ext>
-            </a:extLst>
-          </p:cNvPr>
-          <p:cNvSpPr>
-            <a:spLocks noGrp="1"/>
-          </p:cNvSpPr>
-          <p:nvPr>
-            <p:ph type="title"/>
-          </p:nvPr>
-        </p:nvSpPr>
-        <p:spPr>
-          <a:xfrm>
-            <a:off x="628650" y="273844"/>
-            <a:ext cx="7886700" cy="994172"/>
-          </a:xfrm>
-          <a:noFill/>
-        </p:spPr>
-        <p:txBody>
-          <a:bodyPr anchor="ctr"/>
-          <a:lstStyle/>
-          <a:p>
-            <a:r>
-              <a:rPr lang="en-US" dirty="0"/>
-              <a:t>Medical Diagnosis</a:t>
-            </a:r>
-          </a:p>
-        </p:txBody>
-      </p:sp>
-      <p:sp>
-        <p:nvSpPr>
-          <p:cNvPr id="3" name="Content Placeholder 2">
-            <a:extLst>
-              <a:ext uri="{FF2B5EF4-FFF2-40B4-BE49-F238E27FC236}">
-                <a16:creationId xmlns:a16="http://schemas.microsoft.com/office/drawing/2014/main" id="{68A5FD2B-E3E5-1C2B-0151-21F216B14A33}"/>
-              </a:ext>
-            </a:extLst>
-          </p:cNvPr>
-          <p:cNvSpPr>
-            <a:spLocks noGrp="1"/>
-          </p:cNvSpPr>
-          <p:nvPr>
-            <p:ph sz="half" idx="1"/>
-          </p:nvPr>
-        </p:nvSpPr>
-        <p:spPr>
-          <a:xfrm>
-            <a:off x="628651" y="1369219"/>
-            <a:ext cx="3771899" cy="3223260"/>
-          </a:xfrm>
-          <a:noFill/>
-        </p:spPr>
-        <p:txBody>
-          <a:bodyPr>
-            <a:normAutofit/>
-          </a:bodyPr>
-          <a:lstStyle/>
-          <a:p>
-            <a:pPr lvl="1"/>
-            <a:r>
-              <a:rPr lang="en-US" sz="2000" dirty="0"/>
-              <a:t>Symptom analysis</a:t>
-            </a:r>
-          </a:p>
-          <a:p>
-            <a:pPr lvl="1"/>
-            <a:r>
-              <a:rPr lang="en-US" sz="2000" dirty="0"/>
-              <a:t>Disease identification</a:t>
-            </a:r>
-          </a:p>
-          <a:p>
-            <a:pPr lvl="1"/>
-            <a:r>
-              <a:rPr lang="en-US" sz="2000" dirty="0"/>
-              <a:t>Treatment recommendations</a:t>
-            </a:r>
-          </a:p>
-          <a:p>
-            <a:pPr lvl="1"/>
-            <a:r>
-              <a:rPr lang="en-US" sz="2000" dirty="0"/>
-              <a:t>Medical literature analysis</a:t>
-            </a:r>
-          </a:p>
-          <a:p>
-            <a:pPr lvl="1"/>
-            <a:r>
-              <a:rPr lang="en-US" sz="2000" dirty="0"/>
-              <a:t>Medical question answering</a:t>
-            </a:r>
-          </a:p>
-          <a:p>
-            <a:pPr lvl="1"/>
-            <a:r>
-              <a:rPr lang="en-US" sz="2000" dirty="0"/>
-              <a:t>Medical imaging analysis</a:t>
-            </a:r>
-          </a:p>
-        </p:txBody>
-      </p:sp>
-      <p:sp>
-        <p:nvSpPr>
-          <p:cNvPr id="10" name="Content Placeholder 2">
-            <a:extLst>
-              <a:ext uri="{FF2B5EF4-FFF2-40B4-BE49-F238E27FC236}">
-                <a16:creationId xmlns:a16="http://schemas.microsoft.com/office/drawing/2014/main" id="{A6A33159-D030-2F82-A142-F75940728319}"/>
-              </a:ext>
-            </a:extLst>
-          </p:cNvPr>
-          <p:cNvSpPr>
-            <a:spLocks noGrp="1"/>
-          </p:cNvSpPr>
-          <p:nvPr>
-            <p:ph sz="quarter" idx="4294967295"/>
-          </p:nvPr>
-        </p:nvSpPr>
-        <p:spPr>
-          <a:xfrm>
-            <a:off x="4714875" y="1378574"/>
-            <a:ext cx="3638550" cy="3213667"/>
-          </a:xfrm>
-          <a:prstGeom prst="rect">
-            <a:avLst/>
-          </a:prstGeom>
-          <a:noFill/>
-        </p:spPr>
-        <p:txBody>
-          <a:bodyPr vert="horz" lIns="68580" tIns="34290" rIns="68580" bIns="34290" rtlCol="0" anchor="t">
-            <a:normAutofit/>
-          </a:bodyPr>
-          <a:lstStyle/>
-          <a:p>
-            <a:pPr marL="171450" lvl="1">
-              <a:spcBef>
-                <a:spcPts val="750"/>
-              </a:spcBef>
-              <a:spcAft>
-                <a:spcPts val="600"/>
-              </a:spcAft>
-              <a:buClr>
-                <a:schemeClr val="accent2"/>
-              </a:buClr>
-            </a:pPr>
-            <a:r>
-              <a:rPr lang="en-US" sz="2000" dirty="0"/>
-              <a:t>Google Med–</a:t>
-            </a:r>
-            <a:r>
-              <a:rPr lang="en-US" sz="2000" dirty="0" err="1"/>
-              <a:t>PaLM</a:t>
-            </a:r>
-            <a:r>
-              <a:rPr lang="en-US" sz="2000" dirty="0"/>
-              <a:t> 2</a:t>
-            </a:r>
-          </a:p>
-          <a:p>
-            <a:pPr marL="514350" lvl="2">
-              <a:spcBef>
-                <a:spcPts val="750"/>
-              </a:spcBef>
-              <a:spcAft>
-                <a:spcPts val="600"/>
-              </a:spcAft>
-              <a:buClr>
-                <a:schemeClr val="accent2"/>
-              </a:buClr>
-            </a:pPr>
-            <a:r>
-              <a:rPr lang="en-US" sz="1700" dirty="0"/>
-              <a:t>Medical question answering</a:t>
-            </a:r>
-          </a:p>
-          <a:p>
-            <a:pPr marL="171450" lvl="1">
-              <a:spcBef>
-                <a:spcPts val="750"/>
-              </a:spcBef>
-              <a:spcAft>
-                <a:spcPts val="600"/>
-              </a:spcAft>
-              <a:buClr>
-                <a:schemeClr val="accent2"/>
-              </a:buClr>
-            </a:pPr>
-            <a:r>
-              <a:rPr lang="en-US" sz="2000" dirty="0"/>
-              <a:t>Google Med-Gemini</a:t>
-            </a:r>
-          </a:p>
-          <a:p>
-            <a:pPr marL="514350" lvl="2">
-              <a:spcBef>
-                <a:spcPts val="750"/>
-              </a:spcBef>
-              <a:spcAft>
-                <a:spcPts val="600"/>
-              </a:spcAft>
-              <a:buClr>
-                <a:schemeClr val="accent2"/>
-              </a:buClr>
-            </a:pPr>
-            <a:r>
-              <a:rPr lang="en-US" sz="1700" dirty="0"/>
-              <a:t>Medical question answering</a:t>
-            </a:r>
-          </a:p>
-          <a:p>
-            <a:pPr marL="171450" lvl="1">
-              <a:spcBef>
-                <a:spcPts val="750"/>
-              </a:spcBef>
-              <a:spcAft>
-                <a:spcPts val="600"/>
-              </a:spcAft>
-              <a:buClr>
-                <a:schemeClr val="accent2"/>
-              </a:buClr>
-            </a:pPr>
-            <a:r>
-              <a:rPr lang="en-IN" sz="2000" dirty="0" err="1"/>
-              <a:t>BiomedGPT</a:t>
-            </a:r>
-            <a:endParaRPr lang="en-IN" sz="2000" dirty="0"/>
-          </a:p>
-          <a:p>
-            <a:pPr marL="514350" lvl="2">
-              <a:spcBef>
-                <a:spcPts val="750"/>
-              </a:spcBef>
-              <a:spcAft>
-                <a:spcPts val="600"/>
-              </a:spcAft>
-              <a:buClr>
-                <a:schemeClr val="accent2"/>
-              </a:buClr>
-            </a:pPr>
-            <a:r>
-              <a:rPr lang="en-IN" sz="1700" dirty="0"/>
-              <a:t>Vision language model</a:t>
-            </a:r>
-          </a:p>
-          <a:p>
-            <a:pPr marL="514350" lvl="2">
-              <a:spcBef>
-                <a:spcPts val="750"/>
-              </a:spcBef>
-              <a:spcAft>
-                <a:spcPts val="600"/>
-              </a:spcAft>
-              <a:buClr>
-                <a:schemeClr val="accent2"/>
-              </a:buClr>
-            </a:pPr>
-            <a:r>
-              <a:rPr lang="en-IN" sz="1700" dirty="0"/>
-              <a:t>Visual question answering</a:t>
-            </a:r>
-          </a:p>
-          <a:p>
-            <a:pPr marL="171450" lvl="1">
-              <a:spcBef>
-                <a:spcPts val="750"/>
-              </a:spcBef>
-              <a:spcAft>
-                <a:spcPts val="600"/>
-              </a:spcAft>
-              <a:buClr>
-                <a:schemeClr val="accent2"/>
-              </a:buClr>
-            </a:pPr>
-            <a:endParaRPr lang="en-US" sz="1700" dirty="0"/>
-          </a:p>
-        </p:txBody>
-      </p:sp>
-    </p:spTree>
-    <p:extLst>
-      <p:ext uri="{BB962C8B-B14F-4D97-AF65-F5344CB8AC3E}">
-        <p14:creationId xmlns:p14="http://schemas.microsoft.com/office/powerpoint/2010/main" val="1127649784"/>
-      </p:ext>
-    </p:extLst>
-  </p:cSld>
-  <p:clrMapOvr>
-    <a:masterClrMapping/>
-  </p:clrMapOvr>
-</p:sld>
-</file>
-
-<file path=ppt/slides/slide44.xml><?xml version="1.0" encoding="utf-8"?>
-<p:sld xmlns:a="http://schemas.openxmlformats.org/drawingml/2006/main" xmlns:r="http://schemas.openxmlformats.org/officeDocument/2006/relationships" xmlns:p="http://schemas.openxmlformats.org/presentationml/2006/main">
-  <p:cSld>
-    <p:spTree>
-      <p:nvGrpSpPr>
-        <p:cNvPr id="1" name=""/>
-        <p:cNvGrpSpPr/>
-        <p:nvPr/>
-      </p:nvGrpSpPr>
-      <p:grpSpPr>
-        <a:xfrm>
-          <a:off x="0" y="0"/>
-          <a:ext cx="0" cy="0"/>
-          <a:chOff x="0" y="0"/>
-          <a:chExt cx="0" cy="0"/>
-        </a:xfrm>
-      </p:grpSpPr>
-      <p:sp>
-        <p:nvSpPr>
-          <p:cNvPr id="2" name="Title 1">
-            <a:extLst>
-              <a:ext uri="{FF2B5EF4-FFF2-40B4-BE49-F238E27FC236}">
-                <a16:creationId xmlns:a16="http://schemas.microsoft.com/office/drawing/2014/main" id="{47A9874B-BCA9-8420-1595-EDD1865A099A}"/>
-              </a:ext>
-            </a:extLst>
-          </p:cNvPr>
-          <p:cNvSpPr>
-            <a:spLocks noGrp="1"/>
-          </p:cNvSpPr>
-          <p:nvPr>
-            <p:ph type="title"/>
-          </p:nvPr>
-        </p:nvSpPr>
-        <p:spPr>
-          <a:xfrm>
-            <a:off x="628650" y="273844"/>
-            <a:ext cx="7886700" cy="994172"/>
-          </a:xfrm>
-          <a:noFill/>
-        </p:spPr>
-        <p:txBody>
-          <a:bodyPr anchor="ctr"/>
-          <a:lstStyle/>
-          <a:p>
-            <a:r>
-              <a:rPr lang="en-US" dirty="0"/>
-              <a:t>Creative Writing</a:t>
-            </a:r>
-          </a:p>
-        </p:txBody>
-      </p:sp>
-      <p:sp>
-        <p:nvSpPr>
-          <p:cNvPr id="3" name="Content Placeholder 2">
-            <a:extLst>
-              <a:ext uri="{FF2B5EF4-FFF2-40B4-BE49-F238E27FC236}">
-                <a16:creationId xmlns:a16="http://schemas.microsoft.com/office/drawing/2014/main" id="{68A5FD2B-E3E5-1C2B-0151-21F216B14A33}"/>
-              </a:ext>
-            </a:extLst>
-          </p:cNvPr>
-          <p:cNvSpPr>
-            <a:spLocks noGrp="1"/>
-          </p:cNvSpPr>
-          <p:nvPr>
-            <p:ph sz="half" idx="1"/>
-          </p:nvPr>
-        </p:nvSpPr>
-        <p:spPr>
-          <a:xfrm>
-            <a:off x="628651" y="1369219"/>
-            <a:ext cx="3686372" cy="3223260"/>
-          </a:xfrm>
-          <a:noFill/>
-        </p:spPr>
-        <p:txBody>
-          <a:bodyPr>
-            <a:normAutofit/>
-          </a:bodyPr>
-          <a:lstStyle/>
-          <a:p>
-            <a:pPr algn="just"/>
-            <a:r>
-              <a:rPr lang="en-IN" b="1" dirty="0">
-                <a:solidFill>
-                  <a:schemeClr val="accent5">
-                    <a:lumMod val="50000"/>
-                  </a:schemeClr>
-                </a:solidFill>
-              </a:rPr>
-              <a:t>Write a story on atom for first standard student.</a:t>
-            </a:r>
-            <a:r>
-              <a:rPr lang="en-IN" dirty="0">
-                <a:solidFill>
-                  <a:schemeClr val="accent5">
-                    <a:lumMod val="50000"/>
-                  </a:schemeClr>
-                </a:solidFill>
-              </a:rPr>
-              <a:t> </a:t>
-            </a:r>
-          </a:p>
-          <a:p>
-            <a:pPr algn="just"/>
-            <a:endParaRPr lang="en-US" sz="1800" dirty="0">
-              <a:solidFill>
-                <a:schemeClr val="accent5">
-                  <a:lumMod val="50000"/>
-                </a:schemeClr>
-              </a:solidFill>
-            </a:endParaRPr>
-          </a:p>
-        </p:txBody>
-      </p:sp>
-      <p:sp>
-        <p:nvSpPr>
-          <p:cNvPr id="4" name="Content Placeholder 3">
-            <a:extLst>
-              <a:ext uri="{FF2B5EF4-FFF2-40B4-BE49-F238E27FC236}">
-                <a16:creationId xmlns:a16="http://schemas.microsoft.com/office/drawing/2014/main" id="{ACFBB810-3430-2C29-1AA0-9744AA0A1AA3}"/>
-              </a:ext>
-            </a:extLst>
-          </p:cNvPr>
-          <p:cNvSpPr>
-            <a:spLocks noGrp="1"/>
-          </p:cNvSpPr>
-          <p:nvPr>
-            <p:ph sz="half" idx="15"/>
-          </p:nvPr>
-        </p:nvSpPr>
-        <p:spPr>
-          <a:xfrm>
-            <a:off x="4610922" y="1362687"/>
-            <a:ext cx="3909060" cy="3223260"/>
-          </a:xfrm>
-          <a:noFill/>
-        </p:spPr>
-        <p:txBody>
-          <a:bodyPr>
-            <a:normAutofit fontScale="92500" lnSpcReduction="20000"/>
-          </a:bodyPr>
-          <a:lstStyle/>
-          <a:p>
-            <a:pPr algn="just"/>
-            <a:r>
-              <a:rPr lang="en-IN" sz="1600" dirty="0">
-                <a:solidFill>
-                  <a:schemeClr val="accent4">
-                    <a:lumMod val="50000"/>
-                  </a:schemeClr>
-                </a:solidFill>
-              </a:rPr>
-              <a:t>The Adventures of Atom</a:t>
-            </a:r>
-          </a:p>
-          <a:p>
-            <a:pPr algn="just"/>
-            <a:r>
-              <a:rPr lang="en-IN" sz="1600" dirty="0">
-                <a:solidFill>
-                  <a:schemeClr val="accent4">
-                    <a:lumMod val="50000"/>
-                  </a:schemeClr>
-                </a:solidFill>
-              </a:rPr>
-              <a:t>Once upon a time, in a tiny world, there was a tiny creature named Atom. Atom was so small that you needed a special tool to see him.</a:t>
-            </a:r>
-          </a:p>
-          <a:p>
-            <a:pPr algn="just"/>
-            <a:r>
-              <a:rPr lang="en-IN" sz="1600" dirty="0">
-                <a:solidFill>
-                  <a:schemeClr val="accent4">
-                    <a:lumMod val="50000"/>
-                  </a:schemeClr>
-                </a:solidFill>
-              </a:rPr>
-              <a:t>... </a:t>
-            </a:r>
-          </a:p>
-          <a:p>
-            <a:pPr algn="just"/>
-            <a:r>
-              <a:rPr lang="en-IN" sz="1600" dirty="0">
-                <a:solidFill>
-                  <a:schemeClr val="accent4">
-                    <a:lumMod val="50000"/>
-                  </a:schemeClr>
-                </a:solidFill>
-              </a:rPr>
-              <a:t>One day, Atom decided to go on an adventure. He packed a small bag and said goodbye to his family.</a:t>
-            </a:r>
-          </a:p>
-          <a:p>
-            <a:pPr algn="just"/>
-            <a:r>
-              <a:rPr lang="en-IN" sz="1600" dirty="0">
-                <a:solidFill>
-                  <a:schemeClr val="accent4">
-                    <a:lumMod val="50000"/>
-                  </a:schemeClr>
-                </a:solidFill>
-              </a:rPr>
-              <a:t>... </a:t>
-            </a:r>
-          </a:p>
-          <a:p>
-            <a:pPr algn="just"/>
-            <a:r>
-              <a:rPr lang="en-IN" sz="1600" dirty="0">
-                <a:solidFill>
-                  <a:schemeClr val="accent4">
-                    <a:lumMod val="50000"/>
-                  </a:schemeClr>
-                </a:solidFill>
-              </a:rPr>
-              <a:t>The End</a:t>
-            </a:r>
-          </a:p>
-          <a:p>
-            <a:pPr algn="just"/>
-            <a:r>
-              <a:rPr lang="en-IN" sz="1600" dirty="0">
-                <a:solidFill>
-                  <a:schemeClr val="accent4">
-                    <a:lumMod val="50000"/>
-                  </a:schemeClr>
-                </a:solidFill>
-              </a:rPr>
-              <a:t>This story is designed to be simple and easy to understand for a first standard student. </a:t>
-            </a:r>
-            <a:endParaRPr lang="en-US" sz="1800" dirty="0"/>
-          </a:p>
-        </p:txBody>
-      </p:sp>
-      <p:sp>
-        <p:nvSpPr>
-          <p:cNvPr id="6" name="TextBox 5"/>
-          <p:cNvSpPr txBox="1"/>
-          <p:nvPr/>
-        </p:nvSpPr>
-        <p:spPr>
-          <a:xfrm>
-            <a:off x="1733550" y="4714875"/>
-            <a:ext cx="5761969" cy="307777"/>
-          </a:xfrm>
-          <a:prstGeom prst="rect">
-            <a:avLst/>
-          </a:prstGeom>
-          <a:noFill/>
-        </p:spPr>
-        <p:txBody>
-          <a:bodyPr wrap="square" rtlCol="0">
-            <a:spAutoFit/>
-          </a:bodyPr>
-          <a:lstStyle/>
-          <a:p>
-            <a:pPr algn="r"/>
-            <a:r>
-              <a:rPr lang="en-IN" b="1" dirty="0">
-                <a:solidFill>
-                  <a:schemeClr val="accent2">
-                    <a:lumMod val="50000"/>
-                  </a:schemeClr>
-                </a:solidFill>
-              </a:rPr>
-              <a:t>*Meta-Llama-3.1-8B-Instruct</a:t>
-            </a:r>
-          </a:p>
-        </p:txBody>
-      </p:sp>
-    </p:spTree>
-    <p:extLst>
-      <p:ext uri="{BB962C8B-B14F-4D97-AF65-F5344CB8AC3E}">
-        <p14:creationId xmlns:p14="http://schemas.microsoft.com/office/powerpoint/2010/main" val="1127649784"/>
-      </p:ext>
-    </p:extLst>
-  </p:cSld>
-  <p:clrMapOvr>
-    <a:masterClrMapping/>
-  </p:clrMapOvr>
-</p:sld>
-</file>
-
 <file path=ppt/slides/slide45.xml><?xml version="1.0" encoding="utf-8"?>
 <p:sld xmlns:a="http://schemas.openxmlformats.org/drawingml/2006/main" xmlns:r="http://schemas.openxmlformats.org/officeDocument/2006/relationships" xmlns:p="http://schemas.openxmlformats.org/presentationml/2006/main">
   <p:cSld>
@@ -35295,7 +35321,318 @@
           <a:p>
             <a:r>
               <a:rPr lang="en-US" dirty="0"/>
-              <a:t>Education</a:t>
+              <a:t>Medical Diagnosis</a:t>
+            </a:r>
+          </a:p>
+        </p:txBody>
+      </p:sp>
+      <p:sp>
+        <p:nvSpPr>
+          <p:cNvPr id="3" name="Content Placeholder 2">
+            <a:extLst>
+              <a:ext uri="{FF2B5EF4-FFF2-40B4-BE49-F238E27FC236}">
+                <a16:creationId xmlns:a16="http://schemas.microsoft.com/office/drawing/2014/main" id="{68A5FD2B-E3E5-1C2B-0151-21F216B14A33}"/>
+              </a:ext>
+            </a:extLst>
+          </p:cNvPr>
+          <p:cNvSpPr>
+            <a:spLocks noGrp="1"/>
+          </p:cNvSpPr>
+          <p:nvPr>
+            <p:ph sz="half" idx="1"/>
+          </p:nvPr>
+        </p:nvSpPr>
+        <p:spPr>
+          <a:xfrm>
+            <a:off x="628651" y="1369219"/>
+            <a:ext cx="3771899" cy="3223260"/>
+          </a:xfrm>
+          <a:noFill/>
+        </p:spPr>
+        <p:txBody>
+          <a:bodyPr>
+            <a:normAutofit/>
+          </a:bodyPr>
+          <a:lstStyle/>
+          <a:p>
+            <a:pPr lvl="1"/>
+            <a:r>
+              <a:rPr lang="en-US" sz="2000" dirty="0"/>
+              <a:t>Symptom analysis</a:t>
+            </a:r>
+          </a:p>
+          <a:p>
+            <a:pPr lvl="1"/>
+            <a:r>
+              <a:rPr lang="en-US" sz="2000" dirty="0"/>
+              <a:t>Disease identification</a:t>
+            </a:r>
+          </a:p>
+          <a:p>
+            <a:pPr lvl="1"/>
+            <a:r>
+              <a:rPr lang="en-US" sz="2000" dirty="0"/>
+              <a:t>Treatment recommendations</a:t>
+            </a:r>
+          </a:p>
+          <a:p>
+            <a:pPr lvl="1"/>
+            <a:r>
+              <a:rPr lang="en-US" sz="2000" dirty="0"/>
+              <a:t>Medical literature analysis</a:t>
+            </a:r>
+          </a:p>
+          <a:p>
+            <a:pPr lvl="1"/>
+            <a:r>
+              <a:rPr lang="en-US" sz="2000" dirty="0"/>
+              <a:t>Medical question answering</a:t>
+            </a:r>
+          </a:p>
+          <a:p>
+            <a:pPr lvl="1"/>
+            <a:r>
+              <a:rPr lang="en-US" sz="2000" dirty="0"/>
+              <a:t>Medical imaging analysis</a:t>
+            </a:r>
+          </a:p>
+        </p:txBody>
+      </p:sp>
+      <p:sp>
+        <p:nvSpPr>
+          <p:cNvPr id="10" name="Content Placeholder 2">
+            <a:extLst>
+              <a:ext uri="{FF2B5EF4-FFF2-40B4-BE49-F238E27FC236}">
+                <a16:creationId xmlns:a16="http://schemas.microsoft.com/office/drawing/2014/main" id="{A6A33159-D030-2F82-A142-F75940728319}"/>
+              </a:ext>
+            </a:extLst>
+          </p:cNvPr>
+          <p:cNvSpPr>
+            <a:spLocks noGrp="1"/>
+          </p:cNvSpPr>
+          <p:nvPr>
+            <p:ph sz="quarter" idx="4294967295"/>
+          </p:nvPr>
+        </p:nvSpPr>
+        <p:spPr>
+          <a:xfrm>
+            <a:off x="4714875" y="1378574"/>
+            <a:ext cx="3638550" cy="3213667"/>
+          </a:xfrm>
+          <a:prstGeom prst="rect">
+            <a:avLst/>
+          </a:prstGeom>
+          <a:noFill/>
+        </p:spPr>
+        <p:txBody>
+          <a:bodyPr vert="horz" lIns="68580" tIns="34290" rIns="68580" bIns="34290" rtlCol="0" anchor="t">
+            <a:normAutofit/>
+          </a:bodyPr>
+          <a:lstStyle/>
+          <a:p>
+            <a:pPr marL="171450" lvl="1">
+              <a:spcBef>
+                <a:spcPts val="750"/>
+              </a:spcBef>
+              <a:spcAft>
+                <a:spcPts val="600"/>
+              </a:spcAft>
+              <a:buClr>
+                <a:schemeClr val="accent2"/>
+              </a:buClr>
+            </a:pPr>
+            <a:r>
+              <a:rPr lang="en-US" sz="2000" dirty="0"/>
+              <a:t>Google Med–</a:t>
+            </a:r>
+            <a:r>
+              <a:rPr lang="en-US" sz="2000" dirty="0" err="1"/>
+              <a:t>PaLM</a:t>
+            </a:r>
+            <a:r>
+              <a:rPr lang="en-US" sz="2000" dirty="0"/>
+              <a:t> 2</a:t>
+            </a:r>
+          </a:p>
+          <a:p>
+            <a:pPr marL="514350" lvl="2">
+              <a:spcBef>
+                <a:spcPts val="750"/>
+              </a:spcBef>
+              <a:spcAft>
+                <a:spcPts val="600"/>
+              </a:spcAft>
+              <a:buClr>
+                <a:schemeClr val="accent2"/>
+              </a:buClr>
+            </a:pPr>
+            <a:r>
+              <a:rPr lang="en-US" sz="1700" dirty="0"/>
+              <a:t>Medical question answering</a:t>
+            </a:r>
+          </a:p>
+          <a:p>
+            <a:pPr marL="171450" lvl="1">
+              <a:spcBef>
+                <a:spcPts val="750"/>
+              </a:spcBef>
+              <a:spcAft>
+                <a:spcPts val="600"/>
+              </a:spcAft>
+              <a:buClr>
+                <a:schemeClr val="accent2"/>
+              </a:buClr>
+            </a:pPr>
+            <a:r>
+              <a:rPr lang="en-US" sz="2000" dirty="0"/>
+              <a:t>Google Med-Gemini</a:t>
+            </a:r>
+          </a:p>
+          <a:p>
+            <a:pPr marL="514350" lvl="2">
+              <a:spcBef>
+                <a:spcPts val="750"/>
+              </a:spcBef>
+              <a:spcAft>
+                <a:spcPts val="600"/>
+              </a:spcAft>
+              <a:buClr>
+                <a:schemeClr val="accent2"/>
+              </a:buClr>
+            </a:pPr>
+            <a:r>
+              <a:rPr lang="en-US" sz="1700" dirty="0"/>
+              <a:t>Medical question answering</a:t>
+            </a:r>
+          </a:p>
+          <a:p>
+            <a:pPr marL="171450" lvl="1">
+              <a:spcBef>
+                <a:spcPts val="750"/>
+              </a:spcBef>
+              <a:spcAft>
+                <a:spcPts val="600"/>
+              </a:spcAft>
+              <a:buClr>
+                <a:schemeClr val="accent2"/>
+              </a:buClr>
+            </a:pPr>
+            <a:r>
+              <a:rPr lang="en-IN" sz="2000" dirty="0" err="1"/>
+              <a:t>BiomedGPT</a:t>
+            </a:r>
+            <a:endParaRPr lang="en-IN" sz="2000" dirty="0"/>
+          </a:p>
+          <a:p>
+            <a:pPr marL="514350" lvl="2">
+              <a:spcBef>
+                <a:spcPts val="750"/>
+              </a:spcBef>
+              <a:spcAft>
+                <a:spcPts val="600"/>
+              </a:spcAft>
+              <a:buClr>
+                <a:schemeClr val="accent2"/>
+              </a:buClr>
+            </a:pPr>
+            <a:r>
+              <a:rPr lang="en-IN" sz="1700" dirty="0"/>
+              <a:t>Vision language model</a:t>
+            </a:r>
+          </a:p>
+          <a:p>
+            <a:pPr marL="514350" lvl="2">
+              <a:spcBef>
+                <a:spcPts val="750"/>
+              </a:spcBef>
+              <a:spcAft>
+                <a:spcPts val="600"/>
+              </a:spcAft>
+              <a:buClr>
+                <a:schemeClr val="accent2"/>
+              </a:buClr>
+            </a:pPr>
+            <a:r>
+              <a:rPr lang="en-IN" sz="1700" dirty="0"/>
+              <a:t>Visual question answering</a:t>
+            </a:r>
+          </a:p>
+          <a:p>
+            <a:pPr marL="171450" lvl="1">
+              <a:spcBef>
+                <a:spcPts val="750"/>
+              </a:spcBef>
+              <a:spcAft>
+                <a:spcPts val="600"/>
+              </a:spcAft>
+              <a:buClr>
+                <a:schemeClr val="accent2"/>
+              </a:buClr>
+            </a:pPr>
+            <a:endParaRPr lang="en-US" sz="1700" dirty="0"/>
+          </a:p>
+        </p:txBody>
+      </p:sp>
+    </p:spTree>
+    <p:extLst>
+      <p:ext uri="{BB962C8B-B14F-4D97-AF65-F5344CB8AC3E}">
+        <p14:creationId xmlns:p14="http://schemas.microsoft.com/office/powerpoint/2010/main" val="1127649784"/>
+      </p:ext>
+    </p:extLst>
+  </p:cSld>
+  <p:clrMapOvr>
+    <a:masterClrMapping/>
+  </p:clrMapOvr>
+</p:sld>
+</file>
+
+<file path=ppt/slides/slide46.xml><?xml version="1.0" encoding="utf-8"?>
+<p:sld xmlns:a="http://schemas.openxmlformats.org/drawingml/2006/main" xmlns:r="http://schemas.openxmlformats.org/officeDocument/2006/relationships" xmlns:p="http://schemas.openxmlformats.org/presentationml/2006/main">
+  <p:cSld>
+    <p:spTree>
+      <p:nvGrpSpPr>
+        <p:cNvPr id="1" name=""/>
+        <p:cNvGrpSpPr/>
+        <p:nvPr/>
+      </p:nvGrpSpPr>
+      <p:grpSpPr>
+        <a:xfrm>
+          <a:off x="0" y="0"/>
+          <a:ext cx="0" cy="0"/>
+          <a:chOff x="0" y="0"/>
+          <a:chExt cx="0" cy="0"/>
+        </a:xfrm>
+      </p:grpSpPr>
+      <p:sp>
+        <p:nvSpPr>
+          <p:cNvPr id="2" name="Title 1">
+            <a:extLst>
+              <a:ext uri="{FF2B5EF4-FFF2-40B4-BE49-F238E27FC236}">
+                <a16:creationId xmlns:a16="http://schemas.microsoft.com/office/drawing/2014/main" id="{47A9874B-BCA9-8420-1595-EDD1865A099A}"/>
+              </a:ext>
+            </a:extLst>
+          </p:cNvPr>
+          <p:cNvSpPr>
+            <a:spLocks noGrp="1"/>
+          </p:cNvSpPr>
+          <p:nvPr>
+            <p:ph type="title"/>
+          </p:nvPr>
+        </p:nvSpPr>
+        <p:spPr>
+          <a:xfrm>
+            <a:off x="628650" y="273844"/>
+            <a:ext cx="7886700" cy="994172"/>
+          </a:xfrm>
+          <a:noFill/>
+        </p:spPr>
+        <p:txBody>
+          <a:bodyPr anchor="ctr"/>
+          <a:lstStyle/>
+          <a:p>
+            <a:r>
+              <a:rPr lang="en-US" dirty="0"/>
+              <a:t>Creative Writing</a:t>
             </a:r>
           </a:p>
         </p:txBody>
@@ -35331,14 +35668,24 @@
           <a:p>
             <a:pPr algn="just"/>
             <a:r>
-              <a:rPr lang="en-IN" sz="1800" dirty="0">
+              <a:rPr lang="en-IN" b="1" dirty="0">
                 <a:solidFill>
                   <a:schemeClr val="accent5">
                     <a:lumMod val="50000"/>
                   </a:schemeClr>
                 </a:solidFill>
               </a:rPr>
-              <a:t>In six sentences, explain proton, neutron and electron to first standard student.</a:t>
+              <a:t>Write a story on atom for first standard student.</a:t>
+            </a:r>
+            <a:r>
+              <a:rPr lang="en-IN" dirty="0">
+                <a:solidFill>
+                  <a:schemeClr val="accent5">
+                    <a:lumMod val="50000"/>
+                  </a:schemeClr>
+                </a:solidFill>
+              </a:rPr>
+              <a:t> </a:t>
             </a:r>
           </a:p>
           <a:p>
@@ -35391,7 +35738,7 @@
                   </a:schemeClr>
                 </a:solidFill>
               </a:rPr>
-              <a:t>Here's an explanation of protons, neutrons, and electrons that a first standard student can understand:</a:t>
+              <a:t>The Adventures of Atom</a:t>
             </a:r>
           </a:p>
           <a:p>
@@ -35404,7 +35751,7 @@
                   </a:schemeClr>
                 </a:solidFill>
               </a:rPr>
-              <a:t>The Tiny Building Blocks of Atoms</a:t>
+              <a:t>Once upon a time, in a tiny world, there was a tiny creature named Atom. Atom was so small that you needed a special tool to see him.</a:t>
             </a:r>
           </a:p>
           <a:p>
@@ -35417,11 +35764,60 @@
                   </a:schemeClr>
                 </a:solidFill>
               </a:rPr>
-              <a:t>You know how we're made up of tiny things called atoms? Well, atoms are made up of even smaller things called protons, neutrons, and electrons. Protons are like the strong and brave soldiers that live in the center of the atom. Neutrons are like the quiet and calm friends who live with the protons in the center. Electrons are like the fast and energetic runners who zoom around the outside of the atom. All three of them work together to make the atom strong and stable!</a:t>
+              <a:t>... </a:t>
             </a:r>
           </a:p>
           <a:p>
             <a:pPr algn="just"/>
+            <a:r>
+              <a:rPr lang="en-IN" sz="1600" dirty="0">
+                <a:solidFill>
+                  <a:schemeClr val="accent4">
+                    <a:lumMod val="50000"/>
+                  </a:schemeClr>
+                </a:solidFill>
+              </a:rPr>
+              <a:t>One day, Atom decided to go on an adventure. He packed a small bag and said goodbye to his family.</a:t>
+            </a:r>
+          </a:p>
+          <a:p>
+            <a:pPr algn="just"/>
+            <a:r>
+              <a:rPr lang="en-IN" sz="1600" dirty="0">
+                <a:solidFill>
+                  <a:schemeClr val="accent4">
+                    <a:lumMod val="50000"/>
+                  </a:schemeClr>
+                </a:solidFill>
+              </a:rPr>
+              <a:t>... </a:t>
+            </a:r>
+          </a:p>
+          <a:p>
+            <a:pPr algn="just"/>
+            <a:r>
+              <a:rPr lang="en-IN" sz="1600" dirty="0">
+                <a:solidFill>
+                  <a:schemeClr val="accent4">
+                    <a:lumMod val="50000"/>
+                  </a:schemeClr>
+                </a:solidFill>
+              </a:rPr>
+              <a:t>The End</a:t>
+            </a:r>
+          </a:p>
+          <a:p>
+            <a:pPr algn="just"/>
+            <a:r>
+              <a:rPr lang="en-IN" sz="1600" dirty="0">
+                <a:solidFill>
+                  <a:schemeClr val="accent4">
+                    <a:lumMod val="50000"/>
+                  </a:schemeClr>
+                </a:solidFill>
+              </a:rPr>
+              <a:t>This story is designed to be simple and easy to understand for a first standard student. </a:t>
+            </a:r>
             <a:endParaRPr lang="en-US" sz="1800" dirty="0"/>
           </a:p>
         </p:txBody>
@@ -35475,7 +35871,233 @@
 </p:sld>
 </file>
 
-<file path=ppt/slides/slide46.xml><?xml version="1.0" encoding="utf-8"?>
+<file path=ppt/slides/slide47.xml><?xml version="1.0" encoding="utf-8"?>
+<p:sld xmlns:a="http://schemas.openxmlformats.org/drawingml/2006/main" xmlns:r="http://schemas.openxmlformats.org/officeDocument/2006/relationships" xmlns:p="http://schemas.openxmlformats.org/presentationml/2006/main">
+  <p:cSld>
+    <p:spTree>
+      <p:nvGrpSpPr>
+        <p:cNvPr id="1" name=""/>
+        <p:cNvGrpSpPr/>
+        <p:nvPr/>
+      </p:nvGrpSpPr>
+      <p:grpSpPr>
+        <a:xfrm>
+          <a:off x="0" y="0"/>
+          <a:ext cx="0" cy="0"/>
+          <a:chOff x="0" y="0"/>
+          <a:chExt cx="0" cy="0"/>
+        </a:xfrm>
+      </p:grpSpPr>
+      <p:sp>
+        <p:nvSpPr>
+          <p:cNvPr id="2" name="Title 1">
+            <a:extLst>
+              <a:ext uri="{FF2B5EF4-FFF2-40B4-BE49-F238E27FC236}">
+                <a16:creationId xmlns:a16="http://schemas.microsoft.com/office/drawing/2014/main" id="{47A9874B-BCA9-8420-1595-EDD1865A099A}"/>
+              </a:ext>
+            </a:extLst>
+          </p:cNvPr>
+          <p:cNvSpPr>
+            <a:spLocks noGrp="1"/>
+          </p:cNvSpPr>
+          <p:nvPr>
+            <p:ph type="title"/>
+          </p:nvPr>
+        </p:nvSpPr>
+        <p:spPr>
+          <a:xfrm>
+            <a:off x="628650" y="273844"/>
+            <a:ext cx="7886700" cy="994172"/>
+          </a:xfrm>
+          <a:noFill/>
+        </p:spPr>
+        <p:txBody>
+          <a:bodyPr anchor="ctr"/>
+          <a:lstStyle/>
+          <a:p>
+            <a:r>
+              <a:rPr lang="en-US" dirty="0"/>
+              <a:t>Education</a:t>
+            </a:r>
+          </a:p>
+        </p:txBody>
+      </p:sp>
+      <p:sp>
+        <p:nvSpPr>
+          <p:cNvPr id="3" name="Content Placeholder 2">
+            <a:extLst>
+              <a:ext uri="{FF2B5EF4-FFF2-40B4-BE49-F238E27FC236}">
+                <a16:creationId xmlns:a16="http://schemas.microsoft.com/office/drawing/2014/main" id="{68A5FD2B-E3E5-1C2B-0151-21F216B14A33}"/>
+              </a:ext>
+            </a:extLst>
+          </p:cNvPr>
+          <p:cNvSpPr>
+            <a:spLocks noGrp="1"/>
+          </p:cNvSpPr>
+          <p:nvPr>
+            <p:ph sz="half" idx="1"/>
+          </p:nvPr>
+        </p:nvSpPr>
+        <p:spPr>
+          <a:xfrm>
+            <a:off x="628651" y="1369219"/>
+            <a:ext cx="3686372" cy="3223260"/>
+          </a:xfrm>
+          <a:noFill/>
+        </p:spPr>
+        <p:txBody>
+          <a:bodyPr>
+            <a:normAutofit/>
+          </a:bodyPr>
+          <a:lstStyle/>
+          <a:p>
+            <a:pPr algn="just"/>
+            <a:r>
+              <a:rPr lang="en-IN" sz="1800" dirty="0">
+                <a:solidFill>
+                  <a:schemeClr val="accent5">
+                    <a:lumMod val="50000"/>
+                  </a:schemeClr>
+                </a:solidFill>
+              </a:rPr>
+              <a:t>In six sentences, explain proton, neutron and electron to first standard student.</a:t>
+            </a:r>
+          </a:p>
+          <a:p>
+            <a:pPr algn="just"/>
+            <a:endParaRPr lang="en-US" sz="1800" dirty="0">
+              <a:solidFill>
+                <a:schemeClr val="accent5">
+                  <a:lumMod val="50000"/>
+                </a:schemeClr>
+              </a:solidFill>
+            </a:endParaRPr>
+          </a:p>
+        </p:txBody>
+      </p:sp>
+      <p:sp>
+        <p:nvSpPr>
+          <p:cNvPr id="4" name="Content Placeholder 3">
+            <a:extLst>
+              <a:ext uri="{FF2B5EF4-FFF2-40B4-BE49-F238E27FC236}">
+                <a16:creationId xmlns:a16="http://schemas.microsoft.com/office/drawing/2014/main" id="{ACFBB810-3430-2C29-1AA0-9744AA0A1AA3}"/>
+              </a:ext>
+            </a:extLst>
+          </p:cNvPr>
+          <p:cNvSpPr>
+            <a:spLocks noGrp="1"/>
+          </p:cNvSpPr>
+          <p:nvPr>
+            <p:ph sz="half" idx="15"/>
+          </p:nvPr>
+        </p:nvSpPr>
+        <p:spPr>
+          <a:xfrm>
+            <a:off x="4610922" y="1362687"/>
+            <a:ext cx="3909060" cy="3223260"/>
+          </a:xfrm>
+          <a:noFill/>
+        </p:spPr>
+        <p:txBody>
+          <a:bodyPr>
+            <a:normAutofit fontScale="92500" lnSpcReduction="20000"/>
+          </a:bodyPr>
+          <a:lstStyle/>
+          <a:p>
+            <a:pPr algn="just"/>
+            <a:r>
+              <a:rPr lang="en-IN" sz="1600" dirty="0">
+                <a:solidFill>
+                  <a:schemeClr val="accent4">
+                    <a:lumMod val="50000"/>
+                  </a:schemeClr>
+                </a:solidFill>
+              </a:rPr>
+              <a:t>Here's an explanation of protons, neutrons, and electrons that a first standard student can understand:</a:t>
+            </a:r>
+          </a:p>
+          <a:p>
+            <a:pPr algn="just"/>
+            <a:r>
+              <a:rPr lang="en-IN" sz="1600" dirty="0">
+                <a:solidFill>
+                  <a:schemeClr val="accent4">
+                    <a:lumMod val="50000"/>
+                  </a:schemeClr>
+                </a:solidFill>
+              </a:rPr>
+              <a:t>The Tiny Building Blocks of Atoms</a:t>
+            </a:r>
+          </a:p>
+          <a:p>
+            <a:pPr algn="just"/>
+            <a:r>
+              <a:rPr lang="en-IN" sz="1600" dirty="0">
+                <a:solidFill>
+                  <a:schemeClr val="accent4">
+                    <a:lumMod val="50000"/>
+                  </a:schemeClr>
+                </a:solidFill>
+              </a:rPr>
+              <a:t>You know how we're made up of tiny things called atoms? Well, atoms are made up of even smaller things called protons, neutrons, and electrons. Protons are like the strong and brave soldiers that live in the center of the atom. Neutrons are like the quiet and calm friends who live with the protons in the center. Electrons are like the fast and energetic runners who zoom around the outside of the atom. All three of them work together to make the atom strong and stable!</a:t>
+            </a:r>
+          </a:p>
+          <a:p>
+            <a:pPr algn="just"/>
+            <a:endParaRPr lang="en-US" sz="1800" dirty="0"/>
+          </a:p>
+        </p:txBody>
+      </p:sp>
+      <p:sp>
+        <p:nvSpPr>
+          <p:cNvPr id="6" name="TextBox 5"/>
+          <p:cNvSpPr txBox="1"/>
+          <p:nvPr/>
+        </p:nvSpPr>
+        <p:spPr>
+          <a:xfrm>
+            <a:off x="1733550" y="4714875"/>
+            <a:ext cx="5761969" cy="307777"/>
+          </a:xfrm>
+          <a:prstGeom prst="rect">
+            <a:avLst/>
+          </a:prstGeom>
+          <a:noFill/>
+        </p:spPr>
+        <p:txBody>
+          <a:bodyPr wrap="square" rtlCol="0">
+            <a:spAutoFit/>
+          </a:bodyPr>
+          <a:lstStyle/>
+          <a:p>
+            <a:pPr algn="r"/>
+            <a:r>
+              <a:rPr lang="en-IN" b="1" dirty="0">
+                <a:solidFill>
+                  <a:schemeClr val="accent2">
+                    <a:lumMod val="50000"/>
+                  </a:schemeClr>
+                </a:solidFill>
+              </a:rPr>
+              <a:t>*Meta-Llama-3.1-8B-Instruct</a:t>
+            </a:r>
+          </a:p>
+        </p:txBody>
+      </p:sp>
+    </p:spTree>
+    <p:extLst>
+      <p:ext uri="{BB962C8B-B14F-4D97-AF65-F5344CB8AC3E}">
+        <p14:creationId xmlns:p14="http://schemas.microsoft.com/office/powerpoint/2010/main" val="1127649784"/>
+      </p:ext>
+    </p:extLst>
+  </p:cSld>
+  <p:clrMapOvr>
+    <a:masterClrMapping/>
+  </p:clrMapOvr>
+</p:sld>
+</file>
+
+<file path=ppt/slides/slide48.xml><?xml version="1.0" encoding="utf-8"?>
 <p:sld xmlns:a="http://schemas.openxmlformats.org/drawingml/2006/main" xmlns:r="http://schemas.openxmlformats.org/officeDocument/2006/relationships" xmlns:p="http://schemas.openxmlformats.org/presentationml/2006/main">
   <p:cSld>
     <p:spTree>
@@ -36264,7 +36886,7 @@
 </p:sld>
 </file>
 
-<file path=ppt/slides/slide47.xml><?xml version="1.0" encoding="utf-8"?>
+<file path=ppt/slides/slide49.xml><?xml version="1.0" encoding="utf-8"?>
 <p:sld xmlns:a="http://schemas.openxmlformats.org/drawingml/2006/main" xmlns:r="http://schemas.openxmlformats.org/officeDocument/2006/relationships" xmlns:p="http://schemas.openxmlformats.org/presentationml/2006/main">
   <p:cSld>
     <p:spTree>
@@ -36468,151 +37090,6 @@
     <p:extLst>
       <p:ext uri="{BB962C8B-B14F-4D97-AF65-F5344CB8AC3E}">
         <p14:creationId xmlns:p14="http://schemas.microsoft.com/office/powerpoint/2010/main" val="414613742"/>
-      </p:ext>
-    </p:extLst>
-  </p:cSld>
-  <p:clrMapOvr>
-    <a:masterClrMapping/>
-  </p:clrMapOvr>
-</p:sld>
-</file>
-
-<file path=ppt/slides/slide48.xml><?xml version="1.0" encoding="utf-8"?>
-<p:sld xmlns:a="http://schemas.openxmlformats.org/drawingml/2006/main" xmlns:r="http://schemas.openxmlformats.org/officeDocument/2006/relationships" xmlns:p="http://schemas.openxmlformats.org/presentationml/2006/main">
-  <p:cSld>
-    <p:spTree>
-      <p:nvGrpSpPr>
-        <p:cNvPr id="1" name=""/>
-        <p:cNvGrpSpPr/>
-        <p:nvPr/>
-      </p:nvGrpSpPr>
-      <p:grpSpPr>
-        <a:xfrm>
-          <a:off x="0" y="0"/>
-          <a:ext cx="0" cy="0"/>
-          <a:chOff x="0" y="0"/>
-          <a:chExt cx="0" cy="0"/>
-        </a:xfrm>
-      </p:grpSpPr>
-      <p:sp>
-        <p:nvSpPr>
-          <p:cNvPr id="2" name="Title 1">
-            <a:extLst>
-              <a:ext uri="{FF2B5EF4-FFF2-40B4-BE49-F238E27FC236}">
-                <a16:creationId xmlns:a16="http://schemas.microsoft.com/office/drawing/2014/main" id="{28BAC361-0D7A-DC05-86B5-6DD77D322F5B}"/>
-              </a:ext>
-            </a:extLst>
-          </p:cNvPr>
-          <p:cNvSpPr>
-            <a:spLocks noGrp="1"/>
-          </p:cNvSpPr>
-          <p:nvPr>
-            <p:ph type="title"/>
-          </p:nvPr>
-        </p:nvSpPr>
-        <p:spPr>
-          <a:xfrm>
-            <a:off x="287907" y="573377"/>
-            <a:ext cx="3986276" cy="3996747"/>
-          </a:xfrm>
-          <a:noFill/>
-        </p:spPr>
-        <p:txBody>
-          <a:bodyPr/>
-          <a:lstStyle/>
-          <a:p>
-            <a:r>
-              <a:rPr lang="en-US" sz="4400" dirty="0"/>
-              <a:t>Thank you</a:t>
-            </a:r>
-          </a:p>
-        </p:txBody>
-      </p:sp>
-      <p:sp>
-        <p:nvSpPr>
-          <p:cNvPr id="3" name="Content Placeholder 2">
-            <a:extLst>
-              <a:ext uri="{FF2B5EF4-FFF2-40B4-BE49-F238E27FC236}">
-                <a16:creationId xmlns:a16="http://schemas.microsoft.com/office/drawing/2014/main" id="{1BE98EFF-197D-3136-70B9-7BBD30A48931}"/>
-              </a:ext>
-            </a:extLst>
-          </p:cNvPr>
-          <p:cNvSpPr>
-            <a:spLocks noGrp="1"/>
-          </p:cNvSpPr>
-          <p:nvPr>
-            <p:ph idx="1"/>
-          </p:nvPr>
-        </p:nvSpPr>
-        <p:spPr>
-          <a:xfrm>
-            <a:off x="4954092" y="566379"/>
-            <a:ext cx="3464953" cy="3986276"/>
-          </a:xfrm>
-          <a:noFill/>
-        </p:spPr>
-        <p:txBody>
-          <a:bodyPr>
-            <a:normAutofit/>
-          </a:bodyPr>
-          <a:lstStyle/>
-          <a:p>
-            <a:r>
-              <a:rPr lang="en-US" sz="2000" dirty="0"/>
-              <a:t>Pritam Prakash Shete</a:t>
-            </a:r>
-          </a:p>
-          <a:p>
-            <a:r>
-              <a:rPr lang="en-US" sz="2000" dirty="0"/>
-              <a:t>Telephone - 022-25595212</a:t>
-            </a:r>
-          </a:p>
-          <a:p>
-            <a:r>
-              <a:rPr lang="en-US" sz="2000" dirty="0"/>
-              <a:t>Email - ppshete@barc.gov.in</a:t>
-            </a:r>
-          </a:p>
-          <a:p>
-            <a:endParaRPr lang="en-US" dirty="0"/>
-          </a:p>
-        </p:txBody>
-      </p:sp>
-    </p:spTree>
-    <p:extLst>
-      <p:ext uri="{BB962C8B-B14F-4D97-AF65-F5344CB8AC3E}">
-        <p14:creationId xmlns:p14="http://schemas.microsoft.com/office/powerpoint/2010/main" val="1562484837"/>
-      </p:ext>
-    </p:extLst>
-  </p:cSld>
-  <p:clrMapOvr>
-    <a:masterClrMapping/>
-  </p:clrMapOvr>
-</p:sld>
-</file>
-
-<file path=ppt/slides/slide49.xml><?xml version="1.0" encoding="utf-8"?>
-<p:sld xmlns:a="http://schemas.openxmlformats.org/drawingml/2006/main" xmlns:r="http://schemas.openxmlformats.org/officeDocument/2006/relationships" xmlns:p="http://schemas.openxmlformats.org/presentationml/2006/main">
-  <p:cSld>
-    <p:spTree>
-      <p:nvGrpSpPr>
-        <p:cNvPr id="1" name=""/>
-        <p:cNvGrpSpPr/>
-        <p:nvPr/>
-      </p:nvGrpSpPr>
-      <p:grpSpPr>
-        <a:xfrm>
-          <a:off x="0" y="0"/>
-          <a:ext cx="0" cy="0"/>
-          <a:chOff x="0" y="0"/>
-          <a:chExt cx="0" cy="0"/>
-        </a:xfrm>
-      </p:grpSpPr>
-    </p:spTree>
-    <p:extLst>
-      <p:ext uri="{BB962C8B-B14F-4D97-AF65-F5344CB8AC3E}">
-        <p14:creationId xmlns:p14="http://schemas.microsoft.com/office/powerpoint/2010/main" val="363098972"/>
       </p:ext>
     </p:extLst>
   </p:cSld>
@@ -37064,10 +37541,95 @@
           <a:chExt cx="0" cy="0"/>
         </a:xfrm>
       </p:grpSpPr>
+      <p:sp>
+        <p:nvSpPr>
+          <p:cNvPr id="2" name="Title 1">
+            <a:extLst>
+              <a:ext uri="{FF2B5EF4-FFF2-40B4-BE49-F238E27FC236}">
+                <a16:creationId xmlns:a16="http://schemas.microsoft.com/office/drawing/2014/main" id="{28BAC361-0D7A-DC05-86B5-6DD77D322F5B}"/>
+              </a:ext>
+            </a:extLst>
+          </p:cNvPr>
+          <p:cNvSpPr>
+            <a:spLocks noGrp="1"/>
+          </p:cNvSpPr>
+          <p:nvPr>
+            <p:ph type="title"/>
+          </p:nvPr>
+        </p:nvSpPr>
+        <p:spPr>
+          <a:xfrm>
+            <a:off x="287907" y="573377"/>
+            <a:ext cx="3986276" cy="3996747"/>
+          </a:xfrm>
+          <a:noFill/>
+        </p:spPr>
+        <p:txBody>
+          <a:bodyPr/>
+          <a:lstStyle/>
+          <a:p>
+            <a:r>
+              <a:rPr lang="en-US" sz="4400" dirty="0"/>
+              <a:t>Thank you</a:t>
+            </a:r>
+          </a:p>
+        </p:txBody>
+      </p:sp>
+      <p:sp>
+        <p:nvSpPr>
+          <p:cNvPr id="3" name="Content Placeholder 2">
+            <a:extLst>
+              <a:ext uri="{FF2B5EF4-FFF2-40B4-BE49-F238E27FC236}">
+                <a16:creationId xmlns:a16="http://schemas.microsoft.com/office/drawing/2014/main" id="{1BE98EFF-197D-3136-70B9-7BBD30A48931}"/>
+              </a:ext>
+            </a:extLst>
+          </p:cNvPr>
+          <p:cNvSpPr>
+            <a:spLocks noGrp="1"/>
+          </p:cNvSpPr>
+          <p:nvPr>
+            <p:ph idx="1"/>
+          </p:nvPr>
+        </p:nvSpPr>
+        <p:spPr>
+          <a:xfrm>
+            <a:off x="4954092" y="566379"/>
+            <a:ext cx="3464953" cy="3986276"/>
+          </a:xfrm>
+          <a:noFill/>
+        </p:spPr>
+        <p:txBody>
+          <a:bodyPr>
+            <a:normAutofit/>
+          </a:bodyPr>
+          <a:lstStyle/>
+          <a:p>
+            <a:r>
+              <a:rPr lang="en-US" sz="2000" dirty="0"/>
+              <a:t>Pritam Prakash Shete</a:t>
+            </a:r>
+          </a:p>
+          <a:p>
+            <a:r>
+              <a:rPr lang="en-US" sz="2000" dirty="0"/>
+              <a:t>Telephone - 022-25595212</a:t>
+            </a:r>
+          </a:p>
+          <a:p>
+            <a:r>
+              <a:rPr lang="en-US" sz="2000" dirty="0"/>
+              <a:t>Email - ppshete@barc.gov.in</a:t>
+            </a:r>
+          </a:p>
+          <a:p>
+            <a:endParaRPr lang="en-US" dirty="0"/>
+          </a:p>
+        </p:txBody>
+      </p:sp>
     </p:spTree>
     <p:extLst>
       <p:ext uri="{BB962C8B-B14F-4D97-AF65-F5344CB8AC3E}">
-        <p14:creationId xmlns:p14="http://schemas.microsoft.com/office/powerpoint/2010/main" val="729609147"/>
+        <p14:creationId xmlns:p14="http://schemas.microsoft.com/office/powerpoint/2010/main" val="1562484837"/>
       </p:ext>
     </p:extLst>
   </p:cSld>
@@ -37097,7 +37659,37 @@
     </p:spTree>
     <p:extLst>
       <p:ext uri="{BB962C8B-B14F-4D97-AF65-F5344CB8AC3E}">
-        <p14:creationId xmlns:p14="http://schemas.microsoft.com/office/powerpoint/2010/main" val="2737241225"/>
+        <p14:creationId xmlns:p14="http://schemas.microsoft.com/office/powerpoint/2010/main" val="363098972"/>
+      </p:ext>
+    </p:extLst>
+  </p:cSld>
+  <p:clrMapOvr>
+    <a:masterClrMapping/>
+  </p:clrMapOvr>
+</p:sld>
+</file>
+
+<file path=ppt/slides/slide52.xml><?xml version="1.0" encoding="utf-8"?>
+<p:sld xmlns:a="http://schemas.openxmlformats.org/drawingml/2006/main" xmlns:r="http://schemas.openxmlformats.org/officeDocument/2006/relationships" xmlns:p="http://schemas.openxmlformats.org/presentationml/2006/main">
+  <p:cSld>
+    <p:spTree>
+      <p:nvGrpSpPr>
+        <p:cNvPr id="1" name=""/>
+        <p:cNvGrpSpPr/>
+        <p:nvPr/>
+      </p:nvGrpSpPr>
+      <p:grpSpPr>
+        <a:xfrm>
+          <a:off x="0" y="0"/>
+          <a:ext cx="0" cy="0"/>
+          <a:chOff x="0" y="0"/>
+          <a:chExt cx="0" cy="0"/>
+        </a:xfrm>
+      </p:grpSpPr>
+    </p:spTree>
+    <p:extLst>
+      <p:ext uri="{BB962C8B-B14F-4D97-AF65-F5344CB8AC3E}">
+        <p14:creationId xmlns:p14="http://schemas.microsoft.com/office/powerpoint/2010/main" val="729609147"/>
       </p:ext>
     </p:extLst>
   </p:cSld>
@@ -39183,6 +39775,15 @@
 </file>
 
 <file path=customXml/item1.xml><?xml version="1.0" encoding="utf-8"?>
+<?mso-contentType ?>
+<FormTemplates xmlns="http://schemas.microsoft.com/sharepoint/v3/contenttype/forms">
+  <Display>DocumentLibraryForm</Display>
+  <Edit>DocumentLibraryForm</Edit>
+  <New>DocumentLibraryForm</New>
+</FormTemplates>
+</file>
+
+<file path=customXml/item2.xml><?xml version="1.0" encoding="utf-8"?>
 <ct:contentTypeSchema xmlns:ct="http://schemas.microsoft.com/office/2006/metadata/contentType" xmlns:ma="http://schemas.microsoft.com/office/2006/metadata/properties/metaAttributes" ct:_="" ma:_="" ma:contentTypeName="Document" ma:contentTypeID="0x01010079F111ED35F8CC479449609E8A0923A6" ma:contentTypeVersion="28" ma:contentTypeDescription="Create a new document." ma:contentTypeScope="" ma:versionID="60f5a4f2d2b0abadcf532d48ebf9cb71">
   <xsd:schema xmlns:xsd="http://www.w3.org/2001/XMLSchema" xmlns:xs="http://www.w3.org/2001/XMLSchema" xmlns:p="http://schemas.microsoft.com/office/2006/metadata/properties" xmlns:ns1="http://schemas.microsoft.com/sharepoint/v3" xmlns:ns2="71af3243-3dd4-4a8d-8c0d-dd76da1f02a5" xmlns:ns3="16c05727-aa75-4e4a-9b5f-8a80a1165891" xmlns:ns4="230e9df3-be65-4c73-a93b-d1236ebd677e" targetNamespace="http://schemas.microsoft.com/office/2006/metadata/properties" ma:root="true" ma:fieldsID="7dd78129e6a1811f84807ad11c651531" ns1:_="" ns2:_="" ns3:_="" ns4:_="">
     <xsd:import namespace="http://schemas.microsoft.com/sharepoint/v3"/>
@@ -39494,7 +40095,7 @@
 </ct:contentTypeSchema>
 </file>
 
-<file path=customXml/item2.xml><?xml version="1.0" encoding="utf-8"?>
+<file path=customXml/item3.xml><?xml version="1.0" encoding="utf-8"?>
 <p:properties xmlns:p="http://schemas.microsoft.com/office/2006/metadata/properties" xmlns:xsi="http://www.w3.org/2001/XMLSchema-instance" xmlns:pc="http://schemas.microsoft.com/office/infopath/2007/PartnerControls">
   <documentManagement>
     <_ip_UnifiedCompliancePolicyUIAction xmlns="http://schemas.microsoft.com/sharepoint/v3" xsi:nil="true"/>
@@ -39514,16 +40115,15 @@
 </p:properties>
 </file>
 
-<file path=customXml/item3.xml><?xml version="1.0" encoding="utf-8"?>
-<?mso-contentType ?>
-<FormTemplates xmlns="http://schemas.microsoft.com/sharepoint/v3/contenttype/forms">
-  <Display>DocumentLibraryForm</Display>
-  <Edit>DocumentLibraryForm</Edit>
-  <New>DocumentLibraryForm</New>
-</FormTemplates>
+<file path=customXml/itemProps1.xml><?xml version="1.0" encoding="utf-8"?>
+<ds:datastoreItem xmlns:ds="http://schemas.openxmlformats.org/officeDocument/2006/customXml" ds:itemID="{67FFD73E-D96B-4428-99CD-717A4897D3B4}">
+  <ds:schemaRefs>
+    <ds:schemaRef ds:uri="http://schemas.microsoft.com/sharepoint/v3/contenttype/forms"/>
+  </ds:schemaRefs>
+</ds:datastoreItem>
 </file>
 
-<file path=customXml/itemProps1.xml><?xml version="1.0" encoding="utf-8"?>
+<file path=customXml/itemProps2.xml><?xml version="1.0" encoding="utf-8"?>
 <ds:datastoreItem xmlns:ds="http://schemas.openxmlformats.org/officeDocument/2006/customXml" ds:itemID="{1285E733-8340-4FDD-A6FC-B22F1B75E4E2}">
   <ds:schemaRefs>
     <ds:schemaRef ds:uri="http://schemas.microsoft.com/office/2006/metadata/contentType"/>
@@ -39544,7 +40144,7 @@
 </ds:datastoreItem>
 </file>
 
-<file path=customXml/itemProps2.xml><?xml version="1.0" encoding="utf-8"?>
+<file path=customXml/itemProps3.xml><?xml version="1.0" encoding="utf-8"?>
 <ds:datastoreItem xmlns:ds="http://schemas.openxmlformats.org/officeDocument/2006/customXml" ds:itemID="{A3165DE6-2DCE-44FC-94B7-A499559DBF88}">
   <ds:schemaRefs>
     <ds:schemaRef ds:uri="http://schemas.microsoft.com/office/2006/metadata/properties"/>
@@ -39556,14 +40156,6 @@
 </ds:datastoreItem>
 </file>
 
-<file path=customXml/itemProps3.xml><?xml version="1.0" encoding="utf-8"?>
-<ds:datastoreItem xmlns:ds="http://schemas.openxmlformats.org/officeDocument/2006/customXml" ds:itemID="{67FFD73E-D96B-4428-99CD-717A4897D3B4}">
-  <ds:schemaRefs>
-    <ds:schemaRef ds:uri="http://schemas.microsoft.com/sharepoint/v3/contenttype/forms"/>
-  </ds:schemaRefs>
-</ds:datastoreItem>
-</file>
-
 <file path=docMetadata/LabelInfo.xml><?xml version="1.0" encoding="utf-8"?>
 <clbl:labelList xmlns:clbl="http://schemas.microsoft.com/office/2020/mipLabelMetadata"/>
 </file>
--- a/Presentations/IUAC-2024/Introduction_to_Large_Language_Models-From_Foundation_to_Real_World_Applications.pptx
+++ b/Presentations/IUAC-2024/Introduction_to_Large_Language_Models-From_Foundation_to_Real_World_Applications.pptx
@@ -5,10 +5,10 @@
     <p:sldMasterId id="2147483648" r:id="rId4"/>
   </p:sldMasterIdLst>
   <p:notesMasterIdLst>
-    <p:notesMasterId r:id="rId59"/>
+    <p:notesMasterId r:id="rId60"/>
   </p:notesMasterIdLst>
   <p:handoutMasterIdLst>
-    <p:handoutMasterId r:id="rId60"/>
+    <p:handoutMasterId r:id="rId61"/>
   </p:handoutMasterIdLst>
   <p:sldIdLst>
     <p:sldId id="256" r:id="rId5"/>
@@ -63,8 +63,9 @@
     <p:sldId id="3916" r:id="rId54"/>
     <p:sldId id="3875" r:id="rId55"/>
     <p:sldId id="3859" r:id="rId56"/>
-    <p:sldId id="3850" r:id="rId57"/>
-    <p:sldId id="265" r:id="rId58"/>
+    <p:sldId id="3929" r:id="rId57"/>
+    <p:sldId id="3850" r:id="rId58"/>
+    <p:sldId id="265" r:id="rId59"/>
   </p:sldIdLst>
   <p:sldSz cx="9144000" cy="5143500" type="screen16x9"/>
   <p:notesSz cx="6858000" cy="9144000"/>
@@ -165,7 +166,7 @@
   </p:defaultTextStyle>
   <p:extLst>
     <p:ext uri="{EFAFB233-063F-42B5-8137-9DF3F51BA10A}">
-      <p15:sldGuideLst xmlns:p15="http://schemas.microsoft.com/office/powerpoint/2012/main" xmlns="">
+      <p15:sldGuideLst xmlns="" xmlns:p15="http://schemas.microsoft.com/office/powerpoint/2012/main">
         <p15:guide id="1" orient="horz" pos="1620">
           <p15:clr>
             <a:srgbClr val="A4A3A4"/>
@@ -179,7 +180,7 @@
       </p15:sldGuideLst>
     </p:ext>
     <p:ext uri="{2D200454-40CA-4A62-9FC3-DE9A4176ACB9}">
-      <p15:notesGuideLst xmlns:p15="http://schemas.microsoft.com/office/powerpoint/2012/main" xmlns=""/>
+      <p15:notesGuideLst xmlns="" xmlns:p15="http://schemas.microsoft.com/office/powerpoint/2012/main"/>
     </p:ext>
   </p:extLst>
 </p:presentation>
@@ -218,7 +219,7 @@
           <p:cNvPr id="2" name="Header Placeholder 1">
             <a:extLst>
               <a:ext uri="{FF2B5EF4-FFF2-40B4-BE49-F238E27FC236}">
-                <a16:creationId xmlns:a16="http://schemas.microsoft.com/office/drawing/2014/main" xmlns="" id="{3976AB79-C677-3DB7-78CF-9305D5861483}"/>
+                <a16:creationId xmlns="" xmlns:a16="http://schemas.microsoft.com/office/drawing/2014/main" id="{3976AB79-C677-3DB7-78CF-9305D5861483}"/>
               </a:ext>
             </a:extLst>
           </p:cNvPr>
@@ -255,7 +256,7 @@
           <p:cNvPr id="3" name="Date Placeholder 2">
             <a:extLst>
               <a:ext uri="{FF2B5EF4-FFF2-40B4-BE49-F238E27FC236}">
-                <a16:creationId xmlns:a16="http://schemas.microsoft.com/office/drawing/2014/main" xmlns="" id="{113AB137-CEA6-0244-F12B-1ECC21172D00}"/>
+                <a16:creationId xmlns="" xmlns:a16="http://schemas.microsoft.com/office/drawing/2014/main" id="{113AB137-CEA6-0244-F12B-1ECC21172D00}"/>
               </a:ext>
             </a:extLst>
           </p:cNvPr>
@@ -286,7 +287,7 @@
             <a:fld id="{0DC994AA-C437-4EF4-8BEF-0B832D7FA420}" type="datetimeFigureOut">
               <a:rPr lang="en-US" smtClean="0"/>
               <a:pPr/>
-              <a:t>10/21/2024</a:t>
+              <a:t>10/24/2024</a:t>
             </a:fld>
             <a:endParaRPr lang="en-US" dirty="0"/>
           </a:p>
@@ -297,7 +298,7 @@
           <p:cNvPr id="4" name="Footer Placeholder 3">
             <a:extLst>
               <a:ext uri="{FF2B5EF4-FFF2-40B4-BE49-F238E27FC236}">
-                <a16:creationId xmlns:a16="http://schemas.microsoft.com/office/drawing/2014/main" xmlns="" id="{0868EC96-C6CC-F2AF-D90F-143F4D20A07A}"/>
+                <a16:creationId xmlns="" xmlns:a16="http://schemas.microsoft.com/office/drawing/2014/main" id="{0868EC96-C6CC-F2AF-D90F-143F4D20A07A}"/>
               </a:ext>
             </a:extLst>
           </p:cNvPr>
@@ -334,7 +335,7 @@
           <p:cNvPr id="5" name="Slide Number Placeholder 4">
             <a:extLst>
               <a:ext uri="{FF2B5EF4-FFF2-40B4-BE49-F238E27FC236}">
-                <a16:creationId xmlns:a16="http://schemas.microsoft.com/office/drawing/2014/main" xmlns="" id="{94F8EC8D-EF88-0275-F75C-A789924433BA}"/>
+                <a16:creationId xmlns="" xmlns:a16="http://schemas.microsoft.com/office/drawing/2014/main" id="{94F8EC8D-EF88-0275-F75C-A789924433BA}"/>
               </a:ext>
             </a:extLst>
           </p:cNvPr>
@@ -374,7 +375,7 @@
     </p:spTree>
     <p:extLst>
       <p:ext uri="{BB962C8B-B14F-4D97-AF65-F5344CB8AC3E}">
-        <p14:creationId xmlns:p14="http://schemas.microsoft.com/office/powerpoint/2010/main" xmlns="" val="3472027861"/>
+        <p14:creationId xmlns="" xmlns:p14="http://schemas.microsoft.com/office/powerpoint/2010/main" val="3472027861"/>
       </p:ext>
     </p:extLst>
   </p:cSld>
@@ -465,7 +466,7 @@
             <a:fld id="{FB20CE03-6C3A-EB4D-A9B1-7EFD38B58412}" type="datetimeFigureOut">
               <a:rPr lang="en-US" smtClean="0"/>
               <a:pPr/>
-              <a:t>10/21/2024</a:t>
+              <a:t>10/24/2024</a:t>
             </a:fld>
             <a:endParaRPr lang="en-US" dirty="0"/>
           </a:p>
@@ -633,7 +634,7 @@
     </p:spTree>
     <p:extLst>
       <p:ext uri="{BB962C8B-B14F-4D97-AF65-F5344CB8AC3E}">
-        <p14:creationId xmlns:p14="http://schemas.microsoft.com/office/powerpoint/2010/main" xmlns="" val="49092468"/>
+        <p14:creationId xmlns="" xmlns:p14="http://schemas.microsoft.com/office/powerpoint/2010/main" val="49092468"/>
       </p:ext>
     </p:extLst>
   </p:cSld>
@@ -808,7 +809,7 @@
     </p:spTree>
     <p:extLst>
       <p:ext uri="{BB962C8B-B14F-4D97-AF65-F5344CB8AC3E}">
-        <p14:creationId xmlns:p14="http://schemas.microsoft.com/office/powerpoint/2010/main" xmlns="" val="2388229781"/>
+        <p14:creationId xmlns="" xmlns:p14="http://schemas.microsoft.com/office/powerpoint/2010/main" val="2388229781"/>
       </p:ext>
     </p:extLst>
   </p:cSld>
@@ -893,7 +894,7 @@
     </p:spTree>
     <p:extLst>
       <p:ext uri="{BB962C8B-B14F-4D97-AF65-F5344CB8AC3E}">
-        <p14:creationId xmlns:p14="http://schemas.microsoft.com/office/powerpoint/2010/main" xmlns="" val="922949278"/>
+        <p14:creationId xmlns="" xmlns:p14="http://schemas.microsoft.com/office/powerpoint/2010/main" val="922949278"/>
       </p:ext>
     </p:extLst>
   </p:cSld>
@@ -978,7 +979,7 @@
     </p:spTree>
     <p:extLst>
       <p:ext uri="{BB962C8B-B14F-4D97-AF65-F5344CB8AC3E}">
-        <p14:creationId xmlns:p14="http://schemas.microsoft.com/office/powerpoint/2010/main" xmlns="" val="922949278"/>
+        <p14:creationId xmlns="" xmlns:p14="http://schemas.microsoft.com/office/powerpoint/2010/main" val="922949278"/>
       </p:ext>
     </p:extLst>
   </p:cSld>
@@ -1063,7 +1064,7 @@
     </p:spTree>
     <p:extLst>
       <p:ext uri="{BB962C8B-B14F-4D97-AF65-F5344CB8AC3E}">
-        <p14:creationId xmlns:p14="http://schemas.microsoft.com/office/powerpoint/2010/main" xmlns="" val="922949278"/>
+        <p14:creationId xmlns="" xmlns:p14="http://schemas.microsoft.com/office/powerpoint/2010/main" val="922949278"/>
       </p:ext>
     </p:extLst>
   </p:cSld>
@@ -1148,7 +1149,7 @@
     </p:spTree>
     <p:extLst>
       <p:ext uri="{BB962C8B-B14F-4D97-AF65-F5344CB8AC3E}">
-        <p14:creationId xmlns:p14="http://schemas.microsoft.com/office/powerpoint/2010/main" xmlns="" val="1721109855"/>
+        <p14:creationId xmlns="" xmlns:p14="http://schemas.microsoft.com/office/powerpoint/2010/main" val="1721109855"/>
       </p:ext>
     </p:extLst>
   </p:cSld>
@@ -1233,7 +1234,7 @@
     </p:spTree>
     <p:extLst>
       <p:ext uri="{BB962C8B-B14F-4D97-AF65-F5344CB8AC3E}">
-        <p14:creationId xmlns:p14="http://schemas.microsoft.com/office/powerpoint/2010/main" xmlns="" val="922949278"/>
+        <p14:creationId xmlns="" xmlns:p14="http://schemas.microsoft.com/office/powerpoint/2010/main" val="922949278"/>
       </p:ext>
     </p:extLst>
   </p:cSld>
@@ -1318,7 +1319,7 @@
     </p:spTree>
     <p:extLst>
       <p:ext uri="{BB962C8B-B14F-4D97-AF65-F5344CB8AC3E}">
-        <p14:creationId xmlns:p14="http://schemas.microsoft.com/office/powerpoint/2010/main" xmlns="" val="2540028172"/>
+        <p14:creationId xmlns="" xmlns:p14="http://schemas.microsoft.com/office/powerpoint/2010/main" val="2540028172"/>
       </p:ext>
     </p:extLst>
   </p:cSld>
@@ -1403,7 +1404,7 @@
     </p:spTree>
     <p:extLst>
       <p:ext uri="{BB962C8B-B14F-4D97-AF65-F5344CB8AC3E}">
-        <p14:creationId xmlns:p14="http://schemas.microsoft.com/office/powerpoint/2010/main" xmlns="" val="2316091678"/>
+        <p14:creationId xmlns="" xmlns:p14="http://schemas.microsoft.com/office/powerpoint/2010/main" val="2316091678"/>
       </p:ext>
     </p:extLst>
   </p:cSld>
@@ -1488,7 +1489,7 @@
     </p:spTree>
     <p:extLst>
       <p:ext uri="{BB962C8B-B14F-4D97-AF65-F5344CB8AC3E}">
-        <p14:creationId xmlns:p14="http://schemas.microsoft.com/office/powerpoint/2010/main" xmlns="" val="737681818"/>
+        <p14:creationId xmlns="" xmlns:p14="http://schemas.microsoft.com/office/powerpoint/2010/main" val="737681818"/>
       </p:ext>
     </p:extLst>
   </p:cSld>
@@ -1573,7 +1574,7 @@
     </p:spTree>
     <p:extLst>
       <p:ext uri="{BB962C8B-B14F-4D97-AF65-F5344CB8AC3E}">
-        <p14:creationId xmlns:p14="http://schemas.microsoft.com/office/powerpoint/2010/main" xmlns="" val="922949278"/>
+        <p14:creationId xmlns="" xmlns:p14="http://schemas.microsoft.com/office/powerpoint/2010/main" val="922949278"/>
       </p:ext>
     </p:extLst>
   </p:cSld>
@@ -1658,7 +1659,7 @@
     </p:spTree>
     <p:extLst>
       <p:ext uri="{BB962C8B-B14F-4D97-AF65-F5344CB8AC3E}">
-        <p14:creationId xmlns:p14="http://schemas.microsoft.com/office/powerpoint/2010/main" xmlns="" val="922949278"/>
+        <p14:creationId xmlns="" xmlns:p14="http://schemas.microsoft.com/office/powerpoint/2010/main" val="922949278"/>
       </p:ext>
     </p:extLst>
   </p:cSld>
@@ -1743,7 +1744,7 @@
     </p:spTree>
     <p:extLst>
       <p:ext uri="{BB962C8B-B14F-4D97-AF65-F5344CB8AC3E}">
-        <p14:creationId xmlns:p14="http://schemas.microsoft.com/office/powerpoint/2010/main" xmlns="" val="416703347"/>
+        <p14:creationId xmlns="" xmlns:p14="http://schemas.microsoft.com/office/powerpoint/2010/main" val="416703347"/>
       </p:ext>
     </p:extLst>
   </p:cSld>
@@ -1828,7 +1829,7 @@
     </p:spTree>
     <p:extLst>
       <p:ext uri="{BB962C8B-B14F-4D97-AF65-F5344CB8AC3E}">
-        <p14:creationId xmlns:p14="http://schemas.microsoft.com/office/powerpoint/2010/main" xmlns="" val="922949278"/>
+        <p14:creationId xmlns="" xmlns:p14="http://schemas.microsoft.com/office/powerpoint/2010/main" val="922949278"/>
       </p:ext>
     </p:extLst>
   </p:cSld>
@@ -1913,7 +1914,7 @@
     </p:spTree>
     <p:extLst>
       <p:ext uri="{BB962C8B-B14F-4D97-AF65-F5344CB8AC3E}">
-        <p14:creationId xmlns:p14="http://schemas.microsoft.com/office/powerpoint/2010/main" xmlns="" val="922949278"/>
+        <p14:creationId xmlns="" xmlns:p14="http://schemas.microsoft.com/office/powerpoint/2010/main" val="922949278"/>
       </p:ext>
     </p:extLst>
   </p:cSld>
@@ -1998,7 +1999,7 @@
     </p:spTree>
     <p:extLst>
       <p:ext uri="{BB962C8B-B14F-4D97-AF65-F5344CB8AC3E}">
-        <p14:creationId xmlns:p14="http://schemas.microsoft.com/office/powerpoint/2010/main" xmlns="" val="922949278"/>
+        <p14:creationId xmlns="" xmlns:p14="http://schemas.microsoft.com/office/powerpoint/2010/main" val="922949278"/>
       </p:ext>
     </p:extLst>
   </p:cSld>
@@ -2083,7 +2084,7 @@
     </p:spTree>
     <p:extLst>
       <p:ext uri="{BB962C8B-B14F-4D97-AF65-F5344CB8AC3E}">
-        <p14:creationId xmlns:p14="http://schemas.microsoft.com/office/powerpoint/2010/main" xmlns="" val="922949278"/>
+        <p14:creationId xmlns="" xmlns:p14="http://schemas.microsoft.com/office/powerpoint/2010/main" val="922949278"/>
       </p:ext>
     </p:extLst>
   </p:cSld>
@@ -2168,7 +2169,7 @@
     </p:spTree>
     <p:extLst>
       <p:ext uri="{BB962C8B-B14F-4D97-AF65-F5344CB8AC3E}">
-        <p14:creationId xmlns:p14="http://schemas.microsoft.com/office/powerpoint/2010/main" xmlns="" val="922949278"/>
+        <p14:creationId xmlns="" xmlns:p14="http://schemas.microsoft.com/office/powerpoint/2010/main" val="922949278"/>
       </p:ext>
     </p:extLst>
   </p:cSld>
@@ -2253,7 +2254,7 @@
     </p:spTree>
     <p:extLst>
       <p:ext uri="{BB962C8B-B14F-4D97-AF65-F5344CB8AC3E}">
-        <p14:creationId xmlns:p14="http://schemas.microsoft.com/office/powerpoint/2010/main" xmlns="" val="922949278"/>
+        <p14:creationId xmlns="" xmlns:p14="http://schemas.microsoft.com/office/powerpoint/2010/main" val="922949278"/>
       </p:ext>
     </p:extLst>
   </p:cSld>
@@ -2338,7 +2339,7 @@
     </p:spTree>
     <p:extLst>
       <p:ext uri="{BB962C8B-B14F-4D97-AF65-F5344CB8AC3E}">
-        <p14:creationId xmlns:p14="http://schemas.microsoft.com/office/powerpoint/2010/main" xmlns="" val="922949278"/>
+        <p14:creationId xmlns="" xmlns:p14="http://schemas.microsoft.com/office/powerpoint/2010/main" val="922949278"/>
       </p:ext>
     </p:extLst>
   </p:cSld>
@@ -2423,7 +2424,7 @@
     </p:spTree>
     <p:extLst>
       <p:ext uri="{BB962C8B-B14F-4D97-AF65-F5344CB8AC3E}">
-        <p14:creationId xmlns:p14="http://schemas.microsoft.com/office/powerpoint/2010/main" xmlns="" val="737681818"/>
+        <p14:creationId xmlns="" xmlns:p14="http://schemas.microsoft.com/office/powerpoint/2010/main" val="737681818"/>
       </p:ext>
     </p:extLst>
   </p:cSld>
@@ -2508,7 +2509,7 @@
     </p:spTree>
     <p:extLst>
       <p:ext uri="{BB962C8B-B14F-4D97-AF65-F5344CB8AC3E}">
-        <p14:creationId xmlns:p14="http://schemas.microsoft.com/office/powerpoint/2010/main" xmlns="" val="737681818"/>
+        <p14:creationId xmlns="" xmlns:p14="http://schemas.microsoft.com/office/powerpoint/2010/main" val="737681818"/>
       </p:ext>
     </p:extLst>
   </p:cSld>
@@ -2593,7 +2594,7 @@
     </p:spTree>
     <p:extLst>
       <p:ext uri="{BB962C8B-B14F-4D97-AF65-F5344CB8AC3E}">
-        <p14:creationId xmlns:p14="http://schemas.microsoft.com/office/powerpoint/2010/main" xmlns="" val="202840261"/>
+        <p14:creationId xmlns="" xmlns:p14="http://schemas.microsoft.com/office/powerpoint/2010/main" val="202840261"/>
       </p:ext>
     </p:extLst>
   </p:cSld>
@@ -2678,7 +2679,7 @@
     </p:spTree>
     <p:extLst>
       <p:ext uri="{BB962C8B-B14F-4D97-AF65-F5344CB8AC3E}">
-        <p14:creationId xmlns:p14="http://schemas.microsoft.com/office/powerpoint/2010/main" xmlns="" val="1951919781"/>
+        <p14:creationId xmlns="" xmlns:p14="http://schemas.microsoft.com/office/powerpoint/2010/main" val="1951919781"/>
       </p:ext>
     </p:extLst>
   </p:cSld>
@@ -2763,7 +2764,7 @@
     </p:spTree>
     <p:extLst>
       <p:ext uri="{BB962C8B-B14F-4D97-AF65-F5344CB8AC3E}">
-        <p14:creationId xmlns:p14="http://schemas.microsoft.com/office/powerpoint/2010/main" xmlns="" val="202840261"/>
+        <p14:creationId xmlns="" xmlns:p14="http://schemas.microsoft.com/office/powerpoint/2010/main" val="202840261"/>
       </p:ext>
     </p:extLst>
   </p:cSld>
@@ -2848,7 +2849,7 @@
     </p:spTree>
     <p:extLst>
       <p:ext uri="{BB962C8B-B14F-4D97-AF65-F5344CB8AC3E}">
-        <p14:creationId xmlns:p14="http://schemas.microsoft.com/office/powerpoint/2010/main" xmlns="" val="737681818"/>
+        <p14:creationId xmlns="" xmlns:p14="http://schemas.microsoft.com/office/powerpoint/2010/main" val="737681818"/>
       </p:ext>
     </p:extLst>
   </p:cSld>
@@ -2933,7 +2934,7 @@
     </p:spTree>
     <p:extLst>
       <p:ext uri="{BB962C8B-B14F-4D97-AF65-F5344CB8AC3E}">
-        <p14:creationId xmlns:p14="http://schemas.microsoft.com/office/powerpoint/2010/main" xmlns="" val="737681818"/>
+        <p14:creationId xmlns="" xmlns:p14="http://schemas.microsoft.com/office/powerpoint/2010/main" val="737681818"/>
       </p:ext>
     </p:extLst>
   </p:cSld>
@@ -3077,7 +3078,7 @@
     </p:spTree>
     <p:extLst>
       <p:ext uri="{BB962C8B-B14F-4D97-AF65-F5344CB8AC3E}">
-        <p14:creationId xmlns:p14="http://schemas.microsoft.com/office/powerpoint/2010/main" xmlns="" val="2837539342"/>
+        <p14:creationId xmlns="" xmlns:p14="http://schemas.microsoft.com/office/powerpoint/2010/main" val="2837539342"/>
       </p:ext>
     </p:extLst>
   </p:cSld>
@@ -3221,7 +3222,7 @@
     </p:spTree>
     <p:extLst>
       <p:ext uri="{BB962C8B-B14F-4D97-AF65-F5344CB8AC3E}">
-        <p14:creationId xmlns:p14="http://schemas.microsoft.com/office/powerpoint/2010/main" xmlns="" val="1759300059"/>
+        <p14:creationId xmlns="" xmlns:p14="http://schemas.microsoft.com/office/powerpoint/2010/main" val="1759300059"/>
       </p:ext>
     </p:extLst>
   </p:cSld>
@@ -3365,7 +3366,7 @@
     </p:spTree>
     <p:extLst>
       <p:ext uri="{BB962C8B-B14F-4D97-AF65-F5344CB8AC3E}">
-        <p14:creationId xmlns:p14="http://schemas.microsoft.com/office/powerpoint/2010/main" xmlns="" val="1230804189"/>
+        <p14:creationId xmlns="" xmlns:p14="http://schemas.microsoft.com/office/powerpoint/2010/main" val="1230804189"/>
       </p:ext>
     </p:extLst>
   </p:cSld>
@@ -3450,7 +3451,7 @@
     </p:spTree>
     <p:extLst>
       <p:ext uri="{BB962C8B-B14F-4D97-AF65-F5344CB8AC3E}">
-        <p14:creationId xmlns:p14="http://schemas.microsoft.com/office/powerpoint/2010/main" xmlns="" val="1979117214"/>
+        <p14:creationId xmlns="" xmlns:p14="http://schemas.microsoft.com/office/powerpoint/2010/main" val="1979117214"/>
       </p:ext>
     </p:extLst>
   </p:cSld>
@@ -3535,7 +3536,7 @@
     </p:spTree>
     <p:extLst>
       <p:ext uri="{BB962C8B-B14F-4D97-AF65-F5344CB8AC3E}">
-        <p14:creationId xmlns:p14="http://schemas.microsoft.com/office/powerpoint/2010/main" xmlns="" val="916039736"/>
+        <p14:creationId xmlns="" xmlns:p14="http://schemas.microsoft.com/office/powerpoint/2010/main" val="916039736"/>
       </p:ext>
     </p:extLst>
   </p:cSld>
@@ -3620,7 +3621,7 @@
     </p:spTree>
     <p:extLst>
       <p:ext uri="{BB962C8B-B14F-4D97-AF65-F5344CB8AC3E}">
-        <p14:creationId xmlns:p14="http://schemas.microsoft.com/office/powerpoint/2010/main" xmlns="" val="2058409110"/>
+        <p14:creationId xmlns="" xmlns:p14="http://schemas.microsoft.com/office/powerpoint/2010/main" val="2058409110"/>
       </p:ext>
     </p:extLst>
   </p:cSld>
@@ -3705,7 +3706,7 @@
     </p:spTree>
     <p:extLst>
       <p:ext uri="{BB962C8B-B14F-4D97-AF65-F5344CB8AC3E}">
-        <p14:creationId xmlns:p14="http://schemas.microsoft.com/office/powerpoint/2010/main" xmlns="" val="4275274872"/>
+        <p14:creationId xmlns="" xmlns:p14="http://schemas.microsoft.com/office/powerpoint/2010/main" val="4275274872"/>
       </p:ext>
     </p:extLst>
   </p:cSld>
@@ -3790,7 +3791,7 @@
     </p:spTree>
     <p:extLst>
       <p:ext uri="{BB962C8B-B14F-4D97-AF65-F5344CB8AC3E}">
-        <p14:creationId xmlns:p14="http://schemas.microsoft.com/office/powerpoint/2010/main" xmlns="" val="2540028172"/>
+        <p14:creationId xmlns="" xmlns:p14="http://schemas.microsoft.com/office/powerpoint/2010/main" val="2540028172"/>
       </p:ext>
     </p:extLst>
   </p:cSld>
@@ -3875,7 +3876,7 @@
     </p:spTree>
     <p:extLst>
       <p:ext uri="{BB962C8B-B14F-4D97-AF65-F5344CB8AC3E}">
-        <p14:creationId xmlns:p14="http://schemas.microsoft.com/office/powerpoint/2010/main" xmlns="" val="2863594969"/>
+        <p14:creationId xmlns="" xmlns:p14="http://schemas.microsoft.com/office/powerpoint/2010/main" val="2863594969"/>
       </p:ext>
     </p:extLst>
   </p:cSld>
@@ -3960,7 +3961,7 @@
     </p:spTree>
     <p:extLst>
       <p:ext uri="{BB962C8B-B14F-4D97-AF65-F5344CB8AC3E}">
-        <p14:creationId xmlns:p14="http://schemas.microsoft.com/office/powerpoint/2010/main" xmlns="" val="2173114525"/>
+        <p14:creationId xmlns="" xmlns:p14="http://schemas.microsoft.com/office/powerpoint/2010/main" val="2173114525"/>
       </p:ext>
     </p:extLst>
   </p:cSld>
@@ -4045,7 +4046,7 @@
     </p:spTree>
     <p:extLst>
       <p:ext uri="{BB962C8B-B14F-4D97-AF65-F5344CB8AC3E}">
-        <p14:creationId xmlns:p14="http://schemas.microsoft.com/office/powerpoint/2010/main" xmlns="" val="2535942635"/>
+        <p14:creationId xmlns="" xmlns:p14="http://schemas.microsoft.com/office/powerpoint/2010/main" val="2535942635"/>
       </p:ext>
     </p:extLst>
   </p:cSld>
@@ -4130,7 +4131,7 @@
     </p:spTree>
     <p:extLst>
       <p:ext uri="{BB962C8B-B14F-4D97-AF65-F5344CB8AC3E}">
-        <p14:creationId xmlns:p14="http://schemas.microsoft.com/office/powerpoint/2010/main" xmlns="" val="737681818"/>
+        <p14:creationId xmlns="" xmlns:p14="http://schemas.microsoft.com/office/powerpoint/2010/main" val="737681818"/>
       </p:ext>
     </p:extLst>
   </p:cSld>
@@ -4215,7 +4216,7 @@
     </p:spTree>
     <p:extLst>
       <p:ext uri="{BB962C8B-B14F-4D97-AF65-F5344CB8AC3E}">
-        <p14:creationId xmlns:p14="http://schemas.microsoft.com/office/powerpoint/2010/main" xmlns="" val="737681818"/>
+        <p14:creationId xmlns="" xmlns:p14="http://schemas.microsoft.com/office/powerpoint/2010/main" val="737681818"/>
       </p:ext>
     </p:extLst>
   </p:cSld>
@@ -4300,7 +4301,7 @@
     </p:spTree>
     <p:extLst>
       <p:ext uri="{BB962C8B-B14F-4D97-AF65-F5344CB8AC3E}">
-        <p14:creationId xmlns:p14="http://schemas.microsoft.com/office/powerpoint/2010/main" xmlns="" val="737681818"/>
+        <p14:creationId xmlns="" xmlns:p14="http://schemas.microsoft.com/office/powerpoint/2010/main" val="737681818"/>
       </p:ext>
     </p:extLst>
   </p:cSld>
@@ -4385,7 +4386,7 @@
     </p:spTree>
     <p:extLst>
       <p:ext uri="{BB962C8B-B14F-4D97-AF65-F5344CB8AC3E}">
-        <p14:creationId xmlns:p14="http://schemas.microsoft.com/office/powerpoint/2010/main" xmlns="" val="922949278"/>
+        <p14:creationId xmlns="" xmlns:p14="http://schemas.microsoft.com/office/powerpoint/2010/main" val="922949278"/>
       </p:ext>
     </p:extLst>
   </p:cSld>
@@ -4470,7 +4471,7 @@
     </p:spTree>
     <p:extLst>
       <p:ext uri="{BB962C8B-B14F-4D97-AF65-F5344CB8AC3E}">
-        <p14:creationId xmlns:p14="http://schemas.microsoft.com/office/powerpoint/2010/main" xmlns="" val="922949278"/>
+        <p14:creationId xmlns="" xmlns:p14="http://schemas.microsoft.com/office/powerpoint/2010/main" val="922949278"/>
       </p:ext>
     </p:extLst>
   </p:cSld>
@@ -4555,7 +4556,7 @@
     </p:spTree>
     <p:extLst>
       <p:ext uri="{BB962C8B-B14F-4D97-AF65-F5344CB8AC3E}">
-        <p14:creationId xmlns:p14="http://schemas.microsoft.com/office/powerpoint/2010/main" xmlns="" val="922949278"/>
+        <p14:creationId xmlns="" xmlns:p14="http://schemas.microsoft.com/office/powerpoint/2010/main" val="922949278"/>
       </p:ext>
     </p:extLst>
   </p:cSld>
@@ -4640,7 +4641,7 @@
     </p:spTree>
     <p:extLst>
       <p:ext uri="{BB962C8B-B14F-4D97-AF65-F5344CB8AC3E}">
-        <p14:creationId xmlns:p14="http://schemas.microsoft.com/office/powerpoint/2010/main" xmlns="" val="922949278"/>
+        <p14:creationId xmlns="" xmlns:p14="http://schemas.microsoft.com/office/powerpoint/2010/main" val="922949278"/>
       </p:ext>
     </p:extLst>
   </p:cSld>
@@ -4725,7 +4726,7 @@
     </p:spTree>
     <p:extLst>
       <p:ext uri="{BB962C8B-B14F-4D97-AF65-F5344CB8AC3E}">
-        <p14:creationId xmlns:p14="http://schemas.microsoft.com/office/powerpoint/2010/main" xmlns="" val="2540028172"/>
+        <p14:creationId xmlns="" xmlns:p14="http://schemas.microsoft.com/office/powerpoint/2010/main" val="2540028172"/>
       </p:ext>
     </p:extLst>
   </p:cSld>
@@ -4810,7 +4811,7 @@
     </p:spTree>
     <p:extLst>
       <p:ext uri="{BB962C8B-B14F-4D97-AF65-F5344CB8AC3E}">
-        <p14:creationId xmlns:p14="http://schemas.microsoft.com/office/powerpoint/2010/main" xmlns="" val="2840793627"/>
+        <p14:creationId xmlns="" xmlns:p14="http://schemas.microsoft.com/office/powerpoint/2010/main" val="2840793627"/>
       </p:ext>
     </p:extLst>
   </p:cSld>
@@ -4895,7 +4896,7 @@
     </p:spTree>
     <p:extLst>
       <p:ext uri="{BB962C8B-B14F-4D97-AF65-F5344CB8AC3E}">
-        <p14:creationId xmlns:p14="http://schemas.microsoft.com/office/powerpoint/2010/main" xmlns="" val="737681818"/>
+        <p14:creationId xmlns="" xmlns:p14="http://schemas.microsoft.com/office/powerpoint/2010/main" val="737681818"/>
       </p:ext>
     </p:extLst>
   </p:cSld>
@@ -4980,7 +4981,7 @@
     </p:spTree>
     <p:extLst>
       <p:ext uri="{BB962C8B-B14F-4D97-AF65-F5344CB8AC3E}">
-        <p14:creationId xmlns:p14="http://schemas.microsoft.com/office/powerpoint/2010/main" xmlns="" val="4151229091"/>
+        <p14:creationId xmlns="" xmlns:p14="http://schemas.microsoft.com/office/powerpoint/2010/main" val="4151229091"/>
       </p:ext>
     </p:extLst>
   </p:cSld>
@@ -5065,7 +5066,7 @@
     </p:spTree>
     <p:extLst>
       <p:ext uri="{BB962C8B-B14F-4D97-AF65-F5344CB8AC3E}">
-        <p14:creationId xmlns:p14="http://schemas.microsoft.com/office/powerpoint/2010/main" xmlns="" val="3522538323"/>
+        <p14:creationId xmlns="" xmlns:p14="http://schemas.microsoft.com/office/powerpoint/2010/main" val="737681818"/>
       </p:ext>
     </p:extLst>
   </p:cSld>
@@ -5150,7 +5151,92 @@
     </p:spTree>
     <p:extLst>
       <p:ext uri="{BB962C8B-B14F-4D97-AF65-F5344CB8AC3E}">
-        <p14:creationId xmlns:p14="http://schemas.microsoft.com/office/powerpoint/2010/main" xmlns="" val="1721109855"/>
+        <p14:creationId xmlns="" xmlns:p14="http://schemas.microsoft.com/office/powerpoint/2010/main" val="3522538323"/>
+      </p:ext>
+    </p:extLst>
+  </p:cSld>
+  <p:clrMapOvr>
+    <a:masterClrMapping/>
+  </p:clrMapOvr>
+</p:notes>
+</file>
+
+<file path=ppt/notesSlides/notesSlide55.xml><?xml version="1.0" encoding="utf-8"?>
+<p:notes xmlns:a="http://schemas.openxmlformats.org/drawingml/2006/main" xmlns:r="http://schemas.openxmlformats.org/officeDocument/2006/relationships" xmlns:p="http://schemas.openxmlformats.org/presentationml/2006/main">
+  <p:cSld>
+    <p:spTree>
+      <p:nvGrpSpPr>
+        <p:cNvPr id="1" name=""/>
+        <p:cNvGrpSpPr/>
+        <p:nvPr/>
+      </p:nvGrpSpPr>
+      <p:grpSpPr>
+        <a:xfrm>
+          <a:off x="0" y="0"/>
+          <a:ext cx="0" cy="0"/>
+          <a:chOff x="0" y="0"/>
+          <a:chExt cx="0" cy="0"/>
+        </a:xfrm>
+      </p:grpSpPr>
+      <p:sp>
+        <p:nvSpPr>
+          <p:cNvPr id="2" name="Slide Image Placeholder 1"/>
+          <p:cNvSpPr>
+            <a:spLocks noGrp="1" noRot="1" noChangeAspect="1"/>
+          </p:cNvSpPr>
+          <p:nvPr>
+            <p:ph type="sldImg"/>
+          </p:nvPr>
+        </p:nvSpPr>
+        <p:spPr/>
+      </p:sp>
+      <p:sp>
+        <p:nvSpPr>
+          <p:cNvPr id="3" name="Notes Placeholder 2"/>
+          <p:cNvSpPr>
+            <a:spLocks noGrp="1"/>
+          </p:cNvSpPr>
+          <p:nvPr>
+            <p:ph type="body" idx="1"/>
+          </p:nvPr>
+        </p:nvSpPr>
+        <p:spPr/>
+        <p:txBody>
+          <a:bodyPr/>
+          <a:lstStyle/>
+          <a:p>
+            <a:endParaRPr lang="en-US" dirty="0"/>
+          </a:p>
+        </p:txBody>
+      </p:sp>
+      <p:sp>
+        <p:nvSpPr>
+          <p:cNvPr id="4" name="Slide Number Placeholder 3"/>
+          <p:cNvSpPr>
+            <a:spLocks noGrp="1"/>
+          </p:cNvSpPr>
+          <p:nvPr>
+            <p:ph type="sldNum" sz="quarter" idx="5"/>
+          </p:nvPr>
+        </p:nvSpPr>
+        <p:spPr/>
+        <p:txBody>
+          <a:bodyPr/>
+          <a:lstStyle/>
+          <a:p>
+            <a:fld id="{8B57D50D-BAA9-464B-B391-243138E078D8}" type="slidenum">
+              <a:rPr lang="en-US" smtClean="0"/>
+              <a:pPr/>
+              <a:t>55</a:t>
+            </a:fld>
+            <a:endParaRPr lang="en-US" dirty="0"/>
+          </a:p>
+        </p:txBody>
+      </p:sp>
+    </p:spTree>
+    <p:extLst>
+      <p:ext uri="{BB962C8B-B14F-4D97-AF65-F5344CB8AC3E}">
+        <p14:creationId xmlns="" xmlns:p14="http://schemas.microsoft.com/office/powerpoint/2010/main" val="1721109855"/>
       </p:ext>
     </p:extLst>
   </p:cSld>
@@ -5235,7 +5321,7 @@
     </p:spTree>
     <p:extLst>
       <p:ext uri="{BB962C8B-B14F-4D97-AF65-F5344CB8AC3E}">
-        <p14:creationId xmlns:p14="http://schemas.microsoft.com/office/powerpoint/2010/main" xmlns="" val="922949278"/>
+        <p14:creationId xmlns="" xmlns:p14="http://schemas.microsoft.com/office/powerpoint/2010/main" val="922949278"/>
       </p:ext>
     </p:extLst>
   </p:cSld>
@@ -5320,7 +5406,7 @@
     </p:spTree>
     <p:extLst>
       <p:ext uri="{BB962C8B-B14F-4D97-AF65-F5344CB8AC3E}">
-        <p14:creationId xmlns:p14="http://schemas.microsoft.com/office/powerpoint/2010/main" xmlns="" val="922949278"/>
+        <p14:creationId xmlns="" xmlns:p14="http://schemas.microsoft.com/office/powerpoint/2010/main" val="922949278"/>
       </p:ext>
     </p:extLst>
   </p:cSld>
@@ -5405,7 +5491,7 @@
     </p:spTree>
     <p:extLst>
       <p:ext uri="{BB962C8B-B14F-4D97-AF65-F5344CB8AC3E}">
-        <p14:creationId xmlns:p14="http://schemas.microsoft.com/office/powerpoint/2010/main" xmlns="" val="922949278"/>
+        <p14:creationId xmlns="" xmlns:p14="http://schemas.microsoft.com/office/powerpoint/2010/main" val="922949278"/>
       </p:ext>
     </p:extLst>
   </p:cSld>
@@ -5490,7 +5576,7 @@
     </p:spTree>
     <p:extLst>
       <p:ext uri="{BB962C8B-B14F-4D97-AF65-F5344CB8AC3E}">
-        <p14:creationId xmlns:p14="http://schemas.microsoft.com/office/powerpoint/2010/main" xmlns="" val="2540028172"/>
+        <p14:creationId xmlns="" xmlns:p14="http://schemas.microsoft.com/office/powerpoint/2010/main" val="2540028172"/>
       </p:ext>
     </p:extLst>
   </p:cSld>
@@ -5522,10 +5608,10 @@
           <p:cNvPr id="2" name="Group 1">
             <a:extLst>
               <a:ext uri="{FF2B5EF4-FFF2-40B4-BE49-F238E27FC236}">
-                <a16:creationId xmlns:a16="http://schemas.microsoft.com/office/drawing/2014/main" xmlns="" id="{19429764-E305-A48D-5244-9BCD20902244}"/>
+                <a16:creationId xmlns="" xmlns:a16="http://schemas.microsoft.com/office/drawing/2014/main" id="{19429764-E305-A48D-5244-9BCD20902244}"/>
               </a:ext>
               <a:ext uri="{C183D7F6-B498-43B3-948B-1728B52AA6E4}">
-                <adec:decorative xmlns:adec="http://schemas.microsoft.com/office/drawing/2017/decorative" xmlns="" val="1"/>
+                <adec:decorative xmlns="" xmlns:adec="http://schemas.microsoft.com/office/drawing/2017/decorative" val="1"/>
               </a:ext>
             </a:extLst>
           </p:cNvPr>
@@ -5545,7 +5631,7 @@
             <p:cNvPr id="7" name="Freeform 13">
               <a:extLst>
                 <a:ext uri="{FF2B5EF4-FFF2-40B4-BE49-F238E27FC236}">
-                  <a16:creationId xmlns:a16="http://schemas.microsoft.com/office/drawing/2014/main" xmlns="" id="{45F65CE3-2411-E8E5-B72E-F5CBEC4DDC55}"/>
+                  <a16:creationId xmlns="" xmlns:a16="http://schemas.microsoft.com/office/drawing/2014/main" id="{45F65CE3-2411-E8E5-B72E-F5CBEC4DDC55}"/>
                 </a:ext>
               </a:extLst>
             </p:cNvPr>
@@ -5709,7 +5795,7 @@
             <p:cNvPr id="8" name="Straight Connector 7">
               <a:extLst>
                 <a:ext uri="{FF2B5EF4-FFF2-40B4-BE49-F238E27FC236}">
-                  <a16:creationId xmlns:a16="http://schemas.microsoft.com/office/drawing/2014/main" xmlns="" id="{3B6B51B3-AA6C-9C5E-7032-5AEA05D45908}"/>
+                  <a16:creationId xmlns="" xmlns:a16="http://schemas.microsoft.com/office/drawing/2014/main" id="{3B6B51B3-AA6C-9C5E-7032-5AEA05D45908}"/>
                 </a:ext>
               </a:extLst>
             </p:cNvPr>
@@ -5753,7 +5839,7 @@
             <p:cNvPr id="9" name="Freeform: Shape 13">
               <a:extLst>
                 <a:ext uri="{FF2B5EF4-FFF2-40B4-BE49-F238E27FC236}">
-                  <a16:creationId xmlns:a16="http://schemas.microsoft.com/office/drawing/2014/main" xmlns="" id="{4F28561D-5B3C-F08A-F7B5-48E6B74EAEBD}"/>
+                  <a16:creationId xmlns="" xmlns:a16="http://schemas.microsoft.com/office/drawing/2014/main" id="{4F28561D-5B3C-F08A-F7B5-48E6B74EAEBD}"/>
                 </a:ext>
               </a:extLst>
             </p:cNvPr>
@@ -5899,7 +5985,7 @@
             <p:cNvPr id="10" name="Freeform: Shape 15">
               <a:extLst>
                 <a:ext uri="{FF2B5EF4-FFF2-40B4-BE49-F238E27FC236}">
-                  <a16:creationId xmlns:a16="http://schemas.microsoft.com/office/drawing/2014/main" xmlns="" id="{7BD7FF70-44B7-E753-26CD-E228B56C2517}"/>
+                  <a16:creationId xmlns="" xmlns:a16="http://schemas.microsoft.com/office/drawing/2014/main" id="{7BD7FF70-44B7-E753-26CD-E228B56C2517}"/>
                 </a:ext>
               </a:extLst>
             </p:cNvPr>
@@ -6037,7 +6123,7 @@
             <p:cNvPr id="11" name="Oval 10">
               <a:extLst>
                 <a:ext uri="{FF2B5EF4-FFF2-40B4-BE49-F238E27FC236}">
-                  <a16:creationId xmlns:a16="http://schemas.microsoft.com/office/drawing/2014/main" xmlns="" id="{DF9EE857-93B9-ACF6-2AB4-2A29C4B94776}"/>
+                  <a16:creationId xmlns="" xmlns:a16="http://schemas.microsoft.com/office/drawing/2014/main" id="{DF9EE857-93B9-ACF6-2AB4-2A29C4B94776}"/>
                 </a:ext>
               </a:extLst>
             </p:cNvPr>
@@ -6118,7 +6204,7 @@
             <p:cNvPr id="12" name="Freeform: Shape 19">
               <a:extLst>
                 <a:ext uri="{FF2B5EF4-FFF2-40B4-BE49-F238E27FC236}">
-                  <a16:creationId xmlns:a16="http://schemas.microsoft.com/office/drawing/2014/main" xmlns="" id="{75030D84-5EEB-A095-3D43-0ED22BDB8406}"/>
+                  <a16:creationId xmlns="" xmlns:a16="http://schemas.microsoft.com/office/drawing/2014/main" id="{75030D84-5EEB-A095-3D43-0ED22BDB8406}"/>
                 </a:ext>
               </a:extLst>
             </p:cNvPr>
@@ -6288,7 +6374,7 @@
             <p:cNvPr id="13" name="Arc 12">
               <a:extLst>
                 <a:ext uri="{FF2B5EF4-FFF2-40B4-BE49-F238E27FC236}">
-                  <a16:creationId xmlns:a16="http://schemas.microsoft.com/office/drawing/2014/main" xmlns="" id="{26E6DE3E-6851-19AD-2E60-22F006238173}"/>
+                  <a16:creationId xmlns="" xmlns:a16="http://schemas.microsoft.com/office/drawing/2014/main" id="{26E6DE3E-6851-19AD-2E60-22F006238173}"/>
                 </a:ext>
               </a:extLst>
             </p:cNvPr>
@@ -6368,7 +6454,7 @@
           <p:cNvPr id="6" name="Title 1">
             <a:extLst>
               <a:ext uri="{FF2B5EF4-FFF2-40B4-BE49-F238E27FC236}">
-                <a16:creationId xmlns:a16="http://schemas.microsoft.com/office/drawing/2014/main" xmlns="" id="{2E8C189B-2E00-67DA-E342-3440F5EBB4CE}"/>
+                <a16:creationId xmlns="" xmlns:a16="http://schemas.microsoft.com/office/drawing/2014/main" id="{2E8C189B-2E00-67DA-E342-3440F5EBB4CE}"/>
               </a:ext>
             </a:extLst>
           </p:cNvPr>
@@ -6409,7 +6495,7 @@
     </p:spTree>
     <p:extLst>
       <p:ext uri="{BB962C8B-B14F-4D97-AF65-F5344CB8AC3E}">
-        <p14:creationId xmlns:p14="http://schemas.microsoft.com/office/powerpoint/2010/main" xmlns="" val="3424675042"/>
+        <p14:creationId xmlns="" xmlns:p14="http://schemas.microsoft.com/office/powerpoint/2010/main" val="3424675042"/>
       </p:ext>
     </p:extLst>
   </p:cSld>
@@ -6441,10 +6527,10 @@
           <p:cNvPr id="11" name="Rectangle 10">
             <a:extLst>
               <a:ext uri="{FF2B5EF4-FFF2-40B4-BE49-F238E27FC236}">
-                <a16:creationId xmlns:a16="http://schemas.microsoft.com/office/drawing/2014/main" xmlns="" id="{D9FE4C84-13A1-72EA-6541-7C8FDDEA71C0}"/>
+                <a16:creationId xmlns="" xmlns:a16="http://schemas.microsoft.com/office/drawing/2014/main" id="{D9FE4C84-13A1-72EA-6541-7C8FDDEA71C0}"/>
               </a:ext>
               <a:ext uri="{C183D7F6-B498-43B3-948B-1728B52AA6E4}">
-                <adec:decorative xmlns:adec="http://schemas.microsoft.com/office/drawing/2017/decorative" xmlns="" val="1"/>
+                <adec:decorative xmlns="" xmlns:adec="http://schemas.microsoft.com/office/drawing/2017/decorative" val="1"/>
               </a:ext>
             </a:extLst>
           </p:cNvPr>
@@ -6526,10 +6612,10 @@
           <p:cNvPr id="12" name="Arc 11">
             <a:extLst>
               <a:ext uri="{FF2B5EF4-FFF2-40B4-BE49-F238E27FC236}">
-                <a16:creationId xmlns:a16="http://schemas.microsoft.com/office/drawing/2014/main" xmlns="" id="{30468883-4E51-D3BD-E1C6-601ED9B6EF0E}"/>
+                <a16:creationId xmlns="" xmlns:a16="http://schemas.microsoft.com/office/drawing/2014/main" id="{30468883-4E51-D3BD-E1C6-601ED9B6EF0E}"/>
               </a:ext>
               <a:ext uri="{C183D7F6-B498-43B3-948B-1728B52AA6E4}">
-                <adec:decorative xmlns:adec="http://schemas.microsoft.com/office/drawing/2017/decorative" xmlns="" val="1"/>
+                <adec:decorative xmlns="" xmlns:adec="http://schemas.microsoft.com/office/drawing/2017/decorative" val="1"/>
               </a:ext>
             </a:extLst>
           </p:cNvPr>
@@ -6611,10 +6697,10 @@
           <p:cNvPr id="13" name="Freeform 9">
             <a:extLst>
               <a:ext uri="{FF2B5EF4-FFF2-40B4-BE49-F238E27FC236}">
-                <a16:creationId xmlns:a16="http://schemas.microsoft.com/office/drawing/2014/main" xmlns="" id="{111AEF3F-9A86-45CE-4817-E3E6863DC09A}"/>
+                <a16:creationId xmlns="" xmlns:a16="http://schemas.microsoft.com/office/drawing/2014/main" id="{111AEF3F-9A86-45CE-4817-E3E6863DC09A}"/>
               </a:ext>
               <a:ext uri="{C183D7F6-B498-43B3-948B-1728B52AA6E4}">
-                <adec:decorative xmlns:adec="http://schemas.microsoft.com/office/drawing/2017/decorative" xmlns="" val="1"/>
+                <adec:decorative xmlns="" xmlns:adec="http://schemas.microsoft.com/office/drawing/2017/decorative" val="1"/>
               </a:ext>
             </a:extLst>
           </p:cNvPr>
@@ -6731,7 +6817,7 @@
           <p:cNvPr id="2" name="Title 1">
             <a:extLst>
               <a:ext uri="{FF2B5EF4-FFF2-40B4-BE49-F238E27FC236}">
-                <a16:creationId xmlns:a16="http://schemas.microsoft.com/office/drawing/2014/main" xmlns="" id="{0C40C44A-93E6-6C58-5E88-AFDC594EC27A}"/>
+                <a16:creationId xmlns="" xmlns:a16="http://schemas.microsoft.com/office/drawing/2014/main" id="{0C40C44A-93E6-6C58-5E88-AFDC594EC27A}"/>
               </a:ext>
             </a:extLst>
           </p:cNvPr>
@@ -6765,7 +6851,7 @@
           <p:cNvPr id="9" name="Content Placeholder 2">
             <a:extLst>
               <a:ext uri="{FF2B5EF4-FFF2-40B4-BE49-F238E27FC236}">
-                <a16:creationId xmlns:a16="http://schemas.microsoft.com/office/drawing/2014/main" xmlns="" id="{F5A792C8-BB21-CDAF-668C-C1EFF45540C6}"/>
+                <a16:creationId xmlns="" xmlns:a16="http://schemas.microsoft.com/office/drawing/2014/main" id="{F5A792C8-BB21-CDAF-668C-C1EFF45540C6}"/>
               </a:ext>
             </a:extLst>
           </p:cNvPr>
@@ -6883,7 +6969,7 @@
           <p:cNvPr id="4" name="Content Placeholder 3">
             <a:extLst>
               <a:ext uri="{FF2B5EF4-FFF2-40B4-BE49-F238E27FC236}">
-                <a16:creationId xmlns:a16="http://schemas.microsoft.com/office/drawing/2014/main" xmlns="" id="{72DFB03A-367B-9ADA-8071-E22871EC115F}"/>
+                <a16:creationId xmlns="" xmlns:a16="http://schemas.microsoft.com/office/drawing/2014/main" id="{72DFB03A-367B-9ADA-8071-E22871EC115F}"/>
               </a:ext>
             </a:extLst>
           </p:cNvPr>
@@ -7014,7 +7100,7 @@
           <p:cNvPr id="5" name="Date Placeholder 4">
             <a:extLst>
               <a:ext uri="{FF2B5EF4-FFF2-40B4-BE49-F238E27FC236}">
-                <a16:creationId xmlns:a16="http://schemas.microsoft.com/office/drawing/2014/main" xmlns="" id="{C6CFCEB5-4092-FD13-478E-51CD74FDB82E}"/>
+                <a16:creationId xmlns="" xmlns:a16="http://schemas.microsoft.com/office/drawing/2014/main" id="{C6CFCEB5-4092-FD13-478E-51CD74FDB82E}"/>
               </a:ext>
             </a:extLst>
           </p:cNvPr>
@@ -7033,7 +7119,7 @@
             <a:fld id="{D6D8061D-18C3-4F4F-85EF-561633F58754}" type="datetimeFigureOut">
               <a:rPr lang="en-US" smtClean="0"/>
               <a:pPr/>
-              <a:t>10/21/2024</a:t>
+              <a:t>10/24/2024</a:t>
             </a:fld>
             <a:endParaRPr lang="en-US" dirty="0"/>
           </a:p>
@@ -7044,7 +7130,7 @@
           <p:cNvPr id="6" name="Footer Placeholder 5">
             <a:extLst>
               <a:ext uri="{FF2B5EF4-FFF2-40B4-BE49-F238E27FC236}">
-                <a16:creationId xmlns:a16="http://schemas.microsoft.com/office/drawing/2014/main" xmlns="" id="{5D077A4D-E7C0-912D-293F-D93F0CB5CA49}"/>
+                <a16:creationId xmlns="" xmlns:a16="http://schemas.microsoft.com/office/drawing/2014/main" id="{5D077A4D-E7C0-912D-293F-D93F0CB5CA49}"/>
               </a:ext>
             </a:extLst>
           </p:cNvPr>
@@ -7069,7 +7155,7 @@
           <p:cNvPr id="7" name="Slide Number Placeholder 6">
             <a:extLst>
               <a:ext uri="{FF2B5EF4-FFF2-40B4-BE49-F238E27FC236}">
-                <a16:creationId xmlns:a16="http://schemas.microsoft.com/office/drawing/2014/main" xmlns="" id="{CA6AA9E1-334B-5F8F-8A92-67DD095F7838}"/>
+                <a16:creationId xmlns="" xmlns:a16="http://schemas.microsoft.com/office/drawing/2014/main" id="{CA6AA9E1-334B-5F8F-8A92-67DD095F7838}"/>
               </a:ext>
             </a:extLst>
           </p:cNvPr>
@@ -7097,7 +7183,7 @@
     </p:spTree>
     <p:extLst>
       <p:ext uri="{BB962C8B-B14F-4D97-AF65-F5344CB8AC3E}">
-        <p14:creationId xmlns:p14="http://schemas.microsoft.com/office/powerpoint/2010/main" xmlns="" val="137703936"/>
+        <p14:creationId xmlns="" xmlns:p14="http://schemas.microsoft.com/office/powerpoint/2010/main" val="137703936"/>
       </p:ext>
     </p:extLst>
   </p:cSld>
@@ -7129,7 +7215,7 @@
           <p:cNvPr id="2" name="Title 1">
             <a:extLst>
               <a:ext uri="{FF2B5EF4-FFF2-40B4-BE49-F238E27FC236}">
-                <a16:creationId xmlns:a16="http://schemas.microsoft.com/office/drawing/2014/main" xmlns="" id="{F657BD59-35CC-9BB3-8621-6FA3356F81AA}"/>
+                <a16:creationId xmlns="" xmlns:a16="http://schemas.microsoft.com/office/drawing/2014/main" id="{F657BD59-35CC-9BB3-8621-6FA3356F81AA}"/>
               </a:ext>
             </a:extLst>
           </p:cNvPr>
@@ -7159,7 +7245,7 @@
           <p:cNvPr id="4" name="Date Placeholder 3">
             <a:extLst>
               <a:ext uri="{FF2B5EF4-FFF2-40B4-BE49-F238E27FC236}">
-                <a16:creationId xmlns:a16="http://schemas.microsoft.com/office/drawing/2014/main" xmlns="" id="{8C56EB0F-63C8-5F75-A333-3413A9DC6F76}"/>
+                <a16:creationId xmlns="" xmlns:a16="http://schemas.microsoft.com/office/drawing/2014/main" id="{8C56EB0F-63C8-5F75-A333-3413A9DC6F76}"/>
               </a:ext>
             </a:extLst>
           </p:cNvPr>
@@ -7178,7 +7264,7 @@
             <a:fld id="{D6D8061D-18C3-4F4F-85EF-561633F58754}" type="datetimeFigureOut">
               <a:rPr lang="en-US" smtClean="0"/>
               <a:pPr/>
-              <a:t>10/21/2024</a:t>
+              <a:t>10/24/2024</a:t>
             </a:fld>
             <a:endParaRPr lang="en-US" dirty="0"/>
           </a:p>
@@ -7189,7 +7275,7 @@
           <p:cNvPr id="5" name="Footer Placeholder 4">
             <a:extLst>
               <a:ext uri="{FF2B5EF4-FFF2-40B4-BE49-F238E27FC236}">
-                <a16:creationId xmlns:a16="http://schemas.microsoft.com/office/drawing/2014/main" xmlns="" id="{4D4DE333-25B4-E092-1CC4-C3D20BA25168}"/>
+                <a16:creationId xmlns="" xmlns:a16="http://schemas.microsoft.com/office/drawing/2014/main" id="{4D4DE333-25B4-E092-1CC4-C3D20BA25168}"/>
               </a:ext>
             </a:extLst>
           </p:cNvPr>
@@ -7214,7 +7300,7 @@
           <p:cNvPr id="6" name="Slide Number Placeholder 5">
             <a:extLst>
               <a:ext uri="{FF2B5EF4-FFF2-40B4-BE49-F238E27FC236}">
-                <a16:creationId xmlns:a16="http://schemas.microsoft.com/office/drawing/2014/main" xmlns="" id="{8F1AF200-E81F-A326-0EDB-4B93C71D9BF4}"/>
+                <a16:creationId xmlns="" xmlns:a16="http://schemas.microsoft.com/office/drawing/2014/main" id="{8F1AF200-E81F-A326-0EDB-4B93C71D9BF4}"/>
               </a:ext>
             </a:extLst>
           </p:cNvPr>
@@ -7244,7 +7330,7 @@
           <p:cNvPr id="8" name="Table Placeholder 7">
             <a:extLst>
               <a:ext uri="{FF2B5EF4-FFF2-40B4-BE49-F238E27FC236}">
-                <a16:creationId xmlns:a16="http://schemas.microsoft.com/office/drawing/2014/main" xmlns="" id="{0CEAFE70-86D3-8690-31CA-F9A1FBA494D0}"/>
+                <a16:creationId xmlns="" xmlns:a16="http://schemas.microsoft.com/office/drawing/2014/main" id="{0CEAFE70-86D3-8690-31CA-F9A1FBA494D0}"/>
               </a:ext>
             </a:extLst>
           </p:cNvPr>
@@ -7281,7 +7367,7 @@
     </p:spTree>
     <p:extLst>
       <p:ext uri="{BB962C8B-B14F-4D97-AF65-F5344CB8AC3E}">
-        <p14:creationId xmlns:p14="http://schemas.microsoft.com/office/powerpoint/2010/main" xmlns="" val="2626099294"/>
+        <p14:creationId xmlns="" xmlns:p14="http://schemas.microsoft.com/office/powerpoint/2010/main" val="2626099294"/>
       </p:ext>
     </p:extLst>
   </p:cSld>
@@ -7313,10 +7399,10 @@
           <p:cNvPr id="7" name="Group 6">
             <a:extLst>
               <a:ext uri="{FF2B5EF4-FFF2-40B4-BE49-F238E27FC236}">
-                <a16:creationId xmlns:a16="http://schemas.microsoft.com/office/drawing/2014/main" xmlns="" id="{D7B7232D-F1A6-B6C3-3BBF-E834CC7CDC8E}"/>
+                <a16:creationId xmlns="" xmlns:a16="http://schemas.microsoft.com/office/drawing/2014/main" id="{D7B7232D-F1A6-B6C3-3BBF-E834CC7CDC8E}"/>
               </a:ext>
               <a:ext uri="{C183D7F6-B498-43B3-948B-1728B52AA6E4}">
-                <adec:decorative xmlns:adec="http://schemas.microsoft.com/office/drawing/2017/decorative" xmlns="" val="1"/>
+                <adec:decorative xmlns="" xmlns:adec="http://schemas.microsoft.com/office/drawing/2017/decorative" val="1"/>
               </a:ext>
             </a:extLst>
           </p:cNvPr>
@@ -7336,7 +7422,7 @@
             <p:cNvPr id="8" name="Oval 7">
               <a:extLst>
                 <a:ext uri="{FF2B5EF4-FFF2-40B4-BE49-F238E27FC236}">
-                  <a16:creationId xmlns:a16="http://schemas.microsoft.com/office/drawing/2014/main" xmlns="" id="{0D306340-6BFD-FE3D-535B-B59C1C44EDDA}"/>
+                  <a16:creationId xmlns="" xmlns:a16="http://schemas.microsoft.com/office/drawing/2014/main" id="{0D306340-6BFD-FE3D-535B-B59C1C44EDDA}"/>
                 </a:ext>
               </a:extLst>
             </p:cNvPr>
@@ -7417,7 +7503,7 @@
             <p:cNvPr id="9" name="Freeform: Shape 11">
               <a:extLst>
                 <a:ext uri="{FF2B5EF4-FFF2-40B4-BE49-F238E27FC236}">
-                  <a16:creationId xmlns:a16="http://schemas.microsoft.com/office/drawing/2014/main" xmlns="" id="{338E6C4B-ABF3-8B7E-8DCF-A93F69C712B1}"/>
+                  <a16:creationId xmlns="" xmlns:a16="http://schemas.microsoft.com/office/drawing/2014/main" id="{338E6C4B-ABF3-8B7E-8DCF-A93F69C712B1}"/>
                 </a:ext>
               </a:extLst>
             </p:cNvPr>
@@ -7555,7 +7641,7 @@
             <p:cNvPr id="10" name="Freeform: Shape 13">
               <a:extLst>
                 <a:ext uri="{FF2B5EF4-FFF2-40B4-BE49-F238E27FC236}">
-                  <a16:creationId xmlns:a16="http://schemas.microsoft.com/office/drawing/2014/main" xmlns="" id="{6F90F99F-B12A-E8F9-5A86-D76B201D6308}"/>
+                  <a16:creationId xmlns="" xmlns:a16="http://schemas.microsoft.com/office/drawing/2014/main" id="{6F90F99F-B12A-E8F9-5A86-D76B201D6308}"/>
                 </a:ext>
               </a:extLst>
             </p:cNvPr>
@@ -7701,7 +7787,7 @@
             <p:cNvPr id="11" name="Freeform: Shape 15">
               <a:extLst>
                 <a:ext uri="{FF2B5EF4-FFF2-40B4-BE49-F238E27FC236}">
-                  <a16:creationId xmlns:a16="http://schemas.microsoft.com/office/drawing/2014/main" xmlns="" id="{BFA99EFE-81BC-95EA-FA61-B7199AD98A74}"/>
+                  <a16:creationId xmlns="" xmlns:a16="http://schemas.microsoft.com/office/drawing/2014/main" id="{BFA99EFE-81BC-95EA-FA61-B7199AD98A74}"/>
                 </a:ext>
               </a:extLst>
             </p:cNvPr>
@@ -7839,7 +7925,7 @@
             <p:cNvPr id="12" name="Freeform: Shape 17">
               <a:extLst>
                 <a:ext uri="{FF2B5EF4-FFF2-40B4-BE49-F238E27FC236}">
-                  <a16:creationId xmlns:a16="http://schemas.microsoft.com/office/drawing/2014/main" xmlns="" id="{DD9FC028-D877-28FE-C646-DBD85D932641}"/>
+                  <a16:creationId xmlns="" xmlns:a16="http://schemas.microsoft.com/office/drawing/2014/main" id="{DD9FC028-D877-28FE-C646-DBD85D932641}"/>
                 </a:ext>
               </a:extLst>
             </p:cNvPr>
@@ -7983,7 +8069,7 @@
             <p:cNvPr id="13" name="Freeform: Shape 21">
               <a:extLst>
                 <a:ext uri="{FF2B5EF4-FFF2-40B4-BE49-F238E27FC236}">
-                  <a16:creationId xmlns:a16="http://schemas.microsoft.com/office/drawing/2014/main" xmlns="" id="{AA0AFFE9-F0C2-BDA0-BF87-9977706AB6A8}"/>
+                  <a16:creationId xmlns="" xmlns:a16="http://schemas.microsoft.com/office/drawing/2014/main" id="{AA0AFFE9-F0C2-BDA0-BF87-9977706AB6A8}"/>
                 </a:ext>
               </a:extLst>
             </p:cNvPr>
@@ -8130,7 +8216,7 @@
           <p:cNvPr id="2" name="Title 1">
             <a:extLst>
               <a:ext uri="{FF2B5EF4-FFF2-40B4-BE49-F238E27FC236}">
-                <a16:creationId xmlns:a16="http://schemas.microsoft.com/office/drawing/2014/main" xmlns="" id="{F657BD59-35CC-9BB3-8621-6FA3356F81AA}"/>
+                <a16:creationId xmlns="" xmlns:a16="http://schemas.microsoft.com/office/drawing/2014/main" id="{F657BD59-35CC-9BB3-8621-6FA3356F81AA}"/>
               </a:ext>
             </a:extLst>
           </p:cNvPr>
@@ -8170,7 +8256,7 @@
           <p:cNvPr id="3" name="Content Placeholder 2">
             <a:extLst>
               <a:ext uri="{FF2B5EF4-FFF2-40B4-BE49-F238E27FC236}">
-                <a16:creationId xmlns:a16="http://schemas.microsoft.com/office/drawing/2014/main" xmlns="" id="{A772710C-A212-1B12-06CD-FA2A14F89D68}"/>
+                <a16:creationId xmlns="" xmlns:a16="http://schemas.microsoft.com/office/drawing/2014/main" id="{A772710C-A212-1B12-06CD-FA2A14F89D68}"/>
               </a:ext>
             </a:extLst>
           </p:cNvPr>
@@ -8301,7 +8387,7 @@
           <p:cNvPr id="4" name="Date Placeholder 3">
             <a:extLst>
               <a:ext uri="{FF2B5EF4-FFF2-40B4-BE49-F238E27FC236}">
-                <a16:creationId xmlns:a16="http://schemas.microsoft.com/office/drawing/2014/main" xmlns="" id="{8C56EB0F-63C8-5F75-A333-3413A9DC6F76}"/>
+                <a16:creationId xmlns="" xmlns:a16="http://schemas.microsoft.com/office/drawing/2014/main" id="{8C56EB0F-63C8-5F75-A333-3413A9DC6F76}"/>
               </a:ext>
             </a:extLst>
           </p:cNvPr>
@@ -8320,7 +8406,7 @@
             <a:fld id="{D6D8061D-18C3-4F4F-85EF-561633F58754}" type="datetimeFigureOut">
               <a:rPr lang="en-US" smtClean="0"/>
               <a:pPr/>
-              <a:t>10/21/2024</a:t>
+              <a:t>10/24/2024</a:t>
             </a:fld>
             <a:endParaRPr lang="en-US" dirty="0"/>
           </a:p>
@@ -8331,7 +8417,7 @@
           <p:cNvPr id="5" name="Footer Placeholder 4">
             <a:extLst>
               <a:ext uri="{FF2B5EF4-FFF2-40B4-BE49-F238E27FC236}">
-                <a16:creationId xmlns:a16="http://schemas.microsoft.com/office/drawing/2014/main" xmlns="" id="{4D4DE333-25B4-E092-1CC4-C3D20BA25168}"/>
+                <a16:creationId xmlns="" xmlns:a16="http://schemas.microsoft.com/office/drawing/2014/main" id="{4D4DE333-25B4-E092-1CC4-C3D20BA25168}"/>
               </a:ext>
             </a:extLst>
           </p:cNvPr>
@@ -8356,7 +8442,7 @@
           <p:cNvPr id="6" name="Slide Number Placeholder 5">
             <a:extLst>
               <a:ext uri="{FF2B5EF4-FFF2-40B4-BE49-F238E27FC236}">
-                <a16:creationId xmlns:a16="http://schemas.microsoft.com/office/drawing/2014/main" xmlns="" id="{8F1AF200-E81F-A326-0EDB-4B93C71D9BF4}"/>
+                <a16:creationId xmlns="" xmlns:a16="http://schemas.microsoft.com/office/drawing/2014/main" id="{8F1AF200-E81F-A326-0EDB-4B93C71D9BF4}"/>
               </a:ext>
             </a:extLst>
           </p:cNvPr>
@@ -8384,7 +8470,7 @@
     </p:spTree>
     <p:extLst>
       <p:ext uri="{BB962C8B-B14F-4D97-AF65-F5344CB8AC3E}">
-        <p14:creationId xmlns:p14="http://schemas.microsoft.com/office/powerpoint/2010/main" xmlns="" val="2162967001"/>
+        <p14:creationId xmlns="" xmlns:p14="http://schemas.microsoft.com/office/powerpoint/2010/main" val="2162967001"/>
       </p:ext>
     </p:extLst>
   </p:cSld>
@@ -8416,10 +8502,10 @@
           <p:cNvPr id="7" name="Group 6">
             <a:extLst>
               <a:ext uri="{FF2B5EF4-FFF2-40B4-BE49-F238E27FC236}">
-                <a16:creationId xmlns:a16="http://schemas.microsoft.com/office/drawing/2014/main" xmlns="" id="{3E96D25F-53A2-6217-84B4-7EB874F0B372}"/>
+                <a16:creationId xmlns="" xmlns:a16="http://schemas.microsoft.com/office/drawing/2014/main" id="{3E96D25F-53A2-6217-84B4-7EB874F0B372}"/>
               </a:ext>
               <a:ext uri="{C183D7F6-B498-43B3-948B-1728B52AA6E4}">
-                <adec:decorative xmlns:adec="http://schemas.microsoft.com/office/drawing/2017/decorative" xmlns="" val="1"/>
+                <adec:decorative xmlns="" xmlns:adec="http://schemas.microsoft.com/office/drawing/2017/decorative" val="1"/>
               </a:ext>
             </a:extLst>
           </p:cNvPr>
@@ -8439,7 +8525,7 @@
             <p:cNvPr id="8" name="Oval 7">
               <a:extLst>
                 <a:ext uri="{FF2B5EF4-FFF2-40B4-BE49-F238E27FC236}">
-                  <a16:creationId xmlns:a16="http://schemas.microsoft.com/office/drawing/2014/main" xmlns="" id="{A50FA62D-C8AE-52B8-1712-6116756D1A83}"/>
+                  <a16:creationId xmlns="" xmlns:a16="http://schemas.microsoft.com/office/drawing/2014/main" id="{A50FA62D-C8AE-52B8-1712-6116756D1A83}"/>
                 </a:ext>
               </a:extLst>
             </p:cNvPr>
@@ -8520,7 +8606,7 @@
             <p:cNvPr id="9" name="Arc 8">
               <a:extLst>
                 <a:ext uri="{FF2B5EF4-FFF2-40B4-BE49-F238E27FC236}">
-                  <a16:creationId xmlns:a16="http://schemas.microsoft.com/office/drawing/2014/main" xmlns="" id="{1D2D6A01-57CF-3C0B-968C-E5A8FD352320}"/>
+                  <a16:creationId xmlns="" xmlns:a16="http://schemas.microsoft.com/office/drawing/2014/main" id="{1D2D6A01-57CF-3C0B-968C-E5A8FD352320}"/>
                 </a:ext>
               </a:extLst>
             </p:cNvPr>
@@ -8603,7 +8689,7 @@
             <p:cNvPr id="10" name="Oval 9">
               <a:extLst>
                 <a:ext uri="{FF2B5EF4-FFF2-40B4-BE49-F238E27FC236}">
-                  <a16:creationId xmlns:a16="http://schemas.microsoft.com/office/drawing/2014/main" xmlns="" id="{410BEFAA-C349-7DB1-1827-0FA48A430AD8}"/>
+                  <a16:creationId xmlns="" xmlns:a16="http://schemas.microsoft.com/office/drawing/2014/main" id="{410BEFAA-C349-7DB1-1827-0FA48A430AD8}"/>
                 </a:ext>
               </a:extLst>
             </p:cNvPr>
@@ -8685,7 +8771,7 @@
           <p:cNvPr id="2" name="Title 1">
             <a:extLst>
               <a:ext uri="{FF2B5EF4-FFF2-40B4-BE49-F238E27FC236}">
-                <a16:creationId xmlns:a16="http://schemas.microsoft.com/office/drawing/2014/main" xmlns="" id="{F657BD59-35CC-9BB3-8621-6FA3356F81AA}"/>
+                <a16:creationId xmlns="" xmlns:a16="http://schemas.microsoft.com/office/drawing/2014/main" id="{F657BD59-35CC-9BB3-8621-6FA3356F81AA}"/>
               </a:ext>
             </a:extLst>
           </p:cNvPr>
@@ -8728,7 +8814,7 @@
           <p:cNvPr id="3" name="Content Placeholder 2">
             <a:extLst>
               <a:ext uri="{FF2B5EF4-FFF2-40B4-BE49-F238E27FC236}">
-                <a16:creationId xmlns:a16="http://schemas.microsoft.com/office/drawing/2014/main" xmlns="" id="{A772710C-A212-1B12-06CD-FA2A14F89D68}"/>
+                <a16:creationId xmlns="" xmlns:a16="http://schemas.microsoft.com/office/drawing/2014/main" id="{A772710C-A212-1B12-06CD-FA2A14F89D68}"/>
               </a:ext>
             </a:extLst>
           </p:cNvPr>
@@ -8857,7 +8943,7 @@
     </p:spTree>
     <p:extLst>
       <p:ext uri="{BB962C8B-B14F-4D97-AF65-F5344CB8AC3E}">
-        <p14:creationId xmlns:p14="http://schemas.microsoft.com/office/powerpoint/2010/main" xmlns="" val="1914388044"/>
+        <p14:creationId xmlns="" xmlns:p14="http://schemas.microsoft.com/office/powerpoint/2010/main" val="1914388044"/>
       </p:ext>
     </p:extLst>
   </p:cSld>
@@ -8897,7 +8983,7 @@
           <p:cNvPr id="2" name="Picture Placeholder 1">
             <a:extLst>
               <a:ext uri="{FF2B5EF4-FFF2-40B4-BE49-F238E27FC236}">
-                <a16:creationId xmlns:a16="http://schemas.microsoft.com/office/drawing/2014/main" xmlns="" id="{9EF93C3C-09E9-6CD0-EF4B-6DE09539EE7A}"/>
+                <a16:creationId xmlns="" xmlns:a16="http://schemas.microsoft.com/office/drawing/2014/main" id="{9EF93C3C-09E9-6CD0-EF4B-6DE09539EE7A}"/>
               </a:ext>
             </a:extLst>
           </p:cNvPr>
@@ -9112,10 +9198,10 @@
           <p:cNvPr id="3" name="Arc 2">
             <a:extLst>
               <a:ext uri="{FF2B5EF4-FFF2-40B4-BE49-F238E27FC236}">
-                <a16:creationId xmlns:a16="http://schemas.microsoft.com/office/drawing/2014/main" xmlns="" id="{D5C3C4BD-DFDB-76B4-17CA-7DA4D1729FA1}"/>
+                <a16:creationId xmlns="" xmlns:a16="http://schemas.microsoft.com/office/drawing/2014/main" id="{D5C3C4BD-DFDB-76B4-17CA-7DA4D1729FA1}"/>
               </a:ext>
               <a:ext uri="{C183D7F6-B498-43B3-948B-1728B52AA6E4}">
-                <adec:decorative xmlns:adec="http://schemas.microsoft.com/office/drawing/2017/decorative" xmlns="" val="1"/>
+                <adec:decorative xmlns="" xmlns:adec="http://schemas.microsoft.com/office/drawing/2017/decorative" val="1"/>
               </a:ext>
             </a:extLst>
           </p:cNvPr>
@@ -9199,7 +9285,7 @@
           <p:cNvPr id="12" name="Title 11">
             <a:extLst>
               <a:ext uri="{FF2B5EF4-FFF2-40B4-BE49-F238E27FC236}">
-                <a16:creationId xmlns:a16="http://schemas.microsoft.com/office/drawing/2014/main" xmlns="" id="{2B04B61C-6467-D51D-0AF4-5C7D05F36CB5}"/>
+                <a16:creationId xmlns="" xmlns:a16="http://schemas.microsoft.com/office/drawing/2014/main" id="{2B04B61C-6467-D51D-0AF4-5C7D05F36CB5}"/>
               </a:ext>
             </a:extLst>
           </p:cNvPr>
@@ -9242,10 +9328,10 @@
           <p:cNvPr id="4" name="Freeform: Shape 3">
             <a:extLst>
               <a:ext uri="{FF2B5EF4-FFF2-40B4-BE49-F238E27FC236}">
-                <a16:creationId xmlns:a16="http://schemas.microsoft.com/office/drawing/2014/main" xmlns="" id="{47A19F4B-D154-3EB2-F86A-9A63283A3EA6}"/>
+                <a16:creationId xmlns="" xmlns:a16="http://schemas.microsoft.com/office/drawing/2014/main" id="{47A19F4B-D154-3EB2-F86A-9A63283A3EA6}"/>
               </a:ext>
               <a:ext uri="{C183D7F6-B498-43B3-948B-1728B52AA6E4}">
-                <adec:decorative xmlns:adec="http://schemas.microsoft.com/office/drawing/2017/decorative" xmlns="" val="1"/>
+                <adec:decorative xmlns="" xmlns:adec="http://schemas.microsoft.com/office/drawing/2017/decorative" val="1"/>
               </a:ext>
             </a:extLst>
           </p:cNvPr>
@@ -9419,7 +9505,7 @@
     </p:spTree>
     <p:extLst>
       <p:ext uri="{BB962C8B-B14F-4D97-AF65-F5344CB8AC3E}">
-        <p14:creationId xmlns:p14="http://schemas.microsoft.com/office/powerpoint/2010/main" xmlns="" val="3298420441"/>
+        <p14:creationId xmlns="" xmlns:p14="http://schemas.microsoft.com/office/powerpoint/2010/main" val="3298420441"/>
       </p:ext>
     </p:extLst>
   </p:cSld>
@@ -9451,7 +9537,7 @@
           <p:cNvPr id="2" name="Title 1">
             <a:extLst>
               <a:ext uri="{FF2B5EF4-FFF2-40B4-BE49-F238E27FC236}">
-                <a16:creationId xmlns:a16="http://schemas.microsoft.com/office/drawing/2014/main" xmlns="" id="{F657BD59-35CC-9BB3-8621-6FA3356F81AA}"/>
+                <a16:creationId xmlns="" xmlns:a16="http://schemas.microsoft.com/office/drawing/2014/main" id="{F657BD59-35CC-9BB3-8621-6FA3356F81AA}"/>
               </a:ext>
             </a:extLst>
           </p:cNvPr>
@@ -9486,7 +9572,7 @@
           <p:cNvPr id="13" name="Content Placeholder 12">
             <a:extLst>
               <a:ext uri="{FF2B5EF4-FFF2-40B4-BE49-F238E27FC236}">
-                <a16:creationId xmlns:a16="http://schemas.microsoft.com/office/drawing/2014/main" xmlns="" id="{E3FB7D8D-37C3-E089-EC02-FB49A13CBE1D}"/>
+                <a16:creationId xmlns="" xmlns:a16="http://schemas.microsoft.com/office/drawing/2014/main" id="{E3FB7D8D-37C3-E089-EC02-FB49A13CBE1D}"/>
               </a:ext>
             </a:extLst>
           </p:cNvPr>
@@ -9626,7 +9712,7 @@
           <p:cNvPr id="4" name="Date Placeholder 3">
             <a:extLst>
               <a:ext uri="{FF2B5EF4-FFF2-40B4-BE49-F238E27FC236}">
-                <a16:creationId xmlns:a16="http://schemas.microsoft.com/office/drawing/2014/main" xmlns="" id="{8C56EB0F-63C8-5F75-A333-3413A9DC6F76}"/>
+                <a16:creationId xmlns="" xmlns:a16="http://schemas.microsoft.com/office/drawing/2014/main" id="{8C56EB0F-63C8-5F75-A333-3413A9DC6F76}"/>
               </a:ext>
             </a:extLst>
           </p:cNvPr>
@@ -9645,7 +9731,7 @@
             <a:fld id="{D6D8061D-18C3-4F4F-85EF-561633F58754}" type="datetimeFigureOut">
               <a:rPr lang="en-US" smtClean="0"/>
               <a:pPr/>
-              <a:t>10/21/2024</a:t>
+              <a:t>10/24/2024</a:t>
             </a:fld>
             <a:endParaRPr lang="en-US" dirty="0"/>
           </a:p>
@@ -9656,7 +9742,7 @@
           <p:cNvPr id="5" name="Footer Placeholder 4">
             <a:extLst>
               <a:ext uri="{FF2B5EF4-FFF2-40B4-BE49-F238E27FC236}">
-                <a16:creationId xmlns:a16="http://schemas.microsoft.com/office/drawing/2014/main" xmlns="" id="{4D4DE333-25B4-E092-1CC4-C3D20BA25168}"/>
+                <a16:creationId xmlns="" xmlns:a16="http://schemas.microsoft.com/office/drawing/2014/main" id="{4D4DE333-25B4-E092-1CC4-C3D20BA25168}"/>
               </a:ext>
             </a:extLst>
           </p:cNvPr>
@@ -9681,7 +9767,7 @@
           <p:cNvPr id="6" name="Slide Number Placeholder 5">
             <a:extLst>
               <a:ext uri="{FF2B5EF4-FFF2-40B4-BE49-F238E27FC236}">
-                <a16:creationId xmlns:a16="http://schemas.microsoft.com/office/drawing/2014/main" xmlns="" id="{8F1AF200-E81F-A326-0EDB-4B93C71D9BF4}"/>
+                <a16:creationId xmlns="" xmlns:a16="http://schemas.microsoft.com/office/drawing/2014/main" id="{8F1AF200-E81F-A326-0EDB-4B93C71D9BF4}"/>
               </a:ext>
             </a:extLst>
           </p:cNvPr>
@@ -9711,10 +9797,10 @@
           <p:cNvPr id="7" name="Freeform: Shape 14">
             <a:extLst>
               <a:ext uri="{FF2B5EF4-FFF2-40B4-BE49-F238E27FC236}">
-                <a16:creationId xmlns:a16="http://schemas.microsoft.com/office/drawing/2014/main" xmlns="" id="{438B6FA2-AF11-618E-2B1A-38BF083DF340}"/>
+                <a16:creationId xmlns="" xmlns:a16="http://schemas.microsoft.com/office/drawing/2014/main" id="{438B6FA2-AF11-618E-2B1A-38BF083DF340}"/>
               </a:ext>
               <a:ext uri="{C183D7F6-B498-43B3-948B-1728B52AA6E4}">
-                <adec:decorative xmlns:adec="http://schemas.microsoft.com/office/drawing/2017/decorative" xmlns="" val="1"/>
+                <adec:decorative xmlns="" xmlns:adec="http://schemas.microsoft.com/office/drawing/2017/decorative" val="1"/>
               </a:ext>
             </a:extLst>
           </p:cNvPr>
@@ -9860,10 +9946,10 @@
           <p:cNvPr id="8" name="Freeform: Shape 13">
             <a:extLst>
               <a:ext uri="{FF2B5EF4-FFF2-40B4-BE49-F238E27FC236}">
-                <a16:creationId xmlns:a16="http://schemas.microsoft.com/office/drawing/2014/main" xmlns="" id="{A269A8D8-A4AE-CEFF-E928-7DB1CFB3E401}"/>
+                <a16:creationId xmlns="" xmlns:a16="http://schemas.microsoft.com/office/drawing/2014/main" id="{A269A8D8-A4AE-CEFF-E928-7DB1CFB3E401}"/>
               </a:ext>
               <a:ext uri="{C183D7F6-B498-43B3-948B-1728B52AA6E4}">
-                <adec:decorative xmlns:adec="http://schemas.microsoft.com/office/drawing/2017/decorative" xmlns="" val="1"/>
+                <adec:decorative xmlns="" xmlns:adec="http://schemas.microsoft.com/office/drawing/2017/decorative" val="1"/>
               </a:ext>
             </a:extLst>
           </p:cNvPr>
@@ -10001,10 +10087,10 @@
           <p:cNvPr id="11" name="Freeform: Shape 19">
             <a:extLst>
               <a:ext uri="{FF2B5EF4-FFF2-40B4-BE49-F238E27FC236}">
-                <a16:creationId xmlns:a16="http://schemas.microsoft.com/office/drawing/2014/main" xmlns="" id="{15418837-E689-97BE-9FAD-FEDBD599EBAD}"/>
+                <a16:creationId xmlns="" xmlns:a16="http://schemas.microsoft.com/office/drawing/2014/main" id="{15418837-E689-97BE-9FAD-FEDBD599EBAD}"/>
               </a:ext>
               <a:ext uri="{C183D7F6-B498-43B3-948B-1728B52AA6E4}">
-                <adec:decorative xmlns:adec="http://schemas.microsoft.com/office/drawing/2017/decorative" xmlns="" val="1"/>
+                <adec:decorative xmlns="" xmlns:adec="http://schemas.microsoft.com/office/drawing/2017/decorative" val="1"/>
               </a:ext>
             </a:extLst>
           </p:cNvPr>
@@ -10172,7 +10258,7 @@
     </p:spTree>
     <p:extLst>
       <p:ext uri="{BB962C8B-B14F-4D97-AF65-F5344CB8AC3E}">
-        <p14:creationId xmlns:p14="http://schemas.microsoft.com/office/powerpoint/2010/main" xmlns="" val="2587894702"/>
+        <p14:creationId xmlns="" xmlns:p14="http://schemas.microsoft.com/office/powerpoint/2010/main" val="2587894702"/>
       </p:ext>
     </p:extLst>
   </p:cSld>
@@ -10204,10 +10290,10 @@
           <p:cNvPr id="7" name="Oval 6">
             <a:extLst>
               <a:ext uri="{FF2B5EF4-FFF2-40B4-BE49-F238E27FC236}">
-                <a16:creationId xmlns:a16="http://schemas.microsoft.com/office/drawing/2014/main" xmlns="" id="{7DF76A42-387B-8D66-1214-D40462070066}"/>
+                <a16:creationId xmlns="" xmlns:a16="http://schemas.microsoft.com/office/drawing/2014/main" id="{7DF76A42-387B-8D66-1214-D40462070066}"/>
               </a:ext>
               <a:ext uri="{C183D7F6-B498-43B3-948B-1728B52AA6E4}">
-                <adec:decorative xmlns:adec="http://schemas.microsoft.com/office/drawing/2017/decorative" xmlns="" val="1"/>
+                <adec:decorative xmlns="" xmlns:adec="http://schemas.microsoft.com/office/drawing/2017/decorative" val="1"/>
               </a:ext>
             </a:extLst>
           </p:cNvPr>
@@ -10288,10 +10374,10 @@
           <p:cNvPr id="8" name="Group 7">
             <a:extLst>
               <a:ext uri="{FF2B5EF4-FFF2-40B4-BE49-F238E27FC236}">
-                <a16:creationId xmlns:a16="http://schemas.microsoft.com/office/drawing/2014/main" xmlns="" id="{D2ACE818-46EF-547E-9315-A849483036BF}"/>
+                <a16:creationId xmlns="" xmlns:a16="http://schemas.microsoft.com/office/drawing/2014/main" id="{D2ACE818-46EF-547E-9315-A849483036BF}"/>
               </a:ext>
               <a:ext uri="{C183D7F6-B498-43B3-948B-1728B52AA6E4}">
-                <adec:decorative xmlns:adec="http://schemas.microsoft.com/office/drawing/2017/decorative" xmlns="" val="1"/>
+                <adec:decorative xmlns="" xmlns:adec="http://schemas.microsoft.com/office/drawing/2017/decorative" val="1"/>
               </a:ext>
             </a:extLst>
           </p:cNvPr>
@@ -10311,7 +10397,7 @@
             <p:cNvPr id="9" name="Oval 8">
               <a:extLst>
                 <a:ext uri="{FF2B5EF4-FFF2-40B4-BE49-F238E27FC236}">
-                  <a16:creationId xmlns:a16="http://schemas.microsoft.com/office/drawing/2014/main" xmlns="" id="{E9644D21-8793-9A96-F305-5D20EE342B26}"/>
+                  <a16:creationId xmlns="" xmlns:a16="http://schemas.microsoft.com/office/drawing/2014/main" id="{E9644D21-8793-9A96-F305-5D20EE342B26}"/>
                 </a:ext>
               </a:extLst>
             </p:cNvPr>
@@ -10392,7 +10478,7 @@
             <p:cNvPr id="10" name="Arc 9">
               <a:extLst>
                 <a:ext uri="{FF2B5EF4-FFF2-40B4-BE49-F238E27FC236}">
-                  <a16:creationId xmlns:a16="http://schemas.microsoft.com/office/drawing/2014/main" xmlns="" id="{DF8D7AEF-C845-09F0-F31C-20B32BBA1EBA}"/>
+                  <a16:creationId xmlns="" xmlns:a16="http://schemas.microsoft.com/office/drawing/2014/main" id="{DF8D7AEF-C845-09F0-F31C-20B32BBA1EBA}"/>
                 </a:ext>
               </a:extLst>
             </p:cNvPr>
@@ -10476,7 +10562,7 @@
             <p:cNvPr id="11" name="Oval 10">
               <a:extLst>
                 <a:ext uri="{FF2B5EF4-FFF2-40B4-BE49-F238E27FC236}">
-                  <a16:creationId xmlns:a16="http://schemas.microsoft.com/office/drawing/2014/main" xmlns="" id="{5F9D44CB-887B-C74D-3E96-5607E84DAEFF}"/>
+                  <a16:creationId xmlns="" xmlns:a16="http://schemas.microsoft.com/office/drawing/2014/main" id="{5F9D44CB-887B-C74D-3E96-5607E84DAEFF}"/>
                 </a:ext>
               </a:extLst>
             </p:cNvPr>
@@ -10558,10 +10644,10 @@
           <p:cNvPr id="14" name="Freeform: Shape 19">
             <a:extLst>
               <a:ext uri="{FF2B5EF4-FFF2-40B4-BE49-F238E27FC236}">
-                <a16:creationId xmlns:a16="http://schemas.microsoft.com/office/drawing/2014/main" xmlns="" id="{87D193F4-2337-0048-1BE7-C9A8154191F9}"/>
+                <a16:creationId xmlns="" xmlns:a16="http://schemas.microsoft.com/office/drawing/2014/main" id="{87D193F4-2337-0048-1BE7-C9A8154191F9}"/>
               </a:ext>
               <a:ext uri="{C183D7F6-B498-43B3-948B-1728B52AA6E4}">
-                <adec:decorative xmlns:adec="http://schemas.microsoft.com/office/drawing/2017/decorative" xmlns="" val="1"/>
+                <adec:decorative xmlns="" xmlns:adec="http://schemas.microsoft.com/office/drawing/2017/decorative" val="1"/>
               </a:ext>
             </a:extLst>
           </p:cNvPr>
@@ -10731,10 +10817,10 @@
           <p:cNvPr id="15" name="Straight Connector 14">
             <a:extLst>
               <a:ext uri="{FF2B5EF4-FFF2-40B4-BE49-F238E27FC236}">
-                <a16:creationId xmlns:a16="http://schemas.microsoft.com/office/drawing/2014/main" xmlns="" id="{45EE4510-BCBA-C39A-BEF1-A391A3304F88}"/>
+                <a16:creationId xmlns="" xmlns:a16="http://schemas.microsoft.com/office/drawing/2014/main" id="{45EE4510-BCBA-C39A-BEF1-A391A3304F88}"/>
               </a:ext>
               <a:ext uri="{C183D7F6-B498-43B3-948B-1728B52AA6E4}">
-                <adec:decorative xmlns:adec="http://schemas.microsoft.com/office/drawing/2017/decorative" xmlns="" val="1"/>
+                <adec:decorative xmlns="" xmlns:adec="http://schemas.microsoft.com/office/drawing/2017/decorative" val="1"/>
               </a:ext>
             </a:extLst>
           </p:cNvPr>
@@ -10778,7 +10864,7 @@
           <p:cNvPr id="2" name="Title 1">
             <a:extLst>
               <a:ext uri="{FF2B5EF4-FFF2-40B4-BE49-F238E27FC236}">
-                <a16:creationId xmlns:a16="http://schemas.microsoft.com/office/drawing/2014/main" xmlns="" id="{32772C41-A024-2F33-1F04-21E003FA7291}"/>
+                <a16:creationId xmlns="" xmlns:a16="http://schemas.microsoft.com/office/drawing/2014/main" id="{32772C41-A024-2F33-1F04-21E003FA7291}"/>
               </a:ext>
             </a:extLst>
           </p:cNvPr>
@@ -10818,7 +10904,7 @@
           <p:cNvPr id="3" name="Subtitle 2">
             <a:extLst>
               <a:ext uri="{FF2B5EF4-FFF2-40B4-BE49-F238E27FC236}">
-                <a16:creationId xmlns:a16="http://schemas.microsoft.com/office/drawing/2014/main" xmlns="" id="{473BC2DF-9C2A-052C-AD2C-0A8ABAA50374}"/>
+                <a16:creationId xmlns="" xmlns:a16="http://schemas.microsoft.com/office/drawing/2014/main" id="{473BC2DF-9C2A-052C-AD2C-0A8ABAA50374}"/>
               </a:ext>
             </a:extLst>
           </p:cNvPr>
@@ -10894,7 +10980,7 @@
           <p:cNvPr id="4" name="Date Placeholder 3">
             <a:extLst>
               <a:ext uri="{FF2B5EF4-FFF2-40B4-BE49-F238E27FC236}">
-                <a16:creationId xmlns:a16="http://schemas.microsoft.com/office/drawing/2014/main" xmlns="" id="{C0070940-5919-2C95-2278-32E50BF14DD1}"/>
+                <a16:creationId xmlns="" xmlns:a16="http://schemas.microsoft.com/office/drawing/2014/main" id="{C0070940-5919-2C95-2278-32E50BF14DD1}"/>
               </a:ext>
             </a:extLst>
           </p:cNvPr>
@@ -10913,7 +10999,7 @@
             <a:fld id="{D6D8061D-18C3-4F4F-85EF-561633F58754}" type="datetimeFigureOut">
               <a:rPr lang="en-US" smtClean="0"/>
               <a:pPr/>
-              <a:t>10/21/2024</a:t>
+              <a:t>10/24/2024</a:t>
             </a:fld>
             <a:endParaRPr lang="en-US" dirty="0"/>
           </a:p>
@@ -10924,7 +11010,7 @@
           <p:cNvPr id="5" name="Footer Placeholder 4">
             <a:extLst>
               <a:ext uri="{FF2B5EF4-FFF2-40B4-BE49-F238E27FC236}">
-                <a16:creationId xmlns:a16="http://schemas.microsoft.com/office/drawing/2014/main" xmlns="" id="{1957D599-49CF-19FE-6D86-C5EDB765F413}"/>
+                <a16:creationId xmlns="" xmlns:a16="http://schemas.microsoft.com/office/drawing/2014/main" id="{1957D599-49CF-19FE-6D86-C5EDB765F413}"/>
               </a:ext>
             </a:extLst>
           </p:cNvPr>
@@ -10949,7 +11035,7 @@
           <p:cNvPr id="6" name="Slide Number Placeholder 5">
             <a:extLst>
               <a:ext uri="{FF2B5EF4-FFF2-40B4-BE49-F238E27FC236}">
-                <a16:creationId xmlns:a16="http://schemas.microsoft.com/office/drawing/2014/main" xmlns="" id="{28931DF1-1C8D-86B9-BFDD-098FFC00FDC2}"/>
+                <a16:creationId xmlns="" xmlns:a16="http://schemas.microsoft.com/office/drawing/2014/main" id="{28931DF1-1C8D-86B9-BFDD-098FFC00FDC2}"/>
               </a:ext>
             </a:extLst>
           </p:cNvPr>
@@ -10977,7 +11063,7 @@
     </p:spTree>
     <p:extLst>
       <p:ext uri="{BB962C8B-B14F-4D97-AF65-F5344CB8AC3E}">
-        <p14:creationId xmlns:p14="http://schemas.microsoft.com/office/powerpoint/2010/main" xmlns="" val="1563727740"/>
+        <p14:creationId xmlns="" xmlns:p14="http://schemas.microsoft.com/office/powerpoint/2010/main" val="1563727740"/>
       </p:ext>
     </p:extLst>
   </p:cSld>
@@ -11009,7 +11095,7 @@
           <p:cNvPr id="2" name="Title 1">
             <a:extLst>
               <a:ext uri="{FF2B5EF4-FFF2-40B4-BE49-F238E27FC236}">
-                <a16:creationId xmlns:a16="http://schemas.microsoft.com/office/drawing/2014/main" xmlns="" id="{0C40C44A-93E6-6C58-5E88-AFDC594EC27A}"/>
+                <a16:creationId xmlns="" xmlns:a16="http://schemas.microsoft.com/office/drawing/2014/main" id="{0C40C44A-93E6-6C58-5E88-AFDC594EC27A}"/>
               </a:ext>
             </a:extLst>
           </p:cNvPr>
@@ -11043,7 +11129,7 @@
           <p:cNvPr id="3" name="Content Placeholder 2">
             <a:extLst>
               <a:ext uri="{FF2B5EF4-FFF2-40B4-BE49-F238E27FC236}">
-                <a16:creationId xmlns:a16="http://schemas.microsoft.com/office/drawing/2014/main" xmlns="" id="{0C813049-5F46-053E-6279-8183259649A6}"/>
+                <a16:creationId xmlns="" xmlns:a16="http://schemas.microsoft.com/office/drawing/2014/main" id="{0C813049-5F46-053E-6279-8183259649A6}"/>
               </a:ext>
             </a:extLst>
           </p:cNvPr>
@@ -11174,7 +11260,7 @@
           <p:cNvPr id="15" name="Content Placeholder 2">
             <a:extLst>
               <a:ext uri="{FF2B5EF4-FFF2-40B4-BE49-F238E27FC236}">
-                <a16:creationId xmlns:a16="http://schemas.microsoft.com/office/drawing/2014/main" xmlns="" id="{5FB01ADF-164A-96FB-0129-C2A0F0ED0A85}"/>
+                <a16:creationId xmlns="" xmlns:a16="http://schemas.microsoft.com/office/drawing/2014/main" id="{5FB01ADF-164A-96FB-0129-C2A0F0ED0A85}"/>
               </a:ext>
             </a:extLst>
           </p:cNvPr>
@@ -11305,10 +11391,10 @@
           <p:cNvPr id="11" name="Group 10">
             <a:extLst>
               <a:ext uri="{FF2B5EF4-FFF2-40B4-BE49-F238E27FC236}">
-                <a16:creationId xmlns:a16="http://schemas.microsoft.com/office/drawing/2014/main" xmlns="" id="{C263F0DD-A38B-64B8-7412-087B487E6D47}"/>
+                <a16:creationId xmlns="" xmlns:a16="http://schemas.microsoft.com/office/drawing/2014/main" id="{C263F0DD-A38B-64B8-7412-087B487E6D47}"/>
               </a:ext>
               <a:ext uri="{C183D7F6-B498-43B3-948B-1728B52AA6E4}">
-                <adec:decorative xmlns:adec="http://schemas.microsoft.com/office/drawing/2017/decorative" xmlns="" val="1"/>
+                <adec:decorative xmlns="" xmlns:adec="http://schemas.microsoft.com/office/drawing/2017/decorative" val="1"/>
               </a:ext>
             </a:extLst>
           </p:cNvPr>
@@ -11328,7 +11414,7 @@
             <p:cNvPr id="12" name="Freeform: Shape 9">
               <a:extLst>
                 <a:ext uri="{FF2B5EF4-FFF2-40B4-BE49-F238E27FC236}">
-                  <a16:creationId xmlns:a16="http://schemas.microsoft.com/office/drawing/2014/main" xmlns="" id="{44CE2FB7-A856-E3C3-9798-73AAFB7901B8}"/>
+                  <a16:creationId xmlns="" xmlns:a16="http://schemas.microsoft.com/office/drawing/2014/main" id="{44CE2FB7-A856-E3C3-9798-73AAFB7901B8}"/>
                 </a:ext>
               </a:extLst>
             </p:cNvPr>
@@ -11466,7 +11552,7 @@
             <p:cNvPr id="13" name="Freeform: Shape 10">
               <a:extLst>
                 <a:ext uri="{FF2B5EF4-FFF2-40B4-BE49-F238E27FC236}">
-                  <a16:creationId xmlns:a16="http://schemas.microsoft.com/office/drawing/2014/main" xmlns="" id="{47ED62E5-894A-A8F9-A6DC-4A5C147CDE78}"/>
+                  <a16:creationId xmlns="" xmlns:a16="http://schemas.microsoft.com/office/drawing/2014/main" id="{47ED62E5-894A-A8F9-A6DC-4A5C147CDE78}"/>
                 </a:ext>
               </a:extLst>
             </p:cNvPr>
@@ -11822,7 +11908,7 @@
             <p:cNvPr id="14" name="Freeform: Shape 11">
               <a:extLst>
                 <a:ext uri="{FF2B5EF4-FFF2-40B4-BE49-F238E27FC236}">
-                  <a16:creationId xmlns:a16="http://schemas.microsoft.com/office/drawing/2014/main" xmlns="" id="{5C181CD4-C69B-2826-AF23-060D677248A9}"/>
+                  <a16:creationId xmlns="" xmlns:a16="http://schemas.microsoft.com/office/drawing/2014/main" id="{5C181CD4-C69B-2826-AF23-060D677248A9}"/>
                 </a:ext>
               </a:extLst>
             </p:cNvPr>
@@ -11961,7 +12047,7 @@
           <p:cNvPr id="5" name="Date Placeholder 4">
             <a:extLst>
               <a:ext uri="{FF2B5EF4-FFF2-40B4-BE49-F238E27FC236}">
-                <a16:creationId xmlns:a16="http://schemas.microsoft.com/office/drawing/2014/main" xmlns="" id="{C6CFCEB5-4092-FD13-478E-51CD74FDB82E}"/>
+                <a16:creationId xmlns="" xmlns:a16="http://schemas.microsoft.com/office/drawing/2014/main" id="{C6CFCEB5-4092-FD13-478E-51CD74FDB82E}"/>
               </a:ext>
             </a:extLst>
           </p:cNvPr>
@@ -11980,7 +12066,7 @@
             <a:fld id="{D6D8061D-18C3-4F4F-85EF-561633F58754}" type="datetimeFigureOut">
               <a:rPr lang="en-US" smtClean="0"/>
               <a:pPr/>
-              <a:t>10/21/2024</a:t>
+              <a:t>10/24/2024</a:t>
             </a:fld>
             <a:endParaRPr lang="en-US" dirty="0"/>
           </a:p>
@@ -11991,7 +12077,7 @@
           <p:cNvPr id="6" name="Footer Placeholder 5">
             <a:extLst>
               <a:ext uri="{FF2B5EF4-FFF2-40B4-BE49-F238E27FC236}">
-                <a16:creationId xmlns:a16="http://schemas.microsoft.com/office/drawing/2014/main" xmlns="" id="{5D077A4D-E7C0-912D-293F-D93F0CB5CA49}"/>
+                <a16:creationId xmlns="" xmlns:a16="http://schemas.microsoft.com/office/drawing/2014/main" id="{5D077A4D-E7C0-912D-293F-D93F0CB5CA49}"/>
               </a:ext>
             </a:extLst>
           </p:cNvPr>
@@ -12016,7 +12102,7 @@
           <p:cNvPr id="7" name="Slide Number Placeholder 6">
             <a:extLst>
               <a:ext uri="{FF2B5EF4-FFF2-40B4-BE49-F238E27FC236}">
-                <a16:creationId xmlns:a16="http://schemas.microsoft.com/office/drawing/2014/main" xmlns="" id="{CA6AA9E1-334B-5F8F-8A92-67DD095F7838}"/>
+                <a16:creationId xmlns="" xmlns:a16="http://schemas.microsoft.com/office/drawing/2014/main" id="{CA6AA9E1-334B-5F8F-8A92-67DD095F7838}"/>
               </a:ext>
             </a:extLst>
           </p:cNvPr>
@@ -12044,7 +12130,7 @@
     </p:spTree>
     <p:extLst>
       <p:ext uri="{BB962C8B-B14F-4D97-AF65-F5344CB8AC3E}">
-        <p14:creationId xmlns:p14="http://schemas.microsoft.com/office/powerpoint/2010/main" xmlns="" val="505290787"/>
+        <p14:creationId xmlns="" xmlns:p14="http://schemas.microsoft.com/office/powerpoint/2010/main" val="505290787"/>
       </p:ext>
     </p:extLst>
   </p:cSld>
@@ -12076,7 +12162,7 @@
           <p:cNvPr id="2" name="Title 1">
             <a:extLst>
               <a:ext uri="{FF2B5EF4-FFF2-40B4-BE49-F238E27FC236}">
-                <a16:creationId xmlns:a16="http://schemas.microsoft.com/office/drawing/2014/main" xmlns="" id="{0C40C44A-93E6-6C58-5E88-AFDC594EC27A}"/>
+                <a16:creationId xmlns="" xmlns:a16="http://schemas.microsoft.com/office/drawing/2014/main" id="{0C40C44A-93E6-6C58-5E88-AFDC594EC27A}"/>
               </a:ext>
             </a:extLst>
           </p:cNvPr>
@@ -12106,7 +12192,7 @@
           <p:cNvPr id="11" name="Content Placeholder 2">
             <a:extLst>
               <a:ext uri="{FF2B5EF4-FFF2-40B4-BE49-F238E27FC236}">
-                <a16:creationId xmlns:a16="http://schemas.microsoft.com/office/drawing/2014/main" xmlns="" id="{60538251-2B75-FA20-0F29-FB58583E6125}"/>
+                <a16:creationId xmlns="" xmlns:a16="http://schemas.microsoft.com/office/drawing/2014/main" id="{60538251-2B75-FA20-0F29-FB58583E6125}"/>
               </a:ext>
             </a:extLst>
           </p:cNvPr>
@@ -12241,7 +12327,7 @@
           <p:cNvPr id="12" name="Content Placeholder 2">
             <a:extLst>
               <a:ext uri="{FF2B5EF4-FFF2-40B4-BE49-F238E27FC236}">
-                <a16:creationId xmlns:a16="http://schemas.microsoft.com/office/drawing/2014/main" xmlns="" id="{A06C49DD-8C29-93EA-04F4-22F84080DF5C}"/>
+                <a16:creationId xmlns="" xmlns:a16="http://schemas.microsoft.com/office/drawing/2014/main" id="{A06C49DD-8C29-93EA-04F4-22F84080DF5C}"/>
               </a:ext>
             </a:extLst>
           </p:cNvPr>
@@ -12372,7 +12458,7 @@
           <p:cNvPr id="5" name="Date Placeholder 4">
             <a:extLst>
               <a:ext uri="{FF2B5EF4-FFF2-40B4-BE49-F238E27FC236}">
-                <a16:creationId xmlns:a16="http://schemas.microsoft.com/office/drawing/2014/main" xmlns="" id="{C6CFCEB5-4092-FD13-478E-51CD74FDB82E}"/>
+                <a16:creationId xmlns="" xmlns:a16="http://schemas.microsoft.com/office/drawing/2014/main" id="{C6CFCEB5-4092-FD13-478E-51CD74FDB82E}"/>
               </a:ext>
             </a:extLst>
           </p:cNvPr>
@@ -12391,7 +12477,7 @@
             <a:fld id="{D6D8061D-18C3-4F4F-85EF-561633F58754}" type="datetimeFigureOut">
               <a:rPr lang="en-US" smtClean="0"/>
               <a:pPr/>
-              <a:t>10/21/2024</a:t>
+              <a:t>10/24/2024</a:t>
             </a:fld>
             <a:endParaRPr lang="en-US" dirty="0"/>
           </a:p>
@@ -12402,7 +12488,7 @@
           <p:cNvPr id="6" name="Footer Placeholder 5">
             <a:extLst>
               <a:ext uri="{FF2B5EF4-FFF2-40B4-BE49-F238E27FC236}">
-                <a16:creationId xmlns:a16="http://schemas.microsoft.com/office/drawing/2014/main" xmlns="" id="{5D077A4D-E7C0-912D-293F-D93F0CB5CA49}"/>
+                <a16:creationId xmlns="" xmlns:a16="http://schemas.microsoft.com/office/drawing/2014/main" id="{5D077A4D-E7C0-912D-293F-D93F0CB5CA49}"/>
               </a:ext>
             </a:extLst>
           </p:cNvPr>
@@ -12427,7 +12513,7 @@
           <p:cNvPr id="7" name="Slide Number Placeholder 6">
             <a:extLst>
               <a:ext uri="{FF2B5EF4-FFF2-40B4-BE49-F238E27FC236}">
-                <a16:creationId xmlns:a16="http://schemas.microsoft.com/office/drawing/2014/main" xmlns="" id="{CA6AA9E1-334B-5F8F-8A92-67DD095F7838}"/>
+                <a16:creationId xmlns="" xmlns:a16="http://schemas.microsoft.com/office/drawing/2014/main" id="{CA6AA9E1-334B-5F8F-8A92-67DD095F7838}"/>
               </a:ext>
             </a:extLst>
           </p:cNvPr>
@@ -12457,10 +12543,10 @@
           <p:cNvPr id="8" name="Freeform: Shape 11">
             <a:extLst>
               <a:ext uri="{FF2B5EF4-FFF2-40B4-BE49-F238E27FC236}">
-                <a16:creationId xmlns:a16="http://schemas.microsoft.com/office/drawing/2014/main" xmlns="" id="{1E75594D-82D2-74F6-56EC-46FCD28CBE68}"/>
+                <a16:creationId xmlns="" xmlns:a16="http://schemas.microsoft.com/office/drawing/2014/main" id="{1E75594D-82D2-74F6-56EC-46FCD28CBE68}"/>
               </a:ext>
               <a:ext uri="{C183D7F6-B498-43B3-948B-1728B52AA6E4}">
-                <adec:decorative xmlns:adec="http://schemas.microsoft.com/office/drawing/2017/decorative" xmlns="" val="1"/>
+                <adec:decorative xmlns="" xmlns:adec="http://schemas.microsoft.com/office/drawing/2017/decorative" val="1"/>
               </a:ext>
             </a:extLst>
           </p:cNvPr>
@@ -12598,10 +12684,10 @@
           <p:cNvPr id="9" name="Freeform: Shape 13">
             <a:extLst>
               <a:ext uri="{FF2B5EF4-FFF2-40B4-BE49-F238E27FC236}">
-                <a16:creationId xmlns:a16="http://schemas.microsoft.com/office/drawing/2014/main" xmlns="" id="{FF4E0F5B-0892-2688-EFD3-284369DA50CD}"/>
+                <a16:creationId xmlns="" xmlns:a16="http://schemas.microsoft.com/office/drawing/2014/main" id="{FF4E0F5B-0892-2688-EFD3-284369DA50CD}"/>
               </a:ext>
               <a:ext uri="{C183D7F6-B498-43B3-948B-1728B52AA6E4}">
-                <adec:decorative xmlns:adec="http://schemas.microsoft.com/office/drawing/2017/decorative" xmlns="" val="1"/>
+                <adec:decorative xmlns="" xmlns:adec="http://schemas.microsoft.com/office/drawing/2017/decorative" val="1"/>
               </a:ext>
             </a:extLst>
           </p:cNvPr>
@@ -12747,10 +12833,10 @@
           <p:cNvPr id="10" name="Straight Connector 9">
             <a:extLst>
               <a:ext uri="{FF2B5EF4-FFF2-40B4-BE49-F238E27FC236}">
-                <a16:creationId xmlns:a16="http://schemas.microsoft.com/office/drawing/2014/main" xmlns="" id="{71D8715A-3067-732D-C410-868C7CCCF750}"/>
+                <a16:creationId xmlns="" xmlns:a16="http://schemas.microsoft.com/office/drawing/2014/main" id="{71D8715A-3067-732D-C410-868C7CCCF750}"/>
               </a:ext>
               <a:ext uri="{C183D7F6-B498-43B3-948B-1728B52AA6E4}">
-                <adec:decorative xmlns:adec="http://schemas.microsoft.com/office/drawing/2017/decorative" xmlns="" val="1"/>
+                <adec:decorative xmlns="" xmlns:adec="http://schemas.microsoft.com/office/drawing/2017/decorative" val="1"/>
               </a:ext>
             </a:extLst>
           </p:cNvPr>
@@ -12792,7 +12878,7 @@
     </p:spTree>
     <p:extLst>
       <p:ext uri="{BB962C8B-B14F-4D97-AF65-F5344CB8AC3E}">
-        <p14:creationId xmlns:p14="http://schemas.microsoft.com/office/powerpoint/2010/main" xmlns="" val="657852692"/>
+        <p14:creationId xmlns="" xmlns:p14="http://schemas.microsoft.com/office/powerpoint/2010/main" val="657852692"/>
       </p:ext>
     </p:extLst>
   </p:cSld>
@@ -12824,10 +12910,10 @@
           <p:cNvPr id="4" name="Group 3">
             <a:extLst>
               <a:ext uri="{FF2B5EF4-FFF2-40B4-BE49-F238E27FC236}">
-                <a16:creationId xmlns:a16="http://schemas.microsoft.com/office/drawing/2014/main" xmlns="" id="{5807BCF9-2F5B-200E-2E6C-E177DB56ECB0}"/>
+                <a16:creationId xmlns="" xmlns:a16="http://schemas.microsoft.com/office/drawing/2014/main" id="{5807BCF9-2F5B-200E-2E6C-E177DB56ECB0}"/>
               </a:ext>
               <a:ext uri="{C183D7F6-B498-43B3-948B-1728B52AA6E4}">
-                <adec:decorative xmlns:adec="http://schemas.microsoft.com/office/drawing/2017/decorative" xmlns="" val="1"/>
+                <adec:decorative xmlns="" xmlns:adec="http://schemas.microsoft.com/office/drawing/2017/decorative" val="1"/>
               </a:ext>
             </a:extLst>
           </p:cNvPr>
@@ -12847,7 +12933,7 @@
             <p:cNvPr id="9" name="Freeform: Shape 14">
               <a:extLst>
                 <a:ext uri="{FF2B5EF4-FFF2-40B4-BE49-F238E27FC236}">
-                  <a16:creationId xmlns:a16="http://schemas.microsoft.com/office/drawing/2014/main" xmlns="" id="{7A624B2B-50FD-9351-987F-2E5A5472CAB6}"/>
+                  <a16:creationId xmlns="" xmlns:a16="http://schemas.microsoft.com/office/drawing/2014/main" id="{7A624B2B-50FD-9351-987F-2E5A5472CAB6}"/>
                 </a:ext>
               </a:extLst>
             </p:cNvPr>
@@ -12993,7 +13079,7 @@
             <p:cNvPr id="10" name="Freeform: Shape 13">
               <a:extLst>
                 <a:ext uri="{FF2B5EF4-FFF2-40B4-BE49-F238E27FC236}">
-                  <a16:creationId xmlns:a16="http://schemas.microsoft.com/office/drawing/2014/main" xmlns="" id="{51E534EE-E0F1-2BD9-9A82-7656B90A2D9D}"/>
+                  <a16:creationId xmlns="" xmlns:a16="http://schemas.microsoft.com/office/drawing/2014/main" id="{51E534EE-E0F1-2BD9-9A82-7656B90A2D9D}"/>
                 </a:ext>
               </a:extLst>
             </p:cNvPr>
@@ -13132,7 +13218,7 @@
           <p:cNvPr id="2" name="Title 1">
             <a:extLst>
               <a:ext uri="{FF2B5EF4-FFF2-40B4-BE49-F238E27FC236}">
-                <a16:creationId xmlns:a16="http://schemas.microsoft.com/office/drawing/2014/main" xmlns="" id="{0C40C44A-93E6-6C58-5E88-AFDC594EC27A}"/>
+                <a16:creationId xmlns="" xmlns:a16="http://schemas.microsoft.com/office/drawing/2014/main" id="{0C40C44A-93E6-6C58-5E88-AFDC594EC27A}"/>
               </a:ext>
             </a:extLst>
           </p:cNvPr>
@@ -13168,7 +13254,7 @@
           <p:cNvPr id="3" name="Content Placeholder 2">
             <a:extLst>
               <a:ext uri="{FF2B5EF4-FFF2-40B4-BE49-F238E27FC236}">
-                <a16:creationId xmlns:a16="http://schemas.microsoft.com/office/drawing/2014/main" xmlns="" id="{0C813049-5F46-053E-6279-8183259649A6}"/>
+                <a16:creationId xmlns="" xmlns:a16="http://schemas.microsoft.com/office/drawing/2014/main" id="{0C813049-5F46-053E-6279-8183259649A6}"/>
               </a:ext>
             </a:extLst>
           </p:cNvPr>
@@ -13299,7 +13385,7 @@
           <p:cNvPr id="8" name="Picture Placeholder 7">
             <a:extLst>
               <a:ext uri="{FF2B5EF4-FFF2-40B4-BE49-F238E27FC236}">
-                <a16:creationId xmlns:a16="http://schemas.microsoft.com/office/drawing/2014/main" xmlns="" id="{BC013AD6-0EF3-2B25-DDBD-2DF706123AEE}"/>
+                <a16:creationId xmlns="" xmlns:a16="http://schemas.microsoft.com/office/drawing/2014/main" id="{BC013AD6-0EF3-2B25-DDBD-2DF706123AEE}"/>
               </a:ext>
             </a:extLst>
           </p:cNvPr>
@@ -13340,7 +13426,7 @@
           <p:cNvPr id="5" name="Date Placeholder 4">
             <a:extLst>
               <a:ext uri="{FF2B5EF4-FFF2-40B4-BE49-F238E27FC236}">
-                <a16:creationId xmlns:a16="http://schemas.microsoft.com/office/drawing/2014/main" xmlns="" id="{C6CFCEB5-4092-FD13-478E-51CD74FDB82E}"/>
+                <a16:creationId xmlns="" xmlns:a16="http://schemas.microsoft.com/office/drawing/2014/main" id="{C6CFCEB5-4092-FD13-478E-51CD74FDB82E}"/>
               </a:ext>
             </a:extLst>
           </p:cNvPr>
@@ -13359,7 +13445,7 @@
             <a:fld id="{D6D8061D-18C3-4F4F-85EF-561633F58754}" type="datetimeFigureOut">
               <a:rPr lang="en-US" smtClean="0"/>
               <a:pPr/>
-              <a:t>10/21/2024</a:t>
+              <a:t>10/24/2024</a:t>
             </a:fld>
             <a:endParaRPr lang="en-US" dirty="0"/>
           </a:p>
@@ -13370,7 +13456,7 @@
           <p:cNvPr id="6" name="Footer Placeholder 5">
             <a:extLst>
               <a:ext uri="{FF2B5EF4-FFF2-40B4-BE49-F238E27FC236}">
-                <a16:creationId xmlns:a16="http://schemas.microsoft.com/office/drawing/2014/main" xmlns="" id="{5D077A4D-E7C0-912D-293F-D93F0CB5CA49}"/>
+                <a16:creationId xmlns="" xmlns:a16="http://schemas.microsoft.com/office/drawing/2014/main" id="{5D077A4D-E7C0-912D-293F-D93F0CB5CA49}"/>
               </a:ext>
             </a:extLst>
           </p:cNvPr>
@@ -13395,7 +13481,7 @@
           <p:cNvPr id="7" name="Slide Number Placeholder 6">
             <a:extLst>
               <a:ext uri="{FF2B5EF4-FFF2-40B4-BE49-F238E27FC236}">
-                <a16:creationId xmlns:a16="http://schemas.microsoft.com/office/drawing/2014/main" xmlns="" id="{CA6AA9E1-334B-5F8F-8A92-67DD095F7838}"/>
+                <a16:creationId xmlns="" xmlns:a16="http://schemas.microsoft.com/office/drawing/2014/main" id="{CA6AA9E1-334B-5F8F-8A92-67DD095F7838}"/>
               </a:ext>
             </a:extLst>
           </p:cNvPr>
@@ -13423,7 +13509,7 @@
     </p:spTree>
     <p:extLst>
       <p:ext uri="{BB962C8B-B14F-4D97-AF65-F5344CB8AC3E}">
-        <p14:creationId xmlns:p14="http://schemas.microsoft.com/office/powerpoint/2010/main" xmlns="" val="2845438103"/>
+        <p14:creationId xmlns="" xmlns:p14="http://schemas.microsoft.com/office/powerpoint/2010/main" val="2845438103"/>
       </p:ext>
     </p:extLst>
   </p:cSld>
@@ -13455,10 +13541,10 @@
           <p:cNvPr id="11" name="Group 10">
             <a:extLst>
               <a:ext uri="{FF2B5EF4-FFF2-40B4-BE49-F238E27FC236}">
-                <a16:creationId xmlns:a16="http://schemas.microsoft.com/office/drawing/2014/main" xmlns="" id="{521BD3DB-6F51-C1AE-FF0E-D0BDCB55F30B}"/>
+                <a16:creationId xmlns="" xmlns:a16="http://schemas.microsoft.com/office/drawing/2014/main" id="{521BD3DB-6F51-C1AE-FF0E-D0BDCB55F30B}"/>
               </a:ext>
               <a:ext uri="{C183D7F6-B498-43B3-948B-1728B52AA6E4}">
-                <adec:decorative xmlns:adec="http://schemas.microsoft.com/office/drawing/2017/decorative" xmlns="" val="1"/>
+                <adec:decorative xmlns="" xmlns:adec="http://schemas.microsoft.com/office/drawing/2017/decorative" val="1"/>
               </a:ext>
             </a:extLst>
           </p:cNvPr>
@@ -13478,7 +13564,7 @@
             <p:cNvPr id="12" name="Freeform: Shape 7">
               <a:extLst>
                 <a:ext uri="{FF2B5EF4-FFF2-40B4-BE49-F238E27FC236}">
-                  <a16:creationId xmlns:a16="http://schemas.microsoft.com/office/drawing/2014/main" xmlns="" id="{59903C17-0733-BE0C-7392-283FEC2E98B0}"/>
+                  <a16:creationId xmlns="" xmlns:a16="http://schemas.microsoft.com/office/drawing/2014/main" id="{59903C17-0733-BE0C-7392-283FEC2E98B0}"/>
                 </a:ext>
               </a:extLst>
             </p:cNvPr>
@@ -13834,7 +13920,7 @@
             <p:cNvPr id="13" name="Freeform: Shape 1">
               <a:extLst>
                 <a:ext uri="{FF2B5EF4-FFF2-40B4-BE49-F238E27FC236}">
-                  <a16:creationId xmlns:a16="http://schemas.microsoft.com/office/drawing/2014/main" xmlns="" id="{898A3450-9C87-13ED-79CC-F4F65D14FF72}"/>
+                  <a16:creationId xmlns="" xmlns:a16="http://schemas.microsoft.com/office/drawing/2014/main" id="{898A3450-9C87-13ED-79CC-F4F65D14FF72}"/>
                 </a:ext>
               </a:extLst>
             </p:cNvPr>
@@ -13973,7 +14059,7 @@
           <p:cNvPr id="2" name="Title 1">
             <a:extLst>
               <a:ext uri="{FF2B5EF4-FFF2-40B4-BE49-F238E27FC236}">
-                <a16:creationId xmlns:a16="http://schemas.microsoft.com/office/drawing/2014/main" xmlns="" id="{0C40C44A-93E6-6C58-5E88-AFDC594EC27A}"/>
+                <a16:creationId xmlns="" xmlns:a16="http://schemas.microsoft.com/office/drawing/2014/main" id="{0C40C44A-93E6-6C58-5E88-AFDC594EC27A}"/>
               </a:ext>
             </a:extLst>
           </p:cNvPr>
@@ -14007,7 +14093,7 @@
           <p:cNvPr id="3" name="Content Placeholder 2">
             <a:extLst>
               <a:ext uri="{FF2B5EF4-FFF2-40B4-BE49-F238E27FC236}">
-                <a16:creationId xmlns:a16="http://schemas.microsoft.com/office/drawing/2014/main" xmlns="" id="{0C813049-5F46-053E-6279-8183259649A6}"/>
+                <a16:creationId xmlns="" xmlns:a16="http://schemas.microsoft.com/office/drawing/2014/main" id="{0C813049-5F46-053E-6279-8183259649A6}"/>
               </a:ext>
             </a:extLst>
           </p:cNvPr>
@@ -14138,7 +14224,7 @@
           <p:cNvPr id="8" name="Table Placeholder 7">
             <a:extLst>
               <a:ext uri="{FF2B5EF4-FFF2-40B4-BE49-F238E27FC236}">
-                <a16:creationId xmlns:a16="http://schemas.microsoft.com/office/drawing/2014/main" xmlns="" id="{423FEB60-8FB5-7F10-EDD7-8AB4B3139EF6}"/>
+                <a16:creationId xmlns="" xmlns:a16="http://schemas.microsoft.com/office/drawing/2014/main" id="{423FEB60-8FB5-7F10-EDD7-8AB4B3139EF6}"/>
               </a:ext>
             </a:extLst>
           </p:cNvPr>
@@ -14178,7 +14264,7 @@
           <p:cNvPr id="5" name="Date Placeholder 4">
             <a:extLst>
               <a:ext uri="{FF2B5EF4-FFF2-40B4-BE49-F238E27FC236}">
-                <a16:creationId xmlns:a16="http://schemas.microsoft.com/office/drawing/2014/main" xmlns="" id="{C6CFCEB5-4092-FD13-478E-51CD74FDB82E}"/>
+                <a16:creationId xmlns="" xmlns:a16="http://schemas.microsoft.com/office/drawing/2014/main" id="{C6CFCEB5-4092-FD13-478E-51CD74FDB82E}"/>
               </a:ext>
             </a:extLst>
           </p:cNvPr>
@@ -14197,7 +14283,7 @@
             <a:fld id="{D6D8061D-18C3-4F4F-85EF-561633F58754}" type="datetimeFigureOut">
               <a:rPr lang="en-US" smtClean="0"/>
               <a:pPr/>
-              <a:t>10/21/2024</a:t>
+              <a:t>10/24/2024</a:t>
             </a:fld>
             <a:endParaRPr lang="en-US" dirty="0"/>
           </a:p>
@@ -14208,7 +14294,7 @@
           <p:cNvPr id="6" name="Footer Placeholder 5">
             <a:extLst>
               <a:ext uri="{FF2B5EF4-FFF2-40B4-BE49-F238E27FC236}">
-                <a16:creationId xmlns:a16="http://schemas.microsoft.com/office/drawing/2014/main" xmlns="" id="{5D077A4D-E7C0-912D-293F-D93F0CB5CA49}"/>
+                <a16:creationId xmlns="" xmlns:a16="http://schemas.microsoft.com/office/drawing/2014/main" id="{5D077A4D-E7C0-912D-293F-D93F0CB5CA49}"/>
               </a:ext>
             </a:extLst>
           </p:cNvPr>
@@ -14233,7 +14319,7 @@
           <p:cNvPr id="7" name="Slide Number Placeholder 6">
             <a:extLst>
               <a:ext uri="{FF2B5EF4-FFF2-40B4-BE49-F238E27FC236}">
-                <a16:creationId xmlns:a16="http://schemas.microsoft.com/office/drawing/2014/main" xmlns="" id="{CA6AA9E1-334B-5F8F-8A92-67DD095F7838}"/>
+                <a16:creationId xmlns="" xmlns:a16="http://schemas.microsoft.com/office/drawing/2014/main" id="{CA6AA9E1-334B-5F8F-8A92-67DD095F7838}"/>
               </a:ext>
             </a:extLst>
           </p:cNvPr>
@@ -14261,7 +14347,7 @@
     </p:spTree>
     <p:extLst>
       <p:ext uri="{BB962C8B-B14F-4D97-AF65-F5344CB8AC3E}">
-        <p14:creationId xmlns:p14="http://schemas.microsoft.com/office/powerpoint/2010/main" xmlns="" val="280815037"/>
+        <p14:creationId xmlns="" xmlns:p14="http://schemas.microsoft.com/office/powerpoint/2010/main" val="280815037"/>
       </p:ext>
     </p:extLst>
   </p:cSld>
@@ -14298,7 +14384,7 @@
           <p:cNvPr id="2" name="Title Placeholder 1">
             <a:extLst>
               <a:ext uri="{FF2B5EF4-FFF2-40B4-BE49-F238E27FC236}">
-                <a16:creationId xmlns:a16="http://schemas.microsoft.com/office/drawing/2014/main" xmlns="" id="{4FD97564-C310-6E8C-8689-CE18881B4A17}"/>
+                <a16:creationId xmlns="" xmlns:a16="http://schemas.microsoft.com/office/drawing/2014/main" id="{4FD97564-C310-6E8C-8689-CE18881B4A17}"/>
               </a:ext>
             </a:extLst>
           </p:cNvPr>
@@ -14336,7 +14422,7 @@
           <p:cNvPr id="3" name="Text Placeholder 2">
             <a:extLst>
               <a:ext uri="{FF2B5EF4-FFF2-40B4-BE49-F238E27FC236}">
-                <a16:creationId xmlns:a16="http://schemas.microsoft.com/office/drawing/2014/main" xmlns="" id="{0FAD99FA-26D9-873B-BE7F-26FEC5C233A2}"/>
+                <a16:creationId xmlns="" xmlns:a16="http://schemas.microsoft.com/office/drawing/2014/main" id="{0FAD99FA-26D9-873B-BE7F-26FEC5C233A2}"/>
               </a:ext>
             </a:extLst>
           </p:cNvPr>
@@ -14403,7 +14489,7 @@
           <p:cNvPr id="4" name="Date Placeholder 3">
             <a:extLst>
               <a:ext uri="{FF2B5EF4-FFF2-40B4-BE49-F238E27FC236}">
-                <a16:creationId xmlns:a16="http://schemas.microsoft.com/office/drawing/2014/main" xmlns="" id="{C319819E-0266-97DD-DFD1-BAAA06AE3236}"/>
+                <a16:creationId xmlns="" xmlns:a16="http://schemas.microsoft.com/office/drawing/2014/main" id="{C319819E-0266-97DD-DFD1-BAAA06AE3236}"/>
               </a:ext>
             </a:extLst>
           </p:cNvPr>
@@ -14440,7 +14526,7 @@
             <a:fld id="{D6D8061D-18C3-4F4F-85EF-561633F58754}" type="datetimeFigureOut">
               <a:rPr lang="en-US" smtClean="0"/>
               <a:pPr/>
-              <a:t>10/21/2024</a:t>
+              <a:t>10/24/2024</a:t>
             </a:fld>
             <a:endParaRPr lang="en-US" dirty="0"/>
           </a:p>
@@ -14451,7 +14537,7 @@
           <p:cNvPr id="5" name="Footer Placeholder 4">
             <a:extLst>
               <a:ext uri="{FF2B5EF4-FFF2-40B4-BE49-F238E27FC236}">
-                <a16:creationId xmlns:a16="http://schemas.microsoft.com/office/drawing/2014/main" xmlns="" id="{2BFD19C9-01CE-9E2A-CDA5-C15940F055F7}"/>
+                <a16:creationId xmlns="" xmlns:a16="http://schemas.microsoft.com/office/drawing/2014/main" id="{2BFD19C9-01CE-9E2A-CDA5-C15940F055F7}"/>
               </a:ext>
             </a:extLst>
           </p:cNvPr>
@@ -14494,7 +14580,7 @@
           <p:cNvPr id="6" name="Slide Number Placeholder 5">
             <a:extLst>
               <a:ext uri="{FF2B5EF4-FFF2-40B4-BE49-F238E27FC236}">
-                <a16:creationId xmlns:a16="http://schemas.microsoft.com/office/drawing/2014/main" xmlns="" id="{A1801085-7B28-048D-E3D3-9C3614268DA7}"/>
+                <a16:creationId xmlns="" xmlns:a16="http://schemas.microsoft.com/office/drawing/2014/main" id="{A1801085-7B28-048D-E3D3-9C3614268DA7}"/>
               </a:ext>
             </a:extLst>
           </p:cNvPr>
@@ -14540,7 +14626,7 @@
     </p:spTree>
     <p:extLst>
       <p:ext uri="{BB962C8B-B14F-4D97-AF65-F5344CB8AC3E}">
-        <p14:creationId xmlns:p14="http://schemas.microsoft.com/office/powerpoint/2010/main" xmlns="" val="1965934658"/>
+        <p14:creationId xmlns="" xmlns:p14="http://schemas.microsoft.com/office/powerpoint/2010/main" val="1965934658"/>
       </p:ext>
     </p:extLst>
   </p:cSld>
@@ -14864,7 +14950,7 @@
           <p:cNvPr id="4" name="Title 3">
             <a:extLst>
               <a:ext uri="{FF2B5EF4-FFF2-40B4-BE49-F238E27FC236}">
-                <a16:creationId xmlns:a16="http://schemas.microsoft.com/office/drawing/2014/main" xmlns="" id="{10047101-8D42-6100-9CEA-AEC0FAEAB606}"/>
+                <a16:creationId xmlns="" xmlns:a16="http://schemas.microsoft.com/office/drawing/2014/main" id="{10047101-8D42-6100-9CEA-AEC0FAEAB606}"/>
               </a:ext>
             </a:extLst>
           </p:cNvPr>
@@ -14953,7 +15039,7 @@
     </p:spTree>
     <p:extLst>
       <p:ext uri="{BB962C8B-B14F-4D97-AF65-F5344CB8AC3E}">
-        <p14:creationId xmlns:p14="http://schemas.microsoft.com/office/powerpoint/2010/main" xmlns="" val="517426050"/>
+        <p14:creationId xmlns="" xmlns:p14="http://schemas.microsoft.com/office/powerpoint/2010/main" val="517426050"/>
       </p:ext>
     </p:extLst>
   </p:cSld>
@@ -14992,7 +15078,7 @@
           <p:cNvPr id="2" name="Title 1">
             <a:extLst>
               <a:ext uri="{FF2B5EF4-FFF2-40B4-BE49-F238E27FC236}">
-                <a16:creationId xmlns:a16="http://schemas.microsoft.com/office/drawing/2014/main" xmlns="" id="{47A9874B-BCA9-8420-1595-EDD1865A099A}"/>
+                <a16:creationId xmlns="" xmlns:a16="http://schemas.microsoft.com/office/drawing/2014/main" id="{47A9874B-BCA9-8420-1595-EDD1865A099A}"/>
               </a:ext>
             </a:extLst>
           </p:cNvPr>
@@ -15026,7 +15112,7 @@
           <p:cNvPr id="3" name="Content Placeholder 2">
             <a:extLst>
               <a:ext uri="{FF2B5EF4-FFF2-40B4-BE49-F238E27FC236}">
-                <a16:creationId xmlns:a16="http://schemas.microsoft.com/office/drawing/2014/main" xmlns="" id="{68A5FD2B-E3E5-1C2B-0151-21F216B14A33}"/>
+                <a16:creationId xmlns="" xmlns:a16="http://schemas.microsoft.com/office/drawing/2014/main" id="{68A5FD2B-E3E5-1C2B-0151-21F216B14A33}"/>
               </a:ext>
             </a:extLst>
           </p:cNvPr>
@@ -15102,7 +15188,7 @@
           <p:cNvPr id="4" name="Content Placeholder 3">
             <a:extLst>
               <a:ext uri="{FF2B5EF4-FFF2-40B4-BE49-F238E27FC236}">
-                <a16:creationId xmlns:a16="http://schemas.microsoft.com/office/drawing/2014/main" xmlns="" id="{ACFBB810-3430-2C29-1AA0-9744AA0A1AA3}"/>
+                <a16:creationId xmlns="" xmlns:a16="http://schemas.microsoft.com/office/drawing/2014/main" id="{ACFBB810-3430-2C29-1AA0-9744AA0A1AA3}"/>
               </a:ext>
             </a:extLst>
           </p:cNvPr>
@@ -15277,7 +15363,7 @@
     </p:spTree>
     <p:extLst>
       <p:ext uri="{BB962C8B-B14F-4D97-AF65-F5344CB8AC3E}">
-        <p14:creationId xmlns:p14="http://schemas.microsoft.com/office/powerpoint/2010/main" xmlns="" val="1127649784"/>
+        <p14:creationId xmlns="" xmlns:p14="http://schemas.microsoft.com/office/powerpoint/2010/main" val="1127649784"/>
       </p:ext>
     </p:extLst>
   </p:cSld>
@@ -15316,7 +15402,7 @@
           <p:cNvPr id="2" name="Title 1">
             <a:extLst>
               <a:ext uri="{FF2B5EF4-FFF2-40B4-BE49-F238E27FC236}">
-                <a16:creationId xmlns:a16="http://schemas.microsoft.com/office/drawing/2014/main" xmlns="" id="{47A9874B-BCA9-8420-1595-EDD1865A099A}"/>
+                <a16:creationId xmlns="" xmlns:a16="http://schemas.microsoft.com/office/drawing/2014/main" id="{47A9874B-BCA9-8420-1595-EDD1865A099A}"/>
               </a:ext>
             </a:extLst>
           </p:cNvPr>
@@ -15350,7 +15436,7 @@
           <p:cNvPr id="3" name="Content Placeholder 2">
             <a:extLst>
               <a:ext uri="{FF2B5EF4-FFF2-40B4-BE49-F238E27FC236}">
-                <a16:creationId xmlns:a16="http://schemas.microsoft.com/office/drawing/2014/main" xmlns="" id="{68A5FD2B-E3E5-1C2B-0151-21F216B14A33}"/>
+                <a16:creationId xmlns="" xmlns:a16="http://schemas.microsoft.com/office/drawing/2014/main" id="{68A5FD2B-E3E5-1C2B-0151-21F216B14A33}"/>
               </a:ext>
             </a:extLst>
           </p:cNvPr>
@@ -15416,7 +15502,7 @@
           <p:cNvPr id="4" name="Content Placeholder 3">
             <a:extLst>
               <a:ext uri="{FF2B5EF4-FFF2-40B4-BE49-F238E27FC236}">
-                <a16:creationId xmlns:a16="http://schemas.microsoft.com/office/drawing/2014/main" xmlns="" id="{ACFBB810-3430-2C29-1AA0-9744AA0A1AA3}"/>
+                <a16:creationId xmlns="" xmlns:a16="http://schemas.microsoft.com/office/drawing/2014/main" id="{ACFBB810-3430-2C29-1AA0-9744AA0A1AA3}"/>
               </a:ext>
             </a:extLst>
           </p:cNvPr>
@@ -15498,7 +15584,7 @@
     </p:spTree>
     <p:extLst>
       <p:ext uri="{BB962C8B-B14F-4D97-AF65-F5344CB8AC3E}">
-        <p14:creationId xmlns:p14="http://schemas.microsoft.com/office/powerpoint/2010/main" xmlns="" val="1127649784"/>
+        <p14:creationId xmlns="" xmlns:p14="http://schemas.microsoft.com/office/powerpoint/2010/main" val="1127649784"/>
       </p:ext>
     </p:extLst>
   </p:cSld>
@@ -15530,7 +15616,7 @@
           <p:cNvPr id="2" name="Title 1">
             <a:extLst>
               <a:ext uri="{FF2B5EF4-FFF2-40B4-BE49-F238E27FC236}">
-                <a16:creationId xmlns:a16="http://schemas.microsoft.com/office/drawing/2014/main" xmlns="" id="{47A9874B-BCA9-8420-1595-EDD1865A099A}"/>
+                <a16:creationId xmlns="" xmlns:a16="http://schemas.microsoft.com/office/drawing/2014/main" id="{47A9874B-BCA9-8420-1595-EDD1865A099A}"/>
               </a:ext>
             </a:extLst>
           </p:cNvPr>
@@ -15564,7 +15650,7 @@
           <p:cNvPr id="3" name="Content Placeholder 2">
             <a:extLst>
               <a:ext uri="{FF2B5EF4-FFF2-40B4-BE49-F238E27FC236}">
-                <a16:creationId xmlns:a16="http://schemas.microsoft.com/office/drawing/2014/main" xmlns="" id="{68A5FD2B-E3E5-1C2B-0151-21F216B14A33}"/>
+                <a16:creationId xmlns="" xmlns:a16="http://schemas.microsoft.com/office/drawing/2014/main" id="{68A5FD2B-E3E5-1C2B-0151-21F216B14A33}"/>
               </a:ext>
             </a:extLst>
           </p:cNvPr>
@@ -15627,7 +15713,7 @@
           <p:cNvPr id="4" name="Content Placeholder 3">
             <a:extLst>
               <a:ext uri="{FF2B5EF4-FFF2-40B4-BE49-F238E27FC236}">
-                <a16:creationId xmlns:a16="http://schemas.microsoft.com/office/drawing/2014/main" xmlns="" id="{ACFBB810-3430-2C29-1AA0-9744AA0A1AA3}"/>
+                <a16:creationId xmlns="" xmlns:a16="http://schemas.microsoft.com/office/drawing/2014/main" id="{ACFBB810-3430-2C29-1AA0-9744AA0A1AA3}"/>
               </a:ext>
             </a:extLst>
           </p:cNvPr>
@@ -15705,7 +15791,7 @@
     </p:spTree>
     <p:extLst>
       <p:ext uri="{BB962C8B-B14F-4D97-AF65-F5344CB8AC3E}">
-        <p14:creationId xmlns:p14="http://schemas.microsoft.com/office/powerpoint/2010/main" xmlns="" val="1127649784"/>
+        <p14:creationId xmlns="" xmlns:p14="http://schemas.microsoft.com/office/powerpoint/2010/main" val="1127649784"/>
       </p:ext>
     </p:extLst>
   </p:cSld>
@@ -15737,7 +15823,7 @@
           <p:cNvPr id="2" name="Title 1">
             <a:extLst>
               <a:ext uri="{FF2B5EF4-FFF2-40B4-BE49-F238E27FC236}">
-                <a16:creationId xmlns:a16="http://schemas.microsoft.com/office/drawing/2014/main" xmlns="" id="{314C27C8-165C-5513-DB4B-9D840097C545}"/>
+                <a16:creationId xmlns="" xmlns:a16="http://schemas.microsoft.com/office/drawing/2014/main" id="{314C27C8-165C-5513-DB4B-9D840097C545}"/>
               </a:ext>
             </a:extLst>
           </p:cNvPr>
@@ -15771,7 +15857,7 @@
           <p:cNvPr id="7" name="Content Placeholder 2">
             <a:extLst>
               <a:ext uri="{FF2B5EF4-FFF2-40B4-BE49-F238E27FC236}">
-                <a16:creationId xmlns:a16="http://schemas.microsoft.com/office/drawing/2014/main" xmlns="" id="{A6A33159-D030-2F82-A142-F75940728319}"/>
+                <a16:creationId xmlns="" xmlns:a16="http://schemas.microsoft.com/office/drawing/2014/main" id="{A6A33159-D030-2F82-A142-F75940728319}"/>
               </a:ext>
             </a:extLst>
           </p:cNvPr>
@@ -15853,7 +15939,7 @@
     </p:spTree>
     <p:extLst>
       <p:ext uri="{BB962C8B-B14F-4D97-AF65-F5344CB8AC3E}">
-        <p14:creationId xmlns:p14="http://schemas.microsoft.com/office/powerpoint/2010/main" xmlns="" val="729609147"/>
+        <p14:creationId xmlns="" xmlns:p14="http://schemas.microsoft.com/office/powerpoint/2010/main" val="729609147"/>
       </p:ext>
     </p:extLst>
   </p:cSld>
@@ -15885,7 +15971,7 @@
           <p:cNvPr id="2" name="Title 1">
             <a:extLst>
               <a:ext uri="{FF2B5EF4-FFF2-40B4-BE49-F238E27FC236}">
-                <a16:creationId xmlns:a16="http://schemas.microsoft.com/office/drawing/2014/main" xmlns="" id="{47A9874B-BCA9-8420-1595-EDD1865A099A}"/>
+                <a16:creationId xmlns="" xmlns:a16="http://schemas.microsoft.com/office/drawing/2014/main" id="{47A9874B-BCA9-8420-1595-EDD1865A099A}"/>
               </a:ext>
             </a:extLst>
           </p:cNvPr>
@@ -15919,7 +16005,7 @@
           <p:cNvPr id="3" name="Content Placeholder 2">
             <a:extLst>
               <a:ext uri="{FF2B5EF4-FFF2-40B4-BE49-F238E27FC236}">
-                <a16:creationId xmlns:a16="http://schemas.microsoft.com/office/drawing/2014/main" xmlns="" id="{68A5FD2B-E3E5-1C2B-0151-21F216B14A33}"/>
+                <a16:creationId xmlns="" xmlns:a16="http://schemas.microsoft.com/office/drawing/2014/main" id="{68A5FD2B-E3E5-1C2B-0151-21F216B14A33}"/>
               </a:ext>
             </a:extLst>
           </p:cNvPr>
@@ -15988,7 +16074,7 @@
           <p:cNvPr id="10" name="Content Placeholder 3">
             <a:extLst>
               <a:ext uri="{FF2B5EF4-FFF2-40B4-BE49-F238E27FC236}">
-                <a16:creationId xmlns:a16="http://schemas.microsoft.com/office/drawing/2014/main" xmlns="" id="{ACFBB810-3430-2C29-1AA0-9744AA0A1AA3}"/>
+                <a16:creationId xmlns="" xmlns:a16="http://schemas.microsoft.com/office/drawing/2014/main" id="{ACFBB810-3430-2C29-1AA0-9744AA0A1AA3}"/>
               </a:ext>
             </a:extLst>
           </p:cNvPr>
@@ -16108,7 +16194,7 @@
     </p:spTree>
     <p:extLst>
       <p:ext uri="{BB962C8B-B14F-4D97-AF65-F5344CB8AC3E}">
-        <p14:creationId xmlns:p14="http://schemas.microsoft.com/office/powerpoint/2010/main" xmlns="" val="1127649784"/>
+        <p14:creationId xmlns="" xmlns:p14="http://schemas.microsoft.com/office/powerpoint/2010/main" val="1127649784"/>
       </p:ext>
     </p:extLst>
   </p:cSld>
@@ -16140,7 +16226,7 @@
           <p:cNvPr id="8" name="Title 1">
             <a:extLst>
               <a:ext uri="{FF2B5EF4-FFF2-40B4-BE49-F238E27FC236}">
-                <a16:creationId xmlns:a16="http://schemas.microsoft.com/office/drawing/2014/main" xmlns="" id="{47A9874B-BCA9-8420-1595-EDD1865A099A}"/>
+                <a16:creationId xmlns="" xmlns:a16="http://schemas.microsoft.com/office/drawing/2014/main" id="{47A9874B-BCA9-8420-1595-EDD1865A099A}"/>
               </a:ext>
             </a:extLst>
           </p:cNvPr>
@@ -16174,7 +16260,7 @@
           <p:cNvPr id="26" name="Content Placeholder 2">
             <a:extLst>
               <a:ext uri="{FF2B5EF4-FFF2-40B4-BE49-F238E27FC236}">
-                <a16:creationId xmlns:a16="http://schemas.microsoft.com/office/drawing/2014/main" xmlns="" id="{68A5FD2B-E3E5-1C2B-0151-21F216B14A33}"/>
+                <a16:creationId xmlns="" xmlns:a16="http://schemas.microsoft.com/office/drawing/2014/main" id="{68A5FD2B-E3E5-1C2B-0151-21F216B14A33}"/>
               </a:ext>
             </a:extLst>
           </p:cNvPr>
@@ -16218,7 +16304,7 @@
           <p:cNvPr id="27" name="Content Placeholder 3">
             <a:extLst>
               <a:ext uri="{FF2B5EF4-FFF2-40B4-BE49-F238E27FC236}">
-                <a16:creationId xmlns:a16="http://schemas.microsoft.com/office/drawing/2014/main" xmlns="" id="{ACFBB810-3430-2C29-1AA0-9744AA0A1AA3}"/>
+                <a16:creationId xmlns="" xmlns:a16="http://schemas.microsoft.com/office/drawing/2014/main" id="{ACFBB810-3430-2C29-1AA0-9744AA0A1AA3}"/>
               </a:ext>
             </a:extLst>
           </p:cNvPr>
@@ -16390,7 +16476,7 @@
     </p:spTree>
     <p:extLst>
       <p:ext uri="{BB962C8B-B14F-4D97-AF65-F5344CB8AC3E}">
-        <p14:creationId xmlns:p14="http://schemas.microsoft.com/office/powerpoint/2010/main" xmlns="" val="2737241225"/>
+        <p14:creationId xmlns="" xmlns:p14="http://schemas.microsoft.com/office/powerpoint/2010/main" val="2737241225"/>
       </p:ext>
     </p:extLst>
   </p:cSld>
@@ -16422,7 +16508,7 @@
           <p:cNvPr id="9" name="Title 1">
             <a:extLst>
               <a:ext uri="{FF2B5EF4-FFF2-40B4-BE49-F238E27FC236}">
-                <a16:creationId xmlns:a16="http://schemas.microsoft.com/office/drawing/2014/main" xmlns="" id="{47A9874B-BCA9-8420-1595-EDD1865A099A}"/>
+                <a16:creationId xmlns="" xmlns:a16="http://schemas.microsoft.com/office/drawing/2014/main" id="{47A9874B-BCA9-8420-1595-EDD1865A099A}"/>
               </a:ext>
             </a:extLst>
           </p:cNvPr>
@@ -16456,7 +16542,7 @@
           <p:cNvPr id="13" name="Content Placeholder 2">
             <a:extLst>
               <a:ext uri="{FF2B5EF4-FFF2-40B4-BE49-F238E27FC236}">
-                <a16:creationId xmlns:a16="http://schemas.microsoft.com/office/drawing/2014/main" xmlns="" id="{68A5FD2B-E3E5-1C2B-0151-21F216B14A33}"/>
+                <a16:creationId xmlns="" xmlns:a16="http://schemas.microsoft.com/office/drawing/2014/main" id="{68A5FD2B-E3E5-1C2B-0151-21F216B14A33}"/>
               </a:ext>
             </a:extLst>
           </p:cNvPr>
@@ -16499,7 +16585,7 @@
           <p:cNvPr id="14" name="Content Placeholder 3">
             <a:extLst>
               <a:ext uri="{FF2B5EF4-FFF2-40B4-BE49-F238E27FC236}">
-                <a16:creationId xmlns:a16="http://schemas.microsoft.com/office/drawing/2014/main" xmlns="" id="{ACFBB810-3430-2C29-1AA0-9744AA0A1AA3}"/>
+                <a16:creationId xmlns="" xmlns:a16="http://schemas.microsoft.com/office/drawing/2014/main" id="{ACFBB810-3430-2C29-1AA0-9744AA0A1AA3}"/>
               </a:ext>
             </a:extLst>
           </p:cNvPr>
@@ -16618,7 +16704,7 @@
     </p:spTree>
     <p:extLst>
       <p:ext uri="{BB962C8B-B14F-4D97-AF65-F5344CB8AC3E}">
-        <p14:creationId xmlns:p14="http://schemas.microsoft.com/office/powerpoint/2010/main" xmlns="" val="4259977132"/>
+        <p14:creationId xmlns="" xmlns:p14="http://schemas.microsoft.com/office/powerpoint/2010/main" val="4259977132"/>
       </p:ext>
     </p:extLst>
   </p:cSld>
@@ -16650,7 +16736,7 @@
           <p:cNvPr id="8" name="Title 1">
             <a:extLst>
               <a:ext uri="{FF2B5EF4-FFF2-40B4-BE49-F238E27FC236}">
-                <a16:creationId xmlns:a16="http://schemas.microsoft.com/office/drawing/2014/main" xmlns="" id="{47A9874B-BCA9-8420-1595-EDD1865A099A}"/>
+                <a16:creationId xmlns="" xmlns:a16="http://schemas.microsoft.com/office/drawing/2014/main" id="{47A9874B-BCA9-8420-1595-EDD1865A099A}"/>
               </a:ext>
             </a:extLst>
           </p:cNvPr>
@@ -16684,7 +16770,7 @@
           <p:cNvPr id="9" name="Content Placeholder 2">
             <a:extLst>
               <a:ext uri="{FF2B5EF4-FFF2-40B4-BE49-F238E27FC236}">
-                <a16:creationId xmlns:a16="http://schemas.microsoft.com/office/drawing/2014/main" xmlns="" id="{A6A33159-D030-2F82-A142-F75940728319}"/>
+                <a16:creationId xmlns="" xmlns:a16="http://schemas.microsoft.com/office/drawing/2014/main" id="{A6A33159-D030-2F82-A142-F75940728319}"/>
               </a:ext>
             </a:extLst>
           </p:cNvPr>
@@ -16801,7 +16887,7 @@
     </p:spTree>
     <p:extLst>
       <p:ext uri="{BB962C8B-B14F-4D97-AF65-F5344CB8AC3E}">
-        <p14:creationId xmlns:p14="http://schemas.microsoft.com/office/powerpoint/2010/main" xmlns="" val="414613742"/>
+        <p14:creationId xmlns="" xmlns:p14="http://schemas.microsoft.com/office/powerpoint/2010/main" val="414613742"/>
       </p:ext>
     </p:extLst>
   </p:cSld>
@@ -16833,7 +16919,7 @@
           <p:cNvPr id="2" name="Title 1">
             <a:extLst>
               <a:ext uri="{FF2B5EF4-FFF2-40B4-BE49-F238E27FC236}">
-                <a16:creationId xmlns:a16="http://schemas.microsoft.com/office/drawing/2014/main" xmlns="" id="{47A9874B-BCA9-8420-1595-EDD1865A099A}"/>
+                <a16:creationId xmlns="" xmlns:a16="http://schemas.microsoft.com/office/drawing/2014/main" id="{47A9874B-BCA9-8420-1595-EDD1865A099A}"/>
               </a:ext>
             </a:extLst>
           </p:cNvPr>
@@ -16867,7 +16953,7 @@
           <p:cNvPr id="3" name="Content Placeholder 2">
             <a:extLst>
               <a:ext uri="{FF2B5EF4-FFF2-40B4-BE49-F238E27FC236}">
-                <a16:creationId xmlns:a16="http://schemas.microsoft.com/office/drawing/2014/main" xmlns="" id="{68A5FD2B-E3E5-1C2B-0151-21F216B14A33}"/>
+                <a16:creationId xmlns="" xmlns:a16="http://schemas.microsoft.com/office/drawing/2014/main" id="{68A5FD2B-E3E5-1C2B-0151-21F216B14A33}"/>
               </a:ext>
             </a:extLst>
           </p:cNvPr>
@@ -16958,7 +17044,7 @@
           <p:cNvPr id="7" name="Content Placeholder 3">
             <a:extLst>
               <a:ext uri="{FF2B5EF4-FFF2-40B4-BE49-F238E27FC236}">
-                <a16:creationId xmlns:a16="http://schemas.microsoft.com/office/drawing/2014/main" xmlns="" id="{ACFBB810-3430-2C29-1AA0-9744AA0A1AA3}"/>
+                <a16:creationId xmlns="" xmlns:a16="http://schemas.microsoft.com/office/drawing/2014/main" id="{ACFBB810-3430-2C29-1AA0-9744AA0A1AA3}"/>
               </a:ext>
             </a:extLst>
           </p:cNvPr>
@@ -17032,7 +17118,7 @@
     </p:spTree>
     <p:extLst>
       <p:ext uri="{BB962C8B-B14F-4D97-AF65-F5344CB8AC3E}">
-        <p14:creationId xmlns:p14="http://schemas.microsoft.com/office/powerpoint/2010/main" xmlns="" val="1127649784"/>
+        <p14:creationId xmlns="" xmlns:p14="http://schemas.microsoft.com/office/powerpoint/2010/main" val="1127649784"/>
       </p:ext>
     </p:extLst>
   </p:cSld>
@@ -17064,7 +17150,7 @@
           <p:cNvPr id="2" name="Title 1">
             <a:extLst>
               <a:ext uri="{FF2B5EF4-FFF2-40B4-BE49-F238E27FC236}">
-                <a16:creationId xmlns:a16="http://schemas.microsoft.com/office/drawing/2014/main" xmlns="" id="{47A9874B-BCA9-8420-1595-EDD1865A099A}"/>
+                <a16:creationId xmlns="" xmlns:a16="http://schemas.microsoft.com/office/drawing/2014/main" id="{47A9874B-BCA9-8420-1595-EDD1865A099A}"/>
               </a:ext>
             </a:extLst>
           </p:cNvPr>
@@ -17098,7 +17184,7 @@
           <p:cNvPr id="3" name="Content Placeholder 2">
             <a:extLst>
               <a:ext uri="{FF2B5EF4-FFF2-40B4-BE49-F238E27FC236}">
-                <a16:creationId xmlns:a16="http://schemas.microsoft.com/office/drawing/2014/main" xmlns="" id="{68A5FD2B-E3E5-1C2B-0151-21F216B14A33}"/>
+                <a16:creationId xmlns="" xmlns:a16="http://schemas.microsoft.com/office/drawing/2014/main" id="{68A5FD2B-E3E5-1C2B-0151-21F216B14A33}"/>
               </a:ext>
             </a:extLst>
           </p:cNvPr>
@@ -17153,7 +17239,7 @@
           <p:cNvPr id="10" name="Content Placeholder 3">
             <a:extLst>
               <a:ext uri="{FF2B5EF4-FFF2-40B4-BE49-F238E27FC236}">
-                <a16:creationId xmlns:a16="http://schemas.microsoft.com/office/drawing/2014/main" xmlns="" id="{ACFBB810-3430-2C29-1AA0-9744AA0A1AA3}"/>
+                <a16:creationId xmlns="" xmlns:a16="http://schemas.microsoft.com/office/drawing/2014/main" id="{ACFBB810-3430-2C29-1AA0-9744AA0A1AA3}"/>
               </a:ext>
             </a:extLst>
           </p:cNvPr>
@@ -17315,7 +17401,7 @@
     </p:spTree>
     <p:extLst>
       <p:ext uri="{BB962C8B-B14F-4D97-AF65-F5344CB8AC3E}">
-        <p14:creationId xmlns:p14="http://schemas.microsoft.com/office/powerpoint/2010/main" xmlns="" val="1127649784"/>
+        <p14:creationId xmlns="" xmlns:p14="http://schemas.microsoft.com/office/powerpoint/2010/main" val="1127649784"/>
       </p:ext>
     </p:extLst>
   </p:cSld>
@@ -17359,7 +17445,7 @@
     </p:spTree>
     <p:extLst>
       <p:ext uri="{BB962C8B-B14F-4D97-AF65-F5344CB8AC3E}">
-        <p14:creationId xmlns:p14="http://schemas.microsoft.com/office/powerpoint/2010/main" xmlns="" val="2828263213"/>
+        <p14:creationId xmlns="" xmlns:p14="http://schemas.microsoft.com/office/powerpoint/2010/main" val="2828263213"/>
       </p:ext>
     </p:extLst>
   </p:cSld>
@@ -17398,7 +17484,7 @@
           <p:cNvPr id="2" name="Title 1">
             <a:extLst>
               <a:ext uri="{FF2B5EF4-FFF2-40B4-BE49-F238E27FC236}">
-                <a16:creationId xmlns:a16="http://schemas.microsoft.com/office/drawing/2014/main" xmlns="" id="{47A9874B-BCA9-8420-1595-EDD1865A099A}"/>
+                <a16:creationId xmlns="" xmlns:a16="http://schemas.microsoft.com/office/drawing/2014/main" id="{47A9874B-BCA9-8420-1595-EDD1865A099A}"/>
               </a:ext>
             </a:extLst>
           </p:cNvPr>
@@ -17432,7 +17518,7 @@
           <p:cNvPr id="3" name="Content Placeholder 2">
             <a:extLst>
               <a:ext uri="{FF2B5EF4-FFF2-40B4-BE49-F238E27FC236}">
-                <a16:creationId xmlns:a16="http://schemas.microsoft.com/office/drawing/2014/main" xmlns="" id="{68A5FD2B-E3E5-1C2B-0151-21F216B14A33}"/>
+                <a16:creationId xmlns="" xmlns:a16="http://schemas.microsoft.com/office/drawing/2014/main" id="{68A5FD2B-E3E5-1C2B-0151-21F216B14A33}"/>
               </a:ext>
             </a:extLst>
           </p:cNvPr>
@@ -17479,7 +17565,7 @@
           <p:cNvPr id="10" name="Content Placeholder 3">
             <a:extLst>
               <a:ext uri="{FF2B5EF4-FFF2-40B4-BE49-F238E27FC236}">
-                <a16:creationId xmlns:a16="http://schemas.microsoft.com/office/drawing/2014/main" xmlns="" id="{ACFBB810-3430-2C29-1AA0-9744AA0A1AA3}"/>
+                <a16:creationId xmlns="" xmlns:a16="http://schemas.microsoft.com/office/drawing/2014/main" id="{ACFBB810-3430-2C29-1AA0-9744AA0A1AA3}"/>
               </a:ext>
             </a:extLst>
           </p:cNvPr>
@@ -17589,7 +17675,7 @@
     </p:spTree>
     <p:extLst>
       <p:ext uri="{BB962C8B-B14F-4D97-AF65-F5344CB8AC3E}">
-        <p14:creationId xmlns:p14="http://schemas.microsoft.com/office/powerpoint/2010/main" xmlns="" val="1127649784"/>
+        <p14:creationId xmlns="" xmlns:p14="http://schemas.microsoft.com/office/powerpoint/2010/main" val="1127649784"/>
       </p:ext>
     </p:extLst>
   </p:cSld>
@@ -17621,7 +17707,7 @@
           <p:cNvPr id="2" name="Title 1">
             <a:extLst>
               <a:ext uri="{FF2B5EF4-FFF2-40B4-BE49-F238E27FC236}">
-                <a16:creationId xmlns:a16="http://schemas.microsoft.com/office/drawing/2014/main" xmlns="" id="{47A9874B-BCA9-8420-1595-EDD1865A099A}"/>
+                <a16:creationId xmlns="" xmlns:a16="http://schemas.microsoft.com/office/drawing/2014/main" id="{47A9874B-BCA9-8420-1595-EDD1865A099A}"/>
               </a:ext>
             </a:extLst>
           </p:cNvPr>
@@ -17655,7 +17741,7 @@
           <p:cNvPr id="3" name="Content Placeholder 2">
             <a:extLst>
               <a:ext uri="{FF2B5EF4-FFF2-40B4-BE49-F238E27FC236}">
-                <a16:creationId xmlns:a16="http://schemas.microsoft.com/office/drawing/2014/main" xmlns="" id="{68A5FD2B-E3E5-1C2B-0151-21F216B14A33}"/>
+                <a16:creationId xmlns="" xmlns:a16="http://schemas.microsoft.com/office/drawing/2014/main" id="{68A5FD2B-E3E5-1C2B-0151-21F216B14A33}"/>
               </a:ext>
             </a:extLst>
           </p:cNvPr>
@@ -17702,7 +17788,7 @@
           <p:cNvPr id="10" name="Content Placeholder 3">
             <a:extLst>
               <a:ext uri="{FF2B5EF4-FFF2-40B4-BE49-F238E27FC236}">
-                <a16:creationId xmlns:a16="http://schemas.microsoft.com/office/drawing/2014/main" xmlns="" id="{ACFBB810-3430-2C29-1AA0-9744AA0A1AA3}"/>
+                <a16:creationId xmlns="" xmlns:a16="http://schemas.microsoft.com/office/drawing/2014/main" id="{ACFBB810-3430-2C29-1AA0-9744AA0A1AA3}"/>
               </a:ext>
             </a:extLst>
           </p:cNvPr>
@@ -17838,7 +17924,7 @@
     </p:spTree>
     <p:extLst>
       <p:ext uri="{BB962C8B-B14F-4D97-AF65-F5344CB8AC3E}">
-        <p14:creationId xmlns:p14="http://schemas.microsoft.com/office/powerpoint/2010/main" xmlns="" val="1127649784"/>
+        <p14:creationId xmlns="" xmlns:p14="http://schemas.microsoft.com/office/powerpoint/2010/main" val="1127649784"/>
       </p:ext>
     </p:extLst>
   </p:cSld>
@@ -17870,7 +17956,7 @@
           <p:cNvPr id="2" name="Title 1">
             <a:extLst>
               <a:ext uri="{FF2B5EF4-FFF2-40B4-BE49-F238E27FC236}">
-                <a16:creationId xmlns:a16="http://schemas.microsoft.com/office/drawing/2014/main" xmlns="" id="{47A9874B-BCA9-8420-1595-EDD1865A099A}"/>
+                <a16:creationId xmlns="" xmlns:a16="http://schemas.microsoft.com/office/drawing/2014/main" id="{47A9874B-BCA9-8420-1595-EDD1865A099A}"/>
               </a:ext>
             </a:extLst>
           </p:cNvPr>
@@ -17904,7 +17990,7 @@
           <p:cNvPr id="3" name="Content Placeholder 2">
             <a:extLst>
               <a:ext uri="{FF2B5EF4-FFF2-40B4-BE49-F238E27FC236}">
-                <a16:creationId xmlns:a16="http://schemas.microsoft.com/office/drawing/2014/main" xmlns="" id="{68A5FD2B-E3E5-1C2B-0151-21F216B14A33}"/>
+                <a16:creationId xmlns="" xmlns:a16="http://schemas.microsoft.com/office/drawing/2014/main" id="{68A5FD2B-E3E5-1C2B-0151-21F216B14A33}"/>
               </a:ext>
             </a:extLst>
           </p:cNvPr>
@@ -17951,7 +18037,7 @@
           <p:cNvPr id="10" name="Content Placeholder 3">
             <a:extLst>
               <a:ext uri="{FF2B5EF4-FFF2-40B4-BE49-F238E27FC236}">
-                <a16:creationId xmlns:a16="http://schemas.microsoft.com/office/drawing/2014/main" xmlns="" id="{ACFBB810-3430-2C29-1AA0-9744AA0A1AA3}"/>
+                <a16:creationId xmlns="" xmlns:a16="http://schemas.microsoft.com/office/drawing/2014/main" id="{ACFBB810-3430-2C29-1AA0-9744AA0A1AA3}"/>
               </a:ext>
             </a:extLst>
           </p:cNvPr>
@@ -18126,7 +18212,7 @@
     </p:spTree>
     <p:extLst>
       <p:ext uri="{BB962C8B-B14F-4D97-AF65-F5344CB8AC3E}">
-        <p14:creationId xmlns:p14="http://schemas.microsoft.com/office/powerpoint/2010/main" xmlns="" val="1127649784"/>
+        <p14:creationId xmlns="" xmlns:p14="http://schemas.microsoft.com/office/powerpoint/2010/main" val="1127649784"/>
       </p:ext>
     </p:extLst>
   </p:cSld>
@@ -18158,7 +18244,7 @@
           <p:cNvPr id="2" name="Title 1">
             <a:extLst>
               <a:ext uri="{FF2B5EF4-FFF2-40B4-BE49-F238E27FC236}">
-                <a16:creationId xmlns:a16="http://schemas.microsoft.com/office/drawing/2014/main" xmlns="" id="{47A9874B-BCA9-8420-1595-EDD1865A099A}"/>
+                <a16:creationId xmlns="" xmlns:a16="http://schemas.microsoft.com/office/drawing/2014/main" id="{47A9874B-BCA9-8420-1595-EDD1865A099A}"/>
               </a:ext>
             </a:extLst>
           </p:cNvPr>
@@ -18192,7 +18278,7 @@
           <p:cNvPr id="7" name="Content Placeholder 2">
             <a:extLst>
               <a:ext uri="{FF2B5EF4-FFF2-40B4-BE49-F238E27FC236}">
-                <a16:creationId xmlns:a16="http://schemas.microsoft.com/office/drawing/2014/main" xmlns="" id="{A6A33159-D030-2F82-A142-F75940728319}"/>
+                <a16:creationId xmlns="" xmlns:a16="http://schemas.microsoft.com/office/drawing/2014/main" id="{A6A33159-D030-2F82-A142-F75940728319}"/>
               </a:ext>
             </a:extLst>
           </p:cNvPr>
@@ -18275,7 +18361,7 @@
     </p:spTree>
     <p:extLst>
       <p:ext uri="{BB962C8B-B14F-4D97-AF65-F5344CB8AC3E}">
-        <p14:creationId xmlns:p14="http://schemas.microsoft.com/office/powerpoint/2010/main" xmlns="" val="1127649784"/>
+        <p14:creationId xmlns="" xmlns:p14="http://schemas.microsoft.com/office/powerpoint/2010/main" val="1127649784"/>
       </p:ext>
     </p:extLst>
   </p:cSld>
@@ -18307,7 +18393,7 @@
           <p:cNvPr id="2" name="Title 1">
             <a:extLst>
               <a:ext uri="{FF2B5EF4-FFF2-40B4-BE49-F238E27FC236}">
-                <a16:creationId xmlns:a16="http://schemas.microsoft.com/office/drawing/2014/main" xmlns="" id="{47A9874B-BCA9-8420-1595-EDD1865A099A}"/>
+                <a16:creationId xmlns="" xmlns:a16="http://schemas.microsoft.com/office/drawing/2014/main" id="{47A9874B-BCA9-8420-1595-EDD1865A099A}"/>
               </a:ext>
             </a:extLst>
           </p:cNvPr>
@@ -18341,7 +18427,7 @@
           <p:cNvPr id="7" name="Content Placeholder 2">
             <a:extLst>
               <a:ext uri="{FF2B5EF4-FFF2-40B4-BE49-F238E27FC236}">
-                <a16:creationId xmlns:a16="http://schemas.microsoft.com/office/drawing/2014/main" xmlns="" id="{A6A33159-D030-2F82-A142-F75940728319}"/>
+                <a16:creationId xmlns="" xmlns:a16="http://schemas.microsoft.com/office/drawing/2014/main" id="{A6A33159-D030-2F82-A142-F75940728319}"/>
               </a:ext>
             </a:extLst>
           </p:cNvPr>
@@ -18521,7 +18607,7 @@
           <p:cNvPr id="4" name="Content Placeholder 2">
             <a:extLst>
               <a:ext uri="{FF2B5EF4-FFF2-40B4-BE49-F238E27FC236}">
-                <a16:creationId xmlns:a16="http://schemas.microsoft.com/office/drawing/2014/main" xmlns="" id="{A6A33159-D030-2F82-A142-F75940728319}"/>
+                <a16:creationId xmlns="" xmlns:a16="http://schemas.microsoft.com/office/drawing/2014/main" id="{A6A33159-D030-2F82-A142-F75940728319}"/>
               </a:ext>
             </a:extLst>
           </p:cNvPr>
@@ -18666,7 +18752,7 @@
     </p:spTree>
     <p:extLst>
       <p:ext uri="{BB962C8B-B14F-4D97-AF65-F5344CB8AC3E}">
-        <p14:creationId xmlns:p14="http://schemas.microsoft.com/office/powerpoint/2010/main" xmlns="" val="1127649784"/>
+        <p14:creationId xmlns="" xmlns:p14="http://schemas.microsoft.com/office/powerpoint/2010/main" val="1127649784"/>
       </p:ext>
     </p:extLst>
   </p:cSld>
@@ -18698,7 +18784,7 @@
           <p:cNvPr id="2" name="Title 1">
             <a:extLst>
               <a:ext uri="{FF2B5EF4-FFF2-40B4-BE49-F238E27FC236}">
-                <a16:creationId xmlns:a16="http://schemas.microsoft.com/office/drawing/2014/main" xmlns="" id="{47A9874B-BCA9-8420-1595-EDD1865A099A}"/>
+                <a16:creationId xmlns="" xmlns:a16="http://schemas.microsoft.com/office/drawing/2014/main" id="{47A9874B-BCA9-8420-1595-EDD1865A099A}"/>
               </a:ext>
             </a:extLst>
           </p:cNvPr>
@@ -18732,7 +18818,7 @@
           <p:cNvPr id="7" name="Content Placeholder 2">
             <a:extLst>
               <a:ext uri="{FF2B5EF4-FFF2-40B4-BE49-F238E27FC236}">
-                <a16:creationId xmlns:a16="http://schemas.microsoft.com/office/drawing/2014/main" xmlns="" id="{A6A33159-D030-2F82-A142-F75940728319}"/>
+                <a16:creationId xmlns="" xmlns:a16="http://schemas.microsoft.com/office/drawing/2014/main" id="{A6A33159-D030-2F82-A142-F75940728319}"/>
               </a:ext>
             </a:extLst>
           </p:cNvPr>
@@ -18882,7 +18968,7 @@
     </p:spTree>
     <p:extLst>
       <p:ext uri="{BB962C8B-B14F-4D97-AF65-F5344CB8AC3E}">
-        <p14:creationId xmlns:p14="http://schemas.microsoft.com/office/powerpoint/2010/main" xmlns="" val="1127649784"/>
+        <p14:creationId xmlns="" xmlns:p14="http://schemas.microsoft.com/office/powerpoint/2010/main" val="1127649784"/>
       </p:ext>
     </p:extLst>
   </p:cSld>
@@ -18914,7 +19000,7 @@
           <p:cNvPr id="2" name="Title 1">
             <a:extLst>
               <a:ext uri="{FF2B5EF4-FFF2-40B4-BE49-F238E27FC236}">
-                <a16:creationId xmlns:a16="http://schemas.microsoft.com/office/drawing/2014/main" xmlns="" id="{47A9874B-BCA9-8420-1595-EDD1865A099A}"/>
+                <a16:creationId xmlns="" xmlns:a16="http://schemas.microsoft.com/office/drawing/2014/main" id="{47A9874B-BCA9-8420-1595-EDD1865A099A}"/>
               </a:ext>
             </a:extLst>
           </p:cNvPr>
@@ -18949,7 +19035,7 @@
           <p:cNvPr id="7" name="Content Placeholder 2">
             <a:extLst>
               <a:ext uri="{FF2B5EF4-FFF2-40B4-BE49-F238E27FC236}">
-                <a16:creationId xmlns:a16="http://schemas.microsoft.com/office/drawing/2014/main" xmlns="" id="{A6A33159-D030-2F82-A142-F75940728319}"/>
+                <a16:creationId xmlns="" xmlns:a16="http://schemas.microsoft.com/office/drawing/2014/main" id="{A6A33159-D030-2F82-A142-F75940728319}"/>
               </a:ext>
             </a:extLst>
           </p:cNvPr>
@@ -19043,7 +19129,7 @@
     </p:spTree>
     <p:extLst>
       <p:ext uri="{BB962C8B-B14F-4D97-AF65-F5344CB8AC3E}">
-        <p14:creationId xmlns:p14="http://schemas.microsoft.com/office/powerpoint/2010/main" xmlns="" val="1127649784"/>
+        <p14:creationId xmlns="" xmlns:p14="http://schemas.microsoft.com/office/powerpoint/2010/main" val="1127649784"/>
       </p:ext>
     </p:extLst>
   </p:cSld>
@@ -19075,7 +19161,7 @@
           <p:cNvPr id="8" name="Title 1">
             <a:extLst>
               <a:ext uri="{FF2B5EF4-FFF2-40B4-BE49-F238E27FC236}">
-                <a16:creationId xmlns:a16="http://schemas.microsoft.com/office/drawing/2014/main" xmlns="" id="{47A9874B-BCA9-8420-1595-EDD1865A099A}"/>
+                <a16:creationId xmlns="" xmlns:a16="http://schemas.microsoft.com/office/drawing/2014/main" id="{47A9874B-BCA9-8420-1595-EDD1865A099A}"/>
               </a:ext>
             </a:extLst>
           </p:cNvPr>
@@ -19141,7 +19227,7 @@
           <p:cNvPr id="9" name="Content Placeholder 2">
             <a:extLst>
               <a:ext uri="{FF2B5EF4-FFF2-40B4-BE49-F238E27FC236}">
-                <a16:creationId xmlns:a16="http://schemas.microsoft.com/office/drawing/2014/main" xmlns="" id="{A6A33159-D030-2F82-A142-F75940728319}"/>
+                <a16:creationId xmlns="" xmlns:a16="http://schemas.microsoft.com/office/drawing/2014/main" id="{A6A33159-D030-2F82-A142-F75940728319}"/>
               </a:ext>
             </a:extLst>
           </p:cNvPr>
@@ -19290,7 +19376,7 @@
     </p:spTree>
     <p:extLst>
       <p:ext uri="{BB962C8B-B14F-4D97-AF65-F5344CB8AC3E}">
-        <p14:creationId xmlns:p14="http://schemas.microsoft.com/office/powerpoint/2010/main" xmlns="" val="414613742"/>
+        <p14:creationId xmlns="" xmlns:p14="http://schemas.microsoft.com/office/powerpoint/2010/main" val="414613742"/>
       </p:ext>
     </p:extLst>
   </p:cSld>
@@ -19322,7 +19408,7 @@
           <p:cNvPr id="8" name="Title 1">
             <a:extLst>
               <a:ext uri="{FF2B5EF4-FFF2-40B4-BE49-F238E27FC236}">
-                <a16:creationId xmlns:a16="http://schemas.microsoft.com/office/drawing/2014/main" xmlns="" id="{47A9874B-BCA9-8420-1595-EDD1865A099A}"/>
+                <a16:creationId xmlns="" xmlns:a16="http://schemas.microsoft.com/office/drawing/2014/main" id="{47A9874B-BCA9-8420-1595-EDD1865A099A}"/>
               </a:ext>
             </a:extLst>
           </p:cNvPr>
@@ -19363,7 +19449,7 @@
           <p:cNvPr id="5" name="Content Placeholder 2">
             <a:extLst>
               <a:ext uri="{FF2B5EF4-FFF2-40B4-BE49-F238E27FC236}">
-                <a16:creationId xmlns:a16="http://schemas.microsoft.com/office/drawing/2014/main" xmlns="" id="{A6A33159-D030-2F82-A142-F75940728319}"/>
+                <a16:creationId xmlns="" xmlns:a16="http://schemas.microsoft.com/office/drawing/2014/main" id="{A6A33159-D030-2F82-A142-F75940728319}"/>
               </a:ext>
             </a:extLst>
           </p:cNvPr>
@@ -19545,7 +19631,7 @@
     </p:spTree>
     <p:extLst>
       <p:ext uri="{BB962C8B-B14F-4D97-AF65-F5344CB8AC3E}">
-        <p14:creationId xmlns:p14="http://schemas.microsoft.com/office/powerpoint/2010/main" xmlns="" val="414613742"/>
+        <p14:creationId xmlns="" xmlns:p14="http://schemas.microsoft.com/office/powerpoint/2010/main" val="414613742"/>
       </p:ext>
     </p:extLst>
   </p:cSld>
@@ -19577,7 +19663,7 @@
           <p:cNvPr id="2" name="Title 1">
             <a:extLst>
               <a:ext uri="{FF2B5EF4-FFF2-40B4-BE49-F238E27FC236}">
-                <a16:creationId xmlns:a16="http://schemas.microsoft.com/office/drawing/2014/main" xmlns="" id="{9635F5E3-2B1C-7C0A-8581-67A9052D13AA}"/>
+                <a16:creationId xmlns="" xmlns:a16="http://schemas.microsoft.com/office/drawing/2014/main" id="{9635F5E3-2B1C-7C0A-8581-67A9052D13AA}"/>
               </a:ext>
             </a:extLst>
           </p:cNvPr>
@@ -19611,7 +19697,7 @@
           <p:cNvPr id="3" name="Group 2">
             <a:extLst>
               <a:ext uri="{FF2B5EF4-FFF2-40B4-BE49-F238E27FC236}">
-                <a16:creationId xmlns:a16="http://schemas.microsoft.com/office/drawing/2014/main" xmlns="" id="{86E8A49B-6897-0562-9203-6B22CDD5C658}"/>
+                <a16:creationId xmlns="" xmlns:a16="http://schemas.microsoft.com/office/drawing/2014/main" id="{86E8A49B-6897-0562-9203-6B22CDD5C658}"/>
               </a:ext>
             </a:extLst>
           </p:cNvPr>
@@ -23241,7 +23327,7 @@
           <p:cNvPr id="42" name="TextBox 41">
             <a:extLst>
               <a:ext uri="{FF2B5EF4-FFF2-40B4-BE49-F238E27FC236}">
-                <a16:creationId xmlns:a16="http://schemas.microsoft.com/office/drawing/2014/main" xmlns="" id="{CEA5AA58-5E79-9756-636E-D5CEE56F3AAF}"/>
+                <a16:creationId xmlns="" xmlns:a16="http://schemas.microsoft.com/office/drawing/2014/main" id="{CEA5AA58-5E79-9756-636E-D5CEE56F3AAF}"/>
               </a:ext>
             </a:extLst>
           </p:cNvPr>
@@ -23321,7 +23407,7 @@
     </p:spTree>
     <p:extLst>
       <p:ext uri="{BB962C8B-B14F-4D97-AF65-F5344CB8AC3E}">
-        <p14:creationId xmlns:p14="http://schemas.microsoft.com/office/powerpoint/2010/main" xmlns="" val="3666674671"/>
+        <p14:creationId xmlns="" xmlns:p14="http://schemas.microsoft.com/office/powerpoint/2010/main" val="3666674671"/>
       </p:ext>
     </p:extLst>
   </p:cSld>
@@ -23353,7 +23439,7 @@
           <p:cNvPr id="2" name="Title 1">
             <a:extLst>
               <a:ext uri="{FF2B5EF4-FFF2-40B4-BE49-F238E27FC236}">
-                <a16:creationId xmlns:a16="http://schemas.microsoft.com/office/drawing/2014/main" xmlns="" id="{43C2181D-911C-1343-7267-E35AC86CCA0E}"/>
+                <a16:creationId xmlns="" xmlns:a16="http://schemas.microsoft.com/office/drawing/2014/main" id="{43C2181D-911C-1343-7267-E35AC86CCA0E}"/>
               </a:ext>
             </a:extLst>
           </p:cNvPr>
@@ -23389,7 +23475,7 @@
           <p:cNvPr id="3" name="Content Placeholder 2">
             <a:extLst>
               <a:ext uri="{FF2B5EF4-FFF2-40B4-BE49-F238E27FC236}">
-                <a16:creationId xmlns:a16="http://schemas.microsoft.com/office/drawing/2014/main" xmlns="" id="{9BEA8735-F1DC-1DE6-0A38-429B2F660F8A}"/>
+                <a16:creationId xmlns="" xmlns:a16="http://schemas.microsoft.com/office/drawing/2014/main" id="{9BEA8735-F1DC-1DE6-0A38-429B2F660F8A}"/>
               </a:ext>
             </a:extLst>
           </p:cNvPr>
@@ -23466,7 +23552,7 @@
     </p:spTree>
     <p:extLst>
       <p:ext uri="{BB962C8B-B14F-4D97-AF65-F5344CB8AC3E}">
-        <p14:creationId xmlns:p14="http://schemas.microsoft.com/office/powerpoint/2010/main" xmlns="" val="3920724481"/>
+        <p14:creationId xmlns="" xmlns:p14="http://schemas.microsoft.com/office/powerpoint/2010/main" val="3920724481"/>
       </p:ext>
     </p:extLst>
   </p:cSld>
@@ -23505,7 +23591,7 @@
           <p:cNvPr id="2" name="Title 1">
             <a:extLst>
               <a:ext uri="{FF2B5EF4-FFF2-40B4-BE49-F238E27FC236}">
-                <a16:creationId xmlns:a16="http://schemas.microsoft.com/office/drawing/2014/main" xmlns="" id="{9635F5E3-2B1C-7C0A-8581-67A9052D13AA}"/>
+                <a16:creationId xmlns="" xmlns:a16="http://schemas.microsoft.com/office/drawing/2014/main" id="{9635F5E3-2B1C-7C0A-8581-67A9052D13AA}"/>
               </a:ext>
             </a:extLst>
           </p:cNvPr>
@@ -23539,7 +23625,7 @@
           <p:cNvPr id="3" name="Group 2">
             <a:extLst>
               <a:ext uri="{FF2B5EF4-FFF2-40B4-BE49-F238E27FC236}">
-                <a16:creationId xmlns:a16="http://schemas.microsoft.com/office/drawing/2014/main" xmlns="" id="{E49B019A-ED66-06D2-F8E5-85D17D377F74}"/>
+                <a16:creationId xmlns="" xmlns:a16="http://schemas.microsoft.com/office/drawing/2014/main" id="{E49B019A-ED66-06D2-F8E5-85D17D377F74}"/>
               </a:ext>
             </a:extLst>
           </p:cNvPr>
@@ -26717,7 +26803,7 @@
           <p:cNvPr id="8" name="TextBox 7">
             <a:extLst>
               <a:ext uri="{FF2B5EF4-FFF2-40B4-BE49-F238E27FC236}">
-                <a16:creationId xmlns:a16="http://schemas.microsoft.com/office/drawing/2014/main" xmlns="" id="{5F862C2B-E72E-62FA-0A90-95337F2AD4AA}"/>
+                <a16:creationId xmlns="" xmlns:a16="http://schemas.microsoft.com/office/drawing/2014/main" id="{5F862C2B-E72E-62FA-0A90-95337F2AD4AA}"/>
               </a:ext>
             </a:extLst>
           </p:cNvPr>
@@ -26797,7 +26883,7 @@
     </p:spTree>
     <p:extLst>
       <p:ext uri="{BB962C8B-B14F-4D97-AF65-F5344CB8AC3E}">
-        <p14:creationId xmlns:p14="http://schemas.microsoft.com/office/powerpoint/2010/main" xmlns="" val="3666674671"/>
+        <p14:creationId xmlns="" xmlns:p14="http://schemas.microsoft.com/office/powerpoint/2010/main" val="3666674671"/>
       </p:ext>
     </p:extLst>
   </p:cSld>
@@ -26829,7 +26915,7 @@
           <p:cNvPr id="2" name="Title 1">
             <a:extLst>
               <a:ext uri="{FF2B5EF4-FFF2-40B4-BE49-F238E27FC236}">
-                <a16:creationId xmlns:a16="http://schemas.microsoft.com/office/drawing/2014/main" xmlns="" id="{5D030A76-B788-B363-104E-266B7C7F7208}"/>
+                <a16:creationId xmlns="" xmlns:a16="http://schemas.microsoft.com/office/drawing/2014/main" id="{5D030A76-B788-B363-104E-266B7C7F7208}"/>
               </a:ext>
             </a:extLst>
           </p:cNvPr>
@@ -26863,7 +26949,7 @@
           <p:cNvPr id="7" name="Content Placeholder 2">
             <a:extLst>
               <a:ext uri="{FF2B5EF4-FFF2-40B4-BE49-F238E27FC236}">
-                <a16:creationId xmlns:a16="http://schemas.microsoft.com/office/drawing/2014/main" xmlns="" id="{68A5FD2B-E3E5-1C2B-0151-21F216B14A33}"/>
+                <a16:creationId xmlns="" xmlns:a16="http://schemas.microsoft.com/office/drawing/2014/main" id="{68A5FD2B-E3E5-1C2B-0151-21F216B14A33}"/>
               </a:ext>
             </a:extLst>
           </p:cNvPr>
@@ -27151,7 +27237,7 @@
           <p:cNvPr id="10" name="Content Placeholder 3">
             <a:extLst>
               <a:ext uri="{FF2B5EF4-FFF2-40B4-BE49-F238E27FC236}">
-                <a16:creationId xmlns:a16="http://schemas.microsoft.com/office/drawing/2014/main" xmlns="" id="{ACFBB810-3430-2C29-1AA0-9744AA0A1AA3}"/>
+                <a16:creationId xmlns="" xmlns:a16="http://schemas.microsoft.com/office/drawing/2014/main" id="{ACFBB810-3430-2C29-1AA0-9744AA0A1AA3}"/>
               </a:ext>
             </a:extLst>
           </p:cNvPr>
@@ -27174,7 +27260,7 @@
         </p:spPr>
         <p:txBody>
           <a:bodyPr>
-            <a:normAutofit fontScale="92500" lnSpcReduction="10000"/>
+            <a:normAutofit fontScale="92500" lnSpcReduction="20000"/>
           </a:bodyPr>
           <a:lstStyle/>
           <a:p>
@@ -27278,7 +27364,7 @@
     </p:spTree>
     <p:extLst>
       <p:ext uri="{BB962C8B-B14F-4D97-AF65-F5344CB8AC3E}">
-        <p14:creationId xmlns:p14="http://schemas.microsoft.com/office/powerpoint/2010/main" xmlns="" val="414613742"/>
+        <p14:creationId xmlns="" xmlns:p14="http://schemas.microsoft.com/office/powerpoint/2010/main" val="414613742"/>
       </p:ext>
     </p:extLst>
   </p:cSld>
@@ -27310,7 +27396,7 @@
           <p:cNvPr id="2" name="Title 1">
             <a:extLst>
               <a:ext uri="{FF2B5EF4-FFF2-40B4-BE49-F238E27FC236}">
-                <a16:creationId xmlns:a16="http://schemas.microsoft.com/office/drawing/2014/main" xmlns="" id="{5D030A76-B788-B363-104E-266B7C7F7208}"/>
+                <a16:creationId xmlns="" xmlns:a16="http://schemas.microsoft.com/office/drawing/2014/main" id="{5D030A76-B788-B363-104E-266B7C7F7208}"/>
               </a:ext>
             </a:extLst>
           </p:cNvPr>
@@ -27344,7 +27430,7 @@
           <p:cNvPr id="7" name="Content Placeholder 2">
             <a:extLst>
               <a:ext uri="{FF2B5EF4-FFF2-40B4-BE49-F238E27FC236}">
-                <a16:creationId xmlns:a16="http://schemas.microsoft.com/office/drawing/2014/main" xmlns="" id="{68A5FD2B-E3E5-1C2B-0151-21F216B14A33}"/>
+                <a16:creationId xmlns="" xmlns:a16="http://schemas.microsoft.com/office/drawing/2014/main" id="{68A5FD2B-E3E5-1C2B-0151-21F216B14A33}"/>
               </a:ext>
             </a:extLst>
           </p:cNvPr>
@@ -27613,7 +27699,7 @@
           <p:cNvPr id="10" name="Content Placeholder 3">
             <a:extLst>
               <a:ext uri="{FF2B5EF4-FFF2-40B4-BE49-F238E27FC236}">
-                <a16:creationId xmlns:a16="http://schemas.microsoft.com/office/drawing/2014/main" xmlns="" id="{ACFBB810-3430-2C29-1AA0-9744AA0A1AA3}"/>
+                <a16:creationId xmlns="" xmlns:a16="http://schemas.microsoft.com/office/drawing/2014/main" id="{ACFBB810-3430-2C29-1AA0-9744AA0A1AA3}"/>
               </a:ext>
             </a:extLst>
           </p:cNvPr>
@@ -27782,7 +27868,7 @@
     </p:spTree>
     <p:extLst>
       <p:ext uri="{BB962C8B-B14F-4D97-AF65-F5344CB8AC3E}">
-        <p14:creationId xmlns:p14="http://schemas.microsoft.com/office/powerpoint/2010/main" xmlns="" val="414613742"/>
+        <p14:creationId xmlns="" xmlns:p14="http://schemas.microsoft.com/office/powerpoint/2010/main" val="414613742"/>
       </p:ext>
     </p:extLst>
   </p:cSld>
@@ -27814,7 +27900,7 @@
           <p:cNvPr id="9" name="Title 1">
             <a:extLst>
               <a:ext uri="{FF2B5EF4-FFF2-40B4-BE49-F238E27FC236}">
-                <a16:creationId xmlns:a16="http://schemas.microsoft.com/office/drawing/2014/main" xmlns="" id="{47A9874B-BCA9-8420-1595-EDD1865A099A}"/>
+                <a16:creationId xmlns="" xmlns:a16="http://schemas.microsoft.com/office/drawing/2014/main" id="{47A9874B-BCA9-8420-1595-EDD1865A099A}"/>
               </a:ext>
             </a:extLst>
           </p:cNvPr>
@@ -27848,7 +27934,7 @@
           <p:cNvPr id="5" name="Content Placeholder 2">
             <a:extLst>
               <a:ext uri="{FF2B5EF4-FFF2-40B4-BE49-F238E27FC236}">
-                <a16:creationId xmlns:a16="http://schemas.microsoft.com/office/drawing/2014/main" xmlns="" id="{A6A33159-D030-2F82-A142-F75940728319}"/>
+                <a16:creationId xmlns="" xmlns:a16="http://schemas.microsoft.com/office/drawing/2014/main" id="{A6A33159-D030-2F82-A142-F75940728319}"/>
               </a:ext>
             </a:extLst>
           </p:cNvPr>
@@ -28041,7 +28127,7 @@
     </p:spTree>
     <p:extLst>
       <p:ext uri="{BB962C8B-B14F-4D97-AF65-F5344CB8AC3E}">
-        <p14:creationId xmlns:p14="http://schemas.microsoft.com/office/powerpoint/2010/main" xmlns="" val="3032902017"/>
+        <p14:creationId xmlns="" xmlns:p14="http://schemas.microsoft.com/office/powerpoint/2010/main" val="3032902017"/>
       </p:ext>
     </p:extLst>
   </p:cSld>
@@ -28073,7 +28159,7 @@
           <p:cNvPr id="2" name="Title 1">
             <a:extLst>
               <a:ext uri="{FF2B5EF4-FFF2-40B4-BE49-F238E27FC236}">
-                <a16:creationId xmlns:a16="http://schemas.microsoft.com/office/drawing/2014/main" xmlns="" id="{9635F5E3-2B1C-7C0A-8581-67A9052D13AA}"/>
+                <a16:creationId xmlns="" xmlns:a16="http://schemas.microsoft.com/office/drawing/2014/main" id="{9635F5E3-2B1C-7C0A-8581-67A9052D13AA}"/>
               </a:ext>
             </a:extLst>
           </p:cNvPr>
@@ -28107,7 +28193,7 @@
           <p:cNvPr id="41" name="Content Placeholder 2">
             <a:extLst>
               <a:ext uri="{FF2B5EF4-FFF2-40B4-BE49-F238E27FC236}">
-                <a16:creationId xmlns:a16="http://schemas.microsoft.com/office/drawing/2014/main" xmlns="" id="{A6A33159-D030-2F82-A142-F75940728319}"/>
+                <a16:creationId xmlns="" xmlns:a16="http://schemas.microsoft.com/office/drawing/2014/main" id="{A6A33159-D030-2F82-A142-F75940728319}"/>
               </a:ext>
             </a:extLst>
           </p:cNvPr>
@@ -28306,7 +28392,7 @@
     </p:spTree>
     <p:extLst>
       <p:ext uri="{BB962C8B-B14F-4D97-AF65-F5344CB8AC3E}">
-        <p14:creationId xmlns:p14="http://schemas.microsoft.com/office/powerpoint/2010/main" xmlns="" val="3519397257"/>
+        <p14:creationId xmlns="" xmlns:p14="http://schemas.microsoft.com/office/powerpoint/2010/main" val="3519397257"/>
       </p:ext>
     </p:extLst>
   </p:cSld>
@@ -28338,7 +28424,7 @@
           <p:cNvPr id="8" name="Title 1">
             <a:extLst>
               <a:ext uri="{FF2B5EF4-FFF2-40B4-BE49-F238E27FC236}">
-                <a16:creationId xmlns:a16="http://schemas.microsoft.com/office/drawing/2014/main" xmlns="" id="{47A9874B-BCA9-8420-1595-EDD1865A099A}"/>
+                <a16:creationId xmlns="" xmlns:a16="http://schemas.microsoft.com/office/drawing/2014/main" id="{47A9874B-BCA9-8420-1595-EDD1865A099A}"/>
               </a:ext>
             </a:extLst>
           </p:cNvPr>
@@ -28383,7 +28469,7 @@
           <p:cNvPr id="5" name="Content Placeholder 2">
             <a:extLst>
               <a:ext uri="{FF2B5EF4-FFF2-40B4-BE49-F238E27FC236}">
-                <a16:creationId xmlns:a16="http://schemas.microsoft.com/office/drawing/2014/main" xmlns="" id="{A6A33159-D030-2F82-A142-F75940728319}"/>
+                <a16:creationId xmlns="" xmlns:a16="http://schemas.microsoft.com/office/drawing/2014/main" id="{A6A33159-D030-2F82-A142-F75940728319}"/>
               </a:ext>
             </a:extLst>
           </p:cNvPr>
@@ -28518,7 +28604,7 @@
           <p:cNvPr id="2" name="Content Placeholder 2">
             <a:extLst>
               <a:ext uri="{FF2B5EF4-FFF2-40B4-BE49-F238E27FC236}">
-                <a16:creationId xmlns:a16="http://schemas.microsoft.com/office/drawing/2014/main" xmlns="" id="{BCA39DDC-0B72-D8F7-3EA6-3745AE5BE9AE}"/>
+                <a16:creationId xmlns="" xmlns:a16="http://schemas.microsoft.com/office/drawing/2014/main" id="{BCA39DDC-0B72-D8F7-3EA6-3745AE5BE9AE}"/>
               </a:ext>
             </a:extLst>
           </p:cNvPr>
@@ -28817,7 +28903,7 @@
     </p:spTree>
     <p:extLst>
       <p:ext uri="{BB962C8B-B14F-4D97-AF65-F5344CB8AC3E}">
-        <p14:creationId xmlns:p14="http://schemas.microsoft.com/office/powerpoint/2010/main" xmlns="" val="3812997948"/>
+        <p14:creationId xmlns="" xmlns:p14="http://schemas.microsoft.com/office/powerpoint/2010/main" val="3812997948"/>
       </p:ext>
     </p:extLst>
   </p:cSld>
@@ -28849,7 +28935,7 @@
           <p:cNvPr id="8" name="Title 1">
             <a:extLst>
               <a:ext uri="{FF2B5EF4-FFF2-40B4-BE49-F238E27FC236}">
-                <a16:creationId xmlns:a16="http://schemas.microsoft.com/office/drawing/2014/main" xmlns="" id="{47A9874B-BCA9-8420-1595-EDD1865A099A}"/>
+                <a16:creationId xmlns="" xmlns:a16="http://schemas.microsoft.com/office/drawing/2014/main" id="{47A9874B-BCA9-8420-1595-EDD1865A099A}"/>
               </a:ext>
             </a:extLst>
           </p:cNvPr>
@@ -28890,7 +28976,7 @@
           <p:cNvPr id="5" name="Content Placeholder 2">
             <a:extLst>
               <a:ext uri="{FF2B5EF4-FFF2-40B4-BE49-F238E27FC236}">
-                <a16:creationId xmlns:a16="http://schemas.microsoft.com/office/drawing/2014/main" xmlns="" id="{A6A33159-D030-2F82-A142-F75940728319}"/>
+                <a16:creationId xmlns="" xmlns:a16="http://schemas.microsoft.com/office/drawing/2014/main" id="{A6A33159-D030-2F82-A142-F75940728319}"/>
               </a:ext>
             </a:extLst>
           </p:cNvPr>
@@ -29069,7 +29155,7 @@
           <p:cNvPr id="2" name="TextBox 1">
             <a:extLst>
               <a:ext uri="{FF2B5EF4-FFF2-40B4-BE49-F238E27FC236}">
-                <a16:creationId xmlns:a16="http://schemas.microsoft.com/office/drawing/2014/main" xmlns="" id="{294FBF46-685F-AD18-6C68-10B5F24960BF}"/>
+                <a16:creationId xmlns="" xmlns:a16="http://schemas.microsoft.com/office/drawing/2014/main" id="{294FBF46-685F-AD18-6C68-10B5F24960BF}"/>
               </a:ext>
             </a:extLst>
           </p:cNvPr>
@@ -29109,7 +29195,7 @@
     </p:spTree>
     <p:extLst>
       <p:ext uri="{BB962C8B-B14F-4D97-AF65-F5344CB8AC3E}">
-        <p14:creationId xmlns:p14="http://schemas.microsoft.com/office/powerpoint/2010/main" xmlns="" val="3109420625"/>
+        <p14:creationId xmlns="" xmlns:p14="http://schemas.microsoft.com/office/powerpoint/2010/main" val="3109420625"/>
       </p:ext>
     </p:extLst>
   </p:cSld>
@@ -29141,7 +29227,7 @@
           <p:cNvPr id="8" name="Title 1">
             <a:extLst>
               <a:ext uri="{FF2B5EF4-FFF2-40B4-BE49-F238E27FC236}">
-                <a16:creationId xmlns:a16="http://schemas.microsoft.com/office/drawing/2014/main" xmlns="" id="{47A9874B-BCA9-8420-1595-EDD1865A099A}"/>
+                <a16:creationId xmlns="" xmlns:a16="http://schemas.microsoft.com/office/drawing/2014/main" id="{47A9874B-BCA9-8420-1595-EDD1865A099A}"/>
               </a:ext>
             </a:extLst>
           </p:cNvPr>
@@ -29182,7 +29268,7 @@
           <p:cNvPr id="2" name="Content Placeholder 2">
             <a:extLst>
               <a:ext uri="{FF2B5EF4-FFF2-40B4-BE49-F238E27FC236}">
-                <a16:creationId xmlns:a16="http://schemas.microsoft.com/office/drawing/2014/main" xmlns="" id="{D64FBD31-58C2-F052-F198-E7DC0F36A9D4}"/>
+                <a16:creationId xmlns="" xmlns:a16="http://schemas.microsoft.com/office/drawing/2014/main" id="{D64FBD31-58C2-F052-F198-E7DC0F36A9D4}"/>
               </a:ext>
             </a:extLst>
           </p:cNvPr>
@@ -29532,7 +29618,7 @@
           <p:cNvPr id="1026" name="Picture 2">
             <a:extLst>
               <a:ext uri="{FF2B5EF4-FFF2-40B4-BE49-F238E27FC236}">
-                <a16:creationId xmlns:a16="http://schemas.microsoft.com/office/drawing/2014/main" xmlns="" id="{09159657-6DC0-4DF9-C298-5E7F5C6D3F23}"/>
+                <a16:creationId xmlns="" xmlns:a16="http://schemas.microsoft.com/office/drawing/2014/main" id="{09159657-6DC0-4DF9-C298-5E7F5C6D3F23}"/>
               </a:ext>
             </a:extLst>
           </p:cNvPr>
@@ -29545,7 +29631,7 @@
           <a:blip r:embed="rId3">
             <a:extLst>
               <a:ext uri="{28A0092B-C50C-407E-A947-70E740481C1C}">
-                <a14:useLocalDpi xmlns:a14="http://schemas.microsoft.com/office/drawing/2010/main" xmlns="" val="0"/>
+                <a14:useLocalDpi xmlns="" xmlns:a14="http://schemas.microsoft.com/office/drawing/2010/main" val="0"/>
               </a:ext>
             </a:extLst>
           </a:blip>
@@ -29568,14 +29654,14 @@
           </a:ln>
           <a:extLst>
             <a:ext uri="{909E8E84-426E-40DD-AFC4-6F175D3DCCD1}">
-              <a14:hiddenFill xmlns:a14="http://schemas.microsoft.com/office/drawing/2010/main" xmlns="">
+              <a14:hiddenFill xmlns="" xmlns:a14="http://schemas.microsoft.com/office/drawing/2010/main">
                 <a:solidFill>
                   <a:srgbClr val="FFFFFF"/>
                 </a:solidFill>
               </a14:hiddenFill>
             </a:ext>
             <a:ext uri="{91240B29-F687-4F45-9708-019B960494DF}">
-              <a14:hiddenLine xmlns:a14="http://schemas.microsoft.com/office/drawing/2010/main" xmlns="" w="9525">
+              <a14:hiddenLine xmlns="" xmlns:a14="http://schemas.microsoft.com/office/drawing/2010/main" w="9525">
                 <a:solidFill>
                   <a:srgbClr val="000000"/>
                 </a:solidFill>
@@ -29590,7 +29676,7 @@
     </p:spTree>
     <p:extLst>
       <p:ext uri="{BB962C8B-B14F-4D97-AF65-F5344CB8AC3E}">
-        <p14:creationId xmlns:p14="http://schemas.microsoft.com/office/powerpoint/2010/main" xmlns="" val="2537388289"/>
+        <p14:creationId xmlns="" xmlns:p14="http://schemas.microsoft.com/office/powerpoint/2010/main" val="2537388289"/>
       </p:ext>
     </p:extLst>
   </p:cSld>
@@ -29622,7 +29708,7 @@
           <p:cNvPr id="2" name="Title 1">
             <a:extLst>
               <a:ext uri="{FF2B5EF4-FFF2-40B4-BE49-F238E27FC236}">
-                <a16:creationId xmlns:a16="http://schemas.microsoft.com/office/drawing/2014/main" xmlns="" id="{D1FC59F6-9B22-C211-4B4C-A2FD4B914C46}"/>
+                <a16:creationId xmlns="" xmlns:a16="http://schemas.microsoft.com/office/drawing/2014/main" id="{D1FC59F6-9B22-C211-4B4C-A2FD4B914C46}"/>
               </a:ext>
             </a:extLst>
           </p:cNvPr>
@@ -29656,7 +29742,7 @@
           <p:cNvPr id="4" name="Table Placeholder 3">
             <a:extLst>
               <a:ext uri="{FF2B5EF4-FFF2-40B4-BE49-F238E27FC236}">
-                <a16:creationId xmlns:a16="http://schemas.microsoft.com/office/drawing/2014/main" xmlns="" id="{0519CAC4-33D8-0B1E-88FF-086E69894AFB}"/>
+                <a16:creationId xmlns="" xmlns:a16="http://schemas.microsoft.com/office/drawing/2014/main" id="{0519CAC4-33D8-0B1E-88FF-086E69894AFB}"/>
               </a:ext>
             </a:extLst>
           </p:cNvPr>
@@ -29667,7 +29753,7 @@
             <p:ph type="tbl" sz="quarter" idx="13"/>
             <p:extLst>
               <p:ext uri="{D42A27DB-BD31-4B8C-83A1-F6EECF244321}">
-                <p14:modId xmlns:p14="http://schemas.microsoft.com/office/powerpoint/2010/main" xmlns="" val="3483451250"/>
+                <p14:modId xmlns="" xmlns:p14="http://schemas.microsoft.com/office/powerpoint/2010/main" val="3483451250"/>
               </p:ext>
             </p:extLst>
           </p:nvPr>
@@ -29686,35 +29772,35 @@
                 <a:gridCol w="1859717">
                   <a:extLst>
                     <a:ext uri="{9D8B030D-6E8A-4147-A177-3AD203B41FA5}">
-                      <a16:colId xmlns:a16="http://schemas.microsoft.com/office/drawing/2014/main" xmlns="" val="2382218087"/>
+                      <a16:colId xmlns="" xmlns:a16="http://schemas.microsoft.com/office/drawing/2014/main" val="2382218087"/>
                     </a:ext>
                   </a:extLst>
                 </a:gridCol>
                 <a:gridCol w="1506746">
                   <a:extLst>
                     <a:ext uri="{9D8B030D-6E8A-4147-A177-3AD203B41FA5}">
-                      <a16:colId xmlns:a16="http://schemas.microsoft.com/office/drawing/2014/main" xmlns="" val="3953468724"/>
+                      <a16:colId xmlns="" xmlns:a16="http://schemas.microsoft.com/office/drawing/2014/main" val="3953468724"/>
                     </a:ext>
                   </a:extLst>
                 </a:gridCol>
                 <a:gridCol w="1506746">
                   <a:extLst>
                     <a:ext uri="{9D8B030D-6E8A-4147-A177-3AD203B41FA5}">
-                      <a16:colId xmlns:a16="http://schemas.microsoft.com/office/drawing/2014/main" xmlns="" val="2046445661"/>
+                      <a16:colId xmlns="" xmlns:a16="http://schemas.microsoft.com/office/drawing/2014/main" val="2046445661"/>
                     </a:ext>
                   </a:extLst>
                 </a:gridCol>
                 <a:gridCol w="1506746">
                   <a:extLst>
                     <a:ext uri="{9D8B030D-6E8A-4147-A177-3AD203B41FA5}">
-                      <a16:colId xmlns:a16="http://schemas.microsoft.com/office/drawing/2014/main" xmlns="" val="3495531260"/>
+                      <a16:colId xmlns="" xmlns:a16="http://schemas.microsoft.com/office/drawing/2014/main" val="3495531260"/>
                     </a:ext>
                   </a:extLst>
                 </a:gridCol>
                 <a:gridCol w="1506746">
                   <a:extLst>
                     <a:ext uri="{9D8B030D-6E8A-4147-A177-3AD203B41FA5}">
-                      <a16:colId xmlns:a16="http://schemas.microsoft.com/office/drawing/2014/main" xmlns="" val="3623106039"/>
+                      <a16:colId xmlns="" xmlns:a16="http://schemas.microsoft.com/office/drawing/2014/main" val="3623106039"/>
                     </a:ext>
                   </a:extLst>
                 </a:gridCol>
@@ -29809,7 +29895,7 @@
                 </a:tc>
                 <a:extLst>
                   <a:ext uri="{0D108BD9-81ED-4DB2-BD59-A6C34878D82A}">
-                    <a16:rowId xmlns:a16="http://schemas.microsoft.com/office/drawing/2014/main" xmlns="" val="2857107962"/>
+                    <a16:rowId xmlns="" xmlns:a16="http://schemas.microsoft.com/office/drawing/2014/main" val="2857107962"/>
                   </a:ext>
                 </a:extLst>
               </a:tr>
@@ -29918,7 +30004,7 @@
                 </a:tc>
                 <a:extLst>
                   <a:ext uri="{0D108BD9-81ED-4DB2-BD59-A6C34878D82A}">
-                    <a16:rowId xmlns:a16="http://schemas.microsoft.com/office/drawing/2014/main" xmlns="" val="2548491233"/>
+                    <a16:rowId xmlns="" xmlns:a16="http://schemas.microsoft.com/office/drawing/2014/main" val="2548491233"/>
                   </a:ext>
                 </a:extLst>
               </a:tr>
@@ -30008,7 +30094,7 @@
                 </a:tc>
                 <a:extLst>
                   <a:ext uri="{0D108BD9-81ED-4DB2-BD59-A6C34878D82A}">
-                    <a16:rowId xmlns:a16="http://schemas.microsoft.com/office/drawing/2014/main" xmlns="" val="1671386868"/>
+                    <a16:rowId xmlns="" xmlns:a16="http://schemas.microsoft.com/office/drawing/2014/main" val="1671386868"/>
                   </a:ext>
                 </a:extLst>
               </a:tr>
@@ -30104,7 +30190,7 @@
                 </a:tc>
                 <a:extLst>
                   <a:ext uri="{0D108BD9-81ED-4DB2-BD59-A6C34878D82A}">
-                    <a16:rowId xmlns:a16="http://schemas.microsoft.com/office/drawing/2014/main" xmlns="" val="380626418"/>
+                    <a16:rowId xmlns="" xmlns:a16="http://schemas.microsoft.com/office/drawing/2014/main" val="380626418"/>
                   </a:ext>
                 </a:extLst>
               </a:tr>
@@ -30203,7 +30289,7 @@
                 </a:tc>
                 <a:extLst>
                   <a:ext uri="{0D108BD9-81ED-4DB2-BD59-A6C34878D82A}">
-                    <a16:rowId xmlns:a16="http://schemas.microsoft.com/office/drawing/2014/main" xmlns="" val="2132482967"/>
+                    <a16:rowId xmlns="" xmlns:a16="http://schemas.microsoft.com/office/drawing/2014/main" val="2132482967"/>
                   </a:ext>
                 </a:extLst>
               </a:tr>
@@ -30302,7 +30388,7 @@
                 </a:tc>
                 <a:extLst>
                   <a:ext uri="{0D108BD9-81ED-4DB2-BD59-A6C34878D82A}">
-                    <a16:rowId xmlns:a16="http://schemas.microsoft.com/office/drawing/2014/main" xmlns="" val="3936251906"/>
+                    <a16:rowId xmlns="" xmlns:a16="http://schemas.microsoft.com/office/drawing/2014/main" val="3936251906"/>
                   </a:ext>
                 </a:extLst>
               </a:tr>
@@ -30401,7 +30487,7 @@
                 </a:tc>
                 <a:extLst>
                   <a:ext uri="{0D108BD9-81ED-4DB2-BD59-A6C34878D82A}">
-                    <a16:rowId xmlns:a16="http://schemas.microsoft.com/office/drawing/2014/main" xmlns="" val="568537164"/>
+                    <a16:rowId xmlns="" xmlns:a16="http://schemas.microsoft.com/office/drawing/2014/main" val="568537164"/>
                   </a:ext>
                 </a:extLst>
               </a:tr>
@@ -30414,7 +30500,7 @@
           <p:cNvPr id="3" name="TextBox 2">
             <a:extLst>
               <a:ext uri="{FF2B5EF4-FFF2-40B4-BE49-F238E27FC236}">
-                <a16:creationId xmlns:a16="http://schemas.microsoft.com/office/drawing/2014/main" xmlns="" id="{CD58462D-AA4A-99E4-6146-BEF9F71F8C5A}"/>
+                <a16:creationId xmlns="" xmlns:a16="http://schemas.microsoft.com/office/drawing/2014/main" id="{CD58462D-AA4A-99E4-6146-BEF9F71F8C5A}"/>
               </a:ext>
             </a:extLst>
           </p:cNvPr>
@@ -30454,7 +30540,7 @@
     </p:spTree>
     <p:extLst>
       <p:ext uri="{BB962C8B-B14F-4D97-AF65-F5344CB8AC3E}">
-        <p14:creationId xmlns:p14="http://schemas.microsoft.com/office/powerpoint/2010/main" xmlns="" val="2696368595"/>
+        <p14:creationId xmlns="" xmlns:p14="http://schemas.microsoft.com/office/powerpoint/2010/main" val="2696368595"/>
       </p:ext>
     </p:extLst>
   </p:cSld>
@@ -30486,7 +30572,7 @@
           <p:cNvPr id="8" name="Title 1">
             <a:extLst>
               <a:ext uri="{FF2B5EF4-FFF2-40B4-BE49-F238E27FC236}">
-                <a16:creationId xmlns:a16="http://schemas.microsoft.com/office/drawing/2014/main" xmlns="" id="{47A9874B-BCA9-8420-1595-EDD1865A099A}"/>
+                <a16:creationId xmlns="" xmlns:a16="http://schemas.microsoft.com/office/drawing/2014/main" id="{47A9874B-BCA9-8420-1595-EDD1865A099A}"/>
               </a:ext>
             </a:extLst>
           </p:cNvPr>
@@ -30531,7 +30617,7 @@
           <p:cNvPr id="5" name="Content Placeholder 2">
             <a:extLst>
               <a:ext uri="{FF2B5EF4-FFF2-40B4-BE49-F238E27FC236}">
-                <a16:creationId xmlns:a16="http://schemas.microsoft.com/office/drawing/2014/main" xmlns="" id="{A6A33159-D030-2F82-A142-F75940728319}"/>
+                <a16:creationId xmlns="" xmlns:a16="http://schemas.microsoft.com/office/drawing/2014/main" id="{A6A33159-D030-2F82-A142-F75940728319}"/>
               </a:ext>
             </a:extLst>
           </p:cNvPr>
@@ -30647,7 +30733,7 @@
     </p:spTree>
     <p:extLst>
       <p:ext uri="{BB962C8B-B14F-4D97-AF65-F5344CB8AC3E}">
-        <p14:creationId xmlns:p14="http://schemas.microsoft.com/office/powerpoint/2010/main" xmlns="" val="766783565"/>
+        <p14:creationId xmlns="" xmlns:p14="http://schemas.microsoft.com/office/powerpoint/2010/main" val="766783565"/>
       </p:ext>
     </p:extLst>
   </p:cSld>
@@ -30679,7 +30765,7 @@
           <p:cNvPr id="8" name="Title 1">
             <a:extLst>
               <a:ext uri="{FF2B5EF4-FFF2-40B4-BE49-F238E27FC236}">
-                <a16:creationId xmlns:a16="http://schemas.microsoft.com/office/drawing/2014/main" xmlns="" id="{47A9874B-BCA9-8420-1595-EDD1865A099A}"/>
+                <a16:creationId xmlns="" xmlns:a16="http://schemas.microsoft.com/office/drawing/2014/main" id="{47A9874B-BCA9-8420-1595-EDD1865A099A}"/>
               </a:ext>
             </a:extLst>
           </p:cNvPr>
@@ -30713,7 +30799,7 @@
           <p:cNvPr id="26" name="Content Placeholder 2">
             <a:extLst>
               <a:ext uri="{FF2B5EF4-FFF2-40B4-BE49-F238E27FC236}">
-                <a16:creationId xmlns:a16="http://schemas.microsoft.com/office/drawing/2014/main" xmlns="" id="{68A5FD2B-E3E5-1C2B-0151-21F216B14A33}"/>
+                <a16:creationId xmlns="" xmlns:a16="http://schemas.microsoft.com/office/drawing/2014/main" id="{68A5FD2B-E3E5-1C2B-0151-21F216B14A33}"/>
               </a:ext>
             </a:extLst>
           </p:cNvPr>
@@ -30787,7 +30873,7 @@
           <p:cNvPr id="7" name="Content Placeholder 2">
             <a:extLst>
               <a:ext uri="{FF2B5EF4-FFF2-40B4-BE49-F238E27FC236}">
-                <a16:creationId xmlns:a16="http://schemas.microsoft.com/office/drawing/2014/main" xmlns="" id="{68A5FD2B-E3E5-1C2B-0151-21F216B14A33}"/>
+                <a16:creationId xmlns="" xmlns:a16="http://schemas.microsoft.com/office/drawing/2014/main" id="{68A5FD2B-E3E5-1C2B-0151-21F216B14A33}"/>
               </a:ext>
             </a:extLst>
           </p:cNvPr>
@@ -31000,7 +31086,7 @@
     </p:spTree>
     <p:extLst>
       <p:ext uri="{BB962C8B-B14F-4D97-AF65-F5344CB8AC3E}">
-        <p14:creationId xmlns:p14="http://schemas.microsoft.com/office/powerpoint/2010/main" xmlns="" val="2737241225"/>
+        <p14:creationId xmlns="" xmlns:p14="http://schemas.microsoft.com/office/powerpoint/2010/main" val="2737241225"/>
       </p:ext>
     </p:extLst>
   </p:cSld>
@@ -31039,7 +31125,7 @@
           <p:cNvPr id="8" name="Title 1">
             <a:extLst>
               <a:ext uri="{FF2B5EF4-FFF2-40B4-BE49-F238E27FC236}">
-                <a16:creationId xmlns:a16="http://schemas.microsoft.com/office/drawing/2014/main" xmlns="" id="{47A9874B-BCA9-8420-1595-EDD1865A099A}"/>
+                <a16:creationId xmlns="" xmlns:a16="http://schemas.microsoft.com/office/drawing/2014/main" id="{47A9874B-BCA9-8420-1595-EDD1865A099A}"/>
               </a:ext>
             </a:extLst>
           </p:cNvPr>
@@ -31084,7 +31170,7 @@
           <p:cNvPr id="43" name="Group 42">
             <a:extLst>
               <a:ext uri="{FF2B5EF4-FFF2-40B4-BE49-F238E27FC236}">
-                <a16:creationId xmlns:a16="http://schemas.microsoft.com/office/drawing/2014/main" xmlns="" id="{8E24B980-EACC-89FE-A507-35890E87722D}"/>
+                <a16:creationId xmlns="" xmlns:a16="http://schemas.microsoft.com/office/drawing/2014/main" id="{8E24B980-EACC-89FE-A507-35890E87722D}"/>
               </a:ext>
             </a:extLst>
           </p:cNvPr>
@@ -31104,7 +31190,7 @@
             <p:cNvPr id="4" name="TextBox 3">
               <a:extLst>
                 <a:ext uri="{FF2B5EF4-FFF2-40B4-BE49-F238E27FC236}">
-                  <a16:creationId xmlns:a16="http://schemas.microsoft.com/office/drawing/2014/main" xmlns="" id="{5D890077-5082-DD58-DD8D-96C8455D7454}"/>
+                  <a16:creationId xmlns="" xmlns:a16="http://schemas.microsoft.com/office/drawing/2014/main" id="{5D890077-5082-DD58-DD8D-96C8455D7454}"/>
                 </a:ext>
               </a:extLst>
             </p:cNvPr>
@@ -31159,7 +31245,7 @@
             <p:cNvPr id="7" name="Google Shape;7923;p66">
               <a:extLst>
                 <a:ext uri="{FF2B5EF4-FFF2-40B4-BE49-F238E27FC236}">
-                  <a16:creationId xmlns:a16="http://schemas.microsoft.com/office/drawing/2014/main" xmlns="" id="{AC7BCCBE-4EC3-28E5-EE0E-18691471963E}"/>
+                  <a16:creationId xmlns="" xmlns:a16="http://schemas.microsoft.com/office/drawing/2014/main" id="{AC7BCCBE-4EC3-28E5-EE0E-18691471963E}"/>
                 </a:ext>
               </a:extLst>
             </p:cNvPr>
@@ -31184,7 +31270,7 @@
               <p:cNvPr id="38" name="Google Shape;7924;p66">
                 <a:extLst>
                   <a:ext uri="{FF2B5EF4-FFF2-40B4-BE49-F238E27FC236}">
-                    <a16:creationId xmlns:a16="http://schemas.microsoft.com/office/drawing/2014/main" xmlns="" id="{373ED3B3-A2C0-3819-FED5-FB06B675D77E}"/>
+                    <a16:creationId xmlns="" xmlns:a16="http://schemas.microsoft.com/office/drawing/2014/main" id="{373ED3B3-A2C0-3819-FED5-FB06B675D77E}"/>
                   </a:ext>
                 </a:extLst>
               </p:cNvPr>
@@ -31266,7 +31352,7 @@
               <p:cNvPr id="39" name="Google Shape;7925;p66">
                 <a:extLst>
                   <a:ext uri="{FF2B5EF4-FFF2-40B4-BE49-F238E27FC236}">
-                    <a16:creationId xmlns:a16="http://schemas.microsoft.com/office/drawing/2014/main" xmlns="" id="{F2BE77A6-6C75-BDB9-985F-B368364B1D8C}"/>
+                    <a16:creationId xmlns="" xmlns:a16="http://schemas.microsoft.com/office/drawing/2014/main" id="{F2BE77A6-6C75-BDB9-985F-B368364B1D8C}"/>
                   </a:ext>
                 </a:extLst>
               </p:cNvPr>
@@ -31518,7 +31604,7 @@
             <p:cNvPr id="9" name="Google Shape;5463;p61">
               <a:extLst>
                 <a:ext uri="{FF2B5EF4-FFF2-40B4-BE49-F238E27FC236}">
-                  <a16:creationId xmlns:a16="http://schemas.microsoft.com/office/drawing/2014/main" xmlns="" id="{A0A97A4E-9BC9-A198-A906-6C74912A157D}"/>
+                  <a16:creationId xmlns="" xmlns:a16="http://schemas.microsoft.com/office/drawing/2014/main" id="{A0A97A4E-9BC9-A198-A906-6C74912A157D}"/>
                 </a:ext>
               </a:extLst>
             </p:cNvPr>
@@ -31544,7 +31630,7 @@
               <p:cNvPr id="31" name="Google Shape;5464;p61">
                 <a:extLst>
                   <a:ext uri="{FF2B5EF4-FFF2-40B4-BE49-F238E27FC236}">
-                    <a16:creationId xmlns:a16="http://schemas.microsoft.com/office/drawing/2014/main" xmlns="" id="{C77ED59B-8CEA-0D2B-DEAD-B5E635B301D0}"/>
+                    <a16:creationId xmlns="" xmlns:a16="http://schemas.microsoft.com/office/drawing/2014/main" id="{C77ED59B-8CEA-0D2B-DEAD-B5E635B301D0}"/>
                   </a:ext>
                 </a:extLst>
               </p:cNvPr>
@@ -31639,7 +31725,7 @@
               <p:cNvPr id="32" name="Google Shape;5465;p61">
                 <a:extLst>
                   <a:ext uri="{FF2B5EF4-FFF2-40B4-BE49-F238E27FC236}">
-                    <a16:creationId xmlns:a16="http://schemas.microsoft.com/office/drawing/2014/main" xmlns="" id="{6C0A1386-4823-6771-5536-35268009D3E6}"/>
+                    <a16:creationId xmlns="" xmlns:a16="http://schemas.microsoft.com/office/drawing/2014/main" id="{6C0A1386-4823-6771-5536-35268009D3E6}"/>
                   </a:ext>
                 </a:extLst>
               </p:cNvPr>
@@ -31710,7 +31796,7 @@
               <p:cNvPr id="33" name="Google Shape;5466;p61">
                 <a:extLst>
                   <a:ext uri="{FF2B5EF4-FFF2-40B4-BE49-F238E27FC236}">
-                    <a16:creationId xmlns:a16="http://schemas.microsoft.com/office/drawing/2014/main" xmlns="" id="{A5A48871-2C54-929B-2883-5B12054B8AD8}"/>
+                    <a16:creationId xmlns="" xmlns:a16="http://schemas.microsoft.com/office/drawing/2014/main" id="{A5A48871-2C54-929B-2883-5B12054B8AD8}"/>
                   </a:ext>
                 </a:extLst>
               </p:cNvPr>
@@ -31791,7 +31877,7 @@
               <p:cNvPr id="34" name="Google Shape;5467;p61">
                 <a:extLst>
                   <a:ext uri="{FF2B5EF4-FFF2-40B4-BE49-F238E27FC236}">
-                    <a16:creationId xmlns:a16="http://schemas.microsoft.com/office/drawing/2014/main" xmlns="" id="{63B130C6-07ED-C8F1-20CD-372F67653714}"/>
+                    <a16:creationId xmlns="" xmlns:a16="http://schemas.microsoft.com/office/drawing/2014/main" id="{63B130C6-07ED-C8F1-20CD-372F67653714}"/>
                   </a:ext>
                 </a:extLst>
               </p:cNvPr>
@@ -31872,7 +31958,7 @@
               <p:cNvPr id="35" name="Google Shape;5468;p61">
                 <a:extLst>
                   <a:ext uri="{FF2B5EF4-FFF2-40B4-BE49-F238E27FC236}">
-                    <a16:creationId xmlns:a16="http://schemas.microsoft.com/office/drawing/2014/main" xmlns="" id="{92DB297D-D363-FF93-AEA0-583876D07DF5}"/>
+                    <a16:creationId xmlns="" xmlns:a16="http://schemas.microsoft.com/office/drawing/2014/main" id="{92DB297D-D363-FF93-AEA0-583876D07DF5}"/>
                   </a:ext>
                 </a:extLst>
               </p:cNvPr>
@@ -31943,7 +32029,7 @@
               <p:cNvPr id="36" name="Google Shape;5469;p61">
                 <a:extLst>
                   <a:ext uri="{FF2B5EF4-FFF2-40B4-BE49-F238E27FC236}">
-                    <a16:creationId xmlns:a16="http://schemas.microsoft.com/office/drawing/2014/main" xmlns="" id="{20433D59-A764-F53F-1300-025297EF9E5A}"/>
+                    <a16:creationId xmlns="" xmlns:a16="http://schemas.microsoft.com/office/drawing/2014/main" id="{20433D59-A764-F53F-1300-025297EF9E5A}"/>
                   </a:ext>
                 </a:extLst>
               </p:cNvPr>
@@ -32024,7 +32110,7 @@
               <p:cNvPr id="37" name="Google Shape;5470;p61">
                 <a:extLst>
                   <a:ext uri="{FF2B5EF4-FFF2-40B4-BE49-F238E27FC236}">
-                    <a16:creationId xmlns:a16="http://schemas.microsoft.com/office/drawing/2014/main" xmlns="" id="{5357A18C-1D77-B9AD-226A-B6F351899A4F}"/>
+                    <a16:creationId xmlns="" xmlns:a16="http://schemas.microsoft.com/office/drawing/2014/main" id="{5357A18C-1D77-B9AD-226A-B6F351899A4F}"/>
                   </a:ext>
                 </a:extLst>
               </p:cNvPr>
@@ -32106,7 +32192,7 @@
             <p:cNvPr id="10" name="Google Shape;7169;p64">
               <a:extLst>
                 <a:ext uri="{FF2B5EF4-FFF2-40B4-BE49-F238E27FC236}">
-                  <a16:creationId xmlns:a16="http://schemas.microsoft.com/office/drawing/2014/main" xmlns="" id="{045776B2-5E76-D828-8916-1CF14AA90ED4}"/>
+                  <a16:creationId xmlns="" xmlns:a16="http://schemas.microsoft.com/office/drawing/2014/main" id="{045776B2-5E76-D828-8916-1CF14AA90ED4}"/>
                 </a:ext>
               </a:extLst>
             </p:cNvPr>
@@ -32131,7 +32217,7 @@
               <p:cNvPr id="28" name="Google Shape;7170;p64">
                 <a:extLst>
                   <a:ext uri="{FF2B5EF4-FFF2-40B4-BE49-F238E27FC236}">
-                    <a16:creationId xmlns:a16="http://schemas.microsoft.com/office/drawing/2014/main" xmlns="" id="{9D45C219-43FE-C4B4-4519-ABCD7D068E7F}"/>
+                    <a16:creationId xmlns="" xmlns:a16="http://schemas.microsoft.com/office/drawing/2014/main" id="{9D45C219-43FE-C4B4-4519-ABCD7D068E7F}"/>
                   </a:ext>
                 </a:extLst>
               </p:cNvPr>
@@ -32862,7 +32948,7 @@
               <p:cNvPr id="29" name="Google Shape;7171;p64">
                 <a:extLst>
                   <a:ext uri="{FF2B5EF4-FFF2-40B4-BE49-F238E27FC236}">
-                    <a16:creationId xmlns:a16="http://schemas.microsoft.com/office/drawing/2014/main" xmlns="" id="{5653B09E-1A10-A2B8-1FF6-3C194E7BA04F}"/>
+                    <a16:creationId xmlns="" xmlns:a16="http://schemas.microsoft.com/office/drawing/2014/main" id="{5653B09E-1A10-A2B8-1FF6-3C194E7BA04F}"/>
                   </a:ext>
                 </a:extLst>
               </p:cNvPr>
@@ -32944,7 +33030,7 @@
               <p:cNvPr id="30" name="Google Shape;7172;p64">
                 <a:extLst>
                   <a:ext uri="{FF2B5EF4-FFF2-40B4-BE49-F238E27FC236}">
-                    <a16:creationId xmlns:a16="http://schemas.microsoft.com/office/drawing/2014/main" xmlns="" id="{384FC614-6C97-FDD0-D58E-921626C207B2}"/>
+                    <a16:creationId xmlns="" xmlns:a16="http://schemas.microsoft.com/office/drawing/2014/main" id="{384FC614-6C97-FDD0-D58E-921626C207B2}"/>
                   </a:ext>
                 </a:extLst>
               </p:cNvPr>
@@ -33192,7 +33278,7 @@
             <p:cNvPr id="11" name="Google Shape;7923;p66">
               <a:extLst>
                 <a:ext uri="{FF2B5EF4-FFF2-40B4-BE49-F238E27FC236}">
-                  <a16:creationId xmlns:a16="http://schemas.microsoft.com/office/drawing/2014/main" xmlns="" id="{BDFB5D6D-C05E-6549-ED2D-DDDE5CB011EE}"/>
+                  <a16:creationId xmlns="" xmlns:a16="http://schemas.microsoft.com/office/drawing/2014/main" id="{BDFB5D6D-C05E-6549-ED2D-DDDE5CB011EE}"/>
                 </a:ext>
               </a:extLst>
             </p:cNvPr>
@@ -33217,7 +33303,7 @@
               <p:cNvPr id="26" name="Google Shape;7924;p66">
                 <a:extLst>
                   <a:ext uri="{FF2B5EF4-FFF2-40B4-BE49-F238E27FC236}">
-                    <a16:creationId xmlns:a16="http://schemas.microsoft.com/office/drawing/2014/main" xmlns="" id="{E6DD9D93-12E5-9063-47CF-F1FC01E90FB4}"/>
+                    <a16:creationId xmlns="" xmlns:a16="http://schemas.microsoft.com/office/drawing/2014/main" id="{E6DD9D93-12E5-9063-47CF-F1FC01E90FB4}"/>
                   </a:ext>
                 </a:extLst>
               </p:cNvPr>
@@ -33299,7 +33385,7 @@
               <p:cNvPr id="27" name="Google Shape;7925;p66">
                 <a:extLst>
                   <a:ext uri="{FF2B5EF4-FFF2-40B4-BE49-F238E27FC236}">
-                    <a16:creationId xmlns:a16="http://schemas.microsoft.com/office/drawing/2014/main" xmlns="" id="{8E7ED60F-5CFE-1446-6E5D-9D48BDA2D693}"/>
+                    <a16:creationId xmlns="" xmlns:a16="http://schemas.microsoft.com/office/drawing/2014/main" id="{8E7ED60F-5CFE-1446-6E5D-9D48BDA2D693}"/>
                   </a:ext>
                 </a:extLst>
               </p:cNvPr>
@@ -33551,7 +33637,7 @@
             <p:cNvPr id="13" name="TextBox 12">
               <a:extLst>
                 <a:ext uri="{FF2B5EF4-FFF2-40B4-BE49-F238E27FC236}">
-                  <a16:creationId xmlns:a16="http://schemas.microsoft.com/office/drawing/2014/main" xmlns="" id="{41378C80-0021-4DC9-4CF0-BBE14D1F2BA1}"/>
+                  <a16:creationId xmlns="" xmlns:a16="http://schemas.microsoft.com/office/drawing/2014/main" id="{41378C80-0021-4DC9-4CF0-BBE14D1F2BA1}"/>
                 </a:ext>
               </a:extLst>
             </p:cNvPr>
@@ -33592,7 +33678,7 @@
             <p:cNvPr id="15" name="TextBox 14">
               <a:extLst>
                 <a:ext uri="{FF2B5EF4-FFF2-40B4-BE49-F238E27FC236}">
-                  <a16:creationId xmlns:a16="http://schemas.microsoft.com/office/drawing/2014/main" xmlns="" id="{DD1BCD65-2281-574B-8917-864B98741A09}"/>
+                  <a16:creationId xmlns="" xmlns:a16="http://schemas.microsoft.com/office/drawing/2014/main" id="{DD1BCD65-2281-574B-8917-864B98741A09}"/>
                 </a:ext>
               </a:extLst>
             </p:cNvPr>
@@ -33633,7 +33719,7 @@
             <p:cNvPr id="16" name="TextBox 15">
               <a:extLst>
                 <a:ext uri="{FF2B5EF4-FFF2-40B4-BE49-F238E27FC236}">
-                  <a16:creationId xmlns:a16="http://schemas.microsoft.com/office/drawing/2014/main" xmlns="" id="{6342A8A0-FDEA-E608-75B6-3EE5CEFCDBAD}"/>
+                  <a16:creationId xmlns="" xmlns:a16="http://schemas.microsoft.com/office/drawing/2014/main" id="{6342A8A0-FDEA-E608-75B6-3EE5CEFCDBAD}"/>
                 </a:ext>
               </a:extLst>
             </p:cNvPr>
@@ -33688,7 +33774,7 @@
             <p:cNvPr id="17" name="TextBox 16">
               <a:extLst>
                 <a:ext uri="{FF2B5EF4-FFF2-40B4-BE49-F238E27FC236}">
-                  <a16:creationId xmlns:a16="http://schemas.microsoft.com/office/drawing/2014/main" xmlns="" id="{2CAD3FBA-4749-BBDF-AE28-3F3BAE8BB4BE}"/>
+                  <a16:creationId xmlns="" xmlns:a16="http://schemas.microsoft.com/office/drawing/2014/main" id="{2CAD3FBA-4749-BBDF-AE28-3F3BAE8BB4BE}"/>
                 </a:ext>
               </a:extLst>
             </p:cNvPr>
@@ -33743,7 +33829,7 @@
             <p:cNvPr id="18" name="Straight Arrow Connector 17">
               <a:extLst>
                 <a:ext uri="{FF2B5EF4-FFF2-40B4-BE49-F238E27FC236}">
-                  <a16:creationId xmlns:a16="http://schemas.microsoft.com/office/drawing/2014/main" xmlns="" id="{8348A97B-CC1D-D6AD-9A89-74500956D9B9}"/>
+                  <a16:creationId xmlns="" xmlns:a16="http://schemas.microsoft.com/office/drawing/2014/main" id="{8348A97B-CC1D-D6AD-9A89-74500956D9B9}"/>
                 </a:ext>
               </a:extLst>
             </p:cNvPr>
@@ -33784,7 +33870,7 @@
             <p:cNvPr id="20" name="Straight Arrow Connector 19">
               <a:extLst>
                 <a:ext uri="{FF2B5EF4-FFF2-40B4-BE49-F238E27FC236}">
-                  <a16:creationId xmlns:a16="http://schemas.microsoft.com/office/drawing/2014/main" xmlns="" id="{96E01A02-9A12-62E4-B50A-711CC8F6C721}"/>
+                  <a16:creationId xmlns="" xmlns:a16="http://schemas.microsoft.com/office/drawing/2014/main" id="{96E01A02-9A12-62E4-B50A-711CC8F6C721}"/>
                 </a:ext>
               </a:extLst>
             </p:cNvPr>
@@ -33825,7 +33911,7 @@
             <p:cNvPr id="21" name="Straight Arrow Connector 20">
               <a:extLst>
                 <a:ext uri="{FF2B5EF4-FFF2-40B4-BE49-F238E27FC236}">
-                  <a16:creationId xmlns:a16="http://schemas.microsoft.com/office/drawing/2014/main" xmlns="" id="{9A147CDF-C257-93BD-78EF-9BD445D5BBA1}"/>
+                  <a16:creationId xmlns="" xmlns:a16="http://schemas.microsoft.com/office/drawing/2014/main" id="{9A147CDF-C257-93BD-78EF-9BD445D5BBA1}"/>
                 </a:ext>
               </a:extLst>
             </p:cNvPr>
@@ -33870,7 +33956,7 @@
             <p:cNvPr id="22" name="Straight Arrow Connector 21">
               <a:extLst>
                 <a:ext uri="{FF2B5EF4-FFF2-40B4-BE49-F238E27FC236}">
-                  <a16:creationId xmlns:a16="http://schemas.microsoft.com/office/drawing/2014/main" xmlns="" id="{94D2136D-0653-46BE-67E5-18324D2EC0B6}"/>
+                  <a16:creationId xmlns="" xmlns:a16="http://schemas.microsoft.com/office/drawing/2014/main" id="{94D2136D-0653-46BE-67E5-18324D2EC0B6}"/>
                 </a:ext>
               </a:extLst>
             </p:cNvPr>
@@ -33915,7 +34001,7 @@
             <p:cNvPr id="6" name="TextBox 5">
               <a:extLst>
                 <a:ext uri="{FF2B5EF4-FFF2-40B4-BE49-F238E27FC236}">
-                  <a16:creationId xmlns:a16="http://schemas.microsoft.com/office/drawing/2014/main" xmlns="" id="{B4AD70FF-F2CA-6E18-94F8-0513319E06A3}"/>
+                  <a16:creationId xmlns="" xmlns:a16="http://schemas.microsoft.com/office/drawing/2014/main" id="{B4AD70FF-F2CA-6E18-94F8-0513319E06A3}"/>
                 </a:ext>
               </a:extLst>
             </p:cNvPr>
@@ -33956,7 +34042,7 @@
     </p:spTree>
     <p:extLst>
       <p:ext uri="{BB962C8B-B14F-4D97-AF65-F5344CB8AC3E}">
-        <p14:creationId xmlns:p14="http://schemas.microsoft.com/office/powerpoint/2010/main" xmlns="" val="1684539763"/>
+        <p14:creationId xmlns="" xmlns:p14="http://schemas.microsoft.com/office/powerpoint/2010/main" val="1684539763"/>
       </p:ext>
     </p:extLst>
   </p:cSld>
@@ -33988,7 +34074,7 @@
           <p:cNvPr id="8" name="Title 1">
             <a:extLst>
               <a:ext uri="{FF2B5EF4-FFF2-40B4-BE49-F238E27FC236}">
-                <a16:creationId xmlns:a16="http://schemas.microsoft.com/office/drawing/2014/main" xmlns="" id="{47A9874B-BCA9-8420-1595-EDD1865A099A}"/>
+                <a16:creationId xmlns="" xmlns:a16="http://schemas.microsoft.com/office/drawing/2014/main" id="{47A9874B-BCA9-8420-1595-EDD1865A099A}"/>
               </a:ext>
             </a:extLst>
           </p:cNvPr>
@@ -34022,7 +34108,7 @@
           <p:cNvPr id="9" name="Content Placeholder 2">
             <a:extLst>
               <a:ext uri="{FF2B5EF4-FFF2-40B4-BE49-F238E27FC236}">
-                <a16:creationId xmlns:a16="http://schemas.microsoft.com/office/drawing/2014/main" xmlns="" id="{A6A33159-D030-2F82-A142-F75940728319}"/>
+                <a16:creationId xmlns="" xmlns:a16="http://schemas.microsoft.com/office/drawing/2014/main" id="{A6A33159-D030-2F82-A142-F75940728319}"/>
               </a:ext>
             </a:extLst>
           </p:cNvPr>
@@ -34171,7 +34257,7 @@
     </p:spTree>
     <p:extLst>
       <p:ext uri="{BB962C8B-B14F-4D97-AF65-F5344CB8AC3E}">
-        <p14:creationId xmlns:p14="http://schemas.microsoft.com/office/powerpoint/2010/main" xmlns="" val="3029778717"/>
+        <p14:creationId xmlns="" xmlns:p14="http://schemas.microsoft.com/office/powerpoint/2010/main" val="3029778717"/>
       </p:ext>
     </p:extLst>
   </p:cSld>
@@ -34203,7 +34289,7 @@
           <p:cNvPr id="2" name="Title 1">
             <a:extLst>
               <a:ext uri="{FF2B5EF4-FFF2-40B4-BE49-F238E27FC236}">
-                <a16:creationId xmlns:a16="http://schemas.microsoft.com/office/drawing/2014/main" xmlns="" id="{47A9874B-BCA9-8420-1595-EDD1865A099A}"/>
+                <a16:creationId xmlns="" xmlns:a16="http://schemas.microsoft.com/office/drawing/2014/main" id="{47A9874B-BCA9-8420-1595-EDD1865A099A}"/>
               </a:ext>
             </a:extLst>
           </p:cNvPr>
@@ -34237,7 +34323,7 @@
           <p:cNvPr id="3" name="Content Placeholder 2">
             <a:extLst>
               <a:ext uri="{FF2B5EF4-FFF2-40B4-BE49-F238E27FC236}">
-                <a16:creationId xmlns:a16="http://schemas.microsoft.com/office/drawing/2014/main" xmlns="" id="{68A5FD2B-E3E5-1C2B-0151-21F216B14A33}"/>
+                <a16:creationId xmlns="" xmlns:a16="http://schemas.microsoft.com/office/drawing/2014/main" id="{68A5FD2B-E3E5-1C2B-0151-21F216B14A33}"/>
               </a:ext>
             </a:extLst>
           </p:cNvPr>
@@ -34349,7 +34435,7 @@
           <p:cNvPr id="4" name="Content Placeholder 3">
             <a:extLst>
               <a:ext uri="{FF2B5EF4-FFF2-40B4-BE49-F238E27FC236}">
-                <a16:creationId xmlns:a16="http://schemas.microsoft.com/office/drawing/2014/main" xmlns="" id="{ACFBB810-3430-2C29-1AA0-9744AA0A1AA3}"/>
+                <a16:creationId xmlns="" xmlns:a16="http://schemas.microsoft.com/office/drawing/2014/main" id="{ACFBB810-3430-2C29-1AA0-9744AA0A1AA3}"/>
               </a:ext>
             </a:extLst>
           </p:cNvPr>
@@ -34492,7 +34578,7 @@
     </p:spTree>
     <p:extLst>
       <p:ext uri="{BB962C8B-B14F-4D97-AF65-F5344CB8AC3E}">
-        <p14:creationId xmlns:p14="http://schemas.microsoft.com/office/powerpoint/2010/main" xmlns="" val="2198835006"/>
+        <p14:creationId xmlns="" xmlns:p14="http://schemas.microsoft.com/office/powerpoint/2010/main" val="2198835006"/>
       </p:ext>
     </p:extLst>
   </p:cSld>
@@ -34524,7 +34610,7 @@
           <p:cNvPr id="2" name="Title 1">
             <a:extLst>
               <a:ext uri="{FF2B5EF4-FFF2-40B4-BE49-F238E27FC236}">
-                <a16:creationId xmlns:a16="http://schemas.microsoft.com/office/drawing/2014/main" xmlns="" id="{5D030A76-B788-B363-104E-266B7C7F7208}"/>
+                <a16:creationId xmlns="" xmlns:a16="http://schemas.microsoft.com/office/drawing/2014/main" id="{5D030A76-B788-B363-104E-266B7C7F7208}"/>
               </a:ext>
             </a:extLst>
           </p:cNvPr>
@@ -34558,7 +34644,7 @@
           <p:cNvPr id="7" name="Content Placeholder 2">
             <a:extLst>
               <a:ext uri="{FF2B5EF4-FFF2-40B4-BE49-F238E27FC236}">
-                <a16:creationId xmlns:a16="http://schemas.microsoft.com/office/drawing/2014/main" xmlns="" id="{68A5FD2B-E3E5-1C2B-0151-21F216B14A33}"/>
+                <a16:creationId xmlns="" xmlns:a16="http://schemas.microsoft.com/office/drawing/2014/main" id="{68A5FD2B-E3E5-1C2B-0151-21F216B14A33}"/>
               </a:ext>
             </a:extLst>
           </p:cNvPr>
@@ -34655,7 +34741,7 @@
           <p:cNvPr id="10" name="Content Placeholder 3">
             <a:extLst>
               <a:ext uri="{FF2B5EF4-FFF2-40B4-BE49-F238E27FC236}">
-                <a16:creationId xmlns:a16="http://schemas.microsoft.com/office/drawing/2014/main" xmlns="" id="{ACFBB810-3430-2C29-1AA0-9744AA0A1AA3}"/>
+                <a16:creationId xmlns="" xmlns:a16="http://schemas.microsoft.com/office/drawing/2014/main" id="{ACFBB810-3430-2C29-1AA0-9744AA0A1AA3}"/>
               </a:ext>
             </a:extLst>
           </p:cNvPr>
@@ -34901,7 +34987,7 @@
     </p:spTree>
     <p:extLst>
       <p:ext uri="{BB962C8B-B14F-4D97-AF65-F5344CB8AC3E}">
-        <p14:creationId xmlns:p14="http://schemas.microsoft.com/office/powerpoint/2010/main" xmlns="" val="414613742"/>
+        <p14:creationId xmlns="" xmlns:p14="http://schemas.microsoft.com/office/powerpoint/2010/main" val="414613742"/>
       </p:ext>
     </p:extLst>
   </p:cSld>
@@ -34933,7 +35019,7 @@
           <p:cNvPr id="2" name="Title 1">
             <a:extLst>
               <a:ext uri="{FF2B5EF4-FFF2-40B4-BE49-F238E27FC236}">
-                <a16:creationId xmlns:a16="http://schemas.microsoft.com/office/drawing/2014/main" xmlns="" id="{5D030A76-B788-B363-104E-266B7C7F7208}"/>
+                <a16:creationId xmlns="" xmlns:a16="http://schemas.microsoft.com/office/drawing/2014/main" id="{5D030A76-B788-B363-104E-266B7C7F7208}"/>
               </a:ext>
             </a:extLst>
           </p:cNvPr>
@@ -34967,7 +35053,7 @@
           <p:cNvPr id="7" name="Content Placeholder 2">
             <a:extLst>
               <a:ext uri="{FF2B5EF4-FFF2-40B4-BE49-F238E27FC236}">
-                <a16:creationId xmlns:a16="http://schemas.microsoft.com/office/drawing/2014/main" xmlns="" id="{68A5FD2B-E3E5-1C2B-0151-21F216B14A33}"/>
+                <a16:creationId xmlns="" xmlns:a16="http://schemas.microsoft.com/office/drawing/2014/main" id="{68A5FD2B-E3E5-1C2B-0151-21F216B14A33}"/>
               </a:ext>
             </a:extLst>
           </p:cNvPr>
@@ -35269,7 +35355,7 @@
           <p:cNvPr id="10" name="Content Placeholder 3">
             <a:extLst>
               <a:ext uri="{FF2B5EF4-FFF2-40B4-BE49-F238E27FC236}">
-                <a16:creationId xmlns:a16="http://schemas.microsoft.com/office/drawing/2014/main" xmlns="" id="{ACFBB810-3430-2C29-1AA0-9744AA0A1AA3}"/>
+                <a16:creationId xmlns="" xmlns:a16="http://schemas.microsoft.com/office/drawing/2014/main" id="{ACFBB810-3430-2C29-1AA0-9744AA0A1AA3}"/>
               </a:ext>
             </a:extLst>
           </p:cNvPr>
@@ -35515,7 +35601,7 @@
     </p:spTree>
     <p:extLst>
       <p:ext uri="{BB962C8B-B14F-4D97-AF65-F5344CB8AC3E}">
-        <p14:creationId xmlns:p14="http://schemas.microsoft.com/office/powerpoint/2010/main" xmlns="" val="414613742"/>
+        <p14:creationId xmlns="" xmlns:p14="http://schemas.microsoft.com/office/powerpoint/2010/main" val="414613742"/>
       </p:ext>
     </p:extLst>
   </p:cSld>
@@ -35547,7 +35633,7 @@
           <p:cNvPr id="2" name="Title 1">
             <a:extLst>
               <a:ext uri="{FF2B5EF4-FFF2-40B4-BE49-F238E27FC236}">
-                <a16:creationId xmlns:a16="http://schemas.microsoft.com/office/drawing/2014/main" xmlns="" id="{5D030A76-B788-B363-104E-266B7C7F7208}"/>
+                <a16:creationId xmlns="" xmlns:a16="http://schemas.microsoft.com/office/drawing/2014/main" id="{5D030A76-B788-B363-104E-266B7C7F7208}"/>
               </a:ext>
             </a:extLst>
           </p:cNvPr>
@@ -35581,7 +35667,7 @@
           <p:cNvPr id="6" name="Content Placeholder 2">
             <a:extLst>
               <a:ext uri="{FF2B5EF4-FFF2-40B4-BE49-F238E27FC236}">
-                <a16:creationId xmlns:a16="http://schemas.microsoft.com/office/drawing/2014/main" xmlns="" id="{A6A33159-D030-2F82-A142-F75940728319}"/>
+                <a16:creationId xmlns="" xmlns:a16="http://schemas.microsoft.com/office/drawing/2014/main" id="{A6A33159-D030-2F82-A142-F75940728319}"/>
               </a:ext>
             </a:extLst>
           </p:cNvPr>
@@ -35785,7 +35871,7 @@
     </p:spTree>
     <p:extLst>
       <p:ext uri="{BB962C8B-B14F-4D97-AF65-F5344CB8AC3E}">
-        <p14:creationId xmlns:p14="http://schemas.microsoft.com/office/powerpoint/2010/main" xmlns="" val="414613742"/>
+        <p14:creationId xmlns="" xmlns:p14="http://schemas.microsoft.com/office/powerpoint/2010/main" val="414613742"/>
       </p:ext>
     </p:extLst>
   </p:cSld>
@@ -35817,7 +35903,7 @@
           <p:cNvPr id="2" name="Title 1">
             <a:extLst>
               <a:ext uri="{FF2B5EF4-FFF2-40B4-BE49-F238E27FC236}">
-                <a16:creationId xmlns:a16="http://schemas.microsoft.com/office/drawing/2014/main" xmlns="" id="{47A9874B-BCA9-8420-1595-EDD1865A099A}"/>
+                <a16:creationId xmlns="" xmlns:a16="http://schemas.microsoft.com/office/drawing/2014/main" id="{47A9874B-BCA9-8420-1595-EDD1865A099A}"/>
               </a:ext>
             </a:extLst>
           </p:cNvPr>
@@ -35851,7 +35937,7 @@
           <p:cNvPr id="3" name="Content Placeholder 2">
             <a:extLst>
               <a:ext uri="{FF2B5EF4-FFF2-40B4-BE49-F238E27FC236}">
-                <a16:creationId xmlns:a16="http://schemas.microsoft.com/office/drawing/2014/main" xmlns="" id="{68A5FD2B-E3E5-1C2B-0151-21F216B14A33}"/>
+                <a16:creationId xmlns="" xmlns:a16="http://schemas.microsoft.com/office/drawing/2014/main" id="{68A5FD2B-E3E5-1C2B-0151-21F216B14A33}"/>
               </a:ext>
             </a:extLst>
           </p:cNvPr>
@@ -36015,7 +36101,7 @@
     </p:spTree>
     <p:extLst>
       <p:ext uri="{BB962C8B-B14F-4D97-AF65-F5344CB8AC3E}">
-        <p14:creationId xmlns:p14="http://schemas.microsoft.com/office/powerpoint/2010/main" xmlns="" val="1127649784"/>
+        <p14:creationId xmlns="" xmlns:p14="http://schemas.microsoft.com/office/powerpoint/2010/main" val="1127649784"/>
       </p:ext>
     </p:extLst>
   </p:cSld>
@@ -36047,7 +36133,7 @@
           <p:cNvPr id="2" name="Title 1">
             <a:extLst>
               <a:ext uri="{FF2B5EF4-FFF2-40B4-BE49-F238E27FC236}">
-                <a16:creationId xmlns:a16="http://schemas.microsoft.com/office/drawing/2014/main" xmlns="" id="{47A9874B-BCA9-8420-1595-EDD1865A099A}"/>
+                <a16:creationId xmlns="" xmlns:a16="http://schemas.microsoft.com/office/drawing/2014/main" id="{47A9874B-BCA9-8420-1595-EDD1865A099A}"/>
               </a:ext>
             </a:extLst>
           </p:cNvPr>
@@ -36081,7 +36167,7 @@
           <p:cNvPr id="3" name="Content Placeholder 2">
             <a:extLst>
               <a:ext uri="{FF2B5EF4-FFF2-40B4-BE49-F238E27FC236}">
-                <a16:creationId xmlns:a16="http://schemas.microsoft.com/office/drawing/2014/main" xmlns="" id="{68A5FD2B-E3E5-1C2B-0151-21F216B14A33}"/>
+                <a16:creationId xmlns="" xmlns:a16="http://schemas.microsoft.com/office/drawing/2014/main" id="{68A5FD2B-E3E5-1C2B-0151-21F216B14A33}"/>
               </a:ext>
             </a:extLst>
           </p:cNvPr>
@@ -36153,7 +36239,7 @@
           <p:cNvPr id="10" name="Content Placeholder 2">
             <a:extLst>
               <a:ext uri="{FF2B5EF4-FFF2-40B4-BE49-F238E27FC236}">
-                <a16:creationId xmlns:a16="http://schemas.microsoft.com/office/drawing/2014/main" xmlns="" id="{A6A33159-D030-2F82-A142-F75940728319}"/>
+                <a16:creationId xmlns="" xmlns:a16="http://schemas.microsoft.com/office/drawing/2014/main" id="{A6A33159-D030-2F82-A142-F75940728319}"/>
               </a:ext>
             </a:extLst>
           </p:cNvPr>
@@ -36326,7 +36412,7 @@
     </p:spTree>
     <p:extLst>
       <p:ext uri="{BB962C8B-B14F-4D97-AF65-F5344CB8AC3E}">
-        <p14:creationId xmlns:p14="http://schemas.microsoft.com/office/powerpoint/2010/main" xmlns="" val="1127649784"/>
+        <p14:creationId xmlns="" xmlns:p14="http://schemas.microsoft.com/office/powerpoint/2010/main" val="1127649784"/>
       </p:ext>
     </p:extLst>
   </p:cSld>
@@ -36358,7 +36444,7 @@
           <p:cNvPr id="2" name="Title 1">
             <a:extLst>
               <a:ext uri="{FF2B5EF4-FFF2-40B4-BE49-F238E27FC236}">
-                <a16:creationId xmlns:a16="http://schemas.microsoft.com/office/drawing/2014/main" xmlns="" id="{47A9874B-BCA9-8420-1595-EDD1865A099A}"/>
+                <a16:creationId xmlns="" xmlns:a16="http://schemas.microsoft.com/office/drawing/2014/main" id="{47A9874B-BCA9-8420-1595-EDD1865A099A}"/>
               </a:ext>
             </a:extLst>
           </p:cNvPr>
@@ -36392,7 +36478,7 @@
           <p:cNvPr id="3" name="Content Placeholder 2">
             <a:extLst>
               <a:ext uri="{FF2B5EF4-FFF2-40B4-BE49-F238E27FC236}">
-                <a16:creationId xmlns:a16="http://schemas.microsoft.com/office/drawing/2014/main" xmlns="" id="{68A5FD2B-E3E5-1C2B-0151-21F216B14A33}"/>
+                <a16:creationId xmlns="" xmlns:a16="http://schemas.microsoft.com/office/drawing/2014/main" id="{68A5FD2B-E3E5-1C2B-0151-21F216B14A33}"/>
               </a:ext>
             </a:extLst>
           </p:cNvPr>
@@ -36455,7 +36541,7 @@
           <p:cNvPr id="4" name="Content Placeholder 3">
             <a:extLst>
               <a:ext uri="{FF2B5EF4-FFF2-40B4-BE49-F238E27FC236}">
-                <a16:creationId xmlns:a16="http://schemas.microsoft.com/office/drawing/2014/main" xmlns="" id="{ACFBB810-3430-2C29-1AA0-9744AA0A1AA3}"/>
+                <a16:creationId xmlns="" xmlns:a16="http://schemas.microsoft.com/office/drawing/2014/main" id="{ACFBB810-3430-2C29-1AA0-9744AA0A1AA3}"/>
               </a:ext>
             </a:extLst>
           </p:cNvPr>
@@ -36611,7 +36697,7 @@
     </p:spTree>
     <p:extLst>
       <p:ext uri="{BB962C8B-B14F-4D97-AF65-F5344CB8AC3E}">
-        <p14:creationId xmlns:p14="http://schemas.microsoft.com/office/powerpoint/2010/main" xmlns="" val="1127649784"/>
+        <p14:creationId xmlns="" xmlns:p14="http://schemas.microsoft.com/office/powerpoint/2010/main" val="1127649784"/>
       </p:ext>
     </p:extLst>
   </p:cSld>
@@ -36643,7 +36729,7 @@
           <p:cNvPr id="2" name="Title 1">
             <a:extLst>
               <a:ext uri="{FF2B5EF4-FFF2-40B4-BE49-F238E27FC236}">
-                <a16:creationId xmlns:a16="http://schemas.microsoft.com/office/drawing/2014/main" xmlns="" id="{47A9874B-BCA9-8420-1595-EDD1865A099A}"/>
+                <a16:creationId xmlns="" xmlns:a16="http://schemas.microsoft.com/office/drawing/2014/main" id="{47A9874B-BCA9-8420-1595-EDD1865A099A}"/>
               </a:ext>
             </a:extLst>
           </p:cNvPr>
@@ -36677,7 +36763,7 @@
           <p:cNvPr id="3" name="Content Placeholder 2">
             <a:extLst>
               <a:ext uri="{FF2B5EF4-FFF2-40B4-BE49-F238E27FC236}">
-                <a16:creationId xmlns:a16="http://schemas.microsoft.com/office/drawing/2014/main" xmlns="" id="{68A5FD2B-E3E5-1C2B-0151-21F216B14A33}"/>
+                <a16:creationId xmlns="" xmlns:a16="http://schemas.microsoft.com/office/drawing/2014/main" id="{68A5FD2B-E3E5-1C2B-0151-21F216B14A33}"/>
               </a:ext>
             </a:extLst>
           </p:cNvPr>
@@ -36730,7 +36816,7 @@
           <p:cNvPr id="4" name="Content Placeholder 3">
             <a:extLst>
               <a:ext uri="{FF2B5EF4-FFF2-40B4-BE49-F238E27FC236}">
-                <a16:creationId xmlns:a16="http://schemas.microsoft.com/office/drawing/2014/main" xmlns="" id="{ACFBB810-3430-2C29-1AA0-9744AA0A1AA3}"/>
+                <a16:creationId xmlns="" xmlns:a16="http://schemas.microsoft.com/office/drawing/2014/main" id="{ACFBB810-3430-2C29-1AA0-9744AA0A1AA3}"/>
               </a:ext>
             </a:extLst>
           </p:cNvPr>
@@ -36837,7 +36923,7 @@
     </p:spTree>
     <p:extLst>
       <p:ext uri="{BB962C8B-B14F-4D97-AF65-F5344CB8AC3E}">
-        <p14:creationId xmlns:p14="http://schemas.microsoft.com/office/powerpoint/2010/main" xmlns="" val="1127649784"/>
+        <p14:creationId xmlns="" xmlns:p14="http://schemas.microsoft.com/office/powerpoint/2010/main" val="1127649784"/>
       </p:ext>
     </p:extLst>
   </p:cSld>
@@ -36869,7 +36955,7 @@
           <p:cNvPr id="8" name="Title 1">
             <a:extLst>
               <a:ext uri="{FF2B5EF4-FFF2-40B4-BE49-F238E27FC236}">
-                <a16:creationId xmlns:a16="http://schemas.microsoft.com/office/drawing/2014/main" xmlns="" id="{47A9874B-BCA9-8420-1595-EDD1865A099A}"/>
+                <a16:creationId xmlns="" xmlns:a16="http://schemas.microsoft.com/office/drawing/2014/main" id="{47A9874B-BCA9-8420-1595-EDD1865A099A}"/>
               </a:ext>
             </a:extLst>
           </p:cNvPr>
@@ -36903,7 +36989,7 @@
           <p:cNvPr id="26" name="Content Placeholder 2">
             <a:extLst>
               <a:ext uri="{FF2B5EF4-FFF2-40B4-BE49-F238E27FC236}">
-                <a16:creationId xmlns:a16="http://schemas.microsoft.com/office/drawing/2014/main" xmlns="" id="{68A5FD2B-E3E5-1C2B-0151-21F216B14A33}"/>
+                <a16:creationId xmlns="" xmlns:a16="http://schemas.microsoft.com/office/drawing/2014/main" id="{68A5FD2B-E3E5-1C2B-0151-21F216B14A33}"/>
               </a:ext>
             </a:extLst>
           </p:cNvPr>
@@ -36988,7 +37074,7 @@
           <p:cNvPr id="7" name="Content Placeholder 2">
             <a:extLst>
               <a:ext uri="{FF2B5EF4-FFF2-40B4-BE49-F238E27FC236}">
-                <a16:creationId xmlns:a16="http://schemas.microsoft.com/office/drawing/2014/main" xmlns="" id="{68A5FD2B-E3E5-1C2B-0151-21F216B14A33}"/>
+                <a16:creationId xmlns="" xmlns:a16="http://schemas.microsoft.com/office/drawing/2014/main" id="{68A5FD2B-E3E5-1C2B-0151-21F216B14A33}"/>
               </a:ext>
             </a:extLst>
           </p:cNvPr>
@@ -37262,7 +37348,7 @@
     </p:spTree>
     <p:extLst>
       <p:ext uri="{BB962C8B-B14F-4D97-AF65-F5344CB8AC3E}">
-        <p14:creationId xmlns:p14="http://schemas.microsoft.com/office/powerpoint/2010/main" xmlns="" val="2737241225"/>
+        <p14:creationId xmlns="" xmlns:p14="http://schemas.microsoft.com/office/powerpoint/2010/main" val="2737241225"/>
       </p:ext>
     </p:extLst>
   </p:cSld>
@@ -37301,7 +37387,7 @@
           <p:cNvPr id="2" name="Title 1">
             <a:extLst>
               <a:ext uri="{FF2B5EF4-FFF2-40B4-BE49-F238E27FC236}">
-                <a16:creationId xmlns:a16="http://schemas.microsoft.com/office/drawing/2014/main" xmlns="" id="{D1FC59F6-9B22-C211-4B4C-A2FD4B914C46}"/>
+                <a16:creationId xmlns="" xmlns:a16="http://schemas.microsoft.com/office/drawing/2014/main" id="{D1FC59F6-9B22-C211-4B4C-A2FD4B914C46}"/>
               </a:ext>
             </a:extLst>
           </p:cNvPr>
@@ -37335,7 +37421,7 @@
           <p:cNvPr id="4" name="Table Placeholder 3">
             <a:extLst>
               <a:ext uri="{FF2B5EF4-FFF2-40B4-BE49-F238E27FC236}">
-                <a16:creationId xmlns:a16="http://schemas.microsoft.com/office/drawing/2014/main" xmlns="" id="{0519CAC4-33D8-0B1E-88FF-086E69894AFB}"/>
+                <a16:creationId xmlns="" xmlns:a16="http://schemas.microsoft.com/office/drawing/2014/main" id="{0519CAC4-33D8-0B1E-88FF-086E69894AFB}"/>
               </a:ext>
             </a:extLst>
           </p:cNvPr>
@@ -37346,7 +37432,7 @@
             <p:ph type="tbl" sz="quarter" idx="13"/>
             <p:extLst>
               <p:ext uri="{D42A27DB-BD31-4B8C-83A1-F6EECF244321}">
-                <p14:modId xmlns:p14="http://schemas.microsoft.com/office/powerpoint/2010/main" xmlns="" val="3019515003"/>
+                <p14:modId xmlns="" xmlns:p14="http://schemas.microsoft.com/office/powerpoint/2010/main" val="3019515003"/>
               </p:ext>
             </p:extLst>
           </p:nvPr>
@@ -37365,42 +37451,42 @@
                 <a:gridCol w="1859717">
                   <a:extLst>
                     <a:ext uri="{9D8B030D-6E8A-4147-A177-3AD203B41FA5}">
-                      <a16:colId xmlns:a16="http://schemas.microsoft.com/office/drawing/2014/main" xmlns="" val="2382218087"/>
+                      <a16:colId xmlns="" xmlns:a16="http://schemas.microsoft.com/office/drawing/2014/main" val="2382218087"/>
                     </a:ext>
                   </a:extLst>
                 </a:gridCol>
                 <a:gridCol w="1259174">
                   <a:extLst>
                     <a:ext uri="{9D8B030D-6E8A-4147-A177-3AD203B41FA5}">
-                      <a16:colId xmlns:a16="http://schemas.microsoft.com/office/drawing/2014/main" xmlns="" val="3953468724"/>
+                      <a16:colId xmlns="" xmlns:a16="http://schemas.microsoft.com/office/drawing/2014/main" val="3953468724"/>
                     </a:ext>
                   </a:extLst>
                 </a:gridCol>
                 <a:gridCol w="1371600">
                   <a:extLst>
                     <a:ext uri="{9D8B030D-6E8A-4147-A177-3AD203B41FA5}">
-                      <a16:colId xmlns:a16="http://schemas.microsoft.com/office/drawing/2014/main" xmlns="" val="4277526474"/>
+                      <a16:colId xmlns="" xmlns:a16="http://schemas.microsoft.com/office/drawing/2014/main" val="4277526474"/>
                     </a:ext>
                   </a:extLst>
                 </a:gridCol>
                 <a:gridCol w="955623">
                   <a:extLst>
                     <a:ext uri="{9D8B030D-6E8A-4147-A177-3AD203B41FA5}">
-                      <a16:colId xmlns:a16="http://schemas.microsoft.com/office/drawing/2014/main" xmlns="" val="2438884888"/>
+                      <a16:colId xmlns="" xmlns:a16="http://schemas.microsoft.com/office/drawing/2014/main" val="2438884888"/>
                     </a:ext>
                   </a:extLst>
                 </a:gridCol>
                 <a:gridCol w="955623">
                   <a:extLst>
                     <a:ext uri="{9D8B030D-6E8A-4147-A177-3AD203B41FA5}">
-                      <a16:colId xmlns:a16="http://schemas.microsoft.com/office/drawing/2014/main" xmlns="" val="3058700555"/>
+                      <a16:colId xmlns="" xmlns:a16="http://schemas.microsoft.com/office/drawing/2014/main" val="3058700555"/>
                     </a:ext>
                   </a:extLst>
                 </a:gridCol>
                 <a:gridCol w="1484964">
                   <a:extLst>
                     <a:ext uri="{9D8B030D-6E8A-4147-A177-3AD203B41FA5}">
-                      <a16:colId xmlns:a16="http://schemas.microsoft.com/office/drawing/2014/main" xmlns="" val="489067259"/>
+                      <a16:colId xmlns="" xmlns:a16="http://schemas.microsoft.com/office/drawing/2014/main" val="489067259"/>
                     </a:ext>
                   </a:extLst>
                 </a:gridCol>
@@ -37513,7 +37599,7 @@
                 </a:tc>
                 <a:extLst>
                   <a:ext uri="{0D108BD9-81ED-4DB2-BD59-A6C34878D82A}">
-                    <a16:rowId xmlns:a16="http://schemas.microsoft.com/office/drawing/2014/main" xmlns="" val="2857107962"/>
+                    <a16:rowId xmlns="" xmlns:a16="http://schemas.microsoft.com/office/drawing/2014/main" val="2857107962"/>
                   </a:ext>
                 </a:extLst>
               </a:tr>
@@ -37616,7 +37702,7 @@
                 </a:tc>
                 <a:extLst>
                   <a:ext uri="{0D108BD9-81ED-4DB2-BD59-A6C34878D82A}">
-                    <a16:rowId xmlns:a16="http://schemas.microsoft.com/office/drawing/2014/main" xmlns="" val="1671386868"/>
+                    <a16:rowId xmlns="" xmlns:a16="http://schemas.microsoft.com/office/drawing/2014/main" val="1671386868"/>
                   </a:ext>
                 </a:extLst>
               </a:tr>
@@ -37719,7 +37805,7 @@
                 </a:tc>
                 <a:extLst>
                   <a:ext uri="{0D108BD9-81ED-4DB2-BD59-A6C34878D82A}">
-                    <a16:rowId xmlns:a16="http://schemas.microsoft.com/office/drawing/2014/main" xmlns="" val="380626418"/>
+                    <a16:rowId xmlns="" xmlns:a16="http://schemas.microsoft.com/office/drawing/2014/main" val="380626418"/>
                   </a:ext>
                 </a:extLst>
               </a:tr>
@@ -37838,7 +37924,7 @@
                 </a:tc>
                 <a:extLst>
                   <a:ext uri="{0D108BD9-81ED-4DB2-BD59-A6C34878D82A}">
-                    <a16:rowId xmlns:a16="http://schemas.microsoft.com/office/drawing/2014/main" xmlns="" val="2132482967"/>
+                    <a16:rowId xmlns="" xmlns:a16="http://schemas.microsoft.com/office/drawing/2014/main" val="2132482967"/>
                   </a:ext>
                 </a:extLst>
               </a:tr>
@@ -37941,7 +38027,7 @@
                 </a:tc>
                 <a:extLst>
                   <a:ext uri="{0D108BD9-81ED-4DB2-BD59-A6C34878D82A}">
-                    <a16:rowId xmlns:a16="http://schemas.microsoft.com/office/drawing/2014/main" xmlns="" val="3936251906"/>
+                    <a16:rowId xmlns="" xmlns:a16="http://schemas.microsoft.com/office/drawing/2014/main" val="3936251906"/>
                   </a:ext>
                 </a:extLst>
               </a:tr>
@@ -38047,7 +38133,7 @@
                 </a:tc>
                 <a:extLst>
                   <a:ext uri="{0D108BD9-81ED-4DB2-BD59-A6C34878D82A}">
-                    <a16:rowId xmlns:a16="http://schemas.microsoft.com/office/drawing/2014/main" xmlns="" val="568537164"/>
+                    <a16:rowId xmlns="" xmlns:a16="http://schemas.microsoft.com/office/drawing/2014/main" val="568537164"/>
                   </a:ext>
                 </a:extLst>
               </a:tr>
@@ -38058,7 +38144,7 @@
     </p:spTree>
     <p:extLst>
       <p:ext uri="{BB962C8B-B14F-4D97-AF65-F5344CB8AC3E}">
-        <p14:creationId xmlns:p14="http://schemas.microsoft.com/office/powerpoint/2010/main" xmlns="" val="1510706933"/>
+        <p14:creationId xmlns="" xmlns:p14="http://schemas.microsoft.com/office/powerpoint/2010/main" val="1510706933"/>
       </p:ext>
     </p:extLst>
   </p:cSld>
@@ -38090,7 +38176,7 @@
           <p:cNvPr id="8" name="Title 1">
             <a:extLst>
               <a:ext uri="{FF2B5EF4-FFF2-40B4-BE49-F238E27FC236}">
-                <a16:creationId xmlns:a16="http://schemas.microsoft.com/office/drawing/2014/main" xmlns="" id="{47A9874B-BCA9-8420-1595-EDD1865A099A}"/>
+                <a16:creationId xmlns="" xmlns:a16="http://schemas.microsoft.com/office/drawing/2014/main" id="{47A9874B-BCA9-8420-1595-EDD1865A099A}"/>
               </a:ext>
             </a:extLst>
           </p:cNvPr>
@@ -38124,7 +38210,7 @@
           <p:cNvPr id="9" name="Content Placeholder 2">
             <a:extLst>
               <a:ext uri="{FF2B5EF4-FFF2-40B4-BE49-F238E27FC236}">
-                <a16:creationId xmlns:a16="http://schemas.microsoft.com/office/drawing/2014/main" xmlns="" id="{A6A33159-D030-2F82-A142-F75940728319}"/>
+                <a16:creationId xmlns="" xmlns:a16="http://schemas.microsoft.com/office/drawing/2014/main" id="{A6A33159-D030-2F82-A142-F75940728319}"/>
               </a:ext>
             </a:extLst>
           </p:cNvPr>
@@ -38271,7 +38357,7 @@
     </p:spTree>
     <p:extLst>
       <p:ext uri="{BB962C8B-B14F-4D97-AF65-F5344CB8AC3E}">
-        <p14:creationId xmlns:p14="http://schemas.microsoft.com/office/powerpoint/2010/main" xmlns="" val="414613742"/>
+        <p14:creationId xmlns="" xmlns:p14="http://schemas.microsoft.com/office/powerpoint/2010/main" val="414613742"/>
       </p:ext>
     </p:extLst>
   </p:cSld>
@@ -38303,7 +38389,7 @@
           <p:cNvPr id="2" name="Title 1">
             <a:extLst>
               <a:ext uri="{FF2B5EF4-FFF2-40B4-BE49-F238E27FC236}">
-                <a16:creationId xmlns:a16="http://schemas.microsoft.com/office/drawing/2014/main" xmlns="" id="{28BAC361-0D7A-DC05-86B5-6DD77D322F5B}"/>
+                <a16:creationId xmlns="" xmlns:a16="http://schemas.microsoft.com/office/drawing/2014/main" id="{28BAC361-0D7A-DC05-86B5-6DD77D322F5B}"/>
               </a:ext>
             </a:extLst>
           </p:cNvPr>
@@ -38337,7 +38423,7 @@
           <p:cNvPr id="3" name="Content Placeholder 2">
             <a:extLst>
               <a:ext uri="{FF2B5EF4-FFF2-40B4-BE49-F238E27FC236}">
-                <a16:creationId xmlns:a16="http://schemas.microsoft.com/office/drawing/2014/main" xmlns="" id="{1BE98EFF-197D-3136-70B9-7BBD30A48931}"/>
+                <a16:creationId xmlns="" xmlns:a16="http://schemas.microsoft.com/office/drawing/2014/main" id="{1BE98EFF-197D-3136-70B9-7BBD30A48931}"/>
               </a:ext>
             </a:extLst>
           </p:cNvPr>
@@ -38386,7 +38472,7 @@
     </p:spTree>
     <p:extLst>
       <p:ext uri="{BB962C8B-B14F-4D97-AF65-F5344CB8AC3E}">
-        <p14:creationId xmlns:p14="http://schemas.microsoft.com/office/powerpoint/2010/main" xmlns="" val="1562484837"/>
+        <p14:creationId xmlns="" xmlns:p14="http://schemas.microsoft.com/office/powerpoint/2010/main" val="1562484837"/>
       </p:ext>
     </p:extLst>
   </p:cSld>
@@ -38413,10 +38499,525 @@
           <a:chExt cx="0" cy="0"/>
         </a:xfrm>
       </p:grpSpPr>
+      <p:sp>
+        <p:nvSpPr>
+          <p:cNvPr id="8" name="Title 1">
+            <a:extLst>
+              <a:ext uri="{FF2B5EF4-FFF2-40B4-BE49-F238E27FC236}">
+                <a16:creationId xmlns="" xmlns:a16="http://schemas.microsoft.com/office/drawing/2014/main" id="{47A9874B-BCA9-8420-1595-EDD1865A099A}"/>
+              </a:ext>
+            </a:extLst>
+          </p:cNvPr>
+          <p:cNvSpPr>
+            <a:spLocks noGrp="1"/>
+          </p:cNvSpPr>
+          <p:nvPr>
+            <p:ph type="title"/>
+          </p:nvPr>
+        </p:nvSpPr>
+        <p:spPr>
+          <a:xfrm>
+            <a:off x="628650" y="273844"/>
+            <a:ext cx="7886700" cy="994172"/>
+          </a:xfrm>
+          <a:noFill/>
+        </p:spPr>
+        <p:txBody>
+          <a:bodyPr anchor="ctr"/>
+          <a:lstStyle/>
+          <a:p>
+            <a:r>
+              <a:rPr lang="en-US" dirty="0" smtClean="0"/>
+              <a:t>Word v/s Token</a:t>
+            </a:r>
+            <a:endParaRPr lang="en-US" dirty="0"/>
+          </a:p>
+        </p:txBody>
+      </p:sp>
+      <p:sp>
+        <p:nvSpPr>
+          <p:cNvPr id="9" name="Content Placeholder 2">
+            <a:extLst>
+              <a:ext uri="{FF2B5EF4-FFF2-40B4-BE49-F238E27FC236}">
+                <a16:creationId xmlns="" xmlns:a16="http://schemas.microsoft.com/office/drawing/2014/main" id="{A6A33159-D030-2F82-A142-F75940728319}"/>
+              </a:ext>
+            </a:extLst>
+          </p:cNvPr>
+          <p:cNvSpPr>
+            <a:spLocks noGrp="1"/>
+          </p:cNvSpPr>
+          <p:nvPr>
+            <p:ph sz="quarter" idx="4294967295"/>
+          </p:nvPr>
+        </p:nvSpPr>
+        <p:spPr>
+          <a:xfrm>
+            <a:off x="628650" y="1378574"/>
+            <a:ext cx="3761767" cy="3213667"/>
+          </a:xfrm>
+          <a:prstGeom prst="rect">
+            <a:avLst/>
+          </a:prstGeom>
+          <a:noFill/>
+        </p:spPr>
+        <p:txBody>
+          <a:bodyPr vert="horz" lIns="68580" tIns="34290" rIns="68580" bIns="34290" rtlCol="0" anchor="t">
+            <a:normAutofit/>
+          </a:bodyPr>
+          <a:lstStyle/>
+          <a:p>
+            <a:pPr marL="171450" lvl="1">
+              <a:spcBef>
+                <a:spcPts val="750"/>
+              </a:spcBef>
+              <a:spcAft>
+                <a:spcPts val="600"/>
+              </a:spcAft>
+              <a:buClr>
+                <a:schemeClr val="accent2"/>
+              </a:buClr>
+            </a:pPr>
+            <a:r>
+              <a:rPr lang="en-IN" sz="2000" dirty="0" smtClean="0"/>
+              <a:t>Token – Word or sub-word</a:t>
+            </a:r>
+          </a:p>
+          <a:p>
+            <a:pPr marL="171450" lvl="1">
+              <a:spcBef>
+                <a:spcPts val="750"/>
+              </a:spcBef>
+              <a:spcAft>
+                <a:spcPts val="600"/>
+              </a:spcAft>
+              <a:buClr>
+                <a:schemeClr val="accent2"/>
+              </a:buClr>
+            </a:pPr>
+            <a:r>
+              <a:rPr lang="en-IN" sz="2000" dirty="0" smtClean="0"/>
+              <a:t>LLM </a:t>
+            </a:r>
+            <a:r>
+              <a:rPr lang="en-IN" sz="2000" dirty="0" smtClean="0"/>
+              <a:t>inference cost</a:t>
+            </a:r>
+            <a:endParaRPr lang="en-IN" sz="2000" dirty="0" smtClean="0"/>
+          </a:p>
+          <a:p>
+            <a:pPr marL="514350" lvl="2">
+              <a:spcBef>
+                <a:spcPts val="750"/>
+              </a:spcBef>
+              <a:spcAft>
+                <a:spcPts val="600"/>
+              </a:spcAft>
+              <a:buClr>
+                <a:schemeClr val="accent2"/>
+              </a:buClr>
+            </a:pPr>
+            <a:r>
+              <a:rPr lang="en-IN" sz="1700" dirty="0" smtClean="0"/>
+              <a:t>Number of tokens</a:t>
+            </a:r>
+          </a:p>
+          <a:p>
+            <a:pPr marL="514350" lvl="2">
+              <a:spcBef>
+                <a:spcPts val="750"/>
+              </a:spcBef>
+              <a:spcAft>
+                <a:spcPts val="600"/>
+              </a:spcAft>
+              <a:buClr>
+                <a:schemeClr val="accent2"/>
+              </a:buClr>
+            </a:pPr>
+            <a:r>
+              <a:rPr lang="en-IN" sz="1700" dirty="0" smtClean="0"/>
+              <a:t>Input tokens</a:t>
+            </a:r>
+          </a:p>
+          <a:p>
+            <a:pPr marL="857250" lvl="3">
+              <a:spcBef>
+                <a:spcPts val="750"/>
+              </a:spcBef>
+              <a:spcAft>
+                <a:spcPts val="600"/>
+              </a:spcAft>
+              <a:buClr>
+                <a:schemeClr val="accent2"/>
+              </a:buClr>
+            </a:pPr>
+            <a:r>
+              <a:rPr lang="en-IN" sz="1600" dirty="0" smtClean="0"/>
+              <a:t>Less cost</a:t>
+            </a:r>
+            <a:endParaRPr lang="en-IN" sz="1600" dirty="0" smtClean="0"/>
+          </a:p>
+          <a:p>
+            <a:pPr marL="514350" lvl="2">
+              <a:spcBef>
+                <a:spcPts val="750"/>
+              </a:spcBef>
+              <a:spcAft>
+                <a:spcPts val="600"/>
+              </a:spcAft>
+              <a:buClr>
+                <a:schemeClr val="accent2"/>
+              </a:buClr>
+            </a:pPr>
+            <a:r>
+              <a:rPr lang="en-IN" sz="1700" dirty="0" smtClean="0"/>
+              <a:t>Output </a:t>
+            </a:r>
+            <a:r>
+              <a:rPr lang="en-IN" sz="1700" dirty="0" smtClean="0"/>
+              <a:t>tokens</a:t>
+            </a:r>
+          </a:p>
+          <a:p>
+            <a:pPr marL="857250" lvl="3">
+              <a:spcBef>
+                <a:spcPts val="750"/>
+              </a:spcBef>
+              <a:spcAft>
+                <a:spcPts val="600"/>
+              </a:spcAft>
+              <a:buClr>
+                <a:schemeClr val="accent2"/>
+              </a:buClr>
+            </a:pPr>
+            <a:r>
+              <a:rPr lang="en-IN" sz="1600" dirty="0" smtClean="0"/>
+              <a:t>More </a:t>
+            </a:r>
+            <a:r>
+              <a:rPr lang="en-IN" sz="1600" dirty="0" smtClean="0"/>
+              <a:t>cost</a:t>
+            </a:r>
+            <a:endParaRPr lang="en-US" sz="2000" dirty="0"/>
+          </a:p>
+        </p:txBody>
+      </p:sp>
+      <p:sp>
+        <p:nvSpPr>
+          <p:cNvPr id="4" name="Content Placeholder 2">
+            <a:extLst>
+              <a:ext uri="{FF2B5EF4-FFF2-40B4-BE49-F238E27FC236}">
+                <a16:creationId xmlns="" xmlns:a16="http://schemas.microsoft.com/office/drawing/2014/main" id="{A6A33159-D030-2F82-A142-F75940728319}"/>
+              </a:ext>
+            </a:extLst>
+          </p:cNvPr>
+          <p:cNvSpPr>
+            <a:spLocks noGrp="1"/>
+          </p:cNvSpPr>
+          <p:nvPr>
+            <p:ph sz="quarter" idx="4294967295"/>
+          </p:nvPr>
+        </p:nvSpPr>
+        <p:spPr>
+          <a:xfrm>
+            <a:off x="4704475" y="1381819"/>
+            <a:ext cx="3761767" cy="3213667"/>
+          </a:xfrm>
+          <a:prstGeom prst="rect">
+            <a:avLst/>
+          </a:prstGeom>
+          <a:noFill/>
+        </p:spPr>
+        <p:txBody>
+          <a:bodyPr vert="horz" lIns="68580" tIns="34290" rIns="68580" bIns="34290" rtlCol="0" anchor="t">
+            <a:normAutofit/>
+          </a:bodyPr>
+          <a:lstStyle/>
+          <a:p>
+            <a:pPr marL="171450" lvl="1">
+              <a:spcBef>
+                <a:spcPts val="750"/>
+              </a:spcBef>
+              <a:spcAft>
+                <a:spcPts val="600"/>
+              </a:spcAft>
+              <a:buClr>
+                <a:schemeClr val="accent2"/>
+              </a:buClr>
+            </a:pPr>
+            <a:r>
+              <a:rPr lang="en-IN" sz="2000" dirty="0" smtClean="0"/>
+              <a:t>Words with single token</a:t>
+            </a:r>
+          </a:p>
+          <a:p>
+            <a:pPr marL="514350" lvl="2">
+              <a:spcBef>
+                <a:spcPts val="750"/>
+              </a:spcBef>
+              <a:spcAft>
+                <a:spcPts val="600"/>
+              </a:spcAft>
+              <a:buClr>
+                <a:schemeClr val="accent2"/>
+              </a:buClr>
+            </a:pPr>
+            <a:r>
+              <a:rPr lang="en-IN" sz="1700" dirty="0" smtClean="0"/>
+              <a:t>Atomic or Primitive tokens</a:t>
+            </a:r>
+          </a:p>
+          <a:p>
+            <a:pPr marL="514350" lvl="2">
+              <a:spcBef>
+                <a:spcPts val="750"/>
+              </a:spcBef>
+              <a:spcAft>
+                <a:spcPts val="600"/>
+              </a:spcAft>
+              <a:buClr>
+                <a:schemeClr val="accent2"/>
+              </a:buClr>
+            </a:pPr>
+            <a:r>
+              <a:rPr lang="en-IN" sz="1700" dirty="0" smtClean="0">
+                <a:solidFill>
+                  <a:srgbClr val="7030A0"/>
+                </a:solidFill>
+              </a:rPr>
+              <a:t>yes</a:t>
+            </a:r>
+            <a:r>
+              <a:rPr lang="en-IN" sz="1700" dirty="0" smtClean="0"/>
+              <a:t>, </a:t>
+            </a:r>
+            <a:r>
+              <a:rPr lang="en-IN" sz="1700" dirty="0" smtClean="0">
+                <a:solidFill>
+                  <a:srgbClr val="7030A0"/>
+                </a:solidFill>
+              </a:rPr>
+              <a:t>no</a:t>
+            </a:r>
+            <a:r>
+              <a:rPr lang="en-IN" sz="1700" dirty="0" smtClean="0"/>
+              <a:t>, </a:t>
+            </a:r>
+            <a:r>
+              <a:rPr lang="en-IN" sz="1700" dirty="0" smtClean="0">
+                <a:solidFill>
+                  <a:srgbClr val="7030A0"/>
+                </a:solidFill>
+              </a:rPr>
+              <a:t>run</a:t>
+            </a:r>
+            <a:r>
+              <a:rPr lang="en-IN" sz="1700" dirty="0" smtClean="0"/>
+              <a:t>, </a:t>
+            </a:r>
+            <a:r>
+              <a:rPr lang="en-IN" sz="1700" dirty="0" smtClean="0">
+                <a:solidFill>
+                  <a:srgbClr val="7030A0"/>
+                </a:solidFill>
+              </a:rPr>
+              <a:t>red</a:t>
+            </a:r>
+            <a:r>
+              <a:rPr lang="en-IN" sz="1700" dirty="0" smtClean="0"/>
+              <a:t>, </a:t>
+            </a:r>
+            <a:r>
+              <a:rPr lang="en-IN" sz="1700" dirty="0" smtClean="0">
+                <a:solidFill>
+                  <a:srgbClr val="7030A0"/>
+                </a:solidFill>
+              </a:rPr>
+              <a:t>blue</a:t>
+            </a:r>
+            <a:r>
+              <a:rPr lang="en-IN" sz="1700" dirty="0" smtClean="0"/>
+              <a:t>, </a:t>
+            </a:r>
+            <a:r>
+              <a:rPr lang="en-IN" sz="1700" dirty="0" smtClean="0">
+                <a:solidFill>
+                  <a:srgbClr val="7030A0"/>
+                </a:solidFill>
+              </a:rPr>
+              <a:t>love</a:t>
+            </a:r>
+            <a:endParaRPr lang="en-IN" sz="2000" dirty="0" smtClean="0"/>
+          </a:p>
+          <a:p>
+            <a:pPr marL="171450" lvl="1">
+              <a:spcBef>
+                <a:spcPts val="750"/>
+              </a:spcBef>
+              <a:spcAft>
+                <a:spcPts val="600"/>
+              </a:spcAft>
+              <a:buClr>
+                <a:schemeClr val="accent2"/>
+              </a:buClr>
+            </a:pPr>
+            <a:r>
+              <a:rPr lang="en-IN" sz="2000" dirty="0" smtClean="0"/>
+              <a:t>Words </a:t>
+            </a:r>
+            <a:r>
+              <a:rPr lang="en-IN" sz="2000" dirty="0" smtClean="0"/>
+              <a:t>with two tokens</a:t>
+            </a:r>
+          </a:p>
+          <a:p>
+            <a:pPr marL="514350" lvl="2">
+              <a:spcBef>
+                <a:spcPts val="750"/>
+              </a:spcBef>
+              <a:spcAft>
+                <a:spcPts val="600"/>
+              </a:spcAft>
+              <a:buClr>
+                <a:schemeClr val="accent2"/>
+              </a:buClr>
+            </a:pPr>
+            <a:r>
+              <a:rPr lang="en-IN" sz="1700" dirty="0" smtClean="0">
+                <a:solidFill>
+                  <a:srgbClr val="00B050"/>
+                </a:solidFill>
+              </a:rPr>
+              <a:t>un</a:t>
+            </a:r>
+            <a:r>
+              <a:rPr lang="en-IN" sz="1700" dirty="0" smtClean="0">
+                <a:solidFill>
+                  <a:srgbClr val="7030A0"/>
+                </a:solidFill>
+              </a:rPr>
+              <a:t>happy</a:t>
+            </a:r>
+            <a:r>
+              <a:rPr lang="en-IN" sz="1700" dirty="0" smtClean="0"/>
+              <a:t>, </a:t>
+            </a:r>
+            <a:r>
+              <a:rPr lang="en-IN" sz="1700" dirty="0" smtClean="0">
+                <a:solidFill>
+                  <a:srgbClr val="00B050"/>
+                </a:solidFill>
+              </a:rPr>
+              <a:t>dis</a:t>
+            </a:r>
+            <a:r>
+              <a:rPr lang="en-IN" sz="1700" dirty="0" smtClean="0">
+                <a:solidFill>
+                  <a:srgbClr val="7030A0"/>
+                </a:solidFill>
+              </a:rPr>
+              <a:t>like</a:t>
+            </a:r>
+            <a:r>
+              <a:rPr lang="en-IN" sz="1700" dirty="0" smtClean="0"/>
+              <a:t>, </a:t>
+            </a:r>
+            <a:r>
+              <a:rPr lang="en-IN" sz="1700" dirty="0" smtClean="0">
+                <a:solidFill>
+                  <a:srgbClr val="00B050"/>
+                </a:solidFill>
+              </a:rPr>
+              <a:t>re</a:t>
+            </a:r>
+            <a:r>
+              <a:rPr lang="en-IN" sz="1700" dirty="0" smtClean="0">
+                <a:solidFill>
+                  <a:srgbClr val="7030A0"/>
+                </a:solidFill>
+              </a:rPr>
+              <a:t>play</a:t>
+            </a:r>
+            <a:r>
+              <a:rPr lang="en-IN" sz="1700" dirty="0" smtClean="0"/>
+              <a:t>, </a:t>
+            </a:r>
+            <a:r>
+              <a:rPr lang="en-IN" sz="1700" dirty="0" smtClean="0">
+                <a:solidFill>
+                  <a:srgbClr val="00B050"/>
+                </a:solidFill>
+              </a:rPr>
+              <a:t>sun</a:t>
+            </a:r>
+            <a:r>
+              <a:rPr lang="en-IN" sz="1700" dirty="0" smtClean="0">
+                <a:solidFill>
+                  <a:srgbClr val="7030A0"/>
+                </a:solidFill>
+              </a:rPr>
+              <a:t>set</a:t>
+            </a:r>
+          </a:p>
+          <a:p>
+            <a:pPr marL="514350" lvl="2">
+              <a:spcBef>
+                <a:spcPts val="750"/>
+              </a:spcBef>
+              <a:spcAft>
+                <a:spcPts val="600"/>
+              </a:spcAft>
+              <a:buClr>
+                <a:schemeClr val="accent2"/>
+              </a:buClr>
+            </a:pPr>
+            <a:r>
+              <a:rPr lang="en-IN" sz="1700" dirty="0" smtClean="0"/>
+              <a:t>Compound </a:t>
+            </a:r>
+            <a:r>
+              <a:rPr lang="en-IN" sz="1700" dirty="0" smtClean="0"/>
+              <a:t>words</a:t>
+            </a:r>
+            <a:endParaRPr lang="en-IN" sz="2000" dirty="0" smtClean="0"/>
+          </a:p>
+          <a:p>
+            <a:pPr marL="171450" lvl="1">
+              <a:spcBef>
+                <a:spcPts val="750"/>
+              </a:spcBef>
+              <a:spcAft>
+                <a:spcPts val="600"/>
+              </a:spcAft>
+              <a:buClr>
+                <a:schemeClr val="accent2"/>
+              </a:buClr>
+            </a:pPr>
+            <a:r>
+              <a:rPr lang="en-IN" sz="2000" dirty="0" smtClean="0"/>
+              <a:t>300 Words – 400 Tokens</a:t>
+            </a:r>
+            <a:endParaRPr lang="en-IN" sz="2000" dirty="0"/>
+          </a:p>
+          <a:p>
+            <a:pPr marL="171450" lvl="1">
+              <a:spcBef>
+                <a:spcPts val="750"/>
+              </a:spcBef>
+              <a:spcAft>
+                <a:spcPts val="600"/>
+              </a:spcAft>
+              <a:buClr>
+                <a:schemeClr val="accent2"/>
+              </a:buClr>
+            </a:pPr>
+            <a:endParaRPr lang="en-US" sz="2000" dirty="0"/>
+          </a:p>
+        </p:txBody>
+      </p:sp>
     </p:spTree>
     <p:extLst>
       <p:ext uri="{BB962C8B-B14F-4D97-AF65-F5344CB8AC3E}">
-        <p14:creationId xmlns:p14="http://schemas.microsoft.com/office/powerpoint/2010/main" xmlns="" val="363098972"/>
+        <p14:creationId xmlns="" xmlns:p14="http://schemas.microsoft.com/office/powerpoint/2010/main" val="414613742"/>
       </p:ext>
     </p:extLst>
   </p:cSld>
@@ -38446,7 +39047,37 @@
     </p:spTree>
     <p:extLst>
       <p:ext uri="{BB962C8B-B14F-4D97-AF65-F5344CB8AC3E}">
-        <p14:creationId xmlns:p14="http://schemas.microsoft.com/office/powerpoint/2010/main" xmlns="" val="729609147"/>
+        <p14:creationId xmlns="" xmlns:p14="http://schemas.microsoft.com/office/powerpoint/2010/main" val="363098972"/>
+      </p:ext>
+    </p:extLst>
+  </p:cSld>
+  <p:clrMapOvr>
+    <a:masterClrMapping/>
+  </p:clrMapOvr>
+</p:sld>
+</file>
+
+<file path=ppt/slides/slide55.xml><?xml version="1.0" encoding="utf-8"?>
+<p:sld xmlns:a="http://schemas.openxmlformats.org/drawingml/2006/main" xmlns:r="http://schemas.openxmlformats.org/officeDocument/2006/relationships" xmlns:p="http://schemas.openxmlformats.org/presentationml/2006/main">
+  <p:cSld>
+    <p:spTree>
+      <p:nvGrpSpPr>
+        <p:cNvPr id="1" name=""/>
+        <p:cNvGrpSpPr/>
+        <p:nvPr/>
+      </p:nvGrpSpPr>
+      <p:grpSpPr>
+        <a:xfrm>
+          <a:off x="0" y="0"/>
+          <a:ext cx="0" cy="0"/>
+          <a:chOff x="0" y="0"/>
+          <a:chExt cx="0" cy="0"/>
+        </a:xfrm>
+      </p:grpSpPr>
+    </p:spTree>
+    <p:extLst>
+      <p:ext uri="{BB962C8B-B14F-4D97-AF65-F5344CB8AC3E}">
+        <p14:creationId xmlns="" xmlns:p14="http://schemas.microsoft.com/office/powerpoint/2010/main" val="729609147"/>
       </p:ext>
     </p:extLst>
   </p:cSld>
@@ -38478,7 +39109,7 @@
           <p:cNvPr id="2" name="Title 1">
             <a:extLst>
               <a:ext uri="{FF2B5EF4-FFF2-40B4-BE49-F238E27FC236}">
-                <a16:creationId xmlns:a16="http://schemas.microsoft.com/office/drawing/2014/main" xmlns="" id="{47A9874B-BCA9-8420-1595-EDD1865A099A}"/>
+                <a16:creationId xmlns="" xmlns:a16="http://schemas.microsoft.com/office/drawing/2014/main" id="{47A9874B-BCA9-8420-1595-EDD1865A099A}"/>
               </a:ext>
             </a:extLst>
           </p:cNvPr>
@@ -38512,7 +39143,7 @@
           <p:cNvPr id="7" name="Content Placeholder 2">
             <a:extLst>
               <a:ext uri="{FF2B5EF4-FFF2-40B4-BE49-F238E27FC236}">
-                <a16:creationId xmlns:a16="http://schemas.microsoft.com/office/drawing/2014/main" xmlns="" id="{A6A33159-D030-2F82-A142-F75940728319}"/>
+                <a16:creationId xmlns="" xmlns:a16="http://schemas.microsoft.com/office/drawing/2014/main" id="{A6A33159-D030-2F82-A142-F75940728319}"/>
               </a:ext>
             </a:extLst>
           </p:cNvPr>
@@ -38578,15 +39209,7 @@
                   <a:srgbClr val="0070C0"/>
                 </a:solidFill>
               </a:rPr>
-              <a:t>I </a:t>
-            </a:r>
-            <a:r>
-              <a:rPr lang="en-IN" sz="1700" b="1" dirty="0" smtClean="0">
-                <a:solidFill>
-                  <a:srgbClr val="0070C0"/>
-                </a:solidFill>
-              </a:rPr>
-              <a:t>love eating </a:t>
+              <a:t>I love eating </a:t>
             </a:r>
             <a:r>
               <a:rPr lang="en-IN" sz="1700" b="1" dirty="0" smtClean="0">
@@ -38655,15 +39278,7 @@
                   <a:srgbClr val="0070C0"/>
                 </a:solidFill>
               </a:rPr>
-              <a:t>I </a:t>
-            </a:r>
-            <a:r>
-              <a:rPr lang="en-IN" sz="1700" b="1" dirty="0" smtClean="0">
-                <a:solidFill>
-                  <a:srgbClr val="0070C0"/>
-                </a:solidFill>
-              </a:rPr>
-              <a:t>love eating ice cream </a:t>
+              <a:t>I love eating ice cream </a:t>
             </a:r>
             <a:r>
               <a:rPr lang="en-IN" sz="1700" b="1" dirty="0" smtClean="0">
@@ -38728,15 +39343,7 @@
                   <a:srgbClr val="0070C0"/>
                 </a:solidFill>
               </a:rPr>
-              <a:t>I </a:t>
-            </a:r>
-            <a:r>
-              <a:rPr lang="en-IN" sz="1700" b="1" dirty="0" smtClean="0">
-                <a:solidFill>
-                  <a:srgbClr val="0070C0"/>
-                </a:solidFill>
-              </a:rPr>
-              <a:t>love eating ice cream with my</a:t>
+              <a:t>I love eating ice cream with my</a:t>
             </a:r>
             <a:r>
               <a:rPr lang="en-IN" sz="1700" b="1" dirty="0" smtClean="0">
@@ -38744,15 +39351,7 @@
                   <a:srgbClr val="00B050"/>
                 </a:solidFill>
               </a:rPr>
-              <a:t> </a:t>
-            </a:r>
-            <a:r>
-              <a:rPr lang="en-IN" sz="1700" b="1" dirty="0" smtClean="0">
-                <a:solidFill>
-                  <a:srgbClr val="00B050"/>
-                </a:solidFill>
-              </a:rPr>
-              <a:t>friends</a:t>
+              <a:t> friends</a:t>
             </a:r>
           </a:p>
           <a:p>
@@ -38862,7 +39461,7 @@
     </p:spTree>
     <p:extLst>
       <p:ext uri="{BB962C8B-B14F-4D97-AF65-F5344CB8AC3E}">
-        <p14:creationId xmlns:p14="http://schemas.microsoft.com/office/powerpoint/2010/main" xmlns="" val="1127649784"/>
+        <p14:creationId xmlns="" xmlns:p14="http://schemas.microsoft.com/office/powerpoint/2010/main" val="1127649784"/>
       </p:ext>
     </p:extLst>
   </p:cSld>
@@ -38901,7 +39500,7 @@
           <p:cNvPr id="2" name="Title 1">
             <a:extLst>
               <a:ext uri="{FF2B5EF4-FFF2-40B4-BE49-F238E27FC236}">
-                <a16:creationId xmlns:a16="http://schemas.microsoft.com/office/drawing/2014/main" xmlns="" id="{47A9874B-BCA9-8420-1595-EDD1865A099A}"/>
+                <a16:creationId xmlns="" xmlns:a16="http://schemas.microsoft.com/office/drawing/2014/main" id="{47A9874B-BCA9-8420-1595-EDD1865A099A}"/>
               </a:ext>
             </a:extLst>
           </p:cNvPr>
@@ -38935,7 +39534,7 @@
           <p:cNvPr id="7" name="Content Placeholder 2">
             <a:extLst>
               <a:ext uri="{FF2B5EF4-FFF2-40B4-BE49-F238E27FC236}">
-                <a16:creationId xmlns:a16="http://schemas.microsoft.com/office/drawing/2014/main" xmlns="" id="{A6A33159-D030-2F82-A142-F75940728319}"/>
+                <a16:creationId xmlns="" xmlns:a16="http://schemas.microsoft.com/office/drawing/2014/main" id="{A6A33159-D030-2F82-A142-F75940728319}"/>
               </a:ext>
             </a:extLst>
           </p:cNvPr>
@@ -39092,7 +39691,7 @@
     </p:spTree>
     <p:extLst>
       <p:ext uri="{BB962C8B-B14F-4D97-AF65-F5344CB8AC3E}">
-        <p14:creationId xmlns:p14="http://schemas.microsoft.com/office/powerpoint/2010/main" xmlns="" val="1127649784"/>
+        <p14:creationId xmlns="" xmlns:p14="http://schemas.microsoft.com/office/powerpoint/2010/main" val="1127649784"/>
       </p:ext>
     </p:extLst>
   </p:cSld>
@@ -39131,7 +39730,7 @@
           <p:cNvPr id="2" name="Title 1">
             <a:extLst>
               <a:ext uri="{FF2B5EF4-FFF2-40B4-BE49-F238E27FC236}">
-                <a16:creationId xmlns:a16="http://schemas.microsoft.com/office/drawing/2014/main" xmlns="" id="{47A9874B-BCA9-8420-1595-EDD1865A099A}"/>
+                <a16:creationId xmlns="" xmlns:a16="http://schemas.microsoft.com/office/drawing/2014/main" id="{47A9874B-BCA9-8420-1595-EDD1865A099A}"/>
               </a:ext>
             </a:extLst>
           </p:cNvPr>
@@ -39165,7 +39764,7 @@
           <p:cNvPr id="7" name="Content Placeholder 2">
             <a:extLst>
               <a:ext uri="{FF2B5EF4-FFF2-40B4-BE49-F238E27FC236}">
-                <a16:creationId xmlns:a16="http://schemas.microsoft.com/office/drawing/2014/main" xmlns="" id="{A6A33159-D030-2F82-A142-F75940728319}"/>
+                <a16:creationId xmlns="" xmlns:a16="http://schemas.microsoft.com/office/drawing/2014/main" id="{A6A33159-D030-2F82-A142-F75940728319}"/>
               </a:ext>
             </a:extLst>
           </p:cNvPr>
@@ -39363,7 +39962,7 @@
     </p:spTree>
     <p:extLst>
       <p:ext uri="{BB962C8B-B14F-4D97-AF65-F5344CB8AC3E}">
-        <p14:creationId xmlns:p14="http://schemas.microsoft.com/office/powerpoint/2010/main" xmlns="" val="1127649784"/>
+        <p14:creationId xmlns="" xmlns:p14="http://schemas.microsoft.com/office/powerpoint/2010/main" val="1127649784"/>
       </p:ext>
     </p:extLst>
   </p:cSld>
@@ -39402,7 +40001,7 @@
           <p:cNvPr id="8" name="Title 1">
             <a:extLst>
               <a:ext uri="{FF2B5EF4-FFF2-40B4-BE49-F238E27FC236}">
-                <a16:creationId xmlns:a16="http://schemas.microsoft.com/office/drawing/2014/main" xmlns="" id="{47A9874B-BCA9-8420-1595-EDD1865A099A}"/>
+                <a16:creationId xmlns="" xmlns:a16="http://schemas.microsoft.com/office/drawing/2014/main" id="{47A9874B-BCA9-8420-1595-EDD1865A099A}"/>
               </a:ext>
             </a:extLst>
           </p:cNvPr>
@@ -39436,7 +40035,7 @@
           <p:cNvPr id="26" name="Content Placeholder 2">
             <a:extLst>
               <a:ext uri="{FF2B5EF4-FFF2-40B4-BE49-F238E27FC236}">
-                <a16:creationId xmlns:a16="http://schemas.microsoft.com/office/drawing/2014/main" xmlns="" id="{68A5FD2B-E3E5-1C2B-0151-21F216B14A33}"/>
+                <a16:creationId xmlns="" xmlns:a16="http://schemas.microsoft.com/office/drawing/2014/main" id="{68A5FD2B-E3E5-1C2B-0151-21F216B14A33}"/>
               </a:ext>
             </a:extLst>
           </p:cNvPr>
@@ -39508,7 +40107,7 @@
           <p:cNvPr id="7" name="Content Placeholder 2">
             <a:extLst>
               <a:ext uri="{FF2B5EF4-FFF2-40B4-BE49-F238E27FC236}">
-                <a16:creationId xmlns:a16="http://schemas.microsoft.com/office/drawing/2014/main" xmlns="" id="{68A5FD2B-E3E5-1C2B-0151-21F216B14A33}"/>
+                <a16:creationId xmlns="" xmlns:a16="http://schemas.microsoft.com/office/drawing/2014/main" id="{68A5FD2B-E3E5-1C2B-0151-21F216B14A33}"/>
               </a:ext>
             </a:extLst>
           </p:cNvPr>
@@ -39737,7 +40336,7 @@
     </p:spTree>
     <p:extLst>
       <p:ext uri="{BB962C8B-B14F-4D97-AF65-F5344CB8AC3E}">
-        <p14:creationId xmlns:p14="http://schemas.microsoft.com/office/powerpoint/2010/main" xmlns="" val="2737241225"/>
+        <p14:creationId xmlns="" xmlns:p14="http://schemas.microsoft.com/office/powerpoint/2010/main" val="2737241225"/>
       </p:ext>
     </p:extLst>
   </p:cSld>
@@ -39969,7 +40568,7 @@
   <a:extraClrSchemeLst/>
   <a:extLst>
     <a:ext uri="{05A4C25C-085E-4340-85A3-A5531E510DB2}">
-      <thm15:themeFamily xmlns:thm15="http://schemas.microsoft.com/office/thememl/2012/main" xmlns="" name="TM78504181_Win32_SL_V11" id="{D9600F65-346D-4C25-A611-673E5C44A142}" vid="{299F2556-E258-444F-A1E6-FA759CE22851}"/>
+      <thm15:themeFamily xmlns="" xmlns:thm15="http://schemas.microsoft.com/office/thememl/2012/main" name="TM78504181_Win32_SL_V11" id="{D9600F65-346D-4C25-A611-673E5C44A142}" vid="{299F2556-E258-444F-A1E6-FA759CE22851}"/>
     </a:ext>
   </a:extLst>
 </a:theme>
@@ -40264,7 +40863,7 @@
   <a:extraClrSchemeLst/>
   <a:extLst>
     <a:ext uri="{05A4C25C-085E-4340-85A3-A5531E510DB2}">
-      <thm15:themeFamily xmlns:thm15="http://schemas.microsoft.com/office/thememl/2012/main" xmlns="" name="Office Theme" id="{62F939B6-93AF-4DB8-9C6B-D6C7DFDC589F}" vid="{4A3C46E8-61CC-4603-A589-7422A47A8E4A}"/>
+      <thm15:themeFamily xmlns="" xmlns:thm15="http://schemas.microsoft.com/office/thememl/2012/main" name="Office Theme" id="{62F939B6-93AF-4DB8-9C6B-D6C7DFDC589F}" vid="{4A3C46E8-61CC-4603-A589-7422A47A8E4A}"/>
     </a:ext>
   </a:extLst>
 </a:theme>
@@ -40579,13 +41178,22 @@
   <a:extraClrSchemeLst/>
   <a:extLst>
     <a:ext uri="{05A4C25C-085E-4340-85A3-A5531E510DB2}">
-      <thm15:themeFamily xmlns:thm15="http://schemas.microsoft.com/office/thememl/2012/main" xmlns="" name="Office Theme" id="{2E142A2C-CD16-42D6-873A-C26D2A0506FA}" vid="{1BDDFF52-6CD6-40A5-AB3C-68EB2F1E4D0A}"/>
+      <thm15:themeFamily xmlns="" xmlns:thm15="http://schemas.microsoft.com/office/thememl/2012/main" name="Office Theme" id="{2E142A2C-CD16-42D6-873A-C26D2A0506FA}" vid="{1BDDFF52-6CD6-40A5-AB3C-68EB2F1E4D0A}"/>
     </a:ext>
   </a:extLst>
 </a:theme>
 </file>
 
 <file path=customXml/item1.xml><?xml version="1.0" encoding="utf-8"?>
+<?mso-contentType ?>
+<FormTemplates xmlns="http://schemas.microsoft.com/sharepoint/v3/contenttype/forms">
+  <Display>DocumentLibraryForm</Display>
+  <Edit>DocumentLibraryForm</Edit>
+  <New>DocumentLibraryForm</New>
+</FormTemplates>
+</file>
+
+<file path=customXml/item2.xml><?xml version="1.0" encoding="utf-8"?>
 <ct:contentTypeSchema xmlns:ct="http://schemas.microsoft.com/office/2006/metadata/contentType" xmlns:ma="http://schemas.microsoft.com/office/2006/metadata/properties/metaAttributes" ct:_="" ma:_="" ma:contentTypeName="Document" ma:contentTypeID="0x01010079F111ED35F8CC479449609E8A0923A6" ma:contentTypeVersion="28" ma:contentTypeDescription="Create a new document." ma:contentTypeScope="" ma:versionID="60f5a4f2d2b0abadcf532d48ebf9cb71">
   <xsd:schema xmlns:xsd="http://www.w3.org/2001/XMLSchema" xmlns:xs="http://www.w3.org/2001/XMLSchema" xmlns:p="http://schemas.microsoft.com/office/2006/metadata/properties" xmlns:ns1="http://schemas.microsoft.com/sharepoint/v3" xmlns:ns2="71af3243-3dd4-4a8d-8c0d-dd76da1f02a5" xmlns:ns3="16c05727-aa75-4e4a-9b5f-8a80a1165891" xmlns:ns4="230e9df3-be65-4c73-a93b-d1236ebd677e" targetNamespace="http://schemas.microsoft.com/office/2006/metadata/properties" ma:root="true" ma:fieldsID="7dd78129e6a1811f84807ad11c651531" ns1:_="" ns2:_="" ns3:_="" ns4:_="">
     <xsd:import namespace="http://schemas.microsoft.com/sharepoint/v3"/>
@@ -40897,15 +41505,6 @@
 </ct:contentTypeSchema>
 </file>
 
-<file path=customXml/item2.xml><?xml version="1.0" encoding="utf-8"?>
-<?mso-contentType ?>
-<FormTemplates xmlns="http://schemas.microsoft.com/sharepoint/v3/contenttype/forms">
-  <Display>DocumentLibraryForm</Display>
-  <Edit>DocumentLibraryForm</Edit>
-  <New>DocumentLibraryForm</New>
-</FormTemplates>
-</file>
-
 <file path=customXml/item3.xml><?xml version="1.0" encoding="utf-8"?>
 <p:properties xmlns:p="http://schemas.microsoft.com/office/2006/metadata/properties" xmlns:xsi="http://www.w3.org/2001/XMLSchema-instance" xmlns:pc="http://schemas.microsoft.com/office/infopath/2007/PartnerControls">
   <documentManagement>
@@ -40927,6 +41526,14 @@
 </file>
 
 <file path=customXml/itemProps1.xml><?xml version="1.0" encoding="utf-8"?>
+<ds:datastoreItem xmlns:ds="http://schemas.openxmlformats.org/officeDocument/2006/customXml" ds:itemID="{67FFD73E-D96B-4428-99CD-717A4897D3B4}">
+  <ds:schemaRefs>
+    <ds:schemaRef ds:uri="http://schemas.microsoft.com/sharepoint/v3/contenttype/forms"/>
+  </ds:schemaRefs>
+</ds:datastoreItem>
+</file>
+
+<file path=customXml/itemProps2.xml><?xml version="1.0" encoding="utf-8"?>
 <ds:datastoreItem xmlns:ds="http://schemas.openxmlformats.org/officeDocument/2006/customXml" ds:itemID="{1285E733-8340-4FDD-A6FC-B22F1B75E4E2}">
   <ds:schemaRefs>
     <ds:schemaRef ds:uri="http://schemas.microsoft.com/office/2006/metadata/contentType"/>
@@ -40947,14 +41554,6 @@
 </ds:datastoreItem>
 </file>
 
-<file path=customXml/itemProps2.xml><?xml version="1.0" encoding="utf-8"?>
-<ds:datastoreItem xmlns:ds="http://schemas.openxmlformats.org/officeDocument/2006/customXml" ds:itemID="{67FFD73E-D96B-4428-99CD-717A4897D3B4}">
-  <ds:schemaRefs>
-    <ds:schemaRef ds:uri="http://schemas.microsoft.com/sharepoint/v3/contenttype/forms"/>
-  </ds:schemaRefs>
-</ds:datastoreItem>
-</file>
-
 <file path=customXml/itemProps3.xml><?xml version="1.0" encoding="utf-8"?>
 <ds:datastoreItem xmlns:ds="http://schemas.openxmlformats.org/officeDocument/2006/customXml" ds:itemID="{A3165DE6-2DCE-44FC-94B7-A499559DBF88}">
   <ds:schemaRefs>

--- a/Presentations/IUAC-2024/Introduction_to_Large_Language_Models-From_Foundation_to_Real_World_Applications.pptx
+++ b/Presentations/IUAC-2024/Introduction_to_Large_Language_Models-From_Foundation_to_Real_World_Applications.pptx
@@ -166,7 +166,7 @@
   </p:defaultTextStyle>
   <p:extLst>
     <p:ext uri="{EFAFB233-063F-42B5-8137-9DF3F51BA10A}">
-      <p15:sldGuideLst xmlns="" xmlns:p15="http://schemas.microsoft.com/office/powerpoint/2012/main">
+      <p15:sldGuideLst xmlns:p15="http://schemas.microsoft.com/office/powerpoint/2012/main" xmlns="">
         <p15:guide id="1" orient="horz" pos="1620">
           <p15:clr>
             <a:srgbClr val="A4A3A4"/>
@@ -180,7 +180,7 @@
       </p15:sldGuideLst>
     </p:ext>
     <p:ext uri="{2D200454-40CA-4A62-9FC3-DE9A4176ACB9}">
-      <p15:notesGuideLst xmlns="" xmlns:p15="http://schemas.microsoft.com/office/powerpoint/2012/main"/>
+      <p15:notesGuideLst xmlns:p15="http://schemas.microsoft.com/office/powerpoint/2012/main" xmlns=""/>
     </p:ext>
   </p:extLst>
 </p:presentation>
@@ -219,7 +219,7 @@
           <p:cNvPr id="2" name="Header Placeholder 1">
             <a:extLst>
               <a:ext uri="{FF2B5EF4-FFF2-40B4-BE49-F238E27FC236}">
-                <a16:creationId xmlns="" xmlns:a16="http://schemas.microsoft.com/office/drawing/2014/main" id="{3976AB79-C677-3DB7-78CF-9305D5861483}"/>
+                <a16:creationId xmlns:a16="http://schemas.microsoft.com/office/drawing/2014/main" xmlns="" id="{3976AB79-C677-3DB7-78CF-9305D5861483}"/>
               </a:ext>
             </a:extLst>
           </p:cNvPr>
@@ -256,7 +256,7 @@
           <p:cNvPr id="3" name="Date Placeholder 2">
             <a:extLst>
               <a:ext uri="{FF2B5EF4-FFF2-40B4-BE49-F238E27FC236}">
-                <a16:creationId xmlns="" xmlns:a16="http://schemas.microsoft.com/office/drawing/2014/main" id="{113AB137-CEA6-0244-F12B-1ECC21172D00}"/>
+                <a16:creationId xmlns:a16="http://schemas.microsoft.com/office/drawing/2014/main" xmlns="" id="{113AB137-CEA6-0244-F12B-1ECC21172D00}"/>
               </a:ext>
             </a:extLst>
           </p:cNvPr>
@@ -287,7 +287,7 @@
             <a:fld id="{0DC994AA-C437-4EF4-8BEF-0B832D7FA420}" type="datetimeFigureOut">
               <a:rPr lang="en-US" smtClean="0"/>
               <a:pPr/>
-              <a:t>10/24/2024</a:t>
+              <a:t>10/25/2024</a:t>
             </a:fld>
             <a:endParaRPr lang="en-US" dirty="0"/>
           </a:p>
@@ -298,7 +298,7 @@
           <p:cNvPr id="4" name="Footer Placeholder 3">
             <a:extLst>
               <a:ext uri="{FF2B5EF4-FFF2-40B4-BE49-F238E27FC236}">
-                <a16:creationId xmlns="" xmlns:a16="http://schemas.microsoft.com/office/drawing/2014/main" id="{0868EC96-C6CC-F2AF-D90F-143F4D20A07A}"/>
+                <a16:creationId xmlns:a16="http://schemas.microsoft.com/office/drawing/2014/main" xmlns="" id="{0868EC96-C6CC-F2AF-D90F-143F4D20A07A}"/>
               </a:ext>
             </a:extLst>
           </p:cNvPr>
@@ -335,7 +335,7 @@
           <p:cNvPr id="5" name="Slide Number Placeholder 4">
             <a:extLst>
               <a:ext uri="{FF2B5EF4-FFF2-40B4-BE49-F238E27FC236}">
-                <a16:creationId xmlns="" xmlns:a16="http://schemas.microsoft.com/office/drawing/2014/main" id="{94F8EC8D-EF88-0275-F75C-A789924433BA}"/>
+                <a16:creationId xmlns:a16="http://schemas.microsoft.com/office/drawing/2014/main" xmlns="" id="{94F8EC8D-EF88-0275-F75C-A789924433BA}"/>
               </a:ext>
             </a:extLst>
           </p:cNvPr>
@@ -375,7 +375,7 @@
     </p:spTree>
     <p:extLst>
       <p:ext uri="{BB962C8B-B14F-4D97-AF65-F5344CB8AC3E}">
-        <p14:creationId xmlns="" xmlns:p14="http://schemas.microsoft.com/office/powerpoint/2010/main" val="3472027861"/>
+        <p14:creationId xmlns:p14="http://schemas.microsoft.com/office/powerpoint/2010/main" xmlns="" val="3472027861"/>
       </p:ext>
     </p:extLst>
   </p:cSld>
@@ -466,7 +466,7 @@
             <a:fld id="{FB20CE03-6C3A-EB4D-A9B1-7EFD38B58412}" type="datetimeFigureOut">
               <a:rPr lang="en-US" smtClean="0"/>
               <a:pPr/>
-              <a:t>10/24/2024</a:t>
+              <a:t>10/25/2024</a:t>
             </a:fld>
             <a:endParaRPr lang="en-US" dirty="0"/>
           </a:p>
@@ -634,7 +634,7 @@
     </p:spTree>
     <p:extLst>
       <p:ext uri="{BB962C8B-B14F-4D97-AF65-F5344CB8AC3E}">
-        <p14:creationId xmlns="" xmlns:p14="http://schemas.microsoft.com/office/powerpoint/2010/main" val="49092468"/>
+        <p14:creationId xmlns:p14="http://schemas.microsoft.com/office/powerpoint/2010/main" xmlns="" val="49092468"/>
       </p:ext>
     </p:extLst>
   </p:cSld>
@@ -809,7 +809,7 @@
     </p:spTree>
     <p:extLst>
       <p:ext uri="{BB962C8B-B14F-4D97-AF65-F5344CB8AC3E}">
-        <p14:creationId xmlns="" xmlns:p14="http://schemas.microsoft.com/office/powerpoint/2010/main" val="2388229781"/>
+        <p14:creationId xmlns:p14="http://schemas.microsoft.com/office/powerpoint/2010/main" xmlns="" val="2388229781"/>
       </p:ext>
     </p:extLst>
   </p:cSld>
@@ -894,7 +894,7 @@
     </p:spTree>
     <p:extLst>
       <p:ext uri="{BB962C8B-B14F-4D97-AF65-F5344CB8AC3E}">
-        <p14:creationId xmlns="" xmlns:p14="http://schemas.microsoft.com/office/powerpoint/2010/main" val="922949278"/>
+        <p14:creationId xmlns:p14="http://schemas.microsoft.com/office/powerpoint/2010/main" xmlns="" val="922949278"/>
       </p:ext>
     </p:extLst>
   </p:cSld>
@@ -979,7 +979,7 @@
     </p:spTree>
     <p:extLst>
       <p:ext uri="{BB962C8B-B14F-4D97-AF65-F5344CB8AC3E}">
-        <p14:creationId xmlns="" xmlns:p14="http://schemas.microsoft.com/office/powerpoint/2010/main" val="922949278"/>
+        <p14:creationId xmlns:p14="http://schemas.microsoft.com/office/powerpoint/2010/main" xmlns="" val="922949278"/>
       </p:ext>
     </p:extLst>
   </p:cSld>
@@ -1064,7 +1064,7 @@
     </p:spTree>
     <p:extLst>
       <p:ext uri="{BB962C8B-B14F-4D97-AF65-F5344CB8AC3E}">
-        <p14:creationId xmlns="" xmlns:p14="http://schemas.microsoft.com/office/powerpoint/2010/main" val="922949278"/>
+        <p14:creationId xmlns:p14="http://schemas.microsoft.com/office/powerpoint/2010/main" xmlns="" val="922949278"/>
       </p:ext>
     </p:extLst>
   </p:cSld>
@@ -1149,7 +1149,7 @@
     </p:spTree>
     <p:extLst>
       <p:ext uri="{BB962C8B-B14F-4D97-AF65-F5344CB8AC3E}">
-        <p14:creationId xmlns="" xmlns:p14="http://schemas.microsoft.com/office/powerpoint/2010/main" val="1721109855"/>
+        <p14:creationId xmlns:p14="http://schemas.microsoft.com/office/powerpoint/2010/main" xmlns="" val="1721109855"/>
       </p:ext>
     </p:extLst>
   </p:cSld>
@@ -1234,7 +1234,7 @@
     </p:spTree>
     <p:extLst>
       <p:ext uri="{BB962C8B-B14F-4D97-AF65-F5344CB8AC3E}">
-        <p14:creationId xmlns="" xmlns:p14="http://schemas.microsoft.com/office/powerpoint/2010/main" val="922949278"/>
+        <p14:creationId xmlns:p14="http://schemas.microsoft.com/office/powerpoint/2010/main" xmlns="" val="922949278"/>
       </p:ext>
     </p:extLst>
   </p:cSld>
@@ -1319,7 +1319,7 @@
     </p:spTree>
     <p:extLst>
       <p:ext uri="{BB962C8B-B14F-4D97-AF65-F5344CB8AC3E}">
-        <p14:creationId xmlns="" xmlns:p14="http://schemas.microsoft.com/office/powerpoint/2010/main" val="2540028172"/>
+        <p14:creationId xmlns:p14="http://schemas.microsoft.com/office/powerpoint/2010/main" xmlns="" val="2540028172"/>
       </p:ext>
     </p:extLst>
   </p:cSld>
@@ -1404,7 +1404,7 @@
     </p:spTree>
     <p:extLst>
       <p:ext uri="{BB962C8B-B14F-4D97-AF65-F5344CB8AC3E}">
-        <p14:creationId xmlns="" xmlns:p14="http://schemas.microsoft.com/office/powerpoint/2010/main" val="2316091678"/>
+        <p14:creationId xmlns:p14="http://schemas.microsoft.com/office/powerpoint/2010/main" xmlns="" val="2316091678"/>
       </p:ext>
     </p:extLst>
   </p:cSld>
@@ -1489,7 +1489,7 @@
     </p:spTree>
     <p:extLst>
       <p:ext uri="{BB962C8B-B14F-4D97-AF65-F5344CB8AC3E}">
-        <p14:creationId xmlns="" xmlns:p14="http://schemas.microsoft.com/office/powerpoint/2010/main" val="737681818"/>
+        <p14:creationId xmlns:p14="http://schemas.microsoft.com/office/powerpoint/2010/main" xmlns="" val="737681818"/>
       </p:ext>
     </p:extLst>
   </p:cSld>
@@ -1574,7 +1574,7 @@
     </p:spTree>
     <p:extLst>
       <p:ext uri="{BB962C8B-B14F-4D97-AF65-F5344CB8AC3E}">
-        <p14:creationId xmlns="" xmlns:p14="http://schemas.microsoft.com/office/powerpoint/2010/main" val="922949278"/>
+        <p14:creationId xmlns:p14="http://schemas.microsoft.com/office/powerpoint/2010/main" xmlns="" val="922949278"/>
       </p:ext>
     </p:extLst>
   </p:cSld>
@@ -1659,7 +1659,7 @@
     </p:spTree>
     <p:extLst>
       <p:ext uri="{BB962C8B-B14F-4D97-AF65-F5344CB8AC3E}">
-        <p14:creationId xmlns="" xmlns:p14="http://schemas.microsoft.com/office/powerpoint/2010/main" val="922949278"/>
+        <p14:creationId xmlns:p14="http://schemas.microsoft.com/office/powerpoint/2010/main" xmlns="" val="922949278"/>
       </p:ext>
     </p:extLst>
   </p:cSld>
@@ -1744,7 +1744,7 @@
     </p:spTree>
     <p:extLst>
       <p:ext uri="{BB962C8B-B14F-4D97-AF65-F5344CB8AC3E}">
-        <p14:creationId xmlns="" xmlns:p14="http://schemas.microsoft.com/office/powerpoint/2010/main" val="416703347"/>
+        <p14:creationId xmlns:p14="http://schemas.microsoft.com/office/powerpoint/2010/main" xmlns="" val="416703347"/>
       </p:ext>
     </p:extLst>
   </p:cSld>
@@ -1829,7 +1829,7 @@
     </p:spTree>
     <p:extLst>
       <p:ext uri="{BB962C8B-B14F-4D97-AF65-F5344CB8AC3E}">
-        <p14:creationId xmlns="" xmlns:p14="http://schemas.microsoft.com/office/powerpoint/2010/main" val="922949278"/>
+        <p14:creationId xmlns:p14="http://schemas.microsoft.com/office/powerpoint/2010/main" xmlns="" val="922949278"/>
       </p:ext>
     </p:extLst>
   </p:cSld>
@@ -1914,7 +1914,7 @@
     </p:spTree>
     <p:extLst>
       <p:ext uri="{BB962C8B-B14F-4D97-AF65-F5344CB8AC3E}">
-        <p14:creationId xmlns="" xmlns:p14="http://schemas.microsoft.com/office/powerpoint/2010/main" val="922949278"/>
+        <p14:creationId xmlns:p14="http://schemas.microsoft.com/office/powerpoint/2010/main" xmlns="" val="922949278"/>
       </p:ext>
     </p:extLst>
   </p:cSld>
@@ -1999,7 +1999,7 @@
     </p:spTree>
     <p:extLst>
       <p:ext uri="{BB962C8B-B14F-4D97-AF65-F5344CB8AC3E}">
-        <p14:creationId xmlns="" xmlns:p14="http://schemas.microsoft.com/office/powerpoint/2010/main" val="922949278"/>
+        <p14:creationId xmlns:p14="http://schemas.microsoft.com/office/powerpoint/2010/main" xmlns="" val="922949278"/>
       </p:ext>
     </p:extLst>
   </p:cSld>
@@ -2084,7 +2084,7 @@
     </p:spTree>
     <p:extLst>
       <p:ext uri="{BB962C8B-B14F-4D97-AF65-F5344CB8AC3E}">
-        <p14:creationId xmlns="" xmlns:p14="http://schemas.microsoft.com/office/powerpoint/2010/main" val="922949278"/>
+        <p14:creationId xmlns:p14="http://schemas.microsoft.com/office/powerpoint/2010/main" xmlns="" val="922949278"/>
       </p:ext>
     </p:extLst>
   </p:cSld>
@@ -2169,7 +2169,7 @@
     </p:spTree>
     <p:extLst>
       <p:ext uri="{BB962C8B-B14F-4D97-AF65-F5344CB8AC3E}">
-        <p14:creationId xmlns="" xmlns:p14="http://schemas.microsoft.com/office/powerpoint/2010/main" val="922949278"/>
+        <p14:creationId xmlns:p14="http://schemas.microsoft.com/office/powerpoint/2010/main" xmlns="" val="922949278"/>
       </p:ext>
     </p:extLst>
   </p:cSld>
@@ -2254,7 +2254,7 @@
     </p:spTree>
     <p:extLst>
       <p:ext uri="{BB962C8B-B14F-4D97-AF65-F5344CB8AC3E}">
-        <p14:creationId xmlns="" xmlns:p14="http://schemas.microsoft.com/office/powerpoint/2010/main" val="922949278"/>
+        <p14:creationId xmlns:p14="http://schemas.microsoft.com/office/powerpoint/2010/main" xmlns="" val="922949278"/>
       </p:ext>
     </p:extLst>
   </p:cSld>
@@ -2339,7 +2339,7 @@
     </p:spTree>
     <p:extLst>
       <p:ext uri="{BB962C8B-B14F-4D97-AF65-F5344CB8AC3E}">
-        <p14:creationId xmlns="" xmlns:p14="http://schemas.microsoft.com/office/powerpoint/2010/main" val="922949278"/>
+        <p14:creationId xmlns:p14="http://schemas.microsoft.com/office/powerpoint/2010/main" xmlns="" val="922949278"/>
       </p:ext>
     </p:extLst>
   </p:cSld>
@@ -2424,7 +2424,7 @@
     </p:spTree>
     <p:extLst>
       <p:ext uri="{BB962C8B-B14F-4D97-AF65-F5344CB8AC3E}">
-        <p14:creationId xmlns="" xmlns:p14="http://schemas.microsoft.com/office/powerpoint/2010/main" val="737681818"/>
+        <p14:creationId xmlns:p14="http://schemas.microsoft.com/office/powerpoint/2010/main" xmlns="" val="737681818"/>
       </p:ext>
     </p:extLst>
   </p:cSld>
@@ -2509,7 +2509,7 @@
     </p:spTree>
     <p:extLst>
       <p:ext uri="{BB962C8B-B14F-4D97-AF65-F5344CB8AC3E}">
-        <p14:creationId xmlns="" xmlns:p14="http://schemas.microsoft.com/office/powerpoint/2010/main" val="737681818"/>
+        <p14:creationId xmlns:p14="http://schemas.microsoft.com/office/powerpoint/2010/main" xmlns="" val="737681818"/>
       </p:ext>
     </p:extLst>
   </p:cSld>
@@ -2594,7 +2594,7 @@
     </p:spTree>
     <p:extLst>
       <p:ext uri="{BB962C8B-B14F-4D97-AF65-F5344CB8AC3E}">
-        <p14:creationId xmlns="" xmlns:p14="http://schemas.microsoft.com/office/powerpoint/2010/main" val="202840261"/>
+        <p14:creationId xmlns:p14="http://schemas.microsoft.com/office/powerpoint/2010/main" xmlns="" val="202840261"/>
       </p:ext>
     </p:extLst>
   </p:cSld>
@@ -2679,7 +2679,7 @@
     </p:spTree>
     <p:extLst>
       <p:ext uri="{BB962C8B-B14F-4D97-AF65-F5344CB8AC3E}">
-        <p14:creationId xmlns="" xmlns:p14="http://schemas.microsoft.com/office/powerpoint/2010/main" val="1951919781"/>
+        <p14:creationId xmlns:p14="http://schemas.microsoft.com/office/powerpoint/2010/main" xmlns="" val="1951919781"/>
       </p:ext>
     </p:extLst>
   </p:cSld>
@@ -2764,7 +2764,7 @@
     </p:spTree>
     <p:extLst>
       <p:ext uri="{BB962C8B-B14F-4D97-AF65-F5344CB8AC3E}">
-        <p14:creationId xmlns="" xmlns:p14="http://schemas.microsoft.com/office/powerpoint/2010/main" val="202840261"/>
+        <p14:creationId xmlns:p14="http://schemas.microsoft.com/office/powerpoint/2010/main" xmlns="" val="202840261"/>
       </p:ext>
     </p:extLst>
   </p:cSld>
@@ -2849,7 +2849,7 @@
     </p:spTree>
     <p:extLst>
       <p:ext uri="{BB962C8B-B14F-4D97-AF65-F5344CB8AC3E}">
-        <p14:creationId xmlns="" xmlns:p14="http://schemas.microsoft.com/office/powerpoint/2010/main" val="737681818"/>
+        <p14:creationId xmlns:p14="http://schemas.microsoft.com/office/powerpoint/2010/main" xmlns="" val="737681818"/>
       </p:ext>
     </p:extLst>
   </p:cSld>
@@ -2934,7 +2934,7 @@
     </p:spTree>
     <p:extLst>
       <p:ext uri="{BB962C8B-B14F-4D97-AF65-F5344CB8AC3E}">
-        <p14:creationId xmlns="" xmlns:p14="http://schemas.microsoft.com/office/powerpoint/2010/main" val="737681818"/>
+        <p14:creationId xmlns:p14="http://schemas.microsoft.com/office/powerpoint/2010/main" xmlns="" val="737681818"/>
       </p:ext>
     </p:extLst>
   </p:cSld>
@@ -3078,7 +3078,7 @@
     </p:spTree>
     <p:extLst>
       <p:ext uri="{BB962C8B-B14F-4D97-AF65-F5344CB8AC3E}">
-        <p14:creationId xmlns="" xmlns:p14="http://schemas.microsoft.com/office/powerpoint/2010/main" val="2837539342"/>
+        <p14:creationId xmlns:p14="http://schemas.microsoft.com/office/powerpoint/2010/main" xmlns="" val="2837539342"/>
       </p:ext>
     </p:extLst>
   </p:cSld>
@@ -3222,7 +3222,7 @@
     </p:spTree>
     <p:extLst>
       <p:ext uri="{BB962C8B-B14F-4D97-AF65-F5344CB8AC3E}">
-        <p14:creationId xmlns="" xmlns:p14="http://schemas.microsoft.com/office/powerpoint/2010/main" val="1759300059"/>
+        <p14:creationId xmlns:p14="http://schemas.microsoft.com/office/powerpoint/2010/main" xmlns="" val="1759300059"/>
       </p:ext>
     </p:extLst>
   </p:cSld>
@@ -3366,7 +3366,7 @@
     </p:spTree>
     <p:extLst>
       <p:ext uri="{BB962C8B-B14F-4D97-AF65-F5344CB8AC3E}">
-        <p14:creationId xmlns="" xmlns:p14="http://schemas.microsoft.com/office/powerpoint/2010/main" val="1230804189"/>
+        <p14:creationId xmlns:p14="http://schemas.microsoft.com/office/powerpoint/2010/main" xmlns="" val="1230804189"/>
       </p:ext>
     </p:extLst>
   </p:cSld>
@@ -3451,7 +3451,7 @@
     </p:spTree>
     <p:extLst>
       <p:ext uri="{BB962C8B-B14F-4D97-AF65-F5344CB8AC3E}">
-        <p14:creationId xmlns="" xmlns:p14="http://schemas.microsoft.com/office/powerpoint/2010/main" val="1979117214"/>
+        <p14:creationId xmlns:p14="http://schemas.microsoft.com/office/powerpoint/2010/main" xmlns="" val="1979117214"/>
       </p:ext>
     </p:extLst>
   </p:cSld>
@@ -3536,7 +3536,7 @@
     </p:spTree>
     <p:extLst>
       <p:ext uri="{BB962C8B-B14F-4D97-AF65-F5344CB8AC3E}">
-        <p14:creationId xmlns="" xmlns:p14="http://schemas.microsoft.com/office/powerpoint/2010/main" val="916039736"/>
+        <p14:creationId xmlns:p14="http://schemas.microsoft.com/office/powerpoint/2010/main" xmlns="" val="916039736"/>
       </p:ext>
     </p:extLst>
   </p:cSld>
@@ -3621,7 +3621,7 @@
     </p:spTree>
     <p:extLst>
       <p:ext uri="{BB962C8B-B14F-4D97-AF65-F5344CB8AC3E}">
-        <p14:creationId xmlns="" xmlns:p14="http://schemas.microsoft.com/office/powerpoint/2010/main" val="2058409110"/>
+        <p14:creationId xmlns:p14="http://schemas.microsoft.com/office/powerpoint/2010/main" xmlns="" val="2058409110"/>
       </p:ext>
     </p:extLst>
   </p:cSld>
@@ -3706,7 +3706,7 @@
     </p:spTree>
     <p:extLst>
       <p:ext uri="{BB962C8B-B14F-4D97-AF65-F5344CB8AC3E}">
-        <p14:creationId xmlns="" xmlns:p14="http://schemas.microsoft.com/office/powerpoint/2010/main" val="4275274872"/>
+        <p14:creationId xmlns:p14="http://schemas.microsoft.com/office/powerpoint/2010/main" xmlns="" val="4275274872"/>
       </p:ext>
     </p:extLst>
   </p:cSld>
@@ -3791,7 +3791,7 @@
     </p:spTree>
     <p:extLst>
       <p:ext uri="{BB962C8B-B14F-4D97-AF65-F5344CB8AC3E}">
-        <p14:creationId xmlns="" xmlns:p14="http://schemas.microsoft.com/office/powerpoint/2010/main" val="2540028172"/>
+        <p14:creationId xmlns:p14="http://schemas.microsoft.com/office/powerpoint/2010/main" xmlns="" val="2540028172"/>
       </p:ext>
     </p:extLst>
   </p:cSld>
@@ -3876,7 +3876,7 @@
     </p:spTree>
     <p:extLst>
       <p:ext uri="{BB962C8B-B14F-4D97-AF65-F5344CB8AC3E}">
-        <p14:creationId xmlns="" xmlns:p14="http://schemas.microsoft.com/office/powerpoint/2010/main" val="2863594969"/>
+        <p14:creationId xmlns:p14="http://schemas.microsoft.com/office/powerpoint/2010/main" xmlns="" val="2863594969"/>
       </p:ext>
     </p:extLst>
   </p:cSld>
@@ -3961,7 +3961,7 @@
     </p:spTree>
     <p:extLst>
       <p:ext uri="{BB962C8B-B14F-4D97-AF65-F5344CB8AC3E}">
-        <p14:creationId xmlns="" xmlns:p14="http://schemas.microsoft.com/office/powerpoint/2010/main" val="2173114525"/>
+        <p14:creationId xmlns:p14="http://schemas.microsoft.com/office/powerpoint/2010/main" xmlns="" val="2173114525"/>
       </p:ext>
     </p:extLst>
   </p:cSld>
@@ -4046,7 +4046,7 @@
     </p:spTree>
     <p:extLst>
       <p:ext uri="{BB962C8B-B14F-4D97-AF65-F5344CB8AC3E}">
-        <p14:creationId xmlns="" xmlns:p14="http://schemas.microsoft.com/office/powerpoint/2010/main" val="2535942635"/>
+        <p14:creationId xmlns:p14="http://schemas.microsoft.com/office/powerpoint/2010/main" xmlns="" val="2535942635"/>
       </p:ext>
     </p:extLst>
   </p:cSld>
@@ -4131,7 +4131,7 @@
     </p:spTree>
     <p:extLst>
       <p:ext uri="{BB962C8B-B14F-4D97-AF65-F5344CB8AC3E}">
-        <p14:creationId xmlns="" xmlns:p14="http://schemas.microsoft.com/office/powerpoint/2010/main" val="737681818"/>
+        <p14:creationId xmlns:p14="http://schemas.microsoft.com/office/powerpoint/2010/main" xmlns="" val="737681818"/>
       </p:ext>
     </p:extLst>
   </p:cSld>
@@ -4216,7 +4216,7 @@
     </p:spTree>
     <p:extLst>
       <p:ext uri="{BB962C8B-B14F-4D97-AF65-F5344CB8AC3E}">
-        <p14:creationId xmlns="" xmlns:p14="http://schemas.microsoft.com/office/powerpoint/2010/main" val="737681818"/>
+        <p14:creationId xmlns:p14="http://schemas.microsoft.com/office/powerpoint/2010/main" xmlns="" val="737681818"/>
       </p:ext>
     </p:extLst>
   </p:cSld>
@@ -4301,7 +4301,7 @@
     </p:spTree>
     <p:extLst>
       <p:ext uri="{BB962C8B-B14F-4D97-AF65-F5344CB8AC3E}">
-        <p14:creationId xmlns="" xmlns:p14="http://schemas.microsoft.com/office/powerpoint/2010/main" val="737681818"/>
+        <p14:creationId xmlns:p14="http://schemas.microsoft.com/office/powerpoint/2010/main" xmlns="" val="737681818"/>
       </p:ext>
     </p:extLst>
   </p:cSld>
@@ -4386,7 +4386,7 @@
     </p:spTree>
     <p:extLst>
       <p:ext uri="{BB962C8B-B14F-4D97-AF65-F5344CB8AC3E}">
-        <p14:creationId xmlns="" xmlns:p14="http://schemas.microsoft.com/office/powerpoint/2010/main" val="922949278"/>
+        <p14:creationId xmlns:p14="http://schemas.microsoft.com/office/powerpoint/2010/main" xmlns="" val="922949278"/>
       </p:ext>
     </p:extLst>
   </p:cSld>
@@ -4471,7 +4471,7 @@
     </p:spTree>
     <p:extLst>
       <p:ext uri="{BB962C8B-B14F-4D97-AF65-F5344CB8AC3E}">
-        <p14:creationId xmlns="" xmlns:p14="http://schemas.microsoft.com/office/powerpoint/2010/main" val="922949278"/>
+        <p14:creationId xmlns:p14="http://schemas.microsoft.com/office/powerpoint/2010/main" xmlns="" val="922949278"/>
       </p:ext>
     </p:extLst>
   </p:cSld>
@@ -4556,7 +4556,7 @@
     </p:spTree>
     <p:extLst>
       <p:ext uri="{BB962C8B-B14F-4D97-AF65-F5344CB8AC3E}">
-        <p14:creationId xmlns="" xmlns:p14="http://schemas.microsoft.com/office/powerpoint/2010/main" val="922949278"/>
+        <p14:creationId xmlns:p14="http://schemas.microsoft.com/office/powerpoint/2010/main" xmlns="" val="922949278"/>
       </p:ext>
     </p:extLst>
   </p:cSld>
@@ -4641,7 +4641,7 @@
     </p:spTree>
     <p:extLst>
       <p:ext uri="{BB962C8B-B14F-4D97-AF65-F5344CB8AC3E}">
-        <p14:creationId xmlns="" xmlns:p14="http://schemas.microsoft.com/office/powerpoint/2010/main" val="922949278"/>
+        <p14:creationId xmlns:p14="http://schemas.microsoft.com/office/powerpoint/2010/main" xmlns="" val="922949278"/>
       </p:ext>
     </p:extLst>
   </p:cSld>
@@ -4726,7 +4726,7 @@
     </p:spTree>
     <p:extLst>
       <p:ext uri="{BB962C8B-B14F-4D97-AF65-F5344CB8AC3E}">
-        <p14:creationId xmlns="" xmlns:p14="http://schemas.microsoft.com/office/powerpoint/2010/main" val="2540028172"/>
+        <p14:creationId xmlns:p14="http://schemas.microsoft.com/office/powerpoint/2010/main" xmlns="" val="2540028172"/>
       </p:ext>
     </p:extLst>
   </p:cSld>
@@ -4811,7 +4811,7 @@
     </p:spTree>
     <p:extLst>
       <p:ext uri="{BB962C8B-B14F-4D97-AF65-F5344CB8AC3E}">
-        <p14:creationId xmlns="" xmlns:p14="http://schemas.microsoft.com/office/powerpoint/2010/main" val="2840793627"/>
+        <p14:creationId xmlns:p14="http://schemas.microsoft.com/office/powerpoint/2010/main" xmlns="" val="2840793627"/>
       </p:ext>
     </p:extLst>
   </p:cSld>
@@ -4896,7 +4896,7 @@
     </p:spTree>
     <p:extLst>
       <p:ext uri="{BB962C8B-B14F-4D97-AF65-F5344CB8AC3E}">
-        <p14:creationId xmlns="" xmlns:p14="http://schemas.microsoft.com/office/powerpoint/2010/main" val="737681818"/>
+        <p14:creationId xmlns:p14="http://schemas.microsoft.com/office/powerpoint/2010/main" xmlns="" val="737681818"/>
       </p:ext>
     </p:extLst>
   </p:cSld>
@@ -4981,7 +4981,7 @@
     </p:spTree>
     <p:extLst>
       <p:ext uri="{BB962C8B-B14F-4D97-AF65-F5344CB8AC3E}">
-        <p14:creationId xmlns="" xmlns:p14="http://schemas.microsoft.com/office/powerpoint/2010/main" val="4151229091"/>
+        <p14:creationId xmlns:p14="http://schemas.microsoft.com/office/powerpoint/2010/main" xmlns="" val="4151229091"/>
       </p:ext>
     </p:extLst>
   </p:cSld>
@@ -5066,7 +5066,7 @@
     </p:spTree>
     <p:extLst>
       <p:ext uri="{BB962C8B-B14F-4D97-AF65-F5344CB8AC3E}">
-        <p14:creationId xmlns="" xmlns:p14="http://schemas.microsoft.com/office/powerpoint/2010/main" val="737681818"/>
+        <p14:creationId xmlns:p14="http://schemas.microsoft.com/office/powerpoint/2010/main" xmlns="" val="737681818"/>
       </p:ext>
     </p:extLst>
   </p:cSld>
@@ -5151,7 +5151,7 @@
     </p:spTree>
     <p:extLst>
       <p:ext uri="{BB962C8B-B14F-4D97-AF65-F5344CB8AC3E}">
-        <p14:creationId xmlns="" xmlns:p14="http://schemas.microsoft.com/office/powerpoint/2010/main" val="3522538323"/>
+        <p14:creationId xmlns:p14="http://schemas.microsoft.com/office/powerpoint/2010/main" xmlns="" val="3522538323"/>
       </p:ext>
     </p:extLst>
   </p:cSld>
@@ -5236,7 +5236,7 @@
     </p:spTree>
     <p:extLst>
       <p:ext uri="{BB962C8B-B14F-4D97-AF65-F5344CB8AC3E}">
-        <p14:creationId xmlns="" xmlns:p14="http://schemas.microsoft.com/office/powerpoint/2010/main" val="1721109855"/>
+        <p14:creationId xmlns:p14="http://schemas.microsoft.com/office/powerpoint/2010/main" xmlns="" val="1721109855"/>
       </p:ext>
     </p:extLst>
   </p:cSld>
@@ -5321,7 +5321,7 @@
     </p:spTree>
     <p:extLst>
       <p:ext uri="{BB962C8B-B14F-4D97-AF65-F5344CB8AC3E}">
-        <p14:creationId xmlns="" xmlns:p14="http://schemas.microsoft.com/office/powerpoint/2010/main" val="922949278"/>
+        <p14:creationId xmlns:p14="http://schemas.microsoft.com/office/powerpoint/2010/main" xmlns="" val="922949278"/>
       </p:ext>
     </p:extLst>
   </p:cSld>
@@ -5406,7 +5406,7 @@
     </p:spTree>
     <p:extLst>
       <p:ext uri="{BB962C8B-B14F-4D97-AF65-F5344CB8AC3E}">
-        <p14:creationId xmlns="" xmlns:p14="http://schemas.microsoft.com/office/powerpoint/2010/main" val="922949278"/>
+        <p14:creationId xmlns:p14="http://schemas.microsoft.com/office/powerpoint/2010/main" xmlns="" val="922949278"/>
       </p:ext>
     </p:extLst>
   </p:cSld>
@@ -5491,7 +5491,7 @@
     </p:spTree>
     <p:extLst>
       <p:ext uri="{BB962C8B-B14F-4D97-AF65-F5344CB8AC3E}">
-        <p14:creationId xmlns="" xmlns:p14="http://schemas.microsoft.com/office/powerpoint/2010/main" val="922949278"/>
+        <p14:creationId xmlns:p14="http://schemas.microsoft.com/office/powerpoint/2010/main" xmlns="" val="922949278"/>
       </p:ext>
     </p:extLst>
   </p:cSld>
@@ -5576,7 +5576,7 @@
     </p:spTree>
     <p:extLst>
       <p:ext uri="{BB962C8B-B14F-4D97-AF65-F5344CB8AC3E}">
-        <p14:creationId xmlns="" xmlns:p14="http://schemas.microsoft.com/office/powerpoint/2010/main" val="2540028172"/>
+        <p14:creationId xmlns:p14="http://schemas.microsoft.com/office/powerpoint/2010/main" xmlns="" val="2540028172"/>
       </p:ext>
     </p:extLst>
   </p:cSld>
@@ -5608,10 +5608,10 @@
           <p:cNvPr id="2" name="Group 1">
             <a:extLst>
               <a:ext uri="{FF2B5EF4-FFF2-40B4-BE49-F238E27FC236}">
-                <a16:creationId xmlns="" xmlns:a16="http://schemas.microsoft.com/office/drawing/2014/main" id="{19429764-E305-A48D-5244-9BCD20902244}"/>
+                <a16:creationId xmlns:a16="http://schemas.microsoft.com/office/drawing/2014/main" xmlns="" id="{19429764-E305-A48D-5244-9BCD20902244}"/>
               </a:ext>
               <a:ext uri="{C183D7F6-B498-43B3-948B-1728B52AA6E4}">
-                <adec:decorative xmlns="" xmlns:adec="http://schemas.microsoft.com/office/drawing/2017/decorative" val="1"/>
+                <adec:decorative xmlns:adec="http://schemas.microsoft.com/office/drawing/2017/decorative" xmlns="" val="1"/>
               </a:ext>
             </a:extLst>
           </p:cNvPr>
@@ -5631,7 +5631,7 @@
             <p:cNvPr id="7" name="Freeform 13">
               <a:extLst>
                 <a:ext uri="{FF2B5EF4-FFF2-40B4-BE49-F238E27FC236}">
-                  <a16:creationId xmlns="" xmlns:a16="http://schemas.microsoft.com/office/drawing/2014/main" id="{45F65CE3-2411-E8E5-B72E-F5CBEC4DDC55}"/>
+                  <a16:creationId xmlns:a16="http://schemas.microsoft.com/office/drawing/2014/main" xmlns="" id="{45F65CE3-2411-E8E5-B72E-F5CBEC4DDC55}"/>
                 </a:ext>
               </a:extLst>
             </p:cNvPr>
@@ -5795,7 +5795,7 @@
             <p:cNvPr id="8" name="Straight Connector 7">
               <a:extLst>
                 <a:ext uri="{FF2B5EF4-FFF2-40B4-BE49-F238E27FC236}">
-                  <a16:creationId xmlns="" xmlns:a16="http://schemas.microsoft.com/office/drawing/2014/main" id="{3B6B51B3-AA6C-9C5E-7032-5AEA05D45908}"/>
+                  <a16:creationId xmlns:a16="http://schemas.microsoft.com/office/drawing/2014/main" xmlns="" id="{3B6B51B3-AA6C-9C5E-7032-5AEA05D45908}"/>
                 </a:ext>
               </a:extLst>
             </p:cNvPr>
@@ -5839,7 +5839,7 @@
             <p:cNvPr id="9" name="Freeform: Shape 13">
               <a:extLst>
                 <a:ext uri="{FF2B5EF4-FFF2-40B4-BE49-F238E27FC236}">
-                  <a16:creationId xmlns="" xmlns:a16="http://schemas.microsoft.com/office/drawing/2014/main" id="{4F28561D-5B3C-F08A-F7B5-48E6B74EAEBD}"/>
+                  <a16:creationId xmlns:a16="http://schemas.microsoft.com/office/drawing/2014/main" xmlns="" id="{4F28561D-5B3C-F08A-F7B5-48E6B74EAEBD}"/>
                 </a:ext>
               </a:extLst>
             </p:cNvPr>
@@ -5985,7 +5985,7 @@
             <p:cNvPr id="10" name="Freeform: Shape 15">
               <a:extLst>
                 <a:ext uri="{FF2B5EF4-FFF2-40B4-BE49-F238E27FC236}">
-                  <a16:creationId xmlns="" xmlns:a16="http://schemas.microsoft.com/office/drawing/2014/main" id="{7BD7FF70-44B7-E753-26CD-E228B56C2517}"/>
+                  <a16:creationId xmlns:a16="http://schemas.microsoft.com/office/drawing/2014/main" xmlns="" id="{7BD7FF70-44B7-E753-26CD-E228B56C2517}"/>
                 </a:ext>
               </a:extLst>
             </p:cNvPr>
@@ -6123,7 +6123,7 @@
             <p:cNvPr id="11" name="Oval 10">
               <a:extLst>
                 <a:ext uri="{FF2B5EF4-FFF2-40B4-BE49-F238E27FC236}">
-                  <a16:creationId xmlns="" xmlns:a16="http://schemas.microsoft.com/office/drawing/2014/main" id="{DF9EE857-93B9-ACF6-2AB4-2A29C4B94776}"/>
+                  <a16:creationId xmlns:a16="http://schemas.microsoft.com/office/drawing/2014/main" xmlns="" id="{DF9EE857-93B9-ACF6-2AB4-2A29C4B94776}"/>
                 </a:ext>
               </a:extLst>
             </p:cNvPr>
@@ -6204,7 +6204,7 @@
             <p:cNvPr id="12" name="Freeform: Shape 19">
               <a:extLst>
                 <a:ext uri="{FF2B5EF4-FFF2-40B4-BE49-F238E27FC236}">
-                  <a16:creationId xmlns="" xmlns:a16="http://schemas.microsoft.com/office/drawing/2014/main" id="{75030D84-5EEB-A095-3D43-0ED22BDB8406}"/>
+                  <a16:creationId xmlns:a16="http://schemas.microsoft.com/office/drawing/2014/main" xmlns="" id="{75030D84-5EEB-A095-3D43-0ED22BDB8406}"/>
                 </a:ext>
               </a:extLst>
             </p:cNvPr>
@@ -6374,7 +6374,7 @@
             <p:cNvPr id="13" name="Arc 12">
               <a:extLst>
                 <a:ext uri="{FF2B5EF4-FFF2-40B4-BE49-F238E27FC236}">
-                  <a16:creationId xmlns="" xmlns:a16="http://schemas.microsoft.com/office/drawing/2014/main" id="{26E6DE3E-6851-19AD-2E60-22F006238173}"/>
+                  <a16:creationId xmlns:a16="http://schemas.microsoft.com/office/drawing/2014/main" xmlns="" id="{26E6DE3E-6851-19AD-2E60-22F006238173}"/>
                 </a:ext>
               </a:extLst>
             </p:cNvPr>
@@ -6454,7 +6454,7 @@
           <p:cNvPr id="6" name="Title 1">
             <a:extLst>
               <a:ext uri="{FF2B5EF4-FFF2-40B4-BE49-F238E27FC236}">
-                <a16:creationId xmlns="" xmlns:a16="http://schemas.microsoft.com/office/drawing/2014/main" id="{2E8C189B-2E00-67DA-E342-3440F5EBB4CE}"/>
+                <a16:creationId xmlns:a16="http://schemas.microsoft.com/office/drawing/2014/main" xmlns="" id="{2E8C189B-2E00-67DA-E342-3440F5EBB4CE}"/>
               </a:ext>
             </a:extLst>
           </p:cNvPr>
@@ -6495,7 +6495,7 @@
     </p:spTree>
     <p:extLst>
       <p:ext uri="{BB962C8B-B14F-4D97-AF65-F5344CB8AC3E}">
-        <p14:creationId xmlns="" xmlns:p14="http://schemas.microsoft.com/office/powerpoint/2010/main" val="3424675042"/>
+        <p14:creationId xmlns:p14="http://schemas.microsoft.com/office/powerpoint/2010/main" xmlns="" val="3424675042"/>
       </p:ext>
     </p:extLst>
   </p:cSld>
@@ -6527,10 +6527,10 @@
           <p:cNvPr id="11" name="Rectangle 10">
             <a:extLst>
               <a:ext uri="{FF2B5EF4-FFF2-40B4-BE49-F238E27FC236}">
-                <a16:creationId xmlns="" xmlns:a16="http://schemas.microsoft.com/office/drawing/2014/main" id="{D9FE4C84-13A1-72EA-6541-7C8FDDEA71C0}"/>
+                <a16:creationId xmlns:a16="http://schemas.microsoft.com/office/drawing/2014/main" xmlns="" id="{D9FE4C84-13A1-72EA-6541-7C8FDDEA71C0}"/>
               </a:ext>
               <a:ext uri="{C183D7F6-B498-43B3-948B-1728B52AA6E4}">
-                <adec:decorative xmlns="" xmlns:adec="http://schemas.microsoft.com/office/drawing/2017/decorative" val="1"/>
+                <adec:decorative xmlns:adec="http://schemas.microsoft.com/office/drawing/2017/decorative" xmlns="" val="1"/>
               </a:ext>
             </a:extLst>
           </p:cNvPr>
@@ -6612,10 +6612,10 @@
           <p:cNvPr id="12" name="Arc 11">
             <a:extLst>
               <a:ext uri="{FF2B5EF4-FFF2-40B4-BE49-F238E27FC236}">
-                <a16:creationId xmlns="" xmlns:a16="http://schemas.microsoft.com/office/drawing/2014/main" id="{30468883-4E51-D3BD-E1C6-601ED9B6EF0E}"/>
+                <a16:creationId xmlns:a16="http://schemas.microsoft.com/office/drawing/2014/main" xmlns="" id="{30468883-4E51-D3BD-E1C6-601ED9B6EF0E}"/>
               </a:ext>
               <a:ext uri="{C183D7F6-B498-43B3-948B-1728B52AA6E4}">
-                <adec:decorative xmlns="" xmlns:adec="http://schemas.microsoft.com/office/drawing/2017/decorative" val="1"/>
+                <adec:decorative xmlns:adec="http://schemas.microsoft.com/office/drawing/2017/decorative" xmlns="" val="1"/>
               </a:ext>
             </a:extLst>
           </p:cNvPr>
@@ -6697,10 +6697,10 @@
           <p:cNvPr id="13" name="Freeform 9">
             <a:extLst>
               <a:ext uri="{FF2B5EF4-FFF2-40B4-BE49-F238E27FC236}">
-                <a16:creationId xmlns="" xmlns:a16="http://schemas.microsoft.com/office/drawing/2014/main" id="{111AEF3F-9A86-45CE-4817-E3E6863DC09A}"/>
+                <a16:creationId xmlns:a16="http://schemas.microsoft.com/office/drawing/2014/main" xmlns="" id="{111AEF3F-9A86-45CE-4817-E3E6863DC09A}"/>
               </a:ext>
               <a:ext uri="{C183D7F6-B498-43B3-948B-1728B52AA6E4}">
-                <adec:decorative xmlns="" xmlns:adec="http://schemas.microsoft.com/office/drawing/2017/decorative" val="1"/>
+                <adec:decorative xmlns:adec="http://schemas.microsoft.com/office/drawing/2017/decorative" xmlns="" val="1"/>
               </a:ext>
             </a:extLst>
           </p:cNvPr>
@@ -6817,7 +6817,7 @@
           <p:cNvPr id="2" name="Title 1">
             <a:extLst>
               <a:ext uri="{FF2B5EF4-FFF2-40B4-BE49-F238E27FC236}">
-                <a16:creationId xmlns="" xmlns:a16="http://schemas.microsoft.com/office/drawing/2014/main" id="{0C40C44A-93E6-6C58-5E88-AFDC594EC27A}"/>
+                <a16:creationId xmlns:a16="http://schemas.microsoft.com/office/drawing/2014/main" xmlns="" id="{0C40C44A-93E6-6C58-5E88-AFDC594EC27A}"/>
               </a:ext>
             </a:extLst>
           </p:cNvPr>
@@ -6851,7 +6851,7 @@
           <p:cNvPr id="9" name="Content Placeholder 2">
             <a:extLst>
               <a:ext uri="{FF2B5EF4-FFF2-40B4-BE49-F238E27FC236}">
-                <a16:creationId xmlns="" xmlns:a16="http://schemas.microsoft.com/office/drawing/2014/main" id="{F5A792C8-BB21-CDAF-668C-C1EFF45540C6}"/>
+                <a16:creationId xmlns:a16="http://schemas.microsoft.com/office/drawing/2014/main" xmlns="" id="{F5A792C8-BB21-CDAF-668C-C1EFF45540C6}"/>
               </a:ext>
             </a:extLst>
           </p:cNvPr>
@@ -6969,7 +6969,7 @@
           <p:cNvPr id="4" name="Content Placeholder 3">
             <a:extLst>
               <a:ext uri="{FF2B5EF4-FFF2-40B4-BE49-F238E27FC236}">
-                <a16:creationId xmlns="" xmlns:a16="http://schemas.microsoft.com/office/drawing/2014/main" id="{72DFB03A-367B-9ADA-8071-E22871EC115F}"/>
+                <a16:creationId xmlns:a16="http://schemas.microsoft.com/office/drawing/2014/main" xmlns="" id="{72DFB03A-367B-9ADA-8071-E22871EC115F}"/>
               </a:ext>
             </a:extLst>
           </p:cNvPr>
@@ -7100,7 +7100,7 @@
           <p:cNvPr id="5" name="Date Placeholder 4">
             <a:extLst>
               <a:ext uri="{FF2B5EF4-FFF2-40B4-BE49-F238E27FC236}">
-                <a16:creationId xmlns="" xmlns:a16="http://schemas.microsoft.com/office/drawing/2014/main" id="{C6CFCEB5-4092-FD13-478E-51CD74FDB82E}"/>
+                <a16:creationId xmlns:a16="http://schemas.microsoft.com/office/drawing/2014/main" xmlns="" id="{C6CFCEB5-4092-FD13-478E-51CD74FDB82E}"/>
               </a:ext>
             </a:extLst>
           </p:cNvPr>
@@ -7119,7 +7119,7 @@
             <a:fld id="{D6D8061D-18C3-4F4F-85EF-561633F58754}" type="datetimeFigureOut">
               <a:rPr lang="en-US" smtClean="0"/>
               <a:pPr/>
-              <a:t>10/24/2024</a:t>
+              <a:t>10/25/2024</a:t>
             </a:fld>
             <a:endParaRPr lang="en-US" dirty="0"/>
           </a:p>
@@ -7130,7 +7130,7 @@
           <p:cNvPr id="6" name="Footer Placeholder 5">
             <a:extLst>
               <a:ext uri="{FF2B5EF4-FFF2-40B4-BE49-F238E27FC236}">
-                <a16:creationId xmlns="" xmlns:a16="http://schemas.microsoft.com/office/drawing/2014/main" id="{5D077A4D-E7C0-912D-293F-D93F0CB5CA49}"/>
+                <a16:creationId xmlns:a16="http://schemas.microsoft.com/office/drawing/2014/main" xmlns="" id="{5D077A4D-E7C0-912D-293F-D93F0CB5CA49}"/>
               </a:ext>
             </a:extLst>
           </p:cNvPr>
@@ -7155,7 +7155,7 @@
           <p:cNvPr id="7" name="Slide Number Placeholder 6">
             <a:extLst>
               <a:ext uri="{FF2B5EF4-FFF2-40B4-BE49-F238E27FC236}">
-                <a16:creationId xmlns="" xmlns:a16="http://schemas.microsoft.com/office/drawing/2014/main" id="{CA6AA9E1-334B-5F8F-8A92-67DD095F7838}"/>
+                <a16:creationId xmlns:a16="http://schemas.microsoft.com/office/drawing/2014/main" xmlns="" id="{CA6AA9E1-334B-5F8F-8A92-67DD095F7838}"/>
               </a:ext>
             </a:extLst>
           </p:cNvPr>
@@ -7183,7 +7183,7 @@
     </p:spTree>
     <p:extLst>
       <p:ext uri="{BB962C8B-B14F-4D97-AF65-F5344CB8AC3E}">
-        <p14:creationId xmlns="" xmlns:p14="http://schemas.microsoft.com/office/powerpoint/2010/main" val="137703936"/>
+        <p14:creationId xmlns:p14="http://schemas.microsoft.com/office/powerpoint/2010/main" xmlns="" val="137703936"/>
       </p:ext>
     </p:extLst>
   </p:cSld>
@@ -7215,7 +7215,7 @@
           <p:cNvPr id="2" name="Title 1">
             <a:extLst>
               <a:ext uri="{FF2B5EF4-FFF2-40B4-BE49-F238E27FC236}">
-                <a16:creationId xmlns="" xmlns:a16="http://schemas.microsoft.com/office/drawing/2014/main" id="{F657BD59-35CC-9BB3-8621-6FA3356F81AA}"/>
+                <a16:creationId xmlns:a16="http://schemas.microsoft.com/office/drawing/2014/main" xmlns="" id="{F657BD59-35CC-9BB3-8621-6FA3356F81AA}"/>
               </a:ext>
             </a:extLst>
           </p:cNvPr>
@@ -7245,7 +7245,7 @@
           <p:cNvPr id="4" name="Date Placeholder 3">
             <a:extLst>
               <a:ext uri="{FF2B5EF4-FFF2-40B4-BE49-F238E27FC236}">
-                <a16:creationId xmlns="" xmlns:a16="http://schemas.microsoft.com/office/drawing/2014/main" id="{8C56EB0F-63C8-5F75-A333-3413A9DC6F76}"/>
+                <a16:creationId xmlns:a16="http://schemas.microsoft.com/office/drawing/2014/main" xmlns="" id="{8C56EB0F-63C8-5F75-A333-3413A9DC6F76}"/>
               </a:ext>
             </a:extLst>
           </p:cNvPr>
@@ -7264,7 +7264,7 @@
             <a:fld id="{D6D8061D-18C3-4F4F-85EF-561633F58754}" type="datetimeFigureOut">
               <a:rPr lang="en-US" smtClean="0"/>
               <a:pPr/>
-              <a:t>10/24/2024</a:t>
+              <a:t>10/25/2024</a:t>
             </a:fld>
             <a:endParaRPr lang="en-US" dirty="0"/>
           </a:p>
@@ -7275,7 +7275,7 @@
           <p:cNvPr id="5" name="Footer Placeholder 4">
             <a:extLst>
               <a:ext uri="{FF2B5EF4-FFF2-40B4-BE49-F238E27FC236}">
-                <a16:creationId xmlns="" xmlns:a16="http://schemas.microsoft.com/office/drawing/2014/main" id="{4D4DE333-25B4-E092-1CC4-C3D20BA25168}"/>
+                <a16:creationId xmlns:a16="http://schemas.microsoft.com/office/drawing/2014/main" xmlns="" id="{4D4DE333-25B4-E092-1CC4-C3D20BA25168}"/>
               </a:ext>
             </a:extLst>
           </p:cNvPr>
@@ -7300,7 +7300,7 @@
           <p:cNvPr id="6" name="Slide Number Placeholder 5">
             <a:extLst>
               <a:ext uri="{FF2B5EF4-FFF2-40B4-BE49-F238E27FC236}">
-                <a16:creationId xmlns="" xmlns:a16="http://schemas.microsoft.com/office/drawing/2014/main" id="{8F1AF200-E81F-A326-0EDB-4B93C71D9BF4}"/>
+                <a16:creationId xmlns:a16="http://schemas.microsoft.com/office/drawing/2014/main" xmlns="" id="{8F1AF200-E81F-A326-0EDB-4B93C71D9BF4}"/>
               </a:ext>
             </a:extLst>
           </p:cNvPr>
@@ -7330,7 +7330,7 @@
           <p:cNvPr id="8" name="Table Placeholder 7">
             <a:extLst>
               <a:ext uri="{FF2B5EF4-FFF2-40B4-BE49-F238E27FC236}">
-                <a16:creationId xmlns="" xmlns:a16="http://schemas.microsoft.com/office/drawing/2014/main" id="{0CEAFE70-86D3-8690-31CA-F9A1FBA494D0}"/>
+                <a16:creationId xmlns:a16="http://schemas.microsoft.com/office/drawing/2014/main" xmlns="" id="{0CEAFE70-86D3-8690-31CA-F9A1FBA494D0}"/>
               </a:ext>
             </a:extLst>
           </p:cNvPr>
@@ -7367,7 +7367,7 @@
     </p:spTree>
     <p:extLst>
       <p:ext uri="{BB962C8B-B14F-4D97-AF65-F5344CB8AC3E}">
-        <p14:creationId xmlns="" xmlns:p14="http://schemas.microsoft.com/office/powerpoint/2010/main" val="2626099294"/>
+        <p14:creationId xmlns:p14="http://schemas.microsoft.com/office/powerpoint/2010/main" xmlns="" val="2626099294"/>
       </p:ext>
     </p:extLst>
   </p:cSld>
@@ -7399,10 +7399,10 @@
           <p:cNvPr id="7" name="Group 6">
             <a:extLst>
               <a:ext uri="{FF2B5EF4-FFF2-40B4-BE49-F238E27FC236}">
-                <a16:creationId xmlns="" xmlns:a16="http://schemas.microsoft.com/office/drawing/2014/main" id="{D7B7232D-F1A6-B6C3-3BBF-E834CC7CDC8E}"/>
+                <a16:creationId xmlns:a16="http://schemas.microsoft.com/office/drawing/2014/main" xmlns="" id="{D7B7232D-F1A6-B6C3-3BBF-E834CC7CDC8E}"/>
               </a:ext>
               <a:ext uri="{C183D7F6-B498-43B3-948B-1728B52AA6E4}">
-                <adec:decorative xmlns="" xmlns:adec="http://schemas.microsoft.com/office/drawing/2017/decorative" val="1"/>
+                <adec:decorative xmlns:adec="http://schemas.microsoft.com/office/drawing/2017/decorative" xmlns="" val="1"/>
               </a:ext>
             </a:extLst>
           </p:cNvPr>
@@ -7422,7 +7422,7 @@
             <p:cNvPr id="8" name="Oval 7">
               <a:extLst>
                 <a:ext uri="{FF2B5EF4-FFF2-40B4-BE49-F238E27FC236}">
-                  <a16:creationId xmlns="" xmlns:a16="http://schemas.microsoft.com/office/drawing/2014/main" id="{0D306340-6BFD-FE3D-535B-B59C1C44EDDA}"/>
+                  <a16:creationId xmlns:a16="http://schemas.microsoft.com/office/drawing/2014/main" xmlns="" id="{0D306340-6BFD-FE3D-535B-B59C1C44EDDA}"/>
                 </a:ext>
               </a:extLst>
             </p:cNvPr>
@@ -7503,7 +7503,7 @@
             <p:cNvPr id="9" name="Freeform: Shape 11">
               <a:extLst>
                 <a:ext uri="{FF2B5EF4-FFF2-40B4-BE49-F238E27FC236}">
-                  <a16:creationId xmlns="" xmlns:a16="http://schemas.microsoft.com/office/drawing/2014/main" id="{338E6C4B-ABF3-8B7E-8DCF-A93F69C712B1}"/>
+                  <a16:creationId xmlns:a16="http://schemas.microsoft.com/office/drawing/2014/main" xmlns="" id="{338E6C4B-ABF3-8B7E-8DCF-A93F69C712B1}"/>
                 </a:ext>
               </a:extLst>
             </p:cNvPr>
@@ -7641,7 +7641,7 @@
             <p:cNvPr id="10" name="Freeform: Shape 13">
               <a:extLst>
                 <a:ext uri="{FF2B5EF4-FFF2-40B4-BE49-F238E27FC236}">
-                  <a16:creationId xmlns="" xmlns:a16="http://schemas.microsoft.com/office/drawing/2014/main" id="{6F90F99F-B12A-E8F9-5A86-D76B201D6308}"/>
+                  <a16:creationId xmlns:a16="http://schemas.microsoft.com/office/drawing/2014/main" xmlns="" id="{6F90F99F-B12A-E8F9-5A86-D76B201D6308}"/>
                 </a:ext>
               </a:extLst>
             </p:cNvPr>
@@ -7787,7 +7787,7 @@
             <p:cNvPr id="11" name="Freeform: Shape 15">
               <a:extLst>
                 <a:ext uri="{FF2B5EF4-FFF2-40B4-BE49-F238E27FC236}">
-                  <a16:creationId xmlns="" xmlns:a16="http://schemas.microsoft.com/office/drawing/2014/main" id="{BFA99EFE-81BC-95EA-FA61-B7199AD98A74}"/>
+                  <a16:creationId xmlns:a16="http://schemas.microsoft.com/office/drawing/2014/main" xmlns="" id="{BFA99EFE-81BC-95EA-FA61-B7199AD98A74}"/>
                 </a:ext>
               </a:extLst>
             </p:cNvPr>
@@ -7925,7 +7925,7 @@
             <p:cNvPr id="12" name="Freeform: Shape 17">
               <a:extLst>
                 <a:ext uri="{FF2B5EF4-FFF2-40B4-BE49-F238E27FC236}">
-                  <a16:creationId xmlns="" xmlns:a16="http://schemas.microsoft.com/office/drawing/2014/main" id="{DD9FC028-D877-28FE-C646-DBD85D932641}"/>
+                  <a16:creationId xmlns:a16="http://schemas.microsoft.com/office/drawing/2014/main" xmlns="" id="{DD9FC028-D877-28FE-C646-DBD85D932641}"/>
                 </a:ext>
               </a:extLst>
             </p:cNvPr>
@@ -8069,7 +8069,7 @@
             <p:cNvPr id="13" name="Freeform: Shape 21">
               <a:extLst>
                 <a:ext uri="{FF2B5EF4-FFF2-40B4-BE49-F238E27FC236}">
-                  <a16:creationId xmlns="" xmlns:a16="http://schemas.microsoft.com/office/drawing/2014/main" id="{AA0AFFE9-F0C2-BDA0-BF87-9977706AB6A8}"/>
+                  <a16:creationId xmlns:a16="http://schemas.microsoft.com/office/drawing/2014/main" xmlns="" id="{AA0AFFE9-F0C2-BDA0-BF87-9977706AB6A8}"/>
                 </a:ext>
               </a:extLst>
             </p:cNvPr>
@@ -8216,7 +8216,7 @@
           <p:cNvPr id="2" name="Title 1">
             <a:extLst>
               <a:ext uri="{FF2B5EF4-FFF2-40B4-BE49-F238E27FC236}">
-                <a16:creationId xmlns="" xmlns:a16="http://schemas.microsoft.com/office/drawing/2014/main" id="{F657BD59-35CC-9BB3-8621-6FA3356F81AA}"/>
+                <a16:creationId xmlns:a16="http://schemas.microsoft.com/office/drawing/2014/main" xmlns="" id="{F657BD59-35CC-9BB3-8621-6FA3356F81AA}"/>
               </a:ext>
             </a:extLst>
           </p:cNvPr>
@@ -8256,7 +8256,7 @@
           <p:cNvPr id="3" name="Content Placeholder 2">
             <a:extLst>
               <a:ext uri="{FF2B5EF4-FFF2-40B4-BE49-F238E27FC236}">
-                <a16:creationId xmlns="" xmlns:a16="http://schemas.microsoft.com/office/drawing/2014/main" id="{A772710C-A212-1B12-06CD-FA2A14F89D68}"/>
+                <a16:creationId xmlns:a16="http://schemas.microsoft.com/office/drawing/2014/main" xmlns="" id="{A772710C-A212-1B12-06CD-FA2A14F89D68}"/>
               </a:ext>
             </a:extLst>
           </p:cNvPr>
@@ -8387,7 +8387,7 @@
           <p:cNvPr id="4" name="Date Placeholder 3">
             <a:extLst>
               <a:ext uri="{FF2B5EF4-FFF2-40B4-BE49-F238E27FC236}">
-                <a16:creationId xmlns="" xmlns:a16="http://schemas.microsoft.com/office/drawing/2014/main" id="{8C56EB0F-63C8-5F75-A333-3413A9DC6F76}"/>
+                <a16:creationId xmlns:a16="http://schemas.microsoft.com/office/drawing/2014/main" xmlns="" id="{8C56EB0F-63C8-5F75-A333-3413A9DC6F76}"/>
               </a:ext>
             </a:extLst>
           </p:cNvPr>
@@ -8406,7 +8406,7 @@
             <a:fld id="{D6D8061D-18C3-4F4F-85EF-561633F58754}" type="datetimeFigureOut">
               <a:rPr lang="en-US" smtClean="0"/>
               <a:pPr/>
-              <a:t>10/24/2024</a:t>
+              <a:t>10/25/2024</a:t>
             </a:fld>
             <a:endParaRPr lang="en-US" dirty="0"/>
           </a:p>
@@ -8417,7 +8417,7 @@
           <p:cNvPr id="5" name="Footer Placeholder 4">
             <a:extLst>
               <a:ext uri="{FF2B5EF4-FFF2-40B4-BE49-F238E27FC236}">
-                <a16:creationId xmlns="" xmlns:a16="http://schemas.microsoft.com/office/drawing/2014/main" id="{4D4DE333-25B4-E092-1CC4-C3D20BA25168}"/>
+                <a16:creationId xmlns:a16="http://schemas.microsoft.com/office/drawing/2014/main" xmlns="" id="{4D4DE333-25B4-E092-1CC4-C3D20BA25168}"/>
               </a:ext>
             </a:extLst>
           </p:cNvPr>
@@ -8442,7 +8442,7 @@
           <p:cNvPr id="6" name="Slide Number Placeholder 5">
             <a:extLst>
               <a:ext uri="{FF2B5EF4-FFF2-40B4-BE49-F238E27FC236}">
-                <a16:creationId xmlns="" xmlns:a16="http://schemas.microsoft.com/office/drawing/2014/main" id="{8F1AF200-E81F-A326-0EDB-4B93C71D9BF4}"/>
+                <a16:creationId xmlns:a16="http://schemas.microsoft.com/office/drawing/2014/main" xmlns="" id="{8F1AF200-E81F-A326-0EDB-4B93C71D9BF4}"/>
               </a:ext>
             </a:extLst>
           </p:cNvPr>
@@ -8470,7 +8470,7 @@
     </p:spTree>
     <p:extLst>
       <p:ext uri="{BB962C8B-B14F-4D97-AF65-F5344CB8AC3E}">
-        <p14:creationId xmlns="" xmlns:p14="http://schemas.microsoft.com/office/powerpoint/2010/main" val="2162967001"/>
+        <p14:creationId xmlns:p14="http://schemas.microsoft.com/office/powerpoint/2010/main" xmlns="" val="2162967001"/>
       </p:ext>
     </p:extLst>
   </p:cSld>
@@ -8502,10 +8502,10 @@
           <p:cNvPr id="7" name="Group 6">
             <a:extLst>
               <a:ext uri="{FF2B5EF4-FFF2-40B4-BE49-F238E27FC236}">
-                <a16:creationId xmlns="" xmlns:a16="http://schemas.microsoft.com/office/drawing/2014/main" id="{3E96D25F-53A2-6217-84B4-7EB874F0B372}"/>
+                <a16:creationId xmlns:a16="http://schemas.microsoft.com/office/drawing/2014/main" xmlns="" id="{3E96D25F-53A2-6217-84B4-7EB874F0B372}"/>
               </a:ext>
               <a:ext uri="{C183D7F6-B498-43B3-948B-1728B52AA6E4}">
-                <adec:decorative xmlns="" xmlns:adec="http://schemas.microsoft.com/office/drawing/2017/decorative" val="1"/>
+                <adec:decorative xmlns:adec="http://schemas.microsoft.com/office/drawing/2017/decorative" xmlns="" val="1"/>
               </a:ext>
             </a:extLst>
           </p:cNvPr>
@@ -8525,7 +8525,7 @@
             <p:cNvPr id="8" name="Oval 7">
               <a:extLst>
                 <a:ext uri="{FF2B5EF4-FFF2-40B4-BE49-F238E27FC236}">
-                  <a16:creationId xmlns="" xmlns:a16="http://schemas.microsoft.com/office/drawing/2014/main" id="{A50FA62D-C8AE-52B8-1712-6116756D1A83}"/>
+                  <a16:creationId xmlns:a16="http://schemas.microsoft.com/office/drawing/2014/main" xmlns="" id="{A50FA62D-C8AE-52B8-1712-6116756D1A83}"/>
                 </a:ext>
               </a:extLst>
             </p:cNvPr>
@@ -8606,7 +8606,7 @@
             <p:cNvPr id="9" name="Arc 8">
               <a:extLst>
                 <a:ext uri="{FF2B5EF4-FFF2-40B4-BE49-F238E27FC236}">
-                  <a16:creationId xmlns="" xmlns:a16="http://schemas.microsoft.com/office/drawing/2014/main" id="{1D2D6A01-57CF-3C0B-968C-E5A8FD352320}"/>
+                  <a16:creationId xmlns:a16="http://schemas.microsoft.com/office/drawing/2014/main" xmlns="" id="{1D2D6A01-57CF-3C0B-968C-E5A8FD352320}"/>
                 </a:ext>
               </a:extLst>
             </p:cNvPr>
@@ -8689,7 +8689,7 @@
             <p:cNvPr id="10" name="Oval 9">
               <a:extLst>
                 <a:ext uri="{FF2B5EF4-FFF2-40B4-BE49-F238E27FC236}">
-                  <a16:creationId xmlns="" xmlns:a16="http://schemas.microsoft.com/office/drawing/2014/main" id="{410BEFAA-C349-7DB1-1827-0FA48A430AD8}"/>
+                  <a16:creationId xmlns:a16="http://schemas.microsoft.com/office/drawing/2014/main" xmlns="" id="{410BEFAA-C349-7DB1-1827-0FA48A430AD8}"/>
                 </a:ext>
               </a:extLst>
             </p:cNvPr>
@@ -8771,7 +8771,7 @@
           <p:cNvPr id="2" name="Title 1">
             <a:extLst>
               <a:ext uri="{FF2B5EF4-FFF2-40B4-BE49-F238E27FC236}">
-                <a16:creationId xmlns="" xmlns:a16="http://schemas.microsoft.com/office/drawing/2014/main" id="{F657BD59-35CC-9BB3-8621-6FA3356F81AA}"/>
+                <a16:creationId xmlns:a16="http://schemas.microsoft.com/office/drawing/2014/main" xmlns="" id="{F657BD59-35CC-9BB3-8621-6FA3356F81AA}"/>
               </a:ext>
             </a:extLst>
           </p:cNvPr>
@@ -8814,7 +8814,7 @@
           <p:cNvPr id="3" name="Content Placeholder 2">
             <a:extLst>
               <a:ext uri="{FF2B5EF4-FFF2-40B4-BE49-F238E27FC236}">
-                <a16:creationId xmlns="" xmlns:a16="http://schemas.microsoft.com/office/drawing/2014/main" id="{A772710C-A212-1B12-06CD-FA2A14F89D68}"/>
+                <a16:creationId xmlns:a16="http://schemas.microsoft.com/office/drawing/2014/main" xmlns="" id="{A772710C-A212-1B12-06CD-FA2A14F89D68}"/>
               </a:ext>
             </a:extLst>
           </p:cNvPr>
@@ -8943,7 +8943,7 @@
     </p:spTree>
     <p:extLst>
       <p:ext uri="{BB962C8B-B14F-4D97-AF65-F5344CB8AC3E}">
-        <p14:creationId xmlns="" xmlns:p14="http://schemas.microsoft.com/office/powerpoint/2010/main" val="1914388044"/>
+        <p14:creationId xmlns:p14="http://schemas.microsoft.com/office/powerpoint/2010/main" xmlns="" val="1914388044"/>
       </p:ext>
     </p:extLst>
   </p:cSld>
@@ -8983,7 +8983,7 @@
           <p:cNvPr id="2" name="Picture Placeholder 1">
             <a:extLst>
               <a:ext uri="{FF2B5EF4-FFF2-40B4-BE49-F238E27FC236}">
-                <a16:creationId xmlns="" xmlns:a16="http://schemas.microsoft.com/office/drawing/2014/main" id="{9EF93C3C-09E9-6CD0-EF4B-6DE09539EE7A}"/>
+                <a16:creationId xmlns:a16="http://schemas.microsoft.com/office/drawing/2014/main" xmlns="" id="{9EF93C3C-09E9-6CD0-EF4B-6DE09539EE7A}"/>
               </a:ext>
             </a:extLst>
           </p:cNvPr>
@@ -9198,10 +9198,10 @@
           <p:cNvPr id="3" name="Arc 2">
             <a:extLst>
               <a:ext uri="{FF2B5EF4-FFF2-40B4-BE49-F238E27FC236}">
-                <a16:creationId xmlns="" xmlns:a16="http://schemas.microsoft.com/office/drawing/2014/main" id="{D5C3C4BD-DFDB-76B4-17CA-7DA4D1729FA1}"/>
+                <a16:creationId xmlns:a16="http://schemas.microsoft.com/office/drawing/2014/main" xmlns="" id="{D5C3C4BD-DFDB-76B4-17CA-7DA4D1729FA1}"/>
               </a:ext>
               <a:ext uri="{C183D7F6-B498-43B3-948B-1728B52AA6E4}">
-                <adec:decorative xmlns="" xmlns:adec="http://schemas.microsoft.com/office/drawing/2017/decorative" val="1"/>
+                <adec:decorative xmlns:adec="http://schemas.microsoft.com/office/drawing/2017/decorative" xmlns="" val="1"/>
               </a:ext>
             </a:extLst>
           </p:cNvPr>
@@ -9285,7 +9285,7 @@
           <p:cNvPr id="12" name="Title 11">
             <a:extLst>
               <a:ext uri="{FF2B5EF4-FFF2-40B4-BE49-F238E27FC236}">
-                <a16:creationId xmlns="" xmlns:a16="http://schemas.microsoft.com/office/drawing/2014/main" id="{2B04B61C-6467-D51D-0AF4-5C7D05F36CB5}"/>
+                <a16:creationId xmlns:a16="http://schemas.microsoft.com/office/drawing/2014/main" xmlns="" id="{2B04B61C-6467-D51D-0AF4-5C7D05F36CB5}"/>
               </a:ext>
             </a:extLst>
           </p:cNvPr>
@@ -9328,10 +9328,10 @@
           <p:cNvPr id="4" name="Freeform: Shape 3">
             <a:extLst>
               <a:ext uri="{FF2B5EF4-FFF2-40B4-BE49-F238E27FC236}">
-                <a16:creationId xmlns="" xmlns:a16="http://schemas.microsoft.com/office/drawing/2014/main" id="{47A19F4B-D154-3EB2-F86A-9A63283A3EA6}"/>
+                <a16:creationId xmlns:a16="http://schemas.microsoft.com/office/drawing/2014/main" xmlns="" id="{47A19F4B-D154-3EB2-F86A-9A63283A3EA6}"/>
               </a:ext>
               <a:ext uri="{C183D7F6-B498-43B3-948B-1728B52AA6E4}">
-                <adec:decorative xmlns="" xmlns:adec="http://schemas.microsoft.com/office/drawing/2017/decorative" val="1"/>
+                <adec:decorative xmlns:adec="http://schemas.microsoft.com/office/drawing/2017/decorative" xmlns="" val="1"/>
               </a:ext>
             </a:extLst>
           </p:cNvPr>
@@ -9505,7 +9505,7 @@
     </p:spTree>
     <p:extLst>
       <p:ext uri="{BB962C8B-B14F-4D97-AF65-F5344CB8AC3E}">
-        <p14:creationId xmlns="" xmlns:p14="http://schemas.microsoft.com/office/powerpoint/2010/main" val="3298420441"/>
+        <p14:creationId xmlns:p14="http://schemas.microsoft.com/office/powerpoint/2010/main" xmlns="" val="3298420441"/>
       </p:ext>
     </p:extLst>
   </p:cSld>
@@ -9537,7 +9537,7 @@
           <p:cNvPr id="2" name="Title 1">
             <a:extLst>
               <a:ext uri="{FF2B5EF4-FFF2-40B4-BE49-F238E27FC236}">
-                <a16:creationId xmlns="" xmlns:a16="http://schemas.microsoft.com/office/drawing/2014/main" id="{F657BD59-35CC-9BB3-8621-6FA3356F81AA}"/>
+                <a16:creationId xmlns:a16="http://schemas.microsoft.com/office/drawing/2014/main" xmlns="" id="{F657BD59-35CC-9BB3-8621-6FA3356F81AA}"/>
               </a:ext>
             </a:extLst>
           </p:cNvPr>
@@ -9572,7 +9572,7 @@
           <p:cNvPr id="13" name="Content Placeholder 12">
             <a:extLst>
               <a:ext uri="{FF2B5EF4-FFF2-40B4-BE49-F238E27FC236}">
-                <a16:creationId xmlns="" xmlns:a16="http://schemas.microsoft.com/office/drawing/2014/main" id="{E3FB7D8D-37C3-E089-EC02-FB49A13CBE1D}"/>
+                <a16:creationId xmlns:a16="http://schemas.microsoft.com/office/drawing/2014/main" xmlns="" id="{E3FB7D8D-37C3-E089-EC02-FB49A13CBE1D}"/>
               </a:ext>
             </a:extLst>
           </p:cNvPr>
@@ -9712,7 +9712,7 @@
           <p:cNvPr id="4" name="Date Placeholder 3">
             <a:extLst>
               <a:ext uri="{FF2B5EF4-FFF2-40B4-BE49-F238E27FC236}">
-                <a16:creationId xmlns="" xmlns:a16="http://schemas.microsoft.com/office/drawing/2014/main" id="{8C56EB0F-63C8-5F75-A333-3413A9DC6F76}"/>
+                <a16:creationId xmlns:a16="http://schemas.microsoft.com/office/drawing/2014/main" xmlns="" id="{8C56EB0F-63C8-5F75-A333-3413A9DC6F76}"/>
               </a:ext>
             </a:extLst>
           </p:cNvPr>
@@ -9731,7 +9731,7 @@
             <a:fld id="{D6D8061D-18C3-4F4F-85EF-561633F58754}" type="datetimeFigureOut">
               <a:rPr lang="en-US" smtClean="0"/>
               <a:pPr/>
-              <a:t>10/24/2024</a:t>
+              <a:t>10/25/2024</a:t>
             </a:fld>
             <a:endParaRPr lang="en-US" dirty="0"/>
           </a:p>
@@ -9742,7 +9742,7 @@
           <p:cNvPr id="5" name="Footer Placeholder 4">
             <a:extLst>
               <a:ext uri="{FF2B5EF4-FFF2-40B4-BE49-F238E27FC236}">
-                <a16:creationId xmlns="" xmlns:a16="http://schemas.microsoft.com/office/drawing/2014/main" id="{4D4DE333-25B4-E092-1CC4-C3D20BA25168}"/>
+                <a16:creationId xmlns:a16="http://schemas.microsoft.com/office/drawing/2014/main" xmlns="" id="{4D4DE333-25B4-E092-1CC4-C3D20BA25168}"/>
               </a:ext>
             </a:extLst>
           </p:cNvPr>
@@ -9767,7 +9767,7 @@
           <p:cNvPr id="6" name="Slide Number Placeholder 5">
             <a:extLst>
               <a:ext uri="{FF2B5EF4-FFF2-40B4-BE49-F238E27FC236}">
-                <a16:creationId xmlns="" xmlns:a16="http://schemas.microsoft.com/office/drawing/2014/main" id="{8F1AF200-E81F-A326-0EDB-4B93C71D9BF4}"/>
+                <a16:creationId xmlns:a16="http://schemas.microsoft.com/office/drawing/2014/main" xmlns="" id="{8F1AF200-E81F-A326-0EDB-4B93C71D9BF4}"/>
               </a:ext>
             </a:extLst>
           </p:cNvPr>
@@ -9797,10 +9797,10 @@
           <p:cNvPr id="7" name="Freeform: Shape 14">
             <a:extLst>
               <a:ext uri="{FF2B5EF4-FFF2-40B4-BE49-F238E27FC236}">
-                <a16:creationId xmlns="" xmlns:a16="http://schemas.microsoft.com/office/drawing/2014/main" id="{438B6FA2-AF11-618E-2B1A-38BF083DF340}"/>
+                <a16:creationId xmlns:a16="http://schemas.microsoft.com/office/drawing/2014/main" xmlns="" id="{438B6FA2-AF11-618E-2B1A-38BF083DF340}"/>
               </a:ext>
               <a:ext uri="{C183D7F6-B498-43B3-948B-1728B52AA6E4}">
-                <adec:decorative xmlns="" xmlns:adec="http://schemas.microsoft.com/office/drawing/2017/decorative" val="1"/>
+                <adec:decorative xmlns:adec="http://schemas.microsoft.com/office/drawing/2017/decorative" xmlns="" val="1"/>
               </a:ext>
             </a:extLst>
           </p:cNvPr>
@@ -9946,10 +9946,10 @@
           <p:cNvPr id="8" name="Freeform: Shape 13">
             <a:extLst>
               <a:ext uri="{FF2B5EF4-FFF2-40B4-BE49-F238E27FC236}">
-                <a16:creationId xmlns="" xmlns:a16="http://schemas.microsoft.com/office/drawing/2014/main" id="{A269A8D8-A4AE-CEFF-E928-7DB1CFB3E401}"/>
+                <a16:creationId xmlns:a16="http://schemas.microsoft.com/office/drawing/2014/main" xmlns="" id="{A269A8D8-A4AE-CEFF-E928-7DB1CFB3E401}"/>
               </a:ext>
               <a:ext uri="{C183D7F6-B498-43B3-948B-1728B52AA6E4}">
-                <adec:decorative xmlns="" xmlns:adec="http://schemas.microsoft.com/office/drawing/2017/decorative" val="1"/>
+                <adec:decorative xmlns:adec="http://schemas.microsoft.com/office/drawing/2017/decorative" xmlns="" val="1"/>
               </a:ext>
             </a:extLst>
           </p:cNvPr>
@@ -10087,10 +10087,10 @@
           <p:cNvPr id="11" name="Freeform: Shape 19">
             <a:extLst>
               <a:ext uri="{FF2B5EF4-FFF2-40B4-BE49-F238E27FC236}">
-                <a16:creationId xmlns="" xmlns:a16="http://schemas.microsoft.com/office/drawing/2014/main" id="{15418837-E689-97BE-9FAD-FEDBD599EBAD}"/>
+                <a16:creationId xmlns:a16="http://schemas.microsoft.com/office/drawing/2014/main" xmlns="" id="{15418837-E689-97BE-9FAD-FEDBD599EBAD}"/>
               </a:ext>
               <a:ext uri="{C183D7F6-B498-43B3-948B-1728B52AA6E4}">
-                <adec:decorative xmlns="" xmlns:adec="http://schemas.microsoft.com/office/drawing/2017/decorative" val="1"/>
+                <adec:decorative xmlns:adec="http://schemas.microsoft.com/office/drawing/2017/decorative" xmlns="" val="1"/>
               </a:ext>
             </a:extLst>
           </p:cNvPr>
@@ -10258,7 +10258,7 @@
     </p:spTree>
     <p:extLst>
       <p:ext uri="{BB962C8B-B14F-4D97-AF65-F5344CB8AC3E}">
-        <p14:creationId xmlns="" xmlns:p14="http://schemas.microsoft.com/office/powerpoint/2010/main" val="2587894702"/>
+        <p14:creationId xmlns:p14="http://schemas.microsoft.com/office/powerpoint/2010/main" xmlns="" val="2587894702"/>
       </p:ext>
     </p:extLst>
   </p:cSld>
@@ -10290,10 +10290,10 @@
           <p:cNvPr id="7" name="Oval 6">
             <a:extLst>
               <a:ext uri="{FF2B5EF4-FFF2-40B4-BE49-F238E27FC236}">
-                <a16:creationId xmlns="" xmlns:a16="http://schemas.microsoft.com/office/drawing/2014/main" id="{7DF76A42-387B-8D66-1214-D40462070066}"/>
+                <a16:creationId xmlns:a16="http://schemas.microsoft.com/office/drawing/2014/main" xmlns="" id="{7DF76A42-387B-8D66-1214-D40462070066}"/>
               </a:ext>
               <a:ext uri="{C183D7F6-B498-43B3-948B-1728B52AA6E4}">
-                <adec:decorative xmlns="" xmlns:adec="http://schemas.microsoft.com/office/drawing/2017/decorative" val="1"/>
+                <adec:decorative xmlns:adec="http://schemas.microsoft.com/office/drawing/2017/decorative" xmlns="" val="1"/>
               </a:ext>
             </a:extLst>
           </p:cNvPr>
@@ -10374,10 +10374,10 @@
           <p:cNvPr id="8" name="Group 7">
             <a:extLst>
               <a:ext uri="{FF2B5EF4-FFF2-40B4-BE49-F238E27FC236}">
-                <a16:creationId xmlns="" xmlns:a16="http://schemas.microsoft.com/office/drawing/2014/main" id="{D2ACE818-46EF-547E-9315-A849483036BF}"/>
+                <a16:creationId xmlns:a16="http://schemas.microsoft.com/office/drawing/2014/main" xmlns="" id="{D2ACE818-46EF-547E-9315-A849483036BF}"/>
               </a:ext>
               <a:ext uri="{C183D7F6-B498-43B3-948B-1728B52AA6E4}">
-                <adec:decorative xmlns="" xmlns:adec="http://schemas.microsoft.com/office/drawing/2017/decorative" val="1"/>
+                <adec:decorative xmlns:adec="http://schemas.microsoft.com/office/drawing/2017/decorative" xmlns="" val="1"/>
               </a:ext>
             </a:extLst>
           </p:cNvPr>
@@ -10397,7 +10397,7 @@
             <p:cNvPr id="9" name="Oval 8">
               <a:extLst>
                 <a:ext uri="{FF2B5EF4-FFF2-40B4-BE49-F238E27FC236}">
-                  <a16:creationId xmlns="" xmlns:a16="http://schemas.microsoft.com/office/drawing/2014/main" id="{E9644D21-8793-9A96-F305-5D20EE342B26}"/>
+                  <a16:creationId xmlns:a16="http://schemas.microsoft.com/office/drawing/2014/main" xmlns="" id="{E9644D21-8793-9A96-F305-5D20EE342B26}"/>
                 </a:ext>
               </a:extLst>
             </p:cNvPr>
@@ -10478,7 +10478,7 @@
             <p:cNvPr id="10" name="Arc 9">
               <a:extLst>
                 <a:ext uri="{FF2B5EF4-FFF2-40B4-BE49-F238E27FC236}">
-                  <a16:creationId xmlns="" xmlns:a16="http://schemas.microsoft.com/office/drawing/2014/main" id="{DF8D7AEF-C845-09F0-F31C-20B32BBA1EBA}"/>
+                  <a16:creationId xmlns:a16="http://schemas.microsoft.com/office/drawing/2014/main" xmlns="" id="{DF8D7AEF-C845-09F0-F31C-20B32BBA1EBA}"/>
                 </a:ext>
               </a:extLst>
             </p:cNvPr>
@@ -10562,7 +10562,7 @@
             <p:cNvPr id="11" name="Oval 10">
               <a:extLst>
                 <a:ext uri="{FF2B5EF4-FFF2-40B4-BE49-F238E27FC236}">
-                  <a16:creationId xmlns="" xmlns:a16="http://schemas.microsoft.com/office/drawing/2014/main" id="{5F9D44CB-887B-C74D-3E96-5607E84DAEFF}"/>
+                  <a16:creationId xmlns:a16="http://schemas.microsoft.com/office/drawing/2014/main" xmlns="" id="{5F9D44CB-887B-C74D-3E96-5607E84DAEFF}"/>
                 </a:ext>
               </a:extLst>
             </p:cNvPr>
@@ -10644,10 +10644,10 @@
           <p:cNvPr id="14" name="Freeform: Shape 19">
             <a:extLst>
               <a:ext uri="{FF2B5EF4-FFF2-40B4-BE49-F238E27FC236}">
-                <a16:creationId xmlns="" xmlns:a16="http://schemas.microsoft.com/office/drawing/2014/main" id="{87D193F4-2337-0048-1BE7-C9A8154191F9}"/>
+                <a16:creationId xmlns:a16="http://schemas.microsoft.com/office/drawing/2014/main" xmlns="" id="{87D193F4-2337-0048-1BE7-C9A8154191F9}"/>
               </a:ext>
               <a:ext uri="{C183D7F6-B498-43B3-948B-1728B52AA6E4}">
-                <adec:decorative xmlns="" xmlns:adec="http://schemas.microsoft.com/office/drawing/2017/decorative" val="1"/>
+                <adec:decorative xmlns:adec="http://schemas.microsoft.com/office/drawing/2017/decorative" xmlns="" val="1"/>
               </a:ext>
             </a:extLst>
           </p:cNvPr>
@@ -10817,10 +10817,10 @@
           <p:cNvPr id="15" name="Straight Connector 14">
             <a:extLst>
               <a:ext uri="{FF2B5EF4-FFF2-40B4-BE49-F238E27FC236}">
-                <a16:creationId xmlns="" xmlns:a16="http://schemas.microsoft.com/office/drawing/2014/main" id="{45EE4510-BCBA-C39A-BEF1-A391A3304F88}"/>
+                <a16:creationId xmlns:a16="http://schemas.microsoft.com/office/drawing/2014/main" xmlns="" id="{45EE4510-BCBA-C39A-BEF1-A391A3304F88}"/>
               </a:ext>
               <a:ext uri="{C183D7F6-B498-43B3-948B-1728B52AA6E4}">
-                <adec:decorative xmlns="" xmlns:adec="http://schemas.microsoft.com/office/drawing/2017/decorative" val="1"/>
+                <adec:decorative xmlns:adec="http://schemas.microsoft.com/office/drawing/2017/decorative" xmlns="" val="1"/>
               </a:ext>
             </a:extLst>
           </p:cNvPr>
@@ -10864,7 +10864,7 @@
           <p:cNvPr id="2" name="Title 1">
             <a:extLst>
               <a:ext uri="{FF2B5EF4-FFF2-40B4-BE49-F238E27FC236}">
-                <a16:creationId xmlns="" xmlns:a16="http://schemas.microsoft.com/office/drawing/2014/main" id="{32772C41-A024-2F33-1F04-21E003FA7291}"/>
+                <a16:creationId xmlns:a16="http://schemas.microsoft.com/office/drawing/2014/main" xmlns="" id="{32772C41-A024-2F33-1F04-21E003FA7291}"/>
               </a:ext>
             </a:extLst>
           </p:cNvPr>
@@ -10904,7 +10904,7 @@
           <p:cNvPr id="3" name="Subtitle 2">
             <a:extLst>
               <a:ext uri="{FF2B5EF4-FFF2-40B4-BE49-F238E27FC236}">
-                <a16:creationId xmlns="" xmlns:a16="http://schemas.microsoft.com/office/drawing/2014/main" id="{473BC2DF-9C2A-052C-AD2C-0A8ABAA50374}"/>
+                <a16:creationId xmlns:a16="http://schemas.microsoft.com/office/drawing/2014/main" xmlns="" id="{473BC2DF-9C2A-052C-AD2C-0A8ABAA50374}"/>
               </a:ext>
             </a:extLst>
           </p:cNvPr>
@@ -10980,7 +10980,7 @@
           <p:cNvPr id="4" name="Date Placeholder 3">
             <a:extLst>
               <a:ext uri="{FF2B5EF4-FFF2-40B4-BE49-F238E27FC236}">
-                <a16:creationId xmlns="" xmlns:a16="http://schemas.microsoft.com/office/drawing/2014/main" id="{C0070940-5919-2C95-2278-32E50BF14DD1}"/>
+                <a16:creationId xmlns:a16="http://schemas.microsoft.com/office/drawing/2014/main" xmlns="" id="{C0070940-5919-2C95-2278-32E50BF14DD1}"/>
               </a:ext>
             </a:extLst>
           </p:cNvPr>
@@ -10999,7 +10999,7 @@
             <a:fld id="{D6D8061D-18C3-4F4F-85EF-561633F58754}" type="datetimeFigureOut">
               <a:rPr lang="en-US" smtClean="0"/>
               <a:pPr/>
-              <a:t>10/24/2024</a:t>
+              <a:t>10/25/2024</a:t>
             </a:fld>
             <a:endParaRPr lang="en-US" dirty="0"/>
           </a:p>
@@ -11010,7 +11010,7 @@
           <p:cNvPr id="5" name="Footer Placeholder 4">
             <a:extLst>
               <a:ext uri="{FF2B5EF4-FFF2-40B4-BE49-F238E27FC236}">
-                <a16:creationId xmlns="" xmlns:a16="http://schemas.microsoft.com/office/drawing/2014/main" id="{1957D599-49CF-19FE-6D86-C5EDB765F413}"/>
+                <a16:creationId xmlns:a16="http://schemas.microsoft.com/office/drawing/2014/main" xmlns="" id="{1957D599-49CF-19FE-6D86-C5EDB765F413}"/>
               </a:ext>
             </a:extLst>
           </p:cNvPr>
@@ -11035,7 +11035,7 @@
           <p:cNvPr id="6" name="Slide Number Placeholder 5">
             <a:extLst>
               <a:ext uri="{FF2B5EF4-FFF2-40B4-BE49-F238E27FC236}">
-                <a16:creationId xmlns="" xmlns:a16="http://schemas.microsoft.com/office/drawing/2014/main" id="{28931DF1-1C8D-86B9-BFDD-098FFC00FDC2}"/>
+                <a16:creationId xmlns:a16="http://schemas.microsoft.com/office/drawing/2014/main" xmlns="" id="{28931DF1-1C8D-86B9-BFDD-098FFC00FDC2}"/>
               </a:ext>
             </a:extLst>
           </p:cNvPr>
@@ -11063,7 +11063,7 @@
     </p:spTree>
     <p:extLst>
       <p:ext uri="{BB962C8B-B14F-4D97-AF65-F5344CB8AC3E}">
-        <p14:creationId xmlns="" xmlns:p14="http://schemas.microsoft.com/office/powerpoint/2010/main" val="1563727740"/>
+        <p14:creationId xmlns:p14="http://schemas.microsoft.com/office/powerpoint/2010/main" xmlns="" val="1563727740"/>
       </p:ext>
     </p:extLst>
   </p:cSld>
@@ -11095,7 +11095,7 @@
           <p:cNvPr id="2" name="Title 1">
             <a:extLst>
               <a:ext uri="{FF2B5EF4-FFF2-40B4-BE49-F238E27FC236}">
-                <a16:creationId xmlns="" xmlns:a16="http://schemas.microsoft.com/office/drawing/2014/main" id="{0C40C44A-93E6-6C58-5E88-AFDC594EC27A}"/>
+                <a16:creationId xmlns:a16="http://schemas.microsoft.com/office/drawing/2014/main" xmlns="" id="{0C40C44A-93E6-6C58-5E88-AFDC594EC27A}"/>
               </a:ext>
             </a:extLst>
           </p:cNvPr>
@@ -11129,7 +11129,7 @@
           <p:cNvPr id="3" name="Content Placeholder 2">
             <a:extLst>
               <a:ext uri="{FF2B5EF4-FFF2-40B4-BE49-F238E27FC236}">
-                <a16:creationId xmlns="" xmlns:a16="http://schemas.microsoft.com/office/drawing/2014/main" id="{0C813049-5F46-053E-6279-8183259649A6}"/>
+                <a16:creationId xmlns:a16="http://schemas.microsoft.com/office/drawing/2014/main" xmlns="" id="{0C813049-5F46-053E-6279-8183259649A6}"/>
               </a:ext>
             </a:extLst>
           </p:cNvPr>
@@ -11260,7 +11260,7 @@
           <p:cNvPr id="15" name="Content Placeholder 2">
             <a:extLst>
               <a:ext uri="{FF2B5EF4-FFF2-40B4-BE49-F238E27FC236}">
-                <a16:creationId xmlns="" xmlns:a16="http://schemas.microsoft.com/office/drawing/2014/main" id="{5FB01ADF-164A-96FB-0129-C2A0F0ED0A85}"/>
+                <a16:creationId xmlns:a16="http://schemas.microsoft.com/office/drawing/2014/main" xmlns="" id="{5FB01ADF-164A-96FB-0129-C2A0F0ED0A85}"/>
               </a:ext>
             </a:extLst>
           </p:cNvPr>
@@ -11391,10 +11391,10 @@
           <p:cNvPr id="11" name="Group 10">
             <a:extLst>
               <a:ext uri="{FF2B5EF4-FFF2-40B4-BE49-F238E27FC236}">
-                <a16:creationId xmlns="" xmlns:a16="http://schemas.microsoft.com/office/drawing/2014/main" id="{C263F0DD-A38B-64B8-7412-087B487E6D47}"/>
+                <a16:creationId xmlns:a16="http://schemas.microsoft.com/office/drawing/2014/main" xmlns="" id="{C263F0DD-A38B-64B8-7412-087B487E6D47}"/>
               </a:ext>
               <a:ext uri="{C183D7F6-B498-43B3-948B-1728B52AA6E4}">
-                <adec:decorative xmlns="" xmlns:adec="http://schemas.microsoft.com/office/drawing/2017/decorative" val="1"/>
+                <adec:decorative xmlns:adec="http://schemas.microsoft.com/office/drawing/2017/decorative" xmlns="" val="1"/>
               </a:ext>
             </a:extLst>
           </p:cNvPr>
@@ -11414,7 +11414,7 @@
             <p:cNvPr id="12" name="Freeform: Shape 9">
               <a:extLst>
                 <a:ext uri="{FF2B5EF4-FFF2-40B4-BE49-F238E27FC236}">
-                  <a16:creationId xmlns="" xmlns:a16="http://schemas.microsoft.com/office/drawing/2014/main" id="{44CE2FB7-A856-E3C3-9798-73AAFB7901B8}"/>
+                  <a16:creationId xmlns:a16="http://schemas.microsoft.com/office/drawing/2014/main" xmlns="" id="{44CE2FB7-A856-E3C3-9798-73AAFB7901B8}"/>
                 </a:ext>
               </a:extLst>
             </p:cNvPr>
@@ -11552,7 +11552,7 @@
             <p:cNvPr id="13" name="Freeform: Shape 10">
               <a:extLst>
                 <a:ext uri="{FF2B5EF4-FFF2-40B4-BE49-F238E27FC236}">
-                  <a16:creationId xmlns="" xmlns:a16="http://schemas.microsoft.com/office/drawing/2014/main" id="{47ED62E5-894A-A8F9-A6DC-4A5C147CDE78}"/>
+                  <a16:creationId xmlns:a16="http://schemas.microsoft.com/office/drawing/2014/main" xmlns="" id="{47ED62E5-894A-A8F9-A6DC-4A5C147CDE78}"/>
                 </a:ext>
               </a:extLst>
             </p:cNvPr>
@@ -11908,7 +11908,7 @@
             <p:cNvPr id="14" name="Freeform: Shape 11">
               <a:extLst>
                 <a:ext uri="{FF2B5EF4-FFF2-40B4-BE49-F238E27FC236}">
-                  <a16:creationId xmlns="" xmlns:a16="http://schemas.microsoft.com/office/drawing/2014/main" id="{5C181CD4-C69B-2826-AF23-060D677248A9}"/>
+                  <a16:creationId xmlns:a16="http://schemas.microsoft.com/office/drawing/2014/main" xmlns="" id="{5C181CD4-C69B-2826-AF23-060D677248A9}"/>
                 </a:ext>
               </a:extLst>
             </p:cNvPr>
@@ -12047,7 +12047,7 @@
           <p:cNvPr id="5" name="Date Placeholder 4">
             <a:extLst>
               <a:ext uri="{FF2B5EF4-FFF2-40B4-BE49-F238E27FC236}">
-                <a16:creationId xmlns="" xmlns:a16="http://schemas.microsoft.com/office/drawing/2014/main" id="{C6CFCEB5-4092-FD13-478E-51CD74FDB82E}"/>
+                <a16:creationId xmlns:a16="http://schemas.microsoft.com/office/drawing/2014/main" xmlns="" id="{C6CFCEB5-4092-FD13-478E-51CD74FDB82E}"/>
               </a:ext>
             </a:extLst>
           </p:cNvPr>
@@ -12066,7 +12066,7 @@
             <a:fld id="{D6D8061D-18C3-4F4F-85EF-561633F58754}" type="datetimeFigureOut">
               <a:rPr lang="en-US" smtClean="0"/>
               <a:pPr/>
-              <a:t>10/24/2024</a:t>
+              <a:t>10/25/2024</a:t>
             </a:fld>
             <a:endParaRPr lang="en-US" dirty="0"/>
           </a:p>
@@ -12077,7 +12077,7 @@
           <p:cNvPr id="6" name="Footer Placeholder 5">
             <a:extLst>
               <a:ext uri="{FF2B5EF4-FFF2-40B4-BE49-F238E27FC236}">
-                <a16:creationId xmlns="" xmlns:a16="http://schemas.microsoft.com/office/drawing/2014/main" id="{5D077A4D-E7C0-912D-293F-D93F0CB5CA49}"/>
+                <a16:creationId xmlns:a16="http://schemas.microsoft.com/office/drawing/2014/main" xmlns="" id="{5D077A4D-E7C0-912D-293F-D93F0CB5CA49}"/>
               </a:ext>
             </a:extLst>
           </p:cNvPr>
@@ -12102,7 +12102,7 @@
           <p:cNvPr id="7" name="Slide Number Placeholder 6">
             <a:extLst>
               <a:ext uri="{FF2B5EF4-FFF2-40B4-BE49-F238E27FC236}">
-                <a16:creationId xmlns="" xmlns:a16="http://schemas.microsoft.com/office/drawing/2014/main" id="{CA6AA9E1-334B-5F8F-8A92-67DD095F7838}"/>
+                <a16:creationId xmlns:a16="http://schemas.microsoft.com/office/drawing/2014/main" xmlns="" id="{CA6AA9E1-334B-5F8F-8A92-67DD095F7838}"/>
               </a:ext>
             </a:extLst>
           </p:cNvPr>
@@ -12130,7 +12130,7 @@
     </p:spTree>
     <p:extLst>
       <p:ext uri="{BB962C8B-B14F-4D97-AF65-F5344CB8AC3E}">
-        <p14:creationId xmlns="" xmlns:p14="http://schemas.microsoft.com/office/powerpoint/2010/main" val="505290787"/>
+        <p14:creationId xmlns:p14="http://schemas.microsoft.com/office/powerpoint/2010/main" xmlns="" val="505290787"/>
       </p:ext>
     </p:extLst>
   </p:cSld>
@@ -12162,7 +12162,7 @@
           <p:cNvPr id="2" name="Title 1">
             <a:extLst>
               <a:ext uri="{FF2B5EF4-FFF2-40B4-BE49-F238E27FC236}">
-                <a16:creationId xmlns="" xmlns:a16="http://schemas.microsoft.com/office/drawing/2014/main" id="{0C40C44A-93E6-6C58-5E88-AFDC594EC27A}"/>
+                <a16:creationId xmlns:a16="http://schemas.microsoft.com/office/drawing/2014/main" xmlns="" id="{0C40C44A-93E6-6C58-5E88-AFDC594EC27A}"/>
               </a:ext>
             </a:extLst>
           </p:cNvPr>
@@ -12192,7 +12192,7 @@
           <p:cNvPr id="11" name="Content Placeholder 2">
             <a:extLst>
               <a:ext uri="{FF2B5EF4-FFF2-40B4-BE49-F238E27FC236}">
-                <a16:creationId xmlns="" xmlns:a16="http://schemas.microsoft.com/office/drawing/2014/main" id="{60538251-2B75-FA20-0F29-FB58583E6125}"/>
+                <a16:creationId xmlns:a16="http://schemas.microsoft.com/office/drawing/2014/main" xmlns="" id="{60538251-2B75-FA20-0F29-FB58583E6125}"/>
               </a:ext>
             </a:extLst>
           </p:cNvPr>
@@ -12327,7 +12327,7 @@
           <p:cNvPr id="12" name="Content Placeholder 2">
             <a:extLst>
               <a:ext uri="{FF2B5EF4-FFF2-40B4-BE49-F238E27FC236}">
-                <a16:creationId xmlns="" xmlns:a16="http://schemas.microsoft.com/office/drawing/2014/main" id="{A06C49DD-8C29-93EA-04F4-22F84080DF5C}"/>
+                <a16:creationId xmlns:a16="http://schemas.microsoft.com/office/drawing/2014/main" xmlns="" id="{A06C49DD-8C29-93EA-04F4-22F84080DF5C}"/>
               </a:ext>
             </a:extLst>
           </p:cNvPr>
@@ -12458,7 +12458,7 @@
           <p:cNvPr id="5" name="Date Placeholder 4">
             <a:extLst>
               <a:ext uri="{FF2B5EF4-FFF2-40B4-BE49-F238E27FC236}">
-                <a16:creationId xmlns="" xmlns:a16="http://schemas.microsoft.com/office/drawing/2014/main" id="{C6CFCEB5-4092-FD13-478E-51CD74FDB82E}"/>
+                <a16:creationId xmlns:a16="http://schemas.microsoft.com/office/drawing/2014/main" xmlns="" id="{C6CFCEB5-4092-FD13-478E-51CD74FDB82E}"/>
               </a:ext>
             </a:extLst>
           </p:cNvPr>
@@ -12477,7 +12477,7 @@
             <a:fld id="{D6D8061D-18C3-4F4F-85EF-561633F58754}" type="datetimeFigureOut">
               <a:rPr lang="en-US" smtClean="0"/>
               <a:pPr/>
-              <a:t>10/24/2024</a:t>
+              <a:t>10/25/2024</a:t>
             </a:fld>
             <a:endParaRPr lang="en-US" dirty="0"/>
           </a:p>
@@ -12488,7 +12488,7 @@
           <p:cNvPr id="6" name="Footer Placeholder 5">
             <a:extLst>
               <a:ext uri="{FF2B5EF4-FFF2-40B4-BE49-F238E27FC236}">
-                <a16:creationId xmlns="" xmlns:a16="http://schemas.microsoft.com/office/drawing/2014/main" id="{5D077A4D-E7C0-912D-293F-D93F0CB5CA49}"/>
+                <a16:creationId xmlns:a16="http://schemas.microsoft.com/office/drawing/2014/main" xmlns="" id="{5D077A4D-E7C0-912D-293F-D93F0CB5CA49}"/>
               </a:ext>
             </a:extLst>
           </p:cNvPr>
@@ -12513,7 +12513,7 @@
           <p:cNvPr id="7" name="Slide Number Placeholder 6">
             <a:extLst>
               <a:ext uri="{FF2B5EF4-FFF2-40B4-BE49-F238E27FC236}">
-                <a16:creationId xmlns="" xmlns:a16="http://schemas.microsoft.com/office/drawing/2014/main" id="{CA6AA9E1-334B-5F8F-8A92-67DD095F7838}"/>
+                <a16:creationId xmlns:a16="http://schemas.microsoft.com/office/drawing/2014/main" xmlns="" id="{CA6AA9E1-334B-5F8F-8A92-67DD095F7838}"/>
               </a:ext>
             </a:extLst>
           </p:cNvPr>
@@ -12543,10 +12543,10 @@
           <p:cNvPr id="8" name="Freeform: Shape 11">
             <a:extLst>
               <a:ext uri="{FF2B5EF4-FFF2-40B4-BE49-F238E27FC236}">
-                <a16:creationId xmlns="" xmlns:a16="http://schemas.microsoft.com/office/drawing/2014/main" id="{1E75594D-82D2-74F6-56EC-46FCD28CBE68}"/>
+                <a16:creationId xmlns:a16="http://schemas.microsoft.com/office/drawing/2014/main" xmlns="" id="{1E75594D-82D2-74F6-56EC-46FCD28CBE68}"/>
               </a:ext>
               <a:ext uri="{C183D7F6-B498-43B3-948B-1728B52AA6E4}">
-                <adec:decorative xmlns="" xmlns:adec="http://schemas.microsoft.com/office/drawing/2017/decorative" val="1"/>
+                <adec:decorative xmlns:adec="http://schemas.microsoft.com/office/drawing/2017/decorative" xmlns="" val="1"/>
               </a:ext>
             </a:extLst>
           </p:cNvPr>
@@ -12684,10 +12684,10 @@
           <p:cNvPr id="9" name="Freeform: Shape 13">
             <a:extLst>
               <a:ext uri="{FF2B5EF4-FFF2-40B4-BE49-F238E27FC236}">
-                <a16:creationId xmlns="" xmlns:a16="http://schemas.microsoft.com/office/drawing/2014/main" id="{FF4E0F5B-0892-2688-EFD3-284369DA50CD}"/>
+                <a16:creationId xmlns:a16="http://schemas.microsoft.com/office/drawing/2014/main" xmlns="" id="{FF4E0F5B-0892-2688-EFD3-284369DA50CD}"/>
               </a:ext>
               <a:ext uri="{C183D7F6-B498-43B3-948B-1728B52AA6E4}">
-                <adec:decorative xmlns="" xmlns:adec="http://schemas.microsoft.com/office/drawing/2017/decorative" val="1"/>
+                <adec:decorative xmlns:adec="http://schemas.microsoft.com/office/drawing/2017/decorative" xmlns="" val="1"/>
               </a:ext>
             </a:extLst>
           </p:cNvPr>
@@ -12833,10 +12833,10 @@
           <p:cNvPr id="10" name="Straight Connector 9">
             <a:extLst>
               <a:ext uri="{FF2B5EF4-FFF2-40B4-BE49-F238E27FC236}">
-                <a16:creationId xmlns="" xmlns:a16="http://schemas.microsoft.com/office/drawing/2014/main" id="{71D8715A-3067-732D-C410-868C7CCCF750}"/>
+                <a16:creationId xmlns:a16="http://schemas.microsoft.com/office/drawing/2014/main" xmlns="" id="{71D8715A-3067-732D-C410-868C7CCCF750}"/>
               </a:ext>
               <a:ext uri="{C183D7F6-B498-43B3-948B-1728B52AA6E4}">
-                <adec:decorative xmlns="" xmlns:adec="http://schemas.microsoft.com/office/drawing/2017/decorative" val="1"/>
+                <adec:decorative xmlns:adec="http://schemas.microsoft.com/office/drawing/2017/decorative" xmlns="" val="1"/>
               </a:ext>
             </a:extLst>
           </p:cNvPr>
@@ -12878,7 +12878,7 @@
     </p:spTree>
     <p:extLst>
       <p:ext uri="{BB962C8B-B14F-4D97-AF65-F5344CB8AC3E}">
-        <p14:creationId xmlns="" xmlns:p14="http://schemas.microsoft.com/office/powerpoint/2010/main" val="657852692"/>
+        <p14:creationId xmlns:p14="http://schemas.microsoft.com/office/powerpoint/2010/main" xmlns="" val="657852692"/>
       </p:ext>
     </p:extLst>
   </p:cSld>
@@ -12910,10 +12910,10 @@
           <p:cNvPr id="4" name="Group 3">
             <a:extLst>
               <a:ext uri="{FF2B5EF4-FFF2-40B4-BE49-F238E27FC236}">
-                <a16:creationId xmlns="" xmlns:a16="http://schemas.microsoft.com/office/drawing/2014/main" id="{5807BCF9-2F5B-200E-2E6C-E177DB56ECB0}"/>
+                <a16:creationId xmlns:a16="http://schemas.microsoft.com/office/drawing/2014/main" xmlns="" id="{5807BCF9-2F5B-200E-2E6C-E177DB56ECB0}"/>
               </a:ext>
               <a:ext uri="{C183D7F6-B498-43B3-948B-1728B52AA6E4}">
-                <adec:decorative xmlns="" xmlns:adec="http://schemas.microsoft.com/office/drawing/2017/decorative" val="1"/>
+                <adec:decorative xmlns:adec="http://schemas.microsoft.com/office/drawing/2017/decorative" xmlns="" val="1"/>
               </a:ext>
             </a:extLst>
           </p:cNvPr>
@@ -12933,7 +12933,7 @@
             <p:cNvPr id="9" name="Freeform: Shape 14">
               <a:extLst>
                 <a:ext uri="{FF2B5EF4-FFF2-40B4-BE49-F238E27FC236}">
-                  <a16:creationId xmlns="" xmlns:a16="http://schemas.microsoft.com/office/drawing/2014/main" id="{7A624B2B-50FD-9351-987F-2E5A5472CAB6}"/>
+                  <a16:creationId xmlns:a16="http://schemas.microsoft.com/office/drawing/2014/main" xmlns="" id="{7A624B2B-50FD-9351-987F-2E5A5472CAB6}"/>
                 </a:ext>
               </a:extLst>
             </p:cNvPr>
@@ -13079,7 +13079,7 @@
             <p:cNvPr id="10" name="Freeform: Shape 13">
               <a:extLst>
                 <a:ext uri="{FF2B5EF4-FFF2-40B4-BE49-F238E27FC236}">
-                  <a16:creationId xmlns="" xmlns:a16="http://schemas.microsoft.com/office/drawing/2014/main" id="{51E534EE-E0F1-2BD9-9A82-7656B90A2D9D}"/>
+                  <a16:creationId xmlns:a16="http://schemas.microsoft.com/office/drawing/2014/main" xmlns="" id="{51E534EE-E0F1-2BD9-9A82-7656B90A2D9D}"/>
                 </a:ext>
               </a:extLst>
             </p:cNvPr>
@@ -13218,7 +13218,7 @@
           <p:cNvPr id="2" name="Title 1">
             <a:extLst>
               <a:ext uri="{FF2B5EF4-FFF2-40B4-BE49-F238E27FC236}">
-                <a16:creationId xmlns="" xmlns:a16="http://schemas.microsoft.com/office/drawing/2014/main" id="{0C40C44A-93E6-6C58-5E88-AFDC594EC27A}"/>
+                <a16:creationId xmlns:a16="http://schemas.microsoft.com/office/drawing/2014/main" xmlns="" id="{0C40C44A-93E6-6C58-5E88-AFDC594EC27A}"/>
               </a:ext>
             </a:extLst>
           </p:cNvPr>
@@ -13254,7 +13254,7 @@
           <p:cNvPr id="3" name="Content Placeholder 2">
             <a:extLst>
               <a:ext uri="{FF2B5EF4-FFF2-40B4-BE49-F238E27FC236}">
-                <a16:creationId xmlns="" xmlns:a16="http://schemas.microsoft.com/office/drawing/2014/main" id="{0C813049-5F46-053E-6279-8183259649A6}"/>
+                <a16:creationId xmlns:a16="http://schemas.microsoft.com/office/drawing/2014/main" xmlns="" id="{0C813049-5F46-053E-6279-8183259649A6}"/>
               </a:ext>
             </a:extLst>
           </p:cNvPr>
@@ -13385,7 +13385,7 @@
           <p:cNvPr id="8" name="Picture Placeholder 7">
             <a:extLst>
               <a:ext uri="{FF2B5EF4-FFF2-40B4-BE49-F238E27FC236}">
-                <a16:creationId xmlns="" xmlns:a16="http://schemas.microsoft.com/office/drawing/2014/main" id="{BC013AD6-0EF3-2B25-DDBD-2DF706123AEE}"/>
+                <a16:creationId xmlns:a16="http://schemas.microsoft.com/office/drawing/2014/main" xmlns="" id="{BC013AD6-0EF3-2B25-DDBD-2DF706123AEE}"/>
               </a:ext>
             </a:extLst>
           </p:cNvPr>
@@ -13426,7 +13426,7 @@
           <p:cNvPr id="5" name="Date Placeholder 4">
             <a:extLst>
               <a:ext uri="{FF2B5EF4-FFF2-40B4-BE49-F238E27FC236}">
-                <a16:creationId xmlns="" xmlns:a16="http://schemas.microsoft.com/office/drawing/2014/main" id="{C6CFCEB5-4092-FD13-478E-51CD74FDB82E}"/>
+                <a16:creationId xmlns:a16="http://schemas.microsoft.com/office/drawing/2014/main" xmlns="" id="{C6CFCEB5-4092-FD13-478E-51CD74FDB82E}"/>
               </a:ext>
             </a:extLst>
           </p:cNvPr>
@@ -13445,7 +13445,7 @@
             <a:fld id="{D6D8061D-18C3-4F4F-85EF-561633F58754}" type="datetimeFigureOut">
               <a:rPr lang="en-US" smtClean="0"/>
               <a:pPr/>
-              <a:t>10/24/2024</a:t>
+              <a:t>10/25/2024</a:t>
             </a:fld>
             <a:endParaRPr lang="en-US" dirty="0"/>
           </a:p>
@@ -13456,7 +13456,7 @@
           <p:cNvPr id="6" name="Footer Placeholder 5">
             <a:extLst>
               <a:ext uri="{FF2B5EF4-FFF2-40B4-BE49-F238E27FC236}">
-                <a16:creationId xmlns="" xmlns:a16="http://schemas.microsoft.com/office/drawing/2014/main" id="{5D077A4D-E7C0-912D-293F-D93F0CB5CA49}"/>
+                <a16:creationId xmlns:a16="http://schemas.microsoft.com/office/drawing/2014/main" xmlns="" id="{5D077A4D-E7C0-912D-293F-D93F0CB5CA49}"/>
               </a:ext>
             </a:extLst>
           </p:cNvPr>
@@ -13481,7 +13481,7 @@
           <p:cNvPr id="7" name="Slide Number Placeholder 6">
             <a:extLst>
               <a:ext uri="{FF2B5EF4-FFF2-40B4-BE49-F238E27FC236}">
-                <a16:creationId xmlns="" xmlns:a16="http://schemas.microsoft.com/office/drawing/2014/main" id="{CA6AA9E1-334B-5F8F-8A92-67DD095F7838}"/>
+                <a16:creationId xmlns:a16="http://schemas.microsoft.com/office/drawing/2014/main" xmlns="" id="{CA6AA9E1-334B-5F8F-8A92-67DD095F7838}"/>
               </a:ext>
             </a:extLst>
           </p:cNvPr>
@@ -13509,7 +13509,7 @@
     </p:spTree>
     <p:extLst>
       <p:ext uri="{BB962C8B-B14F-4D97-AF65-F5344CB8AC3E}">
-        <p14:creationId xmlns="" xmlns:p14="http://schemas.microsoft.com/office/powerpoint/2010/main" val="2845438103"/>
+        <p14:creationId xmlns:p14="http://schemas.microsoft.com/office/powerpoint/2010/main" xmlns="" val="2845438103"/>
       </p:ext>
     </p:extLst>
   </p:cSld>
@@ -13541,10 +13541,10 @@
           <p:cNvPr id="11" name="Group 10">
             <a:extLst>
               <a:ext uri="{FF2B5EF4-FFF2-40B4-BE49-F238E27FC236}">
-                <a16:creationId xmlns="" xmlns:a16="http://schemas.microsoft.com/office/drawing/2014/main" id="{521BD3DB-6F51-C1AE-FF0E-D0BDCB55F30B}"/>
+                <a16:creationId xmlns:a16="http://schemas.microsoft.com/office/drawing/2014/main" xmlns="" id="{521BD3DB-6F51-C1AE-FF0E-D0BDCB55F30B}"/>
               </a:ext>
               <a:ext uri="{C183D7F6-B498-43B3-948B-1728B52AA6E4}">
-                <adec:decorative xmlns="" xmlns:adec="http://schemas.microsoft.com/office/drawing/2017/decorative" val="1"/>
+                <adec:decorative xmlns:adec="http://schemas.microsoft.com/office/drawing/2017/decorative" xmlns="" val="1"/>
               </a:ext>
             </a:extLst>
           </p:cNvPr>
@@ -13564,7 +13564,7 @@
             <p:cNvPr id="12" name="Freeform: Shape 7">
               <a:extLst>
                 <a:ext uri="{FF2B5EF4-FFF2-40B4-BE49-F238E27FC236}">
-                  <a16:creationId xmlns="" xmlns:a16="http://schemas.microsoft.com/office/drawing/2014/main" id="{59903C17-0733-BE0C-7392-283FEC2E98B0}"/>
+                  <a16:creationId xmlns:a16="http://schemas.microsoft.com/office/drawing/2014/main" xmlns="" id="{59903C17-0733-BE0C-7392-283FEC2E98B0}"/>
                 </a:ext>
               </a:extLst>
             </p:cNvPr>
@@ -13920,7 +13920,7 @@
             <p:cNvPr id="13" name="Freeform: Shape 1">
               <a:extLst>
                 <a:ext uri="{FF2B5EF4-FFF2-40B4-BE49-F238E27FC236}">
-                  <a16:creationId xmlns="" xmlns:a16="http://schemas.microsoft.com/office/drawing/2014/main" id="{898A3450-9C87-13ED-79CC-F4F65D14FF72}"/>
+                  <a16:creationId xmlns:a16="http://schemas.microsoft.com/office/drawing/2014/main" xmlns="" id="{898A3450-9C87-13ED-79CC-F4F65D14FF72}"/>
                 </a:ext>
               </a:extLst>
             </p:cNvPr>
@@ -14059,7 +14059,7 @@
           <p:cNvPr id="2" name="Title 1">
             <a:extLst>
               <a:ext uri="{FF2B5EF4-FFF2-40B4-BE49-F238E27FC236}">
-                <a16:creationId xmlns="" xmlns:a16="http://schemas.microsoft.com/office/drawing/2014/main" id="{0C40C44A-93E6-6C58-5E88-AFDC594EC27A}"/>
+                <a16:creationId xmlns:a16="http://schemas.microsoft.com/office/drawing/2014/main" xmlns="" id="{0C40C44A-93E6-6C58-5E88-AFDC594EC27A}"/>
               </a:ext>
             </a:extLst>
           </p:cNvPr>
@@ -14093,7 +14093,7 @@
           <p:cNvPr id="3" name="Content Placeholder 2">
             <a:extLst>
               <a:ext uri="{FF2B5EF4-FFF2-40B4-BE49-F238E27FC236}">
-                <a16:creationId xmlns="" xmlns:a16="http://schemas.microsoft.com/office/drawing/2014/main" id="{0C813049-5F46-053E-6279-8183259649A6}"/>
+                <a16:creationId xmlns:a16="http://schemas.microsoft.com/office/drawing/2014/main" xmlns="" id="{0C813049-5F46-053E-6279-8183259649A6}"/>
               </a:ext>
             </a:extLst>
           </p:cNvPr>
@@ -14224,7 +14224,7 @@
           <p:cNvPr id="8" name="Table Placeholder 7">
             <a:extLst>
               <a:ext uri="{FF2B5EF4-FFF2-40B4-BE49-F238E27FC236}">
-                <a16:creationId xmlns="" xmlns:a16="http://schemas.microsoft.com/office/drawing/2014/main" id="{423FEB60-8FB5-7F10-EDD7-8AB4B3139EF6}"/>
+                <a16:creationId xmlns:a16="http://schemas.microsoft.com/office/drawing/2014/main" xmlns="" id="{423FEB60-8FB5-7F10-EDD7-8AB4B3139EF6}"/>
               </a:ext>
             </a:extLst>
           </p:cNvPr>
@@ -14264,7 +14264,7 @@
           <p:cNvPr id="5" name="Date Placeholder 4">
             <a:extLst>
               <a:ext uri="{FF2B5EF4-FFF2-40B4-BE49-F238E27FC236}">
-                <a16:creationId xmlns="" xmlns:a16="http://schemas.microsoft.com/office/drawing/2014/main" id="{C6CFCEB5-4092-FD13-478E-51CD74FDB82E}"/>
+                <a16:creationId xmlns:a16="http://schemas.microsoft.com/office/drawing/2014/main" xmlns="" id="{C6CFCEB5-4092-FD13-478E-51CD74FDB82E}"/>
               </a:ext>
             </a:extLst>
           </p:cNvPr>
@@ -14283,7 +14283,7 @@
             <a:fld id="{D6D8061D-18C3-4F4F-85EF-561633F58754}" type="datetimeFigureOut">
               <a:rPr lang="en-US" smtClean="0"/>
               <a:pPr/>
-              <a:t>10/24/2024</a:t>
+              <a:t>10/25/2024</a:t>
             </a:fld>
             <a:endParaRPr lang="en-US" dirty="0"/>
           </a:p>
@@ -14294,7 +14294,7 @@
           <p:cNvPr id="6" name="Footer Placeholder 5">
             <a:extLst>
               <a:ext uri="{FF2B5EF4-FFF2-40B4-BE49-F238E27FC236}">
-                <a16:creationId xmlns="" xmlns:a16="http://schemas.microsoft.com/office/drawing/2014/main" id="{5D077A4D-E7C0-912D-293F-D93F0CB5CA49}"/>
+                <a16:creationId xmlns:a16="http://schemas.microsoft.com/office/drawing/2014/main" xmlns="" id="{5D077A4D-E7C0-912D-293F-D93F0CB5CA49}"/>
               </a:ext>
             </a:extLst>
           </p:cNvPr>
@@ -14319,7 +14319,7 @@
           <p:cNvPr id="7" name="Slide Number Placeholder 6">
             <a:extLst>
               <a:ext uri="{FF2B5EF4-FFF2-40B4-BE49-F238E27FC236}">
-                <a16:creationId xmlns="" xmlns:a16="http://schemas.microsoft.com/office/drawing/2014/main" id="{CA6AA9E1-334B-5F8F-8A92-67DD095F7838}"/>
+                <a16:creationId xmlns:a16="http://schemas.microsoft.com/office/drawing/2014/main" xmlns="" id="{CA6AA9E1-334B-5F8F-8A92-67DD095F7838}"/>
               </a:ext>
             </a:extLst>
           </p:cNvPr>
@@ -14347,7 +14347,7 @@
     </p:spTree>
     <p:extLst>
       <p:ext uri="{BB962C8B-B14F-4D97-AF65-F5344CB8AC3E}">
-        <p14:creationId xmlns="" xmlns:p14="http://schemas.microsoft.com/office/powerpoint/2010/main" val="280815037"/>
+        <p14:creationId xmlns:p14="http://schemas.microsoft.com/office/powerpoint/2010/main" xmlns="" val="280815037"/>
       </p:ext>
     </p:extLst>
   </p:cSld>
@@ -14384,7 +14384,7 @@
           <p:cNvPr id="2" name="Title Placeholder 1">
             <a:extLst>
               <a:ext uri="{FF2B5EF4-FFF2-40B4-BE49-F238E27FC236}">
-                <a16:creationId xmlns="" xmlns:a16="http://schemas.microsoft.com/office/drawing/2014/main" id="{4FD97564-C310-6E8C-8689-CE18881B4A17}"/>
+                <a16:creationId xmlns:a16="http://schemas.microsoft.com/office/drawing/2014/main" xmlns="" id="{4FD97564-C310-6E8C-8689-CE18881B4A17}"/>
               </a:ext>
             </a:extLst>
           </p:cNvPr>
@@ -14422,7 +14422,7 @@
           <p:cNvPr id="3" name="Text Placeholder 2">
             <a:extLst>
               <a:ext uri="{FF2B5EF4-FFF2-40B4-BE49-F238E27FC236}">
-                <a16:creationId xmlns="" xmlns:a16="http://schemas.microsoft.com/office/drawing/2014/main" id="{0FAD99FA-26D9-873B-BE7F-26FEC5C233A2}"/>
+                <a16:creationId xmlns:a16="http://schemas.microsoft.com/office/drawing/2014/main" xmlns="" id="{0FAD99FA-26D9-873B-BE7F-26FEC5C233A2}"/>
               </a:ext>
             </a:extLst>
           </p:cNvPr>
@@ -14489,7 +14489,7 @@
           <p:cNvPr id="4" name="Date Placeholder 3">
             <a:extLst>
               <a:ext uri="{FF2B5EF4-FFF2-40B4-BE49-F238E27FC236}">
-                <a16:creationId xmlns="" xmlns:a16="http://schemas.microsoft.com/office/drawing/2014/main" id="{C319819E-0266-97DD-DFD1-BAAA06AE3236}"/>
+                <a16:creationId xmlns:a16="http://schemas.microsoft.com/office/drawing/2014/main" xmlns="" id="{C319819E-0266-97DD-DFD1-BAAA06AE3236}"/>
               </a:ext>
             </a:extLst>
           </p:cNvPr>
@@ -14526,7 +14526,7 @@
             <a:fld id="{D6D8061D-18C3-4F4F-85EF-561633F58754}" type="datetimeFigureOut">
               <a:rPr lang="en-US" smtClean="0"/>
               <a:pPr/>
-              <a:t>10/24/2024</a:t>
+              <a:t>10/25/2024</a:t>
             </a:fld>
             <a:endParaRPr lang="en-US" dirty="0"/>
           </a:p>
@@ -14537,7 +14537,7 @@
           <p:cNvPr id="5" name="Footer Placeholder 4">
             <a:extLst>
               <a:ext uri="{FF2B5EF4-FFF2-40B4-BE49-F238E27FC236}">
-                <a16:creationId xmlns="" xmlns:a16="http://schemas.microsoft.com/office/drawing/2014/main" id="{2BFD19C9-01CE-9E2A-CDA5-C15940F055F7}"/>
+                <a16:creationId xmlns:a16="http://schemas.microsoft.com/office/drawing/2014/main" xmlns="" id="{2BFD19C9-01CE-9E2A-CDA5-C15940F055F7}"/>
               </a:ext>
             </a:extLst>
           </p:cNvPr>
@@ -14580,7 +14580,7 @@
           <p:cNvPr id="6" name="Slide Number Placeholder 5">
             <a:extLst>
               <a:ext uri="{FF2B5EF4-FFF2-40B4-BE49-F238E27FC236}">
-                <a16:creationId xmlns="" xmlns:a16="http://schemas.microsoft.com/office/drawing/2014/main" id="{A1801085-7B28-048D-E3D3-9C3614268DA7}"/>
+                <a16:creationId xmlns:a16="http://schemas.microsoft.com/office/drawing/2014/main" xmlns="" id="{A1801085-7B28-048D-E3D3-9C3614268DA7}"/>
               </a:ext>
             </a:extLst>
           </p:cNvPr>
@@ -14626,7 +14626,7 @@
     </p:spTree>
     <p:extLst>
       <p:ext uri="{BB962C8B-B14F-4D97-AF65-F5344CB8AC3E}">
-        <p14:creationId xmlns="" xmlns:p14="http://schemas.microsoft.com/office/powerpoint/2010/main" val="1965934658"/>
+        <p14:creationId xmlns:p14="http://schemas.microsoft.com/office/powerpoint/2010/main" xmlns="" val="1965934658"/>
       </p:ext>
     </p:extLst>
   </p:cSld>
@@ -14950,7 +14950,7 @@
           <p:cNvPr id="4" name="Title 3">
             <a:extLst>
               <a:ext uri="{FF2B5EF4-FFF2-40B4-BE49-F238E27FC236}">
-                <a16:creationId xmlns="" xmlns:a16="http://schemas.microsoft.com/office/drawing/2014/main" id="{10047101-8D42-6100-9CEA-AEC0FAEAB606}"/>
+                <a16:creationId xmlns:a16="http://schemas.microsoft.com/office/drawing/2014/main" xmlns="" id="{10047101-8D42-6100-9CEA-AEC0FAEAB606}"/>
               </a:ext>
             </a:extLst>
           </p:cNvPr>
@@ -15039,7 +15039,7 @@
     </p:spTree>
     <p:extLst>
       <p:ext uri="{BB962C8B-B14F-4D97-AF65-F5344CB8AC3E}">
-        <p14:creationId xmlns="" xmlns:p14="http://schemas.microsoft.com/office/powerpoint/2010/main" val="517426050"/>
+        <p14:creationId xmlns:p14="http://schemas.microsoft.com/office/powerpoint/2010/main" xmlns="" val="517426050"/>
       </p:ext>
     </p:extLst>
   </p:cSld>
@@ -15078,7 +15078,7 @@
           <p:cNvPr id="2" name="Title 1">
             <a:extLst>
               <a:ext uri="{FF2B5EF4-FFF2-40B4-BE49-F238E27FC236}">
-                <a16:creationId xmlns="" xmlns:a16="http://schemas.microsoft.com/office/drawing/2014/main" id="{47A9874B-BCA9-8420-1595-EDD1865A099A}"/>
+                <a16:creationId xmlns:a16="http://schemas.microsoft.com/office/drawing/2014/main" xmlns="" id="{47A9874B-BCA9-8420-1595-EDD1865A099A}"/>
               </a:ext>
             </a:extLst>
           </p:cNvPr>
@@ -15112,7 +15112,7 @@
           <p:cNvPr id="3" name="Content Placeholder 2">
             <a:extLst>
               <a:ext uri="{FF2B5EF4-FFF2-40B4-BE49-F238E27FC236}">
-                <a16:creationId xmlns="" xmlns:a16="http://schemas.microsoft.com/office/drawing/2014/main" id="{68A5FD2B-E3E5-1C2B-0151-21F216B14A33}"/>
+                <a16:creationId xmlns:a16="http://schemas.microsoft.com/office/drawing/2014/main" xmlns="" id="{68A5FD2B-E3E5-1C2B-0151-21F216B14A33}"/>
               </a:ext>
             </a:extLst>
           </p:cNvPr>
@@ -15188,7 +15188,7 @@
           <p:cNvPr id="4" name="Content Placeholder 3">
             <a:extLst>
               <a:ext uri="{FF2B5EF4-FFF2-40B4-BE49-F238E27FC236}">
-                <a16:creationId xmlns="" xmlns:a16="http://schemas.microsoft.com/office/drawing/2014/main" id="{ACFBB810-3430-2C29-1AA0-9744AA0A1AA3}"/>
+                <a16:creationId xmlns:a16="http://schemas.microsoft.com/office/drawing/2014/main" xmlns="" id="{ACFBB810-3430-2C29-1AA0-9744AA0A1AA3}"/>
               </a:ext>
             </a:extLst>
           </p:cNvPr>
@@ -15363,7 +15363,7 @@
     </p:spTree>
     <p:extLst>
       <p:ext uri="{BB962C8B-B14F-4D97-AF65-F5344CB8AC3E}">
-        <p14:creationId xmlns="" xmlns:p14="http://schemas.microsoft.com/office/powerpoint/2010/main" val="1127649784"/>
+        <p14:creationId xmlns:p14="http://schemas.microsoft.com/office/powerpoint/2010/main" xmlns="" val="1127649784"/>
       </p:ext>
     </p:extLst>
   </p:cSld>
@@ -15402,7 +15402,7 @@
           <p:cNvPr id="2" name="Title 1">
             <a:extLst>
               <a:ext uri="{FF2B5EF4-FFF2-40B4-BE49-F238E27FC236}">
-                <a16:creationId xmlns="" xmlns:a16="http://schemas.microsoft.com/office/drawing/2014/main" id="{47A9874B-BCA9-8420-1595-EDD1865A099A}"/>
+                <a16:creationId xmlns:a16="http://schemas.microsoft.com/office/drawing/2014/main" xmlns="" id="{47A9874B-BCA9-8420-1595-EDD1865A099A}"/>
               </a:ext>
             </a:extLst>
           </p:cNvPr>
@@ -15436,7 +15436,7 @@
           <p:cNvPr id="3" name="Content Placeholder 2">
             <a:extLst>
               <a:ext uri="{FF2B5EF4-FFF2-40B4-BE49-F238E27FC236}">
-                <a16:creationId xmlns="" xmlns:a16="http://schemas.microsoft.com/office/drawing/2014/main" id="{68A5FD2B-E3E5-1C2B-0151-21F216B14A33}"/>
+                <a16:creationId xmlns:a16="http://schemas.microsoft.com/office/drawing/2014/main" xmlns="" id="{68A5FD2B-E3E5-1C2B-0151-21F216B14A33}"/>
               </a:ext>
             </a:extLst>
           </p:cNvPr>
@@ -15502,7 +15502,7 @@
           <p:cNvPr id="4" name="Content Placeholder 3">
             <a:extLst>
               <a:ext uri="{FF2B5EF4-FFF2-40B4-BE49-F238E27FC236}">
-                <a16:creationId xmlns="" xmlns:a16="http://schemas.microsoft.com/office/drawing/2014/main" id="{ACFBB810-3430-2C29-1AA0-9744AA0A1AA3}"/>
+                <a16:creationId xmlns:a16="http://schemas.microsoft.com/office/drawing/2014/main" xmlns="" id="{ACFBB810-3430-2C29-1AA0-9744AA0A1AA3}"/>
               </a:ext>
             </a:extLst>
           </p:cNvPr>
@@ -15584,7 +15584,7 @@
     </p:spTree>
     <p:extLst>
       <p:ext uri="{BB962C8B-B14F-4D97-AF65-F5344CB8AC3E}">
-        <p14:creationId xmlns="" xmlns:p14="http://schemas.microsoft.com/office/powerpoint/2010/main" val="1127649784"/>
+        <p14:creationId xmlns:p14="http://schemas.microsoft.com/office/powerpoint/2010/main" xmlns="" val="1127649784"/>
       </p:ext>
     </p:extLst>
   </p:cSld>
@@ -15616,7 +15616,7 @@
           <p:cNvPr id="2" name="Title 1">
             <a:extLst>
               <a:ext uri="{FF2B5EF4-FFF2-40B4-BE49-F238E27FC236}">
-                <a16:creationId xmlns="" xmlns:a16="http://schemas.microsoft.com/office/drawing/2014/main" id="{47A9874B-BCA9-8420-1595-EDD1865A099A}"/>
+                <a16:creationId xmlns:a16="http://schemas.microsoft.com/office/drawing/2014/main" xmlns="" id="{47A9874B-BCA9-8420-1595-EDD1865A099A}"/>
               </a:ext>
             </a:extLst>
           </p:cNvPr>
@@ -15650,7 +15650,7 @@
           <p:cNvPr id="3" name="Content Placeholder 2">
             <a:extLst>
               <a:ext uri="{FF2B5EF4-FFF2-40B4-BE49-F238E27FC236}">
-                <a16:creationId xmlns="" xmlns:a16="http://schemas.microsoft.com/office/drawing/2014/main" id="{68A5FD2B-E3E5-1C2B-0151-21F216B14A33}"/>
+                <a16:creationId xmlns:a16="http://schemas.microsoft.com/office/drawing/2014/main" xmlns="" id="{68A5FD2B-E3E5-1C2B-0151-21F216B14A33}"/>
               </a:ext>
             </a:extLst>
           </p:cNvPr>
@@ -15713,7 +15713,7 @@
           <p:cNvPr id="4" name="Content Placeholder 3">
             <a:extLst>
               <a:ext uri="{FF2B5EF4-FFF2-40B4-BE49-F238E27FC236}">
-                <a16:creationId xmlns="" xmlns:a16="http://schemas.microsoft.com/office/drawing/2014/main" id="{ACFBB810-3430-2C29-1AA0-9744AA0A1AA3}"/>
+                <a16:creationId xmlns:a16="http://schemas.microsoft.com/office/drawing/2014/main" xmlns="" id="{ACFBB810-3430-2C29-1AA0-9744AA0A1AA3}"/>
               </a:ext>
             </a:extLst>
           </p:cNvPr>
@@ -15791,7 +15791,7 @@
     </p:spTree>
     <p:extLst>
       <p:ext uri="{BB962C8B-B14F-4D97-AF65-F5344CB8AC3E}">
-        <p14:creationId xmlns="" xmlns:p14="http://schemas.microsoft.com/office/powerpoint/2010/main" val="1127649784"/>
+        <p14:creationId xmlns:p14="http://schemas.microsoft.com/office/powerpoint/2010/main" xmlns="" val="1127649784"/>
       </p:ext>
     </p:extLst>
   </p:cSld>
@@ -15823,7 +15823,7 @@
           <p:cNvPr id="2" name="Title 1">
             <a:extLst>
               <a:ext uri="{FF2B5EF4-FFF2-40B4-BE49-F238E27FC236}">
-                <a16:creationId xmlns="" xmlns:a16="http://schemas.microsoft.com/office/drawing/2014/main" id="{314C27C8-165C-5513-DB4B-9D840097C545}"/>
+                <a16:creationId xmlns:a16="http://schemas.microsoft.com/office/drawing/2014/main" xmlns="" id="{314C27C8-165C-5513-DB4B-9D840097C545}"/>
               </a:ext>
             </a:extLst>
           </p:cNvPr>
@@ -15857,7 +15857,7 @@
           <p:cNvPr id="7" name="Content Placeholder 2">
             <a:extLst>
               <a:ext uri="{FF2B5EF4-FFF2-40B4-BE49-F238E27FC236}">
-                <a16:creationId xmlns="" xmlns:a16="http://schemas.microsoft.com/office/drawing/2014/main" id="{A6A33159-D030-2F82-A142-F75940728319}"/>
+                <a16:creationId xmlns:a16="http://schemas.microsoft.com/office/drawing/2014/main" xmlns="" id="{A6A33159-D030-2F82-A142-F75940728319}"/>
               </a:ext>
             </a:extLst>
           </p:cNvPr>
@@ -15939,7 +15939,7 @@
     </p:spTree>
     <p:extLst>
       <p:ext uri="{BB962C8B-B14F-4D97-AF65-F5344CB8AC3E}">
-        <p14:creationId xmlns="" xmlns:p14="http://schemas.microsoft.com/office/powerpoint/2010/main" val="729609147"/>
+        <p14:creationId xmlns:p14="http://schemas.microsoft.com/office/powerpoint/2010/main" xmlns="" val="729609147"/>
       </p:ext>
     </p:extLst>
   </p:cSld>
@@ -15971,7 +15971,7 @@
           <p:cNvPr id="2" name="Title 1">
             <a:extLst>
               <a:ext uri="{FF2B5EF4-FFF2-40B4-BE49-F238E27FC236}">
-                <a16:creationId xmlns="" xmlns:a16="http://schemas.microsoft.com/office/drawing/2014/main" id="{47A9874B-BCA9-8420-1595-EDD1865A099A}"/>
+                <a16:creationId xmlns:a16="http://schemas.microsoft.com/office/drawing/2014/main" xmlns="" id="{47A9874B-BCA9-8420-1595-EDD1865A099A}"/>
               </a:ext>
             </a:extLst>
           </p:cNvPr>
@@ -16005,7 +16005,7 @@
           <p:cNvPr id="3" name="Content Placeholder 2">
             <a:extLst>
               <a:ext uri="{FF2B5EF4-FFF2-40B4-BE49-F238E27FC236}">
-                <a16:creationId xmlns="" xmlns:a16="http://schemas.microsoft.com/office/drawing/2014/main" id="{68A5FD2B-E3E5-1C2B-0151-21F216B14A33}"/>
+                <a16:creationId xmlns:a16="http://schemas.microsoft.com/office/drawing/2014/main" xmlns="" id="{68A5FD2B-E3E5-1C2B-0151-21F216B14A33}"/>
               </a:ext>
             </a:extLst>
           </p:cNvPr>
@@ -16074,7 +16074,7 @@
           <p:cNvPr id="10" name="Content Placeholder 3">
             <a:extLst>
               <a:ext uri="{FF2B5EF4-FFF2-40B4-BE49-F238E27FC236}">
-                <a16:creationId xmlns="" xmlns:a16="http://schemas.microsoft.com/office/drawing/2014/main" id="{ACFBB810-3430-2C29-1AA0-9744AA0A1AA3}"/>
+                <a16:creationId xmlns:a16="http://schemas.microsoft.com/office/drawing/2014/main" xmlns="" id="{ACFBB810-3430-2C29-1AA0-9744AA0A1AA3}"/>
               </a:ext>
             </a:extLst>
           </p:cNvPr>
@@ -16194,7 +16194,7 @@
     </p:spTree>
     <p:extLst>
       <p:ext uri="{BB962C8B-B14F-4D97-AF65-F5344CB8AC3E}">
-        <p14:creationId xmlns="" xmlns:p14="http://schemas.microsoft.com/office/powerpoint/2010/main" val="1127649784"/>
+        <p14:creationId xmlns:p14="http://schemas.microsoft.com/office/powerpoint/2010/main" xmlns="" val="1127649784"/>
       </p:ext>
     </p:extLst>
   </p:cSld>
@@ -16226,7 +16226,7 @@
           <p:cNvPr id="8" name="Title 1">
             <a:extLst>
               <a:ext uri="{FF2B5EF4-FFF2-40B4-BE49-F238E27FC236}">
-                <a16:creationId xmlns="" xmlns:a16="http://schemas.microsoft.com/office/drawing/2014/main" id="{47A9874B-BCA9-8420-1595-EDD1865A099A}"/>
+                <a16:creationId xmlns:a16="http://schemas.microsoft.com/office/drawing/2014/main" xmlns="" id="{47A9874B-BCA9-8420-1595-EDD1865A099A}"/>
               </a:ext>
             </a:extLst>
           </p:cNvPr>
@@ -16260,7 +16260,7 @@
           <p:cNvPr id="26" name="Content Placeholder 2">
             <a:extLst>
               <a:ext uri="{FF2B5EF4-FFF2-40B4-BE49-F238E27FC236}">
-                <a16:creationId xmlns="" xmlns:a16="http://schemas.microsoft.com/office/drawing/2014/main" id="{68A5FD2B-E3E5-1C2B-0151-21F216B14A33}"/>
+                <a16:creationId xmlns:a16="http://schemas.microsoft.com/office/drawing/2014/main" xmlns="" id="{68A5FD2B-E3E5-1C2B-0151-21F216B14A33}"/>
               </a:ext>
             </a:extLst>
           </p:cNvPr>
@@ -16304,7 +16304,7 @@
           <p:cNvPr id="27" name="Content Placeholder 3">
             <a:extLst>
               <a:ext uri="{FF2B5EF4-FFF2-40B4-BE49-F238E27FC236}">
-                <a16:creationId xmlns="" xmlns:a16="http://schemas.microsoft.com/office/drawing/2014/main" id="{ACFBB810-3430-2C29-1AA0-9744AA0A1AA3}"/>
+                <a16:creationId xmlns:a16="http://schemas.microsoft.com/office/drawing/2014/main" xmlns="" id="{ACFBB810-3430-2C29-1AA0-9744AA0A1AA3}"/>
               </a:ext>
             </a:extLst>
           </p:cNvPr>
@@ -16476,7 +16476,7 @@
     </p:spTree>
     <p:extLst>
       <p:ext uri="{BB962C8B-B14F-4D97-AF65-F5344CB8AC3E}">
-        <p14:creationId xmlns="" xmlns:p14="http://schemas.microsoft.com/office/powerpoint/2010/main" val="2737241225"/>
+        <p14:creationId xmlns:p14="http://schemas.microsoft.com/office/powerpoint/2010/main" xmlns="" val="2737241225"/>
       </p:ext>
     </p:extLst>
   </p:cSld>
@@ -16508,7 +16508,7 @@
           <p:cNvPr id="9" name="Title 1">
             <a:extLst>
               <a:ext uri="{FF2B5EF4-FFF2-40B4-BE49-F238E27FC236}">
-                <a16:creationId xmlns="" xmlns:a16="http://schemas.microsoft.com/office/drawing/2014/main" id="{47A9874B-BCA9-8420-1595-EDD1865A099A}"/>
+                <a16:creationId xmlns:a16="http://schemas.microsoft.com/office/drawing/2014/main" xmlns="" id="{47A9874B-BCA9-8420-1595-EDD1865A099A}"/>
               </a:ext>
             </a:extLst>
           </p:cNvPr>
@@ -16542,7 +16542,7 @@
           <p:cNvPr id="13" name="Content Placeholder 2">
             <a:extLst>
               <a:ext uri="{FF2B5EF4-FFF2-40B4-BE49-F238E27FC236}">
-                <a16:creationId xmlns="" xmlns:a16="http://schemas.microsoft.com/office/drawing/2014/main" id="{68A5FD2B-E3E5-1C2B-0151-21F216B14A33}"/>
+                <a16:creationId xmlns:a16="http://schemas.microsoft.com/office/drawing/2014/main" xmlns="" id="{68A5FD2B-E3E5-1C2B-0151-21F216B14A33}"/>
               </a:ext>
             </a:extLst>
           </p:cNvPr>
@@ -16585,7 +16585,7 @@
           <p:cNvPr id="14" name="Content Placeholder 3">
             <a:extLst>
               <a:ext uri="{FF2B5EF4-FFF2-40B4-BE49-F238E27FC236}">
-                <a16:creationId xmlns="" xmlns:a16="http://schemas.microsoft.com/office/drawing/2014/main" id="{ACFBB810-3430-2C29-1AA0-9744AA0A1AA3}"/>
+                <a16:creationId xmlns:a16="http://schemas.microsoft.com/office/drawing/2014/main" xmlns="" id="{ACFBB810-3430-2C29-1AA0-9744AA0A1AA3}"/>
               </a:ext>
             </a:extLst>
           </p:cNvPr>
@@ -16704,7 +16704,7 @@
     </p:spTree>
     <p:extLst>
       <p:ext uri="{BB962C8B-B14F-4D97-AF65-F5344CB8AC3E}">
-        <p14:creationId xmlns="" xmlns:p14="http://schemas.microsoft.com/office/powerpoint/2010/main" val="4259977132"/>
+        <p14:creationId xmlns:p14="http://schemas.microsoft.com/office/powerpoint/2010/main" xmlns="" val="4259977132"/>
       </p:ext>
     </p:extLst>
   </p:cSld>
@@ -16736,7 +16736,7 @@
           <p:cNvPr id="8" name="Title 1">
             <a:extLst>
               <a:ext uri="{FF2B5EF4-FFF2-40B4-BE49-F238E27FC236}">
-                <a16:creationId xmlns="" xmlns:a16="http://schemas.microsoft.com/office/drawing/2014/main" id="{47A9874B-BCA9-8420-1595-EDD1865A099A}"/>
+                <a16:creationId xmlns:a16="http://schemas.microsoft.com/office/drawing/2014/main" xmlns="" id="{47A9874B-BCA9-8420-1595-EDD1865A099A}"/>
               </a:ext>
             </a:extLst>
           </p:cNvPr>
@@ -16770,7 +16770,7 @@
           <p:cNvPr id="9" name="Content Placeholder 2">
             <a:extLst>
               <a:ext uri="{FF2B5EF4-FFF2-40B4-BE49-F238E27FC236}">
-                <a16:creationId xmlns="" xmlns:a16="http://schemas.microsoft.com/office/drawing/2014/main" id="{A6A33159-D030-2F82-A142-F75940728319}"/>
+                <a16:creationId xmlns:a16="http://schemas.microsoft.com/office/drawing/2014/main" xmlns="" id="{A6A33159-D030-2F82-A142-F75940728319}"/>
               </a:ext>
             </a:extLst>
           </p:cNvPr>
@@ -16887,7 +16887,7 @@
     </p:spTree>
     <p:extLst>
       <p:ext uri="{BB962C8B-B14F-4D97-AF65-F5344CB8AC3E}">
-        <p14:creationId xmlns="" xmlns:p14="http://schemas.microsoft.com/office/powerpoint/2010/main" val="414613742"/>
+        <p14:creationId xmlns:p14="http://schemas.microsoft.com/office/powerpoint/2010/main" xmlns="" val="414613742"/>
       </p:ext>
     </p:extLst>
   </p:cSld>
@@ -16919,7 +16919,7 @@
           <p:cNvPr id="2" name="Title 1">
             <a:extLst>
               <a:ext uri="{FF2B5EF4-FFF2-40B4-BE49-F238E27FC236}">
-                <a16:creationId xmlns="" xmlns:a16="http://schemas.microsoft.com/office/drawing/2014/main" id="{47A9874B-BCA9-8420-1595-EDD1865A099A}"/>
+                <a16:creationId xmlns:a16="http://schemas.microsoft.com/office/drawing/2014/main" xmlns="" id="{47A9874B-BCA9-8420-1595-EDD1865A099A}"/>
               </a:ext>
             </a:extLst>
           </p:cNvPr>
@@ -16953,7 +16953,7 @@
           <p:cNvPr id="3" name="Content Placeholder 2">
             <a:extLst>
               <a:ext uri="{FF2B5EF4-FFF2-40B4-BE49-F238E27FC236}">
-                <a16:creationId xmlns="" xmlns:a16="http://schemas.microsoft.com/office/drawing/2014/main" id="{68A5FD2B-E3E5-1C2B-0151-21F216B14A33}"/>
+                <a16:creationId xmlns:a16="http://schemas.microsoft.com/office/drawing/2014/main" xmlns="" id="{68A5FD2B-E3E5-1C2B-0151-21F216B14A33}"/>
               </a:ext>
             </a:extLst>
           </p:cNvPr>
@@ -17044,7 +17044,7 @@
           <p:cNvPr id="7" name="Content Placeholder 3">
             <a:extLst>
               <a:ext uri="{FF2B5EF4-FFF2-40B4-BE49-F238E27FC236}">
-                <a16:creationId xmlns="" xmlns:a16="http://schemas.microsoft.com/office/drawing/2014/main" id="{ACFBB810-3430-2C29-1AA0-9744AA0A1AA3}"/>
+                <a16:creationId xmlns:a16="http://schemas.microsoft.com/office/drawing/2014/main" xmlns="" id="{ACFBB810-3430-2C29-1AA0-9744AA0A1AA3}"/>
               </a:ext>
             </a:extLst>
           </p:cNvPr>
@@ -17118,7 +17118,7 @@
     </p:spTree>
     <p:extLst>
       <p:ext uri="{BB962C8B-B14F-4D97-AF65-F5344CB8AC3E}">
-        <p14:creationId xmlns="" xmlns:p14="http://schemas.microsoft.com/office/powerpoint/2010/main" val="1127649784"/>
+        <p14:creationId xmlns:p14="http://schemas.microsoft.com/office/powerpoint/2010/main" xmlns="" val="1127649784"/>
       </p:ext>
     </p:extLst>
   </p:cSld>
@@ -17150,7 +17150,7 @@
           <p:cNvPr id="2" name="Title 1">
             <a:extLst>
               <a:ext uri="{FF2B5EF4-FFF2-40B4-BE49-F238E27FC236}">
-                <a16:creationId xmlns="" xmlns:a16="http://schemas.microsoft.com/office/drawing/2014/main" id="{47A9874B-BCA9-8420-1595-EDD1865A099A}"/>
+                <a16:creationId xmlns:a16="http://schemas.microsoft.com/office/drawing/2014/main" xmlns="" id="{47A9874B-BCA9-8420-1595-EDD1865A099A}"/>
               </a:ext>
             </a:extLst>
           </p:cNvPr>
@@ -17184,7 +17184,7 @@
           <p:cNvPr id="3" name="Content Placeholder 2">
             <a:extLst>
               <a:ext uri="{FF2B5EF4-FFF2-40B4-BE49-F238E27FC236}">
-                <a16:creationId xmlns="" xmlns:a16="http://schemas.microsoft.com/office/drawing/2014/main" id="{68A5FD2B-E3E5-1C2B-0151-21F216B14A33}"/>
+                <a16:creationId xmlns:a16="http://schemas.microsoft.com/office/drawing/2014/main" xmlns="" id="{68A5FD2B-E3E5-1C2B-0151-21F216B14A33}"/>
               </a:ext>
             </a:extLst>
           </p:cNvPr>
@@ -17239,7 +17239,7 @@
           <p:cNvPr id="10" name="Content Placeholder 3">
             <a:extLst>
               <a:ext uri="{FF2B5EF4-FFF2-40B4-BE49-F238E27FC236}">
-                <a16:creationId xmlns="" xmlns:a16="http://schemas.microsoft.com/office/drawing/2014/main" id="{ACFBB810-3430-2C29-1AA0-9744AA0A1AA3}"/>
+                <a16:creationId xmlns:a16="http://schemas.microsoft.com/office/drawing/2014/main" xmlns="" id="{ACFBB810-3430-2C29-1AA0-9744AA0A1AA3}"/>
               </a:ext>
             </a:extLst>
           </p:cNvPr>
@@ -17401,7 +17401,7 @@
     </p:spTree>
     <p:extLst>
       <p:ext uri="{BB962C8B-B14F-4D97-AF65-F5344CB8AC3E}">
-        <p14:creationId xmlns="" xmlns:p14="http://schemas.microsoft.com/office/powerpoint/2010/main" val="1127649784"/>
+        <p14:creationId xmlns:p14="http://schemas.microsoft.com/office/powerpoint/2010/main" xmlns="" val="1127649784"/>
       </p:ext>
     </p:extLst>
   </p:cSld>
@@ -17445,7 +17445,7 @@
     </p:spTree>
     <p:extLst>
       <p:ext uri="{BB962C8B-B14F-4D97-AF65-F5344CB8AC3E}">
-        <p14:creationId xmlns="" xmlns:p14="http://schemas.microsoft.com/office/powerpoint/2010/main" val="2828263213"/>
+        <p14:creationId xmlns:p14="http://schemas.microsoft.com/office/powerpoint/2010/main" xmlns="" val="2828263213"/>
       </p:ext>
     </p:extLst>
   </p:cSld>
@@ -17484,7 +17484,7 @@
           <p:cNvPr id="2" name="Title 1">
             <a:extLst>
               <a:ext uri="{FF2B5EF4-FFF2-40B4-BE49-F238E27FC236}">
-                <a16:creationId xmlns="" xmlns:a16="http://schemas.microsoft.com/office/drawing/2014/main" id="{47A9874B-BCA9-8420-1595-EDD1865A099A}"/>
+                <a16:creationId xmlns:a16="http://schemas.microsoft.com/office/drawing/2014/main" xmlns="" id="{47A9874B-BCA9-8420-1595-EDD1865A099A}"/>
               </a:ext>
             </a:extLst>
           </p:cNvPr>
@@ -17518,7 +17518,7 @@
           <p:cNvPr id="3" name="Content Placeholder 2">
             <a:extLst>
               <a:ext uri="{FF2B5EF4-FFF2-40B4-BE49-F238E27FC236}">
-                <a16:creationId xmlns="" xmlns:a16="http://schemas.microsoft.com/office/drawing/2014/main" id="{68A5FD2B-E3E5-1C2B-0151-21F216B14A33}"/>
+                <a16:creationId xmlns:a16="http://schemas.microsoft.com/office/drawing/2014/main" xmlns="" id="{68A5FD2B-E3E5-1C2B-0151-21F216B14A33}"/>
               </a:ext>
             </a:extLst>
           </p:cNvPr>
@@ -17565,7 +17565,7 @@
           <p:cNvPr id="10" name="Content Placeholder 3">
             <a:extLst>
               <a:ext uri="{FF2B5EF4-FFF2-40B4-BE49-F238E27FC236}">
-                <a16:creationId xmlns="" xmlns:a16="http://schemas.microsoft.com/office/drawing/2014/main" id="{ACFBB810-3430-2C29-1AA0-9744AA0A1AA3}"/>
+                <a16:creationId xmlns:a16="http://schemas.microsoft.com/office/drawing/2014/main" xmlns="" id="{ACFBB810-3430-2C29-1AA0-9744AA0A1AA3}"/>
               </a:ext>
             </a:extLst>
           </p:cNvPr>
@@ -17675,7 +17675,7 @@
     </p:spTree>
     <p:extLst>
       <p:ext uri="{BB962C8B-B14F-4D97-AF65-F5344CB8AC3E}">
-        <p14:creationId xmlns="" xmlns:p14="http://schemas.microsoft.com/office/powerpoint/2010/main" val="1127649784"/>
+        <p14:creationId xmlns:p14="http://schemas.microsoft.com/office/powerpoint/2010/main" xmlns="" val="1127649784"/>
       </p:ext>
     </p:extLst>
   </p:cSld>
@@ -17707,7 +17707,7 @@
           <p:cNvPr id="2" name="Title 1">
             <a:extLst>
               <a:ext uri="{FF2B5EF4-FFF2-40B4-BE49-F238E27FC236}">
-                <a16:creationId xmlns="" xmlns:a16="http://schemas.microsoft.com/office/drawing/2014/main" id="{47A9874B-BCA9-8420-1595-EDD1865A099A}"/>
+                <a16:creationId xmlns:a16="http://schemas.microsoft.com/office/drawing/2014/main" xmlns="" id="{47A9874B-BCA9-8420-1595-EDD1865A099A}"/>
               </a:ext>
             </a:extLst>
           </p:cNvPr>
@@ -17741,7 +17741,7 @@
           <p:cNvPr id="3" name="Content Placeholder 2">
             <a:extLst>
               <a:ext uri="{FF2B5EF4-FFF2-40B4-BE49-F238E27FC236}">
-                <a16:creationId xmlns="" xmlns:a16="http://schemas.microsoft.com/office/drawing/2014/main" id="{68A5FD2B-E3E5-1C2B-0151-21F216B14A33}"/>
+                <a16:creationId xmlns:a16="http://schemas.microsoft.com/office/drawing/2014/main" xmlns="" id="{68A5FD2B-E3E5-1C2B-0151-21F216B14A33}"/>
               </a:ext>
             </a:extLst>
           </p:cNvPr>
@@ -17788,7 +17788,7 @@
           <p:cNvPr id="10" name="Content Placeholder 3">
             <a:extLst>
               <a:ext uri="{FF2B5EF4-FFF2-40B4-BE49-F238E27FC236}">
-                <a16:creationId xmlns="" xmlns:a16="http://schemas.microsoft.com/office/drawing/2014/main" id="{ACFBB810-3430-2C29-1AA0-9744AA0A1AA3}"/>
+                <a16:creationId xmlns:a16="http://schemas.microsoft.com/office/drawing/2014/main" xmlns="" id="{ACFBB810-3430-2C29-1AA0-9744AA0A1AA3}"/>
               </a:ext>
             </a:extLst>
           </p:cNvPr>
@@ -17924,7 +17924,7 @@
     </p:spTree>
     <p:extLst>
       <p:ext uri="{BB962C8B-B14F-4D97-AF65-F5344CB8AC3E}">
-        <p14:creationId xmlns="" xmlns:p14="http://schemas.microsoft.com/office/powerpoint/2010/main" val="1127649784"/>
+        <p14:creationId xmlns:p14="http://schemas.microsoft.com/office/powerpoint/2010/main" xmlns="" val="1127649784"/>
       </p:ext>
     </p:extLst>
   </p:cSld>
@@ -17956,7 +17956,7 @@
           <p:cNvPr id="2" name="Title 1">
             <a:extLst>
               <a:ext uri="{FF2B5EF4-FFF2-40B4-BE49-F238E27FC236}">
-                <a16:creationId xmlns="" xmlns:a16="http://schemas.microsoft.com/office/drawing/2014/main" id="{47A9874B-BCA9-8420-1595-EDD1865A099A}"/>
+                <a16:creationId xmlns:a16="http://schemas.microsoft.com/office/drawing/2014/main" xmlns="" id="{47A9874B-BCA9-8420-1595-EDD1865A099A}"/>
               </a:ext>
             </a:extLst>
           </p:cNvPr>
@@ -17990,7 +17990,7 @@
           <p:cNvPr id="3" name="Content Placeholder 2">
             <a:extLst>
               <a:ext uri="{FF2B5EF4-FFF2-40B4-BE49-F238E27FC236}">
-                <a16:creationId xmlns="" xmlns:a16="http://schemas.microsoft.com/office/drawing/2014/main" id="{68A5FD2B-E3E5-1C2B-0151-21F216B14A33}"/>
+                <a16:creationId xmlns:a16="http://schemas.microsoft.com/office/drawing/2014/main" xmlns="" id="{68A5FD2B-E3E5-1C2B-0151-21F216B14A33}"/>
               </a:ext>
             </a:extLst>
           </p:cNvPr>
@@ -18037,7 +18037,7 @@
           <p:cNvPr id="10" name="Content Placeholder 3">
             <a:extLst>
               <a:ext uri="{FF2B5EF4-FFF2-40B4-BE49-F238E27FC236}">
-                <a16:creationId xmlns="" xmlns:a16="http://schemas.microsoft.com/office/drawing/2014/main" id="{ACFBB810-3430-2C29-1AA0-9744AA0A1AA3}"/>
+                <a16:creationId xmlns:a16="http://schemas.microsoft.com/office/drawing/2014/main" xmlns="" id="{ACFBB810-3430-2C29-1AA0-9744AA0A1AA3}"/>
               </a:ext>
             </a:extLst>
           </p:cNvPr>
@@ -18212,7 +18212,7 @@
     </p:spTree>
     <p:extLst>
       <p:ext uri="{BB962C8B-B14F-4D97-AF65-F5344CB8AC3E}">
-        <p14:creationId xmlns="" xmlns:p14="http://schemas.microsoft.com/office/powerpoint/2010/main" val="1127649784"/>
+        <p14:creationId xmlns:p14="http://schemas.microsoft.com/office/powerpoint/2010/main" xmlns="" val="1127649784"/>
       </p:ext>
     </p:extLst>
   </p:cSld>
@@ -18244,7 +18244,7 @@
           <p:cNvPr id="2" name="Title 1">
             <a:extLst>
               <a:ext uri="{FF2B5EF4-FFF2-40B4-BE49-F238E27FC236}">
-                <a16:creationId xmlns="" xmlns:a16="http://schemas.microsoft.com/office/drawing/2014/main" id="{47A9874B-BCA9-8420-1595-EDD1865A099A}"/>
+                <a16:creationId xmlns:a16="http://schemas.microsoft.com/office/drawing/2014/main" xmlns="" id="{47A9874B-BCA9-8420-1595-EDD1865A099A}"/>
               </a:ext>
             </a:extLst>
           </p:cNvPr>
@@ -18278,7 +18278,7 @@
           <p:cNvPr id="7" name="Content Placeholder 2">
             <a:extLst>
               <a:ext uri="{FF2B5EF4-FFF2-40B4-BE49-F238E27FC236}">
-                <a16:creationId xmlns="" xmlns:a16="http://schemas.microsoft.com/office/drawing/2014/main" id="{A6A33159-D030-2F82-A142-F75940728319}"/>
+                <a16:creationId xmlns:a16="http://schemas.microsoft.com/office/drawing/2014/main" xmlns="" id="{A6A33159-D030-2F82-A142-F75940728319}"/>
               </a:ext>
             </a:extLst>
           </p:cNvPr>
@@ -18361,7 +18361,7 @@
     </p:spTree>
     <p:extLst>
       <p:ext uri="{BB962C8B-B14F-4D97-AF65-F5344CB8AC3E}">
-        <p14:creationId xmlns="" xmlns:p14="http://schemas.microsoft.com/office/powerpoint/2010/main" val="1127649784"/>
+        <p14:creationId xmlns:p14="http://schemas.microsoft.com/office/powerpoint/2010/main" xmlns="" val="1127649784"/>
       </p:ext>
     </p:extLst>
   </p:cSld>
@@ -18393,7 +18393,7 @@
           <p:cNvPr id="2" name="Title 1">
             <a:extLst>
               <a:ext uri="{FF2B5EF4-FFF2-40B4-BE49-F238E27FC236}">
-                <a16:creationId xmlns="" xmlns:a16="http://schemas.microsoft.com/office/drawing/2014/main" id="{47A9874B-BCA9-8420-1595-EDD1865A099A}"/>
+                <a16:creationId xmlns:a16="http://schemas.microsoft.com/office/drawing/2014/main" xmlns="" id="{47A9874B-BCA9-8420-1595-EDD1865A099A}"/>
               </a:ext>
             </a:extLst>
           </p:cNvPr>
@@ -18427,7 +18427,7 @@
           <p:cNvPr id="7" name="Content Placeholder 2">
             <a:extLst>
               <a:ext uri="{FF2B5EF4-FFF2-40B4-BE49-F238E27FC236}">
-                <a16:creationId xmlns="" xmlns:a16="http://schemas.microsoft.com/office/drawing/2014/main" id="{A6A33159-D030-2F82-A142-F75940728319}"/>
+                <a16:creationId xmlns:a16="http://schemas.microsoft.com/office/drawing/2014/main" xmlns="" id="{A6A33159-D030-2F82-A142-F75940728319}"/>
               </a:ext>
             </a:extLst>
           </p:cNvPr>
@@ -18607,7 +18607,7 @@
           <p:cNvPr id="4" name="Content Placeholder 2">
             <a:extLst>
               <a:ext uri="{FF2B5EF4-FFF2-40B4-BE49-F238E27FC236}">
-                <a16:creationId xmlns="" xmlns:a16="http://schemas.microsoft.com/office/drawing/2014/main" id="{A6A33159-D030-2F82-A142-F75940728319}"/>
+                <a16:creationId xmlns:a16="http://schemas.microsoft.com/office/drawing/2014/main" xmlns="" id="{A6A33159-D030-2F82-A142-F75940728319}"/>
               </a:ext>
             </a:extLst>
           </p:cNvPr>
@@ -18752,7 +18752,7 @@
     </p:spTree>
     <p:extLst>
       <p:ext uri="{BB962C8B-B14F-4D97-AF65-F5344CB8AC3E}">
-        <p14:creationId xmlns="" xmlns:p14="http://schemas.microsoft.com/office/powerpoint/2010/main" val="1127649784"/>
+        <p14:creationId xmlns:p14="http://schemas.microsoft.com/office/powerpoint/2010/main" xmlns="" val="1127649784"/>
       </p:ext>
     </p:extLst>
   </p:cSld>
@@ -18784,7 +18784,7 @@
           <p:cNvPr id="2" name="Title 1">
             <a:extLst>
               <a:ext uri="{FF2B5EF4-FFF2-40B4-BE49-F238E27FC236}">
-                <a16:creationId xmlns="" xmlns:a16="http://schemas.microsoft.com/office/drawing/2014/main" id="{47A9874B-BCA9-8420-1595-EDD1865A099A}"/>
+                <a16:creationId xmlns:a16="http://schemas.microsoft.com/office/drawing/2014/main" xmlns="" id="{47A9874B-BCA9-8420-1595-EDD1865A099A}"/>
               </a:ext>
             </a:extLst>
           </p:cNvPr>
@@ -18818,7 +18818,7 @@
           <p:cNvPr id="7" name="Content Placeholder 2">
             <a:extLst>
               <a:ext uri="{FF2B5EF4-FFF2-40B4-BE49-F238E27FC236}">
-                <a16:creationId xmlns="" xmlns:a16="http://schemas.microsoft.com/office/drawing/2014/main" id="{A6A33159-D030-2F82-A142-F75940728319}"/>
+                <a16:creationId xmlns:a16="http://schemas.microsoft.com/office/drawing/2014/main" xmlns="" id="{A6A33159-D030-2F82-A142-F75940728319}"/>
               </a:ext>
             </a:extLst>
           </p:cNvPr>
@@ -18968,7 +18968,7 @@
     </p:spTree>
     <p:extLst>
       <p:ext uri="{BB962C8B-B14F-4D97-AF65-F5344CB8AC3E}">
-        <p14:creationId xmlns="" xmlns:p14="http://schemas.microsoft.com/office/powerpoint/2010/main" val="1127649784"/>
+        <p14:creationId xmlns:p14="http://schemas.microsoft.com/office/powerpoint/2010/main" xmlns="" val="1127649784"/>
       </p:ext>
     </p:extLst>
   </p:cSld>
@@ -19000,7 +19000,7 @@
           <p:cNvPr id="2" name="Title 1">
             <a:extLst>
               <a:ext uri="{FF2B5EF4-FFF2-40B4-BE49-F238E27FC236}">
-                <a16:creationId xmlns="" xmlns:a16="http://schemas.microsoft.com/office/drawing/2014/main" id="{47A9874B-BCA9-8420-1595-EDD1865A099A}"/>
+                <a16:creationId xmlns:a16="http://schemas.microsoft.com/office/drawing/2014/main" xmlns="" id="{47A9874B-BCA9-8420-1595-EDD1865A099A}"/>
               </a:ext>
             </a:extLst>
           </p:cNvPr>
@@ -19035,7 +19035,7 @@
           <p:cNvPr id="7" name="Content Placeholder 2">
             <a:extLst>
               <a:ext uri="{FF2B5EF4-FFF2-40B4-BE49-F238E27FC236}">
-                <a16:creationId xmlns="" xmlns:a16="http://schemas.microsoft.com/office/drawing/2014/main" id="{A6A33159-D030-2F82-A142-F75940728319}"/>
+                <a16:creationId xmlns:a16="http://schemas.microsoft.com/office/drawing/2014/main" xmlns="" id="{A6A33159-D030-2F82-A142-F75940728319}"/>
               </a:ext>
             </a:extLst>
           </p:cNvPr>
@@ -19129,7 +19129,7 @@
     </p:spTree>
     <p:extLst>
       <p:ext uri="{BB962C8B-B14F-4D97-AF65-F5344CB8AC3E}">
-        <p14:creationId xmlns="" xmlns:p14="http://schemas.microsoft.com/office/powerpoint/2010/main" val="1127649784"/>
+        <p14:creationId xmlns:p14="http://schemas.microsoft.com/office/powerpoint/2010/main" xmlns="" val="1127649784"/>
       </p:ext>
     </p:extLst>
   </p:cSld>
@@ -19161,7 +19161,7 @@
           <p:cNvPr id="8" name="Title 1">
             <a:extLst>
               <a:ext uri="{FF2B5EF4-FFF2-40B4-BE49-F238E27FC236}">
-                <a16:creationId xmlns="" xmlns:a16="http://schemas.microsoft.com/office/drawing/2014/main" id="{47A9874B-BCA9-8420-1595-EDD1865A099A}"/>
+                <a16:creationId xmlns:a16="http://schemas.microsoft.com/office/drawing/2014/main" xmlns="" id="{47A9874B-BCA9-8420-1595-EDD1865A099A}"/>
               </a:ext>
             </a:extLst>
           </p:cNvPr>
@@ -19227,7 +19227,7 @@
           <p:cNvPr id="9" name="Content Placeholder 2">
             <a:extLst>
               <a:ext uri="{FF2B5EF4-FFF2-40B4-BE49-F238E27FC236}">
-                <a16:creationId xmlns="" xmlns:a16="http://schemas.microsoft.com/office/drawing/2014/main" id="{A6A33159-D030-2F82-A142-F75940728319}"/>
+                <a16:creationId xmlns:a16="http://schemas.microsoft.com/office/drawing/2014/main" xmlns="" id="{A6A33159-D030-2F82-A142-F75940728319}"/>
               </a:ext>
             </a:extLst>
           </p:cNvPr>
@@ -19288,8 +19288,13 @@
             </a:pPr>
             <a:r>
               <a:rPr lang="en-IN" sz="1700" dirty="0"/>
-              <a:t>Retrieve relevant information from database</a:t>
-            </a:r>
+              <a:t>Retrieve relevant information from </a:t>
+            </a:r>
+            <a:r>
+              <a:rPr lang="en-IN" sz="1700" dirty="0" smtClean="0"/>
+              <a:t>sources</a:t>
+            </a:r>
+            <a:endParaRPr lang="en-IN" sz="1700" dirty="0"/>
           </a:p>
           <a:p>
             <a:pPr marL="171450" lvl="1">
@@ -19327,9 +19332,10 @@
               </a:buClr>
             </a:pPr>
             <a:r>
-              <a:rPr lang="en-IN" sz="1700" dirty="0"/>
-              <a:t>Retrieved information + LLM based Generation</a:t>
-            </a:r>
+              <a:rPr lang="en-IN" sz="1700" dirty="0" smtClean="0"/>
+              <a:t>Augment user query with retrieved relevant information</a:t>
+            </a:r>
+            <a:endParaRPr lang="en-IN" sz="1700" dirty="0"/>
           </a:p>
           <a:p>
             <a:pPr marL="171450" lvl="1">
@@ -19368,15 +19374,28 @@
             </a:pPr>
             <a:r>
               <a:rPr lang="en-IN" sz="1700" dirty="0"/>
-              <a:t>Generate answer using LLM</a:t>
-            </a:r>
+              <a:t>Generate </a:t>
+            </a:r>
+            <a:r>
+              <a:rPr lang="en-IN" sz="1700" dirty="0" smtClean="0"/>
+              <a:t>response using augmented </a:t>
+            </a:r>
+            <a:r>
+              <a:rPr lang="en-IN" sz="1700" dirty="0" smtClean="0"/>
+              <a:t>input and </a:t>
+            </a:r>
+            <a:r>
+              <a:rPr lang="en-IN" sz="1700" dirty="0" smtClean="0"/>
+              <a:t>LLM</a:t>
+            </a:r>
+            <a:endParaRPr lang="en-IN" sz="1700" dirty="0"/>
           </a:p>
         </p:txBody>
       </p:sp>
     </p:spTree>
     <p:extLst>
       <p:ext uri="{BB962C8B-B14F-4D97-AF65-F5344CB8AC3E}">
-        <p14:creationId xmlns="" xmlns:p14="http://schemas.microsoft.com/office/powerpoint/2010/main" val="414613742"/>
+        <p14:creationId xmlns:p14="http://schemas.microsoft.com/office/powerpoint/2010/main" xmlns="" val="414613742"/>
       </p:ext>
     </p:extLst>
   </p:cSld>
@@ -19408,7 +19427,7 @@
           <p:cNvPr id="8" name="Title 1">
             <a:extLst>
               <a:ext uri="{FF2B5EF4-FFF2-40B4-BE49-F238E27FC236}">
-                <a16:creationId xmlns="" xmlns:a16="http://schemas.microsoft.com/office/drawing/2014/main" id="{47A9874B-BCA9-8420-1595-EDD1865A099A}"/>
+                <a16:creationId xmlns:a16="http://schemas.microsoft.com/office/drawing/2014/main" xmlns="" id="{47A9874B-BCA9-8420-1595-EDD1865A099A}"/>
               </a:ext>
             </a:extLst>
           </p:cNvPr>
@@ -19449,7 +19468,7 @@
           <p:cNvPr id="5" name="Content Placeholder 2">
             <a:extLst>
               <a:ext uri="{FF2B5EF4-FFF2-40B4-BE49-F238E27FC236}">
-                <a16:creationId xmlns="" xmlns:a16="http://schemas.microsoft.com/office/drawing/2014/main" id="{A6A33159-D030-2F82-A142-F75940728319}"/>
+                <a16:creationId xmlns:a16="http://schemas.microsoft.com/office/drawing/2014/main" xmlns="" id="{A6A33159-D030-2F82-A142-F75940728319}"/>
               </a:ext>
             </a:extLst>
           </p:cNvPr>
@@ -19539,8 +19558,12 @@
               </a:buClr>
             </a:pPr>
             <a:r>
+              <a:rPr lang="en-US" sz="1700" dirty="0" smtClean="0"/>
+              <a:t>Source </a:t>
+            </a:r>
+            <a:r>
               <a:rPr lang="en-US" sz="1700" dirty="0"/>
-              <a:t>Text references – Retrieved documents</a:t>
+              <a:t>references – Retrieved documents</a:t>
             </a:r>
             <a:endParaRPr lang="en-IN" sz="2000" dirty="0"/>
           </a:p>
@@ -19631,7 +19654,7 @@
     </p:spTree>
     <p:extLst>
       <p:ext uri="{BB962C8B-B14F-4D97-AF65-F5344CB8AC3E}">
-        <p14:creationId xmlns="" xmlns:p14="http://schemas.microsoft.com/office/powerpoint/2010/main" val="414613742"/>
+        <p14:creationId xmlns:p14="http://schemas.microsoft.com/office/powerpoint/2010/main" xmlns="" val="414613742"/>
       </p:ext>
     </p:extLst>
   </p:cSld>
@@ -19663,7 +19686,7 @@
           <p:cNvPr id="2" name="Title 1">
             <a:extLst>
               <a:ext uri="{FF2B5EF4-FFF2-40B4-BE49-F238E27FC236}">
-                <a16:creationId xmlns="" xmlns:a16="http://schemas.microsoft.com/office/drawing/2014/main" id="{9635F5E3-2B1C-7C0A-8581-67A9052D13AA}"/>
+                <a16:creationId xmlns:a16="http://schemas.microsoft.com/office/drawing/2014/main" xmlns="" id="{9635F5E3-2B1C-7C0A-8581-67A9052D13AA}"/>
               </a:ext>
             </a:extLst>
           </p:cNvPr>
@@ -19697,7 +19720,7 @@
           <p:cNvPr id="3" name="Group 2">
             <a:extLst>
               <a:ext uri="{FF2B5EF4-FFF2-40B4-BE49-F238E27FC236}">
-                <a16:creationId xmlns="" xmlns:a16="http://schemas.microsoft.com/office/drawing/2014/main" id="{86E8A49B-6897-0562-9203-6B22CDD5C658}"/>
+                <a16:creationId xmlns:a16="http://schemas.microsoft.com/office/drawing/2014/main" xmlns="" id="{86E8A49B-6897-0562-9203-6B22CDD5C658}"/>
               </a:ext>
             </a:extLst>
           </p:cNvPr>
@@ -23327,7 +23350,7 @@
           <p:cNvPr id="42" name="TextBox 41">
             <a:extLst>
               <a:ext uri="{FF2B5EF4-FFF2-40B4-BE49-F238E27FC236}">
-                <a16:creationId xmlns="" xmlns:a16="http://schemas.microsoft.com/office/drawing/2014/main" id="{CEA5AA58-5E79-9756-636E-D5CEE56F3AAF}"/>
+                <a16:creationId xmlns:a16="http://schemas.microsoft.com/office/drawing/2014/main" xmlns="" id="{CEA5AA58-5E79-9756-636E-D5CEE56F3AAF}"/>
               </a:ext>
             </a:extLst>
           </p:cNvPr>
@@ -23407,7 +23430,7 @@
     </p:spTree>
     <p:extLst>
       <p:ext uri="{BB962C8B-B14F-4D97-AF65-F5344CB8AC3E}">
-        <p14:creationId xmlns="" xmlns:p14="http://schemas.microsoft.com/office/powerpoint/2010/main" val="3666674671"/>
+        <p14:creationId xmlns:p14="http://schemas.microsoft.com/office/powerpoint/2010/main" xmlns="" val="3666674671"/>
       </p:ext>
     </p:extLst>
   </p:cSld>
@@ -23439,7 +23462,7 @@
           <p:cNvPr id="2" name="Title 1">
             <a:extLst>
               <a:ext uri="{FF2B5EF4-FFF2-40B4-BE49-F238E27FC236}">
-                <a16:creationId xmlns="" xmlns:a16="http://schemas.microsoft.com/office/drawing/2014/main" id="{43C2181D-911C-1343-7267-E35AC86CCA0E}"/>
+                <a16:creationId xmlns:a16="http://schemas.microsoft.com/office/drawing/2014/main" xmlns="" id="{43C2181D-911C-1343-7267-E35AC86CCA0E}"/>
               </a:ext>
             </a:extLst>
           </p:cNvPr>
@@ -23475,7 +23498,7 @@
           <p:cNvPr id="3" name="Content Placeholder 2">
             <a:extLst>
               <a:ext uri="{FF2B5EF4-FFF2-40B4-BE49-F238E27FC236}">
-                <a16:creationId xmlns="" xmlns:a16="http://schemas.microsoft.com/office/drawing/2014/main" id="{9BEA8735-F1DC-1DE6-0A38-429B2F660F8A}"/>
+                <a16:creationId xmlns:a16="http://schemas.microsoft.com/office/drawing/2014/main" xmlns="" id="{9BEA8735-F1DC-1DE6-0A38-429B2F660F8A}"/>
               </a:ext>
             </a:extLst>
           </p:cNvPr>
@@ -23552,7 +23575,7 @@
     </p:spTree>
     <p:extLst>
       <p:ext uri="{BB962C8B-B14F-4D97-AF65-F5344CB8AC3E}">
-        <p14:creationId xmlns="" xmlns:p14="http://schemas.microsoft.com/office/powerpoint/2010/main" val="3920724481"/>
+        <p14:creationId xmlns:p14="http://schemas.microsoft.com/office/powerpoint/2010/main" xmlns="" val="3920724481"/>
       </p:ext>
     </p:extLst>
   </p:cSld>
@@ -23591,7 +23614,7 @@
           <p:cNvPr id="2" name="Title 1">
             <a:extLst>
               <a:ext uri="{FF2B5EF4-FFF2-40B4-BE49-F238E27FC236}">
-                <a16:creationId xmlns="" xmlns:a16="http://schemas.microsoft.com/office/drawing/2014/main" id="{9635F5E3-2B1C-7C0A-8581-67A9052D13AA}"/>
+                <a16:creationId xmlns:a16="http://schemas.microsoft.com/office/drawing/2014/main" xmlns="" id="{9635F5E3-2B1C-7C0A-8581-67A9052D13AA}"/>
               </a:ext>
             </a:extLst>
           </p:cNvPr>
@@ -23625,7 +23648,7 @@
           <p:cNvPr id="3" name="Group 2">
             <a:extLst>
               <a:ext uri="{FF2B5EF4-FFF2-40B4-BE49-F238E27FC236}">
-                <a16:creationId xmlns="" xmlns:a16="http://schemas.microsoft.com/office/drawing/2014/main" id="{E49B019A-ED66-06D2-F8E5-85D17D377F74}"/>
+                <a16:creationId xmlns:a16="http://schemas.microsoft.com/office/drawing/2014/main" xmlns="" id="{E49B019A-ED66-06D2-F8E5-85D17D377F74}"/>
               </a:ext>
             </a:extLst>
           </p:cNvPr>
@@ -26803,7 +26826,7 @@
           <p:cNvPr id="8" name="TextBox 7">
             <a:extLst>
               <a:ext uri="{FF2B5EF4-FFF2-40B4-BE49-F238E27FC236}">
-                <a16:creationId xmlns="" xmlns:a16="http://schemas.microsoft.com/office/drawing/2014/main" id="{5F862C2B-E72E-62FA-0A90-95337F2AD4AA}"/>
+                <a16:creationId xmlns:a16="http://schemas.microsoft.com/office/drawing/2014/main" xmlns="" id="{5F862C2B-E72E-62FA-0A90-95337F2AD4AA}"/>
               </a:ext>
             </a:extLst>
           </p:cNvPr>
@@ -26883,7 +26906,7 @@
     </p:spTree>
     <p:extLst>
       <p:ext uri="{BB962C8B-B14F-4D97-AF65-F5344CB8AC3E}">
-        <p14:creationId xmlns="" xmlns:p14="http://schemas.microsoft.com/office/powerpoint/2010/main" val="3666674671"/>
+        <p14:creationId xmlns:p14="http://schemas.microsoft.com/office/powerpoint/2010/main" xmlns="" val="3666674671"/>
       </p:ext>
     </p:extLst>
   </p:cSld>
@@ -26915,7 +26938,7 @@
           <p:cNvPr id="2" name="Title 1">
             <a:extLst>
               <a:ext uri="{FF2B5EF4-FFF2-40B4-BE49-F238E27FC236}">
-                <a16:creationId xmlns="" xmlns:a16="http://schemas.microsoft.com/office/drawing/2014/main" id="{5D030A76-B788-B363-104E-266B7C7F7208}"/>
+                <a16:creationId xmlns:a16="http://schemas.microsoft.com/office/drawing/2014/main" xmlns="" id="{5D030A76-B788-B363-104E-266B7C7F7208}"/>
               </a:ext>
             </a:extLst>
           </p:cNvPr>
@@ -26949,7 +26972,7 @@
           <p:cNvPr id="7" name="Content Placeholder 2">
             <a:extLst>
               <a:ext uri="{FF2B5EF4-FFF2-40B4-BE49-F238E27FC236}">
-                <a16:creationId xmlns="" xmlns:a16="http://schemas.microsoft.com/office/drawing/2014/main" id="{68A5FD2B-E3E5-1C2B-0151-21F216B14A33}"/>
+                <a16:creationId xmlns:a16="http://schemas.microsoft.com/office/drawing/2014/main" xmlns="" id="{68A5FD2B-E3E5-1C2B-0151-21F216B14A33}"/>
               </a:ext>
             </a:extLst>
           </p:cNvPr>
@@ -27237,7 +27260,7 @@
           <p:cNvPr id="10" name="Content Placeholder 3">
             <a:extLst>
               <a:ext uri="{FF2B5EF4-FFF2-40B4-BE49-F238E27FC236}">
-                <a16:creationId xmlns="" xmlns:a16="http://schemas.microsoft.com/office/drawing/2014/main" id="{ACFBB810-3430-2C29-1AA0-9744AA0A1AA3}"/>
+                <a16:creationId xmlns:a16="http://schemas.microsoft.com/office/drawing/2014/main" xmlns="" id="{ACFBB810-3430-2C29-1AA0-9744AA0A1AA3}"/>
               </a:ext>
             </a:extLst>
           </p:cNvPr>
@@ -27364,7 +27387,7 @@
     </p:spTree>
     <p:extLst>
       <p:ext uri="{BB962C8B-B14F-4D97-AF65-F5344CB8AC3E}">
-        <p14:creationId xmlns="" xmlns:p14="http://schemas.microsoft.com/office/powerpoint/2010/main" val="414613742"/>
+        <p14:creationId xmlns:p14="http://schemas.microsoft.com/office/powerpoint/2010/main" xmlns="" val="414613742"/>
       </p:ext>
     </p:extLst>
   </p:cSld>
@@ -27396,7 +27419,7 @@
           <p:cNvPr id="2" name="Title 1">
             <a:extLst>
               <a:ext uri="{FF2B5EF4-FFF2-40B4-BE49-F238E27FC236}">
-                <a16:creationId xmlns="" xmlns:a16="http://schemas.microsoft.com/office/drawing/2014/main" id="{5D030A76-B788-B363-104E-266B7C7F7208}"/>
+                <a16:creationId xmlns:a16="http://schemas.microsoft.com/office/drawing/2014/main" xmlns="" id="{5D030A76-B788-B363-104E-266B7C7F7208}"/>
               </a:ext>
             </a:extLst>
           </p:cNvPr>
@@ -27430,7 +27453,7 @@
           <p:cNvPr id="7" name="Content Placeholder 2">
             <a:extLst>
               <a:ext uri="{FF2B5EF4-FFF2-40B4-BE49-F238E27FC236}">
-                <a16:creationId xmlns="" xmlns:a16="http://schemas.microsoft.com/office/drawing/2014/main" id="{68A5FD2B-E3E5-1C2B-0151-21F216B14A33}"/>
+                <a16:creationId xmlns:a16="http://schemas.microsoft.com/office/drawing/2014/main" xmlns="" id="{68A5FD2B-E3E5-1C2B-0151-21F216B14A33}"/>
               </a:ext>
             </a:extLst>
           </p:cNvPr>
@@ -27699,7 +27722,7 @@
           <p:cNvPr id="10" name="Content Placeholder 3">
             <a:extLst>
               <a:ext uri="{FF2B5EF4-FFF2-40B4-BE49-F238E27FC236}">
-                <a16:creationId xmlns="" xmlns:a16="http://schemas.microsoft.com/office/drawing/2014/main" id="{ACFBB810-3430-2C29-1AA0-9744AA0A1AA3}"/>
+                <a16:creationId xmlns:a16="http://schemas.microsoft.com/office/drawing/2014/main" xmlns="" id="{ACFBB810-3430-2C29-1AA0-9744AA0A1AA3}"/>
               </a:ext>
             </a:extLst>
           </p:cNvPr>
@@ -27868,7 +27891,7 @@
     </p:spTree>
     <p:extLst>
       <p:ext uri="{BB962C8B-B14F-4D97-AF65-F5344CB8AC3E}">
-        <p14:creationId xmlns="" xmlns:p14="http://schemas.microsoft.com/office/powerpoint/2010/main" val="414613742"/>
+        <p14:creationId xmlns:p14="http://schemas.microsoft.com/office/powerpoint/2010/main" xmlns="" val="414613742"/>
       </p:ext>
     </p:extLst>
   </p:cSld>
@@ -27900,7 +27923,7 @@
           <p:cNvPr id="9" name="Title 1">
             <a:extLst>
               <a:ext uri="{FF2B5EF4-FFF2-40B4-BE49-F238E27FC236}">
-                <a16:creationId xmlns="" xmlns:a16="http://schemas.microsoft.com/office/drawing/2014/main" id="{47A9874B-BCA9-8420-1595-EDD1865A099A}"/>
+                <a16:creationId xmlns:a16="http://schemas.microsoft.com/office/drawing/2014/main" xmlns="" id="{47A9874B-BCA9-8420-1595-EDD1865A099A}"/>
               </a:ext>
             </a:extLst>
           </p:cNvPr>
@@ -27934,7 +27957,7 @@
           <p:cNvPr id="5" name="Content Placeholder 2">
             <a:extLst>
               <a:ext uri="{FF2B5EF4-FFF2-40B4-BE49-F238E27FC236}">
-                <a16:creationId xmlns="" xmlns:a16="http://schemas.microsoft.com/office/drawing/2014/main" id="{A6A33159-D030-2F82-A142-F75940728319}"/>
+                <a16:creationId xmlns:a16="http://schemas.microsoft.com/office/drawing/2014/main" xmlns="" id="{A6A33159-D030-2F82-A142-F75940728319}"/>
               </a:ext>
             </a:extLst>
           </p:cNvPr>
@@ -28127,7 +28150,7 @@
     </p:spTree>
     <p:extLst>
       <p:ext uri="{BB962C8B-B14F-4D97-AF65-F5344CB8AC3E}">
-        <p14:creationId xmlns="" xmlns:p14="http://schemas.microsoft.com/office/powerpoint/2010/main" val="3032902017"/>
+        <p14:creationId xmlns:p14="http://schemas.microsoft.com/office/powerpoint/2010/main" xmlns="" val="3032902017"/>
       </p:ext>
     </p:extLst>
   </p:cSld>
@@ -28159,7 +28182,7 @@
           <p:cNvPr id="2" name="Title 1">
             <a:extLst>
               <a:ext uri="{FF2B5EF4-FFF2-40B4-BE49-F238E27FC236}">
-                <a16:creationId xmlns="" xmlns:a16="http://schemas.microsoft.com/office/drawing/2014/main" id="{9635F5E3-2B1C-7C0A-8581-67A9052D13AA}"/>
+                <a16:creationId xmlns:a16="http://schemas.microsoft.com/office/drawing/2014/main" xmlns="" id="{9635F5E3-2B1C-7C0A-8581-67A9052D13AA}"/>
               </a:ext>
             </a:extLst>
           </p:cNvPr>
@@ -28193,7 +28216,7 @@
           <p:cNvPr id="41" name="Content Placeholder 2">
             <a:extLst>
               <a:ext uri="{FF2B5EF4-FFF2-40B4-BE49-F238E27FC236}">
-                <a16:creationId xmlns="" xmlns:a16="http://schemas.microsoft.com/office/drawing/2014/main" id="{A6A33159-D030-2F82-A142-F75940728319}"/>
+                <a16:creationId xmlns:a16="http://schemas.microsoft.com/office/drawing/2014/main" xmlns="" id="{A6A33159-D030-2F82-A142-F75940728319}"/>
               </a:ext>
             </a:extLst>
           </p:cNvPr>
@@ -28392,7 +28415,7 @@
     </p:spTree>
     <p:extLst>
       <p:ext uri="{BB962C8B-B14F-4D97-AF65-F5344CB8AC3E}">
-        <p14:creationId xmlns="" xmlns:p14="http://schemas.microsoft.com/office/powerpoint/2010/main" val="3519397257"/>
+        <p14:creationId xmlns:p14="http://schemas.microsoft.com/office/powerpoint/2010/main" xmlns="" val="3519397257"/>
       </p:ext>
     </p:extLst>
   </p:cSld>
@@ -28424,7 +28447,7 @@
           <p:cNvPr id="8" name="Title 1">
             <a:extLst>
               <a:ext uri="{FF2B5EF4-FFF2-40B4-BE49-F238E27FC236}">
-                <a16:creationId xmlns="" xmlns:a16="http://schemas.microsoft.com/office/drawing/2014/main" id="{47A9874B-BCA9-8420-1595-EDD1865A099A}"/>
+                <a16:creationId xmlns:a16="http://schemas.microsoft.com/office/drawing/2014/main" xmlns="" id="{47A9874B-BCA9-8420-1595-EDD1865A099A}"/>
               </a:ext>
             </a:extLst>
           </p:cNvPr>
@@ -28469,7 +28492,7 @@
           <p:cNvPr id="5" name="Content Placeholder 2">
             <a:extLst>
               <a:ext uri="{FF2B5EF4-FFF2-40B4-BE49-F238E27FC236}">
-                <a16:creationId xmlns="" xmlns:a16="http://schemas.microsoft.com/office/drawing/2014/main" id="{A6A33159-D030-2F82-A142-F75940728319}"/>
+                <a16:creationId xmlns:a16="http://schemas.microsoft.com/office/drawing/2014/main" xmlns="" id="{A6A33159-D030-2F82-A142-F75940728319}"/>
               </a:ext>
             </a:extLst>
           </p:cNvPr>
@@ -28604,7 +28627,7 @@
           <p:cNvPr id="2" name="Content Placeholder 2">
             <a:extLst>
               <a:ext uri="{FF2B5EF4-FFF2-40B4-BE49-F238E27FC236}">
-                <a16:creationId xmlns="" xmlns:a16="http://schemas.microsoft.com/office/drawing/2014/main" id="{BCA39DDC-0B72-D8F7-3EA6-3745AE5BE9AE}"/>
+                <a16:creationId xmlns:a16="http://schemas.microsoft.com/office/drawing/2014/main" xmlns="" id="{BCA39DDC-0B72-D8F7-3EA6-3745AE5BE9AE}"/>
               </a:ext>
             </a:extLst>
           </p:cNvPr>
@@ -28903,7 +28926,7 @@
     </p:spTree>
     <p:extLst>
       <p:ext uri="{BB962C8B-B14F-4D97-AF65-F5344CB8AC3E}">
-        <p14:creationId xmlns="" xmlns:p14="http://schemas.microsoft.com/office/powerpoint/2010/main" val="3812997948"/>
+        <p14:creationId xmlns:p14="http://schemas.microsoft.com/office/powerpoint/2010/main" xmlns="" val="3812997948"/>
       </p:ext>
     </p:extLst>
   </p:cSld>
@@ -28935,7 +28958,7 @@
           <p:cNvPr id="8" name="Title 1">
             <a:extLst>
               <a:ext uri="{FF2B5EF4-FFF2-40B4-BE49-F238E27FC236}">
-                <a16:creationId xmlns="" xmlns:a16="http://schemas.microsoft.com/office/drawing/2014/main" id="{47A9874B-BCA9-8420-1595-EDD1865A099A}"/>
+                <a16:creationId xmlns:a16="http://schemas.microsoft.com/office/drawing/2014/main" xmlns="" id="{47A9874B-BCA9-8420-1595-EDD1865A099A}"/>
               </a:ext>
             </a:extLst>
           </p:cNvPr>
@@ -28976,7 +28999,7 @@
           <p:cNvPr id="5" name="Content Placeholder 2">
             <a:extLst>
               <a:ext uri="{FF2B5EF4-FFF2-40B4-BE49-F238E27FC236}">
-                <a16:creationId xmlns="" xmlns:a16="http://schemas.microsoft.com/office/drawing/2014/main" id="{A6A33159-D030-2F82-A142-F75940728319}"/>
+                <a16:creationId xmlns:a16="http://schemas.microsoft.com/office/drawing/2014/main" xmlns="" id="{A6A33159-D030-2F82-A142-F75940728319}"/>
               </a:ext>
             </a:extLst>
           </p:cNvPr>
@@ -29155,7 +29178,7 @@
           <p:cNvPr id="2" name="TextBox 1">
             <a:extLst>
               <a:ext uri="{FF2B5EF4-FFF2-40B4-BE49-F238E27FC236}">
-                <a16:creationId xmlns="" xmlns:a16="http://schemas.microsoft.com/office/drawing/2014/main" id="{294FBF46-685F-AD18-6C68-10B5F24960BF}"/>
+                <a16:creationId xmlns:a16="http://schemas.microsoft.com/office/drawing/2014/main" xmlns="" id="{294FBF46-685F-AD18-6C68-10B5F24960BF}"/>
               </a:ext>
             </a:extLst>
           </p:cNvPr>
@@ -29195,7 +29218,7 @@
     </p:spTree>
     <p:extLst>
       <p:ext uri="{BB962C8B-B14F-4D97-AF65-F5344CB8AC3E}">
-        <p14:creationId xmlns="" xmlns:p14="http://schemas.microsoft.com/office/powerpoint/2010/main" val="3109420625"/>
+        <p14:creationId xmlns:p14="http://schemas.microsoft.com/office/powerpoint/2010/main" xmlns="" val="3109420625"/>
       </p:ext>
     </p:extLst>
   </p:cSld>
@@ -29227,7 +29250,7 @@
           <p:cNvPr id="8" name="Title 1">
             <a:extLst>
               <a:ext uri="{FF2B5EF4-FFF2-40B4-BE49-F238E27FC236}">
-                <a16:creationId xmlns="" xmlns:a16="http://schemas.microsoft.com/office/drawing/2014/main" id="{47A9874B-BCA9-8420-1595-EDD1865A099A}"/>
+                <a16:creationId xmlns:a16="http://schemas.microsoft.com/office/drawing/2014/main" xmlns="" id="{47A9874B-BCA9-8420-1595-EDD1865A099A}"/>
               </a:ext>
             </a:extLst>
           </p:cNvPr>
@@ -29268,7 +29291,7 @@
           <p:cNvPr id="2" name="Content Placeholder 2">
             <a:extLst>
               <a:ext uri="{FF2B5EF4-FFF2-40B4-BE49-F238E27FC236}">
-                <a16:creationId xmlns="" xmlns:a16="http://schemas.microsoft.com/office/drawing/2014/main" id="{D64FBD31-58C2-F052-F198-E7DC0F36A9D4}"/>
+                <a16:creationId xmlns:a16="http://schemas.microsoft.com/office/drawing/2014/main" xmlns="" id="{D64FBD31-58C2-F052-F198-E7DC0F36A9D4}"/>
               </a:ext>
             </a:extLst>
           </p:cNvPr>
@@ -29618,7 +29641,7 @@
           <p:cNvPr id="1026" name="Picture 2">
             <a:extLst>
               <a:ext uri="{FF2B5EF4-FFF2-40B4-BE49-F238E27FC236}">
-                <a16:creationId xmlns="" xmlns:a16="http://schemas.microsoft.com/office/drawing/2014/main" id="{09159657-6DC0-4DF9-C298-5E7F5C6D3F23}"/>
+                <a16:creationId xmlns:a16="http://schemas.microsoft.com/office/drawing/2014/main" xmlns="" id="{09159657-6DC0-4DF9-C298-5E7F5C6D3F23}"/>
               </a:ext>
             </a:extLst>
           </p:cNvPr>
@@ -29631,7 +29654,7 @@
           <a:blip r:embed="rId3">
             <a:extLst>
               <a:ext uri="{28A0092B-C50C-407E-A947-70E740481C1C}">
-                <a14:useLocalDpi xmlns="" xmlns:a14="http://schemas.microsoft.com/office/drawing/2010/main" val="0"/>
+                <a14:useLocalDpi xmlns:a14="http://schemas.microsoft.com/office/drawing/2010/main" xmlns="" val="0"/>
               </a:ext>
             </a:extLst>
           </a:blip>
@@ -29654,14 +29677,14 @@
           </a:ln>
           <a:extLst>
             <a:ext uri="{909E8E84-426E-40DD-AFC4-6F175D3DCCD1}">
-              <a14:hiddenFill xmlns="" xmlns:a14="http://schemas.microsoft.com/office/drawing/2010/main">
+              <a14:hiddenFill xmlns:a14="http://schemas.microsoft.com/office/drawing/2010/main" xmlns="">
                 <a:solidFill>
                   <a:srgbClr val="FFFFFF"/>
                 </a:solidFill>
               </a14:hiddenFill>
             </a:ext>
             <a:ext uri="{91240B29-F687-4F45-9708-019B960494DF}">
-              <a14:hiddenLine xmlns="" xmlns:a14="http://schemas.microsoft.com/office/drawing/2010/main" w="9525">
+              <a14:hiddenLine xmlns:a14="http://schemas.microsoft.com/office/drawing/2010/main" xmlns="" w="9525">
                 <a:solidFill>
                   <a:srgbClr val="000000"/>
                 </a:solidFill>
@@ -29676,7 +29699,7 @@
     </p:spTree>
     <p:extLst>
       <p:ext uri="{BB962C8B-B14F-4D97-AF65-F5344CB8AC3E}">
-        <p14:creationId xmlns="" xmlns:p14="http://schemas.microsoft.com/office/powerpoint/2010/main" val="2537388289"/>
+        <p14:creationId xmlns:p14="http://schemas.microsoft.com/office/powerpoint/2010/main" xmlns="" val="2537388289"/>
       </p:ext>
     </p:extLst>
   </p:cSld>
@@ -29708,7 +29731,7 @@
           <p:cNvPr id="2" name="Title 1">
             <a:extLst>
               <a:ext uri="{FF2B5EF4-FFF2-40B4-BE49-F238E27FC236}">
-                <a16:creationId xmlns="" xmlns:a16="http://schemas.microsoft.com/office/drawing/2014/main" id="{D1FC59F6-9B22-C211-4B4C-A2FD4B914C46}"/>
+                <a16:creationId xmlns:a16="http://schemas.microsoft.com/office/drawing/2014/main" xmlns="" id="{D1FC59F6-9B22-C211-4B4C-A2FD4B914C46}"/>
               </a:ext>
             </a:extLst>
           </p:cNvPr>
@@ -29742,7 +29765,7 @@
           <p:cNvPr id="4" name="Table Placeholder 3">
             <a:extLst>
               <a:ext uri="{FF2B5EF4-FFF2-40B4-BE49-F238E27FC236}">
-                <a16:creationId xmlns="" xmlns:a16="http://schemas.microsoft.com/office/drawing/2014/main" id="{0519CAC4-33D8-0B1E-88FF-086E69894AFB}"/>
+                <a16:creationId xmlns:a16="http://schemas.microsoft.com/office/drawing/2014/main" xmlns="" id="{0519CAC4-33D8-0B1E-88FF-086E69894AFB}"/>
               </a:ext>
             </a:extLst>
           </p:cNvPr>
@@ -29753,7 +29776,7 @@
             <p:ph type="tbl" sz="quarter" idx="13"/>
             <p:extLst>
               <p:ext uri="{D42A27DB-BD31-4B8C-83A1-F6EECF244321}">
-                <p14:modId xmlns="" xmlns:p14="http://schemas.microsoft.com/office/powerpoint/2010/main" val="3483451250"/>
+                <p14:modId xmlns:p14="http://schemas.microsoft.com/office/powerpoint/2010/main" xmlns="" val="3483451250"/>
               </p:ext>
             </p:extLst>
           </p:nvPr>
@@ -29772,35 +29795,35 @@
                 <a:gridCol w="1859717">
                   <a:extLst>
                     <a:ext uri="{9D8B030D-6E8A-4147-A177-3AD203B41FA5}">
-                      <a16:colId xmlns="" xmlns:a16="http://schemas.microsoft.com/office/drawing/2014/main" val="2382218087"/>
+                      <a16:colId xmlns:a16="http://schemas.microsoft.com/office/drawing/2014/main" xmlns="" val="2382218087"/>
                     </a:ext>
                   </a:extLst>
                 </a:gridCol>
                 <a:gridCol w="1506746">
                   <a:extLst>
                     <a:ext uri="{9D8B030D-6E8A-4147-A177-3AD203B41FA5}">
-                      <a16:colId xmlns="" xmlns:a16="http://schemas.microsoft.com/office/drawing/2014/main" val="3953468724"/>
+                      <a16:colId xmlns:a16="http://schemas.microsoft.com/office/drawing/2014/main" xmlns="" val="3953468724"/>
                     </a:ext>
                   </a:extLst>
                 </a:gridCol>
                 <a:gridCol w="1506746">
                   <a:extLst>
                     <a:ext uri="{9D8B030D-6E8A-4147-A177-3AD203B41FA5}">
-                      <a16:colId xmlns="" xmlns:a16="http://schemas.microsoft.com/office/drawing/2014/main" val="2046445661"/>
+                      <a16:colId xmlns:a16="http://schemas.microsoft.com/office/drawing/2014/main" xmlns="" val="2046445661"/>
                     </a:ext>
                   </a:extLst>
                 </a:gridCol>
                 <a:gridCol w="1506746">
                   <a:extLst>
                     <a:ext uri="{9D8B030D-6E8A-4147-A177-3AD203B41FA5}">
-                      <a16:colId xmlns="" xmlns:a16="http://schemas.microsoft.com/office/drawing/2014/main" val="3495531260"/>
+                      <a16:colId xmlns:a16="http://schemas.microsoft.com/office/drawing/2014/main" xmlns="" val="3495531260"/>
                     </a:ext>
                   </a:extLst>
                 </a:gridCol>
                 <a:gridCol w="1506746">
                   <a:extLst>
                     <a:ext uri="{9D8B030D-6E8A-4147-A177-3AD203B41FA5}">
-                      <a16:colId xmlns="" xmlns:a16="http://schemas.microsoft.com/office/drawing/2014/main" val="3623106039"/>
+                      <a16:colId xmlns:a16="http://schemas.microsoft.com/office/drawing/2014/main" xmlns="" val="3623106039"/>
                     </a:ext>
                   </a:extLst>
                 </a:gridCol>
@@ -29895,7 +29918,7 @@
                 </a:tc>
                 <a:extLst>
                   <a:ext uri="{0D108BD9-81ED-4DB2-BD59-A6C34878D82A}">
-                    <a16:rowId xmlns="" xmlns:a16="http://schemas.microsoft.com/office/drawing/2014/main" val="2857107962"/>
+                    <a16:rowId xmlns:a16="http://schemas.microsoft.com/office/drawing/2014/main" xmlns="" val="2857107962"/>
                   </a:ext>
                 </a:extLst>
               </a:tr>
@@ -30004,7 +30027,7 @@
                 </a:tc>
                 <a:extLst>
                   <a:ext uri="{0D108BD9-81ED-4DB2-BD59-A6C34878D82A}">
-                    <a16:rowId xmlns="" xmlns:a16="http://schemas.microsoft.com/office/drawing/2014/main" val="2548491233"/>
+                    <a16:rowId xmlns:a16="http://schemas.microsoft.com/office/drawing/2014/main" xmlns="" val="2548491233"/>
                   </a:ext>
                 </a:extLst>
               </a:tr>
@@ -30094,7 +30117,7 @@
                 </a:tc>
                 <a:extLst>
                   <a:ext uri="{0D108BD9-81ED-4DB2-BD59-A6C34878D82A}">
-                    <a16:rowId xmlns="" xmlns:a16="http://schemas.microsoft.com/office/drawing/2014/main" val="1671386868"/>
+                    <a16:rowId xmlns:a16="http://schemas.microsoft.com/office/drawing/2014/main" xmlns="" val="1671386868"/>
                   </a:ext>
                 </a:extLst>
               </a:tr>
@@ -30190,7 +30213,7 @@
                 </a:tc>
                 <a:extLst>
                   <a:ext uri="{0D108BD9-81ED-4DB2-BD59-A6C34878D82A}">
-                    <a16:rowId xmlns="" xmlns:a16="http://schemas.microsoft.com/office/drawing/2014/main" val="380626418"/>
+                    <a16:rowId xmlns:a16="http://schemas.microsoft.com/office/drawing/2014/main" xmlns="" val="380626418"/>
                   </a:ext>
                 </a:extLst>
               </a:tr>
@@ -30289,7 +30312,7 @@
                 </a:tc>
                 <a:extLst>
                   <a:ext uri="{0D108BD9-81ED-4DB2-BD59-A6C34878D82A}">
-                    <a16:rowId xmlns="" xmlns:a16="http://schemas.microsoft.com/office/drawing/2014/main" val="2132482967"/>
+                    <a16:rowId xmlns:a16="http://schemas.microsoft.com/office/drawing/2014/main" xmlns="" val="2132482967"/>
                   </a:ext>
                 </a:extLst>
               </a:tr>
@@ -30388,7 +30411,7 @@
                 </a:tc>
                 <a:extLst>
                   <a:ext uri="{0D108BD9-81ED-4DB2-BD59-A6C34878D82A}">
-                    <a16:rowId xmlns="" xmlns:a16="http://schemas.microsoft.com/office/drawing/2014/main" val="3936251906"/>
+                    <a16:rowId xmlns:a16="http://schemas.microsoft.com/office/drawing/2014/main" xmlns="" val="3936251906"/>
                   </a:ext>
                 </a:extLst>
               </a:tr>
@@ -30487,7 +30510,7 @@
                 </a:tc>
                 <a:extLst>
                   <a:ext uri="{0D108BD9-81ED-4DB2-BD59-A6C34878D82A}">
-                    <a16:rowId xmlns="" xmlns:a16="http://schemas.microsoft.com/office/drawing/2014/main" val="568537164"/>
+                    <a16:rowId xmlns:a16="http://schemas.microsoft.com/office/drawing/2014/main" xmlns="" val="568537164"/>
                   </a:ext>
                 </a:extLst>
               </a:tr>
@@ -30500,7 +30523,7 @@
           <p:cNvPr id="3" name="TextBox 2">
             <a:extLst>
               <a:ext uri="{FF2B5EF4-FFF2-40B4-BE49-F238E27FC236}">
-                <a16:creationId xmlns="" xmlns:a16="http://schemas.microsoft.com/office/drawing/2014/main" id="{CD58462D-AA4A-99E4-6146-BEF9F71F8C5A}"/>
+                <a16:creationId xmlns:a16="http://schemas.microsoft.com/office/drawing/2014/main" xmlns="" id="{CD58462D-AA4A-99E4-6146-BEF9F71F8C5A}"/>
               </a:ext>
             </a:extLst>
           </p:cNvPr>
@@ -30540,7 +30563,7 @@
     </p:spTree>
     <p:extLst>
       <p:ext uri="{BB962C8B-B14F-4D97-AF65-F5344CB8AC3E}">
-        <p14:creationId xmlns="" xmlns:p14="http://schemas.microsoft.com/office/powerpoint/2010/main" val="2696368595"/>
+        <p14:creationId xmlns:p14="http://schemas.microsoft.com/office/powerpoint/2010/main" xmlns="" val="2696368595"/>
       </p:ext>
     </p:extLst>
   </p:cSld>
@@ -30572,7 +30595,7 @@
           <p:cNvPr id="8" name="Title 1">
             <a:extLst>
               <a:ext uri="{FF2B5EF4-FFF2-40B4-BE49-F238E27FC236}">
-                <a16:creationId xmlns="" xmlns:a16="http://schemas.microsoft.com/office/drawing/2014/main" id="{47A9874B-BCA9-8420-1595-EDD1865A099A}"/>
+                <a16:creationId xmlns:a16="http://schemas.microsoft.com/office/drawing/2014/main" xmlns="" id="{47A9874B-BCA9-8420-1595-EDD1865A099A}"/>
               </a:ext>
             </a:extLst>
           </p:cNvPr>
@@ -30617,7 +30640,7 @@
           <p:cNvPr id="5" name="Content Placeholder 2">
             <a:extLst>
               <a:ext uri="{FF2B5EF4-FFF2-40B4-BE49-F238E27FC236}">
-                <a16:creationId xmlns="" xmlns:a16="http://schemas.microsoft.com/office/drawing/2014/main" id="{A6A33159-D030-2F82-A142-F75940728319}"/>
+                <a16:creationId xmlns:a16="http://schemas.microsoft.com/office/drawing/2014/main" xmlns="" id="{A6A33159-D030-2F82-A142-F75940728319}"/>
               </a:ext>
             </a:extLst>
           </p:cNvPr>
@@ -30733,7 +30756,7 @@
     </p:spTree>
     <p:extLst>
       <p:ext uri="{BB962C8B-B14F-4D97-AF65-F5344CB8AC3E}">
-        <p14:creationId xmlns="" xmlns:p14="http://schemas.microsoft.com/office/powerpoint/2010/main" val="766783565"/>
+        <p14:creationId xmlns:p14="http://schemas.microsoft.com/office/powerpoint/2010/main" xmlns="" val="766783565"/>
       </p:ext>
     </p:extLst>
   </p:cSld>
@@ -30765,7 +30788,7 @@
           <p:cNvPr id="8" name="Title 1">
             <a:extLst>
               <a:ext uri="{FF2B5EF4-FFF2-40B4-BE49-F238E27FC236}">
-                <a16:creationId xmlns="" xmlns:a16="http://schemas.microsoft.com/office/drawing/2014/main" id="{47A9874B-BCA9-8420-1595-EDD1865A099A}"/>
+                <a16:creationId xmlns:a16="http://schemas.microsoft.com/office/drawing/2014/main" xmlns="" id="{47A9874B-BCA9-8420-1595-EDD1865A099A}"/>
               </a:ext>
             </a:extLst>
           </p:cNvPr>
@@ -30799,7 +30822,7 @@
           <p:cNvPr id="26" name="Content Placeholder 2">
             <a:extLst>
               <a:ext uri="{FF2B5EF4-FFF2-40B4-BE49-F238E27FC236}">
-                <a16:creationId xmlns="" xmlns:a16="http://schemas.microsoft.com/office/drawing/2014/main" id="{68A5FD2B-E3E5-1C2B-0151-21F216B14A33}"/>
+                <a16:creationId xmlns:a16="http://schemas.microsoft.com/office/drawing/2014/main" xmlns="" id="{68A5FD2B-E3E5-1C2B-0151-21F216B14A33}"/>
               </a:ext>
             </a:extLst>
           </p:cNvPr>
@@ -30873,7 +30896,7 @@
           <p:cNvPr id="7" name="Content Placeholder 2">
             <a:extLst>
               <a:ext uri="{FF2B5EF4-FFF2-40B4-BE49-F238E27FC236}">
-                <a16:creationId xmlns="" xmlns:a16="http://schemas.microsoft.com/office/drawing/2014/main" id="{68A5FD2B-E3E5-1C2B-0151-21F216B14A33}"/>
+                <a16:creationId xmlns:a16="http://schemas.microsoft.com/office/drawing/2014/main" xmlns="" id="{68A5FD2B-E3E5-1C2B-0151-21F216B14A33}"/>
               </a:ext>
             </a:extLst>
           </p:cNvPr>
@@ -31086,7 +31109,7 @@
     </p:spTree>
     <p:extLst>
       <p:ext uri="{BB962C8B-B14F-4D97-AF65-F5344CB8AC3E}">
-        <p14:creationId xmlns="" xmlns:p14="http://schemas.microsoft.com/office/powerpoint/2010/main" val="2737241225"/>
+        <p14:creationId xmlns:p14="http://schemas.microsoft.com/office/powerpoint/2010/main" xmlns="" val="2737241225"/>
       </p:ext>
     </p:extLst>
   </p:cSld>
@@ -31125,7 +31148,7 @@
           <p:cNvPr id="8" name="Title 1">
             <a:extLst>
               <a:ext uri="{FF2B5EF4-FFF2-40B4-BE49-F238E27FC236}">
-                <a16:creationId xmlns="" xmlns:a16="http://schemas.microsoft.com/office/drawing/2014/main" id="{47A9874B-BCA9-8420-1595-EDD1865A099A}"/>
+                <a16:creationId xmlns:a16="http://schemas.microsoft.com/office/drawing/2014/main" xmlns="" id="{47A9874B-BCA9-8420-1595-EDD1865A099A}"/>
               </a:ext>
             </a:extLst>
           </p:cNvPr>
@@ -31170,7 +31193,7 @@
           <p:cNvPr id="43" name="Group 42">
             <a:extLst>
               <a:ext uri="{FF2B5EF4-FFF2-40B4-BE49-F238E27FC236}">
-                <a16:creationId xmlns="" xmlns:a16="http://schemas.microsoft.com/office/drawing/2014/main" id="{8E24B980-EACC-89FE-A507-35890E87722D}"/>
+                <a16:creationId xmlns:a16="http://schemas.microsoft.com/office/drawing/2014/main" xmlns="" id="{8E24B980-EACC-89FE-A507-35890E87722D}"/>
               </a:ext>
             </a:extLst>
           </p:cNvPr>
@@ -31190,7 +31213,7 @@
             <p:cNvPr id="4" name="TextBox 3">
               <a:extLst>
                 <a:ext uri="{FF2B5EF4-FFF2-40B4-BE49-F238E27FC236}">
-                  <a16:creationId xmlns="" xmlns:a16="http://schemas.microsoft.com/office/drawing/2014/main" id="{5D890077-5082-DD58-DD8D-96C8455D7454}"/>
+                  <a16:creationId xmlns:a16="http://schemas.microsoft.com/office/drawing/2014/main" xmlns="" id="{5D890077-5082-DD58-DD8D-96C8455D7454}"/>
                 </a:ext>
               </a:extLst>
             </p:cNvPr>
@@ -31245,7 +31268,7 @@
             <p:cNvPr id="7" name="Google Shape;7923;p66">
               <a:extLst>
                 <a:ext uri="{FF2B5EF4-FFF2-40B4-BE49-F238E27FC236}">
-                  <a16:creationId xmlns="" xmlns:a16="http://schemas.microsoft.com/office/drawing/2014/main" id="{AC7BCCBE-4EC3-28E5-EE0E-18691471963E}"/>
+                  <a16:creationId xmlns:a16="http://schemas.microsoft.com/office/drawing/2014/main" xmlns="" id="{AC7BCCBE-4EC3-28E5-EE0E-18691471963E}"/>
                 </a:ext>
               </a:extLst>
             </p:cNvPr>
@@ -31270,7 +31293,7 @@
               <p:cNvPr id="38" name="Google Shape;7924;p66">
                 <a:extLst>
                   <a:ext uri="{FF2B5EF4-FFF2-40B4-BE49-F238E27FC236}">
-                    <a16:creationId xmlns="" xmlns:a16="http://schemas.microsoft.com/office/drawing/2014/main" id="{373ED3B3-A2C0-3819-FED5-FB06B675D77E}"/>
+                    <a16:creationId xmlns:a16="http://schemas.microsoft.com/office/drawing/2014/main" xmlns="" id="{373ED3B3-A2C0-3819-FED5-FB06B675D77E}"/>
                   </a:ext>
                 </a:extLst>
               </p:cNvPr>
@@ -31352,7 +31375,7 @@
               <p:cNvPr id="39" name="Google Shape;7925;p66">
                 <a:extLst>
                   <a:ext uri="{FF2B5EF4-FFF2-40B4-BE49-F238E27FC236}">
-                    <a16:creationId xmlns="" xmlns:a16="http://schemas.microsoft.com/office/drawing/2014/main" id="{F2BE77A6-6C75-BDB9-985F-B368364B1D8C}"/>
+                    <a16:creationId xmlns:a16="http://schemas.microsoft.com/office/drawing/2014/main" xmlns="" id="{F2BE77A6-6C75-BDB9-985F-B368364B1D8C}"/>
                   </a:ext>
                 </a:extLst>
               </p:cNvPr>
@@ -31604,7 +31627,7 @@
             <p:cNvPr id="9" name="Google Shape;5463;p61">
               <a:extLst>
                 <a:ext uri="{FF2B5EF4-FFF2-40B4-BE49-F238E27FC236}">
-                  <a16:creationId xmlns="" xmlns:a16="http://schemas.microsoft.com/office/drawing/2014/main" id="{A0A97A4E-9BC9-A198-A906-6C74912A157D}"/>
+                  <a16:creationId xmlns:a16="http://schemas.microsoft.com/office/drawing/2014/main" xmlns="" id="{A0A97A4E-9BC9-A198-A906-6C74912A157D}"/>
                 </a:ext>
               </a:extLst>
             </p:cNvPr>
@@ -31630,7 +31653,7 @@
               <p:cNvPr id="31" name="Google Shape;5464;p61">
                 <a:extLst>
                   <a:ext uri="{FF2B5EF4-FFF2-40B4-BE49-F238E27FC236}">
-                    <a16:creationId xmlns="" xmlns:a16="http://schemas.microsoft.com/office/drawing/2014/main" id="{C77ED59B-8CEA-0D2B-DEAD-B5E635B301D0}"/>
+                    <a16:creationId xmlns:a16="http://schemas.microsoft.com/office/drawing/2014/main" xmlns="" id="{C77ED59B-8CEA-0D2B-DEAD-B5E635B301D0}"/>
                   </a:ext>
                 </a:extLst>
               </p:cNvPr>
@@ -31725,7 +31748,7 @@
               <p:cNvPr id="32" name="Google Shape;5465;p61">
                 <a:extLst>
                   <a:ext uri="{FF2B5EF4-FFF2-40B4-BE49-F238E27FC236}">
-                    <a16:creationId xmlns="" xmlns:a16="http://schemas.microsoft.com/office/drawing/2014/main" id="{6C0A1386-4823-6771-5536-35268009D3E6}"/>
+                    <a16:creationId xmlns:a16="http://schemas.microsoft.com/office/drawing/2014/main" xmlns="" id="{6C0A1386-4823-6771-5536-35268009D3E6}"/>
                   </a:ext>
                 </a:extLst>
               </p:cNvPr>
@@ -31796,7 +31819,7 @@
               <p:cNvPr id="33" name="Google Shape;5466;p61">
                 <a:extLst>
                   <a:ext uri="{FF2B5EF4-FFF2-40B4-BE49-F238E27FC236}">
-                    <a16:creationId xmlns="" xmlns:a16="http://schemas.microsoft.com/office/drawing/2014/main" id="{A5A48871-2C54-929B-2883-5B12054B8AD8}"/>
+                    <a16:creationId xmlns:a16="http://schemas.microsoft.com/office/drawing/2014/main" xmlns="" id="{A5A48871-2C54-929B-2883-5B12054B8AD8}"/>
                   </a:ext>
                 </a:extLst>
               </p:cNvPr>
@@ -31877,7 +31900,7 @@
               <p:cNvPr id="34" name="Google Shape;5467;p61">
                 <a:extLst>
                   <a:ext uri="{FF2B5EF4-FFF2-40B4-BE49-F238E27FC236}">
-                    <a16:creationId xmlns="" xmlns:a16="http://schemas.microsoft.com/office/drawing/2014/main" id="{63B130C6-07ED-C8F1-20CD-372F67653714}"/>
+                    <a16:creationId xmlns:a16="http://schemas.microsoft.com/office/drawing/2014/main" xmlns="" id="{63B130C6-07ED-C8F1-20CD-372F67653714}"/>
                   </a:ext>
                 </a:extLst>
               </p:cNvPr>
@@ -31958,7 +31981,7 @@
               <p:cNvPr id="35" name="Google Shape;5468;p61">
                 <a:extLst>
                   <a:ext uri="{FF2B5EF4-FFF2-40B4-BE49-F238E27FC236}">
-                    <a16:creationId xmlns="" xmlns:a16="http://schemas.microsoft.com/office/drawing/2014/main" id="{92DB297D-D363-FF93-AEA0-583876D07DF5}"/>
+                    <a16:creationId xmlns:a16="http://schemas.microsoft.com/office/drawing/2014/main" xmlns="" id="{92DB297D-D363-FF93-AEA0-583876D07DF5}"/>
                   </a:ext>
                 </a:extLst>
               </p:cNvPr>
@@ -32029,7 +32052,7 @@
               <p:cNvPr id="36" name="Google Shape;5469;p61">
                 <a:extLst>
                   <a:ext uri="{FF2B5EF4-FFF2-40B4-BE49-F238E27FC236}">
-                    <a16:creationId xmlns="" xmlns:a16="http://schemas.microsoft.com/office/drawing/2014/main" id="{20433D59-A764-F53F-1300-025297EF9E5A}"/>
+                    <a16:creationId xmlns:a16="http://schemas.microsoft.com/office/drawing/2014/main" xmlns="" id="{20433D59-A764-F53F-1300-025297EF9E5A}"/>
                   </a:ext>
                 </a:extLst>
               </p:cNvPr>
@@ -32110,7 +32133,7 @@
               <p:cNvPr id="37" name="Google Shape;5470;p61">
                 <a:extLst>
                   <a:ext uri="{FF2B5EF4-FFF2-40B4-BE49-F238E27FC236}">
-                    <a16:creationId xmlns="" xmlns:a16="http://schemas.microsoft.com/office/drawing/2014/main" id="{5357A18C-1D77-B9AD-226A-B6F351899A4F}"/>
+                    <a16:creationId xmlns:a16="http://schemas.microsoft.com/office/drawing/2014/main" xmlns="" id="{5357A18C-1D77-B9AD-226A-B6F351899A4F}"/>
                   </a:ext>
                 </a:extLst>
               </p:cNvPr>
@@ -32192,7 +32215,7 @@
             <p:cNvPr id="10" name="Google Shape;7169;p64">
               <a:extLst>
                 <a:ext uri="{FF2B5EF4-FFF2-40B4-BE49-F238E27FC236}">
-                  <a16:creationId xmlns="" xmlns:a16="http://schemas.microsoft.com/office/drawing/2014/main" id="{045776B2-5E76-D828-8916-1CF14AA90ED4}"/>
+                  <a16:creationId xmlns:a16="http://schemas.microsoft.com/office/drawing/2014/main" xmlns="" id="{045776B2-5E76-D828-8916-1CF14AA90ED4}"/>
                 </a:ext>
               </a:extLst>
             </p:cNvPr>
@@ -32217,7 +32240,7 @@
               <p:cNvPr id="28" name="Google Shape;7170;p64">
                 <a:extLst>
                   <a:ext uri="{FF2B5EF4-FFF2-40B4-BE49-F238E27FC236}">
-                    <a16:creationId xmlns="" xmlns:a16="http://schemas.microsoft.com/office/drawing/2014/main" id="{9D45C219-43FE-C4B4-4519-ABCD7D068E7F}"/>
+                    <a16:creationId xmlns:a16="http://schemas.microsoft.com/office/drawing/2014/main" xmlns="" id="{9D45C219-43FE-C4B4-4519-ABCD7D068E7F}"/>
                   </a:ext>
                 </a:extLst>
               </p:cNvPr>
@@ -32948,7 +32971,7 @@
               <p:cNvPr id="29" name="Google Shape;7171;p64">
                 <a:extLst>
                   <a:ext uri="{FF2B5EF4-FFF2-40B4-BE49-F238E27FC236}">
-                    <a16:creationId xmlns="" xmlns:a16="http://schemas.microsoft.com/office/drawing/2014/main" id="{5653B09E-1A10-A2B8-1FF6-3C194E7BA04F}"/>
+                    <a16:creationId xmlns:a16="http://schemas.microsoft.com/office/drawing/2014/main" xmlns="" id="{5653B09E-1A10-A2B8-1FF6-3C194E7BA04F}"/>
                   </a:ext>
                 </a:extLst>
               </p:cNvPr>
@@ -33030,7 +33053,7 @@
               <p:cNvPr id="30" name="Google Shape;7172;p64">
                 <a:extLst>
                   <a:ext uri="{FF2B5EF4-FFF2-40B4-BE49-F238E27FC236}">
-                    <a16:creationId xmlns="" xmlns:a16="http://schemas.microsoft.com/office/drawing/2014/main" id="{384FC614-6C97-FDD0-D58E-921626C207B2}"/>
+                    <a16:creationId xmlns:a16="http://schemas.microsoft.com/office/drawing/2014/main" xmlns="" id="{384FC614-6C97-FDD0-D58E-921626C207B2}"/>
                   </a:ext>
                 </a:extLst>
               </p:cNvPr>
@@ -33278,7 +33301,7 @@
             <p:cNvPr id="11" name="Google Shape;7923;p66">
               <a:extLst>
                 <a:ext uri="{FF2B5EF4-FFF2-40B4-BE49-F238E27FC236}">
-                  <a16:creationId xmlns="" xmlns:a16="http://schemas.microsoft.com/office/drawing/2014/main" id="{BDFB5D6D-C05E-6549-ED2D-DDDE5CB011EE}"/>
+                  <a16:creationId xmlns:a16="http://schemas.microsoft.com/office/drawing/2014/main" xmlns="" id="{BDFB5D6D-C05E-6549-ED2D-DDDE5CB011EE}"/>
                 </a:ext>
               </a:extLst>
             </p:cNvPr>
@@ -33303,7 +33326,7 @@
               <p:cNvPr id="26" name="Google Shape;7924;p66">
                 <a:extLst>
                   <a:ext uri="{FF2B5EF4-FFF2-40B4-BE49-F238E27FC236}">
-                    <a16:creationId xmlns="" xmlns:a16="http://schemas.microsoft.com/office/drawing/2014/main" id="{E6DD9D93-12E5-9063-47CF-F1FC01E90FB4}"/>
+                    <a16:creationId xmlns:a16="http://schemas.microsoft.com/office/drawing/2014/main" xmlns="" id="{E6DD9D93-12E5-9063-47CF-F1FC01E90FB4}"/>
                   </a:ext>
                 </a:extLst>
               </p:cNvPr>
@@ -33385,7 +33408,7 @@
               <p:cNvPr id="27" name="Google Shape;7925;p66">
                 <a:extLst>
                   <a:ext uri="{FF2B5EF4-FFF2-40B4-BE49-F238E27FC236}">
-                    <a16:creationId xmlns="" xmlns:a16="http://schemas.microsoft.com/office/drawing/2014/main" id="{8E7ED60F-5CFE-1446-6E5D-9D48BDA2D693}"/>
+                    <a16:creationId xmlns:a16="http://schemas.microsoft.com/office/drawing/2014/main" xmlns="" id="{8E7ED60F-5CFE-1446-6E5D-9D48BDA2D693}"/>
                   </a:ext>
                 </a:extLst>
               </p:cNvPr>
@@ -33637,7 +33660,7 @@
             <p:cNvPr id="13" name="TextBox 12">
               <a:extLst>
                 <a:ext uri="{FF2B5EF4-FFF2-40B4-BE49-F238E27FC236}">
-                  <a16:creationId xmlns="" xmlns:a16="http://schemas.microsoft.com/office/drawing/2014/main" id="{41378C80-0021-4DC9-4CF0-BBE14D1F2BA1}"/>
+                  <a16:creationId xmlns:a16="http://schemas.microsoft.com/office/drawing/2014/main" xmlns="" id="{41378C80-0021-4DC9-4CF0-BBE14D1F2BA1}"/>
                 </a:ext>
               </a:extLst>
             </p:cNvPr>
@@ -33678,7 +33701,7 @@
             <p:cNvPr id="15" name="TextBox 14">
               <a:extLst>
                 <a:ext uri="{FF2B5EF4-FFF2-40B4-BE49-F238E27FC236}">
-                  <a16:creationId xmlns="" xmlns:a16="http://schemas.microsoft.com/office/drawing/2014/main" id="{DD1BCD65-2281-574B-8917-864B98741A09}"/>
+                  <a16:creationId xmlns:a16="http://schemas.microsoft.com/office/drawing/2014/main" xmlns="" id="{DD1BCD65-2281-574B-8917-864B98741A09}"/>
                 </a:ext>
               </a:extLst>
             </p:cNvPr>
@@ -33719,7 +33742,7 @@
             <p:cNvPr id="16" name="TextBox 15">
               <a:extLst>
                 <a:ext uri="{FF2B5EF4-FFF2-40B4-BE49-F238E27FC236}">
-                  <a16:creationId xmlns="" xmlns:a16="http://schemas.microsoft.com/office/drawing/2014/main" id="{6342A8A0-FDEA-E608-75B6-3EE5CEFCDBAD}"/>
+                  <a16:creationId xmlns:a16="http://schemas.microsoft.com/office/drawing/2014/main" xmlns="" id="{6342A8A0-FDEA-E608-75B6-3EE5CEFCDBAD}"/>
                 </a:ext>
               </a:extLst>
             </p:cNvPr>
@@ -33774,7 +33797,7 @@
             <p:cNvPr id="17" name="TextBox 16">
               <a:extLst>
                 <a:ext uri="{FF2B5EF4-FFF2-40B4-BE49-F238E27FC236}">
-                  <a16:creationId xmlns="" xmlns:a16="http://schemas.microsoft.com/office/drawing/2014/main" id="{2CAD3FBA-4749-BBDF-AE28-3F3BAE8BB4BE}"/>
+                  <a16:creationId xmlns:a16="http://schemas.microsoft.com/office/drawing/2014/main" xmlns="" id="{2CAD3FBA-4749-BBDF-AE28-3F3BAE8BB4BE}"/>
                 </a:ext>
               </a:extLst>
             </p:cNvPr>
@@ -33829,7 +33852,7 @@
             <p:cNvPr id="18" name="Straight Arrow Connector 17">
               <a:extLst>
                 <a:ext uri="{FF2B5EF4-FFF2-40B4-BE49-F238E27FC236}">
-                  <a16:creationId xmlns="" xmlns:a16="http://schemas.microsoft.com/office/drawing/2014/main" id="{8348A97B-CC1D-D6AD-9A89-74500956D9B9}"/>
+                  <a16:creationId xmlns:a16="http://schemas.microsoft.com/office/drawing/2014/main" xmlns="" id="{8348A97B-CC1D-D6AD-9A89-74500956D9B9}"/>
                 </a:ext>
               </a:extLst>
             </p:cNvPr>
@@ -33870,7 +33893,7 @@
             <p:cNvPr id="20" name="Straight Arrow Connector 19">
               <a:extLst>
                 <a:ext uri="{FF2B5EF4-FFF2-40B4-BE49-F238E27FC236}">
-                  <a16:creationId xmlns="" xmlns:a16="http://schemas.microsoft.com/office/drawing/2014/main" id="{96E01A02-9A12-62E4-B50A-711CC8F6C721}"/>
+                  <a16:creationId xmlns:a16="http://schemas.microsoft.com/office/drawing/2014/main" xmlns="" id="{96E01A02-9A12-62E4-B50A-711CC8F6C721}"/>
                 </a:ext>
               </a:extLst>
             </p:cNvPr>
@@ -33911,7 +33934,7 @@
             <p:cNvPr id="21" name="Straight Arrow Connector 20">
               <a:extLst>
                 <a:ext uri="{FF2B5EF4-FFF2-40B4-BE49-F238E27FC236}">
-                  <a16:creationId xmlns="" xmlns:a16="http://schemas.microsoft.com/office/drawing/2014/main" id="{9A147CDF-C257-93BD-78EF-9BD445D5BBA1}"/>
+                  <a16:creationId xmlns:a16="http://schemas.microsoft.com/office/drawing/2014/main" xmlns="" id="{9A147CDF-C257-93BD-78EF-9BD445D5BBA1}"/>
                 </a:ext>
               </a:extLst>
             </p:cNvPr>
@@ -33956,7 +33979,7 @@
             <p:cNvPr id="22" name="Straight Arrow Connector 21">
               <a:extLst>
                 <a:ext uri="{FF2B5EF4-FFF2-40B4-BE49-F238E27FC236}">
-                  <a16:creationId xmlns="" xmlns:a16="http://schemas.microsoft.com/office/drawing/2014/main" id="{94D2136D-0653-46BE-67E5-18324D2EC0B6}"/>
+                  <a16:creationId xmlns:a16="http://schemas.microsoft.com/office/drawing/2014/main" xmlns="" id="{94D2136D-0653-46BE-67E5-18324D2EC0B6}"/>
                 </a:ext>
               </a:extLst>
             </p:cNvPr>
@@ -34001,7 +34024,7 @@
             <p:cNvPr id="6" name="TextBox 5">
               <a:extLst>
                 <a:ext uri="{FF2B5EF4-FFF2-40B4-BE49-F238E27FC236}">
-                  <a16:creationId xmlns="" xmlns:a16="http://schemas.microsoft.com/office/drawing/2014/main" id="{B4AD70FF-F2CA-6E18-94F8-0513319E06A3}"/>
+                  <a16:creationId xmlns:a16="http://schemas.microsoft.com/office/drawing/2014/main" xmlns="" id="{B4AD70FF-F2CA-6E18-94F8-0513319E06A3}"/>
                 </a:ext>
               </a:extLst>
             </p:cNvPr>
@@ -34042,7 +34065,7 @@
     </p:spTree>
     <p:extLst>
       <p:ext uri="{BB962C8B-B14F-4D97-AF65-F5344CB8AC3E}">
-        <p14:creationId xmlns="" xmlns:p14="http://schemas.microsoft.com/office/powerpoint/2010/main" val="1684539763"/>
+        <p14:creationId xmlns:p14="http://schemas.microsoft.com/office/powerpoint/2010/main" xmlns="" val="1684539763"/>
       </p:ext>
     </p:extLst>
   </p:cSld>
@@ -34074,7 +34097,7 @@
           <p:cNvPr id="8" name="Title 1">
             <a:extLst>
               <a:ext uri="{FF2B5EF4-FFF2-40B4-BE49-F238E27FC236}">
-                <a16:creationId xmlns="" xmlns:a16="http://schemas.microsoft.com/office/drawing/2014/main" id="{47A9874B-BCA9-8420-1595-EDD1865A099A}"/>
+                <a16:creationId xmlns:a16="http://schemas.microsoft.com/office/drawing/2014/main" xmlns="" id="{47A9874B-BCA9-8420-1595-EDD1865A099A}"/>
               </a:ext>
             </a:extLst>
           </p:cNvPr>
@@ -34108,7 +34131,7 @@
           <p:cNvPr id="9" name="Content Placeholder 2">
             <a:extLst>
               <a:ext uri="{FF2B5EF4-FFF2-40B4-BE49-F238E27FC236}">
-                <a16:creationId xmlns="" xmlns:a16="http://schemas.microsoft.com/office/drawing/2014/main" id="{A6A33159-D030-2F82-A142-F75940728319}"/>
+                <a16:creationId xmlns:a16="http://schemas.microsoft.com/office/drawing/2014/main" xmlns="" id="{A6A33159-D030-2F82-A142-F75940728319}"/>
               </a:ext>
             </a:extLst>
           </p:cNvPr>
@@ -34257,7 +34280,7 @@
     </p:spTree>
     <p:extLst>
       <p:ext uri="{BB962C8B-B14F-4D97-AF65-F5344CB8AC3E}">
-        <p14:creationId xmlns="" xmlns:p14="http://schemas.microsoft.com/office/powerpoint/2010/main" val="3029778717"/>
+        <p14:creationId xmlns:p14="http://schemas.microsoft.com/office/powerpoint/2010/main" xmlns="" val="3029778717"/>
       </p:ext>
     </p:extLst>
   </p:cSld>
@@ -34289,7 +34312,7 @@
           <p:cNvPr id="2" name="Title 1">
             <a:extLst>
               <a:ext uri="{FF2B5EF4-FFF2-40B4-BE49-F238E27FC236}">
-                <a16:creationId xmlns="" xmlns:a16="http://schemas.microsoft.com/office/drawing/2014/main" id="{47A9874B-BCA9-8420-1595-EDD1865A099A}"/>
+                <a16:creationId xmlns:a16="http://schemas.microsoft.com/office/drawing/2014/main" xmlns="" id="{47A9874B-BCA9-8420-1595-EDD1865A099A}"/>
               </a:ext>
             </a:extLst>
           </p:cNvPr>
@@ -34323,7 +34346,7 @@
           <p:cNvPr id="3" name="Content Placeholder 2">
             <a:extLst>
               <a:ext uri="{FF2B5EF4-FFF2-40B4-BE49-F238E27FC236}">
-                <a16:creationId xmlns="" xmlns:a16="http://schemas.microsoft.com/office/drawing/2014/main" id="{68A5FD2B-E3E5-1C2B-0151-21F216B14A33}"/>
+                <a16:creationId xmlns:a16="http://schemas.microsoft.com/office/drawing/2014/main" xmlns="" id="{68A5FD2B-E3E5-1C2B-0151-21F216B14A33}"/>
               </a:ext>
             </a:extLst>
           </p:cNvPr>
@@ -34435,7 +34458,7 @@
           <p:cNvPr id="4" name="Content Placeholder 3">
             <a:extLst>
               <a:ext uri="{FF2B5EF4-FFF2-40B4-BE49-F238E27FC236}">
-                <a16:creationId xmlns="" xmlns:a16="http://schemas.microsoft.com/office/drawing/2014/main" id="{ACFBB810-3430-2C29-1AA0-9744AA0A1AA3}"/>
+                <a16:creationId xmlns:a16="http://schemas.microsoft.com/office/drawing/2014/main" xmlns="" id="{ACFBB810-3430-2C29-1AA0-9744AA0A1AA3}"/>
               </a:ext>
             </a:extLst>
           </p:cNvPr>
@@ -34578,7 +34601,7 @@
     </p:spTree>
     <p:extLst>
       <p:ext uri="{BB962C8B-B14F-4D97-AF65-F5344CB8AC3E}">
-        <p14:creationId xmlns="" xmlns:p14="http://schemas.microsoft.com/office/powerpoint/2010/main" val="2198835006"/>
+        <p14:creationId xmlns:p14="http://schemas.microsoft.com/office/powerpoint/2010/main" xmlns="" val="2198835006"/>
       </p:ext>
     </p:extLst>
   </p:cSld>
@@ -34610,7 +34633,7 @@
           <p:cNvPr id="2" name="Title 1">
             <a:extLst>
               <a:ext uri="{FF2B5EF4-FFF2-40B4-BE49-F238E27FC236}">
-                <a16:creationId xmlns="" xmlns:a16="http://schemas.microsoft.com/office/drawing/2014/main" id="{5D030A76-B788-B363-104E-266B7C7F7208}"/>
+                <a16:creationId xmlns:a16="http://schemas.microsoft.com/office/drawing/2014/main" xmlns="" id="{5D030A76-B788-B363-104E-266B7C7F7208}"/>
               </a:ext>
             </a:extLst>
           </p:cNvPr>
@@ -34644,7 +34667,7 @@
           <p:cNvPr id="7" name="Content Placeholder 2">
             <a:extLst>
               <a:ext uri="{FF2B5EF4-FFF2-40B4-BE49-F238E27FC236}">
-                <a16:creationId xmlns="" xmlns:a16="http://schemas.microsoft.com/office/drawing/2014/main" id="{68A5FD2B-E3E5-1C2B-0151-21F216B14A33}"/>
+                <a16:creationId xmlns:a16="http://schemas.microsoft.com/office/drawing/2014/main" xmlns="" id="{68A5FD2B-E3E5-1C2B-0151-21F216B14A33}"/>
               </a:ext>
             </a:extLst>
           </p:cNvPr>
@@ -34741,7 +34764,7 @@
           <p:cNvPr id="10" name="Content Placeholder 3">
             <a:extLst>
               <a:ext uri="{FF2B5EF4-FFF2-40B4-BE49-F238E27FC236}">
-                <a16:creationId xmlns="" xmlns:a16="http://schemas.microsoft.com/office/drawing/2014/main" id="{ACFBB810-3430-2C29-1AA0-9744AA0A1AA3}"/>
+                <a16:creationId xmlns:a16="http://schemas.microsoft.com/office/drawing/2014/main" xmlns="" id="{ACFBB810-3430-2C29-1AA0-9744AA0A1AA3}"/>
               </a:ext>
             </a:extLst>
           </p:cNvPr>
@@ -34987,7 +35010,7 @@
     </p:spTree>
     <p:extLst>
       <p:ext uri="{BB962C8B-B14F-4D97-AF65-F5344CB8AC3E}">
-        <p14:creationId xmlns="" xmlns:p14="http://schemas.microsoft.com/office/powerpoint/2010/main" val="414613742"/>
+        <p14:creationId xmlns:p14="http://schemas.microsoft.com/office/powerpoint/2010/main" xmlns="" val="414613742"/>
       </p:ext>
     </p:extLst>
   </p:cSld>
@@ -35019,7 +35042,7 @@
           <p:cNvPr id="2" name="Title 1">
             <a:extLst>
               <a:ext uri="{FF2B5EF4-FFF2-40B4-BE49-F238E27FC236}">
-                <a16:creationId xmlns="" xmlns:a16="http://schemas.microsoft.com/office/drawing/2014/main" id="{5D030A76-B788-B363-104E-266B7C7F7208}"/>
+                <a16:creationId xmlns:a16="http://schemas.microsoft.com/office/drawing/2014/main" xmlns="" id="{5D030A76-B788-B363-104E-266B7C7F7208}"/>
               </a:ext>
             </a:extLst>
           </p:cNvPr>
@@ -35053,7 +35076,7 @@
           <p:cNvPr id="7" name="Content Placeholder 2">
             <a:extLst>
               <a:ext uri="{FF2B5EF4-FFF2-40B4-BE49-F238E27FC236}">
-                <a16:creationId xmlns="" xmlns:a16="http://schemas.microsoft.com/office/drawing/2014/main" id="{68A5FD2B-E3E5-1C2B-0151-21F216B14A33}"/>
+                <a16:creationId xmlns:a16="http://schemas.microsoft.com/office/drawing/2014/main" xmlns="" id="{68A5FD2B-E3E5-1C2B-0151-21F216B14A33}"/>
               </a:ext>
             </a:extLst>
           </p:cNvPr>
@@ -35355,7 +35378,7 @@
           <p:cNvPr id="10" name="Content Placeholder 3">
             <a:extLst>
               <a:ext uri="{FF2B5EF4-FFF2-40B4-BE49-F238E27FC236}">
-                <a16:creationId xmlns="" xmlns:a16="http://schemas.microsoft.com/office/drawing/2014/main" id="{ACFBB810-3430-2C29-1AA0-9744AA0A1AA3}"/>
+                <a16:creationId xmlns:a16="http://schemas.microsoft.com/office/drawing/2014/main" xmlns="" id="{ACFBB810-3430-2C29-1AA0-9744AA0A1AA3}"/>
               </a:ext>
             </a:extLst>
           </p:cNvPr>
@@ -35601,7 +35624,7 @@
     </p:spTree>
     <p:extLst>
       <p:ext uri="{BB962C8B-B14F-4D97-AF65-F5344CB8AC3E}">
-        <p14:creationId xmlns="" xmlns:p14="http://schemas.microsoft.com/office/powerpoint/2010/main" val="414613742"/>
+        <p14:creationId xmlns:p14="http://schemas.microsoft.com/office/powerpoint/2010/main" xmlns="" val="414613742"/>
       </p:ext>
     </p:extLst>
   </p:cSld>
@@ -35633,7 +35656,7 @@
           <p:cNvPr id="2" name="Title 1">
             <a:extLst>
               <a:ext uri="{FF2B5EF4-FFF2-40B4-BE49-F238E27FC236}">
-                <a16:creationId xmlns="" xmlns:a16="http://schemas.microsoft.com/office/drawing/2014/main" id="{5D030A76-B788-B363-104E-266B7C7F7208}"/>
+                <a16:creationId xmlns:a16="http://schemas.microsoft.com/office/drawing/2014/main" xmlns="" id="{5D030A76-B788-B363-104E-266B7C7F7208}"/>
               </a:ext>
             </a:extLst>
           </p:cNvPr>
@@ -35667,7 +35690,7 @@
           <p:cNvPr id="6" name="Content Placeholder 2">
             <a:extLst>
               <a:ext uri="{FF2B5EF4-FFF2-40B4-BE49-F238E27FC236}">
-                <a16:creationId xmlns="" xmlns:a16="http://schemas.microsoft.com/office/drawing/2014/main" id="{A6A33159-D030-2F82-A142-F75940728319}"/>
+                <a16:creationId xmlns:a16="http://schemas.microsoft.com/office/drawing/2014/main" xmlns="" id="{A6A33159-D030-2F82-A142-F75940728319}"/>
               </a:ext>
             </a:extLst>
           </p:cNvPr>
@@ -35871,7 +35894,7 @@
     </p:spTree>
     <p:extLst>
       <p:ext uri="{BB962C8B-B14F-4D97-AF65-F5344CB8AC3E}">
-        <p14:creationId xmlns="" xmlns:p14="http://schemas.microsoft.com/office/powerpoint/2010/main" val="414613742"/>
+        <p14:creationId xmlns:p14="http://schemas.microsoft.com/office/powerpoint/2010/main" xmlns="" val="414613742"/>
       </p:ext>
     </p:extLst>
   </p:cSld>
@@ -35903,7 +35926,7 @@
           <p:cNvPr id="2" name="Title 1">
             <a:extLst>
               <a:ext uri="{FF2B5EF4-FFF2-40B4-BE49-F238E27FC236}">
-                <a16:creationId xmlns="" xmlns:a16="http://schemas.microsoft.com/office/drawing/2014/main" id="{47A9874B-BCA9-8420-1595-EDD1865A099A}"/>
+                <a16:creationId xmlns:a16="http://schemas.microsoft.com/office/drawing/2014/main" xmlns="" id="{47A9874B-BCA9-8420-1595-EDD1865A099A}"/>
               </a:ext>
             </a:extLst>
           </p:cNvPr>
@@ -35937,7 +35960,7 @@
           <p:cNvPr id="3" name="Content Placeholder 2">
             <a:extLst>
               <a:ext uri="{FF2B5EF4-FFF2-40B4-BE49-F238E27FC236}">
-                <a16:creationId xmlns="" xmlns:a16="http://schemas.microsoft.com/office/drawing/2014/main" id="{68A5FD2B-E3E5-1C2B-0151-21F216B14A33}"/>
+                <a16:creationId xmlns:a16="http://schemas.microsoft.com/office/drawing/2014/main" xmlns="" id="{68A5FD2B-E3E5-1C2B-0151-21F216B14A33}"/>
               </a:ext>
             </a:extLst>
           </p:cNvPr>
@@ -36101,7 +36124,7 @@
     </p:spTree>
     <p:extLst>
       <p:ext uri="{BB962C8B-B14F-4D97-AF65-F5344CB8AC3E}">
-        <p14:creationId xmlns="" xmlns:p14="http://schemas.microsoft.com/office/powerpoint/2010/main" val="1127649784"/>
+        <p14:creationId xmlns:p14="http://schemas.microsoft.com/office/powerpoint/2010/main" xmlns="" val="1127649784"/>
       </p:ext>
     </p:extLst>
   </p:cSld>
@@ -36133,7 +36156,7 @@
           <p:cNvPr id="2" name="Title 1">
             <a:extLst>
               <a:ext uri="{FF2B5EF4-FFF2-40B4-BE49-F238E27FC236}">
-                <a16:creationId xmlns="" xmlns:a16="http://schemas.microsoft.com/office/drawing/2014/main" id="{47A9874B-BCA9-8420-1595-EDD1865A099A}"/>
+                <a16:creationId xmlns:a16="http://schemas.microsoft.com/office/drawing/2014/main" xmlns="" id="{47A9874B-BCA9-8420-1595-EDD1865A099A}"/>
               </a:ext>
             </a:extLst>
           </p:cNvPr>
@@ -36167,7 +36190,7 @@
           <p:cNvPr id="3" name="Content Placeholder 2">
             <a:extLst>
               <a:ext uri="{FF2B5EF4-FFF2-40B4-BE49-F238E27FC236}">
-                <a16:creationId xmlns="" xmlns:a16="http://schemas.microsoft.com/office/drawing/2014/main" id="{68A5FD2B-E3E5-1C2B-0151-21F216B14A33}"/>
+                <a16:creationId xmlns:a16="http://schemas.microsoft.com/office/drawing/2014/main" xmlns="" id="{68A5FD2B-E3E5-1C2B-0151-21F216B14A33}"/>
               </a:ext>
             </a:extLst>
           </p:cNvPr>
@@ -36239,7 +36262,7 @@
           <p:cNvPr id="10" name="Content Placeholder 2">
             <a:extLst>
               <a:ext uri="{FF2B5EF4-FFF2-40B4-BE49-F238E27FC236}">
-                <a16:creationId xmlns="" xmlns:a16="http://schemas.microsoft.com/office/drawing/2014/main" id="{A6A33159-D030-2F82-A142-F75940728319}"/>
+                <a16:creationId xmlns:a16="http://schemas.microsoft.com/office/drawing/2014/main" xmlns="" id="{A6A33159-D030-2F82-A142-F75940728319}"/>
               </a:ext>
             </a:extLst>
           </p:cNvPr>
@@ -36412,7 +36435,7 @@
     </p:spTree>
     <p:extLst>
       <p:ext uri="{BB962C8B-B14F-4D97-AF65-F5344CB8AC3E}">
-        <p14:creationId xmlns="" xmlns:p14="http://schemas.microsoft.com/office/powerpoint/2010/main" val="1127649784"/>
+        <p14:creationId xmlns:p14="http://schemas.microsoft.com/office/powerpoint/2010/main" xmlns="" val="1127649784"/>
       </p:ext>
     </p:extLst>
   </p:cSld>
@@ -36444,7 +36467,7 @@
           <p:cNvPr id="2" name="Title 1">
             <a:extLst>
               <a:ext uri="{FF2B5EF4-FFF2-40B4-BE49-F238E27FC236}">
-                <a16:creationId xmlns="" xmlns:a16="http://schemas.microsoft.com/office/drawing/2014/main" id="{47A9874B-BCA9-8420-1595-EDD1865A099A}"/>
+                <a16:creationId xmlns:a16="http://schemas.microsoft.com/office/drawing/2014/main" xmlns="" id="{47A9874B-BCA9-8420-1595-EDD1865A099A}"/>
               </a:ext>
             </a:extLst>
           </p:cNvPr>
@@ -36478,7 +36501,7 @@
           <p:cNvPr id="3" name="Content Placeholder 2">
             <a:extLst>
               <a:ext uri="{FF2B5EF4-FFF2-40B4-BE49-F238E27FC236}">
-                <a16:creationId xmlns="" xmlns:a16="http://schemas.microsoft.com/office/drawing/2014/main" id="{68A5FD2B-E3E5-1C2B-0151-21F216B14A33}"/>
+                <a16:creationId xmlns:a16="http://schemas.microsoft.com/office/drawing/2014/main" xmlns="" id="{68A5FD2B-E3E5-1C2B-0151-21F216B14A33}"/>
               </a:ext>
             </a:extLst>
           </p:cNvPr>
@@ -36541,7 +36564,7 @@
           <p:cNvPr id="4" name="Content Placeholder 3">
             <a:extLst>
               <a:ext uri="{FF2B5EF4-FFF2-40B4-BE49-F238E27FC236}">
-                <a16:creationId xmlns="" xmlns:a16="http://schemas.microsoft.com/office/drawing/2014/main" id="{ACFBB810-3430-2C29-1AA0-9744AA0A1AA3}"/>
+                <a16:creationId xmlns:a16="http://schemas.microsoft.com/office/drawing/2014/main" xmlns="" id="{ACFBB810-3430-2C29-1AA0-9744AA0A1AA3}"/>
               </a:ext>
             </a:extLst>
           </p:cNvPr>
@@ -36697,7 +36720,7 @@
     </p:spTree>
     <p:extLst>
       <p:ext uri="{BB962C8B-B14F-4D97-AF65-F5344CB8AC3E}">
-        <p14:creationId xmlns="" xmlns:p14="http://schemas.microsoft.com/office/powerpoint/2010/main" val="1127649784"/>
+        <p14:creationId xmlns:p14="http://schemas.microsoft.com/office/powerpoint/2010/main" xmlns="" val="1127649784"/>
       </p:ext>
     </p:extLst>
   </p:cSld>
@@ -36729,7 +36752,7 @@
           <p:cNvPr id="2" name="Title 1">
             <a:extLst>
               <a:ext uri="{FF2B5EF4-FFF2-40B4-BE49-F238E27FC236}">
-                <a16:creationId xmlns="" xmlns:a16="http://schemas.microsoft.com/office/drawing/2014/main" id="{47A9874B-BCA9-8420-1595-EDD1865A099A}"/>
+                <a16:creationId xmlns:a16="http://schemas.microsoft.com/office/drawing/2014/main" xmlns="" id="{47A9874B-BCA9-8420-1595-EDD1865A099A}"/>
               </a:ext>
             </a:extLst>
           </p:cNvPr>
@@ -36763,7 +36786,7 @@
           <p:cNvPr id="3" name="Content Placeholder 2">
             <a:extLst>
               <a:ext uri="{FF2B5EF4-FFF2-40B4-BE49-F238E27FC236}">
-                <a16:creationId xmlns="" xmlns:a16="http://schemas.microsoft.com/office/drawing/2014/main" id="{68A5FD2B-E3E5-1C2B-0151-21F216B14A33}"/>
+                <a16:creationId xmlns:a16="http://schemas.microsoft.com/office/drawing/2014/main" xmlns="" id="{68A5FD2B-E3E5-1C2B-0151-21F216B14A33}"/>
               </a:ext>
             </a:extLst>
           </p:cNvPr>
@@ -36816,7 +36839,7 @@
           <p:cNvPr id="4" name="Content Placeholder 3">
             <a:extLst>
               <a:ext uri="{FF2B5EF4-FFF2-40B4-BE49-F238E27FC236}">
-                <a16:creationId xmlns="" xmlns:a16="http://schemas.microsoft.com/office/drawing/2014/main" id="{ACFBB810-3430-2C29-1AA0-9744AA0A1AA3}"/>
+                <a16:creationId xmlns:a16="http://schemas.microsoft.com/office/drawing/2014/main" xmlns="" id="{ACFBB810-3430-2C29-1AA0-9744AA0A1AA3}"/>
               </a:ext>
             </a:extLst>
           </p:cNvPr>
@@ -36923,7 +36946,7 @@
     </p:spTree>
     <p:extLst>
       <p:ext uri="{BB962C8B-B14F-4D97-AF65-F5344CB8AC3E}">
-        <p14:creationId xmlns="" xmlns:p14="http://schemas.microsoft.com/office/powerpoint/2010/main" val="1127649784"/>
+        <p14:creationId xmlns:p14="http://schemas.microsoft.com/office/powerpoint/2010/main" xmlns="" val="1127649784"/>
       </p:ext>
     </p:extLst>
   </p:cSld>
@@ -36955,7 +36978,7 @@
           <p:cNvPr id="8" name="Title 1">
             <a:extLst>
               <a:ext uri="{FF2B5EF4-FFF2-40B4-BE49-F238E27FC236}">
-                <a16:creationId xmlns="" xmlns:a16="http://schemas.microsoft.com/office/drawing/2014/main" id="{47A9874B-BCA9-8420-1595-EDD1865A099A}"/>
+                <a16:creationId xmlns:a16="http://schemas.microsoft.com/office/drawing/2014/main" xmlns="" id="{47A9874B-BCA9-8420-1595-EDD1865A099A}"/>
               </a:ext>
             </a:extLst>
           </p:cNvPr>
@@ -36989,7 +37012,7 @@
           <p:cNvPr id="26" name="Content Placeholder 2">
             <a:extLst>
               <a:ext uri="{FF2B5EF4-FFF2-40B4-BE49-F238E27FC236}">
-                <a16:creationId xmlns="" xmlns:a16="http://schemas.microsoft.com/office/drawing/2014/main" id="{68A5FD2B-E3E5-1C2B-0151-21F216B14A33}"/>
+                <a16:creationId xmlns:a16="http://schemas.microsoft.com/office/drawing/2014/main" xmlns="" id="{68A5FD2B-E3E5-1C2B-0151-21F216B14A33}"/>
               </a:ext>
             </a:extLst>
           </p:cNvPr>
@@ -37074,7 +37097,7 @@
           <p:cNvPr id="7" name="Content Placeholder 2">
             <a:extLst>
               <a:ext uri="{FF2B5EF4-FFF2-40B4-BE49-F238E27FC236}">
-                <a16:creationId xmlns="" xmlns:a16="http://schemas.microsoft.com/office/drawing/2014/main" id="{68A5FD2B-E3E5-1C2B-0151-21F216B14A33}"/>
+                <a16:creationId xmlns:a16="http://schemas.microsoft.com/office/drawing/2014/main" xmlns="" id="{68A5FD2B-E3E5-1C2B-0151-21F216B14A33}"/>
               </a:ext>
             </a:extLst>
           </p:cNvPr>
@@ -37348,7 +37371,7 @@
     </p:spTree>
     <p:extLst>
       <p:ext uri="{BB962C8B-B14F-4D97-AF65-F5344CB8AC3E}">
-        <p14:creationId xmlns="" xmlns:p14="http://schemas.microsoft.com/office/powerpoint/2010/main" val="2737241225"/>
+        <p14:creationId xmlns:p14="http://schemas.microsoft.com/office/powerpoint/2010/main" xmlns="" val="2737241225"/>
       </p:ext>
     </p:extLst>
   </p:cSld>
@@ -37387,7 +37410,7 @@
           <p:cNvPr id="2" name="Title 1">
             <a:extLst>
               <a:ext uri="{FF2B5EF4-FFF2-40B4-BE49-F238E27FC236}">
-                <a16:creationId xmlns="" xmlns:a16="http://schemas.microsoft.com/office/drawing/2014/main" id="{D1FC59F6-9B22-C211-4B4C-A2FD4B914C46}"/>
+                <a16:creationId xmlns:a16="http://schemas.microsoft.com/office/drawing/2014/main" xmlns="" id="{D1FC59F6-9B22-C211-4B4C-A2FD4B914C46}"/>
               </a:ext>
             </a:extLst>
           </p:cNvPr>
@@ -37421,7 +37444,7 @@
           <p:cNvPr id="4" name="Table Placeholder 3">
             <a:extLst>
               <a:ext uri="{FF2B5EF4-FFF2-40B4-BE49-F238E27FC236}">
-                <a16:creationId xmlns="" xmlns:a16="http://schemas.microsoft.com/office/drawing/2014/main" id="{0519CAC4-33D8-0B1E-88FF-086E69894AFB}"/>
+                <a16:creationId xmlns:a16="http://schemas.microsoft.com/office/drawing/2014/main" xmlns="" id="{0519CAC4-33D8-0B1E-88FF-086E69894AFB}"/>
               </a:ext>
             </a:extLst>
           </p:cNvPr>
@@ -37432,7 +37455,7 @@
             <p:ph type="tbl" sz="quarter" idx="13"/>
             <p:extLst>
               <p:ext uri="{D42A27DB-BD31-4B8C-83A1-F6EECF244321}">
-                <p14:modId xmlns="" xmlns:p14="http://schemas.microsoft.com/office/powerpoint/2010/main" val="3019515003"/>
+                <p14:modId xmlns:p14="http://schemas.microsoft.com/office/powerpoint/2010/main" xmlns="" val="3019515003"/>
               </p:ext>
             </p:extLst>
           </p:nvPr>
@@ -37451,42 +37474,42 @@
                 <a:gridCol w="1859717">
                   <a:extLst>
                     <a:ext uri="{9D8B030D-6E8A-4147-A177-3AD203B41FA5}">
-                      <a16:colId xmlns="" xmlns:a16="http://schemas.microsoft.com/office/drawing/2014/main" val="2382218087"/>
+                      <a16:colId xmlns:a16="http://schemas.microsoft.com/office/drawing/2014/main" xmlns="" val="2382218087"/>
                     </a:ext>
                   </a:extLst>
                 </a:gridCol>
                 <a:gridCol w="1259174">
                   <a:extLst>
                     <a:ext uri="{9D8B030D-6E8A-4147-A177-3AD203B41FA5}">
-                      <a16:colId xmlns="" xmlns:a16="http://schemas.microsoft.com/office/drawing/2014/main" val="3953468724"/>
+                      <a16:colId xmlns:a16="http://schemas.microsoft.com/office/drawing/2014/main" xmlns="" val="3953468724"/>
                     </a:ext>
                   </a:extLst>
                 </a:gridCol>
                 <a:gridCol w="1371600">
                   <a:extLst>
                     <a:ext uri="{9D8B030D-6E8A-4147-A177-3AD203B41FA5}">
-                      <a16:colId xmlns="" xmlns:a16="http://schemas.microsoft.com/office/drawing/2014/main" val="4277526474"/>
+                      <a16:colId xmlns:a16="http://schemas.microsoft.com/office/drawing/2014/main" xmlns="" val="4277526474"/>
                     </a:ext>
                   </a:extLst>
                 </a:gridCol>
                 <a:gridCol w="955623">
                   <a:extLst>
                     <a:ext uri="{9D8B030D-6E8A-4147-A177-3AD203B41FA5}">
-                      <a16:colId xmlns="" xmlns:a16="http://schemas.microsoft.com/office/drawing/2014/main" val="2438884888"/>
+                      <a16:colId xmlns:a16="http://schemas.microsoft.com/office/drawing/2014/main" xmlns="" val="2438884888"/>
                     </a:ext>
                   </a:extLst>
                 </a:gridCol>
                 <a:gridCol w="955623">
                   <a:extLst>
                     <a:ext uri="{9D8B030D-6E8A-4147-A177-3AD203B41FA5}">
-                      <a16:colId xmlns="" xmlns:a16="http://schemas.microsoft.com/office/drawing/2014/main" val="3058700555"/>
+                      <a16:colId xmlns:a16="http://schemas.microsoft.com/office/drawing/2014/main" xmlns="" val="3058700555"/>
                     </a:ext>
                   </a:extLst>
                 </a:gridCol>
                 <a:gridCol w="1484964">
                   <a:extLst>
                     <a:ext uri="{9D8B030D-6E8A-4147-A177-3AD203B41FA5}">
-                      <a16:colId xmlns="" xmlns:a16="http://schemas.microsoft.com/office/drawing/2014/main" val="489067259"/>
+                      <a16:colId xmlns:a16="http://schemas.microsoft.com/office/drawing/2014/main" xmlns="" val="489067259"/>
                     </a:ext>
                   </a:extLst>
                 </a:gridCol>
@@ -37599,7 +37622,7 @@
                 </a:tc>
                 <a:extLst>
                   <a:ext uri="{0D108BD9-81ED-4DB2-BD59-A6C34878D82A}">
-                    <a16:rowId xmlns="" xmlns:a16="http://schemas.microsoft.com/office/drawing/2014/main" val="2857107962"/>
+                    <a16:rowId xmlns:a16="http://schemas.microsoft.com/office/drawing/2014/main" xmlns="" val="2857107962"/>
                   </a:ext>
                 </a:extLst>
               </a:tr>
@@ -37702,7 +37725,7 @@
                 </a:tc>
                 <a:extLst>
                   <a:ext uri="{0D108BD9-81ED-4DB2-BD59-A6C34878D82A}">
-                    <a16:rowId xmlns="" xmlns:a16="http://schemas.microsoft.com/office/drawing/2014/main" val="1671386868"/>
+                    <a16:rowId xmlns:a16="http://schemas.microsoft.com/office/drawing/2014/main" xmlns="" val="1671386868"/>
                   </a:ext>
                 </a:extLst>
               </a:tr>
@@ -37805,7 +37828,7 @@
                 </a:tc>
                 <a:extLst>
                   <a:ext uri="{0D108BD9-81ED-4DB2-BD59-A6C34878D82A}">
-                    <a16:rowId xmlns="" xmlns:a16="http://schemas.microsoft.com/office/drawing/2014/main" val="380626418"/>
+                    <a16:rowId xmlns:a16="http://schemas.microsoft.com/office/drawing/2014/main" xmlns="" val="380626418"/>
                   </a:ext>
                 </a:extLst>
               </a:tr>
@@ -37924,7 +37947,7 @@
                 </a:tc>
                 <a:extLst>
                   <a:ext uri="{0D108BD9-81ED-4DB2-BD59-A6C34878D82A}">
-                    <a16:rowId xmlns="" xmlns:a16="http://schemas.microsoft.com/office/drawing/2014/main" val="2132482967"/>
+                    <a16:rowId xmlns:a16="http://schemas.microsoft.com/office/drawing/2014/main" xmlns="" val="2132482967"/>
                   </a:ext>
                 </a:extLst>
               </a:tr>
@@ -38027,7 +38050,7 @@
                 </a:tc>
                 <a:extLst>
                   <a:ext uri="{0D108BD9-81ED-4DB2-BD59-A6C34878D82A}">
-                    <a16:rowId xmlns="" xmlns:a16="http://schemas.microsoft.com/office/drawing/2014/main" val="3936251906"/>
+                    <a16:rowId xmlns:a16="http://schemas.microsoft.com/office/drawing/2014/main" xmlns="" val="3936251906"/>
                   </a:ext>
                 </a:extLst>
               </a:tr>
@@ -38133,7 +38156,7 @@
                 </a:tc>
                 <a:extLst>
                   <a:ext uri="{0D108BD9-81ED-4DB2-BD59-A6C34878D82A}">
-                    <a16:rowId xmlns="" xmlns:a16="http://schemas.microsoft.com/office/drawing/2014/main" val="568537164"/>
+                    <a16:rowId xmlns:a16="http://schemas.microsoft.com/office/drawing/2014/main" xmlns="" val="568537164"/>
                   </a:ext>
                 </a:extLst>
               </a:tr>
@@ -38144,7 +38167,7 @@
     </p:spTree>
     <p:extLst>
       <p:ext uri="{BB962C8B-B14F-4D97-AF65-F5344CB8AC3E}">
-        <p14:creationId xmlns="" xmlns:p14="http://schemas.microsoft.com/office/powerpoint/2010/main" val="1510706933"/>
+        <p14:creationId xmlns:p14="http://schemas.microsoft.com/office/powerpoint/2010/main" xmlns="" val="1510706933"/>
       </p:ext>
     </p:extLst>
   </p:cSld>
@@ -38176,7 +38199,7 @@
           <p:cNvPr id="8" name="Title 1">
             <a:extLst>
               <a:ext uri="{FF2B5EF4-FFF2-40B4-BE49-F238E27FC236}">
-                <a16:creationId xmlns="" xmlns:a16="http://schemas.microsoft.com/office/drawing/2014/main" id="{47A9874B-BCA9-8420-1595-EDD1865A099A}"/>
+                <a16:creationId xmlns:a16="http://schemas.microsoft.com/office/drawing/2014/main" xmlns="" id="{47A9874B-BCA9-8420-1595-EDD1865A099A}"/>
               </a:ext>
             </a:extLst>
           </p:cNvPr>
@@ -38210,7 +38233,7 @@
           <p:cNvPr id="9" name="Content Placeholder 2">
             <a:extLst>
               <a:ext uri="{FF2B5EF4-FFF2-40B4-BE49-F238E27FC236}">
-                <a16:creationId xmlns="" xmlns:a16="http://schemas.microsoft.com/office/drawing/2014/main" id="{A6A33159-D030-2F82-A142-F75940728319}"/>
+                <a16:creationId xmlns:a16="http://schemas.microsoft.com/office/drawing/2014/main" xmlns="" id="{A6A33159-D030-2F82-A142-F75940728319}"/>
               </a:ext>
             </a:extLst>
           </p:cNvPr>
@@ -38357,7 +38380,7 @@
     </p:spTree>
     <p:extLst>
       <p:ext uri="{BB962C8B-B14F-4D97-AF65-F5344CB8AC3E}">
-        <p14:creationId xmlns="" xmlns:p14="http://schemas.microsoft.com/office/powerpoint/2010/main" val="414613742"/>
+        <p14:creationId xmlns:p14="http://schemas.microsoft.com/office/powerpoint/2010/main" xmlns="" val="414613742"/>
       </p:ext>
     </p:extLst>
   </p:cSld>
@@ -38389,7 +38412,7 @@
           <p:cNvPr id="2" name="Title 1">
             <a:extLst>
               <a:ext uri="{FF2B5EF4-FFF2-40B4-BE49-F238E27FC236}">
-                <a16:creationId xmlns="" xmlns:a16="http://schemas.microsoft.com/office/drawing/2014/main" id="{28BAC361-0D7A-DC05-86B5-6DD77D322F5B}"/>
+                <a16:creationId xmlns:a16="http://schemas.microsoft.com/office/drawing/2014/main" xmlns="" id="{28BAC361-0D7A-DC05-86B5-6DD77D322F5B}"/>
               </a:ext>
             </a:extLst>
           </p:cNvPr>
@@ -38423,7 +38446,7 @@
           <p:cNvPr id="3" name="Content Placeholder 2">
             <a:extLst>
               <a:ext uri="{FF2B5EF4-FFF2-40B4-BE49-F238E27FC236}">
-                <a16:creationId xmlns="" xmlns:a16="http://schemas.microsoft.com/office/drawing/2014/main" id="{1BE98EFF-197D-3136-70B9-7BBD30A48931}"/>
+                <a16:creationId xmlns:a16="http://schemas.microsoft.com/office/drawing/2014/main" xmlns="" id="{1BE98EFF-197D-3136-70B9-7BBD30A48931}"/>
               </a:ext>
             </a:extLst>
           </p:cNvPr>
@@ -38472,7 +38495,7 @@
     </p:spTree>
     <p:extLst>
       <p:ext uri="{BB962C8B-B14F-4D97-AF65-F5344CB8AC3E}">
-        <p14:creationId xmlns="" xmlns:p14="http://schemas.microsoft.com/office/powerpoint/2010/main" val="1562484837"/>
+        <p14:creationId xmlns:p14="http://schemas.microsoft.com/office/powerpoint/2010/main" xmlns="" val="1562484837"/>
       </p:ext>
     </p:extLst>
   </p:cSld>
@@ -38504,7 +38527,7 @@
           <p:cNvPr id="8" name="Title 1">
             <a:extLst>
               <a:ext uri="{FF2B5EF4-FFF2-40B4-BE49-F238E27FC236}">
-                <a16:creationId xmlns="" xmlns:a16="http://schemas.microsoft.com/office/drawing/2014/main" id="{47A9874B-BCA9-8420-1595-EDD1865A099A}"/>
+                <a16:creationId xmlns:a16="http://schemas.microsoft.com/office/drawing/2014/main" xmlns="" id="{47A9874B-BCA9-8420-1595-EDD1865A099A}"/>
               </a:ext>
             </a:extLst>
           </p:cNvPr>
@@ -38539,7 +38562,7 @@
           <p:cNvPr id="9" name="Content Placeholder 2">
             <a:extLst>
               <a:ext uri="{FF2B5EF4-FFF2-40B4-BE49-F238E27FC236}">
-                <a16:creationId xmlns="" xmlns:a16="http://schemas.microsoft.com/office/drawing/2014/main" id="{A6A33159-D030-2F82-A142-F75940728319}"/>
+                <a16:creationId xmlns:a16="http://schemas.microsoft.com/office/drawing/2014/main" xmlns="" id="{A6A33159-D030-2F82-A142-F75940728319}"/>
               </a:ext>
             </a:extLst>
           </p:cNvPr>
@@ -38596,13 +38619,8 @@
             </a:pPr>
             <a:r>
               <a:rPr lang="en-IN" sz="2000" dirty="0" smtClean="0"/>
-              <a:t>LLM </a:t>
-            </a:r>
-            <a:r>
-              <a:rPr lang="en-IN" sz="2000" dirty="0" smtClean="0"/>
-              <a:t>inference cost</a:t>
-            </a:r>
-            <a:endParaRPr lang="en-IN" sz="2000" dirty="0" smtClean="0"/>
+              <a:t>LLM inference cost</a:t>
+            </a:r>
           </a:p>
           <a:p>
             <a:pPr marL="514350" lvl="2">
@@ -38654,7 +38672,6 @@
               <a:rPr lang="en-IN" sz="1600" dirty="0" smtClean="0"/>
               <a:t>Less cost</a:t>
             </a:r>
-            <a:endParaRPr lang="en-IN" sz="1600" dirty="0" smtClean="0"/>
           </a:p>
           <a:p>
             <a:pPr marL="514350" lvl="2">
@@ -38670,11 +38687,7 @@
             </a:pPr>
             <a:r>
               <a:rPr lang="en-IN" sz="1700" dirty="0" smtClean="0"/>
-              <a:t>Output </a:t>
-            </a:r>
-            <a:r>
-              <a:rPr lang="en-IN" sz="1700" dirty="0" smtClean="0"/>
-              <a:t>tokens</a:t>
+              <a:t>Output tokens</a:t>
             </a:r>
           </a:p>
           <a:p>
@@ -38691,11 +38704,7 @@
             </a:pPr>
             <a:r>
               <a:rPr lang="en-IN" sz="1600" dirty="0" smtClean="0"/>
-              <a:t>More </a:t>
-            </a:r>
-            <a:r>
-              <a:rPr lang="en-IN" sz="1600" dirty="0" smtClean="0"/>
-              <a:t>cost</a:t>
+              <a:t>More cost</a:t>
             </a:r>
             <a:endParaRPr lang="en-US" sz="2000" dirty="0"/>
           </a:p>
@@ -38706,7 +38715,7 @@
           <p:cNvPr id="4" name="Content Placeholder 2">
             <a:extLst>
               <a:ext uri="{FF2B5EF4-FFF2-40B4-BE49-F238E27FC236}">
-                <a16:creationId xmlns="" xmlns:a16="http://schemas.microsoft.com/office/drawing/2014/main" id="{A6A33159-D030-2F82-A142-F75940728319}"/>
+                <a16:creationId xmlns:a16="http://schemas.microsoft.com/office/drawing/2014/main" xmlns="" id="{A6A33159-D030-2F82-A142-F75940728319}"/>
               </a:ext>
             </a:extLst>
           </p:cNvPr>
@@ -38862,11 +38871,7 @@
             </a:pPr>
             <a:r>
               <a:rPr lang="en-IN" sz="2000" dirty="0" smtClean="0"/>
-              <a:t>Words </a:t>
-            </a:r>
-            <a:r>
-              <a:rPr lang="en-IN" sz="2000" dirty="0" smtClean="0"/>
-              <a:t>with two tokens</a:t>
+              <a:t>Words with two tokens</a:t>
             </a:r>
           </a:p>
           <a:p>
@@ -38972,11 +38977,7 @@
             </a:pPr>
             <a:r>
               <a:rPr lang="en-IN" sz="1700" dirty="0" smtClean="0"/>
-              <a:t>Compound </a:t>
-            </a:r>
-            <a:r>
-              <a:rPr lang="en-IN" sz="1700" dirty="0" smtClean="0"/>
-              <a:t>words</a:t>
+              <a:t>Compound words</a:t>
             </a:r>
             <a:endParaRPr lang="en-IN" sz="2000" dirty="0" smtClean="0"/>
           </a:p>
@@ -39017,7 +39018,7 @@
     </p:spTree>
     <p:extLst>
       <p:ext uri="{BB962C8B-B14F-4D97-AF65-F5344CB8AC3E}">
-        <p14:creationId xmlns="" xmlns:p14="http://schemas.microsoft.com/office/powerpoint/2010/main" val="414613742"/>
+        <p14:creationId xmlns:p14="http://schemas.microsoft.com/office/powerpoint/2010/main" xmlns="" val="414613742"/>
       </p:ext>
     </p:extLst>
   </p:cSld>
@@ -39047,7 +39048,7 @@
     </p:spTree>
     <p:extLst>
       <p:ext uri="{BB962C8B-B14F-4D97-AF65-F5344CB8AC3E}">
-        <p14:creationId xmlns="" xmlns:p14="http://schemas.microsoft.com/office/powerpoint/2010/main" val="363098972"/>
+        <p14:creationId xmlns:p14="http://schemas.microsoft.com/office/powerpoint/2010/main" xmlns="" val="363098972"/>
       </p:ext>
     </p:extLst>
   </p:cSld>
@@ -39077,7 +39078,7 @@
     </p:spTree>
     <p:extLst>
       <p:ext uri="{BB962C8B-B14F-4D97-AF65-F5344CB8AC3E}">
-        <p14:creationId xmlns="" xmlns:p14="http://schemas.microsoft.com/office/powerpoint/2010/main" val="729609147"/>
+        <p14:creationId xmlns:p14="http://schemas.microsoft.com/office/powerpoint/2010/main" xmlns="" val="729609147"/>
       </p:ext>
     </p:extLst>
   </p:cSld>
@@ -39109,7 +39110,7 @@
           <p:cNvPr id="2" name="Title 1">
             <a:extLst>
               <a:ext uri="{FF2B5EF4-FFF2-40B4-BE49-F238E27FC236}">
-                <a16:creationId xmlns="" xmlns:a16="http://schemas.microsoft.com/office/drawing/2014/main" id="{47A9874B-BCA9-8420-1595-EDD1865A099A}"/>
+                <a16:creationId xmlns:a16="http://schemas.microsoft.com/office/drawing/2014/main" xmlns="" id="{47A9874B-BCA9-8420-1595-EDD1865A099A}"/>
               </a:ext>
             </a:extLst>
           </p:cNvPr>
@@ -39143,7 +39144,7 @@
           <p:cNvPr id="7" name="Content Placeholder 2">
             <a:extLst>
               <a:ext uri="{FF2B5EF4-FFF2-40B4-BE49-F238E27FC236}">
-                <a16:creationId xmlns="" xmlns:a16="http://schemas.microsoft.com/office/drawing/2014/main" id="{A6A33159-D030-2F82-A142-F75940728319}"/>
+                <a16:creationId xmlns:a16="http://schemas.microsoft.com/office/drawing/2014/main" xmlns="" id="{A6A33159-D030-2F82-A142-F75940728319}"/>
               </a:ext>
             </a:extLst>
           </p:cNvPr>
@@ -39461,7 +39462,7 @@
     </p:spTree>
     <p:extLst>
       <p:ext uri="{BB962C8B-B14F-4D97-AF65-F5344CB8AC3E}">
-        <p14:creationId xmlns="" xmlns:p14="http://schemas.microsoft.com/office/powerpoint/2010/main" val="1127649784"/>
+        <p14:creationId xmlns:p14="http://schemas.microsoft.com/office/powerpoint/2010/main" xmlns="" val="1127649784"/>
       </p:ext>
     </p:extLst>
   </p:cSld>
@@ -39500,7 +39501,7 @@
           <p:cNvPr id="2" name="Title 1">
             <a:extLst>
               <a:ext uri="{FF2B5EF4-FFF2-40B4-BE49-F238E27FC236}">
-                <a16:creationId xmlns="" xmlns:a16="http://schemas.microsoft.com/office/drawing/2014/main" id="{47A9874B-BCA9-8420-1595-EDD1865A099A}"/>
+                <a16:creationId xmlns:a16="http://schemas.microsoft.com/office/drawing/2014/main" xmlns="" id="{47A9874B-BCA9-8420-1595-EDD1865A099A}"/>
               </a:ext>
             </a:extLst>
           </p:cNvPr>
@@ -39534,7 +39535,7 @@
           <p:cNvPr id="7" name="Content Placeholder 2">
             <a:extLst>
               <a:ext uri="{FF2B5EF4-FFF2-40B4-BE49-F238E27FC236}">
-                <a16:creationId xmlns="" xmlns:a16="http://schemas.microsoft.com/office/drawing/2014/main" id="{A6A33159-D030-2F82-A142-F75940728319}"/>
+                <a16:creationId xmlns:a16="http://schemas.microsoft.com/office/drawing/2014/main" xmlns="" id="{A6A33159-D030-2F82-A142-F75940728319}"/>
               </a:ext>
             </a:extLst>
           </p:cNvPr>
@@ -39691,7 +39692,7 @@
     </p:spTree>
     <p:extLst>
       <p:ext uri="{BB962C8B-B14F-4D97-AF65-F5344CB8AC3E}">
-        <p14:creationId xmlns="" xmlns:p14="http://schemas.microsoft.com/office/powerpoint/2010/main" val="1127649784"/>
+        <p14:creationId xmlns:p14="http://schemas.microsoft.com/office/powerpoint/2010/main" xmlns="" val="1127649784"/>
       </p:ext>
     </p:extLst>
   </p:cSld>
@@ -39730,7 +39731,7 @@
           <p:cNvPr id="2" name="Title 1">
             <a:extLst>
               <a:ext uri="{FF2B5EF4-FFF2-40B4-BE49-F238E27FC236}">
-                <a16:creationId xmlns="" xmlns:a16="http://schemas.microsoft.com/office/drawing/2014/main" id="{47A9874B-BCA9-8420-1595-EDD1865A099A}"/>
+                <a16:creationId xmlns:a16="http://schemas.microsoft.com/office/drawing/2014/main" xmlns="" id="{47A9874B-BCA9-8420-1595-EDD1865A099A}"/>
               </a:ext>
             </a:extLst>
           </p:cNvPr>
@@ -39764,7 +39765,7 @@
           <p:cNvPr id="7" name="Content Placeholder 2">
             <a:extLst>
               <a:ext uri="{FF2B5EF4-FFF2-40B4-BE49-F238E27FC236}">
-                <a16:creationId xmlns="" xmlns:a16="http://schemas.microsoft.com/office/drawing/2014/main" id="{A6A33159-D030-2F82-A142-F75940728319}"/>
+                <a16:creationId xmlns:a16="http://schemas.microsoft.com/office/drawing/2014/main" xmlns="" id="{A6A33159-D030-2F82-A142-F75940728319}"/>
               </a:ext>
             </a:extLst>
           </p:cNvPr>
@@ -39962,7 +39963,7 @@
     </p:spTree>
     <p:extLst>
       <p:ext uri="{BB962C8B-B14F-4D97-AF65-F5344CB8AC3E}">
-        <p14:creationId xmlns="" xmlns:p14="http://schemas.microsoft.com/office/powerpoint/2010/main" val="1127649784"/>
+        <p14:creationId xmlns:p14="http://schemas.microsoft.com/office/powerpoint/2010/main" xmlns="" val="1127649784"/>
       </p:ext>
     </p:extLst>
   </p:cSld>
@@ -40001,7 +40002,7 @@
           <p:cNvPr id="8" name="Title 1">
             <a:extLst>
               <a:ext uri="{FF2B5EF4-FFF2-40B4-BE49-F238E27FC236}">
-                <a16:creationId xmlns="" xmlns:a16="http://schemas.microsoft.com/office/drawing/2014/main" id="{47A9874B-BCA9-8420-1595-EDD1865A099A}"/>
+                <a16:creationId xmlns:a16="http://schemas.microsoft.com/office/drawing/2014/main" xmlns="" id="{47A9874B-BCA9-8420-1595-EDD1865A099A}"/>
               </a:ext>
             </a:extLst>
           </p:cNvPr>
@@ -40035,7 +40036,7 @@
           <p:cNvPr id="26" name="Content Placeholder 2">
             <a:extLst>
               <a:ext uri="{FF2B5EF4-FFF2-40B4-BE49-F238E27FC236}">
-                <a16:creationId xmlns="" xmlns:a16="http://schemas.microsoft.com/office/drawing/2014/main" id="{68A5FD2B-E3E5-1C2B-0151-21F216B14A33}"/>
+                <a16:creationId xmlns:a16="http://schemas.microsoft.com/office/drawing/2014/main" xmlns="" id="{68A5FD2B-E3E5-1C2B-0151-21F216B14A33}"/>
               </a:ext>
             </a:extLst>
           </p:cNvPr>
@@ -40107,7 +40108,7 @@
           <p:cNvPr id="7" name="Content Placeholder 2">
             <a:extLst>
               <a:ext uri="{FF2B5EF4-FFF2-40B4-BE49-F238E27FC236}">
-                <a16:creationId xmlns="" xmlns:a16="http://schemas.microsoft.com/office/drawing/2014/main" id="{68A5FD2B-E3E5-1C2B-0151-21F216B14A33}"/>
+                <a16:creationId xmlns:a16="http://schemas.microsoft.com/office/drawing/2014/main" xmlns="" id="{68A5FD2B-E3E5-1C2B-0151-21F216B14A33}"/>
               </a:ext>
             </a:extLst>
           </p:cNvPr>
@@ -40336,7 +40337,7 @@
     </p:spTree>
     <p:extLst>
       <p:ext uri="{BB962C8B-B14F-4D97-AF65-F5344CB8AC3E}">
-        <p14:creationId xmlns="" xmlns:p14="http://schemas.microsoft.com/office/powerpoint/2010/main" val="2737241225"/>
+        <p14:creationId xmlns:p14="http://schemas.microsoft.com/office/powerpoint/2010/main" xmlns="" val="2737241225"/>
       </p:ext>
     </p:extLst>
   </p:cSld>
@@ -40568,7 +40569,7 @@
   <a:extraClrSchemeLst/>
   <a:extLst>
     <a:ext uri="{05A4C25C-085E-4340-85A3-A5531E510DB2}">
-      <thm15:themeFamily xmlns="" xmlns:thm15="http://schemas.microsoft.com/office/thememl/2012/main" name="TM78504181_Win32_SL_V11" id="{D9600F65-346D-4C25-A611-673E5C44A142}" vid="{299F2556-E258-444F-A1E6-FA759CE22851}"/>
+      <thm15:themeFamily xmlns:thm15="http://schemas.microsoft.com/office/thememl/2012/main" xmlns="" name="TM78504181_Win32_SL_V11" id="{D9600F65-346D-4C25-A611-673E5C44A142}" vid="{299F2556-E258-444F-A1E6-FA759CE22851}"/>
     </a:ext>
   </a:extLst>
 </a:theme>
@@ -40863,7 +40864,7 @@
   <a:extraClrSchemeLst/>
   <a:extLst>
     <a:ext uri="{05A4C25C-085E-4340-85A3-A5531E510DB2}">
-      <thm15:themeFamily xmlns="" xmlns:thm15="http://schemas.microsoft.com/office/thememl/2012/main" name="Office Theme" id="{62F939B6-93AF-4DB8-9C6B-D6C7DFDC589F}" vid="{4A3C46E8-61CC-4603-A589-7422A47A8E4A}"/>
+      <thm15:themeFamily xmlns:thm15="http://schemas.microsoft.com/office/thememl/2012/main" xmlns="" name="Office Theme" id="{62F939B6-93AF-4DB8-9C6B-D6C7DFDC589F}" vid="{4A3C46E8-61CC-4603-A589-7422A47A8E4A}"/>
     </a:ext>
   </a:extLst>
 </a:theme>
@@ -41178,22 +41179,13 @@
   <a:extraClrSchemeLst/>
   <a:extLst>
     <a:ext uri="{05A4C25C-085E-4340-85A3-A5531E510DB2}">
-      <thm15:themeFamily xmlns="" xmlns:thm15="http://schemas.microsoft.com/office/thememl/2012/main" name="Office Theme" id="{2E142A2C-CD16-42D6-873A-C26D2A0506FA}" vid="{1BDDFF52-6CD6-40A5-AB3C-68EB2F1E4D0A}"/>
+      <thm15:themeFamily xmlns:thm15="http://schemas.microsoft.com/office/thememl/2012/main" xmlns="" name="Office Theme" id="{2E142A2C-CD16-42D6-873A-C26D2A0506FA}" vid="{1BDDFF52-6CD6-40A5-AB3C-68EB2F1E4D0A}"/>
     </a:ext>
   </a:extLst>
 </a:theme>
 </file>
 
 <file path=customXml/item1.xml><?xml version="1.0" encoding="utf-8"?>
-<?mso-contentType ?>
-<FormTemplates xmlns="http://schemas.microsoft.com/sharepoint/v3/contenttype/forms">
-  <Display>DocumentLibraryForm</Display>
-  <Edit>DocumentLibraryForm</Edit>
-  <New>DocumentLibraryForm</New>
-</FormTemplates>
-</file>
-
-<file path=customXml/item2.xml><?xml version="1.0" encoding="utf-8"?>
 <ct:contentTypeSchema xmlns:ct="http://schemas.microsoft.com/office/2006/metadata/contentType" xmlns:ma="http://schemas.microsoft.com/office/2006/metadata/properties/metaAttributes" ct:_="" ma:_="" ma:contentTypeName="Document" ma:contentTypeID="0x01010079F111ED35F8CC479449609E8A0923A6" ma:contentTypeVersion="28" ma:contentTypeDescription="Create a new document." ma:contentTypeScope="" ma:versionID="60f5a4f2d2b0abadcf532d48ebf9cb71">
   <xsd:schema xmlns:xsd="http://www.w3.org/2001/XMLSchema" xmlns:xs="http://www.w3.org/2001/XMLSchema" xmlns:p="http://schemas.microsoft.com/office/2006/metadata/properties" xmlns:ns1="http://schemas.microsoft.com/sharepoint/v3" xmlns:ns2="71af3243-3dd4-4a8d-8c0d-dd76da1f02a5" xmlns:ns3="16c05727-aa75-4e4a-9b5f-8a80a1165891" xmlns:ns4="230e9df3-be65-4c73-a93b-d1236ebd677e" targetNamespace="http://schemas.microsoft.com/office/2006/metadata/properties" ma:root="true" ma:fieldsID="7dd78129e6a1811f84807ad11c651531" ns1:_="" ns2:_="" ns3:_="" ns4:_="">
     <xsd:import namespace="http://schemas.microsoft.com/sharepoint/v3"/>
@@ -41505,6 +41497,15 @@
 </ct:contentTypeSchema>
 </file>
 
+<file path=customXml/item2.xml><?xml version="1.0" encoding="utf-8"?>
+<?mso-contentType ?>
+<FormTemplates xmlns="http://schemas.microsoft.com/sharepoint/v3/contenttype/forms">
+  <Display>DocumentLibraryForm</Display>
+  <Edit>DocumentLibraryForm</Edit>
+  <New>DocumentLibraryForm</New>
+</FormTemplates>
+</file>
+
 <file path=customXml/item3.xml><?xml version="1.0" encoding="utf-8"?>
 <p:properties xmlns:p="http://schemas.microsoft.com/office/2006/metadata/properties" xmlns:xsi="http://www.w3.org/2001/XMLSchema-instance" xmlns:pc="http://schemas.microsoft.com/office/infopath/2007/PartnerControls">
   <documentManagement>
@@ -41526,14 +41527,6 @@
 </file>
 
 <file path=customXml/itemProps1.xml><?xml version="1.0" encoding="utf-8"?>
-<ds:datastoreItem xmlns:ds="http://schemas.openxmlformats.org/officeDocument/2006/customXml" ds:itemID="{67FFD73E-D96B-4428-99CD-717A4897D3B4}">
-  <ds:schemaRefs>
-    <ds:schemaRef ds:uri="http://schemas.microsoft.com/sharepoint/v3/contenttype/forms"/>
-  </ds:schemaRefs>
-</ds:datastoreItem>
-</file>
-
-<file path=customXml/itemProps2.xml><?xml version="1.0" encoding="utf-8"?>
 <ds:datastoreItem xmlns:ds="http://schemas.openxmlformats.org/officeDocument/2006/customXml" ds:itemID="{1285E733-8340-4FDD-A6FC-B22F1B75E4E2}">
   <ds:schemaRefs>
     <ds:schemaRef ds:uri="http://schemas.microsoft.com/office/2006/metadata/contentType"/>
@@ -41554,6 +41547,14 @@
 </ds:datastoreItem>
 </file>
 
+<file path=customXml/itemProps2.xml><?xml version="1.0" encoding="utf-8"?>
+<ds:datastoreItem xmlns:ds="http://schemas.openxmlformats.org/officeDocument/2006/customXml" ds:itemID="{67FFD73E-D96B-4428-99CD-717A4897D3B4}">
+  <ds:schemaRefs>
+    <ds:schemaRef ds:uri="http://schemas.microsoft.com/sharepoint/v3/contenttype/forms"/>
+  </ds:schemaRefs>
+</ds:datastoreItem>
+</file>
+
 <file path=customXml/itemProps3.xml><?xml version="1.0" encoding="utf-8"?>
 <ds:datastoreItem xmlns:ds="http://schemas.openxmlformats.org/officeDocument/2006/customXml" ds:itemID="{A3165DE6-2DCE-44FC-94B7-A499559DBF88}">
   <ds:schemaRefs>

--- a/Presentations/IUAC-2024/Introduction_to_Large_Language_Models-From_Foundation_to_Real_World_Applications.pptx
+++ b/Presentations/IUAC-2024/Introduction_to_Large_Language_Models-From_Foundation_to_Real_World_Applications.pptx
@@ -5,10 +5,10 @@
     <p:sldMasterId id="2147483648" r:id="rId4"/>
   </p:sldMasterIdLst>
   <p:notesMasterIdLst>
-    <p:notesMasterId r:id="rId60"/>
+    <p:notesMasterId r:id="rId61"/>
   </p:notesMasterIdLst>
   <p:handoutMasterIdLst>
-    <p:handoutMasterId r:id="rId61"/>
+    <p:handoutMasterId r:id="rId62"/>
   </p:handoutMasterIdLst>
   <p:sldIdLst>
     <p:sldId id="256" r:id="rId5"/>
@@ -64,8 +64,9 @@
     <p:sldId id="3875" r:id="rId55"/>
     <p:sldId id="3859" r:id="rId56"/>
     <p:sldId id="3929" r:id="rId57"/>
-    <p:sldId id="3850" r:id="rId58"/>
-    <p:sldId id="265" r:id="rId59"/>
+    <p:sldId id="3930" r:id="rId58"/>
+    <p:sldId id="3850" r:id="rId59"/>
+    <p:sldId id="265" r:id="rId60"/>
   </p:sldIdLst>
   <p:sldSz cx="9144000" cy="5143500" type="screen16x9"/>
   <p:notesSz cx="6858000" cy="9144000"/>
@@ -5151,7 +5152,7 @@
     </p:spTree>
     <p:extLst>
       <p:ext uri="{BB962C8B-B14F-4D97-AF65-F5344CB8AC3E}">
-        <p14:creationId xmlns:p14="http://schemas.microsoft.com/office/powerpoint/2010/main" xmlns="" val="3522538323"/>
+        <p14:creationId xmlns:p14="http://schemas.microsoft.com/office/powerpoint/2010/main" xmlns="" val="2840793627"/>
       </p:ext>
     </p:extLst>
   </p:cSld>
@@ -5228,6 +5229,91 @@
               <a:rPr lang="en-US" smtClean="0"/>
               <a:pPr/>
               <a:t>55</a:t>
+            </a:fld>
+            <a:endParaRPr lang="en-US" dirty="0"/>
+          </a:p>
+        </p:txBody>
+      </p:sp>
+    </p:spTree>
+    <p:extLst>
+      <p:ext uri="{BB962C8B-B14F-4D97-AF65-F5344CB8AC3E}">
+        <p14:creationId xmlns:p14="http://schemas.microsoft.com/office/powerpoint/2010/main" xmlns="" val="3522538323"/>
+      </p:ext>
+    </p:extLst>
+  </p:cSld>
+  <p:clrMapOvr>
+    <a:masterClrMapping/>
+  </p:clrMapOvr>
+</p:notes>
+</file>
+
+<file path=ppt/notesSlides/notesSlide56.xml><?xml version="1.0" encoding="utf-8"?>
+<p:notes xmlns:a="http://schemas.openxmlformats.org/drawingml/2006/main" xmlns:r="http://schemas.openxmlformats.org/officeDocument/2006/relationships" xmlns:p="http://schemas.openxmlformats.org/presentationml/2006/main">
+  <p:cSld>
+    <p:spTree>
+      <p:nvGrpSpPr>
+        <p:cNvPr id="1" name=""/>
+        <p:cNvGrpSpPr/>
+        <p:nvPr/>
+      </p:nvGrpSpPr>
+      <p:grpSpPr>
+        <a:xfrm>
+          <a:off x="0" y="0"/>
+          <a:ext cx="0" cy="0"/>
+          <a:chOff x="0" y="0"/>
+          <a:chExt cx="0" cy="0"/>
+        </a:xfrm>
+      </p:grpSpPr>
+      <p:sp>
+        <p:nvSpPr>
+          <p:cNvPr id="2" name="Slide Image Placeholder 1"/>
+          <p:cNvSpPr>
+            <a:spLocks noGrp="1" noRot="1" noChangeAspect="1"/>
+          </p:cNvSpPr>
+          <p:nvPr>
+            <p:ph type="sldImg"/>
+          </p:nvPr>
+        </p:nvSpPr>
+        <p:spPr/>
+      </p:sp>
+      <p:sp>
+        <p:nvSpPr>
+          <p:cNvPr id="3" name="Notes Placeholder 2"/>
+          <p:cNvSpPr>
+            <a:spLocks noGrp="1"/>
+          </p:cNvSpPr>
+          <p:nvPr>
+            <p:ph type="body" idx="1"/>
+          </p:nvPr>
+        </p:nvSpPr>
+        <p:spPr/>
+        <p:txBody>
+          <a:bodyPr/>
+          <a:lstStyle/>
+          <a:p>
+            <a:endParaRPr lang="en-US" dirty="0"/>
+          </a:p>
+        </p:txBody>
+      </p:sp>
+      <p:sp>
+        <p:nvSpPr>
+          <p:cNvPr id="4" name="Slide Number Placeholder 3"/>
+          <p:cNvSpPr>
+            <a:spLocks noGrp="1"/>
+          </p:cNvSpPr>
+          <p:nvPr>
+            <p:ph type="sldNum" sz="quarter" idx="5"/>
+          </p:nvPr>
+        </p:nvSpPr>
+        <p:spPr/>
+        <p:txBody>
+          <a:bodyPr/>
+          <a:lstStyle/>
+          <a:p>
+            <a:fld id="{8B57D50D-BAA9-464B-B391-243138E078D8}" type="slidenum">
+              <a:rPr lang="en-US" smtClean="0"/>
+              <a:pPr/>
+              <a:t>56</a:t>
             </a:fld>
             <a:endParaRPr lang="en-US" dirty="0"/>
           </a:p>
@@ -19292,7 +19378,7 @@
             </a:r>
             <a:r>
               <a:rPr lang="en-IN" sz="1700" dirty="0" smtClean="0"/>
-              <a:t>sources</a:t>
+              <a:t>source documents</a:t>
             </a:r>
             <a:endParaRPr lang="en-IN" sz="1700" dirty="0"/>
           </a:p>
@@ -19333,7 +19419,7 @@
             </a:pPr>
             <a:r>
               <a:rPr lang="en-IN" sz="1700" dirty="0" smtClean="0"/>
-              <a:t>Augment user query with retrieved relevant information</a:t>
+              <a:t>Augment input query with retrieved relevant information</a:t>
             </a:r>
             <a:endParaRPr lang="en-IN" sz="1700" dirty="0"/>
           </a:p>
@@ -19378,15 +19464,7 @@
             </a:r>
             <a:r>
               <a:rPr lang="en-IN" sz="1700" dirty="0" smtClean="0"/>
-              <a:t>response using augmented </a:t>
-            </a:r>
-            <a:r>
-              <a:rPr lang="en-IN" sz="1700" dirty="0" smtClean="0"/>
-              <a:t>input and </a:t>
-            </a:r>
-            <a:r>
-              <a:rPr lang="en-IN" sz="1700" dirty="0" smtClean="0"/>
-              <a:t>LLM</a:t>
+              <a:t>response using augmented input and LLM</a:t>
             </a:r>
             <a:endParaRPr lang="en-IN" sz="1700" dirty="0"/>
           </a:p>
@@ -20546,7 +20624,7 @@
               <a:p>
                 <a:pPr algn="ctr"/>
                 <a:r>
-                  <a:rPr lang="en-IN" sz="1600" b="1" dirty="0">
+                  <a:rPr lang="en-IN" sz="1600" b="1" dirty="0" smtClean="0">
                     <a:solidFill>
                       <a:srgbClr val="00B050"/>
                     </a:solidFill>
@@ -20554,9 +20632,10 @@
                   <a:t>Document Sources</a:t>
                 </a:r>
                 <a:r>
-                  <a:rPr lang="en-IN" sz="1600" b="1" dirty="0"/>
+                  <a:rPr lang="en-IN" sz="1600" b="1" dirty="0" smtClean="0"/>
                   <a:t> </a:t>
                 </a:r>
+                <a:endParaRPr lang="en-IN" sz="1600" b="1" dirty="0"/>
               </a:p>
             </p:txBody>
           </p:sp>
@@ -28064,8 +28143,8 @@
               </a:buClr>
             </a:pPr>
             <a:r>
-              <a:rPr lang="en-IN" sz="1700" dirty="0"/>
-              <a:t>6400GB </a:t>
+              <a:rPr lang="en-IN" sz="1700" dirty="0" smtClean="0"/>
+              <a:t>6400 GB </a:t>
             </a:r>
             <a:r>
               <a:rPr lang="en-IN" sz="1700" dirty="0" err="1"/>
@@ -28409,6 +28488,69 @@
               <a:t>~24 GB – 4 A100 GPUs – ~94 GB / 4 GPUs</a:t>
             </a:r>
             <a:endParaRPr lang="en-US" sz="1700" dirty="0"/>
+          </a:p>
+        </p:txBody>
+      </p:sp>
+      <p:sp>
+        <p:nvSpPr>
+          <p:cNvPr id="4" name="TextBox 3"/>
+          <p:cNvSpPr txBox="1"/>
+          <p:nvPr/>
+        </p:nvSpPr>
+        <p:spPr>
+          <a:xfrm>
+            <a:off x="1733550" y="4714875"/>
+            <a:ext cx="5761969" cy="307777"/>
+          </a:xfrm>
+          <a:prstGeom prst="rect">
+            <a:avLst/>
+          </a:prstGeom>
+          <a:noFill/>
+        </p:spPr>
+        <p:txBody>
+          <a:bodyPr wrap="square" rtlCol="0">
+            <a:spAutoFit/>
+          </a:bodyPr>
+          <a:lstStyle/>
+          <a:p>
+            <a:pPr algn="r"/>
+            <a:r>
+              <a:rPr lang="en-IN" b="1" dirty="0">
+                <a:solidFill>
+                  <a:schemeClr val="accent2">
+                    <a:lumMod val="50000"/>
+                  </a:schemeClr>
+                </a:solidFill>
+              </a:rPr>
+              <a:t>* </a:t>
+            </a:r>
+            <a:r>
+              <a:rPr lang="en-IN" b="1" dirty="0" err="1" smtClean="0">
+                <a:solidFill>
+                  <a:schemeClr val="accent2">
+                    <a:lumMod val="50000"/>
+                  </a:schemeClr>
+                </a:solidFill>
+              </a:rPr>
+              <a:t>TheBloke</a:t>
+            </a:r>
+            <a:r>
+              <a:rPr lang="en-IN" b="1" dirty="0" smtClean="0">
+                <a:solidFill>
+                  <a:schemeClr val="accent2">
+                    <a:lumMod val="50000"/>
+                  </a:schemeClr>
+                </a:solidFill>
+              </a:rPr>
+              <a:t>/Falcon-180B-Chat-GPTQ</a:t>
+            </a:r>
+            <a:endParaRPr lang="en-IN" b="1" dirty="0">
+              <a:solidFill>
+                <a:schemeClr val="accent2">
+                  <a:lumMod val="50000"/>
+                </a:schemeClr>
+              </a:solidFill>
+            </a:endParaRPr>
           </a:p>
         </p:txBody>
       </p:sp>
@@ -29696,6 +29838,95 @@
           </a:extLst>
         </p:spPr>
       </p:pic>
+      <p:sp>
+        <p:nvSpPr>
+          <p:cNvPr id="5" name="TextBox 4">
+            <a:extLst>
+              <a:ext uri="{FF2B5EF4-FFF2-40B4-BE49-F238E27FC236}">
+                <a16:creationId xmlns:a16="http://schemas.microsoft.com/office/drawing/2014/main" xmlns="" id="{294FBF46-685F-AD18-6C68-10B5F24960BF}"/>
+              </a:ext>
+            </a:extLst>
+          </p:cNvPr>
+          <p:cNvSpPr txBox="1"/>
+          <p:nvPr/>
+        </p:nvSpPr>
+        <p:spPr>
+          <a:xfrm>
+            <a:off x="1733550" y="4714875"/>
+            <a:ext cx="5761969" cy="307777"/>
+          </a:xfrm>
+          <a:prstGeom prst="rect">
+            <a:avLst/>
+          </a:prstGeom>
+          <a:noFill/>
+        </p:spPr>
+        <p:txBody>
+          <a:bodyPr wrap="square" rtlCol="0">
+            <a:spAutoFit/>
+          </a:bodyPr>
+          <a:lstStyle/>
+          <a:p>
+            <a:pPr algn="r"/>
+            <a:r>
+              <a:rPr lang="en-IN" b="1" dirty="0">
+                <a:solidFill>
+                  <a:schemeClr val="accent2">
+                    <a:lumMod val="50000"/>
+                  </a:schemeClr>
+                </a:solidFill>
+              </a:rPr>
+              <a:t>* </a:t>
+            </a:r>
+            <a:r>
+              <a:rPr lang="en-IN" b="1" dirty="0" smtClean="0">
+                <a:solidFill>
+                  <a:schemeClr val="accent2">
+                    <a:lumMod val="50000"/>
+                  </a:schemeClr>
+                </a:solidFill>
+              </a:rPr>
+              <a:t>FACAD – </a:t>
+            </a:r>
+            <a:r>
+              <a:rPr lang="en-IN" b="1" dirty="0" err="1" smtClean="0">
+                <a:solidFill>
+                  <a:schemeClr val="accent2">
+                    <a:lumMod val="50000"/>
+                  </a:schemeClr>
+                </a:solidFill>
+              </a:rPr>
+              <a:t>Xuewen</a:t>
+            </a:r>
+            <a:r>
+              <a:rPr lang="en-IN" b="1" dirty="0" smtClean="0">
+                <a:solidFill>
+                  <a:schemeClr val="accent2">
+                    <a:lumMod val="50000"/>
+                  </a:schemeClr>
+                </a:solidFill>
+              </a:rPr>
+              <a:t> Yang et. al</a:t>
+            </a:r>
+            <a:r>
+              <a:rPr lang="en-IN" b="1" dirty="0" smtClean="0">
+                <a:solidFill>
+                  <a:schemeClr val="accent2">
+                    <a:lumMod val="50000"/>
+                  </a:schemeClr>
+                </a:solidFill>
+              </a:rPr>
+              <a:t>. – ECCV 2020</a:t>
+            </a:r>
+            <a:endParaRPr lang="en-IN" b="1" dirty="0">
+              <a:solidFill>
+                <a:schemeClr val="accent2">
+                  <a:lumMod val="50000"/>
+                </a:schemeClr>
+              </a:solidFill>
+            </a:endParaRPr>
+          </a:p>
+        </p:txBody>
+      </p:sp>
     </p:spTree>
     <p:extLst>
       <p:ext uri="{BB962C8B-B14F-4D97-AF65-F5344CB8AC3E}">
@@ -39045,6 +39276,685 @@
           <a:chExt cx="0" cy="0"/>
         </a:xfrm>
       </p:grpSpPr>
+      <p:sp>
+        <p:nvSpPr>
+          <p:cNvPr id="2" name="Title 1">
+            <a:extLst>
+              <a:ext uri="{FF2B5EF4-FFF2-40B4-BE49-F238E27FC236}">
+                <a16:creationId xmlns:a16="http://schemas.microsoft.com/office/drawing/2014/main" xmlns="" id="{D1FC59F6-9B22-C211-4B4C-A2FD4B914C46}"/>
+              </a:ext>
+            </a:extLst>
+          </p:cNvPr>
+          <p:cNvSpPr>
+            <a:spLocks noGrp="1"/>
+          </p:cNvSpPr>
+          <p:nvPr>
+            <p:ph type="title"/>
+          </p:nvPr>
+        </p:nvSpPr>
+        <p:spPr>
+          <a:xfrm>
+            <a:off x="628650" y="273844"/>
+            <a:ext cx="7886700" cy="994172"/>
+          </a:xfrm>
+          <a:noFill/>
+        </p:spPr>
+        <p:txBody>
+          <a:bodyPr anchor="ctr"/>
+          <a:lstStyle/>
+          <a:p>
+            <a:r>
+              <a:rPr lang="en-US" dirty="0" smtClean="0"/>
+              <a:t>Models </a:t>
+            </a:r>
+            <a:r>
+              <a:rPr lang="en-US" dirty="0" smtClean="0"/>
+              <a:t>– Fashion Captioning Dataset (FACAD)</a:t>
+            </a:r>
+            <a:endParaRPr lang="en-US" dirty="0"/>
+          </a:p>
+        </p:txBody>
+      </p:sp>
+      <p:graphicFrame>
+        <p:nvGraphicFramePr>
+          <p:cNvPr id="4" name="Table Placeholder 3">
+            <a:extLst>
+              <a:ext uri="{FF2B5EF4-FFF2-40B4-BE49-F238E27FC236}">
+                <a16:creationId xmlns:a16="http://schemas.microsoft.com/office/drawing/2014/main" xmlns="" id="{0519CAC4-33D8-0B1E-88FF-086E69894AFB}"/>
+              </a:ext>
+            </a:extLst>
+          </p:cNvPr>
+          <p:cNvGraphicFramePr>
+            <a:graphicFrameLocks noGrp="1"/>
+          </p:cNvGraphicFramePr>
+          <p:nvPr>
+            <p:ph type="tbl" sz="quarter" idx="13"/>
+            <p:extLst>
+              <p:ext uri="{D42A27DB-BD31-4B8C-83A1-F6EECF244321}">
+                <p14:modId xmlns:p14="http://schemas.microsoft.com/office/powerpoint/2010/main" xmlns="" val="3019515003"/>
+              </p:ext>
+            </p:extLst>
+          </p:nvPr>
+        </p:nvGraphicFramePr>
+        <p:xfrm>
+          <a:off x="628650" y="1369219"/>
+          <a:ext cx="7471248" cy="2743200"/>
+        </p:xfrm>
+        <a:graphic>
+          <a:graphicData uri="http://schemas.openxmlformats.org/drawingml/2006/table">
+            <a:tbl>
+              <a:tblPr firstRow="1" bandRow="1">
+                <a:tableStyleId>{72833802-FEF1-4C79-8D5D-14CF1EAF98D9}</a:tableStyleId>
+              </a:tblPr>
+              <a:tblGrid>
+                <a:gridCol w="1926482">
+                  <a:extLst>
+                    <a:ext uri="{9D8B030D-6E8A-4147-A177-3AD203B41FA5}">
+                      <a16:colId xmlns:a16="http://schemas.microsoft.com/office/drawing/2014/main" xmlns="" val="2382218087"/>
+                    </a:ext>
+                  </a:extLst>
+                </a:gridCol>
+                <a:gridCol w="1504545">
+                  <a:extLst>
+                    <a:ext uri="{9D8B030D-6E8A-4147-A177-3AD203B41FA5}">
+                      <a16:colId xmlns:a16="http://schemas.microsoft.com/office/drawing/2014/main" xmlns="" val="3953468724"/>
+                    </a:ext>
+                  </a:extLst>
+                </a:gridCol>
+                <a:gridCol w="1512987">
+                  <a:extLst>
+                    <a:ext uri="{9D8B030D-6E8A-4147-A177-3AD203B41FA5}">
+                      <a16:colId xmlns:a16="http://schemas.microsoft.com/office/drawing/2014/main" xmlns="" val="2438884888"/>
+                    </a:ext>
+                  </a:extLst>
+                </a:gridCol>
+                <a:gridCol w="1017917">
+                  <a:extLst>
+                    <a:ext uri="{9D8B030D-6E8A-4147-A177-3AD203B41FA5}">
+                      <a16:colId xmlns:a16="http://schemas.microsoft.com/office/drawing/2014/main" xmlns="" val="3058700555"/>
+                    </a:ext>
+                  </a:extLst>
+                </a:gridCol>
+                <a:gridCol w="1509317">
+                  <a:extLst>
+                    <a:ext uri="{9D8B030D-6E8A-4147-A177-3AD203B41FA5}">
+                      <a16:colId xmlns:a16="http://schemas.microsoft.com/office/drawing/2014/main" xmlns="" val="489067259"/>
+                    </a:ext>
+                  </a:extLst>
+                </a:gridCol>
+              </a:tblGrid>
+              <a:tr h="548640">
+                <a:tc>
+                  <a:txBody>
+                    <a:bodyPr/>
+                    <a:lstStyle/>
+                    <a:p>
+                      <a:pPr algn="ctr"/>
+                      <a:r>
+                        <a:rPr lang="en-US" sz="1400" b="1" i="0" dirty="0" smtClean="0">
+                          <a:latin typeface="+mj-lt"/>
+                        </a:rPr>
+                        <a:t>Model</a:t>
+                      </a:r>
+                      <a:endParaRPr lang="en-US" sz="1400" b="1" i="0" dirty="0">
+                        <a:latin typeface="+mj-lt"/>
+                      </a:endParaRPr>
+                    </a:p>
+                  </a:txBody>
+                  <a:tcPr marL="68580" marR="68580" marT="34290" marB="34290" anchor="ctr"/>
+                </a:tc>
+                <a:tc>
+                  <a:txBody>
+                    <a:bodyPr/>
+                    <a:lstStyle/>
+                    <a:p>
+                      <a:pPr algn="ctr"/>
+                      <a:r>
+                        <a:rPr lang="en-US" sz="1400" b="1" i="0" dirty="0" smtClean="0">
+                          <a:latin typeface="+mj-lt"/>
+                        </a:rPr>
+                        <a:t>Encoder</a:t>
+                      </a:r>
+                      <a:endParaRPr lang="en-US" sz="1400" b="1" i="0" dirty="0">
+                        <a:latin typeface="+mj-lt"/>
+                      </a:endParaRPr>
+                    </a:p>
+                  </a:txBody>
+                  <a:tcPr marL="68580" marR="68580" marT="34290" marB="34290" anchor="ctr"/>
+                </a:tc>
+                <a:tc>
+                  <a:txBody>
+                    <a:bodyPr/>
+                    <a:lstStyle/>
+                    <a:p>
+                      <a:pPr algn="ctr"/>
+                      <a:r>
+                        <a:rPr lang="en-US" sz="1400" b="1" i="0" dirty="0" smtClean="0">
+                          <a:latin typeface="+mj-lt"/>
+                        </a:rPr>
+                        <a:t>Decoder</a:t>
+                      </a:r>
+                      <a:endParaRPr lang="en-US" sz="1400" b="1" i="0" dirty="0">
+                        <a:latin typeface="+mj-lt"/>
+                      </a:endParaRPr>
+                    </a:p>
+                  </a:txBody>
+                  <a:tcPr marL="68580" marR="68580" marT="34290" marB="34290" anchor="ctr"/>
+                </a:tc>
+                <a:tc>
+                  <a:txBody>
+                    <a:bodyPr/>
+                    <a:lstStyle/>
+                    <a:p>
+                      <a:pPr algn="ctr"/>
+                      <a:r>
+                        <a:rPr lang="en-US" sz="1400" b="1" i="0" dirty="0" smtClean="0">
+                          <a:latin typeface="+mj-lt"/>
+                        </a:rPr>
+                        <a:t>Q-Former</a:t>
+                      </a:r>
+                      <a:endParaRPr lang="en-US" sz="1400" b="1" i="0" dirty="0">
+                        <a:latin typeface="+mj-lt"/>
+                      </a:endParaRPr>
+                    </a:p>
+                  </a:txBody>
+                  <a:tcPr marL="68580" marR="68580" marT="34290" marB="34290" anchor="ctr"/>
+                </a:tc>
+                <a:tc>
+                  <a:txBody>
+                    <a:bodyPr/>
+                    <a:lstStyle/>
+                    <a:p>
+                      <a:pPr algn="ctr"/>
+                      <a:r>
+                        <a:rPr lang="en-US" sz="1400" b="1" i="0" dirty="0" smtClean="0">
+                          <a:latin typeface="+mj-lt"/>
+                        </a:rPr>
+                        <a:t>Number of Parameters</a:t>
+                      </a:r>
+                      <a:endParaRPr lang="en-US" sz="1400" b="1" i="0" dirty="0">
+                        <a:latin typeface="+mj-lt"/>
+                      </a:endParaRPr>
+                    </a:p>
+                  </a:txBody>
+                  <a:tcPr marL="68580" marR="68580" marT="34290" marB="34290" anchor="ctr"/>
+                </a:tc>
+                <a:extLst>
+                  <a:ext uri="{0D108BD9-81ED-4DB2-BD59-A6C34878D82A}">
+                    <a16:rowId xmlns:a16="http://schemas.microsoft.com/office/drawing/2014/main" xmlns="" val="2857107962"/>
+                  </a:ext>
+                </a:extLst>
+              </a:tr>
+              <a:tr h="548640">
+                <a:tc>
+                  <a:txBody>
+                    <a:bodyPr/>
+                    <a:lstStyle/>
+                    <a:p>
+                      <a:pPr algn="ctr"/>
+                      <a:r>
+                        <a:rPr lang="en-US" sz="1400" b="0" i="0" smtClean="0">
+                          <a:latin typeface="+mn-lt"/>
+                        </a:rPr>
+                        <a:t>CNN–LSTM </a:t>
+                      </a:r>
+                      <a:endParaRPr lang="en-US" sz="1400" b="0" i="0" dirty="0">
+                        <a:latin typeface="+mn-lt"/>
+                      </a:endParaRPr>
+                    </a:p>
+                  </a:txBody>
+                  <a:tcPr marL="68580" marR="68580" marT="34290" marB="34290" anchor="ctr"/>
+                </a:tc>
+                <a:tc>
+                  <a:txBody>
+                    <a:bodyPr/>
+                    <a:lstStyle/>
+                    <a:p>
+                      <a:pPr algn="ctr"/>
+                      <a:r>
+                        <a:rPr lang="en-US" sz="1400" b="0" i="0" dirty="0" smtClean="0">
+                          <a:latin typeface="+mn-lt"/>
+                        </a:rPr>
+                        <a:t>CNN</a:t>
+                      </a:r>
+                      <a:r>
+                        <a:rPr lang="en-US" sz="1400" b="0" i="0" baseline="0" dirty="0" smtClean="0">
+                          <a:latin typeface="+mn-lt"/>
+                        </a:rPr>
+                        <a:t> (VGG)</a:t>
+                      </a:r>
+                      <a:endParaRPr lang="en-US" sz="1400" b="0" i="0" dirty="0">
+                        <a:latin typeface="+mn-lt"/>
+                      </a:endParaRPr>
+                    </a:p>
+                  </a:txBody>
+                  <a:tcPr marL="68580" marR="68580" marT="34290" marB="34290" anchor="ctr"/>
+                </a:tc>
+                <a:tc>
+                  <a:txBody>
+                    <a:bodyPr/>
+                    <a:lstStyle/>
+                    <a:p>
+                      <a:pPr algn="ctr"/>
+                      <a:r>
+                        <a:rPr lang="en-US" sz="1400" b="0" i="0" dirty="0" smtClean="0">
+                          <a:latin typeface="+mn-lt"/>
+                        </a:rPr>
+                        <a:t>LSTM</a:t>
+                      </a:r>
+                      <a:endParaRPr lang="en-US" sz="1400" b="0" i="0" dirty="0">
+                        <a:latin typeface="+mn-lt"/>
+                      </a:endParaRPr>
+                    </a:p>
+                  </a:txBody>
+                  <a:tcPr marL="68580" marR="68580" marT="34290" marB="34290" anchor="ctr"/>
+                </a:tc>
+                <a:tc>
+                  <a:txBody>
+                    <a:bodyPr/>
+                    <a:lstStyle/>
+                    <a:p>
+                      <a:pPr algn="ctr"/>
+                      <a:r>
+                        <a:rPr lang="en-US" sz="1400" b="0" i="0" dirty="0" smtClean="0">
+                          <a:latin typeface="+mn-lt"/>
+                        </a:rPr>
+                        <a:t>No</a:t>
+                      </a:r>
+                      <a:endParaRPr lang="en-US" sz="1400" b="0" i="0" dirty="0">
+                        <a:latin typeface="+mn-lt"/>
+                      </a:endParaRPr>
+                    </a:p>
+                  </a:txBody>
+                  <a:tcPr marL="68580" marR="68580" marT="34290" marB="34290" anchor="ctr"/>
+                </a:tc>
+                <a:tc>
+                  <a:txBody>
+                    <a:bodyPr/>
+                    <a:lstStyle/>
+                    <a:p>
+                      <a:pPr algn="ctr"/>
+                      <a:r>
+                        <a:rPr lang="en-US" sz="1400" b="0" i="0" dirty="0" smtClean="0">
+                          <a:latin typeface="+mn-lt"/>
+                        </a:rPr>
+                        <a:t>138 Million</a:t>
+                      </a:r>
+                      <a:endParaRPr lang="en-US" sz="1400" b="0" i="0" dirty="0">
+                        <a:latin typeface="+mn-lt"/>
+                      </a:endParaRPr>
+                    </a:p>
+                  </a:txBody>
+                  <a:tcPr marL="68580" marR="68580" marT="34290" marB="34290" anchor="ctr"/>
+                </a:tc>
+                <a:extLst>
+                  <a:ext uri="{0D108BD9-81ED-4DB2-BD59-A6C34878D82A}">
+                    <a16:rowId xmlns:a16="http://schemas.microsoft.com/office/drawing/2014/main" xmlns="" val="1671386868"/>
+                  </a:ext>
+                </a:extLst>
+              </a:tr>
+              <a:tr h="548640">
+                <a:tc>
+                  <a:txBody>
+                    <a:bodyPr/>
+                    <a:lstStyle/>
+                    <a:p>
+                      <a:pPr algn="ctr"/>
+                      <a:r>
+                        <a:rPr lang="en-US" sz="1400" b="0" i="0" dirty="0" smtClean="0">
+                          <a:latin typeface="+mn-lt"/>
+                        </a:rPr>
+                        <a:t>CLIP</a:t>
+                      </a:r>
+                      <a:endParaRPr lang="en-US" sz="1400" b="0" i="0" dirty="0">
+                        <a:latin typeface="+mn-lt"/>
+                      </a:endParaRPr>
+                    </a:p>
+                  </a:txBody>
+                  <a:tcPr marL="68580" marR="68580" marT="34290" marB="34290" anchor="ctr"/>
+                </a:tc>
+                <a:tc>
+                  <a:txBody>
+                    <a:bodyPr/>
+                    <a:lstStyle/>
+                    <a:p>
+                      <a:pPr algn="ctr"/>
+                      <a:r>
+                        <a:rPr lang="en-US" sz="1400" b="0" i="0" dirty="0" smtClean="0">
+                          <a:latin typeface="+mn-lt"/>
+                        </a:rPr>
+                        <a:t>ResNet / </a:t>
+                      </a:r>
+                      <a:r>
+                        <a:rPr lang="en-US" sz="1400" b="0" i="0" dirty="0" err="1" smtClean="0">
+                          <a:latin typeface="+mn-lt"/>
+                        </a:rPr>
+                        <a:t>ViT</a:t>
+                      </a:r>
+                      <a:endParaRPr lang="en-US" sz="1400" b="0" i="0" dirty="0">
+                        <a:latin typeface="+mn-lt"/>
+                      </a:endParaRPr>
+                    </a:p>
+                  </a:txBody>
+                  <a:tcPr marL="68580" marR="68580" marT="34290" marB="34290" anchor="ctr"/>
+                </a:tc>
+                <a:tc>
+                  <a:txBody>
+                    <a:bodyPr/>
+                    <a:lstStyle/>
+                    <a:p>
+                      <a:pPr algn="ctr"/>
+                      <a:r>
+                        <a:rPr lang="en-US" sz="1400" b="0" i="0" dirty="0" smtClean="0">
+                          <a:latin typeface="+mn-lt"/>
+                        </a:rPr>
+                        <a:t>Transformer</a:t>
+                      </a:r>
+                      <a:endParaRPr lang="en-US" sz="1400" b="0" i="0" dirty="0">
+                        <a:latin typeface="+mn-lt"/>
+                      </a:endParaRPr>
+                    </a:p>
+                  </a:txBody>
+                  <a:tcPr marL="68580" marR="68580" marT="34290" marB="34290" anchor="ctr"/>
+                </a:tc>
+                <a:tc>
+                  <a:txBody>
+                    <a:bodyPr/>
+                    <a:lstStyle/>
+                    <a:p>
+                      <a:pPr algn="ctr"/>
+                      <a:r>
+                        <a:rPr lang="en-US" sz="1400" b="0" i="0" dirty="0" smtClean="0">
+                          <a:latin typeface="+mn-lt"/>
+                        </a:rPr>
+                        <a:t>No</a:t>
+                      </a:r>
+                      <a:endParaRPr lang="en-US" sz="1400" b="0" i="0" dirty="0">
+                        <a:latin typeface="+mn-lt"/>
+                      </a:endParaRPr>
+                    </a:p>
+                  </a:txBody>
+                  <a:tcPr marL="68580" marR="68580" marT="34290" marB="34290" anchor="ctr"/>
+                </a:tc>
+                <a:tc>
+                  <a:txBody>
+                    <a:bodyPr/>
+                    <a:lstStyle/>
+                    <a:p>
+                      <a:pPr algn="ctr"/>
+                      <a:r>
+                        <a:rPr lang="en-US" sz="1400" b="0" i="0" dirty="0" smtClean="0">
+                          <a:latin typeface="+mn-lt"/>
+                        </a:rPr>
+                        <a:t>33 Million</a:t>
+                      </a:r>
+                      <a:endParaRPr lang="en-US" sz="1400" b="0" i="0" dirty="0">
+                        <a:latin typeface="+mn-lt"/>
+                      </a:endParaRPr>
+                    </a:p>
+                  </a:txBody>
+                  <a:tcPr marL="68580" marR="68580" marT="34290" marB="34290" anchor="ctr"/>
+                </a:tc>
+                <a:extLst>
+                  <a:ext uri="{0D108BD9-81ED-4DB2-BD59-A6C34878D82A}">
+                    <a16:rowId xmlns:a16="http://schemas.microsoft.com/office/drawing/2014/main" xmlns="" val="380626418"/>
+                  </a:ext>
+                </a:extLst>
+              </a:tr>
+              <a:tr h="548640">
+                <a:tc>
+                  <a:txBody>
+                    <a:bodyPr/>
+                    <a:lstStyle/>
+                    <a:p>
+                      <a:pPr algn="ctr"/>
+                      <a:r>
+                        <a:rPr lang="en-US" sz="1400" b="0" i="0" dirty="0" smtClean="0">
+                          <a:latin typeface="+mn-lt"/>
+                        </a:rPr>
+                        <a:t>BLIP</a:t>
+                      </a:r>
+                      <a:endParaRPr lang="en-US" sz="1400" b="0" i="0" dirty="0">
+                        <a:latin typeface="+mn-lt"/>
+                      </a:endParaRPr>
+                    </a:p>
+                  </a:txBody>
+                  <a:tcPr marL="68580" marR="68580" marT="34290" marB="34290" anchor="ctr"/>
+                </a:tc>
+                <a:tc>
+                  <a:txBody>
+                    <a:bodyPr/>
+                    <a:lstStyle/>
+                    <a:p>
+                      <a:pPr algn="ctr"/>
+                      <a:r>
+                        <a:rPr lang="en-US" sz="1400" b="0" i="0" dirty="0" err="1" smtClean="0">
+                          <a:latin typeface="+mn-lt"/>
+                        </a:rPr>
+                        <a:t>ViT</a:t>
+                      </a:r>
+                      <a:endParaRPr lang="en-US" sz="1400" b="0" i="0" dirty="0">
+                        <a:latin typeface="+mn-lt"/>
+                      </a:endParaRPr>
+                    </a:p>
+                  </a:txBody>
+                  <a:tcPr marL="68580" marR="68580" marT="34290" marB="34290" anchor="ctr"/>
+                </a:tc>
+                <a:tc>
+                  <a:txBody>
+                    <a:bodyPr/>
+                    <a:lstStyle/>
+                    <a:p>
+                      <a:pPr marL="0" marR="0" lvl="0" indent="0" algn="ctr" defTabSz="685800" rtl="0" eaLnBrk="1" fontAlgn="auto" latinLnBrk="0" hangingPunct="1">
+                        <a:lnSpc>
+                          <a:spcPct val="100000"/>
+                        </a:lnSpc>
+                        <a:spcBef>
+                          <a:spcPts val="0"/>
+                        </a:spcBef>
+                        <a:spcAft>
+                          <a:spcPts val="0"/>
+                        </a:spcAft>
+                        <a:buClrTx/>
+                        <a:buSzTx/>
+                        <a:buFontTx/>
+                        <a:buNone/>
+                        <a:tabLst/>
+                        <a:defRPr/>
+                      </a:pPr>
+                      <a:r>
+                        <a:rPr lang="en-US" sz="1400" b="0" i="0" dirty="0" smtClean="0">
+                          <a:latin typeface="+mn-lt"/>
+                        </a:rPr>
+                        <a:t>Transformer</a:t>
+                      </a:r>
+                      <a:endParaRPr lang="en-US" sz="1400" b="0" i="0" dirty="0">
+                        <a:latin typeface="+mn-lt"/>
+                      </a:endParaRPr>
+                    </a:p>
+                  </a:txBody>
+                  <a:tcPr marL="68580" marR="68580" marT="34290" marB="34290" anchor="ctr"/>
+                </a:tc>
+                <a:tc>
+                  <a:txBody>
+                    <a:bodyPr/>
+                    <a:lstStyle/>
+                    <a:p>
+                      <a:pPr algn="ctr"/>
+                      <a:r>
+                        <a:rPr lang="en-US" sz="1400" b="0" i="0" dirty="0" smtClean="0">
+                          <a:latin typeface="+mn-lt"/>
+                        </a:rPr>
+                        <a:t>No</a:t>
+                      </a:r>
+                      <a:endParaRPr lang="en-US" sz="1400" b="0" i="0" dirty="0">
+                        <a:latin typeface="+mn-lt"/>
+                      </a:endParaRPr>
+                    </a:p>
+                  </a:txBody>
+                  <a:tcPr marL="68580" marR="68580" marT="34290" marB="34290" anchor="ctr"/>
+                </a:tc>
+                <a:tc>
+                  <a:txBody>
+                    <a:bodyPr/>
+                    <a:lstStyle/>
+                    <a:p>
+                      <a:pPr algn="ctr"/>
+                      <a:r>
+                        <a:rPr lang="en-US" sz="1400" b="0" i="0" dirty="0" smtClean="0">
+                          <a:latin typeface="+mn-lt"/>
+                        </a:rPr>
+                        <a:t>583 Million</a:t>
+                      </a:r>
+                      <a:endParaRPr lang="en-US" sz="1400" b="0" i="0" dirty="0">
+                        <a:latin typeface="+mn-lt"/>
+                      </a:endParaRPr>
+                    </a:p>
+                  </a:txBody>
+                  <a:tcPr marL="68580" marR="68580" marT="34290" marB="34290" anchor="ctr"/>
+                </a:tc>
+                <a:extLst>
+                  <a:ext uri="{0D108BD9-81ED-4DB2-BD59-A6C34878D82A}">
+                    <a16:rowId xmlns:a16="http://schemas.microsoft.com/office/drawing/2014/main" xmlns="" val="2132482967"/>
+                  </a:ext>
+                </a:extLst>
+              </a:tr>
+              <a:tr h="548640">
+                <a:tc>
+                  <a:txBody>
+                    <a:bodyPr/>
+                    <a:lstStyle/>
+                    <a:p>
+                      <a:pPr algn="ctr"/>
+                      <a:r>
+                        <a:rPr lang="en-US" sz="1400" b="0" i="0" dirty="0" smtClean="0">
+                          <a:latin typeface="+mn-lt"/>
+                        </a:rPr>
+                        <a:t>BLIP-2</a:t>
+                      </a:r>
+                      <a:endParaRPr lang="en-US" sz="1400" b="0" i="0" dirty="0">
+                        <a:latin typeface="+mn-lt"/>
+                      </a:endParaRPr>
+                    </a:p>
+                  </a:txBody>
+                  <a:tcPr marL="68580" marR="68580" marT="34290" marB="34290" anchor="ctr"/>
+                </a:tc>
+                <a:tc>
+                  <a:txBody>
+                    <a:bodyPr/>
+                    <a:lstStyle/>
+                    <a:p>
+                      <a:pPr algn="ctr"/>
+                      <a:r>
+                        <a:rPr lang="en-US" sz="1400" b="0" i="0" dirty="0" err="1" smtClean="0">
+                          <a:latin typeface="+mn-lt"/>
+                        </a:rPr>
+                        <a:t>ViT</a:t>
+                      </a:r>
+                      <a:endParaRPr lang="en-US" sz="1400" b="0" i="0" dirty="0">
+                        <a:latin typeface="+mn-lt"/>
+                      </a:endParaRPr>
+                    </a:p>
+                  </a:txBody>
+                  <a:tcPr marL="68580" marR="68580" marT="34290" marB="34290" anchor="ctr"/>
+                </a:tc>
+                <a:tc>
+                  <a:txBody>
+                    <a:bodyPr/>
+                    <a:lstStyle/>
+                    <a:p>
+                      <a:pPr algn="ctr"/>
+                      <a:r>
+                        <a:rPr lang="en-US" sz="1400" b="0" i="0" dirty="0" smtClean="0">
+                          <a:latin typeface="+mn-lt"/>
+                        </a:rPr>
+                        <a:t>OPT /  FLAN T5</a:t>
+                      </a:r>
+                      <a:endParaRPr lang="en-US" sz="1400" b="0" i="0" dirty="0">
+                        <a:latin typeface="+mn-lt"/>
+                      </a:endParaRPr>
+                    </a:p>
+                  </a:txBody>
+                  <a:tcPr marL="68580" marR="68580" marT="34290" marB="34290" anchor="ctr"/>
+                </a:tc>
+                <a:tc>
+                  <a:txBody>
+                    <a:bodyPr/>
+                    <a:lstStyle/>
+                    <a:p>
+                      <a:pPr algn="ctr"/>
+                      <a:r>
+                        <a:rPr lang="en-US" sz="1400" b="0" i="0" dirty="0" smtClean="0">
+                          <a:latin typeface="+mn-lt"/>
+                        </a:rPr>
+                        <a:t>Yes</a:t>
+                      </a:r>
+                      <a:endParaRPr lang="en-US" sz="1400" b="0" i="0" dirty="0">
+                        <a:latin typeface="+mn-lt"/>
+                      </a:endParaRPr>
+                    </a:p>
+                  </a:txBody>
+                  <a:tcPr marL="68580" marR="68580" marT="34290" marB="34290" anchor="ctr"/>
+                </a:tc>
+                <a:tc>
+                  <a:txBody>
+                    <a:bodyPr/>
+                    <a:lstStyle/>
+                    <a:p>
+                      <a:pPr algn="ctr"/>
+                      <a:r>
+                        <a:rPr lang="en-US" sz="1400" b="0" i="0" dirty="0" smtClean="0">
+                          <a:latin typeface="+mn-lt"/>
+                        </a:rPr>
+                        <a:t>188 Million</a:t>
+                      </a:r>
+                      <a:endParaRPr lang="en-US" sz="1400" b="0" i="0" dirty="0">
+                        <a:latin typeface="+mn-lt"/>
+                      </a:endParaRPr>
+                    </a:p>
+                  </a:txBody>
+                  <a:tcPr marL="68580" marR="68580" marT="34290" marB="34290" anchor="ctr"/>
+                </a:tc>
+                <a:extLst>
+                  <a:ext uri="{0D108BD9-81ED-4DB2-BD59-A6C34878D82A}">
+                    <a16:rowId xmlns:a16="http://schemas.microsoft.com/office/drawing/2014/main" xmlns="" val="3936251906"/>
+                  </a:ext>
+                </a:extLst>
+              </a:tr>
+            </a:tbl>
+          </a:graphicData>
+        </a:graphic>
+      </p:graphicFrame>
+    </p:spTree>
+    <p:extLst>
+      <p:ext uri="{BB962C8B-B14F-4D97-AF65-F5344CB8AC3E}">
+        <p14:creationId xmlns:p14="http://schemas.microsoft.com/office/powerpoint/2010/main" xmlns="" val="1510706933"/>
+      </p:ext>
+    </p:extLst>
+  </p:cSld>
+  <p:clrMapOvr>
+    <a:masterClrMapping/>
+  </p:clrMapOvr>
+</p:sld>
+</file>
+
+<file path=ppt/slides/slide55.xml><?xml version="1.0" encoding="utf-8"?>
+<p:sld xmlns:a="http://schemas.openxmlformats.org/drawingml/2006/main" xmlns:r="http://schemas.openxmlformats.org/officeDocument/2006/relationships" xmlns:p="http://schemas.openxmlformats.org/presentationml/2006/main">
+  <p:cSld>
+    <p:spTree>
+      <p:nvGrpSpPr>
+        <p:cNvPr id="1" name=""/>
+        <p:cNvGrpSpPr/>
+        <p:nvPr/>
+      </p:nvGrpSpPr>
+      <p:grpSpPr>
+        <a:xfrm>
+          <a:off x="0" y="0"/>
+          <a:ext cx="0" cy="0"/>
+          <a:chOff x="0" y="0"/>
+          <a:chExt cx="0" cy="0"/>
+        </a:xfrm>
+      </p:grpSpPr>
     </p:spTree>
     <p:extLst>
       <p:ext uri="{BB962C8B-B14F-4D97-AF65-F5344CB8AC3E}">
@@ -39058,7 +39968,7 @@
 </p:sld>
 </file>
 
-<file path=ppt/slides/slide55.xml><?xml version="1.0" encoding="utf-8"?>
+<file path=ppt/slides/slide56.xml><?xml version="1.0" encoding="utf-8"?>
 <p:sld xmlns:a="http://schemas.openxmlformats.org/drawingml/2006/main" xmlns:r="http://schemas.openxmlformats.org/officeDocument/2006/relationships" xmlns:p="http://schemas.openxmlformats.org/presentationml/2006/main">
   <p:cSld>
     <p:spTree>

--- a/Presentations/IUAC-2024/Introduction_to_Large_Language_Models-From_Foundation_to_Real_World_Applications.pptx
+++ b/Presentations/IUAC-2024/Introduction_to_Large_Language_Models-From_Foundation_to_Real_World_Applications.pptx
@@ -46,8 +46,8 @@
     <p:sldId id="3913" r:id="rId37"/>
     <p:sldId id="3914" r:id="rId38"/>
     <p:sldId id="3921" r:id="rId39"/>
-    <p:sldId id="3920" r:id="rId40"/>
-    <p:sldId id="3919" r:id="rId41"/>
+    <p:sldId id="3931" r:id="rId40"/>
+    <p:sldId id="3920" r:id="rId41"/>
     <p:sldId id="3924" r:id="rId42"/>
     <p:sldId id="3923" r:id="rId43"/>
     <p:sldId id="3922" r:id="rId44"/>
@@ -3452,7 +3452,7 @@
     </p:spTree>
     <p:extLst>
       <p:ext uri="{BB962C8B-B14F-4D97-AF65-F5344CB8AC3E}">
-        <p14:creationId xmlns:p14="http://schemas.microsoft.com/office/powerpoint/2010/main" xmlns="" val="1979117214"/>
+        <p14:creationId xmlns:p14="http://schemas.microsoft.com/office/powerpoint/2010/main" xmlns="" val="916039736"/>
       </p:ext>
     </p:extLst>
   </p:cSld>
@@ -3537,7 +3537,7 @@
     </p:spTree>
     <p:extLst>
       <p:ext uri="{BB962C8B-B14F-4D97-AF65-F5344CB8AC3E}">
-        <p14:creationId xmlns:p14="http://schemas.microsoft.com/office/powerpoint/2010/main" xmlns="" val="916039736"/>
+        <p14:creationId xmlns:p14="http://schemas.microsoft.com/office/powerpoint/2010/main" xmlns="" val="1979117214"/>
       </p:ext>
     </p:extLst>
   </p:cSld>
@@ -18438,7 +18438,11 @@
             </a:pPr>
             <a:r>
               <a:rPr lang="en-IN" sz="2000" dirty="0"/>
-              <a:t>Reinforcement Learning with Human Feedback</a:t>
+              <a:t>Reinforcement Learning with Human </a:t>
+            </a:r>
+            <a:r>
+              <a:rPr lang="en-IN" sz="2000" dirty="0" smtClean="0"/>
+              <a:t>Feedback (RLHF)</a:t>
             </a:r>
             <a:endParaRPr lang="en-US" sz="1700" dirty="0"/>
           </a:p>
@@ -18536,7 +18540,7 @@
         </p:spPr>
         <p:txBody>
           <a:bodyPr vert="horz" lIns="68580" tIns="34290" rIns="68580" bIns="34290" rtlCol="0" anchor="t">
-            <a:normAutofit/>
+            <a:normAutofit lnSpcReduction="10000"/>
           </a:bodyPr>
           <a:lstStyle/>
           <a:p>
@@ -18569,8 +18573,34 @@
               </a:buClr>
             </a:pPr>
             <a:r>
-              <a:rPr lang="en-US" sz="2000" dirty="0"/>
-              <a:t>Self annotations (X – y) </a:t>
+              <a:rPr lang="en-US" sz="2000" dirty="0" smtClean="0"/>
+              <a:t>Next word </a:t>
+            </a:r>
+            <a:r>
+              <a:rPr lang="en-US" sz="2000" dirty="0" smtClean="0"/>
+              <a:t>or token </a:t>
+            </a:r>
+            <a:r>
+              <a:rPr lang="en-US" sz="2000" dirty="0" smtClean="0"/>
+              <a:t>prediction</a:t>
+            </a:r>
+            <a:endParaRPr lang="en-US" sz="2000" dirty="0" smtClean="0"/>
+          </a:p>
+          <a:p>
+            <a:pPr marL="171450" lvl="1">
+              <a:spcBef>
+                <a:spcPts val="750"/>
+              </a:spcBef>
+              <a:spcAft>
+                <a:spcPts val="600"/>
+              </a:spcAft>
+              <a:buClr>
+                <a:schemeClr val="accent2"/>
+              </a:buClr>
+            </a:pPr>
+            <a:r>
+              <a:rPr lang="en-US" sz="2000" dirty="0" smtClean="0"/>
+              <a:t>Self annotations – (X – y)  </a:t>
             </a:r>
           </a:p>
           <a:p>
@@ -18586,8 +18616,12 @@
               </a:buClr>
             </a:pPr>
             <a:r>
+              <a:rPr lang="en-US" sz="1700" dirty="0" smtClean="0"/>
+              <a:t>I </a:t>
+            </a:r>
+            <a:r>
               <a:rPr lang="en-US" sz="1700" dirty="0"/>
-              <a:t>I love ice </a:t>
+              <a:t>love ice </a:t>
             </a:r>
             <a:r>
               <a:rPr lang="en-US" sz="1700" b="1" dirty="0">
@@ -18641,7 +18675,7 @@
               <a:t> y = </a:t>
             </a:r>
             <a:r>
-              <a:rPr lang="en-US" sz="1600" b="1" dirty="0">
+              <a:rPr lang="en-US" sz="1600" b="1" dirty="0" smtClean="0">
                 <a:solidFill>
                   <a:schemeClr val="accent2">
                     <a:lumMod val="50000"/>
@@ -18650,7 +18684,6 @@
               </a:rPr>
               <a:t>cream</a:t>
             </a:r>
-            <a:endParaRPr lang="en-US" sz="1600" dirty="0"/>
           </a:p>
           <a:p>
             <a:pPr marL="171450" lvl="1">
@@ -18665,7 +18698,7 @@
               </a:buClr>
             </a:pPr>
             <a:r>
-              <a:rPr lang="en-IN" sz="2000" dirty="0"/>
+              <a:rPr lang="en-IN" sz="2000" dirty="0" smtClean="0"/>
               <a:t>Learn language syntax</a:t>
             </a:r>
           </a:p>
@@ -18682,9 +18715,10 @@
               </a:buClr>
             </a:pPr>
             <a:r>
-              <a:rPr lang="en-US" sz="2000" dirty="0"/>
+              <a:rPr lang="en-US" sz="2000" dirty="0" smtClean="0"/>
               <a:t>Master language grammar</a:t>
             </a:r>
+            <a:endParaRPr lang="en-US" sz="2000" dirty="0"/>
           </a:p>
         </p:txBody>
       </p:sp>
@@ -18732,9 +18766,10 @@
               </a:buClr>
             </a:pPr>
             <a:r>
-              <a:rPr lang="en-US" sz="2000" dirty="0"/>
-              <a:t>Large amount of dataset</a:t>
-            </a:r>
+              <a:rPr lang="en-US" sz="2000" dirty="0" smtClean="0"/>
+              <a:t>Large corpus of text data</a:t>
+            </a:r>
+            <a:endParaRPr lang="en-US" sz="2000" dirty="0"/>
           </a:p>
           <a:p>
             <a:pPr marL="171450" lvl="1">
@@ -18749,8 +18784,8 @@
               </a:buClr>
             </a:pPr>
             <a:r>
-              <a:rPr lang="en-US" sz="2000" dirty="0"/>
-              <a:t>Web scraping</a:t>
+              <a:rPr lang="en-US" sz="2000" dirty="0" smtClean="0"/>
+              <a:t>Books, articles, or websites</a:t>
             </a:r>
           </a:p>
           <a:p>
@@ -18766,6 +18801,27 @@
               </a:buClr>
             </a:pPr>
             <a:r>
+              <a:rPr lang="en-US" sz="2000" dirty="0" smtClean="0"/>
+              <a:t>Web </a:t>
+            </a:r>
+            <a:r>
+              <a:rPr lang="en-US" sz="2000" dirty="0"/>
+              <a:t>scraping</a:t>
+            </a:r>
+          </a:p>
+          <a:p>
+            <a:pPr marL="171450" lvl="1">
+              <a:spcBef>
+                <a:spcPts val="750"/>
+              </a:spcBef>
+              <a:spcAft>
+                <a:spcPts val="600"/>
+              </a:spcAft>
+              <a:buClr>
+                <a:schemeClr val="accent2"/>
+              </a:buClr>
+            </a:pPr>
+            <a:r>
               <a:rPr lang="en-US" sz="2000" dirty="0"/>
               <a:t>Vocabulary size</a:t>
             </a:r>
@@ -18817,6 +18873,10 @@
                 <a:schemeClr val="accent2"/>
               </a:buClr>
             </a:pPr>
+            <a:r>
+              <a:rPr lang="en-IN" sz="2000" dirty="0" smtClean="0"/>
+              <a:t>Clean dataset</a:t>
+            </a:r>
             <a:endParaRPr lang="en-IN" sz="2000" dirty="0"/>
           </a:p>
           <a:p>
@@ -18917,8 +18977,8 @@
         </p:nvSpPr>
         <p:spPr>
           <a:xfrm>
-            <a:off x="628649" y="1378574"/>
-            <a:ext cx="7591425" cy="3213667"/>
+            <a:off x="628650" y="1378574"/>
+            <a:ext cx="3748798" cy="3213667"/>
           </a:xfrm>
           <a:prstGeom prst="rect">
             <a:avLst/>
@@ -18960,8 +19020,50 @@
               </a:buClr>
             </a:pPr>
             <a:r>
+              <a:rPr lang="en-US" sz="2000" dirty="0" smtClean="0"/>
+              <a:t>Specific </a:t>
+            </a:r>
+            <a:r>
+              <a:rPr lang="en-US" sz="2000" dirty="0" smtClean="0"/>
+              <a:t>down stream task</a:t>
+            </a:r>
+            <a:endParaRPr lang="en-US" sz="2000" dirty="0" smtClean="0"/>
+          </a:p>
+          <a:p>
+            <a:pPr marL="171450" lvl="1">
+              <a:spcBef>
+                <a:spcPts val="750"/>
+              </a:spcBef>
+              <a:spcAft>
+                <a:spcPts val="600"/>
+              </a:spcAft>
+              <a:buClr>
+                <a:schemeClr val="accent2"/>
+              </a:buClr>
+            </a:pPr>
+            <a:r>
+              <a:rPr lang="en-US" sz="2000" dirty="0" smtClean="0">
+                <a:solidFill>
+                  <a:srgbClr val="7030A0"/>
+                </a:solidFill>
+              </a:rPr>
+              <a:t>Instructions</a:t>
+            </a:r>
+            <a:r>
+              <a:rPr lang="en-US" sz="2000" dirty="0" smtClean="0"/>
+              <a:t> </a:t>
+            </a:r>
+            <a:r>
               <a:rPr lang="en-US" sz="2000" dirty="0"/>
-              <a:t>Instructions and Responses</a:t>
+              <a:t>and </a:t>
+            </a:r>
+            <a:r>
+              <a:rPr lang="en-US" sz="2000" dirty="0">
+                <a:solidFill>
+                  <a:srgbClr val="00B050"/>
+                </a:solidFill>
+              </a:rPr>
+              <a:t>Responses</a:t>
             </a:r>
           </a:p>
           <a:p>
@@ -18977,8 +19079,28 @@
               </a:buClr>
             </a:pPr>
             <a:r>
+              <a:rPr lang="en-US" sz="1700" dirty="0" smtClean="0">
+                <a:solidFill>
+                  <a:srgbClr val="7030A0"/>
+                </a:solidFill>
+              </a:rPr>
+              <a:t>Question</a:t>
+            </a:r>
+            <a:r>
+              <a:rPr lang="en-US" sz="1700" dirty="0" smtClean="0"/>
+              <a:t> </a:t>
+            </a:r>
+            <a:r>
               <a:rPr lang="en-US" sz="1700" dirty="0"/>
-              <a:t>Question and Answer</a:t>
+              <a:t>and </a:t>
+            </a:r>
+            <a:r>
+              <a:rPr lang="en-US" sz="1700" dirty="0">
+                <a:solidFill>
+                  <a:srgbClr val="00B050"/>
+                </a:solidFill>
+              </a:rPr>
+              <a:t>Answer</a:t>
             </a:r>
           </a:p>
           <a:p>
@@ -18994,9 +19116,30 @@
               </a:buClr>
             </a:pPr>
             <a:r>
-              <a:rPr lang="en-US" sz="1700" dirty="0"/>
-              <a:t>Text and sentiment</a:t>
-            </a:r>
+              <a:rPr lang="en-US" sz="1700" dirty="0" smtClean="0">
+                <a:solidFill>
+                  <a:srgbClr val="7030A0"/>
+                </a:solidFill>
+              </a:rPr>
+              <a:t>Text</a:t>
+            </a:r>
+            <a:r>
+              <a:rPr lang="en-US" sz="1700" dirty="0" smtClean="0"/>
+              <a:t> and </a:t>
+            </a:r>
+            <a:r>
+              <a:rPr lang="en-US" sz="1700" dirty="0" smtClean="0">
+                <a:solidFill>
+                  <a:srgbClr val="00B050"/>
+                </a:solidFill>
+              </a:rPr>
+              <a:t>Summary</a:t>
+            </a:r>
+            <a:endParaRPr lang="en-US" sz="1700" dirty="0" smtClean="0">
+              <a:solidFill>
+                <a:srgbClr val="00B050"/>
+              </a:solidFill>
+            </a:endParaRPr>
           </a:p>
           <a:p>
             <a:pPr marL="514350" lvl="2">
@@ -19011,8 +19154,66 @@
               </a:buClr>
             </a:pPr>
             <a:r>
+              <a:rPr lang="en-US" sz="1700" dirty="0" smtClean="0">
+                <a:solidFill>
+                  <a:srgbClr val="7030A0"/>
+                </a:solidFill>
+              </a:rPr>
+              <a:t>English</a:t>
+            </a:r>
+            <a:r>
+              <a:rPr lang="en-US" sz="1700" dirty="0" smtClean="0"/>
+              <a:t> </a:t>
+            </a:r>
+            <a:r>
               <a:rPr lang="en-US" sz="1700" dirty="0"/>
-              <a:t>English and Hindi sentences </a:t>
+              <a:t>and </a:t>
+            </a:r>
+            <a:r>
+              <a:rPr lang="en-US" sz="1700" dirty="0">
+                <a:solidFill>
+                  <a:srgbClr val="00B050"/>
+                </a:solidFill>
+              </a:rPr>
+              <a:t>Hindi sentences</a:t>
+            </a:r>
+            <a:r>
+              <a:rPr lang="en-US" sz="1700" dirty="0"/>
+              <a:t> </a:t>
+            </a:r>
+            <a:endParaRPr lang="en-US" sz="1700" dirty="0" smtClean="0"/>
+          </a:p>
+          <a:p>
+            <a:pPr marL="514350" lvl="2">
+              <a:spcBef>
+                <a:spcPts val="750"/>
+              </a:spcBef>
+              <a:spcAft>
+                <a:spcPts val="600"/>
+              </a:spcAft>
+              <a:buClr>
+                <a:schemeClr val="accent2"/>
+              </a:buClr>
+            </a:pPr>
+            <a:r>
+              <a:rPr lang="en-US" sz="1700" dirty="0" smtClean="0">
+                <a:solidFill>
+                  <a:srgbClr val="7030A0"/>
+                </a:solidFill>
+              </a:rPr>
+              <a:t>Text</a:t>
+            </a:r>
+            <a:r>
+              <a:rPr lang="en-US" sz="1700" dirty="0" smtClean="0"/>
+              <a:t> and </a:t>
+            </a:r>
+            <a:r>
+              <a:rPr lang="en-US" sz="1700" dirty="0" smtClean="0">
+                <a:solidFill>
+                  <a:srgbClr val="00B050"/>
+                </a:solidFill>
+              </a:rPr>
+              <a:t>Sentiment</a:t>
             </a:r>
           </a:p>
           <a:p>
@@ -19027,11 +19228,55 @@
                 <a:schemeClr val="accent2"/>
               </a:buClr>
             </a:pPr>
-            <a:r>
-              <a:rPr lang="en-IN" sz="2000" dirty="0"/>
-              <a:t>Generate accurate answers</a:t>
-            </a:r>
-          </a:p>
+            <a:endParaRPr lang="en-US" sz="2000" dirty="0" smtClean="0"/>
+          </a:p>
+          <a:p>
+            <a:pPr marL="514350" lvl="2">
+              <a:spcBef>
+                <a:spcPts val="750"/>
+              </a:spcBef>
+              <a:spcAft>
+                <a:spcPts val="600"/>
+              </a:spcAft>
+              <a:buClr>
+                <a:schemeClr val="accent2"/>
+              </a:buClr>
+            </a:pPr>
+            <a:endParaRPr lang="en-US" sz="1700" dirty="0"/>
+          </a:p>
+        </p:txBody>
+      </p:sp>
+      <p:sp>
+        <p:nvSpPr>
+          <p:cNvPr id="4" name="Content Placeholder 2">
+            <a:extLst>
+              <a:ext uri="{FF2B5EF4-FFF2-40B4-BE49-F238E27FC236}">
+                <a16:creationId xmlns:a16="http://schemas.microsoft.com/office/drawing/2014/main" xmlns="" id="{A6A33159-D030-2F82-A142-F75940728319}"/>
+              </a:ext>
+            </a:extLst>
+          </p:cNvPr>
+          <p:cNvSpPr>
+            <a:spLocks noGrp="1"/>
+          </p:cNvSpPr>
+          <p:nvPr>
+            <p:ph sz="quarter" idx="4294967295"/>
+          </p:nvPr>
+        </p:nvSpPr>
+        <p:spPr>
+          <a:xfrm>
+            <a:off x="4782295" y="1381819"/>
+            <a:ext cx="3748798" cy="3213667"/>
+          </a:xfrm>
+          <a:prstGeom prst="rect">
+            <a:avLst/>
+          </a:prstGeom>
+          <a:noFill/>
+        </p:spPr>
+        <p:txBody>
+          <a:bodyPr vert="horz" lIns="68580" tIns="34290" rIns="68580" bIns="34290" rtlCol="0" anchor="t">
+            <a:normAutofit/>
+          </a:bodyPr>
+          <a:lstStyle/>
           <a:p>
             <a:pPr marL="171450" lvl="1">
               <a:spcBef>
@@ -19045,9 +19290,120 @@
               </a:buClr>
             </a:pPr>
             <a:r>
-              <a:rPr lang="en-IN" sz="2000" dirty="0"/>
-              <a:t>Generate appropriate answers</a:t>
-            </a:r>
+              <a:rPr lang="en-IN" sz="2000" dirty="0" smtClean="0"/>
+              <a:t>Generate accurate responses</a:t>
+            </a:r>
+          </a:p>
+          <a:p>
+            <a:pPr marL="171450" lvl="1">
+              <a:spcBef>
+                <a:spcPts val="750"/>
+              </a:spcBef>
+              <a:spcAft>
+                <a:spcPts val="600"/>
+              </a:spcAft>
+              <a:buClr>
+                <a:schemeClr val="accent2"/>
+              </a:buClr>
+            </a:pPr>
+            <a:r>
+              <a:rPr lang="en-IN" sz="2000" dirty="0" smtClean="0"/>
+              <a:t>Generate specific </a:t>
+            </a:r>
+            <a:r>
+              <a:rPr lang="en-IN" sz="2000" dirty="0" smtClean="0"/>
+              <a:t>responses</a:t>
+            </a:r>
+          </a:p>
+          <a:p>
+            <a:pPr marL="171450" lvl="1">
+              <a:spcBef>
+                <a:spcPts val="750"/>
+              </a:spcBef>
+              <a:spcAft>
+                <a:spcPts val="600"/>
+              </a:spcAft>
+              <a:buClr>
+                <a:schemeClr val="accent2"/>
+              </a:buClr>
+            </a:pPr>
+            <a:r>
+              <a:rPr lang="en-IN" sz="2000" dirty="0" smtClean="0"/>
+              <a:t>Specific domain knowledge</a:t>
+            </a:r>
+          </a:p>
+          <a:p>
+            <a:pPr marL="514350" lvl="2">
+              <a:spcBef>
+                <a:spcPts val="750"/>
+              </a:spcBef>
+              <a:spcAft>
+                <a:spcPts val="600"/>
+              </a:spcAft>
+              <a:buClr>
+                <a:schemeClr val="accent2"/>
+              </a:buClr>
+            </a:pPr>
+            <a:r>
+              <a:rPr lang="en-IN" sz="1700" dirty="0" smtClean="0"/>
+              <a:t>Source code</a:t>
+            </a:r>
+          </a:p>
+          <a:p>
+            <a:pPr marL="514350" lvl="2">
+              <a:spcBef>
+                <a:spcPts val="750"/>
+              </a:spcBef>
+              <a:spcAft>
+                <a:spcPts val="600"/>
+              </a:spcAft>
+              <a:buClr>
+                <a:schemeClr val="accent2"/>
+              </a:buClr>
+            </a:pPr>
+            <a:r>
+              <a:rPr lang="en-IN" sz="1700" dirty="0" smtClean="0"/>
+              <a:t>Medical documents</a:t>
+            </a:r>
+          </a:p>
+          <a:p>
+            <a:pPr marL="514350" lvl="2">
+              <a:spcBef>
+                <a:spcPts val="750"/>
+              </a:spcBef>
+              <a:spcAft>
+                <a:spcPts val="600"/>
+              </a:spcAft>
+              <a:buClr>
+                <a:schemeClr val="accent2"/>
+              </a:buClr>
+            </a:pPr>
+            <a:r>
+              <a:rPr lang="en-IN" sz="1700" dirty="0" smtClean="0"/>
+              <a:t>Legal </a:t>
+            </a:r>
+            <a:r>
+              <a:rPr lang="en-IN" sz="1700" dirty="0" smtClean="0"/>
+              <a:t>documents</a:t>
+            </a:r>
+          </a:p>
+          <a:p>
+            <a:pPr marL="514350" lvl="2">
+              <a:spcBef>
+                <a:spcPts val="750"/>
+              </a:spcBef>
+              <a:spcAft>
+                <a:spcPts val="600"/>
+              </a:spcAft>
+              <a:buClr>
+                <a:schemeClr val="accent2"/>
+              </a:buClr>
+            </a:pPr>
+            <a:r>
+              <a:rPr lang="en-IN" sz="1700" dirty="0" smtClean="0"/>
+              <a:t>Financial documents</a:t>
+            </a:r>
+            <a:endParaRPr lang="en-IN" sz="1700" dirty="0" smtClean="0"/>
           </a:p>
         </p:txBody>
       </p:sp>
@@ -29124,298 +29480,6 @@
           <a:p>
             <a:r>
               <a:rPr lang="en-US" dirty="0"/>
-              <a:t>FashionVLM</a:t>
-            </a:r>
-            <a:endParaRPr lang="en-US" dirty="0">
-              <a:solidFill>
-                <a:schemeClr val="accent2">
-                  <a:lumMod val="50000"/>
-                </a:schemeClr>
-              </a:solidFill>
-            </a:endParaRPr>
-          </a:p>
-        </p:txBody>
-      </p:sp>
-      <p:sp>
-        <p:nvSpPr>
-          <p:cNvPr id="5" name="Content Placeholder 2">
-            <a:extLst>
-              <a:ext uri="{FF2B5EF4-FFF2-40B4-BE49-F238E27FC236}">
-                <a16:creationId xmlns:a16="http://schemas.microsoft.com/office/drawing/2014/main" xmlns="" id="{A6A33159-D030-2F82-A142-F75940728319}"/>
-              </a:ext>
-            </a:extLst>
-          </p:cNvPr>
-          <p:cNvSpPr>
-            <a:spLocks noGrp="1"/>
-          </p:cNvSpPr>
-          <p:nvPr>
-            <p:ph sz="quarter" idx="4294967295"/>
-          </p:nvPr>
-        </p:nvSpPr>
-        <p:spPr>
-          <a:xfrm>
-            <a:off x="628650" y="1378574"/>
-            <a:ext cx="7867650" cy="3213667"/>
-          </a:xfrm>
-          <a:prstGeom prst="rect">
-            <a:avLst/>
-          </a:prstGeom>
-          <a:noFill/>
-        </p:spPr>
-        <p:txBody>
-          <a:bodyPr vert="horz" lIns="68580" tIns="34290" rIns="68580" bIns="34290" rtlCol="0" anchor="t">
-            <a:normAutofit lnSpcReduction="10000"/>
-          </a:bodyPr>
-          <a:lstStyle/>
-          <a:p>
-            <a:pPr marL="171450" lvl="1">
-              <a:spcBef>
-                <a:spcPts val="750"/>
-              </a:spcBef>
-              <a:spcAft>
-                <a:spcPts val="600"/>
-              </a:spcAft>
-              <a:buClr>
-                <a:schemeClr val="accent2"/>
-              </a:buClr>
-            </a:pPr>
-            <a:r>
-              <a:rPr lang="en-IN" sz="2000" dirty="0"/>
-              <a:t>BLIP-2</a:t>
-            </a:r>
-          </a:p>
-          <a:p>
-            <a:pPr marL="514350" lvl="2">
-              <a:spcBef>
-                <a:spcPts val="750"/>
-              </a:spcBef>
-              <a:spcAft>
-                <a:spcPts val="600"/>
-              </a:spcAft>
-              <a:buClr>
-                <a:schemeClr val="accent2"/>
-              </a:buClr>
-            </a:pPr>
-            <a:r>
-              <a:rPr lang="en-IN" sz="1700" dirty="0"/>
-              <a:t>Bootstrapping Language Image Pre–training </a:t>
-            </a:r>
-          </a:p>
-          <a:p>
-            <a:pPr marL="171450" lvl="1">
-              <a:spcBef>
-                <a:spcPts val="750"/>
-              </a:spcBef>
-              <a:spcAft>
-                <a:spcPts val="600"/>
-              </a:spcAft>
-              <a:buClr>
-                <a:schemeClr val="accent2"/>
-              </a:buClr>
-            </a:pPr>
-            <a:r>
-              <a:rPr lang="en-IN" sz="2000" dirty="0"/>
-              <a:t>Image encoder</a:t>
-            </a:r>
-          </a:p>
-          <a:p>
-            <a:pPr marL="514350" lvl="2">
-              <a:spcBef>
-                <a:spcPts val="750"/>
-              </a:spcBef>
-              <a:spcAft>
-                <a:spcPts val="600"/>
-              </a:spcAft>
-              <a:buClr>
-                <a:schemeClr val="accent2"/>
-              </a:buClr>
-            </a:pPr>
-            <a:r>
-              <a:rPr lang="en-IN" sz="1700" dirty="0"/>
-              <a:t>Vision Transformer (</a:t>
-            </a:r>
-            <a:r>
-              <a:rPr lang="en-IN" sz="1700" dirty="0" err="1"/>
-              <a:t>ViT</a:t>
-            </a:r>
-            <a:r>
-              <a:rPr lang="en-IN" sz="1700" dirty="0"/>
-              <a:t>) </a:t>
-            </a:r>
-          </a:p>
-          <a:p>
-            <a:pPr marL="171450" lvl="1">
-              <a:spcBef>
-                <a:spcPts val="750"/>
-              </a:spcBef>
-              <a:spcAft>
-                <a:spcPts val="600"/>
-              </a:spcAft>
-              <a:buClr>
-                <a:schemeClr val="accent2"/>
-              </a:buClr>
-            </a:pPr>
-            <a:r>
-              <a:rPr lang="en-IN" sz="2000" dirty="0"/>
-              <a:t>Text encoder</a:t>
-            </a:r>
-          </a:p>
-          <a:p>
-            <a:pPr marL="514350" lvl="2">
-              <a:spcBef>
-                <a:spcPts val="750"/>
-              </a:spcBef>
-              <a:spcAft>
-                <a:spcPts val="600"/>
-              </a:spcAft>
-              <a:buClr>
-                <a:schemeClr val="accent2"/>
-              </a:buClr>
-            </a:pPr>
-            <a:r>
-              <a:rPr lang="en-US" sz="1700" dirty="0"/>
-              <a:t>Large Language Model (LLM)</a:t>
-            </a:r>
-            <a:endParaRPr lang="en-IN" sz="2000" dirty="0"/>
-          </a:p>
-          <a:p>
-            <a:pPr marL="171450" lvl="1">
-              <a:spcBef>
-                <a:spcPts val="750"/>
-              </a:spcBef>
-              <a:spcAft>
-                <a:spcPts val="600"/>
-              </a:spcAft>
-              <a:buClr>
-                <a:schemeClr val="accent2"/>
-              </a:buClr>
-            </a:pPr>
-            <a:r>
-              <a:rPr lang="en-IN" sz="2000" dirty="0"/>
-              <a:t>Connect Image and Text encoders</a:t>
-            </a:r>
-          </a:p>
-          <a:p>
-            <a:pPr marL="514350" lvl="2">
-              <a:spcBef>
-                <a:spcPts val="750"/>
-              </a:spcBef>
-              <a:spcAft>
-                <a:spcPts val="600"/>
-              </a:spcAft>
-              <a:buClr>
-                <a:schemeClr val="accent2"/>
-              </a:buClr>
-            </a:pPr>
-            <a:r>
-              <a:rPr lang="en-IN" sz="1700" dirty="0"/>
-              <a:t>Querying Transformer (Q-Former)</a:t>
-            </a:r>
-            <a:endParaRPr lang="en-US" sz="1700" dirty="0"/>
-          </a:p>
-        </p:txBody>
-      </p:sp>
-      <p:sp>
-        <p:nvSpPr>
-          <p:cNvPr id="2" name="TextBox 1">
-            <a:extLst>
-              <a:ext uri="{FF2B5EF4-FFF2-40B4-BE49-F238E27FC236}">
-                <a16:creationId xmlns:a16="http://schemas.microsoft.com/office/drawing/2014/main" xmlns="" id="{294FBF46-685F-AD18-6C68-10B5F24960BF}"/>
-              </a:ext>
-            </a:extLst>
-          </p:cNvPr>
-          <p:cNvSpPr txBox="1"/>
-          <p:nvPr/>
-        </p:nvSpPr>
-        <p:spPr>
-          <a:xfrm>
-            <a:off x="1733550" y="4714875"/>
-            <a:ext cx="5761969" cy="307777"/>
-          </a:xfrm>
-          <a:prstGeom prst="rect">
-            <a:avLst/>
-          </a:prstGeom>
-          <a:noFill/>
-        </p:spPr>
-        <p:txBody>
-          <a:bodyPr wrap="square" rtlCol="0">
-            <a:spAutoFit/>
-          </a:bodyPr>
-          <a:lstStyle/>
-          <a:p>
-            <a:pPr algn="r"/>
-            <a:r>
-              <a:rPr lang="en-IN" b="1" dirty="0">
-                <a:solidFill>
-                  <a:schemeClr val="accent2">
-                    <a:lumMod val="50000"/>
-                  </a:schemeClr>
-                </a:solidFill>
-              </a:rPr>
-              <a:t>* FashionVLM (2023) – Gaurika Gupta &amp; Pritam Shete</a:t>
-            </a:r>
-          </a:p>
-        </p:txBody>
-      </p:sp>
-    </p:spTree>
-    <p:extLst>
-      <p:ext uri="{BB962C8B-B14F-4D97-AF65-F5344CB8AC3E}">
-        <p14:creationId xmlns:p14="http://schemas.microsoft.com/office/powerpoint/2010/main" xmlns="" val="3109420625"/>
-      </p:ext>
-    </p:extLst>
-  </p:cSld>
-  <p:clrMapOvr>
-    <a:masterClrMapping/>
-  </p:clrMapOvr>
-</p:sld>
-</file>
-
-<file path=ppt/slides/slide37.xml><?xml version="1.0" encoding="utf-8"?>
-<p:sld xmlns:a="http://schemas.openxmlformats.org/drawingml/2006/main" xmlns:r="http://schemas.openxmlformats.org/officeDocument/2006/relationships" xmlns:p="http://schemas.openxmlformats.org/presentationml/2006/main">
-  <p:cSld>
-    <p:spTree>
-      <p:nvGrpSpPr>
-        <p:cNvPr id="1" name=""/>
-        <p:cNvGrpSpPr/>
-        <p:nvPr/>
-      </p:nvGrpSpPr>
-      <p:grpSpPr>
-        <a:xfrm>
-          <a:off x="0" y="0"/>
-          <a:ext cx="0" cy="0"/>
-          <a:chOff x="0" y="0"/>
-          <a:chExt cx="0" cy="0"/>
-        </a:xfrm>
-      </p:grpSpPr>
-      <p:sp>
-        <p:nvSpPr>
-          <p:cNvPr id="8" name="Title 1">
-            <a:extLst>
-              <a:ext uri="{FF2B5EF4-FFF2-40B4-BE49-F238E27FC236}">
-                <a16:creationId xmlns:a16="http://schemas.microsoft.com/office/drawing/2014/main" xmlns="" id="{47A9874B-BCA9-8420-1595-EDD1865A099A}"/>
-              </a:ext>
-            </a:extLst>
-          </p:cNvPr>
-          <p:cNvSpPr>
-            <a:spLocks noGrp="1"/>
-          </p:cNvSpPr>
-          <p:nvPr>
-            <p:ph type="title"/>
-          </p:nvPr>
-        </p:nvSpPr>
-        <p:spPr>
-          <a:xfrm>
-            <a:off x="628650" y="273844"/>
-            <a:ext cx="7886700" cy="994172"/>
-          </a:xfrm>
-          <a:noFill/>
-        </p:spPr>
-        <p:txBody>
-          <a:bodyPr anchor="ctr"/>
-          <a:lstStyle/>
-          <a:p>
-            <a:r>
-              <a:rPr lang="en-US" dirty="0"/>
               <a:t>Fashion Captioning Dataset (FACAD)</a:t>
             </a:r>
             <a:endParaRPr lang="en-US" dirty="0">
@@ -29931,6 +29995,318 @@
     <p:extLst>
       <p:ext uri="{BB962C8B-B14F-4D97-AF65-F5344CB8AC3E}">
         <p14:creationId xmlns:p14="http://schemas.microsoft.com/office/powerpoint/2010/main" xmlns="" val="2537388289"/>
+      </p:ext>
+    </p:extLst>
+  </p:cSld>
+  <p:clrMapOvr>
+    <a:masterClrMapping/>
+  </p:clrMapOvr>
+</p:sld>
+</file>
+
+<file path=ppt/slides/slide37.xml><?xml version="1.0" encoding="utf-8"?>
+<p:sld xmlns:a="http://schemas.openxmlformats.org/drawingml/2006/main" xmlns:r="http://schemas.openxmlformats.org/officeDocument/2006/relationships" xmlns:p="http://schemas.openxmlformats.org/presentationml/2006/main">
+  <p:cSld>
+    <p:spTree>
+      <p:nvGrpSpPr>
+        <p:cNvPr id="1" name=""/>
+        <p:cNvGrpSpPr/>
+        <p:nvPr/>
+      </p:nvGrpSpPr>
+      <p:grpSpPr>
+        <a:xfrm>
+          <a:off x="0" y="0"/>
+          <a:ext cx="0" cy="0"/>
+          <a:chOff x="0" y="0"/>
+          <a:chExt cx="0" cy="0"/>
+        </a:xfrm>
+      </p:grpSpPr>
+      <p:sp>
+        <p:nvSpPr>
+          <p:cNvPr id="8" name="Title 1">
+            <a:extLst>
+              <a:ext uri="{FF2B5EF4-FFF2-40B4-BE49-F238E27FC236}">
+                <a16:creationId xmlns:a16="http://schemas.microsoft.com/office/drawing/2014/main" xmlns="" id="{47A9874B-BCA9-8420-1595-EDD1865A099A}"/>
+              </a:ext>
+            </a:extLst>
+          </p:cNvPr>
+          <p:cNvSpPr>
+            <a:spLocks noGrp="1"/>
+          </p:cNvSpPr>
+          <p:nvPr>
+            <p:ph type="title"/>
+          </p:nvPr>
+        </p:nvSpPr>
+        <p:spPr>
+          <a:xfrm>
+            <a:off x="628650" y="273844"/>
+            <a:ext cx="7886700" cy="994172"/>
+          </a:xfrm>
+          <a:noFill/>
+        </p:spPr>
+        <p:txBody>
+          <a:bodyPr anchor="ctr"/>
+          <a:lstStyle/>
+          <a:p>
+            <a:r>
+              <a:rPr lang="en-US" dirty="0"/>
+              <a:t>FashionVLM</a:t>
+            </a:r>
+            <a:endParaRPr lang="en-US" dirty="0">
+              <a:solidFill>
+                <a:schemeClr val="accent2">
+                  <a:lumMod val="50000"/>
+                </a:schemeClr>
+              </a:solidFill>
+            </a:endParaRPr>
+          </a:p>
+        </p:txBody>
+      </p:sp>
+      <p:sp>
+        <p:nvSpPr>
+          <p:cNvPr id="5" name="Content Placeholder 2">
+            <a:extLst>
+              <a:ext uri="{FF2B5EF4-FFF2-40B4-BE49-F238E27FC236}">
+                <a16:creationId xmlns:a16="http://schemas.microsoft.com/office/drawing/2014/main" xmlns="" id="{A6A33159-D030-2F82-A142-F75940728319}"/>
+              </a:ext>
+            </a:extLst>
+          </p:cNvPr>
+          <p:cNvSpPr>
+            <a:spLocks noGrp="1"/>
+          </p:cNvSpPr>
+          <p:nvPr>
+            <p:ph sz="quarter" idx="4294967295"/>
+          </p:nvPr>
+        </p:nvSpPr>
+        <p:spPr>
+          <a:xfrm>
+            <a:off x="628650" y="1378574"/>
+            <a:ext cx="7867650" cy="3213667"/>
+          </a:xfrm>
+          <a:prstGeom prst="rect">
+            <a:avLst/>
+          </a:prstGeom>
+          <a:noFill/>
+        </p:spPr>
+        <p:txBody>
+          <a:bodyPr vert="horz" lIns="68580" tIns="34290" rIns="68580" bIns="34290" rtlCol="0" anchor="t">
+            <a:normAutofit lnSpcReduction="10000"/>
+          </a:bodyPr>
+          <a:lstStyle/>
+          <a:p>
+            <a:pPr marL="171450" lvl="1">
+              <a:spcBef>
+                <a:spcPts val="750"/>
+              </a:spcBef>
+              <a:spcAft>
+                <a:spcPts val="600"/>
+              </a:spcAft>
+              <a:buClr>
+                <a:schemeClr val="accent2"/>
+              </a:buClr>
+            </a:pPr>
+            <a:r>
+              <a:rPr lang="en-IN" sz="2000" dirty="0"/>
+              <a:t>BLIP-2</a:t>
+            </a:r>
+          </a:p>
+          <a:p>
+            <a:pPr marL="514350" lvl="2">
+              <a:spcBef>
+                <a:spcPts val="750"/>
+              </a:spcBef>
+              <a:spcAft>
+                <a:spcPts val="600"/>
+              </a:spcAft>
+              <a:buClr>
+                <a:schemeClr val="accent2"/>
+              </a:buClr>
+            </a:pPr>
+            <a:r>
+              <a:rPr lang="en-IN" sz="1700" dirty="0"/>
+              <a:t>Bootstrapping Language Image Pre–training </a:t>
+            </a:r>
+          </a:p>
+          <a:p>
+            <a:pPr marL="171450" lvl="1">
+              <a:spcBef>
+                <a:spcPts val="750"/>
+              </a:spcBef>
+              <a:spcAft>
+                <a:spcPts val="600"/>
+              </a:spcAft>
+              <a:buClr>
+                <a:schemeClr val="accent2"/>
+              </a:buClr>
+            </a:pPr>
+            <a:r>
+              <a:rPr lang="en-IN" sz="2000" dirty="0"/>
+              <a:t>Image encoder</a:t>
+            </a:r>
+          </a:p>
+          <a:p>
+            <a:pPr marL="514350" lvl="2">
+              <a:spcBef>
+                <a:spcPts val="750"/>
+              </a:spcBef>
+              <a:spcAft>
+                <a:spcPts val="600"/>
+              </a:spcAft>
+              <a:buClr>
+                <a:schemeClr val="accent2"/>
+              </a:buClr>
+            </a:pPr>
+            <a:r>
+              <a:rPr lang="en-IN" sz="1700" dirty="0"/>
+              <a:t>Vision Transformer (</a:t>
+            </a:r>
+            <a:r>
+              <a:rPr lang="en-IN" sz="1700" dirty="0" err="1"/>
+              <a:t>ViT</a:t>
+            </a:r>
+            <a:r>
+              <a:rPr lang="en-IN" sz="1700" dirty="0"/>
+              <a:t>) </a:t>
+            </a:r>
+          </a:p>
+          <a:p>
+            <a:pPr marL="171450" lvl="1">
+              <a:spcBef>
+                <a:spcPts val="750"/>
+              </a:spcBef>
+              <a:spcAft>
+                <a:spcPts val="600"/>
+              </a:spcAft>
+              <a:buClr>
+                <a:schemeClr val="accent2"/>
+              </a:buClr>
+            </a:pPr>
+            <a:r>
+              <a:rPr lang="en-IN" sz="2000" dirty="0"/>
+              <a:t>Text encoder</a:t>
+            </a:r>
+          </a:p>
+          <a:p>
+            <a:pPr marL="514350" lvl="2">
+              <a:spcBef>
+                <a:spcPts val="750"/>
+              </a:spcBef>
+              <a:spcAft>
+                <a:spcPts val="600"/>
+              </a:spcAft>
+              <a:buClr>
+                <a:schemeClr val="accent2"/>
+              </a:buClr>
+            </a:pPr>
+            <a:r>
+              <a:rPr lang="en-US" sz="1700" dirty="0"/>
+              <a:t>Large Language Model (LLM)</a:t>
+            </a:r>
+            <a:endParaRPr lang="en-IN" sz="2000" dirty="0"/>
+          </a:p>
+          <a:p>
+            <a:pPr marL="171450" lvl="1">
+              <a:spcBef>
+                <a:spcPts val="750"/>
+              </a:spcBef>
+              <a:spcAft>
+                <a:spcPts val="600"/>
+              </a:spcAft>
+              <a:buClr>
+                <a:schemeClr val="accent2"/>
+              </a:buClr>
+            </a:pPr>
+            <a:r>
+              <a:rPr lang="en-IN" sz="2000" dirty="0"/>
+              <a:t>Connect Image and Text encoders</a:t>
+            </a:r>
+          </a:p>
+          <a:p>
+            <a:pPr marL="514350" lvl="2">
+              <a:spcBef>
+                <a:spcPts val="750"/>
+              </a:spcBef>
+              <a:spcAft>
+                <a:spcPts val="600"/>
+              </a:spcAft>
+              <a:buClr>
+                <a:schemeClr val="accent2"/>
+              </a:buClr>
+            </a:pPr>
+            <a:r>
+              <a:rPr lang="en-IN" sz="1700" dirty="0"/>
+              <a:t>Querying Transformer (Q-Former)</a:t>
+            </a:r>
+            <a:endParaRPr lang="en-US" sz="1700" dirty="0"/>
+          </a:p>
+        </p:txBody>
+      </p:sp>
+      <p:sp>
+        <p:nvSpPr>
+          <p:cNvPr id="2" name="TextBox 1">
+            <a:extLst>
+              <a:ext uri="{FF2B5EF4-FFF2-40B4-BE49-F238E27FC236}">
+                <a16:creationId xmlns:a16="http://schemas.microsoft.com/office/drawing/2014/main" xmlns="" id="{294FBF46-685F-AD18-6C68-10B5F24960BF}"/>
+              </a:ext>
+            </a:extLst>
+          </p:cNvPr>
+          <p:cNvSpPr txBox="1"/>
+          <p:nvPr/>
+        </p:nvSpPr>
+        <p:spPr>
+          <a:xfrm>
+            <a:off x="1733550" y="4714875"/>
+            <a:ext cx="5761969" cy="307777"/>
+          </a:xfrm>
+          <a:prstGeom prst="rect">
+            <a:avLst/>
+          </a:prstGeom>
+          <a:noFill/>
+        </p:spPr>
+        <p:txBody>
+          <a:bodyPr wrap="square" rtlCol="0">
+            <a:spAutoFit/>
+          </a:bodyPr>
+          <a:lstStyle/>
+          <a:p>
+            <a:pPr algn="r"/>
+            <a:r>
+              <a:rPr lang="en-IN" b="1" dirty="0">
+                <a:solidFill>
+                  <a:schemeClr val="accent2">
+                    <a:lumMod val="50000"/>
+                  </a:schemeClr>
+                </a:solidFill>
+              </a:rPr>
+              <a:t>* </a:t>
+            </a:r>
+            <a:r>
+              <a:rPr lang="en-IN" b="1" dirty="0" smtClean="0">
+                <a:solidFill>
+                  <a:schemeClr val="accent2">
+                    <a:lumMod val="50000"/>
+                  </a:schemeClr>
+                </a:solidFill>
+              </a:rPr>
+              <a:t>FashionVLM (2024) </a:t>
+            </a:r>
+            <a:r>
+              <a:rPr lang="en-IN" b="1" dirty="0">
+                <a:solidFill>
+                  <a:schemeClr val="accent2">
+                    <a:lumMod val="50000"/>
+                  </a:schemeClr>
+                </a:solidFill>
+              </a:rPr>
+              <a:t>– Gaurika Gupta &amp; Pritam Shete</a:t>
+            </a:r>
+          </a:p>
+        </p:txBody>
+      </p:sp>
+    </p:spTree>
+    <p:extLst>
+      <p:ext uri="{BB962C8B-B14F-4D97-AF65-F5344CB8AC3E}">
+        <p14:creationId xmlns:p14="http://schemas.microsoft.com/office/powerpoint/2010/main" xmlns="" val="3109420625"/>
       </p:ext>
     </p:extLst>
   </p:cSld>
@@ -30317,14 +30693,26 @@
                     <a:bodyPr/>
                     <a:lstStyle/>
                     <a:p>
-                      <a:pPr algn="ctr"/>
+                      <a:pPr marL="0" algn="ctr" defTabSz="685800" rtl="0" eaLnBrk="1" latinLnBrk="0" hangingPunct="1"/>
                       <a:r>
-                        <a:rPr lang="en-US" sz="1400" b="1" i="0" u="sng" dirty="0">
+                        <a:rPr lang="en-US" sz="1400" b="1" i="0" u="sng" kern="1200" dirty="0">
+                          <a:solidFill>
+                            <a:srgbClr val="00B050"/>
+                          </a:solidFill>
                           <a:latin typeface="+mn-lt"/>
+                          <a:ea typeface="+mn-ea"/>
+                          <a:cs typeface="+mn-cs"/>
                         </a:rPr>
                         <a:t>23.0</a:t>
                       </a:r>
-                      <a:endParaRPr lang="en-IN" b="1" u="sng" dirty="0"/>
+                      <a:endParaRPr lang="en-IN" sz="1400" b="1" i="0" u="sng" kern="1200" dirty="0">
+                        <a:solidFill>
+                          <a:srgbClr val="00B050"/>
+                        </a:solidFill>
+                        <a:latin typeface="+mn-lt"/>
+                        <a:ea typeface="+mn-ea"/>
+                        <a:cs typeface="+mn-cs"/>
+                      </a:endParaRPr>
                     </a:p>
                   </a:txBody>
                   <a:tcPr marL="68580" marR="68580" marT="34290" marB="34290" anchor="ctr"/>
@@ -30334,14 +30722,26 @@
                     <a:bodyPr/>
                     <a:lstStyle/>
                     <a:p>
-                      <a:pPr algn="ctr"/>
+                      <a:pPr marL="0" algn="ctr" defTabSz="685800" rtl="0" eaLnBrk="1" latinLnBrk="0" hangingPunct="1"/>
                       <a:r>
-                        <a:rPr lang="en-US" sz="1400" b="1" i="0" u="sng" dirty="0">
+                        <a:rPr lang="en-US" sz="1400" b="1" i="0" u="sng" kern="1200" dirty="0">
+                          <a:solidFill>
+                            <a:srgbClr val="00B050"/>
+                          </a:solidFill>
                           <a:latin typeface="+mn-lt"/>
+                          <a:ea typeface="+mn-ea"/>
+                          <a:cs typeface="+mn-cs"/>
                         </a:rPr>
                         <a:t>11.9</a:t>
                       </a:r>
-                      <a:endParaRPr lang="en-IN" b="1" u="sng" dirty="0"/>
+                      <a:endParaRPr lang="en-IN" sz="1400" b="1" i="0" u="sng" kern="1200" dirty="0">
+                        <a:solidFill>
+                          <a:srgbClr val="00B050"/>
+                        </a:solidFill>
+                        <a:latin typeface="+mn-lt"/>
+                        <a:ea typeface="+mn-ea"/>
+                        <a:cs typeface="+mn-cs"/>
+                      </a:endParaRPr>
                     </a:p>
                   </a:txBody>
                   <a:tcPr marL="68580" marR="68580" marT="34290" marB="34290" anchor="ctr"/>
@@ -30383,6 +30783,9 @@
                       <a:pPr algn="ctr"/>
                       <a:r>
                         <a:rPr lang="en-US" sz="1400" b="1" i="0" u="sng" dirty="0">
+                          <a:solidFill>
+                            <a:srgbClr val="00B050"/>
+                          </a:solidFill>
                           <a:latin typeface="+mn-lt"/>
                         </a:rPr>
                         <a:t>10.6</a:t>
@@ -30396,14 +30799,26 @@
                     <a:bodyPr/>
                     <a:lstStyle/>
                     <a:p>
-                      <a:pPr algn="ctr"/>
+                      <a:pPr marL="0" algn="ctr" defTabSz="685800" rtl="0" eaLnBrk="1" latinLnBrk="0" hangingPunct="1"/>
                       <a:r>
-                        <a:rPr lang="en-US" sz="1400" b="1" i="0" u="sng" dirty="0">
+                        <a:rPr lang="en-US" sz="1400" b="1" i="0" u="sng" kern="1200" dirty="0">
+                          <a:solidFill>
+                            <a:srgbClr val="00B050"/>
+                          </a:solidFill>
                           <a:latin typeface="+mn-lt"/>
+                          <a:ea typeface="+mn-ea"/>
+                          <a:cs typeface="+mn-cs"/>
                         </a:rPr>
                         <a:t>84.5</a:t>
                       </a:r>
-                      <a:endParaRPr lang="en-IN" b="1" u="sng" dirty="0"/>
+                      <a:endParaRPr lang="en-IN" sz="1400" b="1" i="0" u="sng" kern="1200" dirty="0">
+                        <a:solidFill>
+                          <a:srgbClr val="00B050"/>
+                        </a:solidFill>
+                        <a:latin typeface="+mn-lt"/>
+                        <a:ea typeface="+mn-ea"/>
+                        <a:cs typeface="+mn-cs"/>
+                      </a:endParaRPr>
                     </a:p>
                   </a:txBody>
                   <a:tcPr marL="68580" marR="68580" marT="34290" marB="34290" anchor="ctr"/>
@@ -30786,7 +31201,27 @@
                   </a:schemeClr>
                 </a:solidFill>
               </a:rPr>
-              <a:t>* FashionVLM (2023) – Gaurika Gupta &amp; Pritam Shete</a:t>
+              <a:t>* </a:t>
+            </a:r>
+            <a:r>
+              <a:rPr lang="en-IN" b="1" dirty="0" smtClean="0">
+                <a:solidFill>
+                  <a:schemeClr val="accent2">
+                    <a:lumMod val="50000"/>
+                  </a:schemeClr>
+                </a:solidFill>
+              </a:rPr>
+              <a:t>FashionVLM (2024) </a:t>
+            </a:r>
+            <a:r>
+              <a:rPr lang="en-IN" b="1" dirty="0">
+                <a:solidFill>
+                  <a:schemeClr val="accent2">
+                    <a:lumMod val="50000"/>
+                  </a:schemeClr>
+                </a:solidFill>
+              </a:rPr>
+              <a:t>– Gaurika Gupta &amp; Pritam Shete</a:t>
             </a:r>
           </a:p>
         </p:txBody>
@@ -39118,81 +39553,14 @@
               </a:buClr>
             </a:pPr>
             <a:r>
-              <a:rPr lang="en-IN" sz="1700" dirty="0" smtClean="0">
-                <a:solidFill>
-                  <a:srgbClr val="00B050"/>
-                </a:solidFill>
-              </a:rPr>
-              <a:t>un</a:t>
-            </a:r>
-            <a:r>
-              <a:rPr lang="en-IN" sz="1700" dirty="0" smtClean="0">
-                <a:solidFill>
-                  <a:srgbClr val="7030A0"/>
-                </a:solidFill>
-              </a:rPr>
-              <a:t>happy</a:t>
-            </a:r>
-            <a:r>
               <a:rPr lang="en-IN" sz="1700" dirty="0" smtClean="0"/>
-              <a:t>, </a:t>
-            </a:r>
-            <a:r>
-              <a:rPr lang="en-IN" sz="1700" dirty="0" smtClean="0">
-                <a:solidFill>
-                  <a:srgbClr val="00B050"/>
-                </a:solidFill>
-              </a:rPr>
-              <a:t>dis</a:t>
-            </a:r>
-            <a:r>
-              <a:rPr lang="en-IN" sz="1700" dirty="0" smtClean="0">
-                <a:solidFill>
-                  <a:srgbClr val="7030A0"/>
-                </a:solidFill>
-              </a:rPr>
-              <a:t>like</a:t>
-            </a:r>
-            <a:r>
-              <a:rPr lang="en-IN" sz="1700" dirty="0" smtClean="0"/>
-              <a:t>, </a:t>
-            </a:r>
-            <a:r>
-              <a:rPr lang="en-IN" sz="1700" dirty="0" smtClean="0">
-                <a:solidFill>
-                  <a:srgbClr val="00B050"/>
-                </a:solidFill>
-              </a:rPr>
-              <a:t>re</a:t>
-            </a:r>
-            <a:r>
-              <a:rPr lang="en-IN" sz="1700" dirty="0" smtClean="0">
-                <a:solidFill>
-                  <a:srgbClr val="7030A0"/>
-                </a:solidFill>
-              </a:rPr>
-              <a:t>play</a:t>
-            </a:r>
-            <a:r>
-              <a:rPr lang="en-IN" sz="1700" dirty="0" smtClean="0"/>
-              <a:t>, </a:t>
-            </a:r>
-            <a:r>
-              <a:rPr lang="en-IN" sz="1700" dirty="0" smtClean="0">
-                <a:solidFill>
-                  <a:srgbClr val="00B050"/>
-                </a:solidFill>
-              </a:rPr>
-              <a:t>sun</a:t>
-            </a:r>
-            <a:r>
-              <a:rPr lang="en-IN" sz="1700" dirty="0" smtClean="0">
-                <a:solidFill>
-                  <a:srgbClr val="7030A0"/>
-                </a:solidFill>
-              </a:rPr>
-              <a:t>set</a:t>
-            </a:r>
+              <a:t>Compound words</a:t>
+            </a:r>
+            <a:endParaRPr lang="en-IN" sz="1700" dirty="0" smtClean="0">
+              <a:solidFill>
+                <a:srgbClr val="00B050"/>
+              </a:solidFill>
+            </a:endParaRPr>
           </a:p>
           <a:p>
             <a:pPr marL="514350" lvl="2">
@@ -39207,8 +39575,80 @@
               </a:buClr>
             </a:pPr>
             <a:r>
+              <a:rPr lang="en-IN" sz="1700" dirty="0" smtClean="0">
+                <a:solidFill>
+                  <a:srgbClr val="00B050"/>
+                </a:solidFill>
+              </a:rPr>
+              <a:t>un</a:t>
+            </a:r>
+            <a:r>
+              <a:rPr lang="en-IN" sz="1700" dirty="0" smtClean="0">
+                <a:solidFill>
+                  <a:srgbClr val="7030A0"/>
+                </a:solidFill>
+              </a:rPr>
+              <a:t>happy</a:t>
+            </a:r>
+            <a:r>
               <a:rPr lang="en-IN" sz="1700" dirty="0" smtClean="0"/>
-              <a:t>Compound words</a:t>
+              <a:t>, </a:t>
+            </a:r>
+            <a:r>
+              <a:rPr lang="en-IN" sz="1700" dirty="0" smtClean="0">
+                <a:solidFill>
+                  <a:srgbClr val="00B050"/>
+                </a:solidFill>
+              </a:rPr>
+              <a:t>dis</a:t>
+            </a:r>
+            <a:r>
+              <a:rPr lang="en-IN" sz="1700" dirty="0" smtClean="0">
+                <a:solidFill>
+                  <a:srgbClr val="7030A0"/>
+                </a:solidFill>
+              </a:rPr>
+              <a:t>like</a:t>
+            </a:r>
+            <a:r>
+              <a:rPr lang="en-IN" sz="1700" dirty="0" smtClean="0"/>
+              <a:t>, </a:t>
+            </a:r>
+            <a:r>
+              <a:rPr lang="en-IN" sz="1700" dirty="0" smtClean="0">
+                <a:solidFill>
+                  <a:srgbClr val="00B050"/>
+                </a:solidFill>
+              </a:rPr>
+              <a:t>re</a:t>
+            </a:r>
+            <a:r>
+              <a:rPr lang="en-IN" sz="1700" dirty="0" smtClean="0">
+                <a:solidFill>
+                  <a:srgbClr val="7030A0"/>
+                </a:solidFill>
+              </a:rPr>
+              <a:t>play</a:t>
+            </a:r>
+            <a:r>
+              <a:rPr lang="en-IN" sz="1700" dirty="0" smtClean="0"/>
+              <a:t>, </a:t>
+            </a:r>
+            <a:r>
+              <a:rPr lang="en-IN" sz="1700" dirty="0" smtClean="0">
+                <a:solidFill>
+                  <a:srgbClr val="00B050"/>
+                </a:solidFill>
+              </a:rPr>
+              <a:t>sun</a:t>
+            </a:r>
+            <a:r>
+              <a:rPr lang="en-IN" sz="1700" dirty="0" smtClean="0">
+                <a:solidFill>
+                  <a:srgbClr val="7030A0"/>
+                </a:solidFill>
+              </a:rPr>
+              <a:t>set</a:t>
             </a:r>
             <a:endParaRPr lang="en-IN" sz="2000" dirty="0" smtClean="0"/>
           </a:p>
@@ -39493,7 +39933,7 @@
                     <a:p>
                       <a:pPr algn="ctr"/>
                       <a:r>
-                        <a:rPr lang="en-US" sz="1400" b="0" i="0" smtClean="0">
+                        <a:rPr lang="en-US" sz="1400" b="0" i="0" dirty="0" smtClean="0">
                           <a:latin typeface="+mn-lt"/>
                         </a:rPr>
                         <a:t>CNN–LSTM </a:t>

--- a/Presentations/IUAC-2024/Introduction_to_Large_Language_Models-From_Foundation_to_Real_World_Applications.pptx
+++ b/Presentations/IUAC-2024/Introduction_to_Large_Language_Models-From_Foundation_to_Real_World_Applications.pptx
@@ -5,10 +5,10 @@
     <p:sldMasterId id="2147483648" r:id="rId4"/>
   </p:sldMasterIdLst>
   <p:notesMasterIdLst>
-    <p:notesMasterId r:id="rId61"/>
+    <p:notesMasterId r:id="rId62"/>
   </p:notesMasterIdLst>
   <p:handoutMasterIdLst>
-    <p:handoutMasterId r:id="rId62"/>
+    <p:handoutMasterId r:id="rId63"/>
   </p:handoutMasterIdLst>
   <p:sldIdLst>
     <p:sldId id="256" r:id="rId5"/>
@@ -65,8 +65,9 @@
     <p:sldId id="3859" r:id="rId56"/>
     <p:sldId id="3929" r:id="rId57"/>
     <p:sldId id="3930" r:id="rId58"/>
-    <p:sldId id="3850" r:id="rId59"/>
-    <p:sldId id="265" r:id="rId60"/>
+    <p:sldId id="3932" r:id="rId59"/>
+    <p:sldId id="3850" r:id="rId60"/>
+    <p:sldId id="265" r:id="rId61"/>
   </p:sldIdLst>
   <p:sldSz cx="9144000" cy="5143500" type="screen16x9"/>
   <p:notesSz cx="6858000" cy="9144000"/>
@@ -167,7 +168,7 @@
   </p:defaultTextStyle>
   <p:extLst>
     <p:ext uri="{EFAFB233-063F-42B5-8137-9DF3F51BA10A}">
-      <p15:sldGuideLst xmlns:p15="http://schemas.microsoft.com/office/powerpoint/2012/main" xmlns="">
+      <p15:sldGuideLst xmlns="" xmlns:p15="http://schemas.microsoft.com/office/powerpoint/2012/main">
         <p15:guide id="1" orient="horz" pos="1620">
           <p15:clr>
             <a:srgbClr val="A4A3A4"/>
@@ -181,7 +182,7 @@
       </p15:sldGuideLst>
     </p:ext>
     <p:ext uri="{2D200454-40CA-4A62-9FC3-DE9A4176ACB9}">
-      <p15:notesGuideLst xmlns:p15="http://schemas.microsoft.com/office/powerpoint/2012/main" xmlns=""/>
+      <p15:notesGuideLst xmlns="" xmlns:p15="http://schemas.microsoft.com/office/powerpoint/2012/main"/>
     </p:ext>
   </p:extLst>
 </p:presentation>
@@ -220,7 +221,7 @@
           <p:cNvPr id="2" name="Header Placeholder 1">
             <a:extLst>
               <a:ext uri="{FF2B5EF4-FFF2-40B4-BE49-F238E27FC236}">
-                <a16:creationId xmlns:a16="http://schemas.microsoft.com/office/drawing/2014/main" xmlns="" id="{3976AB79-C677-3DB7-78CF-9305D5861483}"/>
+                <a16:creationId xmlns="" xmlns:a16="http://schemas.microsoft.com/office/drawing/2014/main" id="{3976AB79-C677-3DB7-78CF-9305D5861483}"/>
               </a:ext>
             </a:extLst>
           </p:cNvPr>
@@ -257,7 +258,7 @@
           <p:cNvPr id="3" name="Date Placeholder 2">
             <a:extLst>
               <a:ext uri="{FF2B5EF4-FFF2-40B4-BE49-F238E27FC236}">
-                <a16:creationId xmlns:a16="http://schemas.microsoft.com/office/drawing/2014/main" xmlns="" id="{113AB137-CEA6-0244-F12B-1ECC21172D00}"/>
+                <a16:creationId xmlns="" xmlns:a16="http://schemas.microsoft.com/office/drawing/2014/main" id="{113AB137-CEA6-0244-F12B-1ECC21172D00}"/>
               </a:ext>
             </a:extLst>
           </p:cNvPr>
@@ -299,7 +300,7 @@
           <p:cNvPr id="4" name="Footer Placeholder 3">
             <a:extLst>
               <a:ext uri="{FF2B5EF4-FFF2-40B4-BE49-F238E27FC236}">
-                <a16:creationId xmlns:a16="http://schemas.microsoft.com/office/drawing/2014/main" xmlns="" id="{0868EC96-C6CC-F2AF-D90F-143F4D20A07A}"/>
+                <a16:creationId xmlns="" xmlns:a16="http://schemas.microsoft.com/office/drawing/2014/main" id="{0868EC96-C6CC-F2AF-D90F-143F4D20A07A}"/>
               </a:ext>
             </a:extLst>
           </p:cNvPr>
@@ -336,7 +337,7 @@
           <p:cNvPr id="5" name="Slide Number Placeholder 4">
             <a:extLst>
               <a:ext uri="{FF2B5EF4-FFF2-40B4-BE49-F238E27FC236}">
-                <a16:creationId xmlns:a16="http://schemas.microsoft.com/office/drawing/2014/main" xmlns="" id="{94F8EC8D-EF88-0275-F75C-A789924433BA}"/>
+                <a16:creationId xmlns="" xmlns:a16="http://schemas.microsoft.com/office/drawing/2014/main" id="{94F8EC8D-EF88-0275-F75C-A789924433BA}"/>
               </a:ext>
             </a:extLst>
           </p:cNvPr>
@@ -376,7 +377,7 @@
     </p:spTree>
     <p:extLst>
       <p:ext uri="{BB962C8B-B14F-4D97-AF65-F5344CB8AC3E}">
-        <p14:creationId xmlns:p14="http://schemas.microsoft.com/office/powerpoint/2010/main" xmlns="" val="3472027861"/>
+        <p14:creationId xmlns="" xmlns:p14="http://schemas.microsoft.com/office/powerpoint/2010/main" val="3472027861"/>
       </p:ext>
     </p:extLst>
   </p:cSld>
@@ -635,7 +636,7 @@
     </p:spTree>
     <p:extLst>
       <p:ext uri="{BB962C8B-B14F-4D97-AF65-F5344CB8AC3E}">
-        <p14:creationId xmlns:p14="http://schemas.microsoft.com/office/powerpoint/2010/main" xmlns="" val="49092468"/>
+        <p14:creationId xmlns="" xmlns:p14="http://schemas.microsoft.com/office/powerpoint/2010/main" val="49092468"/>
       </p:ext>
     </p:extLst>
   </p:cSld>
@@ -810,7 +811,7 @@
     </p:spTree>
     <p:extLst>
       <p:ext uri="{BB962C8B-B14F-4D97-AF65-F5344CB8AC3E}">
-        <p14:creationId xmlns:p14="http://schemas.microsoft.com/office/powerpoint/2010/main" xmlns="" val="2388229781"/>
+        <p14:creationId xmlns="" xmlns:p14="http://schemas.microsoft.com/office/powerpoint/2010/main" val="2388229781"/>
       </p:ext>
     </p:extLst>
   </p:cSld>
@@ -895,7 +896,7 @@
     </p:spTree>
     <p:extLst>
       <p:ext uri="{BB962C8B-B14F-4D97-AF65-F5344CB8AC3E}">
-        <p14:creationId xmlns:p14="http://schemas.microsoft.com/office/powerpoint/2010/main" xmlns="" val="922949278"/>
+        <p14:creationId xmlns="" xmlns:p14="http://schemas.microsoft.com/office/powerpoint/2010/main" val="922949278"/>
       </p:ext>
     </p:extLst>
   </p:cSld>
@@ -980,7 +981,7 @@
     </p:spTree>
     <p:extLst>
       <p:ext uri="{BB962C8B-B14F-4D97-AF65-F5344CB8AC3E}">
-        <p14:creationId xmlns:p14="http://schemas.microsoft.com/office/powerpoint/2010/main" xmlns="" val="922949278"/>
+        <p14:creationId xmlns="" xmlns:p14="http://schemas.microsoft.com/office/powerpoint/2010/main" val="922949278"/>
       </p:ext>
     </p:extLst>
   </p:cSld>
@@ -1065,7 +1066,7 @@
     </p:spTree>
     <p:extLst>
       <p:ext uri="{BB962C8B-B14F-4D97-AF65-F5344CB8AC3E}">
-        <p14:creationId xmlns:p14="http://schemas.microsoft.com/office/powerpoint/2010/main" xmlns="" val="922949278"/>
+        <p14:creationId xmlns="" xmlns:p14="http://schemas.microsoft.com/office/powerpoint/2010/main" val="922949278"/>
       </p:ext>
     </p:extLst>
   </p:cSld>
@@ -1150,7 +1151,7 @@
     </p:spTree>
     <p:extLst>
       <p:ext uri="{BB962C8B-B14F-4D97-AF65-F5344CB8AC3E}">
-        <p14:creationId xmlns:p14="http://schemas.microsoft.com/office/powerpoint/2010/main" xmlns="" val="1721109855"/>
+        <p14:creationId xmlns="" xmlns:p14="http://schemas.microsoft.com/office/powerpoint/2010/main" val="1721109855"/>
       </p:ext>
     </p:extLst>
   </p:cSld>
@@ -1235,7 +1236,7 @@
     </p:spTree>
     <p:extLst>
       <p:ext uri="{BB962C8B-B14F-4D97-AF65-F5344CB8AC3E}">
-        <p14:creationId xmlns:p14="http://schemas.microsoft.com/office/powerpoint/2010/main" xmlns="" val="922949278"/>
+        <p14:creationId xmlns="" xmlns:p14="http://schemas.microsoft.com/office/powerpoint/2010/main" val="922949278"/>
       </p:ext>
     </p:extLst>
   </p:cSld>
@@ -1320,7 +1321,7 @@
     </p:spTree>
     <p:extLst>
       <p:ext uri="{BB962C8B-B14F-4D97-AF65-F5344CB8AC3E}">
-        <p14:creationId xmlns:p14="http://schemas.microsoft.com/office/powerpoint/2010/main" xmlns="" val="2540028172"/>
+        <p14:creationId xmlns="" xmlns:p14="http://schemas.microsoft.com/office/powerpoint/2010/main" val="2540028172"/>
       </p:ext>
     </p:extLst>
   </p:cSld>
@@ -1405,7 +1406,7 @@
     </p:spTree>
     <p:extLst>
       <p:ext uri="{BB962C8B-B14F-4D97-AF65-F5344CB8AC3E}">
-        <p14:creationId xmlns:p14="http://schemas.microsoft.com/office/powerpoint/2010/main" xmlns="" val="2316091678"/>
+        <p14:creationId xmlns="" xmlns:p14="http://schemas.microsoft.com/office/powerpoint/2010/main" val="2316091678"/>
       </p:ext>
     </p:extLst>
   </p:cSld>
@@ -1490,7 +1491,7 @@
     </p:spTree>
     <p:extLst>
       <p:ext uri="{BB962C8B-B14F-4D97-AF65-F5344CB8AC3E}">
-        <p14:creationId xmlns:p14="http://schemas.microsoft.com/office/powerpoint/2010/main" xmlns="" val="737681818"/>
+        <p14:creationId xmlns="" xmlns:p14="http://schemas.microsoft.com/office/powerpoint/2010/main" val="737681818"/>
       </p:ext>
     </p:extLst>
   </p:cSld>
@@ -1575,7 +1576,7 @@
     </p:spTree>
     <p:extLst>
       <p:ext uri="{BB962C8B-B14F-4D97-AF65-F5344CB8AC3E}">
-        <p14:creationId xmlns:p14="http://schemas.microsoft.com/office/powerpoint/2010/main" xmlns="" val="922949278"/>
+        <p14:creationId xmlns="" xmlns:p14="http://schemas.microsoft.com/office/powerpoint/2010/main" val="922949278"/>
       </p:ext>
     </p:extLst>
   </p:cSld>
@@ -1660,7 +1661,7 @@
     </p:spTree>
     <p:extLst>
       <p:ext uri="{BB962C8B-B14F-4D97-AF65-F5344CB8AC3E}">
-        <p14:creationId xmlns:p14="http://schemas.microsoft.com/office/powerpoint/2010/main" xmlns="" val="922949278"/>
+        <p14:creationId xmlns="" xmlns:p14="http://schemas.microsoft.com/office/powerpoint/2010/main" val="922949278"/>
       </p:ext>
     </p:extLst>
   </p:cSld>
@@ -1745,7 +1746,7 @@
     </p:spTree>
     <p:extLst>
       <p:ext uri="{BB962C8B-B14F-4D97-AF65-F5344CB8AC3E}">
-        <p14:creationId xmlns:p14="http://schemas.microsoft.com/office/powerpoint/2010/main" xmlns="" val="416703347"/>
+        <p14:creationId xmlns="" xmlns:p14="http://schemas.microsoft.com/office/powerpoint/2010/main" val="416703347"/>
       </p:ext>
     </p:extLst>
   </p:cSld>
@@ -1830,7 +1831,7 @@
     </p:spTree>
     <p:extLst>
       <p:ext uri="{BB962C8B-B14F-4D97-AF65-F5344CB8AC3E}">
-        <p14:creationId xmlns:p14="http://schemas.microsoft.com/office/powerpoint/2010/main" xmlns="" val="922949278"/>
+        <p14:creationId xmlns="" xmlns:p14="http://schemas.microsoft.com/office/powerpoint/2010/main" val="922949278"/>
       </p:ext>
     </p:extLst>
   </p:cSld>
@@ -1915,7 +1916,7 @@
     </p:spTree>
     <p:extLst>
       <p:ext uri="{BB962C8B-B14F-4D97-AF65-F5344CB8AC3E}">
-        <p14:creationId xmlns:p14="http://schemas.microsoft.com/office/powerpoint/2010/main" xmlns="" val="922949278"/>
+        <p14:creationId xmlns="" xmlns:p14="http://schemas.microsoft.com/office/powerpoint/2010/main" val="922949278"/>
       </p:ext>
     </p:extLst>
   </p:cSld>
@@ -2000,7 +2001,7 @@
     </p:spTree>
     <p:extLst>
       <p:ext uri="{BB962C8B-B14F-4D97-AF65-F5344CB8AC3E}">
-        <p14:creationId xmlns:p14="http://schemas.microsoft.com/office/powerpoint/2010/main" xmlns="" val="922949278"/>
+        <p14:creationId xmlns="" xmlns:p14="http://schemas.microsoft.com/office/powerpoint/2010/main" val="922949278"/>
       </p:ext>
     </p:extLst>
   </p:cSld>
@@ -2085,7 +2086,7 @@
     </p:spTree>
     <p:extLst>
       <p:ext uri="{BB962C8B-B14F-4D97-AF65-F5344CB8AC3E}">
-        <p14:creationId xmlns:p14="http://schemas.microsoft.com/office/powerpoint/2010/main" xmlns="" val="922949278"/>
+        <p14:creationId xmlns="" xmlns:p14="http://schemas.microsoft.com/office/powerpoint/2010/main" val="922949278"/>
       </p:ext>
     </p:extLst>
   </p:cSld>
@@ -2170,7 +2171,7 @@
     </p:spTree>
     <p:extLst>
       <p:ext uri="{BB962C8B-B14F-4D97-AF65-F5344CB8AC3E}">
-        <p14:creationId xmlns:p14="http://schemas.microsoft.com/office/powerpoint/2010/main" xmlns="" val="922949278"/>
+        <p14:creationId xmlns="" xmlns:p14="http://schemas.microsoft.com/office/powerpoint/2010/main" val="922949278"/>
       </p:ext>
     </p:extLst>
   </p:cSld>
@@ -2255,7 +2256,7 @@
     </p:spTree>
     <p:extLst>
       <p:ext uri="{BB962C8B-B14F-4D97-AF65-F5344CB8AC3E}">
-        <p14:creationId xmlns:p14="http://schemas.microsoft.com/office/powerpoint/2010/main" xmlns="" val="922949278"/>
+        <p14:creationId xmlns="" xmlns:p14="http://schemas.microsoft.com/office/powerpoint/2010/main" val="922949278"/>
       </p:ext>
     </p:extLst>
   </p:cSld>
@@ -2340,7 +2341,7 @@
     </p:spTree>
     <p:extLst>
       <p:ext uri="{BB962C8B-B14F-4D97-AF65-F5344CB8AC3E}">
-        <p14:creationId xmlns:p14="http://schemas.microsoft.com/office/powerpoint/2010/main" xmlns="" val="922949278"/>
+        <p14:creationId xmlns="" xmlns:p14="http://schemas.microsoft.com/office/powerpoint/2010/main" val="922949278"/>
       </p:ext>
     </p:extLst>
   </p:cSld>
@@ -2425,7 +2426,7 @@
     </p:spTree>
     <p:extLst>
       <p:ext uri="{BB962C8B-B14F-4D97-AF65-F5344CB8AC3E}">
-        <p14:creationId xmlns:p14="http://schemas.microsoft.com/office/powerpoint/2010/main" xmlns="" val="737681818"/>
+        <p14:creationId xmlns="" xmlns:p14="http://schemas.microsoft.com/office/powerpoint/2010/main" val="737681818"/>
       </p:ext>
     </p:extLst>
   </p:cSld>
@@ -2510,7 +2511,7 @@
     </p:spTree>
     <p:extLst>
       <p:ext uri="{BB962C8B-B14F-4D97-AF65-F5344CB8AC3E}">
-        <p14:creationId xmlns:p14="http://schemas.microsoft.com/office/powerpoint/2010/main" xmlns="" val="737681818"/>
+        <p14:creationId xmlns="" xmlns:p14="http://schemas.microsoft.com/office/powerpoint/2010/main" val="737681818"/>
       </p:ext>
     </p:extLst>
   </p:cSld>
@@ -2595,7 +2596,7 @@
     </p:spTree>
     <p:extLst>
       <p:ext uri="{BB962C8B-B14F-4D97-AF65-F5344CB8AC3E}">
-        <p14:creationId xmlns:p14="http://schemas.microsoft.com/office/powerpoint/2010/main" xmlns="" val="202840261"/>
+        <p14:creationId xmlns="" xmlns:p14="http://schemas.microsoft.com/office/powerpoint/2010/main" val="202840261"/>
       </p:ext>
     </p:extLst>
   </p:cSld>
@@ -2680,7 +2681,7 @@
     </p:spTree>
     <p:extLst>
       <p:ext uri="{BB962C8B-B14F-4D97-AF65-F5344CB8AC3E}">
-        <p14:creationId xmlns:p14="http://schemas.microsoft.com/office/powerpoint/2010/main" xmlns="" val="1951919781"/>
+        <p14:creationId xmlns="" xmlns:p14="http://schemas.microsoft.com/office/powerpoint/2010/main" val="1951919781"/>
       </p:ext>
     </p:extLst>
   </p:cSld>
@@ -2765,7 +2766,7 @@
     </p:spTree>
     <p:extLst>
       <p:ext uri="{BB962C8B-B14F-4D97-AF65-F5344CB8AC3E}">
-        <p14:creationId xmlns:p14="http://schemas.microsoft.com/office/powerpoint/2010/main" xmlns="" val="202840261"/>
+        <p14:creationId xmlns="" xmlns:p14="http://schemas.microsoft.com/office/powerpoint/2010/main" val="202840261"/>
       </p:ext>
     </p:extLst>
   </p:cSld>
@@ -2850,7 +2851,7 @@
     </p:spTree>
     <p:extLst>
       <p:ext uri="{BB962C8B-B14F-4D97-AF65-F5344CB8AC3E}">
-        <p14:creationId xmlns:p14="http://schemas.microsoft.com/office/powerpoint/2010/main" xmlns="" val="737681818"/>
+        <p14:creationId xmlns="" xmlns:p14="http://schemas.microsoft.com/office/powerpoint/2010/main" val="737681818"/>
       </p:ext>
     </p:extLst>
   </p:cSld>
@@ -2935,7 +2936,7 @@
     </p:spTree>
     <p:extLst>
       <p:ext uri="{BB962C8B-B14F-4D97-AF65-F5344CB8AC3E}">
-        <p14:creationId xmlns:p14="http://schemas.microsoft.com/office/powerpoint/2010/main" xmlns="" val="737681818"/>
+        <p14:creationId xmlns="" xmlns:p14="http://schemas.microsoft.com/office/powerpoint/2010/main" val="737681818"/>
       </p:ext>
     </p:extLst>
   </p:cSld>
@@ -3079,7 +3080,7 @@
     </p:spTree>
     <p:extLst>
       <p:ext uri="{BB962C8B-B14F-4D97-AF65-F5344CB8AC3E}">
-        <p14:creationId xmlns:p14="http://schemas.microsoft.com/office/powerpoint/2010/main" xmlns="" val="2837539342"/>
+        <p14:creationId xmlns="" xmlns:p14="http://schemas.microsoft.com/office/powerpoint/2010/main" val="2837539342"/>
       </p:ext>
     </p:extLst>
   </p:cSld>
@@ -3223,7 +3224,7 @@
     </p:spTree>
     <p:extLst>
       <p:ext uri="{BB962C8B-B14F-4D97-AF65-F5344CB8AC3E}">
-        <p14:creationId xmlns:p14="http://schemas.microsoft.com/office/powerpoint/2010/main" xmlns="" val="1759300059"/>
+        <p14:creationId xmlns="" xmlns:p14="http://schemas.microsoft.com/office/powerpoint/2010/main" val="1759300059"/>
       </p:ext>
     </p:extLst>
   </p:cSld>
@@ -3367,7 +3368,7 @@
     </p:spTree>
     <p:extLst>
       <p:ext uri="{BB962C8B-B14F-4D97-AF65-F5344CB8AC3E}">
-        <p14:creationId xmlns:p14="http://schemas.microsoft.com/office/powerpoint/2010/main" xmlns="" val="1230804189"/>
+        <p14:creationId xmlns="" xmlns:p14="http://schemas.microsoft.com/office/powerpoint/2010/main" val="1230804189"/>
       </p:ext>
     </p:extLst>
   </p:cSld>
@@ -3452,7 +3453,7 @@
     </p:spTree>
     <p:extLst>
       <p:ext uri="{BB962C8B-B14F-4D97-AF65-F5344CB8AC3E}">
-        <p14:creationId xmlns:p14="http://schemas.microsoft.com/office/powerpoint/2010/main" xmlns="" val="916039736"/>
+        <p14:creationId xmlns="" xmlns:p14="http://schemas.microsoft.com/office/powerpoint/2010/main" val="916039736"/>
       </p:ext>
     </p:extLst>
   </p:cSld>
@@ -3537,7 +3538,7 @@
     </p:spTree>
     <p:extLst>
       <p:ext uri="{BB962C8B-B14F-4D97-AF65-F5344CB8AC3E}">
-        <p14:creationId xmlns:p14="http://schemas.microsoft.com/office/powerpoint/2010/main" xmlns="" val="1979117214"/>
+        <p14:creationId xmlns="" xmlns:p14="http://schemas.microsoft.com/office/powerpoint/2010/main" val="1979117214"/>
       </p:ext>
     </p:extLst>
   </p:cSld>
@@ -3622,7 +3623,7 @@
     </p:spTree>
     <p:extLst>
       <p:ext uri="{BB962C8B-B14F-4D97-AF65-F5344CB8AC3E}">
-        <p14:creationId xmlns:p14="http://schemas.microsoft.com/office/powerpoint/2010/main" xmlns="" val="2058409110"/>
+        <p14:creationId xmlns="" xmlns:p14="http://schemas.microsoft.com/office/powerpoint/2010/main" val="2058409110"/>
       </p:ext>
     </p:extLst>
   </p:cSld>
@@ -3707,7 +3708,7 @@
     </p:spTree>
     <p:extLst>
       <p:ext uri="{BB962C8B-B14F-4D97-AF65-F5344CB8AC3E}">
-        <p14:creationId xmlns:p14="http://schemas.microsoft.com/office/powerpoint/2010/main" xmlns="" val="4275274872"/>
+        <p14:creationId xmlns="" xmlns:p14="http://schemas.microsoft.com/office/powerpoint/2010/main" val="4275274872"/>
       </p:ext>
     </p:extLst>
   </p:cSld>
@@ -3792,7 +3793,7 @@
     </p:spTree>
     <p:extLst>
       <p:ext uri="{BB962C8B-B14F-4D97-AF65-F5344CB8AC3E}">
-        <p14:creationId xmlns:p14="http://schemas.microsoft.com/office/powerpoint/2010/main" xmlns="" val="2540028172"/>
+        <p14:creationId xmlns="" xmlns:p14="http://schemas.microsoft.com/office/powerpoint/2010/main" val="2540028172"/>
       </p:ext>
     </p:extLst>
   </p:cSld>
@@ -3877,7 +3878,7 @@
     </p:spTree>
     <p:extLst>
       <p:ext uri="{BB962C8B-B14F-4D97-AF65-F5344CB8AC3E}">
-        <p14:creationId xmlns:p14="http://schemas.microsoft.com/office/powerpoint/2010/main" xmlns="" val="2863594969"/>
+        <p14:creationId xmlns="" xmlns:p14="http://schemas.microsoft.com/office/powerpoint/2010/main" val="2863594969"/>
       </p:ext>
     </p:extLst>
   </p:cSld>
@@ -3962,7 +3963,7 @@
     </p:spTree>
     <p:extLst>
       <p:ext uri="{BB962C8B-B14F-4D97-AF65-F5344CB8AC3E}">
-        <p14:creationId xmlns:p14="http://schemas.microsoft.com/office/powerpoint/2010/main" xmlns="" val="2173114525"/>
+        <p14:creationId xmlns="" xmlns:p14="http://schemas.microsoft.com/office/powerpoint/2010/main" val="2173114525"/>
       </p:ext>
     </p:extLst>
   </p:cSld>
@@ -4047,7 +4048,7 @@
     </p:spTree>
     <p:extLst>
       <p:ext uri="{BB962C8B-B14F-4D97-AF65-F5344CB8AC3E}">
-        <p14:creationId xmlns:p14="http://schemas.microsoft.com/office/powerpoint/2010/main" xmlns="" val="2535942635"/>
+        <p14:creationId xmlns="" xmlns:p14="http://schemas.microsoft.com/office/powerpoint/2010/main" val="2535942635"/>
       </p:ext>
     </p:extLst>
   </p:cSld>
@@ -4132,7 +4133,7 @@
     </p:spTree>
     <p:extLst>
       <p:ext uri="{BB962C8B-B14F-4D97-AF65-F5344CB8AC3E}">
-        <p14:creationId xmlns:p14="http://schemas.microsoft.com/office/powerpoint/2010/main" xmlns="" val="737681818"/>
+        <p14:creationId xmlns="" xmlns:p14="http://schemas.microsoft.com/office/powerpoint/2010/main" val="737681818"/>
       </p:ext>
     </p:extLst>
   </p:cSld>
@@ -4217,7 +4218,7 @@
     </p:spTree>
     <p:extLst>
       <p:ext uri="{BB962C8B-B14F-4D97-AF65-F5344CB8AC3E}">
-        <p14:creationId xmlns:p14="http://schemas.microsoft.com/office/powerpoint/2010/main" xmlns="" val="737681818"/>
+        <p14:creationId xmlns="" xmlns:p14="http://schemas.microsoft.com/office/powerpoint/2010/main" val="737681818"/>
       </p:ext>
     </p:extLst>
   </p:cSld>
@@ -4302,7 +4303,7 @@
     </p:spTree>
     <p:extLst>
       <p:ext uri="{BB962C8B-B14F-4D97-AF65-F5344CB8AC3E}">
-        <p14:creationId xmlns:p14="http://schemas.microsoft.com/office/powerpoint/2010/main" xmlns="" val="737681818"/>
+        <p14:creationId xmlns="" xmlns:p14="http://schemas.microsoft.com/office/powerpoint/2010/main" val="737681818"/>
       </p:ext>
     </p:extLst>
   </p:cSld>
@@ -4387,7 +4388,7 @@
     </p:spTree>
     <p:extLst>
       <p:ext uri="{BB962C8B-B14F-4D97-AF65-F5344CB8AC3E}">
-        <p14:creationId xmlns:p14="http://schemas.microsoft.com/office/powerpoint/2010/main" xmlns="" val="922949278"/>
+        <p14:creationId xmlns="" xmlns:p14="http://schemas.microsoft.com/office/powerpoint/2010/main" val="922949278"/>
       </p:ext>
     </p:extLst>
   </p:cSld>
@@ -4472,7 +4473,7 @@
     </p:spTree>
     <p:extLst>
       <p:ext uri="{BB962C8B-B14F-4D97-AF65-F5344CB8AC3E}">
-        <p14:creationId xmlns:p14="http://schemas.microsoft.com/office/powerpoint/2010/main" xmlns="" val="922949278"/>
+        <p14:creationId xmlns="" xmlns:p14="http://schemas.microsoft.com/office/powerpoint/2010/main" val="922949278"/>
       </p:ext>
     </p:extLst>
   </p:cSld>
@@ -4557,7 +4558,7 @@
     </p:spTree>
     <p:extLst>
       <p:ext uri="{BB962C8B-B14F-4D97-AF65-F5344CB8AC3E}">
-        <p14:creationId xmlns:p14="http://schemas.microsoft.com/office/powerpoint/2010/main" xmlns="" val="922949278"/>
+        <p14:creationId xmlns="" xmlns:p14="http://schemas.microsoft.com/office/powerpoint/2010/main" val="922949278"/>
       </p:ext>
     </p:extLst>
   </p:cSld>
@@ -4642,7 +4643,7 @@
     </p:spTree>
     <p:extLst>
       <p:ext uri="{BB962C8B-B14F-4D97-AF65-F5344CB8AC3E}">
-        <p14:creationId xmlns:p14="http://schemas.microsoft.com/office/powerpoint/2010/main" xmlns="" val="922949278"/>
+        <p14:creationId xmlns="" xmlns:p14="http://schemas.microsoft.com/office/powerpoint/2010/main" val="922949278"/>
       </p:ext>
     </p:extLst>
   </p:cSld>
@@ -4727,7 +4728,7 @@
     </p:spTree>
     <p:extLst>
       <p:ext uri="{BB962C8B-B14F-4D97-AF65-F5344CB8AC3E}">
-        <p14:creationId xmlns:p14="http://schemas.microsoft.com/office/powerpoint/2010/main" xmlns="" val="2540028172"/>
+        <p14:creationId xmlns="" xmlns:p14="http://schemas.microsoft.com/office/powerpoint/2010/main" val="2540028172"/>
       </p:ext>
     </p:extLst>
   </p:cSld>
@@ -4812,7 +4813,7 @@
     </p:spTree>
     <p:extLst>
       <p:ext uri="{BB962C8B-B14F-4D97-AF65-F5344CB8AC3E}">
-        <p14:creationId xmlns:p14="http://schemas.microsoft.com/office/powerpoint/2010/main" xmlns="" val="2840793627"/>
+        <p14:creationId xmlns="" xmlns:p14="http://schemas.microsoft.com/office/powerpoint/2010/main" val="2840793627"/>
       </p:ext>
     </p:extLst>
   </p:cSld>
@@ -4897,7 +4898,7 @@
     </p:spTree>
     <p:extLst>
       <p:ext uri="{BB962C8B-B14F-4D97-AF65-F5344CB8AC3E}">
-        <p14:creationId xmlns:p14="http://schemas.microsoft.com/office/powerpoint/2010/main" xmlns="" val="737681818"/>
+        <p14:creationId xmlns="" xmlns:p14="http://schemas.microsoft.com/office/powerpoint/2010/main" val="737681818"/>
       </p:ext>
     </p:extLst>
   </p:cSld>
@@ -4982,7 +4983,7 @@
     </p:spTree>
     <p:extLst>
       <p:ext uri="{BB962C8B-B14F-4D97-AF65-F5344CB8AC3E}">
-        <p14:creationId xmlns:p14="http://schemas.microsoft.com/office/powerpoint/2010/main" xmlns="" val="4151229091"/>
+        <p14:creationId xmlns="" xmlns:p14="http://schemas.microsoft.com/office/powerpoint/2010/main" val="4151229091"/>
       </p:ext>
     </p:extLst>
   </p:cSld>
@@ -5067,7 +5068,7 @@
     </p:spTree>
     <p:extLst>
       <p:ext uri="{BB962C8B-B14F-4D97-AF65-F5344CB8AC3E}">
-        <p14:creationId xmlns:p14="http://schemas.microsoft.com/office/powerpoint/2010/main" xmlns="" val="737681818"/>
+        <p14:creationId xmlns="" xmlns:p14="http://schemas.microsoft.com/office/powerpoint/2010/main" val="737681818"/>
       </p:ext>
     </p:extLst>
   </p:cSld>
@@ -5152,7 +5153,7 @@
     </p:spTree>
     <p:extLst>
       <p:ext uri="{BB962C8B-B14F-4D97-AF65-F5344CB8AC3E}">
-        <p14:creationId xmlns:p14="http://schemas.microsoft.com/office/powerpoint/2010/main" xmlns="" val="2840793627"/>
+        <p14:creationId xmlns="" xmlns:p14="http://schemas.microsoft.com/office/powerpoint/2010/main" val="2840793627"/>
       </p:ext>
     </p:extLst>
   </p:cSld>
@@ -5237,7 +5238,7 @@
     </p:spTree>
     <p:extLst>
       <p:ext uri="{BB962C8B-B14F-4D97-AF65-F5344CB8AC3E}">
-        <p14:creationId xmlns:p14="http://schemas.microsoft.com/office/powerpoint/2010/main" xmlns="" val="3522538323"/>
+        <p14:creationId xmlns="" xmlns:p14="http://schemas.microsoft.com/office/powerpoint/2010/main" val="737681818"/>
       </p:ext>
     </p:extLst>
   </p:cSld>
@@ -5322,7 +5323,92 @@
     </p:spTree>
     <p:extLst>
       <p:ext uri="{BB962C8B-B14F-4D97-AF65-F5344CB8AC3E}">
-        <p14:creationId xmlns:p14="http://schemas.microsoft.com/office/powerpoint/2010/main" xmlns="" val="1721109855"/>
+        <p14:creationId xmlns="" xmlns:p14="http://schemas.microsoft.com/office/powerpoint/2010/main" val="3522538323"/>
+      </p:ext>
+    </p:extLst>
+  </p:cSld>
+  <p:clrMapOvr>
+    <a:masterClrMapping/>
+  </p:clrMapOvr>
+</p:notes>
+</file>
+
+<file path=ppt/notesSlides/notesSlide57.xml><?xml version="1.0" encoding="utf-8"?>
+<p:notes xmlns:a="http://schemas.openxmlformats.org/drawingml/2006/main" xmlns:r="http://schemas.openxmlformats.org/officeDocument/2006/relationships" xmlns:p="http://schemas.openxmlformats.org/presentationml/2006/main">
+  <p:cSld>
+    <p:spTree>
+      <p:nvGrpSpPr>
+        <p:cNvPr id="1" name=""/>
+        <p:cNvGrpSpPr/>
+        <p:nvPr/>
+      </p:nvGrpSpPr>
+      <p:grpSpPr>
+        <a:xfrm>
+          <a:off x="0" y="0"/>
+          <a:ext cx="0" cy="0"/>
+          <a:chOff x="0" y="0"/>
+          <a:chExt cx="0" cy="0"/>
+        </a:xfrm>
+      </p:grpSpPr>
+      <p:sp>
+        <p:nvSpPr>
+          <p:cNvPr id="2" name="Slide Image Placeholder 1"/>
+          <p:cNvSpPr>
+            <a:spLocks noGrp="1" noRot="1" noChangeAspect="1"/>
+          </p:cNvSpPr>
+          <p:nvPr>
+            <p:ph type="sldImg"/>
+          </p:nvPr>
+        </p:nvSpPr>
+        <p:spPr/>
+      </p:sp>
+      <p:sp>
+        <p:nvSpPr>
+          <p:cNvPr id="3" name="Notes Placeholder 2"/>
+          <p:cNvSpPr>
+            <a:spLocks noGrp="1"/>
+          </p:cNvSpPr>
+          <p:nvPr>
+            <p:ph type="body" idx="1"/>
+          </p:nvPr>
+        </p:nvSpPr>
+        <p:spPr/>
+        <p:txBody>
+          <a:bodyPr/>
+          <a:lstStyle/>
+          <a:p>
+            <a:endParaRPr lang="en-US" dirty="0"/>
+          </a:p>
+        </p:txBody>
+      </p:sp>
+      <p:sp>
+        <p:nvSpPr>
+          <p:cNvPr id="4" name="Slide Number Placeholder 3"/>
+          <p:cNvSpPr>
+            <a:spLocks noGrp="1"/>
+          </p:cNvSpPr>
+          <p:nvPr>
+            <p:ph type="sldNum" sz="quarter" idx="5"/>
+          </p:nvPr>
+        </p:nvSpPr>
+        <p:spPr/>
+        <p:txBody>
+          <a:bodyPr/>
+          <a:lstStyle/>
+          <a:p>
+            <a:fld id="{8B57D50D-BAA9-464B-B391-243138E078D8}" type="slidenum">
+              <a:rPr lang="en-US" smtClean="0"/>
+              <a:pPr/>
+              <a:t>57</a:t>
+            </a:fld>
+            <a:endParaRPr lang="en-US" dirty="0"/>
+          </a:p>
+        </p:txBody>
+      </p:sp>
+    </p:spTree>
+    <p:extLst>
+      <p:ext uri="{BB962C8B-B14F-4D97-AF65-F5344CB8AC3E}">
+        <p14:creationId xmlns="" xmlns:p14="http://schemas.microsoft.com/office/powerpoint/2010/main" val="1721109855"/>
       </p:ext>
     </p:extLst>
   </p:cSld>
@@ -5407,7 +5493,7 @@
     </p:spTree>
     <p:extLst>
       <p:ext uri="{BB962C8B-B14F-4D97-AF65-F5344CB8AC3E}">
-        <p14:creationId xmlns:p14="http://schemas.microsoft.com/office/powerpoint/2010/main" xmlns="" val="922949278"/>
+        <p14:creationId xmlns="" xmlns:p14="http://schemas.microsoft.com/office/powerpoint/2010/main" val="922949278"/>
       </p:ext>
     </p:extLst>
   </p:cSld>
@@ -5492,7 +5578,7 @@
     </p:spTree>
     <p:extLst>
       <p:ext uri="{BB962C8B-B14F-4D97-AF65-F5344CB8AC3E}">
-        <p14:creationId xmlns:p14="http://schemas.microsoft.com/office/powerpoint/2010/main" xmlns="" val="922949278"/>
+        <p14:creationId xmlns="" xmlns:p14="http://schemas.microsoft.com/office/powerpoint/2010/main" val="922949278"/>
       </p:ext>
     </p:extLst>
   </p:cSld>
@@ -5577,7 +5663,7 @@
     </p:spTree>
     <p:extLst>
       <p:ext uri="{BB962C8B-B14F-4D97-AF65-F5344CB8AC3E}">
-        <p14:creationId xmlns:p14="http://schemas.microsoft.com/office/powerpoint/2010/main" xmlns="" val="922949278"/>
+        <p14:creationId xmlns="" xmlns:p14="http://schemas.microsoft.com/office/powerpoint/2010/main" val="922949278"/>
       </p:ext>
     </p:extLst>
   </p:cSld>
@@ -5662,7 +5748,7 @@
     </p:spTree>
     <p:extLst>
       <p:ext uri="{BB962C8B-B14F-4D97-AF65-F5344CB8AC3E}">
-        <p14:creationId xmlns:p14="http://schemas.microsoft.com/office/powerpoint/2010/main" xmlns="" val="2540028172"/>
+        <p14:creationId xmlns="" xmlns:p14="http://schemas.microsoft.com/office/powerpoint/2010/main" val="2540028172"/>
       </p:ext>
     </p:extLst>
   </p:cSld>
@@ -5694,10 +5780,10 @@
           <p:cNvPr id="2" name="Group 1">
             <a:extLst>
               <a:ext uri="{FF2B5EF4-FFF2-40B4-BE49-F238E27FC236}">
-                <a16:creationId xmlns:a16="http://schemas.microsoft.com/office/drawing/2014/main" xmlns="" id="{19429764-E305-A48D-5244-9BCD20902244}"/>
+                <a16:creationId xmlns="" xmlns:a16="http://schemas.microsoft.com/office/drawing/2014/main" id="{19429764-E305-A48D-5244-9BCD20902244}"/>
               </a:ext>
               <a:ext uri="{C183D7F6-B498-43B3-948B-1728B52AA6E4}">
-                <adec:decorative xmlns:adec="http://schemas.microsoft.com/office/drawing/2017/decorative" xmlns="" val="1"/>
+                <adec:decorative xmlns="" xmlns:adec="http://schemas.microsoft.com/office/drawing/2017/decorative" val="1"/>
               </a:ext>
             </a:extLst>
           </p:cNvPr>
@@ -5717,7 +5803,7 @@
             <p:cNvPr id="7" name="Freeform 13">
               <a:extLst>
                 <a:ext uri="{FF2B5EF4-FFF2-40B4-BE49-F238E27FC236}">
-                  <a16:creationId xmlns:a16="http://schemas.microsoft.com/office/drawing/2014/main" xmlns="" id="{45F65CE3-2411-E8E5-B72E-F5CBEC4DDC55}"/>
+                  <a16:creationId xmlns="" xmlns:a16="http://schemas.microsoft.com/office/drawing/2014/main" id="{45F65CE3-2411-E8E5-B72E-F5CBEC4DDC55}"/>
                 </a:ext>
               </a:extLst>
             </p:cNvPr>
@@ -5881,7 +5967,7 @@
             <p:cNvPr id="8" name="Straight Connector 7">
               <a:extLst>
                 <a:ext uri="{FF2B5EF4-FFF2-40B4-BE49-F238E27FC236}">
-                  <a16:creationId xmlns:a16="http://schemas.microsoft.com/office/drawing/2014/main" xmlns="" id="{3B6B51B3-AA6C-9C5E-7032-5AEA05D45908}"/>
+                  <a16:creationId xmlns="" xmlns:a16="http://schemas.microsoft.com/office/drawing/2014/main" id="{3B6B51B3-AA6C-9C5E-7032-5AEA05D45908}"/>
                 </a:ext>
               </a:extLst>
             </p:cNvPr>
@@ -5925,7 +6011,7 @@
             <p:cNvPr id="9" name="Freeform: Shape 13">
               <a:extLst>
                 <a:ext uri="{FF2B5EF4-FFF2-40B4-BE49-F238E27FC236}">
-                  <a16:creationId xmlns:a16="http://schemas.microsoft.com/office/drawing/2014/main" xmlns="" id="{4F28561D-5B3C-F08A-F7B5-48E6B74EAEBD}"/>
+                  <a16:creationId xmlns="" xmlns:a16="http://schemas.microsoft.com/office/drawing/2014/main" id="{4F28561D-5B3C-F08A-F7B5-48E6B74EAEBD}"/>
                 </a:ext>
               </a:extLst>
             </p:cNvPr>
@@ -6071,7 +6157,7 @@
             <p:cNvPr id="10" name="Freeform: Shape 15">
               <a:extLst>
                 <a:ext uri="{FF2B5EF4-FFF2-40B4-BE49-F238E27FC236}">
-                  <a16:creationId xmlns:a16="http://schemas.microsoft.com/office/drawing/2014/main" xmlns="" id="{7BD7FF70-44B7-E753-26CD-E228B56C2517}"/>
+                  <a16:creationId xmlns="" xmlns:a16="http://schemas.microsoft.com/office/drawing/2014/main" id="{7BD7FF70-44B7-E753-26CD-E228B56C2517}"/>
                 </a:ext>
               </a:extLst>
             </p:cNvPr>
@@ -6209,7 +6295,7 @@
             <p:cNvPr id="11" name="Oval 10">
               <a:extLst>
                 <a:ext uri="{FF2B5EF4-FFF2-40B4-BE49-F238E27FC236}">
-                  <a16:creationId xmlns:a16="http://schemas.microsoft.com/office/drawing/2014/main" xmlns="" id="{DF9EE857-93B9-ACF6-2AB4-2A29C4B94776}"/>
+                  <a16:creationId xmlns="" xmlns:a16="http://schemas.microsoft.com/office/drawing/2014/main" id="{DF9EE857-93B9-ACF6-2AB4-2A29C4B94776}"/>
                 </a:ext>
               </a:extLst>
             </p:cNvPr>
@@ -6290,7 +6376,7 @@
             <p:cNvPr id="12" name="Freeform: Shape 19">
               <a:extLst>
                 <a:ext uri="{FF2B5EF4-FFF2-40B4-BE49-F238E27FC236}">
-                  <a16:creationId xmlns:a16="http://schemas.microsoft.com/office/drawing/2014/main" xmlns="" id="{75030D84-5EEB-A095-3D43-0ED22BDB8406}"/>
+                  <a16:creationId xmlns="" xmlns:a16="http://schemas.microsoft.com/office/drawing/2014/main" id="{75030D84-5EEB-A095-3D43-0ED22BDB8406}"/>
                 </a:ext>
               </a:extLst>
             </p:cNvPr>
@@ -6460,7 +6546,7 @@
             <p:cNvPr id="13" name="Arc 12">
               <a:extLst>
                 <a:ext uri="{FF2B5EF4-FFF2-40B4-BE49-F238E27FC236}">
-                  <a16:creationId xmlns:a16="http://schemas.microsoft.com/office/drawing/2014/main" xmlns="" id="{26E6DE3E-6851-19AD-2E60-22F006238173}"/>
+                  <a16:creationId xmlns="" xmlns:a16="http://schemas.microsoft.com/office/drawing/2014/main" id="{26E6DE3E-6851-19AD-2E60-22F006238173}"/>
                 </a:ext>
               </a:extLst>
             </p:cNvPr>
@@ -6540,7 +6626,7 @@
           <p:cNvPr id="6" name="Title 1">
             <a:extLst>
               <a:ext uri="{FF2B5EF4-FFF2-40B4-BE49-F238E27FC236}">
-                <a16:creationId xmlns:a16="http://schemas.microsoft.com/office/drawing/2014/main" xmlns="" id="{2E8C189B-2E00-67DA-E342-3440F5EBB4CE}"/>
+                <a16:creationId xmlns="" xmlns:a16="http://schemas.microsoft.com/office/drawing/2014/main" id="{2E8C189B-2E00-67DA-E342-3440F5EBB4CE}"/>
               </a:ext>
             </a:extLst>
           </p:cNvPr>
@@ -6581,7 +6667,7 @@
     </p:spTree>
     <p:extLst>
       <p:ext uri="{BB962C8B-B14F-4D97-AF65-F5344CB8AC3E}">
-        <p14:creationId xmlns:p14="http://schemas.microsoft.com/office/powerpoint/2010/main" xmlns="" val="3424675042"/>
+        <p14:creationId xmlns="" xmlns:p14="http://schemas.microsoft.com/office/powerpoint/2010/main" val="3424675042"/>
       </p:ext>
     </p:extLst>
   </p:cSld>
@@ -6613,10 +6699,10 @@
           <p:cNvPr id="11" name="Rectangle 10">
             <a:extLst>
               <a:ext uri="{FF2B5EF4-FFF2-40B4-BE49-F238E27FC236}">
-                <a16:creationId xmlns:a16="http://schemas.microsoft.com/office/drawing/2014/main" xmlns="" id="{D9FE4C84-13A1-72EA-6541-7C8FDDEA71C0}"/>
+                <a16:creationId xmlns="" xmlns:a16="http://schemas.microsoft.com/office/drawing/2014/main" id="{D9FE4C84-13A1-72EA-6541-7C8FDDEA71C0}"/>
               </a:ext>
               <a:ext uri="{C183D7F6-B498-43B3-948B-1728B52AA6E4}">
-                <adec:decorative xmlns:adec="http://schemas.microsoft.com/office/drawing/2017/decorative" xmlns="" val="1"/>
+                <adec:decorative xmlns="" xmlns:adec="http://schemas.microsoft.com/office/drawing/2017/decorative" val="1"/>
               </a:ext>
             </a:extLst>
           </p:cNvPr>
@@ -6698,10 +6784,10 @@
           <p:cNvPr id="12" name="Arc 11">
             <a:extLst>
               <a:ext uri="{FF2B5EF4-FFF2-40B4-BE49-F238E27FC236}">
-                <a16:creationId xmlns:a16="http://schemas.microsoft.com/office/drawing/2014/main" xmlns="" id="{30468883-4E51-D3BD-E1C6-601ED9B6EF0E}"/>
+                <a16:creationId xmlns="" xmlns:a16="http://schemas.microsoft.com/office/drawing/2014/main" id="{30468883-4E51-D3BD-E1C6-601ED9B6EF0E}"/>
               </a:ext>
               <a:ext uri="{C183D7F6-B498-43B3-948B-1728B52AA6E4}">
-                <adec:decorative xmlns:adec="http://schemas.microsoft.com/office/drawing/2017/decorative" xmlns="" val="1"/>
+                <adec:decorative xmlns="" xmlns:adec="http://schemas.microsoft.com/office/drawing/2017/decorative" val="1"/>
               </a:ext>
             </a:extLst>
           </p:cNvPr>
@@ -6783,10 +6869,10 @@
           <p:cNvPr id="13" name="Freeform 9">
             <a:extLst>
               <a:ext uri="{FF2B5EF4-FFF2-40B4-BE49-F238E27FC236}">
-                <a16:creationId xmlns:a16="http://schemas.microsoft.com/office/drawing/2014/main" xmlns="" id="{111AEF3F-9A86-45CE-4817-E3E6863DC09A}"/>
+                <a16:creationId xmlns="" xmlns:a16="http://schemas.microsoft.com/office/drawing/2014/main" id="{111AEF3F-9A86-45CE-4817-E3E6863DC09A}"/>
               </a:ext>
               <a:ext uri="{C183D7F6-B498-43B3-948B-1728B52AA6E4}">
-                <adec:decorative xmlns:adec="http://schemas.microsoft.com/office/drawing/2017/decorative" xmlns="" val="1"/>
+                <adec:decorative xmlns="" xmlns:adec="http://schemas.microsoft.com/office/drawing/2017/decorative" val="1"/>
               </a:ext>
             </a:extLst>
           </p:cNvPr>
@@ -6903,7 +6989,7 @@
           <p:cNvPr id="2" name="Title 1">
             <a:extLst>
               <a:ext uri="{FF2B5EF4-FFF2-40B4-BE49-F238E27FC236}">
-                <a16:creationId xmlns:a16="http://schemas.microsoft.com/office/drawing/2014/main" xmlns="" id="{0C40C44A-93E6-6C58-5E88-AFDC594EC27A}"/>
+                <a16:creationId xmlns="" xmlns:a16="http://schemas.microsoft.com/office/drawing/2014/main" id="{0C40C44A-93E6-6C58-5E88-AFDC594EC27A}"/>
               </a:ext>
             </a:extLst>
           </p:cNvPr>
@@ -6937,7 +7023,7 @@
           <p:cNvPr id="9" name="Content Placeholder 2">
             <a:extLst>
               <a:ext uri="{FF2B5EF4-FFF2-40B4-BE49-F238E27FC236}">
-                <a16:creationId xmlns:a16="http://schemas.microsoft.com/office/drawing/2014/main" xmlns="" id="{F5A792C8-BB21-CDAF-668C-C1EFF45540C6}"/>
+                <a16:creationId xmlns="" xmlns:a16="http://schemas.microsoft.com/office/drawing/2014/main" id="{F5A792C8-BB21-CDAF-668C-C1EFF45540C6}"/>
               </a:ext>
             </a:extLst>
           </p:cNvPr>
@@ -7055,7 +7141,7 @@
           <p:cNvPr id="4" name="Content Placeholder 3">
             <a:extLst>
               <a:ext uri="{FF2B5EF4-FFF2-40B4-BE49-F238E27FC236}">
-                <a16:creationId xmlns:a16="http://schemas.microsoft.com/office/drawing/2014/main" xmlns="" id="{72DFB03A-367B-9ADA-8071-E22871EC115F}"/>
+                <a16:creationId xmlns="" xmlns:a16="http://schemas.microsoft.com/office/drawing/2014/main" id="{72DFB03A-367B-9ADA-8071-E22871EC115F}"/>
               </a:ext>
             </a:extLst>
           </p:cNvPr>
@@ -7186,7 +7272,7 @@
           <p:cNvPr id="5" name="Date Placeholder 4">
             <a:extLst>
               <a:ext uri="{FF2B5EF4-FFF2-40B4-BE49-F238E27FC236}">
-                <a16:creationId xmlns:a16="http://schemas.microsoft.com/office/drawing/2014/main" xmlns="" id="{C6CFCEB5-4092-FD13-478E-51CD74FDB82E}"/>
+                <a16:creationId xmlns="" xmlns:a16="http://schemas.microsoft.com/office/drawing/2014/main" id="{C6CFCEB5-4092-FD13-478E-51CD74FDB82E}"/>
               </a:ext>
             </a:extLst>
           </p:cNvPr>
@@ -7216,7 +7302,7 @@
           <p:cNvPr id="6" name="Footer Placeholder 5">
             <a:extLst>
               <a:ext uri="{FF2B5EF4-FFF2-40B4-BE49-F238E27FC236}">
-                <a16:creationId xmlns:a16="http://schemas.microsoft.com/office/drawing/2014/main" xmlns="" id="{5D077A4D-E7C0-912D-293F-D93F0CB5CA49}"/>
+                <a16:creationId xmlns="" xmlns:a16="http://schemas.microsoft.com/office/drawing/2014/main" id="{5D077A4D-E7C0-912D-293F-D93F0CB5CA49}"/>
               </a:ext>
             </a:extLst>
           </p:cNvPr>
@@ -7241,7 +7327,7 @@
           <p:cNvPr id="7" name="Slide Number Placeholder 6">
             <a:extLst>
               <a:ext uri="{FF2B5EF4-FFF2-40B4-BE49-F238E27FC236}">
-                <a16:creationId xmlns:a16="http://schemas.microsoft.com/office/drawing/2014/main" xmlns="" id="{CA6AA9E1-334B-5F8F-8A92-67DD095F7838}"/>
+                <a16:creationId xmlns="" xmlns:a16="http://schemas.microsoft.com/office/drawing/2014/main" id="{CA6AA9E1-334B-5F8F-8A92-67DD095F7838}"/>
               </a:ext>
             </a:extLst>
           </p:cNvPr>
@@ -7269,7 +7355,7 @@
     </p:spTree>
     <p:extLst>
       <p:ext uri="{BB962C8B-B14F-4D97-AF65-F5344CB8AC3E}">
-        <p14:creationId xmlns:p14="http://schemas.microsoft.com/office/powerpoint/2010/main" xmlns="" val="137703936"/>
+        <p14:creationId xmlns="" xmlns:p14="http://schemas.microsoft.com/office/powerpoint/2010/main" val="137703936"/>
       </p:ext>
     </p:extLst>
   </p:cSld>
@@ -7301,7 +7387,7 @@
           <p:cNvPr id="2" name="Title 1">
             <a:extLst>
               <a:ext uri="{FF2B5EF4-FFF2-40B4-BE49-F238E27FC236}">
-                <a16:creationId xmlns:a16="http://schemas.microsoft.com/office/drawing/2014/main" xmlns="" id="{F657BD59-35CC-9BB3-8621-6FA3356F81AA}"/>
+                <a16:creationId xmlns="" xmlns:a16="http://schemas.microsoft.com/office/drawing/2014/main" id="{F657BD59-35CC-9BB3-8621-6FA3356F81AA}"/>
               </a:ext>
             </a:extLst>
           </p:cNvPr>
@@ -7331,7 +7417,7 @@
           <p:cNvPr id="4" name="Date Placeholder 3">
             <a:extLst>
               <a:ext uri="{FF2B5EF4-FFF2-40B4-BE49-F238E27FC236}">
-                <a16:creationId xmlns:a16="http://schemas.microsoft.com/office/drawing/2014/main" xmlns="" id="{8C56EB0F-63C8-5F75-A333-3413A9DC6F76}"/>
+                <a16:creationId xmlns="" xmlns:a16="http://schemas.microsoft.com/office/drawing/2014/main" id="{8C56EB0F-63C8-5F75-A333-3413A9DC6F76}"/>
               </a:ext>
             </a:extLst>
           </p:cNvPr>
@@ -7361,7 +7447,7 @@
           <p:cNvPr id="5" name="Footer Placeholder 4">
             <a:extLst>
               <a:ext uri="{FF2B5EF4-FFF2-40B4-BE49-F238E27FC236}">
-                <a16:creationId xmlns:a16="http://schemas.microsoft.com/office/drawing/2014/main" xmlns="" id="{4D4DE333-25B4-E092-1CC4-C3D20BA25168}"/>
+                <a16:creationId xmlns="" xmlns:a16="http://schemas.microsoft.com/office/drawing/2014/main" id="{4D4DE333-25B4-E092-1CC4-C3D20BA25168}"/>
               </a:ext>
             </a:extLst>
           </p:cNvPr>
@@ -7386,7 +7472,7 @@
           <p:cNvPr id="6" name="Slide Number Placeholder 5">
             <a:extLst>
               <a:ext uri="{FF2B5EF4-FFF2-40B4-BE49-F238E27FC236}">
-                <a16:creationId xmlns:a16="http://schemas.microsoft.com/office/drawing/2014/main" xmlns="" id="{8F1AF200-E81F-A326-0EDB-4B93C71D9BF4}"/>
+                <a16:creationId xmlns="" xmlns:a16="http://schemas.microsoft.com/office/drawing/2014/main" id="{8F1AF200-E81F-A326-0EDB-4B93C71D9BF4}"/>
               </a:ext>
             </a:extLst>
           </p:cNvPr>
@@ -7416,7 +7502,7 @@
           <p:cNvPr id="8" name="Table Placeholder 7">
             <a:extLst>
               <a:ext uri="{FF2B5EF4-FFF2-40B4-BE49-F238E27FC236}">
-                <a16:creationId xmlns:a16="http://schemas.microsoft.com/office/drawing/2014/main" xmlns="" id="{0CEAFE70-86D3-8690-31CA-F9A1FBA494D0}"/>
+                <a16:creationId xmlns="" xmlns:a16="http://schemas.microsoft.com/office/drawing/2014/main" id="{0CEAFE70-86D3-8690-31CA-F9A1FBA494D0}"/>
               </a:ext>
             </a:extLst>
           </p:cNvPr>
@@ -7453,7 +7539,7 @@
     </p:spTree>
     <p:extLst>
       <p:ext uri="{BB962C8B-B14F-4D97-AF65-F5344CB8AC3E}">
-        <p14:creationId xmlns:p14="http://schemas.microsoft.com/office/powerpoint/2010/main" xmlns="" val="2626099294"/>
+        <p14:creationId xmlns="" xmlns:p14="http://schemas.microsoft.com/office/powerpoint/2010/main" val="2626099294"/>
       </p:ext>
     </p:extLst>
   </p:cSld>
@@ -7485,10 +7571,10 @@
           <p:cNvPr id="7" name="Group 6">
             <a:extLst>
               <a:ext uri="{FF2B5EF4-FFF2-40B4-BE49-F238E27FC236}">
-                <a16:creationId xmlns:a16="http://schemas.microsoft.com/office/drawing/2014/main" xmlns="" id="{D7B7232D-F1A6-B6C3-3BBF-E834CC7CDC8E}"/>
+                <a16:creationId xmlns="" xmlns:a16="http://schemas.microsoft.com/office/drawing/2014/main" id="{D7B7232D-F1A6-B6C3-3BBF-E834CC7CDC8E}"/>
               </a:ext>
               <a:ext uri="{C183D7F6-B498-43B3-948B-1728B52AA6E4}">
-                <adec:decorative xmlns:adec="http://schemas.microsoft.com/office/drawing/2017/decorative" xmlns="" val="1"/>
+                <adec:decorative xmlns="" xmlns:adec="http://schemas.microsoft.com/office/drawing/2017/decorative" val="1"/>
               </a:ext>
             </a:extLst>
           </p:cNvPr>
@@ -7508,7 +7594,7 @@
             <p:cNvPr id="8" name="Oval 7">
               <a:extLst>
                 <a:ext uri="{FF2B5EF4-FFF2-40B4-BE49-F238E27FC236}">
-                  <a16:creationId xmlns:a16="http://schemas.microsoft.com/office/drawing/2014/main" xmlns="" id="{0D306340-6BFD-FE3D-535B-B59C1C44EDDA}"/>
+                  <a16:creationId xmlns="" xmlns:a16="http://schemas.microsoft.com/office/drawing/2014/main" id="{0D306340-6BFD-FE3D-535B-B59C1C44EDDA}"/>
                 </a:ext>
               </a:extLst>
             </p:cNvPr>
@@ -7589,7 +7675,7 @@
             <p:cNvPr id="9" name="Freeform: Shape 11">
               <a:extLst>
                 <a:ext uri="{FF2B5EF4-FFF2-40B4-BE49-F238E27FC236}">
-                  <a16:creationId xmlns:a16="http://schemas.microsoft.com/office/drawing/2014/main" xmlns="" id="{338E6C4B-ABF3-8B7E-8DCF-A93F69C712B1}"/>
+                  <a16:creationId xmlns="" xmlns:a16="http://schemas.microsoft.com/office/drawing/2014/main" id="{338E6C4B-ABF3-8B7E-8DCF-A93F69C712B1}"/>
                 </a:ext>
               </a:extLst>
             </p:cNvPr>
@@ -7727,7 +7813,7 @@
             <p:cNvPr id="10" name="Freeform: Shape 13">
               <a:extLst>
                 <a:ext uri="{FF2B5EF4-FFF2-40B4-BE49-F238E27FC236}">
-                  <a16:creationId xmlns:a16="http://schemas.microsoft.com/office/drawing/2014/main" xmlns="" id="{6F90F99F-B12A-E8F9-5A86-D76B201D6308}"/>
+                  <a16:creationId xmlns="" xmlns:a16="http://schemas.microsoft.com/office/drawing/2014/main" id="{6F90F99F-B12A-E8F9-5A86-D76B201D6308}"/>
                 </a:ext>
               </a:extLst>
             </p:cNvPr>
@@ -7873,7 +7959,7 @@
             <p:cNvPr id="11" name="Freeform: Shape 15">
               <a:extLst>
                 <a:ext uri="{FF2B5EF4-FFF2-40B4-BE49-F238E27FC236}">
-                  <a16:creationId xmlns:a16="http://schemas.microsoft.com/office/drawing/2014/main" xmlns="" id="{BFA99EFE-81BC-95EA-FA61-B7199AD98A74}"/>
+                  <a16:creationId xmlns="" xmlns:a16="http://schemas.microsoft.com/office/drawing/2014/main" id="{BFA99EFE-81BC-95EA-FA61-B7199AD98A74}"/>
                 </a:ext>
               </a:extLst>
             </p:cNvPr>
@@ -8011,7 +8097,7 @@
             <p:cNvPr id="12" name="Freeform: Shape 17">
               <a:extLst>
                 <a:ext uri="{FF2B5EF4-FFF2-40B4-BE49-F238E27FC236}">
-                  <a16:creationId xmlns:a16="http://schemas.microsoft.com/office/drawing/2014/main" xmlns="" id="{DD9FC028-D877-28FE-C646-DBD85D932641}"/>
+                  <a16:creationId xmlns="" xmlns:a16="http://schemas.microsoft.com/office/drawing/2014/main" id="{DD9FC028-D877-28FE-C646-DBD85D932641}"/>
                 </a:ext>
               </a:extLst>
             </p:cNvPr>
@@ -8155,7 +8241,7 @@
             <p:cNvPr id="13" name="Freeform: Shape 21">
               <a:extLst>
                 <a:ext uri="{FF2B5EF4-FFF2-40B4-BE49-F238E27FC236}">
-                  <a16:creationId xmlns:a16="http://schemas.microsoft.com/office/drawing/2014/main" xmlns="" id="{AA0AFFE9-F0C2-BDA0-BF87-9977706AB6A8}"/>
+                  <a16:creationId xmlns="" xmlns:a16="http://schemas.microsoft.com/office/drawing/2014/main" id="{AA0AFFE9-F0C2-BDA0-BF87-9977706AB6A8}"/>
                 </a:ext>
               </a:extLst>
             </p:cNvPr>
@@ -8302,7 +8388,7 @@
           <p:cNvPr id="2" name="Title 1">
             <a:extLst>
               <a:ext uri="{FF2B5EF4-FFF2-40B4-BE49-F238E27FC236}">
-                <a16:creationId xmlns:a16="http://schemas.microsoft.com/office/drawing/2014/main" xmlns="" id="{F657BD59-35CC-9BB3-8621-6FA3356F81AA}"/>
+                <a16:creationId xmlns="" xmlns:a16="http://schemas.microsoft.com/office/drawing/2014/main" id="{F657BD59-35CC-9BB3-8621-6FA3356F81AA}"/>
               </a:ext>
             </a:extLst>
           </p:cNvPr>
@@ -8342,7 +8428,7 @@
           <p:cNvPr id="3" name="Content Placeholder 2">
             <a:extLst>
               <a:ext uri="{FF2B5EF4-FFF2-40B4-BE49-F238E27FC236}">
-                <a16:creationId xmlns:a16="http://schemas.microsoft.com/office/drawing/2014/main" xmlns="" id="{A772710C-A212-1B12-06CD-FA2A14F89D68}"/>
+                <a16:creationId xmlns="" xmlns:a16="http://schemas.microsoft.com/office/drawing/2014/main" id="{A772710C-A212-1B12-06CD-FA2A14F89D68}"/>
               </a:ext>
             </a:extLst>
           </p:cNvPr>
@@ -8473,7 +8559,7 @@
           <p:cNvPr id="4" name="Date Placeholder 3">
             <a:extLst>
               <a:ext uri="{FF2B5EF4-FFF2-40B4-BE49-F238E27FC236}">
-                <a16:creationId xmlns:a16="http://schemas.microsoft.com/office/drawing/2014/main" xmlns="" id="{8C56EB0F-63C8-5F75-A333-3413A9DC6F76}"/>
+                <a16:creationId xmlns="" xmlns:a16="http://schemas.microsoft.com/office/drawing/2014/main" id="{8C56EB0F-63C8-5F75-A333-3413A9DC6F76}"/>
               </a:ext>
             </a:extLst>
           </p:cNvPr>
@@ -8503,7 +8589,7 @@
           <p:cNvPr id="5" name="Footer Placeholder 4">
             <a:extLst>
               <a:ext uri="{FF2B5EF4-FFF2-40B4-BE49-F238E27FC236}">
-                <a16:creationId xmlns:a16="http://schemas.microsoft.com/office/drawing/2014/main" xmlns="" id="{4D4DE333-25B4-E092-1CC4-C3D20BA25168}"/>
+                <a16:creationId xmlns="" xmlns:a16="http://schemas.microsoft.com/office/drawing/2014/main" id="{4D4DE333-25B4-E092-1CC4-C3D20BA25168}"/>
               </a:ext>
             </a:extLst>
           </p:cNvPr>
@@ -8528,7 +8614,7 @@
           <p:cNvPr id="6" name="Slide Number Placeholder 5">
             <a:extLst>
               <a:ext uri="{FF2B5EF4-FFF2-40B4-BE49-F238E27FC236}">
-                <a16:creationId xmlns:a16="http://schemas.microsoft.com/office/drawing/2014/main" xmlns="" id="{8F1AF200-E81F-A326-0EDB-4B93C71D9BF4}"/>
+                <a16:creationId xmlns="" xmlns:a16="http://schemas.microsoft.com/office/drawing/2014/main" id="{8F1AF200-E81F-A326-0EDB-4B93C71D9BF4}"/>
               </a:ext>
             </a:extLst>
           </p:cNvPr>
@@ -8556,7 +8642,7 @@
     </p:spTree>
     <p:extLst>
       <p:ext uri="{BB962C8B-B14F-4D97-AF65-F5344CB8AC3E}">
-        <p14:creationId xmlns:p14="http://schemas.microsoft.com/office/powerpoint/2010/main" xmlns="" val="2162967001"/>
+        <p14:creationId xmlns="" xmlns:p14="http://schemas.microsoft.com/office/powerpoint/2010/main" val="2162967001"/>
       </p:ext>
     </p:extLst>
   </p:cSld>
@@ -8588,10 +8674,10 @@
           <p:cNvPr id="7" name="Group 6">
             <a:extLst>
               <a:ext uri="{FF2B5EF4-FFF2-40B4-BE49-F238E27FC236}">
-                <a16:creationId xmlns:a16="http://schemas.microsoft.com/office/drawing/2014/main" xmlns="" id="{3E96D25F-53A2-6217-84B4-7EB874F0B372}"/>
+                <a16:creationId xmlns="" xmlns:a16="http://schemas.microsoft.com/office/drawing/2014/main" id="{3E96D25F-53A2-6217-84B4-7EB874F0B372}"/>
               </a:ext>
               <a:ext uri="{C183D7F6-B498-43B3-948B-1728B52AA6E4}">
-                <adec:decorative xmlns:adec="http://schemas.microsoft.com/office/drawing/2017/decorative" xmlns="" val="1"/>
+                <adec:decorative xmlns="" xmlns:adec="http://schemas.microsoft.com/office/drawing/2017/decorative" val="1"/>
               </a:ext>
             </a:extLst>
           </p:cNvPr>
@@ -8611,7 +8697,7 @@
             <p:cNvPr id="8" name="Oval 7">
               <a:extLst>
                 <a:ext uri="{FF2B5EF4-FFF2-40B4-BE49-F238E27FC236}">
-                  <a16:creationId xmlns:a16="http://schemas.microsoft.com/office/drawing/2014/main" xmlns="" id="{A50FA62D-C8AE-52B8-1712-6116756D1A83}"/>
+                  <a16:creationId xmlns="" xmlns:a16="http://schemas.microsoft.com/office/drawing/2014/main" id="{A50FA62D-C8AE-52B8-1712-6116756D1A83}"/>
                 </a:ext>
               </a:extLst>
             </p:cNvPr>
@@ -8692,7 +8778,7 @@
             <p:cNvPr id="9" name="Arc 8">
               <a:extLst>
                 <a:ext uri="{FF2B5EF4-FFF2-40B4-BE49-F238E27FC236}">
-                  <a16:creationId xmlns:a16="http://schemas.microsoft.com/office/drawing/2014/main" xmlns="" id="{1D2D6A01-57CF-3C0B-968C-E5A8FD352320}"/>
+                  <a16:creationId xmlns="" xmlns:a16="http://schemas.microsoft.com/office/drawing/2014/main" id="{1D2D6A01-57CF-3C0B-968C-E5A8FD352320}"/>
                 </a:ext>
               </a:extLst>
             </p:cNvPr>
@@ -8775,7 +8861,7 @@
             <p:cNvPr id="10" name="Oval 9">
               <a:extLst>
                 <a:ext uri="{FF2B5EF4-FFF2-40B4-BE49-F238E27FC236}">
-                  <a16:creationId xmlns:a16="http://schemas.microsoft.com/office/drawing/2014/main" xmlns="" id="{410BEFAA-C349-7DB1-1827-0FA48A430AD8}"/>
+                  <a16:creationId xmlns="" xmlns:a16="http://schemas.microsoft.com/office/drawing/2014/main" id="{410BEFAA-C349-7DB1-1827-0FA48A430AD8}"/>
                 </a:ext>
               </a:extLst>
             </p:cNvPr>
@@ -8857,7 +8943,7 @@
           <p:cNvPr id="2" name="Title 1">
             <a:extLst>
               <a:ext uri="{FF2B5EF4-FFF2-40B4-BE49-F238E27FC236}">
-                <a16:creationId xmlns:a16="http://schemas.microsoft.com/office/drawing/2014/main" xmlns="" id="{F657BD59-35CC-9BB3-8621-6FA3356F81AA}"/>
+                <a16:creationId xmlns="" xmlns:a16="http://schemas.microsoft.com/office/drawing/2014/main" id="{F657BD59-35CC-9BB3-8621-6FA3356F81AA}"/>
               </a:ext>
             </a:extLst>
           </p:cNvPr>
@@ -8900,7 +8986,7 @@
           <p:cNvPr id="3" name="Content Placeholder 2">
             <a:extLst>
               <a:ext uri="{FF2B5EF4-FFF2-40B4-BE49-F238E27FC236}">
-                <a16:creationId xmlns:a16="http://schemas.microsoft.com/office/drawing/2014/main" xmlns="" id="{A772710C-A212-1B12-06CD-FA2A14F89D68}"/>
+                <a16:creationId xmlns="" xmlns:a16="http://schemas.microsoft.com/office/drawing/2014/main" id="{A772710C-A212-1B12-06CD-FA2A14F89D68}"/>
               </a:ext>
             </a:extLst>
           </p:cNvPr>
@@ -9029,7 +9115,7 @@
     </p:spTree>
     <p:extLst>
       <p:ext uri="{BB962C8B-B14F-4D97-AF65-F5344CB8AC3E}">
-        <p14:creationId xmlns:p14="http://schemas.microsoft.com/office/powerpoint/2010/main" xmlns="" val="1914388044"/>
+        <p14:creationId xmlns="" xmlns:p14="http://schemas.microsoft.com/office/powerpoint/2010/main" val="1914388044"/>
       </p:ext>
     </p:extLst>
   </p:cSld>
@@ -9069,7 +9155,7 @@
           <p:cNvPr id="2" name="Picture Placeholder 1">
             <a:extLst>
               <a:ext uri="{FF2B5EF4-FFF2-40B4-BE49-F238E27FC236}">
-                <a16:creationId xmlns:a16="http://schemas.microsoft.com/office/drawing/2014/main" xmlns="" id="{9EF93C3C-09E9-6CD0-EF4B-6DE09539EE7A}"/>
+                <a16:creationId xmlns="" xmlns:a16="http://schemas.microsoft.com/office/drawing/2014/main" id="{9EF93C3C-09E9-6CD0-EF4B-6DE09539EE7A}"/>
               </a:ext>
             </a:extLst>
           </p:cNvPr>
@@ -9284,10 +9370,10 @@
           <p:cNvPr id="3" name="Arc 2">
             <a:extLst>
               <a:ext uri="{FF2B5EF4-FFF2-40B4-BE49-F238E27FC236}">
-                <a16:creationId xmlns:a16="http://schemas.microsoft.com/office/drawing/2014/main" xmlns="" id="{D5C3C4BD-DFDB-76B4-17CA-7DA4D1729FA1}"/>
+                <a16:creationId xmlns="" xmlns:a16="http://schemas.microsoft.com/office/drawing/2014/main" id="{D5C3C4BD-DFDB-76B4-17CA-7DA4D1729FA1}"/>
               </a:ext>
               <a:ext uri="{C183D7F6-B498-43B3-948B-1728B52AA6E4}">
-                <adec:decorative xmlns:adec="http://schemas.microsoft.com/office/drawing/2017/decorative" xmlns="" val="1"/>
+                <adec:decorative xmlns="" xmlns:adec="http://schemas.microsoft.com/office/drawing/2017/decorative" val="1"/>
               </a:ext>
             </a:extLst>
           </p:cNvPr>
@@ -9371,7 +9457,7 @@
           <p:cNvPr id="12" name="Title 11">
             <a:extLst>
               <a:ext uri="{FF2B5EF4-FFF2-40B4-BE49-F238E27FC236}">
-                <a16:creationId xmlns:a16="http://schemas.microsoft.com/office/drawing/2014/main" xmlns="" id="{2B04B61C-6467-D51D-0AF4-5C7D05F36CB5}"/>
+                <a16:creationId xmlns="" xmlns:a16="http://schemas.microsoft.com/office/drawing/2014/main" id="{2B04B61C-6467-D51D-0AF4-5C7D05F36CB5}"/>
               </a:ext>
             </a:extLst>
           </p:cNvPr>
@@ -9414,10 +9500,10 @@
           <p:cNvPr id="4" name="Freeform: Shape 3">
             <a:extLst>
               <a:ext uri="{FF2B5EF4-FFF2-40B4-BE49-F238E27FC236}">
-                <a16:creationId xmlns:a16="http://schemas.microsoft.com/office/drawing/2014/main" xmlns="" id="{47A19F4B-D154-3EB2-F86A-9A63283A3EA6}"/>
+                <a16:creationId xmlns="" xmlns:a16="http://schemas.microsoft.com/office/drawing/2014/main" id="{47A19F4B-D154-3EB2-F86A-9A63283A3EA6}"/>
               </a:ext>
               <a:ext uri="{C183D7F6-B498-43B3-948B-1728B52AA6E4}">
-                <adec:decorative xmlns:adec="http://schemas.microsoft.com/office/drawing/2017/decorative" xmlns="" val="1"/>
+                <adec:decorative xmlns="" xmlns:adec="http://schemas.microsoft.com/office/drawing/2017/decorative" val="1"/>
               </a:ext>
             </a:extLst>
           </p:cNvPr>
@@ -9591,7 +9677,7 @@
     </p:spTree>
     <p:extLst>
       <p:ext uri="{BB962C8B-B14F-4D97-AF65-F5344CB8AC3E}">
-        <p14:creationId xmlns:p14="http://schemas.microsoft.com/office/powerpoint/2010/main" xmlns="" val="3298420441"/>
+        <p14:creationId xmlns="" xmlns:p14="http://schemas.microsoft.com/office/powerpoint/2010/main" val="3298420441"/>
       </p:ext>
     </p:extLst>
   </p:cSld>
@@ -9623,7 +9709,7 @@
           <p:cNvPr id="2" name="Title 1">
             <a:extLst>
               <a:ext uri="{FF2B5EF4-FFF2-40B4-BE49-F238E27FC236}">
-                <a16:creationId xmlns:a16="http://schemas.microsoft.com/office/drawing/2014/main" xmlns="" id="{F657BD59-35CC-9BB3-8621-6FA3356F81AA}"/>
+                <a16:creationId xmlns="" xmlns:a16="http://schemas.microsoft.com/office/drawing/2014/main" id="{F657BD59-35CC-9BB3-8621-6FA3356F81AA}"/>
               </a:ext>
             </a:extLst>
           </p:cNvPr>
@@ -9658,7 +9744,7 @@
           <p:cNvPr id="13" name="Content Placeholder 12">
             <a:extLst>
               <a:ext uri="{FF2B5EF4-FFF2-40B4-BE49-F238E27FC236}">
-                <a16:creationId xmlns:a16="http://schemas.microsoft.com/office/drawing/2014/main" xmlns="" id="{E3FB7D8D-37C3-E089-EC02-FB49A13CBE1D}"/>
+                <a16:creationId xmlns="" xmlns:a16="http://schemas.microsoft.com/office/drawing/2014/main" id="{E3FB7D8D-37C3-E089-EC02-FB49A13CBE1D}"/>
               </a:ext>
             </a:extLst>
           </p:cNvPr>
@@ -9798,7 +9884,7 @@
           <p:cNvPr id="4" name="Date Placeholder 3">
             <a:extLst>
               <a:ext uri="{FF2B5EF4-FFF2-40B4-BE49-F238E27FC236}">
-                <a16:creationId xmlns:a16="http://schemas.microsoft.com/office/drawing/2014/main" xmlns="" id="{8C56EB0F-63C8-5F75-A333-3413A9DC6F76}"/>
+                <a16:creationId xmlns="" xmlns:a16="http://schemas.microsoft.com/office/drawing/2014/main" id="{8C56EB0F-63C8-5F75-A333-3413A9DC6F76}"/>
               </a:ext>
             </a:extLst>
           </p:cNvPr>
@@ -9828,7 +9914,7 @@
           <p:cNvPr id="5" name="Footer Placeholder 4">
             <a:extLst>
               <a:ext uri="{FF2B5EF4-FFF2-40B4-BE49-F238E27FC236}">
-                <a16:creationId xmlns:a16="http://schemas.microsoft.com/office/drawing/2014/main" xmlns="" id="{4D4DE333-25B4-E092-1CC4-C3D20BA25168}"/>
+                <a16:creationId xmlns="" xmlns:a16="http://schemas.microsoft.com/office/drawing/2014/main" id="{4D4DE333-25B4-E092-1CC4-C3D20BA25168}"/>
               </a:ext>
             </a:extLst>
           </p:cNvPr>
@@ -9853,7 +9939,7 @@
           <p:cNvPr id="6" name="Slide Number Placeholder 5">
             <a:extLst>
               <a:ext uri="{FF2B5EF4-FFF2-40B4-BE49-F238E27FC236}">
-                <a16:creationId xmlns:a16="http://schemas.microsoft.com/office/drawing/2014/main" xmlns="" id="{8F1AF200-E81F-A326-0EDB-4B93C71D9BF4}"/>
+                <a16:creationId xmlns="" xmlns:a16="http://schemas.microsoft.com/office/drawing/2014/main" id="{8F1AF200-E81F-A326-0EDB-4B93C71D9BF4}"/>
               </a:ext>
             </a:extLst>
           </p:cNvPr>
@@ -9883,10 +9969,10 @@
           <p:cNvPr id="7" name="Freeform: Shape 14">
             <a:extLst>
               <a:ext uri="{FF2B5EF4-FFF2-40B4-BE49-F238E27FC236}">
-                <a16:creationId xmlns:a16="http://schemas.microsoft.com/office/drawing/2014/main" xmlns="" id="{438B6FA2-AF11-618E-2B1A-38BF083DF340}"/>
+                <a16:creationId xmlns="" xmlns:a16="http://schemas.microsoft.com/office/drawing/2014/main" id="{438B6FA2-AF11-618E-2B1A-38BF083DF340}"/>
               </a:ext>
               <a:ext uri="{C183D7F6-B498-43B3-948B-1728B52AA6E4}">
-                <adec:decorative xmlns:adec="http://schemas.microsoft.com/office/drawing/2017/decorative" xmlns="" val="1"/>
+                <adec:decorative xmlns="" xmlns:adec="http://schemas.microsoft.com/office/drawing/2017/decorative" val="1"/>
               </a:ext>
             </a:extLst>
           </p:cNvPr>
@@ -10032,10 +10118,10 @@
           <p:cNvPr id="8" name="Freeform: Shape 13">
             <a:extLst>
               <a:ext uri="{FF2B5EF4-FFF2-40B4-BE49-F238E27FC236}">
-                <a16:creationId xmlns:a16="http://schemas.microsoft.com/office/drawing/2014/main" xmlns="" id="{A269A8D8-A4AE-CEFF-E928-7DB1CFB3E401}"/>
+                <a16:creationId xmlns="" xmlns:a16="http://schemas.microsoft.com/office/drawing/2014/main" id="{A269A8D8-A4AE-CEFF-E928-7DB1CFB3E401}"/>
               </a:ext>
               <a:ext uri="{C183D7F6-B498-43B3-948B-1728B52AA6E4}">
-                <adec:decorative xmlns:adec="http://schemas.microsoft.com/office/drawing/2017/decorative" xmlns="" val="1"/>
+                <adec:decorative xmlns="" xmlns:adec="http://schemas.microsoft.com/office/drawing/2017/decorative" val="1"/>
               </a:ext>
             </a:extLst>
           </p:cNvPr>
@@ -10173,10 +10259,10 @@
           <p:cNvPr id="11" name="Freeform: Shape 19">
             <a:extLst>
               <a:ext uri="{FF2B5EF4-FFF2-40B4-BE49-F238E27FC236}">
-                <a16:creationId xmlns:a16="http://schemas.microsoft.com/office/drawing/2014/main" xmlns="" id="{15418837-E689-97BE-9FAD-FEDBD599EBAD}"/>
+                <a16:creationId xmlns="" xmlns:a16="http://schemas.microsoft.com/office/drawing/2014/main" id="{15418837-E689-97BE-9FAD-FEDBD599EBAD}"/>
               </a:ext>
               <a:ext uri="{C183D7F6-B498-43B3-948B-1728B52AA6E4}">
-                <adec:decorative xmlns:adec="http://schemas.microsoft.com/office/drawing/2017/decorative" xmlns="" val="1"/>
+                <adec:decorative xmlns="" xmlns:adec="http://schemas.microsoft.com/office/drawing/2017/decorative" val="1"/>
               </a:ext>
             </a:extLst>
           </p:cNvPr>
@@ -10344,7 +10430,7 @@
     </p:spTree>
     <p:extLst>
       <p:ext uri="{BB962C8B-B14F-4D97-AF65-F5344CB8AC3E}">
-        <p14:creationId xmlns:p14="http://schemas.microsoft.com/office/powerpoint/2010/main" xmlns="" val="2587894702"/>
+        <p14:creationId xmlns="" xmlns:p14="http://schemas.microsoft.com/office/powerpoint/2010/main" val="2587894702"/>
       </p:ext>
     </p:extLst>
   </p:cSld>
@@ -10376,10 +10462,10 @@
           <p:cNvPr id="7" name="Oval 6">
             <a:extLst>
               <a:ext uri="{FF2B5EF4-FFF2-40B4-BE49-F238E27FC236}">
-                <a16:creationId xmlns:a16="http://schemas.microsoft.com/office/drawing/2014/main" xmlns="" id="{7DF76A42-387B-8D66-1214-D40462070066}"/>
+                <a16:creationId xmlns="" xmlns:a16="http://schemas.microsoft.com/office/drawing/2014/main" id="{7DF76A42-387B-8D66-1214-D40462070066}"/>
               </a:ext>
               <a:ext uri="{C183D7F6-B498-43B3-948B-1728B52AA6E4}">
-                <adec:decorative xmlns:adec="http://schemas.microsoft.com/office/drawing/2017/decorative" xmlns="" val="1"/>
+                <adec:decorative xmlns="" xmlns:adec="http://schemas.microsoft.com/office/drawing/2017/decorative" val="1"/>
               </a:ext>
             </a:extLst>
           </p:cNvPr>
@@ -10460,10 +10546,10 @@
           <p:cNvPr id="8" name="Group 7">
             <a:extLst>
               <a:ext uri="{FF2B5EF4-FFF2-40B4-BE49-F238E27FC236}">
-                <a16:creationId xmlns:a16="http://schemas.microsoft.com/office/drawing/2014/main" xmlns="" id="{D2ACE818-46EF-547E-9315-A849483036BF}"/>
+                <a16:creationId xmlns="" xmlns:a16="http://schemas.microsoft.com/office/drawing/2014/main" id="{D2ACE818-46EF-547E-9315-A849483036BF}"/>
               </a:ext>
               <a:ext uri="{C183D7F6-B498-43B3-948B-1728B52AA6E4}">
-                <adec:decorative xmlns:adec="http://schemas.microsoft.com/office/drawing/2017/decorative" xmlns="" val="1"/>
+                <adec:decorative xmlns="" xmlns:adec="http://schemas.microsoft.com/office/drawing/2017/decorative" val="1"/>
               </a:ext>
             </a:extLst>
           </p:cNvPr>
@@ -10483,7 +10569,7 @@
             <p:cNvPr id="9" name="Oval 8">
               <a:extLst>
                 <a:ext uri="{FF2B5EF4-FFF2-40B4-BE49-F238E27FC236}">
-                  <a16:creationId xmlns:a16="http://schemas.microsoft.com/office/drawing/2014/main" xmlns="" id="{E9644D21-8793-9A96-F305-5D20EE342B26}"/>
+                  <a16:creationId xmlns="" xmlns:a16="http://schemas.microsoft.com/office/drawing/2014/main" id="{E9644D21-8793-9A96-F305-5D20EE342B26}"/>
                 </a:ext>
               </a:extLst>
             </p:cNvPr>
@@ -10564,7 +10650,7 @@
             <p:cNvPr id="10" name="Arc 9">
               <a:extLst>
                 <a:ext uri="{FF2B5EF4-FFF2-40B4-BE49-F238E27FC236}">
-                  <a16:creationId xmlns:a16="http://schemas.microsoft.com/office/drawing/2014/main" xmlns="" id="{DF8D7AEF-C845-09F0-F31C-20B32BBA1EBA}"/>
+                  <a16:creationId xmlns="" xmlns:a16="http://schemas.microsoft.com/office/drawing/2014/main" id="{DF8D7AEF-C845-09F0-F31C-20B32BBA1EBA}"/>
                 </a:ext>
               </a:extLst>
             </p:cNvPr>
@@ -10648,7 +10734,7 @@
             <p:cNvPr id="11" name="Oval 10">
               <a:extLst>
                 <a:ext uri="{FF2B5EF4-FFF2-40B4-BE49-F238E27FC236}">
-                  <a16:creationId xmlns:a16="http://schemas.microsoft.com/office/drawing/2014/main" xmlns="" id="{5F9D44CB-887B-C74D-3E96-5607E84DAEFF}"/>
+                  <a16:creationId xmlns="" xmlns:a16="http://schemas.microsoft.com/office/drawing/2014/main" id="{5F9D44CB-887B-C74D-3E96-5607E84DAEFF}"/>
                 </a:ext>
               </a:extLst>
             </p:cNvPr>
@@ -10730,10 +10816,10 @@
           <p:cNvPr id="14" name="Freeform: Shape 19">
             <a:extLst>
               <a:ext uri="{FF2B5EF4-FFF2-40B4-BE49-F238E27FC236}">
-                <a16:creationId xmlns:a16="http://schemas.microsoft.com/office/drawing/2014/main" xmlns="" id="{87D193F4-2337-0048-1BE7-C9A8154191F9}"/>
+                <a16:creationId xmlns="" xmlns:a16="http://schemas.microsoft.com/office/drawing/2014/main" id="{87D193F4-2337-0048-1BE7-C9A8154191F9}"/>
               </a:ext>
               <a:ext uri="{C183D7F6-B498-43B3-948B-1728B52AA6E4}">
-                <adec:decorative xmlns:adec="http://schemas.microsoft.com/office/drawing/2017/decorative" xmlns="" val="1"/>
+                <adec:decorative xmlns="" xmlns:adec="http://schemas.microsoft.com/office/drawing/2017/decorative" val="1"/>
               </a:ext>
             </a:extLst>
           </p:cNvPr>
@@ -10903,10 +10989,10 @@
           <p:cNvPr id="15" name="Straight Connector 14">
             <a:extLst>
               <a:ext uri="{FF2B5EF4-FFF2-40B4-BE49-F238E27FC236}">
-                <a16:creationId xmlns:a16="http://schemas.microsoft.com/office/drawing/2014/main" xmlns="" id="{45EE4510-BCBA-C39A-BEF1-A391A3304F88}"/>
+                <a16:creationId xmlns="" xmlns:a16="http://schemas.microsoft.com/office/drawing/2014/main" id="{45EE4510-BCBA-C39A-BEF1-A391A3304F88}"/>
               </a:ext>
               <a:ext uri="{C183D7F6-B498-43B3-948B-1728B52AA6E4}">
-                <adec:decorative xmlns:adec="http://schemas.microsoft.com/office/drawing/2017/decorative" xmlns="" val="1"/>
+                <adec:decorative xmlns="" xmlns:adec="http://schemas.microsoft.com/office/drawing/2017/decorative" val="1"/>
               </a:ext>
             </a:extLst>
           </p:cNvPr>
@@ -10950,7 +11036,7 @@
           <p:cNvPr id="2" name="Title 1">
             <a:extLst>
               <a:ext uri="{FF2B5EF4-FFF2-40B4-BE49-F238E27FC236}">
-                <a16:creationId xmlns:a16="http://schemas.microsoft.com/office/drawing/2014/main" xmlns="" id="{32772C41-A024-2F33-1F04-21E003FA7291}"/>
+                <a16:creationId xmlns="" xmlns:a16="http://schemas.microsoft.com/office/drawing/2014/main" id="{32772C41-A024-2F33-1F04-21E003FA7291}"/>
               </a:ext>
             </a:extLst>
           </p:cNvPr>
@@ -10990,7 +11076,7 @@
           <p:cNvPr id="3" name="Subtitle 2">
             <a:extLst>
               <a:ext uri="{FF2B5EF4-FFF2-40B4-BE49-F238E27FC236}">
-                <a16:creationId xmlns:a16="http://schemas.microsoft.com/office/drawing/2014/main" xmlns="" id="{473BC2DF-9C2A-052C-AD2C-0A8ABAA50374}"/>
+                <a16:creationId xmlns="" xmlns:a16="http://schemas.microsoft.com/office/drawing/2014/main" id="{473BC2DF-9C2A-052C-AD2C-0A8ABAA50374}"/>
               </a:ext>
             </a:extLst>
           </p:cNvPr>
@@ -11066,7 +11152,7 @@
           <p:cNvPr id="4" name="Date Placeholder 3">
             <a:extLst>
               <a:ext uri="{FF2B5EF4-FFF2-40B4-BE49-F238E27FC236}">
-                <a16:creationId xmlns:a16="http://schemas.microsoft.com/office/drawing/2014/main" xmlns="" id="{C0070940-5919-2C95-2278-32E50BF14DD1}"/>
+                <a16:creationId xmlns="" xmlns:a16="http://schemas.microsoft.com/office/drawing/2014/main" id="{C0070940-5919-2C95-2278-32E50BF14DD1}"/>
               </a:ext>
             </a:extLst>
           </p:cNvPr>
@@ -11096,7 +11182,7 @@
           <p:cNvPr id="5" name="Footer Placeholder 4">
             <a:extLst>
               <a:ext uri="{FF2B5EF4-FFF2-40B4-BE49-F238E27FC236}">
-                <a16:creationId xmlns:a16="http://schemas.microsoft.com/office/drawing/2014/main" xmlns="" id="{1957D599-49CF-19FE-6D86-C5EDB765F413}"/>
+                <a16:creationId xmlns="" xmlns:a16="http://schemas.microsoft.com/office/drawing/2014/main" id="{1957D599-49CF-19FE-6D86-C5EDB765F413}"/>
               </a:ext>
             </a:extLst>
           </p:cNvPr>
@@ -11121,7 +11207,7 @@
           <p:cNvPr id="6" name="Slide Number Placeholder 5">
             <a:extLst>
               <a:ext uri="{FF2B5EF4-FFF2-40B4-BE49-F238E27FC236}">
-                <a16:creationId xmlns:a16="http://schemas.microsoft.com/office/drawing/2014/main" xmlns="" id="{28931DF1-1C8D-86B9-BFDD-098FFC00FDC2}"/>
+                <a16:creationId xmlns="" xmlns:a16="http://schemas.microsoft.com/office/drawing/2014/main" id="{28931DF1-1C8D-86B9-BFDD-098FFC00FDC2}"/>
               </a:ext>
             </a:extLst>
           </p:cNvPr>
@@ -11149,7 +11235,7 @@
     </p:spTree>
     <p:extLst>
       <p:ext uri="{BB962C8B-B14F-4D97-AF65-F5344CB8AC3E}">
-        <p14:creationId xmlns:p14="http://schemas.microsoft.com/office/powerpoint/2010/main" xmlns="" val="1563727740"/>
+        <p14:creationId xmlns="" xmlns:p14="http://schemas.microsoft.com/office/powerpoint/2010/main" val="1563727740"/>
       </p:ext>
     </p:extLst>
   </p:cSld>
@@ -11181,7 +11267,7 @@
           <p:cNvPr id="2" name="Title 1">
             <a:extLst>
               <a:ext uri="{FF2B5EF4-FFF2-40B4-BE49-F238E27FC236}">
-                <a16:creationId xmlns:a16="http://schemas.microsoft.com/office/drawing/2014/main" xmlns="" id="{0C40C44A-93E6-6C58-5E88-AFDC594EC27A}"/>
+                <a16:creationId xmlns="" xmlns:a16="http://schemas.microsoft.com/office/drawing/2014/main" id="{0C40C44A-93E6-6C58-5E88-AFDC594EC27A}"/>
               </a:ext>
             </a:extLst>
           </p:cNvPr>
@@ -11215,7 +11301,7 @@
           <p:cNvPr id="3" name="Content Placeholder 2">
             <a:extLst>
               <a:ext uri="{FF2B5EF4-FFF2-40B4-BE49-F238E27FC236}">
-                <a16:creationId xmlns:a16="http://schemas.microsoft.com/office/drawing/2014/main" xmlns="" id="{0C813049-5F46-053E-6279-8183259649A6}"/>
+                <a16:creationId xmlns="" xmlns:a16="http://schemas.microsoft.com/office/drawing/2014/main" id="{0C813049-5F46-053E-6279-8183259649A6}"/>
               </a:ext>
             </a:extLst>
           </p:cNvPr>
@@ -11346,7 +11432,7 @@
           <p:cNvPr id="15" name="Content Placeholder 2">
             <a:extLst>
               <a:ext uri="{FF2B5EF4-FFF2-40B4-BE49-F238E27FC236}">
-                <a16:creationId xmlns:a16="http://schemas.microsoft.com/office/drawing/2014/main" xmlns="" id="{5FB01ADF-164A-96FB-0129-C2A0F0ED0A85}"/>
+                <a16:creationId xmlns="" xmlns:a16="http://schemas.microsoft.com/office/drawing/2014/main" id="{5FB01ADF-164A-96FB-0129-C2A0F0ED0A85}"/>
               </a:ext>
             </a:extLst>
           </p:cNvPr>
@@ -11477,10 +11563,10 @@
           <p:cNvPr id="11" name="Group 10">
             <a:extLst>
               <a:ext uri="{FF2B5EF4-FFF2-40B4-BE49-F238E27FC236}">
-                <a16:creationId xmlns:a16="http://schemas.microsoft.com/office/drawing/2014/main" xmlns="" id="{C263F0DD-A38B-64B8-7412-087B487E6D47}"/>
+                <a16:creationId xmlns="" xmlns:a16="http://schemas.microsoft.com/office/drawing/2014/main" id="{C263F0DD-A38B-64B8-7412-087B487E6D47}"/>
               </a:ext>
               <a:ext uri="{C183D7F6-B498-43B3-948B-1728B52AA6E4}">
-                <adec:decorative xmlns:adec="http://schemas.microsoft.com/office/drawing/2017/decorative" xmlns="" val="1"/>
+                <adec:decorative xmlns="" xmlns:adec="http://schemas.microsoft.com/office/drawing/2017/decorative" val="1"/>
               </a:ext>
             </a:extLst>
           </p:cNvPr>
@@ -11500,7 +11586,7 @@
             <p:cNvPr id="12" name="Freeform: Shape 9">
               <a:extLst>
                 <a:ext uri="{FF2B5EF4-FFF2-40B4-BE49-F238E27FC236}">
-                  <a16:creationId xmlns:a16="http://schemas.microsoft.com/office/drawing/2014/main" xmlns="" id="{44CE2FB7-A856-E3C3-9798-73AAFB7901B8}"/>
+                  <a16:creationId xmlns="" xmlns:a16="http://schemas.microsoft.com/office/drawing/2014/main" id="{44CE2FB7-A856-E3C3-9798-73AAFB7901B8}"/>
                 </a:ext>
               </a:extLst>
             </p:cNvPr>
@@ -11638,7 +11724,7 @@
             <p:cNvPr id="13" name="Freeform: Shape 10">
               <a:extLst>
                 <a:ext uri="{FF2B5EF4-FFF2-40B4-BE49-F238E27FC236}">
-                  <a16:creationId xmlns:a16="http://schemas.microsoft.com/office/drawing/2014/main" xmlns="" id="{47ED62E5-894A-A8F9-A6DC-4A5C147CDE78}"/>
+                  <a16:creationId xmlns="" xmlns:a16="http://schemas.microsoft.com/office/drawing/2014/main" id="{47ED62E5-894A-A8F9-A6DC-4A5C147CDE78}"/>
                 </a:ext>
               </a:extLst>
             </p:cNvPr>
@@ -11994,7 +12080,7 @@
             <p:cNvPr id="14" name="Freeform: Shape 11">
               <a:extLst>
                 <a:ext uri="{FF2B5EF4-FFF2-40B4-BE49-F238E27FC236}">
-                  <a16:creationId xmlns:a16="http://schemas.microsoft.com/office/drawing/2014/main" xmlns="" id="{5C181CD4-C69B-2826-AF23-060D677248A9}"/>
+                  <a16:creationId xmlns="" xmlns:a16="http://schemas.microsoft.com/office/drawing/2014/main" id="{5C181CD4-C69B-2826-AF23-060D677248A9}"/>
                 </a:ext>
               </a:extLst>
             </p:cNvPr>
@@ -12133,7 +12219,7 @@
           <p:cNvPr id="5" name="Date Placeholder 4">
             <a:extLst>
               <a:ext uri="{FF2B5EF4-FFF2-40B4-BE49-F238E27FC236}">
-                <a16:creationId xmlns:a16="http://schemas.microsoft.com/office/drawing/2014/main" xmlns="" id="{C6CFCEB5-4092-FD13-478E-51CD74FDB82E}"/>
+                <a16:creationId xmlns="" xmlns:a16="http://schemas.microsoft.com/office/drawing/2014/main" id="{C6CFCEB5-4092-FD13-478E-51CD74FDB82E}"/>
               </a:ext>
             </a:extLst>
           </p:cNvPr>
@@ -12163,7 +12249,7 @@
           <p:cNvPr id="6" name="Footer Placeholder 5">
             <a:extLst>
               <a:ext uri="{FF2B5EF4-FFF2-40B4-BE49-F238E27FC236}">
-                <a16:creationId xmlns:a16="http://schemas.microsoft.com/office/drawing/2014/main" xmlns="" id="{5D077A4D-E7C0-912D-293F-D93F0CB5CA49}"/>
+                <a16:creationId xmlns="" xmlns:a16="http://schemas.microsoft.com/office/drawing/2014/main" id="{5D077A4D-E7C0-912D-293F-D93F0CB5CA49}"/>
               </a:ext>
             </a:extLst>
           </p:cNvPr>
@@ -12188,7 +12274,7 @@
           <p:cNvPr id="7" name="Slide Number Placeholder 6">
             <a:extLst>
               <a:ext uri="{FF2B5EF4-FFF2-40B4-BE49-F238E27FC236}">
-                <a16:creationId xmlns:a16="http://schemas.microsoft.com/office/drawing/2014/main" xmlns="" id="{CA6AA9E1-334B-5F8F-8A92-67DD095F7838}"/>
+                <a16:creationId xmlns="" xmlns:a16="http://schemas.microsoft.com/office/drawing/2014/main" id="{CA6AA9E1-334B-5F8F-8A92-67DD095F7838}"/>
               </a:ext>
             </a:extLst>
           </p:cNvPr>
@@ -12216,7 +12302,7 @@
     </p:spTree>
     <p:extLst>
       <p:ext uri="{BB962C8B-B14F-4D97-AF65-F5344CB8AC3E}">
-        <p14:creationId xmlns:p14="http://schemas.microsoft.com/office/powerpoint/2010/main" xmlns="" val="505290787"/>
+        <p14:creationId xmlns="" xmlns:p14="http://schemas.microsoft.com/office/powerpoint/2010/main" val="505290787"/>
       </p:ext>
     </p:extLst>
   </p:cSld>
@@ -12248,7 +12334,7 @@
           <p:cNvPr id="2" name="Title 1">
             <a:extLst>
               <a:ext uri="{FF2B5EF4-FFF2-40B4-BE49-F238E27FC236}">
-                <a16:creationId xmlns:a16="http://schemas.microsoft.com/office/drawing/2014/main" xmlns="" id="{0C40C44A-93E6-6C58-5E88-AFDC594EC27A}"/>
+                <a16:creationId xmlns="" xmlns:a16="http://schemas.microsoft.com/office/drawing/2014/main" id="{0C40C44A-93E6-6C58-5E88-AFDC594EC27A}"/>
               </a:ext>
             </a:extLst>
           </p:cNvPr>
@@ -12278,7 +12364,7 @@
           <p:cNvPr id="11" name="Content Placeholder 2">
             <a:extLst>
               <a:ext uri="{FF2B5EF4-FFF2-40B4-BE49-F238E27FC236}">
-                <a16:creationId xmlns:a16="http://schemas.microsoft.com/office/drawing/2014/main" xmlns="" id="{60538251-2B75-FA20-0F29-FB58583E6125}"/>
+                <a16:creationId xmlns="" xmlns:a16="http://schemas.microsoft.com/office/drawing/2014/main" id="{60538251-2B75-FA20-0F29-FB58583E6125}"/>
               </a:ext>
             </a:extLst>
           </p:cNvPr>
@@ -12413,7 +12499,7 @@
           <p:cNvPr id="12" name="Content Placeholder 2">
             <a:extLst>
               <a:ext uri="{FF2B5EF4-FFF2-40B4-BE49-F238E27FC236}">
-                <a16:creationId xmlns:a16="http://schemas.microsoft.com/office/drawing/2014/main" xmlns="" id="{A06C49DD-8C29-93EA-04F4-22F84080DF5C}"/>
+                <a16:creationId xmlns="" xmlns:a16="http://schemas.microsoft.com/office/drawing/2014/main" id="{A06C49DD-8C29-93EA-04F4-22F84080DF5C}"/>
               </a:ext>
             </a:extLst>
           </p:cNvPr>
@@ -12544,7 +12630,7 @@
           <p:cNvPr id="5" name="Date Placeholder 4">
             <a:extLst>
               <a:ext uri="{FF2B5EF4-FFF2-40B4-BE49-F238E27FC236}">
-                <a16:creationId xmlns:a16="http://schemas.microsoft.com/office/drawing/2014/main" xmlns="" id="{C6CFCEB5-4092-FD13-478E-51CD74FDB82E}"/>
+                <a16:creationId xmlns="" xmlns:a16="http://schemas.microsoft.com/office/drawing/2014/main" id="{C6CFCEB5-4092-FD13-478E-51CD74FDB82E}"/>
               </a:ext>
             </a:extLst>
           </p:cNvPr>
@@ -12574,7 +12660,7 @@
           <p:cNvPr id="6" name="Footer Placeholder 5">
             <a:extLst>
               <a:ext uri="{FF2B5EF4-FFF2-40B4-BE49-F238E27FC236}">
-                <a16:creationId xmlns:a16="http://schemas.microsoft.com/office/drawing/2014/main" xmlns="" id="{5D077A4D-E7C0-912D-293F-D93F0CB5CA49}"/>
+                <a16:creationId xmlns="" xmlns:a16="http://schemas.microsoft.com/office/drawing/2014/main" id="{5D077A4D-E7C0-912D-293F-D93F0CB5CA49}"/>
               </a:ext>
             </a:extLst>
           </p:cNvPr>
@@ -12599,7 +12685,7 @@
           <p:cNvPr id="7" name="Slide Number Placeholder 6">
             <a:extLst>
               <a:ext uri="{FF2B5EF4-FFF2-40B4-BE49-F238E27FC236}">
-                <a16:creationId xmlns:a16="http://schemas.microsoft.com/office/drawing/2014/main" xmlns="" id="{CA6AA9E1-334B-5F8F-8A92-67DD095F7838}"/>
+                <a16:creationId xmlns="" xmlns:a16="http://schemas.microsoft.com/office/drawing/2014/main" id="{CA6AA9E1-334B-5F8F-8A92-67DD095F7838}"/>
               </a:ext>
             </a:extLst>
           </p:cNvPr>
@@ -12629,10 +12715,10 @@
           <p:cNvPr id="8" name="Freeform: Shape 11">
             <a:extLst>
               <a:ext uri="{FF2B5EF4-FFF2-40B4-BE49-F238E27FC236}">
-                <a16:creationId xmlns:a16="http://schemas.microsoft.com/office/drawing/2014/main" xmlns="" id="{1E75594D-82D2-74F6-56EC-46FCD28CBE68}"/>
+                <a16:creationId xmlns="" xmlns:a16="http://schemas.microsoft.com/office/drawing/2014/main" id="{1E75594D-82D2-74F6-56EC-46FCD28CBE68}"/>
               </a:ext>
               <a:ext uri="{C183D7F6-B498-43B3-948B-1728B52AA6E4}">
-                <adec:decorative xmlns:adec="http://schemas.microsoft.com/office/drawing/2017/decorative" xmlns="" val="1"/>
+                <adec:decorative xmlns="" xmlns:adec="http://schemas.microsoft.com/office/drawing/2017/decorative" val="1"/>
               </a:ext>
             </a:extLst>
           </p:cNvPr>
@@ -12770,10 +12856,10 @@
           <p:cNvPr id="9" name="Freeform: Shape 13">
             <a:extLst>
               <a:ext uri="{FF2B5EF4-FFF2-40B4-BE49-F238E27FC236}">
-                <a16:creationId xmlns:a16="http://schemas.microsoft.com/office/drawing/2014/main" xmlns="" id="{FF4E0F5B-0892-2688-EFD3-284369DA50CD}"/>
+                <a16:creationId xmlns="" xmlns:a16="http://schemas.microsoft.com/office/drawing/2014/main" id="{FF4E0F5B-0892-2688-EFD3-284369DA50CD}"/>
               </a:ext>
               <a:ext uri="{C183D7F6-B498-43B3-948B-1728B52AA6E4}">
-                <adec:decorative xmlns:adec="http://schemas.microsoft.com/office/drawing/2017/decorative" xmlns="" val="1"/>
+                <adec:decorative xmlns="" xmlns:adec="http://schemas.microsoft.com/office/drawing/2017/decorative" val="1"/>
               </a:ext>
             </a:extLst>
           </p:cNvPr>
@@ -12919,10 +13005,10 @@
           <p:cNvPr id="10" name="Straight Connector 9">
             <a:extLst>
               <a:ext uri="{FF2B5EF4-FFF2-40B4-BE49-F238E27FC236}">
-                <a16:creationId xmlns:a16="http://schemas.microsoft.com/office/drawing/2014/main" xmlns="" id="{71D8715A-3067-732D-C410-868C7CCCF750}"/>
+                <a16:creationId xmlns="" xmlns:a16="http://schemas.microsoft.com/office/drawing/2014/main" id="{71D8715A-3067-732D-C410-868C7CCCF750}"/>
               </a:ext>
               <a:ext uri="{C183D7F6-B498-43B3-948B-1728B52AA6E4}">
-                <adec:decorative xmlns:adec="http://schemas.microsoft.com/office/drawing/2017/decorative" xmlns="" val="1"/>
+                <adec:decorative xmlns="" xmlns:adec="http://schemas.microsoft.com/office/drawing/2017/decorative" val="1"/>
               </a:ext>
             </a:extLst>
           </p:cNvPr>
@@ -12964,7 +13050,7 @@
     </p:spTree>
     <p:extLst>
       <p:ext uri="{BB962C8B-B14F-4D97-AF65-F5344CB8AC3E}">
-        <p14:creationId xmlns:p14="http://schemas.microsoft.com/office/powerpoint/2010/main" xmlns="" val="657852692"/>
+        <p14:creationId xmlns="" xmlns:p14="http://schemas.microsoft.com/office/powerpoint/2010/main" val="657852692"/>
       </p:ext>
     </p:extLst>
   </p:cSld>
@@ -12996,10 +13082,10 @@
           <p:cNvPr id="4" name="Group 3">
             <a:extLst>
               <a:ext uri="{FF2B5EF4-FFF2-40B4-BE49-F238E27FC236}">
-                <a16:creationId xmlns:a16="http://schemas.microsoft.com/office/drawing/2014/main" xmlns="" id="{5807BCF9-2F5B-200E-2E6C-E177DB56ECB0}"/>
+                <a16:creationId xmlns="" xmlns:a16="http://schemas.microsoft.com/office/drawing/2014/main" id="{5807BCF9-2F5B-200E-2E6C-E177DB56ECB0}"/>
               </a:ext>
               <a:ext uri="{C183D7F6-B498-43B3-948B-1728B52AA6E4}">
-                <adec:decorative xmlns:adec="http://schemas.microsoft.com/office/drawing/2017/decorative" xmlns="" val="1"/>
+                <adec:decorative xmlns="" xmlns:adec="http://schemas.microsoft.com/office/drawing/2017/decorative" val="1"/>
               </a:ext>
             </a:extLst>
           </p:cNvPr>
@@ -13019,7 +13105,7 @@
             <p:cNvPr id="9" name="Freeform: Shape 14">
               <a:extLst>
                 <a:ext uri="{FF2B5EF4-FFF2-40B4-BE49-F238E27FC236}">
-                  <a16:creationId xmlns:a16="http://schemas.microsoft.com/office/drawing/2014/main" xmlns="" id="{7A624B2B-50FD-9351-987F-2E5A5472CAB6}"/>
+                  <a16:creationId xmlns="" xmlns:a16="http://schemas.microsoft.com/office/drawing/2014/main" id="{7A624B2B-50FD-9351-987F-2E5A5472CAB6}"/>
                 </a:ext>
               </a:extLst>
             </p:cNvPr>
@@ -13165,7 +13251,7 @@
             <p:cNvPr id="10" name="Freeform: Shape 13">
               <a:extLst>
                 <a:ext uri="{FF2B5EF4-FFF2-40B4-BE49-F238E27FC236}">
-                  <a16:creationId xmlns:a16="http://schemas.microsoft.com/office/drawing/2014/main" xmlns="" id="{51E534EE-E0F1-2BD9-9A82-7656B90A2D9D}"/>
+                  <a16:creationId xmlns="" xmlns:a16="http://schemas.microsoft.com/office/drawing/2014/main" id="{51E534EE-E0F1-2BD9-9A82-7656B90A2D9D}"/>
                 </a:ext>
               </a:extLst>
             </p:cNvPr>
@@ -13304,7 +13390,7 @@
           <p:cNvPr id="2" name="Title 1">
             <a:extLst>
               <a:ext uri="{FF2B5EF4-FFF2-40B4-BE49-F238E27FC236}">
-                <a16:creationId xmlns:a16="http://schemas.microsoft.com/office/drawing/2014/main" xmlns="" id="{0C40C44A-93E6-6C58-5E88-AFDC594EC27A}"/>
+                <a16:creationId xmlns="" xmlns:a16="http://schemas.microsoft.com/office/drawing/2014/main" id="{0C40C44A-93E6-6C58-5E88-AFDC594EC27A}"/>
               </a:ext>
             </a:extLst>
           </p:cNvPr>
@@ -13340,7 +13426,7 @@
           <p:cNvPr id="3" name="Content Placeholder 2">
             <a:extLst>
               <a:ext uri="{FF2B5EF4-FFF2-40B4-BE49-F238E27FC236}">
-                <a16:creationId xmlns:a16="http://schemas.microsoft.com/office/drawing/2014/main" xmlns="" id="{0C813049-5F46-053E-6279-8183259649A6}"/>
+                <a16:creationId xmlns="" xmlns:a16="http://schemas.microsoft.com/office/drawing/2014/main" id="{0C813049-5F46-053E-6279-8183259649A6}"/>
               </a:ext>
             </a:extLst>
           </p:cNvPr>
@@ -13471,7 +13557,7 @@
           <p:cNvPr id="8" name="Picture Placeholder 7">
             <a:extLst>
               <a:ext uri="{FF2B5EF4-FFF2-40B4-BE49-F238E27FC236}">
-                <a16:creationId xmlns:a16="http://schemas.microsoft.com/office/drawing/2014/main" xmlns="" id="{BC013AD6-0EF3-2B25-DDBD-2DF706123AEE}"/>
+                <a16:creationId xmlns="" xmlns:a16="http://schemas.microsoft.com/office/drawing/2014/main" id="{BC013AD6-0EF3-2B25-DDBD-2DF706123AEE}"/>
               </a:ext>
             </a:extLst>
           </p:cNvPr>
@@ -13512,7 +13598,7 @@
           <p:cNvPr id="5" name="Date Placeholder 4">
             <a:extLst>
               <a:ext uri="{FF2B5EF4-FFF2-40B4-BE49-F238E27FC236}">
-                <a16:creationId xmlns:a16="http://schemas.microsoft.com/office/drawing/2014/main" xmlns="" id="{C6CFCEB5-4092-FD13-478E-51CD74FDB82E}"/>
+                <a16:creationId xmlns="" xmlns:a16="http://schemas.microsoft.com/office/drawing/2014/main" id="{C6CFCEB5-4092-FD13-478E-51CD74FDB82E}"/>
               </a:ext>
             </a:extLst>
           </p:cNvPr>
@@ -13542,7 +13628,7 @@
           <p:cNvPr id="6" name="Footer Placeholder 5">
             <a:extLst>
               <a:ext uri="{FF2B5EF4-FFF2-40B4-BE49-F238E27FC236}">
-                <a16:creationId xmlns:a16="http://schemas.microsoft.com/office/drawing/2014/main" xmlns="" id="{5D077A4D-E7C0-912D-293F-D93F0CB5CA49}"/>
+                <a16:creationId xmlns="" xmlns:a16="http://schemas.microsoft.com/office/drawing/2014/main" id="{5D077A4D-E7C0-912D-293F-D93F0CB5CA49}"/>
               </a:ext>
             </a:extLst>
           </p:cNvPr>
@@ -13567,7 +13653,7 @@
           <p:cNvPr id="7" name="Slide Number Placeholder 6">
             <a:extLst>
               <a:ext uri="{FF2B5EF4-FFF2-40B4-BE49-F238E27FC236}">
-                <a16:creationId xmlns:a16="http://schemas.microsoft.com/office/drawing/2014/main" xmlns="" id="{CA6AA9E1-334B-5F8F-8A92-67DD095F7838}"/>
+                <a16:creationId xmlns="" xmlns:a16="http://schemas.microsoft.com/office/drawing/2014/main" id="{CA6AA9E1-334B-5F8F-8A92-67DD095F7838}"/>
               </a:ext>
             </a:extLst>
           </p:cNvPr>
@@ -13595,7 +13681,7 @@
     </p:spTree>
     <p:extLst>
       <p:ext uri="{BB962C8B-B14F-4D97-AF65-F5344CB8AC3E}">
-        <p14:creationId xmlns:p14="http://schemas.microsoft.com/office/powerpoint/2010/main" xmlns="" val="2845438103"/>
+        <p14:creationId xmlns="" xmlns:p14="http://schemas.microsoft.com/office/powerpoint/2010/main" val="2845438103"/>
       </p:ext>
     </p:extLst>
   </p:cSld>
@@ -13627,10 +13713,10 @@
           <p:cNvPr id="11" name="Group 10">
             <a:extLst>
               <a:ext uri="{FF2B5EF4-FFF2-40B4-BE49-F238E27FC236}">
-                <a16:creationId xmlns:a16="http://schemas.microsoft.com/office/drawing/2014/main" xmlns="" id="{521BD3DB-6F51-C1AE-FF0E-D0BDCB55F30B}"/>
+                <a16:creationId xmlns="" xmlns:a16="http://schemas.microsoft.com/office/drawing/2014/main" id="{521BD3DB-6F51-C1AE-FF0E-D0BDCB55F30B}"/>
               </a:ext>
               <a:ext uri="{C183D7F6-B498-43B3-948B-1728B52AA6E4}">
-                <adec:decorative xmlns:adec="http://schemas.microsoft.com/office/drawing/2017/decorative" xmlns="" val="1"/>
+                <adec:decorative xmlns="" xmlns:adec="http://schemas.microsoft.com/office/drawing/2017/decorative" val="1"/>
               </a:ext>
             </a:extLst>
           </p:cNvPr>
@@ -13650,7 +13736,7 @@
             <p:cNvPr id="12" name="Freeform: Shape 7">
               <a:extLst>
                 <a:ext uri="{FF2B5EF4-FFF2-40B4-BE49-F238E27FC236}">
-                  <a16:creationId xmlns:a16="http://schemas.microsoft.com/office/drawing/2014/main" xmlns="" id="{59903C17-0733-BE0C-7392-283FEC2E98B0}"/>
+                  <a16:creationId xmlns="" xmlns:a16="http://schemas.microsoft.com/office/drawing/2014/main" id="{59903C17-0733-BE0C-7392-283FEC2E98B0}"/>
                 </a:ext>
               </a:extLst>
             </p:cNvPr>
@@ -14006,7 +14092,7 @@
             <p:cNvPr id="13" name="Freeform: Shape 1">
               <a:extLst>
                 <a:ext uri="{FF2B5EF4-FFF2-40B4-BE49-F238E27FC236}">
-                  <a16:creationId xmlns:a16="http://schemas.microsoft.com/office/drawing/2014/main" xmlns="" id="{898A3450-9C87-13ED-79CC-F4F65D14FF72}"/>
+                  <a16:creationId xmlns="" xmlns:a16="http://schemas.microsoft.com/office/drawing/2014/main" id="{898A3450-9C87-13ED-79CC-F4F65D14FF72}"/>
                 </a:ext>
               </a:extLst>
             </p:cNvPr>
@@ -14145,7 +14231,7 @@
           <p:cNvPr id="2" name="Title 1">
             <a:extLst>
               <a:ext uri="{FF2B5EF4-FFF2-40B4-BE49-F238E27FC236}">
-                <a16:creationId xmlns:a16="http://schemas.microsoft.com/office/drawing/2014/main" xmlns="" id="{0C40C44A-93E6-6C58-5E88-AFDC594EC27A}"/>
+                <a16:creationId xmlns="" xmlns:a16="http://schemas.microsoft.com/office/drawing/2014/main" id="{0C40C44A-93E6-6C58-5E88-AFDC594EC27A}"/>
               </a:ext>
             </a:extLst>
           </p:cNvPr>
@@ -14179,7 +14265,7 @@
           <p:cNvPr id="3" name="Content Placeholder 2">
             <a:extLst>
               <a:ext uri="{FF2B5EF4-FFF2-40B4-BE49-F238E27FC236}">
-                <a16:creationId xmlns:a16="http://schemas.microsoft.com/office/drawing/2014/main" xmlns="" id="{0C813049-5F46-053E-6279-8183259649A6}"/>
+                <a16:creationId xmlns="" xmlns:a16="http://schemas.microsoft.com/office/drawing/2014/main" id="{0C813049-5F46-053E-6279-8183259649A6}"/>
               </a:ext>
             </a:extLst>
           </p:cNvPr>
@@ -14310,7 +14396,7 @@
           <p:cNvPr id="8" name="Table Placeholder 7">
             <a:extLst>
               <a:ext uri="{FF2B5EF4-FFF2-40B4-BE49-F238E27FC236}">
-                <a16:creationId xmlns:a16="http://schemas.microsoft.com/office/drawing/2014/main" xmlns="" id="{423FEB60-8FB5-7F10-EDD7-8AB4B3139EF6}"/>
+                <a16:creationId xmlns="" xmlns:a16="http://schemas.microsoft.com/office/drawing/2014/main" id="{423FEB60-8FB5-7F10-EDD7-8AB4B3139EF6}"/>
               </a:ext>
             </a:extLst>
           </p:cNvPr>
@@ -14350,7 +14436,7 @@
           <p:cNvPr id="5" name="Date Placeholder 4">
             <a:extLst>
               <a:ext uri="{FF2B5EF4-FFF2-40B4-BE49-F238E27FC236}">
-                <a16:creationId xmlns:a16="http://schemas.microsoft.com/office/drawing/2014/main" xmlns="" id="{C6CFCEB5-4092-FD13-478E-51CD74FDB82E}"/>
+                <a16:creationId xmlns="" xmlns:a16="http://schemas.microsoft.com/office/drawing/2014/main" id="{C6CFCEB5-4092-FD13-478E-51CD74FDB82E}"/>
               </a:ext>
             </a:extLst>
           </p:cNvPr>
@@ -14380,7 +14466,7 @@
           <p:cNvPr id="6" name="Footer Placeholder 5">
             <a:extLst>
               <a:ext uri="{FF2B5EF4-FFF2-40B4-BE49-F238E27FC236}">
-                <a16:creationId xmlns:a16="http://schemas.microsoft.com/office/drawing/2014/main" xmlns="" id="{5D077A4D-E7C0-912D-293F-D93F0CB5CA49}"/>
+                <a16:creationId xmlns="" xmlns:a16="http://schemas.microsoft.com/office/drawing/2014/main" id="{5D077A4D-E7C0-912D-293F-D93F0CB5CA49}"/>
               </a:ext>
             </a:extLst>
           </p:cNvPr>
@@ -14405,7 +14491,7 @@
           <p:cNvPr id="7" name="Slide Number Placeholder 6">
             <a:extLst>
               <a:ext uri="{FF2B5EF4-FFF2-40B4-BE49-F238E27FC236}">
-                <a16:creationId xmlns:a16="http://schemas.microsoft.com/office/drawing/2014/main" xmlns="" id="{CA6AA9E1-334B-5F8F-8A92-67DD095F7838}"/>
+                <a16:creationId xmlns="" xmlns:a16="http://schemas.microsoft.com/office/drawing/2014/main" id="{CA6AA9E1-334B-5F8F-8A92-67DD095F7838}"/>
               </a:ext>
             </a:extLst>
           </p:cNvPr>
@@ -14433,7 +14519,7 @@
     </p:spTree>
     <p:extLst>
       <p:ext uri="{BB962C8B-B14F-4D97-AF65-F5344CB8AC3E}">
-        <p14:creationId xmlns:p14="http://schemas.microsoft.com/office/powerpoint/2010/main" xmlns="" val="280815037"/>
+        <p14:creationId xmlns="" xmlns:p14="http://schemas.microsoft.com/office/powerpoint/2010/main" val="280815037"/>
       </p:ext>
     </p:extLst>
   </p:cSld>
@@ -14470,7 +14556,7 @@
           <p:cNvPr id="2" name="Title Placeholder 1">
             <a:extLst>
               <a:ext uri="{FF2B5EF4-FFF2-40B4-BE49-F238E27FC236}">
-                <a16:creationId xmlns:a16="http://schemas.microsoft.com/office/drawing/2014/main" xmlns="" id="{4FD97564-C310-6E8C-8689-CE18881B4A17}"/>
+                <a16:creationId xmlns="" xmlns:a16="http://schemas.microsoft.com/office/drawing/2014/main" id="{4FD97564-C310-6E8C-8689-CE18881B4A17}"/>
               </a:ext>
             </a:extLst>
           </p:cNvPr>
@@ -14508,7 +14594,7 @@
           <p:cNvPr id="3" name="Text Placeholder 2">
             <a:extLst>
               <a:ext uri="{FF2B5EF4-FFF2-40B4-BE49-F238E27FC236}">
-                <a16:creationId xmlns:a16="http://schemas.microsoft.com/office/drawing/2014/main" xmlns="" id="{0FAD99FA-26D9-873B-BE7F-26FEC5C233A2}"/>
+                <a16:creationId xmlns="" xmlns:a16="http://schemas.microsoft.com/office/drawing/2014/main" id="{0FAD99FA-26D9-873B-BE7F-26FEC5C233A2}"/>
               </a:ext>
             </a:extLst>
           </p:cNvPr>
@@ -14575,7 +14661,7 @@
           <p:cNvPr id="4" name="Date Placeholder 3">
             <a:extLst>
               <a:ext uri="{FF2B5EF4-FFF2-40B4-BE49-F238E27FC236}">
-                <a16:creationId xmlns:a16="http://schemas.microsoft.com/office/drawing/2014/main" xmlns="" id="{C319819E-0266-97DD-DFD1-BAAA06AE3236}"/>
+                <a16:creationId xmlns="" xmlns:a16="http://schemas.microsoft.com/office/drawing/2014/main" id="{C319819E-0266-97DD-DFD1-BAAA06AE3236}"/>
               </a:ext>
             </a:extLst>
           </p:cNvPr>
@@ -14623,7 +14709,7 @@
           <p:cNvPr id="5" name="Footer Placeholder 4">
             <a:extLst>
               <a:ext uri="{FF2B5EF4-FFF2-40B4-BE49-F238E27FC236}">
-                <a16:creationId xmlns:a16="http://schemas.microsoft.com/office/drawing/2014/main" xmlns="" id="{2BFD19C9-01CE-9E2A-CDA5-C15940F055F7}"/>
+                <a16:creationId xmlns="" xmlns:a16="http://schemas.microsoft.com/office/drawing/2014/main" id="{2BFD19C9-01CE-9E2A-CDA5-C15940F055F7}"/>
               </a:ext>
             </a:extLst>
           </p:cNvPr>
@@ -14666,7 +14752,7 @@
           <p:cNvPr id="6" name="Slide Number Placeholder 5">
             <a:extLst>
               <a:ext uri="{FF2B5EF4-FFF2-40B4-BE49-F238E27FC236}">
-                <a16:creationId xmlns:a16="http://schemas.microsoft.com/office/drawing/2014/main" xmlns="" id="{A1801085-7B28-048D-E3D3-9C3614268DA7}"/>
+                <a16:creationId xmlns="" xmlns:a16="http://schemas.microsoft.com/office/drawing/2014/main" id="{A1801085-7B28-048D-E3D3-9C3614268DA7}"/>
               </a:ext>
             </a:extLst>
           </p:cNvPr>
@@ -14712,7 +14798,7 @@
     </p:spTree>
     <p:extLst>
       <p:ext uri="{BB962C8B-B14F-4D97-AF65-F5344CB8AC3E}">
-        <p14:creationId xmlns:p14="http://schemas.microsoft.com/office/powerpoint/2010/main" xmlns="" val="1965934658"/>
+        <p14:creationId xmlns="" xmlns:p14="http://schemas.microsoft.com/office/powerpoint/2010/main" val="1965934658"/>
       </p:ext>
     </p:extLst>
   </p:cSld>
@@ -15036,7 +15122,7 @@
           <p:cNvPr id="4" name="Title 3">
             <a:extLst>
               <a:ext uri="{FF2B5EF4-FFF2-40B4-BE49-F238E27FC236}">
-                <a16:creationId xmlns:a16="http://schemas.microsoft.com/office/drawing/2014/main" xmlns="" id="{10047101-8D42-6100-9CEA-AEC0FAEAB606}"/>
+                <a16:creationId xmlns="" xmlns:a16="http://schemas.microsoft.com/office/drawing/2014/main" id="{10047101-8D42-6100-9CEA-AEC0FAEAB606}"/>
               </a:ext>
             </a:extLst>
           </p:cNvPr>
@@ -15125,7 +15211,7 @@
     </p:spTree>
     <p:extLst>
       <p:ext uri="{BB962C8B-B14F-4D97-AF65-F5344CB8AC3E}">
-        <p14:creationId xmlns:p14="http://schemas.microsoft.com/office/powerpoint/2010/main" xmlns="" val="517426050"/>
+        <p14:creationId xmlns="" xmlns:p14="http://schemas.microsoft.com/office/powerpoint/2010/main" val="517426050"/>
       </p:ext>
     </p:extLst>
   </p:cSld>
@@ -15164,7 +15250,7 @@
           <p:cNvPr id="2" name="Title 1">
             <a:extLst>
               <a:ext uri="{FF2B5EF4-FFF2-40B4-BE49-F238E27FC236}">
-                <a16:creationId xmlns:a16="http://schemas.microsoft.com/office/drawing/2014/main" xmlns="" id="{47A9874B-BCA9-8420-1595-EDD1865A099A}"/>
+                <a16:creationId xmlns="" xmlns:a16="http://schemas.microsoft.com/office/drawing/2014/main" id="{47A9874B-BCA9-8420-1595-EDD1865A099A}"/>
               </a:ext>
             </a:extLst>
           </p:cNvPr>
@@ -15198,7 +15284,7 @@
           <p:cNvPr id="3" name="Content Placeholder 2">
             <a:extLst>
               <a:ext uri="{FF2B5EF4-FFF2-40B4-BE49-F238E27FC236}">
-                <a16:creationId xmlns:a16="http://schemas.microsoft.com/office/drawing/2014/main" xmlns="" id="{68A5FD2B-E3E5-1C2B-0151-21F216B14A33}"/>
+                <a16:creationId xmlns="" xmlns:a16="http://schemas.microsoft.com/office/drawing/2014/main" id="{68A5FD2B-E3E5-1C2B-0151-21F216B14A33}"/>
               </a:ext>
             </a:extLst>
           </p:cNvPr>
@@ -15274,7 +15360,7 @@
           <p:cNvPr id="4" name="Content Placeholder 3">
             <a:extLst>
               <a:ext uri="{FF2B5EF4-FFF2-40B4-BE49-F238E27FC236}">
-                <a16:creationId xmlns:a16="http://schemas.microsoft.com/office/drawing/2014/main" xmlns="" id="{ACFBB810-3430-2C29-1AA0-9744AA0A1AA3}"/>
+                <a16:creationId xmlns="" xmlns:a16="http://schemas.microsoft.com/office/drawing/2014/main" id="{ACFBB810-3430-2C29-1AA0-9744AA0A1AA3}"/>
               </a:ext>
             </a:extLst>
           </p:cNvPr>
@@ -15449,7 +15535,7 @@
     </p:spTree>
     <p:extLst>
       <p:ext uri="{BB962C8B-B14F-4D97-AF65-F5344CB8AC3E}">
-        <p14:creationId xmlns:p14="http://schemas.microsoft.com/office/powerpoint/2010/main" xmlns="" val="1127649784"/>
+        <p14:creationId xmlns="" xmlns:p14="http://schemas.microsoft.com/office/powerpoint/2010/main" val="1127649784"/>
       </p:ext>
     </p:extLst>
   </p:cSld>
@@ -15488,7 +15574,7 @@
           <p:cNvPr id="2" name="Title 1">
             <a:extLst>
               <a:ext uri="{FF2B5EF4-FFF2-40B4-BE49-F238E27FC236}">
-                <a16:creationId xmlns:a16="http://schemas.microsoft.com/office/drawing/2014/main" xmlns="" id="{47A9874B-BCA9-8420-1595-EDD1865A099A}"/>
+                <a16:creationId xmlns="" xmlns:a16="http://schemas.microsoft.com/office/drawing/2014/main" id="{47A9874B-BCA9-8420-1595-EDD1865A099A}"/>
               </a:ext>
             </a:extLst>
           </p:cNvPr>
@@ -15522,7 +15608,7 @@
           <p:cNvPr id="3" name="Content Placeholder 2">
             <a:extLst>
               <a:ext uri="{FF2B5EF4-FFF2-40B4-BE49-F238E27FC236}">
-                <a16:creationId xmlns:a16="http://schemas.microsoft.com/office/drawing/2014/main" xmlns="" id="{68A5FD2B-E3E5-1C2B-0151-21F216B14A33}"/>
+                <a16:creationId xmlns="" xmlns:a16="http://schemas.microsoft.com/office/drawing/2014/main" id="{68A5FD2B-E3E5-1C2B-0151-21F216B14A33}"/>
               </a:ext>
             </a:extLst>
           </p:cNvPr>
@@ -15588,7 +15674,7 @@
           <p:cNvPr id="4" name="Content Placeholder 3">
             <a:extLst>
               <a:ext uri="{FF2B5EF4-FFF2-40B4-BE49-F238E27FC236}">
-                <a16:creationId xmlns:a16="http://schemas.microsoft.com/office/drawing/2014/main" xmlns="" id="{ACFBB810-3430-2C29-1AA0-9744AA0A1AA3}"/>
+                <a16:creationId xmlns="" xmlns:a16="http://schemas.microsoft.com/office/drawing/2014/main" id="{ACFBB810-3430-2C29-1AA0-9744AA0A1AA3}"/>
               </a:ext>
             </a:extLst>
           </p:cNvPr>
@@ -15670,7 +15756,7 @@
     </p:spTree>
     <p:extLst>
       <p:ext uri="{BB962C8B-B14F-4D97-AF65-F5344CB8AC3E}">
-        <p14:creationId xmlns:p14="http://schemas.microsoft.com/office/powerpoint/2010/main" xmlns="" val="1127649784"/>
+        <p14:creationId xmlns="" xmlns:p14="http://schemas.microsoft.com/office/powerpoint/2010/main" val="1127649784"/>
       </p:ext>
     </p:extLst>
   </p:cSld>
@@ -15702,7 +15788,7 @@
           <p:cNvPr id="2" name="Title 1">
             <a:extLst>
               <a:ext uri="{FF2B5EF4-FFF2-40B4-BE49-F238E27FC236}">
-                <a16:creationId xmlns:a16="http://schemas.microsoft.com/office/drawing/2014/main" xmlns="" id="{47A9874B-BCA9-8420-1595-EDD1865A099A}"/>
+                <a16:creationId xmlns="" xmlns:a16="http://schemas.microsoft.com/office/drawing/2014/main" id="{47A9874B-BCA9-8420-1595-EDD1865A099A}"/>
               </a:ext>
             </a:extLst>
           </p:cNvPr>
@@ -15736,7 +15822,7 @@
           <p:cNvPr id="3" name="Content Placeholder 2">
             <a:extLst>
               <a:ext uri="{FF2B5EF4-FFF2-40B4-BE49-F238E27FC236}">
-                <a16:creationId xmlns:a16="http://schemas.microsoft.com/office/drawing/2014/main" xmlns="" id="{68A5FD2B-E3E5-1C2B-0151-21F216B14A33}"/>
+                <a16:creationId xmlns="" xmlns:a16="http://schemas.microsoft.com/office/drawing/2014/main" id="{68A5FD2B-E3E5-1C2B-0151-21F216B14A33}"/>
               </a:ext>
             </a:extLst>
           </p:cNvPr>
@@ -15799,7 +15885,7 @@
           <p:cNvPr id="4" name="Content Placeholder 3">
             <a:extLst>
               <a:ext uri="{FF2B5EF4-FFF2-40B4-BE49-F238E27FC236}">
-                <a16:creationId xmlns:a16="http://schemas.microsoft.com/office/drawing/2014/main" xmlns="" id="{ACFBB810-3430-2C29-1AA0-9744AA0A1AA3}"/>
+                <a16:creationId xmlns="" xmlns:a16="http://schemas.microsoft.com/office/drawing/2014/main" id="{ACFBB810-3430-2C29-1AA0-9744AA0A1AA3}"/>
               </a:ext>
             </a:extLst>
           </p:cNvPr>
@@ -15877,7 +15963,7 @@
     </p:spTree>
     <p:extLst>
       <p:ext uri="{BB962C8B-B14F-4D97-AF65-F5344CB8AC3E}">
-        <p14:creationId xmlns:p14="http://schemas.microsoft.com/office/powerpoint/2010/main" xmlns="" val="1127649784"/>
+        <p14:creationId xmlns="" xmlns:p14="http://schemas.microsoft.com/office/powerpoint/2010/main" val="1127649784"/>
       </p:ext>
     </p:extLst>
   </p:cSld>
@@ -15909,7 +15995,7 @@
           <p:cNvPr id="2" name="Title 1">
             <a:extLst>
               <a:ext uri="{FF2B5EF4-FFF2-40B4-BE49-F238E27FC236}">
-                <a16:creationId xmlns:a16="http://schemas.microsoft.com/office/drawing/2014/main" xmlns="" id="{314C27C8-165C-5513-DB4B-9D840097C545}"/>
+                <a16:creationId xmlns="" xmlns:a16="http://schemas.microsoft.com/office/drawing/2014/main" id="{314C27C8-165C-5513-DB4B-9D840097C545}"/>
               </a:ext>
             </a:extLst>
           </p:cNvPr>
@@ -15943,7 +16029,7 @@
           <p:cNvPr id="7" name="Content Placeholder 2">
             <a:extLst>
               <a:ext uri="{FF2B5EF4-FFF2-40B4-BE49-F238E27FC236}">
-                <a16:creationId xmlns:a16="http://schemas.microsoft.com/office/drawing/2014/main" xmlns="" id="{A6A33159-D030-2F82-A142-F75940728319}"/>
+                <a16:creationId xmlns="" xmlns:a16="http://schemas.microsoft.com/office/drawing/2014/main" id="{A6A33159-D030-2F82-A142-F75940728319}"/>
               </a:ext>
             </a:extLst>
           </p:cNvPr>
@@ -16025,7 +16111,7 @@
     </p:spTree>
     <p:extLst>
       <p:ext uri="{BB962C8B-B14F-4D97-AF65-F5344CB8AC3E}">
-        <p14:creationId xmlns:p14="http://schemas.microsoft.com/office/powerpoint/2010/main" xmlns="" val="729609147"/>
+        <p14:creationId xmlns="" xmlns:p14="http://schemas.microsoft.com/office/powerpoint/2010/main" val="729609147"/>
       </p:ext>
     </p:extLst>
   </p:cSld>
@@ -16057,7 +16143,7 @@
           <p:cNvPr id="2" name="Title 1">
             <a:extLst>
               <a:ext uri="{FF2B5EF4-FFF2-40B4-BE49-F238E27FC236}">
-                <a16:creationId xmlns:a16="http://schemas.microsoft.com/office/drawing/2014/main" xmlns="" id="{47A9874B-BCA9-8420-1595-EDD1865A099A}"/>
+                <a16:creationId xmlns="" xmlns:a16="http://schemas.microsoft.com/office/drawing/2014/main" id="{47A9874B-BCA9-8420-1595-EDD1865A099A}"/>
               </a:ext>
             </a:extLst>
           </p:cNvPr>
@@ -16091,7 +16177,7 @@
           <p:cNvPr id="3" name="Content Placeholder 2">
             <a:extLst>
               <a:ext uri="{FF2B5EF4-FFF2-40B4-BE49-F238E27FC236}">
-                <a16:creationId xmlns:a16="http://schemas.microsoft.com/office/drawing/2014/main" xmlns="" id="{68A5FD2B-E3E5-1C2B-0151-21F216B14A33}"/>
+                <a16:creationId xmlns="" xmlns:a16="http://schemas.microsoft.com/office/drawing/2014/main" id="{68A5FD2B-E3E5-1C2B-0151-21F216B14A33}"/>
               </a:ext>
             </a:extLst>
           </p:cNvPr>
@@ -16160,7 +16246,7 @@
           <p:cNvPr id="10" name="Content Placeholder 3">
             <a:extLst>
               <a:ext uri="{FF2B5EF4-FFF2-40B4-BE49-F238E27FC236}">
-                <a16:creationId xmlns:a16="http://schemas.microsoft.com/office/drawing/2014/main" xmlns="" id="{ACFBB810-3430-2C29-1AA0-9744AA0A1AA3}"/>
+                <a16:creationId xmlns="" xmlns:a16="http://schemas.microsoft.com/office/drawing/2014/main" id="{ACFBB810-3430-2C29-1AA0-9744AA0A1AA3}"/>
               </a:ext>
             </a:extLst>
           </p:cNvPr>
@@ -16280,7 +16366,7 @@
     </p:spTree>
     <p:extLst>
       <p:ext uri="{BB962C8B-B14F-4D97-AF65-F5344CB8AC3E}">
-        <p14:creationId xmlns:p14="http://schemas.microsoft.com/office/powerpoint/2010/main" xmlns="" val="1127649784"/>
+        <p14:creationId xmlns="" xmlns:p14="http://schemas.microsoft.com/office/powerpoint/2010/main" val="1127649784"/>
       </p:ext>
     </p:extLst>
   </p:cSld>
@@ -16312,7 +16398,7 @@
           <p:cNvPr id="8" name="Title 1">
             <a:extLst>
               <a:ext uri="{FF2B5EF4-FFF2-40B4-BE49-F238E27FC236}">
-                <a16:creationId xmlns:a16="http://schemas.microsoft.com/office/drawing/2014/main" xmlns="" id="{47A9874B-BCA9-8420-1595-EDD1865A099A}"/>
+                <a16:creationId xmlns="" xmlns:a16="http://schemas.microsoft.com/office/drawing/2014/main" id="{47A9874B-BCA9-8420-1595-EDD1865A099A}"/>
               </a:ext>
             </a:extLst>
           </p:cNvPr>
@@ -16346,7 +16432,7 @@
           <p:cNvPr id="26" name="Content Placeholder 2">
             <a:extLst>
               <a:ext uri="{FF2B5EF4-FFF2-40B4-BE49-F238E27FC236}">
-                <a16:creationId xmlns:a16="http://schemas.microsoft.com/office/drawing/2014/main" xmlns="" id="{68A5FD2B-E3E5-1C2B-0151-21F216B14A33}"/>
+                <a16:creationId xmlns="" xmlns:a16="http://schemas.microsoft.com/office/drawing/2014/main" id="{68A5FD2B-E3E5-1C2B-0151-21F216B14A33}"/>
               </a:ext>
             </a:extLst>
           </p:cNvPr>
@@ -16390,7 +16476,7 @@
           <p:cNvPr id="27" name="Content Placeholder 3">
             <a:extLst>
               <a:ext uri="{FF2B5EF4-FFF2-40B4-BE49-F238E27FC236}">
-                <a16:creationId xmlns:a16="http://schemas.microsoft.com/office/drawing/2014/main" xmlns="" id="{ACFBB810-3430-2C29-1AA0-9744AA0A1AA3}"/>
+                <a16:creationId xmlns="" xmlns:a16="http://schemas.microsoft.com/office/drawing/2014/main" id="{ACFBB810-3430-2C29-1AA0-9744AA0A1AA3}"/>
               </a:ext>
             </a:extLst>
           </p:cNvPr>
@@ -16562,7 +16648,7 @@
     </p:spTree>
     <p:extLst>
       <p:ext uri="{BB962C8B-B14F-4D97-AF65-F5344CB8AC3E}">
-        <p14:creationId xmlns:p14="http://schemas.microsoft.com/office/powerpoint/2010/main" xmlns="" val="2737241225"/>
+        <p14:creationId xmlns="" xmlns:p14="http://schemas.microsoft.com/office/powerpoint/2010/main" val="2737241225"/>
       </p:ext>
     </p:extLst>
   </p:cSld>
@@ -16594,7 +16680,7 @@
           <p:cNvPr id="9" name="Title 1">
             <a:extLst>
               <a:ext uri="{FF2B5EF4-FFF2-40B4-BE49-F238E27FC236}">
-                <a16:creationId xmlns:a16="http://schemas.microsoft.com/office/drawing/2014/main" xmlns="" id="{47A9874B-BCA9-8420-1595-EDD1865A099A}"/>
+                <a16:creationId xmlns="" xmlns:a16="http://schemas.microsoft.com/office/drawing/2014/main" id="{47A9874B-BCA9-8420-1595-EDD1865A099A}"/>
               </a:ext>
             </a:extLst>
           </p:cNvPr>
@@ -16628,7 +16714,7 @@
           <p:cNvPr id="13" name="Content Placeholder 2">
             <a:extLst>
               <a:ext uri="{FF2B5EF4-FFF2-40B4-BE49-F238E27FC236}">
-                <a16:creationId xmlns:a16="http://schemas.microsoft.com/office/drawing/2014/main" xmlns="" id="{68A5FD2B-E3E5-1C2B-0151-21F216B14A33}"/>
+                <a16:creationId xmlns="" xmlns:a16="http://schemas.microsoft.com/office/drawing/2014/main" id="{68A5FD2B-E3E5-1C2B-0151-21F216B14A33}"/>
               </a:ext>
             </a:extLst>
           </p:cNvPr>
@@ -16671,7 +16757,7 @@
           <p:cNvPr id="14" name="Content Placeholder 3">
             <a:extLst>
               <a:ext uri="{FF2B5EF4-FFF2-40B4-BE49-F238E27FC236}">
-                <a16:creationId xmlns:a16="http://schemas.microsoft.com/office/drawing/2014/main" xmlns="" id="{ACFBB810-3430-2C29-1AA0-9744AA0A1AA3}"/>
+                <a16:creationId xmlns="" xmlns:a16="http://schemas.microsoft.com/office/drawing/2014/main" id="{ACFBB810-3430-2C29-1AA0-9744AA0A1AA3}"/>
               </a:ext>
             </a:extLst>
           </p:cNvPr>
@@ -16790,7 +16876,7 @@
     </p:spTree>
     <p:extLst>
       <p:ext uri="{BB962C8B-B14F-4D97-AF65-F5344CB8AC3E}">
-        <p14:creationId xmlns:p14="http://schemas.microsoft.com/office/powerpoint/2010/main" xmlns="" val="4259977132"/>
+        <p14:creationId xmlns="" xmlns:p14="http://schemas.microsoft.com/office/powerpoint/2010/main" val="4259977132"/>
       </p:ext>
     </p:extLst>
   </p:cSld>
@@ -16822,7 +16908,7 @@
           <p:cNvPr id="8" name="Title 1">
             <a:extLst>
               <a:ext uri="{FF2B5EF4-FFF2-40B4-BE49-F238E27FC236}">
-                <a16:creationId xmlns:a16="http://schemas.microsoft.com/office/drawing/2014/main" xmlns="" id="{47A9874B-BCA9-8420-1595-EDD1865A099A}"/>
+                <a16:creationId xmlns="" xmlns:a16="http://schemas.microsoft.com/office/drawing/2014/main" id="{47A9874B-BCA9-8420-1595-EDD1865A099A}"/>
               </a:ext>
             </a:extLst>
           </p:cNvPr>
@@ -16856,7 +16942,7 @@
           <p:cNvPr id="9" name="Content Placeholder 2">
             <a:extLst>
               <a:ext uri="{FF2B5EF4-FFF2-40B4-BE49-F238E27FC236}">
-                <a16:creationId xmlns:a16="http://schemas.microsoft.com/office/drawing/2014/main" xmlns="" id="{A6A33159-D030-2F82-A142-F75940728319}"/>
+                <a16:creationId xmlns="" xmlns:a16="http://schemas.microsoft.com/office/drawing/2014/main" id="{A6A33159-D030-2F82-A142-F75940728319}"/>
               </a:ext>
             </a:extLst>
           </p:cNvPr>
@@ -16973,7 +17059,7 @@
     </p:spTree>
     <p:extLst>
       <p:ext uri="{BB962C8B-B14F-4D97-AF65-F5344CB8AC3E}">
-        <p14:creationId xmlns:p14="http://schemas.microsoft.com/office/powerpoint/2010/main" xmlns="" val="414613742"/>
+        <p14:creationId xmlns="" xmlns:p14="http://schemas.microsoft.com/office/powerpoint/2010/main" val="414613742"/>
       </p:ext>
     </p:extLst>
   </p:cSld>
@@ -17005,7 +17091,7 @@
           <p:cNvPr id="2" name="Title 1">
             <a:extLst>
               <a:ext uri="{FF2B5EF4-FFF2-40B4-BE49-F238E27FC236}">
-                <a16:creationId xmlns:a16="http://schemas.microsoft.com/office/drawing/2014/main" xmlns="" id="{47A9874B-BCA9-8420-1595-EDD1865A099A}"/>
+                <a16:creationId xmlns="" xmlns:a16="http://schemas.microsoft.com/office/drawing/2014/main" id="{47A9874B-BCA9-8420-1595-EDD1865A099A}"/>
               </a:ext>
             </a:extLst>
           </p:cNvPr>
@@ -17039,7 +17125,7 @@
           <p:cNvPr id="3" name="Content Placeholder 2">
             <a:extLst>
               <a:ext uri="{FF2B5EF4-FFF2-40B4-BE49-F238E27FC236}">
-                <a16:creationId xmlns:a16="http://schemas.microsoft.com/office/drawing/2014/main" xmlns="" id="{68A5FD2B-E3E5-1C2B-0151-21F216B14A33}"/>
+                <a16:creationId xmlns="" xmlns:a16="http://schemas.microsoft.com/office/drawing/2014/main" id="{68A5FD2B-E3E5-1C2B-0151-21F216B14A33}"/>
               </a:ext>
             </a:extLst>
           </p:cNvPr>
@@ -17130,7 +17216,7 @@
           <p:cNvPr id="7" name="Content Placeholder 3">
             <a:extLst>
               <a:ext uri="{FF2B5EF4-FFF2-40B4-BE49-F238E27FC236}">
-                <a16:creationId xmlns:a16="http://schemas.microsoft.com/office/drawing/2014/main" xmlns="" id="{ACFBB810-3430-2C29-1AA0-9744AA0A1AA3}"/>
+                <a16:creationId xmlns="" xmlns:a16="http://schemas.microsoft.com/office/drawing/2014/main" id="{ACFBB810-3430-2C29-1AA0-9744AA0A1AA3}"/>
               </a:ext>
             </a:extLst>
           </p:cNvPr>
@@ -17204,7 +17290,7 @@
     </p:spTree>
     <p:extLst>
       <p:ext uri="{BB962C8B-B14F-4D97-AF65-F5344CB8AC3E}">
-        <p14:creationId xmlns:p14="http://schemas.microsoft.com/office/powerpoint/2010/main" xmlns="" val="1127649784"/>
+        <p14:creationId xmlns="" xmlns:p14="http://schemas.microsoft.com/office/powerpoint/2010/main" val="1127649784"/>
       </p:ext>
     </p:extLst>
   </p:cSld>
@@ -17236,7 +17322,7 @@
           <p:cNvPr id="2" name="Title 1">
             <a:extLst>
               <a:ext uri="{FF2B5EF4-FFF2-40B4-BE49-F238E27FC236}">
-                <a16:creationId xmlns:a16="http://schemas.microsoft.com/office/drawing/2014/main" xmlns="" id="{47A9874B-BCA9-8420-1595-EDD1865A099A}"/>
+                <a16:creationId xmlns="" xmlns:a16="http://schemas.microsoft.com/office/drawing/2014/main" id="{47A9874B-BCA9-8420-1595-EDD1865A099A}"/>
               </a:ext>
             </a:extLst>
           </p:cNvPr>
@@ -17270,7 +17356,7 @@
           <p:cNvPr id="3" name="Content Placeholder 2">
             <a:extLst>
               <a:ext uri="{FF2B5EF4-FFF2-40B4-BE49-F238E27FC236}">
-                <a16:creationId xmlns:a16="http://schemas.microsoft.com/office/drawing/2014/main" xmlns="" id="{68A5FD2B-E3E5-1C2B-0151-21F216B14A33}"/>
+                <a16:creationId xmlns="" xmlns:a16="http://schemas.microsoft.com/office/drawing/2014/main" id="{68A5FD2B-E3E5-1C2B-0151-21F216B14A33}"/>
               </a:ext>
             </a:extLst>
           </p:cNvPr>
@@ -17325,7 +17411,7 @@
           <p:cNvPr id="10" name="Content Placeholder 3">
             <a:extLst>
               <a:ext uri="{FF2B5EF4-FFF2-40B4-BE49-F238E27FC236}">
-                <a16:creationId xmlns:a16="http://schemas.microsoft.com/office/drawing/2014/main" xmlns="" id="{ACFBB810-3430-2C29-1AA0-9744AA0A1AA3}"/>
+                <a16:creationId xmlns="" xmlns:a16="http://schemas.microsoft.com/office/drawing/2014/main" id="{ACFBB810-3430-2C29-1AA0-9744AA0A1AA3}"/>
               </a:ext>
             </a:extLst>
           </p:cNvPr>
@@ -17487,7 +17573,7 @@
     </p:spTree>
     <p:extLst>
       <p:ext uri="{BB962C8B-B14F-4D97-AF65-F5344CB8AC3E}">
-        <p14:creationId xmlns:p14="http://schemas.microsoft.com/office/powerpoint/2010/main" xmlns="" val="1127649784"/>
+        <p14:creationId xmlns="" xmlns:p14="http://schemas.microsoft.com/office/powerpoint/2010/main" val="1127649784"/>
       </p:ext>
     </p:extLst>
   </p:cSld>
@@ -17531,7 +17617,7 @@
     </p:spTree>
     <p:extLst>
       <p:ext uri="{BB962C8B-B14F-4D97-AF65-F5344CB8AC3E}">
-        <p14:creationId xmlns:p14="http://schemas.microsoft.com/office/powerpoint/2010/main" xmlns="" val="2828263213"/>
+        <p14:creationId xmlns="" xmlns:p14="http://schemas.microsoft.com/office/powerpoint/2010/main" val="2828263213"/>
       </p:ext>
     </p:extLst>
   </p:cSld>
@@ -17570,7 +17656,7 @@
           <p:cNvPr id="2" name="Title 1">
             <a:extLst>
               <a:ext uri="{FF2B5EF4-FFF2-40B4-BE49-F238E27FC236}">
-                <a16:creationId xmlns:a16="http://schemas.microsoft.com/office/drawing/2014/main" xmlns="" id="{47A9874B-BCA9-8420-1595-EDD1865A099A}"/>
+                <a16:creationId xmlns="" xmlns:a16="http://schemas.microsoft.com/office/drawing/2014/main" id="{47A9874B-BCA9-8420-1595-EDD1865A099A}"/>
               </a:ext>
             </a:extLst>
           </p:cNvPr>
@@ -17604,7 +17690,7 @@
           <p:cNvPr id="3" name="Content Placeholder 2">
             <a:extLst>
               <a:ext uri="{FF2B5EF4-FFF2-40B4-BE49-F238E27FC236}">
-                <a16:creationId xmlns:a16="http://schemas.microsoft.com/office/drawing/2014/main" xmlns="" id="{68A5FD2B-E3E5-1C2B-0151-21F216B14A33}"/>
+                <a16:creationId xmlns="" xmlns:a16="http://schemas.microsoft.com/office/drawing/2014/main" id="{68A5FD2B-E3E5-1C2B-0151-21F216B14A33}"/>
               </a:ext>
             </a:extLst>
           </p:cNvPr>
@@ -17651,7 +17737,7 @@
           <p:cNvPr id="10" name="Content Placeholder 3">
             <a:extLst>
               <a:ext uri="{FF2B5EF4-FFF2-40B4-BE49-F238E27FC236}">
-                <a16:creationId xmlns:a16="http://schemas.microsoft.com/office/drawing/2014/main" xmlns="" id="{ACFBB810-3430-2C29-1AA0-9744AA0A1AA3}"/>
+                <a16:creationId xmlns="" xmlns:a16="http://schemas.microsoft.com/office/drawing/2014/main" id="{ACFBB810-3430-2C29-1AA0-9744AA0A1AA3}"/>
               </a:ext>
             </a:extLst>
           </p:cNvPr>
@@ -17761,7 +17847,7 @@
     </p:spTree>
     <p:extLst>
       <p:ext uri="{BB962C8B-B14F-4D97-AF65-F5344CB8AC3E}">
-        <p14:creationId xmlns:p14="http://schemas.microsoft.com/office/powerpoint/2010/main" xmlns="" val="1127649784"/>
+        <p14:creationId xmlns="" xmlns:p14="http://schemas.microsoft.com/office/powerpoint/2010/main" val="1127649784"/>
       </p:ext>
     </p:extLst>
   </p:cSld>
@@ -17793,7 +17879,7 @@
           <p:cNvPr id="2" name="Title 1">
             <a:extLst>
               <a:ext uri="{FF2B5EF4-FFF2-40B4-BE49-F238E27FC236}">
-                <a16:creationId xmlns:a16="http://schemas.microsoft.com/office/drawing/2014/main" xmlns="" id="{47A9874B-BCA9-8420-1595-EDD1865A099A}"/>
+                <a16:creationId xmlns="" xmlns:a16="http://schemas.microsoft.com/office/drawing/2014/main" id="{47A9874B-BCA9-8420-1595-EDD1865A099A}"/>
               </a:ext>
             </a:extLst>
           </p:cNvPr>
@@ -17827,7 +17913,7 @@
           <p:cNvPr id="3" name="Content Placeholder 2">
             <a:extLst>
               <a:ext uri="{FF2B5EF4-FFF2-40B4-BE49-F238E27FC236}">
-                <a16:creationId xmlns:a16="http://schemas.microsoft.com/office/drawing/2014/main" xmlns="" id="{68A5FD2B-E3E5-1C2B-0151-21F216B14A33}"/>
+                <a16:creationId xmlns="" xmlns:a16="http://schemas.microsoft.com/office/drawing/2014/main" id="{68A5FD2B-E3E5-1C2B-0151-21F216B14A33}"/>
               </a:ext>
             </a:extLst>
           </p:cNvPr>
@@ -17874,7 +17960,7 @@
           <p:cNvPr id="10" name="Content Placeholder 3">
             <a:extLst>
               <a:ext uri="{FF2B5EF4-FFF2-40B4-BE49-F238E27FC236}">
-                <a16:creationId xmlns:a16="http://schemas.microsoft.com/office/drawing/2014/main" xmlns="" id="{ACFBB810-3430-2C29-1AA0-9744AA0A1AA3}"/>
+                <a16:creationId xmlns="" xmlns:a16="http://schemas.microsoft.com/office/drawing/2014/main" id="{ACFBB810-3430-2C29-1AA0-9744AA0A1AA3}"/>
               </a:ext>
             </a:extLst>
           </p:cNvPr>
@@ -18010,7 +18096,7 @@
     </p:spTree>
     <p:extLst>
       <p:ext uri="{BB962C8B-B14F-4D97-AF65-F5344CB8AC3E}">
-        <p14:creationId xmlns:p14="http://schemas.microsoft.com/office/powerpoint/2010/main" xmlns="" val="1127649784"/>
+        <p14:creationId xmlns="" xmlns:p14="http://schemas.microsoft.com/office/powerpoint/2010/main" val="1127649784"/>
       </p:ext>
     </p:extLst>
   </p:cSld>
@@ -18042,7 +18128,7 @@
           <p:cNvPr id="2" name="Title 1">
             <a:extLst>
               <a:ext uri="{FF2B5EF4-FFF2-40B4-BE49-F238E27FC236}">
-                <a16:creationId xmlns:a16="http://schemas.microsoft.com/office/drawing/2014/main" xmlns="" id="{47A9874B-BCA9-8420-1595-EDD1865A099A}"/>
+                <a16:creationId xmlns="" xmlns:a16="http://schemas.microsoft.com/office/drawing/2014/main" id="{47A9874B-BCA9-8420-1595-EDD1865A099A}"/>
               </a:ext>
             </a:extLst>
           </p:cNvPr>
@@ -18076,7 +18162,7 @@
           <p:cNvPr id="3" name="Content Placeholder 2">
             <a:extLst>
               <a:ext uri="{FF2B5EF4-FFF2-40B4-BE49-F238E27FC236}">
-                <a16:creationId xmlns:a16="http://schemas.microsoft.com/office/drawing/2014/main" xmlns="" id="{68A5FD2B-E3E5-1C2B-0151-21F216B14A33}"/>
+                <a16:creationId xmlns="" xmlns:a16="http://schemas.microsoft.com/office/drawing/2014/main" id="{68A5FD2B-E3E5-1C2B-0151-21F216B14A33}"/>
               </a:ext>
             </a:extLst>
           </p:cNvPr>
@@ -18123,7 +18209,7 @@
           <p:cNvPr id="10" name="Content Placeholder 3">
             <a:extLst>
               <a:ext uri="{FF2B5EF4-FFF2-40B4-BE49-F238E27FC236}">
-                <a16:creationId xmlns:a16="http://schemas.microsoft.com/office/drawing/2014/main" xmlns="" id="{ACFBB810-3430-2C29-1AA0-9744AA0A1AA3}"/>
+                <a16:creationId xmlns="" xmlns:a16="http://schemas.microsoft.com/office/drawing/2014/main" id="{ACFBB810-3430-2C29-1AA0-9744AA0A1AA3}"/>
               </a:ext>
             </a:extLst>
           </p:cNvPr>
@@ -18298,7 +18384,7 @@
     </p:spTree>
     <p:extLst>
       <p:ext uri="{BB962C8B-B14F-4D97-AF65-F5344CB8AC3E}">
-        <p14:creationId xmlns:p14="http://schemas.microsoft.com/office/powerpoint/2010/main" xmlns="" val="1127649784"/>
+        <p14:creationId xmlns="" xmlns:p14="http://schemas.microsoft.com/office/powerpoint/2010/main" val="1127649784"/>
       </p:ext>
     </p:extLst>
   </p:cSld>
@@ -18330,7 +18416,7 @@
           <p:cNvPr id="2" name="Title 1">
             <a:extLst>
               <a:ext uri="{FF2B5EF4-FFF2-40B4-BE49-F238E27FC236}">
-                <a16:creationId xmlns:a16="http://schemas.microsoft.com/office/drawing/2014/main" xmlns="" id="{47A9874B-BCA9-8420-1595-EDD1865A099A}"/>
+                <a16:creationId xmlns="" xmlns:a16="http://schemas.microsoft.com/office/drawing/2014/main" id="{47A9874B-BCA9-8420-1595-EDD1865A099A}"/>
               </a:ext>
             </a:extLst>
           </p:cNvPr>
@@ -18364,7 +18450,7 @@
           <p:cNvPr id="7" name="Content Placeholder 2">
             <a:extLst>
               <a:ext uri="{FF2B5EF4-FFF2-40B4-BE49-F238E27FC236}">
-                <a16:creationId xmlns:a16="http://schemas.microsoft.com/office/drawing/2014/main" xmlns="" id="{A6A33159-D030-2F82-A142-F75940728319}"/>
+                <a16:creationId xmlns="" xmlns:a16="http://schemas.microsoft.com/office/drawing/2014/main" id="{A6A33159-D030-2F82-A142-F75940728319}"/>
               </a:ext>
             </a:extLst>
           </p:cNvPr>
@@ -18451,7 +18537,7 @@
     </p:spTree>
     <p:extLst>
       <p:ext uri="{BB962C8B-B14F-4D97-AF65-F5344CB8AC3E}">
-        <p14:creationId xmlns:p14="http://schemas.microsoft.com/office/powerpoint/2010/main" xmlns="" val="1127649784"/>
+        <p14:creationId xmlns="" xmlns:p14="http://schemas.microsoft.com/office/powerpoint/2010/main" val="1127649784"/>
       </p:ext>
     </p:extLst>
   </p:cSld>
@@ -18483,7 +18569,7 @@
           <p:cNvPr id="2" name="Title 1">
             <a:extLst>
               <a:ext uri="{FF2B5EF4-FFF2-40B4-BE49-F238E27FC236}">
-                <a16:creationId xmlns:a16="http://schemas.microsoft.com/office/drawing/2014/main" xmlns="" id="{47A9874B-BCA9-8420-1595-EDD1865A099A}"/>
+                <a16:creationId xmlns="" xmlns:a16="http://schemas.microsoft.com/office/drawing/2014/main" id="{47A9874B-BCA9-8420-1595-EDD1865A099A}"/>
               </a:ext>
             </a:extLst>
           </p:cNvPr>
@@ -18517,7 +18603,7 @@
           <p:cNvPr id="7" name="Content Placeholder 2">
             <a:extLst>
               <a:ext uri="{FF2B5EF4-FFF2-40B4-BE49-F238E27FC236}">
-                <a16:creationId xmlns:a16="http://schemas.microsoft.com/office/drawing/2014/main" xmlns="" id="{A6A33159-D030-2F82-A142-F75940728319}"/>
+                <a16:creationId xmlns="" xmlns:a16="http://schemas.microsoft.com/office/drawing/2014/main" id="{A6A33159-D030-2F82-A142-F75940728319}"/>
               </a:ext>
             </a:extLst>
           </p:cNvPr>
@@ -18574,17 +18660,8 @@
             </a:pPr>
             <a:r>
               <a:rPr lang="en-US" sz="2000" dirty="0" smtClean="0"/>
-              <a:t>Next word </a:t>
-            </a:r>
-            <a:r>
-              <a:rPr lang="en-US" sz="2000" dirty="0" smtClean="0"/>
-              <a:t>or token </a:t>
-            </a:r>
-            <a:r>
-              <a:rPr lang="en-US" sz="2000" dirty="0" smtClean="0"/>
-              <a:t>prediction</a:t>
-            </a:r>
-            <a:endParaRPr lang="en-US" sz="2000" dirty="0" smtClean="0"/>
+              <a:t>Next word or token prediction</a:t>
+            </a:r>
           </a:p>
           <a:p>
             <a:pPr marL="171450" lvl="1">
@@ -18727,7 +18804,7 @@
           <p:cNvPr id="4" name="Content Placeholder 2">
             <a:extLst>
               <a:ext uri="{FF2B5EF4-FFF2-40B4-BE49-F238E27FC236}">
-                <a16:creationId xmlns:a16="http://schemas.microsoft.com/office/drawing/2014/main" xmlns="" id="{A6A33159-D030-2F82-A142-F75940728319}"/>
+                <a16:creationId xmlns="" xmlns:a16="http://schemas.microsoft.com/office/drawing/2014/main" id="{A6A33159-D030-2F82-A142-F75940728319}"/>
               </a:ext>
             </a:extLst>
           </p:cNvPr>
@@ -18898,7 +18975,7 @@
     </p:spTree>
     <p:extLst>
       <p:ext uri="{BB962C8B-B14F-4D97-AF65-F5344CB8AC3E}">
-        <p14:creationId xmlns:p14="http://schemas.microsoft.com/office/powerpoint/2010/main" xmlns="" val="1127649784"/>
+        <p14:creationId xmlns="" xmlns:p14="http://schemas.microsoft.com/office/powerpoint/2010/main" val="1127649784"/>
       </p:ext>
     </p:extLst>
   </p:cSld>
@@ -18930,7 +19007,7 @@
           <p:cNvPr id="2" name="Title 1">
             <a:extLst>
               <a:ext uri="{FF2B5EF4-FFF2-40B4-BE49-F238E27FC236}">
-                <a16:creationId xmlns:a16="http://schemas.microsoft.com/office/drawing/2014/main" xmlns="" id="{47A9874B-BCA9-8420-1595-EDD1865A099A}"/>
+                <a16:creationId xmlns="" xmlns:a16="http://schemas.microsoft.com/office/drawing/2014/main" id="{47A9874B-BCA9-8420-1595-EDD1865A099A}"/>
               </a:ext>
             </a:extLst>
           </p:cNvPr>
@@ -18964,7 +19041,7 @@
           <p:cNvPr id="7" name="Content Placeholder 2">
             <a:extLst>
               <a:ext uri="{FF2B5EF4-FFF2-40B4-BE49-F238E27FC236}">
-                <a16:creationId xmlns:a16="http://schemas.microsoft.com/office/drawing/2014/main" xmlns="" id="{A6A33159-D030-2F82-A142-F75940728319}"/>
+                <a16:creationId xmlns="" xmlns:a16="http://schemas.microsoft.com/office/drawing/2014/main" id="{A6A33159-D030-2F82-A142-F75940728319}"/>
               </a:ext>
             </a:extLst>
           </p:cNvPr>
@@ -19021,13 +19098,8 @@
             </a:pPr>
             <a:r>
               <a:rPr lang="en-US" sz="2000" dirty="0" smtClean="0"/>
-              <a:t>Specific </a:t>
-            </a:r>
-            <a:r>
-              <a:rPr lang="en-US" sz="2000" dirty="0" smtClean="0"/>
-              <a:t>down stream task</a:t>
-            </a:r>
-            <a:endParaRPr lang="en-US" sz="2000" dirty="0" smtClean="0"/>
+              <a:t>Specific down stream task</a:t>
+            </a:r>
           </a:p>
           <a:p>
             <a:pPr marL="171450" lvl="1">
@@ -19135,11 +19207,6 @@
               </a:rPr>
               <a:t>Summary</a:t>
             </a:r>
-            <a:endParaRPr lang="en-US" sz="1700" dirty="0" smtClean="0">
-              <a:solidFill>
-                <a:srgbClr val="00B050"/>
-              </a:solidFill>
-            </a:endParaRPr>
           </a:p>
           <a:p>
             <a:pPr marL="514350" lvl="2">
@@ -19251,7 +19318,7 @@
           <p:cNvPr id="4" name="Content Placeholder 2">
             <a:extLst>
               <a:ext uri="{FF2B5EF4-FFF2-40B4-BE49-F238E27FC236}">
-                <a16:creationId xmlns:a16="http://schemas.microsoft.com/office/drawing/2014/main" xmlns="" id="{A6A33159-D030-2F82-A142-F75940728319}"/>
+                <a16:creationId xmlns="" xmlns:a16="http://schemas.microsoft.com/office/drawing/2014/main" id="{A6A33159-D030-2F82-A142-F75940728319}"/>
               </a:ext>
             </a:extLst>
           </p:cNvPr>
@@ -19308,11 +19375,7 @@
             </a:pPr>
             <a:r>
               <a:rPr lang="en-IN" sz="2000" dirty="0" smtClean="0"/>
-              <a:t>Generate specific </a:t>
-            </a:r>
-            <a:r>
-              <a:rPr lang="en-IN" sz="2000" dirty="0" smtClean="0"/>
-              <a:t>responses</a:t>
+              <a:t>Generate specific responses</a:t>
             </a:r>
           </a:p>
           <a:p>
@@ -19380,11 +19443,7 @@
             </a:pPr>
             <a:r>
               <a:rPr lang="en-IN" sz="1700" dirty="0" smtClean="0"/>
-              <a:t>Legal </a:t>
-            </a:r>
-            <a:r>
-              <a:rPr lang="en-IN" sz="1700" dirty="0" smtClean="0"/>
-              <a:t>documents</a:t>
+              <a:t>Legal documents</a:t>
             </a:r>
           </a:p>
           <a:p>
@@ -19403,14 +19462,13 @@
               <a:rPr lang="en-IN" sz="1700" dirty="0" smtClean="0"/>
               <a:t>Financial documents</a:t>
             </a:r>
-            <a:endParaRPr lang="en-IN" sz="1700" dirty="0" smtClean="0"/>
           </a:p>
         </p:txBody>
       </p:sp>
     </p:spTree>
     <p:extLst>
       <p:ext uri="{BB962C8B-B14F-4D97-AF65-F5344CB8AC3E}">
-        <p14:creationId xmlns:p14="http://schemas.microsoft.com/office/powerpoint/2010/main" xmlns="" val="1127649784"/>
+        <p14:creationId xmlns="" xmlns:p14="http://schemas.microsoft.com/office/powerpoint/2010/main" val="1127649784"/>
       </p:ext>
     </p:extLst>
   </p:cSld>
@@ -19442,7 +19500,7 @@
           <p:cNvPr id="2" name="Title 1">
             <a:extLst>
               <a:ext uri="{FF2B5EF4-FFF2-40B4-BE49-F238E27FC236}">
-                <a16:creationId xmlns:a16="http://schemas.microsoft.com/office/drawing/2014/main" xmlns="" id="{47A9874B-BCA9-8420-1595-EDD1865A099A}"/>
+                <a16:creationId xmlns="" xmlns:a16="http://schemas.microsoft.com/office/drawing/2014/main" id="{47A9874B-BCA9-8420-1595-EDD1865A099A}"/>
               </a:ext>
             </a:extLst>
           </p:cNvPr>
@@ -19477,7 +19535,7 @@
           <p:cNvPr id="7" name="Content Placeholder 2">
             <a:extLst>
               <a:ext uri="{FF2B5EF4-FFF2-40B4-BE49-F238E27FC236}">
-                <a16:creationId xmlns:a16="http://schemas.microsoft.com/office/drawing/2014/main" xmlns="" id="{A6A33159-D030-2F82-A142-F75940728319}"/>
+                <a16:creationId xmlns="" xmlns:a16="http://schemas.microsoft.com/office/drawing/2014/main" id="{A6A33159-D030-2F82-A142-F75940728319}"/>
               </a:ext>
             </a:extLst>
           </p:cNvPr>
@@ -19571,7 +19629,7 @@
     </p:spTree>
     <p:extLst>
       <p:ext uri="{BB962C8B-B14F-4D97-AF65-F5344CB8AC3E}">
-        <p14:creationId xmlns:p14="http://schemas.microsoft.com/office/powerpoint/2010/main" xmlns="" val="1127649784"/>
+        <p14:creationId xmlns="" xmlns:p14="http://schemas.microsoft.com/office/powerpoint/2010/main" val="1127649784"/>
       </p:ext>
     </p:extLst>
   </p:cSld>
@@ -19603,7 +19661,7 @@
           <p:cNvPr id="8" name="Title 1">
             <a:extLst>
               <a:ext uri="{FF2B5EF4-FFF2-40B4-BE49-F238E27FC236}">
-                <a16:creationId xmlns:a16="http://schemas.microsoft.com/office/drawing/2014/main" xmlns="" id="{47A9874B-BCA9-8420-1595-EDD1865A099A}"/>
+                <a16:creationId xmlns="" xmlns:a16="http://schemas.microsoft.com/office/drawing/2014/main" id="{47A9874B-BCA9-8420-1595-EDD1865A099A}"/>
               </a:ext>
             </a:extLst>
           </p:cNvPr>
@@ -19669,7 +19727,7 @@
           <p:cNvPr id="9" name="Content Placeholder 2">
             <a:extLst>
               <a:ext uri="{FF2B5EF4-FFF2-40B4-BE49-F238E27FC236}">
-                <a16:creationId xmlns:a16="http://schemas.microsoft.com/office/drawing/2014/main" xmlns="" id="{A6A33159-D030-2F82-A142-F75940728319}"/>
+                <a16:creationId xmlns="" xmlns:a16="http://schemas.microsoft.com/office/drawing/2014/main" id="{A6A33159-D030-2F82-A142-F75940728319}"/>
               </a:ext>
             </a:extLst>
           </p:cNvPr>
@@ -19829,7 +19887,7 @@
     </p:spTree>
     <p:extLst>
       <p:ext uri="{BB962C8B-B14F-4D97-AF65-F5344CB8AC3E}">
-        <p14:creationId xmlns:p14="http://schemas.microsoft.com/office/powerpoint/2010/main" xmlns="" val="414613742"/>
+        <p14:creationId xmlns="" xmlns:p14="http://schemas.microsoft.com/office/powerpoint/2010/main" val="414613742"/>
       </p:ext>
     </p:extLst>
   </p:cSld>
@@ -19861,7 +19919,7 @@
           <p:cNvPr id="8" name="Title 1">
             <a:extLst>
               <a:ext uri="{FF2B5EF4-FFF2-40B4-BE49-F238E27FC236}">
-                <a16:creationId xmlns:a16="http://schemas.microsoft.com/office/drawing/2014/main" xmlns="" id="{47A9874B-BCA9-8420-1595-EDD1865A099A}"/>
+                <a16:creationId xmlns="" xmlns:a16="http://schemas.microsoft.com/office/drawing/2014/main" id="{47A9874B-BCA9-8420-1595-EDD1865A099A}"/>
               </a:ext>
             </a:extLst>
           </p:cNvPr>
@@ -19902,7 +19960,7 @@
           <p:cNvPr id="5" name="Content Placeholder 2">
             <a:extLst>
               <a:ext uri="{FF2B5EF4-FFF2-40B4-BE49-F238E27FC236}">
-                <a16:creationId xmlns:a16="http://schemas.microsoft.com/office/drawing/2014/main" xmlns="" id="{A6A33159-D030-2F82-A142-F75940728319}"/>
+                <a16:creationId xmlns="" xmlns:a16="http://schemas.microsoft.com/office/drawing/2014/main" id="{A6A33159-D030-2F82-A142-F75940728319}"/>
               </a:ext>
             </a:extLst>
           </p:cNvPr>
@@ -20088,7 +20146,7 @@
     </p:spTree>
     <p:extLst>
       <p:ext uri="{BB962C8B-B14F-4D97-AF65-F5344CB8AC3E}">
-        <p14:creationId xmlns:p14="http://schemas.microsoft.com/office/powerpoint/2010/main" xmlns="" val="414613742"/>
+        <p14:creationId xmlns="" xmlns:p14="http://schemas.microsoft.com/office/powerpoint/2010/main" val="414613742"/>
       </p:ext>
     </p:extLst>
   </p:cSld>
@@ -20120,7 +20178,7 @@
           <p:cNvPr id="2" name="Title 1">
             <a:extLst>
               <a:ext uri="{FF2B5EF4-FFF2-40B4-BE49-F238E27FC236}">
-                <a16:creationId xmlns:a16="http://schemas.microsoft.com/office/drawing/2014/main" xmlns="" id="{9635F5E3-2B1C-7C0A-8581-67A9052D13AA}"/>
+                <a16:creationId xmlns="" xmlns:a16="http://schemas.microsoft.com/office/drawing/2014/main" id="{9635F5E3-2B1C-7C0A-8581-67A9052D13AA}"/>
               </a:ext>
             </a:extLst>
           </p:cNvPr>
@@ -20154,7 +20212,7 @@
           <p:cNvPr id="3" name="Group 2">
             <a:extLst>
               <a:ext uri="{FF2B5EF4-FFF2-40B4-BE49-F238E27FC236}">
-                <a16:creationId xmlns:a16="http://schemas.microsoft.com/office/drawing/2014/main" xmlns="" id="{86E8A49B-6897-0562-9203-6B22CDD5C658}"/>
+                <a16:creationId xmlns="" xmlns:a16="http://schemas.microsoft.com/office/drawing/2014/main" id="{86E8A49B-6897-0562-9203-6B22CDD5C658}"/>
               </a:ext>
             </a:extLst>
           </p:cNvPr>
@@ -23785,7 +23843,7 @@
           <p:cNvPr id="42" name="TextBox 41">
             <a:extLst>
               <a:ext uri="{FF2B5EF4-FFF2-40B4-BE49-F238E27FC236}">
-                <a16:creationId xmlns:a16="http://schemas.microsoft.com/office/drawing/2014/main" xmlns="" id="{CEA5AA58-5E79-9756-636E-D5CEE56F3AAF}"/>
+                <a16:creationId xmlns="" xmlns:a16="http://schemas.microsoft.com/office/drawing/2014/main" id="{CEA5AA58-5E79-9756-636E-D5CEE56F3AAF}"/>
               </a:ext>
             </a:extLst>
           </p:cNvPr>
@@ -23865,7 +23923,7 @@
     </p:spTree>
     <p:extLst>
       <p:ext uri="{BB962C8B-B14F-4D97-AF65-F5344CB8AC3E}">
-        <p14:creationId xmlns:p14="http://schemas.microsoft.com/office/powerpoint/2010/main" xmlns="" val="3666674671"/>
+        <p14:creationId xmlns="" xmlns:p14="http://schemas.microsoft.com/office/powerpoint/2010/main" val="3666674671"/>
       </p:ext>
     </p:extLst>
   </p:cSld>
@@ -23897,7 +23955,7 @@
           <p:cNvPr id="2" name="Title 1">
             <a:extLst>
               <a:ext uri="{FF2B5EF4-FFF2-40B4-BE49-F238E27FC236}">
-                <a16:creationId xmlns:a16="http://schemas.microsoft.com/office/drawing/2014/main" xmlns="" id="{43C2181D-911C-1343-7267-E35AC86CCA0E}"/>
+                <a16:creationId xmlns="" xmlns:a16="http://schemas.microsoft.com/office/drawing/2014/main" id="{43C2181D-911C-1343-7267-E35AC86CCA0E}"/>
               </a:ext>
             </a:extLst>
           </p:cNvPr>
@@ -23933,7 +23991,7 @@
           <p:cNvPr id="3" name="Content Placeholder 2">
             <a:extLst>
               <a:ext uri="{FF2B5EF4-FFF2-40B4-BE49-F238E27FC236}">
-                <a16:creationId xmlns:a16="http://schemas.microsoft.com/office/drawing/2014/main" xmlns="" id="{9BEA8735-F1DC-1DE6-0A38-429B2F660F8A}"/>
+                <a16:creationId xmlns="" xmlns:a16="http://schemas.microsoft.com/office/drawing/2014/main" id="{9BEA8735-F1DC-1DE6-0A38-429B2F660F8A}"/>
               </a:ext>
             </a:extLst>
           </p:cNvPr>
@@ -24010,7 +24068,7 @@
     </p:spTree>
     <p:extLst>
       <p:ext uri="{BB962C8B-B14F-4D97-AF65-F5344CB8AC3E}">
-        <p14:creationId xmlns:p14="http://schemas.microsoft.com/office/powerpoint/2010/main" xmlns="" val="3920724481"/>
+        <p14:creationId xmlns="" xmlns:p14="http://schemas.microsoft.com/office/powerpoint/2010/main" val="3920724481"/>
       </p:ext>
     </p:extLst>
   </p:cSld>
@@ -24049,7 +24107,7 @@
           <p:cNvPr id="2" name="Title 1">
             <a:extLst>
               <a:ext uri="{FF2B5EF4-FFF2-40B4-BE49-F238E27FC236}">
-                <a16:creationId xmlns:a16="http://schemas.microsoft.com/office/drawing/2014/main" xmlns="" id="{9635F5E3-2B1C-7C0A-8581-67A9052D13AA}"/>
+                <a16:creationId xmlns="" xmlns:a16="http://schemas.microsoft.com/office/drawing/2014/main" id="{9635F5E3-2B1C-7C0A-8581-67A9052D13AA}"/>
               </a:ext>
             </a:extLst>
           </p:cNvPr>
@@ -24083,7 +24141,7 @@
           <p:cNvPr id="3" name="Group 2">
             <a:extLst>
               <a:ext uri="{FF2B5EF4-FFF2-40B4-BE49-F238E27FC236}">
-                <a16:creationId xmlns:a16="http://schemas.microsoft.com/office/drawing/2014/main" xmlns="" id="{E49B019A-ED66-06D2-F8E5-85D17D377F74}"/>
+                <a16:creationId xmlns="" xmlns:a16="http://schemas.microsoft.com/office/drawing/2014/main" id="{E49B019A-ED66-06D2-F8E5-85D17D377F74}"/>
               </a:ext>
             </a:extLst>
           </p:cNvPr>
@@ -27261,7 +27319,7 @@
           <p:cNvPr id="8" name="TextBox 7">
             <a:extLst>
               <a:ext uri="{FF2B5EF4-FFF2-40B4-BE49-F238E27FC236}">
-                <a16:creationId xmlns:a16="http://schemas.microsoft.com/office/drawing/2014/main" xmlns="" id="{5F862C2B-E72E-62FA-0A90-95337F2AD4AA}"/>
+                <a16:creationId xmlns="" xmlns:a16="http://schemas.microsoft.com/office/drawing/2014/main" id="{5F862C2B-E72E-62FA-0A90-95337F2AD4AA}"/>
               </a:ext>
             </a:extLst>
           </p:cNvPr>
@@ -27341,7 +27399,7 @@
     </p:spTree>
     <p:extLst>
       <p:ext uri="{BB962C8B-B14F-4D97-AF65-F5344CB8AC3E}">
-        <p14:creationId xmlns:p14="http://schemas.microsoft.com/office/powerpoint/2010/main" xmlns="" val="3666674671"/>
+        <p14:creationId xmlns="" xmlns:p14="http://schemas.microsoft.com/office/powerpoint/2010/main" val="3666674671"/>
       </p:ext>
     </p:extLst>
   </p:cSld>
@@ -27373,7 +27431,7 @@
           <p:cNvPr id="2" name="Title 1">
             <a:extLst>
               <a:ext uri="{FF2B5EF4-FFF2-40B4-BE49-F238E27FC236}">
-                <a16:creationId xmlns:a16="http://schemas.microsoft.com/office/drawing/2014/main" xmlns="" id="{5D030A76-B788-B363-104E-266B7C7F7208}"/>
+                <a16:creationId xmlns="" xmlns:a16="http://schemas.microsoft.com/office/drawing/2014/main" id="{5D030A76-B788-B363-104E-266B7C7F7208}"/>
               </a:ext>
             </a:extLst>
           </p:cNvPr>
@@ -27407,7 +27465,7 @@
           <p:cNvPr id="7" name="Content Placeholder 2">
             <a:extLst>
               <a:ext uri="{FF2B5EF4-FFF2-40B4-BE49-F238E27FC236}">
-                <a16:creationId xmlns:a16="http://schemas.microsoft.com/office/drawing/2014/main" xmlns="" id="{68A5FD2B-E3E5-1C2B-0151-21F216B14A33}"/>
+                <a16:creationId xmlns="" xmlns:a16="http://schemas.microsoft.com/office/drawing/2014/main" id="{68A5FD2B-E3E5-1C2B-0151-21F216B14A33}"/>
               </a:ext>
             </a:extLst>
           </p:cNvPr>
@@ -27695,7 +27753,7 @@
           <p:cNvPr id="10" name="Content Placeholder 3">
             <a:extLst>
               <a:ext uri="{FF2B5EF4-FFF2-40B4-BE49-F238E27FC236}">
-                <a16:creationId xmlns:a16="http://schemas.microsoft.com/office/drawing/2014/main" xmlns="" id="{ACFBB810-3430-2C29-1AA0-9744AA0A1AA3}"/>
+                <a16:creationId xmlns="" xmlns:a16="http://schemas.microsoft.com/office/drawing/2014/main" id="{ACFBB810-3430-2C29-1AA0-9744AA0A1AA3}"/>
               </a:ext>
             </a:extLst>
           </p:cNvPr>
@@ -27822,7 +27880,7 @@
     </p:spTree>
     <p:extLst>
       <p:ext uri="{BB962C8B-B14F-4D97-AF65-F5344CB8AC3E}">
-        <p14:creationId xmlns:p14="http://schemas.microsoft.com/office/powerpoint/2010/main" xmlns="" val="414613742"/>
+        <p14:creationId xmlns="" xmlns:p14="http://schemas.microsoft.com/office/powerpoint/2010/main" val="414613742"/>
       </p:ext>
     </p:extLst>
   </p:cSld>
@@ -27854,7 +27912,7 @@
           <p:cNvPr id="2" name="Title 1">
             <a:extLst>
               <a:ext uri="{FF2B5EF4-FFF2-40B4-BE49-F238E27FC236}">
-                <a16:creationId xmlns:a16="http://schemas.microsoft.com/office/drawing/2014/main" xmlns="" id="{5D030A76-B788-B363-104E-266B7C7F7208}"/>
+                <a16:creationId xmlns="" xmlns:a16="http://schemas.microsoft.com/office/drawing/2014/main" id="{5D030A76-B788-B363-104E-266B7C7F7208}"/>
               </a:ext>
             </a:extLst>
           </p:cNvPr>
@@ -27888,7 +27946,7 @@
           <p:cNvPr id="7" name="Content Placeholder 2">
             <a:extLst>
               <a:ext uri="{FF2B5EF4-FFF2-40B4-BE49-F238E27FC236}">
-                <a16:creationId xmlns:a16="http://schemas.microsoft.com/office/drawing/2014/main" xmlns="" id="{68A5FD2B-E3E5-1C2B-0151-21F216B14A33}"/>
+                <a16:creationId xmlns="" xmlns:a16="http://schemas.microsoft.com/office/drawing/2014/main" id="{68A5FD2B-E3E5-1C2B-0151-21F216B14A33}"/>
               </a:ext>
             </a:extLst>
           </p:cNvPr>
@@ -28157,7 +28215,7 @@
           <p:cNvPr id="10" name="Content Placeholder 3">
             <a:extLst>
               <a:ext uri="{FF2B5EF4-FFF2-40B4-BE49-F238E27FC236}">
-                <a16:creationId xmlns:a16="http://schemas.microsoft.com/office/drawing/2014/main" xmlns="" id="{ACFBB810-3430-2C29-1AA0-9744AA0A1AA3}"/>
+                <a16:creationId xmlns="" xmlns:a16="http://schemas.microsoft.com/office/drawing/2014/main" id="{ACFBB810-3430-2C29-1AA0-9744AA0A1AA3}"/>
               </a:ext>
             </a:extLst>
           </p:cNvPr>
@@ -28326,7 +28384,7 @@
     </p:spTree>
     <p:extLst>
       <p:ext uri="{BB962C8B-B14F-4D97-AF65-F5344CB8AC3E}">
-        <p14:creationId xmlns:p14="http://schemas.microsoft.com/office/powerpoint/2010/main" xmlns="" val="414613742"/>
+        <p14:creationId xmlns="" xmlns:p14="http://schemas.microsoft.com/office/powerpoint/2010/main" val="414613742"/>
       </p:ext>
     </p:extLst>
   </p:cSld>
@@ -28358,7 +28416,7 @@
           <p:cNvPr id="9" name="Title 1">
             <a:extLst>
               <a:ext uri="{FF2B5EF4-FFF2-40B4-BE49-F238E27FC236}">
-                <a16:creationId xmlns:a16="http://schemas.microsoft.com/office/drawing/2014/main" xmlns="" id="{47A9874B-BCA9-8420-1595-EDD1865A099A}"/>
+                <a16:creationId xmlns="" xmlns:a16="http://schemas.microsoft.com/office/drawing/2014/main" id="{47A9874B-BCA9-8420-1595-EDD1865A099A}"/>
               </a:ext>
             </a:extLst>
           </p:cNvPr>
@@ -28392,7 +28450,7 @@
           <p:cNvPr id="5" name="Content Placeholder 2">
             <a:extLst>
               <a:ext uri="{FF2B5EF4-FFF2-40B4-BE49-F238E27FC236}">
-                <a16:creationId xmlns:a16="http://schemas.microsoft.com/office/drawing/2014/main" xmlns="" id="{A6A33159-D030-2F82-A142-F75940728319}"/>
+                <a16:creationId xmlns="" xmlns:a16="http://schemas.microsoft.com/office/drawing/2014/main" id="{A6A33159-D030-2F82-A142-F75940728319}"/>
               </a:ext>
             </a:extLst>
           </p:cNvPr>
@@ -28585,7 +28643,7 @@
     </p:spTree>
     <p:extLst>
       <p:ext uri="{BB962C8B-B14F-4D97-AF65-F5344CB8AC3E}">
-        <p14:creationId xmlns:p14="http://schemas.microsoft.com/office/powerpoint/2010/main" xmlns="" val="3032902017"/>
+        <p14:creationId xmlns="" xmlns:p14="http://schemas.microsoft.com/office/powerpoint/2010/main" val="3032902017"/>
       </p:ext>
     </p:extLst>
   </p:cSld>
@@ -28617,7 +28675,7 @@
           <p:cNvPr id="2" name="Title 1">
             <a:extLst>
               <a:ext uri="{FF2B5EF4-FFF2-40B4-BE49-F238E27FC236}">
-                <a16:creationId xmlns:a16="http://schemas.microsoft.com/office/drawing/2014/main" xmlns="" id="{9635F5E3-2B1C-7C0A-8581-67A9052D13AA}"/>
+                <a16:creationId xmlns="" xmlns:a16="http://schemas.microsoft.com/office/drawing/2014/main" id="{9635F5E3-2B1C-7C0A-8581-67A9052D13AA}"/>
               </a:ext>
             </a:extLst>
           </p:cNvPr>
@@ -28651,7 +28709,7 @@
           <p:cNvPr id="41" name="Content Placeholder 2">
             <a:extLst>
               <a:ext uri="{FF2B5EF4-FFF2-40B4-BE49-F238E27FC236}">
-                <a16:creationId xmlns:a16="http://schemas.microsoft.com/office/drawing/2014/main" xmlns="" id="{A6A33159-D030-2F82-A142-F75940728319}"/>
+                <a16:creationId xmlns="" xmlns:a16="http://schemas.microsoft.com/office/drawing/2014/main" id="{A6A33159-D030-2F82-A142-F75940728319}"/>
               </a:ext>
             </a:extLst>
           </p:cNvPr>
@@ -28913,7 +28971,7 @@
     </p:spTree>
     <p:extLst>
       <p:ext uri="{BB962C8B-B14F-4D97-AF65-F5344CB8AC3E}">
-        <p14:creationId xmlns:p14="http://schemas.microsoft.com/office/powerpoint/2010/main" xmlns="" val="3519397257"/>
+        <p14:creationId xmlns="" xmlns:p14="http://schemas.microsoft.com/office/powerpoint/2010/main" val="3519397257"/>
       </p:ext>
     </p:extLst>
   </p:cSld>
@@ -28945,7 +29003,7 @@
           <p:cNvPr id="8" name="Title 1">
             <a:extLst>
               <a:ext uri="{FF2B5EF4-FFF2-40B4-BE49-F238E27FC236}">
-                <a16:creationId xmlns:a16="http://schemas.microsoft.com/office/drawing/2014/main" xmlns="" id="{47A9874B-BCA9-8420-1595-EDD1865A099A}"/>
+                <a16:creationId xmlns="" xmlns:a16="http://schemas.microsoft.com/office/drawing/2014/main" id="{47A9874B-BCA9-8420-1595-EDD1865A099A}"/>
               </a:ext>
             </a:extLst>
           </p:cNvPr>
@@ -28990,7 +29048,7 @@
           <p:cNvPr id="5" name="Content Placeholder 2">
             <a:extLst>
               <a:ext uri="{FF2B5EF4-FFF2-40B4-BE49-F238E27FC236}">
-                <a16:creationId xmlns:a16="http://schemas.microsoft.com/office/drawing/2014/main" xmlns="" id="{A6A33159-D030-2F82-A142-F75940728319}"/>
+                <a16:creationId xmlns="" xmlns:a16="http://schemas.microsoft.com/office/drawing/2014/main" id="{A6A33159-D030-2F82-A142-F75940728319}"/>
               </a:ext>
             </a:extLst>
           </p:cNvPr>
@@ -29125,7 +29183,7 @@
           <p:cNvPr id="2" name="Content Placeholder 2">
             <a:extLst>
               <a:ext uri="{FF2B5EF4-FFF2-40B4-BE49-F238E27FC236}">
-                <a16:creationId xmlns:a16="http://schemas.microsoft.com/office/drawing/2014/main" xmlns="" id="{BCA39DDC-0B72-D8F7-3EA6-3745AE5BE9AE}"/>
+                <a16:creationId xmlns="" xmlns:a16="http://schemas.microsoft.com/office/drawing/2014/main" id="{BCA39DDC-0B72-D8F7-3EA6-3745AE5BE9AE}"/>
               </a:ext>
             </a:extLst>
           </p:cNvPr>
@@ -29424,7 +29482,7 @@
     </p:spTree>
     <p:extLst>
       <p:ext uri="{BB962C8B-B14F-4D97-AF65-F5344CB8AC3E}">
-        <p14:creationId xmlns:p14="http://schemas.microsoft.com/office/powerpoint/2010/main" xmlns="" val="3812997948"/>
+        <p14:creationId xmlns="" xmlns:p14="http://schemas.microsoft.com/office/powerpoint/2010/main" val="3812997948"/>
       </p:ext>
     </p:extLst>
   </p:cSld>
@@ -29456,7 +29514,7 @@
           <p:cNvPr id="8" name="Title 1">
             <a:extLst>
               <a:ext uri="{FF2B5EF4-FFF2-40B4-BE49-F238E27FC236}">
-                <a16:creationId xmlns:a16="http://schemas.microsoft.com/office/drawing/2014/main" xmlns="" id="{47A9874B-BCA9-8420-1595-EDD1865A099A}"/>
+                <a16:creationId xmlns="" xmlns:a16="http://schemas.microsoft.com/office/drawing/2014/main" id="{47A9874B-BCA9-8420-1595-EDD1865A099A}"/>
               </a:ext>
             </a:extLst>
           </p:cNvPr>
@@ -29497,7 +29555,7 @@
           <p:cNvPr id="2" name="Content Placeholder 2">
             <a:extLst>
               <a:ext uri="{FF2B5EF4-FFF2-40B4-BE49-F238E27FC236}">
-                <a16:creationId xmlns:a16="http://schemas.microsoft.com/office/drawing/2014/main" xmlns="" id="{D64FBD31-58C2-F052-F198-E7DC0F36A9D4}"/>
+                <a16:creationId xmlns="" xmlns:a16="http://schemas.microsoft.com/office/drawing/2014/main" id="{D64FBD31-58C2-F052-F198-E7DC0F36A9D4}"/>
               </a:ext>
             </a:extLst>
           </p:cNvPr>
@@ -29847,7 +29905,7 @@
           <p:cNvPr id="1026" name="Picture 2">
             <a:extLst>
               <a:ext uri="{FF2B5EF4-FFF2-40B4-BE49-F238E27FC236}">
-                <a16:creationId xmlns:a16="http://schemas.microsoft.com/office/drawing/2014/main" xmlns="" id="{09159657-6DC0-4DF9-C298-5E7F5C6D3F23}"/>
+                <a16:creationId xmlns="" xmlns:a16="http://schemas.microsoft.com/office/drawing/2014/main" id="{09159657-6DC0-4DF9-C298-5E7F5C6D3F23}"/>
               </a:ext>
             </a:extLst>
           </p:cNvPr>
@@ -29860,7 +29918,7 @@
           <a:blip r:embed="rId3">
             <a:extLst>
               <a:ext uri="{28A0092B-C50C-407E-A947-70E740481C1C}">
-                <a14:useLocalDpi xmlns:a14="http://schemas.microsoft.com/office/drawing/2010/main" xmlns="" val="0"/>
+                <a14:useLocalDpi xmlns="" xmlns:a14="http://schemas.microsoft.com/office/drawing/2010/main" val="0"/>
               </a:ext>
             </a:extLst>
           </a:blip>
@@ -29883,14 +29941,14 @@
           </a:ln>
           <a:extLst>
             <a:ext uri="{909E8E84-426E-40DD-AFC4-6F175D3DCCD1}">
-              <a14:hiddenFill xmlns:a14="http://schemas.microsoft.com/office/drawing/2010/main" xmlns="">
+              <a14:hiddenFill xmlns="" xmlns:a14="http://schemas.microsoft.com/office/drawing/2010/main">
                 <a:solidFill>
                   <a:srgbClr val="FFFFFF"/>
                 </a:solidFill>
               </a14:hiddenFill>
             </a:ext>
             <a:ext uri="{91240B29-F687-4F45-9708-019B960494DF}">
-              <a14:hiddenLine xmlns:a14="http://schemas.microsoft.com/office/drawing/2010/main" xmlns="" w="9525">
+              <a14:hiddenLine xmlns="" xmlns:a14="http://schemas.microsoft.com/office/drawing/2010/main" w="9525">
                 <a:solidFill>
                   <a:srgbClr val="000000"/>
                 </a:solidFill>
@@ -29907,7 +29965,7 @@
           <p:cNvPr id="5" name="TextBox 4">
             <a:extLst>
               <a:ext uri="{FF2B5EF4-FFF2-40B4-BE49-F238E27FC236}">
-                <a16:creationId xmlns:a16="http://schemas.microsoft.com/office/drawing/2014/main" xmlns="" id="{294FBF46-685F-AD18-6C68-10B5F24960BF}"/>
+                <a16:creationId xmlns="" xmlns:a16="http://schemas.microsoft.com/office/drawing/2014/main" id="{294FBF46-685F-AD18-6C68-10B5F24960BF}"/>
               </a:ext>
             </a:extLst>
           </p:cNvPr>
@@ -29969,17 +30027,7 @@
                   </a:schemeClr>
                 </a:solidFill>
               </a:rPr>
-              <a:t> Yang et. al</a:t>
-            </a:r>
-            <a:r>
-              <a:rPr lang="en-IN" b="1" dirty="0" smtClean="0">
-                <a:solidFill>
-                  <a:schemeClr val="accent2">
-                    <a:lumMod val="50000"/>
-                  </a:schemeClr>
-                </a:solidFill>
-              </a:rPr>
-              <a:t>. – ECCV 2020</a:t>
+              <a:t> Yang et. al. – ECCV 2020</a:t>
             </a:r>
             <a:endParaRPr lang="en-IN" b="1" dirty="0">
               <a:solidFill>
@@ -29994,7 +30042,7 @@
     </p:spTree>
     <p:extLst>
       <p:ext uri="{BB962C8B-B14F-4D97-AF65-F5344CB8AC3E}">
-        <p14:creationId xmlns:p14="http://schemas.microsoft.com/office/powerpoint/2010/main" xmlns="" val="2537388289"/>
+        <p14:creationId xmlns="" xmlns:p14="http://schemas.microsoft.com/office/powerpoint/2010/main" val="2537388289"/>
       </p:ext>
     </p:extLst>
   </p:cSld>
@@ -30026,7 +30074,7 @@
           <p:cNvPr id="8" name="Title 1">
             <a:extLst>
               <a:ext uri="{FF2B5EF4-FFF2-40B4-BE49-F238E27FC236}">
-                <a16:creationId xmlns:a16="http://schemas.microsoft.com/office/drawing/2014/main" xmlns="" id="{47A9874B-BCA9-8420-1595-EDD1865A099A}"/>
+                <a16:creationId xmlns="" xmlns:a16="http://schemas.microsoft.com/office/drawing/2014/main" id="{47A9874B-BCA9-8420-1595-EDD1865A099A}"/>
               </a:ext>
             </a:extLst>
           </p:cNvPr>
@@ -30067,7 +30115,7 @@
           <p:cNvPr id="5" name="Content Placeholder 2">
             <a:extLst>
               <a:ext uri="{FF2B5EF4-FFF2-40B4-BE49-F238E27FC236}">
-                <a16:creationId xmlns:a16="http://schemas.microsoft.com/office/drawing/2014/main" xmlns="" id="{A6A33159-D030-2F82-A142-F75940728319}"/>
+                <a16:creationId xmlns="" xmlns:a16="http://schemas.microsoft.com/office/drawing/2014/main" id="{A6A33159-D030-2F82-A142-F75940728319}"/>
               </a:ext>
             </a:extLst>
           </p:cNvPr>
@@ -30246,7 +30294,7 @@
           <p:cNvPr id="2" name="TextBox 1">
             <a:extLst>
               <a:ext uri="{FF2B5EF4-FFF2-40B4-BE49-F238E27FC236}">
-                <a16:creationId xmlns:a16="http://schemas.microsoft.com/office/drawing/2014/main" xmlns="" id="{294FBF46-685F-AD18-6C68-10B5F24960BF}"/>
+                <a16:creationId xmlns="" xmlns:a16="http://schemas.microsoft.com/office/drawing/2014/main" id="{294FBF46-685F-AD18-6C68-10B5F24960BF}"/>
               </a:ext>
             </a:extLst>
           </p:cNvPr>
@@ -30306,7 +30354,7 @@
     </p:spTree>
     <p:extLst>
       <p:ext uri="{BB962C8B-B14F-4D97-AF65-F5344CB8AC3E}">
-        <p14:creationId xmlns:p14="http://schemas.microsoft.com/office/powerpoint/2010/main" xmlns="" val="3109420625"/>
+        <p14:creationId xmlns="" xmlns:p14="http://schemas.microsoft.com/office/powerpoint/2010/main" val="3109420625"/>
       </p:ext>
     </p:extLst>
   </p:cSld>
@@ -30338,7 +30386,7 @@
           <p:cNvPr id="2" name="Title 1">
             <a:extLst>
               <a:ext uri="{FF2B5EF4-FFF2-40B4-BE49-F238E27FC236}">
-                <a16:creationId xmlns:a16="http://schemas.microsoft.com/office/drawing/2014/main" xmlns="" id="{D1FC59F6-9B22-C211-4B4C-A2FD4B914C46}"/>
+                <a16:creationId xmlns="" xmlns:a16="http://schemas.microsoft.com/office/drawing/2014/main" id="{D1FC59F6-9B22-C211-4B4C-A2FD4B914C46}"/>
               </a:ext>
             </a:extLst>
           </p:cNvPr>
@@ -30372,7 +30420,7 @@
           <p:cNvPr id="4" name="Table Placeholder 3">
             <a:extLst>
               <a:ext uri="{FF2B5EF4-FFF2-40B4-BE49-F238E27FC236}">
-                <a16:creationId xmlns:a16="http://schemas.microsoft.com/office/drawing/2014/main" xmlns="" id="{0519CAC4-33D8-0B1E-88FF-086E69894AFB}"/>
+                <a16:creationId xmlns="" xmlns:a16="http://schemas.microsoft.com/office/drawing/2014/main" id="{0519CAC4-33D8-0B1E-88FF-086E69894AFB}"/>
               </a:ext>
             </a:extLst>
           </p:cNvPr>
@@ -30383,7 +30431,7 @@
             <p:ph type="tbl" sz="quarter" idx="13"/>
             <p:extLst>
               <p:ext uri="{D42A27DB-BD31-4B8C-83A1-F6EECF244321}">
-                <p14:modId xmlns:p14="http://schemas.microsoft.com/office/powerpoint/2010/main" xmlns="" val="3483451250"/>
+                <p14:modId xmlns="" xmlns:p14="http://schemas.microsoft.com/office/powerpoint/2010/main" val="3483451250"/>
               </p:ext>
             </p:extLst>
           </p:nvPr>
@@ -30402,35 +30450,35 @@
                 <a:gridCol w="1859717">
                   <a:extLst>
                     <a:ext uri="{9D8B030D-6E8A-4147-A177-3AD203B41FA5}">
-                      <a16:colId xmlns:a16="http://schemas.microsoft.com/office/drawing/2014/main" xmlns="" val="2382218087"/>
+                      <a16:colId xmlns="" xmlns:a16="http://schemas.microsoft.com/office/drawing/2014/main" val="2382218087"/>
                     </a:ext>
                   </a:extLst>
                 </a:gridCol>
                 <a:gridCol w="1506746">
                   <a:extLst>
                     <a:ext uri="{9D8B030D-6E8A-4147-A177-3AD203B41FA5}">
-                      <a16:colId xmlns:a16="http://schemas.microsoft.com/office/drawing/2014/main" xmlns="" val="3953468724"/>
+                      <a16:colId xmlns="" xmlns:a16="http://schemas.microsoft.com/office/drawing/2014/main" val="3953468724"/>
                     </a:ext>
                   </a:extLst>
                 </a:gridCol>
                 <a:gridCol w="1506746">
                   <a:extLst>
                     <a:ext uri="{9D8B030D-6E8A-4147-A177-3AD203B41FA5}">
-                      <a16:colId xmlns:a16="http://schemas.microsoft.com/office/drawing/2014/main" xmlns="" val="2046445661"/>
+                      <a16:colId xmlns="" xmlns:a16="http://schemas.microsoft.com/office/drawing/2014/main" val="2046445661"/>
                     </a:ext>
                   </a:extLst>
                 </a:gridCol>
                 <a:gridCol w="1506746">
                   <a:extLst>
                     <a:ext uri="{9D8B030D-6E8A-4147-A177-3AD203B41FA5}">
-                      <a16:colId xmlns:a16="http://schemas.microsoft.com/office/drawing/2014/main" xmlns="" val="3495531260"/>
+                      <a16:colId xmlns="" xmlns:a16="http://schemas.microsoft.com/office/drawing/2014/main" val="3495531260"/>
                     </a:ext>
                   </a:extLst>
                 </a:gridCol>
                 <a:gridCol w="1506746">
                   <a:extLst>
                     <a:ext uri="{9D8B030D-6E8A-4147-A177-3AD203B41FA5}">
-                      <a16:colId xmlns:a16="http://schemas.microsoft.com/office/drawing/2014/main" xmlns="" val="3623106039"/>
+                      <a16:colId xmlns="" xmlns:a16="http://schemas.microsoft.com/office/drawing/2014/main" val="3623106039"/>
                     </a:ext>
                   </a:extLst>
                 </a:gridCol>
@@ -30525,7 +30573,7 @@
                 </a:tc>
                 <a:extLst>
                   <a:ext uri="{0D108BD9-81ED-4DB2-BD59-A6C34878D82A}">
-                    <a16:rowId xmlns:a16="http://schemas.microsoft.com/office/drawing/2014/main" xmlns="" val="2857107962"/>
+                    <a16:rowId xmlns="" xmlns:a16="http://schemas.microsoft.com/office/drawing/2014/main" val="2857107962"/>
                   </a:ext>
                 </a:extLst>
               </a:tr>
@@ -30634,7 +30682,7 @@
                 </a:tc>
                 <a:extLst>
                   <a:ext uri="{0D108BD9-81ED-4DB2-BD59-A6C34878D82A}">
-                    <a16:rowId xmlns:a16="http://schemas.microsoft.com/office/drawing/2014/main" xmlns="" val="2548491233"/>
+                    <a16:rowId xmlns="" xmlns:a16="http://schemas.microsoft.com/office/drawing/2014/main" val="2548491233"/>
                   </a:ext>
                 </a:extLst>
               </a:tr>
@@ -30748,7 +30796,7 @@
                 </a:tc>
                 <a:extLst>
                   <a:ext uri="{0D108BD9-81ED-4DB2-BD59-A6C34878D82A}">
-                    <a16:rowId xmlns:a16="http://schemas.microsoft.com/office/drawing/2014/main" xmlns="" val="1671386868"/>
+                    <a16:rowId xmlns="" xmlns:a16="http://schemas.microsoft.com/office/drawing/2014/main" val="1671386868"/>
                   </a:ext>
                 </a:extLst>
               </a:tr>
@@ -30859,7 +30907,7 @@
                 </a:tc>
                 <a:extLst>
                   <a:ext uri="{0D108BD9-81ED-4DB2-BD59-A6C34878D82A}">
-                    <a16:rowId xmlns:a16="http://schemas.microsoft.com/office/drawing/2014/main" xmlns="" val="380626418"/>
+                    <a16:rowId xmlns="" xmlns:a16="http://schemas.microsoft.com/office/drawing/2014/main" val="380626418"/>
                   </a:ext>
                 </a:extLst>
               </a:tr>
@@ -30958,7 +31006,7 @@
                 </a:tc>
                 <a:extLst>
                   <a:ext uri="{0D108BD9-81ED-4DB2-BD59-A6C34878D82A}">
-                    <a16:rowId xmlns:a16="http://schemas.microsoft.com/office/drawing/2014/main" xmlns="" val="2132482967"/>
+                    <a16:rowId xmlns="" xmlns:a16="http://schemas.microsoft.com/office/drawing/2014/main" val="2132482967"/>
                   </a:ext>
                 </a:extLst>
               </a:tr>
@@ -31057,7 +31105,7 @@
                 </a:tc>
                 <a:extLst>
                   <a:ext uri="{0D108BD9-81ED-4DB2-BD59-A6C34878D82A}">
-                    <a16:rowId xmlns:a16="http://schemas.microsoft.com/office/drawing/2014/main" xmlns="" val="3936251906"/>
+                    <a16:rowId xmlns="" xmlns:a16="http://schemas.microsoft.com/office/drawing/2014/main" val="3936251906"/>
                   </a:ext>
                 </a:extLst>
               </a:tr>
@@ -31156,7 +31204,7 @@
                 </a:tc>
                 <a:extLst>
                   <a:ext uri="{0D108BD9-81ED-4DB2-BD59-A6C34878D82A}">
-                    <a16:rowId xmlns:a16="http://schemas.microsoft.com/office/drawing/2014/main" xmlns="" val="568537164"/>
+                    <a16:rowId xmlns="" xmlns:a16="http://schemas.microsoft.com/office/drawing/2014/main" val="568537164"/>
                   </a:ext>
                 </a:extLst>
               </a:tr>
@@ -31169,7 +31217,7 @@
           <p:cNvPr id="3" name="TextBox 2">
             <a:extLst>
               <a:ext uri="{FF2B5EF4-FFF2-40B4-BE49-F238E27FC236}">
-                <a16:creationId xmlns:a16="http://schemas.microsoft.com/office/drawing/2014/main" xmlns="" id="{CD58462D-AA4A-99E4-6146-BEF9F71F8C5A}"/>
+                <a16:creationId xmlns="" xmlns:a16="http://schemas.microsoft.com/office/drawing/2014/main" id="{CD58462D-AA4A-99E4-6146-BEF9F71F8C5A}"/>
               </a:ext>
             </a:extLst>
           </p:cNvPr>
@@ -31229,7 +31277,7 @@
     </p:spTree>
     <p:extLst>
       <p:ext uri="{BB962C8B-B14F-4D97-AF65-F5344CB8AC3E}">
-        <p14:creationId xmlns:p14="http://schemas.microsoft.com/office/powerpoint/2010/main" xmlns="" val="2696368595"/>
+        <p14:creationId xmlns="" xmlns:p14="http://schemas.microsoft.com/office/powerpoint/2010/main" val="2696368595"/>
       </p:ext>
     </p:extLst>
   </p:cSld>
@@ -31261,7 +31309,7 @@
           <p:cNvPr id="8" name="Title 1">
             <a:extLst>
               <a:ext uri="{FF2B5EF4-FFF2-40B4-BE49-F238E27FC236}">
-                <a16:creationId xmlns:a16="http://schemas.microsoft.com/office/drawing/2014/main" xmlns="" id="{47A9874B-BCA9-8420-1595-EDD1865A099A}"/>
+                <a16:creationId xmlns="" xmlns:a16="http://schemas.microsoft.com/office/drawing/2014/main" id="{47A9874B-BCA9-8420-1595-EDD1865A099A}"/>
               </a:ext>
             </a:extLst>
           </p:cNvPr>
@@ -31306,7 +31354,7 @@
           <p:cNvPr id="5" name="Content Placeholder 2">
             <a:extLst>
               <a:ext uri="{FF2B5EF4-FFF2-40B4-BE49-F238E27FC236}">
-                <a16:creationId xmlns:a16="http://schemas.microsoft.com/office/drawing/2014/main" xmlns="" id="{A6A33159-D030-2F82-A142-F75940728319}"/>
+                <a16:creationId xmlns="" xmlns:a16="http://schemas.microsoft.com/office/drawing/2014/main" id="{A6A33159-D030-2F82-A142-F75940728319}"/>
               </a:ext>
             </a:extLst>
           </p:cNvPr>
@@ -31422,7 +31470,7 @@
     </p:spTree>
     <p:extLst>
       <p:ext uri="{BB962C8B-B14F-4D97-AF65-F5344CB8AC3E}">
-        <p14:creationId xmlns:p14="http://schemas.microsoft.com/office/powerpoint/2010/main" xmlns="" val="766783565"/>
+        <p14:creationId xmlns="" xmlns:p14="http://schemas.microsoft.com/office/powerpoint/2010/main" val="766783565"/>
       </p:ext>
     </p:extLst>
   </p:cSld>
@@ -31454,7 +31502,7 @@
           <p:cNvPr id="8" name="Title 1">
             <a:extLst>
               <a:ext uri="{FF2B5EF4-FFF2-40B4-BE49-F238E27FC236}">
-                <a16:creationId xmlns:a16="http://schemas.microsoft.com/office/drawing/2014/main" xmlns="" id="{47A9874B-BCA9-8420-1595-EDD1865A099A}"/>
+                <a16:creationId xmlns="" xmlns:a16="http://schemas.microsoft.com/office/drawing/2014/main" id="{47A9874B-BCA9-8420-1595-EDD1865A099A}"/>
               </a:ext>
             </a:extLst>
           </p:cNvPr>
@@ -31488,7 +31536,7 @@
           <p:cNvPr id="26" name="Content Placeholder 2">
             <a:extLst>
               <a:ext uri="{FF2B5EF4-FFF2-40B4-BE49-F238E27FC236}">
-                <a16:creationId xmlns:a16="http://schemas.microsoft.com/office/drawing/2014/main" xmlns="" id="{68A5FD2B-E3E5-1C2B-0151-21F216B14A33}"/>
+                <a16:creationId xmlns="" xmlns:a16="http://schemas.microsoft.com/office/drawing/2014/main" id="{68A5FD2B-E3E5-1C2B-0151-21F216B14A33}"/>
               </a:ext>
             </a:extLst>
           </p:cNvPr>
@@ -31562,7 +31610,7 @@
           <p:cNvPr id="7" name="Content Placeholder 2">
             <a:extLst>
               <a:ext uri="{FF2B5EF4-FFF2-40B4-BE49-F238E27FC236}">
-                <a16:creationId xmlns:a16="http://schemas.microsoft.com/office/drawing/2014/main" xmlns="" id="{68A5FD2B-E3E5-1C2B-0151-21F216B14A33}"/>
+                <a16:creationId xmlns="" xmlns:a16="http://schemas.microsoft.com/office/drawing/2014/main" id="{68A5FD2B-E3E5-1C2B-0151-21F216B14A33}"/>
               </a:ext>
             </a:extLst>
           </p:cNvPr>
@@ -31775,7 +31823,7 @@
     </p:spTree>
     <p:extLst>
       <p:ext uri="{BB962C8B-B14F-4D97-AF65-F5344CB8AC3E}">
-        <p14:creationId xmlns:p14="http://schemas.microsoft.com/office/powerpoint/2010/main" xmlns="" val="2737241225"/>
+        <p14:creationId xmlns="" xmlns:p14="http://schemas.microsoft.com/office/powerpoint/2010/main" val="2737241225"/>
       </p:ext>
     </p:extLst>
   </p:cSld>
@@ -31814,7 +31862,7 @@
           <p:cNvPr id="8" name="Title 1">
             <a:extLst>
               <a:ext uri="{FF2B5EF4-FFF2-40B4-BE49-F238E27FC236}">
-                <a16:creationId xmlns:a16="http://schemas.microsoft.com/office/drawing/2014/main" xmlns="" id="{47A9874B-BCA9-8420-1595-EDD1865A099A}"/>
+                <a16:creationId xmlns="" xmlns:a16="http://schemas.microsoft.com/office/drawing/2014/main" id="{47A9874B-BCA9-8420-1595-EDD1865A099A}"/>
               </a:ext>
             </a:extLst>
           </p:cNvPr>
@@ -31859,7 +31907,7 @@
           <p:cNvPr id="43" name="Group 42">
             <a:extLst>
               <a:ext uri="{FF2B5EF4-FFF2-40B4-BE49-F238E27FC236}">
-                <a16:creationId xmlns:a16="http://schemas.microsoft.com/office/drawing/2014/main" xmlns="" id="{8E24B980-EACC-89FE-A507-35890E87722D}"/>
+                <a16:creationId xmlns="" xmlns:a16="http://schemas.microsoft.com/office/drawing/2014/main" id="{8E24B980-EACC-89FE-A507-35890E87722D}"/>
               </a:ext>
             </a:extLst>
           </p:cNvPr>
@@ -31879,7 +31927,7 @@
             <p:cNvPr id="4" name="TextBox 3">
               <a:extLst>
                 <a:ext uri="{FF2B5EF4-FFF2-40B4-BE49-F238E27FC236}">
-                  <a16:creationId xmlns:a16="http://schemas.microsoft.com/office/drawing/2014/main" xmlns="" id="{5D890077-5082-DD58-DD8D-96C8455D7454}"/>
+                  <a16:creationId xmlns="" xmlns:a16="http://schemas.microsoft.com/office/drawing/2014/main" id="{5D890077-5082-DD58-DD8D-96C8455D7454}"/>
                 </a:ext>
               </a:extLst>
             </p:cNvPr>
@@ -31934,7 +31982,7 @@
             <p:cNvPr id="7" name="Google Shape;7923;p66">
               <a:extLst>
                 <a:ext uri="{FF2B5EF4-FFF2-40B4-BE49-F238E27FC236}">
-                  <a16:creationId xmlns:a16="http://schemas.microsoft.com/office/drawing/2014/main" xmlns="" id="{AC7BCCBE-4EC3-28E5-EE0E-18691471963E}"/>
+                  <a16:creationId xmlns="" xmlns:a16="http://schemas.microsoft.com/office/drawing/2014/main" id="{AC7BCCBE-4EC3-28E5-EE0E-18691471963E}"/>
                 </a:ext>
               </a:extLst>
             </p:cNvPr>
@@ -31959,7 +32007,7 @@
               <p:cNvPr id="38" name="Google Shape;7924;p66">
                 <a:extLst>
                   <a:ext uri="{FF2B5EF4-FFF2-40B4-BE49-F238E27FC236}">
-                    <a16:creationId xmlns:a16="http://schemas.microsoft.com/office/drawing/2014/main" xmlns="" id="{373ED3B3-A2C0-3819-FED5-FB06B675D77E}"/>
+                    <a16:creationId xmlns="" xmlns:a16="http://schemas.microsoft.com/office/drawing/2014/main" id="{373ED3B3-A2C0-3819-FED5-FB06B675D77E}"/>
                   </a:ext>
                 </a:extLst>
               </p:cNvPr>
@@ -32041,7 +32089,7 @@
               <p:cNvPr id="39" name="Google Shape;7925;p66">
                 <a:extLst>
                   <a:ext uri="{FF2B5EF4-FFF2-40B4-BE49-F238E27FC236}">
-                    <a16:creationId xmlns:a16="http://schemas.microsoft.com/office/drawing/2014/main" xmlns="" id="{F2BE77A6-6C75-BDB9-985F-B368364B1D8C}"/>
+                    <a16:creationId xmlns="" xmlns:a16="http://schemas.microsoft.com/office/drawing/2014/main" id="{F2BE77A6-6C75-BDB9-985F-B368364B1D8C}"/>
                   </a:ext>
                 </a:extLst>
               </p:cNvPr>
@@ -32293,7 +32341,7 @@
             <p:cNvPr id="9" name="Google Shape;5463;p61">
               <a:extLst>
                 <a:ext uri="{FF2B5EF4-FFF2-40B4-BE49-F238E27FC236}">
-                  <a16:creationId xmlns:a16="http://schemas.microsoft.com/office/drawing/2014/main" xmlns="" id="{A0A97A4E-9BC9-A198-A906-6C74912A157D}"/>
+                  <a16:creationId xmlns="" xmlns:a16="http://schemas.microsoft.com/office/drawing/2014/main" id="{A0A97A4E-9BC9-A198-A906-6C74912A157D}"/>
                 </a:ext>
               </a:extLst>
             </p:cNvPr>
@@ -32319,7 +32367,7 @@
               <p:cNvPr id="31" name="Google Shape;5464;p61">
                 <a:extLst>
                   <a:ext uri="{FF2B5EF4-FFF2-40B4-BE49-F238E27FC236}">
-                    <a16:creationId xmlns:a16="http://schemas.microsoft.com/office/drawing/2014/main" xmlns="" id="{C77ED59B-8CEA-0D2B-DEAD-B5E635B301D0}"/>
+                    <a16:creationId xmlns="" xmlns:a16="http://schemas.microsoft.com/office/drawing/2014/main" id="{C77ED59B-8CEA-0D2B-DEAD-B5E635B301D0}"/>
                   </a:ext>
                 </a:extLst>
               </p:cNvPr>
@@ -32414,7 +32462,7 @@
               <p:cNvPr id="32" name="Google Shape;5465;p61">
                 <a:extLst>
                   <a:ext uri="{FF2B5EF4-FFF2-40B4-BE49-F238E27FC236}">
-                    <a16:creationId xmlns:a16="http://schemas.microsoft.com/office/drawing/2014/main" xmlns="" id="{6C0A1386-4823-6771-5536-35268009D3E6}"/>
+                    <a16:creationId xmlns="" xmlns:a16="http://schemas.microsoft.com/office/drawing/2014/main" id="{6C0A1386-4823-6771-5536-35268009D3E6}"/>
                   </a:ext>
                 </a:extLst>
               </p:cNvPr>
@@ -32485,7 +32533,7 @@
               <p:cNvPr id="33" name="Google Shape;5466;p61">
                 <a:extLst>
                   <a:ext uri="{FF2B5EF4-FFF2-40B4-BE49-F238E27FC236}">
-                    <a16:creationId xmlns:a16="http://schemas.microsoft.com/office/drawing/2014/main" xmlns="" id="{A5A48871-2C54-929B-2883-5B12054B8AD8}"/>
+                    <a16:creationId xmlns="" xmlns:a16="http://schemas.microsoft.com/office/drawing/2014/main" id="{A5A48871-2C54-929B-2883-5B12054B8AD8}"/>
                   </a:ext>
                 </a:extLst>
               </p:cNvPr>
@@ -32566,7 +32614,7 @@
               <p:cNvPr id="34" name="Google Shape;5467;p61">
                 <a:extLst>
                   <a:ext uri="{FF2B5EF4-FFF2-40B4-BE49-F238E27FC236}">
-                    <a16:creationId xmlns:a16="http://schemas.microsoft.com/office/drawing/2014/main" xmlns="" id="{63B130C6-07ED-C8F1-20CD-372F67653714}"/>
+                    <a16:creationId xmlns="" xmlns:a16="http://schemas.microsoft.com/office/drawing/2014/main" id="{63B130C6-07ED-C8F1-20CD-372F67653714}"/>
                   </a:ext>
                 </a:extLst>
               </p:cNvPr>
@@ -32647,7 +32695,7 @@
               <p:cNvPr id="35" name="Google Shape;5468;p61">
                 <a:extLst>
                   <a:ext uri="{FF2B5EF4-FFF2-40B4-BE49-F238E27FC236}">
-                    <a16:creationId xmlns:a16="http://schemas.microsoft.com/office/drawing/2014/main" xmlns="" id="{92DB297D-D363-FF93-AEA0-583876D07DF5}"/>
+                    <a16:creationId xmlns="" xmlns:a16="http://schemas.microsoft.com/office/drawing/2014/main" id="{92DB297D-D363-FF93-AEA0-583876D07DF5}"/>
                   </a:ext>
                 </a:extLst>
               </p:cNvPr>
@@ -32718,7 +32766,7 @@
               <p:cNvPr id="36" name="Google Shape;5469;p61">
                 <a:extLst>
                   <a:ext uri="{FF2B5EF4-FFF2-40B4-BE49-F238E27FC236}">
-                    <a16:creationId xmlns:a16="http://schemas.microsoft.com/office/drawing/2014/main" xmlns="" id="{20433D59-A764-F53F-1300-025297EF9E5A}"/>
+                    <a16:creationId xmlns="" xmlns:a16="http://schemas.microsoft.com/office/drawing/2014/main" id="{20433D59-A764-F53F-1300-025297EF9E5A}"/>
                   </a:ext>
                 </a:extLst>
               </p:cNvPr>
@@ -32799,7 +32847,7 @@
               <p:cNvPr id="37" name="Google Shape;5470;p61">
                 <a:extLst>
                   <a:ext uri="{FF2B5EF4-FFF2-40B4-BE49-F238E27FC236}">
-                    <a16:creationId xmlns:a16="http://schemas.microsoft.com/office/drawing/2014/main" xmlns="" id="{5357A18C-1D77-B9AD-226A-B6F351899A4F}"/>
+                    <a16:creationId xmlns="" xmlns:a16="http://schemas.microsoft.com/office/drawing/2014/main" id="{5357A18C-1D77-B9AD-226A-B6F351899A4F}"/>
                   </a:ext>
                 </a:extLst>
               </p:cNvPr>
@@ -32881,7 +32929,7 @@
             <p:cNvPr id="10" name="Google Shape;7169;p64">
               <a:extLst>
                 <a:ext uri="{FF2B5EF4-FFF2-40B4-BE49-F238E27FC236}">
-                  <a16:creationId xmlns:a16="http://schemas.microsoft.com/office/drawing/2014/main" xmlns="" id="{045776B2-5E76-D828-8916-1CF14AA90ED4}"/>
+                  <a16:creationId xmlns="" xmlns:a16="http://schemas.microsoft.com/office/drawing/2014/main" id="{045776B2-5E76-D828-8916-1CF14AA90ED4}"/>
                 </a:ext>
               </a:extLst>
             </p:cNvPr>
@@ -32906,7 +32954,7 @@
               <p:cNvPr id="28" name="Google Shape;7170;p64">
                 <a:extLst>
                   <a:ext uri="{FF2B5EF4-FFF2-40B4-BE49-F238E27FC236}">
-                    <a16:creationId xmlns:a16="http://schemas.microsoft.com/office/drawing/2014/main" xmlns="" id="{9D45C219-43FE-C4B4-4519-ABCD7D068E7F}"/>
+                    <a16:creationId xmlns="" xmlns:a16="http://schemas.microsoft.com/office/drawing/2014/main" id="{9D45C219-43FE-C4B4-4519-ABCD7D068E7F}"/>
                   </a:ext>
                 </a:extLst>
               </p:cNvPr>
@@ -33637,7 +33685,7 @@
               <p:cNvPr id="29" name="Google Shape;7171;p64">
                 <a:extLst>
                   <a:ext uri="{FF2B5EF4-FFF2-40B4-BE49-F238E27FC236}">
-                    <a16:creationId xmlns:a16="http://schemas.microsoft.com/office/drawing/2014/main" xmlns="" id="{5653B09E-1A10-A2B8-1FF6-3C194E7BA04F}"/>
+                    <a16:creationId xmlns="" xmlns:a16="http://schemas.microsoft.com/office/drawing/2014/main" id="{5653B09E-1A10-A2B8-1FF6-3C194E7BA04F}"/>
                   </a:ext>
                 </a:extLst>
               </p:cNvPr>
@@ -33719,7 +33767,7 @@
               <p:cNvPr id="30" name="Google Shape;7172;p64">
                 <a:extLst>
                   <a:ext uri="{FF2B5EF4-FFF2-40B4-BE49-F238E27FC236}">
-                    <a16:creationId xmlns:a16="http://schemas.microsoft.com/office/drawing/2014/main" xmlns="" id="{384FC614-6C97-FDD0-D58E-921626C207B2}"/>
+                    <a16:creationId xmlns="" xmlns:a16="http://schemas.microsoft.com/office/drawing/2014/main" id="{384FC614-6C97-FDD0-D58E-921626C207B2}"/>
                   </a:ext>
                 </a:extLst>
               </p:cNvPr>
@@ -33967,7 +34015,7 @@
             <p:cNvPr id="11" name="Google Shape;7923;p66">
               <a:extLst>
                 <a:ext uri="{FF2B5EF4-FFF2-40B4-BE49-F238E27FC236}">
-                  <a16:creationId xmlns:a16="http://schemas.microsoft.com/office/drawing/2014/main" xmlns="" id="{BDFB5D6D-C05E-6549-ED2D-DDDE5CB011EE}"/>
+                  <a16:creationId xmlns="" xmlns:a16="http://schemas.microsoft.com/office/drawing/2014/main" id="{BDFB5D6D-C05E-6549-ED2D-DDDE5CB011EE}"/>
                 </a:ext>
               </a:extLst>
             </p:cNvPr>
@@ -33992,7 +34040,7 @@
               <p:cNvPr id="26" name="Google Shape;7924;p66">
                 <a:extLst>
                   <a:ext uri="{FF2B5EF4-FFF2-40B4-BE49-F238E27FC236}">
-                    <a16:creationId xmlns:a16="http://schemas.microsoft.com/office/drawing/2014/main" xmlns="" id="{E6DD9D93-12E5-9063-47CF-F1FC01E90FB4}"/>
+                    <a16:creationId xmlns="" xmlns:a16="http://schemas.microsoft.com/office/drawing/2014/main" id="{E6DD9D93-12E5-9063-47CF-F1FC01E90FB4}"/>
                   </a:ext>
                 </a:extLst>
               </p:cNvPr>
@@ -34074,7 +34122,7 @@
               <p:cNvPr id="27" name="Google Shape;7925;p66">
                 <a:extLst>
                   <a:ext uri="{FF2B5EF4-FFF2-40B4-BE49-F238E27FC236}">
-                    <a16:creationId xmlns:a16="http://schemas.microsoft.com/office/drawing/2014/main" xmlns="" id="{8E7ED60F-5CFE-1446-6E5D-9D48BDA2D693}"/>
+                    <a16:creationId xmlns="" xmlns:a16="http://schemas.microsoft.com/office/drawing/2014/main" id="{8E7ED60F-5CFE-1446-6E5D-9D48BDA2D693}"/>
                   </a:ext>
                 </a:extLst>
               </p:cNvPr>
@@ -34326,7 +34374,7 @@
             <p:cNvPr id="13" name="TextBox 12">
               <a:extLst>
                 <a:ext uri="{FF2B5EF4-FFF2-40B4-BE49-F238E27FC236}">
-                  <a16:creationId xmlns:a16="http://schemas.microsoft.com/office/drawing/2014/main" xmlns="" id="{41378C80-0021-4DC9-4CF0-BBE14D1F2BA1}"/>
+                  <a16:creationId xmlns="" xmlns:a16="http://schemas.microsoft.com/office/drawing/2014/main" id="{41378C80-0021-4DC9-4CF0-BBE14D1F2BA1}"/>
                 </a:ext>
               </a:extLst>
             </p:cNvPr>
@@ -34367,7 +34415,7 @@
             <p:cNvPr id="15" name="TextBox 14">
               <a:extLst>
                 <a:ext uri="{FF2B5EF4-FFF2-40B4-BE49-F238E27FC236}">
-                  <a16:creationId xmlns:a16="http://schemas.microsoft.com/office/drawing/2014/main" xmlns="" id="{DD1BCD65-2281-574B-8917-864B98741A09}"/>
+                  <a16:creationId xmlns="" xmlns:a16="http://schemas.microsoft.com/office/drawing/2014/main" id="{DD1BCD65-2281-574B-8917-864B98741A09}"/>
                 </a:ext>
               </a:extLst>
             </p:cNvPr>
@@ -34408,7 +34456,7 @@
             <p:cNvPr id="16" name="TextBox 15">
               <a:extLst>
                 <a:ext uri="{FF2B5EF4-FFF2-40B4-BE49-F238E27FC236}">
-                  <a16:creationId xmlns:a16="http://schemas.microsoft.com/office/drawing/2014/main" xmlns="" id="{6342A8A0-FDEA-E608-75B6-3EE5CEFCDBAD}"/>
+                  <a16:creationId xmlns="" xmlns:a16="http://schemas.microsoft.com/office/drawing/2014/main" id="{6342A8A0-FDEA-E608-75B6-3EE5CEFCDBAD}"/>
                 </a:ext>
               </a:extLst>
             </p:cNvPr>
@@ -34463,7 +34511,7 @@
             <p:cNvPr id="17" name="TextBox 16">
               <a:extLst>
                 <a:ext uri="{FF2B5EF4-FFF2-40B4-BE49-F238E27FC236}">
-                  <a16:creationId xmlns:a16="http://schemas.microsoft.com/office/drawing/2014/main" xmlns="" id="{2CAD3FBA-4749-BBDF-AE28-3F3BAE8BB4BE}"/>
+                  <a16:creationId xmlns="" xmlns:a16="http://schemas.microsoft.com/office/drawing/2014/main" id="{2CAD3FBA-4749-BBDF-AE28-3F3BAE8BB4BE}"/>
                 </a:ext>
               </a:extLst>
             </p:cNvPr>
@@ -34518,7 +34566,7 @@
             <p:cNvPr id="18" name="Straight Arrow Connector 17">
               <a:extLst>
                 <a:ext uri="{FF2B5EF4-FFF2-40B4-BE49-F238E27FC236}">
-                  <a16:creationId xmlns:a16="http://schemas.microsoft.com/office/drawing/2014/main" xmlns="" id="{8348A97B-CC1D-D6AD-9A89-74500956D9B9}"/>
+                  <a16:creationId xmlns="" xmlns:a16="http://schemas.microsoft.com/office/drawing/2014/main" id="{8348A97B-CC1D-D6AD-9A89-74500956D9B9}"/>
                 </a:ext>
               </a:extLst>
             </p:cNvPr>
@@ -34559,7 +34607,7 @@
             <p:cNvPr id="20" name="Straight Arrow Connector 19">
               <a:extLst>
                 <a:ext uri="{FF2B5EF4-FFF2-40B4-BE49-F238E27FC236}">
-                  <a16:creationId xmlns:a16="http://schemas.microsoft.com/office/drawing/2014/main" xmlns="" id="{96E01A02-9A12-62E4-B50A-711CC8F6C721}"/>
+                  <a16:creationId xmlns="" xmlns:a16="http://schemas.microsoft.com/office/drawing/2014/main" id="{96E01A02-9A12-62E4-B50A-711CC8F6C721}"/>
                 </a:ext>
               </a:extLst>
             </p:cNvPr>
@@ -34600,7 +34648,7 @@
             <p:cNvPr id="21" name="Straight Arrow Connector 20">
               <a:extLst>
                 <a:ext uri="{FF2B5EF4-FFF2-40B4-BE49-F238E27FC236}">
-                  <a16:creationId xmlns:a16="http://schemas.microsoft.com/office/drawing/2014/main" xmlns="" id="{9A147CDF-C257-93BD-78EF-9BD445D5BBA1}"/>
+                  <a16:creationId xmlns="" xmlns:a16="http://schemas.microsoft.com/office/drawing/2014/main" id="{9A147CDF-C257-93BD-78EF-9BD445D5BBA1}"/>
                 </a:ext>
               </a:extLst>
             </p:cNvPr>
@@ -34645,7 +34693,7 @@
             <p:cNvPr id="22" name="Straight Arrow Connector 21">
               <a:extLst>
                 <a:ext uri="{FF2B5EF4-FFF2-40B4-BE49-F238E27FC236}">
-                  <a16:creationId xmlns:a16="http://schemas.microsoft.com/office/drawing/2014/main" xmlns="" id="{94D2136D-0653-46BE-67E5-18324D2EC0B6}"/>
+                  <a16:creationId xmlns="" xmlns:a16="http://schemas.microsoft.com/office/drawing/2014/main" id="{94D2136D-0653-46BE-67E5-18324D2EC0B6}"/>
                 </a:ext>
               </a:extLst>
             </p:cNvPr>
@@ -34690,7 +34738,7 @@
             <p:cNvPr id="6" name="TextBox 5">
               <a:extLst>
                 <a:ext uri="{FF2B5EF4-FFF2-40B4-BE49-F238E27FC236}">
-                  <a16:creationId xmlns:a16="http://schemas.microsoft.com/office/drawing/2014/main" xmlns="" id="{B4AD70FF-F2CA-6E18-94F8-0513319E06A3}"/>
+                  <a16:creationId xmlns="" xmlns:a16="http://schemas.microsoft.com/office/drawing/2014/main" id="{B4AD70FF-F2CA-6E18-94F8-0513319E06A3}"/>
                 </a:ext>
               </a:extLst>
             </p:cNvPr>
@@ -34731,7 +34779,7 @@
     </p:spTree>
     <p:extLst>
       <p:ext uri="{BB962C8B-B14F-4D97-AF65-F5344CB8AC3E}">
-        <p14:creationId xmlns:p14="http://schemas.microsoft.com/office/powerpoint/2010/main" xmlns="" val="1684539763"/>
+        <p14:creationId xmlns="" xmlns:p14="http://schemas.microsoft.com/office/powerpoint/2010/main" val="1684539763"/>
       </p:ext>
     </p:extLst>
   </p:cSld>
@@ -34763,7 +34811,7 @@
           <p:cNvPr id="8" name="Title 1">
             <a:extLst>
               <a:ext uri="{FF2B5EF4-FFF2-40B4-BE49-F238E27FC236}">
-                <a16:creationId xmlns:a16="http://schemas.microsoft.com/office/drawing/2014/main" xmlns="" id="{47A9874B-BCA9-8420-1595-EDD1865A099A}"/>
+                <a16:creationId xmlns="" xmlns:a16="http://schemas.microsoft.com/office/drawing/2014/main" id="{47A9874B-BCA9-8420-1595-EDD1865A099A}"/>
               </a:ext>
             </a:extLst>
           </p:cNvPr>
@@ -34797,7 +34845,7 @@
           <p:cNvPr id="9" name="Content Placeholder 2">
             <a:extLst>
               <a:ext uri="{FF2B5EF4-FFF2-40B4-BE49-F238E27FC236}">
-                <a16:creationId xmlns:a16="http://schemas.microsoft.com/office/drawing/2014/main" xmlns="" id="{A6A33159-D030-2F82-A142-F75940728319}"/>
+                <a16:creationId xmlns="" xmlns:a16="http://schemas.microsoft.com/office/drawing/2014/main" id="{A6A33159-D030-2F82-A142-F75940728319}"/>
               </a:ext>
             </a:extLst>
           </p:cNvPr>
@@ -34946,7 +34994,7 @@
     </p:spTree>
     <p:extLst>
       <p:ext uri="{BB962C8B-B14F-4D97-AF65-F5344CB8AC3E}">
-        <p14:creationId xmlns:p14="http://schemas.microsoft.com/office/powerpoint/2010/main" xmlns="" val="3029778717"/>
+        <p14:creationId xmlns="" xmlns:p14="http://schemas.microsoft.com/office/powerpoint/2010/main" val="3029778717"/>
       </p:ext>
     </p:extLst>
   </p:cSld>
@@ -34978,7 +35026,7 @@
           <p:cNvPr id="2" name="Title 1">
             <a:extLst>
               <a:ext uri="{FF2B5EF4-FFF2-40B4-BE49-F238E27FC236}">
-                <a16:creationId xmlns:a16="http://schemas.microsoft.com/office/drawing/2014/main" xmlns="" id="{47A9874B-BCA9-8420-1595-EDD1865A099A}"/>
+                <a16:creationId xmlns="" xmlns:a16="http://schemas.microsoft.com/office/drawing/2014/main" id="{47A9874B-BCA9-8420-1595-EDD1865A099A}"/>
               </a:ext>
             </a:extLst>
           </p:cNvPr>
@@ -35012,7 +35060,7 @@
           <p:cNvPr id="3" name="Content Placeholder 2">
             <a:extLst>
               <a:ext uri="{FF2B5EF4-FFF2-40B4-BE49-F238E27FC236}">
-                <a16:creationId xmlns:a16="http://schemas.microsoft.com/office/drawing/2014/main" xmlns="" id="{68A5FD2B-E3E5-1C2B-0151-21F216B14A33}"/>
+                <a16:creationId xmlns="" xmlns:a16="http://schemas.microsoft.com/office/drawing/2014/main" id="{68A5FD2B-E3E5-1C2B-0151-21F216B14A33}"/>
               </a:ext>
             </a:extLst>
           </p:cNvPr>
@@ -35124,7 +35172,7 @@
           <p:cNvPr id="4" name="Content Placeholder 3">
             <a:extLst>
               <a:ext uri="{FF2B5EF4-FFF2-40B4-BE49-F238E27FC236}">
-                <a16:creationId xmlns:a16="http://schemas.microsoft.com/office/drawing/2014/main" xmlns="" id="{ACFBB810-3430-2C29-1AA0-9744AA0A1AA3}"/>
+                <a16:creationId xmlns="" xmlns:a16="http://schemas.microsoft.com/office/drawing/2014/main" id="{ACFBB810-3430-2C29-1AA0-9744AA0A1AA3}"/>
               </a:ext>
             </a:extLst>
           </p:cNvPr>
@@ -35267,7 +35315,7 @@
     </p:spTree>
     <p:extLst>
       <p:ext uri="{BB962C8B-B14F-4D97-AF65-F5344CB8AC3E}">
-        <p14:creationId xmlns:p14="http://schemas.microsoft.com/office/powerpoint/2010/main" xmlns="" val="2198835006"/>
+        <p14:creationId xmlns="" xmlns:p14="http://schemas.microsoft.com/office/powerpoint/2010/main" val="2198835006"/>
       </p:ext>
     </p:extLst>
   </p:cSld>
@@ -35299,7 +35347,7 @@
           <p:cNvPr id="2" name="Title 1">
             <a:extLst>
               <a:ext uri="{FF2B5EF4-FFF2-40B4-BE49-F238E27FC236}">
-                <a16:creationId xmlns:a16="http://schemas.microsoft.com/office/drawing/2014/main" xmlns="" id="{5D030A76-B788-B363-104E-266B7C7F7208}"/>
+                <a16:creationId xmlns="" xmlns:a16="http://schemas.microsoft.com/office/drawing/2014/main" id="{5D030A76-B788-B363-104E-266B7C7F7208}"/>
               </a:ext>
             </a:extLst>
           </p:cNvPr>
@@ -35333,7 +35381,7 @@
           <p:cNvPr id="7" name="Content Placeholder 2">
             <a:extLst>
               <a:ext uri="{FF2B5EF4-FFF2-40B4-BE49-F238E27FC236}">
-                <a16:creationId xmlns:a16="http://schemas.microsoft.com/office/drawing/2014/main" xmlns="" id="{68A5FD2B-E3E5-1C2B-0151-21F216B14A33}"/>
+                <a16:creationId xmlns="" xmlns:a16="http://schemas.microsoft.com/office/drawing/2014/main" id="{68A5FD2B-E3E5-1C2B-0151-21F216B14A33}"/>
               </a:ext>
             </a:extLst>
           </p:cNvPr>
@@ -35430,7 +35478,7 @@
           <p:cNvPr id="10" name="Content Placeholder 3">
             <a:extLst>
               <a:ext uri="{FF2B5EF4-FFF2-40B4-BE49-F238E27FC236}">
-                <a16:creationId xmlns:a16="http://schemas.microsoft.com/office/drawing/2014/main" xmlns="" id="{ACFBB810-3430-2C29-1AA0-9744AA0A1AA3}"/>
+                <a16:creationId xmlns="" xmlns:a16="http://schemas.microsoft.com/office/drawing/2014/main" id="{ACFBB810-3430-2C29-1AA0-9744AA0A1AA3}"/>
               </a:ext>
             </a:extLst>
           </p:cNvPr>
@@ -35676,7 +35724,7 @@
     </p:spTree>
     <p:extLst>
       <p:ext uri="{BB962C8B-B14F-4D97-AF65-F5344CB8AC3E}">
-        <p14:creationId xmlns:p14="http://schemas.microsoft.com/office/powerpoint/2010/main" xmlns="" val="414613742"/>
+        <p14:creationId xmlns="" xmlns:p14="http://schemas.microsoft.com/office/powerpoint/2010/main" val="414613742"/>
       </p:ext>
     </p:extLst>
   </p:cSld>
@@ -35708,7 +35756,7 @@
           <p:cNvPr id="2" name="Title 1">
             <a:extLst>
               <a:ext uri="{FF2B5EF4-FFF2-40B4-BE49-F238E27FC236}">
-                <a16:creationId xmlns:a16="http://schemas.microsoft.com/office/drawing/2014/main" xmlns="" id="{5D030A76-B788-B363-104E-266B7C7F7208}"/>
+                <a16:creationId xmlns="" xmlns:a16="http://schemas.microsoft.com/office/drawing/2014/main" id="{5D030A76-B788-B363-104E-266B7C7F7208}"/>
               </a:ext>
             </a:extLst>
           </p:cNvPr>
@@ -35742,7 +35790,7 @@
           <p:cNvPr id="7" name="Content Placeholder 2">
             <a:extLst>
               <a:ext uri="{FF2B5EF4-FFF2-40B4-BE49-F238E27FC236}">
-                <a16:creationId xmlns:a16="http://schemas.microsoft.com/office/drawing/2014/main" xmlns="" id="{68A5FD2B-E3E5-1C2B-0151-21F216B14A33}"/>
+                <a16:creationId xmlns="" xmlns:a16="http://schemas.microsoft.com/office/drawing/2014/main" id="{68A5FD2B-E3E5-1C2B-0151-21F216B14A33}"/>
               </a:ext>
             </a:extLst>
           </p:cNvPr>
@@ -36044,7 +36092,7 @@
           <p:cNvPr id="10" name="Content Placeholder 3">
             <a:extLst>
               <a:ext uri="{FF2B5EF4-FFF2-40B4-BE49-F238E27FC236}">
-                <a16:creationId xmlns:a16="http://schemas.microsoft.com/office/drawing/2014/main" xmlns="" id="{ACFBB810-3430-2C29-1AA0-9744AA0A1AA3}"/>
+                <a16:creationId xmlns="" xmlns:a16="http://schemas.microsoft.com/office/drawing/2014/main" id="{ACFBB810-3430-2C29-1AA0-9744AA0A1AA3}"/>
               </a:ext>
             </a:extLst>
           </p:cNvPr>
@@ -36290,7 +36338,7 @@
     </p:spTree>
     <p:extLst>
       <p:ext uri="{BB962C8B-B14F-4D97-AF65-F5344CB8AC3E}">
-        <p14:creationId xmlns:p14="http://schemas.microsoft.com/office/powerpoint/2010/main" xmlns="" val="414613742"/>
+        <p14:creationId xmlns="" xmlns:p14="http://schemas.microsoft.com/office/powerpoint/2010/main" val="414613742"/>
       </p:ext>
     </p:extLst>
   </p:cSld>
@@ -36322,7 +36370,7 @@
           <p:cNvPr id="2" name="Title 1">
             <a:extLst>
               <a:ext uri="{FF2B5EF4-FFF2-40B4-BE49-F238E27FC236}">
-                <a16:creationId xmlns:a16="http://schemas.microsoft.com/office/drawing/2014/main" xmlns="" id="{5D030A76-B788-B363-104E-266B7C7F7208}"/>
+                <a16:creationId xmlns="" xmlns:a16="http://schemas.microsoft.com/office/drawing/2014/main" id="{5D030A76-B788-B363-104E-266B7C7F7208}"/>
               </a:ext>
             </a:extLst>
           </p:cNvPr>
@@ -36356,7 +36404,7 @@
           <p:cNvPr id="6" name="Content Placeholder 2">
             <a:extLst>
               <a:ext uri="{FF2B5EF4-FFF2-40B4-BE49-F238E27FC236}">
-                <a16:creationId xmlns:a16="http://schemas.microsoft.com/office/drawing/2014/main" xmlns="" id="{A6A33159-D030-2F82-A142-F75940728319}"/>
+                <a16:creationId xmlns="" xmlns:a16="http://schemas.microsoft.com/office/drawing/2014/main" id="{A6A33159-D030-2F82-A142-F75940728319}"/>
               </a:ext>
             </a:extLst>
           </p:cNvPr>
@@ -36560,7 +36608,7 @@
     </p:spTree>
     <p:extLst>
       <p:ext uri="{BB962C8B-B14F-4D97-AF65-F5344CB8AC3E}">
-        <p14:creationId xmlns:p14="http://schemas.microsoft.com/office/powerpoint/2010/main" xmlns="" val="414613742"/>
+        <p14:creationId xmlns="" xmlns:p14="http://schemas.microsoft.com/office/powerpoint/2010/main" val="414613742"/>
       </p:ext>
     </p:extLst>
   </p:cSld>
@@ -36592,7 +36640,7 @@
           <p:cNvPr id="2" name="Title 1">
             <a:extLst>
               <a:ext uri="{FF2B5EF4-FFF2-40B4-BE49-F238E27FC236}">
-                <a16:creationId xmlns:a16="http://schemas.microsoft.com/office/drawing/2014/main" xmlns="" id="{47A9874B-BCA9-8420-1595-EDD1865A099A}"/>
+                <a16:creationId xmlns="" xmlns:a16="http://schemas.microsoft.com/office/drawing/2014/main" id="{47A9874B-BCA9-8420-1595-EDD1865A099A}"/>
               </a:ext>
             </a:extLst>
           </p:cNvPr>
@@ -36626,7 +36674,7 @@
           <p:cNvPr id="3" name="Content Placeholder 2">
             <a:extLst>
               <a:ext uri="{FF2B5EF4-FFF2-40B4-BE49-F238E27FC236}">
-                <a16:creationId xmlns:a16="http://schemas.microsoft.com/office/drawing/2014/main" xmlns="" id="{68A5FD2B-E3E5-1C2B-0151-21F216B14A33}"/>
+                <a16:creationId xmlns="" xmlns:a16="http://schemas.microsoft.com/office/drawing/2014/main" id="{68A5FD2B-E3E5-1C2B-0151-21F216B14A33}"/>
               </a:ext>
             </a:extLst>
           </p:cNvPr>
@@ -36790,7 +36838,7 @@
     </p:spTree>
     <p:extLst>
       <p:ext uri="{BB962C8B-B14F-4D97-AF65-F5344CB8AC3E}">
-        <p14:creationId xmlns:p14="http://schemas.microsoft.com/office/powerpoint/2010/main" xmlns="" val="1127649784"/>
+        <p14:creationId xmlns="" xmlns:p14="http://schemas.microsoft.com/office/powerpoint/2010/main" val="1127649784"/>
       </p:ext>
     </p:extLst>
   </p:cSld>
@@ -36822,7 +36870,7 @@
           <p:cNvPr id="2" name="Title 1">
             <a:extLst>
               <a:ext uri="{FF2B5EF4-FFF2-40B4-BE49-F238E27FC236}">
-                <a16:creationId xmlns:a16="http://schemas.microsoft.com/office/drawing/2014/main" xmlns="" id="{47A9874B-BCA9-8420-1595-EDD1865A099A}"/>
+                <a16:creationId xmlns="" xmlns:a16="http://schemas.microsoft.com/office/drawing/2014/main" id="{47A9874B-BCA9-8420-1595-EDD1865A099A}"/>
               </a:ext>
             </a:extLst>
           </p:cNvPr>
@@ -36856,7 +36904,7 @@
           <p:cNvPr id="3" name="Content Placeholder 2">
             <a:extLst>
               <a:ext uri="{FF2B5EF4-FFF2-40B4-BE49-F238E27FC236}">
-                <a16:creationId xmlns:a16="http://schemas.microsoft.com/office/drawing/2014/main" xmlns="" id="{68A5FD2B-E3E5-1C2B-0151-21F216B14A33}"/>
+                <a16:creationId xmlns="" xmlns:a16="http://schemas.microsoft.com/office/drawing/2014/main" id="{68A5FD2B-E3E5-1C2B-0151-21F216B14A33}"/>
               </a:ext>
             </a:extLst>
           </p:cNvPr>
@@ -36928,7 +36976,7 @@
           <p:cNvPr id="10" name="Content Placeholder 2">
             <a:extLst>
               <a:ext uri="{FF2B5EF4-FFF2-40B4-BE49-F238E27FC236}">
-                <a16:creationId xmlns:a16="http://schemas.microsoft.com/office/drawing/2014/main" xmlns="" id="{A6A33159-D030-2F82-A142-F75940728319}"/>
+                <a16:creationId xmlns="" xmlns:a16="http://schemas.microsoft.com/office/drawing/2014/main" id="{A6A33159-D030-2F82-A142-F75940728319}"/>
               </a:ext>
             </a:extLst>
           </p:cNvPr>
@@ -37101,7 +37149,7 @@
     </p:spTree>
     <p:extLst>
       <p:ext uri="{BB962C8B-B14F-4D97-AF65-F5344CB8AC3E}">
-        <p14:creationId xmlns:p14="http://schemas.microsoft.com/office/powerpoint/2010/main" xmlns="" val="1127649784"/>
+        <p14:creationId xmlns="" xmlns:p14="http://schemas.microsoft.com/office/powerpoint/2010/main" val="1127649784"/>
       </p:ext>
     </p:extLst>
   </p:cSld>
@@ -37133,7 +37181,7 @@
           <p:cNvPr id="2" name="Title 1">
             <a:extLst>
               <a:ext uri="{FF2B5EF4-FFF2-40B4-BE49-F238E27FC236}">
-                <a16:creationId xmlns:a16="http://schemas.microsoft.com/office/drawing/2014/main" xmlns="" id="{47A9874B-BCA9-8420-1595-EDD1865A099A}"/>
+                <a16:creationId xmlns="" xmlns:a16="http://schemas.microsoft.com/office/drawing/2014/main" id="{47A9874B-BCA9-8420-1595-EDD1865A099A}"/>
               </a:ext>
             </a:extLst>
           </p:cNvPr>
@@ -37167,7 +37215,7 @@
           <p:cNvPr id="3" name="Content Placeholder 2">
             <a:extLst>
               <a:ext uri="{FF2B5EF4-FFF2-40B4-BE49-F238E27FC236}">
-                <a16:creationId xmlns:a16="http://schemas.microsoft.com/office/drawing/2014/main" xmlns="" id="{68A5FD2B-E3E5-1C2B-0151-21F216B14A33}"/>
+                <a16:creationId xmlns="" xmlns:a16="http://schemas.microsoft.com/office/drawing/2014/main" id="{68A5FD2B-E3E5-1C2B-0151-21F216B14A33}"/>
               </a:ext>
             </a:extLst>
           </p:cNvPr>
@@ -37230,7 +37278,7 @@
           <p:cNvPr id="4" name="Content Placeholder 3">
             <a:extLst>
               <a:ext uri="{FF2B5EF4-FFF2-40B4-BE49-F238E27FC236}">
-                <a16:creationId xmlns:a16="http://schemas.microsoft.com/office/drawing/2014/main" xmlns="" id="{ACFBB810-3430-2C29-1AA0-9744AA0A1AA3}"/>
+                <a16:creationId xmlns="" xmlns:a16="http://schemas.microsoft.com/office/drawing/2014/main" id="{ACFBB810-3430-2C29-1AA0-9744AA0A1AA3}"/>
               </a:ext>
             </a:extLst>
           </p:cNvPr>
@@ -37386,7 +37434,7 @@
     </p:spTree>
     <p:extLst>
       <p:ext uri="{BB962C8B-B14F-4D97-AF65-F5344CB8AC3E}">
-        <p14:creationId xmlns:p14="http://schemas.microsoft.com/office/powerpoint/2010/main" xmlns="" val="1127649784"/>
+        <p14:creationId xmlns="" xmlns:p14="http://schemas.microsoft.com/office/powerpoint/2010/main" val="1127649784"/>
       </p:ext>
     </p:extLst>
   </p:cSld>
@@ -37418,7 +37466,7 @@
           <p:cNvPr id="2" name="Title 1">
             <a:extLst>
               <a:ext uri="{FF2B5EF4-FFF2-40B4-BE49-F238E27FC236}">
-                <a16:creationId xmlns:a16="http://schemas.microsoft.com/office/drawing/2014/main" xmlns="" id="{47A9874B-BCA9-8420-1595-EDD1865A099A}"/>
+                <a16:creationId xmlns="" xmlns:a16="http://schemas.microsoft.com/office/drawing/2014/main" id="{47A9874B-BCA9-8420-1595-EDD1865A099A}"/>
               </a:ext>
             </a:extLst>
           </p:cNvPr>
@@ -37452,7 +37500,7 @@
           <p:cNvPr id="3" name="Content Placeholder 2">
             <a:extLst>
               <a:ext uri="{FF2B5EF4-FFF2-40B4-BE49-F238E27FC236}">
-                <a16:creationId xmlns:a16="http://schemas.microsoft.com/office/drawing/2014/main" xmlns="" id="{68A5FD2B-E3E5-1C2B-0151-21F216B14A33}"/>
+                <a16:creationId xmlns="" xmlns:a16="http://schemas.microsoft.com/office/drawing/2014/main" id="{68A5FD2B-E3E5-1C2B-0151-21F216B14A33}"/>
               </a:ext>
             </a:extLst>
           </p:cNvPr>
@@ -37505,7 +37553,7 @@
           <p:cNvPr id="4" name="Content Placeholder 3">
             <a:extLst>
               <a:ext uri="{FF2B5EF4-FFF2-40B4-BE49-F238E27FC236}">
-                <a16:creationId xmlns:a16="http://schemas.microsoft.com/office/drawing/2014/main" xmlns="" id="{ACFBB810-3430-2C29-1AA0-9744AA0A1AA3}"/>
+                <a16:creationId xmlns="" xmlns:a16="http://schemas.microsoft.com/office/drawing/2014/main" id="{ACFBB810-3430-2C29-1AA0-9744AA0A1AA3}"/>
               </a:ext>
             </a:extLst>
           </p:cNvPr>
@@ -37612,7 +37660,7 @@
     </p:spTree>
     <p:extLst>
       <p:ext uri="{BB962C8B-B14F-4D97-AF65-F5344CB8AC3E}">
-        <p14:creationId xmlns:p14="http://schemas.microsoft.com/office/powerpoint/2010/main" xmlns="" val="1127649784"/>
+        <p14:creationId xmlns="" xmlns:p14="http://schemas.microsoft.com/office/powerpoint/2010/main" val="1127649784"/>
       </p:ext>
     </p:extLst>
   </p:cSld>
@@ -37644,7 +37692,7 @@
           <p:cNvPr id="8" name="Title 1">
             <a:extLst>
               <a:ext uri="{FF2B5EF4-FFF2-40B4-BE49-F238E27FC236}">
-                <a16:creationId xmlns:a16="http://schemas.microsoft.com/office/drawing/2014/main" xmlns="" id="{47A9874B-BCA9-8420-1595-EDD1865A099A}"/>
+                <a16:creationId xmlns="" xmlns:a16="http://schemas.microsoft.com/office/drawing/2014/main" id="{47A9874B-BCA9-8420-1595-EDD1865A099A}"/>
               </a:ext>
             </a:extLst>
           </p:cNvPr>
@@ -37678,7 +37726,7 @@
           <p:cNvPr id="26" name="Content Placeholder 2">
             <a:extLst>
               <a:ext uri="{FF2B5EF4-FFF2-40B4-BE49-F238E27FC236}">
-                <a16:creationId xmlns:a16="http://schemas.microsoft.com/office/drawing/2014/main" xmlns="" id="{68A5FD2B-E3E5-1C2B-0151-21F216B14A33}"/>
+                <a16:creationId xmlns="" xmlns:a16="http://schemas.microsoft.com/office/drawing/2014/main" id="{68A5FD2B-E3E5-1C2B-0151-21F216B14A33}"/>
               </a:ext>
             </a:extLst>
           </p:cNvPr>
@@ -37763,7 +37811,7 @@
           <p:cNvPr id="7" name="Content Placeholder 2">
             <a:extLst>
               <a:ext uri="{FF2B5EF4-FFF2-40B4-BE49-F238E27FC236}">
-                <a16:creationId xmlns:a16="http://schemas.microsoft.com/office/drawing/2014/main" xmlns="" id="{68A5FD2B-E3E5-1C2B-0151-21F216B14A33}"/>
+                <a16:creationId xmlns="" xmlns:a16="http://schemas.microsoft.com/office/drawing/2014/main" id="{68A5FD2B-E3E5-1C2B-0151-21F216B14A33}"/>
               </a:ext>
             </a:extLst>
           </p:cNvPr>
@@ -38037,7 +38085,7 @@
     </p:spTree>
     <p:extLst>
       <p:ext uri="{BB962C8B-B14F-4D97-AF65-F5344CB8AC3E}">
-        <p14:creationId xmlns:p14="http://schemas.microsoft.com/office/powerpoint/2010/main" xmlns="" val="2737241225"/>
+        <p14:creationId xmlns="" xmlns:p14="http://schemas.microsoft.com/office/powerpoint/2010/main" val="2737241225"/>
       </p:ext>
     </p:extLst>
   </p:cSld>
@@ -38076,7 +38124,7 @@
           <p:cNvPr id="2" name="Title 1">
             <a:extLst>
               <a:ext uri="{FF2B5EF4-FFF2-40B4-BE49-F238E27FC236}">
-                <a16:creationId xmlns:a16="http://schemas.microsoft.com/office/drawing/2014/main" xmlns="" id="{D1FC59F6-9B22-C211-4B4C-A2FD4B914C46}"/>
+                <a16:creationId xmlns="" xmlns:a16="http://schemas.microsoft.com/office/drawing/2014/main" id="{D1FC59F6-9B22-C211-4B4C-A2FD4B914C46}"/>
               </a:ext>
             </a:extLst>
           </p:cNvPr>
@@ -38110,7 +38158,7 @@
           <p:cNvPr id="4" name="Table Placeholder 3">
             <a:extLst>
               <a:ext uri="{FF2B5EF4-FFF2-40B4-BE49-F238E27FC236}">
-                <a16:creationId xmlns:a16="http://schemas.microsoft.com/office/drawing/2014/main" xmlns="" id="{0519CAC4-33D8-0B1E-88FF-086E69894AFB}"/>
+                <a16:creationId xmlns="" xmlns:a16="http://schemas.microsoft.com/office/drawing/2014/main" id="{0519CAC4-33D8-0B1E-88FF-086E69894AFB}"/>
               </a:ext>
             </a:extLst>
           </p:cNvPr>
@@ -38121,7 +38169,7 @@
             <p:ph type="tbl" sz="quarter" idx="13"/>
             <p:extLst>
               <p:ext uri="{D42A27DB-BD31-4B8C-83A1-F6EECF244321}">
-                <p14:modId xmlns:p14="http://schemas.microsoft.com/office/powerpoint/2010/main" xmlns="" val="3019515003"/>
+                <p14:modId xmlns="" xmlns:p14="http://schemas.microsoft.com/office/powerpoint/2010/main" val="3019515003"/>
               </p:ext>
             </p:extLst>
           </p:nvPr>
@@ -38140,42 +38188,42 @@
                 <a:gridCol w="1859717">
                   <a:extLst>
                     <a:ext uri="{9D8B030D-6E8A-4147-A177-3AD203B41FA5}">
-                      <a16:colId xmlns:a16="http://schemas.microsoft.com/office/drawing/2014/main" xmlns="" val="2382218087"/>
+                      <a16:colId xmlns="" xmlns:a16="http://schemas.microsoft.com/office/drawing/2014/main" val="2382218087"/>
                     </a:ext>
                   </a:extLst>
                 </a:gridCol>
                 <a:gridCol w="1259174">
                   <a:extLst>
                     <a:ext uri="{9D8B030D-6E8A-4147-A177-3AD203B41FA5}">
-                      <a16:colId xmlns:a16="http://schemas.microsoft.com/office/drawing/2014/main" xmlns="" val="3953468724"/>
+                      <a16:colId xmlns="" xmlns:a16="http://schemas.microsoft.com/office/drawing/2014/main" val="3953468724"/>
                     </a:ext>
                   </a:extLst>
                 </a:gridCol>
                 <a:gridCol w="1371600">
                   <a:extLst>
                     <a:ext uri="{9D8B030D-6E8A-4147-A177-3AD203B41FA5}">
-                      <a16:colId xmlns:a16="http://schemas.microsoft.com/office/drawing/2014/main" xmlns="" val="4277526474"/>
+                      <a16:colId xmlns="" xmlns:a16="http://schemas.microsoft.com/office/drawing/2014/main" val="4277526474"/>
                     </a:ext>
                   </a:extLst>
                 </a:gridCol>
                 <a:gridCol w="955623">
                   <a:extLst>
                     <a:ext uri="{9D8B030D-6E8A-4147-A177-3AD203B41FA5}">
-                      <a16:colId xmlns:a16="http://schemas.microsoft.com/office/drawing/2014/main" xmlns="" val="2438884888"/>
+                      <a16:colId xmlns="" xmlns:a16="http://schemas.microsoft.com/office/drawing/2014/main" val="2438884888"/>
                     </a:ext>
                   </a:extLst>
                 </a:gridCol>
                 <a:gridCol w="955623">
                   <a:extLst>
                     <a:ext uri="{9D8B030D-6E8A-4147-A177-3AD203B41FA5}">
-                      <a16:colId xmlns:a16="http://schemas.microsoft.com/office/drawing/2014/main" xmlns="" val="3058700555"/>
+                      <a16:colId xmlns="" xmlns:a16="http://schemas.microsoft.com/office/drawing/2014/main" val="3058700555"/>
                     </a:ext>
                   </a:extLst>
                 </a:gridCol>
                 <a:gridCol w="1484964">
                   <a:extLst>
                     <a:ext uri="{9D8B030D-6E8A-4147-A177-3AD203B41FA5}">
-                      <a16:colId xmlns:a16="http://schemas.microsoft.com/office/drawing/2014/main" xmlns="" val="489067259"/>
+                      <a16:colId xmlns="" xmlns:a16="http://schemas.microsoft.com/office/drawing/2014/main" val="489067259"/>
                     </a:ext>
                   </a:extLst>
                 </a:gridCol>
@@ -38288,7 +38336,7 @@
                 </a:tc>
                 <a:extLst>
                   <a:ext uri="{0D108BD9-81ED-4DB2-BD59-A6C34878D82A}">
-                    <a16:rowId xmlns:a16="http://schemas.microsoft.com/office/drawing/2014/main" xmlns="" val="2857107962"/>
+                    <a16:rowId xmlns="" xmlns:a16="http://schemas.microsoft.com/office/drawing/2014/main" val="2857107962"/>
                   </a:ext>
                 </a:extLst>
               </a:tr>
@@ -38391,7 +38439,7 @@
                 </a:tc>
                 <a:extLst>
                   <a:ext uri="{0D108BD9-81ED-4DB2-BD59-A6C34878D82A}">
-                    <a16:rowId xmlns:a16="http://schemas.microsoft.com/office/drawing/2014/main" xmlns="" val="1671386868"/>
+                    <a16:rowId xmlns="" xmlns:a16="http://schemas.microsoft.com/office/drawing/2014/main" val="1671386868"/>
                   </a:ext>
                 </a:extLst>
               </a:tr>
@@ -38494,7 +38542,7 @@
                 </a:tc>
                 <a:extLst>
                   <a:ext uri="{0D108BD9-81ED-4DB2-BD59-A6C34878D82A}">
-                    <a16:rowId xmlns:a16="http://schemas.microsoft.com/office/drawing/2014/main" xmlns="" val="380626418"/>
+                    <a16:rowId xmlns="" xmlns:a16="http://schemas.microsoft.com/office/drawing/2014/main" val="380626418"/>
                   </a:ext>
                 </a:extLst>
               </a:tr>
@@ -38613,7 +38661,7 @@
                 </a:tc>
                 <a:extLst>
                   <a:ext uri="{0D108BD9-81ED-4DB2-BD59-A6C34878D82A}">
-                    <a16:rowId xmlns:a16="http://schemas.microsoft.com/office/drawing/2014/main" xmlns="" val="2132482967"/>
+                    <a16:rowId xmlns="" xmlns:a16="http://schemas.microsoft.com/office/drawing/2014/main" val="2132482967"/>
                   </a:ext>
                 </a:extLst>
               </a:tr>
@@ -38716,7 +38764,7 @@
                 </a:tc>
                 <a:extLst>
                   <a:ext uri="{0D108BD9-81ED-4DB2-BD59-A6C34878D82A}">
-                    <a16:rowId xmlns:a16="http://schemas.microsoft.com/office/drawing/2014/main" xmlns="" val="3936251906"/>
+                    <a16:rowId xmlns="" xmlns:a16="http://schemas.microsoft.com/office/drawing/2014/main" val="3936251906"/>
                   </a:ext>
                 </a:extLst>
               </a:tr>
@@ -38822,7 +38870,7 @@
                 </a:tc>
                 <a:extLst>
                   <a:ext uri="{0D108BD9-81ED-4DB2-BD59-A6C34878D82A}">
-                    <a16:rowId xmlns:a16="http://schemas.microsoft.com/office/drawing/2014/main" xmlns="" val="568537164"/>
+                    <a16:rowId xmlns="" xmlns:a16="http://schemas.microsoft.com/office/drawing/2014/main" val="568537164"/>
                   </a:ext>
                 </a:extLst>
               </a:tr>
@@ -38833,7 +38881,7 @@
     </p:spTree>
     <p:extLst>
       <p:ext uri="{BB962C8B-B14F-4D97-AF65-F5344CB8AC3E}">
-        <p14:creationId xmlns:p14="http://schemas.microsoft.com/office/powerpoint/2010/main" xmlns="" val="1510706933"/>
+        <p14:creationId xmlns="" xmlns:p14="http://schemas.microsoft.com/office/powerpoint/2010/main" val="1510706933"/>
       </p:ext>
     </p:extLst>
   </p:cSld>
@@ -38865,7 +38913,7 @@
           <p:cNvPr id="8" name="Title 1">
             <a:extLst>
               <a:ext uri="{FF2B5EF4-FFF2-40B4-BE49-F238E27FC236}">
-                <a16:creationId xmlns:a16="http://schemas.microsoft.com/office/drawing/2014/main" xmlns="" id="{47A9874B-BCA9-8420-1595-EDD1865A099A}"/>
+                <a16:creationId xmlns="" xmlns:a16="http://schemas.microsoft.com/office/drawing/2014/main" id="{47A9874B-BCA9-8420-1595-EDD1865A099A}"/>
               </a:ext>
             </a:extLst>
           </p:cNvPr>
@@ -38899,7 +38947,7 @@
           <p:cNvPr id="9" name="Content Placeholder 2">
             <a:extLst>
               <a:ext uri="{FF2B5EF4-FFF2-40B4-BE49-F238E27FC236}">
-                <a16:creationId xmlns:a16="http://schemas.microsoft.com/office/drawing/2014/main" xmlns="" id="{A6A33159-D030-2F82-A142-F75940728319}"/>
+                <a16:creationId xmlns="" xmlns:a16="http://schemas.microsoft.com/office/drawing/2014/main" id="{A6A33159-D030-2F82-A142-F75940728319}"/>
               </a:ext>
             </a:extLst>
           </p:cNvPr>
@@ -39046,7 +39094,7 @@
     </p:spTree>
     <p:extLst>
       <p:ext uri="{BB962C8B-B14F-4D97-AF65-F5344CB8AC3E}">
-        <p14:creationId xmlns:p14="http://schemas.microsoft.com/office/powerpoint/2010/main" xmlns="" val="414613742"/>
+        <p14:creationId xmlns="" xmlns:p14="http://schemas.microsoft.com/office/powerpoint/2010/main" val="414613742"/>
       </p:ext>
     </p:extLst>
   </p:cSld>
@@ -39078,7 +39126,7 @@
           <p:cNvPr id="2" name="Title 1">
             <a:extLst>
               <a:ext uri="{FF2B5EF4-FFF2-40B4-BE49-F238E27FC236}">
-                <a16:creationId xmlns:a16="http://schemas.microsoft.com/office/drawing/2014/main" xmlns="" id="{28BAC361-0D7A-DC05-86B5-6DD77D322F5B}"/>
+                <a16:creationId xmlns="" xmlns:a16="http://schemas.microsoft.com/office/drawing/2014/main" id="{28BAC361-0D7A-DC05-86B5-6DD77D322F5B}"/>
               </a:ext>
             </a:extLst>
           </p:cNvPr>
@@ -39112,7 +39160,7 @@
           <p:cNvPr id="3" name="Content Placeholder 2">
             <a:extLst>
               <a:ext uri="{FF2B5EF4-FFF2-40B4-BE49-F238E27FC236}">
-                <a16:creationId xmlns:a16="http://schemas.microsoft.com/office/drawing/2014/main" xmlns="" id="{1BE98EFF-197D-3136-70B9-7BBD30A48931}"/>
+                <a16:creationId xmlns="" xmlns:a16="http://schemas.microsoft.com/office/drawing/2014/main" id="{1BE98EFF-197D-3136-70B9-7BBD30A48931}"/>
               </a:ext>
             </a:extLst>
           </p:cNvPr>
@@ -39161,7 +39209,7 @@
     </p:spTree>
     <p:extLst>
       <p:ext uri="{BB962C8B-B14F-4D97-AF65-F5344CB8AC3E}">
-        <p14:creationId xmlns:p14="http://schemas.microsoft.com/office/powerpoint/2010/main" xmlns="" val="1562484837"/>
+        <p14:creationId xmlns="" xmlns:p14="http://schemas.microsoft.com/office/powerpoint/2010/main" val="1562484837"/>
       </p:ext>
     </p:extLst>
   </p:cSld>
@@ -39193,7 +39241,7 @@
           <p:cNvPr id="8" name="Title 1">
             <a:extLst>
               <a:ext uri="{FF2B5EF4-FFF2-40B4-BE49-F238E27FC236}">
-                <a16:creationId xmlns:a16="http://schemas.microsoft.com/office/drawing/2014/main" xmlns="" id="{47A9874B-BCA9-8420-1595-EDD1865A099A}"/>
+                <a16:creationId xmlns="" xmlns:a16="http://schemas.microsoft.com/office/drawing/2014/main" id="{47A9874B-BCA9-8420-1595-EDD1865A099A}"/>
               </a:ext>
             </a:extLst>
           </p:cNvPr>
@@ -39228,7 +39276,7 @@
           <p:cNvPr id="9" name="Content Placeholder 2">
             <a:extLst>
               <a:ext uri="{FF2B5EF4-FFF2-40B4-BE49-F238E27FC236}">
-                <a16:creationId xmlns:a16="http://schemas.microsoft.com/office/drawing/2014/main" xmlns="" id="{A6A33159-D030-2F82-A142-F75940728319}"/>
+                <a16:creationId xmlns="" xmlns:a16="http://schemas.microsoft.com/office/drawing/2014/main" id="{A6A33159-D030-2F82-A142-F75940728319}"/>
               </a:ext>
             </a:extLst>
           </p:cNvPr>
@@ -39381,7 +39429,7 @@
           <p:cNvPr id="4" name="Content Placeholder 2">
             <a:extLst>
               <a:ext uri="{FF2B5EF4-FFF2-40B4-BE49-F238E27FC236}">
-                <a16:creationId xmlns:a16="http://schemas.microsoft.com/office/drawing/2014/main" xmlns="" id="{A6A33159-D030-2F82-A142-F75940728319}"/>
+                <a16:creationId xmlns="" xmlns:a16="http://schemas.microsoft.com/office/drawing/2014/main" id="{A6A33159-D030-2F82-A142-F75940728319}"/>
               </a:ext>
             </a:extLst>
           </p:cNvPr>
@@ -39689,7 +39737,7 @@
     </p:spTree>
     <p:extLst>
       <p:ext uri="{BB962C8B-B14F-4D97-AF65-F5344CB8AC3E}">
-        <p14:creationId xmlns:p14="http://schemas.microsoft.com/office/powerpoint/2010/main" xmlns="" val="414613742"/>
+        <p14:creationId xmlns="" xmlns:p14="http://schemas.microsoft.com/office/powerpoint/2010/main" val="414613742"/>
       </p:ext>
     </p:extLst>
   </p:cSld>
@@ -39721,7 +39769,7 @@
           <p:cNvPr id="2" name="Title 1">
             <a:extLst>
               <a:ext uri="{FF2B5EF4-FFF2-40B4-BE49-F238E27FC236}">
-                <a16:creationId xmlns:a16="http://schemas.microsoft.com/office/drawing/2014/main" xmlns="" id="{D1FC59F6-9B22-C211-4B4C-A2FD4B914C46}"/>
+                <a16:creationId xmlns="" xmlns:a16="http://schemas.microsoft.com/office/drawing/2014/main" id="{D1FC59F6-9B22-C211-4B4C-A2FD4B914C46}"/>
               </a:ext>
             </a:extLst>
           </p:cNvPr>
@@ -39745,11 +39793,7 @@
           <a:p>
             <a:r>
               <a:rPr lang="en-US" dirty="0" smtClean="0"/>
-              <a:t>Models </a:t>
-            </a:r>
-            <a:r>
-              <a:rPr lang="en-US" dirty="0" smtClean="0"/>
-              <a:t>– Fashion Captioning Dataset (FACAD)</a:t>
+              <a:t>Models – Fashion Captioning Dataset (FACAD)</a:t>
             </a:r>
             <a:endParaRPr lang="en-US" dirty="0"/>
           </a:p>
@@ -39760,7 +39804,7 @@
           <p:cNvPr id="4" name="Table Placeholder 3">
             <a:extLst>
               <a:ext uri="{FF2B5EF4-FFF2-40B4-BE49-F238E27FC236}">
-                <a16:creationId xmlns:a16="http://schemas.microsoft.com/office/drawing/2014/main" xmlns="" id="{0519CAC4-33D8-0B1E-88FF-086E69894AFB}"/>
+                <a16:creationId xmlns="" xmlns:a16="http://schemas.microsoft.com/office/drawing/2014/main" id="{0519CAC4-33D8-0B1E-88FF-086E69894AFB}"/>
               </a:ext>
             </a:extLst>
           </p:cNvPr>
@@ -39771,7 +39815,7 @@
             <p:ph type="tbl" sz="quarter" idx="13"/>
             <p:extLst>
               <p:ext uri="{D42A27DB-BD31-4B8C-83A1-F6EECF244321}">
-                <p14:modId xmlns:p14="http://schemas.microsoft.com/office/powerpoint/2010/main" xmlns="" val="3019515003"/>
+                <p14:modId xmlns="" xmlns:p14="http://schemas.microsoft.com/office/powerpoint/2010/main" val="3019515003"/>
               </p:ext>
             </p:extLst>
           </p:nvPr>
@@ -39790,35 +39834,35 @@
                 <a:gridCol w="1926482">
                   <a:extLst>
                     <a:ext uri="{9D8B030D-6E8A-4147-A177-3AD203B41FA5}">
-                      <a16:colId xmlns:a16="http://schemas.microsoft.com/office/drawing/2014/main" xmlns="" val="2382218087"/>
+                      <a16:colId xmlns="" xmlns:a16="http://schemas.microsoft.com/office/drawing/2014/main" val="2382218087"/>
                     </a:ext>
                   </a:extLst>
                 </a:gridCol>
                 <a:gridCol w="1504545">
                   <a:extLst>
                     <a:ext uri="{9D8B030D-6E8A-4147-A177-3AD203B41FA5}">
-                      <a16:colId xmlns:a16="http://schemas.microsoft.com/office/drawing/2014/main" xmlns="" val="3953468724"/>
+                      <a16:colId xmlns="" xmlns:a16="http://schemas.microsoft.com/office/drawing/2014/main" val="3953468724"/>
                     </a:ext>
                   </a:extLst>
                 </a:gridCol>
                 <a:gridCol w="1512987">
                   <a:extLst>
                     <a:ext uri="{9D8B030D-6E8A-4147-A177-3AD203B41FA5}">
-                      <a16:colId xmlns:a16="http://schemas.microsoft.com/office/drawing/2014/main" xmlns="" val="2438884888"/>
+                      <a16:colId xmlns="" xmlns:a16="http://schemas.microsoft.com/office/drawing/2014/main" val="2438884888"/>
                     </a:ext>
                   </a:extLst>
                 </a:gridCol>
                 <a:gridCol w="1017917">
                   <a:extLst>
                     <a:ext uri="{9D8B030D-6E8A-4147-A177-3AD203B41FA5}">
-                      <a16:colId xmlns:a16="http://schemas.microsoft.com/office/drawing/2014/main" xmlns="" val="3058700555"/>
+                      <a16:colId xmlns="" xmlns:a16="http://schemas.microsoft.com/office/drawing/2014/main" val="3058700555"/>
                     </a:ext>
                   </a:extLst>
                 </a:gridCol>
                 <a:gridCol w="1509317">
                   <a:extLst>
                     <a:ext uri="{9D8B030D-6E8A-4147-A177-3AD203B41FA5}">
-                      <a16:colId xmlns:a16="http://schemas.microsoft.com/office/drawing/2014/main" xmlns="" val="489067259"/>
+                      <a16:colId xmlns="" xmlns:a16="http://schemas.microsoft.com/office/drawing/2014/main" val="489067259"/>
                     </a:ext>
                   </a:extLst>
                 </a:gridCol>
@@ -39921,7 +39965,7 @@
                 </a:tc>
                 <a:extLst>
                   <a:ext uri="{0D108BD9-81ED-4DB2-BD59-A6C34878D82A}">
-                    <a16:rowId xmlns:a16="http://schemas.microsoft.com/office/drawing/2014/main" xmlns="" val="2857107962"/>
+                    <a16:rowId xmlns="" xmlns:a16="http://schemas.microsoft.com/office/drawing/2014/main" val="2857107962"/>
                   </a:ext>
                 </a:extLst>
               </a:tr>
@@ -40029,7 +40073,7 @@
                 </a:tc>
                 <a:extLst>
                   <a:ext uri="{0D108BD9-81ED-4DB2-BD59-A6C34878D82A}">
-                    <a16:rowId xmlns:a16="http://schemas.microsoft.com/office/drawing/2014/main" xmlns="" val="1671386868"/>
+                    <a16:rowId xmlns="" xmlns:a16="http://schemas.microsoft.com/office/drawing/2014/main" val="1671386868"/>
                   </a:ext>
                 </a:extLst>
               </a:tr>
@@ -40137,7 +40181,7 @@
                 </a:tc>
                 <a:extLst>
                   <a:ext uri="{0D108BD9-81ED-4DB2-BD59-A6C34878D82A}">
-                    <a16:rowId xmlns:a16="http://schemas.microsoft.com/office/drawing/2014/main" xmlns="" val="380626418"/>
+                    <a16:rowId xmlns="" xmlns:a16="http://schemas.microsoft.com/office/drawing/2014/main" val="380626418"/>
                   </a:ext>
                 </a:extLst>
               </a:tr>
@@ -40255,7 +40299,7 @@
                 </a:tc>
                 <a:extLst>
                   <a:ext uri="{0D108BD9-81ED-4DB2-BD59-A6C34878D82A}">
-                    <a16:rowId xmlns:a16="http://schemas.microsoft.com/office/drawing/2014/main" xmlns="" val="2132482967"/>
+                    <a16:rowId xmlns="" xmlns:a16="http://schemas.microsoft.com/office/drawing/2014/main" val="2132482967"/>
                   </a:ext>
                 </a:extLst>
               </a:tr>
@@ -40357,7 +40401,7 @@
                 </a:tc>
                 <a:extLst>
                   <a:ext uri="{0D108BD9-81ED-4DB2-BD59-A6C34878D82A}">
-                    <a16:rowId xmlns:a16="http://schemas.microsoft.com/office/drawing/2014/main" xmlns="" val="3936251906"/>
+                    <a16:rowId xmlns="" xmlns:a16="http://schemas.microsoft.com/office/drawing/2014/main" val="3936251906"/>
                   </a:ext>
                 </a:extLst>
               </a:tr>
@@ -40368,7 +40412,7 @@
     </p:spTree>
     <p:extLst>
       <p:ext uri="{BB962C8B-B14F-4D97-AF65-F5344CB8AC3E}">
-        <p14:creationId xmlns:p14="http://schemas.microsoft.com/office/powerpoint/2010/main" xmlns="" val="1510706933"/>
+        <p14:creationId xmlns="" xmlns:p14="http://schemas.microsoft.com/office/powerpoint/2010/main" val="1510706933"/>
       </p:ext>
     </p:extLst>
   </p:cSld>
@@ -40395,10 +40439,387 @@
           <a:chExt cx="0" cy="0"/>
         </a:xfrm>
       </p:grpSpPr>
+      <p:sp>
+        <p:nvSpPr>
+          <p:cNvPr id="8" name="Title 1">
+            <a:extLst>
+              <a:ext uri="{FF2B5EF4-FFF2-40B4-BE49-F238E27FC236}">
+                <a16:creationId xmlns="" xmlns:a16="http://schemas.microsoft.com/office/drawing/2014/main" id="{47A9874B-BCA9-8420-1595-EDD1865A099A}"/>
+              </a:ext>
+            </a:extLst>
+          </p:cNvPr>
+          <p:cNvSpPr>
+            <a:spLocks noGrp="1"/>
+          </p:cNvSpPr>
+          <p:nvPr>
+            <p:ph type="title"/>
+          </p:nvPr>
+        </p:nvSpPr>
+        <p:spPr>
+          <a:xfrm>
+            <a:off x="628650" y="273844"/>
+            <a:ext cx="7886700" cy="994172"/>
+          </a:xfrm>
+          <a:noFill/>
+        </p:spPr>
+        <p:txBody>
+          <a:bodyPr anchor="ctr"/>
+          <a:lstStyle/>
+          <a:p>
+            <a:r>
+              <a:rPr lang="en-US" dirty="0"/>
+              <a:t>Retrieval Augmented </a:t>
+            </a:r>
+            <a:r>
+              <a:rPr lang="en-US" dirty="0" smtClean="0"/>
+              <a:t>Generation – Evaluation</a:t>
+            </a:r>
+            <a:endParaRPr lang="en-US" dirty="0">
+              <a:solidFill>
+                <a:schemeClr val="accent2">
+                  <a:lumMod val="50000"/>
+                </a:schemeClr>
+              </a:solidFill>
+            </a:endParaRPr>
+          </a:p>
+        </p:txBody>
+      </p:sp>
+      <p:sp>
+        <p:nvSpPr>
+          <p:cNvPr id="5" name="Content Placeholder 2">
+            <a:extLst>
+              <a:ext uri="{FF2B5EF4-FFF2-40B4-BE49-F238E27FC236}">
+                <a16:creationId xmlns="" xmlns:a16="http://schemas.microsoft.com/office/drawing/2014/main" id="{A6A33159-D030-2F82-A142-F75940728319}"/>
+              </a:ext>
+            </a:extLst>
+          </p:cNvPr>
+          <p:cNvSpPr>
+            <a:spLocks noGrp="1"/>
+          </p:cNvSpPr>
+          <p:nvPr>
+            <p:ph sz="quarter" idx="4294967295"/>
+          </p:nvPr>
+        </p:nvSpPr>
+        <p:spPr>
+          <a:xfrm>
+            <a:off x="628650" y="1378574"/>
+            <a:ext cx="3761767" cy="3213667"/>
+          </a:xfrm>
+          <a:prstGeom prst="rect">
+            <a:avLst/>
+          </a:prstGeom>
+          <a:noFill/>
+        </p:spPr>
+        <p:txBody>
+          <a:bodyPr vert="horz" lIns="68580" tIns="34290" rIns="68580" bIns="34290" rtlCol="0" anchor="t">
+            <a:normAutofit/>
+          </a:bodyPr>
+          <a:lstStyle/>
+          <a:p>
+            <a:pPr marL="171450" lvl="1">
+              <a:spcBef>
+                <a:spcPts val="750"/>
+              </a:spcBef>
+              <a:spcAft>
+                <a:spcPts val="600"/>
+              </a:spcAft>
+              <a:buClr>
+                <a:schemeClr val="accent2"/>
+              </a:buClr>
+            </a:pPr>
+            <a:r>
+              <a:rPr lang="en-IN" sz="2000" dirty="0" smtClean="0"/>
+              <a:t>Ground Truth (GT) by Human </a:t>
+            </a:r>
+          </a:p>
+          <a:p>
+            <a:pPr marL="171450" lvl="1">
+              <a:spcBef>
+                <a:spcPts val="750"/>
+              </a:spcBef>
+              <a:spcAft>
+                <a:spcPts val="600"/>
+              </a:spcAft>
+              <a:buClr>
+                <a:schemeClr val="accent2"/>
+              </a:buClr>
+            </a:pPr>
+            <a:r>
+              <a:rPr lang="en-IN" sz="2000" dirty="0" smtClean="0"/>
+              <a:t>Character based evaluation</a:t>
+            </a:r>
+          </a:p>
+          <a:p>
+            <a:pPr marL="514350" lvl="2">
+              <a:spcBef>
+                <a:spcPts val="750"/>
+              </a:spcBef>
+              <a:spcAft>
+                <a:spcPts val="600"/>
+              </a:spcAft>
+              <a:buClr>
+                <a:schemeClr val="accent2"/>
+              </a:buClr>
+            </a:pPr>
+            <a:r>
+              <a:rPr lang="en-IN" sz="1700" dirty="0" smtClean="0"/>
+              <a:t>Edit distance</a:t>
+            </a:r>
+          </a:p>
+          <a:p>
+            <a:pPr marL="171450" lvl="1">
+              <a:spcBef>
+                <a:spcPts val="750"/>
+              </a:spcBef>
+              <a:spcAft>
+                <a:spcPts val="600"/>
+              </a:spcAft>
+              <a:buClr>
+                <a:schemeClr val="accent2"/>
+              </a:buClr>
+            </a:pPr>
+            <a:r>
+              <a:rPr lang="en-IN" sz="2000" dirty="0" smtClean="0"/>
+              <a:t>Word based evaluation</a:t>
+            </a:r>
+          </a:p>
+          <a:p>
+            <a:pPr marL="514350" lvl="2">
+              <a:spcBef>
+                <a:spcPts val="750"/>
+              </a:spcBef>
+              <a:spcAft>
+                <a:spcPts val="600"/>
+              </a:spcAft>
+              <a:buClr>
+                <a:schemeClr val="accent2"/>
+              </a:buClr>
+            </a:pPr>
+            <a:r>
+              <a:rPr lang="en-IN" sz="1700" dirty="0" smtClean="0"/>
+              <a:t>WER, BLEU</a:t>
+            </a:r>
+            <a:endParaRPr lang="en-IN" sz="1700" dirty="0"/>
+          </a:p>
+          <a:p>
+            <a:pPr marL="171450" lvl="1">
+              <a:spcBef>
+                <a:spcPts val="750"/>
+              </a:spcBef>
+              <a:spcAft>
+                <a:spcPts val="600"/>
+              </a:spcAft>
+              <a:buClr>
+                <a:schemeClr val="accent2"/>
+              </a:buClr>
+            </a:pPr>
+            <a:r>
+              <a:rPr lang="en-IN" sz="2000" dirty="0" smtClean="0"/>
+              <a:t>Embedding based evaluation</a:t>
+            </a:r>
+          </a:p>
+          <a:p>
+            <a:pPr marL="514350" lvl="2">
+              <a:spcBef>
+                <a:spcPts val="750"/>
+              </a:spcBef>
+              <a:spcAft>
+                <a:spcPts val="600"/>
+              </a:spcAft>
+              <a:buClr>
+                <a:schemeClr val="accent2"/>
+              </a:buClr>
+            </a:pPr>
+            <a:r>
+              <a:rPr lang="en-IN" sz="1700" dirty="0" smtClean="0"/>
+              <a:t>BERT score, Mover score</a:t>
+            </a:r>
+          </a:p>
+        </p:txBody>
+      </p:sp>
+      <p:sp>
+        <p:nvSpPr>
+          <p:cNvPr id="4" name="Content Placeholder 2">
+            <a:extLst>
+              <a:ext uri="{FF2B5EF4-FFF2-40B4-BE49-F238E27FC236}">
+                <a16:creationId xmlns="" xmlns:a16="http://schemas.microsoft.com/office/drawing/2014/main" id="{A6A33159-D030-2F82-A142-F75940728319}"/>
+              </a:ext>
+            </a:extLst>
+          </p:cNvPr>
+          <p:cNvSpPr>
+            <a:spLocks noGrp="1"/>
+          </p:cNvSpPr>
+          <p:nvPr>
+            <p:ph sz="quarter" idx="4294967295"/>
+          </p:nvPr>
+        </p:nvSpPr>
+        <p:spPr>
+          <a:xfrm>
+            <a:off x="4513634" y="1378574"/>
+            <a:ext cx="3982665" cy="3213667"/>
+          </a:xfrm>
+          <a:prstGeom prst="rect">
+            <a:avLst/>
+          </a:prstGeom>
+          <a:noFill/>
+        </p:spPr>
+        <p:txBody>
+          <a:bodyPr vert="horz" lIns="68580" tIns="34290" rIns="68580" bIns="34290" rtlCol="0" anchor="t">
+            <a:normAutofit/>
+          </a:bodyPr>
+          <a:lstStyle/>
+          <a:p>
+            <a:pPr marL="171450" lvl="1">
+              <a:spcBef>
+                <a:spcPts val="750"/>
+              </a:spcBef>
+              <a:spcAft>
+                <a:spcPts val="600"/>
+              </a:spcAft>
+              <a:buClr>
+                <a:schemeClr val="accent2"/>
+              </a:buClr>
+            </a:pPr>
+            <a:r>
+              <a:rPr lang="en-IN" sz="2000" dirty="0" smtClean="0"/>
+              <a:t>Ground Truth (GT) by LLM </a:t>
+            </a:r>
+          </a:p>
+          <a:p>
+            <a:pPr marL="171450" lvl="1">
+              <a:spcBef>
+                <a:spcPts val="750"/>
+              </a:spcBef>
+              <a:spcAft>
+                <a:spcPts val="600"/>
+              </a:spcAft>
+              <a:buClr>
+                <a:schemeClr val="accent2"/>
+              </a:buClr>
+            </a:pPr>
+            <a:r>
+              <a:rPr lang="en-IN" sz="2000" dirty="0" smtClean="0"/>
+              <a:t>Mathematical Framework</a:t>
+            </a:r>
+          </a:p>
+          <a:p>
+            <a:pPr marL="514350" lvl="2">
+              <a:spcBef>
+                <a:spcPts val="750"/>
+              </a:spcBef>
+              <a:spcAft>
+                <a:spcPts val="600"/>
+              </a:spcAft>
+              <a:buClr>
+                <a:schemeClr val="accent2"/>
+              </a:buClr>
+            </a:pPr>
+            <a:r>
+              <a:rPr lang="en-IN" sz="1700" dirty="0" smtClean="0"/>
+              <a:t>RAGAS framework</a:t>
+            </a:r>
+          </a:p>
+          <a:p>
+            <a:pPr marL="171450" lvl="1">
+              <a:spcBef>
+                <a:spcPts val="750"/>
+              </a:spcBef>
+              <a:spcAft>
+                <a:spcPts val="600"/>
+              </a:spcAft>
+              <a:buClr>
+                <a:schemeClr val="accent2"/>
+              </a:buClr>
+            </a:pPr>
+            <a:r>
+              <a:rPr lang="en-IN" sz="2000" dirty="0" smtClean="0"/>
+              <a:t>Experimental based Framework</a:t>
+            </a:r>
+          </a:p>
+          <a:p>
+            <a:pPr marL="514350" lvl="2">
+              <a:spcBef>
+                <a:spcPts val="750"/>
+              </a:spcBef>
+              <a:spcAft>
+                <a:spcPts val="600"/>
+              </a:spcAft>
+              <a:buClr>
+                <a:schemeClr val="accent2"/>
+              </a:buClr>
+            </a:pPr>
+            <a:r>
+              <a:rPr lang="en-IN" sz="1700" dirty="0" smtClean="0"/>
+              <a:t>Number of tasks and</a:t>
+            </a:r>
+            <a:r>
+              <a:rPr lang="en-IN" sz="1700" dirty="0" smtClean="0"/>
+              <a:t> </a:t>
+            </a:r>
+            <a:r>
+              <a:rPr lang="en-IN" sz="1700" dirty="0" smtClean="0"/>
+              <a:t>datasets </a:t>
+            </a:r>
+          </a:p>
+          <a:p>
+            <a:pPr marL="514350" lvl="2">
+              <a:spcBef>
+                <a:spcPts val="750"/>
+              </a:spcBef>
+              <a:spcAft>
+                <a:spcPts val="600"/>
+              </a:spcAft>
+              <a:buClr>
+                <a:schemeClr val="accent2"/>
+              </a:buClr>
+            </a:pPr>
+            <a:r>
+              <a:rPr lang="en-IN" sz="1700" dirty="0" smtClean="0"/>
+              <a:t>Number of a</a:t>
+            </a:r>
+            <a:r>
+              <a:rPr lang="en-IN" sz="1700" dirty="0" smtClean="0"/>
+              <a:t>spects</a:t>
+            </a:r>
+          </a:p>
+          <a:p>
+            <a:pPr marL="514350" lvl="2">
+              <a:spcBef>
+                <a:spcPts val="750"/>
+              </a:spcBef>
+              <a:spcAft>
+                <a:spcPts val="600"/>
+              </a:spcAft>
+              <a:buClr>
+                <a:schemeClr val="accent2"/>
+              </a:buClr>
+            </a:pPr>
+            <a:r>
+              <a:rPr lang="en-IN" sz="1700" dirty="0" smtClean="0"/>
+              <a:t>GPT score</a:t>
+            </a:r>
+            <a:endParaRPr lang="en-IN" sz="1700" dirty="0" smtClean="0"/>
+          </a:p>
+          <a:p>
+            <a:pPr marL="514350" lvl="2">
+              <a:spcBef>
+                <a:spcPts val="750"/>
+              </a:spcBef>
+              <a:spcAft>
+                <a:spcPts val="600"/>
+              </a:spcAft>
+              <a:buClr>
+                <a:schemeClr val="accent2"/>
+              </a:buClr>
+            </a:pPr>
+            <a:endParaRPr lang="en-IN" sz="1700" dirty="0"/>
+          </a:p>
+        </p:txBody>
+      </p:sp>
     </p:spTree>
     <p:extLst>
       <p:ext uri="{BB962C8B-B14F-4D97-AF65-F5344CB8AC3E}">
-        <p14:creationId xmlns:p14="http://schemas.microsoft.com/office/powerpoint/2010/main" xmlns="" val="363098972"/>
+        <p14:creationId xmlns="" xmlns:p14="http://schemas.microsoft.com/office/powerpoint/2010/main" val="414613742"/>
       </p:ext>
     </p:extLst>
   </p:cSld>
@@ -40428,7 +40849,37 @@
     </p:spTree>
     <p:extLst>
       <p:ext uri="{BB962C8B-B14F-4D97-AF65-F5344CB8AC3E}">
-        <p14:creationId xmlns:p14="http://schemas.microsoft.com/office/powerpoint/2010/main" xmlns="" val="729609147"/>
+        <p14:creationId xmlns="" xmlns:p14="http://schemas.microsoft.com/office/powerpoint/2010/main" val="363098972"/>
+      </p:ext>
+    </p:extLst>
+  </p:cSld>
+  <p:clrMapOvr>
+    <a:masterClrMapping/>
+  </p:clrMapOvr>
+</p:sld>
+</file>
+
+<file path=ppt/slides/slide57.xml><?xml version="1.0" encoding="utf-8"?>
+<p:sld xmlns:a="http://schemas.openxmlformats.org/drawingml/2006/main" xmlns:r="http://schemas.openxmlformats.org/officeDocument/2006/relationships" xmlns:p="http://schemas.openxmlformats.org/presentationml/2006/main">
+  <p:cSld>
+    <p:spTree>
+      <p:nvGrpSpPr>
+        <p:cNvPr id="1" name=""/>
+        <p:cNvGrpSpPr/>
+        <p:nvPr/>
+      </p:nvGrpSpPr>
+      <p:grpSpPr>
+        <a:xfrm>
+          <a:off x="0" y="0"/>
+          <a:ext cx="0" cy="0"/>
+          <a:chOff x="0" y="0"/>
+          <a:chExt cx="0" cy="0"/>
+        </a:xfrm>
+      </p:grpSpPr>
+    </p:spTree>
+    <p:extLst>
+      <p:ext uri="{BB962C8B-B14F-4D97-AF65-F5344CB8AC3E}">
+        <p14:creationId xmlns="" xmlns:p14="http://schemas.microsoft.com/office/powerpoint/2010/main" val="729609147"/>
       </p:ext>
     </p:extLst>
   </p:cSld>
@@ -40460,7 +40911,7 @@
           <p:cNvPr id="2" name="Title 1">
             <a:extLst>
               <a:ext uri="{FF2B5EF4-FFF2-40B4-BE49-F238E27FC236}">
-                <a16:creationId xmlns:a16="http://schemas.microsoft.com/office/drawing/2014/main" xmlns="" id="{47A9874B-BCA9-8420-1595-EDD1865A099A}"/>
+                <a16:creationId xmlns="" xmlns:a16="http://schemas.microsoft.com/office/drawing/2014/main" id="{47A9874B-BCA9-8420-1595-EDD1865A099A}"/>
               </a:ext>
             </a:extLst>
           </p:cNvPr>
@@ -40494,7 +40945,7 @@
           <p:cNvPr id="7" name="Content Placeholder 2">
             <a:extLst>
               <a:ext uri="{FF2B5EF4-FFF2-40B4-BE49-F238E27FC236}">
-                <a16:creationId xmlns:a16="http://schemas.microsoft.com/office/drawing/2014/main" xmlns="" id="{A6A33159-D030-2F82-A142-F75940728319}"/>
+                <a16:creationId xmlns="" xmlns:a16="http://schemas.microsoft.com/office/drawing/2014/main" id="{A6A33159-D030-2F82-A142-F75940728319}"/>
               </a:ext>
             </a:extLst>
           </p:cNvPr>
@@ -40812,7 +41263,7 @@
     </p:spTree>
     <p:extLst>
       <p:ext uri="{BB962C8B-B14F-4D97-AF65-F5344CB8AC3E}">
-        <p14:creationId xmlns:p14="http://schemas.microsoft.com/office/powerpoint/2010/main" xmlns="" val="1127649784"/>
+        <p14:creationId xmlns="" xmlns:p14="http://schemas.microsoft.com/office/powerpoint/2010/main" val="1127649784"/>
       </p:ext>
     </p:extLst>
   </p:cSld>
@@ -40851,7 +41302,7 @@
           <p:cNvPr id="2" name="Title 1">
             <a:extLst>
               <a:ext uri="{FF2B5EF4-FFF2-40B4-BE49-F238E27FC236}">
-                <a16:creationId xmlns:a16="http://schemas.microsoft.com/office/drawing/2014/main" xmlns="" id="{47A9874B-BCA9-8420-1595-EDD1865A099A}"/>
+                <a16:creationId xmlns="" xmlns:a16="http://schemas.microsoft.com/office/drawing/2014/main" id="{47A9874B-BCA9-8420-1595-EDD1865A099A}"/>
               </a:ext>
             </a:extLst>
           </p:cNvPr>
@@ -40885,7 +41336,7 @@
           <p:cNvPr id="7" name="Content Placeholder 2">
             <a:extLst>
               <a:ext uri="{FF2B5EF4-FFF2-40B4-BE49-F238E27FC236}">
-                <a16:creationId xmlns:a16="http://schemas.microsoft.com/office/drawing/2014/main" xmlns="" id="{A6A33159-D030-2F82-A142-F75940728319}"/>
+                <a16:creationId xmlns="" xmlns:a16="http://schemas.microsoft.com/office/drawing/2014/main" id="{A6A33159-D030-2F82-A142-F75940728319}"/>
               </a:ext>
             </a:extLst>
           </p:cNvPr>
@@ -41042,7 +41493,7 @@
     </p:spTree>
     <p:extLst>
       <p:ext uri="{BB962C8B-B14F-4D97-AF65-F5344CB8AC3E}">
-        <p14:creationId xmlns:p14="http://schemas.microsoft.com/office/powerpoint/2010/main" xmlns="" val="1127649784"/>
+        <p14:creationId xmlns="" xmlns:p14="http://schemas.microsoft.com/office/powerpoint/2010/main" val="1127649784"/>
       </p:ext>
     </p:extLst>
   </p:cSld>
@@ -41081,7 +41532,7 @@
           <p:cNvPr id="2" name="Title 1">
             <a:extLst>
               <a:ext uri="{FF2B5EF4-FFF2-40B4-BE49-F238E27FC236}">
-                <a16:creationId xmlns:a16="http://schemas.microsoft.com/office/drawing/2014/main" xmlns="" id="{47A9874B-BCA9-8420-1595-EDD1865A099A}"/>
+                <a16:creationId xmlns="" xmlns:a16="http://schemas.microsoft.com/office/drawing/2014/main" id="{47A9874B-BCA9-8420-1595-EDD1865A099A}"/>
               </a:ext>
             </a:extLst>
           </p:cNvPr>
@@ -41115,7 +41566,7 @@
           <p:cNvPr id="7" name="Content Placeholder 2">
             <a:extLst>
               <a:ext uri="{FF2B5EF4-FFF2-40B4-BE49-F238E27FC236}">
-                <a16:creationId xmlns:a16="http://schemas.microsoft.com/office/drawing/2014/main" xmlns="" id="{A6A33159-D030-2F82-A142-F75940728319}"/>
+                <a16:creationId xmlns="" xmlns:a16="http://schemas.microsoft.com/office/drawing/2014/main" id="{A6A33159-D030-2F82-A142-F75940728319}"/>
               </a:ext>
             </a:extLst>
           </p:cNvPr>
@@ -41313,7 +41764,7 @@
     </p:spTree>
     <p:extLst>
       <p:ext uri="{BB962C8B-B14F-4D97-AF65-F5344CB8AC3E}">
-        <p14:creationId xmlns:p14="http://schemas.microsoft.com/office/powerpoint/2010/main" xmlns="" val="1127649784"/>
+        <p14:creationId xmlns="" xmlns:p14="http://schemas.microsoft.com/office/powerpoint/2010/main" val="1127649784"/>
       </p:ext>
     </p:extLst>
   </p:cSld>
@@ -41352,7 +41803,7 @@
           <p:cNvPr id="8" name="Title 1">
             <a:extLst>
               <a:ext uri="{FF2B5EF4-FFF2-40B4-BE49-F238E27FC236}">
-                <a16:creationId xmlns:a16="http://schemas.microsoft.com/office/drawing/2014/main" xmlns="" id="{47A9874B-BCA9-8420-1595-EDD1865A099A}"/>
+                <a16:creationId xmlns="" xmlns:a16="http://schemas.microsoft.com/office/drawing/2014/main" id="{47A9874B-BCA9-8420-1595-EDD1865A099A}"/>
               </a:ext>
             </a:extLst>
           </p:cNvPr>
@@ -41386,7 +41837,7 @@
           <p:cNvPr id="26" name="Content Placeholder 2">
             <a:extLst>
               <a:ext uri="{FF2B5EF4-FFF2-40B4-BE49-F238E27FC236}">
-                <a16:creationId xmlns:a16="http://schemas.microsoft.com/office/drawing/2014/main" xmlns="" id="{68A5FD2B-E3E5-1C2B-0151-21F216B14A33}"/>
+                <a16:creationId xmlns="" xmlns:a16="http://schemas.microsoft.com/office/drawing/2014/main" id="{68A5FD2B-E3E5-1C2B-0151-21F216B14A33}"/>
               </a:ext>
             </a:extLst>
           </p:cNvPr>
@@ -41458,7 +41909,7 @@
           <p:cNvPr id="7" name="Content Placeholder 2">
             <a:extLst>
               <a:ext uri="{FF2B5EF4-FFF2-40B4-BE49-F238E27FC236}">
-                <a16:creationId xmlns:a16="http://schemas.microsoft.com/office/drawing/2014/main" xmlns="" id="{68A5FD2B-E3E5-1C2B-0151-21F216B14A33}"/>
+                <a16:creationId xmlns="" xmlns:a16="http://schemas.microsoft.com/office/drawing/2014/main" id="{68A5FD2B-E3E5-1C2B-0151-21F216B14A33}"/>
               </a:ext>
             </a:extLst>
           </p:cNvPr>
@@ -41687,7 +42138,7 @@
     </p:spTree>
     <p:extLst>
       <p:ext uri="{BB962C8B-B14F-4D97-AF65-F5344CB8AC3E}">
-        <p14:creationId xmlns:p14="http://schemas.microsoft.com/office/powerpoint/2010/main" xmlns="" val="2737241225"/>
+        <p14:creationId xmlns="" xmlns:p14="http://schemas.microsoft.com/office/powerpoint/2010/main" val="2737241225"/>
       </p:ext>
     </p:extLst>
   </p:cSld>
@@ -41919,7 +42370,7 @@
   <a:extraClrSchemeLst/>
   <a:extLst>
     <a:ext uri="{05A4C25C-085E-4340-85A3-A5531E510DB2}">
-      <thm15:themeFamily xmlns:thm15="http://schemas.microsoft.com/office/thememl/2012/main" xmlns="" name="TM78504181_Win32_SL_V11" id="{D9600F65-346D-4C25-A611-673E5C44A142}" vid="{299F2556-E258-444F-A1E6-FA759CE22851}"/>
+      <thm15:themeFamily xmlns="" xmlns:thm15="http://schemas.microsoft.com/office/thememl/2012/main" name="TM78504181_Win32_SL_V11" id="{D9600F65-346D-4C25-A611-673E5C44A142}" vid="{299F2556-E258-444F-A1E6-FA759CE22851}"/>
     </a:ext>
   </a:extLst>
 </a:theme>
@@ -42214,7 +42665,7 @@
   <a:extraClrSchemeLst/>
   <a:extLst>
     <a:ext uri="{05A4C25C-085E-4340-85A3-A5531E510DB2}">
-      <thm15:themeFamily xmlns:thm15="http://schemas.microsoft.com/office/thememl/2012/main" xmlns="" name="Office Theme" id="{62F939B6-93AF-4DB8-9C6B-D6C7DFDC589F}" vid="{4A3C46E8-61CC-4603-A589-7422A47A8E4A}"/>
+      <thm15:themeFamily xmlns="" xmlns:thm15="http://schemas.microsoft.com/office/thememl/2012/main" name="Office Theme" id="{62F939B6-93AF-4DB8-9C6B-D6C7DFDC589F}" vid="{4A3C46E8-61CC-4603-A589-7422A47A8E4A}"/>
     </a:ext>
   </a:extLst>
 </a:theme>
@@ -42529,13 +42980,22 @@
   <a:extraClrSchemeLst/>
   <a:extLst>
     <a:ext uri="{05A4C25C-085E-4340-85A3-A5531E510DB2}">
-      <thm15:themeFamily xmlns:thm15="http://schemas.microsoft.com/office/thememl/2012/main" xmlns="" name="Office Theme" id="{2E142A2C-CD16-42D6-873A-C26D2A0506FA}" vid="{1BDDFF52-6CD6-40A5-AB3C-68EB2F1E4D0A}"/>
+      <thm15:themeFamily xmlns="" xmlns:thm15="http://schemas.microsoft.com/office/thememl/2012/main" name="Office Theme" id="{2E142A2C-CD16-42D6-873A-C26D2A0506FA}" vid="{1BDDFF52-6CD6-40A5-AB3C-68EB2F1E4D0A}"/>
     </a:ext>
   </a:extLst>
 </a:theme>
 </file>
 
 <file path=customXml/item1.xml><?xml version="1.0" encoding="utf-8"?>
+<?mso-contentType ?>
+<FormTemplates xmlns="http://schemas.microsoft.com/sharepoint/v3/contenttype/forms">
+  <Display>DocumentLibraryForm</Display>
+  <Edit>DocumentLibraryForm</Edit>
+  <New>DocumentLibraryForm</New>
+</FormTemplates>
+</file>
+
+<file path=customXml/item2.xml><?xml version="1.0" encoding="utf-8"?>
 <ct:contentTypeSchema xmlns:ct="http://schemas.microsoft.com/office/2006/metadata/contentType" xmlns:ma="http://schemas.microsoft.com/office/2006/metadata/properties/metaAttributes" ct:_="" ma:_="" ma:contentTypeName="Document" ma:contentTypeID="0x01010079F111ED35F8CC479449609E8A0923A6" ma:contentTypeVersion="28" ma:contentTypeDescription="Create a new document." ma:contentTypeScope="" ma:versionID="60f5a4f2d2b0abadcf532d48ebf9cb71">
   <xsd:schema xmlns:xsd="http://www.w3.org/2001/XMLSchema" xmlns:xs="http://www.w3.org/2001/XMLSchema" xmlns:p="http://schemas.microsoft.com/office/2006/metadata/properties" xmlns:ns1="http://schemas.microsoft.com/sharepoint/v3" xmlns:ns2="71af3243-3dd4-4a8d-8c0d-dd76da1f02a5" xmlns:ns3="16c05727-aa75-4e4a-9b5f-8a80a1165891" xmlns:ns4="230e9df3-be65-4c73-a93b-d1236ebd677e" targetNamespace="http://schemas.microsoft.com/office/2006/metadata/properties" ma:root="true" ma:fieldsID="7dd78129e6a1811f84807ad11c651531" ns1:_="" ns2:_="" ns3:_="" ns4:_="">
     <xsd:import namespace="http://schemas.microsoft.com/sharepoint/v3"/>
@@ -42847,15 +43307,6 @@
 </ct:contentTypeSchema>
 </file>
 
-<file path=customXml/item2.xml><?xml version="1.0" encoding="utf-8"?>
-<?mso-contentType ?>
-<FormTemplates xmlns="http://schemas.microsoft.com/sharepoint/v3/contenttype/forms">
-  <Display>DocumentLibraryForm</Display>
-  <Edit>DocumentLibraryForm</Edit>
-  <New>DocumentLibraryForm</New>
-</FormTemplates>
-</file>
-
 <file path=customXml/item3.xml><?xml version="1.0" encoding="utf-8"?>
 <p:properties xmlns:p="http://schemas.microsoft.com/office/2006/metadata/properties" xmlns:xsi="http://www.w3.org/2001/XMLSchema-instance" xmlns:pc="http://schemas.microsoft.com/office/infopath/2007/PartnerControls">
   <documentManagement>
@@ -42877,6 +43328,14 @@
 </file>
 
 <file path=customXml/itemProps1.xml><?xml version="1.0" encoding="utf-8"?>
+<ds:datastoreItem xmlns:ds="http://schemas.openxmlformats.org/officeDocument/2006/customXml" ds:itemID="{67FFD73E-D96B-4428-99CD-717A4897D3B4}">
+  <ds:schemaRefs>
+    <ds:schemaRef ds:uri="http://schemas.microsoft.com/sharepoint/v3/contenttype/forms"/>
+  </ds:schemaRefs>
+</ds:datastoreItem>
+</file>
+
+<file path=customXml/itemProps2.xml><?xml version="1.0" encoding="utf-8"?>
 <ds:datastoreItem xmlns:ds="http://schemas.openxmlformats.org/officeDocument/2006/customXml" ds:itemID="{1285E733-8340-4FDD-A6FC-B22F1B75E4E2}">
   <ds:schemaRefs>
     <ds:schemaRef ds:uri="http://schemas.microsoft.com/office/2006/metadata/contentType"/>
@@ -42897,14 +43356,6 @@
 </ds:datastoreItem>
 </file>
 
-<file path=customXml/itemProps2.xml><?xml version="1.0" encoding="utf-8"?>
-<ds:datastoreItem xmlns:ds="http://schemas.openxmlformats.org/officeDocument/2006/customXml" ds:itemID="{67FFD73E-D96B-4428-99CD-717A4897D3B4}">
-  <ds:schemaRefs>
-    <ds:schemaRef ds:uri="http://schemas.microsoft.com/sharepoint/v3/contenttype/forms"/>
-  </ds:schemaRefs>
-</ds:datastoreItem>
-</file>
-
 <file path=customXml/itemProps3.xml><?xml version="1.0" encoding="utf-8"?>
 <ds:datastoreItem xmlns:ds="http://schemas.openxmlformats.org/officeDocument/2006/customXml" ds:itemID="{A3165DE6-2DCE-44FC-94B7-A499559DBF88}">
   <ds:schemaRefs>

--- a/Presentations/IUAC-2024/Introduction_to_Large_Language_Models-From_Foundation_to_Real_World_Applications.pptx
+++ b/Presentations/IUAC-2024/Introduction_to_Large_Language_Models-From_Foundation_to_Real_World_Applications.pptx
@@ -5,10 +5,10 @@
     <p:sldMasterId id="2147483648" r:id="rId4"/>
   </p:sldMasterIdLst>
   <p:notesMasterIdLst>
-    <p:notesMasterId r:id="rId62"/>
+    <p:notesMasterId r:id="rId63"/>
   </p:notesMasterIdLst>
   <p:handoutMasterIdLst>
-    <p:handoutMasterId r:id="rId63"/>
+    <p:handoutMasterId r:id="rId64"/>
   </p:handoutMasterIdLst>
   <p:sldIdLst>
     <p:sldId id="256" r:id="rId5"/>
@@ -66,8 +66,9 @@
     <p:sldId id="3929" r:id="rId57"/>
     <p:sldId id="3930" r:id="rId58"/>
     <p:sldId id="3932" r:id="rId59"/>
-    <p:sldId id="3850" r:id="rId60"/>
-    <p:sldId id="265" r:id="rId61"/>
+    <p:sldId id="3933" r:id="rId60"/>
+    <p:sldId id="3850" r:id="rId61"/>
+    <p:sldId id="265" r:id="rId62"/>
   </p:sldIdLst>
   <p:sldSz cx="9144000" cy="5143500" type="screen16x9"/>
   <p:notesSz cx="6858000" cy="9144000"/>
@@ -5323,7 +5324,7 @@
     </p:spTree>
     <p:extLst>
       <p:ext uri="{BB962C8B-B14F-4D97-AF65-F5344CB8AC3E}">
-        <p14:creationId xmlns="" xmlns:p14="http://schemas.microsoft.com/office/powerpoint/2010/main" val="3522538323"/>
+        <p14:creationId xmlns="" xmlns:p14="http://schemas.microsoft.com/office/powerpoint/2010/main" val="737681818"/>
       </p:ext>
     </p:extLst>
   </p:cSld>
@@ -5400,6 +5401,91 @@
               <a:rPr lang="en-US" smtClean="0"/>
               <a:pPr/>
               <a:t>57</a:t>
+            </a:fld>
+            <a:endParaRPr lang="en-US" dirty="0"/>
+          </a:p>
+        </p:txBody>
+      </p:sp>
+    </p:spTree>
+    <p:extLst>
+      <p:ext uri="{BB962C8B-B14F-4D97-AF65-F5344CB8AC3E}">
+        <p14:creationId xmlns="" xmlns:p14="http://schemas.microsoft.com/office/powerpoint/2010/main" val="3522538323"/>
+      </p:ext>
+    </p:extLst>
+  </p:cSld>
+  <p:clrMapOvr>
+    <a:masterClrMapping/>
+  </p:clrMapOvr>
+</p:notes>
+</file>
+
+<file path=ppt/notesSlides/notesSlide58.xml><?xml version="1.0" encoding="utf-8"?>
+<p:notes xmlns:a="http://schemas.openxmlformats.org/drawingml/2006/main" xmlns:r="http://schemas.openxmlformats.org/officeDocument/2006/relationships" xmlns:p="http://schemas.openxmlformats.org/presentationml/2006/main">
+  <p:cSld>
+    <p:spTree>
+      <p:nvGrpSpPr>
+        <p:cNvPr id="1" name=""/>
+        <p:cNvGrpSpPr/>
+        <p:nvPr/>
+      </p:nvGrpSpPr>
+      <p:grpSpPr>
+        <a:xfrm>
+          <a:off x="0" y="0"/>
+          <a:ext cx="0" cy="0"/>
+          <a:chOff x="0" y="0"/>
+          <a:chExt cx="0" cy="0"/>
+        </a:xfrm>
+      </p:grpSpPr>
+      <p:sp>
+        <p:nvSpPr>
+          <p:cNvPr id="2" name="Slide Image Placeholder 1"/>
+          <p:cNvSpPr>
+            <a:spLocks noGrp="1" noRot="1" noChangeAspect="1"/>
+          </p:cNvSpPr>
+          <p:nvPr>
+            <p:ph type="sldImg"/>
+          </p:nvPr>
+        </p:nvSpPr>
+        <p:spPr/>
+      </p:sp>
+      <p:sp>
+        <p:nvSpPr>
+          <p:cNvPr id="3" name="Notes Placeholder 2"/>
+          <p:cNvSpPr>
+            <a:spLocks noGrp="1"/>
+          </p:cNvSpPr>
+          <p:nvPr>
+            <p:ph type="body" idx="1"/>
+          </p:nvPr>
+        </p:nvSpPr>
+        <p:spPr/>
+        <p:txBody>
+          <a:bodyPr/>
+          <a:lstStyle/>
+          <a:p>
+            <a:endParaRPr lang="en-US" dirty="0"/>
+          </a:p>
+        </p:txBody>
+      </p:sp>
+      <p:sp>
+        <p:nvSpPr>
+          <p:cNvPr id="4" name="Slide Number Placeholder 3"/>
+          <p:cNvSpPr>
+            <a:spLocks noGrp="1"/>
+          </p:cNvSpPr>
+          <p:nvPr>
+            <p:ph type="sldNum" sz="quarter" idx="5"/>
+          </p:nvPr>
+        </p:nvSpPr>
+        <p:spPr/>
+        <p:txBody>
+          <a:bodyPr/>
+          <a:lstStyle/>
+          <a:p>
+            <a:fld id="{8B57D50D-BAA9-464B-B391-243138E078D8}" type="slidenum">
+              <a:rPr lang="en-US" smtClean="0"/>
+              <a:pPr/>
+              <a:t>58</a:t>
             </a:fld>
             <a:endParaRPr lang="en-US" dirty="0"/>
           </a:p>
@@ -40846,6 +40932,413 @@
           <a:chExt cx="0" cy="0"/>
         </a:xfrm>
       </p:grpSpPr>
+      <p:sp>
+        <p:nvSpPr>
+          <p:cNvPr id="8" name="Title 1">
+            <a:extLst>
+              <a:ext uri="{FF2B5EF4-FFF2-40B4-BE49-F238E27FC236}">
+                <a16:creationId xmlns="" xmlns:a16="http://schemas.microsoft.com/office/drawing/2014/main" id="{47A9874B-BCA9-8420-1595-EDD1865A099A}"/>
+              </a:ext>
+            </a:extLst>
+          </p:cNvPr>
+          <p:cNvSpPr>
+            <a:spLocks noGrp="1"/>
+          </p:cNvSpPr>
+          <p:nvPr>
+            <p:ph type="title"/>
+          </p:nvPr>
+        </p:nvSpPr>
+        <p:spPr>
+          <a:xfrm>
+            <a:off x="628650" y="273844"/>
+            <a:ext cx="7886700" cy="994172"/>
+          </a:xfrm>
+          <a:noFill/>
+        </p:spPr>
+        <p:txBody>
+          <a:bodyPr anchor="ctr"/>
+          <a:lstStyle/>
+          <a:p>
+            <a:r>
+              <a:rPr lang="en-US" dirty="0" smtClean="0"/>
+              <a:t>Knowledge Distillation</a:t>
+            </a:r>
+            <a:endParaRPr lang="en-US" dirty="0">
+              <a:solidFill>
+                <a:schemeClr val="accent2">
+                  <a:lumMod val="50000"/>
+                </a:schemeClr>
+              </a:solidFill>
+            </a:endParaRPr>
+          </a:p>
+        </p:txBody>
+      </p:sp>
+      <p:sp>
+        <p:nvSpPr>
+          <p:cNvPr id="5" name="Content Placeholder 2">
+            <a:extLst>
+              <a:ext uri="{FF2B5EF4-FFF2-40B4-BE49-F238E27FC236}">
+                <a16:creationId xmlns="" xmlns:a16="http://schemas.microsoft.com/office/drawing/2014/main" id="{A6A33159-D030-2F82-A142-F75940728319}"/>
+              </a:ext>
+            </a:extLst>
+          </p:cNvPr>
+          <p:cNvSpPr>
+            <a:spLocks noGrp="1"/>
+          </p:cNvSpPr>
+          <p:nvPr>
+            <p:ph sz="quarter" idx="4294967295"/>
+          </p:nvPr>
+        </p:nvSpPr>
+        <p:spPr>
+          <a:xfrm>
+            <a:off x="628650" y="1378574"/>
+            <a:ext cx="3761767" cy="3213667"/>
+          </a:xfrm>
+          <a:prstGeom prst="rect">
+            <a:avLst/>
+          </a:prstGeom>
+          <a:noFill/>
+        </p:spPr>
+        <p:txBody>
+          <a:bodyPr vert="horz" lIns="68580" tIns="34290" rIns="68580" bIns="34290" rtlCol="0" anchor="t">
+            <a:normAutofit fontScale="92500" lnSpcReduction="10000"/>
+          </a:bodyPr>
+          <a:lstStyle/>
+          <a:p>
+            <a:pPr marL="171450" lvl="1">
+              <a:spcBef>
+                <a:spcPts val="750"/>
+              </a:spcBef>
+              <a:spcAft>
+                <a:spcPts val="600"/>
+              </a:spcAft>
+              <a:buClr>
+                <a:schemeClr val="accent2"/>
+              </a:buClr>
+            </a:pPr>
+            <a:r>
+              <a:rPr lang="en-IN" sz="2000" dirty="0" smtClean="0"/>
+              <a:t>Knowledge transfer</a:t>
+            </a:r>
+          </a:p>
+          <a:p>
+            <a:pPr marL="171450" lvl="1">
+              <a:spcBef>
+                <a:spcPts val="750"/>
+              </a:spcBef>
+              <a:spcAft>
+                <a:spcPts val="600"/>
+              </a:spcAft>
+              <a:buClr>
+                <a:schemeClr val="accent2"/>
+              </a:buClr>
+            </a:pPr>
+            <a:r>
+              <a:rPr lang="en-IN" sz="2000" dirty="0" smtClean="0"/>
+              <a:t>Large pre-trained model </a:t>
+            </a:r>
+            <a:endParaRPr lang="en-IN" sz="2000" dirty="0" smtClean="0"/>
+          </a:p>
+          <a:p>
+            <a:pPr marL="171450" lvl="1">
+              <a:spcBef>
+                <a:spcPts val="750"/>
+              </a:spcBef>
+              <a:spcAft>
+                <a:spcPts val="600"/>
+              </a:spcAft>
+              <a:buClr>
+                <a:schemeClr val="accent2"/>
+              </a:buClr>
+            </a:pPr>
+            <a:r>
+              <a:rPr lang="en-IN" sz="2000" dirty="0" smtClean="0"/>
+              <a:t>Set </a:t>
+            </a:r>
+            <a:r>
+              <a:rPr lang="en-IN" sz="2000" dirty="0" smtClean="0"/>
+              <a:t>of </a:t>
+            </a:r>
+            <a:r>
+              <a:rPr lang="en-IN" sz="2000" dirty="0" smtClean="0"/>
+              <a:t>models</a:t>
+            </a:r>
+            <a:endParaRPr lang="en-IN" sz="2000" dirty="0" smtClean="0"/>
+          </a:p>
+          <a:p>
+            <a:pPr marL="171450" lvl="1">
+              <a:spcBef>
+                <a:spcPts val="750"/>
+              </a:spcBef>
+              <a:spcAft>
+                <a:spcPts val="600"/>
+              </a:spcAft>
+              <a:buClr>
+                <a:schemeClr val="accent2"/>
+              </a:buClr>
+            </a:pPr>
+            <a:r>
+              <a:rPr lang="en-IN" sz="2000" smtClean="0"/>
+              <a:t>Teacher </a:t>
+            </a:r>
+            <a:r>
+              <a:rPr lang="en-IN" sz="2000" smtClean="0"/>
+              <a:t>model</a:t>
+            </a:r>
+            <a:endParaRPr lang="en-IN" sz="2000" dirty="0" smtClean="0"/>
+          </a:p>
+          <a:p>
+            <a:pPr marL="171450" lvl="1">
+              <a:spcBef>
+                <a:spcPts val="750"/>
+              </a:spcBef>
+              <a:spcAft>
+                <a:spcPts val="600"/>
+              </a:spcAft>
+              <a:buClr>
+                <a:schemeClr val="accent2"/>
+              </a:buClr>
+            </a:pPr>
+            <a:r>
+              <a:rPr lang="en-IN" sz="2000" dirty="0" smtClean="0"/>
+              <a:t>E</a:t>
+            </a:r>
+            <a:r>
+              <a:rPr lang="en-IN" sz="2000" dirty="0" smtClean="0"/>
+              <a:t>nsemble </a:t>
+            </a:r>
+            <a:r>
+              <a:rPr lang="en-IN" sz="2000" dirty="0" smtClean="0"/>
+              <a:t>of models</a:t>
+            </a:r>
+          </a:p>
+          <a:p>
+            <a:pPr marL="171450" lvl="1">
+              <a:spcBef>
+                <a:spcPts val="750"/>
+              </a:spcBef>
+              <a:spcAft>
+                <a:spcPts val="600"/>
+              </a:spcAft>
+              <a:buClr>
+                <a:schemeClr val="accent2"/>
+              </a:buClr>
+            </a:pPr>
+            <a:r>
+              <a:rPr lang="en-IN" sz="2000" dirty="0" smtClean="0"/>
+              <a:t>Single smaller model</a:t>
+            </a:r>
+          </a:p>
+          <a:p>
+            <a:pPr marL="171450" lvl="1">
+              <a:spcBef>
+                <a:spcPts val="750"/>
+              </a:spcBef>
+              <a:spcAft>
+                <a:spcPts val="600"/>
+              </a:spcAft>
+              <a:buClr>
+                <a:schemeClr val="accent2"/>
+              </a:buClr>
+            </a:pPr>
+            <a:r>
+              <a:rPr lang="en-IN" sz="2000" dirty="0" smtClean="0"/>
+              <a:t>Student model</a:t>
+            </a:r>
+          </a:p>
+          <a:p>
+            <a:pPr marL="171450" lvl="1">
+              <a:spcBef>
+                <a:spcPts val="750"/>
+              </a:spcBef>
+              <a:spcAft>
+                <a:spcPts val="600"/>
+              </a:spcAft>
+              <a:buClr>
+                <a:schemeClr val="accent2"/>
+              </a:buClr>
+            </a:pPr>
+            <a:r>
+              <a:rPr lang="en-IN" sz="2000" dirty="0" smtClean="0"/>
+              <a:t>Model compression</a:t>
+            </a:r>
+            <a:endParaRPr lang="en-IN" sz="1700" dirty="0" smtClean="0"/>
+          </a:p>
+        </p:txBody>
+      </p:sp>
+      <p:sp>
+        <p:nvSpPr>
+          <p:cNvPr id="4" name="Content Placeholder 2">
+            <a:extLst>
+              <a:ext uri="{FF2B5EF4-FFF2-40B4-BE49-F238E27FC236}">
+                <a16:creationId xmlns="" xmlns:a16="http://schemas.microsoft.com/office/drawing/2014/main" id="{A6A33159-D030-2F82-A142-F75940728319}"/>
+              </a:ext>
+            </a:extLst>
+          </p:cNvPr>
+          <p:cNvSpPr>
+            <a:spLocks noGrp="1"/>
+          </p:cNvSpPr>
+          <p:nvPr>
+            <p:ph sz="quarter" idx="4294967295"/>
+          </p:nvPr>
+        </p:nvSpPr>
+        <p:spPr>
+          <a:xfrm>
+            <a:off x="4513634" y="1378574"/>
+            <a:ext cx="3982665" cy="3213667"/>
+          </a:xfrm>
+          <a:prstGeom prst="rect">
+            <a:avLst/>
+          </a:prstGeom>
+          <a:noFill/>
+        </p:spPr>
+        <p:txBody>
+          <a:bodyPr vert="horz" lIns="68580" tIns="34290" rIns="68580" bIns="34290" rtlCol="0" anchor="t">
+            <a:normAutofit/>
+          </a:bodyPr>
+          <a:lstStyle/>
+          <a:p>
+            <a:pPr marL="171450" lvl="1">
+              <a:spcBef>
+                <a:spcPts val="750"/>
+              </a:spcBef>
+              <a:spcAft>
+                <a:spcPts val="600"/>
+              </a:spcAft>
+              <a:buClr>
+                <a:schemeClr val="accent2"/>
+              </a:buClr>
+            </a:pPr>
+            <a:r>
+              <a:rPr lang="en-IN" sz="2000" dirty="0" smtClean="0"/>
+              <a:t>Small student model </a:t>
+            </a:r>
+          </a:p>
+          <a:p>
+            <a:pPr marL="171450" lvl="1">
+              <a:spcBef>
+                <a:spcPts val="750"/>
+              </a:spcBef>
+              <a:spcAft>
+                <a:spcPts val="600"/>
+              </a:spcAft>
+              <a:buClr>
+                <a:schemeClr val="accent2"/>
+              </a:buClr>
+            </a:pPr>
+            <a:r>
+              <a:rPr lang="en-IN" sz="2000" dirty="0" smtClean="0"/>
+              <a:t>Learn to emulate </a:t>
+            </a:r>
+          </a:p>
+          <a:p>
+            <a:pPr marL="171450" lvl="1">
+              <a:spcBef>
+                <a:spcPts val="750"/>
+              </a:spcBef>
+              <a:spcAft>
+                <a:spcPts val="600"/>
+              </a:spcAft>
+              <a:buClr>
+                <a:schemeClr val="accent2"/>
+              </a:buClr>
+            </a:pPr>
+            <a:r>
+              <a:rPr lang="en-IN" sz="2000" dirty="0" smtClean="0"/>
+              <a:t>Large teacher model</a:t>
+            </a:r>
+          </a:p>
+          <a:p>
+            <a:pPr marL="171450" lvl="1">
+              <a:spcBef>
+                <a:spcPts val="750"/>
+              </a:spcBef>
+              <a:spcAft>
+                <a:spcPts val="600"/>
+              </a:spcAft>
+              <a:buClr>
+                <a:schemeClr val="accent2"/>
+              </a:buClr>
+            </a:pPr>
+            <a:r>
+              <a:rPr lang="en-IN" sz="2000" dirty="0" smtClean="0"/>
+              <a:t>Leverage teacher knowledge </a:t>
+            </a:r>
+          </a:p>
+          <a:p>
+            <a:pPr marL="171450" lvl="1">
+              <a:spcBef>
+                <a:spcPts val="750"/>
+              </a:spcBef>
+              <a:spcAft>
+                <a:spcPts val="600"/>
+              </a:spcAft>
+              <a:buClr>
+                <a:schemeClr val="accent2"/>
+              </a:buClr>
+            </a:pPr>
+            <a:r>
+              <a:rPr lang="en-IN" sz="2000" dirty="0" smtClean="0"/>
+              <a:t>Emulate thought process</a:t>
+            </a:r>
+          </a:p>
+          <a:p>
+            <a:pPr marL="171450" lvl="1">
+              <a:spcBef>
+                <a:spcPts val="750"/>
+              </a:spcBef>
+              <a:spcAft>
+                <a:spcPts val="600"/>
+              </a:spcAft>
+              <a:buClr>
+                <a:schemeClr val="accent2"/>
+              </a:buClr>
+            </a:pPr>
+            <a:r>
+              <a:rPr lang="en-IN" sz="2000" dirty="0" smtClean="0"/>
+              <a:t>Obtain similar </a:t>
+            </a:r>
+            <a:r>
+              <a:rPr lang="en-IN" sz="2000" dirty="0" smtClean="0"/>
+              <a:t>/ higher </a:t>
+            </a:r>
+            <a:r>
+              <a:rPr lang="en-IN" sz="2000" dirty="0" smtClean="0"/>
+              <a:t>accuracy</a:t>
+            </a:r>
+          </a:p>
+        </p:txBody>
+      </p:sp>
+    </p:spTree>
+    <p:extLst>
+      <p:ext uri="{BB962C8B-B14F-4D97-AF65-F5344CB8AC3E}">
+        <p14:creationId xmlns="" xmlns:p14="http://schemas.microsoft.com/office/powerpoint/2010/main" val="414613742"/>
+      </p:ext>
+    </p:extLst>
+  </p:cSld>
+  <p:clrMapOvr>
+    <a:masterClrMapping/>
+  </p:clrMapOvr>
+</p:sld>
+</file>
+
+<file path=ppt/slides/slide57.xml><?xml version="1.0" encoding="utf-8"?>
+<p:sld xmlns:a="http://schemas.openxmlformats.org/drawingml/2006/main" xmlns:r="http://schemas.openxmlformats.org/officeDocument/2006/relationships" xmlns:p="http://schemas.openxmlformats.org/presentationml/2006/main">
+  <p:cSld>
+    <p:spTree>
+      <p:nvGrpSpPr>
+        <p:cNvPr id="1" name=""/>
+        <p:cNvGrpSpPr/>
+        <p:nvPr/>
+      </p:nvGrpSpPr>
+      <p:grpSpPr>
+        <a:xfrm>
+          <a:off x="0" y="0"/>
+          <a:ext cx="0" cy="0"/>
+          <a:chOff x="0" y="0"/>
+          <a:chExt cx="0" cy="0"/>
+        </a:xfrm>
+      </p:grpSpPr>
     </p:spTree>
     <p:extLst>
       <p:ext uri="{BB962C8B-B14F-4D97-AF65-F5344CB8AC3E}">
@@ -40859,7 +41352,7 @@
 </p:sld>
 </file>
 
-<file path=ppt/slides/slide57.xml><?xml version="1.0" encoding="utf-8"?>
+<file path=ppt/slides/slide58.xml><?xml version="1.0" encoding="utf-8"?>
 <p:sld xmlns:a="http://schemas.openxmlformats.org/drawingml/2006/main" xmlns:r="http://schemas.openxmlformats.org/officeDocument/2006/relationships" xmlns:p="http://schemas.openxmlformats.org/presentationml/2006/main">
   <p:cSld>
     <p:spTree>

--- a/Presentations/IUAC-2024/Introduction_to_Large_Language_Models-From_Foundation_to_Real_World_Applications.pptx
+++ b/Presentations/IUAC-2024/Introduction_to_Large_Language_Models-From_Foundation_to_Real_World_Applications.pptx
@@ -41299,9 +41299,8 @@
             </a:pPr>
             <a:r>
               <a:rPr lang="en-US" sz="1700" dirty="0" smtClean="0"/>
-              <a:t>Causal Language Modeling</a:t>
-            </a:r>
-            <a:endParaRPr lang="en-US" sz="1700" dirty="0" smtClean="0"/>
+              <a:t>No encoder model</a:t>
+            </a:r>
           </a:p>
           <a:p>
             <a:pPr marL="514350" lvl="2">
@@ -41317,8 +41316,13 @@
             </a:pPr>
             <a:r>
               <a:rPr lang="en-US" sz="1700" dirty="0" smtClean="0"/>
-              <a:t>Predict next token</a:t>
-            </a:r>
+              <a:t>Causal </a:t>
+            </a:r>
+            <a:r>
+              <a:rPr lang="en-US" sz="1700" dirty="0" smtClean="0"/>
+              <a:t>Language Modeling</a:t>
+            </a:r>
+            <a:endParaRPr lang="en-US" sz="1700" dirty="0" smtClean="0"/>
           </a:p>
           <a:p>
             <a:pPr marL="514350" lvl="2">
@@ -41334,9 +41338,8 @@
             </a:pPr>
             <a:r>
               <a:rPr lang="en-US" sz="1700" dirty="0" smtClean="0"/>
-              <a:t>Unidirectional context</a:t>
-            </a:r>
-            <a:endParaRPr lang="en-US" sz="1700" dirty="0" smtClean="0"/>
+              <a:t>Predict next token</a:t>
+            </a:r>
           </a:p>
           <a:p>
             <a:pPr marL="514350" lvl="2">
@@ -41352,17 +41355,9 @@
             </a:pPr>
             <a:r>
               <a:rPr lang="en-US" sz="1700" dirty="0" smtClean="0"/>
-              <a:t>Statistical </a:t>
-            </a:r>
-            <a:r>
-              <a:rPr lang="en-US" sz="1700" dirty="0" smtClean="0"/>
-              <a:t>representation of </a:t>
-            </a:r>
-            <a:r>
-              <a:rPr lang="en-US" sz="1700" dirty="0" smtClean="0"/>
-              <a:t>language</a:t>
-            </a:r>
-            <a:endParaRPr lang="en-US" sz="2000" dirty="0" smtClean="0"/>
+              <a:t>Unidirectional context</a:t>
+            </a:r>
+            <a:endParaRPr lang="en-US" sz="1700" dirty="0" smtClean="0"/>
           </a:p>
           <a:p>
             <a:pPr marL="514350" lvl="2">
@@ -41378,7 +41373,15 @@
             </a:pPr>
             <a:r>
               <a:rPr lang="en-US" sz="1700" dirty="0" smtClean="0"/>
-              <a:t>    </a:t>
+              <a:t>Statistical </a:t>
+            </a:r>
+            <a:r>
+              <a:rPr lang="en-US" sz="1700" dirty="0" smtClean="0"/>
+              <a:t>representation of </a:t>
+            </a:r>
+            <a:r>
+              <a:rPr lang="en-US" sz="1700" dirty="0" smtClean="0"/>
+              <a:t>language  </a:t>
             </a:r>
             <a:endParaRPr lang="en-US" sz="2000" dirty="0"/>
           </a:p>
@@ -41735,8 +41738,12 @@
               </a:buClr>
             </a:pPr>
             <a:r>
+              <a:rPr lang="en-US" sz="1600" smtClean="0"/>
+              <a:t>Mask random </a:t>
+            </a:r>
+            <a:r>
               <a:rPr lang="en-US" sz="1600" dirty="0" smtClean="0"/>
-              <a:t>Masks random input </a:t>
+              <a:t>input </a:t>
             </a:r>
             <a:r>
               <a:rPr lang="en-US" sz="1600" dirty="0" smtClean="0"/>

--- a/Presentations/IUAC-2024/Introduction_to_Large_Language_Models-From_Foundation_to_Real_World_Applications.pptx
+++ b/Presentations/IUAC-2024/Introduction_to_Large_Language_Models-From_Foundation_to_Real_World_Applications.pptx
@@ -5,10 +5,10 @@
     <p:sldMasterId id="2147483648" r:id="rId4"/>
   </p:sldMasterIdLst>
   <p:notesMasterIdLst>
-    <p:notesMasterId r:id="rId67"/>
+    <p:notesMasterId r:id="rId68"/>
   </p:notesMasterIdLst>
   <p:handoutMasterIdLst>
-    <p:handoutMasterId r:id="rId68"/>
+    <p:handoutMasterId r:id="rId69"/>
   </p:handoutMasterIdLst>
   <p:sldIdLst>
     <p:sldId id="256" r:id="rId5"/>
@@ -68,11 +68,12 @@
     <p:sldId id="3935" r:id="rId59"/>
     <p:sldId id="3936" r:id="rId60"/>
     <p:sldId id="3937" r:id="rId61"/>
-    <p:sldId id="3932" r:id="rId62"/>
-    <p:sldId id="3933" r:id="rId63"/>
-    <p:sldId id="3930" r:id="rId64"/>
-    <p:sldId id="3850" r:id="rId65"/>
-    <p:sldId id="265" r:id="rId66"/>
+    <p:sldId id="3938" r:id="rId62"/>
+    <p:sldId id="3932" r:id="rId63"/>
+    <p:sldId id="3933" r:id="rId64"/>
+    <p:sldId id="3930" r:id="rId65"/>
+    <p:sldId id="3850" r:id="rId66"/>
+    <p:sldId id="265" r:id="rId67"/>
   </p:sldIdLst>
   <p:sldSz cx="9144000" cy="5143500" type="screen16x9"/>
   <p:notesSz cx="6858000" cy="9144000"/>
@@ -5557,7 +5558,7 @@
     </p:spTree>
     <p:extLst>
       <p:ext uri="{BB962C8B-B14F-4D97-AF65-F5344CB8AC3E}">
-        <p14:creationId xmlns:p14="http://schemas.microsoft.com/office/powerpoint/2010/main" xmlns="" val="737681818"/>
+        <p14:creationId xmlns:p14="http://schemas.microsoft.com/office/powerpoint/2010/main" xmlns="" val="922949278"/>
       </p:ext>
     </p:extLst>
   </p:cSld>
@@ -5812,7 +5813,7 @@
     </p:spTree>
     <p:extLst>
       <p:ext uri="{BB962C8B-B14F-4D97-AF65-F5344CB8AC3E}">
-        <p14:creationId xmlns:p14="http://schemas.microsoft.com/office/powerpoint/2010/main" xmlns="" val="2840793627"/>
+        <p14:creationId xmlns:p14="http://schemas.microsoft.com/office/powerpoint/2010/main" xmlns="" val="737681818"/>
       </p:ext>
     </p:extLst>
   </p:cSld>
@@ -5897,7 +5898,7 @@
     </p:spTree>
     <p:extLst>
       <p:ext uri="{BB962C8B-B14F-4D97-AF65-F5344CB8AC3E}">
-        <p14:creationId xmlns:p14="http://schemas.microsoft.com/office/powerpoint/2010/main" xmlns="" val="3522538323"/>
+        <p14:creationId xmlns:p14="http://schemas.microsoft.com/office/powerpoint/2010/main" xmlns="" val="2840793627"/>
       </p:ext>
     </p:extLst>
   </p:cSld>
@@ -5974,6 +5975,91 @@
               <a:rPr lang="en-US" smtClean="0"/>
               <a:pPr/>
               <a:t>62</a:t>
+            </a:fld>
+            <a:endParaRPr lang="en-US" dirty="0"/>
+          </a:p>
+        </p:txBody>
+      </p:sp>
+    </p:spTree>
+    <p:extLst>
+      <p:ext uri="{BB962C8B-B14F-4D97-AF65-F5344CB8AC3E}">
+        <p14:creationId xmlns:p14="http://schemas.microsoft.com/office/powerpoint/2010/main" xmlns="" val="3522538323"/>
+      </p:ext>
+    </p:extLst>
+  </p:cSld>
+  <p:clrMapOvr>
+    <a:masterClrMapping/>
+  </p:clrMapOvr>
+</p:notes>
+</file>
+
+<file path=ppt/notesSlides/notesSlide63.xml><?xml version="1.0" encoding="utf-8"?>
+<p:notes xmlns:a="http://schemas.openxmlformats.org/drawingml/2006/main" xmlns:r="http://schemas.openxmlformats.org/officeDocument/2006/relationships" xmlns:p="http://schemas.openxmlformats.org/presentationml/2006/main">
+  <p:cSld>
+    <p:spTree>
+      <p:nvGrpSpPr>
+        <p:cNvPr id="1" name=""/>
+        <p:cNvGrpSpPr/>
+        <p:nvPr/>
+      </p:nvGrpSpPr>
+      <p:grpSpPr>
+        <a:xfrm>
+          <a:off x="0" y="0"/>
+          <a:ext cx="0" cy="0"/>
+          <a:chOff x="0" y="0"/>
+          <a:chExt cx="0" cy="0"/>
+        </a:xfrm>
+      </p:grpSpPr>
+      <p:sp>
+        <p:nvSpPr>
+          <p:cNvPr id="2" name="Slide Image Placeholder 1"/>
+          <p:cNvSpPr>
+            <a:spLocks noGrp="1" noRot="1" noChangeAspect="1"/>
+          </p:cNvSpPr>
+          <p:nvPr>
+            <p:ph type="sldImg"/>
+          </p:nvPr>
+        </p:nvSpPr>
+        <p:spPr/>
+      </p:sp>
+      <p:sp>
+        <p:nvSpPr>
+          <p:cNvPr id="3" name="Notes Placeholder 2"/>
+          <p:cNvSpPr>
+            <a:spLocks noGrp="1"/>
+          </p:cNvSpPr>
+          <p:nvPr>
+            <p:ph type="body" idx="1"/>
+          </p:nvPr>
+        </p:nvSpPr>
+        <p:spPr/>
+        <p:txBody>
+          <a:bodyPr/>
+          <a:lstStyle/>
+          <a:p>
+            <a:endParaRPr lang="en-US" dirty="0"/>
+          </a:p>
+        </p:txBody>
+      </p:sp>
+      <p:sp>
+        <p:nvSpPr>
+          <p:cNvPr id="4" name="Slide Number Placeholder 3"/>
+          <p:cNvSpPr>
+            <a:spLocks noGrp="1"/>
+          </p:cNvSpPr>
+          <p:nvPr>
+            <p:ph type="sldNum" sz="quarter" idx="5"/>
+          </p:nvPr>
+        </p:nvSpPr>
+        <p:spPr/>
+        <p:txBody>
+          <a:bodyPr/>
+          <a:lstStyle/>
+          <a:p>
+            <a:fld id="{8B57D50D-BAA9-464B-B391-243138E078D8}" type="slidenum">
+              <a:rPr lang="en-US" smtClean="0"/>
+              <a:pPr/>
+              <a:t>63</a:t>
             </a:fld>
             <a:endParaRPr lang="en-US" dirty="0"/>
           </a:p>
@@ -19579,11 +19665,7 @@
             </a:pPr>
             <a:r>
               <a:rPr lang="en-IN" sz="2000" dirty="0" smtClean="0"/>
-              <a:t>Clean </a:t>
-            </a:r>
-            <a:r>
-              <a:rPr lang="en-IN" sz="2000" dirty="0" smtClean="0"/>
-              <a:t>dataset</a:t>
+              <a:t>Clean dataset</a:t>
             </a:r>
           </a:p>
           <a:p>
@@ -41259,11 +41341,7 @@
             </a:pPr>
             <a:r>
               <a:rPr lang="en-US" sz="2000" dirty="0" smtClean="0"/>
-              <a:t>Decoder </a:t>
-            </a:r>
-            <a:r>
-              <a:rPr lang="en-US" sz="2000" dirty="0" smtClean="0"/>
-              <a:t>only LLM</a:t>
+              <a:t>Decoder only LLM</a:t>
             </a:r>
             <a:endParaRPr lang="en-US" sz="2000" dirty="0"/>
           </a:p>
@@ -41283,7 +41361,6 @@
               <a:rPr lang="en-US" sz="1700" dirty="0" smtClean="0"/>
               <a:t>Autoregressive models </a:t>
             </a:r>
-            <a:endParaRPr lang="en-US" sz="1700" dirty="0" smtClean="0"/>
           </a:p>
           <a:p>
             <a:pPr marL="514350" lvl="2">
@@ -41316,13 +41393,8 @@
             </a:pPr>
             <a:r>
               <a:rPr lang="en-US" sz="1700" dirty="0" smtClean="0"/>
-              <a:t>Causal </a:t>
-            </a:r>
-            <a:r>
-              <a:rPr lang="en-US" sz="1700" dirty="0" smtClean="0"/>
-              <a:t>Language Modeling</a:t>
-            </a:r>
-            <a:endParaRPr lang="en-US" sz="1700" dirty="0" smtClean="0"/>
+              <a:t>Causal Language Modeling</a:t>
+            </a:r>
           </a:p>
           <a:p>
             <a:pPr marL="514350" lvl="2">
@@ -41357,7 +41429,6 @@
               <a:rPr lang="en-US" sz="1700" dirty="0" smtClean="0"/>
               <a:t>Unidirectional context</a:t>
             </a:r>
-            <a:endParaRPr lang="en-US" sz="1700" dirty="0" smtClean="0"/>
           </a:p>
           <a:p>
             <a:pPr marL="514350" lvl="2">
@@ -41373,15 +41444,7 @@
             </a:pPr>
             <a:r>
               <a:rPr lang="en-US" sz="1700" dirty="0" smtClean="0"/>
-              <a:t>Statistical </a:t>
-            </a:r>
-            <a:r>
-              <a:rPr lang="en-US" sz="1700" dirty="0" smtClean="0"/>
-              <a:t>representation of </a:t>
-            </a:r>
-            <a:r>
-              <a:rPr lang="en-US" sz="1700" dirty="0" smtClean="0"/>
-              <a:t>language  </a:t>
+              <a:t>Statistical representation of language  </a:t>
             </a:r>
             <a:endParaRPr lang="en-US" sz="2000" dirty="0"/>
           </a:p>
@@ -41661,11 +41724,7 @@
             </a:pPr>
             <a:r>
               <a:rPr lang="en-US" sz="2000" dirty="0" smtClean="0"/>
-              <a:t>Encoder–Decoder </a:t>
-            </a:r>
-            <a:r>
-              <a:rPr lang="en-US" sz="2000" dirty="0" smtClean="0"/>
-              <a:t>LLM</a:t>
+              <a:t>Encoder–Decoder LLM</a:t>
             </a:r>
             <a:endParaRPr lang="en-US" sz="2000" dirty="0"/>
           </a:p>
@@ -41702,7 +41761,6 @@
               <a:rPr lang="en-US" sz="1700" dirty="0" smtClean="0"/>
               <a:t>Sequence-to-sequence models </a:t>
             </a:r>
-            <a:endParaRPr lang="en-US" sz="1700" dirty="0" smtClean="0"/>
           </a:p>
           <a:p>
             <a:pPr marL="514350" lvl="2">
@@ -41718,11 +41776,7 @@
             </a:pPr>
             <a:r>
               <a:rPr lang="en-US" sz="1700" dirty="0" smtClean="0"/>
-              <a:t>Span </a:t>
-            </a:r>
-            <a:r>
-              <a:rPr lang="en-US" sz="1700" dirty="0" smtClean="0"/>
-              <a:t>corruption – T5 model</a:t>
+              <a:t>Span corruption – T5 model</a:t>
             </a:r>
           </a:p>
           <a:p>
@@ -41743,11 +41797,7 @@
             </a:r>
             <a:r>
               <a:rPr lang="en-US" sz="1600" dirty="0" smtClean="0"/>
-              <a:t>input </a:t>
-            </a:r>
-            <a:r>
-              <a:rPr lang="en-US" sz="1600" dirty="0" smtClean="0"/>
-              <a:t>tokens</a:t>
+              <a:t>input tokens</a:t>
             </a:r>
           </a:p>
           <a:p>
@@ -41766,7 +41816,6 @@
               <a:rPr lang="en-US" sz="1600" dirty="0" smtClean="0"/>
               <a:t>Reconstruct masked input tokens</a:t>
             </a:r>
-            <a:endParaRPr lang="en-US" sz="1600" dirty="0" smtClean="0"/>
           </a:p>
           <a:p>
             <a:pPr marL="514350" lvl="2">
@@ -41921,11 +41970,7 @@
             </a:pPr>
             <a:r>
               <a:rPr lang="en-IN" sz="1700" dirty="0" smtClean="0"/>
-              <a:t>Text-to-Text Transfer Transformer </a:t>
-            </a:r>
-            <a:r>
-              <a:rPr lang="en-IN" sz="1700" dirty="0" smtClean="0"/>
-              <a:t>– T5 model </a:t>
+              <a:t>Text-to-Text Transfer Transformer – T5 model </a:t>
             </a:r>
             <a:endParaRPr lang="en-IN" sz="1700" dirty="0"/>
           </a:p>
@@ -41984,7 +42029,7 @@
       </p:grpSpPr>
       <p:sp>
         <p:nvSpPr>
-          <p:cNvPr id="8" name="Title 1">
+          <p:cNvPr id="2" name="Title 1">
             <a:extLst>
               <a:ext uri="{FF2B5EF4-FFF2-40B4-BE49-F238E27FC236}">
                 <a16:creationId xmlns:a16="http://schemas.microsoft.com/office/drawing/2014/main" xmlns="" id="{47A9874B-BCA9-8420-1595-EDD1865A099A}"/>
@@ -42010,26 +42055,20 @@
           <a:lstStyle/>
           <a:p>
             <a:r>
-              <a:rPr lang="en-US" dirty="0"/>
-              <a:t>Retrieval Augmented </a:t>
-            </a:r>
-            <a:r>
               <a:rPr lang="en-US" dirty="0" smtClean="0"/>
-              <a:t>Generation – Evaluation</a:t>
-            </a:r>
-            <a:endParaRPr lang="en-US" dirty="0">
-              <a:solidFill>
-                <a:schemeClr val="accent2">
-                  <a:lumMod val="50000"/>
-                </a:schemeClr>
-              </a:solidFill>
-            </a:endParaRPr>
+              <a:t>LLM </a:t>
+            </a:r>
+            <a:r>
+              <a:rPr lang="en-US" dirty="0" smtClean="0"/>
+              <a:t>– Computational Challenges</a:t>
+            </a:r>
+            <a:endParaRPr lang="en-US" dirty="0"/>
           </a:p>
         </p:txBody>
       </p:sp>
       <p:sp>
         <p:nvSpPr>
-          <p:cNvPr id="5" name="Content Placeholder 2">
+          <p:cNvPr id="7" name="Content Placeholder 2">
             <a:extLst>
               <a:ext uri="{FF2B5EF4-FFF2-40B4-BE49-F238E27FC236}">
                 <a16:creationId xmlns:a16="http://schemas.microsoft.com/office/drawing/2014/main" xmlns="" id="{A6A33159-D030-2F82-A142-F75940728319}"/>
@@ -42046,7 +42085,7 @@
         <p:spPr>
           <a:xfrm>
             <a:off x="628650" y="1378574"/>
-            <a:ext cx="3761767" cy="3213667"/>
+            <a:ext cx="3852560" cy="3213667"/>
           </a:xfrm>
           <a:prstGeom prst="rect">
             <a:avLst/>
@@ -42071,8 +42110,116 @@
               </a:buClr>
             </a:pPr>
             <a:r>
-              <a:rPr lang="en-IN" sz="2000" dirty="0" smtClean="0"/>
-              <a:t>Ground Truth (GT) by Human </a:t>
+              <a:rPr lang="en-US" sz="2000" dirty="0" smtClean="0"/>
+              <a:t>LLM inference</a:t>
+            </a:r>
+          </a:p>
+          <a:p>
+            <a:pPr marL="514350" lvl="2">
+              <a:spcBef>
+                <a:spcPts val="750"/>
+              </a:spcBef>
+              <a:spcAft>
+                <a:spcPts val="600"/>
+              </a:spcAft>
+              <a:buClr>
+                <a:schemeClr val="accent2"/>
+              </a:buClr>
+            </a:pPr>
+            <a:r>
+              <a:rPr lang="en-US" sz="1700" dirty="0" smtClean="0"/>
+              <a:t>1 parameter – </a:t>
+            </a:r>
+            <a:r>
+              <a:rPr lang="en-US" sz="1700" dirty="0" smtClean="0"/>
+              <a:t>float </a:t>
+            </a:r>
+            <a:r>
+              <a:rPr lang="en-US" sz="1700" dirty="0" smtClean="0"/>
+              <a:t>32 – 4 bytes</a:t>
+            </a:r>
+          </a:p>
+          <a:p>
+            <a:pPr marL="514350" lvl="2">
+              <a:spcBef>
+                <a:spcPts val="750"/>
+              </a:spcBef>
+              <a:spcAft>
+                <a:spcPts val="600"/>
+              </a:spcAft>
+              <a:buClr>
+                <a:schemeClr val="accent2"/>
+              </a:buClr>
+            </a:pPr>
+            <a:r>
+              <a:rPr lang="en-US" sz="1700" dirty="0" smtClean="0"/>
+              <a:t>1B parameters – 10</a:t>
+            </a:r>
+            <a:r>
+              <a:rPr lang="en-US" sz="1700" baseline="30000" dirty="0" smtClean="0"/>
+              <a:t>9</a:t>
+            </a:r>
+            <a:r>
+              <a:rPr lang="en-US" sz="1700" dirty="0" smtClean="0"/>
+              <a:t> parameters</a:t>
+            </a:r>
+          </a:p>
+          <a:p>
+            <a:pPr marL="514350" lvl="2">
+              <a:spcBef>
+                <a:spcPts val="750"/>
+              </a:spcBef>
+              <a:spcAft>
+                <a:spcPts val="600"/>
+              </a:spcAft>
+              <a:buClr>
+                <a:schemeClr val="accent2"/>
+              </a:buClr>
+            </a:pPr>
+            <a:r>
+              <a:rPr lang="en-US" sz="1700" dirty="0" smtClean="0"/>
+              <a:t>1B </a:t>
+            </a:r>
+            <a:r>
+              <a:rPr lang="en-US" sz="1700" dirty="0" smtClean="0"/>
+              <a:t>parameters – </a:t>
+            </a:r>
+            <a:r>
+              <a:rPr lang="en-US" sz="1700" dirty="0" smtClean="0"/>
+              <a:t>4 x </a:t>
+            </a:r>
+            <a:r>
+              <a:rPr lang="en-US" sz="1700" dirty="0" smtClean="0"/>
+              <a:t>10</a:t>
+            </a:r>
+            <a:r>
+              <a:rPr lang="en-US" sz="1700" baseline="30000" dirty="0" smtClean="0"/>
+              <a:t>9 </a:t>
+            </a:r>
+            <a:r>
+              <a:rPr lang="en-US" sz="1700" dirty="0" smtClean="0"/>
+              <a:t>bytes</a:t>
+            </a:r>
+          </a:p>
+          <a:p>
+            <a:pPr marL="514350" lvl="2">
+              <a:spcBef>
+                <a:spcPts val="750"/>
+              </a:spcBef>
+              <a:spcAft>
+                <a:spcPts val="600"/>
+              </a:spcAft>
+              <a:buClr>
+                <a:schemeClr val="accent2"/>
+              </a:buClr>
+            </a:pPr>
+            <a:r>
+              <a:rPr lang="en-US" sz="1700" dirty="0" smtClean="0"/>
+              <a:t>1B parameters – 4 </a:t>
+            </a:r>
+            <a:r>
+              <a:rPr lang="en-US" sz="1700" dirty="0" smtClean="0"/>
+              <a:t>GB memory</a:t>
             </a:r>
           </a:p>
           <a:p>
@@ -42087,96 +42234,7 @@
                 <a:schemeClr val="accent2"/>
               </a:buClr>
             </a:pPr>
-            <a:r>
-              <a:rPr lang="en-IN" sz="2000" dirty="0" smtClean="0"/>
-              <a:t>Character based evaluation</a:t>
-            </a:r>
-          </a:p>
-          <a:p>
-            <a:pPr marL="514350" lvl="2">
-              <a:spcBef>
-                <a:spcPts val="750"/>
-              </a:spcBef>
-              <a:spcAft>
-                <a:spcPts val="600"/>
-              </a:spcAft>
-              <a:buClr>
-                <a:schemeClr val="accent2"/>
-              </a:buClr>
-            </a:pPr>
-            <a:r>
-              <a:rPr lang="en-IN" sz="1700" dirty="0" smtClean="0"/>
-              <a:t>Edit distance</a:t>
-            </a:r>
-          </a:p>
-          <a:p>
-            <a:pPr marL="171450" lvl="1">
-              <a:spcBef>
-                <a:spcPts val="750"/>
-              </a:spcBef>
-              <a:spcAft>
-                <a:spcPts val="600"/>
-              </a:spcAft>
-              <a:buClr>
-                <a:schemeClr val="accent2"/>
-              </a:buClr>
-            </a:pPr>
-            <a:r>
-              <a:rPr lang="en-IN" sz="2000" dirty="0" smtClean="0"/>
-              <a:t>Word based evaluation</a:t>
-            </a:r>
-          </a:p>
-          <a:p>
-            <a:pPr marL="514350" lvl="2">
-              <a:spcBef>
-                <a:spcPts val="750"/>
-              </a:spcBef>
-              <a:spcAft>
-                <a:spcPts val="600"/>
-              </a:spcAft>
-              <a:buClr>
-                <a:schemeClr val="accent2"/>
-              </a:buClr>
-            </a:pPr>
-            <a:r>
-              <a:rPr lang="en-IN" sz="1700" dirty="0" smtClean="0"/>
-              <a:t>WER, BLEU</a:t>
-            </a:r>
-            <a:endParaRPr lang="en-IN" sz="1700" dirty="0"/>
-          </a:p>
-          <a:p>
-            <a:pPr marL="171450" lvl="1">
-              <a:spcBef>
-                <a:spcPts val="750"/>
-              </a:spcBef>
-              <a:spcAft>
-                <a:spcPts val="600"/>
-              </a:spcAft>
-              <a:buClr>
-                <a:schemeClr val="accent2"/>
-              </a:buClr>
-            </a:pPr>
-            <a:r>
-              <a:rPr lang="en-IN" sz="2000" dirty="0" smtClean="0"/>
-              <a:t>Embedding based evaluation</a:t>
-            </a:r>
-          </a:p>
-          <a:p>
-            <a:pPr marL="514350" lvl="2">
-              <a:spcBef>
-                <a:spcPts val="750"/>
-              </a:spcBef>
-              <a:spcAft>
-                <a:spcPts val="600"/>
-              </a:spcAft>
-              <a:buClr>
-                <a:schemeClr val="accent2"/>
-              </a:buClr>
-            </a:pPr>
-            <a:r>
-              <a:rPr lang="en-IN" sz="1700" dirty="0" smtClean="0"/>
-              <a:t>BERT score, Mover score</a:t>
-            </a:r>
+            <a:endParaRPr lang="en-US" sz="1700" dirty="0"/>
           </a:p>
         </p:txBody>
       </p:sp>
@@ -42198,8 +42256,8 @@
         </p:nvSpPr>
         <p:spPr>
           <a:xfrm>
-            <a:off x="4513634" y="1378574"/>
-            <a:ext cx="3982665" cy="3213667"/>
+            <a:off x="4714874" y="1378574"/>
+            <a:ext cx="3903831" cy="3213667"/>
           </a:xfrm>
           <a:prstGeom prst="rect">
             <a:avLst/>
@@ -42208,7 +42266,7 @@
         </p:spPr>
         <p:txBody>
           <a:bodyPr vert="horz" lIns="68580" tIns="34290" rIns="68580" bIns="34290" rtlCol="0" anchor="t">
-            <a:normAutofit/>
+            <a:normAutofit lnSpcReduction="10000"/>
           </a:bodyPr>
           <a:lstStyle/>
           <a:p>
@@ -42224,9 +42282,122 @@
               </a:buClr>
             </a:pPr>
             <a:r>
-              <a:rPr lang="en-IN" sz="2000" dirty="0" smtClean="0"/>
-              <a:t>Ground Truth (GT) by LLM </a:t>
-            </a:r>
+              <a:rPr lang="en-US" sz="2000" dirty="0" smtClean="0"/>
+              <a:t>LLM training</a:t>
+            </a:r>
+            <a:endParaRPr lang="en-US" sz="1700" dirty="0"/>
+          </a:p>
+          <a:p>
+            <a:pPr marL="514350" lvl="2">
+              <a:spcBef>
+                <a:spcPts val="750"/>
+              </a:spcBef>
+              <a:spcAft>
+                <a:spcPts val="600"/>
+              </a:spcAft>
+              <a:buClr>
+                <a:schemeClr val="accent2"/>
+              </a:buClr>
+            </a:pPr>
+            <a:r>
+              <a:rPr lang="en-US" sz="1800" dirty="0" smtClean="0"/>
+              <a:t>1 parameter – float 32 – 4 </a:t>
+            </a:r>
+            <a:r>
+              <a:rPr lang="en-US" sz="1800" dirty="0" smtClean="0"/>
+              <a:t>bytes</a:t>
+            </a:r>
+            <a:endParaRPr lang="en-IN" sz="1700" dirty="0" smtClean="0"/>
+          </a:p>
+          <a:p>
+            <a:pPr marL="514350" lvl="2">
+              <a:spcBef>
+                <a:spcPts val="750"/>
+              </a:spcBef>
+              <a:spcAft>
+                <a:spcPts val="600"/>
+              </a:spcAft>
+              <a:buClr>
+                <a:schemeClr val="accent2"/>
+              </a:buClr>
+            </a:pPr>
+            <a:r>
+              <a:rPr lang="en-IN" sz="1700" dirty="0" smtClean="0"/>
+              <a:t>Model parameters – 4 bytes</a:t>
+            </a:r>
+          </a:p>
+          <a:p>
+            <a:pPr marL="514350" lvl="2">
+              <a:spcBef>
+                <a:spcPts val="750"/>
+              </a:spcBef>
+              <a:spcAft>
+                <a:spcPts val="600"/>
+              </a:spcAft>
+              <a:buClr>
+                <a:schemeClr val="accent2"/>
+              </a:buClr>
+            </a:pPr>
+            <a:r>
+              <a:rPr lang="en-IN" sz="1700" dirty="0" smtClean="0"/>
+              <a:t>Optimizer – 8 bytes – Two states</a:t>
+            </a:r>
+          </a:p>
+          <a:p>
+            <a:pPr marL="514350" lvl="2">
+              <a:spcBef>
+                <a:spcPts val="750"/>
+              </a:spcBef>
+              <a:spcAft>
+                <a:spcPts val="600"/>
+              </a:spcAft>
+              <a:buClr>
+                <a:schemeClr val="accent2"/>
+              </a:buClr>
+            </a:pPr>
+            <a:r>
+              <a:rPr lang="en-IN" sz="1700" dirty="0" smtClean="0"/>
+              <a:t>Gradients – 4 bytes</a:t>
+            </a:r>
+          </a:p>
+          <a:p>
+            <a:pPr marL="514350" lvl="2">
+              <a:spcBef>
+                <a:spcPts val="750"/>
+              </a:spcBef>
+              <a:spcAft>
+                <a:spcPts val="600"/>
+              </a:spcAft>
+              <a:buClr>
+                <a:schemeClr val="accent2"/>
+              </a:buClr>
+            </a:pPr>
+            <a:r>
+              <a:rPr lang="en-IN" sz="1700" dirty="0" smtClean="0"/>
+              <a:t>Activations – 4 bytes</a:t>
+            </a:r>
+          </a:p>
+          <a:p>
+            <a:pPr marL="514350" lvl="2">
+              <a:spcBef>
+                <a:spcPts val="750"/>
+              </a:spcBef>
+              <a:spcAft>
+                <a:spcPts val="600"/>
+              </a:spcAft>
+              <a:buClr>
+                <a:schemeClr val="accent2"/>
+              </a:buClr>
+            </a:pPr>
+            <a:r>
+              <a:rPr lang="en-IN" sz="1700" dirty="0" smtClean="0"/>
+              <a:t>Temporary variables – 4 </a:t>
+            </a:r>
+            <a:r>
+              <a:rPr lang="en-IN" sz="1700" dirty="0" smtClean="0"/>
+              <a:t>bytes</a:t>
+            </a:r>
+            <a:endParaRPr lang="en-IN" sz="1700" dirty="0" smtClean="0"/>
           </a:p>
           <a:p>
             <a:pPr marL="171450" lvl="1">
@@ -42241,121 +42412,34 @@
               </a:buClr>
             </a:pPr>
             <a:r>
-              <a:rPr lang="en-IN" sz="2000" dirty="0" smtClean="0"/>
-              <a:t>Mathematical Framework</a:t>
-            </a:r>
-          </a:p>
-          <a:p>
-            <a:pPr marL="514350" lvl="2">
-              <a:spcBef>
-                <a:spcPts val="750"/>
-              </a:spcBef>
-              <a:spcAft>
-                <a:spcPts val="600"/>
-              </a:spcAft>
-              <a:buClr>
-                <a:schemeClr val="accent2"/>
-              </a:buClr>
-            </a:pPr>
-            <a:r>
-              <a:rPr lang="en-IN" sz="1700" dirty="0" smtClean="0"/>
-              <a:t>RAGAS framework</a:t>
-            </a:r>
-          </a:p>
-          <a:p>
-            <a:pPr marL="171450" lvl="1">
-              <a:spcBef>
-                <a:spcPts val="750"/>
-              </a:spcBef>
-              <a:spcAft>
-                <a:spcPts val="600"/>
-              </a:spcAft>
-              <a:buClr>
-                <a:schemeClr val="accent2"/>
-              </a:buClr>
-            </a:pPr>
-            <a:r>
-              <a:rPr lang="en-IN" sz="2000" dirty="0" smtClean="0"/>
-              <a:t>Experimental based Framework</a:t>
-            </a:r>
-          </a:p>
-          <a:p>
-            <a:pPr marL="514350" lvl="2">
-              <a:spcBef>
-                <a:spcPts val="750"/>
-              </a:spcBef>
-              <a:spcAft>
-                <a:spcPts val="600"/>
-              </a:spcAft>
-              <a:buClr>
-                <a:schemeClr val="accent2"/>
-              </a:buClr>
-            </a:pPr>
-            <a:r>
-              <a:rPr lang="en-IN" sz="1700" dirty="0" smtClean="0"/>
-              <a:t>Number of tasks and datasets </a:t>
-            </a:r>
-          </a:p>
-          <a:p>
-            <a:pPr marL="514350" lvl="2">
-              <a:spcBef>
-                <a:spcPts val="750"/>
-              </a:spcBef>
-              <a:spcAft>
-                <a:spcPts val="600"/>
-              </a:spcAft>
-              <a:buClr>
-                <a:schemeClr val="accent2"/>
-              </a:buClr>
-            </a:pPr>
-            <a:r>
-              <a:rPr lang="en-IN" sz="1700" dirty="0" smtClean="0"/>
-              <a:t>Number of aspects</a:t>
-            </a:r>
-          </a:p>
-          <a:p>
-            <a:pPr marL="514350" lvl="2">
-              <a:spcBef>
-                <a:spcPts val="750"/>
-              </a:spcBef>
-              <a:spcAft>
-                <a:spcPts val="600"/>
-              </a:spcAft>
-              <a:buClr>
-                <a:schemeClr val="accent2"/>
-              </a:buClr>
-            </a:pPr>
-            <a:r>
-              <a:rPr lang="en-IN" sz="1700" dirty="0" smtClean="0"/>
-              <a:t>GPT score</a:t>
-            </a:r>
-          </a:p>
-          <a:p>
-            <a:pPr marL="514350" lvl="2">
-              <a:spcBef>
-                <a:spcPts val="750"/>
-              </a:spcBef>
-              <a:spcAft>
-                <a:spcPts val="600"/>
-              </a:spcAft>
-              <a:buClr>
-                <a:schemeClr val="accent2"/>
-              </a:buClr>
-            </a:pPr>
-            <a:endParaRPr lang="en-IN" sz="1700" dirty="0"/>
+              <a:rPr lang="en-US" sz="1700" dirty="0" smtClean="0"/>
+              <a:t>20 times number </a:t>
+            </a:r>
+            <a:r>
+              <a:rPr lang="en-US" sz="1700" smtClean="0"/>
+              <a:t>of parameters</a:t>
+            </a:r>
+            <a:endParaRPr lang="en-US" sz="1700" dirty="0" smtClean="0"/>
           </a:p>
         </p:txBody>
       </p:sp>
     </p:spTree>
     <p:extLst>
       <p:ext uri="{BB962C8B-B14F-4D97-AF65-F5344CB8AC3E}">
-        <p14:creationId xmlns:p14="http://schemas.microsoft.com/office/powerpoint/2010/main" xmlns="" val="414613742"/>
+        <p14:creationId xmlns:p14="http://schemas.microsoft.com/office/powerpoint/2010/main" xmlns="" val="1127649784"/>
       </p:ext>
     </p:extLst>
   </p:cSld>
   <p:clrMapOvr>
     <a:masterClrMapping/>
   </p:clrMapOvr>
+  <p:timing>
+    <p:tnLst>
+      <p:par>
+        <p:cTn id="1" dur="indefinite" restart="never" nodeType="tmRoot"/>
+      </p:par>
+    </p:tnLst>
+  </p:timing>
 </p:sld>
 </file>
 
@@ -42404,8 +42488,12 @@
           <a:lstStyle/>
           <a:p>
             <a:r>
+              <a:rPr lang="en-US" dirty="0"/>
+              <a:t>Retrieval Augmented </a:t>
+            </a:r>
+            <a:r>
               <a:rPr lang="en-US" dirty="0" smtClean="0"/>
-              <a:t>Knowledge Distillation</a:t>
+              <a:t>Generation – Evaluation</a:t>
             </a:r>
             <a:endParaRPr lang="en-US" dirty="0">
               <a:solidFill>
@@ -42445,7 +42533,7 @@
         </p:spPr>
         <p:txBody>
           <a:bodyPr vert="horz" lIns="68580" tIns="34290" rIns="68580" bIns="34290" rtlCol="0" anchor="t">
-            <a:normAutofit fontScale="92500" lnSpcReduction="10000"/>
+            <a:normAutofit/>
           </a:bodyPr>
           <a:lstStyle/>
           <a:p>
@@ -42462,7 +42550,7 @@
             </a:pPr>
             <a:r>
               <a:rPr lang="en-IN" sz="2000" dirty="0" smtClean="0"/>
-              <a:t>Knowledge transfer</a:t>
+              <a:t>Ground Truth (GT) by Human </a:t>
             </a:r>
           </a:p>
           <a:p>
@@ -42479,7 +42567,24 @@
             </a:pPr>
             <a:r>
               <a:rPr lang="en-IN" sz="2000" dirty="0" smtClean="0"/>
-              <a:t>Large pre-trained model </a:t>
+              <a:t>Character based evaluation</a:t>
+            </a:r>
+          </a:p>
+          <a:p>
+            <a:pPr marL="514350" lvl="2">
+              <a:spcBef>
+                <a:spcPts val="750"/>
+              </a:spcBef>
+              <a:spcAft>
+                <a:spcPts val="600"/>
+              </a:spcAft>
+              <a:buClr>
+                <a:schemeClr val="accent2"/>
+              </a:buClr>
+            </a:pPr>
+            <a:r>
+              <a:rPr lang="en-IN" sz="1700" dirty="0" smtClean="0"/>
+              <a:t>Edit distance</a:t>
             </a:r>
           </a:p>
           <a:p>
@@ -42496,8 +42601,26 @@
             </a:pPr>
             <a:r>
               <a:rPr lang="en-IN" sz="2000" dirty="0" smtClean="0"/>
-              <a:t>Set of models</a:t>
-            </a:r>
+              <a:t>Word based evaluation</a:t>
+            </a:r>
+          </a:p>
+          <a:p>
+            <a:pPr marL="514350" lvl="2">
+              <a:spcBef>
+                <a:spcPts val="750"/>
+              </a:spcBef>
+              <a:spcAft>
+                <a:spcPts val="600"/>
+              </a:spcAft>
+              <a:buClr>
+                <a:schemeClr val="accent2"/>
+              </a:buClr>
+            </a:pPr>
+            <a:r>
+              <a:rPr lang="en-IN" sz="1700" dirty="0" smtClean="0"/>
+              <a:t>WER, BLEU</a:t>
+            </a:r>
+            <a:endParaRPr lang="en-IN" sz="1700" dirty="0"/>
           </a:p>
           <a:p>
             <a:pPr marL="171450" lvl="1">
@@ -42512,13 +42635,12 @@
               </a:buClr>
             </a:pPr>
             <a:r>
-              <a:rPr lang="en-IN" sz="2000" smtClean="0"/>
-              <a:t>Teacher model</a:t>
-            </a:r>
-            <a:endParaRPr lang="en-IN" sz="2000" dirty="0" smtClean="0"/>
-          </a:p>
-          <a:p>
-            <a:pPr marL="171450" lvl="1">
+              <a:rPr lang="en-IN" sz="2000" dirty="0" smtClean="0"/>
+              <a:t>Embedding based evaluation</a:t>
+            </a:r>
+          </a:p>
+          <a:p>
+            <a:pPr marL="514350" lvl="2">
               <a:spcBef>
                 <a:spcPts val="750"/>
               </a:spcBef>
@@ -42530,61 +42652,9 @@
               </a:buClr>
             </a:pPr>
             <a:r>
-              <a:rPr lang="en-IN" sz="2000" dirty="0" smtClean="0"/>
-              <a:t>Ensemble of models</a:t>
-            </a:r>
-          </a:p>
-          <a:p>
-            <a:pPr marL="171450" lvl="1">
-              <a:spcBef>
-                <a:spcPts val="750"/>
-              </a:spcBef>
-              <a:spcAft>
-                <a:spcPts val="600"/>
-              </a:spcAft>
-              <a:buClr>
-                <a:schemeClr val="accent2"/>
-              </a:buClr>
-            </a:pPr>
-            <a:r>
-              <a:rPr lang="en-IN" sz="2000" dirty="0" smtClean="0"/>
-              <a:t>Single smaller model</a:t>
-            </a:r>
-          </a:p>
-          <a:p>
-            <a:pPr marL="171450" lvl="1">
-              <a:spcBef>
-                <a:spcPts val="750"/>
-              </a:spcBef>
-              <a:spcAft>
-                <a:spcPts val="600"/>
-              </a:spcAft>
-              <a:buClr>
-                <a:schemeClr val="accent2"/>
-              </a:buClr>
-            </a:pPr>
-            <a:r>
-              <a:rPr lang="en-IN" sz="2000" dirty="0" smtClean="0"/>
-              <a:t>Student model</a:t>
-            </a:r>
-          </a:p>
-          <a:p>
-            <a:pPr marL="171450" lvl="1">
-              <a:spcBef>
-                <a:spcPts val="750"/>
-              </a:spcBef>
-              <a:spcAft>
-                <a:spcPts val="600"/>
-              </a:spcAft>
-              <a:buClr>
-                <a:schemeClr val="accent2"/>
-              </a:buClr>
-            </a:pPr>
-            <a:r>
-              <a:rPr lang="en-IN" sz="2000" dirty="0" smtClean="0"/>
-              <a:t>Model compression</a:t>
-            </a:r>
-            <a:endParaRPr lang="en-IN" sz="1700" dirty="0" smtClean="0"/>
+              <a:rPr lang="en-IN" sz="1700" dirty="0" smtClean="0"/>
+              <a:t>BERT score, Mover score</a:t>
+            </a:r>
           </a:p>
         </p:txBody>
       </p:sp>
@@ -42633,7 +42703,7 @@
             </a:pPr>
             <a:r>
               <a:rPr lang="en-IN" sz="2000" dirty="0" smtClean="0"/>
-              <a:t>Small student model </a:t>
+              <a:t>Ground Truth (GT) by LLM </a:t>
             </a:r>
           </a:p>
           <a:p>
@@ -42650,7 +42720,24 @@
             </a:pPr>
             <a:r>
               <a:rPr lang="en-IN" sz="2000" dirty="0" smtClean="0"/>
-              <a:t>Learn to emulate </a:t>
+              <a:t>Mathematical Framework</a:t>
+            </a:r>
+          </a:p>
+          <a:p>
+            <a:pPr marL="514350" lvl="2">
+              <a:spcBef>
+                <a:spcPts val="750"/>
+              </a:spcBef>
+              <a:spcAft>
+                <a:spcPts val="600"/>
+              </a:spcAft>
+              <a:buClr>
+                <a:schemeClr val="accent2"/>
+              </a:buClr>
+            </a:pPr>
+            <a:r>
+              <a:rPr lang="en-IN" sz="1700" dirty="0" smtClean="0"/>
+              <a:t>RAGAS framework</a:t>
             </a:r>
           </a:p>
           <a:p>
@@ -42667,11 +42754,11 @@
             </a:pPr>
             <a:r>
               <a:rPr lang="en-IN" sz="2000" dirty="0" smtClean="0"/>
-              <a:t>Large teacher model</a:t>
-            </a:r>
-          </a:p>
-          <a:p>
-            <a:pPr marL="171450" lvl="1">
+              <a:t>Experimental based Framework</a:t>
+            </a:r>
+          </a:p>
+          <a:p>
+            <a:pPr marL="514350" lvl="2">
               <a:spcBef>
                 <a:spcPts val="750"/>
               </a:spcBef>
@@ -42683,12 +42770,12 @@
               </a:buClr>
             </a:pPr>
             <a:r>
-              <a:rPr lang="en-IN" sz="2000" dirty="0" smtClean="0"/>
-              <a:t>Leverage teacher knowledge </a:t>
-            </a:r>
-          </a:p>
-          <a:p>
-            <a:pPr marL="171450" lvl="1">
+              <a:rPr lang="en-IN" sz="1700" dirty="0" smtClean="0"/>
+              <a:t>Number of tasks and datasets </a:t>
+            </a:r>
+          </a:p>
+          <a:p>
+            <a:pPr marL="514350" lvl="2">
               <a:spcBef>
                 <a:spcPts val="750"/>
               </a:spcBef>
@@ -42700,12 +42787,12 @@
               </a:buClr>
             </a:pPr>
             <a:r>
-              <a:rPr lang="en-IN" sz="2000" dirty="0" smtClean="0"/>
-              <a:t>Emulate thought process</a:t>
-            </a:r>
-          </a:p>
-          <a:p>
-            <a:pPr marL="171450" lvl="1">
+              <a:rPr lang="en-IN" sz="1700" dirty="0" smtClean="0"/>
+              <a:t>Number of aspects</a:t>
+            </a:r>
+          </a:p>
+          <a:p>
+            <a:pPr marL="514350" lvl="2">
               <a:spcBef>
                 <a:spcPts val="750"/>
               </a:spcBef>
@@ -42717,9 +42804,23 @@
               </a:buClr>
             </a:pPr>
             <a:r>
-              <a:rPr lang="en-IN" sz="2000" dirty="0" smtClean="0"/>
-              <a:t>Obtain similar / higher accuracy</a:t>
-            </a:r>
+              <a:rPr lang="en-IN" sz="1700" dirty="0" smtClean="0"/>
+              <a:t>GPT score</a:t>
+            </a:r>
+          </a:p>
+          <a:p>
+            <a:pPr marL="514350" lvl="2">
+              <a:spcBef>
+                <a:spcPts val="750"/>
+              </a:spcBef>
+              <a:spcAft>
+                <a:spcPts val="600"/>
+              </a:spcAft>
+              <a:buClr>
+                <a:schemeClr val="accent2"/>
+              </a:buClr>
+            </a:pPr>
+            <a:endParaRPr lang="en-IN" sz="1700" dirty="0"/>
           </a:p>
         </p:txBody>
       </p:sp>
@@ -43128,6 +43229,383 @@
 </file>
 
 <file path=ppt/slides/slide60.xml><?xml version="1.0" encoding="utf-8"?>
+<p:sld xmlns:a="http://schemas.openxmlformats.org/drawingml/2006/main" xmlns:r="http://schemas.openxmlformats.org/officeDocument/2006/relationships" xmlns:p="http://schemas.openxmlformats.org/presentationml/2006/main">
+  <p:cSld>
+    <p:spTree>
+      <p:nvGrpSpPr>
+        <p:cNvPr id="1" name=""/>
+        <p:cNvGrpSpPr/>
+        <p:nvPr/>
+      </p:nvGrpSpPr>
+      <p:grpSpPr>
+        <a:xfrm>
+          <a:off x="0" y="0"/>
+          <a:ext cx="0" cy="0"/>
+          <a:chOff x="0" y="0"/>
+          <a:chExt cx="0" cy="0"/>
+        </a:xfrm>
+      </p:grpSpPr>
+      <p:sp>
+        <p:nvSpPr>
+          <p:cNvPr id="8" name="Title 1">
+            <a:extLst>
+              <a:ext uri="{FF2B5EF4-FFF2-40B4-BE49-F238E27FC236}">
+                <a16:creationId xmlns:a16="http://schemas.microsoft.com/office/drawing/2014/main" xmlns="" id="{47A9874B-BCA9-8420-1595-EDD1865A099A}"/>
+              </a:ext>
+            </a:extLst>
+          </p:cNvPr>
+          <p:cNvSpPr>
+            <a:spLocks noGrp="1"/>
+          </p:cNvSpPr>
+          <p:nvPr>
+            <p:ph type="title"/>
+          </p:nvPr>
+        </p:nvSpPr>
+        <p:spPr>
+          <a:xfrm>
+            <a:off x="628650" y="273844"/>
+            <a:ext cx="7886700" cy="994172"/>
+          </a:xfrm>
+          <a:noFill/>
+        </p:spPr>
+        <p:txBody>
+          <a:bodyPr anchor="ctr"/>
+          <a:lstStyle/>
+          <a:p>
+            <a:r>
+              <a:rPr lang="en-US" dirty="0" smtClean="0"/>
+              <a:t>Knowledge Distillation</a:t>
+            </a:r>
+            <a:endParaRPr lang="en-US" dirty="0">
+              <a:solidFill>
+                <a:schemeClr val="accent2">
+                  <a:lumMod val="50000"/>
+                </a:schemeClr>
+              </a:solidFill>
+            </a:endParaRPr>
+          </a:p>
+        </p:txBody>
+      </p:sp>
+      <p:sp>
+        <p:nvSpPr>
+          <p:cNvPr id="5" name="Content Placeholder 2">
+            <a:extLst>
+              <a:ext uri="{FF2B5EF4-FFF2-40B4-BE49-F238E27FC236}">
+                <a16:creationId xmlns:a16="http://schemas.microsoft.com/office/drawing/2014/main" xmlns="" id="{A6A33159-D030-2F82-A142-F75940728319}"/>
+              </a:ext>
+            </a:extLst>
+          </p:cNvPr>
+          <p:cNvSpPr>
+            <a:spLocks noGrp="1"/>
+          </p:cNvSpPr>
+          <p:nvPr>
+            <p:ph sz="quarter" idx="4294967295"/>
+          </p:nvPr>
+        </p:nvSpPr>
+        <p:spPr>
+          <a:xfrm>
+            <a:off x="628650" y="1378574"/>
+            <a:ext cx="3761767" cy="3213667"/>
+          </a:xfrm>
+          <a:prstGeom prst="rect">
+            <a:avLst/>
+          </a:prstGeom>
+          <a:noFill/>
+        </p:spPr>
+        <p:txBody>
+          <a:bodyPr vert="horz" lIns="68580" tIns="34290" rIns="68580" bIns="34290" rtlCol="0" anchor="t">
+            <a:normAutofit fontScale="92500" lnSpcReduction="10000"/>
+          </a:bodyPr>
+          <a:lstStyle/>
+          <a:p>
+            <a:pPr marL="171450" lvl="1">
+              <a:spcBef>
+                <a:spcPts val="750"/>
+              </a:spcBef>
+              <a:spcAft>
+                <a:spcPts val="600"/>
+              </a:spcAft>
+              <a:buClr>
+                <a:schemeClr val="accent2"/>
+              </a:buClr>
+            </a:pPr>
+            <a:r>
+              <a:rPr lang="en-IN" sz="2000" dirty="0" smtClean="0"/>
+              <a:t>Knowledge transfer</a:t>
+            </a:r>
+          </a:p>
+          <a:p>
+            <a:pPr marL="171450" lvl="1">
+              <a:spcBef>
+                <a:spcPts val="750"/>
+              </a:spcBef>
+              <a:spcAft>
+                <a:spcPts val="600"/>
+              </a:spcAft>
+              <a:buClr>
+                <a:schemeClr val="accent2"/>
+              </a:buClr>
+            </a:pPr>
+            <a:r>
+              <a:rPr lang="en-IN" sz="2000" dirty="0" smtClean="0"/>
+              <a:t>Large pre-trained model </a:t>
+            </a:r>
+          </a:p>
+          <a:p>
+            <a:pPr marL="171450" lvl="1">
+              <a:spcBef>
+                <a:spcPts val="750"/>
+              </a:spcBef>
+              <a:spcAft>
+                <a:spcPts val="600"/>
+              </a:spcAft>
+              <a:buClr>
+                <a:schemeClr val="accent2"/>
+              </a:buClr>
+            </a:pPr>
+            <a:r>
+              <a:rPr lang="en-IN" sz="2000" dirty="0" smtClean="0"/>
+              <a:t>Set of models</a:t>
+            </a:r>
+          </a:p>
+          <a:p>
+            <a:pPr marL="171450" lvl="1">
+              <a:spcBef>
+                <a:spcPts val="750"/>
+              </a:spcBef>
+              <a:spcAft>
+                <a:spcPts val="600"/>
+              </a:spcAft>
+              <a:buClr>
+                <a:schemeClr val="accent2"/>
+              </a:buClr>
+            </a:pPr>
+            <a:r>
+              <a:rPr lang="en-IN" sz="2000" smtClean="0"/>
+              <a:t>Teacher model</a:t>
+            </a:r>
+            <a:endParaRPr lang="en-IN" sz="2000" dirty="0" smtClean="0"/>
+          </a:p>
+          <a:p>
+            <a:pPr marL="171450" lvl="1">
+              <a:spcBef>
+                <a:spcPts val="750"/>
+              </a:spcBef>
+              <a:spcAft>
+                <a:spcPts val="600"/>
+              </a:spcAft>
+              <a:buClr>
+                <a:schemeClr val="accent2"/>
+              </a:buClr>
+            </a:pPr>
+            <a:r>
+              <a:rPr lang="en-IN" sz="2000" dirty="0" smtClean="0"/>
+              <a:t>Ensemble of models</a:t>
+            </a:r>
+          </a:p>
+          <a:p>
+            <a:pPr marL="171450" lvl="1">
+              <a:spcBef>
+                <a:spcPts val="750"/>
+              </a:spcBef>
+              <a:spcAft>
+                <a:spcPts val="600"/>
+              </a:spcAft>
+              <a:buClr>
+                <a:schemeClr val="accent2"/>
+              </a:buClr>
+            </a:pPr>
+            <a:r>
+              <a:rPr lang="en-IN" sz="2000" dirty="0" smtClean="0"/>
+              <a:t>Single smaller model</a:t>
+            </a:r>
+          </a:p>
+          <a:p>
+            <a:pPr marL="171450" lvl="1">
+              <a:spcBef>
+                <a:spcPts val="750"/>
+              </a:spcBef>
+              <a:spcAft>
+                <a:spcPts val="600"/>
+              </a:spcAft>
+              <a:buClr>
+                <a:schemeClr val="accent2"/>
+              </a:buClr>
+            </a:pPr>
+            <a:r>
+              <a:rPr lang="en-IN" sz="2000" dirty="0" smtClean="0"/>
+              <a:t>Student model</a:t>
+            </a:r>
+          </a:p>
+          <a:p>
+            <a:pPr marL="171450" lvl="1">
+              <a:spcBef>
+                <a:spcPts val="750"/>
+              </a:spcBef>
+              <a:spcAft>
+                <a:spcPts val="600"/>
+              </a:spcAft>
+              <a:buClr>
+                <a:schemeClr val="accent2"/>
+              </a:buClr>
+            </a:pPr>
+            <a:r>
+              <a:rPr lang="en-IN" sz="2000" dirty="0" smtClean="0"/>
+              <a:t>Model compression</a:t>
+            </a:r>
+            <a:endParaRPr lang="en-IN" sz="1700" dirty="0" smtClean="0"/>
+          </a:p>
+        </p:txBody>
+      </p:sp>
+      <p:sp>
+        <p:nvSpPr>
+          <p:cNvPr id="4" name="Content Placeholder 2">
+            <a:extLst>
+              <a:ext uri="{FF2B5EF4-FFF2-40B4-BE49-F238E27FC236}">
+                <a16:creationId xmlns:a16="http://schemas.microsoft.com/office/drawing/2014/main" xmlns="" id="{A6A33159-D030-2F82-A142-F75940728319}"/>
+              </a:ext>
+            </a:extLst>
+          </p:cNvPr>
+          <p:cNvSpPr>
+            <a:spLocks noGrp="1"/>
+          </p:cNvSpPr>
+          <p:nvPr>
+            <p:ph sz="quarter" idx="4294967295"/>
+          </p:nvPr>
+        </p:nvSpPr>
+        <p:spPr>
+          <a:xfrm>
+            <a:off x="4513634" y="1378574"/>
+            <a:ext cx="3982665" cy="3213667"/>
+          </a:xfrm>
+          <a:prstGeom prst="rect">
+            <a:avLst/>
+          </a:prstGeom>
+          <a:noFill/>
+        </p:spPr>
+        <p:txBody>
+          <a:bodyPr vert="horz" lIns="68580" tIns="34290" rIns="68580" bIns="34290" rtlCol="0" anchor="t">
+            <a:normAutofit/>
+          </a:bodyPr>
+          <a:lstStyle/>
+          <a:p>
+            <a:pPr marL="171450" lvl="1">
+              <a:spcBef>
+                <a:spcPts val="750"/>
+              </a:spcBef>
+              <a:spcAft>
+                <a:spcPts val="600"/>
+              </a:spcAft>
+              <a:buClr>
+                <a:schemeClr val="accent2"/>
+              </a:buClr>
+            </a:pPr>
+            <a:r>
+              <a:rPr lang="en-IN" sz="2000" dirty="0" smtClean="0"/>
+              <a:t>Small student model </a:t>
+            </a:r>
+          </a:p>
+          <a:p>
+            <a:pPr marL="171450" lvl="1">
+              <a:spcBef>
+                <a:spcPts val="750"/>
+              </a:spcBef>
+              <a:spcAft>
+                <a:spcPts val="600"/>
+              </a:spcAft>
+              <a:buClr>
+                <a:schemeClr val="accent2"/>
+              </a:buClr>
+            </a:pPr>
+            <a:r>
+              <a:rPr lang="en-IN" sz="2000" dirty="0" smtClean="0"/>
+              <a:t>Learn to emulate </a:t>
+            </a:r>
+          </a:p>
+          <a:p>
+            <a:pPr marL="171450" lvl="1">
+              <a:spcBef>
+                <a:spcPts val="750"/>
+              </a:spcBef>
+              <a:spcAft>
+                <a:spcPts val="600"/>
+              </a:spcAft>
+              <a:buClr>
+                <a:schemeClr val="accent2"/>
+              </a:buClr>
+            </a:pPr>
+            <a:r>
+              <a:rPr lang="en-IN" sz="2000" dirty="0" smtClean="0"/>
+              <a:t>Large teacher model</a:t>
+            </a:r>
+          </a:p>
+          <a:p>
+            <a:pPr marL="171450" lvl="1">
+              <a:spcBef>
+                <a:spcPts val="750"/>
+              </a:spcBef>
+              <a:spcAft>
+                <a:spcPts val="600"/>
+              </a:spcAft>
+              <a:buClr>
+                <a:schemeClr val="accent2"/>
+              </a:buClr>
+            </a:pPr>
+            <a:r>
+              <a:rPr lang="en-IN" sz="2000" dirty="0" smtClean="0"/>
+              <a:t>Leverage teacher knowledge </a:t>
+            </a:r>
+          </a:p>
+          <a:p>
+            <a:pPr marL="171450" lvl="1">
+              <a:spcBef>
+                <a:spcPts val="750"/>
+              </a:spcBef>
+              <a:spcAft>
+                <a:spcPts val="600"/>
+              </a:spcAft>
+              <a:buClr>
+                <a:schemeClr val="accent2"/>
+              </a:buClr>
+            </a:pPr>
+            <a:r>
+              <a:rPr lang="en-IN" sz="2000" dirty="0" smtClean="0"/>
+              <a:t>Emulate thought process</a:t>
+            </a:r>
+          </a:p>
+          <a:p>
+            <a:pPr marL="171450" lvl="1">
+              <a:spcBef>
+                <a:spcPts val="750"/>
+              </a:spcBef>
+              <a:spcAft>
+                <a:spcPts val="600"/>
+              </a:spcAft>
+              <a:buClr>
+                <a:schemeClr val="accent2"/>
+              </a:buClr>
+            </a:pPr>
+            <a:r>
+              <a:rPr lang="en-IN" sz="2000" dirty="0" smtClean="0"/>
+              <a:t>Obtain similar / higher accuracy</a:t>
+            </a:r>
+          </a:p>
+        </p:txBody>
+      </p:sp>
+    </p:spTree>
+    <p:extLst>
+      <p:ext uri="{BB962C8B-B14F-4D97-AF65-F5344CB8AC3E}">
+        <p14:creationId xmlns:p14="http://schemas.microsoft.com/office/powerpoint/2010/main" xmlns="" val="414613742"/>
+      </p:ext>
+    </p:extLst>
+  </p:cSld>
+  <p:clrMapOvr>
+    <a:masterClrMapping/>
+  </p:clrMapOvr>
+</p:sld>
+</file>
+
+<file path=ppt/slides/slide61.xml><?xml version="1.0" encoding="utf-8"?>
 <p:sld xmlns:a="http://schemas.openxmlformats.org/drawingml/2006/main" xmlns:r="http://schemas.openxmlformats.org/officeDocument/2006/relationships" xmlns:p="http://schemas.openxmlformats.org/presentationml/2006/main">
   <p:cSld>
     <p:spTree>
@@ -43802,7 +44280,7 @@
 </p:sld>
 </file>
 
-<file path=ppt/slides/slide61.xml><?xml version="1.0" encoding="utf-8"?>
+<file path=ppt/slides/slide62.xml><?xml version="1.0" encoding="utf-8"?>
 <p:sld xmlns:a="http://schemas.openxmlformats.org/drawingml/2006/main" xmlns:r="http://schemas.openxmlformats.org/officeDocument/2006/relationships" xmlns:p="http://schemas.openxmlformats.org/presentationml/2006/main">
   <p:cSld>
     <p:spTree>
@@ -43832,7 +44310,7 @@
 </p:sld>
 </file>
 
-<file path=ppt/slides/slide62.xml><?xml version="1.0" encoding="utf-8"?>
+<file path=ppt/slides/slide63.xml><?xml version="1.0" encoding="utf-8"?>
 <p:sld xmlns:a="http://schemas.openxmlformats.org/drawingml/2006/main" xmlns:r="http://schemas.openxmlformats.org/officeDocument/2006/relationships" xmlns:p="http://schemas.openxmlformats.org/presentationml/2006/main">
   <p:cSld>
     <p:spTree>
@@ -45622,6 +46100,26 @@
 </file>
 
 <file path=customXml/item1.xml><?xml version="1.0" encoding="utf-8"?>
+<p:properties xmlns:p="http://schemas.microsoft.com/office/2006/metadata/properties" xmlns:xsi="http://www.w3.org/2001/XMLSchema-instance" xmlns:pc="http://schemas.microsoft.com/office/infopath/2007/PartnerControls">
+  <documentManagement>
+    <_ip_UnifiedCompliancePolicyUIAction xmlns="http://schemas.microsoft.com/sharepoint/v3" xsi:nil="true"/>
+    <Image xmlns="71af3243-3dd4-4a8d-8c0d-dd76da1f02a5">
+      <Url xsi:nil="true"/>
+      <Description xsi:nil="true"/>
+    </Image>
+    <Status xmlns="71af3243-3dd4-4a8d-8c0d-dd76da1f02a5">Not started</Status>
+    <Background xmlns="71af3243-3dd4-4a8d-8c0d-dd76da1f02a5">false</Background>
+    <_ip_UnifiedCompliancePolicyProperties xmlns="http://schemas.microsoft.com/sharepoint/v3" xsi:nil="true"/>
+    <ImageTagsTaxHTField xmlns="71af3243-3dd4-4a8d-8c0d-dd76da1f02a5">
+      <Terms xmlns="http://schemas.microsoft.com/office/infopath/2007/PartnerControls"/>
+    </ImageTagsTaxHTField>
+    <TaxCatchAll xmlns="230e9df3-be65-4c73-a93b-d1236ebd677e" xsi:nil="true"/>
+    <MediaServiceKeyPoints xmlns="71af3243-3dd4-4a8d-8c0d-dd76da1f02a5" xsi:nil="true"/>
+  </documentManagement>
+</p:properties>
+</file>
+
+<file path=customXml/item2.xml><?xml version="1.0" encoding="utf-8"?>
 <ct:contentTypeSchema xmlns:ct="http://schemas.microsoft.com/office/2006/metadata/contentType" xmlns:ma="http://schemas.microsoft.com/office/2006/metadata/properties/metaAttributes" ct:_="" ma:_="" ma:contentTypeName="Document" ma:contentTypeID="0x01010079F111ED35F8CC479449609E8A0923A6" ma:contentTypeVersion="28" ma:contentTypeDescription="Create a new document." ma:contentTypeScope="" ma:versionID="60f5a4f2d2b0abadcf532d48ebf9cb71">
   <xsd:schema xmlns:xsd="http://www.w3.org/2001/XMLSchema" xmlns:xs="http://www.w3.org/2001/XMLSchema" xmlns:p="http://schemas.microsoft.com/office/2006/metadata/properties" xmlns:ns1="http://schemas.microsoft.com/sharepoint/v3" xmlns:ns2="71af3243-3dd4-4a8d-8c0d-dd76da1f02a5" xmlns:ns3="16c05727-aa75-4e4a-9b5f-8a80a1165891" xmlns:ns4="230e9df3-be65-4c73-a93b-d1236ebd677e" targetNamespace="http://schemas.microsoft.com/office/2006/metadata/properties" ma:root="true" ma:fieldsID="7dd78129e6a1811f84807ad11c651531" ns1:_="" ns2:_="" ns3:_="" ns4:_="">
     <xsd:import namespace="http://schemas.microsoft.com/sharepoint/v3"/>
@@ -45933,7 +46431,7 @@
 </ct:contentTypeSchema>
 </file>
 
-<file path=customXml/item2.xml><?xml version="1.0" encoding="utf-8"?>
+<file path=customXml/item3.xml><?xml version="1.0" encoding="utf-8"?>
 <?mso-contentType ?>
 <FormTemplates xmlns="http://schemas.microsoft.com/sharepoint/v3/contenttype/forms">
   <Display>DocumentLibraryForm</Display>
@@ -45942,27 +46440,19 @@
 </FormTemplates>
 </file>
 
-<file path=customXml/item3.xml><?xml version="1.0" encoding="utf-8"?>
-<p:properties xmlns:p="http://schemas.microsoft.com/office/2006/metadata/properties" xmlns:xsi="http://www.w3.org/2001/XMLSchema-instance" xmlns:pc="http://schemas.microsoft.com/office/infopath/2007/PartnerControls">
-  <documentManagement>
-    <_ip_UnifiedCompliancePolicyUIAction xmlns="http://schemas.microsoft.com/sharepoint/v3" xsi:nil="true"/>
-    <Image xmlns="71af3243-3dd4-4a8d-8c0d-dd76da1f02a5">
-      <Url xsi:nil="true"/>
-      <Description xsi:nil="true"/>
-    </Image>
-    <Status xmlns="71af3243-3dd4-4a8d-8c0d-dd76da1f02a5">Not started</Status>
-    <Background xmlns="71af3243-3dd4-4a8d-8c0d-dd76da1f02a5">false</Background>
-    <_ip_UnifiedCompliancePolicyProperties xmlns="http://schemas.microsoft.com/sharepoint/v3" xsi:nil="true"/>
-    <ImageTagsTaxHTField xmlns="71af3243-3dd4-4a8d-8c0d-dd76da1f02a5">
-      <Terms xmlns="http://schemas.microsoft.com/office/infopath/2007/PartnerControls"/>
-    </ImageTagsTaxHTField>
-    <TaxCatchAll xmlns="230e9df3-be65-4c73-a93b-d1236ebd677e" xsi:nil="true"/>
-    <MediaServiceKeyPoints xmlns="71af3243-3dd4-4a8d-8c0d-dd76da1f02a5" xsi:nil="true"/>
-  </documentManagement>
-</p:properties>
+<file path=customXml/itemProps1.xml><?xml version="1.0" encoding="utf-8"?>
+<ds:datastoreItem xmlns:ds="http://schemas.openxmlformats.org/officeDocument/2006/customXml" ds:itemID="{A3165DE6-2DCE-44FC-94B7-A499559DBF88}">
+  <ds:schemaRefs>
+    <ds:schemaRef ds:uri="http://schemas.microsoft.com/office/2006/metadata/properties"/>
+    <ds:schemaRef ds:uri="http://schemas.microsoft.com/office/infopath/2007/PartnerControls"/>
+    <ds:schemaRef ds:uri="http://schemas.microsoft.com/sharepoint/v3"/>
+    <ds:schemaRef ds:uri="71af3243-3dd4-4a8d-8c0d-dd76da1f02a5"/>
+    <ds:schemaRef ds:uri="230e9df3-be65-4c73-a93b-d1236ebd677e"/>
+  </ds:schemaRefs>
+</ds:datastoreItem>
 </file>
 
-<file path=customXml/itemProps1.xml><?xml version="1.0" encoding="utf-8"?>
+<file path=customXml/itemProps2.xml><?xml version="1.0" encoding="utf-8"?>
 <ds:datastoreItem xmlns:ds="http://schemas.openxmlformats.org/officeDocument/2006/customXml" ds:itemID="{1285E733-8340-4FDD-A6FC-B22F1B75E4E2}">
   <ds:schemaRefs>
     <ds:schemaRef ds:uri="http://schemas.microsoft.com/office/2006/metadata/contentType"/>
@@ -45983,7 +46473,7 @@
 </ds:datastoreItem>
 </file>
 
-<file path=customXml/itemProps2.xml><?xml version="1.0" encoding="utf-8"?>
+<file path=customXml/itemProps3.xml><?xml version="1.0" encoding="utf-8"?>
 <ds:datastoreItem xmlns:ds="http://schemas.openxmlformats.org/officeDocument/2006/customXml" ds:itemID="{67FFD73E-D96B-4428-99CD-717A4897D3B4}">
   <ds:schemaRefs>
     <ds:schemaRef ds:uri="http://schemas.microsoft.com/sharepoint/v3/contenttype/forms"/>
@@ -45991,18 +46481,6 @@
 </ds:datastoreItem>
 </file>
 
-<file path=customXml/itemProps3.xml><?xml version="1.0" encoding="utf-8"?>
-<ds:datastoreItem xmlns:ds="http://schemas.openxmlformats.org/officeDocument/2006/customXml" ds:itemID="{A3165DE6-2DCE-44FC-94B7-A499559DBF88}">
-  <ds:schemaRefs>
-    <ds:schemaRef ds:uri="http://schemas.microsoft.com/office/2006/metadata/properties"/>
-    <ds:schemaRef ds:uri="http://schemas.microsoft.com/office/infopath/2007/PartnerControls"/>
-    <ds:schemaRef ds:uri="http://schemas.microsoft.com/sharepoint/v3"/>
-    <ds:schemaRef ds:uri="71af3243-3dd4-4a8d-8c0d-dd76da1f02a5"/>
-    <ds:schemaRef ds:uri="230e9df3-be65-4c73-a93b-d1236ebd677e"/>
-  </ds:schemaRefs>
-</ds:datastoreItem>
-</file>
-
 <file path=docMetadata/LabelInfo.xml><?xml version="1.0" encoding="utf-8"?>
 <clbl:labelList xmlns:clbl="http://schemas.microsoft.com/office/2020/mipLabelMetadata"/>
 </file>
--- a/Presentations/IUAC-2024/Introduction_to_Large_Language_Models-From_Foundation_to_Real_World_Applications.pptx
+++ b/Presentations/IUAC-2024/Introduction_to_Large_Language_Models-From_Foundation_to_Real_World_Applications.pptx
@@ -5,10 +5,10 @@
     <p:sldMasterId id="2147483648" r:id="rId4"/>
   </p:sldMasterIdLst>
   <p:notesMasterIdLst>
-    <p:notesMasterId r:id="rId68"/>
+    <p:notesMasterId r:id="rId69"/>
   </p:notesMasterIdLst>
   <p:handoutMasterIdLst>
-    <p:handoutMasterId r:id="rId69"/>
+    <p:handoutMasterId r:id="rId70"/>
   </p:handoutMasterIdLst>
   <p:sldIdLst>
     <p:sldId id="256" r:id="rId5"/>
@@ -69,11 +69,12 @@
     <p:sldId id="3936" r:id="rId60"/>
     <p:sldId id="3937" r:id="rId61"/>
     <p:sldId id="3938" r:id="rId62"/>
-    <p:sldId id="3932" r:id="rId63"/>
-    <p:sldId id="3933" r:id="rId64"/>
-    <p:sldId id="3930" r:id="rId65"/>
-    <p:sldId id="3850" r:id="rId66"/>
-    <p:sldId id="265" r:id="rId67"/>
+    <p:sldId id="3939" r:id="rId63"/>
+    <p:sldId id="3932" r:id="rId64"/>
+    <p:sldId id="3933" r:id="rId65"/>
+    <p:sldId id="3930" r:id="rId66"/>
+    <p:sldId id="3850" r:id="rId67"/>
+    <p:sldId id="265" r:id="rId68"/>
   </p:sldIdLst>
   <p:sldSz cx="9144000" cy="5143500" type="screen16x9"/>
   <p:notesSz cx="6858000" cy="9144000"/>
@@ -295,7 +296,7 @@
             <a:fld id="{0DC994AA-C437-4EF4-8BEF-0B832D7FA420}" type="datetimeFigureOut">
               <a:rPr lang="en-US" smtClean="0"/>
               <a:pPr/>
-              <a:t>10/28/2024</a:t>
+              <a:t>10/29/2024</a:t>
             </a:fld>
             <a:endParaRPr lang="en-US" dirty="0"/>
           </a:p>
@@ -474,7 +475,7 @@
             <a:fld id="{FB20CE03-6C3A-EB4D-A9B1-7EFD38B58412}" type="datetimeFigureOut">
               <a:rPr lang="en-US" smtClean="0"/>
               <a:pPr/>
-              <a:t>10/28/2024</a:t>
+              <a:t>10/29/2024</a:t>
             </a:fld>
             <a:endParaRPr lang="en-US" dirty="0"/>
           </a:p>
@@ -5643,7 +5644,7 @@
     </p:spTree>
     <p:extLst>
       <p:ext uri="{BB962C8B-B14F-4D97-AF65-F5344CB8AC3E}">
-        <p14:creationId xmlns:p14="http://schemas.microsoft.com/office/powerpoint/2010/main" xmlns="" val="737681818"/>
+        <p14:creationId xmlns:p14="http://schemas.microsoft.com/office/powerpoint/2010/main" xmlns="" val="922949278"/>
       </p:ext>
     </p:extLst>
   </p:cSld>
@@ -5898,7 +5899,7 @@
     </p:spTree>
     <p:extLst>
       <p:ext uri="{BB962C8B-B14F-4D97-AF65-F5344CB8AC3E}">
-        <p14:creationId xmlns:p14="http://schemas.microsoft.com/office/powerpoint/2010/main" xmlns="" val="2840793627"/>
+        <p14:creationId xmlns:p14="http://schemas.microsoft.com/office/powerpoint/2010/main" xmlns="" val="737681818"/>
       </p:ext>
     </p:extLst>
   </p:cSld>
@@ -5983,7 +5984,7 @@
     </p:spTree>
     <p:extLst>
       <p:ext uri="{BB962C8B-B14F-4D97-AF65-F5344CB8AC3E}">
-        <p14:creationId xmlns:p14="http://schemas.microsoft.com/office/powerpoint/2010/main" xmlns="" val="3522538323"/>
+        <p14:creationId xmlns:p14="http://schemas.microsoft.com/office/powerpoint/2010/main" xmlns="" val="2840793627"/>
       </p:ext>
     </p:extLst>
   </p:cSld>
@@ -6060,6 +6061,91 @@
               <a:rPr lang="en-US" smtClean="0"/>
               <a:pPr/>
               <a:t>63</a:t>
+            </a:fld>
+            <a:endParaRPr lang="en-US" dirty="0"/>
+          </a:p>
+        </p:txBody>
+      </p:sp>
+    </p:spTree>
+    <p:extLst>
+      <p:ext uri="{BB962C8B-B14F-4D97-AF65-F5344CB8AC3E}">
+        <p14:creationId xmlns:p14="http://schemas.microsoft.com/office/powerpoint/2010/main" xmlns="" val="3522538323"/>
+      </p:ext>
+    </p:extLst>
+  </p:cSld>
+  <p:clrMapOvr>
+    <a:masterClrMapping/>
+  </p:clrMapOvr>
+</p:notes>
+</file>
+
+<file path=ppt/notesSlides/notesSlide64.xml><?xml version="1.0" encoding="utf-8"?>
+<p:notes xmlns:a="http://schemas.openxmlformats.org/drawingml/2006/main" xmlns:r="http://schemas.openxmlformats.org/officeDocument/2006/relationships" xmlns:p="http://schemas.openxmlformats.org/presentationml/2006/main">
+  <p:cSld>
+    <p:spTree>
+      <p:nvGrpSpPr>
+        <p:cNvPr id="1" name=""/>
+        <p:cNvGrpSpPr/>
+        <p:nvPr/>
+      </p:nvGrpSpPr>
+      <p:grpSpPr>
+        <a:xfrm>
+          <a:off x="0" y="0"/>
+          <a:ext cx="0" cy="0"/>
+          <a:chOff x="0" y="0"/>
+          <a:chExt cx="0" cy="0"/>
+        </a:xfrm>
+      </p:grpSpPr>
+      <p:sp>
+        <p:nvSpPr>
+          <p:cNvPr id="2" name="Slide Image Placeholder 1"/>
+          <p:cNvSpPr>
+            <a:spLocks noGrp="1" noRot="1" noChangeAspect="1"/>
+          </p:cNvSpPr>
+          <p:nvPr>
+            <p:ph type="sldImg"/>
+          </p:nvPr>
+        </p:nvSpPr>
+        <p:spPr/>
+      </p:sp>
+      <p:sp>
+        <p:nvSpPr>
+          <p:cNvPr id="3" name="Notes Placeholder 2"/>
+          <p:cNvSpPr>
+            <a:spLocks noGrp="1"/>
+          </p:cNvSpPr>
+          <p:nvPr>
+            <p:ph type="body" idx="1"/>
+          </p:nvPr>
+        </p:nvSpPr>
+        <p:spPr/>
+        <p:txBody>
+          <a:bodyPr/>
+          <a:lstStyle/>
+          <a:p>
+            <a:endParaRPr lang="en-US" dirty="0"/>
+          </a:p>
+        </p:txBody>
+      </p:sp>
+      <p:sp>
+        <p:nvSpPr>
+          <p:cNvPr id="4" name="Slide Number Placeholder 3"/>
+          <p:cNvSpPr>
+            <a:spLocks noGrp="1"/>
+          </p:cNvSpPr>
+          <p:nvPr>
+            <p:ph type="sldNum" sz="quarter" idx="5"/>
+          </p:nvPr>
+        </p:nvSpPr>
+        <p:spPr/>
+        <p:txBody>
+          <a:bodyPr/>
+          <a:lstStyle/>
+          <a:p>
+            <a:fld id="{8B57D50D-BAA9-464B-B391-243138E078D8}" type="slidenum">
+              <a:rPr lang="en-US" smtClean="0"/>
+              <a:pPr/>
+              <a:t>64</a:t>
             </a:fld>
             <a:endParaRPr lang="en-US" dirty="0"/>
           </a:p>
@@ -7866,7 +7952,7 @@
             <a:fld id="{D6D8061D-18C3-4F4F-85EF-561633F58754}" type="datetimeFigureOut">
               <a:rPr lang="en-US" smtClean="0"/>
               <a:pPr/>
-              <a:t>10/28/2024</a:t>
+              <a:t>10/29/2024</a:t>
             </a:fld>
             <a:endParaRPr lang="en-US" dirty="0"/>
           </a:p>
@@ -8011,7 +8097,7 @@
             <a:fld id="{D6D8061D-18C3-4F4F-85EF-561633F58754}" type="datetimeFigureOut">
               <a:rPr lang="en-US" smtClean="0"/>
               <a:pPr/>
-              <a:t>10/28/2024</a:t>
+              <a:t>10/29/2024</a:t>
             </a:fld>
             <a:endParaRPr lang="en-US" dirty="0"/>
           </a:p>
@@ -9153,7 +9239,7 @@
             <a:fld id="{D6D8061D-18C3-4F4F-85EF-561633F58754}" type="datetimeFigureOut">
               <a:rPr lang="en-US" smtClean="0"/>
               <a:pPr/>
-              <a:t>10/28/2024</a:t>
+              <a:t>10/29/2024</a:t>
             </a:fld>
             <a:endParaRPr lang="en-US" dirty="0"/>
           </a:p>
@@ -10478,7 +10564,7 @@
             <a:fld id="{D6D8061D-18C3-4F4F-85EF-561633F58754}" type="datetimeFigureOut">
               <a:rPr lang="en-US" smtClean="0"/>
               <a:pPr/>
-              <a:t>10/28/2024</a:t>
+              <a:t>10/29/2024</a:t>
             </a:fld>
             <a:endParaRPr lang="en-US" dirty="0"/>
           </a:p>
@@ -11746,7 +11832,7 @@
             <a:fld id="{D6D8061D-18C3-4F4F-85EF-561633F58754}" type="datetimeFigureOut">
               <a:rPr lang="en-US" smtClean="0"/>
               <a:pPr/>
-              <a:t>10/28/2024</a:t>
+              <a:t>10/29/2024</a:t>
             </a:fld>
             <a:endParaRPr lang="en-US" dirty="0"/>
           </a:p>
@@ -12813,7 +12899,7 @@
             <a:fld id="{D6D8061D-18C3-4F4F-85EF-561633F58754}" type="datetimeFigureOut">
               <a:rPr lang="en-US" smtClean="0"/>
               <a:pPr/>
-              <a:t>10/28/2024</a:t>
+              <a:t>10/29/2024</a:t>
             </a:fld>
             <a:endParaRPr lang="en-US" dirty="0"/>
           </a:p>
@@ -13224,7 +13310,7 @@
             <a:fld id="{D6D8061D-18C3-4F4F-85EF-561633F58754}" type="datetimeFigureOut">
               <a:rPr lang="en-US" smtClean="0"/>
               <a:pPr/>
-              <a:t>10/28/2024</a:t>
+              <a:t>10/29/2024</a:t>
             </a:fld>
             <a:endParaRPr lang="en-US" dirty="0"/>
           </a:p>
@@ -14192,7 +14278,7 @@
             <a:fld id="{D6D8061D-18C3-4F4F-85EF-561633F58754}" type="datetimeFigureOut">
               <a:rPr lang="en-US" smtClean="0"/>
               <a:pPr/>
-              <a:t>10/28/2024</a:t>
+              <a:t>10/29/2024</a:t>
             </a:fld>
             <a:endParaRPr lang="en-US" dirty="0"/>
           </a:p>
@@ -15030,7 +15116,7 @@
             <a:fld id="{D6D8061D-18C3-4F4F-85EF-561633F58754}" type="datetimeFigureOut">
               <a:rPr lang="en-US" smtClean="0"/>
               <a:pPr/>
-              <a:t>10/28/2024</a:t>
+              <a:t>10/29/2024</a:t>
             </a:fld>
             <a:endParaRPr lang="en-US" dirty="0"/>
           </a:p>
@@ -15273,7 +15359,7 @@
             <a:fld id="{D6D8061D-18C3-4F4F-85EF-561633F58754}" type="datetimeFigureOut">
               <a:rPr lang="en-US" smtClean="0"/>
               <a:pPr/>
-              <a:t>10/28/2024</a:t>
+              <a:t>10/29/2024</a:t>
             </a:fld>
             <a:endParaRPr lang="en-US" dirty="0"/>
           </a:p>
@@ -19230,11 +19316,11 @@
             </a:pPr>
             <a:r>
               <a:rPr lang="en-IN" sz="2000" dirty="0"/>
-              <a:t>Reinforcement Learning with Human </a:t>
+              <a:t>Reinforcement Learning </a:t>
             </a:r>
             <a:r>
               <a:rPr lang="en-IN" sz="2000" dirty="0" smtClean="0"/>
-              <a:t>Feedback (RLHF)</a:t>
+              <a:t>from Human Feedback (RLHF)</a:t>
             </a:r>
             <a:endParaRPr lang="en-US" sz="1700" dirty="0"/>
           </a:p>
@@ -19575,7 +19661,7 @@
             </a:pPr>
             <a:r>
               <a:rPr lang="en-US" sz="2000" dirty="0" smtClean="0"/>
-              <a:t>Books, articles, or websites</a:t>
+              <a:t>Books, articles, and websites</a:t>
             </a:r>
           </a:p>
           <a:p>
@@ -20258,7 +20344,7 @@
         <p:spPr>
           <a:xfrm>
             <a:off x="628650" y="273844"/>
-            <a:ext cx="7886700" cy="994172"/>
+            <a:ext cx="8067878" cy="994172"/>
           </a:xfrm>
           <a:noFill/>
         </p:spPr>
@@ -20268,7 +20354,15 @@
           <a:p>
             <a:r>
               <a:rPr lang="en-IN" dirty="0"/>
-              <a:t>Reinforcement Learning with Human Feedback</a:t>
+              <a:t>Reinforcement Learning </a:t>
+            </a:r>
+            <a:r>
+              <a:rPr lang="en-IN" dirty="0" smtClean="0"/>
+              <a:t>from Human </a:t>
+            </a:r>
+            <a:r>
+              <a:rPr lang="en-IN" dirty="0"/>
+              <a:t>Feedback</a:t>
             </a:r>
             <a:endParaRPr lang="en-US" dirty="0"/>
           </a:p>
@@ -20292,8 +20386,8 @@
         </p:nvSpPr>
         <p:spPr>
           <a:xfrm>
-            <a:off x="628650" y="1378574"/>
-            <a:ext cx="7867650" cy="3213667"/>
+            <a:off x="628649" y="1378574"/>
+            <a:ext cx="3865529" cy="3213667"/>
           </a:xfrm>
           <a:prstGeom prst="rect">
             <a:avLst/>
@@ -20318,8 +20412,8 @@
               </a:buClr>
             </a:pPr>
             <a:r>
-              <a:rPr lang="en-US" sz="2000" dirty="0"/>
-              <a:t>Reinforcement learning</a:t>
+              <a:rPr lang="en-US" sz="2000" dirty="0" smtClean="0"/>
+              <a:t>Align model with human values</a:t>
             </a:r>
           </a:p>
           <a:p>
@@ -20335,10 +20429,13 @@
               </a:buClr>
             </a:pPr>
             <a:r>
-              <a:rPr lang="en-US" sz="2000"/>
-              <a:t> 3H – Helpful, Honest, Harmless</a:t>
-            </a:r>
-            <a:endParaRPr lang="en-US" sz="2000" dirty="0"/>
+              <a:rPr lang="en-US" sz="2000" dirty="0" smtClean="0"/>
+              <a:t>Reinforcement </a:t>
+            </a:r>
+            <a:r>
+              <a:rPr lang="en-US" sz="2000" dirty="0" smtClean="0"/>
+              <a:t>learning</a:t>
+            </a:r>
           </a:p>
           <a:p>
             <a:pPr marL="171450" lvl="1">
@@ -20352,6 +20449,91 @@
                 <a:schemeClr val="accent2"/>
               </a:buClr>
             </a:pPr>
+            <a:r>
+              <a:rPr lang="en-US" sz="2000" dirty="0" smtClean="0"/>
+              <a:t>3H </a:t>
+            </a:r>
+            <a:r>
+              <a:rPr lang="en-US" sz="2000" dirty="0" smtClean="0"/>
+              <a:t>– Helpful, </a:t>
+            </a:r>
+            <a:r>
+              <a:rPr lang="en-US" sz="2000" dirty="0"/>
+              <a:t>Honest, </a:t>
+            </a:r>
+            <a:r>
+              <a:rPr lang="en-US" sz="2000" dirty="0" smtClean="0"/>
+              <a:t>Harmless</a:t>
+            </a:r>
+          </a:p>
+          <a:p>
+            <a:pPr marL="171450" lvl="1">
+              <a:spcBef>
+                <a:spcPts val="750"/>
+              </a:spcBef>
+              <a:spcAft>
+                <a:spcPts val="600"/>
+              </a:spcAft>
+              <a:buClr>
+                <a:schemeClr val="accent2"/>
+              </a:buClr>
+            </a:pPr>
+            <a:r>
+              <a:rPr lang="en-US" sz="2000" dirty="0" smtClean="0"/>
+              <a:t>Helpful answer</a:t>
+            </a:r>
+            <a:endParaRPr lang="en-US" sz="1700" dirty="0" smtClean="0"/>
+          </a:p>
+          <a:p>
+            <a:pPr marL="171450" lvl="1">
+              <a:spcBef>
+                <a:spcPts val="750"/>
+              </a:spcBef>
+              <a:spcAft>
+                <a:spcPts val="600"/>
+              </a:spcAft>
+              <a:buClr>
+                <a:schemeClr val="accent2"/>
+              </a:buClr>
+            </a:pPr>
+            <a:r>
+              <a:rPr lang="en-US" sz="2000" dirty="0" smtClean="0"/>
+              <a:t>Honest answer</a:t>
+            </a:r>
+          </a:p>
+          <a:p>
+            <a:pPr marL="171450" lvl="1">
+              <a:spcBef>
+                <a:spcPts val="750"/>
+              </a:spcBef>
+              <a:spcAft>
+                <a:spcPts val="600"/>
+              </a:spcAft>
+              <a:buClr>
+                <a:schemeClr val="accent2"/>
+              </a:buClr>
+            </a:pPr>
+            <a:r>
+              <a:rPr lang="en-US" sz="2000" dirty="0" smtClean="0"/>
+              <a:t>Harmless answer</a:t>
+            </a:r>
+          </a:p>
+          <a:p>
+            <a:pPr marL="171450" lvl="1">
+              <a:spcBef>
+                <a:spcPts val="750"/>
+              </a:spcBef>
+              <a:spcAft>
+                <a:spcPts val="600"/>
+              </a:spcAft>
+              <a:buClr>
+                <a:schemeClr val="accent2"/>
+              </a:buClr>
+            </a:pPr>
+            <a:r>
+              <a:rPr lang="en-US" sz="2000" dirty="0" smtClean="0"/>
+              <a:t>Responsible AI</a:t>
+            </a:r>
             <a:endParaRPr lang="en-IN" sz="2000" dirty="0"/>
           </a:p>
           <a:p>
@@ -20367,6 +20549,190 @@
               </a:buClr>
             </a:pPr>
             <a:endParaRPr lang="en-US" sz="1700" dirty="0"/>
+          </a:p>
+        </p:txBody>
+      </p:sp>
+      <p:sp>
+        <p:nvSpPr>
+          <p:cNvPr id="4" name="Content Placeholder 2">
+            <a:extLst>
+              <a:ext uri="{FF2B5EF4-FFF2-40B4-BE49-F238E27FC236}">
+                <a16:creationId xmlns:a16="http://schemas.microsoft.com/office/drawing/2014/main" xmlns="" id="{A6A33159-D030-2F82-A142-F75940728319}"/>
+              </a:ext>
+            </a:extLst>
+          </p:cNvPr>
+          <p:cNvSpPr>
+            <a:spLocks noGrp="1"/>
+          </p:cNvSpPr>
+          <p:nvPr>
+            <p:ph sz="quarter" idx="4294967295"/>
+          </p:nvPr>
+        </p:nvSpPr>
+        <p:spPr>
+          <a:xfrm>
+            <a:off x="4782295" y="1381819"/>
+            <a:ext cx="3748798" cy="3213667"/>
+          </a:xfrm>
+          <a:prstGeom prst="rect">
+            <a:avLst/>
+          </a:prstGeom>
+          <a:noFill/>
+        </p:spPr>
+        <p:txBody>
+          <a:bodyPr vert="horz" lIns="68580" tIns="34290" rIns="68580" bIns="34290" rtlCol="0" anchor="t">
+            <a:normAutofit lnSpcReduction="10000"/>
+          </a:bodyPr>
+          <a:lstStyle/>
+          <a:p>
+            <a:pPr marL="171450" lvl="1">
+              <a:spcBef>
+                <a:spcPts val="750"/>
+              </a:spcBef>
+              <a:spcAft>
+                <a:spcPts val="600"/>
+              </a:spcAft>
+              <a:buClr>
+                <a:schemeClr val="accent2"/>
+              </a:buClr>
+            </a:pPr>
+            <a:r>
+              <a:rPr lang="en-IN" sz="2000" dirty="0" smtClean="0"/>
+              <a:t>Agent</a:t>
+            </a:r>
+          </a:p>
+          <a:p>
+            <a:pPr marL="514350" lvl="2">
+              <a:spcBef>
+                <a:spcPts val="750"/>
+              </a:spcBef>
+              <a:spcAft>
+                <a:spcPts val="600"/>
+              </a:spcAft>
+              <a:buClr>
+                <a:schemeClr val="accent2"/>
+              </a:buClr>
+            </a:pPr>
+            <a:r>
+              <a:rPr lang="en-IN" sz="1700" dirty="0" smtClean="0"/>
+              <a:t>Instruct LLM model</a:t>
+            </a:r>
+          </a:p>
+          <a:p>
+            <a:pPr marL="171450" lvl="1">
+              <a:spcBef>
+                <a:spcPts val="750"/>
+              </a:spcBef>
+              <a:spcAft>
+                <a:spcPts val="600"/>
+              </a:spcAft>
+              <a:buClr>
+                <a:schemeClr val="accent2"/>
+              </a:buClr>
+            </a:pPr>
+            <a:r>
+              <a:rPr lang="en-IN" sz="2000" dirty="0" smtClean="0"/>
+              <a:t>Environment</a:t>
+            </a:r>
+          </a:p>
+          <a:p>
+            <a:pPr marL="514350" lvl="2">
+              <a:spcBef>
+                <a:spcPts val="750"/>
+              </a:spcBef>
+              <a:spcAft>
+                <a:spcPts val="600"/>
+              </a:spcAft>
+              <a:buClr>
+                <a:schemeClr val="accent2"/>
+              </a:buClr>
+            </a:pPr>
+            <a:r>
+              <a:rPr lang="en-IN" sz="1700" dirty="0" smtClean="0"/>
+              <a:t>LLM context</a:t>
+            </a:r>
+          </a:p>
+          <a:p>
+            <a:pPr marL="171450" lvl="1">
+              <a:spcBef>
+                <a:spcPts val="750"/>
+              </a:spcBef>
+              <a:spcAft>
+                <a:spcPts val="600"/>
+              </a:spcAft>
+              <a:buClr>
+                <a:schemeClr val="accent2"/>
+              </a:buClr>
+            </a:pPr>
+            <a:r>
+              <a:rPr lang="en-IN" sz="2000" dirty="0" smtClean="0"/>
+              <a:t>Objective</a:t>
+            </a:r>
+          </a:p>
+          <a:p>
+            <a:pPr marL="514350" lvl="2">
+              <a:spcBef>
+                <a:spcPts val="750"/>
+              </a:spcBef>
+              <a:spcAft>
+                <a:spcPts val="600"/>
+              </a:spcAft>
+              <a:buClr>
+                <a:schemeClr val="accent2"/>
+              </a:buClr>
+            </a:pPr>
+            <a:r>
+              <a:rPr lang="en-IN" sz="1700" dirty="0" smtClean="0"/>
+              <a:t>Generate aligned text</a:t>
+            </a:r>
+          </a:p>
+          <a:p>
+            <a:pPr marL="171450" lvl="1">
+              <a:spcBef>
+                <a:spcPts val="750"/>
+              </a:spcBef>
+              <a:spcAft>
+                <a:spcPts val="600"/>
+              </a:spcAft>
+              <a:buClr>
+                <a:schemeClr val="accent2"/>
+              </a:buClr>
+            </a:pPr>
+            <a:r>
+              <a:rPr lang="en-IN" sz="2000" dirty="0" smtClean="0"/>
+              <a:t>Reward model</a:t>
+            </a:r>
+          </a:p>
+          <a:p>
+            <a:pPr marL="514350" lvl="2">
+              <a:spcBef>
+                <a:spcPts val="750"/>
+              </a:spcBef>
+              <a:spcAft>
+                <a:spcPts val="600"/>
+              </a:spcAft>
+              <a:buClr>
+                <a:schemeClr val="accent2"/>
+              </a:buClr>
+            </a:pPr>
+            <a:r>
+              <a:rPr lang="en-IN" sz="1700" dirty="0" smtClean="0"/>
+              <a:t>Supervised learning</a:t>
+            </a:r>
+            <a:endParaRPr lang="en-IN" sz="1700" dirty="0" smtClean="0"/>
+          </a:p>
+          <a:p>
+            <a:pPr marL="171450" lvl="1">
+              <a:spcBef>
+                <a:spcPts val="750"/>
+              </a:spcBef>
+              <a:spcAft>
+                <a:spcPts val="600"/>
+              </a:spcAft>
+              <a:buClr>
+                <a:schemeClr val="accent2"/>
+              </a:buClr>
+            </a:pPr>
+            <a:endParaRPr lang="en-IN" sz="2000" dirty="0" smtClean="0"/>
           </a:p>
         </p:txBody>
       </p:sp>
@@ -42056,11 +42422,7 @@
           <a:p>
             <a:r>
               <a:rPr lang="en-US" dirty="0" smtClean="0"/>
-              <a:t>LLM </a:t>
-            </a:r>
-            <a:r>
-              <a:rPr lang="en-US" dirty="0" smtClean="0"/>
-              <a:t>– Computational Challenges</a:t>
+              <a:t>LLM – Computational Challenges</a:t>
             </a:r>
             <a:endParaRPr lang="en-US" dirty="0"/>
           </a:p>
@@ -42128,15 +42490,7 @@
             </a:pPr>
             <a:r>
               <a:rPr lang="en-US" sz="1700" dirty="0" smtClean="0"/>
-              <a:t>1 parameter – </a:t>
-            </a:r>
-            <a:r>
-              <a:rPr lang="en-US" sz="1700" dirty="0" smtClean="0"/>
-              <a:t>float </a:t>
-            </a:r>
-            <a:r>
-              <a:rPr lang="en-US" sz="1700" dirty="0" smtClean="0"/>
-              <a:t>32 – 4 bytes</a:t>
+              <a:t>1 parameter – float 32 – 4 bytes</a:t>
             </a:r>
           </a:p>
           <a:p>
@@ -42178,19 +42532,7 @@
             </a:pPr>
             <a:r>
               <a:rPr lang="en-US" sz="1700" dirty="0" smtClean="0"/>
-              <a:t>1B </a:t>
-            </a:r>
-            <a:r>
-              <a:rPr lang="en-US" sz="1700" dirty="0" smtClean="0"/>
-              <a:t>parameters – </a:t>
-            </a:r>
-            <a:r>
-              <a:rPr lang="en-US" sz="1700" dirty="0" smtClean="0"/>
-              <a:t>4 x </a:t>
-            </a:r>
-            <a:r>
-              <a:rPr lang="en-US" sz="1700" dirty="0" smtClean="0"/>
-              <a:t>10</a:t>
+              <a:t>1B parameters – 4 x 10</a:t>
             </a:r>
             <a:r>
               <a:rPr lang="en-US" sz="1700" baseline="30000" dirty="0" smtClean="0"/>
@@ -42215,11 +42557,7 @@
             </a:pPr>
             <a:r>
               <a:rPr lang="en-US" sz="1700" dirty="0" smtClean="0"/>
-              <a:t>1B parameters – 4 </a:t>
-            </a:r>
-            <a:r>
-              <a:rPr lang="en-US" sz="1700" dirty="0" smtClean="0"/>
-              <a:t>GB memory</a:t>
+              <a:t>1B parameters – 4 GB memory</a:t>
             </a:r>
           </a:p>
           <a:p>
@@ -42301,11 +42639,7 @@
             </a:pPr>
             <a:r>
               <a:rPr lang="en-US" sz="1800" dirty="0" smtClean="0"/>
-              <a:t>1 parameter – float 32 – 4 </a:t>
-            </a:r>
-            <a:r>
-              <a:rPr lang="en-US" sz="1800" dirty="0" smtClean="0"/>
-              <a:t>bytes</a:t>
+              <a:t>1 parameter – float 32 – 4 bytes</a:t>
             </a:r>
             <a:endParaRPr lang="en-IN" sz="1700" dirty="0" smtClean="0"/>
           </a:p>
@@ -42391,13 +42725,8 @@
             </a:pPr>
             <a:r>
               <a:rPr lang="en-IN" sz="1700" dirty="0" smtClean="0"/>
-              <a:t>Temporary variables – 4 </a:t>
-            </a:r>
-            <a:r>
-              <a:rPr lang="en-IN" sz="1700" dirty="0" smtClean="0"/>
-              <a:t>bytes</a:t>
-            </a:r>
-            <a:endParaRPr lang="en-IN" sz="1700" dirty="0" smtClean="0"/>
+              <a:t>Temporary variables – 4 bytes</a:t>
+            </a:r>
           </a:p>
           <a:p>
             <a:pPr marL="171450" lvl="1">
@@ -42462,7 +42791,7 @@
       </p:grpSpPr>
       <p:sp>
         <p:nvSpPr>
-          <p:cNvPr id="8" name="Title 1">
+          <p:cNvPr id="2" name="Title 1">
             <a:extLst>
               <a:ext uri="{FF2B5EF4-FFF2-40B4-BE49-F238E27FC236}">
                 <a16:creationId xmlns:a16="http://schemas.microsoft.com/office/drawing/2014/main" xmlns="" id="{47A9874B-BCA9-8420-1595-EDD1865A099A}"/>
@@ -42479,7 +42808,7 @@
         <p:spPr>
           <a:xfrm>
             <a:off x="628650" y="273844"/>
-            <a:ext cx="7886700" cy="994172"/>
+            <a:ext cx="8067878" cy="994172"/>
           </a:xfrm>
           <a:noFill/>
         </p:spPr>
@@ -42488,26 +42817,20 @@
           <a:lstStyle/>
           <a:p>
             <a:r>
-              <a:rPr lang="en-US" dirty="0"/>
-              <a:t>Retrieval Augmented </a:t>
-            </a:r>
-            <a:r>
-              <a:rPr lang="en-US" dirty="0" smtClean="0"/>
-              <a:t>Generation – Evaluation</a:t>
-            </a:r>
-            <a:endParaRPr lang="en-US" dirty="0">
-              <a:solidFill>
-                <a:schemeClr val="accent2">
-                  <a:lumMod val="50000"/>
-                </a:schemeClr>
-              </a:solidFill>
-            </a:endParaRPr>
+              <a:rPr lang="en-IN" dirty="0"/>
+              <a:t>Reinforcement </a:t>
+            </a:r>
+            <a:r>
+              <a:rPr lang="en-IN" dirty="0" smtClean="0"/>
+              <a:t>Learning</a:t>
+            </a:r>
+            <a:endParaRPr lang="en-US" dirty="0"/>
           </a:p>
         </p:txBody>
       </p:sp>
       <p:sp>
         <p:nvSpPr>
-          <p:cNvPr id="5" name="Content Placeholder 2">
+          <p:cNvPr id="7" name="Content Placeholder 2">
             <a:extLst>
               <a:ext uri="{FF2B5EF4-FFF2-40B4-BE49-F238E27FC236}">
                 <a16:creationId xmlns:a16="http://schemas.microsoft.com/office/drawing/2014/main" xmlns="" id="{A6A33159-D030-2F82-A142-F75940728319}"/>
@@ -42523,8 +42846,8 @@
         </p:nvSpPr>
         <p:spPr>
           <a:xfrm>
-            <a:off x="628650" y="1378574"/>
-            <a:ext cx="3761767" cy="3213667"/>
+            <a:off x="628649" y="1378574"/>
+            <a:ext cx="3865529" cy="3213667"/>
           </a:xfrm>
           <a:prstGeom prst="rect">
             <a:avLst/>
@@ -42549,9 +42872,10 @@
               </a:buClr>
             </a:pPr>
             <a:r>
-              <a:rPr lang="en-IN" sz="2000" dirty="0" smtClean="0"/>
-              <a:t>Ground Truth (GT) by Human </a:t>
-            </a:r>
+              <a:rPr lang="en-US" sz="2000" dirty="0" smtClean="0"/>
+              <a:t>Agent</a:t>
+            </a:r>
+            <a:endParaRPr lang="en-US" sz="2000" dirty="0" smtClean="0"/>
           </a:p>
           <a:p>
             <a:pPr marL="171450" lvl="1">
@@ -42566,26 +42890,10 @@
               </a:buClr>
             </a:pPr>
             <a:r>
-              <a:rPr lang="en-IN" sz="2000" dirty="0" smtClean="0"/>
-              <a:t>Character based evaluation</a:t>
-            </a:r>
-          </a:p>
-          <a:p>
-            <a:pPr marL="514350" lvl="2">
-              <a:spcBef>
-                <a:spcPts val="750"/>
-              </a:spcBef>
-              <a:spcAft>
-                <a:spcPts val="600"/>
-              </a:spcAft>
-              <a:buClr>
-                <a:schemeClr val="accent2"/>
-              </a:buClr>
-            </a:pPr>
-            <a:r>
-              <a:rPr lang="en-IN" sz="1700" dirty="0" smtClean="0"/>
-              <a:t>Edit distance</a:t>
-            </a:r>
+              <a:rPr lang="en-US" sz="2000" dirty="0" smtClean="0"/>
+              <a:t>Environment</a:t>
+            </a:r>
+            <a:endParaRPr lang="en-US" sz="2000" dirty="0" smtClean="0"/>
           </a:p>
           <a:p>
             <a:pPr marL="171450" lvl="1">
@@ -42600,27 +42908,9 @@
               </a:buClr>
             </a:pPr>
             <a:r>
-              <a:rPr lang="en-IN" sz="2000" dirty="0" smtClean="0"/>
-              <a:t>Word based evaluation</a:t>
-            </a:r>
-          </a:p>
-          <a:p>
-            <a:pPr marL="514350" lvl="2">
-              <a:spcBef>
-                <a:spcPts val="750"/>
-              </a:spcBef>
-              <a:spcAft>
-                <a:spcPts val="600"/>
-              </a:spcAft>
-              <a:buClr>
-                <a:schemeClr val="accent2"/>
-              </a:buClr>
-            </a:pPr>
-            <a:r>
-              <a:rPr lang="en-IN" sz="1700" dirty="0" smtClean="0"/>
-              <a:t>WER, BLEU</a:t>
-            </a:r>
-            <a:endParaRPr lang="en-IN" sz="1700" dirty="0"/>
+              <a:rPr lang="en-US" sz="2000" dirty="0" smtClean="0"/>
+              <a:t>Action</a:t>
+            </a:r>
           </a:p>
           <a:p>
             <a:pPr marL="171450" lvl="1">
@@ -42635,60 +42925,10 @@
               </a:buClr>
             </a:pPr>
             <a:r>
-              <a:rPr lang="en-IN" sz="2000" dirty="0" smtClean="0"/>
-              <a:t>Embedding based evaluation</a:t>
-            </a:r>
-          </a:p>
-          <a:p>
-            <a:pPr marL="514350" lvl="2">
-              <a:spcBef>
-                <a:spcPts val="750"/>
-              </a:spcBef>
-              <a:spcAft>
-                <a:spcPts val="600"/>
-              </a:spcAft>
-              <a:buClr>
-                <a:schemeClr val="accent2"/>
-              </a:buClr>
-            </a:pPr>
-            <a:r>
-              <a:rPr lang="en-IN" sz="1700" dirty="0" smtClean="0"/>
-              <a:t>BERT score, Mover score</a:t>
-            </a:r>
-          </a:p>
-        </p:txBody>
-      </p:sp>
-      <p:sp>
-        <p:nvSpPr>
-          <p:cNvPr id="4" name="Content Placeholder 2">
-            <a:extLst>
-              <a:ext uri="{FF2B5EF4-FFF2-40B4-BE49-F238E27FC236}">
-                <a16:creationId xmlns:a16="http://schemas.microsoft.com/office/drawing/2014/main" xmlns="" id="{A6A33159-D030-2F82-A142-F75940728319}"/>
-              </a:ext>
-            </a:extLst>
-          </p:cNvPr>
-          <p:cNvSpPr>
-            <a:spLocks noGrp="1"/>
-          </p:cNvSpPr>
-          <p:nvPr>
-            <p:ph sz="quarter" idx="4294967295"/>
-          </p:nvPr>
-        </p:nvSpPr>
-        <p:spPr>
-          <a:xfrm>
-            <a:off x="4513634" y="1378574"/>
-            <a:ext cx="3982665" cy="3213667"/>
-          </a:xfrm>
-          <a:prstGeom prst="rect">
-            <a:avLst/>
-          </a:prstGeom>
-          <a:noFill/>
-        </p:spPr>
-        <p:txBody>
-          <a:bodyPr vert="horz" lIns="68580" tIns="34290" rIns="68580" bIns="34290" rtlCol="0" anchor="t">
-            <a:normAutofit/>
-          </a:bodyPr>
-          <a:lstStyle/>
+              <a:rPr lang="en-US" sz="2000" dirty="0" smtClean="0"/>
+              <a:t>State</a:t>
+            </a:r>
+          </a:p>
           <a:p>
             <a:pPr marL="171450" lvl="1">
               <a:spcBef>
@@ -42702,9 +42942,10 @@
               </a:buClr>
             </a:pPr>
             <a:r>
-              <a:rPr lang="en-IN" sz="2000" dirty="0" smtClean="0"/>
-              <a:t>Ground Truth (GT) by LLM </a:t>
-            </a:r>
+              <a:rPr lang="en-US" sz="2000" dirty="0" smtClean="0"/>
+              <a:t>Reward or Penalty</a:t>
+            </a:r>
+            <a:endParaRPr lang="en-US" sz="2000" dirty="0" smtClean="0"/>
           </a:p>
           <a:p>
             <a:pPr marL="171450" lvl="1">
@@ -42719,121 +42960,53 @@
               </a:buClr>
             </a:pPr>
             <a:r>
-              <a:rPr lang="en-IN" sz="2000" dirty="0" smtClean="0"/>
-              <a:t>Mathematical Framework</a:t>
-            </a:r>
-          </a:p>
-          <a:p>
-            <a:pPr marL="514350" lvl="2">
-              <a:spcBef>
-                <a:spcPts val="750"/>
-              </a:spcBef>
-              <a:spcAft>
-                <a:spcPts val="600"/>
-              </a:spcAft>
-              <a:buClr>
-                <a:schemeClr val="accent2"/>
-              </a:buClr>
-            </a:pPr>
-            <a:r>
-              <a:rPr lang="en-IN" sz="1700" dirty="0" smtClean="0"/>
-              <a:t>RAGAS framework</a:t>
-            </a:r>
-          </a:p>
-          <a:p>
-            <a:pPr marL="171450" lvl="1">
-              <a:spcBef>
-                <a:spcPts val="750"/>
-              </a:spcBef>
-              <a:spcAft>
-                <a:spcPts val="600"/>
-              </a:spcAft>
-              <a:buClr>
-                <a:schemeClr val="accent2"/>
-              </a:buClr>
-            </a:pPr>
-            <a:r>
-              <a:rPr lang="en-IN" sz="2000" dirty="0" smtClean="0"/>
-              <a:t>Experimental based Framework</a:t>
-            </a:r>
-          </a:p>
-          <a:p>
-            <a:pPr marL="514350" lvl="2">
-              <a:spcBef>
-                <a:spcPts val="750"/>
-              </a:spcBef>
-              <a:spcAft>
-                <a:spcPts val="600"/>
-              </a:spcAft>
-              <a:buClr>
-                <a:schemeClr val="accent2"/>
-              </a:buClr>
-            </a:pPr>
-            <a:r>
-              <a:rPr lang="en-IN" sz="1700" dirty="0" smtClean="0"/>
-              <a:t>Number of tasks and datasets </a:t>
-            </a:r>
-          </a:p>
-          <a:p>
-            <a:pPr marL="514350" lvl="2">
-              <a:spcBef>
-                <a:spcPts val="750"/>
-              </a:spcBef>
-              <a:spcAft>
-                <a:spcPts val="600"/>
-              </a:spcAft>
-              <a:buClr>
-                <a:schemeClr val="accent2"/>
-              </a:buClr>
-            </a:pPr>
-            <a:r>
-              <a:rPr lang="en-IN" sz="1700" dirty="0" smtClean="0"/>
-              <a:t>Number of aspects</a:t>
-            </a:r>
-          </a:p>
-          <a:p>
-            <a:pPr marL="514350" lvl="2">
-              <a:spcBef>
-                <a:spcPts val="750"/>
-              </a:spcBef>
-              <a:spcAft>
-                <a:spcPts val="600"/>
-              </a:spcAft>
-              <a:buClr>
-                <a:schemeClr val="accent2"/>
-              </a:buClr>
-            </a:pPr>
-            <a:r>
-              <a:rPr lang="en-IN" sz="1700" dirty="0" smtClean="0"/>
-              <a:t>GPT score</a:t>
-            </a:r>
-          </a:p>
-          <a:p>
-            <a:pPr marL="514350" lvl="2">
-              <a:spcBef>
-                <a:spcPts val="750"/>
-              </a:spcBef>
-              <a:spcAft>
-                <a:spcPts val="600"/>
-              </a:spcAft>
-              <a:buClr>
-                <a:schemeClr val="accent2"/>
-              </a:buClr>
-            </a:pPr>
-            <a:endParaRPr lang="en-IN" sz="1700" dirty="0"/>
+              <a:rPr lang="en-US" sz="2000" dirty="0" smtClean="0"/>
+              <a:t>Maximize reward</a:t>
+            </a:r>
           </a:p>
         </p:txBody>
       </p:sp>
+      <p:pic>
+        <p:nvPicPr>
+          <p:cNvPr id="5" name="Picture 4" descr="ReinforcementLearning.jpg"/>
+          <p:cNvPicPr>
+            <a:picLocks noChangeAspect="1"/>
+          </p:cNvPicPr>
+          <p:nvPr/>
+        </p:nvPicPr>
+        <p:blipFill>
+          <a:blip r:embed="rId3"/>
+          <a:stretch>
+            <a:fillRect/>
+          </a:stretch>
+        </p:blipFill>
+        <p:spPr>
+          <a:xfrm>
+            <a:off x="3022513" y="1381328"/>
+            <a:ext cx="5522829" cy="2476905"/>
+          </a:xfrm>
+          <a:prstGeom prst="rect">
+            <a:avLst/>
+          </a:prstGeom>
+        </p:spPr>
+      </p:pic>
     </p:spTree>
     <p:extLst>
       <p:ext uri="{BB962C8B-B14F-4D97-AF65-F5344CB8AC3E}">
-        <p14:creationId xmlns:p14="http://schemas.microsoft.com/office/powerpoint/2010/main" xmlns="" val="414613742"/>
+        <p14:creationId xmlns:p14="http://schemas.microsoft.com/office/powerpoint/2010/main" xmlns="" val="1127649784"/>
       </p:ext>
     </p:extLst>
   </p:cSld>
   <p:clrMapOvr>
     <a:masterClrMapping/>
   </p:clrMapOvr>
+  <p:timing>
+    <p:tnLst>
+      <p:par>
+        <p:cTn id="1" dur="indefinite" restart="never" nodeType="tmRoot"/>
+      </p:par>
+    </p:tnLst>
+  </p:timing>
 </p:sld>
 </file>
 
@@ -43273,6 +43446,400 @@
           <a:lstStyle/>
           <a:p>
             <a:r>
+              <a:rPr lang="en-US" dirty="0"/>
+              <a:t>Retrieval Augmented </a:t>
+            </a:r>
+            <a:r>
+              <a:rPr lang="en-US" dirty="0" smtClean="0"/>
+              <a:t>Generation – Evaluation</a:t>
+            </a:r>
+            <a:endParaRPr lang="en-US" dirty="0">
+              <a:solidFill>
+                <a:schemeClr val="accent2">
+                  <a:lumMod val="50000"/>
+                </a:schemeClr>
+              </a:solidFill>
+            </a:endParaRPr>
+          </a:p>
+        </p:txBody>
+      </p:sp>
+      <p:sp>
+        <p:nvSpPr>
+          <p:cNvPr id="5" name="Content Placeholder 2">
+            <a:extLst>
+              <a:ext uri="{FF2B5EF4-FFF2-40B4-BE49-F238E27FC236}">
+                <a16:creationId xmlns:a16="http://schemas.microsoft.com/office/drawing/2014/main" xmlns="" id="{A6A33159-D030-2F82-A142-F75940728319}"/>
+              </a:ext>
+            </a:extLst>
+          </p:cNvPr>
+          <p:cNvSpPr>
+            <a:spLocks noGrp="1"/>
+          </p:cNvSpPr>
+          <p:nvPr>
+            <p:ph sz="quarter" idx="4294967295"/>
+          </p:nvPr>
+        </p:nvSpPr>
+        <p:spPr>
+          <a:xfrm>
+            <a:off x="628650" y="1378574"/>
+            <a:ext cx="3761767" cy="3213667"/>
+          </a:xfrm>
+          <a:prstGeom prst="rect">
+            <a:avLst/>
+          </a:prstGeom>
+          <a:noFill/>
+        </p:spPr>
+        <p:txBody>
+          <a:bodyPr vert="horz" lIns="68580" tIns="34290" rIns="68580" bIns="34290" rtlCol="0" anchor="t">
+            <a:normAutofit/>
+          </a:bodyPr>
+          <a:lstStyle/>
+          <a:p>
+            <a:pPr marL="171450" lvl="1">
+              <a:spcBef>
+                <a:spcPts val="750"/>
+              </a:spcBef>
+              <a:spcAft>
+                <a:spcPts val="600"/>
+              </a:spcAft>
+              <a:buClr>
+                <a:schemeClr val="accent2"/>
+              </a:buClr>
+            </a:pPr>
+            <a:r>
+              <a:rPr lang="en-IN" sz="2000" dirty="0" smtClean="0"/>
+              <a:t>Ground Truth (GT) by Human </a:t>
+            </a:r>
+          </a:p>
+          <a:p>
+            <a:pPr marL="171450" lvl="1">
+              <a:spcBef>
+                <a:spcPts val="750"/>
+              </a:spcBef>
+              <a:spcAft>
+                <a:spcPts val="600"/>
+              </a:spcAft>
+              <a:buClr>
+                <a:schemeClr val="accent2"/>
+              </a:buClr>
+            </a:pPr>
+            <a:r>
+              <a:rPr lang="en-IN" sz="2000" dirty="0" smtClean="0"/>
+              <a:t>Character based evaluation</a:t>
+            </a:r>
+          </a:p>
+          <a:p>
+            <a:pPr marL="514350" lvl="2">
+              <a:spcBef>
+                <a:spcPts val="750"/>
+              </a:spcBef>
+              <a:spcAft>
+                <a:spcPts val="600"/>
+              </a:spcAft>
+              <a:buClr>
+                <a:schemeClr val="accent2"/>
+              </a:buClr>
+            </a:pPr>
+            <a:r>
+              <a:rPr lang="en-IN" sz="1700" dirty="0" smtClean="0"/>
+              <a:t>Edit distance</a:t>
+            </a:r>
+          </a:p>
+          <a:p>
+            <a:pPr marL="171450" lvl="1">
+              <a:spcBef>
+                <a:spcPts val="750"/>
+              </a:spcBef>
+              <a:spcAft>
+                <a:spcPts val="600"/>
+              </a:spcAft>
+              <a:buClr>
+                <a:schemeClr val="accent2"/>
+              </a:buClr>
+            </a:pPr>
+            <a:r>
+              <a:rPr lang="en-IN" sz="2000" dirty="0" smtClean="0"/>
+              <a:t>Word based evaluation</a:t>
+            </a:r>
+          </a:p>
+          <a:p>
+            <a:pPr marL="514350" lvl="2">
+              <a:spcBef>
+                <a:spcPts val="750"/>
+              </a:spcBef>
+              <a:spcAft>
+                <a:spcPts val="600"/>
+              </a:spcAft>
+              <a:buClr>
+                <a:schemeClr val="accent2"/>
+              </a:buClr>
+            </a:pPr>
+            <a:r>
+              <a:rPr lang="en-IN" sz="1700" dirty="0" smtClean="0"/>
+              <a:t>WER, BLEU</a:t>
+            </a:r>
+            <a:endParaRPr lang="en-IN" sz="1700" dirty="0"/>
+          </a:p>
+          <a:p>
+            <a:pPr marL="171450" lvl="1">
+              <a:spcBef>
+                <a:spcPts val="750"/>
+              </a:spcBef>
+              <a:spcAft>
+                <a:spcPts val="600"/>
+              </a:spcAft>
+              <a:buClr>
+                <a:schemeClr val="accent2"/>
+              </a:buClr>
+            </a:pPr>
+            <a:r>
+              <a:rPr lang="en-IN" sz="2000" dirty="0" smtClean="0"/>
+              <a:t>Embedding based evaluation</a:t>
+            </a:r>
+          </a:p>
+          <a:p>
+            <a:pPr marL="514350" lvl="2">
+              <a:spcBef>
+                <a:spcPts val="750"/>
+              </a:spcBef>
+              <a:spcAft>
+                <a:spcPts val="600"/>
+              </a:spcAft>
+              <a:buClr>
+                <a:schemeClr val="accent2"/>
+              </a:buClr>
+            </a:pPr>
+            <a:r>
+              <a:rPr lang="en-IN" sz="1700" dirty="0" smtClean="0"/>
+              <a:t>BERT score, Mover score</a:t>
+            </a:r>
+          </a:p>
+        </p:txBody>
+      </p:sp>
+      <p:sp>
+        <p:nvSpPr>
+          <p:cNvPr id="4" name="Content Placeholder 2">
+            <a:extLst>
+              <a:ext uri="{FF2B5EF4-FFF2-40B4-BE49-F238E27FC236}">
+                <a16:creationId xmlns:a16="http://schemas.microsoft.com/office/drawing/2014/main" xmlns="" id="{A6A33159-D030-2F82-A142-F75940728319}"/>
+              </a:ext>
+            </a:extLst>
+          </p:cNvPr>
+          <p:cNvSpPr>
+            <a:spLocks noGrp="1"/>
+          </p:cNvSpPr>
+          <p:nvPr>
+            <p:ph sz="quarter" idx="4294967295"/>
+          </p:nvPr>
+        </p:nvSpPr>
+        <p:spPr>
+          <a:xfrm>
+            <a:off x="4513634" y="1378574"/>
+            <a:ext cx="3982665" cy="3213667"/>
+          </a:xfrm>
+          <a:prstGeom prst="rect">
+            <a:avLst/>
+          </a:prstGeom>
+          <a:noFill/>
+        </p:spPr>
+        <p:txBody>
+          <a:bodyPr vert="horz" lIns="68580" tIns="34290" rIns="68580" bIns="34290" rtlCol="0" anchor="t">
+            <a:normAutofit/>
+          </a:bodyPr>
+          <a:lstStyle/>
+          <a:p>
+            <a:pPr marL="171450" lvl="1">
+              <a:spcBef>
+                <a:spcPts val="750"/>
+              </a:spcBef>
+              <a:spcAft>
+                <a:spcPts val="600"/>
+              </a:spcAft>
+              <a:buClr>
+                <a:schemeClr val="accent2"/>
+              </a:buClr>
+            </a:pPr>
+            <a:r>
+              <a:rPr lang="en-IN" sz="2000" dirty="0" smtClean="0"/>
+              <a:t>Ground Truth (GT) by LLM </a:t>
+            </a:r>
+          </a:p>
+          <a:p>
+            <a:pPr marL="171450" lvl="1">
+              <a:spcBef>
+                <a:spcPts val="750"/>
+              </a:spcBef>
+              <a:spcAft>
+                <a:spcPts val="600"/>
+              </a:spcAft>
+              <a:buClr>
+                <a:schemeClr val="accent2"/>
+              </a:buClr>
+            </a:pPr>
+            <a:r>
+              <a:rPr lang="en-IN" sz="2000" dirty="0" smtClean="0"/>
+              <a:t>Mathematical Framework</a:t>
+            </a:r>
+          </a:p>
+          <a:p>
+            <a:pPr marL="514350" lvl="2">
+              <a:spcBef>
+                <a:spcPts val="750"/>
+              </a:spcBef>
+              <a:spcAft>
+                <a:spcPts val="600"/>
+              </a:spcAft>
+              <a:buClr>
+                <a:schemeClr val="accent2"/>
+              </a:buClr>
+            </a:pPr>
+            <a:r>
+              <a:rPr lang="en-IN" sz="1700" dirty="0" smtClean="0"/>
+              <a:t>RAGAS framework</a:t>
+            </a:r>
+          </a:p>
+          <a:p>
+            <a:pPr marL="171450" lvl="1">
+              <a:spcBef>
+                <a:spcPts val="750"/>
+              </a:spcBef>
+              <a:spcAft>
+                <a:spcPts val="600"/>
+              </a:spcAft>
+              <a:buClr>
+                <a:schemeClr val="accent2"/>
+              </a:buClr>
+            </a:pPr>
+            <a:r>
+              <a:rPr lang="en-IN" sz="2000" dirty="0" smtClean="0"/>
+              <a:t>Experimental based Framework</a:t>
+            </a:r>
+          </a:p>
+          <a:p>
+            <a:pPr marL="514350" lvl="2">
+              <a:spcBef>
+                <a:spcPts val="750"/>
+              </a:spcBef>
+              <a:spcAft>
+                <a:spcPts val="600"/>
+              </a:spcAft>
+              <a:buClr>
+                <a:schemeClr val="accent2"/>
+              </a:buClr>
+            </a:pPr>
+            <a:r>
+              <a:rPr lang="en-IN" sz="1700" dirty="0" smtClean="0"/>
+              <a:t>Number of tasks and datasets </a:t>
+            </a:r>
+          </a:p>
+          <a:p>
+            <a:pPr marL="514350" lvl="2">
+              <a:spcBef>
+                <a:spcPts val="750"/>
+              </a:spcBef>
+              <a:spcAft>
+                <a:spcPts val="600"/>
+              </a:spcAft>
+              <a:buClr>
+                <a:schemeClr val="accent2"/>
+              </a:buClr>
+            </a:pPr>
+            <a:r>
+              <a:rPr lang="en-IN" sz="1700" dirty="0" smtClean="0"/>
+              <a:t>Number of aspects</a:t>
+            </a:r>
+          </a:p>
+          <a:p>
+            <a:pPr marL="514350" lvl="2">
+              <a:spcBef>
+                <a:spcPts val="750"/>
+              </a:spcBef>
+              <a:spcAft>
+                <a:spcPts val="600"/>
+              </a:spcAft>
+              <a:buClr>
+                <a:schemeClr val="accent2"/>
+              </a:buClr>
+            </a:pPr>
+            <a:r>
+              <a:rPr lang="en-IN" sz="1700" dirty="0" smtClean="0"/>
+              <a:t>GPT score</a:t>
+            </a:r>
+          </a:p>
+          <a:p>
+            <a:pPr marL="514350" lvl="2">
+              <a:spcBef>
+                <a:spcPts val="750"/>
+              </a:spcBef>
+              <a:spcAft>
+                <a:spcPts val="600"/>
+              </a:spcAft>
+              <a:buClr>
+                <a:schemeClr val="accent2"/>
+              </a:buClr>
+            </a:pPr>
+            <a:endParaRPr lang="en-IN" sz="1700" dirty="0"/>
+          </a:p>
+        </p:txBody>
+      </p:sp>
+    </p:spTree>
+    <p:extLst>
+      <p:ext uri="{BB962C8B-B14F-4D97-AF65-F5344CB8AC3E}">
+        <p14:creationId xmlns:p14="http://schemas.microsoft.com/office/powerpoint/2010/main" xmlns="" val="414613742"/>
+      </p:ext>
+    </p:extLst>
+  </p:cSld>
+  <p:clrMapOvr>
+    <a:masterClrMapping/>
+  </p:clrMapOvr>
+</p:sld>
+</file>
+
+<file path=ppt/slides/slide61.xml><?xml version="1.0" encoding="utf-8"?>
+<p:sld xmlns:a="http://schemas.openxmlformats.org/drawingml/2006/main" xmlns:r="http://schemas.openxmlformats.org/officeDocument/2006/relationships" xmlns:p="http://schemas.openxmlformats.org/presentationml/2006/main">
+  <p:cSld>
+    <p:spTree>
+      <p:nvGrpSpPr>
+        <p:cNvPr id="1" name=""/>
+        <p:cNvGrpSpPr/>
+        <p:nvPr/>
+      </p:nvGrpSpPr>
+      <p:grpSpPr>
+        <a:xfrm>
+          <a:off x="0" y="0"/>
+          <a:ext cx="0" cy="0"/>
+          <a:chOff x="0" y="0"/>
+          <a:chExt cx="0" cy="0"/>
+        </a:xfrm>
+      </p:grpSpPr>
+      <p:sp>
+        <p:nvSpPr>
+          <p:cNvPr id="8" name="Title 1">
+            <a:extLst>
+              <a:ext uri="{FF2B5EF4-FFF2-40B4-BE49-F238E27FC236}">
+                <a16:creationId xmlns:a16="http://schemas.microsoft.com/office/drawing/2014/main" xmlns="" id="{47A9874B-BCA9-8420-1595-EDD1865A099A}"/>
+              </a:ext>
+            </a:extLst>
+          </p:cNvPr>
+          <p:cNvSpPr>
+            <a:spLocks noGrp="1"/>
+          </p:cNvSpPr>
+          <p:nvPr>
+            <p:ph type="title"/>
+          </p:nvPr>
+        </p:nvSpPr>
+        <p:spPr>
+          <a:xfrm>
+            <a:off x="628650" y="273844"/>
+            <a:ext cx="7886700" cy="994172"/>
+          </a:xfrm>
+          <a:noFill/>
+        </p:spPr>
+        <p:txBody>
+          <a:bodyPr anchor="ctr"/>
+          <a:lstStyle/>
+          <a:p>
+            <a:r>
               <a:rPr lang="en-US" dirty="0" smtClean="0"/>
               <a:t>Knowledge Distillation</a:t>
             </a:r>
@@ -43605,7 +44172,7 @@
 </p:sld>
 </file>
 
-<file path=ppt/slides/slide61.xml><?xml version="1.0" encoding="utf-8"?>
+<file path=ppt/slides/slide62.xml><?xml version="1.0" encoding="utf-8"?>
 <p:sld xmlns:a="http://schemas.openxmlformats.org/drawingml/2006/main" xmlns:r="http://schemas.openxmlformats.org/officeDocument/2006/relationships" xmlns:p="http://schemas.openxmlformats.org/presentationml/2006/main">
   <p:cSld>
     <p:spTree>
@@ -44280,7 +44847,7 @@
 </p:sld>
 </file>
 
-<file path=ppt/slides/slide62.xml><?xml version="1.0" encoding="utf-8"?>
+<file path=ppt/slides/slide63.xml><?xml version="1.0" encoding="utf-8"?>
 <p:sld xmlns:a="http://schemas.openxmlformats.org/drawingml/2006/main" xmlns:r="http://schemas.openxmlformats.org/officeDocument/2006/relationships" xmlns:p="http://schemas.openxmlformats.org/presentationml/2006/main">
   <p:cSld>
     <p:spTree>
@@ -44310,7 +44877,7 @@
 </p:sld>
 </file>
 
-<file path=ppt/slides/slide63.xml><?xml version="1.0" encoding="utf-8"?>
+<file path=ppt/slides/slide64.xml><?xml version="1.0" encoding="utf-8"?>
 <p:sld xmlns:a="http://schemas.openxmlformats.org/drawingml/2006/main" xmlns:r="http://schemas.openxmlformats.org/officeDocument/2006/relationships" xmlns:p="http://schemas.openxmlformats.org/presentationml/2006/main">
   <p:cSld>
     <p:spTree>
@@ -46100,26 +46667,6 @@
 </file>
 
 <file path=customXml/item1.xml><?xml version="1.0" encoding="utf-8"?>
-<p:properties xmlns:p="http://schemas.microsoft.com/office/2006/metadata/properties" xmlns:xsi="http://www.w3.org/2001/XMLSchema-instance" xmlns:pc="http://schemas.microsoft.com/office/infopath/2007/PartnerControls">
-  <documentManagement>
-    <_ip_UnifiedCompliancePolicyUIAction xmlns="http://schemas.microsoft.com/sharepoint/v3" xsi:nil="true"/>
-    <Image xmlns="71af3243-3dd4-4a8d-8c0d-dd76da1f02a5">
-      <Url xsi:nil="true"/>
-      <Description xsi:nil="true"/>
-    </Image>
-    <Status xmlns="71af3243-3dd4-4a8d-8c0d-dd76da1f02a5">Not started</Status>
-    <Background xmlns="71af3243-3dd4-4a8d-8c0d-dd76da1f02a5">false</Background>
-    <_ip_UnifiedCompliancePolicyProperties xmlns="http://schemas.microsoft.com/sharepoint/v3" xsi:nil="true"/>
-    <ImageTagsTaxHTField xmlns="71af3243-3dd4-4a8d-8c0d-dd76da1f02a5">
-      <Terms xmlns="http://schemas.microsoft.com/office/infopath/2007/PartnerControls"/>
-    </ImageTagsTaxHTField>
-    <TaxCatchAll xmlns="230e9df3-be65-4c73-a93b-d1236ebd677e" xsi:nil="true"/>
-    <MediaServiceKeyPoints xmlns="71af3243-3dd4-4a8d-8c0d-dd76da1f02a5" xsi:nil="true"/>
-  </documentManagement>
-</p:properties>
-</file>
-
-<file path=customXml/item2.xml><?xml version="1.0" encoding="utf-8"?>
 <ct:contentTypeSchema xmlns:ct="http://schemas.microsoft.com/office/2006/metadata/contentType" xmlns:ma="http://schemas.microsoft.com/office/2006/metadata/properties/metaAttributes" ct:_="" ma:_="" ma:contentTypeName="Document" ma:contentTypeID="0x01010079F111ED35F8CC479449609E8A0923A6" ma:contentTypeVersion="28" ma:contentTypeDescription="Create a new document." ma:contentTypeScope="" ma:versionID="60f5a4f2d2b0abadcf532d48ebf9cb71">
   <xsd:schema xmlns:xsd="http://www.w3.org/2001/XMLSchema" xmlns:xs="http://www.w3.org/2001/XMLSchema" xmlns:p="http://schemas.microsoft.com/office/2006/metadata/properties" xmlns:ns1="http://schemas.microsoft.com/sharepoint/v3" xmlns:ns2="71af3243-3dd4-4a8d-8c0d-dd76da1f02a5" xmlns:ns3="16c05727-aa75-4e4a-9b5f-8a80a1165891" xmlns:ns4="230e9df3-be65-4c73-a93b-d1236ebd677e" targetNamespace="http://schemas.microsoft.com/office/2006/metadata/properties" ma:root="true" ma:fieldsID="7dd78129e6a1811f84807ad11c651531" ns1:_="" ns2:_="" ns3:_="" ns4:_="">
     <xsd:import namespace="http://schemas.microsoft.com/sharepoint/v3"/>
@@ -46431,7 +46978,7 @@
 </ct:contentTypeSchema>
 </file>
 
-<file path=customXml/item3.xml><?xml version="1.0" encoding="utf-8"?>
+<file path=customXml/item2.xml><?xml version="1.0" encoding="utf-8"?>
 <?mso-contentType ?>
 <FormTemplates xmlns="http://schemas.microsoft.com/sharepoint/v3/contenttype/forms">
   <Display>DocumentLibraryForm</Display>
@@ -46440,19 +46987,27 @@
 </FormTemplates>
 </file>
 
-<file path=customXml/itemProps1.xml><?xml version="1.0" encoding="utf-8"?>
-<ds:datastoreItem xmlns:ds="http://schemas.openxmlformats.org/officeDocument/2006/customXml" ds:itemID="{A3165DE6-2DCE-44FC-94B7-A499559DBF88}">
-  <ds:schemaRefs>
-    <ds:schemaRef ds:uri="http://schemas.microsoft.com/office/2006/metadata/properties"/>
-    <ds:schemaRef ds:uri="http://schemas.microsoft.com/office/infopath/2007/PartnerControls"/>
-    <ds:schemaRef ds:uri="http://schemas.microsoft.com/sharepoint/v3"/>
-    <ds:schemaRef ds:uri="71af3243-3dd4-4a8d-8c0d-dd76da1f02a5"/>
-    <ds:schemaRef ds:uri="230e9df3-be65-4c73-a93b-d1236ebd677e"/>
-  </ds:schemaRefs>
-</ds:datastoreItem>
+<file path=customXml/item3.xml><?xml version="1.0" encoding="utf-8"?>
+<p:properties xmlns:p="http://schemas.microsoft.com/office/2006/metadata/properties" xmlns:xsi="http://www.w3.org/2001/XMLSchema-instance" xmlns:pc="http://schemas.microsoft.com/office/infopath/2007/PartnerControls">
+  <documentManagement>
+    <_ip_UnifiedCompliancePolicyUIAction xmlns="http://schemas.microsoft.com/sharepoint/v3" xsi:nil="true"/>
+    <Image xmlns="71af3243-3dd4-4a8d-8c0d-dd76da1f02a5">
+      <Url xsi:nil="true"/>
+      <Description xsi:nil="true"/>
+    </Image>
+    <Status xmlns="71af3243-3dd4-4a8d-8c0d-dd76da1f02a5">Not started</Status>
+    <Background xmlns="71af3243-3dd4-4a8d-8c0d-dd76da1f02a5">false</Background>
+    <_ip_UnifiedCompliancePolicyProperties xmlns="http://schemas.microsoft.com/sharepoint/v3" xsi:nil="true"/>
+    <ImageTagsTaxHTField xmlns="71af3243-3dd4-4a8d-8c0d-dd76da1f02a5">
+      <Terms xmlns="http://schemas.microsoft.com/office/infopath/2007/PartnerControls"/>
+    </ImageTagsTaxHTField>
+    <TaxCatchAll xmlns="230e9df3-be65-4c73-a93b-d1236ebd677e" xsi:nil="true"/>
+    <MediaServiceKeyPoints xmlns="71af3243-3dd4-4a8d-8c0d-dd76da1f02a5" xsi:nil="true"/>
+  </documentManagement>
+</p:properties>
 </file>
 
-<file path=customXml/itemProps2.xml><?xml version="1.0" encoding="utf-8"?>
+<file path=customXml/itemProps1.xml><?xml version="1.0" encoding="utf-8"?>
 <ds:datastoreItem xmlns:ds="http://schemas.openxmlformats.org/officeDocument/2006/customXml" ds:itemID="{1285E733-8340-4FDD-A6FC-B22F1B75E4E2}">
   <ds:schemaRefs>
     <ds:schemaRef ds:uri="http://schemas.microsoft.com/office/2006/metadata/contentType"/>
@@ -46473,7 +47028,7 @@
 </ds:datastoreItem>
 </file>
 
-<file path=customXml/itemProps3.xml><?xml version="1.0" encoding="utf-8"?>
+<file path=customXml/itemProps2.xml><?xml version="1.0" encoding="utf-8"?>
 <ds:datastoreItem xmlns:ds="http://schemas.openxmlformats.org/officeDocument/2006/customXml" ds:itemID="{67FFD73E-D96B-4428-99CD-717A4897D3B4}">
   <ds:schemaRefs>
     <ds:schemaRef ds:uri="http://schemas.microsoft.com/sharepoint/v3/contenttype/forms"/>
@@ -46481,6 +47036,18 @@
 </ds:datastoreItem>
 </file>
 
+<file path=customXml/itemProps3.xml><?xml version="1.0" encoding="utf-8"?>
+<ds:datastoreItem xmlns:ds="http://schemas.openxmlformats.org/officeDocument/2006/customXml" ds:itemID="{A3165DE6-2DCE-44FC-94B7-A499559DBF88}">
+  <ds:schemaRefs>
+    <ds:schemaRef ds:uri="http://schemas.microsoft.com/office/2006/metadata/properties"/>
+    <ds:schemaRef ds:uri="http://schemas.microsoft.com/office/infopath/2007/PartnerControls"/>
+    <ds:schemaRef ds:uri="http://schemas.microsoft.com/sharepoint/v3"/>
+    <ds:schemaRef ds:uri="71af3243-3dd4-4a8d-8c0d-dd76da1f02a5"/>
+    <ds:schemaRef ds:uri="230e9df3-be65-4c73-a93b-d1236ebd677e"/>
+  </ds:schemaRefs>
+</ds:datastoreItem>
+</file>
+
 <file path=docMetadata/LabelInfo.xml><?xml version="1.0" encoding="utf-8"?>
 <clbl:labelList xmlns:clbl="http://schemas.microsoft.com/office/2020/mipLabelMetadata"/>
 </file>
--- a/Presentations/IUAC-2024/Introduction_to_Large_Language_Models-From_Foundation_to_Real_World_Applications.pptx
+++ b/Presentations/IUAC-2024/Introduction_to_Large_Language_Models-From_Foundation_to_Real_World_Applications.pptx
@@ -56,23 +56,23 @@
     <p:sldId id="3925" r:id="rId47"/>
     <p:sldId id="3878" r:id="rId48"/>
     <p:sldId id="3888" r:id="rId49"/>
-    <p:sldId id="3907" r:id="rId50"/>
-    <p:sldId id="3912" r:id="rId51"/>
-    <p:sldId id="3915" r:id="rId52"/>
-    <p:sldId id="3909" r:id="rId53"/>
-    <p:sldId id="3910" r:id="rId54"/>
-    <p:sldId id="3916" r:id="rId55"/>
-    <p:sldId id="3875" r:id="rId56"/>
-    <p:sldId id="3859" r:id="rId57"/>
-    <p:sldId id="3929" r:id="rId58"/>
-    <p:sldId id="3935" r:id="rId59"/>
-    <p:sldId id="3936" r:id="rId60"/>
-    <p:sldId id="3937" r:id="rId61"/>
-    <p:sldId id="3938" r:id="rId62"/>
-    <p:sldId id="3939" r:id="rId63"/>
-    <p:sldId id="3932" r:id="rId64"/>
-    <p:sldId id="3933" r:id="rId65"/>
-    <p:sldId id="3930" r:id="rId66"/>
+    <p:sldId id="3912" r:id="rId50"/>
+    <p:sldId id="3915" r:id="rId51"/>
+    <p:sldId id="3909" r:id="rId52"/>
+    <p:sldId id="3910" r:id="rId53"/>
+    <p:sldId id="3916" r:id="rId54"/>
+    <p:sldId id="3875" r:id="rId55"/>
+    <p:sldId id="3859" r:id="rId56"/>
+    <p:sldId id="3929" r:id="rId57"/>
+    <p:sldId id="3935" r:id="rId58"/>
+    <p:sldId id="3936" r:id="rId59"/>
+    <p:sldId id="3937" r:id="rId60"/>
+    <p:sldId id="3938" r:id="rId61"/>
+    <p:sldId id="3939" r:id="rId62"/>
+    <p:sldId id="3932" r:id="rId63"/>
+    <p:sldId id="3933" r:id="rId64"/>
+    <p:sldId id="3930" r:id="rId65"/>
+    <p:sldId id="3940" r:id="rId66"/>
     <p:sldId id="3850" r:id="rId67"/>
     <p:sldId id="265" r:id="rId68"/>
   </p:sldIdLst>
@@ -175,7 +175,7 @@
   </p:defaultTextStyle>
   <p:extLst>
     <p:ext uri="{EFAFB233-063F-42B5-8137-9DF3F51BA10A}">
-      <p15:sldGuideLst xmlns:p15="http://schemas.microsoft.com/office/powerpoint/2012/main" xmlns="">
+      <p15:sldGuideLst xmlns="" xmlns:p15="http://schemas.microsoft.com/office/powerpoint/2012/main">
         <p15:guide id="1" orient="horz" pos="1620">
           <p15:clr>
             <a:srgbClr val="A4A3A4"/>
@@ -189,7 +189,7 @@
       </p15:sldGuideLst>
     </p:ext>
     <p:ext uri="{2D200454-40CA-4A62-9FC3-DE9A4176ACB9}">
-      <p15:notesGuideLst xmlns:p15="http://schemas.microsoft.com/office/powerpoint/2012/main" xmlns=""/>
+      <p15:notesGuideLst xmlns="" xmlns:p15="http://schemas.microsoft.com/office/powerpoint/2012/main"/>
     </p:ext>
   </p:extLst>
 </p:presentation>
@@ -228,7 +228,7 @@
           <p:cNvPr id="2" name="Header Placeholder 1">
             <a:extLst>
               <a:ext uri="{FF2B5EF4-FFF2-40B4-BE49-F238E27FC236}">
-                <a16:creationId xmlns:a16="http://schemas.microsoft.com/office/drawing/2014/main" xmlns="" id="{3976AB79-C677-3DB7-78CF-9305D5861483}"/>
+                <a16:creationId xmlns="" xmlns:a16="http://schemas.microsoft.com/office/drawing/2014/main" id="{3976AB79-C677-3DB7-78CF-9305D5861483}"/>
               </a:ext>
             </a:extLst>
           </p:cNvPr>
@@ -265,7 +265,7 @@
           <p:cNvPr id="3" name="Date Placeholder 2">
             <a:extLst>
               <a:ext uri="{FF2B5EF4-FFF2-40B4-BE49-F238E27FC236}">
-                <a16:creationId xmlns:a16="http://schemas.microsoft.com/office/drawing/2014/main" xmlns="" id="{113AB137-CEA6-0244-F12B-1ECC21172D00}"/>
+                <a16:creationId xmlns="" xmlns:a16="http://schemas.microsoft.com/office/drawing/2014/main" id="{113AB137-CEA6-0244-F12B-1ECC21172D00}"/>
               </a:ext>
             </a:extLst>
           </p:cNvPr>
@@ -307,7 +307,7 @@
           <p:cNvPr id="4" name="Footer Placeholder 3">
             <a:extLst>
               <a:ext uri="{FF2B5EF4-FFF2-40B4-BE49-F238E27FC236}">
-                <a16:creationId xmlns:a16="http://schemas.microsoft.com/office/drawing/2014/main" xmlns="" id="{0868EC96-C6CC-F2AF-D90F-143F4D20A07A}"/>
+                <a16:creationId xmlns="" xmlns:a16="http://schemas.microsoft.com/office/drawing/2014/main" id="{0868EC96-C6CC-F2AF-D90F-143F4D20A07A}"/>
               </a:ext>
             </a:extLst>
           </p:cNvPr>
@@ -344,7 +344,7 @@
           <p:cNvPr id="5" name="Slide Number Placeholder 4">
             <a:extLst>
               <a:ext uri="{FF2B5EF4-FFF2-40B4-BE49-F238E27FC236}">
-                <a16:creationId xmlns:a16="http://schemas.microsoft.com/office/drawing/2014/main" xmlns="" id="{94F8EC8D-EF88-0275-F75C-A789924433BA}"/>
+                <a16:creationId xmlns="" xmlns:a16="http://schemas.microsoft.com/office/drawing/2014/main" id="{94F8EC8D-EF88-0275-F75C-A789924433BA}"/>
               </a:ext>
             </a:extLst>
           </p:cNvPr>
@@ -384,7 +384,7 @@
     </p:spTree>
     <p:extLst>
       <p:ext uri="{BB962C8B-B14F-4D97-AF65-F5344CB8AC3E}">
-        <p14:creationId xmlns:p14="http://schemas.microsoft.com/office/powerpoint/2010/main" xmlns="" val="3472027861"/>
+        <p14:creationId xmlns="" xmlns:p14="http://schemas.microsoft.com/office/powerpoint/2010/main" val="3472027861"/>
       </p:ext>
     </p:extLst>
   </p:cSld>
@@ -643,7 +643,7 @@
     </p:spTree>
     <p:extLst>
       <p:ext uri="{BB962C8B-B14F-4D97-AF65-F5344CB8AC3E}">
-        <p14:creationId xmlns:p14="http://schemas.microsoft.com/office/powerpoint/2010/main" xmlns="" val="49092468"/>
+        <p14:creationId xmlns="" xmlns:p14="http://schemas.microsoft.com/office/powerpoint/2010/main" val="49092468"/>
       </p:ext>
     </p:extLst>
   </p:cSld>
@@ -818,7 +818,7 @@
     </p:spTree>
     <p:extLst>
       <p:ext uri="{BB962C8B-B14F-4D97-AF65-F5344CB8AC3E}">
-        <p14:creationId xmlns:p14="http://schemas.microsoft.com/office/powerpoint/2010/main" xmlns="" val="2388229781"/>
+        <p14:creationId xmlns="" xmlns:p14="http://schemas.microsoft.com/office/powerpoint/2010/main" val="2388229781"/>
       </p:ext>
     </p:extLst>
   </p:cSld>
@@ -903,7 +903,7 @@
     </p:spTree>
     <p:extLst>
       <p:ext uri="{BB962C8B-B14F-4D97-AF65-F5344CB8AC3E}">
-        <p14:creationId xmlns:p14="http://schemas.microsoft.com/office/powerpoint/2010/main" xmlns="" val="922949278"/>
+        <p14:creationId xmlns="" xmlns:p14="http://schemas.microsoft.com/office/powerpoint/2010/main" val="922949278"/>
       </p:ext>
     </p:extLst>
   </p:cSld>
@@ -988,7 +988,7 @@
     </p:spTree>
     <p:extLst>
       <p:ext uri="{BB962C8B-B14F-4D97-AF65-F5344CB8AC3E}">
-        <p14:creationId xmlns:p14="http://schemas.microsoft.com/office/powerpoint/2010/main" xmlns="" val="922949278"/>
+        <p14:creationId xmlns="" xmlns:p14="http://schemas.microsoft.com/office/powerpoint/2010/main" val="922949278"/>
       </p:ext>
     </p:extLst>
   </p:cSld>
@@ -1073,7 +1073,7 @@
     </p:spTree>
     <p:extLst>
       <p:ext uri="{BB962C8B-B14F-4D97-AF65-F5344CB8AC3E}">
-        <p14:creationId xmlns:p14="http://schemas.microsoft.com/office/powerpoint/2010/main" xmlns="" val="922949278"/>
+        <p14:creationId xmlns="" xmlns:p14="http://schemas.microsoft.com/office/powerpoint/2010/main" val="922949278"/>
       </p:ext>
     </p:extLst>
   </p:cSld>
@@ -1158,7 +1158,7 @@
     </p:spTree>
     <p:extLst>
       <p:ext uri="{BB962C8B-B14F-4D97-AF65-F5344CB8AC3E}">
-        <p14:creationId xmlns:p14="http://schemas.microsoft.com/office/powerpoint/2010/main" xmlns="" val="1721109855"/>
+        <p14:creationId xmlns="" xmlns:p14="http://schemas.microsoft.com/office/powerpoint/2010/main" val="1721109855"/>
       </p:ext>
     </p:extLst>
   </p:cSld>
@@ -1243,7 +1243,7 @@
     </p:spTree>
     <p:extLst>
       <p:ext uri="{BB962C8B-B14F-4D97-AF65-F5344CB8AC3E}">
-        <p14:creationId xmlns:p14="http://schemas.microsoft.com/office/powerpoint/2010/main" xmlns="" val="922949278"/>
+        <p14:creationId xmlns="" xmlns:p14="http://schemas.microsoft.com/office/powerpoint/2010/main" val="922949278"/>
       </p:ext>
     </p:extLst>
   </p:cSld>
@@ -1328,7 +1328,7 @@
     </p:spTree>
     <p:extLst>
       <p:ext uri="{BB962C8B-B14F-4D97-AF65-F5344CB8AC3E}">
-        <p14:creationId xmlns:p14="http://schemas.microsoft.com/office/powerpoint/2010/main" xmlns="" val="2540028172"/>
+        <p14:creationId xmlns="" xmlns:p14="http://schemas.microsoft.com/office/powerpoint/2010/main" val="2540028172"/>
       </p:ext>
     </p:extLst>
   </p:cSld>
@@ -1413,7 +1413,7 @@
     </p:spTree>
     <p:extLst>
       <p:ext uri="{BB962C8B-B14F-4D97-AF65-F5344CB8AC3E}">
-        <p14:creationId xmlns:p14="http://schemas.microsoft.com/office/powerpoint/2010/main" xmlns="" val="2316091678"/>
+        <p14:creationId xmlns="" xmlns:p14="http://schemas.microsoft.com/office/powerpoint/2010/main" val="2316091678"/>
       </p:ext>
     </p:extLst>
   </p:cSld>
@@ -1498,7 +1498,7 @@
     </p:spTree>
     <p:extLst>
       <p:ext uri="{BB962C8B-B14F-4D97-AF65-F5344CB8AC3E}">
-        <p14:creationId xmlns:p14="http://schemas.microsoft.com/office/powerpoint/2010/main" xmlns="" val="737681818"/>
+        <p14:creationId xmlns="" xmlns:p14="http://schemas.microsoft.com/office/powerpoint/2010/main" val="737681818"/>
       </p:ext>
     </p:extLst>
   </p:cSld>
@@ -1583,7 +1583,7 @@
     </p:spTree>
     <p:extLst>
       <p:ext uri="{BB962C8B-B14F-4D97-AF65-F5344CB8AC3E}">
-        <p14:creationId xmlns:p14="http://schemas.microsoft.com/office/powerpoint/2010/main" xmlns="" val="922949278"/>
+        <p14:creationId xmlns="" xmlns:p14="http://schemas.microsoft.com/office/powerpoint/2010/main" val="922949278"/>
       </p:ext>
     </p:extLst>
   </p:cSld>
@@ -1668,7 +1668,7 @@
     </p:spTree>
     <p:extLst>
       <p:ext uri="{BB962C8B-B14F-4D97-AF65-F5344CB8AC3E}">
-        <p14:creationId xmlns:p14="http://schemas.microsoft.com/office/powerpoint/2010/main" xmlns="" val="922949278"/>
+        <p14:creationId xmlns="" xmlns:p14="http://schemas.microsoft.com/office/powerpoint/2010/main" val="922949278"/>
       </p:ext>
     </p:extLst>
   </p:cSld>
@@ -1753,7 +1753,7 @@
     </p:spTree>
     <p:extLst>
       <p:ext uri="{BB962C8B-B14F-4D97-AF65-F5344CB8AC3E}">
-        <p14:creationId xmlns:p14="http://schemas.microsoft.com/office/powerpoint/2010/main" xmlns="" val="416703347"/>
+        <p14:creationId xmlns="" xmlns:p14="http://schemas.microsoft.com/office/powerpoint/2010/main" val="416703347"/>
       </p:ext>
     </p:extLst>
   </p:cSld>
@@ -1838,7 +1838,7 @@
     </p:spTree>
     <p:extLst>
       <p:ext uri="{BB962C8B-B14F-4D97-AF65-F5344CB8AC3E}">
-        <p14:creationId xmlns:p14="http://schemas.microsoft.com/office/powerpoint/2010/main" xmlns="" val="922949278"/>
+        <p14:creationId xmlns="" xmlns:p14="http://schemas.microsoft.com/office/powerpoint/2010/main" val="922949278"/>
       </p:ext>
     </p:extLst>
   </p:cSld>
@@ -1923,7 +1923,7 @@
     </p:spTree>
     <p:extLst>
       <p:ext uri="{BB962C8B-B14F-4D97-AF65-F5344CB8AC3E}">
-        <p14:creationId xmlns:p14="http://schemas.microsoft.com/office/powerpoint/2010/main" xmlns="" val="922949278"/>
+        <p14:creationId xmlns="" xmlns:p14="http://schemas.microsoft.com/office/powerpoint/2010/main" val="922949278"/>
       </p:ext>
     </p:extLst>
   </p:cSld>
@@ -2008,7 +2008,7 @@
     </p:spTree>
     <p:extLst>
       <p:ext uri="{BB962C8B-B14F-4D97-AF65-F5344CB8AC3E}">
-        <p14:creationId xmlns:p14="http://schemas.microsoft.com/office/powerpoint/2010/main" xmlns="" val="922949278"/>
+        <p14:creationId xmlns="" xmlns:p14="http://schemas.microsoft.com/office/powerpoint/2010/main" val="922949278"/>
       </p:ext>
     </p:extLst>
   </p:cSld>
@@ -2093,7 +2093,7 @@
     </p:spTree>
     <p:extLst>
       <p:ext uri="{BB962C8B-B14F-4D97-AF65-F5344CB8AC3E}">
-        <p14:creationId xmlns:p14="http://schemas.microsoft.com/office/powerpoint/2010/main" xmlns="" val="922949278"/>
+        <p14:creationId xmlns="" xmlns:p14="http://schemas.microsoft.com/office/powerpoint/2010/main" val="922949278"/>
       </p:ext>
     </p:extLst>
   </p:cSld>
@@ -2178,7 +2178,7 @@
     </p:spTree>
     <p:extLst>
       <p:ext uri="{BB962C8B-B14F-4D97-AF65-F5344CB8AC3E}">
-        <p14:creationId xmlns:p14="http://schemas.microsoft.com/office/powerpoint/2010/main" xmlns="" val="922949278"/>
+        <p14:creationId xmlns="" xmlns:p14="http://schemas.microsoft.com/office/powerpoint/2010/main" val="922949278"/>
       </p:ext>
     </p:extLst>
   </p:cSld>
@@ -2263,7 +2263,7 @@
     </p:spTree>
     <p:extLst>
       <p:ext uri="{BB962C8B-B14F-4D97-AF65-F5344CB8AC3E}">
-        <p14:creationId xmlns:p14="http://schemas.microsoft.com/office/powerpoint/2010/main" xmlns="" val="922949278"/>
+        <p14:creationId xmlns="" xmlns:p14="http://schemas.microsoft.com/office/powerpoint/2010/main" val="922949278"/>
       </p:ext>
     </p:extLst>
   </p:cSld>
@@ -2348,7 +2348,7 @@
     </p:spTree>
     <p:extLst>
       <p:ext uri="{BB962C8B-B14F-4D97-AF65-F5344CB8AC3E}">
-        <p14:creationId xmlns:p14="http://schemas.microsoft.com/office/powerpoint/2010/main" xmlns="" val="922949278"/>
+        <p14:creationId xmlns="" xmlns:p14="http://schemas.microsoft.com/office/powerpoint/2010/main" val="922949278"/>
       </p:ext>
     </p:extLst>
   </p:cSld>
@@ -2433,7 +2433,7 @@
     </p:spTree>
     <p:extLst>
       <p:ext uri="{BB962C8B-B14F-4D97-AF65-F5344CB8AC3E}">
-        <p14:creationId xmlns:p14="http://schemas.microsoft.com/office/powerpoint/2010/main" xmlns="" val="737681818"/>
+        <p14:creationId xmlns="" xmlns:p14="http://schemas.microsoft.com/office/powerpoint/2010/main" val="737681818"/>
       </p:ext>
     </p:extLst>
   </p:cSld>
@@ -2518,7 +2518,7 @@
     </p:spTree>
     <p:extLst>
       <p:ext uri="{BB962C8B-B14F-4D97-AF65-F5344CB8AC3E}">
-        <p14:creationId xmlns:p14="http://schemas.microsoft.com/office/powerpoint/2010/main" xmlns="" val="737681818"/>
+        <p14:creationId xmlns="" xmlns:p14="http://schemas.microsoft.com/office/powerpoint/2010/main" val="737681818"/>
       </p:ext>
     </p:extLst>
   </p:cSld>
@@ -2603,7 +2603,7 @@
     </p:spTree>
     <p:extLst>
       <p:ext uri="{BB962C8B-B14F-4D97-AF65-F5344CB8AC3E}">
-        <p14:creationId xmlns:p14="http://schemas.microsoft.com/office/powerpoint/2010/main" xmlns="" val="202840261"/>
+        <p14:creationId xmlns="" xmlns:p14="http://schemas.microsoft.com/office/powerpoint/2010/main" val="202840261"/>
       </p:ext>
     </p:extLst>
   </p:cSld>
@@ -2688,7 +2688,7 @@
     </p:spTree>
     <p:extLst>
       <p:ext uri="{BB962C8B-B14F-4D97-AF65-F5344CB8AC3E}">
-        <p14:creationId xmlns:p14="http://schemas.microsoft.com/office/powerpoint/2010/main" xmlns="" val="1951919781"/>
+        <p14:creationId xmlns="" xmlns:p14="http://schemas.microsoft.com/office/powerpoint/2010/main" val="1951919781"/>
       </p:ext>
     </p:extLst>
   </p:cSld>
@@ -2773,7 +2773,7 @@
     </p:spTree>
     <p:extLst>
       <p:ext uri="{BB962C8B-B14F-4D97-AF65-F5344CB8AC3E}">
-        <p14:creationId xmlns:p14="http://schemas.microsoft.com/office/powerpoint/2010/main" xmlns="" val="202840261"/>
+        <p14:creationId xmlns="" xmlns:p14="http://schemas.microsoft.com/office/powerpoint/2010/main" val="202840261"/>
       </p:ext>
     </p:extLst>
   </p:cSld>
@@ -2858,7 +2858,7 @@
     </p:spTree>
     <p:extLst>
       <p:ext uri="{BB962C8B-B14F-4D97-AF65-F5344CB8AC3E}">
-        <p14:creationId xmlns:p14="http://schemas.microsoft.com/office/powerpoint/2010/main" xmlns="" val="737681818"/>
+        <p14:creationId xmlns="" xmlns:p14="http://schemas.microsoft.com/office/powerpoint/2010/main" val="737681818"/>
       </p:ext>
     </p:extLst>
   </p:cSld>
@@ -2943,7 +2943,7 @@
     </p:spTree>
     <p:extLst>
       <p:ext uri="{BB962C8B-B14F-4D97-AF65-F5344CB8AC3E}">
-        <p14:creationId xmlns:p14="http://schemas.microsoft.com/office/powerpoint/2010/main" xmlns="" val="737681818"/>
+        <p14:creationId xmlns="" xmlns:p14="http://schemas.microsoft.com/office/powerpoint/2010/main" val="737681818"/>
       </p:ext>
     </p:extLst>
   </p:cSld>
@@ -3087,7 +3087,7 @@
     </p:spTree>
     <p:extLst>
       <p:ext uri="{BB962C8B-B14F-4D97-AF65-F5344CB8AC3E}">
-        <p14:creationId xmlns:p14="http://schemas.microsoft.com/office/powerpoint/2010/main" xmlns="" val="2837539342"/>
+        <p14:creationId xmlns="" xmlns:p14="http://schemas.microsoft.com/office/powerpoint/2010/main" val="2837539342"/>
       </p:ext>
     </p:extLst>
   </p:cSld>
@@ -3231,7 +3231,7 @@
     </p:spTree>
     <p:extLst>
       <p:ext uri="{BB962C8B-B14F-4D97-AF65-F5344CB8AC3E}">
-        <p14:creationId xmlns:p14="http://schemas.microsoft.com/office/powerpoint/2010/main" xmlns="" val="1759300059"/>
+        <p14:creationId xmlns="" xmlns:p14="http://schemas.microsoft.com/office/powerpoint/2010/main" val="1759300059"/>
       </p:ext>
     </p:extLst>
   </p:cSld>
@@ -3375,7 +3375,7 @@
     </p:spTree>
     <p:extLst>
       <p:ext uri="{BB962C8B-B14F-4D97-AF65-F5344CB8AC3E}">
-        <p14:creationId xmlns:p14="http://schemas.microsoft.com/office/powerpoint/2010/main" xmlns="" val="1230804189"/>
+        <p14:creationId xmlns="" xmlns:p14="http://schemas.microsoft.com/office/powerpoint/2010/main" val="1230804189"/>
       </p:ext>
     </p:extLst>
   </p:cSld>
@@ -3519,7 +3519,7 @@
     </p:spTree>
     <p:extLst>
       <p:ext uri="{BB962C8B-B14F-4D97-AF65-F5344CB8AC3E}">
-        <p14:creationId xmlns:p14="http://schemas.microsoft.com/office/powerpoint/2010/main" xmlns="" val="1230804189"/>
+        <p14:creationId xmlns="" xmlns:p14="http://schemas.microsoft.com/office/powerpoint/2010/main" val="1230804189"/>
       </p:ext>
     </p:extLst>
   </p:cSld>
@@ -3604,7 +3604,7 @@
     </p:spTree>
     <p:extLst>
       <p:ext uri="{BB962C8B-B14F-4D97-AF65-F5344CB8AC3E}">
-        <p14:creationId xmlns:p14="http://schemas.microsoft.com/office/powerpoint/2010/main" xmlns="" val="916039736"/>
+        <p14:creationId xmlns="" xmlns:p14="http://schemas.microsoft.com/office/powerpoint/2010/main" val="916039736"/>
       </p:ext>
     </p:extLst>
   </p:cSld>
@@ -3689,7 +3689,7 @@
     </p:spTree>
     <p:extLst>
       <p:ext uri="{BB962C8B-B14F-4D97-AF65-F5344CB8AC3E}">
-        <p14:creationId xmlns:p14="http://schemas.microsoft.com/office/powerpoint/2010/main" xmlns="" val="1979117214"/>
+        <p14:creationId xmlns="" xmlns:p14="http://schemas.microsoft.com/office/powerpoint/2010/main" val="1979117214"/>
       </p:ext>
     </p:extLst>
   </p:cSld>
@@ -3774,7 +3774,7 @@
     </p:spTree>
     <p:extLst>
       <p:ext uri="{BB962C8B-B14F-4D97-AF65-F5344CB8AC3E}">
-        <p14:creationId xmlns:p14="http://schemas.microsoft.com/office/powerpoint/2010/main" xmlns="" val="2058409110"/>
+        <p14:creationId xmlns="" xmlns:p14="http://schemas.microsoft.com/office/powerpoint/2010/main" val="2058409110"/>
       </p:ext>
     </p:extLst>
   </p:cSld>
@@ -3859,7 +3859,7 @@
     </p:spTree>
     <p:extLst>
       <p:ext uri="{BB962C8B-B14F-4D97-AF65-F5344CB8AC3E}">
-        <p14:creationId xmlns:p14="http://schemas.microsoft.com/office/powerpoint/2010/main" xmlns="" val="2540028172"/>
+        <p14:creationId xmlns="" xmlns:p14="http://schemas.microsoft.com/office/powerpoint/2010/main" val="2540028172"/>
       </p:ext>
     </p:extLst>
   </p:cSld>
@@ -3944,7 +3944,7 @@
     </p:spTree>
     <p:extLst>
       <p:ext uri="{BB962C8B-B14F-4D97-AF65-F5344CB8AC3E}">
-        <p14:creationId xmlns:p14="http://schemas.microsoft.com/office/powerpoint/2010/main" xmlns="" val="4275274872"/>
+        <p14:creationId xmlns="" xmlns:p14="http://schemas.microsoft.com/office/powerpoint/2010/main" val="4275274872"/>
       </p:ext>
     </p:extLst>
   </p:cSld>
@@ -4029,7 +4029,7 @@
     </p:spTree>
     <p:extLst>
       <p:ext uri="{BB962C8B-B14F-4D97-AF65-F5344CB8AC3E}">
-        <p14:creationId xmlns:p14="http://schemas.microsoft.com/office/powerpoint/2010/main" xmlns="" val="2863594969"/>
+        <p14:creationId xmlns="" xmlns:p14="http://schemas.microsoft.com/office/powerpoint/2010/main" val="2863594969"/>
       </p:ext>
     </p:extLst>
   </p:cSld>
@@ -4114,7 +4114,7 @@
     </p:spTree>
     <p:extLst>
       <p:ext uri="{BB962C8B-B14F-4D97-AF65-F5344CB8AC3E}">
-        <p14:creationId xmlns:p14="http://schemas.microsoft.com/office/powerpoint/2010/main" xmlns="" val="2173114525"/>
+        <p14:creationId xmlns="" xmlns:p14="http://schemas.microsoft.com/office/powerpoint/2010/main" val="2173114525"/>
       </p:ext>
     </p:extLst>
   </p:cSld>
@@ -4199,7 +4199,7 @@
     </p:spTree>
     <p:extLst>
       <p:ext uri="{BB962C8B-B14F-4D97-AF65-F5344CB8AC3E}">
-        <p14:creationId xmlns:p14="http://schemas.microsoft.com/office/powerpoint/2010/main" xmlns="" val="2535942635"/>
+        <p14:creationId xmlns="" xmlns:p14="http://schemas.microsoft.com/office/powerpoint/2010/main" val="2535942635"/>
       </p:ext>
     </p:extLst>
   </p:cSld>
@@ -4284,7 +4284,7 @@
     </p:spTree>
     <p:extLst>
       <p:ext uri="{BB962C8B-B14F-4D97-AF65-F5344CB8AC3E}">
-        <p14:creationId xmlns:p14="http://schemas.microsoft.com/office/powerpoint/2010/main" xmlns="" val="737681818"/>
+        <p14:creationId xmlns="" xmlns:p14="http://schemas.microsoft.com/office/powerpoint/2010/main" val="737681818"/>
       </p:ext>
     </p:extLst>
   </p:cSld>
@@ -4369,7 +4369,7 @@
     </p:spTree>
     <p:extLst>
       <p:ext uri="{BB962C8B-B14F-4D97-AF65-F5344CB8AC3E}">
-        <p14:creationId xmlns:p14="http://schemas.microsoft.com/office/powerpoint/2010/main" xmlns="" val="737681818"/>
+        <p14:creationId xmlns="" xmlns:p14="http://schemas.microsoft.com/office/powerpoint/2010/main" val="737681818"/>
       </p:ext>
     </p:extLst>
   </p:cSld>
@@ -4454,7 +4454,7 @@
     </p:spTree>
     <p:extLst>
       <p:ext uri="{BB962C8B-B14F-4D97-AF65-F5344CB8AC3E}">
-        <p14:creationId xmlns:p14="http://schemas.microsoft.com/office/powerpoint/2010/main" xmlns="" val="737681818"/>
+        <p14:creationId xmlns="" xmlns:p14="http://schemas.microsoft.com/office/powerpoint/2010/main" val="922949278"/>
       </p:ext>
     </p:extLst>
   </p:cSld>
@@ -4539,7 +4539,7 @@
     </p:spTree>
     <p:extLst>
       <p:ext uri="{BB962C8B-B14F-4D97-AF65-F5344CB8AC3E}">
-        <p14:creationId xmlns:p14="http://schemas.microsoft.com/office/powerpoint/2010/main" xmlns="" val="922949278"/>
+        <p14:creationId xmlns="" xmlns:p14="http://schemas.microsoft.com/office/powerpoint/2010/main" val="922949278"/>
       </p:ext>
     </p:extLst>
   </p:cSld>
@@ -4624,7 +4624,7 @@
     </p:spTree>
     <p:extLst>
       <p:ext uri="{BB962C8B-B14F-4D97-AF65-F5344CB8AC3E}">
-        <p14:creationId xmlns:p14="http://schemas.microsoft.com/office/powerpoint/2010/main" xmlns="" val="922949278"/>
+        <p14:creationId xmlns="" xmlns:p14="http://schemas.microsoft.com/office/powerpoint/2010/main" val="922949278"/>
       </p:ext>
     </p:extLst>
   </p:cSld>
@@ -4709,7 +4709,7 @@
     </p:spTree>
     <p:extLst>
       <p:ext uri="{BB962C8B-B14F-4D97-AF65-F5344CB8AC3E}">
-        <p14:creationId xmlns:p14="http://schemas.microsoft.com/office/powerpoint/2010/main" xmlns="" val="922949278"/>
+        <p14:creationId xmlns="" xmlns:p14="http://schemas.microsoft.com/office/powerpoint/2010/main" val="922949278"/>
       </p:ext>
     </p:extLst>
   </p:cSld>
@@ -4794,7 +4794,7 @@
     </p:spTree>
     <p:extLst>
       <p:ext uri="{BB962C8B-B14F-4D97-AF65-F5344CB8AC3E}">
-        <p14:creationId xmlns:p14="http://schemas.microsoft.com/office/powerpoint/2010/main" xmlns="" val="2540028172"/>
+        <p14:creationId xmlns="" xmlns:p14="http://schemas.microsoft.com/office/powerpoint/2010/main" val="2540028172"/>
       </p:ext>
     </p:extLst>
   </p:cSld>
@@ -4879,7 +4879,7 @@
     </p:spTree>
     <p:extLst>
       <p:ext uri="{BB962C8B-B14F-4D97-AF65-F5344CB8AC3E}">
-        <p14:creationId xmlns:p14="http://schemas.microsoft.com/office/powerpoint/2010/main" xmlns="" val="922949278"/>
+        <p14:creationId xmlns="" xmlns:p14="http://schemas.microsoft.com/office/powerpoint/2010/main" val="2840793627"/>
       </p:ext>
     </p:extLst>
   </p:cSld>
@@ -4964,7 +4964,7 @@
     </p:spTree>
     <p:extLst>
       <p:ext uri="{BB962C8B-B14F-4D97-AF65-F5344CB8AC3E}">
-        <p14:creationId xmlns:p14="http://schemas.microsoft.com/office/powerpoint/2010/main" xmlns="" val="2840793627"/>
+        <p14:creationId xmlns="" xmlns:p14="http://schemas.microsoft.com/office/powerpoint/2010/main" val="737681818"/>
       </p:ext>
     </p:extLst>
   </p:cSld>
@@ -5049,7 +5049,7 @@
     </p:spTree>
     <p:extLst>
       <p:ext uri="{BB962C8B-B14F-4D97-AF65-F5344CB8AC3E}">
-        <p14:creationId xmlns:p14="http://schemas.microsoft.com/office/powerpoint/2010/main" xmlns="" val="737681818"/>
+        <p14:creationId xmlns="" xmlns:p14="http://schemas.microsoft.com/office/powerpoint/2010/main" val="4151229091"/>
       </p:ext>
     </p:extLst>
   </p:cSld>
@@ -5134,7 +5134,7 @@
     </p:spTree>
     <p:extLst>
       <p:ext uri="{BB962C8B-B14F-4D97-AF65-F5344CB8AC3E}">
-        <p14:creationId xmlns:p14="http://schemas.microsoft.com/office/powerpoint/2010/main" xmlns="" val="4151229091"/>
+        <p14:creationId xmlns="" xmlns:p14="http://schemas.microsoft.com/office/powerpoint/2010/main" val="737681818"/>
       </p:ext>
     </p:extLst>
   </p:cSld>
@@ -5219,7 +5219,7 @@
     </p:spTree>
     <p:extLst>
       <p:ext uri="{BB962C8B-B14F-4D97-AF65-F5344CB8AC3E}">
-        <p14:creationId xmlns:p14="http://schemas.microsoft.com/office/powerpoint/2010/main" xmlns="" val="737681818"/>
+        <p14:creationId xmlns="" xmlns:p14="http://schemas.microsoft.com/office/powerpoint/2010/main" val="922949278"/>
       </p:ext>
     </p:extLst>
   </p:cSld>
@@ -5304,7 +5304,7 @@
     </p:spTree>
     <p:extLst>
       <p:ext uri="{BB962C8B-B14F-4D97-AF65-F5344CB8AC3E}">
-        <p14:creationId xmlns:p14="http://schemas.microsoft.com/office/powerpoint/2010/main" xmlns="" val="922949278"/>
+        <p14:creationId xmlns="" xmlns:p14="http://schemas.microsoft.com/office/powerpoint/2010/main" val="922949278"/>
       </p:ext>
     </p:extLst>
   </p:cSld>
@@ -5389,7 +5389,7 @@
     </p:spTree>
     <p:extLst>
       <p:ext uri="{BB962C8B-B14F-4D97-AF65-F5344CB8AC3E}">
-        <p14:creationId xmlns:p14="http://schemas.microsoft.com/office/powerpoint/2010/main" xmlns="" val="922949278"/>
+        <p14:creationId xmlns="" xmlns:p14="http://schemas.microsoft.com/office/powerpoint/2010/main" val="922949278"/>
       </p:ext>
     </p:extLst>
   </p:cSld>
@@ -5474,7 +5474,7 @@
     </p:spTree>
     <p:extLst>
       <p:ext uri="{BB962C8B-B14F-4D97-AF65-F5344CB8AC3E}">
-        <p14:creationId xmlns:p14="http://schemas.microsoft.com/office/powerpoint/2010/main" xmlns="" val="922949278"/>
+        <p14:creationId xmlns="" xmlns:p14="http://schemas.microsoft.com/office/powerpoint/2010/main" val="922949278"/>
       </p:ext>
     </p:extLst>
   </p:cSld>
@@ -5559,7 +5559,7 @@
     </p:spTree>
     <p:extLst>
       <p:ext uri="{BB962C8B-B14F-4D97-AF65-F5344CB8AC3E}">
-        <p14:creationId xmlns:p14="http://schemas.microsoft.com/office/powerpoint/2010/main" xmlns="" val="922949278"/>
+        <p14:creationId xmlns="" xmlns:p14="http://schemas.microsoft.com/office/powerpoint/2010/main" val="922949278"/>
       </p:ext>
     </p:extLst>
   </p:cSld>
@@ -5644,7 +5644,7 @@
     </p:spTree>
     <p:extLst>
       <p:ext uri="{BB962C8B-B14F-4D97-AF65-F5344CB8AC3E}">
-        <p14:creationId xmlns:p14="http://schemas.microsoft.com/office/powerpoint/2010/main" xmlns="" val="922949278"/>
+        <p14:creationId xmlns="" xmlns:p14="http://schemas.microsoft.com/office/powerpoint/2010/main" val="737681818"/>
       </p:ext>
     </p:extLst>
   </p:cSld>
@@ -5729,7 +5729,7 @@
     </p:spTree>
     <p:extLst>
       <p:ext uri="{BB962C8B-B14F-4D97-AF65-F5344CB8AC3E}">
-        <p14:creationId xmlns:p14="http://schemas.microsoft.com/office/powerpoint/2010/main" xmlns="" val="922949278"/>
+        <p14:creationId xmlns="" xmlns:p14="http://schemas.microsoft.com/office/powerpoint/2010/main" val="922949278"/>
       </p:ext>
     </p:extLst>
   </p:cSld>
@@ -5814,7 +5814,7 @@
     </p:spTree>
     <p:extLst>
       <p:ext uri="{BB962C8B-B14F-4D97-AF65-F5344CB8AC3E}">
-        <p14:creationId xmlns:p14="http://schemas.microsoft.com/office/powerpoint/2010/main" xmlns="" val="737681818"/>
+        <p14:creationId xmlns="" xmlns:p14="http://schemas.microsoft.com/office/powerpoint/2010/main" val="737681818"/>
       </p:ext>
     </p:extLst>
   </p:cSld>
@@ -5899,7 +5899,7 @@
     </p:spTree>
     <p:extLst>
       <p:ext uri="{BB962C8B-B14F-4D97-AF65-F5344CB8AC3E}">
-        <p14:creationId xmlns:p14="http://schemas.microsoft.com/office/powerpoint/2010/main" xmlns="" val="737681818"/>
+        <p14:creationId xmlns="" xmlns:p14="http://schemas.microsoft.com/office/powerpoint/2010/main" val="2840793627"/>
       </p:ext>
     </p:extLst>
   </p:cSld>
@@ -5984,7 +5984,7 @@
     </p:spTree>
     <p:extLst>
       <p:ext uri="{BB962C8B-B14F-4D97-AF65-F5344CB8AC3E}">
-        <p14:creationId xmlns:p14="http://schemas.microsoft.com/office/powerpoint/2010/main" xmlns="" val="2840793627"/>
+        <p14:creationId xmlns="" xmlns:p14="http://schemas.microsoft.com/office/powerpoint/2010/main" val="737681818"/>
       </p:ext>
     </p:extLst>
   </p:cSld>
@@ -6069,7 +6069,7 @@
     </p:spTree>
     <p:extLst>
       <p:ext uri="{BB962C8B-B14F-4D97-AF65-F5344CB8AC3E}">
-        <p14:creationId xmlns:p14="http://schemas.microsoft.com/office/powerpoint/2010/main" xmlns="" val="3522538323"/>
+        <p14:creationId xmlns="" xmlns:p14="http://schemas.microsoft.com/office/powerpoint/2010/main" val="3522538323"/>
       </p:ext>
     </p:extLst>
   </p:cSld>
@@ -6154,7 +6154,7 @@
     </p:spTree>
     <p:extLst>
       <p:ext uri="{BB962C8B-B14F-4D97-AF65-F5344CB8AC3E}">
-        <p14:creationId xmlns:p14="http://schemas.microsoft.com/office/powerpoint/2010/main" xmlns="" val="1721109855"/>
+        <p14:creationId xmlns="" xmlns:p14="http://schemas.microsoft.com/office/powerpoint/2010/main" val="1721109855"/>
       </p:ext>
     </p:extLst>
   </p:cSld>
@@ -6239,7 +6239,7 @@
     </p:spTree>
     <p:extLst>
       <p:ext uri="{BB962C8B-B14F-4D97-AF65-F5344CB8AC3E}">
-        <p14:creationId xmlns:p14="http://schemas.microsoft.com/office/powerpoint/2010/main" xmlns="" val="922949278"/>
+        <p14:creationId xmlns="" xmlns:p14="http://schemas.microsoft.com/office/powerpoint/2010/main" val="922949278"/>
       </p:ext>
     </p:extLst>
   </p:cSld>
@@ -6324,7 +6324,7 @@
     </p:spTree>
     <p:extLst>
       <p:ext uri="{BB962C8B-B14F-4D97-AF65-F5344CB8AC3E}">
-        <p14:creationId xmlns:p14="http://schemas.microsoft.com/office/powerpoint/2010/main" xmlns="" val="922949278"/>
+        <p14:creationId xmlns="" xmlns:p14="http://schemas.microsoft.com/office/powerpoint/2010/main" val="922949278"/>
       </p:ext>
     </p:extLst>
   </p:cSld>
@@ -6409,7 +6409,7 @@
     </p:spTree>
     <p:extLst>
       <p:ext uri="{BB962C8B-B14F-4D97-AF65-F5344CB8AC3E}">
-        <p14:creationId xmlns:p14="http://schemas.microsoft.com/office/powerpoint/2010/main" xmlns="" val="2540028172"/>
+        <p14:creationId xmlns="" xmlns:p14="http://schemas.microsoft.com/office/powerpoint/2010/main" val="2540028172"/>
       </p:ext>
     </p:extLst>
   </p:cSld>
@@ -6441,10 +6441,10 @@
           <p:cNvPr id="2" name="Group 1">
             <a:extLst>
               <a:ext uri="{FF2B5EF4-FFF2-40B4-BE49-F238E27FC236}">
-                <a16:creationId xmlns:a16="http://schemas.microsoft.com/office/drawing/2014/main" xmlns="" id="{19429764-E305-A48D-5244-9BCD20902244}"/>
+                <a16:creationId xmlns="" xmlns:a16="http://schemas.microsoft.com/office/drawing/2014/main" id="{19429764-E305-A48D-5244-9BCD20902244}"/>
               </a:ext>
               <a:ext uri="{C183D7F6-B498-43B3-948B-1728B52AA6E4}">
-                <adec:decorative xmlns:adec="http://schemas.microsoft.com/office/drawing/2017/decorative" xmlns="" val="1"/>
+                <adec:decorative xmlns="" xmlns:adec="http://schemas.microsoft.com/office/drawing/2017/decorative" val="1"/>
               </a:ext>
             </a:extLst>
           </p:cNvPr>
@@ -6464,7 +6464,7 @@
             <p:cNvPr id="7" name="Freeform 13">
               <a:extLst>
                 <a:ext uri="{FF2B5EF4-FFF2-40B4-BE49-F238E27FC236}">
-                  <a16:creationId xmlns:a16="http://schemas.microsoft.com/office/drawing/2014/main" xmlns="" id="{45F65CE3-2411-E8E5-B72E-F5CBEC4DDC55}"/>
+                  <a16:creationId xmlns="" xmlns:a16="http://schemas.microsoft.com/office/drawing/2014/main" id="{45F65CE3-2411-E8E5-B72E-F5CBEC4DDC55}"/>
                 </a:ext>
               </a:extLst>
             </p:cNvPr>
@@ -6628,7 +6628,7 @@
             <p:cNvPr id="8" name="Straight Connector 7">
               <a:extLst>
                 <a:ext uri="{FF2B5EF4-FFF2-40B4-BE49-F238E27FC236}">
-                  <a16:creationId xmlns:a16="http://schemas.microsoft.com/office/drawing/2014/main" xmlns="" id="{3B6B51B3-AA6C-9C5E-7032-5AEA05D45908}"/>
+                  <a16:creationId xmlns="" xmlns:a16="http://schemas.microsoft.com/office/drawing/2014/main" id="{3B6B51B3-AA6C-9C5E-7032-5AEA05D45908}"/>
                 </a:ext>
               </a:extLst>
             </p:cNvPr>
@@ -6672,7 +6672,7 @@
             <p:cNvPr id="9" name="Freeform: Shape 13">
               <a:extLst>
                 <a:ext uri="{FF2B5EF4-FFF2-40B4-BE49-F238E27FC236}">
-                  <a16:creationId xmlns:a16="http://schemas.microsoft.com/office/drawing/2014/main" xmlns="" id="{4F28561D-5B3C-F08A-F7B5-48E6B74EAEBD}"/>
+                  <a16:creationId xmlns="" xmlns:a16="http://schemas.microsoft.com/office/drawing/2014/main" id="{4F28561D-5B3C-F08A-F7B5-48E6B74EAEBD}"/>
                 </a:ext>
               </a:extLst>
             </p:cNvPr>
@@ -6818,7 +6818,7 @@
             <p:cNvPr id="10" name="Freeform: Shape 15">
               <a:extLst>
                 <a:ext uri="{FF2B5EF4-FFF2-40B4-BE49-F238E27FC236}">
-                  <a16:creationId xmlns:a16="http://schemas.microsoft.com/office/drawing/2014/main" xmlns="" id="{7BD7FF70-44B7-E753-26CD-E228B56C2517}"/>
+                  <a16:creationId xmlns="" xmlns:a16="http://schemas.microsoft.com/office/drawing/2014/main" id="{7BD7FF70-44B7-E753-26CD-E228B56C2517}"/>
                 </a:ext>
               </a:extLst>
             </p:cNvPr>
@@ -6956,7 +6956,7 @@
             <p:cNvPr id="11" name="Oval 10">
               <a:extLst>
                 <a:ext uri="{FF2B5EF4-FFF2-40B4-BE49-F238E27FC236}">
-                  <a16:creationId xmlns:a16="http://schemas.microsoft.com/office/drawing/2014/main" xmlns="" id="{DF9EE857-93B9-ACF6-2AB4-2A29C4B94776}"/>
+                  <a16:creationId xmlns="" xmlns:a16="http://schemas.microsoft.com/office/drawing/2014/main" id="{DF9EE857-93B9-ACF6-2AB4-2A29C4B94776}"/>
                 </a:ext>
               </a:extLst>
             </p:cNvPr>
@@ -7037,7 +7037,7 @@
             <p:cNvPr id="12" name="Freeform: Shape 19">
               <a:extLst>
                 <a:ext uri="{FF2B5EF4-FFF2-40B4-BE49-F238E27FC236}">
-                  <a16:creationId xmlns:a16="http://schemas.microsoft.com/office/drawing/2014/main" xmlns="" id="{75030D84-5EEB-A095-3D43-0ED22BDB8406}"/>
+                  <a16:creationId xmlns="" xmlns:a16="http://schemas.microsoft.com/office/drawing/2014/main" id="{75030D84-5EEB-A095-3D43-0ED22BDB8406}"/>
                 </a:ext>
               </a:extLst>
             </p:cNvPr>
@@ -7207,7 +7207,7 @@
             <p:cNvPr id="13" name="Arc 12">
               <a:extLst>
                 <a:ext uri="{FF2B5EF4-FFF2-40B4-BE49-F238E27FC236}">
-                  <a16:creationId xmlns:a16="http://schemas.microsoft.com/office/drawing/2014/main" xmlns="" id="{26E6DE3E-6851-19AD-2E60-22F006238173}"/>
+                  <a16:creationId xmlns="" xmlns:a16="http://schemas.microsoft.com/office/drawing/2014/main" id="{26E6DE3E-6851-19AD-2E60-22F006238173}"/>
                 </a:ext>
               </a:extLst>
             </p:cNvPr>
@@ -7287,7 +7287,7 @@
           <p:cNvPr id="6" name="Title 1">
             <a:extLst>
               <a:ext uri="{FF2B5EF4-FFF2-40B4-BE49-F238E27FC236}">
-                <a16:creationId xmlns:a16="http://schemas.microsoft.com/office/drawing/2014/main" xmlns="" id="{2E8C189B-2E00-67DA-E342-3440F5EBB4CE}"/>
+                <a16:creationId xmlns="" xmlns:a16="http://schemas.microsoft.com/office/drawing/2014/main" id="{2E8C189B-2E00-67DA-E342-3440F5EBB4CE}"/>
               </a:ext>
             </a:extLst>
           </p:cNvPr>
@@ -7328,7 +7328,7 @@
     </p:spTree>
     <p:extLst>
       <p:ext uri="{BB962C8B-B14F-4D97-AF65-F5344CB8AC3E}">
-        <p14:creationId xmlns:p14="http://schemas.microsoft.com/office/powerpoint/2010/main" xmlns="" val="3424675042"/>
+        <p14:creationId xmlns="" xmlns:p14="http://schemas.microsoft.com/office/powerpoint/2010/main" val="3424675042"/>
       </p:ext>
     </p:extLst>
   </p:cSld>
@@ -7360,10 +7360,10 @@
           <p:cNvPr id="11" name="Rectangle 10">
             <a:extLst>
               <a:ext uri="{FF2B5EF4-FFF2-40B4-BE49-F238E27FC236}">
-                <a16:creationId xmlns:a16="http://schemas.microsoft.com/office/drawing/2014/main" xmlns="" id="{D9FE4C84-13A1-72EA-6541-7C8FDDEA71C0}"/>
+                <a16:creationId xmlns="" xmlns:a16="http://schemas.microsoft.com/office/drawing/2014/main" id="{D9FE4C84-13A1-72EA-6541-7C8FDDEA71C0}"/>
               </a:ext>
               <a:ext uri="{C183D7F6-B498-43B3-948B-1728B52AA6E4}">
-                <adec:decorative xmlns:adec="http://schemas.microsoft.com/office/drawing/2017/decorative" xmlns="" val="1"/>
+                <adec:decorative xmlns="" xmlns:adec="http://schemas.microsoft.com/office/drawing/2017/decorative" val="1"/>
               </a:ext>
             </a:extLst>
           </p:cNvPr>
@@ -7445,10 +7445,10 @@
           <p:cNvPr id="12" name="Arc 11">
             <a:extLst>
               <a:ext uri="{FF2B5EF4-FFF2-40B4-BE49-F238E27FC236}">
-                <a16:creationId xmlns:a16="http://schemas.microsoft.com/office/drawing/2014/main" xmlns="" id="{30468883-4E51-D3BD-E1C6-601ED9B6EF0E}"/>
+                <a16:creationId xmlns="" xmlns:a16="http://schemas.microsoft.com/office/drawing/2014/main" id="{30468883-4E51-D3BD-E1C6-601ED9B6EF0E}"/>
               </a:ext>
               <a:ext uri="{C183D7F6-B498-43B3-948B-1728B52AA6E4}">
-                <adec:decorative xmlns:adec="http://schemas.microsoft.com/office/drawing/2017/decorative" xmlns="" val="1"/>
+                <adec:decorative xmlns="" xmlns:adec="http://schemas.microsoft.com/office/drawing/2017/decorative" val="1"/>
               </a:ext>
             </a:extLst>
           </p:cNvPr>
@@ -7530,10 +7530,10 @@
           <p:cNvPr id="13" name="Freeform 9">
             <a:extLst>
               <a:ext uri="{FF2B5EF4-FFF2-40B4-BE49-F238E27FC236}">
-                <a16:creationId xmlns:a16="http://schemas.microsoft.com/office/drawing/2014/main" xmlns="" id="{111AEF3F-9A86-45CE-4817-E3E6863DC09A}"/>
+                <a16:creationId xmlns="" xmlns:a16="http://schemas.microsoft.com/office/drawing/2014/main" id="{111AEF3F-9A86-45CE-4817-E3E6863DC09A}"/>
               </a:ext>
               <a:ext uri="{C183D7F6-B498-43B3-948B-1728B52AA6E4}">
-                <adec:decorative xmlns:adec="http://schemas.microsoft.com/office/drawing/2017/decorative" xmlns="" val="1"/>
+                <adec:decorative xmlns="" xmlns:adec="http://schemas.microsoft.com/office/drawing/2017/decorative" val="1"/>
               </a:ext>
             </a:extLst>
           </p:cNvPr>
@@ -7650,7 +7650,7 @@
           <p:cNvPr id="2" name="Title 1">
             <a:extLst>
               <a:ext uri="{FF2B5EF4-FFF2-40B4-BE49-F238E27FC236}">
-                <a16:creationId xmlns:a16="http://schemas.microsoft.com/office/drawing/2014/main" xmlns="" id="{0C40C44A-93E6-6C58-5E88-AFDC594EC27A}"/>
+                <a16:creationId xmlns="" xmlns:a16="http://schemas.microsoft.com/office/drawing/2014/main" id="{0C40C44A-93E6-6C58-5E88-AFDC594EC27A}"/>
               </a:ext>
             </a:extLst>
           </p:cNvPr>
@@ -7684,7 +7684,7 @@
           <p:cNvPr id="9" name="Content Placeholder 2">
             <a:extLst>
               <a:ext uri="{FF2B5EF4-FFF2-40B4-BE49-F238E27FC236}">
-                <a16:creationId xmlns:a16="http://schemas.microsoft.com/office/drawing/2014/main" xmlns="" id="{F5A792C8-BB21-CDAF-668C-C1EFF45540C6}"/>
+                <a16:creationId xmlns="" xmlns:a16="http://schemas.microsoft.com/office/drawing/2014/main" id="{F5A792C8-BB21-CDAF-668C-C1EFF45540C6}"/>
               </a:ext>
             </a:extLst>
           </p:cNvPr>
@@ -7802,7 +7802,7 @@
           <p:cNvPr id="4" name="Content Placeholder 3">
             <a:extLst>
               <a:ext uri="{FF2B5EF4-FFF2-40B4-BE49-F238E27FC236}">
-                <a16:creationId xmlns:a16="http://schemas.microsoft.com/office/drawing/2014/main" xmlns="" id="{72DFB03A-367B-9ADA-8071-E22871EC115F}"/>
+                <a16:creationId xmlns="" xmlns:a16="http://schemas.microsoft.com/office/drawing/2014/main" id="{72DFB03A-367B-9ADA-8071-E22871EC115F}"/>
               </a:ext>
             </a:extLst>
           </p:cNvPr>
@@ -7933,7 +7933,7 @@
           <p:cNvPr id="5" name="Date Placeholder 4">
             <a:extLst>
               <a:ext uri="{FF2B5EF4-FFF2-40B4-BE49-F238E27FC236}">
-                <a16:creationId xmlns:a16="http://schemas.microsoft.com/office/drawing/2014/main" xmlns="" id="{C6CFCEB5-4092-FD13-478E-51CD74FDB82E}"/>
+                <a16:creationId xmlns="" xmlns:a16="http://schemas.microsoft.com/office/drawing/2014/main" id="{C6CFCEB5-4092-FD13-478E-51CD74FDB82E}"/>
               </a:ext>
             </a:extLst>
           </p:cNvPr>
@@ -7963,7 +7963,7 @@
           <p:cNvPr id="6" name="Footer Placeholder 5">
             <a:extLst>
               <a:ext uri="{FF2B5EF4-FFF2-40B4-BE49-F238E27FC236}">
-                <a16:creationId xmlns:a16="http://schemas.microsoft.com/office/drawing/2014/main" xmlns="" id="{5D077A4D-E7C0-912D-293F-D93F0CB5CA49}"/>
+                <a16:creationId xmlns="" xmlns:a16="http://schemas.microsoft.com/office/drawing/2014/main" id="{5D077A4D-E7C0-912D-293F-D93F0CB5CA49}"/>
               </a:ext>
             </a:extLst>
           </p:cNvPr>
@@ -7988,7 +7988,7 @@
           <p:cNvPr id="7" name="Slide Number Placeholder 6">
             <a:extLst>
               <a:ext uri="{FF2B5EF4-FFF2-40B4-BE49-F238E27FC236}">
-                <a16:creationId xmlns:a16="http://schemas.microsoft.com/office/drawing/2014/main" xmlns="" id="{CA6AA9E1-334B-5F8F-8A92-67DD095F7838}"/>
+                <a16:creationId xmlns="" xmlns:a16="http://schemas.microsoft.com/office/drawing/2014/main" id="{CA6AA9E1-334B-5F8F-8A92-67DD095F7838}"/>
               </a:ext>
             </a:extLst>
           </p:cNvPr>
@@ -8016,7 +8016,7 @@
     </p:spTree>
     <p:extLst>
       <p:ext uri="{BB962C8B-B14F-4D97-AF65-F5344CB8AC3E}">
-        <p14:creationId xmlns:p14="http://schemas.microsoft.com/office/powerpoint/2010/main" xmlns="" val="137703936"/>
+        <p14:creationId xmlns="" xmlns:p14="http://schemas.microsoft.com/office/powerpoint/2010/main" val="137703936"/>
       </p:ext>
     </p:extLst>
   </p:cSld>
@@ -8048,7 +8048,7 @@
           <p:cNvPr id="2" name="Title 1">
             <a:extLst>
               <a:ext uri="{FF2B5EF4-FFF2-40B4-BE49-F238E27FC236}">
-                <a16:creationId xmlns:a16="http://schemas.microsoft.com/office/drawing/2014/main" xmlns="" id="{F657BD59-35CC-9BB3-8621-6FA3356F81AA}"/>
+                <a16:creationId xmlns="" xmlns:a16="http://schemas.microsoft.com/office/drawing/2014/main" id="{F657BD59-35CC-9BB3-8621-6FA3356F81AA}"/>
               </a:ext>
             </a:extLst>
           </p:cNvPr>
@@ -8078,7 +8078,7 @@
           <p:cNvPr id="4" name="Date Placeholder 3">
             <a:extLst>
               <a:ext uri="{FF2B5EF4-FFF2-40B4-BE49-F238E27FC236}">
-                <a16:creationId xmlns:a16="http://schemas.microsoft.com/office/drawing/2014/main" xmlns="" id="{8C56EB0F-63C8-5F75-A333-3413A9DC6F76}"/>
+                <a16:creationId xmlns="" xmlns:a16="http://schemas.microsoft.com/office/drawing/2014/main" id="{8C56EB0F-63C8-5F75-A333-3413A9DC6F76}"/>
               </a:ext>
             </a:extLst>
           </p:cNvPr>
@@ -8108,7 +8108,7 @@
           <p:cNvPr id="5" name="Footer Placeholder 4">
             <a:extLst>
               <a:ext uri="{FF2B5EF4-FFF2-40B4-BE49-F238E27FC236}">
-                <a16:creationId xmlns:a16="http://schemas.microsoft.com/office/drawing/2014/main" xmlns="" id="{4D4DE333-25B4-E092-1CC4-C3D20BA25168}"/>
+                <a16:creationId xmlns="" xmlns:a16="http://schemas.microsoft.com/office/drawing/2014/main" id="{4D4DE333-25B4-E092-1CC4-C3D20BA25168}"/>
               </a:ext>
             </a:extLst>
           </p:cNvPr>
@@ -8133,7 +8133,7 @@
           <p:cNvPr id="6" name="Slide Number Placeholder 5">
             <a:extLst>
               <a:ext uri="{FF2B5EF4-FFF2-40B4-BE49-F238E27FC236}">
-                <a16:creationId xmlns:a16="http://schemas.microsoft.com/office/drawing/2014/main" xmlns="" id="{8F1AF200-E81F-A326-0EDB-4B93C71D9BF4}"/>
+                <a16:creationId xmlns="" xmlns:a16="http://schemas.microsoft.com/office/drawing/2014/main" id="{8F1AF200-E81F-A326-0EDB-4B93C71D9BF4}"/>
               </a:ext>
             </a:extLst>
           </p:cNvPr>
@@ -8163,7 +8163,7 @@
           <p:cNvPr id="8" name="Table Placeholder 7">
             <a:extLst>
               <a:ext uri="{FF2B5EF4-FFF2-40B4-BE49-F238E27FC236}">
-                <a16:creationId xmlns:a16="http://schemas.microsoft.com/office/drawing/2014/main" xmlns="" id="{0CEAFE70-86D3-8690-31CA-F9A1FBA494D0}"/>
+                <a16:creationId xmlns="" xmlns:a16="http://schemas.microsoft.com/office/drawing/2014/main" id="{0CEAFE70-86D3-8690-31CA-F9A1FBA494D0}"/>
               </a:ext>
             </a:extLst>
           </p:cNvPr>
@@ -8200,7 +8200,7 @@
     </p:spTree>
     <p:extLst>
       <p:ext uri="{BB962C8B-B14F-4D97-AF65-F5344CB8AC3E}">
-        <p14:creationId xmlns:p14="http://schemas.microsoft.com/office/powerpoint/2010/main" xmlns="" val="2626099294"/>
+        <p14:creationId xmlns="" xmlns:p14="http://schemas.microsoft.com/office/powerpoint/2010/main" val="2626099294"/>
       </p:ext>
     </p:extLst>
   </p:cSld>
@@ -8232,10 +8232,10 @@
           <p:cNvPr id="7" name="Group 6">
             <a:extLst>
               <a:ext uri="{FF2B5EF4-FFF2-40B4-BE49-F238E27FC236}">
-                <a16:creationId xmlns:a16="http://schemas.microsoft.com/office/drawing/2014/main" xmlns="" id="{D7B7232D-F1A6-B6C3-3BBF-E834CC7CDC8E}"/>
+                <a16:creationId xmlns="" xmlns:a16="http://schemas.microsoft.com/office/drawing/2014/main" id="{D7B7232D-F1A6-B6C3-3BBF-E834CC7CDC8E}"/>
               </a:ext>
               <a:ext uri="{C183D7F6-B498-43B3-948B-1728B52AA6E4}">
-                <adec:decorative xmlns:adec="http://schemas.microsoft.com/office/drawing/2017/decorative" xmlns="" val="1"/>
+                <adec:decorative xmlns="" xmlns:adec="http://schemas.microsoft.com/office/drawing/2017/decorative" val="1"/>
               </a:ext>
             </a:extLst>
           </p:cNvPr>
@@ -8255,7 +8255,7 @@
             <p:cNvPr id="8" name="Oval 7">
               <a:extLst>
                 <a:ext uri="{FF2B5EF4-FFF2-40B4-BE49-F238E27FC236}">
-                  <a16:creationId xmlns:a16="http://schemas.microsoft.com/office/drawing/2014/main" xmlns="" id="{0D306340-6BFD-FE3D-535B-B59C1C44EDDA}"/>
+                  <a16:creationId xmlns="" xmlns:a16="http://schemas.microsoft.com/office/drawing/2014/main" id="{0D306340-6BFD-FE3D-535B-B59C1C44EDDA}"/>
                 </a:ext>
               </a:extLst>
             </p:cNvPr>
@@ -8336,7 +8336,7 @@
             <p:cNvPr id="9" name="Freeform: Shape 11">
               <a:extLst>
                 <a:ext uri="{FF2B5EF4-FFF2-40B4-BE49-F238E27FC236}">
-                  <a16:creationId xmlns:a16="http://schemas.microsoft.com/office/drawing/2014/main" xmlns="" id="{338E6C4B-ABF3-8B7E-8DCF-A93F69C712B1}"/>
+                  <a16:creationId xmlns="" xmlns:a16="http://schemas.microsoft.com/office/drawing/2014/main" id="{338E6C4B-ABF3-8B7E-8DCF-A93F69C712B1}"/>
                 </a:ext>
               </a:extLst>
             </p:cNvPr>
@@ -8474,7 +8474,7 @@
             <p:cNvPr id="10" name="Freeform: Shape 13">
               <a:extLst>
                 <a:ext uri="{FF2B5EF4-FFF2-40B4-BE49-F238E27FC236}">
-                  <a16:creationId xmlns:a16="http://schemas.microsoft.com/office/drawing/2014/main" xmlns="" id="{6F90F99F-B12A-E8F9-5A86-D76B201D6308}"/>
+                  <a16:creationId xmlns="" xmlns:a16="http://schemas.microsoft.com/office/drawing/2014/main" id="{6F90F99F-B12A-E8F9-5A86-D76B201D6308}"/>
                 </a:ext>
               </a:extLst>
             </p:cNvPr>
@@ -8620,7 +8620,7 @@
             <p:cNvPr id="11" name="Freeform: Shape 15">
               <a:extLst>
                 <a:ext uri="{FF2B5EF4-FFF2-40B4-BE49-F238E27FC236}">
-                  <a16:creationId xmlns:a16="http://schemas.microsoft.com/office/drawing/2014/main" xmlns="" id="{BFA99EFE-81BC-95EA-FA61-B7199AD98A74}"/>
+                  <a16:creationId xmlns="" xmlns:a16="http://schemas.microsoft.com/office/drawing/2014/main" id="{BFA99EFE-81BC-95EA-FA61-B7199AD98A74}"/>
                 </a:ext>
               </a:extLst>
             </p:cNvPr>
@@ -8758,7 +8758,7 @@
             <p:cNvPr id="12" name="Freeform: Shape 17">
               <a:extLst>
                 <a:ext uri="{FF2B5EF4-FFF2-40B4-BE49-F238E27FC236}">
-                  <a16:creationId xmlns:a16="http://schemas.microsoft.com/office/drawing/2014/main" xmlns="" id="{DD9FC028-D877-28FE-C646-DBD85D932641}"/>
+                  <a16:creationId xmlns="" xmlns:a16="http://schemas.microsoft.com/office/drawing/2014/main" id="{DD9FC028-D877-28FE-C646-DBD85D932641}"/>
                 </a:ext>
               </a:extLst>
             </p:cNvPr>
@@ -8902,7 +8902,7 @@
             <p:cNvPr id="13" name="Freeform: Shape 21">
               <a:extLst>
                 <a:ext uri="{FF2B5EF4-FFF2-40B4-BE49-F238E27FC236}">
-                  <a16:creationId xmlns:a16="http://schemas.microsoft.com/office/drawing/2014/main" xmlns="" id="{AA0AFFE9-F0C2-BDA0-BF87-9977706AB6A8}"/>
+                  <a16:creationId xmlns="" xmlns:a16="http://schemas.microsoft.com/office/drawing/2014/main" id="{AA0AFFE9-F0C2-BDA0-BF87-9977706AB6A8}"/>
                 </a:ext>
               </a:extLst>
             </p:cNvPr>
@@ -9049,7 +9049,7 @@
           <p:cNvPr id="2" name="Title 1">
             <a:extLst>
               <a:ext uri="{FF2B5EF4-FFF2-40B4-BE49-F238E27FC236}">
-                <a16:creationId xmlns:a16="http://schemas.microsoft.com/office/drawing/2014/main" xmlns="" id="{F657BD59-35CC-9BB3-8621-6FA3356F81AA}"/>
+                <a16:creationId xmlns="" xmlns:a16="http://schemas.microsoft.com/office/drawing/2014/main" id="{F657BD59-35CC-9BB3-8621-6FA3356F81AA}"/>
               </a:ext>
             </a:extLst>
           </p:cNvPr>
@@ -9089,7 +9089,7 @@
           <p:cNvPr id="3" name="Content Placeholder 2">
             <a:extLst>
               <a:ext uri="{FF2B5EF4-FFF2-40B4-BE49-F238E27FC236}">
-                <a16:creationId xmlns:a16="http://schemas.microsoft.com/office/drawing/2014/main" xmlns="" id="{A772710C-A212-1B12-06CD-FA2A14F89D68}"/>
+                <a16:creationId xmlns="" xmlns:a16="http://schemas.microsoft.com/office/drawing/2014/main" id="{A772710C-A212-1B12-06CD-FA2A14F89D68}"/>
               </a:ext>
             </a:extLst>
           </p:cNvPr>
@@ -9220,7 +9220,7 @@
           <p:cNvPr id="4" name="Date Placeholder 3">
             <a:extLst>
               <a:ext uri="{FF2B5EF4-FFF2-40B4-BE49-F238E27FC236}">
-                <a16:creationId xmlns:a16="http://schemas.microsoft.com/office/drawing/2014/main" xmlns="" id="{8C56EB0F-63C8-5F75-A333-3413A9DC6F76}"/>
+                <a16:creationId xmlns="" xmlns:a16="http://schemas.microsoft.com/office/drawing/2014/main" id="{8C56EB0F-63C8-5F75-A333-3413A9DC6F76}"/>
               </a:ext>
             </a:extLst>
           </p:cNvPr>
@@ -9250,7 +9250,7 @@
           <p:cNvPr id="5" name="Footer Placeholder 4">
             <a:extLst>
               <a:ext uri="{FF2B5EF4-FFF2-40B4-BE49-F238E27FC236}">
-                <a16:creationId xmlns:a16="http://schemas.microsoft.com/office/drawing/2014/main" xmlns="" id="{4D4DE333-25B4-E092-1CC4-C3D20BA25168}"/>
+                <a16:creationId xmlns="" xmlns:a16="http://schemas.microsoft.com/office/drawing/2014/main" id="{4D4DE333-25B4-E092-1CC4-C3D20BA25168}"/>
               </a:ext>
             </a:extLst>
           </p:cNvPr>
@@ -9275,7 +9275,7 @@
           <p:cNvPr id="6" name="Slide Number Placeholder 5">
             <a:extLst>
               <a:ext uri="{FF2B5EF4-FFF2-40B4-BE49-F238E27FC236}">
-                <a16:creationId xmlns:a16="http://schemas.microsoft.com/office/drawing/2014/main" xmlns="" id="{8F1AF200-E81F-A326-0EDB-4B93C71D9BF4}"/>
+                <a16:creationId xmlns="" xmlns:a16="http://schemas.microsoft.com/office/drawing/2014/main" id="{8F1AF200-E81F-A326-0EDB-4B93C71D9BF4}"/>
               </a:ext>
             </a:extLst>
           </p:cNvPr>
@@ -9303,7 +9303,7 @@
     </p:spTree>
     <p:extLst>
       <p:ext uri="{BB962C8B-B14F-4D97-AF65-F5344CB8AC3E}">
-        <p14:creationId xmlns:p14="http://schemas.microsoft.com/office/powerpoint/2010/main" xmlns="" val="2162967001"/>
+        <p14:creationId xmlns="" xmlns:p14="http://schemas.microsoft.com/office/powerpoint/2010/main" val="2162967001"/>
       </p:ext>
     </p:extLst>
   </p:cSld>
@@ -9335,10 +9335,10 @@
           <p:cNvPr id="7" name="Group 6">
             <a:extLst>
               <a:ext uri="{FF2B5EF4-FFF2-40B4-BE49-F238E27FC236}">
-                <a16:creationId xmlns:a16="http://schemas.microsoft.com/office/drawing/2014/main" xmlns="" id="{3E96D25F-53A2-6217-84B4-7EB874F0B372}"/>
+                <a16:creationId xmlns="" xmlns:a16="http://schemas.microsoft.com/office/drawing/2014/main" id="{3E96D25F-53A2-6217-84B4-7EB874F0B372}"/>
               </a:ext>
               <a:ext uri="{C183D7F6-B498-43B3-948B-1728B52AA6E4}">
-                <adec:decorative xmlns:adec="http://schemas.microsoft.com/office/drawing/2017/decorative" xmlns="" val="1"/>
+                <adec:decorative xmlns="" xmlns:adec="http://schemas.microsoft.com/office/drawing/2017/decorative" val="1"/>
               </a:ext>
             </a:extLst>
           </p:cNvPr>
@@ -9358,7 +9358,7 @@
             <p:cNvPr id="8" name="Oval 7">
               <a:extLst>
                 <a:ext uri="{FF2B5EF4-FFF2-40B4-BE49-F238E27FC236}">
-                  <a16:creationId xmlns:a16="http://schemas.microsoft.com/office/drawing/2014/main" xmlns="" id="{A50FA62D-C8AE-52B8-1712-6116756D1A83}"/>
+                  <a16:creationId xmlns="" xmlns:a16="http://schemas.microsoft.com/office/drawing/2014/main" id="{A50FA62D-C8AE-52B8-1712-6116756D1A83}"/>
                 </a:ext>
               </a:extLst>
             </p:cNvPr>
@@ -9439,7 +9439,7 @@
             <p:cNvPr id="9" name="Arc 8">
               <a:extLst>
                 <a:ext uri="{FF2B5EF4-FFF2-40B4-BE49-F238E27FC236}">
-                  <a16:creationId xmlns:a16="http://schemas.microsoft.com/office/drawing/2014/main" xmlns="" id="{1D2D6A01-57CF-3C0B-968C-E5A8FD352320}"/>
+                  <a16:creationId xmlns="" xmlns:a16="http://schemas.microsoft.com/office/drawing/2014/main" id="{1D2D6A01-57CF-3C0B-968C-E5A8FD352320}"/>
                 </a:ext>
               </a:extLst>
             </p:cNvPr>
@@ -9522,7 +9522,7 @@
             <p:cNvPr id="10" name="Oval 9">
               <a:extLst>
                 <a:ext uri="{FF2B5EF4-FFF2-40B4-BE49-F238E27FC236}">
-                  <a16:creationId xmlns:a16="http://schemas.microsoft.com/office/drawing/2014/main" xmlns="" id="{410BEFAA-C349-7DB1-1827-0FA48A430AD8}"/>
+                  <a16:creationId xmlns="" xmlns:a16="http://schemas.microsoft.com/office/drawing/2014/main" id="{410BEFAA-C349-7DB1-1827-0FA48A430AD8}"/>
                 </a:ext>
               </a:extLst>
             </p:cNvPr>
@@ -9604,7 +9604,7 @@
           <p:cNvPr id="2" name="Title 1">
             <a:extLst>
               <a:ext uri="{FF2B5EF4-FFF2-40B4-BE49-F238E27FC236}">
-                <a16:creationId xmlns:a16="http://schemas.microsoft.com/office/drawing/2014/main" xmlns="" id="{F657BD59-35CC-9BB3-8621-6FA3356F81AA}"/>
+                <a16:creationId xmlns="" xmlns:a16="http://schemas.microsoft.com/office/drawing/2014/main" id="{F657BD59-35CC-9BB3-8621-6FA3356F81AA}"/>
               </a:ext>
             </a:extLst>
           </p:cNvPr>
@@ -9647,7 +9647,7 @@
           <p:cNvPr id="3" name="Content Placeholder 2">
             <a:extLst>
               <a:ext uri="{FF2B5EF4-FFF2-40B4-BE49-F238E27FC236}">
-                <a16:creationId xmlns:a16="http://schemas.microsoft.com/office/drawing/2014/main" xmlns="" id="{A772710C-A212-1B12-06CD-FA2A14F89D68}"/>
+                <a16:creationId xmlns="" xmlns:a16="http://schemas.microsoft.com/office/drawing/2014/main" id="{A772710C-A212-1B12-06CD-FA2A14F89D68}"/>
               </a:ext>
             </a:extLst>
           </p:cNvPr>
@@ -9776,7 +9776,7 @@
     </p:spTree>
     <p:extLst>
       <p:ext uri="{BB962C8B-B14F-4D97-AF65-F5344CB8AC3E}">
-        <p14:creationId xmlns:p14="http://schemas.microsoft.com/office/powerpoint/2010/main" xmlns="" val="1914388044"/>
+        <p14:creationId xmlns="" xmlns:p14="http://schemas.microsoft.com/office/powerpoint/2010/main" val="1914388044"/>
       </p:ext>
     </p:extLst>
   </p:cSld>
@@ -9816,7 +9816,7 @@
           <p:cNvPr id="2" name="Picture Placeholder 1">
             <a:extLst>
               <a:ext uri="{FF2B5EF4-FFF2-40B4-BE49-F238E27FC236}">
-                <a16:creationId xmlns:a16="http://schemas.microsoft.com/office/drawing/2014/main" xmlns="" id="{9EF93C3C-09E9-6CD0-EF4B-6DE09539EE7A}"/>
+                <a16:creationId xmlns="" xmlns:a16="http://schemas.microsoft.com/office/drawing/2014/main" id="{9EF93C3C-09E9-6CD0-EF4B-6DE09539EE7A}"/>
               </a:ext>
             </a:extLst>
           </p:cNvPr>
@@ -10031,10 +10031,10 @@
           <p:cNvPr id="3" name="Arc 2">
             <a:extLst>
               <a:ext uri="{FF2B5EF4-FFF2-40B4-BE49-F238E27FC236}">
-                <a16:creationId xmlns:a16="http://schemas.microsoft.com/office/drawing/2014/main" xmlns="" id="{D5C3C4BD-DFDB-76B4-17CA-7DA4D1729FA1}"/>
+                <a16:creationId xmlns="" xmlns:a16="http://schemas.microsoft.com/office/drawing/2014/main" id="{D5C3C4BD-DFDB-76B4-17CA-7DA4D1729FA1}"/>
               </a:ext>
               <a:ext uri="{C183D7F6-B498-43B3-948B-1728B52AA6E4}">
-                <adec:decorative xmlns:adec="http://schemas.microsoft.com/office/drawing/2017/decorative" xmlns="" val="1"/>
+                <adec:decorative xmlns="" xmlns:adec="http://schemas.microsoft.com/office/drawing/2017/decorative" val="1"/>
               </a:ext>
             </a:extLst>
           </p:cNvPr>
@@ -10118,7 +10118,7 @@
           <p:cNvPr id="12" name="Title 11">
             <a:extLst>
               <a:ext uri="{FF2B5EF4-FFF2-40B4-BE49-F238E27FC236}">
-                <a16:creationId xmlns:a16="http://schemas.microsoft.com/office/drawing/2014/main" xmlns="" id="{2B04B61C-6467-D51D-0AF4-5C7D05F36CB5}"/>
+                <a16:creationId xmlns="" xmlns:a16="http://schemas.microsoft.com/office/drawing/2014/main" id="{2B04B61C-6467-D51D-0AF4-5C7D05F36CB5}"/>
               </a:ext>
             </a:extLst>
           </p:cNvPr>
@@ -10161,10 +10161,10 @@
           <p:cNvPr id="4" name="Freeform: Shape 3">
             <a:extLst>
               <a:ext uri="{FF2B5EF4-FFF2-40B4-BE49-F238E27FC236}">
-                <a16:creationId xmlns:a16="http://schemas.microsoft.com/office/drawing/2014/main" xmlns="" id="{47A19F4B-D154-3EB2-F86A-9A63283A3EA6}"/>
+                <a16:creationId xmlns="" xmlns:a16="http://schemas.microsoft.com/office/drawing/2014/main" id="{47A19F4B-D154-3EB2-F86A-9A63283A3EA6}"/>
               </a:ext>
               <a:ext uri="{C183D7F6-B498-43B3-948B-1728B52AA6E4}">
-                <adec:decorative xmlns:adec="http://schemas.microsoft.com/office/drawing/2017/decorative" xmlns="" val="1"/>
+                <adec:decorative xmlns="" xmlns:adec="http://schemas.microsoft.com/office/drawing/2017/decorative" val="1"/>
               </a:ext>
             </a:extLst>
           </p:cNvPr>
@@ -10338,7 +10338,7 @@
     </p:spTree>
     <p:extLst>
       <p:ext uri="{BB962C8B-B14F-4D97-AF65-F5344CB8AC3E}">
-        <p14:creationId xmlns:p14="http://schemas.microsoft.com/office/powerpoint/2010/main" xmlns="" val="3298420441"/>
+        <p14:creationId xmlns="" xmlns:p14="http://schemas.microsoft.com/office/powerpoint/2010/main" val="3298420441"/>
       </p:ext>
     </p:extLst>
   </p:cSld>
@@ -10370,7 +10370,7 @@
           <p:cNvPr id="2" name="Title 1">
             <a:extLst>
               <a:ext uri="{FF2B5EF4-FFF2-40B4-BE49-F238E27FC236}">
-                <a16:creationId xmlns:a16="http://schemas.microsoft.com/office/drawing/2014/main" xmlns="" id="{F657BD59-35CC-9BB3-8621-6FA3356F81AA}"/>
+                <a16:creationId xmlns="" xmlns:a16="http://schemas.microsoft.com/office/drawing/2014/main" id="{F657BD59-35CC-9BB3-8621-6FA3356F81AA}"/>
               </a:ext>
             </a:extLst>
           </p:cNvPr>
@@ -10405,7 +10405,7 @@
           <p:cNvPr id="13" name="Content Placeholder 12">
             <a:extLst>
               <a:ext uri="{FF2B5EF4-FFF2-40B4-BE49-F238E27FC236}">
-                <a16:creationId xmlns:a16="http://schemas.microsoft.com/office/drawing/2014/main" xmlns="" id="{E3FB7D8D-37C3-E089-EC02-FB49A13CBE1D}"/>
+                <a16:creationId xmlns="" xmlns:a16="http://schemas.microsoft.com/office/drawing/2014/main" id="{E3FB7D8D-37C3-E089-EC02-FB49A13CBE1D}"/>
               </a:ext>
             </a:extLst>
           </p:cNvPr>
@@ -10545,7 +10545,7 @@
           <p:cNvPr id="4" name="Date Placeholder 3">
             <a:extLst>
               <a:ext uri="{FF2B5EF4-FFF2-40B4-BE49-F238E27FC236}">
-                <a16:creationId xmlns:a16="http://schemas.microsoft.com/office/drawing/2014/main" xmlns="" id="{8C56EB0F-63C8-5F75-A333-3413A9DC6F76}"/>
+                <a16:creationId xmlns="" xmlns:a16="http://schemas.microsoft.com/office/drawing/2014/main" id="{8C56EB0F-63C8-5F75-A333-3413A9DC6F76}"/>
               </a:ext>
             </a:extLst>
           </p:cNvPr>
@@ -10575,7 +10575,7 @@
           <p:cNvPr id="5" name="Footer Placeholder 4">
             <a:extLst>
               <a:ext uri="{FF2B5EF4-FFF2-40B4-BE49-F238E27FC236}">
-                <a16:creationId xmlns:a16="http://schemas.microsoft.com/office/drawing/2014/main" xmlns="" id="{4D4DE333-25B4-E092-1CC4-C3D20BA25168}"/>
+                <a16:creationId xmlns="" xmlns:a16="http://schemas.microsoft.com/office/drawing/2014/main" id="{4D4DE333-25B4-E092-1CC4-C3D20BA25168}"/>
               </a:ext>
             </a:extLst>
           </p:cNvPr>
@@ -10600,7 +10600,7 @@
           <p:cNvPr id="6" name="Slide Number Placeholder 5">
             <a:extLst>
               <a:ext uri="{FF2B5EF4-FFF2-40B4-BE49-F238E27FC236}">
-                <a16:creationId xmlns:a16="http://schemas.microsoft.com/office/drawing/2014/main" xmlns="" id="{8F1AF200-E81F-A326-0EDB-4B93C71D9BF4}"/>
+                <a16:creationId xmlns="" xmlns:a16="http://schemas.microsoft.com/office/drawing/2014/main" id="{8F1AF200-E81F-A326-0EDB-4B93C71D9BF4}"/>
               </a:ext>
             </a:extLst>
           </p:cNvPr>
@@ -10630,10 +10630,10 @@
           <p:cNvPr id="7" name="Freeform: Shape 14">
             <a:extLst>
               <a:ext uri="{FF2B5EF4-FFF2-40B4-BE49-F238E27FC236}">
-                <a16:creationId xmlns:a16="http://schemas.microsoft.com/office/drawing/2014/main" xmlns="" id="{438B6FA2-AF11-618E-2B1A-38BF083DF340}"/>
+                <a16:creationId xmlns="" xmlns:a16="http://schemas.microsoft.com/office/drawing/2014/main" id="{438B6FA2-AF11-618E-2B1A-38BF083DF340}"/>
               </a:ext>
               <a:ext uri="{C183D7F6-B498-43B3-948B-1728B52AA6E4}">
-                <adec:decorative xmlns:adec="http://schemas.microsoft.com/office/drawing/2017/decorative" xmlns="" val="1"/>
+                <adec:decorative xmlns="" xmlns:adec="http://schemas.microsoft.com/office/drawing/2017/decorative" val="1"/>
               </a:ext>
             </a:extLst>
           </p:cNvPr>
@@ -10779,10 +10779,10 @@
           <p:cNvPr id="8" name="Freeform: Shape 13">
             <a:extLst>
               <a:ext uri="{FF2B5EF4-FFF2-40B4-BE49-F238E27FC236}">
-                <a16:creationId xmlns:a16="http://schemas.microsoft.com/office/drawing/2014/main" xmlns="" id="{A269A8D8-A4AE-CEFF-E928-7DB1CFB3E401}"/>
+                <a16:creationId xmlns="" xmlns:a16="http://schemas.microsoft.com/office/drawing/2014/main" id="{A269A8D8-A4AE-CEFF-E928-7DB1CFB3E401}"/>
               </a:ext>
               <a:ext uri="{C183D7F6-B498-43B3-948B-1728B52AA6E4}">
-                <adec:decorative xmlns:adec="http://schemas.microsoft.com/office/drawing/2017/decorative" xmlns="" val="1"/>
+                <adec:decorative xmlns="" xmlns:adec="http://schemas.microsoft.com/office/drawing/2017/decorative" val="1"/>
               </a:ext>
             </a:extLst>
           </p:cNvPr>
@@ -10920,10 +10920,10 @@
           <p:cNvPr id="11" name="Freeform: Shape 19">
             <a:extLst>
               <a:ext uri="{FF2B5EF4-FFF2-40B4-BE49-F238E27FC236}">
-                <a16:creationId xmlns:a16="http://schemas.microsoft.com/office/drawing/2014/main" xmlns="" id="{15418837-E689-97BE-9FAD-FEDBD599EBAD}"/>
+                <a16:creationId xmlns="" xmlns:a16="http://schemas.microsoft.com/office/drawing/2014/main" id="{15418837-E689-97BE-9FAD-FEDBD599EBAD}"/>
               </a:ext>
               <a:ext uri="{C183D7F6-B498-43B3-948B-1728B52AA6E4}">
-                <adec:decorative xmlns:adec="http://schemas.microsoft.com/office/drawing/2017/decorative" xmlns="" val="1"/>
+                <adec:decorative xmlns="" xmlns:adec="http://schemas.microsoft.com/office/drawing/2017/decorative" val="1"/>
               </a:ext>
             </a:extLst>
           </p:cNvPr>
@@ -11091,7 +11091,7 @@
     </p:spTree>
     <p:extLst>
       <p:ext uri="{BB962C8B-B14F-4D97-AF65-F5344CB8AC3E}">
-        <p14:creationId xmlns:p14="http://schemas.microsoft.com/office/powerpoint/2010/main" xmlns="" val="2587894702"/>
+        <p14:creationId xmlns="" xmlns:p14="http://schemas.microsoft.com/office/powerpoint/2010/main" val="2587894702"/>
       </p:ext>
     </p:extLst>
   </p:cSld>
@@ -11123,10 +11123,10 @@
           <p:cNvPr id="7" name="Oval 6">
             <a:extLst>
               <a:ext uri="{FF2B5EF4-FFF2-40B4-BE49-F238E27FC236}">
-                <a16:creationId xmlns:a16="http://schemas.microsoft.com/office/drawing/2014/main" xmlns="" id="{7DF76A42-387B-8D66-1214-D40462070066}"/>
+                <a16:creationId xmlns="" xmlns:a16="http://schemas.microsoft.com/office/drawing/2014/main" id="{7DF76A42-387B-8D66-1214-D40462070066}"/>
               </a:ext>
               <a:ext uri="{C183D7F6-B498-43B3-948B-1728B52AA6E4}">
-                <adec:decorative xmlns:adec="http://schemas.microsoft.com/office/drawing/2017/decorative" xmlns="" val="1"/>
+                <adec:decorative xmlns="" xmlns:adec="http://schemas.microsoft.com/office/drawing/2017/decorative" val="1"/>
               </a:ext>
             </a:extLst>
           </p:cNvPr>
@@ -11207,10 +11207,10 @@
           <p:cNvPr id="8" name="Group 7">
             <a:extLst>
               <a:ext uri="{FF2B5EF4-FFF2-40B4-BE49-F238E27FC236}">
-                <a16:creationId xmlns:a16="http://schemas.microsoft.com/office/drawing/2014/main" xmlns="" id="{D2ACE818-46EF-547E-9315-A849483036BF}"/>
+                <a16:creationId xmlns="" xmlns:a16="http://schemas.microsoft.com/office/drawing/2014/main" id="{D2ACE818-46EF-547E-9315-A849483036BF}"/>
               </a:ext>
               <a:ext uri="{C183D7F6-B498-43B3-948B-1728B52AA6E4}">
-                <adec:decorative xmlns:adec="http://schemas.microsoft.com/office/drawing/2017/decorative" xmlns="" val="1"/>
+                <adec:decorative xmlns="" xmlns:adec="http://schemas.microsoft.com/office/drawing/2017/decorative" val="1"/>
               </a:ext>
             </a:extLst>
           </p:cNvPr>
@@ -11230,7 +11230,7 @@
             <p:cNvPr id="9" name="Oval 8">
               <a:extLst>
                 <a:ext uri="{FF2B5EF4-FFF2-40B4-BE49-F238E27FC236}">
-                  <a16:creationId xmlns:a16="http://schemas.microsoft.com/office/drawing/2014/main" xmlns="" id="{E9644D21-8793-9A96-F305-5D20EE342B26}"/>
+                  <a16:creationId xmlns="" xmlns:a16="http://schemas.microsoft.com/office/drawing/2014/main" id="{E9644D21-8793-9A96-F305-5D20EE342B26}"/>
                 </a:ext>
               </a:extLst>
             </p:cNvPr>
@@ -11311,7 +11311,7 @@
             <p:cNvPr id="10" name="Arc 9">
               <a:extLst>
                 <a:ext uri="{FF2B5EF4-FFF2-40B4-BE49-F238E27FC236}">
-                  <a16:creationId xmlns:a16="http://schemas.microsoft.com/office/drawing/2014/main" xmlns="" id="{DF8D7AEF-C845-09F0-F31C-20B32BBA1EBA}"/>
+                  <a16:creationId xmlns="" xmlns:a16="http://schemas.microsoft.com/office/drawing/2014/main" id="{DF8D7AEF-C845-09F0-F31C-20B32BBA1EBA}"/>
                 </a:ext>
               </a:extLst>
             </p:cNvPr>
@@ -11395,7 +11395,7 @@
             <p:cNvPr id="11" name="Oval 10">
               <a:extLst>
                 <a:ext uri="{FF2B5EF4-FFF2-40B4-BE49-F238E27FC236}">
-                  <a16:creationId xmlns:a16="http://schemas.microsoft.com/office/drawing/2014/main" xmlns="" id="{5F9D44CB-887B-C74D-3E96-5607E84DAEFF}"/>
+                  <a16:creationId xmlns="" xmlns:a16="http://schemas.microsoft.com/office/drawing/2014/main" id="{5F9D44CB-887B-C74D-3E96-5607E84DAEFF}"/>
                 </a:ext>
               </a:extLst>
             </p:cNvPr>
@@ -11477,10 +11477,10 @@
           <p:cNvPr id="14" name="Freeform: Shape 19">
             <a:extLst>
               <a:ext uri="{FF2B5EF4-FFF2-40B4-BE49-F238E27FC236}">
-                <a16:creationId xmlns:a16="http://schemas.microsoft.com/office/drawing/2014/main" xmlns="" id="{87D193F4-2337-0048-1BE7-C9A8154191F9}"/>
+                <a16:creationId xmlns="" xmlns:a16="http://schemas.microsoft.com/office/drawing/2014/main" id="{87D193F4-2337-0048-1BE7-C9A8154191F9}"/>
               </a:ext>
               <a:ext uri="{C183D7F6-B498-43B3-948B-1728B52AA6E4}">
-                <adec:decorative xmlns:adec="http://schemas.microsoft.com/office/drawing/2017/decorative" xmlns="" val="1"/>
+                <adec:decorative xmlns="" xmlns:adec="http://schemas.microsoft.com/office/drawing/2017/decorative" val="1"/>
               </a:ext>
             </a:extLst>
           </p:cNvPr>
@@ -11650,10 +11650,10 @@
           <p:cNvPr id="15" name="Straight Connector 14">
             <a:extLst>
               <a:ext uri="{FF2B5EF4-FFF2-40B4-BE49-F238E27FC236}">
-                <a16:creationId xmlns:a16="http://schemas.microsoft.com/office/drawing/2014/main" xmlns="" id="{45EE4510-BCBA-C39A-BEF1-A391A3304F88}"/>
+                <a16:creationId xmlns="" xmlns:a16="http://schemas.microsoft.com/office/drawing/2014/main" id="{45EE4510-BCBA-C39A-BEF1-A391A3304F88}"/>
               </a:ext>
               <a:ext uri="{C183D7F6-B498-43B3-948B-1728B52AA6E4}">
-                <adec:decorative xmlns:adec="http://schemas.microsoft.com/office/drawing/2017/decorative" xmlns="" val="1"/>
+                <adec:decorative xmlns="" xmlns:adec="http://schemas.microsoft.com/office/drawing/2017/decorative" val="1"/>
               </a:ext>
             </a:extLst>
           </p:cNvPr>
@@ -11697,7 +11697,7 @@
           <p:cNvPr id="2" name="Title 1">
             <a:extLst>
               <a:ext uri="{FF2B5EF4-FFF2-40B4-BE49-F238E27FC236}">
-                <a16:creationId xmlns:a16="http://schemas.microsoft.com/office/drawing/2014/main" xmlns="" id="{32772C41-A024-2F33-1F04-21E003FA7291}"/>
+                <a16:creationId xmlns="" xmlns:a16="http://schemas.microsoft.com/office/drawing/2014/main" id="{32772C41-A024-2F33-1F04-21E003FA7291}"/>
               </a:ext>
             </a:extLst>
           </p:cNvPr>
@@ -11737,7 +11737,7 @@
           <p:cNvPr id="3" name="Subtitle 2">
             <a:extLst>
               <a:ext uri="{FF2B5EF4-FFF2-40B4-BE49-F238E27FC236}">
-                <a16:creationId xmlns:a16="http://schemas.microsoft.com/office/drawing/2014/main" xmlns="" id="{473BC2DF-9C2A-052C-AD2C-0A8ABAA50374}"/>
+                <a16:creationId xmlns="" xmlns:a16="http://schemas.microsoft.com/office/drawing/2014/main" id="{473BC2DF-9C2A-052C-AD2C-0A8ABAA50374}"/>
               </a:ext>
             </a:extLst>
           </p:cNvPr>
@@ -11813,7 +11813,7 @@
           <p:cNvPr id="4" name="Date Placeholder 3">
             <a:extLst>
               <a:ext uri="{FF2B5EF4-FFF2-40B4-BE49-F238E27FC236}">
-                <a16:creationId xmlns:a16="http://schemas.microsoft.com/office/drawing/2014/main" xmlns="" id="{C0070940-5919-2C95-2278-32E50BF14DD1}"/>
+                <a16:creationId xmlns="" xmlns:a16="http://schemas.microsoft.com/office/drawing/2014/main" id="{C0070940-5919-2C95-2278-32E50BF14DD1}"/>
               </a:ext>
             </a:extLst>
           </p:cNvPr>
@@ -11843,7 +11843,7 @@
           <p:cNvPr id="5" name="Footer Placeholder 4">
             <a:extLst>
               <a:ext uri="{FF2B5EF4-FFF2-40B4-BE49-F238E27FC236}">
-                <a16:creationId xmlns:a16="http://schemas.microsoft.com/office/drawing/2014/main" xmlns="" id="{1957D599-49CF-19FE-6D86-C5EDB765F413}"/>
+                <a16:creationId xmlns="" xmlns:a16="http://schemas.microsoft.com/office/drawing/2014/main" id="{1957D599-49CF-19FE-6D86-C5EDB765F413}"/>
               </a:ext>
             </a:extLst>
           </p:cNvPr>
@@ -11868,7 +11868,7 @@
           <p:cNvPr id="6" name="Slide Number Placeholder 5">
             <a:extLst>
               <a:ext uri="{FF2B5EF4-FFF2-40B4-BE49-F238E27FC236}">
-                <a16:creationId xmlns:a16="http://schemas.microsoft.com/office/drawing/2014/main" xmlns="" id="{28931DF1-1C8D-86B9-BFDD-098FFC00FDC2}"/>
+                <a16:creationId xmlns="" xmlns:a16="http://schemas.microsoft.com/office/drawing/2014/main" id="{28931DF1-1C8D-86B9-BFDD-098FFC00FDC2}"/>
               </a:ext>
             </a:extLst>
           </p:cNvPr>
@@ -11896,7 +11896,7 @@
     </p:spTree>
     <p:extLst>
       <p:ext uri="{BB962C8B-B14F-4D97-AF65-F5344CB8AC3E}">
-        <p14:creationId xmlns:p14="http://schemas.microsoft.com/office/powerpoint/2010/main" xmlns="" val="1563727740"/>
+        <p14:creationId xmlns="" xmlns:p14="http://schemas.microsoft.com/office/powerpoint/2010/main" val="1563727740"/>
       </p:ext>
     </p:extLst>
   </p:cSld>
@@ -11928,7 +11928,7 @@
           <p:cNvPr id="2" name="Title 1">
             <a:extLst>
               <a:ext uri="{FF2B5EF4-FFF2-40B4-BE49-F238E27FC236}">
-                <a16:creationId xmlns:a16="http://schemas.microsoft.com/office/drawing/2014/main" xmlns="" id="{0C40C44A-93E6-6C58-5E88-AFDC594EC27A}"/>
+                <a16:creationId xmlns="" xmlns:a16="http://schemas.microsoft.com/office/drawing/2014/main" id="{0C40C44A-93E6-6C58-5E88-AFDC594EC27A}"/>
               </a:ext>
             </a:extLst>
           </p:cNvPr>
@@ -11962,7 +11962,7 @@
           <p:cNvPr id="3" name="Content Placeholder 2">
             <a:extLst>
               <a:ext uri="{FF2B5EF4-FFF2-40B4-BE49-F238E27FC236}">
-                <a16:creationId xmlns:a16="http://schemas.microsoft.com/office/drawing/2014/main" xmlns="" id="{0C813049-5F46-053E-6279-8183259649A6}"/>
+                <a16:creationId xmlns="" xmlns:a16="http://schemas.microsoft.com/office/drawing/2014/main" id="{0C813049-5F46-053E-6279-8183259649A6}"/>
               </a:ext>
             </a:extLst>
           </p:cNvPr>
@@ -12093,7 +12093,7 @@
           <p:cNvPr id="15" name="Content Placeholder 2">
             <a:extLst>
               <a:ext uri="{FF2B5EF4-FFF2-40B4-BE49-F238E27FC236}">
-                <a16:creationId xmlns:a16="http://schemas.microsoft.com/office/drawing/2014/main" xmlns="" id="{5FB01ADF-164A-96FB-0129-C2A0F0ED0A85}"/>
+                <a16:creationId xmlns="" xmlns:a16="http://schemas.microsoft.com/office/drawing/2014/main" id="{5FB01ADF-164A-96FB-0129-C2A0F0ED0A85}"/>
               </a:ext>
             </a:extLst>
           </p:cNvPr>
@@ -12224,10 +12224,10 @@
           <p:cNvPr id="11" name="Group 10">
             <a:extLst>
               <a:ext uri="{FF2B5EF4-FFF2-40B4-BE49-F238E27FC236}">
-                <a16:creationId xmlns:a16="http://schemas.microsoft.com/office/drawing/2014/main" xmlns="" id="{C263F0DD-A38B-64B8-7412-087B487E6D47}"/>
+                <a16:creationId xmlns="" xmlns:a16="http://schemas.microsoft.com/office/drawing/2014/main" id="{C263F0DD-A38B-64B8-7412-087B487E6D47}"/>
               </a:ext>
               <a:ext uri="{C183D7F6-B498-43B3-948B-1728B52AA6E4}">
-                <adec:decorative xmlns:adec="http://schemas.microsoft.com/office/drawing/2017/decorative" xmlns="" val="1"/>
+                <adec:decorative xmlns="" xmlns:adec="http://schemas.microsoft.com/office/drawing/2017/decorative" val="1"/>
               </a:ext>
             </a:extLst>
           </p:cNvPr>
@@ -12247,7 +12247,7 @@
             <p:cNvPr id="12" name="Freeform: Shape 9">
               <a:extLst>
                 <a:ext uri="{FF2B5EF4-FFF2-40B4-BE49-F238E27FC236}">
-                  <a16:creationId xmlns:a16="http://schemas.microsoft.com/office/drawing/2014/main" xmlns="" id="{44CE2FB7-A856-E3C3-9798-73AAFB7901B8}"/>
+                  <a16:creationId xmlns="" xmlns:a16="http://schemas.microsoft.com/office/drawing/2014/main" id="{44CE2FB7-A856-E3C3-9798-73AAFB7901B8}"/>
                 </a:ext>
               </a:extLst>
             </p:cNvPr>
@@ -12385,7 +12385,7 @@
             <p:cNvPr id="13" name="Freeform: Shape 10">
               <a:extLst>
                 <a:ext uri="{FF2B5EF4-FFF2-40B4-BE49-F238E27FC236}">
-                  <a16:creationId xmlns:a16="http://schemas.microsoft.com/office/drawing/2014/main" xmlns="" id="{47ED62E5-894A-A8F9-A6DC-4A5C147CDE78}"/>
+                  <a16:creationId xmlns="" xmlns:a16="http://schemas.microsoft.com/office/drawing/2014/main" id="{47ED62E5-894A-A8F9-A6DC-4A5C147CDE78}"/>
                 </a:ext>
               </a:extLst>
             </p:cNvPr>
@@ -12741,7 +12741,7 @@
             <p:cNvPr id="14" name="Freeform: Shape 11">
               <a:extLst>
                 <a:ext uri="{FF2B5EF4-FFF2-40B4-BE49-F238E27FC236}">
-                  <a16:creationId xmlns:a16="http://schemas.microsoft.com/office/drawing/2014/main" xmlns="" id="{5C181CD4-C69B-2826-AF23-060D677248A9}"/>
+                  <a16:creationId xmlns="" xmlns:a16="http://schemas.microsoft.com/office/drawing/2014/main" id="{5C181CD4-C69B-2826-AF23-060D677248A9}"/>
                 </a:ext>
               </a:extLst>
             </p:cNvPr>
@@ -12880,7 +12880,7 @@
           <p:cNvPr id="5" name="Date Placeholder 4">
             <a:extLst>
               <a:ext uri="{FF2B5EF4-FFF2-40B4-BE49-F238E27FC236}">
-                <a16:creationId xmlns:a16="http://schemas.microsoft.com/office/drawing/2014/main" xmlns="" id="{C6CFCEB5-4092-FD13-478E-51CD74FDB82E}"/>
+                <a16:creationId xmlns="" xmlns:a16="http://schemas.microsoft.com/office/drawing/2014/main" id="{C6CFCEB5-4092-FD13-478E-51CD74FDB82E}"/>
               </a:ext>
             </a:extLst>
           </p:cNvPr>
@@ -12910,7 +12910,7 @@
           <p:cNvPr id="6" name="Footer Placeholder 5">
             <a:extLst>
               <a:ext uri="{FF2B5EF4-FFF2-40B4-BE49-F238E27FC236}">
-                <a16:creationId xmlns:a16="http://schemas.microsoft.com/office/drawing/2014/main" xmlns="" id="{5D077A4D-E7C0-912D-293F-D93F0CB5CA49}"/>
+                <a16:creationId xmlns="" xmlns:a16="http://schemas.microsoft.com/office/drawing/2014/main" id="{5D077A4D-E7C0-912D-293F-D93F0CB5CA49}"/>
               </a:ext>
             </a:extLst>
           </p:cNvPr>
@@ -12935,7 +12935,7 @@
           <p:cNvPr id="7" name="Slide Number Placeholder 6">
             <a:extLst>
               <a:ext uri="{FF2B5EF4-FFF2-40B4-BE49-F238E27FC236}">
-                <a16:creationId xmlns:a16="http://schemas.microsoft.com/office/drawing/2014/main" xmlns="" id="{CA6AA9E1-334B-5F8F-8A92-67DD095F7838}"/>
+                <a16:creationId xmlns="" xmlns:a16="http://schemas.microsoft.com/office/drawing/2014/main" id="{CA6AA9E1-334B-5F8F-8A92-67DD095F7838}"/>
               </a:ext>
             </a:extLst>
           </p:cNvPr>
@@ -12963,7 +12963,7 @@
     </p:spTree>
     <p:extLst>
       <p:ext uri="{BB962C8B-B14F-4D97-AF65-F5344CB8AC3E}">
-        <p14:creationId xmlns:p14="http://schemas.microsoft.com/office/powerpoint/2010/main" xmlns="" val="505290787"/>
+        <p14:creationId xmlns="" xmlns:p14="http://schemas.microsoft.com/office/powerpoint/2010/main" val="505290787"/>
       </p:ext>
     </p:extLst>
   </p:cSld>
@@ -12995,7 +12995,7 @@
           <p:cNvPr id="2" name="Title 1">
             <a:extLst>
               <a:ext uri="{FF2B5EF4-FFF2-40B4-BE49-F238E27FC236}">
-                <a16:creationId xmlns:a16="http://schemas.microsoft.com/office/drawing/2014/main" xmlns="" id="{0C40C44A-93E6-6C58-5E88-AFDC594EC27A}"/>
+                <a16:creationId xmlns="" xmlns:a16="http://schemas.microsoft.com/office/drawing/2014/main" id="{0C40C44A-93E6-6C58-5E88-AFDC594EC27A}"/>
               </a:ext>
             </a:extLst>
           </p:cNvPr>
@@ -13025,7 +13025,7 @@
           <p:cNvPr id="11" name="Content Placeholder 2">
             <a:extLst>
               <a:ext uri="{FF2B5EF4-FFF2-40B4-BE49-F238E27FC236}">
-                <a16:creationId xmlns:a16="http://schemas.microsoft.com/office/drawing/2014/main" xmlns="" id="{60538251-2B75-FA20-0F29-FB58583E6125}"/>
+                <a16:creationId xmlns="" xmlns:a16="http://schemas.microsoft.com/office/drawing/2014/main" id="{60538251-2B75-FA20-0F29-FB58583E6125}"/>
               </a:ext>
             </a:extLst>
           </p:cNvPr>
@@ -13160,7 +13160,7 @@
           <p:cNvPr id="12" name="Content Placeholder 2">
             <a:extLst>
               <a:ext uri="{FF2B5EF4-FFF2-40B4-BE49-F238E27FC236}">
-                <a16:creationId xmlns:a16="http://schemas.microsoft.com/office/drawing/2014/main" xmlns="" id="{A06C49DD-8C29-93EA-04F4-22F84080DF5C}"/>
+                <a16:creationId xmlns="" xmlns:a16="http://schemas.microsoft.com/office/drawing/2014/main" id="{A06C49DD-8C29-93EA-04F4-22F84080DF5C}"/>
               </a:ext>
             </a:extLst>
           </p:cNvPr>
@@ -13291,7 +13291,7 @@
           <p:cNvPr id="5" name="Date Placeholder 4">
             <a:extLst>
               <a:ext uri="{FF2B5EF4-FFF2-40B4-BE49-F238E27FC236}">
-                <a16:creationId xmlns:a16="http://schemas.microsoft.com/office/drawing/2014/main" xmlns="" id="{C6CFCEB5-4092-FD13-478E-51CD74FDB82E}"/>
+                <a16:creationId xmlns="" xmlns:a16="http://schemas.microsoft.com/office/drawing/2014/main" id="{C6CFCEB5-4092-FD13-478E-51CD74FDB82E}"/>
               </a:ext>
             </a:extLst>
           </p:cNvPr>
@@ -13321,7 +13321,7 @@
           <p:cNvPr id="6" name="Footer Placeholder 5">
             <a:extLst>
               <a:ext uri="{FF2B5EF4-FFF2-40B4-BE49-F238E27FC236}">
-                <a16:creationId xmlns:a16="http://schemas.microsoft.com/office/drawing/2014/main" xmlns="" id="{5D077A4D-E7C0-912D-293F-D93F0CB5CA49}"/>
+                <a16:creationId xmlns="" xmlns:a16="http://schemas.microsoft.com/office/drawing/2014/main" id="{5D077A4D-E7C0-912D-293F-D93F0CB5CA49}"/>
               </a:ext>
             </a:extLst>
           </p:cNvPr>
@@ -13346,7 +13346,7 @@
           <p:cNvPr id="7" name="Slide Number Placeholder 6">
             <a:extLst>
               <a:ext uri="{FF2B5EF4-FFF2-40B4-BE49-F238E27FC236}">
-                <a16:creationId xmlns:a16="http://schemas.microsoft.com/office/drawing/2014/main" xmlns="" id="{CA6AA9E1-334B-5F8F-8A92-67DD095F7838}"/>
+                <a16:creationId xmlns="" xmlns:a16="http://schemas.microsoft.com/office/drawing/2014/main" id="{CA6AA9E1-334B-5F8F-8A92-67DD095F7838}"/>
               </a:ext>
             </a:extLst>
           </p:cNvPr>
@@ -13376,10 +13376,10 @@
           <p:cNvPr id="8" name="Freeform: Shape 11">
             <a:extLst>
               <a:ext uri="{FF2B5EF4-FFF2-40B4-BE49-F238E27FC236}">
-                <a16:creationId xmlns:a16="http://schemas.microsoft.com/office/drawing/2014/main" xmlns="" id="{1E75594D-82D2-74F6-56EC-46FCD28CBE68}"/>
+                <a16:creationId xmlns="" xmlns:a16="http://schemas.microsoft.com/office/drawing/2014/main" id="{1E75594D-82D2-74F6-56EC-46FCD28CBE68}"/>
               </a:ext>
               <a:ext uri="{C183D7F6-B498-43B3-948B-1728B52AA6E4}">
-                <adec:decorative xmlns:adec="http://schemas.microsoft.com/office/drawing/2017/decorative" xmlns="" val="1"/>
+                <adec:decorative xmlns="" xmlns:adec="http://schemas.microsoft.com/office/drawing/2017/decorative" val="1"/>
               </a:ext>
             </a:extLst>
           </p:cNvPr>
@@ -13517,10 +13517,10 @@
           <p:cNvPr id="9" name="Freeform: Shape 13">
             <a:extLst>
               <a:ext uri="{FF2B5EF4-FFF2-40B4-BE49-F238E27FC236}">
-                <a16:creationId xmlns:a16="http://schemas.microsoft.com/office/drawing/2014/main" xmlns="" id="{FF4E0F5B-0892-2688-EFD3-284369DA50CD}"/>
+                <a16:creationId xmlns="" xmlns:a16="http://schemas.microsoft.com/office/drawing/2014/main" id="{FF4E0F5B-0892-2688-EFD3-284369DA50CD}"/>
               </a:ext>
               <a:ext uri="{C183D7F6-B498-43B3-948B-1728B52AA6E4}">
-                <adec:decorative xmlns:adec="http://schemas.microsoft.com/office/drawing/2017/decorative" xmlns="" val="1"/>
+                <adec:decorative xmlns="" xmlns:adec="http://schemas.microsoft.com/office/drawing/2017/decorative" val="1"/>
               </a:ext>
             </a:extLst>
           </p:cNvPr>
@@ -13666,10 +13666,10 @@
           <p:cNvPr id="10" name="Straight Connector 9">
             <a:extLst>
               <a:ext uri="{FF2B5EF4-FFF2-40B4-BE49-F238E27FC236}">
-                <a16:creationId xmlns:a16="http://schemas.microsoft.com/office/drawing/2014/main" xmlns="" id="{71D8715A-3067-732D-C410-868C7CCCF750}"/>
+                <a16:creationId xmlns="" xmlns:a16="http://schemas.microsoft.com/office/drawing/2014/main" id="{71D8715A-3067-732D-C410-868C7CCCF750}"/>
               </a:ext>
               <a:ext uri="{C183D7F6-B498-43B3-948B-1728B52AA6E4}">
-                <adec:decorative xmlns:adec="http://schemas.microsoft.com/office/drawing/2017/decorative" xmlns="" val="1"/>
+                <adec:decorative xmlns="" xmlns:adec="http://schemas.microsoft.com/office/drawing/2017/decorative" val="1"/>
               </a:ext>
             </a:extLst>
           </p:cNvPr>
@@ -13711,7 +13711,7 @@
     </p:spTree>
     <p:extLst>
       <p:ext uri="{BB962C8B-B14F-4D97-AF65-F5344CB8AC3E}">
-        <p14:creationId xmlns:p14="http://schemas.microsoft.com/office/powerpoint/2010/main" xmlns="" val="657852692"/>
+        <p14:creationId xmlns="" xmlns:p14="http://schemas.microsoft.com/office/powerpoint/2010/main" val="657852692"/>
       </p:ext>
     </p:extLst>
   </p:cSld>
@@ -13743,10 +13743,10 @@
           <p:cNvPr id="4" name="Group 3">
             <a:extLst>
               <a:ext uri="{FF2B5EF4-FFF2-40B4-BE49-F238E27FC236}">
-                <a16:creationId xmlns:a16="http://schemas.microsoft.com/office/drawing/2014/main" xmlns="" id="{5807BCF9-2F5B-200E-2E6C-E177DB56ECB0}"/>
+                <a16:creationId xmlns="" xmlns:a16="http://schemas.microsoft.com/office/drawing/2014/main" id="{5807BCF9-2F5B-200E-2E6C-E177DB56ECB0}"/>
               </a:ext>
               <a:ext uri="{C183D7F6-B498-43B3-948B-1728B52AA6E4}">
-                <adec:decorative xmlns:adec="http://schemas.microsoft.com/office/drawing/2017/decorative" xmlns="" val="1"/>
+                <adec:decorative xmlns="" xmlns:adec="http://schemas.microsoft.com/office/drawing/2017/decorative" val="1"/>
               </a:ext>
             </a:extLst>
           </p:cNvPr>
@@ -13766,7 +13766,7 @@
             <p:cNvPr id="9" name="Freeform: Shape 14">
               <a:extLst>
                 <a:ext uri="{FF2B5EF4-FFF2-40B4-BE49-F238E27FC236}">
-                  <a16:creationId xmlns:a16="http://schemas.microsoft.com/office/drawing/2014/main" xmlns="" id="{7A624B2B-50FD-9351-987F-2E5A5472CAB6}"/>
+                  <a16:creationId xmlns="" xmlns:a16="http://schemas.microsoft.com/office/drawing/2014/main" id="{7A624B2B-50FD-9351-987F-2E5A5472CAB6}"/>
                 </a:ext>
               </a:extLst>
             </p:cNvPr>
@@ -13912,7 +13912,7 @@
             <p:cNvPr id="10" name="Freeform: Shape 13">
               <a:extLst>
                 <a:ext uri="{FF2B5EF4-FFF2-40B4-BE49-F238E27FC236}">
-                  <a16:creationId xmlns:a16="http://schemas.microsoft.com/office/drawing/2014/main" xmlns="" id="{51E534EE-E0F1-2BD9-9A82-7656B90A2D9D}"/>
+                  <a16:creationId xmlns="" xmlns:a16="http://schemas.microsoft.com/office/drawing/2014/main" id="{51E534EE-E0F1-2BD9-9A82-7656B90A2D9D}"/>
                 </a:ext>
               </a:extLst>
             </p:cNvPr>
@@ -14051,7 +14051,7 @@
           <p:cNvPr id="2" name="Title 1">
             <a:extLst>
               <a:ext uri="{FF2B5EF4-FFF2-40B4-BE49-F238E27FC236}">
-                <a16:creationId xmlns:a16="http://schemas.microsoft.com/office/drawing/2014/main" xmlns="" id="{0C40C44A-93E6-6C58-5E88-AFDC594EC27A}"/>
+                <a16:creationId xmlns="" xmlns:a16="http://schemas.microsoft.com/office/drawing/2014/main" id="{0C40C44A-93E6-6C58-5E88-AFDC594EC27A}"/>
               </a:ext>
             </a:extLst>
           </p:cNvPr>
@@ -14087,7 +14087,7 @@
           <p:cNvPr id="3" name="Content Placeholder 2">
             <a:extLst>
               <a:ext uri="{FF2B5EF4-FFF2-40B4-BE49-F238E27FC236}">
-                <a16:creationId xmlns:a16="http://schemas.microsoft.com/office/drawing/2014/main" xmlns="" id="{0C813049-5F46-053E-6279-8183259649A6}"/>
+                <a16:creationId xmlns="" xmlns:a16="http://schemas.microsoft.com/office/drawing/2014/main" id="{0C813049-5F46-053E-6279-8183259649A6}"/>
               </a:ext>
             </a:extLst>
           </p:cNvPr>
@@ -14218,7 +14218,7 @@
           <p:cNvPr id="8" name="Picture Placeholder 7">
             <a:extLst>
               <a:ext uri="{FF2B5EF4-FFF2-40B4-BE49-F238E27FC236}">
-                <a16:creationId xmlns:a16="http://schemas.microsoft.com/office/drawing/2014/main" xmlns="" id="{BC013AD6-0EF3-2B25-DDBD-2DF706123AEE}"/>
+                <a16:creationId xmlns="" xmlns:a16="http://schemas.microsoft.com/office/drawing/2014/main" id="{BC013AD6-0EF3-2B25-DDBD-2DF706123AEE}"/>
               </a:ext>
             </a:extLst>
           </p:cNvPr>
@@ -14259,7 +14259,7 @@
           <p:cNvPr id="5" name="Date Placeholder 4">
             <a:extLst>
               <a:ext uri="{FF2B5EF4-FFF2-40B4-BE49-F238E27FC236}">
-                <a16:creationId xmlns:a16="http://schemas.microsoft.com/office/drawing/2014/main" xmlns="" id="{C6CFCEB5-4092-FD13-478E-51CD74FDB82E}"/>
+                <a16:creationId xmlns="" xmlns:a16="http://schemas.microsoft.com/office/drawing/2014/main" id="{C6CFCEB5-4092-FD13-478E-51CD74FDB82E}"/>
               </a:ext>
             </a:extLst>
           </p:cNvPr>
@@ -14289,7 +14289,7 @@
           <p:cNvPr id="6" name="Footer Placeholder 5">
             <a:extLst>
               <a:ext uri="{FF2B5EF4-FFF2-40B4-BE49-F238E27FC236}">
-                <a16:creationId xmlns:a16="http://schemas.microsoft.com/office/drawing/2014/main" xmlns="" id="{5D077A4D-E7C0-912D-293F-D93F0CB5CA49}"/>
+                <a16:creationId xmlns="" xmlns:a16="http://schemas.microsoft.com/office/drawing/2014/main" id="{5D077A4D-E7C0-912D-293F-D93F0CB5CA49}"/>
               </a:ext>
             </a:extLst>
           </p:cNvPr>
@@ -14314,7 +14314,7 @@
           <p:cNvPr id="7" name="Slide Number Placeholder 6">
             <a:extLst>
               <a:ext uri="{FF2B5EF4-FFF2-40B4-BE49-F238E27FC236}">
-                <a16:creationId xmlns:a16="http://schemas.microsoft.com/office/drawing/2014/main" xmlns="" id="{CA6AA9E1-334B-5F8F-8A92-67DD095F7838}"/>
+                <a16:creationId xmlns="" xmlns:a16="http://schemas.microsoft.com/office/drawing/2014/main" id="{CA6AA9E1-334B-5F8F-8A92-67DD095F7838}"/>
               </a:ext>
             </a:extLst>
           </p:cNvPr>
@@ -14342,7 +14342,7 @@
     </p:spTree>
     <p:extLst>
       <p:ext uri="{BB962C8B-B14F-4D97-AF65-F5344CB8AC3E}">
-        <p14:creationId xmlns:p14="http://schemas.microsoft.com/office/powerpoint/2010/main" xmlns="" val="2845438103"/>
+        <p14:creationId xmlns="" xmlns:p14="http://schemas.microsoft.com/office/powerpoint/2010/main" val="2845438103"/>
       </p:ext>
     </p:extLst>
   </p:cSld>
@@ -14374,10 +14374,10 @@
           <p:cNvPr id="11" name="Group 10">
             <a:extLst>
               <a:ext uri="{FF2B5EF4-FFF2-40B4-BE49-F238E27FC236}">
-                <a16:creationId xmlns:a16="http://schemas.microsoft.com/office/drawing/2014/main" xmlns="" id="{521BD3DB-6F51-C1AE-FF0E-D0BDCB55F30B}"/>
+                <a16:creationId xmlns="" xmlns:a16="http://schemas.microsoft.com/office/drawing/2014/main" id="{521BD3DB-6F51-C1AE-FF0E-D0BDCB55F30B}"/>
               </a:ext>
               <a:ext uri="{C183D7F6-B498-43B3-948B-1728B52AA6E4}">
-                <adec:decorative xmlns:adec="http://schemas.microsoft.com/office/drawing/2017/decorative" xmlns="" val="1"/>
+                <adec:decorative xmlns="" xmlns:adec="http://schemas.microsoft.com/office/drawing/2017/decorative" val="1"/>
               </a:ext>
             </a:extLst>
           </p:cNvPr>
@@ -14397,7 +14397,7 @@
             <p:cNvPr id="12" name="Freeform: Shape 7">
               <a:extLst>
                 <a:ext uri="{FF2B5EF4-FFF2-40B4-BE49-F238E27FC236}">
-                  <a16:creationId xmlns:a16="http://schemas.microsoft.com/office/drawing/2014/main" xmlns="" id="{59903C17-0733-BE0C-7392-283FEC2E98B0}"/>
+                  <a16:creationId xmlns="" xmlns:a16="http://schemas.microsoft.com/office/drawing/2014/main" id="{59903C17-0733-BE0C-7392-283FEC2E98B0}"/>
                 </a:ext>
               </a:extLst>
             </p:cNvPr>
@@ -14753,7 +14753,7 @@
             <p:cNvPr id="13" name="Freeform: Shape 1">
               <a:extLst>
                 <a:ext uri="{FF2B5EF4-FFF2-40B4-BE49-F238E27FC236}">
-                  <a16:creationId xmlns:a16="http://schemas.microsoft.com/office/drawing/2014/main" xmlns="" id="{898A3450-9C87-13ED-79CC-F4F65D14FF72}"/>
+                  <a16:creationId xmlns="" xmlns:a16="http://schemas.microsoft.com/office/drawing/2014/main" id="{898A3450-9C87-13ED-79CC-F4F65D14FF72}"/>
                 </a:ext>
               </a:extLst>
             </p:cNvPr>
@@ -14892,7 +14892,7 @@
           <p:cNvPr id="2" name="Title 1">
             <a:extLst>
               <a:ext uri="{FF2B5EF4-FFF2-40B4-BE49-F238E27FC236}">
-                <a16:creationId xmlns:a16="http://schemas.microsoft.com/office/drawing/2014/main" xmlns="" id="{0C40C44A-93E6-6C58-5E88-AFDC594EC27A}"/>
+                <a16:creationId xmlns="" xmlns:a16="http://schemas.microsoft.com/office/drawing/2014/main" id="{0C40C44A-93E6-6C58-5E88-AFDC594EC27A}"/>
               </a:ext>
             </a:extLst>
           </p:cNvPr>
@@ -14926,7 +14926,7 @@
           <p:cNvPr id="3" name="Content Placeholder 2">
             <a:extLst>
               <a:ext uri="{FF2B5EF4-FFF2-40B4-BE49-F238E27FC236}">
-                <a16:creationId xmlns:a16="http://schemas.microsoft.com/office/drawing/2014/main" xmlns="" id="{0C813049-5F46-053E-6279-8183259649A6}"/>
+                <a16:creationId xmlns="" xmlns:a16="http://schemas.microsoft.com/office/drawing/2014/main" id="{0C813049-5F46-053E-6279-8183259649A6}"/>
               </a:ext>
             </a:extLst>
           </p:cNvPr>
@@ -15057,7 +15057,7 @@
           <p:cNvPr id="8" name="Table Placeholder 7">
             <a:extLst>
               <a:ext uri="{FF2B5EF4-FFF2-40B4-BE49-F238E27FC236}">
-                <a16:creationId xmlns:a16="http://schemas.microsoft.com/office/drawing/2014/main" xmlns="" id="{423FEB60-8FB5-7F10-EDD7-8AB4B3139EF6}"/>
+                <a16:creationId xmlns="" xmlns:a16="http://schemas.microsoft.com/office/drawing/2014/main" id="{423FEB60-8FB5-7F10-EDD7-8AB4B3139EF6}"/>
               </a:ext>
             </a:extLst>
           </p:cNvPr>
@@ -15097,7 +15097,7 @@
           <p:cNvPr id="5" name="Date Placeholder 4">
             <a:extLst>
               <a:ext uri="{FF2B5EF4-FFF2-40B4-BE49-F238E27FC236}">
-                <a16:creationId xmlns:a16="http://schemas.microsoft.com/office/drawing/2014/main" xmlns="" id="{C6CFCEB5-4092-FD13-478E-51CD74FDB82E}"/>
+                <a16:creationId xmlns="" xmlns:a16="http://schemas.microsoft.com/office/drawing/2014/main" id="{C6CFCEB5-4092-FD13-478E-51CD74FDB82E}"/>
               </a:ext>
             </a:extLst>
           </p:cNvPr>
@@ -15127,7 +15127,7 @@
           <p:cNvPr id="6" name="Footer Placeholder 5">
             <a:extLst>
               <a:ext uri="{FF2B5EF4-FFF2-40B4-BE49-F238E27FC236}">
-                <a16:creationId xmlns:a16="http://schemas.microsoft.com/office/drawing/2014/main" xmlns="" id="{5D077A4D-E7C0-912D-293F-D93F0CB5CA49}"/>
+                <a16:creationId xmlns="" xmlns:a16="http://schemas.microsoft.com/office/drawing/2014/main" id="{5D077A4D-E7C0-912D-293F-D93F0CB5CA49}"/>
               </a:ext>
             </a:extLst>
           </p:cNvPr>
@@ -15152,7 +15152,7 @@
           <p:cNvPr id="7" name="Slide Number Placeholder 6">
             <a:extLst>
               <a:ext uri="{FF2B5EF4-FFF2-40B4-BE49-F238E27FC236}">
-                <a16:creationId xmlns:a16="http://schemas.microsoft.com/office/drawing/2014/main" xmlns="" id="{CA6AA9E1-334B-5F8F-8A92-67DD095F7838}"/>
+                <a16:creationId xmlns="" xmlns:a16="http://schemas.microsoft.com/office/drawing/2014/main" id="{CA6AA9E1-334B-5F8F-8A92-67DD095F7838}"/>
               </a:ext>
             </a:extLst>
           </p:cNvPr>
@@ -15180,7 +15180,7 @@
     </p:spTree>
     <p:extLst>
       <p:ext uri="{BB962C8B-B14F-4D97-AF65-F5344CB8AC3E}">
-        <p14:creationId xmlns:p14="http://schemas.microsoft.com/office/powerpoint/2010/main" xmlns="" val="280815037"/>
+        <p14:creationId xmlns="" xmlns:p14="http://schemas.microsoft.com/office/powerpoint/2010/main" val="280815037"/>
       </p:ext>
     </p:extLst>
   </p:cSld>
@@ -15217,7 +15217,7 @@
           <p:cNvPr id="2" name="Title Placeholder 1">
             <a:extLst>
               <a:ext uri="{FF2B5EF4-FFF2-40B4-BE49-F238E27FC236}">
-                <a16:creationId xmlns:a16="http://schemas.microsoft.com/office/drawing/2014/main" xmlns="" id="{4FD97564-C310-6E8C-8689-CE18881B4A17}"/>
+                <a16:creationId xmlns="" xmlns:a16="http://schemas.microsoft.com/office/drawing/2014/main" id="{4FD97564-C310-6E8C-8689-CE18881B4A17}"/>
               </a:ext>
             </a:extLst>
           </p:cNvPr>
@@ -15255,7 +15255,7 @@
           <p:cNvPr id="3" name="Text Placeholder 2">
             <a:extLst>
               <a:ext uri="{FF2B5EF4-FFF2-40B4-BE49-F238E27FC236}">
-                <a16:creationId xmlns:a16="http://schemas.microsoft.com/office/drawing/2014/main" xmlns="" id="{0FAD99FA-26D9-873B-BE7F-26FEC5C233A2}"/>
+                <a16:creationId xmlns="" xmlns:a16="http://schemas.microsoft.com/office/drawing/2014/main" id="{0FAD99FA-26D9-873B-BE7F-26FEC5C233A2}"/>
               </a:ext>
             </a:extLst>
           </p:cNvPr>
@@ -15322,7 +15322,7 @@
           <p:cNvPr id="4" name="Date Placeholder 3">
             <a:extLst>
               <a:ext uri="{FF2B5EF4-FFF2-40B4-BE49-F238E27FC236}">
-                <a16:creationId xmlns:a16="http://schemas.microsoft.com/office/drawing/2014/main" xmlns="" id="{C319819E-0266-97DD-DFD1-BAAA06AE3236}"/>
+                <a16:creationId xmlns="" xmlns:a16="http://schemas.microsoft.com/office/drawing/2014/main" id="{C319819E-0266-97DD-DFD1-BAAA06AE3236}"/>
               </a:ext>
             </a:extLst>
           </p:cNvPr>
@@ -15370,7 +15370,7 @@
           <p:cNvPr id="5" name="Footer Placeholder 4">
             <a:extLst>
               <a:ext uri="{FF2B5EF4-FFF2-40B4-BE49-F238E27FC236}">
-                <a16:creationId xmlns:a16="http://schemas.microsoft.com/office/drawing/2014/main" xmlns="" id="{2BFD19C9-01CE-9E2A-CDA5-C15940F055F7}"/>
+                <a16:creationId xmlns="" xmlns:a16="http://schemas.microsoft.com/office/drawing/2014/main" id="{2BFD19C9-01CE-9E2A-CDA5-C15940F055F7}"/>
               </a:ext>
             </a:extLst>
           </p:cNvPr>
@@ -15413,7 +15413,7 @@
           <p:cNvPr id="6" name="Slide Number Placeholder 5">
             <a:extLst>
               <a:ext uri="{FF2B5EF4-FFF2-40B4-BE49-F238E27FC236}">
-                <a16:creationId xmlns:a16="http://schemas.microsoft.com/office/drawing/2014/main" xmlns="" id="{A1801085-7B28-048D-E3D3-9C3614268DA7}"/>
+                <a16:creationId xmlns="" xmlns:a16="http://schemas.microsoft.com/office/drawing/2014/main" id="{A1801085-7B28-048D-E3D3-9C3614268DA7}"/>
               </a:ext>
             </a:extLst>
           </p:cNvPr>
@@ -15459,7 +15459,7 @@
     </p:spTree>
     <p:extLst>
       <p:ext uri="{BB962C8B-B14F-4D97-AF65-F5344CB8AC3E}">
-        <p14:creationId xmlns:p14="http://schemas.microsoft.com/office/powerpoint/2010/main" xmlns="" val="1965934658"/>
+        <p14:creationId xmlns="" xmlns:p14="http://schemas.microsoft.com/office/powerpoint/2010/main" val="1965934658"/>
       </p:ext>
     </p:extLst>
   </p:cSld>
@@ -15783,7 +15783,7 @@
           <p:cNvPr id="4" name="Title 3">
             <a:extLst>
               <a:ext uri="{FF2B5EF4-FFF2-40B4-BE49-F238E27FC236}">
-                <a16:creationId xmlns:a16="http://schemas.microsoft.com/office/drawing/2014/main" xmlns="" id="{10047101-8D42-6100-9CEA-AEC0FAEAB606}"/>
+                <a16:creationId xmlns="" xmlns:a16="http://schemas.microsoft.com/office/drawing/2014/main" id="{10047101-8D42-6100-9CEA-AEC0FAEAB606}"/>
               </a:ext>
             </a:extLst>
           </p:cNvPr>
@@ -15872,7 +15872,7 @@
     </p:spTree>
     <p:extLst>
       <p:ext uri="{BB962C8B-B14F-4D97-AF65-F5344CB8AC3E}">
-        <p14:creationId xmlns:p14="http://schemas.microsoft.com/office/powerpoint/2010/main" xmlns="" val="517426050"/>
+        <p14:creationId xmlns="" xmlns:p14="http://schemas.microsoft.com/office/powerpoint/2010/main" val="517426050"/>
       </p:ext>
     </p:extLst>
   </p:cSld>
@@ -15911,7 +15911,7 @@
           <p:cNvPr id="2" name="Title 1">
             <a:extLst>
               <a:ext uri="{FF2B5EF4-FFF2-40B4-BE49-F238E27FC236}">
-                <a16:creationId xmlns:a16="http://schemas.microsoft.com/office/drawing/2014/main" xmlns="" id="{47A9874B-BCA9-8420-1595-EDD1865A099A}"/>
+                <a16:creationId xmlns="" xmlns:a16="http://schemas.microsoft.com/office/drawing/2014/main" id="{47A9874B-BCA9-8420-1595-EDD1865A099A}"/>
               </a:ext>
             </a:extLst>
           </p:cNvPr>
@@ -15945,7 +15945,7 @@
           <p:cNvPr id="3" name="Content Placeholder 2">
             <a:extLst>
               <a:ext uri="{FF2B5EF4-FFF2-40B4-BE49-F238E27FC236}">
-                <a16:creationId xmlns:a16="http://schemas.microsoft.com/office/drawing/2014/main" xmlns="" id="{68A5FD2B-E3E5-1C2B-0151-21F216B14A33}"/>
+                <a16:creationId xmlns="" xmlns:a16="http://schemas.microsoft.com/office/drawing/2014/main" id="{68A5FD2B-E3E5-1C2B-0151-21F216B14A33}"/>
               </a:ext>
             </a:extLst>
           </p:cNvPr>
@@ -16021,7 +16021,7 @@
           <p:cNvPr id="4" name="Content Placeholder 3">
             <a:extLst>
               <a:ext uri="{FF2B5EF4-FFF2-40B4-BE49-F238E27FC236}">
-                <a16:creationId xmlns:a16="http://schemas.microsoft.com/office/drawing/2014/main" xmlns="" id="{ACFBB810-3430-2C29-1AA0-9744AA0A1AA3}"/>
+                <a16:creationId xmlns="" xmlns:a16="http://schemas.microsoft.com/office/drawing/2014/main" id="{ACFBB810-3430-2C29-1AA0-9744AA0A1AA3}"/>
               </a:ext>
             </a:extLst>
           </p:cNvPr>
@@ -16196,7 +16196,7 @@
     </p:spTree>
     <p:extLst>
       <p:ext uri="{BB962C8B-B14F-4D97-AF65-F5344CB8AC3E}">
-        <p14:creationId xmlns:p14="http://schemas.microsoft.com/office/powerpoint/2010/main" xmlns="" val="1127649784"/>
+        <p14:creationId xmlns="" xmlns:p14="http://schemas.microsoft.com/office/powerpoint/2010/main" val="1127649784"/>
       </p:ext>
     </p:extLst>
   </p:cSld>
@@ -16235,7 +16235,7 @@
           <p:cNvPr id="2" name="Title 1">
             <a:extLst>
               <a:ext uri="{FF2B5EF4-FFF2-40B4-BE49-F238E27FC236}">
-                <a16:creationId xmlns:a16="http://schemas.microsoft.com/office/drawing/2014/main" xmlns="" id="{47A9874B-BCA9-8420-1595-EDD1865A099A}"/>
+                <a16:creationId xmlns="" xmlns:a16="http://schemas.microsoft.com/office/drawing/2014/main" id="{47A9874B-BCA9-8420-1595-EDD1865A099A}"/>
               </a:ext>
             </a:extLst>
           </p:cNvPr>
@@ -16269,7 +16269,7 @@
           <p:cNvPr id="3" name="Content Placeholder 2">
             <a:extLst>
               <a:ext uri="{FF2B5EF4-FFF2-40B4-BE49-F238E27FC236}">
-                <a16:creationId xmlns:a16="http://schemas.microsoft.com/office/drawing/2014/main" xmlns="" id="{68A5FD2B-E3E5-1C2B-0151-21F216B14A33}"/>
+                <a16:creationId xmlns="" xmlns:a16="http://schemas.microsoft.com/office/drawing/2014/main" id="{68A5FD2B-E3E5-1C2B-0151-21F216B14A33}"/>
               </a:ext>
             </a:extLst>
           </p:cNvPr>
@@ -16335,7 +16335,7 @@
           <p:cNvPr id="4" name="Content Placeholder 3">
             <a:extLst>
               <a:ext uri="{FF2B5EF4-FFF2-40B4-BE49-F238E27FC236}">
-                <a16:creationId xmlns:a16="http://schemas.microsoft.com/office/drawing/2014/main" xmlns="" id="{ACFBB810-3430-2C29-1AA0-9744AA0A1AA3}"/>
+                <a16:creationId xmlns="" xmlns:a16="http://schemas.microsoft.com/office/drawing/2014/main" id="{ACFBB810-3430-2C29-1AA0-9744AA0A1AA3}"/>
               </a:ext>
             </a:extLst>
           </p:cNvPr>
@@ -16417,7 +16417,7 @@
     </p:spTree>
     <p:extLst>
       <p:ext uri="{BB962C8B-B14F-4D97-AF65-F5344CB8AC3E}">
-        <p14:creationId xmlns:p14="http://schemas.microsoft.com/office/powerpoint/2010/main" xmlns="" val="1127649784"/>
+        <p14:creationId xmlns="" xmlns:p14="http://schemas.microsoft.com/office/powerpoint/2010/main" val="1127649784"/>
       </p:ext>
     </p:extLst>
   </p:cSld>
@@ -16456,7 +16456,7 @@
           <p:cNvPr id="2" name="Title 1">
             <a:extLst>
               <a:ext uri="{FF2B5EF4-FFF2-40B4-BE49-F238E27FC236}">
-                <a16:creationId xmlns:a16="http://schemas.microsoft.com/office/drawing/2014/main" xmlns="" id="{47A9874B-BCA9-8420-1595-EDD1865A099A}"/>
+                <a16:creationId xmlns="" xmlns:a16="http://schemas.microsoft.com/office/drawing/2014/main" id="{47A9874B-BCA9-8420-1595-EDD1865A099A}"/>
               </a:ext>
             </a:extLst>
           </p:cNvPr>
@@ -16490,7 +16490,7 @@
           <p:cNvPr id="3" name="Content Placeholder 2">
             <a:extLst>
               <a:ext uri="{FF2B5EF4-FFF2-40B4-BE49-F238E27FC236}">
-                <a16:creationId xmlns:a16="http://schemas.microsoft.com/office/drawing/2014/main" xmlns="" id="{68A5FD2B-E3E5-1C2B-0151-21F216B14A33}"/>
+                <a16:creationId xmlns="" xmlns:a16="http://schemas.microsoft.com/office/drawing/2014/main" id="{68A5FD2B-E3E5-1C2B-0151-21F216B14A33}"/>
               </a:ext>
             </a:extLst>
           </p:cNvPr>
@@ -16553,7 +16553,7 @@
           <p:cNvPr id="4" name="Content Placeholder 3">
             <a:extLst>
               <a:ext uri="{FF2B5EF4-FFF2-40B4-BE49-F238E27FC236}">
-                <a16:creationId xmlns:a16="http://schemas.microsoft.com/office/drawing/2014/main" xmlns="" id="{ACFBB810-3430-2C29-1AA0-9744AA0A1AA3}"/>
+                <a16:creationId xmlns="" xmlns:a16="http://schemas.microsoft.com/office/drawing/2014/main" id="{ACFBB810-3430-2C29-1AA0-9744AA0A1AA3}"/>
               </a:ext>
             </a:extLst>
           </p:cNvPr>
@@ -16631,7 +16631,7 @@
     </p:spTree>
     <p:extLst>
       <p:ext uri="{BB962C8B-B14F-4D97-AF65-F5344CB8AC3E}">
-        <p14:creationId xmlns:p14="http://schemas.microsoft.com/office/powerpoint/2010/main" xmlns="" val="1127649784"/>
+        <p14:creationId xmlns="" xmlns:p14="http://schemas.microsoft.com/office/powerpoint/2010/main" val="1127649784"/>
       </p:ext>
     </p:extLst>
   </p:cSld>
@@ -16670,7 +16670,7 @@
           <p:cNvPr id="2" name="Title 1">
             <a:extLst>
               <a:ext uri="{FF2B5EF4-FFF2-40B4-BE49-F238E27FC236}">
-                <a16:creationId xmlns:a16="http://schemas.microsoft.com/office/drawing/2014/main" xmlns="" id="{314C27C8-165C-5513-DB4B-9D840097C545}"/>
+                <a16:creationId xmlns="" xmlns:a16="http://schemas.microsoft.com/office/drawing/2014/main" id="{314C27C8-165C-5513-DB4B-9D840097C545}"/>
               </a:ext>
             </a:extLst>
           </p:cNvPr>
@@ -16704,7 +16704,7 @@
           <p:cNvPr id="7" name="Content Placeholder 2">
             <a:extLst>
               <a:ext uri="{FF2B5EF4-FFF2-40B4-BE49-F238E27FC236}">
-                <a16:creationId xmlns:a16="http://schemas.microsoft.com/office/drawing/2014/main" xmlns="" id="{A6A33159-D030-2F82-A142-F75940728319}"/>
+                <a16:creationId xmlns="" xmlns:a16="http://schemas.microsoft.com/office/drawing/2014/main" id="{A6A33159-D030-2F82-A142-F75940728319}"/>
               </a:ext>
             </a:extLst>
           </p:cNvPr>
@@ -16786,7 +16786,7 @@
     </p:spTree>
     <p:extLst>
       <p:ext uri="{BB962C8B-B14F-4D97-AF65-F5344CB8AC3E}">
-        <p14:creationId xmlns:p14="http://schemas.microsoft.com/office/powerpoint/2010/main" xmlns="" val="729609147"/>
+        <p14:creationId xmlns="" xmlns:p14="http://schemas.microsoft.com/office/powerpoint/2010/main" val="729609147"/>
       </p:ext>
     </p:extLst>
   </p:cSld>
@@ -16825,7 +16825,7 @@
           <p:cNvPr id="2" name="Title 1">
             <a:extLst>
               <a:ext uri="{FF2B5EF4-FFF2-40B4-BE49-F238E27FC236}">
-                <a16:creationId xmlns:a16="http://schemas.microsoft.com/office/drawing/2014/main" xmlns="" id="{47A9874B-BCA9-8420-1595-EDD1865A099A}"/>
+                <a16:creationId xmlns="" xmlns:a16="http://schemas.microsoft.com/office/drawing/2014/main" id="{47A9874B-BCA9-8420-1595-EDD1865A099A}"/>
               </a:ext>
             </a:extLst>
           </p:cNvPr>
@@ -16859,7 +16859,7 @@
           <p:cNvPr id="3" name="Content Placeholder 2">
             <a:extLst>
               <a:ext uri="{FF2B5EF4-FFF2-40B4-BE49-F238E27FC236}">
-                <a16:creationId xmlns:a16="http://schemas.microsoft.com/office/drawing/2014/main" xmlns="" id="{68A5FD2B-E3E5-1C2B-0151-21F216B14A33}"/>
+                <a16:creationId xmlns="" xmlns:a16="http://schemas.microsoft.com/office/drawing/2014/main" id="{68A5FD2B-E3E5-1C2B-0151-21F216B14A33}"/>
               </a:ext>
             </a:extLst>
           </p:cNvPr>
@@ -16928,7 +16928,7 @@
           <p:cNvPr id="10" name="Content Placeholder 3">
             <a:extLst>
               <a:ext uri="{FF2B5EF4-FFF2-40B4-BE49-F238E27FC236}">
-                <a16:creationId xmlns:a16="http://schemas.microsoft.com/office/drawing/2014/main" xmlns="" id="{ACFBB810-3430-2C29-1AA0-9744AA0A1AA3}"/>
+                <a16:creationId xmlns="" xmlns:a16="http://schemas.microsoft.com/office/drawing/2014/main" id="{ACFBB810-3430-2C29-1AA0-9744AA0A1AA3}"/>
               </a:ext>
             </a:extLst>
           </p:cNvPr>
@@ -17048,7 +17048,7 @@
     </p:spTree>
     <p:extLst>
       <p:ext uri="{BB962C8B-B14F-4D97-AF65-F5344CB8AC3E}">
-        <p14:creationId xmlns:p14="http://schemas.microsoft.com/office/powerpoint/2010/main" xmlns="" val="1127649784"/>
+        <p14:creationId xmlns="" xmlns:p14="http://schemas.microsoft.com/office/powerpoint/2010/main" val="1127649784"/>
       </p:ext>
     </p:extLst>
   </p:cSld>
@@ -17087,7 +17087,7 @@
           <p:cNvPr id="8" name="Title 1">
             <a:extLst>
               <a:ext uri="{FF2B5EF4-FFF2-40B4-BE49-F238E27FC236}">
-                <a16:creationId xmlns:a16="http://schemas.microsoft.com/office/drawing/2014/main" xmlns="" id="{47A9874B-BCA9-8420-1595-EDD1865A099A}"/>
+                <a16:creationId xmlns="" xmlns:a16="http://schemas.microsoft.com/office/drawing/2014/main" id="{47A9874B-BCA9-8420-1595-EDD1865A099A}"/>
               </a:ext>
             </a:extLst>
           </p:cNvPr>
@@ -17121,7 +17121,7 @@
           <p:cNvPr id="26" name="Content Placeholder 2">
             <a:extLst>
               <a:ext uri="{FF2B5EF4-FFF2-40B4-BE49-F238E27FC236}">
-                <a16:creationId xmlns:a16="http://schemas.microsoft.com/office/drawing/2014/main" xmlns="" id="{68A5FD2B-E3E5-1C2B-0151-21F216B14A33}"/>
+                <a16:creationId xmlns="" xmlns:a16="http://schemas.microsoft.com/office/drawing/2014/main" id="{68A5FD2B-E3E5-1C2B-0151-21F216B14A33}"/>
               </a:ext>
             </a:extLst>
           </p:cNvPr>
@@ -17165,7 +17165,7 @@
           <p:cNvPr id="27" name="Content Placeholder 3">
             <a:extLst>
               <a:ext uri="{FF2B5EF4-FFF2-40B4-BE49-F238E27FC236}">
-                <a16:creationId xmlns:a16="http://schemas.microsoft.com/office/drawing/2014/main" xmlns="" id="{ACFBB810-3430-2C29-1AA0-9744AA0A1AA3}"/>
+                <a16:creationId xmlns="" xmlns:a16="http://schemas.microsoft.com/office/drawing/2014/main" id="{ACFBB810-3430-2C29-1AA0-9744AA0A1AA3}"/>
               </a:ext>
             </a:extLst>
           </p:cNvPr>
@@ -17337,7 +17337,7 @@
     </p:spTree>
     <p:extLst>
       <p:ext uri="{BB962C8B-B14F-4D97-AF65-F5344CB8AC3E}">
-        <p14:creationId xmlns:p14="http://schemas.microsoft.com/office/powerpoint/2010/main" xmlns="" val="2737241225"/>
+        <p14:creationId xmlns="" xmlns:p14="http://schemas.microsoft.com/office/powerpoint/2010/main" val="2737241225"/>
       </p:ext>
     </p:extLst>
   </p:cSld>
@@ -17376,7 +17376,7 @@
           <p:cNvPr id="9" name="Title 1">
             <a:extLst>
               <a:ext uri="{FF2B5EF4-FFF2-40B4-BE49-F238E27FC236}">
-                <a16:creationId xmlns:a16="http://schemas.microsoft.com/office/drawing/2014/main" xmlns="" id="{47A9874B-BCA9-8420-1595-EDD1865A099A}"/>
+                <a16:creationId xmlns="" xmlns:a16="http://schemas.microsoft.com/office/drawing/2014/main" id="{47A9874B-BCA9-8420-1595-EDD1865A099A}"/>
               </a:ext>
             </a:extLst>
           </p:cNvPr>
@@ -17410,7 +17410,7 @@
           <p:cNvPr id="13" name="Content Placeholder 2">
             <a:extLst>
               <a:ext uri="{FF2B5EF4-FFF2-40B4-BE49-F238E27FC236}">
-                <a16:creationId xmlns:a16="http://schemas.microsoft.com/office/drawing/2014/main" xmlns="" id="{68A5FD2B-E3E5-1C2B-0151-21F216B14A33}"/>
+                <a16:creationId xmlns="" xmlns:a16="http://schemas.microsoft.com/office/drawing/2014/main" id="{68A5FD2B-E3E5-1C2B-0151-21F216B14A33}"/>
               </a:ext>
             </a:extLst>
           </p:cNvPr>
@@ -17453,7 +17453,7 @@
           <p:cNvPr id="14" name="Content Placeholder 3">
             <a:extLst>
               <a:ext uri="{FF2B5EF4-FFF2-40B4-BE49-F238E27FC236}">
-                <a16:creationId xmlns:a16="http://schemas.microsoft.com/office/drawing/2014/main" xmlns="" id="{ACFBB810-3430-2C29-1AA0-9744AA0A1AA3}"/>
+                <a16:creationId xmlns="" xmlns:a16="http://schemas.microsoft.com/office/drawing/2014/main" id="{ACFBB810-3430-2C29-1AA0-9744AA0A1AA3}"/>
               </a:ext>
             </a:extLst>
           </p:cNvPr>
@@ -17572,7 +17572,7 @@
     </p:spTree>
     <p:extLst>
       <p:ext uri="{BB962C8B-B14F-4D97-AF65-F5344CB8AC3E}">
-        <p14:creationId xmlns:p14="http://schemas.microsoft.com/office/powerpoint/2010/main" xmlns="" val="4259977132"/>
+        <p14:creationId xmlns="" xmlns:p14="http://schemas.microsoft.com/office/powerpoint/2010/main" val="4259977132"/>
       </p:ext>
     </p:extLst>
   </p:cSld>
@@ -17611,7 +17611,7 @@
           <p:cNvPr id="8" name="Title 1">
             <a:extLst>
               <a:ext uri="{FF2B5EF4-FFF2-40B4-BE49-F238E27FC236}">
-                <a16:creationId xmlns:a16="http://schemas.microsoft.com/office/drawing/2014/main" xmlns="" id="{47A9874B-BCA9-8420-1595-EDD1865A099A}"/>
+                <a16:creationId xmlns="" xmlns:a16="http://schemas.microsoft.com/office/drawing/2014/main" id="{47A9874B-BCA9-8420-1595-EDD1865A099A}"/>
               </a:ext>
             </a:extLst>
           </p:cNvPr>
@@ -17645,7 +17645,7 @@
           <p:cNvPr id="9" name="Content Placeholder 2">
             <a:extLst>
               <a:ext uri="{FF2B5EF4-FFF2-40B4-BE49-F238E27FC236}">
-                <a16:creationId xmlns:a16="http://schemas.microsoft.com/office/drawing/2014/main" xmlns="" id="{A6A33159-D030-2F82-A142-F75940728319}"/>
+                <a16:creationId xmlns="" xmlns:a16="http://schemas.microsoft.com/office/drawing/2014/main" id="{A6A33159-D030-2F82-A142-F75940728319}"/>
               </a:ext>
             </a:extLst>
           </p:cNvPr>
@@ -17762,7 +17762,7 @@
     </p:spTree>
     <p:extLst>
       <p:ext uri="{BB962C8B-B14F-4D97-AF65-F5344CB8AC3E}">
-        <p14:creationId xmlns:p14="http://schemas.microsoft.com/office/powerpoint/2010/main" xmlns="" val="414613742"/>
+        <p14:creationId xmlns="" xmlns:p14="http://schemas.microsoft.com/office/powerpoint/2010/main" val="414613742"/>
       </p:ext>
     </p:extLst>
   </p:cSld>
@@ -17801,7 +17801,7 @@
           <p:cNvPr id="2" name="Title 1">
             <a:extLst>
               <a:ext uri="{FF2B5EF4-FFF2-40B4-BE49-F238E27FC236}">
-                <a16:creationId xmlns:a16="http://schemas.microsoft.com/office/drawing/2014/main" xmlns="" id="{47A9874B-BCA9-8420-1595-EDD1865A099A}"/>
+                <a16:creationId xmlns="" xmlns:a16="http://schemas.microsoft.com/office/drawing/2014/main" id="{47A9874B-BCA9-8420-1595-EDD1865A099A}"/>
               </a:ext>
             </a:extLst>
           </p:cNvPr>
@@ -17835,7 +17835,7 @@
           <p:cNvPr id="3" name="Content Placeholder 2">
             <a:extLst>
               <a:ext uri="{FF2B5EF4-FFF2-40B4-BE49-F238E27FC236}">
-                <a16:creationId xmlns:a16="http://schemas.microsoft.com/office/drawing/2014/main" xmlns="" id="{68A5FD2B-E3E5-1C2B-0151-21F216B14A33}"/>
+                <a16:creationId xmlns="" xmlns:a16="http://schemas.microsoft.com/office/drawing/2014/main" id="{68A5FD2B-E3E5-1C2B-0151-21F216B14A33}"/>
               </a:ext>
             </a:extLst>
           </p:cNvPr>
@@ -17973,7 +17973,7 @@
           <p:cNvPr id="7" name="Content Placeholder 3">
             <a:extLst>
               <a:ext uri="{FF2B5EF4-FFF2-40B4-BE49-F238E27FC236}">
-                <a16:creationId xmlns:a16="http://schemas.microsoft.com/office/drawing/2014/main" xmlns="" id="{ACFBB810-3430-2C29-1AA0-9744AA0A1AA3}"/>
+                <a16:creationId xmlns="" xmlns:a16="http://schemas.microsoft.com/office/drawing/2014/main" id="{ACFBB810-3430-2C29-1AA0-9744AA0A1AA3}"/>
               </a:ext>
             </a:extLst>
           </p:cNvPr>
@@ -18047,7 +18047,7 @@
     </p:spTree>
     <p:extLst>
       <p:ext uri="{BB962C8B-B14F-4D97-AF65-F5344CB8AC3E}">
-        <p14:creationId xmlns:p14="http://schemas.microsoft.com/office/powerpoint/2010/main" xmlns="" val="1127649784"/>
+        <p14:creationId xmlns="" xmlns:p14="http://schemas.microsoft.com/office/powerpoint/2010/main" val="1127649784"/>
       </p:ext>
     </p:extLst>
   </p:cSld>
@@ -18086,7 +18086,7 @@
           <p:cNvPr id="2" name="Title 1">
             <a:extLst>
               <a:ext uri="{FF2B5EF4-FFF2-40B4-BE49-F238E27FC236}">
-                <a16:creationId xmlns:a16="http://schemas.microsoft.com/office/drawing/2014/main" xmlns="" id="{47A9874B-BCA9-8420-1595-EDD1865A099A}"/>
+                <a16:creationId xmlns="" xmlns:a16="http://schemas.microsoft.com/office/drawing/2014/main" id="{47A9874B-BCA9-8420-1595-EDD1865A099A}"/>
               </a:ext>
             </a:extLst>
           </p:cNvPr>
@@ -18120,7 +18120,7 @@
           <p:cNvPr id="3" name="Content Placeholder 2">
             <a:extLst>
               <a:ext uri="{FF2B5EF4-FFF2-40B4-BE49-F238E27FC236}">
-                <a16:creationId xmlns:a16="http://schemas.microsoft.com/office/drawing/2014/main" xmlns="" id="{68A5FD2B-E3E5-1C2B-0151-21F216B14A33}"/>
+                <a16:creationId xmlns="" xmlns:a16="http://schemas.microsoft.com/office/drawing/2014/main" id="{68A5FD2B-E3E5-1C2B-0151-21F216B14A33}"/>
               </a:ext>
             </a:extLst>
           </p:cNvPr>
@@ -18175,7 +18175,7 @@
           <p:cNvPr id="10" name="Content Placeholder 3">
             <a:extLst>
               <a:ext uri="{FF2B5EF4-FFF2-40B4-BE49-F238E27FC236}">
-                <a16:creationId xmlns:a16="http://schemas.microsoft.com/office/drawing/2014/main" xmlns="" id="{ACFBB810-3430-2C29-1AA0-9744AA0A1AA3}"/>
+                <a16:creationId xmlns="" xmlns:a16="http://schemas.microsoft.com/office/drawing/2014/main" id="{ACFBB810-3430-2C29-1AA0-9744AA0A1AA3}"/>
               </a:ext>
             </a:extLst>
           </p:cNvPr>
@@ -18337,7 +18337,7 @@
     </p:spTree>
     <p:extLst>
       <p:ext uri="{BB962C8B-B14F-4D97-AF65-F5344CB8AC3E}">
-        <p14:creationId xmlns:p14="http://schemas.microsoft.com/office/powerpoint/2010/main" xmlns="" val="1127649784"/>
+        <p14:creationId xmlns="" xmlns:p14="http://schemas.microsoft.com/office/powerpoint/2010/main" val="1127649784"/>
       </p:ext>
     </p:extLst>
   </p:cSld>
@@ -18388,7 +18388,7 @@
     </p:spTree>
     <p:extLst>
       <p:ext uri="{BB962C8B-B14F-4D97-AF65-F5344CB8AC3E}">
-        <p14:creationId xmlns:p14="http://schemas.microsoft.com/office/powerpoint/2010/main" xmlns="" val="2828263213"/>
+        <p14:creationId xmlns="" xmlns:p14="http://schemas.microsoft.com/office/powerpoint/2010/main" val="2828263213"/>
       </p:ext>
     </p:extLst>
   </p:cSld>
@@ -18427,7 +18427,7 @@
           <p:cNvPr id="2" name="Title 1">
             <a:extLst>
               <a:ext uri="{FF2B5EF4-FFF2-40B4-BE49-F238E27FC236}">
-                <a16:creationId xmlns:a16="http://schemas.microsoft.com/office/drawing/2014/main" xmlns="" id="{47A9874B-BCA9-8420-1595-EDD1865A099A}"/>
+                <a16:creationId xmlns="" xmlns:a16="http://schemas.microsoft.com/office/drawing/2014/main" id="{47A9874B-BCA9-8420-1595-EDD1865A099A}"/>
               </a:ext>
             </a:extLst>
           </p:cNvPr>
@@ -18461,7 +18461,7 @@
           <p:cNvPr id="3" name="Content Placeholder 2">
             <a:extLst>
               <a:ext uri="{FF2B5EF4-FFF2-40B4-BE49-F238E27FC236}">
-                <a16:creationId xmlns:a16="http://schemas.microsoft.com/office/drawing/2014/main" xmlns="" id="{68A5FD2B-E3E5-1C2B-0151-21F216B14A33}"/>
+                <a16:creationId xmlns="" xmlns:a16="http://schemas.microsoft.com/office/drawing/2014/main" id="{68A5FD2B-E3E5-1C2B-0151-21F216B14A33}"/>
               </a:ext>
             </a:extLst>
           </p:cNvPr>
@@ -18508,7 +18508,7 @@
           <p:cNvPr id="10" name="Content Placeholder 3">
             <a:extLst>
               <a:ext uri="{FF2B5EF4-FFF2-40B4-BE49-F238E27FC236}">
-                <a16:creationId xmlns:a16="http://schemas.microsoft.com/office/drawing/2014/main" xmlns="" id="{ACFBB810-3430-2C29-1AA0-9744AA0A1AA3}"/>
+                <a16:creationId xmlns="" xmlns:a16="http://schemas.microsoft.com/office/drawing/2014/main" id="{ACFBB810-3430-2C29-1AA0-9744AA0A1AA3}"/>
               </a:ext>
             </a:extLst>
           </p:cNvPr>
@@ -18618,7 +18618,7 @@
     </p:spTree>
     <p:extLst>
       <p:ext uri="{BB962C8B-B14F-4D97-AF65-F5344CB8AC3E}">
-        <p14:creationId xmlns:p14="http://schemas.microsoft.com/office/powerpoint/2010/main" xmlns="" val="1127649784"/>
+        <p14:creationId xmlns="" xmlns:p14="http://schemas.microsoft.com/office/powerpoint/2010/main" val="1127649784"/>
       </p:ext>
     </p:extLst>
   </p:cSld>
@@ -18657,7 +18657,7 @@
           <p:cNvPr id="2" name="Title 1">
             <a:extLst>
               <a:ext uri="{FF2B5EF4-FFF2-40B4-BE49-F238E27FC236}">
-                <a16:creationId xmlns:a16="http://schemas.microsoft.com/office/drawing/2014/main" xmlns="" id="{47A9874B-BCA9-8420-1595-EDD1865A099A}"/>
+                <a16:creationId xmlns="" xmlns:a16="http://schemas.microsoft.com/office/drawing/2014/main" id="{47A9874B-BCA9-8420-1595-EDD1865A099A}"/>
               </a:ext>
             </a:extLst>
           </p:cNvPr>
@@ -18691,7 +18691,7 @@
           <p:cNvPr id="3" name="Content Placeholder 2">
             <a:extLst>
               <a:ext uri="{FF2B5EF4-FFF2-40B4-BE49-F238E27FC236}">
-                <a16:creationId xmlns:a16="http://schemas.microsoft.com/office/drawing/2014/main" xmlns="" id="{68A5FD2B-E3E5-1C2B-0151-21F216B14A33}"/>
+                <a16:creationId xmlns="" xmlns:a16="http://schemas.microsoft.com/office/drawing/2014/main" id="{68A5FD2B-E3E5-1C2B-0151-21F216B14A33}"/>
               </a:ext>
             </a:extLst>
           </p:cNvPr>
@@ -18738,7 +18738,7 @@
           <p:cNvPr id="10" name="Content Placeholder 3">
             <a:extLst>
               <a:ext uri="{FF2B5EF4-FFF2-40B4-BE49-F238E27FC236}">
-                <a16:creationId xmlns:a16="http://schemas.microsoft.com/office/drawing/2014/main" xmlns="" id="{ACFBB810-3430-2C29-1AA0-9744AA0A1AA3}"/>
+                <a16:creationId xmlns="" xmlns:a16="http://schemas.microsoft.com/office/drawing/2014/main" id="{ACFBB810-3430-2C29-1AA0-9744AA0A1AA3}"/>
               </a:ext>
             </a:extLst>
           </p:cNvPr>
@@ -18874,7 +18874,7 @@
     </p:spTree>
     <p:extLst>
       <p:ext uri="{BB962C8B-B14F-4D97-AF65-F5344CB8AC3E}">
-        <p14:creationId xmlns:p14="http://schemas.microsoft.com/office/powerpoint/2010/main" xmlns="" val="1127649784"/>
+        <p14:creationId xmlns="" xmlns:p14="http://schemas.microsoft.com/office/powerpoint/2010/main" val="1127649784"/>
       </p:ext>
     </p:extLst>
   </p:cSld>
@@ -18913,7 +18913,7 @@
           <p:cNvPr id="2" name="Title 1">
             <a:extLst>
               <a:ext uri="{FF2B5EF4-FFF2-40B4-BE49-F238E27FC236}">
-                <a16:creationId xmlns:a16="http://schemas.microsoft.com/office/drawing/2014/main" xmlns="" id="{47A9874B-BCA9-8420-1595-EDD1865A099A}"/>
+                <a16:creationId xmlns="" xmlns:a16="http://schemas.microsoft.com/office/drawing/2014/main" id="{47A9874B-BCA9-8420-1595-EDD1865A099A}"/>
               </a:ext>
             </a:extLst>
           </p:cNvPr>
@@ -18947,7 +18947,7 @@
           <p:cNvPr id="3" name="Content Placeholder 2">
             <a:extLst>
               <a:ext uri="{FF2B5EF4-FFF2-40B4-BE49-F238E27FC236}">
-                <a16:creationId xmlns:a16="http://schemas.microsoft.com/office/drawing/2014/main" xmlns="" id="{68A5FD2B-E3E5-1C2B-0151-21F216B14A33}"/>
+                <a16:creationId xmlns="" xmlns:a16="http://schemas.microsoft.com/office/drawing/2014/main" id="{68A5FD2B-E3E5-1C2B-0151-21F216B14A33}"/>
               </a:ext>
             </a:extLst>
           </p:cNvPr>
@@ -18994,7 +18994,7 @@
           <p:cNvPr id="10" name="Content Placeholder 3">
             <a:extLst>
               <a:ext uri="{FF2B5EF4-FFF2-40B4-BE49-F238E27FC236}">
-                <a16:creationId xmlns:a16="http://schemas.microsoft.com/office/drawing/2014/main" xmlns="" id="{ACFBB810-3430-2C29-1AA0-9744AA0A1AA3}"/>
+                <a16:creationId xmlns="" xmlns:a16="http://schemas.microsoft.com/office/drawing/2014/main" id="{ACFBB810-3430-2C29-1AA0-9744AA0A1AA3}"/>
               </a:ext>
             </a:extLst>
           </p:cNvPr>
@@ -19169,7 +19169,7 @@
     </p:spTree>
     <p:extLst>
       <p:ext uri="{BB962C8B-B14F-4D97-AF65-F5344CB8AC3E}">
-        <p14:creationId xmlns:p14="http://schemas.microsoft.com/office/powerpoint/2010/main" xmlns="" val="1127649784"/>
+        <p14:creationId xmlns="" xmlns:p14="http://schemas.microsoft.com/office/powerpoint/2010/main" val="1127649784"/>
       </p:ext>
     </p:extLst>
   </p:cSld>
@@ -19208,7 +19208,7 @@
           <p:cNvPr id="2" name="Title 1">
             <a:extLst>
               <a:ext uri="{FF2B5EF4-FFF2-40B4-BE49-F238E27FC236}">
-                <a16:creationId xmlns:a16="http://schemas.microsoft.com/office/drawing/2014/main" xmlns="" id="{47A9874B-BCA9-8420-1595-EDD1865A099A}"/>
+                <a16:creationId xmlns="" xmlns:a16="http://schemas.microsoft.com/office/drawing/2014/main" id="{47A9874B-BCA9-8420-1595-EDD1865A099A}"/>
               </a:ext>
             </a:extLst>
           </p:cNvPr>
@@ -19242,7 +19242,7 @@
           <p:cNvPr id="7" name="Content Placeholder 2">
             <a:extLst>
               <a:ext uri="{FF2B5EF4-FFF2-40B4-BE49-F238E27FC236}">
-                <a16:creationId xmlns:a16="http://schemas.microsoft.com/office/drawing/2014/main" xmlns="" id="{A6A33159-D030-2F82-A142-F75940728319}"/>
+                <a16:creationId xmlns="" xmlns:a16="http://schemas.microsoft.com/office/drawing/2014/main" id="{A6A33159-D030-2F82-A142-F75940728319}"/>
               </a:ext>
             </a:extLst>
           </p:cNvPr>
@@ -19329,7 +19329,7 @@
     </p:spTree>
     <p:extLst>
       <p:ext uri="{BB962C8B-B14F-4D97-AF65-F5344CB8AC3E}">
-        <p14:creationId xmlns:p14="http://schemas.microsoft.com/office/powerpoint/2010/main" xmlns="" val="1127649784"/>
+        <p14:creationId xmlns="" xmlns:p14="http://schemas.microsoft.com/office/powerpoint/2010/main" val="1127649784"/>
       </p:ext>
     </p:extLst>
   </p:cSld>
@@ -19368,7 +19368,7 @@
           <p:cNvPr id="2" name="Title 1">
             <a:extLst>
               <a:ext uri="{FF2B5EF4-FFF2-40B4-BE49-F238E27FC236}">
-                <a16:creationId xmlns:a16="http://schemas.microsoft.com/office/drawing/2014/main" xmlns="" id="{47A9874B-BCA9-8420-1595-EDD1865A099A}"/>
+                <a16:creationId xmlns="" xmlns:a16="http://schemas.microsoft.com/office/drawing/2014/main" id="{47A9874B-BCA9-8420-1595-EDD1865A099A}"/>
               </a:ext>
             </a:extLst>
           </p:cNvPr>
@@ -19402,7 +19402,7 @@
           <p:cNvPr id="7" name="Content Placeholder 2">
             <a:extLst>
               <a:ext uri="{FF2B5EF4-FFF2-40B4-BE49-F238E27FC236}">
-                <a16:creationId xmlns:a16="http://schemas.microsoft.com/office/drawing/2014/main" xmlns="" id="{A6A33159-D030-2F82-A142-F75940728319}"/>
+                <a16:creationId xmlns="" xmlns:a16="http://schemas.microsoft.com/office/drawing/2014/main" id="{A6A33159-D030-2F82-A142-F75940728319}"/>
               </a:ext>
             </a:extLst>
           </p:cNvPr>
@@ -19603,7 +19603,7 @@
           <p:cNvPr id="4" name="Content Placeholder 2">
             <a:extLst>
               <a:ext uri="{FF2B5EF4-FFF2-40B4-BE49-F238E27FC236}">
-                <a16:creationId xmlns:a16="http://schemas.microsoft.com/office/drawing/2014/main" xmlns="" id="{A6A33159-D030-2F82-A142-F75940728319}"/>
+                <a16:creationId xmlns="" xmlns:a16="http://schemas.microsoft.com/office/drawing/2014/main" id="{A6A33159-D030-2F82-A142-F75940728319}"/>
               </a:ext>
             </a:extLst>
           </p:cNvPr>
@@ -19791,7 +19791,7 @@
     </p:spTree>
     <p:extLst>
       <p:ext uri="{BB962C8B-B14F-4D97-AF65-F5344CB8AC3E}">
-        <p14:creationId xmlns:p14="http://schemas.microsoft.com/office/powerpoint/2010/main" xmlns="" val="1127649784"/>
+        <p14:creationId xmlns="" xmlns:p14="http://schemas.microsoft.com/office/powerpoint/2010/main" val="1127649784"/>
       </p:ext>
     </p:extLst>
   </p:cSld>
@@ -19830,7 +19830,7 @@
           <p:cNvPr id="2" name="Title 1">
             <a:extLst>
               <a:ext uri="{FF2B5EF4-FFF2-40B4-BE49-F238E27FC236}">
-                <a16:creationId xmlns:a16="http://schemas.microsoft.com/office/drawing/2014/main" xmlns="" id="{47A9874B-BCA9-8420-1595-EDD1865A099A}"/>
+                <a16:creationId xmlns="" xmlns:a16="http://schemas.microsoft.com/office/drawing/2014/main" id="{47A9874B-BCA9-8420-1595-EDD1865A099A}"/>
               </a:ext>
             </a:extLst>
           </p:cNvPr>
@@ -19864,7 +19864,7 @@
           <p:cNvPr id="7" name="Content Placeholder 2">
             <a:extLst>
               <a:ext uri="{FF2B5EF4-FFF2-40B4-BE49-F238E27FC236}">
-                <a16:creationId xmlns:a16="http://schemas.microsoft.com/office/drawing/2014/main" xmlns="" id="{A6A33159-D030-2F82-A142-F75940728319}"/>
+                <a16:creationId xmlns="" xmlns:a16="http://schemas.microsoft.com/office/drawing/2014/main" id="{A6A33159-D030-2F82-A142-F75940728319}"/>
               </a:ext>
             </a:extLst>
           </p:cNvPr>
@@ -20141,7 +20141,7 @@
           <p:cNvPr id="4" name="Content Placeholder 2">
             <a:extLst>
               <a:ext uri="{FF2B5EF4-FFF2-40B4-BE49-F238E27FC236}">
-                <a16:creationId xmlns:a16="http://schemas.microsoft.com/office/drawing/2014/main" xmlns="" id="{A6A33159-D030-2F82-A142-F75940728319}"/>
+                <a16:creationId xmlns="" xmlns:a16="http://schemas.microsoft.com/office/drawing/2014/main" id="{A6A33159-D030-2F82-A142-F75940728319}"/>
               </a:ext>
             </a:extLst>
           </p:cNvPr>
@@ -20291,7 +20291,7 @@
     </p:spTree>
     <p:extLst>
       <p:ext uri="{BB962C8B-B14F-4D97-AF65-F5344CB8AC3E}">
-        <p14:creationId xmlns:p14="http://schemas.microsoft.com/office/powerpoint/2010/main" xmlns="" val="1127649784"/>
+        <p14:creationId xmlns="" xmlns:p14="http://schemas.microsoft.com/office/powerpoint/2010/main" val="1127649784"/>
       </p:ext>
     </p:extLst>
   </p:cSld>
@@ -20330,7 +20330,7 @@
           <p:cNvPr id="2" name="Title 1">
             <a:extLst>
               <a:ext uri="{FF2B5EF4-FFF2-40B4-BE49-F238E27FC236}">
-                <a16:creationId xmlns:a16="http://schemas.microsoft.com/office/drawing/2014/main" xmlns="" id="{47A9874B-BCA9-8420-1595-EDD1865A099A}"/>
+                <a16:creationId xmlns="" xmlns:a16="http://schemas.microsoft.com/office/drawing/2014/main" id="{47A9874B-BCA9-8420-1595-EDD1865A099A}"/>
               </a:ext>
             </a:extLst>
           </p:cNvPr>
@@ -20373,7 +20373,7 @@
           <p:cNvPr id="7" name="Content Placeholder 2">
             <a:extLst>
               <a:ext uri="{FF2B5EF4-FFF2-40B4-BE49-F238E27FC236}">
-                <a16:creationId xmlns:a16="http://schemas.microsoft.com/office/drawing/2014/main" xmlns="" id="{A6A33159-D030-2F82-A142-F75940728319}"/>
+                <a16:creationId xmlns="" xmlns:a16="http://schemas.microsoft.com/office/drawing/2014/main" id="{A6A33159-D030-2F82-A142-F75940728319}"/>
               </a:ext>
             </a:extLst>
           </p:cNvPr>
@@ -20430,11 +20430,7 @@
             </a:pPr>
             <a:r>
               <a:rPr lang="en-US" sz="2000" dirty="0" smtClean="0"/>
-              <a:t>Reinforcement </a:t>
-            </a:r>
-            <a:r>
-              <a:rPr lang="en-US" sz="2000" dirty="0" smtClean="0"/>
-              <a:t>learning</a:t>
+              <a:t>Reinforcement learning</a:t>
             </a:r>
           </a:p>
           <a:p>
@@ -20451,11 +20447,7 @@
             </a:pPr>
             <a:r>
               <a:rPr lang="en-US" sz="2000" dirty="0" smtClean="0"/>
-              <a:t>3H </a:t>
-            </a:r>
-            <a:r>
-              <a:rPr lang="en-US" sz="2000" dirty="0" smtClean="0"/>
-              <a:t>– Helpful, </a:t>
+              <a:t>3H – Helpful, </a:t>
             </a:r>
             <a:r>
               <a:rPr lang="en-US" sz="2000" dirty="0"/>
@@ -20557,7 +20549,7 @@
           <p:cNvPr id="4" name="Content Placeholder 2">
             <a:extLst>
               <a:ext uri="{FF2B5EF4-FFF2-40B4-BE49-F238E27FC236}">
-                <a16:creationId xmlns:a16="http://schemas.microsoft.com/office/drawing/2014/main" xmlns="" id="{A6A33159-D030-2F82-A142-F75940728319}"/>
+                <a16:creationId xmlns="" xmlns:a16="http://schemas.microsoft.com/office/drawing/2014/main" id="{A6A33159-D030-2F82-A142-F75940728319}"/>
               </a:ext>
             </a:extLst>
           </p:cNvPr>
@@ -20718,7 +20710,6 @@
               <a:rPr lang="en-IN" sz="1700" dirty="0" smtClean="0"/>
               <a:t>Supervised learning</a:t>
             </a:r>
-            <a:endParaRPr lang="en-IN" sz="1700" dirty="0" smtClean="0"/>
           </a:p>
           <a:p>
             <a:pPr marL="171450" lvl="1">
@@ -20739,7 +20730,7 @@
     </p:spTree>
     <p:extLst>
       <p:ext uri="{BB962C8B-B14F-4D97-AF65-F5344CB8AC3E}">
-        <p14:creationId xmlns:p14="http://schemas.microsoft.com/office/powerpoint/2010/main" xmlns="" val="1127649784"/>
+        <p14:creationId xmlns="" xmlns:p14="http://schemas.microsoft.com/office/powerpoint/2010/main" val="1127649784"/>
       </p:ext>
     </p:extLst>
   </p:cSld>
@@ -20778,7 +20769,7 @@
           <p:cNvPr id="8" name="Title 1">
             <a:extLst>
               <a:ext uri="{FF2B5EF4-FFF2-40B4-BE49-F238E27FC236}">
-                <a16:creationId xmlns:a16="http://schemas.microsoft.com/office/drawing/2014/main" xmlns="" id="{47A9874B-BCA9-8420-1595-EDD1865A099A}"/>
+                <a16:creationId xmlns="" xmlns:a16="http://schemas.microsoft.com/office/drawing/2014/main" id="{47A9874B-BCA9-8420-1595-EDD1865A099A}"/>
               </a:ext>
             </a:extLst>
           </p:cNvPr>
@@ -20844,7 +20835,7 @@
           <p:cNvPr id="9" name="Content Placeholder 2">
             <a:extLst>
               <a:ext uri="{FF2B5EF4-FFF2-40B4-BE49-F238E27FC236}">
-                <a16:creationId xmlns:a16="http://schemas.microsoft.com/office/drawing/2014/main" xmlns="" id="{A6A33159-D030-2F82-A142-F75940728319}"/>
+                <a16:creationId xmlns="" xmlns:a16="http://schemas.microsoft.com/office/drawing/2014/main" id="{A6A33159-D030-2F82-A142-F75940728319}"/>
               </a:ext>
             </a:extLst>
           </p:cNvPr>
@@ -21004,7 +20995,7 @@
     </p:spTree>
     <p:extLst>
       <p:ext uri="{BB962C8B-B14F-4D97-AF65-F5344CB8AC3E}">
-        <p14:creationId xmlns:p14="http://schemas.microsoft.com/office/powerpoint/2010/main" xmlns="" val="414613742"/>
+        <p14:creationId xmlns="" xmlns:p14="http://schemas.microsoft.com/office/powerpoint/2010/main" val="414613742"/>
       </p:ext>
     </p:extLst>
   </p:cSld>
@@ -21043,7 +21034,7 @@
           <p:cNvPr id="8" name="Title 1">
             <a:extLst>
               <a:ext uri="{FF2B5EF4-FFF2-40B4-BE49-F238E27FC236}">
-                <a16:creationId xmlns:a16="http://schemas.microsoft.com/office/drawing/2014/main" xmlns="" id="{47A9874B-BCA9-8420-1595-EDD1865A099A}"/>
+                <a16:creationId xmlns="" xmlns:a16="http://schemas.microsoft.com/office/drawing/2014/main" id="{47A9874B-BCA9-8420-1595-EDD1865A099A}"/>
               </a:ext>
             </a:extLst>
           </p:cNvPr>
@@ -21084,7 +21075,7 @@
           <p:cNvPr id="5" name="Content Placeholder 2">
             <a:extLst>
               <a:ext uri="{FF2B5EF4-FFF2-40B4-BE49-F238E27FC236}">
-                <a16:creationId xmlns:a16="http://schemas.microsoft.com/office/drawing/2014/main" xmlns="" id="{A6A33159-D030-2F82-A142-F75940728319}"/>
+                <a16:creationId xmlns="" xmlns:a16="http://schemas.microsoft.com/office/drawing/2014/main" id="{A6A33159-D030-2F82-A142-F75940728319}"/>
               </a:ext>
             </a:extLst>
           </p:cNvPr>
@@ -21270,7 +21261,7 @@
     </p:spTree>
     <p:extLst>
       <p:ext uri="{BB962C8B-B14F-4D97-AF65-F5344CB8AC3E}">
-        <p14:creationId xmlns:p14="http://schemas.microsoft.com/office/powerpoint/2010/main" xmlns="" val="414613742"/>
+        <p14:creationId xmlns="" xmlns:p14="http://schemas.microsoft.com/office/powerpoint/2010/main" val="414613742"/>
       </p:ext>
     </p:extLst>
   </p:cSld>
@@ -21309,7 +21300,7 @@
           <p:cNvPr id="2" name="Title 1">
             <a:extLst>
               <a:ext uri="{FF2B5EF4-FFF2-40B4-BE49-F238E27FC236}">
-                <a16:creationId xmlns:a16="http://schemas.microsoft.com/office/drawing/2014/main" xmlns="" id="{9635F5E3-2B1C-7C0A-8581-67A9052D13AA}"/>
+                <a16:creationId xmlns="" xmlns:a16="http://schemas.microsoft.com/office/drawing/2014/main" id="{9635F5E3-2B1C-7C0A-8581-67A9052D13AA}"/>
               </a:ext>
             </a:extLst>
           </p:cNvPr>
@@ -21343,7 +21334,7 @@
           <p:cNvPr id="3" name="Group 2">
             <a:extLst>
               <a:ext uri="{FF2B5EF4-FFF2-40B4-BE49-F238E27FC236}">
-                <a16:creationId xmlns:a16="http://schemas.microsoft.com/office/drawing/2014/main" xmlns="" id="{86E8A49B-6897-0562-9203-6B22CDD5C658}"/>
+                <a16:creationId xmlns="" xmlns:a16="http://schemas.microsoft.com/office/drawing/2014/main" id="{86E8A49B-6897-0562-9203-6B22CDD5C658}"/>
               </a:ext>
             </a:extLst>
           </p:cNvPr>
@@ -24974,7 +24965,7 @@
           <p:cNvPr id="42" name="TextBox 41">
             <a:extLst>
               <a:ext uri="{FF2B5EF4-FFF2-40B4-BE49-F238E27FC236}">
-                <a16:creationId xmlns:a16="http://schemas.microsoft.com/office/drawing/2014/main" xmlns="" id="{CEA5AA58-5E79-9756-636E-D5CEE56F3AAF}"/>
+                <a16:creationId xmlns="" xmlns:a16="http://schemas.microsoft.com/office/drawing/2014/main" id="{CEA5AA58-5E79-9756-636E-D5CEE56F3AAF}"/>
               </a:ext>
             </a:extLst>
           </p:cNvPr>
@@ -25054,7 +25045,7 @@
     </p:spTree>
     <p:extLst>
       <p:ext uri="{BB962C8B-B14F-4D97-AF65-F5344CB8AC3E}">
-        <p14:creationId xmlns:p14="http://schemas.microsoft.com/office/powerpoint/2010/main" xmlns="" val="3666674671"/>
+        <p14:creationId xmlns="" xmlns:p14="http://schemas.microsoft.com/office/powerpoint/2010/main" val="3666674671"/>
       </p:ext>
     </p:extLst>
   </p:cSld>
@@ -25093,7 +25084,7 @@
           <p:cNvPr id="2" name="Title 1">
             <a:extLst>
               <a:ext uri="{FF2B5EF4-FFF2-40B4-BE49-F238E27FC236}">
-                <a16:creationId xmlns:a16="http://schemas.microsoft.com/office/drawing/2014/main" xmlns="" id="{43C2181D-911C-1343-7267-E35AC86CCA0E}"/>
+                <a16:creationId xmlns="" xmlns:a16="http://schemas.microsoft.com/office/drawing/2014/main" id="{43C2181D-911C-1343-7267-E35AC86CCA0E}"/>
               </a:ext>
             </a:extLst>
           </p:cNvPr>
@@ -25129,7 +25120,7 @@
           <p:cNvPr id="3" name="Content Placeholder 2">
             <a:extLst>
               <a:ext uri="{FF2B5EF4-FFF2-40B4-BE49-F238E27FC236}">
-                <a16:creationId xmlns:a16="http://schemas.microsoft.com/office/drawing/2014/main" xmlns="" id="{9BEA8735-F1DC-1DE6-0A38-429B2F660F8A}"/>
+                <a16:creationId xmlns="" xmlns:a16="http://schemas.microsoft.com/office/drawing/2014/main" id="{9BEA8735-F1DC-1DE6-0A38-429B2F660F8A}"/>
               </a:ext>
             </a:extLst>
           </p:cNvPr>
@@ -25206,7 +25197,7 @@
     </p:spTree>
     <p:extLst>
       <p:ext uri="{BB962C8B-B14F-4D97-AF65-F5344CB8AC3E}">
-        <p14:creationId xmlns:p14="http://schemas.microsoft.com/office/powerpoint/2010/main" xmlns="" val="3920724481"/>
+        <p14:creationId xmlns="" xmlns:p14="http://schemas.microsoft.com/office/powerpoint/2010/main" val="3920724481"/>
       </p:ext>
     </p:extLst>
   </p:cSld>
@@ -25245,7 +25236,7 @@
           <p:cNvPr id="2" name="Title 1">
             <a:extLst>
               <a:ext uri="{FF2B5EF4-FFF2-40B4-BE49-F238E27FC236}">
-                <a16:creationId xmlns:a16="http://schemas.microsoft.com/office/drawing/2014/main" xmlns="" id="{9635F5E3-2B1C-7C0A-8581-67A9052D13AA}"/>
+                <a16:creationId xmlns="" xmlns:a16="http://schemas.microsoft.com/office/drawing/2014/main" id="{9635F5E3-2B1C-7C0A-8581-67A9052D13AA}"/>
               </a:ext>
             </a:extLst>
           </p:cNvPr>
@@ -25279,7 +25270,7 @@
           <p:cNvPr id="3" name="Group 2">
             <a:extLst>
               <a:ext uri="{FF2B5EF4-FFF2-40B4-BE49-F238E27FC236}">
-                <a16:creationId xmlns:a16="http://schemas.microsoft.com/office/drawing/2014/main" xmlns="" id="{E49B019A-ED66-06D2-F8E5-85D17D377F74}"/>
+                <a16:creationId xmlns="" xmlns:a16="http://schemas.microsoft.com/office/drawing/2014/main" id="{E49B019A-ED66-06D2-F8E5-85D17D377F74}"/>
               </a:ext>
             </a:extLst>
           </p:cNvPr>
@@ -28457,7 +28448,7 @@
           <p:cNvPr id="8" name="TextBox 7">
             <a:extLst>
               <a:ext uri="{FF2B5EF4-FFF2-40B4-BE49-F238E27FC236}">
-                <a16:creationId xmlns:a16="http://schemas.microsoft.com/office/drawing/2014/main" xmlns="" id="{5F862C2B-E72E-62FA-0A90-95337F2AD4AA}"/>
+                <a16:creationId xmlns="" xmlns:a16="http://schemas.microsoft.com/office/drawing/2014/main" id="{5F862C2B-E72E-62FA-0A90-95337F2AD4AA}"/>
               </a:ext>
             </a:extLst>
           </p:cNvPr>
@@ -28537,7 +28528,7 @@
     </p:spTree>
     <p:extLst>
       <p:ext uri="{BB962C8B-B14F-4D97-AF65-F5344CB8AC3E}">
-        <p14:creationId xmlns:p14="http://schemas.microsoft.com/office/powerpoint/2010/main" xmlns="" val="3666674671"/>
+        <p14:creationId xmlns="" xmlns:p14="http://schemas.microsoft.com/office/powerpoint/2010/main" val="3666674671"/>
       </p:ext>
     </p:extLst>
   </p:cSld>
@@ -28576,7 +28567,7 @@
           <p:cNvPr id="2" name="Title 1">
             <a:extLst>
               <a:ext uri="{FF2B5EF4-FFF2-40B4-BE49-F238E27FC236}">
-                <a16:creationId xmlns:a16="http://schemas.microsoft.com/office/drawing/2014/main" xmlns="" id="{5D030A76-B788-B363-104E-266B7C7F7208}"/>
+                <a16:creationId xmlns="" xmlns:a16="http://schemas.microsoft.com/office/drawing/2014/main" id="{5D030A76-B788-B363-104E-266B7C7F7208}"/>
               </a:ext>
             </a:extLst>
           </p:cNvPr>
@@ -28610,7 +28601,7 @@
           <p:cNvPr id="7" name="Content Placeholder 2">
             <a:extLst>
               <a:ext uri="{FF2B5EF4-FFF2-40B4-BE49-F238E27FC236}">
-                <a16:creationId xmlns:a16="http://schemas.microsoft.com/office/drawing/2014/main" xmlns="" id="{68A5FD2B-E3E5-1C2B-0151-21F216B14A33}"/>
+                <a16:creationId xmlns="" xmlns:a16="http://schemas.microsoft.com/office/drawing/2014/main" id="{68A5FD2B-E3E5-1C2B-0151-21F216B14A33}"/>
               </a:ext>
             </a:extLst>
           </p:cNvPr>
@@ -28898,7 +28889,7 @@
           <p:cNvPr id="10" name="Content Placeholder 3">
             <a:extLst>
               <a:ext uri="{FF2B5EF4-FFF2-40B4-BE49-F238E27FC236}">
-                <a16:creationId xmlns:a16="http://schemas.microsoft.com/office/drawing/2014/main" xmlns="" id="{ACFBB810-3430-2C29-1AA0-9744AA0A1AA3}"/>
+                <a16:creationId xmlns="" xmlns:a16="http://schemas.microsoft.com/office/drawing/2014/main" id="{ACFBB810-3430-2C29-1AA0-9744AA0A1AA3}"/>
               </a:ext>
             </a:extLst>
           </p:cNvPr>
@@ -29025,7 +29016,7 @@
     </p:spTree>
     <p:extLst>
       <p:ext uri="{BB962C8B-B14F-4D97-AF65-F5344CB8AC3E}">
-        <p14:creationId xmlns:p14="http://schemas.microsoft.com/office/powerpoint/2010/main" xmlns="" val="414613742"/>
+        <p14:creationId xmlns="" xmlns:p14="http://schemas.microsoft.com/office/powerpoint/2010/main" val="414613742"/>
       </p:ext>
     </p:extLst>
   </p:cSld>
@@ -29064,7 +29055,7 @@
           <p:cNvPr id="2" name="Title 1">
             <a:extLst>
               <a:ext uri="{FF2B5EF4-FFF2-40B4-BE49-F238E27FC236}">
-                <a16:creationId xmlns:a16="http://schemas.microsoft.com/office/drawing/2014/main" xmlns="" id="{5D030A76-B788-B363-104E-266B7C7F7208}"/>
+                <a16:creationId xmlns="" xmlns:a16="http://schemas.microsoft.com/office/drawing/2014/main" id="{5D030A76-B788-B363-104E-266B7C7F7208}"/>
               </a:ext>
             </a:extLst>
           </p:cNvPr>
@@ -29098,7 +29089,7 @@
           <p:cNvPr id="7" name="Content Placeholder 2">
             <a:extLst>
               <a:ext uri="{FF2B5EF4-FFF2-40B4-BE49-F238E27FC236}">
-                <a16:creationId xmlns:a16="http://schemas.microsoft.com/office/drawing/2014/main" xmlns="" id="{68A5FD2B-E3E5-1C2B-0151-21F216B14A33}"/>
+                <a16:creationId xmlns="" xmlns:a16="http://schemas.microsoft.com/office/drawing/2014/main" id="{68A5FD2B-E3E5-1C2B-0151-21F216B14A33}"/>
               </a:ext>
             </a:extLst>
           </p:cNvPr>
@@ -29367,7 +29358,7 @@
           <p:cNvPr id="10" name="Content Placeholder 3">
             <a:extLst>
               <a:ext uri="{FF2B5EF4-FFF2-40B4-BE49-F238E27FC236}">
-                <a16:creationId xmlns:a16="http://schemas.microsoft.com/office/drawing/2014/main" xmlns="" id="{ACFBB810-3430-2C29-1AA0-9744AA0A1AA3}"/>
+                <a16:creationId xmlns="" xmlns:a16="http://schemas.microsoft.com/office/drawing/2014/main" id="{ACFBB810-3430-2C29-1AA0-9744AA0A1AA3}"/>
               </a:ext>
             </a:extLst>
           </p:cNvPr>
@@ -29536,7 +29527,7 @@
     </p:spTree>
     <p:extLst>
       <p:ext uri="{BB962C8B-B14F-4D97-AF65-F5344CB8AC3E}">
-        <p14:creationId xmlns:p14="http://schemas.microsoft.com/office/powerpoint/2010/main" xmlns="" val="414613742"/>
+        <p14:creationId xmlns="" xmlns:p14="http://schemas.microsoft.com/office/powerpoint/2010/main" val="414613742"/>
       </p:ext>
     </p:extLst>
   </p:cSld>
@@ -29575,7 +29566,7 @@
           <p:cNvPr id="9" name="Title 1">
             <a:extLst>
               <a:ext uri="{FF2B5EF4-FFF2-40B4-BE49-F238E27FC236}">
-                <a16:creationId xmlns:a16="http://schemas.microsoft.com/office/drawing/2014/main" xmlns="" id="{47A9874B-BCA9-8420-1595-EDD1865A099A}"/>
+                <a16:creationId xmlns="" xmlns:a16="http://schemas.microsoft.com/office/drawing/2014/main" id="{47A9874B-BCA9-8420-1595-EDD1865A099A}"/>
               </a:ext>
             </a:extLst>
           </p:cNvPr>
@@ -29609,7 +29600,7 @@
           <p:cNvPr id="5" name="Content Placeholder 2">
             <a:extLst>
               <a:ext uri="{FF2B5EF4-FFF2-40B4-BE49-F238E27FC236}">
-                <a16:creationId xmlns:a16="http://schemas.microsoft.com/office/drawing/2014/main" xmlns="" id="{A6A33159-D030-2F82-A142-F75940728319}"/>
+                <a16:creationId xmlns="" xmlns:a16="http://schemas.microsoft.com/office/drawing/2014/main" id="{A6A33159-D030-2F82-A142-F75940728319}"/>
               </a:ext>
             </a:extLst>
           </p:cNvPr>
@@ -29802,7 +29793,7 @@
     </p:spTree>
     <p:extLst>
       <p:ext uri="{BB962C8B-B14F-4D97-AF65-F5344CB8AC3E}">
-        <p14:creationId xmlns:p14="http://schemas.microsoft.com/office/powerpoint/2010/main" xmlns="" val="3032902017"/>
+        <p14:creationId xmlns="" xmlns:p14="http://schemas.microsoft.com/office/powerpoint/2010/main" val="3032902017"/>
       </p:ext>
     </p:extLst>
   </p:cSld>
@@ -29841,7 +29832,7 @@
           <p:cNvPr id="2" name="Title 1">
             <a:extLst>
               <a:ext uri="{FF2B5EF4-FFF2-40B4-BE49-F238E27FC236}">
-                <a16:creationId xmlns:a16="http://schemas.microsoft.com/office/drawing/2014/main" xmlns="" id="{9635F5E3-2B1C-7C0A-8581-67A9052D13AA}"/>
+                <a16:creationId xmlns="" xmlns:a16="http://schemas.microsoft.com/office/drawing/2014/main" id="{9635F5E3-2B1C-7C0A-8581-67A9052D13AA}"/>
               </a:ext>
             </a:extLst>
           </p:cNvPr>
@@ -29875,7 +29866,7 @@
           <p:cNvPr id="41" name="Content Placeholder 2">
             <a:extLst>
               <a:ext uri="{FF2B5EF4-FFF2-40B4-BE49-F238E27FC236}">
-                <a16:creationId xmlns:a16="http://schemas.microsoft.com/office/drawing/2014/main" xmlns="" id="{A6A33159-D030-2F82-A142-F75940728319}"/>
+                <a16:creationId xmlns="" xmlns:a16="http://schemas.microsoft.com/office/drawing/2014/main" id="{A6A33159-D030-2F82-A142-F75940728319}"/>
               </a:ext>
             </a:extLst>
           </p:cNvPr>
@@ -30137,7 +30128,7 @@
     </p:spTree>
     <p:extLst>
       <p:ext uri="{BB962C8B-B14F-4D97-AF65-F5344CB8AC3E}">
-        <p14:creationId xmlns:p14="http://schemas.microsoft.com/office/powerpoint/2010/main" xmlns="" val="3519397257"/>
+        <p14:creationId xmlns="" xmlns:p14="http://schemas.microsoft.com/office/powerpoint/2010/main" val="3519397257"/>
       </p:ext>
     </p:extLst>
   </p:cSld>
@@ -30176,7 +30167,7 @@
           <p:cNvPr id="8" name="Title 1">
             <a:extLst>
               <a:ext uri="{FF2B5EF4-FFF2-40B4-BE49-F238E27FC236}">
-                <a16:creationId xmlns:a16="http://schemas.microsoft.com/office/drawing/2014/main" xmlns="" id="{47A9874B-BCA9-8420-1595-EDD1865A099A}"/>
+                <a16:creationId xmlns="" xmlns:a16="http://schemas.microsoft.com/office/drawing/2014/main" id="{47A9874B-BCA9-8420-1595-EDD1865A099A}"/>
               </a:ext>
             </a:extLst>
           </p:cNvPr>
@@ -30446,7 +30437,7 @@
     </p:spTree>
     <p:extLst>
       <p:ext uri="{BB962C8B-B14F-4D97-AF65-F5344CB8AC3E}">
-        <p14:creationId xmlns:p14="http://schemas.microsoft.com/office/powerpoint/2010/main" xmlns="" val="3812997948"/>
+        <p14:creationId xmlns="" xmlns:p14="http://schemas.microsoft.com/office/powerpoint/2010/main" val="3812997948"/>
       </p:ext>
     </p:extLst>
   </p:cSld>
@@ -30485,7 +30476,7 @@
           <p:cNvPr id="8" name="Title 1">
             <a:extLst>
               <a:ext uri="{FF2B5EF4-FFF2-40B4-BE49-F238E27FC236}">
-                <a16:creationId xmlns:a16="http://schemas.microsoft.com/office/drawing/2014/main" xmlns="" id="{47A9874B-BCA9-8420-1595-EDD1865A099A}"/>
+                <a16:creationId xmlns="" xmlns:a16="http://schemas.microsoft.com/office/drawing/2014/main" id="{47A9874B-BCA9-8420-1595-EDD1865A099A}"/>
               </a:ext>
             </a:extLst>
           </p:cNvPr>
@@ -30530,7 +30521,7 @@
           <p:cNvPr id="5" name="Content Placeholder 2">
             <a:extLst>
               <a:ext uri="{FF2B5EF4-FFF2-40B4-BE49-F238E27FC236}">
-                <a16:creationId xmlns:a16="http://schemas.microsoft.com/office/drawing/2014/main" xmlns="" id="{A6A33159-D030-2F82-A142-F75940728319}"/>
+                <a16:creationId xmlns="" xmlns:a16="http://schemas.microsoft.com/office/drawing/2014/main" id="{A6A33159-D030-2F82-A142-F75940728319}"/>
               </a:ext>
             </a:extLst>
           </p:cNvPr>
@@ -30665,7 +30656,7 @@
           <p:cNvPr id="2" name="Content Placeholder 2">
             <a:extLst>
               <a:ext uri="{FF2B5EF4-FFF2-40B4-BE49-F238E27FC236}">
-                <a16:creationId xmlns:a16="http://schemas.microsoft.com/office/drawing/2014/main" xmlns="" id="{BCA39DDC-0B72-D8F7-3EA6-3745AE5BE9AE}"/>
+                <a16:creationId xmlns="" xmlns:a16="http://schemas.microsoft.com/office/drawing/2014/main" id="{BCA39DDC-0B72-D8F7-3EA6-3745AE5BE9AE}"/>
               </a:ext>
             </a:extLst>
           </p:cNvPr>
@@ -30969,7 +30960,7 @@
     </p:spTree>
     <p:extLst>
       <p:ext uri="{BB962C8B-B14F-4D97-AF65-F5344CB8AC3E}">
-        <p14:creationId xmlns:p14="http://schemas.microsoft.com/office/powerpoint/2010/main" xmlns="" val="3812997948"/>
+        <p14:creationId xmlns="" xmlns:p14="http://schemas.microsoft.com/office/powerpoint/2010/main" val="3812997948"/>
       </p:ext>
     </p:extLst>
   </p:cSld>
@@ -31008,7 +30999,7 @@
           <p:cNvPr id="8" name="Title 1">
             <a:extLst>
               <a:ext uri="{FF2B5EF4-FFF2-40B4-BE49-F238E27FC236}">
-                <a16:creationId xmlns:a16="http://schemas.microsoft.com/office/drawing/2014/main" xmlns="" id="{47A9874B-BCA9-8420-1595-EDD1865A099A}"/>
+                <a16:creationId xmlns="" xmlns:a16="http://schemas.microsoft.com/office/drawing/2014/main" id="{47A9874B-BCA9-8420-1595-EDD1865A099A}"/>
               </a:ext>
             </a:extLst>
           </p:cNvPr>
@@ -31049,7 +31040,7 @@
           <p:cNvPr id="2" name="Content Placeholder 2">
             <a:extLst>
               <a:ext uri="{FF2B5EF4-FFF2-40B4-BE49-F238E27FC236}">
-                <a16:creationId xmlns:a16="http://schemas.microsoft.com/office/drawing/2014/main" xmlns="" id="{D64FBD31-58C2-F052-F198-E7DC0F36A9D4}"/>
+                <a16:creationId xmlns="" xmlns:a16="http://schemas.microsoft.com/office/drawing/2014/main" id="{D64FBD31-58C2-F052-F198-E7DC0F36A9D4}"/>
               </a:ext>
             </a:extLst>
           </p:cNvPr>
@@ -31399,7 +31390,7 @@
           <p:cNvPr id="1026" name="Picture 2">
             <a:extLst>
               <a:ext uri="{FF2B5EF4-FFF2-40B4-BE49-F238E27FC236}">
-                <a16:creationId xmlns:a16="http://schemas.microsoft.com/office/drawing/2014/main" xmlns="" id="{09159657-6DC0-4DF9-C298-5E7F5C6D3F23}"/>
+                <a16:creationId xmlns="" xmlns:a16="http://schemas.microsoft.com/office/drawing/2014/main" id="{09159657-6DC0-4DF9-C298-5E7F5C6D3F23}"/>
               </a:ext>
             </a:extLst>
           </p:cNvPr>
@@ -31412,7 +31403,7 @@
           <a:blip r:embed="rId3">
             <a:extLst>
               <a:ext uri="{28A0092B-C50C-407E-A947-70E740481C1C}">
-                <a14:useLocalDpi xmlns:a14="http://schemas.microsoft.com/office/drawing/2010/main" xmlns="" val="0"/>
+                <a14:useLocalDpi xmlns="" xmlns:a14="http://schemas.microsoft.com/office/drawing/2010/main" val="0"/>
               </a:ext>
             </a:extLst>
           </a:blip>
@@ -31435,14 +31426,14 @@
           </a:ln>
           <a:extLst>
             <a:ext uri="{909E8E84-426E-40DD-AFC4-6F175D3DCCD1}">
-              <a14:hiddenFill xmlns:a14="http://schemas.microsoft.com/office/drawing/2010/main" xmlns="">
+              <a14:hiddenFill xmlns="" xmlns:a14="http://schemas.microsoft.com/office/drawing/2010/main">
                 <a:solidFill>
                   <a:srgbClr val="FFFFFF"/>
                 </a:solidFill>
               </a14:hiddenFill>
             </a:ext>
             <a:ext uri="{91240B29-F687-4F45-9708-019B960494DF}">
-              <a14:hiddenLine xmlns:a14="http://schemas.microsoft.com/office/drawing/2010/main" xmlns="" w="9525">
+              <a14:hiddenLine xmlns="" xmlns:a14="http://schemas.microsoft.com/office/drawing/2010/main" w="9525">
                 <a:solidFill>
                   <a:srgbClr val="000000"/>
                 </a:solidFill>
@@ -31459,7 +31450,7 @@
           <p:cNvPr id="5" name="TextBox 4">
             <a:extLst>
               <a:ext uri="{FF2B5EF4-FFF2-40B4-BE49-F238E27FC236}">
-                <a16:creationId xmlns:a16="http://schemas.microsoft.com/office/drawing/2014/main" xmlns="" id="{294FBF46-685F-AD18-6C68-10B5F24960BF}"/>
+                <a16:creationId xmlns="" xmlns:a16="http://schemas.microsoft.com/office/drawing/2014/main" id="{294FBF46-685F-AD18-6C68-10B5F24960BF}"/>
               </a:ext>
             </a:extLst>
           </p:cNvPr>
@@ -31536,7 +31527,7 @@
     </p:spTree>
     <p:extLst>
       <p:ext uri="{BB962C8B-B14F-4D97-AF65-F5344CB8AC3E}">
-        <p14:creationId xmlns:p14="http://schemas.microsoft.com/office/powerpoint/2010/main" xmlns="" val="2537388289"/>
+        <p14:creationId xmlns="" xmlns:p14="http://schemas.microsoft.com/office/powerpoint/2010/main" val="2537388289"/>
       </p:ext>
     </p:extLst>
   </p:cSld>
@@ -31575,7 +31566,7 @@
           <p:cNvPr id="8" name="Title 1">
             <a:extLst>
               <a:ext uri="{FF2B5EF4-FFF2-40B4-BE49-F238E27FC236}">
-                <a16:creationId xmlns:a16="http://schemas.microsoft.com/office/drawing/2014/main" xmlns="" id="{47A9874B-BCA9-8420-1595-EDD1865A099A}"/>
+                <a16:creationId xmlns="" xmlns:a16="http://schemas.microsoft.com/office/drawing/2014/main" id="{47A9874B-BCA9-8420-1595-EDD1865A099A}"/>
               </a:ext>
             </a:extLst>
           </p:cNvPr>
@@ -31616,7 +31607,7 @@
           <p:cNvPr id="5" name="Content Placeholder 2">
             <a:extLst>
               <a:ext uri="{FF2B5EF4-FFF2-40B4-BE49-F238E27FC236}">
-                <a16:creationId xmlns:a16="http://schemas.microsoft.com/office/drawing/2014/main" xmlns="" id="{A6A33159-D030-2F82-A142-F75940728319}"/>
+                <a16:creationId xmlns="" xmlns:a16="http://schemas.microsoft.com/office/drawing/2014/main" id="{A6A33159-D030-2F82-A142-F75940728319}"/>
               </a:ext>
             </a:extLst>
           </p:cNvPr>
@@ -31795,7 +31786,7 @@
           <p:cNvPr id="2" name="TextBox 1">
             <a:extLst>
               <a:ext uri="{FF2B5EF4-FFF2-40B4-BE49-F238E27FC236}">
-                <a16:creationId xmlns:a16="http://schemas.microsoft.com/office/drawing/2014/main" xmlns="" id="{294FBF46-685F-AD18-6C68-10B5F24960BF}"/>
+                <a16:creationId xmlns="" xmlns:a16="http://schemas.microsoft.com/office/drawing/2014/main" id="{294FBF46-685F-AD18-6C68-10B5F24960BF}"/>
               </a:ext>
             </a:extLst>
           </p:cNvPr>
@@ -31855,7 +31846,7 @@
     </p:spTree>
     <p:extLst>
       <p:ext uri="{BB962C8B-B14F-4D97-AF65-F5344CB8AC3E}">
-        <p14:creationId xmlns:p14="http://schemas.microsoft.com/office/powerpoint/2010/main" xmlns="" val="3109420625"/>
+        <p14:creationId xmlns="" xmlns:p14="http://schemas.microsoft.com/office/powerpoint/2010/main" val="3109420625"/>
       </p:ext>
     </p:extLst>
   </p:cSld>
@@ -31887,7 +31878,7 @@
           <p:cNvPr id="2" name="Title 1">
             <a:extLst>
               <a:ext uri="{FF2B5EF4-FFF2-40B4-BE49-F238E27FC236}">
-                <a16:creationId xmlns:a16="http://schemas.microsoft.com/office/drawing/2014/main" xmlns="" id="{D1FC59F6-9B22-C211-4B4C-A2FD4B914C46}"/>
+                <a16:creationId xmlns="" xmlns:a16="http://schemas.microsoft.com/office/drawing/2014/main" id="{D1FC59F6-9B22-C211-4B4C-A2FD4B914C46}"/>
               </a:ext>
             </a:extLst>
           </p:cNvPr>
@@ -31921,7 +31912,7 @@
           <p:cNvPr id="4" name="Table Placeholder 3">
             <a:extLst>
               <a:ext uri="{FF2B5EF4-FFF2-40B4-BE49-F238E27FC236}">
-                <a16:creationId xmlns:a16="http://schemas.microsoft.com/office/drawing/2014/main" xmlns="" id="{0519CAC4-33D8-0B1E-88FF-086E69894AFB}"/>
+                <a16:creationId xmlns="" xmlns:a16="http://schemas.microsoft.com/office/drawing/2014/main" id="{0519CAC4-33D8-0B1E-88FF-086E69894AFB}"/>
               </a:ext>
             </a:extLst>
           </p:cNvPr>
@@ -31932,7 +31923,7 @@
             <p:ph type="tbl" sz="quarter" idx="13"/>
             <p:extLst>
               <p:ext uri="{D42A27DB-BD31-4B8C-83A1-F6EECF244321}">
-                <p14:modId xmlns:p14="http://schemas.microsoft.com/office/powerpoint/2010/main" xmlns="" val="3483451250"/>
+                <p14:modId xmlns="" xmlns:p14="http://schemas.microsoft.com/office/powerpoint/2010/main" val="3483451250"/>
               </p:ext>
             </p:extLst>
           </p:nvPr>
@@ -31951,35 +31942,35 @@
                 <a:gridCol w="1859717">
                   <a:extLst>
                     <a:ext uri="{9D8B030D-6E8A-4147-A177-3AD203B41FA5}">
-                      <a16:colId xmlns:a16="http://schemas.microsoft.com/office/drawing/2014/main" xmlns="" val="2382218087"/>
+                      <a16:colId xmlns="" xmlns:a16="http://schemas.microsoft.com/office/drawing/2014/main" val="2382218087"/>
                     </a:ext>
                   </a:extLst>
                 </a:gridCol>
                 <a:gridCol w="1506746">
                   <a:extLst>
                     <a:ext uri="{9D8B030D-6E8A-4147-A177-3AD203B41FA5}">
-                      <a16:colId xmlns:a16="http://schemas.microsoft.com/office/drawing/2014/main" xmlns="" val="3953468724"/>
+                      <a16:colId xmlns="" xmlns:a16="http://schemas.microsoft.com/office/drawing/2014/main" val="3953468724"/>
                     </a:ext>
                   </a:extLst>
                 </a:gridCol>
                 <a:gridCol w="1506746">
                   <a:extLst>
                     <a:ext uri="{9D8B030D-6E8A-4147-A177-3AD203B41FA5}">
-                      <a16:colId xmlns:a16="http://schemas.microsoft.com/office/drawing/2014/main" xmlns="" val="2046445661"/>
+                      <a16:colId xmlns="" xmlns:a16="http://schemas.microsoft.com/office/drawing/2014/main" val="2046445661"/>
                     </a:ext>
                   </a:extLst>
                 </a:gridCol>
                 <a:gridCol w="1506746">
                   <a:extLst>
                     <a:ext uri="{9D8B030D-6E8A-4147-A177-3AD203B41FA5}">
-                      <a16:colId xmlns:a16="http://schemas.microsoft.com/office/drawing/2014/main" xmlns="" val="3495531260"/>
+                      <a16:colId xmlns="" xmlns:a16="http://schemas.microsoft.com/office/drawing/2014/main" val="3495531260"/>
                     </a:ext>
                   </a:extLst>
                 </a:gridCol>
                 <a:gridCol w="1506746">
                   <a:extLst>
                     <a:ext uri="{9D8B030D-6E8A-4147-A177-3AD203B41FA5}">
-                      <a16:colId xmlns:a16="http://schemas.microsoft.com/office/drawing/2014/main" xmlns="" val="3623106039"/>
+                      <a16:colId xmlns="" xmlns:a16="http://schemas.microsoft.com/office/drawing/2014/main" val="3623106039"/>
                     </a:ext>
                   </a:extLst>
                 </a:gridCol>
@@ -32074,7 +32065,7 @@
                 </a:tc>
                 <a:extLst>
                   <a:ext uri="{0D108BD9-81ED-4DB2-BD59-A6C34878D82A}">
-                    <a16:rowId xmlns:a16="http://schemas.microsoft.com/office/drawing/2014/main" xmlns="" val="2857107962"/>
+                    <a16:rowId xmlns="" xmlns:a16="http://schemas.microsoft.com/office/drawing/2014/main" val="2857107962"/>
                   </a:ext>
                 </a:extLst>
               </a:tr>
@@ -32183,7 +32174,7 @@
                 </a:tc>
                 <a:extLst>
                   <a:ext uri="{0D108BD9-81ED-4DB2-BD59-A6C34878D82A}">
-                    <a16:rowId xmlns:a16="http://schemas.microsoft.com/office/drawing/2014/main" xmlns="" val="2548491233"/>
+                    <a16:rowId xmlns="" xmlns:a16="http://schemas.microsoft.com/office/drawing/2014/main" val="2548491233"/>
                   </a:ext>
                 </a:extLst>
               </a:tr>
@@ -32297,7 +32288,7 @@
                 </a:tc>
                 <a:extLst>
                   <a:ext uri="{0D108BD9-81ED-4DB2-BD59-A6C34878D82A}">
-                    <a16:rowId xmlns:a16="http://schemas.microsoft.com/office/drawing/2014/main" xmlns="" val="1671386868"/>
+                    <a16:rowId xmlns="" xmlns:a16="http://schemas.microsoft.com/office/drawing/2014/main" val="1671386868"/>
                   </a:ext>
                 </a:extLst>
               </a:tr>
@@ -32408,7 +32399,7 @@
                 </a:tc>
                 <a:extLst>
                   <a:ext uri="{0D108BD9-81ED-4DB2-BD59-A6C34878D82A}">
-                    <a16:rowId xmlns:a16="http://schemas.microsoft.com/office/drawing/2014/main" xmlns="" val="380626418"/>
+                    <a16:rowId xmlns="" xmlns:a16="http://schemas.microsoft.com/office/drawing/2014/main" val="380626418"/>
                   </a:ext>
                 </a:extLst>
               </a:tr>
@@ -32507,7 +32498,7 @@
                 </a:tc>
                 <a:extLst>
                   <a:ext uri="{0D108BD9-81ED-4DB2-BD59-A6C34878D82A}">
-                    <a16:rowId xmlns:a16="http://schemas.microsoft.com/office/drawing/2014/main" xmlns="" val="2132482967"/>
+                    <a16:rowId xmlns="" xmlns:a16="http://schemas.microsoft.com/office/drawing/2014/main" val="2132482967"/>
                   </a:ext>
                 </a:extLst>
               </a:tr>
@@ -32606,7 +32597,7 @@
                 </a:tc>
                 <a:extLst>
                   <a:ext uri="{0D108BD9-81ED-4DB2-BD59-A6C34878D82A}">
-                    <a16:rowId xmlns:a16="http://schemas.microsoft.com/office/drawing/2014/main" xmlns="" val="3936251906"/>
+                    <a16:rowId xmlns="" xmlns:a16="http://schemas.microsoft.com/office/drawing/2014/main" val="3936251906"/>
                   </a:ext>
                 </a:extLst>
               </a:tr>
@@ -32644,6 +32635,9 @@
                       <a:pPr algn="ctr"/>
                       <a:r>
                         <a:rPr lang="en-US" sz="1400" b="1" i="0" u="sng" dirty="0">
+                          <a:solidFill>
+                            <a:srgbClr val="7030A0"/>
+                          </a:solidFill>
                           <a:latin typeface="+mn-lt"/>
                         </a:rPr>
                         <a:t>14.881</a:t>
@@ -32660,11 +32654,18 @@
                       <a:pPr algn="ctr"/>
                       <a:r>
                         <a:rPr lang="en-US" sz="1400" b="1" i="0" u="sng" dirty="0">
+                          <a:solidFill>
+                            <a:srgbClr val="7030A0"/>
+                          </a:solidFill>
                           <a:latin typeface="+mn-lt"/>
                         </a:rPr>
                         <a:t>123.515</a:t>
                       </a:r>
-                      <a:endParaRPr lang="en-IN" b="1" u="sng" dirty="0"/>
+                      <a:endParaRPr lang="en-IN" b="1" u="sng" dirty="0">
+                        <a:solidFill>
+                          <a:srgbClr val="7030A0"/>
+                        </a:solidFill>
+                      </a:endParaRPr>
                     </a:p>
                   </a:txBody>
                   <a:tcPr marL="68580" marR="68580" marT="34290" marB="34290" anchor="ctr"/>
@@ -32677,11 +32678,18 @@
                       <a:pPr algn="ctr"/>
                       <a:r>
                         <a:rPr lang="en-US" sz="1400" b="1" i="0" u="sng" dirty="0">
+                          <a:solidFill>
+                            <a:srgbClr val="7030A0"/>
+                          </a:solidFill>
                           <a:latin typeface="+mn-lt"/>
                         </a:rPr>
                         <a:t>28.667</a:t>
                       </a:r>
-                      <a:endParaRPr lang="en-IN" b="1" u="sng" dirty="0"/>
+                      <a:endParaRPr lang="en-IN" b="1" u="sng" dirty="0">
+                        <a:solidFill>
+                          <a:srgbClr val="7030A0"/>
+                        </a:solidFill>
+                      </a:endParaRPr>
                     </a:p>
                   </a:txBody>
                   <a:tcPr marL="68580" marR="68580" marT="34290" marB="34290" anchor="ctr"/>
@@ -32694,18 +32702,25 @@
                       <a:pPr algn="ctr"/>
                       <a:r>
                         <a:rPr lang="en-US" sz="1400" b="1" i="0" u="sng" dirty="0">
+                          <a:solidFill>
+                            <a:srgbClr val="7030A0"/>
+                          </a:solidFill>
                           <a:latin typeface="+mn-lt"/>
                         </a:rPr>
                         <a:t>15.419</a:t>
                       </a:r>
-                      <a:endParaRPr lang="en-IN" b="1" u="sng" dirty="0"/>
+                      <a:endParaRPr lang="en-IN" b="1" u="sng" dirty="0">
+                        <a:solidFill>
+                          <a:srgbClr val="7030A0"/>
+                        </a:solidFill>
+                      </a:endParaRPr>
                     </a:p>
                   </a:txBody>
                   <a:tcPr marL="68580" marR="68580" marT="34290" marB="34290" anchor="ctr"/>
                 </a:tc>
                 <a:extLst>
                   <a:ext uri="{0D108BD9-81ED-4DB2-BD59-A6C34878D82A}">
-                    <a16:rowId xmlns:a16="http://schemas.microsoft.com/office/drawing/2014/main" xmlns="" val="568537164"/>
+                    <a16:rowId xmlns="" xmlns:a16="http://schemas.microsoft.com/office/drawing/2014/main" val="568537164"/>
                   </a:ext>
                 </a:extLst>
               </a:tr>
@@ -32718,7 +32733,7 @@
           <p:cNvPr id="3" name="TextBox 2">
             <a:extLst>
               <a:ext uri="{FF2B5EF4-FFF2-40B4-BE49-F238E27FC236}">
-                <a16:creationId xmlns:a16="http://schemas.microsoft.com/office/drawing/2014/main" xmlns="" id="{CD58462D-AA4A-99E4-6146-BEF9F71F8C5A}"/>
+                <a16:creationId xmlns="" xmlns:a16="http://schemas.microsoft.com/office/drawing/2014/main" id="{CD58462D-AA4A-99E4-6146-BEF9F71F8C5A}"/>
               </a:ext>
             </a:extLst>
           </p:cNvPr>
@@ -32778,7 +32793,7 @@
     </p:spTree>
     <p:extLst>
       <p:ext uri="{BB962C8B-B14F-4D97-AF65-F5344CB8AC3E}">
-        <p14:creationId xmlns:p14="http://schemas.microsoft.com/office/powerpoint/2010/main" xmlns="" val="2696368595"/>
+        <p14:creationId xmlns="" xmlns:p14="http://schemas.microsoft.com/office/powerpoint/2010/main" val="2696368595"/>
       </p:ext>
     </p:extLst>
   </p:cSld>
@@ -32810,7 +32825,7 @@
           <p:cNvPr id="8" name="Title 1">
             <a:extLst>
               <a:ext uri="{FF2B5EF4-FFF2-40B4-BE49-F238E27FC236}">
-                <a16:creationId xmlns:a16="http://schemas.microsoft.com/office/drawing/2014/main" xmlns="" id="{47A9874B-BCA9-8420-1595-EDD1865A099A}"/>
+                <a16:creationId xmlns="" xmlns:a16="http://schemas.microsoft.com/office/drawing/2014/main" id="{47A9874B-BCA9-8420-1595-EDD1865A099A}"/>
               </a:ext>
             </a:extLst>
           </p:cNvPr>
@@ -32844,7 +32859,7 @@
           <p:cNvPr id="26" name="Content Placeholder 2">
             <a:extLst>
               <a:ext uri="{FF2B5EF4-FFF2-40B4-BE49-F238E27FC236}">
-                <a16:creationId xmlns:a16="http://schemas.microsoft.com/office/drawing/2014/main" xmlns="" id="{68A5FD2B-E3E5-1C2B-0151-21F216B14A33}"/>
+                <a16:creationId xmlns="" xmlns:a16="http://schemas.microsoft.com/office/drawing/2014/main" id="{68A5FD2B-E3E5-1C2B-0151-21F216B14A33}"/>
               </a:ext>
             </a:extLst>
           </p:cNvPr>
@@ -32918,7 +32933,7 @@
           <p:cNvPr id="7" name="Content Placeholder 2">
             <a:extLst>
               <a:ext uri="{FF2B5EF4-FFF2-40B4-BE49-F238E27FC236}">
-                <a16:creationId xmlns:a16="http://schemas.microsoft.com/office/drawing/2014/main" xmlns="" id="{68A5FD2B-E3E5-1C2B-0151-21F216B14A33}"/>
+                <a16:creationId xmlns="" xmlns:a16="http://schemas.microsoft.com/office/drawing/2014/main" id="{68A5FD2B-E3E5-1C2B-0151-21F216B14A33}"/>
               </a:ext>
             </a:extLst>
           </p:cNvPr>
@@ -33131,7 +33146,7 @@
     </p:spTree>
     <p:extLst>
       <p:ext uri="{BB962C8B-B14F-4D97-AF65-F5344CB8AC3E}">
-        <p14:creationId xmlns:p14="http://schemas.microsoft.com/office/powerpoint/2010/main" xmlns="" val="2737241225"/>
+        <p14:creationId xmlns="" xmlns:p14="http://schemas.microsoft.com/office/powerpoint/2010/main" val="2737241225"/>
       </p:ext>
     </p:extLst>
   </p:cSld>
@@ -33170,7 +33185,7 @@
           <p:cNvPr id="8" name="Title 1">
             <a:extLst>
               <a:ext uri="{FF2B5EF4-FFF2-40B4-BE49-F238E27FC236}">
-                <a16:creationId xmlns:a16="http://schemas.microsoft.com/office/drawing/2014/main" xmlns="" id="{47A9874B-BCA9-8420-1595-EDD1865A099A}"/>
+                <a16:creationId xmlns="" xmlns:a16="http://schemas.microsoft.com/office/drawing/2014/main" id="{47A9874B-BCA9-8420-1595-EDD1865A099A}"/>
               </a:ext>
             </a:extLst>
           </p:cNvPr>
@@ -33215,7 +33230,7 @@
           <p:cNvPr id="5" name="Content Placeholder 2">
             <a:extLst>
               <a:ext uri="{FF2B5EF4-FFF2-40B4-BE49-F238E27FC236}">
-                <a16:creationId xmlns:a16="http://schemas.microsoft.com/office/drawing/2014/main" xmlns="" id="{A6A33159-D030-2F82-A142-F75940728319}"/>
+                <a16:creationId xmlns="" xmlns:a16="http://schemas.microsoft.com/office/drawing/2014/main" id="{A6A33159-D030-2F82-A142-F75940728319}"/>
               </a:ext>
             </a:extLst>
           </p:cNvPr>
@@ -33331,7 +33346,7 @@
     </p:spTree>
     <p:extLst>
       <p:ext uri="{BB962C8B-B14F-4D97-AF65-F5344CB8AC3E}">
-        <p14:creationId xmlns:p14="http://schemas.microsoft.com/office/powerpoint/2010/main" xmlns="" val="766783565"/>
+        <p14:creationId xmlns="" xmlns:p14="http://schemas.microsoft.com/office/powerpoint/2010/main" val="766783565"/>
       </p:ext>
     </p:extLst>
   </p:cSld>
@@ -33363,7 +33378,7 @@
           <p:cNvPr id="8" name="Title 1">
             <a:extLst>
               <a:ext uri="{FF2B5EF4-FFF2-40B4-BE49-F238E27FC236}">
-                <a16:creationId xmlns:a16="http://schemas.microsoft.com/office/drawing/2014/main" xmlns="" id="{47A9874B-BCA9-8420-1595-EDD1865A099A}"/>
+                <a16:creationId xmlns="" xmlns:a16="http://schemas.microsoft.com/office/drawing/2014/main" id="{47A9874B-BCA9-8420-1595-EDD1865A099A}"/>
               </a:ext>
             </a:extLst>
           </p:cNvPr>
@@ -33408,7 +33423,7 @@
           <p:cNvPr id="43" name="Group 42">
             <a:extLst>
               <a:ext uri="{FF2B5EF4-FFF2-40B4-BE49-F238E27FC236}">
-                <a16:creationId xmlns:a16="http://schemas.microsoft.com/office/drawing/2014/main" xmlns="" id="{8E24B980-EACC-89FE-A507-35890E87722D}"/>
+                <a16:creationId xmlns="" xmlns:a16="http://schemas.microsoft.com/office/drawing/2014/main" id="{8E24B980-EACC-89FE-A507-35890E87722D}"/>
               </a:ext>
             </a:extLst>
           </p:cNvPr>
@@ -33428,7 +33443,7 @@
             <p:cNvPr id="4" name="TextBox 3">
               <a:extLst>
                 <a:ext uri="{FF2B5EF4-FFF2-40B4-BE49-F238E27FC236}">
-                  <a16:creationId xmlns:a16="http://schemas.microsoft.com/office/drawing/2014/main" xmlns="" id="{5D890077-5082-DD58-DD8D-96C8455D7454}"/>
+                  <a16:creationId xmlns="" xmlns:a16="http://schemas.microsoft.com/office/drawing/2014/main" id="{5D890077-5082-DD58-DD8D-96C8455D7454}"/>
                 </a:ext>
               </a:extLst>
             </p:cNvPr>
@@ -33483,7 +33498,7 @@
             <p:cNvPr id="7" name="Google Shape;7923;p66">
               <a:extLst>
                 <a:ext uri="{FF2B5EF4-FFF2-40B4-BE49-F238E27FC236}">
-                  <a16:creationId xmlns:a16="http://schemas.microsoft.com/office/drawing/2014/main" xmlns="" id="{AC7BCCBE-4EC3-28E5-EE0E-18691471963E}"/>
+                  <a16:creationId xmlns="" xmlns:a16="http://schemas.microsoft.com/office/drawing/2014/main" id="{AC7BCCBE-4EC3-28E5-EE0E-18691471963E}"/>
                 </a:ext>
               </a:extLst>
             </p:cNvPr>
@@ -33508,7 +33523,7 @@
               <p:cNvPr id="38" name="Google Shape;7924;p66">
                 <a:extLst>
                   <a:ext uri="{FF2B5EF4-FFF2-40B4-BE49-F238E27FC236}">
-                    <a16:creationId xmlns:a16="http://schemas.microsoft.com/office/drawing/2014/main" xmlns="" id="{373ED3B3-A2C0-3819-FED5-FB06B675D77E}"/>
+                    <a16:creationId xmlns="" xmlns:a16="http://schemas.microsoft.com/office/drawing/2014/main" id="{373ED3B3-A2C0-3819-FED5-FB06B675D77E}"/>
                   </a:ext>
                 </a:extLst>
               </p:cNvPr>
@@ -33590,7 +33605,7 @@
               <p:cNvPr id="39" name="Google Shape;7925;p66">
                 <a:extLst>
                   <a:ext uri="{FF2B5EF4-FFF2-40B4-BE49-F238E27FC236}">
-                    <a16:creationId xmlns:a16="http://schemas.microsoft.com/office/drawing/2014/main" xmlns="" id="{F2BE77A6-6C75-BDB9-985F-B368364B1D8C}"/>
+                    <a16:creationId xmlns="" xmlns:a16="http://schemas.microsoft.com/office/drawing/2014/main" id="{F2BE77A6-6C75-BDB9-985F-B368364B1D8C}"/>
                   </a:ext>
                 </a:extLst>
               </p:cNvPr>
@@ -33842,7 +33857,7 @@
             <p:cNvPr id="9" name="Google Shape;5463;p61">
               <a:extLst>
                 <a:ext uri="{FF2B5EF4-FFF2-40B4-BE49-F238E27FC236}">
-                  <a16:creationId xmlns:a16="http://schemas.microsoft.com/office/drawing/2014/main" xmlns="" id="{A0A97A4E-9BC9-A198-A906-6C74912A157D}"/>
+                  <a16:creationId xmlns="" xmlns:a16="http://schemas.microsoft.com/office/drawing/2014/main" id="{A0A97A4E-9BC9-A198-A906-6C74912A157D}"/>
                 </a:ext>
               </a:extLst>
             </p:cNvPr>
@@ -33868,7 +33883,7 @@
               <p:cNvPr id="31" name="Google Shape;5464;p61">
                 <a:extLst>
                   <a:ext uri="{FF2B5EF4-FFF2-40B4-BE49-F238E27FC236}">
-                    <a16:creationId xmlns:a16="http://schemas.microsoft.com/office/drawing/2014/main" xmlns="" id="{C77ED59B-8CEA-0D2B-DEAD-B5E635B301D0}"/>
+                    <a16:creationId xmlns="" xmlns:a16="http://schemas.microsoft.com/office/drawing/2014/main" id="{C77ED59B-8CEA-0D2B-DEAD-B5E635B301D0}"/>
                   </a:ext>
                 </a:extLst>
               </p:cNvPr>
@@ -33963,7 +33978,7 @@
               <p:cNvPr id="32" name="Google Shape;5465;p61">
                 <a:extLst>
                   <a:ext uri="{FF2B5EF4-FFF2-40B4-BE49-F238E27FC236}">
-                    <a16:creationId xmlns:a16="http://schemas.microsoft.com/office/drawing/2014/main" xmlns="" id="{6C0A1386-4823-6771-5536-35268009D3E6}"/>
+                    <a16:creationId xmlns="" xmlns:a16="http://schemas.microsoft.com/office/drawing/2014/main" id="{6C0A1386-4823-6771-5536-35268009D3E6}"/>
                   </a:ext>
                 </a:extLst>
               </p:cNvPr>
@@ -34034,7 +34049,7 @@
               <p:cNvPr id="33" name="Google Shape;5466;p61">
                 <a:extLst>
                   <a:ext uri="{FF2B5EF4-FFF2-40B4-BE49-F238E27FC236}">
-                    <a16:creationId xmlns:a16="http://schemas.microsoft.com/office/drawing/2014/main" xmlns="" id="{A5A48871-2C54-929B-2883-5B12054B8AD8}"/>
+                    <a16:creationId xmlns="" xmlns:a16="http://schemas.microsoft.com/office/drawing/2014/main" id="{A5A48871-2C54-929B-2883-5B12054B8AD8}"/>
                   </a:ext>
                 </a:extLst>
               </p:cNvPr>
@@ -34115,7 +34130,7 @@
               <p:cNvPr id="34" name="Google Shape;5467;p61">
                 <a:extLst>
                   <a:ext uri="{FF2B5EF4-FFF2-40B4-BE49-F238E27FC236}">
-                    <a16:creationId xmlns:a16="http://schemas.microsoft.com/office/drawing/2014/main" xmlns="" id="{63B130C6-07ED-C8F1-20CD-372F67653714}"/>
+                    <a16:creationId xmlns="" xmlns:a16="http://schemas.microsoft.com/office/drawing/2014/main" id="{63B130C6-07ED-C8F1-20CD-372F67653714}"/>
                   </a:ext>
                 </a:extLst>
               </p:cNvPr>
@@ -34196,7 +34211,7 @@
               <p:cNvPr id="35" name="Google Shape;5468;p61">
                 <a:extLst>
                   <a:ext uri="{FF2B5EF4-FFF2-40B4-BE49-F238E27FC236}">
-                    <a16:creationId xmlns:a16="http://schemas.microsoft.com/office/drawing/2014/main" xmlns="" id="{92DB297D-D363-FF93-AEA0-583876D07DF5}"/>
+                    <a16:creationId xmlns="" xmlns:a16="http://schemas.microsoft.com/office/drawing/2014/main" id="{92DB297D-D363-FF93-AEA0-583876D07DF5}"/>
                   </a:ext>
                 </a:extLst>
               </p:cNvPr>
@@ -34267,7 +34282,7 @@
               <p:cNvPr id="36" name="Google Shape;5469;p61">
                 <a:extLst>
                   <a:ext uri="{FF2B5EF4-FFF2-40B4-BE49-F238E27FC236}">
-                    <a16:creationId xmlns:a16="http://schemas.microsoft.com/office/drawing/2014/main" xmlns="" id="{20433D59-A764-F53F-1300-025297EF9E5A}"/>
+                    <a16:creationId xmlns="" xmlns:a16="http://schemas.microsoft.com/office/drawing/2014/main" id="{20433D59-A764-F53F-1300-025297EF9E5A}"/>
                   </a:ext>
                 </a:extLst>
               </p:cNvPr>
@@ -34348,7 +34363,7 @@
               <p:cNvPr id="37" name="Google Shape;5470;p61">
                 <a:extLst>
                   <a:ext uri="{FF2B5EF4-FFF2-40B4-BE49-F238E27FC236}">
-                    <a16:creationId xmlns:a16="http://schemas.microsoft.com/office/drawing/2014/main" xmlns="" id="{5357A18C-1D77-B9AD-226A-B6F351899A4F}"/>
+                    <a16:creationId xmlns="" xmlns:a16="http://schemas.microsoft.com/office/drawing/2014/main" id="{5357A18C-1D77-B9AD-226A-B6F351899A4F}"/>
                   </a:ext>
                 </a:extLst>
               </p:cNvPr>
@@ -34430,7 +34445,7 @@
             <p:cNvPr id="10" name="Google Shape;7169;p64">
               <a:extLst>
                 <a:ext uri="{FF2B5EF4-FFF2-40B4-BE49-F238E27FC236}">
-                  <a16:creationId xmlns:a16="http://schemas.microsoft.com/office/drawing/2014/main" xmlns="" id="{045776B2-5E76-D828-8916-1CF14AA90ED4}"/>
+                  <a16:creationId xmlns="" xmlns:a16="http://schemas.microsoft.com/office/drawing/2014/main" id="{045776B2-5E76-D828-8916-1CF14AA90ED4}"/>
                 </a:ext>
               </a:extLst>
             </p:cNvPr>
@@ -34455,7 +34470,7 @@
               <p:cNvPr id="28" name="Google Shape;7170;p64">
                 <a:extLst>
                   <a:ext uri="{FF2B5EF4-FFF2-40B4-BE49-F238E27FC236}">
-                    <a16:creationId xmlns:a16="http://schemas.microsoft.com/office/drawing/2014/main" xmlns="" id="{9D45C219-43FE-C4B4-4519-ABCD7D068E7F}"/>
+                    <a16:creationId xmlns="" xmlns:a16="http://schemas.microsoft.com/office/drawing/2014/main" id="{9D45C219-43FE-C4B4-4519-ABCD7D068E7F}"/>
                   </a:ext>
                 </a:extLst>
               </p:cNvPr>
@@ -35186,7 +35201,7 @@
               <p:cNvPr id="29" name="Google Shape;7171;p64">
                 <a:extLst>
                   <a:ext uri="{FF2B5EF4-FFF2-40B4-BE49-F238E27FC236}">
-                    <a16:creationId xmlns:a16="http://schemas.microsoft.com/office/drawing/2014/main" xmlns="" id="{5653B09E-1A10-A2B8-1FF6-3C194E7BA04F}"/>
+                    <a16:creationId xmlns="" xmlns:a16="http://schemas.microsoft.com/office/drawing/2014/main" id="{5653B09E-1A10-A2B8-1FF6-3C194E7BA04F}"/>
                   </a:ext>
                 </a:extLst>
               </p:cNvPr>
@@ -35268,7 +35283,7 @@
               <p:cNvPr id="30" name="Google Shape;7172;p64">
                 <a:extLst>
                   <a:ext uri="{FF2B5EF4-FFF2-40B4-BE49-F238E27FC236}">
-                    <a16:creationId xmlns:a16="http://schemas.microsoft.com/office/drawing/2014/main" xmlns="" id="{384FC614-6C97-FDD0-D58E-921626C207B2}"/>
+                    <a16:creationId xmlns="" xmlns:a16="http://schemas.microsoft.com/office/drawing/2014/main" id="{384FC614-6C97-FDD0-D58E-921626C207B2}"/>
                   </a:ext>
                 </a:extLst>
               </p:cNvPr>
@@ -35516,7 +35531,7 @@
             <p:cNvPr id="11" name="Google Shape;7923;p66">
               <a:extLst>
                 <a:ext uri="{FF2B5EF4-FFF2-40B4-BE49-F238E27FC236}">
-                  <a16:creationId xmlns:a16="http://schemas.microsoft.com/office/drawing/2014/main" xmlns="" id="{BDFB5D6D-C05E-6549-ED2D-DDDE5CB011EE}"/>
+                  <a16:creationId xmlns="" xmlns:a16="http://schemas.microsoft.com/office/drawing/2014/main" id="{BDFB5D6D-C05E-6549-ED2D-DDDE5CB011EE}"/>
                 </a:ext>
               </a:extLst>
             </p:cNvPr>
@@ -35541,7 +35556,7 @@
               <p:cNvPr id="26" name="Google Shape;7924;p66">
                 <a:extLst>
                   <a:ext uri="{FF2B5EF4-FFF2-40B4-BE49-F238E27FC236}">
-                    <a16:creationId xmlns:a16="http://schemas.microsoft.com/office/drawing/2014/main" xmlns="" id="{E6DD9D93-12E5-9063-47CF-F1FC01E90FB4}"/>
+                    <a16:creationId xmlns="" xmlns:a16="http://schemas.microsoft.com/office/drawing/2014/main" id="{E6DD9D93-12E5-9063-47CF-F1FC01E90FB4}"/>
                   </a:ext>
                 </a:extLst>
               </p:cNvPr>
@@ -35623,7 +35638,7 @@
               <p:cNvPr id="27" name="Google Shape;7925;p66">
                 <a:extLst>
                   <a:ext uri="{FF2B5EF4-FFF2-40B4-BE49-F238E27FC236}">
-                    <a16:creationId xmlns:a16="http://schemas.microsoft.com/office/drawing/2014/main" xmlns="" id="{8E7ED60F-5CFE-1446-6E5D-9D48BDA2D693}"/>
+                    <a16:creationId xmlns="" xmlns:a16="http://schemas.microsoft.com/office/drawing/2014/main" id="{8E7ED60F-5CFE-1446-6E5D-9D48BDA2D693}"/>
                   </a:ext>
                 </a:extLst>
               </p:cNvPr>
@@ -35875,7 +35890,7 @@
             <p:cNvPr id="13" name="TextBox 12">
               <a:extLst>
                 <a:ext uri="{FF2B5EF4-FFF2-40B4-BE49-F238E27FC236}">
-                  <a16:creationId xmlns:a16="http://schemas.microsoft.com/office/drawing/2014/main" xmlns="" id="{41378C80-0021-4DC9-4CF0-BBE14D1F2BA1}"/>
+                  <a16:creationId xmlns="" xmlns:a16="http://schemas.microsoft.com/office/drawing/2014/main" id="{41378C80-0021-4DC9-4CF0-BBE14D1F2BA1}"/>
                 </a:ext>
               </a:extLst>
             </p:cNvPr>
@@ -35916,7 +35931,7 @@
             <p:cNvPr id="15" name="TextBox 14">
               <a:extLst>
                 <a:ext uri="{FF2B5EF4-FFF2-40B4-BE49-F238E27FC236}">
-                  <a16:creationId xmlns:a16="http://schemas.microsoft.com/office/drawing/2014/main" xmlns="" id="{DD1BCD65-2281-574B-8917-864B98741A09}"/>
+                  <a16:creationId xmlns="" xmlns:a16="http://schemas.microsoft.com/office/drawing/2014/main" id="{DD1BCD65-2281-574B-8917-864B98741A09}"/>
                 </a:ext>
               </a:extLst>
             </p:cNvPr>
@@ -35957,7 +35972,7 @@
             <p:cNvPr id="16" name="TextBox 15">
               <a:extLst>
                 <a:ext uri="{FF2B5EF4-FFF2-40B4-BE49-F238E27FC236}">
-                  <a16:creationId xmlns:a16="http://schemas.microsoft.com/office/drawing/2014/main" xmlns="" id="{6342A8A0-FDEA-E608-75B6-3EE5CEFCDBAD}"/>
+                  <a16:creationId xmlns="" xmlns:a16="http://schemas.microsoft.com/office/drawing/2014/main" id="{6342A8A0-FDEA-E608-75B6-3EE5CEFCDBAD}"/>
                 </a:ext>
               </a:extLst>
             </p:cNvPr>
@@ -36012,7 +36027,7 @@
             <p:cNvPr id="17" name="TextBox 16">
               <a:extLst>
                 <a:ext uri="{FF2B5EF4-FFF2-40B4-BE49-F238E27FC236}">
-                  <a16:creationId xmlns:a16="http://schemas.microsoft.com/office/drawing/2014/main" xmlns="" id="{2CAD3FBA-4749-BBDF-AE28-3F3BAE8BB4BE}"/>
+                  <a16:creationId xmlns="" xmlns:a16="http://schemas.microsoft.com/office/drawing/2014/main" id="{2CAD3FBA-4749-BBDF-AE28-3F3BAE8BB4BE}"/>
                 </a:ext>
               </a:extLst>
             </p:cNvPr>
@@ -36067,7 +36082,7 @@
             <p:cNvPr id="18" name="Straight Arrow Connector 17">
               <a:extLst>
                 <a:ext uri="{FF2B5EF4-FFF2-40B4-BE49-F238E27FC236}">
-                  <a16:creationId xmlns:a16="http://schemas.microsoft.com/office/drawing/2014/main" xmlns="" id="{8348A97B-CC1D-D6AD-9A89-74500956D9B9}"/>
+                  <a16:creationId xmlns="" xmlns:a16="http://schemas.microsoft.com/office/drawing/2014/main" id="{8348A97B-CC1D-D6AD-9A89-74500956D9B9}"/>
                 </a:ext>
               </a:extLst>
             </p:cNvPr>
@@ -36108,7 +36123,7 @@
             <p:cNvPr id="20" name="Straight Arrow Connector 19">
               <a:extLst>
                 <a:ext uri="{FF2B5EF4-FFF2-40B4-BE49-F238E27FC236}">
-                  <a16:creationId xmlns:a16="http://schemas.microsoft.com/office/drawing/2014/main" xmlns="" id="{96E01A02-9A12-62E4-B50A-711CC8F6C721}"/>
+                  <a16:creationId xmlns="" xmlns:a16="http://schemas.microsoft.com/office/drawing/2014/main" id="{96E01A02-9A12-62E4-B50A-711CC8F6C721}"/>
                 </a:ext>
               </a:extLst>
             </p:cNvPr>
@@ -36149,7 +36164,7 @@
             <p:cNvPr id="21" name="Straight Arrow Connector 20">
               <a:extLst>
                 <a:ext uri="{FF2B5EF4-FFF2-40B4-BE49-F238E27FC236}">
-                  <a16:creationId xmlns:a16="http://schemas.microsoft.com/office/drawing/2014/main" xmlns="" id="{9A147CDF-C257-93BD-78EF-9BD445D5BBA1}"/>
+                  <a16:creationId xmlns="" xmlns:a16="http://schemas.microsoft.com/office/drawing/2014/main" id="{9A147CDF-C257-93BD-78EF-9BD445D5BBA1}"/>
                 </a:ext>
               </a:extLst>
             </p:cNvPr>
@@ -36194,7 +36209,7 @@
             <p:cNvPr id="22" name="Straight Arrow Connector 21">
               <a:extLst>
                 <a:ext uri="{FF2B5EF4-FFF2-40B4-BE49-F238E27FC236}">
-                  <a16:creationId xmlns:a16="http://schemas.microsoft.com/office/drawing/2014/main" xmlns="" id="{94D2136D-0653-46BE-67E5-18324D2EC0B6}"/>
+                  <a16:creationId xmlns="" xmlns:a16="http://schemas.microsoft.com/office/drawing/2014/main" id="{94D2136D-0653-46BE-67E5-18324D2EC0B6}"/>
                 </a:ext>
               </a:extLst>
             </p:cNvPr>
@@ -36239,7 +36254,7 @@
             <p:cNvPr id="6" name="TextBox 5">
               <a:extLst>
                 <a:ext uri="{FF2B5EF4-FFF2-40B4-BE49-F238E27FC236}">
-                  <a16:creationId xmlns:a16="http://schemas.microsoft.com/office/drawing/2014/main" xmlns="" id="{B4AD70FF-F2CA-6E18-94F8-0513319E06A3}"/>
+                  <a16:creationId xmlns="" xmlns:a16="http://schemas.microsoft.com/office/drawing/2014/main" id="{B4AD70FF-F2CA-6E18-94F8-0513319E06A3}"/>
                 </a:ext>
               </a:extLst>
             </p:cNvPr>
@@ -36280,7 +36295,7 @@
     </p:spTree>
     <p:extLst>
       <p:ext uri="{BB962C8B-B14F-4D97-AF65-F5344CB8AC3E}">
-        <p14:creationId xmlns:p14="http://schemas.microsoft.com/office/powerpoint/2010/main" xmlns="" val="1684539763"/>
+        <p14:creationId xmlns="" xmlns:p14="http://schemas.microsoft.com/office/powerpoint/2010/main" val="1684539763"/>
       </p:ext>
     </p:extLst>
   </p:cSld>
@@ -36312,7 +36327,7 @@
           <p:cNvPr id="8" name="Title 1">
             <a:extLst>
               <a:ext uri="{FF2B5EF4-FFF2-40B4-BE49-F238E27FC236}">
-                <a16:creationId xmlns:a16="http://schemas.microsoft.com/office/drawing/2014/main" xmlns="" id="{47A9874B-BCA9-8420-1595-EDD1865A099A}"/>
+                <a16:creationId xmlns="" xmlns:a16="http://schemas.microsoft.com/office/drawing/2014/main" id="{47A9874B-BCA9-8420-1595-EDD1865A099A}"/>
               </a:ext>
             </a:extLst>
           </p:cNvPr>
@@ -36346,7 +36361,7 @@
           <p:cNvPr id="9" name="Content Placeholder 2">
             <a:extLst>
               <a:ext uri="{FF2B5EF4-FFF2-40B4-BE49-F238E27FC236}">
-                <a16:creationId xmlns:a16="http://schemas.microsoft.com/office/drawing/2014/main" xmlns="" id="{A6A33159-D030-2F82-A142-F75940728319}"/>
+                <a16:creationId xmlns="" xmlns:a16="http://schemas.microsoft.com/office/drawing/2014/main" id="{A6A33159-D030-2F82-A142-F75940728319}"/>
               </a:ext>
             </a:extLst>
           </p:cNvPr>
@@ -36495,7 +36510,7 @@
     </p:spTree>
     <p:extLst>
       <p:ext uri="{BB962C8B-B14F-4D97-AF65-F5344CB8AC3E}">
-        <p14:creationId xmlns:p14="http://schemas.microsoft.com/office/powerpoint/2010/main" xmlns="" val="3029778717"/>
+        <p14:creationId xmlns="" xmlns:p14="http://schemas.microsoft.com/office/powerpoint/2010/main" val="3029778717"/>
       </p:ext>
     </p:extLst>
   </p:cSld>
@@ -36527,7 +36542,7 @@
           <p:cNvPr id="2" name="Title 1">
             <a:extLst>
               <a:ext uri="{FF2B5EF4-FFF2-40B4-BE49-F238E27FC236}">
-                <a16:creationId xmlns:a16="http://schemas.microsoft.com/office/drawing/2014/main" xmlns="" id="{47A9874B-BCA9-8420-1595-EDD1865A099A}"/>
+                <a16:creationId xmlns="" xmlns:a16="http://schemas.microsoft.com/office/drawing/2014/main" id="{47A9874B-BCA9-8420-1595-EDD1865A099A}"/>
               </a:ext>
             </a:extLst>
           </p:cNvPr>
@@ -36561,7 +36576,7 @@
           <p:cNvPr id="3" name="Content Placeholder 2">
             <a:extLst>
               <a:ext uri="{FF2B5EF4-FFF2-40B4-BE49-F238E27FC236}">
-                <a16:creationId xmlns:a16="http://schemas.microsoft.com/office/drawing/2014/main" xmlns="" id="{68A5FD2B-E3E5-1C2B-0151-21F216B14A33}"/>
+                <a16:creationId xmlns="" xmlns:a16="http://schemas.microsoft.com/office/drawing/2014/main" id="{68A5FD2B-E3E5-1C2B-0151-21F216B14A33}"/>
               </a:ext>
             </a:extLst>
           </p:cNvPr>
@@ -36673,7 +36688,7 @@
           <p:cNvPr id="4" name="Content Placeholder 3">
             <a:extLst>
               <a:ext uri="{FF2B5EF4-FFF2-40B4-BE49-F238E27FC236}">
-                <a16:creationId xmlns:a16="http://schemas.microsoft.com/office/drawing/2014/main" xmlns="" id="{ACFBB810-3430-2C29-1AA0-9744AA0A1AA3}"/>
+                <a16:creationId xmlns="" xmlns:a16="http://schemas.microsoft.com/office/drawing/2014/main" id="{ACFBB810-3430-2C29-1AA0-9744AA0A1AA3}"/>
               </a:ext>
             </a:extLst>
           </p:cNvPr>
@@ -36816,7 +36831,7 @@
     </p:spTree>
     <p:extLst>
       <p:ext uri="{BB962C8B-B14F-4D97-AF65-F5344CB8AC3E}">
-        <p14:creationId xmlns:p14="http://schemas.microsoft.com/office/powerpoint/2010/main" xmlns="" val="2198835006"/>
+        <p14:creationId xmlns="" xmlns:p14="http://schemas.microsoft.com/office/powerpoint/2010/main" val="2198835006"/>
       </p:ext>
     </p:extLst>
   </p:cSld>
@@ -36848,7 +36863,7 @@
           <p:cNvPr id="2" name="Title 1">
             <a:extLst>
               <a:ext uri="{FF2B5EF4-FFF2-40B4-BE49-F238E27FC236}">
-                <a16:creationId xmlns:a16="http://schemas.microsoft.com/office/drawing/2014/main" xmlns="" id="{5D030A76-B788-B363-104E-266B7C7F7208}"/>
+                <a16:creationId xmlns="" xmlns:a16="http://schemas.microsoft.com/office/drawing/2014/main" id="{5D030A76-B788-B363-104E-266B7C7F7208}"/>
               </a:ext>
             </a:extLst>
           </p:cNvPr>
@@ -36882,7 +36897,7 @@
           <p:cNvPr id="7" name="Content Placeholder 2">
             <a:extLst>
               <a:ext uri="{FF2B5EF4-FFF2-40B4-BE49-F238E27FC236}">
-                <a16:creationId xmlns:a16="http://schemas.microsoft.com/office/drawing/2014/main" xmlns="" id="{68A5FD2B-E3E5-1C2B-0151-21F216B14A33}"/>
+                <a16:creationId xmlns="" xmlns:a16="http://schemas.microsoft.com/office/drawing/2014/main" id="{68A5FD2B-E3E5-1C2B-0151-21F216B14A33}"/>
               </a:ext>
             </a:extLst>
           </p:cNvPr>
@@ -36979,7 +36994,7 @@
           <p:cNvPr id="10" name="Content Placeholder 3">
             <a:extLst>
               <a:ext uri="{FF2B5EF4-FFF2-40B4-BE49-F238E27FC236}">
-                <a16:creationId xmlns:a16="http://schemas.microsoft.com/office/drawing/2014/main" xmlns="" id="{ACFBB810-3430-2C29-1AA0-9744AA0A1AA3}"/>
+                <a16:creationId xmlns="" xmlns:a16="http://schemas.microsoft.com/office/drawing/2014/main" id="{ACFBB810-3430-2C29-1AA0-9744AA0A1AA3}"/>
               </a:ext>
             </a:extLst>
           </p:cNvPr>
@@ -37225,7 +37240,7 @@
     </p:spTree>
     <p:extLst>
       <p:ext uri="{BB962C8B-B14F-4D97-AF65-F5344CB8AC3E}">
-        <p14:creationId xmlns:p14="http://schemas.microsoft.com/office/powerpoint/2010/main" xmlns="" val="414613742"/>
+        <p14:creationId xmlns="" xmlns:p14="http://schemas.microsoft.com/office/powerpoint/2010/main" val="414613742"/>
       </p:ext>
     </p:extLst>
   </p:cSld>
@@ -37257,7 +37272,7 @@
           <p:cNvPr id="2" name="Title 1">
             <a:extLst>
               <a:ext uri="{FF2B5EF4-FFF2-40B4-BE49-F238E27FC236}">
-                <a16:creationId xmlns:a16="http://schemas.microsoft.com/office/drawing/2014/main" xmlns="" id="{5D030A76-B788-B363-104E-266B7C7F7208}"/>
+                <a16:creationId xmlns="" xmlns:a16="http://schemas.microsoft.com/office/drawing/2014/main" id="{5D030A76-B788-B363-104E-266B7C7F7208}"/>
               </a:ext>
             </a:extLst>
           </p:cNvPr>
@@ -37291,7 +37306,7 @@
           <p:cNvPr id="7" name="Content Placeholder 2">
             <a:extLst>
               <a:ext uri="{FF2B5EF4-FFF2-40B4-BE49-F238E27FC236}">
-                <a16:creationId xmlns:a16="http://schemas.microsoft.com/office/drawing/2014/main" xmlns="" id="{68A5FD2B-E3E5-1C2B-0151-21F216B14A33}"/>
+                <a16:creationId xmlns="" xmlns:a16="http://schemas.microsoft.com/office/drawing/2014/main" id="{68A5FD2B-E3E5-1C2B-0151-21F216B14A33}"/>
               </a:ext>
             </a:extLst>
           </p:cNvPr>
@@ -37593,7 +37608,7 @@
           <p:cNvPr id="10" name="Content Placeholder 3">
             <a:extLst>
               <a:ext uri="{FF2B5EF4-FFF2-40B4-BE49-F238E27FC236}">
-                <a16:creationId xmlns:a16="http://schemas.microsoft.com/office/drawing/2014/main" xmlns="" id="{ACFBB810-3430-2C29-1AA0-9744AA0A1AA3}"/>
+                <a16:creationId xmlns="" xmlns:a16="http://schemas.microsoft.com/office/drawing/2014/main" id="{ACFBB810-3430-2C29-1AA0-9744AA0A1AA3}"/>
               </a:ext>
             </a:extLst>
           </p:cNvPr>
@@ -37839,7 +37854,7 @@
     </p:spTree>
     <p:extLst>
       <p:ext uri="{BB962C8B-B14F-4D97-AF65-F5344CB8AC3E}">
-        <p14:creationId xmlns:p14="http://schemas.microsoft.com/office/powerpoint/2010/main" xmlns="" val="414613742"/>
+        <p14:creationId xmlns="" xmlns:p14="http://schemas.microsoft.com/office/powerpoint/2010/main" val="414613742"/>
       </p:ext>
     </p:extLst>
   </p:cSld>
@@ -37871,7 +37886,7 @@
           <p:cNvPr id="2" name="Title 1">
             <a:extLst>
               <a:ext uri="{FF2B5EF4-FFF2-40B4-BE49-F238E27FC236}">
-                <a16:creationId xmlns:a16="http://schemas.microsoft.com/office/drawing/2014/main" xmlns="" id="{5D030A76-B788-B363-104E-266B7C7F7208}"/>
+                <a16:creationId xmlns="" xmlns:a16="http://schemas.microsoft.com/office/drawing/2014/main" id="{47A9874B-BCA9-8420-1595-EDD1865A099A}"/>
               </a:ext>
             </a:extLst>
           </p:cNvPr>
@@ -37895,276 +37910,6 @@
           <a:p>
             <a:r>
               <a:rPr lang="en-US" dirty="0"/>
-              <a:t>Code Generation</a:t>
-            </a:r>
-          </a:p>
-        </p:txBody>
-      </p:sp>
-      <p:sp>
-        <p:nvSpPr>
-          <p:cNvPr id="6" name="Content Placeholder 2">
-            <a:extLst>
-              <a:ext uri="{FF2B5EF4-FFF2-40B4-BE49-F238E27FC236}">
-                <a16:creationId xmlns:a16="http://schemas.microsoft.com/office/drawing/2014/main" xmlns="" id="{A6A33159-D030-2F82-A142-F75940728319}"/>
-              </a:ext>
-            </a:extLst>
-          </p:cNvPr>
-          <p:cNvSpPr>
-            <a:spLocks noGrp="1"/>
-          </p:cNvSpPr>
-          <p:nvPr>
-            <p:ph sz="quarter" idx="4294967295"/>
-          </p:nvPr>
-        </p:nvSpPr>
-        <p:spPr>
-          <a:xfrm>
-            <a:off x="628650" y="1378574"/>
-            <a:ext cx="7867650" cy="3213667"/>
-          </a:xfrm>
-          <a:prstGeom prst="rect">
-            <a:avLst/>
-          </a:prstGeom>
-          <a:noFill/>
-        </p:spPr>
-        <p:txBody>
-          <a:bodyPr vert="horz" lIns="68580" tIns="34290" rIns="68580" bIns="34290" rtlCol="0" anchor="t">
-            <a:normAutofit lnSpcReduction="10000"/>
-          </a:bodyPr>
-          <a:lstStyle/>
-          <a:p>
-            <a:pPr marL="171450" lvl="1">
-              <a:spcBef>
-                <a:spcPts val="750"/>
-              </a:spcBef>
-              <a:spcAft>
-                <a:spcPts val="600"/>
-              </a:spcAft>
-              <a:buClr>
-                <a:schemeClr val="accent2"/>
-              </a:buClr>
-            </a:pPr>
-            <a:r>
-              <a:rPr lang="en-IN" sz="2000" dirty="0"/>
-              <a:t>Mistral AI</a:t>
-            </a:r>
-          </a:p>
-          <a:p>
-            <a:pPr marL="514350" lvl="2">
-              <a:spcBef>
-                <a:spcPts val="750"/>
-              </a:spcBef>
-              <a:spcAft>
-                <a:spcPts val="600"/>
-              </a:spcAft>
-              <a:buClr>
-                <a:schemeClr val="accent2"/>
-              </a:buClr>
-            </a:pPr>
-            <a:r>
-              <a:rPr lang="en-IN" sz="1700" dirty="0"/>
-              <a:t>Mistral 7B and </a:t>
-            </a:r>
-            <a:r>
-              <a:rPr lang="en-IN" sz="1700" dirty="0" err="1"/>
-              <a:t>Mixtral</a:t>
-            </a:r>
-            <a:r>
-              <a:rPr lang="en-IN" sz="1700" dirty="0"/>
-              <a:t> 8X7B</a:t>
-            </a:r>
-          </a:p>
-          <a:p>
-            <a:pPr marL="171450" lvl="1">
-              <a:spcBef>
-                <a:spcPts val="750"/>
-              </a:spcBef>
-              <a:spcAft>
-                <a:spcPts val="600"/>
-              </a:spcAft>
-              <a:buClr>
-                <a:schemeClr val="accent2"/>
-              </a:buClr>
-            </a:pPr>
-            <a:r>
-              <a:rPr lang="en-IN" sz="2000" dirty="0"/>
-              <a:t>Meta</a:t>
-            </a:r>
-          </a:p>
-          <a:p>
-            <a:pPr marL="514350" lvl="2">
-              <a:spcBef>
-                <a:spcPts val="750"/>
-              </a:spcBef>
-              <a:spcAft>
-                <a:spcPts val="600"/>
-              </a:spcAft>
-              <a:buClr>
-                <a:schemeClr val="accent2"/>
-              </a:buClr>
-            </a:pPr>
-            <a:r>
-              <a:rPr lang="en-IN" sz="1700" dirty="0" err="1"/>
-              <a:t>CodeLlama</a:t>
-            </a:r>
-            <a:r>
-              <a:rPr lang="en-IN" sz="1700" dirty="0"/>
-              <a:t>, </a:t>
-            </a:r>
-            <a:r>
-              <a:rPr lang="en-IN" sz="1700" dirty="0" err="1"/>
-              <a:t>CodeLlama</a:t>
-            </a:r>
-            <a:r>
-              <a:rPr lang="en-IN" sz="1700" dirty="0"/>
-              <a:t>-Python, </a:t>
-            </a:r>
-            <a:r>
-              <a:rPr lang="en-IN" sz="1700" dirty="0" err="1"/>
-              <a:t>CodeLlama</a:t>
-            </a:r>
-            <a:r>
-              <a:rPr lang="en-IN" sz="1700" dirty="0"/>
-              <a:t>-Instruct</a:t>
-            </a:r>
-          </a:p>
-          <a:p>
-            <a:pPr marL="171450" lvl="1">
-              <a:spcBef>
-                <a:spcPts val="750"/>
-              </a:spcBef>
-              <a:spcAft>
-                <a:spcPts val="600"/>
-              </a:spcAft>
-              <a:buClr>
-                <a:schemeClr val="accent2"/>
-              </a:buClr>
-            </a:pPr>
-            <a:r>
-              <a:rPr lang="en-IN" sz="2000" dirty="0" err="1"/>
-              <a:t>Phind</a:t>
-            </a:r>
-            <a:endParaRPr lang="en-IN" sz="2000" dirty="0"/>
-          </a:p>
-          <a:p>
-            <a:pPr marL="514350" lvl="2">
-              <a:spcBef>
-                <a:spcPts val="750"/>
-              </a:spcBef>
-              <a:spcAft>
-                <a:spcPts val="600"/>
-              </a:spcAft>
-              <a:buClr>
-                <a:schemeClr val="accent2"/>
-              </a:buClr>
-            </a:pPr>
-            <a:r>
-              <a:rPr lang="en-IN" sz="1700" dirty="0"/>
-              <a:t>Phind-CodeLlama-34B, Phind-CodeLlama-34B-Python</a:t>
-            </a:r>
-          </a:p>
-          <a:p>
-            <a:pPr marL="171450" lvl="1">
-              <a:spcBef>
-                <a:spcPts val="750"/>
-              </a:spcBef>
-              <a:spcAft>
-                <a:spcPts val="600"/>
-              </a:spcAft>
-              <a:buClr>
-                <a:schemeClr val="accent2"/>
-              </a:buClr>
-            </a:pPr>
-            <a:r>
-              <a:rPr lang="en-IN" sz="2000" dirty="0" err="1"/>
-              <a:t>BigCode</a:t>
-            </a:r>
-            <a:r>
-              <a:rPr lang="en-IN" sz="2000" dirty="0"/>
-              <a:t> Project</a:t>
-            </a:r>
-          </a:p>
-          <a:p>
-            <a:pPr marL="514350" lvl="2">
-              <a:spcBef>
-                <a:spcPts val="750"/>
-              </a:spcBef>
-              <a:spcAft>
-                <a:spcPts val="600"/>
-              </a:spcAft>
-              <a:buClr>
-                <a:schemeClr val="accent2"/>
-              </a:buClr>
-            </a:pPr>
-            <a:r>
-              <a:rPr lang="en-US" sz="1700" dirty="0" err="1"/>
-              <a:t>StarCoder</a:t>
-            </a:r>
-            <a:r>
-              <a:rPr lang="en-US" sz="1700" dirty="0"/>
-              <a:t>, StarCoder2</a:t>
-            </a:r>
-          </a:p>
-        </p:txBody>
-      </p:sp>
-    </p:spTree>
-    <p:extLst>
-      <p:ext uri="{BB962C8B-B14F-4D97-AF65-F5344CB8AC3E}">
-        <p14:creationId xmlns:p14="http://schemas.microsoft.com/office/powerpoint/2010/main" xmlns="" val="414613742"/>
-      </p:ext>
-    </p:extLst>
-  </p:cSld>
-  <p:clrMapOvr>
-    <a:masterClrMapping/>
-  </p:clrMapOvr>
-</p:sld>
-</file>
-
-<file path=ppt/slides/slide47.xml><?xml version="1.0" encoding="utf-8"?>
-<p:sld xmlns:a="http://schemas.openxmlformats.org/drawingml/2006/main" xmlns:r="http://schemas.openxmlformats.org/officeDocument/2006/relationships" xmlns:p="http://schemas.openxmlformats.org/presentationml/2006/main">
-  <p:cSld>
-    <p:spTree>
-      <p:nvGrpSpPr>
-        <p:cNvPr id="1" name=""/>
-        <p:cNvGrpSpPr/>
-        <p:nvPr/>
-      </p:nvGrpSpPr>
-      <p:grpSpPr>
-        <a:xfrm>
-          <a:off x="0" y="0"/>
-          <a:ext cx="0" cy="0"/>
-          <a:chOff x="0" y="0"/>
-          <a:chExt cx="0" cy="0"/>
-        </a:xfrm>
-      </p:grpSpPr>
-      <p:sp>
-        <p:nvSpPr>
-          <p:cNvPr id="2" name="Title 1">
-            <a:extLst>
-              <a:ext uri="{FF2B5EF4-FFF2-40B4-BE49-F238E27FC236}">
-                <a16:creationId xmlns:a16="http://schemas.microsoft.com/office/drawing/2014/main" xmlns="" id="{47A9874B-BCA9-8420-1595-EDD1865A099A}"/>
-              </a:ext>
-            </a:extLst>
-          </p:cNvPr>
-          <p:cNvSpPr>
-            <a:spLocks noGrp="1"/>
-          </p:cNvSpPr>
-          <p:nvPr>
-            <p:ph type="title"/>
-          </p:nvPr>
-        </p:nvSpPr>
-        <p:spPr>
-          <a:xfrm>
-            <a:off x="628650" y="273844"/>
-            <a:ext cx="7886700" cy="994172"/>
-          </a:xfrm>
-          <a:noFill/>
-        </p:spPr>
-        <p:txBody>
-          <a:bodyPr anchor="ctr"/>
-          <a:lstStyle/>
-          <a:p>
-            <a:r>
-              <a:rPr lang="en-US" dirty="0"/>
               <a:t>Virtual Assistants</a:t>
             </a:r>
           </a:p>
@@ -38175,7 +37920,7 @@
           <p:cNvPr id="3" name="Content Placeholder 2">
             <a:extLst>
               <a:ext uri="{FF2B5EF4-FFF2-40B4-BE49-F238E27FC236}">
-                <a16:creationId xmlns:a16="http://schemas.microsoft.com/office/drawing/2014/main" xmlns="" id="{68A5FD2B-E3E5-1C2B-0151-21F216B14A33}"/>
+                <a16:creationId xmlns="" xmlns:a16="http://schemas.microsoft.com/office/drawing/2014/main" id="{68A5FD2B-E3E5-1C2B-0151-21F216B14A33}"/>
               </a:ext>
             </a:extLst>
           </p:cNvPr>
@@ -38339,7 +38084,318 @@
     </p:spTree>
     <p:extLst>
       <p:ext uri="{BB962C8B-B14F-4D97-AF65-F5344CB8AC3E}">
-        <p14:creationId xmlns:p14="http://schemas.microsoft.com/office/powerpoint/2010/main" xmlns="" val="1127649784"/>
+        <p14:creationId xmlns="" xmlns:p14="http://schemas.microsoft.com/office/powerpoint/2010/main" val="1127649784"/>
+      </p:ext>
+    </p:extLst>
+  </p:cSld>
+  <p:clrMapOvr>
+    <a:masterClrMapping/>
+  </p:clrMapOvr>
+</p:sld>
+</file>
+
+<file path=ppt/slides/slide47.xml><?xml version="1.0" encoding="utf-8"?>
+<p:sld xmlns:a="http://schemas.openxmlformats.org/drawingml/2006/main" xmlns:r="http://schemas.openxmlformats.org/officeDocument/2006/relationships" xmlns:p="http://schemas.openxmlformats.org/presentationml/2006/main">
+  <p:cSld>
+    <p:spTree>
+      <p:nvGrpSpPr>
+        <p:cNvPr id="1" name=""/>
+        <p:cNvGrpSpPr/>
+        <p:nvPr/>
+      </p:nvGrpSpPr>
+      <p:grpSpPr>
+        <a:xfrm>
+          <a:off x="0" y="0"/>
+          <a:ext cx="0" cy="0"/>
+          <a:chOff x="0" y="0"/>
+          <a:chExt cx="0" cy="0"/>
+        </a:xfrm>
+      </p:grpSpPr>
+      <p:sp>
+        <p:nvSpPr>
+          <p:cNvPr id="2" name="Title 1">
+            <a:extLst>
+              <a:ext uri="{FF2B5EF4-FFF2-40B4-BE49-F238E27FC236}">
+                <a16:creationId xmlns="" xmlns:a16="http://schemas.microsoft.com/office/drawing/2014/main" id="{47A9874B-BCA9-8420-1595-EDD1865A099A}"/>
+              </a:ext>
+            </a:extLst>
+          </p:cNvPr>
+          <p:cNvSpPr>
+            <a:spLocks noGrp="1"/>
+          </p:cNvSpPr>
+          <p:nvPr>
+            <p:ph type="title"/>
+          </p:nvPr>
+        </p:nvSpPr>
+        <p:spPr>
+          <a:xfrm>
+            <a:off x="628650" y="273844"/>
+            <a:ext cx="7886700" cy="994172"/>
+          </a:xfrm>
+          <a:noFill/>
+        </p:spPr>
+        <p:txBody>
+          <a:bodyPr anchor="ctr"/>
+          <a:lstStyle/>
+          <a:p>
+            <a:r>
+              <a:rPr lang="en-US" dirty="0"/>
+              <a:t>Medical Diagnosis</a:t>
+            </a:r>
+          </a:p>
+        </p:txBody>
+      </p:sp>
+      <p:sp>
+        <p:nvSpPr>
+          <p:cNvPr id="3" name="Content Placeholder 2">
+            <a:extLst>
+              <a:ext uri="{FF2B5EF4-FFF2-40B4-BE49-F238E27FC236}">
+                <a16:creationId xmlns="" xmlns:a16="http://schemas.microsoft.com/office/drawing/2014/main" id="{68A5FD2B-E3E5-1C2B-0151-21F216B14A33}"/>
+              </a:ext>
+            </a:extLst>
+          </p:cNvPr>
+          <p:cNvSpPr>
+            <a:spLocks noGrp="1"/>
+          </p:cNvSpPr>
+          <p:nvPr>
+            <p:ph sz="half" idx="1"/>
+          </p:nvPr>
+        </p:nvSpPr>
+        <p:spPr>
+          <a:xfrm>
+            <a:off x="628651" y="1369219"/>
+            <a:ext cx="3771899" cy="3223260"/>
+          </a:xfrm>
+          <a:noFill/>
+        </p:spPr>
+        <p:txBody>
+          <a:bodyPr>
+            <a:normAutofit/>
+          </a:bodyPr>
+          <a:lstStyle/>
+          <a:p>
+            <a:pPr lvl="1"/>
+            <a:r>
+              <a:rPr lang="en-US" sz="2000" dirty="0"/>
+              <a:t>Symptom analysis</a:t>
+            </a:r>
+          </a:p>
+          <a:p>
+            <a:pPr lvl="1"/>
+            <a:r>
+              <a:rPr lang="en-US" sz="2000" dirty="0"/>
+              <a:t>Disease identification</a:t>
+            </a:r>
+          </a:p>
+          <a:p>
+            <a:pPr lvl="1"/>
+            <a:r>
+              <a:rPr lang="en-US" sz="2000" dirty="0"/>
+              <a:t>Treatment recommendations</a:t>
+            </a:r>
+          </a:p>
+          <a:p>
+            <a:pPr lvl="1"/>
+            <a:r>
+              <a:rPr lang="en-US" sz="2000" dirty="0"/>
+              <a:t>Medical literature analysis</a:t>
+            </a:r>
+          </a:p>
+          <a:p>
+            <a:pPr lvl="1"/>
+            <a:r>
+              <a:rPr lang="en-US" sz="2000" dirty="0"/>
+              <a:t>Medical question answering</a:t>
+            </a:r>
+          </a:p>
+          <a:p>
+            <a:pPr lvl="1"/>
+            <a:r>
+              <a:rPr lang="en-US" sz="2000" dirty="0"/>
+              <a:t>Medical imaging analysis</a:t>
+            </a:r>
+          </a:p>
+        </p:txBody>
+      </p:sp>
+      <p:sp>
+        <p:nvSpPr>
+          <p:cNvPr id="10" name="Content Placeholder 2">
+            <a:extLst>
+              <a:ext uri="{FF2B5EF4-FFF2-40B4-BE49-F238E27FC236}">
+                <a16:creationId xmlns="" xmlns:a16="http://schemas.microsoft.com/office/drawing/2014/main" id="{A6A33159-D030-2F82-A142-F75940728319}"/>
+              </a:ext>
+            </a:extLst>
+          </p:cNvPr>
+          <p:cNvSpPr>
+            <a:spLocks noGrp="1"/>
+          </p:cNvSpPr>
+          <p:nvPr>
+            <p:ph sz="quarter" idx="4294967295"/>
+          </p:nvPr>
+        </p:nvSpPr>
+        <p:spPr>
+          <a:xfrm>
+            <a:off x="4714875" y="1378574"/>
+            <a:ext cx="3638550" cy="3213667"/>
+          </a:xfrm>
+          <a:prstGeom prst="rect">
+            <a:avLst/>
+          </a:prstGeom>
+          <a:noFill/>
+        </p:spPr>
+        <p:txBody>
+          <a:bodyPr vert="horz" lIns="68580" tIns="34290" rIns="68580" bIns="34290" rtlCol="0" anchor="t">
+            <a:normAutofit/>
+          </a:bodyPr>
+          <a:lstStyle/>
+          <a:p>
+            <a:pPr marL="171450" lvl="1">
+              <a:spcBef>
+                <a:spcPts val="750"/>
+              </a:spcBef>
+              <a:spcAft>
+                <a:spcPts val="600"/>
+              </a:spcAft>
+              <a:buClr>
+                <a:schemeClr val="accent2"/>
+              </a:buClr>
+            </a:pPr>
+            <a:r>
+              <a:rPr lang="en-US" sz="2000" dirty="0"/>
+              <a:t>Google Med–</a:t>
+            </a:r>
+            <a:r>
+              <a:rPr lang="en-US" sz="2000" dirty="0" err="1"/>
+              <a:t>PaLM</a:t>
+            </a:r>
+            <a:r>
+              <a:rPr lang="en-US" sz="2000" dirty="0"/>
+              <a:t> 2</a:t>
+            </a:r>
+          </a:p>
+          <a:p>
+            <a:pPr marL="514350" lvl="2">
+              <a:spcBef>
+                <a:spcPts val="750"/>
+              </a:spcBef>
+              <a:spcAft>
+                <a:spcPts val="600"/>
+              </a:spcAft>
+              <a:buClr>
+                <a:schemeClr val="accent2"/>
+              </a:buClr>
+            </a:pPr>
+            <a:r>
+              <a:rPr lang="en-US" sz="1700" dirty="0"/>
+              <a:t>Medical question answering</a:t>
+            </a:r>
+          </a:p>
+          <a:p>
+            <a:pPr marL="171450" lvl="1">
+              <a:spcBef>
+                <a:spcPts val="750"/>
+              </a:spcBef>
+              <a:spcAft>
+                <a:spcPts val="600"/>
+              </a:spcAft>
+              <a:buClr>
+                <a:schemeClr val="accent2"/>
+              </a:buClr>
+            </a:pPr>
+            <a:r>
+              <a:rPr lang="en-US" sz="2000" dirty="0"/>
+              <a:t>Google Med-Gemini</a:t>
+            </a:r>
+          </a:p>
+          <a:p>
+            <a:pPr marL="514350" lvl="2">
+              <a:spcBef>
+                <a:spcPts val="750"/>
+              </a:spcBef>
+              <a:spcAft>
+                <a:spcPts val="600"/>
+              </a:spcAft>
+              <a:buClr>
+                <a:schemeClr val="accent2"/>
+              </a:buClr>
+            </a:pPr>
+            <a:r>
+              <a:rPr lang="en-US" sz="1700" dirty="0"/>
+              <a:t>Medical question answering</a:t>
+            </a:r>
+          </a:p>
+          <a:p>
+            <a:pPr marL="171450" lvl="1">
+              <a:spcBef>
+                <a:spcPts val="750"/>
+              </a:spcBef>
+              <a:spcAft>
+                <a:spcPts val="600"/>
+              </a:spcAft>
+              <a:buClr>
+                <a:schemeClr val="accent2"/>
+              </a:buClr>
+            </a:pPr>
+            <a:r>
+              <a:rPr lang="en-IN" sz="2000" dirty="0" err="1"/>
+              <a:t>BiomedGPT</a:t>
+            </a:r>
+            <a:endParaRPr lang="en-IN" sz="2000" dirty="0"/>
+          </a:p>
+          <a:p>
+            <a:pPr marL="514350" lvl="2">
+              <a:spcBef>
+                <a:spcPts val="750"/>
+              </a:spcBef>
+              <a:spcAft>
+                <a:spcPts val="600"/>
+              </a:spcAft>
+              <a:buClr>
+                <a:schemeClr val="accent2"/>
+              </a:buClr>
+            </a:pPr>
+            <a:r>
+              <a:rPr lang="en-IN" sz="1700" dirty="0"/>
+              <a:t>Vision language model</a:t>
+            </a:r>
+          </a:p>
+          <a:p>
+            <a:pPr marL="514350" lvl="2">
+              <a:spcBef>
+                <a:spcPts val="750"/>
+              </a:spcBef>
+              <a:spcAft>
+                <a:spcPts val="600"/>
+              </a:spcAft>
+              <a:buClr>
+                <a:schemeClr val="accent2"/>
+              </a:buClr>
+            </a:pPr>
+            <a:r>
+              <a:rPr lang="en-IN" sz="1700" dirty="0"/>
+              <a:t>Visual question answering</a:t>
+            </a:r>
+          </a:p>
+          <a:p>
+            <a:pPr marL="171450" lvl="1">
+              <a:spcBef>
+                <a:spcPts val="750"/>
+              </a:spcBef>
+              <a:spcAft>
+                <a:spcPts val="600"/>
+              </a:spcAft>
+              <a:buClr>
+                <a:schemeClr val="accent2"/>
+              </a:buClr>
+            </a:pPr>
+            <a:endParaRPr lang="en-US" sz="1700" dirty="0"/>
+          </a:p>
+        </p:txBody>
+      </p:sp>
+    </p:spTree>
+    <p:extLst>
+      <p:ext uri="{BB962C8B-B14F-4D97-AF65-F5344CB8AC3E}">
+        <p14:creationId xmlns="" xmlns:p14="http://schemas.microsoft.com/office/powerpoint/2010/main" val="1127649784"/>
       </p:ext>
     </p:extLst>
   </p:cSld>
@@ -38371,7 +38427,7 @@
           <p:cNvPr id="2" name="Title 1">
             <a:extLst>
               <a:ext uri="{FF2B5EF4-FFF2-40B4-BE49-F238E27FC236}">
-                <a16:creationId xmlns:a16="http://schemas.microsoft.com/office/drawing/2014/main" xmlns="" id="{47A9874B-BCA9-8420-1595-EDD1865A099A}"/>
+                <a16:creationId xmlns="" xmlns:a16="http://schemas.microsoft.com/office/drawing/2014/main" id="{47A9874B-BCA9-8420-1595-EDD1865A099A}"/>
               </a:ext>
             </a:extLst>
           </p:cNvPr>
@@ -38395,7 +38451,7 @@
           <a:p>
             <a:r>
               <a:rPr lang="en-US" dirty="0"/>
-              <a:t>Medical Diagnosis</a:t>
+              <a:t>Creative Writing</a:t>
             </a:r>
           </a:p>
         </p:txBody>
@@ -38405,7 +38461,7 @@
           <p:cNvPr id="3" name="Content Placeholder 2">
             <a:extLst>
               <a:ext uri="{FF2B5EF4-FFF2-40B4-BE49-F238E27FC236}">
-                <a16:creationId xmlns:a16="http://schemas.microsoft.com/office/drawing/2014/main" xmlns="" id="{68A5FD2B-E3E5-1C2B-0151-21F216B14A33}"/>
+                <a16:creationId xmlns="" xmlns:a16="http://schemas.microsoft.com/office/drawing/2014/main" id="{68A5FD2B-E3E5-1C2B-0151-21F216B14A33}"/>
               </a:ext>
             </a:extLst>
           </p:cNvPr>
@@ -38419,7 +38475,7 @@
         <p:spPr>
           <a:xfrm>
             <a:off x="628651" y="1369219"/>
-            <a:ext cx="3771899" cy="3223260"/>
+            <a:ext cx="3686372" cy="3223260"/>
           </a:xfrm>
           <a:noFill/>
         </p:spPr>
@@ -38429,55 +38485,46 @@
           </a:bodyPr>
           <a:lstStyle/>
           <a:p>
-            <a:pPr lvl="1"/>
-            <a:r>
-              <a:rPr lang="en-US" sz="2000" dirty="0"/>
-              <a:t>Symptom analysis</a:t>
-            </a:r>
-          </a:p>
-          <a:p>
-            <a:pPr lvl="1"/>
-            <a:r>
-              <a:rPr lang="en-US" sz="2000" dirty="0"/>
-              <a:t>Disease identification</a:t>
-            </a:r>
-          </a:p>
-          <a:p>
-            <a:pPr lvl="1"/>
-            <a:r>
-              <a:rPr lang="en-US" sz="2000" dirty="0"/>
-              <a:t>Treatment recommendations</a:t>
-            </a:r>
-          </a:p>
-          <a:p>
-            <a:pPr lvl="1"/>
-            <a:r>
-              <a:rPr lang="en-US" sz="2000" dirty="0"/>
-              <a:t>Medical literature analysis</a:t>
-            </a:r>
-          </a:p>
-          <a:p>
-            <a:pPr lvl="1"/>
-            <a:r>
-              <a:rPr lang="en-US" sz="2000" dirty="0"/>
-              <a:t>Medical question answering</a:t>
-            </a:r>
-          </a:p>
-          <a:p>
-            <a:pPr lvl="1"/>
-            <a:r>
-              <a:rPr lang="en-US" sz="2000" dirty="0"/>
-              <a:t>Medical imaging analysis</a:t>
-            </a:r>
+            <a:pPr algn="just"/>
+            <a:r>
+              <a:rPr lang="en-IN" b="1" dirty="0">
+                <a:solidFill>
+                  <a:schemeClr val="accent5">
+                    <a:lumMod val="50000"/>
+                  </a:schemeClr>
+                </a:solidFill>
+              </a:rPr>
+              <a:t>Write a story on atom for first standard student.</a:t>
+            </a:r>
+            <a:r>
+              <a:rPr lang="en-IN" dirty="0">
+                <a:solidFill>
+                  <a:schemeClr val="accent5">
+                    <a:lumMod val="50000"/>
+                  </a:schemeClr>
+                </a:solidFill>
+              </a:rPr>
+              <a:t> </a:t>
+            </a:r>
+          </a:p>
+          <a:p>
+            <a:pPr algn="just"/>
+            <a:endParaRPr lang="en-US" sz="1800" dirty="0">
+              <a:solidFill>
+                <a:schemeClr val="accent5">
+                  <a:lumMod val="50000"/>
+                </a:schemeClr>
+              </a:solidFill>
+            </a:endParaRPr>
           </a:p>
         </p:txBody>
       </p:sp>
       <p:sp>
         <p:nvSpPr>
-          <p:cNvPr id="10" name="Content Placeholder 2">
+          <p:cNvPr id="4" name="Content Placeholder 3">
             <a:extLst>
               <a:ext uri="{FF2B5EF4-FFF2-40B4-BE49-F238E27FC236}">
-                <a16:creationId xmlns:a16="http://schemas.microsoft.com/office/drawing/2014/main" xmlns="" id="{A6A33159-D030-2F82-A142-F75940728319}"/>
+                <a16:creationId xmlns="" xmlns:a16="http://schemas.microsoft.com/office/drawing/2014/main" id="{ACFBB810-3430-2C29-1AA0-9744AA0A1AA3}"/>
               </a:ext>
             </a:extLst>
           </p:cNvPr>
@@ -38485,13 +38532,125 @@
             <a:spLocks noGrp="1"/>
           </p:cNvSpPr>
           <p:nvPr>
-            <p:ph sz="quarter" idx="4294967295"/>
+            <p:ph sz="half" idx="15"/>
           </p:nvPr>
         </p:nvSpPr>
         <p:spPr>
           <a:xfrm>
-            <a:off x="4714875" y="1378574"/>
-            <a:ext cx="3638550" cy="3213667"/>
+            <a:off x="4610922" y="1362687"/>
+            <a:ext cx="3909060" cy="3223260"/>
+          </a:xfrm>
+          <a:noFill/>
+        </p:spPr>
+        <p:txBody>
+          <a:bodyPr>
+            <a:normAutofit fontScale="92500" lnSpcReduction="20000"/>
+          </a:bodyPr>
+          <a:lstStyle/>
+          <a:p>
+            <a:pPr algn="just"/>
+            <a:r>
+              <a:rPr lang="en-IN" sz="1600" dirty="0">
+                <a:solidFill>
+                  <a:schemeClr val="accent4">
+                    <a:lumMod val="50000"/>
+                  </a:schemeClr>
+                </a:solidFill>
+              </a:rPr>
+              <a:t>The Adventures of Atom</a:t>
+            </a:r>
+          </a:p>
+          <a:p>
+            <a:pPr algn="just"/>
+            <a:r>
+              <a:rPr lang="en-IN" sz="1600" dirty="0">
+                <a:solidFill>
+                  <a:schemeClr val="accent4">
+                    <a:lumMod val="50000"/>
+                  </a:schemeClr>
+                </a:solidFill>
+              </a:rPr>
+              <a:t>Once upon a time, in a tiny world, there was a tiny creature named Atom. Atom was so small that you needed a special tool to see him.</a:t>
+            </a:r>
+          </a:p>
+          <a:p>
+            <a:pPr algn="just"/>
+            <a:r>
+              <a:rPr lang="en-IN" sz="1600" dirty="0">
+                <a:solidFill>
+                  <a:schemeClr val="accent4">
+                    <a:lumMod val="50000"/>
+                  </a:schemeClr>
+                </a:solidFill>
+              </a:rPr>
+              <a:t>... </a:t>
+            </a:r>
+          </a:p>
+          <a:p>
+            <a:pPr algn="just"/>
+            <a:r>
+              <a:rPr lang="en-IN" sz="1600" dirty="0">
+                <a:solidFill>
+                  <a:schemeClr val="accent4">
+                    <a:lumMod val="50000"/>
+                  </a:schemeClr>
+                </a:solidFill>
+              </a:rPr>
+              <a:t>One day, Atom decided to go on an adventure. He packed a small bag and said goodbye to his family.</a:t>
+            </a:r>
+          </a:p>
+          <a:p>
+            <a:pPr algn="just"/>
+            <a:r>
+              <a:rPr lang="en-IN" sz="1600" dirty="0">
+                <a:solidFill>
+                  <a:schemeClr val="accent4">
+                    <a:lumMod val="50000"/>
+                  </a:schemeClr>
+                </a:solidFill>
+              </a:rPr>
+              <a:t>... </a:t>
+            </a:r>
+          </a:p>
+          <a:p>
+            <a:pPr algn="just"/>
+            <a:r>
+              <a:rPr lang="en-IN" sz="1600" dirty="0">
+                <a:solidFill>
+                  <a:schemeClr val="accent4">
+                    <a:lumMod val="50000"/>
+                  </a:schemeClr>
+                </a:solidFill>
+              </a:rPr>
+              <a:t>The End</a:t>
+            </a:r>
+          </a:p>
+          <a:p>
+            <a:pPr algn="just"/>
+            <a:r>
+              <a:rPr lang="en-IN" sz="1600" dirty="0">
+                <a:solidFill>
+                  <a:schemeClr val="accent4">
+                    <a:lumMod val="50000"/>
+                  </a:schemeClr>
+                </a:solidFill>
+              </a:rPr>
+              <a:t>This story is designed to be simple and easy to understand for a first standard student. </a:t>
+            </a:r>
+            <a:endParaRPr lang="en-US" sz="1800" dirty="0"/>
+          </a:p>
+        </p:txBody>
+      </p:sp>
+      <p:sp>
+        <p:nvSpPr>
+          <p:cNvPr id="6" name="TextBox 5"/>
+          <p:cNvSpPr txBox="1"/>
+          <p:nvPr/>
+        </p:nvSpPr>
+        <p:spPr>
+          <a:xfrm>
+            <a:off x="1733550" y="4714875"/>
+            <a:ext cx="5761969" cy="307777"/>
           </a:xfrm>
           <a:prstGeom prst="rect">
             <a:avLst/>
@@ -38499,158 +38658,29 @@
           <a:noFill/>
         </p:spPr>
         <p:txBody>
-          <a:bodyPr vert="horz" lIns="68580" tIns="34290" rIns="68580" bIns="34290" rtlCol="0" anchor="t">
-            <a:normAutofit/>
+          <a:bodyPr wrap="square" rtlCol="0">
+            <a:spAutoFit/>
           </a:bodyPr>
           <a:lstStyle/>
           <a:p>
-            <a:pPr marL="171450" lvl="1">
-              <a:spcBef>
-                <a:spcPts val="750"/>
-              </a:spcBef>
-              <a:spcAft>
-                <a:spcPts val="600"/>
-              </a:spcAft>
-              <a:buClr>
-                <a:schemeClr val="accent2"/>
-              </a:buClr>
-            </a:pPr>
-            <a:r>
-              <a:rPr lang="en-US" sz="2000" dirty="0"/>
-              <a:t>Google Med–</a:t>
-            </a:r>
-            <a:r>
-              <a:rPr lang="en-US" sz="2000" dirty="0" err="1"/>
-              <a:t>PaLM</a:t>
-            </a:r>
-            <a:r>
-              <a:rPr lang="en-US" sz="2000" dirty="0"/>
-              <a:t> 2</a:t>
-            </a:r>
-          </a:p>
-          <a:p>
-            <a:pPr marL="514350" lvl="2">
-              <a:spcBef>
-                <a:spcPts val="750"/>
-              </a:spcBef>
-              <a:spcAft>
-                <a:spcPts val="600"/>
-              </a:spcAft>
-              <a:buClr>
-                <a:schemeClr val="accent2"/>
-              </a:buClr>
-            </a:pPr>
-            <a:r>
-              <a:rPr lang="en-US" sz="1700" dirty="0"/>
-              <a:t>Medical question answering</a:t>
-            </a:r>
-          </a:p>
-          <a:p>
-            <a:pPr marL="171450" lvl="1">
-              <a:spcBef>
-                <a:spcPts val="750"/>
-              </a:spcBef>
-              <a:spcAft>
-                <a:spcPts val="600"/>
-              </a:spcAft>
-              <a:buClr>
-                <a:schemeClr val="accent2"/>
-              </a:buClr>
-            </a:pPr>
-            <a:r>
-              <a:rPr lang="en-US" sz="2000" dirty="0"/>
-              <a:t>Google Med-Gemini</a:t>
-            </a:r>
-          </a:p>
-          <a:p>
-            <a:pPr marL="514350" lvl="2">
-              <a:spcBef>
-                <a:spcPts val="750"/>
-              </a:spcBef>
-              <a:spcAft>
-                <a:spcPts val="600"/>
-              </a:spcAft>
-              <a:buClr>
-                <a:schemeClr val="accent2"/>
-              </a:buClr>
-            </a:pPr>
-            <a:r>
-              <a:rPr lang="en-US" sz="1700" dirty="0"/>
-              <a:t>Medical question answering</a:t>
-            </a:r>
-          </a:p>
-          <a:p>
-            <a:pPr marL="171450" lvl="1">
-              <a:spcBef>
-                <a:spcPts val="750"/>
-              </a:spcBef>
-              <a:spcAft>
-                <a:spcPts val="600"/>
-              </a:spcAft>
-              <a:buClr>
-                <a:schemeClr val="accent2"/>
-              </a:buClr>
-            </a:pPr>
-            <a:r>
-              <a:rPr lang="en-IN" sz="2000" dirty="0" err="1"/>
-              <a:t>BiomedGPT</a:t>
-            </a:r>
-            <a:endParaRPr lang="en-IN" sz="2000" dirty="0"/>
-          </a:p>
-          <a:p>
-            <a:pPr marL="514350" lvl="2">
-              <a:spcBef>
-                <a:spcPts val="750"/>
-              </a:spcBef>
-              <a:spcAft>
-                <a:spcPts val="600"/>
-              </a:spcAft>
-              <a:buClr>
-                <a:schemeClr val="accent2"/>
-              </a:buClr>
-            </a:pPr>
-            <a:r>
-              <a:rPr lang="en-IN" sz="1700" dirty="0"/>
-              <a:t>Vision language model</a:t>
-            </a:r>
-          </a:p>
-          <a:p>
-            <a:pPr marL="514350" lvl="2">
-              <a:spcBef>
-                <a:spcPts val="750"/>
-              </a:spcBef>
-              <a:spcAft>
-                <a:spcPts val="600"/>
-              </a:spcAft>
-              <a:buClr>
-                <a:schemeClr val="accent2"/>
-              </a:buClr>
-            </a:pPr>
-            <a:r>
-              <a:rPr lang="en-IN" sz="1700" dirty="0"/>
-              <a:t>Visual question answering</a:t>
-            </a:r>
-          </a:p>
-          <a:p>
-            <a:pPr marL="171450" lvl="1">
-              <a:spcBef>
-                <a:spcPts val="750"/>
-              </a:spcBef>
-              <a:spcAft>
-                <a:spcPts val="600"/>
-              </a:spcAft>
-              <a:buClr>
-                <a:schemeClr val="accent2"/>
-              </a:buClr>
-            </a:pPr>
-            <a:endParaRPr lang="en-US" sz="1700" dirty="0"/>
+            <a:pPr algn="r"/>
+            <a:r>
+              <a:rPr lang="en-IN" b="1" dirty="0">
+                <a:solidFill>
+                  <a:schemeClr val="accent2">
+                    <a:lumMod val="50000"/>
+                  </a:schemeClr>
+                </a:solidFill>
+              </a:rPr>
+              <a:t>*Meta-Llama-3.1-8B-Instruct</a:t>
+            </a:r>
           </a:p>
         </p:txBody>
       </p:sp>
     </p:spTree>
     <p:extLst>
       <p:ext uri="{BB962C8B-B14F-4D97-AF65-F5344CB8AC3E}">
-        <p14:creationId xmlns:p14="http://schemas.microsoft.com/office/powerpoint/2010/main" xmlns="" val="1127649784"/>
+        <p14:creationId xmlns="" xmlns:p14="http://schemas.microsoft.com/office/powerpoint/2010/main" val="1127649784"/>
       </p:ext>
     </p:extLst>
   </p:cSld>
@@ -38682,7 +38712,7 @@
           <p:cNvPr id="2" name="Title 1">
             <a:extLst>
               <a:ext uri="{FF2B5EF4-FFF2-40B4-BE49-F238E27FC236}">
-                <a16:creationId xmlns:a16="http://schemas.microsoft.com/office/drawing/2014/main" xmlns="" id="{47A9874B-BCA9-8420-1595-EDD1865A099A}"/>
+                <a16:creationId xmlns="" xmlns:a16="http://schemas.microsoft.com/office/drawing/2014/main" id="{47A9874B-BCA9-8420-1595-EDD1865A099A}"/>
               </a:ext>
             </a:extLst>
           </p:cNvPr>
@@ -38706,7 +38736,7 @@
           <a:p>
             <a:r>
               <a:rPr lang="en-US" dirty="0"/>
-              <a:t>Creative Writing</a:t>
+              <a:t>Education</a:t>
             </a:r>
           </a:p>
         </p:txBody>
@@ -38716,7 +38746,7 @@
           <p:cNvPr id="3" name="Content Placeholder 2">
             <a:extLst>
               <a:ext uri="{FF2B5EF4-FFF2-40B4-BE49-F238E27FC236}">
-                <a16:creationId xmlns:a16="http://schemas.microsoft.com/office/drawing/2014/main" xmlns="" id="{68A5FD2B-E3E5-1C2B-0151-21F216B14A33}"/>
+                <a16:creationId xmlns="" xmlns:a16="http://schemas.microsoft.com/office/drawing/2014/main" id="{68A5FD2B-E3E5-1C2B-0151-21F216B14A33}"/>
               </a:ext>
             </a:extLst>
           </p:cNvPr>
@@ -38742,24 +38772,14 @@
           <a:p>
             <a:pPr algn="just"/>
             <a:r>
-              <a:rPr lang="en-IN" b="1" dirty="0">
+              <a:rPr lang="en-IN" sz="1800" dirty="0">
                 <a:solidFill>
                   <a:schemeClr val="accent5">
                     <a:lumMod val="50000"/>
                   </a:schemeClr>
                 </a:solidFill>
               </a:rPr>
-              <a:t>Write a story on atom for first standard student.</a:t>
-            </a:r>
-            <a:r>
-              <a:rPr lang="en-IN" dirty="0">
-                <a:solidFill>
-                  <a:schemeClr val="accent5">
-                    <a:lumMod val="50000"/>
-                  </a:schemeClr>
-                </a:solidFill>
-              </a:rPr>
-              <a:t> </a:t>
+              <a:t>In six sentences, explain proton, neutron and electron to first standard student.</a:t>
             </a:r>
           </a:p>
           <a:p>
@@ -38779,7 +38799,7 @@
           <p:cNvPr id="4" name="Content Placeholder 3">
             <a:extLst>
               <a:ext uri="{FF2B5EF4-FFF2-40B4-BE49-F238E27FC236}">
-                <a16:creationId xmlns:a16="http://schemas.microsoft.com/office/drawing/2014/main" xmlns="" id="{ACFBB810-3430-2C29-1AA0-9744AA0A1AA3}"/>
+                <a16:creationId xmlns="" xmlns:a16="http://schemas.microsoft.com/office/drawing/2014/main" id="{ACFBB810-3430-2C29-1AA0-9744AA0A1AA3}"/>
               </a:ext>
             </a:extLst>
           </p:cNvPr>
@@ -38812,7 +38832,7 @@
                   </a:schemeClr>
                 </a:solidFill>
               </a:rPr>
-              <a:t>The Adventures of Atom</a:t>
+              <a:t>Here's an explanation of protons, neutrons, and electrons that a first standard student can understand:</a:t>
             </a:r>
           </a:p>
           <a:p>
@@ -38825,7 +38845,7 @@
                   </a:schemeClr>
                 </a:solidFill>
               </a:rPr>
-              <a:t>Once upon a time, in a tiny world, there was a tiny creature named Atom. Atom was so small that you needed a special tool to see him.</a:t>
+              <a:t>The Tiny Building Blocks of Atoms</a:t>
             </a:r>
           </a:p>
           <a:p>
@@ -38838,60 +38858,11 @@
                   </a:schemeClr>
                 </a:solidFill>
               </a:rPr>
-              <a:t>... </a:t>
+              <a:t>You know how we're made up of tiny things called atoms? Well, atoms are made up of even smaller things called protons, neutrons, and electrons. Protons are like the strong and brave soldiers that live in the center of the atom. Neutrons are like the quiet and calm friends who live with the protons in the center. Electrons are like the fast and energetic runners who zoom around the outside of the atom. All three of them work together to make the atom strong and stable!</a:t>
             </a:r>
           </a:p>
           <a:p>
             <a:pPr algn="just"/>
-            <a:r>
-              <a:rPr lang="en-IN" sz="1600" dirty="0">
-                <a:solidFill>
-                  <a:schemeClr val="accent4">
-                    <a:lumMod val="50000"/>
-                  </a:schemeClr>
-                </a:solidFill>
-              </a:rPr>
-              <a:t>One day, Atom decided to go on an adventure. He packed a small bag and said goodbye to his family.</a:t>
-            </a:r>
-          </a:p>
-          <a:p>
-            <a:pPr algn="just"/>
-            <a:r>
-              <a:rPr lang="en-IN" sz="1600" dirty="0">
-                <a:solidFill>
-                  <a:schemeClr val="accent4">
-                    <a:lumMod val="50000"/>
-                  </a:schemeClr>
-                </a:solidFill>
-              </a:rPr>
-              <a:t>... </a:t>
-            </a:r>
-          </a:p>
-          <a:p>
-            <a:pPr algn="just"/>
-            <a:r>
-              <a:rPr lang="en-IN" sz="1600" dirty="0">
-                <a:solidFill>
-                  <a:schemeClr val="accent4">
-                    <a:lumMod val="50000"/>
-                  </a:schemeClr>
-                </a:solidFill>
-              </a:rPr>
-              <a:t>The End</a:t>
-            </a:r>
-          </a:p>
-          <a:p>
-            <a:pPr algn="just"/>
-            <a:r>
-              <a:rPr lang="en-IN" sz="1600" dirty="0">
-                <a:solidFill>
-                  <a:schemeClr val="accent4">
-                    <a:lumMod val="50000"/>
-                  </a:schemeClr>
-                </a:solidFill>
-              </a:rPr>
-              <a:t>This story is designed to be simple and easy to understand for a first standard student. </a:t>
-            </a:r>
             <a:endParaRPr lang="en-US" sz="1800" dirty="0"/>
           </a:p>
         </p:txBody>
@@ -38935,7 +38906,7 @@
     </p:spTree>
     <p:extLst>
       <p:ext uri="{BB962C8B-B14F-4D97-AF65-F5344CB8AC3E}">
-        <p14:creationId xmlns:p14="http://schemas.microsoft.com/office/powerpoint/2010/main" xmlns="" val="1127649784"/>
+        <p14:creationId xmlns="" xmlns:p14="http://schemas.microsoft.com/office/powerpoint/2010/main" val="1127649784"/>
       </p:ext>
     </p:extLst>
   </p:cSld>
@@ -38967,7 +38938,7 @@
           <p:cNvPr id="8" name="Title 1">
             <a:extLst>
               <a:ext uri="{FF2B5EF4-FFF2-40B4-BE49-F238E27FC236}">
-                <a16:creationId xmlns:a16="http://schemas.microsoft.com/office/drawing/2014/main" xmlns="" id="{47A9874B-BCA9-8420-1595-EDD1865A099A}"/>
+                <a16:creationId xmlns="" xmlns:a16="http://schemas.microsoft.com/office/drawing/2014/main" id="{47A9874B-BCA9-8420-1595-EDD1865A099A}"/>
               </a:ext>
             </a:extLst>
           </p:cNvPr>
@@ -39001,7 +38972,7 @@
           <p:cNvPr id="26" name="Content Placeholder 2">
             <a:extLst>
               <a:ext uri="{FF2B5EF4-FFF2-40B4-BE49-F238E27FC236}">
-                <a16:creationId xmlns:a16="http://schemas.microsoft.com/office/drawing/2014/main" xmlns="" id="{68A5FD2B-E3E5-1C2B-0151-21F216B14A33}"/>
+                <a16:creationId xmlns="" xmlns:a16="http://schemas.microsoft.com/office/drawing/2014/main" id="{68A5FD2B-E3E5-1C2B-0151-21F216B14A33}"/>
               </a:ext>
             </a:extLst>
           </p:cNvPr>
@@ -39086,7 +39057,7 @@
           <p:cNvPr id="7" name="Content Placeholder 2">
             <a:extLst>
               <a:ext uri="{FF2B5EF4-FFF2-40B4-BE49-F238E27FC236}">
-                <a16:creationId xmlns:a16="http://schemas.microsoft.com/office/drawing/2014/main" xmlns="" id="{68A5FD2B-E3E5-1C2B-0151-21F216B14A33}"/>
+                <a16:creationId xmlns="" xmlns:a16="http://schemas.microsoft.com/office/drawing/2014/main" id="{68A5FD2B-E3E5-1C2B-0151-21F216B14A33}"/>
               </a:ext>
             </a:extLst>
           </p:cNvPr>
@@ -39360,7 +39331,7 @@
     </p:spTree>
     <p:extLst>
       <p:ext uri="{BB962C8B-B14F-4D97-AF65-F5344CB8AC3E}">
-        <p14:creationId xmlns:p14="http://schemas.microsoft.com/office/powerpoint/2010/main" xmlns="" val="2737241225"/>
+        <p14:creationId xmlns="" xmlns:p14="http://schemas.microsoft.com/office/powerpoint/2010/main" val="2737241225"/>
       </p:ext>
     </p:extLst>
   </p:cSld>
@@ -39399,7 +39370,7 @@
           <p:cNvPr id="2" name="Title 1">
             <a:extLst>
               <a:ext uri="{FF2B5EF4-FFF2-40B4-BE49-F238E27FC236}">
-                <a16:creationId xmlns:a16="http://schemas.microsoft.com/office/drawing/2014/main" xmlns="" id="{47A9874B-BCA9-8420-1595-EDD1865A099A}"/>
+                <a16:creationId xmlns="" xmlns:a16="http://schemas.microsoft.com/office/drawing/2014/main" id="{D1FC59F6-9B22-C211-4B4C-A2FD4B914C46}"/>
               </a:ext>
             </a:extLst>
           </p:cNvPr>
@@ -39423,232 +39394,6 @@
           <a:p>
             <a:r>
               <a:rPr lang="en-US" dirty="0"/>
-              <a:t>Education</a:t>
-            </a:r>
-          </a:p>
-        </p:txBody>
-      </p:sp>
-      <p:sp>
-        <p:nvSpPr>
-          <p:cNvPr id="3" name="Content Placeholder 2">
-            <a:extLst>
-              <a:ext uri="{FF2B5EF4-FFF2-40B4-BE49-F238E27FC236}">
-                <a16:creationId xmlns:a16="http://schemas.microsoft.com/office/drawing/2014/main" xmlns="" id="{68A5FD2B-E3E5-1C2B-0151-21F216B14A33}"/>
-              </a:ext>
-            </a:extLst>
-          </p:cNvPr>
-          <p:cNvSpPr>
-            <a:spLocks noGrp="1"/>
-          </p:cNvSpPr>
-          <p:nvPr>
-            <p:ph sz="half" idx="1"/>
-          </p:nvPr>
-        </p:nvSpPr>
-        <p:spPr>
-          <a:xfrm>
-            <a:off x="628651" y="1369219"/>
-            <a:ext cx="3686372" cy="3223260"/>
-          </a:xfrm>
-          <a:noFill/>
-        </p:spPr>
-        <p:txBody>
-          <a:bodyPr>
-            <a:normAutofit/>
-          </a:bodyPr>
-          <a:lstStyle/>
-          <a:p>
-            <a:pPr algn="just"/>
-            <a:r>
-              <a:rPr lang="en-IN" sz="1800" dirty="0">
-                <a:solidFill>
-                  <a:schemeClr val="accent5">
-                    <a:lumMod val="50000"/>
-                  </a:schemeClr>
-                </a:solidFill>
-              </a:rPr>
-              <a:t>In six sentences, explain proton, neutron and electron to first standard student.</a:t>
-            </a:r>
-          </a:p>
-          <a:p>
-            <a:pPr algn="just"/>
-            <a:endParaRPr lang="en-US" sz="1800" dirty="0">
-              <a:solidFill>
-                <a:schemeClr val="accent5">
-                  <a:lumMod val="50000"/>
-                </a:schemeClr>
-              </a:solidFill>
-            </a:endParaRPr>
-          </a:p>
-        </p:txBody>
-      </p:sp>
-      <p:sp>
-        <p:nvSpPr>
-          <p:cNvPr id="4" name="Content Placeholder 3">
-            <a:extLst>
-              <a:ext uri="{FF2B5EF4-FFF2-40B4-BE49-F238E27FC236}">
-                <a16:creationId xmlns:a16="http://schemas.microsoft.com/office/drawing/2014/main" xmlns="" id="{ACFBB810-3430-2C29-1AA0-9744AA0A1AA3}"/>
-              </a:ext>
-            </a:extLst>
-          </p:cNvPr>
-          <p:cNvSpPr>
-            <a:spLocks noGrp="1"/>
-          </p:cNvSpPr>
-          <p:nvPr>
-            <p:ph sz="half" idx="15"/>
-          </p:nvPr>
-        </p:nvSpPr>
-        <p:spPr>
-          <a:xfrm>
-            <a:off x="4610922" y="1362687"/>
-            <a:ext cx="3909060" cy="3223260"/>
-          </a:xfrm>
-          <a:noFill/>
-        </p:spPr>
-        <p:txBody>
-          <a:bodyPr>
-            <a:normAutofit fontScale="92500" lnSpcReduction="20000"/>
-          </a:bodyPr>
-          <a:lstStyle/>
-          <a:p>
-            <a:pPr algn="just"/>
-            <a:r>
-              <a:rPr lang="en-IN" sz="1600" dirty="0">
-                <a:solidFill>
-                  <a:schemeClr val="accent4">
-                    <a:lumMod val="50000"/>
-                  </a:schemeClr>
-                </a:solidFill>
-              </a:rPr>
-              <a:t>Here's an explanation of protons, neutrons, and electrons that a first standard student can understand:</a:t>
-            </a:r>
-          </a:p>
-          <a:p>
-            <a:pPr algn="just"/>
-            <a:r>
-              <a:rPr lang="en-IN" sz="1600" dirty="0">
-                <a:solidFill>
-                  <a:schemeClr val="accent4">
-                    <a:lumMod val="50000"/>
-                  </a:schemeClr>
-                </a:solidFill>
-              </a:rPr>
-              <a:t>The Tiny Building Blocks of Atoms</a:t>
-            </a:r>
-          </a:p>
-          <a:p>
-            <a:pPr algn="just"/>
-            <a:r>
-              <a:rPr lang="en-IN" sz="1600" dirty="0">
-                <a:solidFill>
-                  <a:schemeClr val="accent4">
-                    <a:lumMod val="50000"/>
-                  </a:schemeClr>
-                </a:solidFill>
-              </a:rPr>
-              <a:t>You know how we're made up of tiny things called atoms? Well, atoms are made up of even smaller things called protons, neutrons, and electrons. Protons are like the strong and brave soldiers that live in the center of the atom. Neutrons are like the quiet and calm friends who live with the protons in the center. Electrons are like the fast and energetic runners who zoom around the outside of the atom. All three of them work together to make the atom strong and stable!</a:t>
-            </a:r>
-          </a:p>
-          <a:p>
-            <a:pPr algn="just"/>
-            <a:endParaRPr lang="en-US" sz="1800" dirty="0"/>
-          </a:p>
-        </p:txBody>
-      </p:sp>
-      <p:sp>
-        <p:nvSpPr>
-          <p:cNvPr id="6" name="TextBox 5"/>
-          <p:cNvSpPr txBox="1"/>
-          <p:nvPr/>
-        </p:nvSpPr>
-        <p:spPr>
-          <a:xfrm>
-            <a:off x="1733550" y="4714875"/>
-            <a:ext cx="5761969" cy="307777"/>
-          </a:xfrm>
-          <a:prstGeom prst="rect">
-            <a:avLst/>
-          </a:prstGeom>
-          <a:noFill/>
-        </p:spPr>
-        <p:txBody>
-          <a:bodyPr wrap="square" rtlCol="0">
-            <a:spAutoFit/>
-          </a:bodyPr>
-          <a:lstStyle/>
-          <a:p>
-            <a:pPr algn="r"/>
-            <a:r>
-              <a:rPr lang="en-IN" b="1" dirty="0">
-                <a:solidFill>
-                  <a:schemeClr val="accent2">
-                    <a:lumMod val="50000"/>
-                  </a:schemeClr>
-                </a:solidFill>
-              </a:rPr>
-              <a:t>*Meta-Llama-3.1-8B-Instruct</a:t>
-            </a:r>
-          </a:p>
-        </p:txBody>
-      </p:sp>
-    </p:spTree>
-    <p:extLst>
-      <p:ext uri="{BB962C8B-B14F-4D97-AF65-F5344CB8AC3E}">
-        <p14:creationId xmlns:p14="http://schemas.microsoft.com/office/powerpoint/2010/main" xmlns="" val="1127649784"/>
-      </p:ext>
-    </p:extLst>
-  </p:cSld>
-  <p:clrMapOvr>
-    <a:masterClrMapping/>
-  </p:clrMapOvr>
-</p:sld>
-</file>
-
-<file path=ppt/slides/slide51.xml><?xml version="1.0" encoding="utf-8"?>
-<p:sld xmlns:a="http://schemas.openxmlformats.org/drawingml/2006/main" xmlns:r="http://schemas.openxmlformats.org/officeDocument/2006/relationships" xmlns:p="http://schemas.openxmlformats.org/presentationml/2006/main">
-  <p:cSld>
-    <p:spTree>
-      <p:nvGrpSpPr>
-        <p:cNvPr id="1" name=""/>
-        <p:cNvGrpSpPr/>
-        <p:nvPr/>
-      </p:nvGrpSpPr>
-      <p:grpSpPr>
-        <a:xfrm>
-          <a:off x="0" y="0"/>
-          <a:ext cx="0" cy="0"/>
-          <a:chOff x="0" y="0"/>
-          <a:chExt cx="0" cy="0"/>
-        </a:xfrm>
-      </p:grpSpPr>
-      <p:sp>
-        <p:nvSpPr>
-          <p:cNvPr id="2" name="Title 1">
-            <a:extLst>
-              <a:ext uri="{FF2B5EF4-FFF2-40B4-BE49-F238E27FC236}">
-                <a16:creationId xmlns:a16="http://schemas.microsoft.com/office/drawing/2014/main" xmlns="" id="{D1FC59F6-9B22-C211-4B4C-A2FD4B914C46}"/>
-              </a:ext>
-            </a:extLst>
-          </p:cNvPr>
-          <p:cNvSpPr>
-            <a:spLocks noGrp="1"/>
-          </p:cNvSpPr>
-          <p:nvPr>
-            <p:ph type="title"/>
-          </p:nvPr>
-        </p:nvSpPr>
-        <p:spPr>
-          <a:xfrm>
-            <a:off x="628650" y="273844"/>
-            <a:ext cx="7886700" cy="994172"/>
-          </a:xfrm>
-          <a:noFill/>
-        </p:spPr>
-        <p:txBody>
-          <a:bodyPr anchor="ctr"/>
-          <a:lstStyle/>
-          <a:p>
-            <a:r>
-              <a:rPr lang="en-US" dirty="0"/>
               <a:t>Deploying Large Language Models</a:t>
             </a:r>
           </a:p>
@@ -39659,7 +39404,7 @@
           <p:cNvPr id="4" name="Table Placeholder 3">
             <a:extLst>
               <a:ext uri="{FF2B5EF4-FFF2-40B4-BE49-F238E27FC236}">
-                <a16:creationId xmlns:a16="http://schemas.microsoft.com/office/drawing/2014/main" xmlns="" id="{0519CAC4-33D8-0B1E-88FF-086E69894AFB}"/>
+                <a16:creationId xmlns="" xmlns:a16="http://schemas.microsoft.com/office/drawing/2014/main" id="{0519CAC4-33D8-0B1E-88FF-086E69894AFB}"/>
               </a:ext>
             </a:extLst>
           </p:cNvPr>
@@ -39670,7 +39415,7 @@
             <p:ph type="tbl" sz="quarter" idx="13"/>
             <p:extLst>
               <p:ext uri="{D42A27DB-BD31-4B8C-83A1-F6EECF244321}">
-                <p14:modId xmlns:p14="http://schemas.microsoft.com/office/powerpoint/2010/main" xmlns="" val="3019515003"/>
+                <p14:modId xmlns="" xmlns:p14="http://schemas.microsoft.com/office/powerpoint/2010/main" val="3019515003"/>
               </p:ext>
             </p:extLst>
           </p:nvPr>
@@ -39689,42 +39434,42 @@
                 <a:gridCol w="1859717">
                   <a:extLst>
                     <a:ext uri="{9D8B030D-6E8A-4147-A177-3AD203B41FA5}">
-                      <a16:colId xmlns:a16="http://schemas.microsoft.com/office/drawing/2014/main" xmlns="" val="2382218087"/>
+                      <a16:colId xmlns="" xmlns:a16="http://schemas.microsoft.com/office/drawing/2014/main" val="2382218087"/>
                     </a:ext>
                   </a:extLst>
                 </a:gridCol>
                 <a:gridCol w="1259174">
                   <a:extLst>
                     <a:ext uri="{9D8B030D-6E8A-4147-A177-3AD203B41FA5}">
-                      <a16:colId xmlns:a16="http://schemas.microsoft.com/office/drawing/2014/main" xmlns="" val="3953468724"/>
+                      <a16:colId xmlns="" xmlns:a16="http://schemas.microsoft.com/office/drawing/2014/main" val="3953468724"/>
                     </a:ext>
                   </a:extLst>
                 </a:gridCol>
                 <a:gridCol w="1371600">
                   <a:extLst>
                     <a:ext uri="{9D8B030D-6E8A-4147-A177-3AD203B41FA5}">
-                      <a16:colId xmlns:a16="http://schemas.microsoft.com/office/drawing/2014/main" xmlns="" val="4277526474"/>
+                      <a16:colId xmlns="" xmlns:a16="http://schemas.microsoft.com/office/drawing/2014/main" val="4277526474"/>
                     </a:ext>
                   </a:extLst>
                 </a:gridCol>
                 <a:gridCol w="955623">
                   <a:extLst>
                     <a:ext uri="{9D8B030D-6E8A-4147-A177-3AD203B41FA5}">
-                      <a16:colId xmlns:a16="http://schemas.microsoft.com/office/drawing/2014/main" xmlns="" val="2438884888"/>
+                      <a16:colId xmlns="" xmlns:a16="http://schemas.microsoft.com/office/drawing/2014/main" val="2438884888"/>
                     </a:ext>
                   </a:extLst>
                 </a:gridCol>
                 <a:gridCol w="955623">
                   <a:extLst>
                     <a:ext uri="{9D8B030D-6E8A-4147-A177-3AD203B41FA5}">
-                      <a16:colId xmlns:a16="http://schemas.microsoft.com/office/drawing/2014/main" xmlns="" val="3058700555"/>
+                      <a16:colId xmlns="" xmlns:a16="http://schemas.microsoft.com/office/drawing/2014/main" val="3058700555"/>
                     </a:ext>
                   </a:extLst>
                 </a:gridCol>
                 <a:gridCol w="1484964">
                   <a:extLst>
                     <a:ext uri="{9D8B030D-6E8A-4147-A177-3AD203B41FA5}">
-                      <a16:colId xmlns:a16="http://schemas.microsoft.com/office/drawing/2014/main" xmlns="" val="489067259"/>
+                      <a16:colId xmlns="" xmlns:a16="http://schemas.microsoft.com/office/drawing/2014/main" val="489067259"/>
                     </a:ext>
                   </a:extLst>
                 </a:gridCol>
@@ -39837,7 +39582,7 @@
                 </a:tc>
                 <a:extLst>
                   <a:ext uri="{0D108BD9-81ED-4DB2-BD59-A6C34878D82A}">
-                    <a16:rowId xmlns:a16="http://schemas.microsoft.com/office/drawing/2014/main" xmlns="" val="2857107962"/>
+                    <a16:rowId xmlns="" xmlns:a16="http://schemas.microsoft.com/office/drawing/2014/main" val="2857107962"/>
                   </a:ext>
                 </a:extLst>
               </a:tr>
@@ -39940,7 +39685,7 @@
                 </a:tc>
                 <a:extLst>
                   <a:ext uri="{0D108BD9-81ED-4DB2-BD59-A6C34878D82A}">
-                    <a16:rowId xmlns:a16="http://schemas.microsoft.com/office/drawing/2014/main" xmlns="" val="1671386868"/>
+                    <a16:rowId xmlns="" xmlns:a16="http://schemas.microsoft.com/office/drawing/2014/main" val="1671386868"/>
                   </a:ext>
                 </a:extLst>
               </a:tr>
@@ -40043,7 +39788,7 @@
                 </a:tc>
                 <a:extLst>
                   <a:ext uri="{0D108BD9-81ED-4DB2-BD59-A6C34878D82A}">
-                    <a16:rowId xmlns:a16="http://schemas.microsoft.com/office/drawing/2014/main" xmlns="" val="380626418"/>
+                    <a16:rowId xmlns="" xmlns:a16="http://schemas.microsoft.com/office/drawing/2014/main" val="380626418"/>
                   </a:ext>
                 </a:extLst>
               </a:tr>
@@ -40162,7 +39907,7 @@
                 </a:tc>
                 <a:extLst>
                   <a:ext uri="{0D108BD9-81ED-4DB2-BD59-A6C34878D82A}">
-                    <a16:rowId xmlns:a16="http://schemas.microsoft.com/office/drawing/2014/main" xmlns="" val="2132482967"/>
+                    <a16:rowId xmlns="" xmlns:a16="http://schemas.microsoft.com/office/drawing/2014/main" val="2132482967"/>
                   </a:ext>
                 </a:extLst>
               </a:tr>
@@ -40265,7 +40010,7 @@
                 </a:tc>
                 <a:extLst>
                   <a:ext uri="{0D108BD9-81ED-4DB2-BD59-A6C34878D82A}">
-                    <a16:rowId xmlns:a16="http://schemas.microsoft.com/office/drawing/2014/main" xmlns="" val="3936251906"/>
+                    <a16:rowId xmlns="" xmlns:a16="http://schemas.microsoft.com/office/drawing/2014/main" val="3936251906"/>
                   </a:ext>
                 </a:extLst>
               </a:tr>
@@ -40371,7 +40116,7 @@
                 </a:tc>
                 <a:extLst>
                   <a:ext uri="{0D108BD9-81ED-4DB2-BD59-A6C34878D82A}">
-                    <a16:rowId xmlns:a16="http://schemas.microsoft.com/office/drawing/2014/main" xmlns="" val="568537164"/>
+                    <a16:rowId xmlns="" xmlns:a16="http://schemas.microsoft.com/office/drawing/2014/main" val="568537164"/>
                   </a:ext>
                 </a:extLst>
               </a:tr>
@@ -40382,7 +40127,220 @@
     </p:spTree>
     <p:extLst>
       <p:ext uri="{BB962C8B-B14F-4D97-AF65-F5344CB8AC3E}">
-        <p14:creationId xmlns:p14="http://schemas.microsoft.com/office/powerpoint/2010/main" xmlns="" val="1510706933"/>
+        <p14:creationId xmlns="" xmlns:p14="http://schemas.microsoft.com/office/powerpoint/2010/main" val="1510706933"/>
+      </p:ext>
+    </p:extLst>
+  </p:cSld>
+  <p:clrMapOvr>
+    <a:masterClrMapping/>
+  </p:clrMapOvr>
+</p:sld>
+</file>
+
+<file path=ppt/slides/slide51.xml><?xml version="1.0" encoding="utf-8"?>
+<p:sld xmlns:a="http://schemas.openxmlformats.org/drawingml/2006/main" xmlns:r="http://schemas.openxmlformats.org/officeDocument/2006/relationships" xmlns:p="http://schemas.openxmlformats.org/presentationml/2006/main">
+  <p:cSld>
+    <p:spTree>
+      <p:nvGrpSpPr>
+        <p:cNvPr id="1" name=""/>
+        <p:cNvGrpSpPr/>
+        <p:nvPr/>
+      </p:nvGrpSpPr>
+      <p:grpSpPr>
+        <a:xfrm>
+          <a:off x="0" y="0"/>
+          <a:ext cx="0" cy="0"/>
+          <a:chOff x="0" y="0"/>
+          <a:chExt cx="0" cy="0"/>
+        </a:xfrm>
+      </p:grpSpPr>
+      <p:sp>
+        <p:nvSpPr>
+          <p:cNvPr id="8" name="Title 1">
+            <a:extLst>
+              <a:ext uri="{FF2B5EF4-FFF2-40B4-BE49-F238E27FC236}">
+                <a16:creationId xmlns="" xmlns:a16="http://schemas.microsoft.com/office/drawing/2014/main" id="{47A9874B-BCA9-8420-1595-EDD1865A099A}"/>
+              </a:ext>
+            </a:extLst>
+          </p:cNvPr>
+          <p:cNvSpPr>
+            <a:spLocks noGrp="1"/>
+          </p:cNvSpPr>
+          <p:nvPr>
+            <p:ph type="title"/>
+          </p:nvPr>
+        </p:nvSpPr>
+        <p:spPr>
+          <a:xfrm>
+            <a:off x="628650" y="273844"/>
+            <a:ext cx="7886700" cy="994172"/>
+          </a:xfrm>
+          <a:noFill/>
+        </p:spPr>
+        <p:txBody>
+          <a:bodyPr anchor="ctr"/>
+          <a:lstStyle/>
+          <a:p>
+            <a:r>
+              <a:rPr lang="en-US" dirty="0"/>
+              <a:t>Conclusions</a:t>
+            </a:r>
+          </a:p>
+        </p:txBody>
+      </p:sp>
+      <p:sp>
+        <p:nvSpPr>
+          <p:cNvPr id="9" name="Content Placeholder 2">
+            <a:extLst>
+              <a:ext uri="{FF2B5EF4-FFF2-40B4-BE49-F238E27FC236}">
+                <a16:creationId xmlns="" xmlns:a16="http://schemas.microsoft.com/office/drawing/2014/main" id="{A6A33159-D030-2F82-A142-F75940728319}"/>
+              </a:ext>
+            </a:extLst>
+          </p:cNvPr>
+          <p:cNvSpPr>
+            <a:spLocks noGrp="1"/>
+          </p:cNvSpPr>
+          <p:nvPr>
+            <p:ph sz="quarter" idx="4294967295"/>
+          </p:nvPr>
+        </p:nvSpPr>
+        <p:spPr>
+          <a:xfrm>
+            <a:off x="628650" y="1378574"/>
+            <a:ext cx="7867650" cy="3213667"/>
+          </a:xfrm>
+          <a:prstGeom prst="rect">
+            <a:avLst/>
+          </a:prstGeom>
+          <a:noFill/>
+        </p:spPr>
+        <p:txBody>
+          <a:bodyPr vert="horz" lIns="68580" tIns="34290" rIns="68580" bIns="34290" rtlCol="0" anchor="t">
+            <a:normAutofit/>
+          </a:bodyPr>
+          <a:lstStyle/>
+          <a:p>
+            <a:pPr marL="171450" lvl="1">
+              <a:spcBef>
+                <a:spcPts val="750"/>
+              </a:spcBef>
+              <a:spcAft>
+                <a:spcPts val="600"/>
+              </a:spcAft>
+              <a:buClr>
+                <a:schemeClr val="accent2"/>
+              </a:buClr>
+            </a:pPr>
+            <a:r>
+              <a:rPr lang="en-IN" sz="2000" dirty="0"/>
+              <a:t>Large Language Models</a:t>
+            </a:r>
+          </a:p>
+          <a:p>
+            <a:pPr marL="171450" lvl="1">
+              <a:spcBef>
+                <a:spcPts val="750"/>
+              </a:spcBef>
+              <a:spcAft>
+                <a:spcPts val="600"/>
+              </a:spcAft>
+              <a:buClr>
+                <a:schemeClr val="accent2"/>
+              </a:buClr>
+            </a:pPr>
+            <a:r>
+              <a:rPr lang="en-IN" sz="2000" dirty="0"/>
+              <a:t>Prompt Engineering</a:t>
+            </a:r>
+          </a:p>
+          <a:p>
+            <a:pPr marL="171450" lvl="1">
+              <a:spcBef>
+                <a:spcPts val="750"/>
+              </a:spcBef>
+              <a:spcAft>
+                <a:spcPts val="600"/>
+              </a:spcAft>
+              <a:buClr>
+                <a:schemeClr val="accent2"/>
+              </a:buClr>
+            </a:pPr>
+            <a:r>
+              <a:rPr lang="en-IN" sz="2000" dirty="0"/>
+              <a:t>In Context Learning</a:t>
+            </a:r>
+          </a:p>
+          <a:p>
+            <a:pPr marL="171450" lvl="1">
+              <a:spcBef>
+                <a:spcPts val="750"/>
+              </a:spcBef>
+              <a:spcAft>
+                <a:spcPts val="600"/>
+              </a:spcAft>
+              <a:buClr>
+                <a:schemeClr val="accent2"/>
+              </a:buClr>
+            </a:pPr>
+            <a:r>
+              <a:rPr lang="en-IN" sz="2000" dirty="0"/>
+              <a:t>Training Large Language Models</a:t>
+            </a:r>
+          </a:p>
+          <a:p>
+            <a:pPr marL="171450" lvl="1">
+              <a:spcBef>
+                <a:spcPts val="750"/>
+              </a:spcBef>
+              <a:spcAft>
+                <a:spcPts val="600"/>
+              </a:spcAft>
+              <a:buClr>
+                <a:schemeClr val="accent2"/>
+              </a:buClr>
+            </a:pPr>
+            <a:r>
+              <a:rPr lang="en-IN" sz="2000" dirty="0"/>
+              <a:t>Large Language Model Applications</a:t>
+            </a:r>
+          </a:p>
+          <a:p>
+            <a:pPr marL="171450" lvl="1">
+              <a:spcBef>
+                <a:spcPts val="750"/>
+              </a:spcBef>
+              <a:spcAft>
+                <a:spcPts val="600"/>
+              </a:spcAft>
+              <a:buClr>
+                <a:schemeClr val="accent2"/>
+              </a:buClr>
+            </a:pPr>
+            <a:r>
+              <a:rPr lang="en-IN" sz="2000" dirty="0"/>
+              <a:t>Deploying Large Language Models</a:t>
+            </a:r>
+          </a:p>
+          <a:p>
+            <a:pPr marL="171450" lvl="1">
+              <a:spcBef>
+                <a:spcPts val="750"/>
+              </a:spcBef>
+              <a:spcAft>
+                <a:spcPts val="600"/>
+              </a:spcAft>
+              <a:buClr>
+                <a:schemeClr val="accent2"/>
+              </a:buClr>
+            </a:pPr>
+            <a:endParaRPr lang="en-US" sz="2000" dirty="0"/>
+          </a:p>
+        </p:txBody>
+      </p:sp>
+    </p:spTree>
+    <p:extLst>
+      <p:ext uri="{BB962C8B-B14F-4D97-AF65-F5344CB8AC3E}">
+        <p14:creationId xmlns="" xmlns:p14="http://schemas.microsoft.com/office/powerpoint/2010/main" val="414613742"/>
       </p:ext>
     </p:extLst>
   </p:cSld>
@@ -40411,10 +40369,10 @@
       </p:grpSpPr>
       <p:sp>
         <p:nvSpPr>
-          <p:cNvPr id="8" name="Title 1">
+          <p:cNvPr id="2" name="Title 1">
             <a:extLst>
               <a:ext uri="{FF2B5EF4-FFF2-40B4-BE49-F238E27FC236}">
-                <a16:creationId xmlns:a16="http://schemas.microsoft.com/office/drawing/2014/main" xmlns="" id="{47A9874B-BCA9-8420-1595-EDD1865A099A}"/>
+                <a16:creationId xmlns="" xmlns:a16="http://schemas.microsoft.com/office/drawing/2014/main" id="{28BAC361-0D7A-DC05-86B5-6DD77D322F5B}"/>
               </a:ext>
             </a:extLst>
           </p:cNvPr>
@@ -40427,28 +40385,28 @@
         </p:nvSpPr>
         <p:spPr>
           <a:xfrm>
-            <a:off x="628650" y="273844"/>
-            <a:ext cx="7886700" cy="994172"/>
+            <a:off x="287907" y="573377"/>
+            <a:ext cx="3986276" cy="3996747"/>
           </a:xfrm>
           <a:noFill/>
         </p:spPr>
         <p:txBody>
-          <a:bodyPr anchor="ctr"/>
+          <a:bodyPr/>
           <a:lstStyle/>
           <a:p>
             <a:r>
-              <a:rPr lang="en-US" dirty="0"/>
-              <a:t>Conclusions</a:t>
+              <a:rPr lang="en-US" sz="4400" dirty="0"/>
+              <a:t>Thank you</a:t>
             </a:r>
           </a:p>
         </p:txBody>
       </p:sp>
       <p:sp>
         <p:nvSpPr>
-          <p:cNvPr id="9" name="Content Placeholder 2">
+          <p:cNvPr id="3" name="Content Placeholder 2">
             <a:extLst>
               <a:ext uri="{FF2B5EF4-FFF2-40B4-BE49-F238E27FC236}">
-                <a16:creationId xmlns:a16="http://schemas.microsoft.com/office/drawing/2014/main" xmlns="" id="{A6A33159-D030-2F82-A142-F75940728319}"/>
+                <a16:creationId xmlns="" xmlns:a16="http://schemas.microsoft.com/office/drawing/2014/main" id="{1BE98EFF-197D-3136-70B9-7BBD30A48931}"/>
               </a:ext>
             </a:extLst>
           </p:cNvPr>
@@ -40456,146 +40414,48 @@
             <a:spLocks noGrp="1"/>
           </p:cNvSpPr>
           <p:nvPr>
-            <p:ph sz="quarter" idx="4294967295"/>
+            <p:ph idx="1"/>
           </p:nvPr>
         </p:nvSpPr>
         <p:spPr>
           <a:xfrm>
-            <a:off x="628650" y="1378574"/>
-            <a:ext cx="7867650" cy="3213667"/>
+            <a:off x="4954092" y="566379"/>
+            <a:ext cx="3464953" cy="3986276"/>
           </a:xfrm>
-          <a:prstGeom prst="rect">
-            <a:avLst/>
-          </a:prstGeom>
           <a:noFill/>
         </p:spPr>
         <p:txBody>
-          <a:bodyPr vert="horz" lIns="68580" tIns="34290" rIns="68580" bIns="34290" rtlCol="0" anchor="t">
+          <a:bodyPr>
             <a:normAutofit/>
           </a:bodyPr>
           <a:lstStyle/>
           <a:p>
-            <a:pPr marL="171450" lvl="1">
-              <a:spcBef>
-                <a:spcPts val="750"/>
-              </a:spcBef>
-              <a:spcAft>
-                <a:spcPts val="600"/>
-              </a:spcAft>
-              <a:buClr>
-                <a:schemeClr val="accent2"/>
-              </a:buClr>
-            </a:pPr>
-            <a:r>
-              <a:rPr lang="en-IN" sz="2000" dirty="0"/>
-              <a:t>Large Language Models</a:t>
-            </a:r>
-          </a:p>
-          <a:p>
-            <a:pPr marL="171450" lvl="1">
-              <a:spcBef>
-                <a:spcPts val="750"/>
-              </a:spcBef>
-              <a:spcAft>
-                <a:spcPts val="600"/>
-              </a:spcAft>
-              <a:buClr>
-                <a:schemeClr val="accent2"/>
-              </a:buClr>
-            </a:pPr>
-            <a:r>
-              <a:rPr lang="en-IN" sz="2000" dirty="0"/>
-              <a:t>Prompt Engineering</a:t>
-            </a:r>
-          </a:p>
-          <a:p>
-            <a:pPr marL="171450" lvl="1">
-              <a:spcBef>
-                <a:spcPts val="750"/>
-              </a:spcBef>
-              <a:spcAft>
-                <a:spcPts val="600"/>
-              </a:spcAft>
-              <a:buClr>
-                <a:schemeClr val="accent2"/>
-              </a:buClr>
-            </a:pPr>
-            <a:r>
-              <a:rPr lang="en-IN" sz="2000" dirty="0"/>
-              <a:t>In Context Learning</a:t>
-            </a:r>
-          </a:p>
-          <a:p>
-            <a:pPr marL="171450" lvl="1">
-              <a:spcBef>
-                <a:spcPts val="750"/>
-              </a:spcBef>
-              <a:spcAft>
-                <a:spcPts val="600"/>
-              </a:spcAft>
-              <a:buClr>
-                <a:schemeClr val="accent2"/>
-              </a:buClr>
-            </a:pPr>
-            <a:r>
-              <a:rPr lang="en-IN" sz="2000" dirty="0"/>
-              <a:t>Training Large Language Models</a:t>
-            </a:r>
-          </a:p>
-          <a:p>
-            <a:pPr marL="171450" lvl="1">
-              <a:spcBef>
-                <a:spcPts val="750"/>
-              </a:spcBef>
-              <a:spcAft>
-                <a:spcPts val="600"/>
-              </a:spcAft>
-              <a:buClr>
-                <a:schemeClr val="accent2"/>
-              </a:buClr>
-            </a:pPr>
-            <a:r>
-              <a:rPr lang="en-IN" sz="2000" dirty="0"/>
-              <a:t>Large Language Model Applications</a:t>
-            </a:r>
-          </a:p>
-          <a:p>
-            <a:pPr marL="171450" lvl="1">
-              <a:spcBef>
-                <a:spcPts val="750"/>
-              </a:spcBef>
-              <a:spcAft>
-                <a:spcPts val="600"/>
-              </a:spcAft>
-              <a:buClr>
-                <a:schemeClr val="accent2"/>
-              </a:buClr>
-            </a:pPr>
-            <a:r>
-              <a:rPr lang="en-IN" sz="2000" dirty="0"/>
-              <a:t>Deploying Large Language Models</a:t>
-            </a:r>
-          </a:p>
-          <a:p>
-            <a:pPr marL="171450" lvl="1">
-              <a:spcBef>
-                <a:spcPts val="750"/>
-              </a:spcBef>
-              <a:spcAft>
-                <a:spcPts val="600"/>
-              </a:spcAft>
-              <a:buClr>
-                <a:schemeClr val="accent2"/>
-              </a:buClr>
-            </a:pPr>
-            <a:endParaRPr lang="en-US" sz="2000" dirty="0"/>
+            <a:r>
+              <a:rPr lang="en-US" sz="2000" dirty="0"/>
+              <a:t>Pritam Prakash Shete</a:t>
+            </a:r>
+          </a:p>
+          <a:p>
+            <a:r>
+              <a:rPr lang="en-US" sz="2000" dirty="0"/>
+              <a:t>Telephone - 022-25595212</a:t>
+            </a:r>
+          </a:p>
+          <a:p>
+            <a:r>
+              <a:rPr lang="en-US" sz="2000" dirty="0"/>
+              <a:t>Email - ppshete@barc.gov.in</a:t>
+            </a:r>
+          </a:p>
+          <a:p>
+            <a:endParaRPr lang="en-US" dirty="0"/>
           </a:p>
         </p:txBody>
       </p:sp>
     </p:spTree>
     <p:extLst>
       <p:ext uri="{BB962C8B-B14F-4D97-AF65-F5344CB8AC3E}">
-        <p14:creationId xmlns:p14="http://schemas.microsoft.com/office/powerpoint/2010/main" xmlns="" val="414613742"/>
+        <p14:creationId xmlns="" xmlns:p14="http://schemas.microsoft.com/office/powerpoint/2010/main" val="1562484837"/>
       </p:ext>
     </p:extLst>
   </p:cSld>
@@ -40624,10 +40484,10 @@
       </p:grpSpPr>
       <p:sp>
         <p:nvSpPr>
-          <p:cNvPr id="2" name="Title 1">
+          <p:cNvPr id="8" name="Title 1">
             <a:extLst>
               <a:ext uri="{FF2B5EF4-FFF2-40B4-BE49-F238E27FC236}">
-                <a16:creationId xmlns:a16="http://schemas.microsoft.com/office/drawing/2014/main" xmlns="" id="{28BAC361-0D7A-DC05-86B5-6DD77D322F5B}"/>
+                <a16:creationId xmlns="" xmlns:a16="http://schemas.microsoft.com/office/drawing/2014/main" id="{47A9874B-BCA9-8420-1595-EDD1865A099A}"/>
               </a:ext>
             </a:extLst>
           </p:cNvPr>
@@ -40640,28 +40500,29 @@
         </p:nvSpPr>
         <p:spPr>
           <a:xfrm>
-            <a:off x="287907" y="573377"/>
-            <a:ext cx="3986276" cy="3996747"/>
+            <a:off x="628650" y="273844"/>
+            <a:ext cx="7886700" cy="994172"/>
           </a:xfrm>
           <a:noFill/>
         </p:spPr>
         <p:txBody>
-          <a:bodyPr/>
+          <a:bodyPr anchor="ctr"/>
           <a:lstStyle/>
           <a:p>
             <a:r>
-              <a:rPr lang="en-US" sz="4400" dirty="0"/>
-              <a:t>Thank you</a:t>
-            </a:r>
+              <a:rPr lang="en-US" dirty="0" smtClean="0"/>
+              <a:t>Word v/s Token</a:t>
+            </a:r>
+            <a:endParaRPr lang="en-US" dirty="0"/>
           </a:p>
         </p:txBody>
       </p:sp>
       <p:sp>
         <p:nvSpPr>
-          <p:cNvPr id="3" name="Content Placeholder 2">
+          <p:cNvPr id="9" name="Content Placeholder 2">
             <a:extLst>
               <a:ext uri="{FF2B5EF4-FFF2-40B4-BE49-F238E27FC236}">
-                <a16:creationId xmlns:a16="http://schemas.microsoft.com/office/drawing/2014/main" xmlns="" id="{1BE98EFF-197D-3136-70B9-7BBD30A48931}"/>
+                <a16:creationId xmlns="" xmlns:a16="http://schemas.microsoft.com/office/drawing/2014/main" id="{A6A33159-D030-2F82-A142-F75940728319}"/>
               </a:ext>
             </a:extLst>
           </p:cNvPr>
@@ -40669,48 +40530,460 @@
             <a:spLocks noGrp="1"/>
           </p:cNvSpPr>
           <p:nvPr>
-            <p:ph idx="1"/>
+            <p:ph sz="quarter" idx="4294967295"/>
           </p:nvPr>
         </p:nvSpPr>
         <p:spPr>
           <a:xfrm>
-            <a:off x="4954092" y="566379"/>
-            <a:ext cx="3464953" cy="3986276"/>
+            <a:off x="628650" y="1378574"/>
+            <a:ext cx="3761767" cy="3213667"/>
           </a:xfrm>
+          <a:prstGeom prst="rect">
+            <a:avLst/>
+          </a:prstGeom>
           <a:noFill/>
         </p:spPr>
         <p:txBody>
-          <a:bodyPr>
+          <a:bodyPr vert="horz" lIns="68580" tIns="34290" rIns="68580" bIns="34290" rtlCol="0" anchor="t">
             <a:normAutofit/>
           </a:bodyPr>
           <a:lstStyle/>
           <a:p>
-            <a:r>
-              <a:rPr lang="en-US" sz="2000" dirty="0"/>
-              <a:t>Pritam Prakash Shete</a:t>
-            </a:r>
-          </a:p>
-          <a:p>
-            <a:r>
-              <a:rPr lang="en-US" sz="2000" dirty="0"/>
-              <a:t>Telephone - 022-25595212</a:t>
-            </a:r>
-          </a:p>
-          <a:p>
-            <a:r>
-              <a:rPr lang="en-US" sz="2000" dirty="0"/>
-              <a:t>Email - ppshete@barc.gov.in</a:t>
-            </a:r>
-          </a:p>
-          <a:p>
-            <a:endParaRPr lang="en-US" dirty="0"/>
+            <a:pPr marL="171450" lvl="1">
+              <a:spcBef>
+                <a:spcPts val="750"/>
+              </a:spcBef>
+              <a:spcAft>
+                <a:spcPts val="600"/>
+              </a:spcAft>
+              <a:buClr>
+                <a:schemeClr val="accent2"/>
+              </a:buClr>
+            </a:pPr>
+            <a:r>
+              <a:rPr lang="en-IN" sz="2000" dirty="0" smtClean="0"/>
+              <a:t>Token – Word or sub-word</a:t>
+            </a:r>
+          </a:p>
+          <a:p>
+            <a:pPr marL="171450" lvl="1">
+              <a:spcBef>
+                <a:spcPts val="750"/>
+              </a:spcBef>
+              <a:spcAft>
+                <a:spcPts val="600"/>
+              </a:spcAft>
+              <a:buClr>
+                <a:schemeClr val="accent2"/>
+              </a:buClr>
+            </a:pPr>
+            <a:r>
+              <a:rPr lang="en-IN" sz="2000" dirty="0" smtClean="0"/>
+              <a:t>LLM inference cost</a:t>
+            </a:r>
+          </a:p>
+          <a:p>
+            <a:pPr marL="514350" lvl="2">
+              <a:spcBef>
+                <a:spcPts val="750"/>
+              </a:spcBef>
+              <a:spcAft>
+                <a:spcPts val="600"/>
+              </a:spcAft>
+              <a:buClr>
+                <a:schemeClr val="accent2"/>
+              </a:buClr>
+            </a:pPr>
+            <a:r>
+              <a:rPr lang="en-IN" sz="1700" dirty="0" smtClean="0"/>
+              <a:t>Number of tokens</a:t>
+            </a:r>
+          </a:p>
+          <a:p>
+            <a:pPr marL="514350" lvl="2">
+              <a:spcBef>
+                <a:spcPts val="750"/>
+              </a:spcBef>
+              <a:spcAft>
+                <a:spcPts val="600"/>
+              </a:spcAft>
+              <a:buClr>
+                <a:schemeClr val="accent2"/>
+              </a:buClr>
+            </a:pPr>
+            <a:r>
+              <a:rPr lang="en-IN" sz="1700" dirty="0" smtClean="0"/>
+              <a:t>Input tokens</a:t>
+            </a:r>
+          </a:p>
+          <a:p>
+            <a:pPr marL="857250" lvl="3">
+              <a:spcBef>
+                <a:spcPts val="750"/>
+              </a:spcBef>
+              <a:spcAft>
+                <a:spcPts val="600"/>
+              </a:spcAft>
+              <a:buClr>
+                <a:schemeClr val="accent2"/>
+              </a:buClr>
+            </a:pPr>
+            <a:r>
+              <a:rPr lang="en-IN" sz="1600" dirty="0" smtClean="0"/>
+              <a:t>Less cost</a:t>
+            </a:r>
+          </a:p>
+          <a:p>
+            <a:pPr marL="514350" lvl="2">
+              <a:spcBef>
+                <a:spcPts val="750"/>
+              </a:spcBef>
+              <a:spcAft>
+                <a:spcPts val="600"/>
+              </a:spcAft>
+              <a:buClr>
+                <a:schemeClr val="accent2"/>
+              </a:buClr>
+            </a:pPr>
+            <a:r>
+              <a:rPr lang="en-IN" sz="1700" dirty="0" smtClean="0"/>
+              <a:t>Output tokens</a:t>
+            </a:r>
+          </a:p>
+          <a:p>
+            <a:pPr marL="857250" lvl="3">
+              <a:spcBef>
+                <a:spcPts val="750"/>
+              </a:spcBef>
+              <a:spcAft>
+                <a:spcPts val="600"/>
+              </a:spcAft>
+              <a:buClr>
+                <a:schemeClr val="accent2"/>
+              </a:buClr>
+            </a:pPr>
+            <a:r>
+              <a:rPr lang="en-IN" sz="1600" dirty="0" smtClean="0"/>
+              <a:t>More cost</a:t>
+            </a:r>
+            <a:endParaRPr lang="en-US" sz="2000" dirty="0"/>
+          </a:p>
+        </p:txBody>
+      </p:sp>
+      <p:sp>
+        <p:nvSpPr>
+          <p:cNvPr id="4" name="Content Placeholder 2">
+            <a:extLst>
+              <a:ext uri="{FF2B5EF4-FFF2-40B4-BE49-F238E27FC236}">
+                <a16:creationId xmlns="" xmlns:a16="http://schemas.microsoft.com/office/drawing/2014/main" id="{A6A33159-D030-2F82-A142-F75940728319}"/>
+              </a:ext>
+            </a:extLst>
+          </p:cNvPr>
+          <p:cNvSpPr>
+            <a:spLocks noGrp="1"/>
+          </p:cNvSpPr>
+          <p:nvPr>
+            <p:ph sz="quarter" idx="4294967295"/>
+          </p:nvPr>
+        </p:nvSpPr>
+        <p:spPr>
+          <a:xfrm>
+            <a:off x="4704475" y="1381819"/>
+            <a:ext cx="3761767" cy="3213667"/>
+          </a:xfrm>
+          <a:prstGeom prst="rect">
+            <a:avLst/>
+          </a:prstGeom>
+          <a:noFill/>
+        </p:spPr>
+        <p:txBody>
+          <a:bodyPr vert="horz" lIns="68580" tIns="34290" rIns="68580" bIns="34290" rtlCol="0" anchor="t">
+            <a:normAutofit/>
+          </a:bodyPr>
+          <a:lstStyle/>
+          <a:p>
+            <a:pPr marL="171450" lvl="1">
+              <a:spcBef>
+                <a:spcPts val="750"/>
+              </a:spcBef>
+              <a:spcAft>
+                <a:spcPts val="600"/>
+              </a:spcAft>
+              <a:buClr>
+                <a:schemeClr val="accent2"/>
+              </a:buClr>
+            </a:pPr>
+            <a:r>
+              <a:rPr lang="en-IN" sz="2000" dirty="0" smtClean="0"/>
+              <a:t>Words with single token</a:t>
+            </a:r>
+          </a:p>
+          <a:p>
+            <a:pPr marL="514350" lvl="2">
+              <a:spcBef>
+                <a:spcPts val="750"/>
+              </a:spcBef>
+              <a:spcAft>
+                <a:spcPts val="600"/>
+              </a:spcAft>
+              <a:buClr>
+                <a:schemeClr val="accent2"/>
+              </a:buClr>
+            </a:pPr>
+            <a:r>
+              <a:rPr lang="en-IN" sz="1700" dirty="0" smtClean="0"/>
+              <a:t>Atomic or Primitive tokens</a:t>
+            </a:r>
+          </a:p>
+          <a:p>
+            <a:pPr marL="514350" lvl="2">
+              <a:spcBef>
+                <a:spcPts val="750"/>
+              </a:spcBef>
+              <a:spcAft>
+                <a:spcPts val="600"/>
+              </a:spcAft>
+              <a:buClr>
+                <a:schemeClr val="accent2"/>
+              </a:buClr>
+            </a:pPr>
+            <a:r>
+              <a:rPr lang="en-IN" sz="1700" dirty="0" smtClean="0">
+                <a:solidFill>
+                  <a:srgbClr val="7030A0"/>
+                </a:solidFill>
+              </a:rPr>
+              <a:t>yes</a:t>
+            </a:r>
+            <a:r>
+              <a:rPr lang="en-IN" sz="1700" dirty="0" smtClean="0"/>
+              <a:t>, </a:t>
+            </a:r>
+            <a:r>
+              <a:rPr lang="en-IN" sz="1700" dirty="0" smtClean="0">
+                <a:solidFill>
+                  <a:srgbClr val="7030A0"/>
+                </a:solidFill>
+              </a:rPr>
+              <a:t>no</a:t>
+            </a:r>
+            <a:r>
+              <a:rPr lang="en-IN" sz="1700" dirty="0" smtClean="0"/>
+              <a:t>, </a:t>
+            </a:r>
+            <a:r>
+              <a:rPr lang="en-IN" sz="1700" dirty="0" smtClean="0">
+                <a:solidFill>
+                  <a:srgbClr val="7030A0"/>
+                </a:solidFill>
+              </a:rPr>
+              <a:t>run</a:t>
+            </a:r>
+            <a:r>
+              <a:rPr lang="en-IN" sz="1700" dirty="0" smtClean="0"/>
+              <a:t>, </a:t>
+            </a:r>
+            <a:r>
+              <a:rPr lang="en-IN" sz="1700" dirty="0" smtClean="0">
+                <a:solidFill>
+                  <a:srgbClr val="7030A0"/>
+                </a:solidFill>
+              </a:rPr>
+              <a:t>red</a:t>
+            </a:r>
+            <a:r>
+              <a:rPr lang="en-IN" sz="1700" dirty="0" smtClean="0"/>
+              <a:t>, </a:t>
+            </a:r>
+            <a:r>
+              <a:rPr lang="en-IN" sz="1700" dirty="0" smtClean="0">
+                <a:solidFill>
+                  <a:srgbClr val="7030A0"/>
+                </a:solidFill>
+              </a:rPr>
+              <a:t>blue</a:t>
+            </a:r>
+            <a:r>
+              <a:rPr lang="en-IN" sz="1700" dirty="0" smtClean="0"/>
+              <a:t>, </a:t>
+            </a:r>
+            <a:r>
+              <a:rPr lang="en-IN" sz="1700" dirty="0" smtClean="0">
+                <a:solidFill>
+                  <a:srgbClr val="7030A0"/>
+                </a:solidFill>
+              </a:rPr>
+              <a:t>love</a:t>
+            </a:r>
+            <a:endParaRPr lang="en-IN" sz="2000" dirty="0" smtClean="0"/>
+          </a:p>
+          <a:p>
+            <a:pPr marL="171450" lvl="1">
+              <a:spcBef>
+                <a:spcPts val="750"/>
+              </a:spcBef>
+              <a:spcAft>
+                <a:spcPts val="600"/>
+              </a:spcAft>
+              <a:buClr>
+                <a:schemeClr val="accent2"/>
+              </a:buClr>
+            </a:pPr>
+            <a:r>
+              <a:rPr lang="en-IN" sz="2000" dirty="0" smtClean="0"/>
+              <a:t>Words with two tokens</a:t>
+            </a:r>
+          </a:p>
+          <a:p>
+            <a:pPr marL="514350" lvl="2">
+              <a:spcBef>
+                <a:spcPts val="750"/>
+              </a:spcBef>
+              <a:spcAft>
+                <a:spcPts val="600"/>
+              </a:spcAft>
+              <a:buClr>
+                <a:schemeClr val="accent2"/>
+              </a:buClr>
+            </a:pPr>
+            <a:r>
+              <a:rPr lang="en-IN" sz="1700" dirty="0" smtClean="0"/>
+              <a:t>Compound words</a:t>
+            </a:r>
+            <a:endParaRPr lang="en-IN" sz="1700" dirty="0" smtClean="0">
+              <a:solidFill>
+                <a:srgbClr val="00B050"/>
+              </a:solidFill>
+            </a:endParaRPr>
+          </a:p>
+          <a:p>
+            <a:pPr marL="514350" lvl="2">
+              <a:spcBef>
+                <a:spcPts val="750"/>
+              </a:spcBef>
+              <a:spcAft>
+                <a:spcPts val="600"/>
+              </a:spcAft>
+              <a:buClr>
+                <a:schemeClr val="accent2"/>
+              </a:buClr>
+            </a:pPr>
+            <a:r>
+              <a:rPr lang="en-IN" sz="1700" dirty="0" smtClean="0">
+                <a:solidFill>
+                  <a:srgbClr val="00B050"/>
+                </a:solidFill>
+              </a:rPr>
+              <a:t>un</a:t>
+            </a:r>
+            <a:r>
+              <a:rPr lang="en-IN" sz="1700" dirty="0" smtClean="0">
+                <a:solidFill>
+                  <a:srgbClr val="7030A0"/>
+                </a:solidFill>
+              </a:rPr>
+              <a:t>happy</a:t>
+            </a:r>
+            <a:r>
+              <a:rPr lang="en-IN" sz="1700" dirty="0" smtClean="0"/>
+              <a:t>, </a:t>
+            </a:r>
+            <a:r>
+              <a:rPr lang="en-IN" sz="1700" dirty="0" smtClean="0">
+                <a:solidFill>
+                  <a:srgbClr val="00B050"/>
+                </a:solidFill>
+              </a:rPr>
+              <a:t>dis</a:t>
+            </a:r>
+            <a:r>
+              <a:rPr lang="en-IN" sz="1700" dirty="0" smtClean="0">
+                <a:solidFill>
+                  <a:srgbClr val="7030A0"/>
+                </a:solidFill>
+              </a:rPr>
+              <a:t>like</a:t>
+            </a:r>
+            <a:r>
+              <a:rPr lang="en-IN" sz="1700" dirty="0" smtClean="0"/>
+              <a:t>, </a:t>
+            </a:r>
+            <a:r>
+              <a:rPr lang="en-IN" sz="1700" dirty="0" smtClean="0">
+                <a:solidFill>
+                  <a:srgbClr val="00B050"/>
+                </a:solidFill>
+              </a:rPr>
+              <a:t>re</a:t>
+            </a:r>
+            <a:r>
+              <a:rPr lang="en-IN" sz="1700" dirty="0" smtClean="0">
+                <a:solidFill>
+                  <a:srgbClr val="7030A0"/>
+                </a:solidFill>
+              </a:rPr>
+              <a:t>play</a:t>
+            </a:r>
+            <a:r>
+              <a:rPr lang="en-IN" sz="1700" dirty="0" smtClean="0"/>
+              <a:t>, </a:t>
+            </a:r>
+            <a:r>
+              <a:rPr lang="en-IN" sz="1700" dirty="0" smtClean="0">
+                <a:solidFill>
+                  <a:srgbClr val="00B050"/>
+                </a:solidFill>
+              </a:rPr>
+              <a:t>sun</a:t>
+            </a:r>
+            <a:r>
+              <a:rPr lang="en-IN" sz="1700" dirty="0" smtClean="0">
+                <a:solidFill>
+                  <a:srgbClr val="7030A0"/>
+                </a:solidFill>
+              </a:rPr>
+              <a:t>set</a:t>
+            </a:r>
+            <a:endParaRPr lang="en-IN" sz="2000" dirty="0" smtClean="0"/>
+          </a:p>
+          <a:p>
+            <a:pPr marL="171450" lvl="1">
+              <a:spcBef>
+                <a:spcPts val="750"/>
+              </a:spcBef>
+              <a:spcAft>
+                <a:spcPts val="600"/>
+              </a:spcAft>
+              <a:buClr>
+                <a:schemeClr val="accent2"/>
+              </a:buClr>
+            </a:pPr>
+            <a:r>
+              <a:rPr lang="en-IN" sz="2000" dirty="0" smtClean="0"/>
+              <a:t>300 Words – 400 Tokens</a:t>
+            </a:r>
+            <a:endParaRPr lang="en-IN" sz="2000" dirty="0"/>
+          </a:p>
+          <a:p>
+            <a:pPr marL="171450" lvl="1">
+              <a:spcBef>
+                <a:spcPts val="750"/>
+              </a:spcBef>
+              <a:spcAft>
+                <a:spcPts val="600"/>
+              </a:spcAft>
+              <a:buClr>
+                <a:schemeClr val="accent2"/>
+              </a:buClr>
+            </a:pPr>
+            <a:endParaRPr lang="en-US" sz="2000" dirty="0"/>
           </a:p>
         </p:txBody>
       </p:sp>
     </p:spTree>
     <p:extLst>
       <p:ext uri="{BB962C8B-B14F-4D97-AF65-F5344CB8AC3E}">
-        <p14:creationId xmlns:p14="http://schemas.microsoft.com/office/powerpoint/2010/main" xmlns="" val="1562484837"/>
+        <p14:creationId xmlns="" xmlns:p14="http://schemas.microsoft.com/office/powerpoint/2010/main" val="414613742"/>
       </p:ext>
     </p:extLst>
   </p:cSld>
@@ -40739,10 +41012,10 @@
       </p:grpSpPr>
       <p:sp>
         <p:nvSpPr>
-          <p:cNvPr id="8" name="Title 1">
+          <p:cNvPr id="2" name="Title 1">
             <a:extLst>
               <a:ext uri="{FF2B5EF4-FFF2-40B4-BE49-F238E27FC236}">
-                <a16:creationId xmlns:a16="http://schemas.microsoft.com/office/drawing/2014/main" xmlns="" id="{47A9874B-BCA9-8420-1595-EDD1865A099A}"/>
+                <a16:creationId xmlns="" xmlns:a16="http://schemas.microsoft.com/office/drawing/2014/main" id="{47A9874B-BCA9-8420-1595-EDD1865A099A}"/>
               </a:ext>
             </a:extLst>
           </p:cNvPr>
@@ -40766,7 +41039,7 @@
           <a:p>
             <a:r>
               <a:rPr lang="en-US" dirty="0" smtClean="0"/>
-              <a:t>Word v/s Token</a:t>
+              <a:t>LLM – Model Pre-training</a:t>
             </a:r>
             <a:endParaRPr lang="en-US" dirty="0"/>
           </a:p>
@@ -40774,10 +41047,10 @@
       </p:sp>
       <p:sp>
         <p:nvSpPr>
-          <p:cNvPr id="9" name="Content Placeholder 2">
+          <p:cNvPr id="7" name="Content Placeholder 2">
             <a:extLst>
               <a:ext uri="{FF2B5EF4-FFF2-40B4-BE49-F238E27FC236}">
-                <a16:creationId xmlns:a16="http://schemas.microsoft.com/office/drawing/2014/main" xmlns="" id="{A6A33159-D030-2F82-A142-F75940728319}"/>
+                <a16:creationId xmlns="" xmlns:a16="http://schemas.microsoft.com/office/drawing/2014/main" id="{A6A33159-D030-2F82-A142-F75940728319}"/>
               </a:ext>
             </a:extLst>
           </p:cNvPr>
@@ -40791,7 +41064,7 @@
         <p:spPr>
           <a:xfrm>
             <a:off x="628650" y="1378574"/>
-            <a:ext cx="3761767" cy="3213667"/>
+            <a:ext cx="3638550" cy="3213667"/>
           </a:xfrm>
           <a:prstGeom prst="rect">
             <a:avLst/>
@@ -40816,26 +41089,10 @@
               </a:buClr>
             </a:pPr>
             <a:r>
-              <a:rPr lang="en-IN" sz="2000" dirty="0" smtClean="0"/>
-              <a:t>Token – Word or sub-word</a:t>
-            </a:r>
-          </a:p>
-          <a:p>
-            <a:pPr marL="171450" lvl="1">
-              <a:spcBef>
-                <a:spcPts val="750"/>
-              </a:spcBef>
-              <a:spcAft>
-                <a:spcPts val="600"/>
-              </a:spcAft>
-              <a:buClr>
-                <a:schemeClr val="accent2"/>
-              </a:buClr>
-            </a:pPr>
-            <a:r>
-              <a:rPr lang="en-IN" sz="2000" dirty="0" smtClean="0"/>
-              <a:t>LLM inference cost</a:t>
-            </a:r>
+              <a:rPr lang="en-US" sz="2000" dirty="0" smtClean="0"/>
+              <a:t>Encoder only LLM</a:t>
+            </a:r>
+            <a:endParaRPr lang="en-US" sz="2000" dirty="0"/>
           </a:p>
           <a:p>
             <a:pPr marL="514350" lvl="2">
@@ -40850,8 +41107,8 @@
               </a:buClr>
             </a:pPr>
             <a:r>
-              <a:rPr lang="en-IN" sz="1700" dirty="0" smtClean="0"/>
-              <a:t>Number of tokens</a:t>
+              <a:rPr lang="en-US" sz="1700" dirty="0" smtClean="0"/>
+              <a:t>Auto–encoding models </a:t>
             </a:r>
           </a:p>
           <a:p>
@@ -40867,25 +41124,8 @@
               </a:buClr>
             </a:pPr>
             <a:r>
-              <a:rPr lang="en-IN" sz="1700" dirty="0" smtClean="0"/>
-              <a:t>Input tokens</a:t>
-            </a:r>
-          </a:p>
-          <a:p>
-            <a:pPr marL="857250" lvl="3">
-              <a:spcBef>
-                <a:spcPts val="750"/>
-              </a:spcBef>
-              <a:spcAft>
-                <a:spcPts val="600"/>
-              </a:spcAft>
-              <a:buClr>
-                <a:schemeClr val="accent2"/>
-              </a:buClr>
-            </a:pPr>
-            <a:r>
-              <a:rPr lang="en-IN" sz="1600" dirty="0" smtClean="0"/>
-              <a:t>Less cost</a:t>
+              <a:rPr lang="en-US" sz="1700" dirty="0" smtClean="0"/>
+              <a:t>Masked Language Modeling</a:t>
             </a:r>
           </a:p>
           <a:p>
@@ -40901,12 +41141,12 @@
               </a:buClr>
             </a:pPr>
             <a:r>
-              <a:rPr lang="en-IN" sz="1700" dirty="0" smtClean="0"/>
-              <a:t>Output tokens</a:t>
-            </a:r>
-          </a:p>
-          <a:p>
-            <a:pPr marL="857250" lvl="3">
+              <a:rPr lang="en-US" sz="1700" dirty="0" smtClean="0"/>
+              <a:t>Reconstruct text</a:t>
+            </a:r>
+          </a:p>
+          <a:p>
+            <a:pPr marL="514350" lvl="2">
               <a:spcBef>
                 <a:spcPts val="750"/>
               </a:spcBef>
@@ -40918,8 +41158,25 @@
               </a:buClr>
             </a:pPr>
             <a:r>
-              <a:rPr lang="en-IN" sz="1600" dirty="0" smtClean="0"/>
-              <a:t>More cost</a:t>
+              <a:rPr lang="en-US" sz="1700" dirty="0" smtClean="0"/>
+              <a:t>De–noising objective    </a:t>
+            </a:r>
+          </a:p>
+          <a:p>
+            <a:pPr marL="514350" lvl="2">
+              <a:spcBef>
+                <a:spcPts val="750"/>
+              </a:spcBef>
+              <a:spcAft>
+                <a:spcPts val="600"/>
+              </a:spcAft>
+              <a:buClr>
+                <a:schemeClr val="accent2"/>
+              </a:buClr>
+            </a:pPr>
+            <a:r>
+              <a:rPr lang="en-US" sz="1700" dirty="0" smtClean="0"/>
+              <a:t>Bidirectional context</a:t>
             </a:r>
             <a:endParaRPr lang="en-US" sz="2000" dirty="0"/>
           </a:p>
@@ -40930,7 +41187,7 @@
           <p:cNvPr id="4" name="Content Placeholder 2">
             <a:extLst>
               <a:ext uri="{FF2B5EF4-FFF2-40B4-BE49-F238E27FC236}">
-                <a16:creationId xmlns:a16="http://schemas.microsoft.com/office/drawing/2014/main" xmlns="" id="{A6A33159-D030-2F82-A142-F75940728319}"/>
+                <a16:creationId xmlns="" xmlns:a16="http://schemas.microsoft.com/office/drawing/2014/main" id="{A6A33159-D030-2F82-A142-F75940728319}"/>
               </a:ext>
             </a:extLst>
           </p:cNvPr>
@@ -40943,8 +41200,8 @@
         </p:nvSpPr>
         <p:spPr>
           <a:xfrm>
-            <a:off x="4704475" y="1381819"/>
-            <a:ext cx="3761767" cy="3213667"/>
+            <a:off x="4714875" y="1378574"/>
+            <a:ext cx="3638550" cy="3213667"/>
           </a:xfrm>
           <a:prstGeom prst="rect">
             <a:avLst/>
@@ -40969,9 +41226,10 @@
               </a:buClr>
             </a:pPr>
             <a:r>
-              <a:rPr lang="en-IN" sz="2000" dirty="0" smtClean="0"/>
-              <a:t>Words with single token</a:t>
-            </a:r>
+              <a:rPr lang="en-US" sz="2000" dirty="0" smtClean="0"/>
+              <a:t>Applications</a:t>
+            </a:r>
+            <a:endParaRPr lang="en-US" sz="2000" dirty="0"/>
           </a:p>
           <a:p>
             <a:pPr marL="514350" lvl="2">
@@ -40986,9 +41244,10 @@
               </a:buClr>
             </a:pPr>
             <a:r>
-              <a:rPr lang="en-IN" sz="1700" dirty="0" smtClean="0"/>
-              <a:t>Atomic or Primitive tokens</a:t>
-            </a:r>
+              <a:rPr lang="en-US" sz="1700" dirty="0" smtClean="0"/>
+              <a:t>Sentiment analysis</a:t>
+            </a:r>
+            <a:endParaRPr lang="en-US" sz="1700" dirty="0"/>
           </a:p>
           <a:p>
             <a:pPr marL="514350" lvl="2">
@@ -41003,74 +41262,10 @@
               </a:buClr>
             </a:pPr>
             <a:r>
-              <a:rPr lang="en-IN" sz="1700" dirty="0" smtClean="0">
-                <a:solidFill>
-                  <a:srgbClr val="7030A0"/>
-                </a:solidFill>
-              </a:rPr>
-              <a:t>yes</a:t>
-            </a:r>
-            <a:r>
-              <a:rPr lang="en-IN" sz="1700" dirty="0" smtClean="0"/>
-              <a:t>, </a:t>
-            </a:r>
-            <a:r>
-              <a:rPr lang="en-IN" sz="1700" dirty="0" smtClean="0">
-                <a:solidFill>
-                  <a:srgbClr val="7030A0"/>
-                </a:solidFill>
-              </a:rPr>
-              <a:t>no</a:t>
-            </a:r>
-            <a:r>
-              <a:rPr lang="en-IN" sz="1700" dirty="0" smtClean="0"/>
-              <a:t>, </a:t>
-            </a:r>
-            <a:r>
-              <a:rPr lang="en-IN" sz="1700" dirty="0" smtClean="0">
-                <a:solidFill>
-                  <a:srgbClr val="7030A0"/>
-                </a:solidFill>
-              </a:rPr>
-              <a:t>run</a:t>
-            </a:r>
-            <a:r>
-              <a:rPr lang="en-IN" sz="1700" dirty="0" smtClean="0"/>
-              <a:t>, </a:t>
-            </a:r>
-            <a:r>
-              <a:rPr lang="en-IN" sz="1700" dirty="0" smtClean="0">
-                <a:solidFill>
-                  <a:srgbClr val="7030A0"/>
-                </a:solidFill>
-              </a:rPr>
-              <a:t>red</a:t>
-            </a:r>
-            <a:r>
-              <a:rPr lang="en-IN" sz="1700" dirty="0" smtClean="0"/>
-              <a:t>, </a:t>
-            </a:r>
-            <a:r>
-              <a:rPr lang="en-IN" sz="1700" dirty="0" smtClean="0">
-                <a:solidFill>
-                  <a:srgbClr val="7030A0"/>
-                </a:solidFill>
-              </a:rPr>
-              <a:t>blue</a:t>
-            </a:r>
-            <a:r>
-              <a:rPr lang="en-IN" sz="1700" dirty="0" smtClean="0"/>
-              <a:t>, </a:t>
-            </a:r>
-            <a:r>
-              <a:rPr lang="en-IN" sz="1700" dirty="0" smtClean="0">
-                <a:solidFill>
-                  <a:srgbClr val="7030A0"/>
-                </a:solidFill>
-              </a:rPr>
-              <a:t>love</a:t>
-            </a:r>
-            <a:endParaRPr lang="en-IN" sz="2000" dirty="0" smtClean="0"/>
+              <a:rPr lang="en-US" sz="1700" dirty="0" smtClean="0"/>
+              <a:t>Word classification</a:t>
+            </a:r>
+            <a:endParaRPr lang="en-US" sz="1400" dirty="0"/>
           </a:p>
           <a:p>
             <a:pPr marL="171450" lvl="1">
@@ -41086,7 +41281,7 @@
             </a:pPr>
             <a:r>
               <a:rPr lang="en-IN" sz="2000" dirty="0" smtClean="0"/>
-              <a:t>Words with two tokens</a:t>
+              <a:t>Examples</a:t>
             </a:r>
           </a:p>
           <a:p>
@@ -41103,13 +41298,8 @@
             </a:pPr>
             <a:r>
               <a:rPr lang="en-IN" sz="1700" dirty="0" smtClean="0"/>
-              <a:t>Compound words</a:t>
-            </a:r>
-            <a:endParaRPr lang="en-IN" sz="1700" dirty="0" smtClean="0">
-              <a:solidFill>
-                <a:srgbClr val="00B050"/>
-              </a:solidFill>
-            </a:endParaRPr>
+              <a:t>BERT model</a:t>
+            </a:r>
           </a:p>
           <a:p>
             <a:pPr marL="514350" lvl="2">
@@ -41124,82 +41314,10 @@
               </a:buClr>
             </a:pPr>
             <a:r>
-              <a:rPr lang="en-IN" sz="1700" dirty="0" smtClean="0">
-                <a:solidFill>
-                  <a:srgbClr val="00B050"/>
-                </a:solidFill>
-              </a:rPr>
-              <a:t>un</a:t>
-            </a:r>
-            <a:r>
-              <a:rPr lang="en-IN" sz="1700" dirty="0" smtClean="0">
-                <a:solidFill>
-                  <a:srgbClr val="7030A0"/>
-                </a:solidFill>
-              </a:rPr>
-              <a:t>happy</a:t>
-            </a:r>
-            <a:r>
               <a:rPr lang="en-IN" sz="1700" dirty="0" smtClean="0"/>
-              <a:t>, </a:t>
-            </a:r>
-            <a:r>
-              <a:rPr lang="en-IN" sz="1700" dirty="0" smtClean="0">
-                <a:solidFill>
-                  <a:srgbClr val="00B050"/>
-                </a:solidFill>
-              </a:rPr>
-              <a:t>dis</a:t>
-            </a:r>
-            <a:r>
-              <a:rPr lang="en-IN" sz="1700" dirty="0" smtClean="0">
-                <a:solidFill>
-                  <a:srgbClr val="7030A0"/>
-                </a:solidFill>
-              </a:rPr>
-              <a:t>like</a:t>
-            </a:r>
-            <a:r>
-              <a:rPr lang="en-IN" sz="1700" dirty="0" smtClean="0"/>
-              <a:t>, </a:t>
-            </a:r>
-            <a:r>
-              <a:rPr lang="en-IN" sz="1700" dirty="0" smtClean="0">
-                <a:solidFill>
-                  <a:srgbClr val="00B050"/>
-                </a:solidFill>
-              </a:rPr>
-              <a:t>re</a:t>
-            </a:r>
-            <a:r>
-              <a:rPr lang="en-IN" sz="1700" dirty="0" smtClean="0">
-                <a:solidFill>
-                  <a:srgbClr val="7030A0"/>
-                </a:solidFill>
-              </a:rPr>
-              <a:t>play</a:t>
-            </a:r>
-            <a:r>
-              <a:rPr lang="en-IN" sz="1700" dirty="0" smtClean="0"/>
-              <a:t>, </a:t>
-            </a:r>
-            <a:r>
-              <a:rPr lang="en-IN" sz="1700" dirty="0" smtClean="0">
-                <a:solidFill>
-                  <a:srgbClr val="00B050"/>
-                </a:solidFill>
-              </a:rPr>
-              <a:t>sun</a:t>
-            </a:r>
-            <a:r>
-              <a:rPr lang="en-IN" sz="1700" dirty="0" smtClean="0">
-                <a:solidFill>
-                  <a:srgbClr val="7030A0"/>
-                </a:solidFill>
-              </a:rPr>
-              <a:t>set</a:t>
-            </a:r>
-            <a:endParaRPr lang="en-IN" sz="2000" dirty="0" smtClean="0"/>
+              <a:t>ROBERTA model </a:t>
+            </a:r>
+            <a:endParaRPr lang="en-IN" sz="1700" dirty="0"/>
           </a:p>
           <a:p>
             <a:pPr marL="171450" lvl="1">
@@ -41213,38 +41331,27 @@
                 <a:schemeClr val="accent2"/>
               </a:buClr>
             </a:pPr>
-            <a:r>
-              <a:rPr lang="en-IN" sz="2000" dirty="0" smtClean="0"/>
-              <a:t>300 Words – 400 Tokens</a:t>
-            </a:r>
-            <a:endParaRPr lang="en-IN" sz="2000" dirty="0"/>
-          </a:p>
-          <a:p>
-            <a:pPr marL="171450" lvl="1">
-              <a:spcBef>
-                <a:spcPts val="750"/>
-              </a:spcBef>
-              <a:spcAft>
-                <a:spcPts val="600"/>
-              </a:spcAft>
-              <a:buClr>
-                <a:schemeClr val="accent2"/>
-              </a:buClr>
-            </a:pPr>
-            <a:endParaRPr lang="en-US" sz="2000" dirty="0"/>
+            <a:endParaRPr lang="en-US" sz="1700" dirty="0"/>
           </a:p>
         </p:txBody>
       </p:sp>
     </p:spTree>
     <p:extLst>
       <p:ext uri="{BB962C8B-B14F-4D97-AF65-F5344CB8AC3E}">
-        <p14:creationId xmlns:p14="http://schemas.microsoft.com/office/powerpoint/2010/main" xmlns="" val="414613742"/>
+        <p14:creationId xmlns="" xmlns:p14="http://schemas.microsoft.com/office/powerpoint/2010/main" val="1127649784"/>
       </p:ext>
     </p:extLst>
   </p:cSld>
   <p:clrMapOvr>
     <a:masterClrMapping/>
   </p:clrMapOvr>
+  <p:timing>
+    <p:tnLst>
+      <p:par>
+        <p:cTn id="1" dur="indefinite" restart="never" nodeType="tmRoot"/>
+      </p:par>
+    </p:tnLst>
+  </p:timing>
 </p:sld>
 </file>
 
@@ -41270,7 +41377,7 @@
           <p:cNvPr id="2" name="Title 1">
             <a:extLst>
               <a:ext uri="{FF2B5EF4-FFF2-40B4-BE49-F238E27FC236}">
-                <a16:creationId xmlns:a16="http://schemas.microsoft.com/office/drawing/2014/main" xmlns="" id="{47A9874B-BCA9-8420-1595-EDD1865A099A}"/>
+                <a16:creationId xmlns="" xmlns:a16="http://schemas.microsoft.com/office/drawing/2014/main" id="{47A9874B-BCA9-8420-1595-EDD1865A099A}"/>
               </a:ext>
             </a:extLst>
           </p:cNvPr>
@@ -41305,7 +41412,7 @@
           <p:cNvPr id="7" name="Content Placeholder 2">
             <a:extLst>
               <a:ext uri="{FF2B5EF4-FFF2-40B4-BE49-F238E27FC236}">
-                <a16:creationId xmlns:a16="http://schemas.microsoft.com/office/drawing/2014/main" xmlns="" id="{A6A33159-D030-2F82-A142-F75940728319}"/>
+                <a16:creationId xmlns="" xmlns:a16="http://schemas.microsoft.com/office/drawing/2014/main" id="{A6A33159-D030-2F82-A142-F75940728319}"/>
               </a:ext>
             </a:extLst>
           </p:cNvPr>
@@ -41345,7 +41452,7 @@
             </a:pPr>
             <a:r>
               <a:rPr lang="en-US" sz="2000" dirty="0" smtClean="0"/>
-              <a:t>Encoder only LLM</a:t>
+              <a:t>Decoder only LLM</a:t>
             </a:r>
             <a:endParaRPr lang="en-US" sz="2000" dirty="0"/>
           </a:p>
@@ -41363,7 +41470,7 @@
             </a:pPr>
             <a:r>
               <a:rPr lang="en-US" sz="1700" dirty="0" smtClean="0"/>
-              <a:t>Auto–encoding models </a:t>
+              <a:t>Autoregressive models </a:t>
             </a:r>
           </a:p>
           <a:p>
@@ -41380,7 +41487,7 @@
             </a:pPr>
             <a:r>
               <a:rPr lang="en-US" sz="1700" dirty="0" smtClean="0"/>
-              <a:t>Masked Language Modeling</a:t>
+              <a:t>No encoder model</a:t>
             </a:r>
           </a:p>
           <a:p>
@@ -41397,7 +41504,7 @@
             </a:pPr>
             <a:r>
               <a:rPr lang="en-US" sz="1700" dirty="0" smtClean="0"/>
-              <a:t>Reconstruct text</a:t>
+              <a:t>Causal Language Modeling</a:t>
             </a:r>
           </a:p>
           <a:p>
@@ -41414,7 +41521,7 @@
             </a:pPr>
             <a:r>
               <a:rPr lang="en-US" sz="1700" dirty="0" smtClean="0"/>
-              <a:t>De–noising objective    </a:t>
+              <a:t>Predict next token</a:t>
             </a:r>
           </a:p>
           <a:p>
@@ -41431,7 +41538,24 @@
             </a:pPr>
             <a:r>
               <a:rPr lang="en-US" sz="1700" dirty="0" smtClean="0"/>
-              <a:t>Bidirectional context</a:t>
+              <a:t>Unidirectional context</a:t>
+            </a:r>
+          </a:p>
+          <a:p>
+            <a:pPr marL="514350" lvl="2">
+              <a:spcBef>
+                <a:spcPts val="750"/>
+              </a:spcBef>
+              <a:spcAft>
+                <a:spcPts val="600"/>
+              </a:spcAft>
+              <a:buClr>
+                <a:schemeClr val="accent2"/>
+              </a:buClr>
+            </a:pPr>
+            <a:r>
+              <a:rPr lang="en-US" sz="1700" dirty="0" smtClean="0"/>
+              <a:t>Statistical representation of language  </a:t>
             </a:r>
             <a:endParaRPr lang="en-US" sz="2000" dirty="0"/>
           </a:p>
@@ -41442,7 +41566,7 @@
           <p:cNvPr id="4" name="Content Placeholder 2">
             <a:extLst>
               <a:ext uri="{FF2B5EF4-FFF2-40B4-BE49-F238E27FC236}">
-                <a16:creationId xmlns:a16="http://schemas.microsoft.com/office/drawing/2014/main" xmlns="" id="{A6A33159-D030-2F82-A142-F75940728319}"/>
+                <a16:creationId xmlns="" xmlns:a16="http://schemas.microsoft.com/office/drawing/2014/main" id="{A6A33159-D030-2F82-A142-F75940728319}"/>
               </a:ext>
             </a:extLst>
           </p:cNvPr>
@@ -41500,7 +41624,7 @@
             </a:pPr>
             <a:r>
               <a:rPr lang="en-US" sz="1700" dirty="0" smtClean="0"/>
-              <a:t>Sentiment analysis</a:t>
+              <a:t>Text generation</a:t>
             </a:r>
             <a:endParaRPr lang="en-US" sz="1700" dirty="0"/>
           </a:p>
@@ -41518,9 +41642,9 @@
             </a:pPr>
             <a:r>
               <a:rPr lang="en-US" sz="1700" dirty="0" smtClean="0"/>
-              <a:t>Word classification</a:t>
-            </a:r>
-            <a:endParaRPr lang="en-US" sz="1400" dirty="0"/>
+              <a:t>Zero–shot inference </a:t>
+            </a:r>
+            <a:endParaRPr lang="en-US" sz="1700" dirty="0"/>
           </a:p>
           <a:p>
             <a:pPr marL="171450" lvl="1">
@@ -41552,8 +41676,12 @@
               </a:buClr>
             </a:pPr>
             <a:r>
+              <a:rPr lang="en-IN" sz="1700" dirty="0" err="1" smtClean="0"/>
+              <a:t>OpenAI</a:t>
+            </a:r>
+            <a:r>
               <a:rPr lang="en-IN" sz="1700" dirty="0" smtClean="0"/>
-              <a:t>BERT model</a:t>
+              <a:t> GPT</a:t>
             </a:r>
           </a:p>
           <a:p>
@@ -41570,7 +41698,7 @@
             </a:pPr>
             <a:r>
               <a:rPr lang="en-IN" sz="1700" dirty="0" smtClean="0"/>
-              <a:t>ROBERTA model </a:t>
+              <a:t>Meta Llama </a:t>
             </a:r>
             <a:endParaRPr lang="en-IN" sz="1700" dirty="0"/>
           </a:p>
@@ -41593,7 +41721,7 @@
     </p:spTree>
     <p:extLst>
       <p:ext uri="{BB962C8B-B14F-4D97-AF65-F5344CB8AC3E}">
-        <p14:creationId xmlns:p14="http://schemas.microsoft.com/office/powerpoint/2010/main" xmlns="" val="1127649784"/>
+        <p14:creationId xmlns="" xmlns:p14="http://schemas.microsoft.com/office/powerpoint/2010/main" val="1127649784"/>
       </p:ext>
     </p:extLst>
   </p:cSld>
@@ -41632,7 +41760,7 @@
           <p:cNvPr id="2" name="Title 1">
             <a:extLst>
               <a:ext uri="{FF2B5EF4-FFF2-40B4-BE49-F238E27FC236}">
-                <a16:creationId xmlns:a16="http://schemas.microsoft.com/office/drawing/2014/main" xmlns="" id="{47A9874B-BCA9-8420-1595-EDD1865A099A}"/>
+                <a16:creationId xmlns="" xmlns:a16="http://schemas.microsoft.com/office/drawing/2014/main" id="{47A9874B-BCA9-8420-1595-EDD1865A099A}"/>
               </a:ext>
             </a:extLst>
           </p:cNvPr>
@@ -41667,7 +41795,7 @@
           <p:cNvPr id="7" name="Content Placeholder 2">
             <a:extLst>
               <a:ext uri="{FF2B5EF4-FFF2-40B4-BE49-F238E27FC236}">
-                <a16:creationId xmlns:a16="http://schemas.microsoft.com/office/drawing/2014/main" xmlns="" id="{A6A33159-D030-2F82-A142-F75940728319}"/>
+                <a16:creationId xmlns="" xmlns:a16="http://schemas.microsoft.com/office/drawing/2014/main" id="{A6A33159-D030-2F82-A142-F75940728319}"/>
               </a:ext>
             </a:extLst>
           </p:cNvPr>
@@ -41681,7 +41809,7 @@
         <p:spPr>
           <a:xfrm>
             <a:off x="628650" y="1378574"/>
-            <a:ext cx="3638550" cy="3213667"/>
+            <a:ext cx="3781222" cy="3213667"/>
           </a:xfrm>
           <a:prstGeom prst="rect">
             <a:avLst/>
@@ -41707,7 +41835,7 @@
             </a:pPr>
             <a:r>
               <a:rPr lang="en-US" sz="2000" dirty="0" smtClean="0"/>
-              <a:t>Decoder only LLM</a:t>
+              <a:t>Encoder–Decoder LLM</a:t>
             </a:r>
             <a:endParaRPr lang="en-US" sz="2000" dirty="0"/>
           </a:p>
@@ -41725,7 +41853,7 @@
             </a:pPr>
             <a:r>
               <a:rPr lang="en-US" sz="1700" dirty="0" smtClean="0"/>
-              <a:t>Autoregressive models </a:t>
+              <a:t>Encoder and Decoder</a:t>
             </a:r>
           </a:p>
           <a:p>
@@ -41742,7 +41870,7 @@
             </a:pPr>
             <a:r>
               <a:rPr lang="en-US" sz="1700" dirty="0" smtClean="0"/>
-              <a:t>No encoder model</a:t>
+              <a:t>Sequence-to-sequence models </a:t>
             </a:r>
           </a:p>
           <a:p>
@@ -41759,7 +41887,45 @@
             </a:pPr>
             <a:r>
               <a:rPr lang="en-US" sz="1700" dirty="0" smtClean="0"/>
-              <a:t>Causal Language Modeling</a:t>
+              <a:t>Span corruption – T5 model</a:t>
+            </a:r>
+          </a:p>
+          <a:p>
+            <a:pPr marL="857250" lvl="3">
+              <a:spcBef>
+                <a:spcPts val="750"/>
+              </a:spcBef>
+              <a:spcAft>
+                <a:spcPts val="600"/>
+              </a:spcAft>
+              <a:buClr>
+                <a:schemeClr val="accent2"/>
+              </a:buClr>
+            </a:pPr>
+            <a:r>
+              <a:rPr lang="en-US" sz="1600" smtClean="0"/>
+              <a:t>Mask random </a:t>
+            </a:r>
+            <a:r>
+              <a:rPr lang="en-US" sz="1600" dirty="0" smtClean="0"/>
+              <a:t>input tokens</a:t>
+            </a:r>
+          </a:p>
+          <a:p>
+            <a:pPr marL="857250" lvl="3">
+              <a:spcBef>
+                <a:spcPts val="750"/>
+              </a:spcBef>
+              <a:spcAft>
+                <a:spcPts val="600"/>
+              </a:spcAft>
+              <a:buClr>
+                <a:schemeClr val="accent2"/>
+              </a:buClr>
+            </a:pPr>
+            <a:r>
+              <a:rPr lang="en-US" sz="1600" dirty="0" smtClean="0"/>
+              <a:t>Reconstruct masked input tokens</a:t>
             </a:r>
           </a:p>
           <a:p>
@@ -41776,43 +41942,9 @@
             </a:pPr>
             <a:r>
               <a:rPr lang="en-US" sz="1700" dirty="0" smtClean="0"/>
-              <a:t>Predict next token</a:t>
-            </a:r>
-          </a:p>
-          <a:p>
-            <a:pPr marL="514350" lvl="2">
-              <a:spcBef>
-                <a:spcPts val="750"/>
-              </a:spcBef>
-              <a:spcAft>
-                <a:spcPts val="600"/>
-              </a:spcAft>
-              <a:buClr>
-                <a:schemeClr val="accent2"/>
-              </a:buClr>
-            </a:pPr>
-            <a:r>
-              <a:rPr lang="en-US" sz="1700" dirty="0" smtClean="0"/>
-              <a:t>Unidirectional context</a:t>
-            </a:r>
-          </a:p>
-          <a:p>
-            <a:pPr marL="514350" lvl="2">
-              <a:spcBef>
-                <a:spcPts val="750"/>
-              </a:spcBef>
-              <a:spcAft>
-                <a:spcPts val="600"/>
-              </a:spcAft>
-              <a:buClr>
-                <a:schemeClr val="accent2"/>
-              </a:buClr>
-            </a:pPr>
-            <a:r>
-              <a:rPr lang="en-US" sz="1700" dirty="0" smtClean="0"/>
-              <a:t>Statistical representation of language  </a:t>
-            </a:r>
-            <a:endParaRPr lang="en-US" sz="2000" dirty="0"/>
+              <a:t>Bidirectional context    </a:t>
+            </a:r>
+            <a:endParaRPr lang="en-US" sz="1700" dirty="0"/>
           </a:p>
         </p:txBody>
       </p:sp>
@@ -41821,7 +41953,7 @@
           <p:cNvPr id="4" name="Content Placeholder 2">
             <a:extLst>
               <a:ext uri="{FF2B5EF4-FFF2-40B4-BE49-F238E27FC236}">
-                <a16:creationId xmlns:a16="http://schemas.microsoft.com/office/drawing/2014/main" xmlns="" id="{A6A33159-D030-2F82-A142-F75940728319}"/>
+                <a16:creationId xmlns="" xmlns:a16="http://schemas.microsoft.com/office/drawing/2014/main" id="{A6A33159-D030-2F82-A142-F75940728319}"/>
               </a:ext>
             </a:extLst>
           </p:cNvPr>
@@ -41879,7 +42011,7 @@
             </a:pPr>
             <a:r>
               <a:rPr lang="en-US" sz="1700" dirty="0" smtClean="0"/>
-              <a:t>Text generation</a:t>
+              <a:t>Machine translation</a:t>
             </a:r>
             <a:endParaRPr lang="en-US" sz="1700" dirty="0"/>
           </a:p>
@@ -41897,7 +42029,24 @@
             </a:pPr>
             <a:r>
               <a:rPr lang="en-US" sz="1700" dirty="0" smtClean="0"/>
-              <a:t>Zero–shot inference </a:t>
+              <a:t>Text summarization</a:t>
+            </a:r>
+          </a:p>
+          <a:p>
+            <a:pPr marL="514350" lvl="2">
+              <a:spcBef>
+                <a:spcPts val="750"/>
+              </a:spcBef>
+              <a:spcAft>
+                <a:spcPts val="600"/>
+              </a:spcAft>
+              <a:buClr>
+                <a:schemeClr val="accent2"/>
+              </a:buClr>
+            </a:pPr>
+            <a:r>
+              <a:rPr lang="en-US" sz="1700" dirty="0" smtClean="0"/>
+              <a:t>Question &amp; Answering </a:t>
             </a:r>
             <a:endParaRPr lang="en-US" sz="1700" dirty="0"/>
           </a:p>
@@ -41931,29 +42080,8 @@
               </a:buClr>
             </a:pPr>
             <a:r>
-              <a:rPr lang="en-IN" sz="1700" dirty="0" err="1" smtClean="0"/>
-              <a:t>OpenAI</a:t>
-            </a:r>
-            <a:r>
               <a:rPr lang="en-IN" sz="1700" dirty="0" smtClean="0"/>
-              <a:t> GPT</a:t>
-            </a:r>
-          </a:p>
-          <a:p>
-            <a:pPr marL="514350" lvl="2">
-              <a:spcBef>
-                <a:spcPts val="750"/>
-              </a:spcBef>
-              <a:spcAft>
-                <a:spcPts val="600"/>
-              </a:spcAft>
-              <a:buClr>
-                <a:schemeClr val="accent2"/>
-              </a:buClr>
-            </a:pPr>
-            <a:r>
-              <a:rPr lang="en-IN" sz="1700" dirty="0" smtClean="0"/>
-              <a:t>Meta Llama </a:t>
+              <a:t>Text-to-Text Transfer Transformer – T5 model </a:t>
             </a:r>
             <a:endParaRPr lang="en-IN" sz="1700" dirty="0"/>
           </a:p>
@@ -41976,7 +42104,7 @@
     </p:spTree>
     <p:extLst>
       <p:ext uri="{BB962C8B-B14F-4D97-AF65-F5344CB8AC3E}">
-        <p14:creationId xmlns:p14="http://schemas.microsoft.com/office/powerpoint/2010/main" xmlns="" val="1127649784"/>
+        <p14:creationId xmlns="" xmlns:p14="http://schemas.microsoft.com/office/powerpoint/2010/main" val="1127649784"/>
       </p:ext>
     </p:extLst>
   </p:cSld>
@@ -42015,7 +42143,7 @@
           <p:cNvPr id="2" name="Title 1">
             <a:extLst>
               <a:ext uri="{FF2B5EF4-FFF2-40B4-BE49-F238E27FC236}">
-                <a16:creationId xmlns:a16="http://schemas.microsoft.com/office/drawing/2014/main" xmlns="" id="{47A9874B-BCA9-8420-1595-EDD1865A099A}"/>
+                <a16:creationId xmlns="" xmlns:a16="http://schemas.microsoft.com/office/drawing/2014/main" id="{47A9874B-BCA9-8420-1595-EDD1865A099A}"/>
               </a:ext>
             </a:extLst>
           </p:cNvPr>
@@ -42039,7 +42167,7 @@
           <a:p>
             <a:r>
               <a:rPr lang="en-US" dirty="0" smtClean="0"/>
-              <a:t>LLM – Model Pre-training</a:t>
+              <a:t>LLM – Computational Challenges</a:t>
             </a:r>
             <a:endParaRPr lang="en-US" dirty="0"/>
           </a:p>
@@ -42050,7 +42178,7 @@
           <p:cNvPr id="7" name="Content Placeholder 2">
             <a:extLst>
               <a:ext uri="{FF2B5EF4-FFF2-40B4-BE49-F238E27FC236}">
-                <a16:creationId xmlns:a16="http://schemas.microsoft.com/office/drawing/2014/main" xmlns="" id="{A6A33159-D030-2F82-A142-F75940728319}"/>
+                <a16:creationId xmlns="" xmlns:a16="http://schemas.microsoft.com/office/drawing/2014/main" id="{A6A33159-D030-2F82-A142-F75940728319}"/>
               </a:ext>
             </a:extLst>
           </p:cNvPr>
@@ -42064,7 +42192,7 @@
         <p:spPr>
           <a:xfrm>
             <a:off x="628650" y="1378574"/>
-            <a:ext cx="3781222" cy="3213667"/>
+            <a:ext cx="3852560" cy="3213667"/>
           </a:xfrm>
           <a:prstGeom prst="rect">
             <a:avLst/>
@@ -42090,9 +42218,8 @@
             </a:pPr>
             <a:r>
               <a:rPr lang="en-US" sz="2000" dirty="0" smtClean="0"/>
-              <a:t>Encoder–Decoder LLM</a:t>
-            </a:r>
-            <a:endParaRPr lang="en-US" sz="2000" dirty="0"/>
+              <a:t>LLM inference</a:t>
+            </a:r>
           </a:p>
           <a:p>
             <a:pPr marL="514350" lvl="2">
@@ -42108,7 +42235,7 @@
             </a:pPr>
             <a:r>
               <a:rPr lang="en-US" sz="1700" dirty="0" smtClean="0"/>
-              <a:t>Encoder and Decoder</a:t>
+              <a:t>1 parameter – float 32 – 4 bytes</a:t>
             </a:r>
           </a:p>
           <a:p>
@@ -42125,7 +42252,15 @@
             </a:pPr>
             <a:r>
               <a:rPr lang="en-US" sz="1700" dirty="0" smtClean="0"/>
-              <a:t>Sequence-to-sequence models </a:t>
+              <a:t>1B parameters – 10</a:t>
+            </a:r>
+            <a:r>
+              <a:rPr lang="en-US" sz="1700" baseline="30000" dirty="0" smtClean="0"/>
+              <a:t>9</a:t>
+            </a:r>
+            <a:r>
+              <a:rPr lang="en-US" sz="1700" dirty="0" smtClean="0"/>
+              <a:t> parameters</a:t>
             </a:r>
           </a:p>
           <a:p>
@@ -42142,45 +42277,15 @@
             </a:pPr>
             <a:r>
               <a:rPr lang="en-US" sz="1700" dirty="0" smtClean="0"/>
-              <a:t>Span corruption – T5 model</a:t>
-            </a:r>
-          </a:p>
-          <a:p>
-            <a:pPr marL="857250" lvl="3">
-              <a:spcBef>
-                <a:spcPts val="750"/>
-              </a:spcBef>
-              <a:spcAft>
-                <a:spcPts val="600"/>
-              </a:spcAft>
-              <a:buClr>
-                <a:schemeClr val="accent2"/>
-              </a:buClr>
-            </a:pPr>
-            <a:r>
-              <a:rPr lang="en-US" sz="1600" smtClean="0"/>
-              <a:t>Mask random </a:t>
-            </a:r>
-            <a:r>
-              <a:rPr lang="en-US" sz="1600" dirty="0" smtClean="0"/>
-              <a:t>input tokens</a:t>
-            </a:r>
-          </a:p>
-          <a:p>
-            <a:pPr marL="857250" lvl="3">
-              <a:spcBef>
-                <a:spcPts val="750"/>
-              </a:spcBef>
-              <a:spcAft>
-                <a:spcPts val="600"/>
-              </a:spcAft>
-              <a:buClr>
-                <a:schemeClr val="accent2"/>
-              </a:buClr>
-            </a:pPr>
-            <a:r>
-              <a:rPr lang="en-US" sz="1600" dirty="0" smtClean="0"/>
-              <a:t>Reconstruct masked input tokens</a:t>
+              <a:t>1B parameters – 4 x 10</a:t>
+            </a:r>
+            <a:r>
+              <a:rPr lang="en-US" sz="1700" baseline="30000" dirty="0" smtClean="0"/>
+              <a:t>9 </a:t>
+            </a:r>
+            <a:r>
+              <a:rPr lang="en-US" sz="1700" dirty="0" smtClean="0"/>
+              <a:t>bytes</a:t>
             </a:r>
           </a:p>
           <a:p>
@@ -42197,8 +42302,21 @@
             </a:pPr>
             <a:r>
               <a:rPr lang="en-US" sz="1700" dirty="0" smtClean="0"/>
-              <a:t>Bidirectional context    </a:t>
-            </a:r>
+              <a:t>1B parameters – 4 GB memory</a:t>
+            </a:r>
+          </a:p>
+          <a:p>
+            <a:pPr marL="171450" lvl="1">
+              <a:spcBef>
+                <a:spcPts val="750"/>
+              </a:spcBef>
+              <a:spcAft>
+                <a:spcPts val="600"/>
+              </a:spcAft>
+              <a:buClr>
+                <a:schemeClr val="accent2"/>
+              </a:buClr>
+            </a:pPr>
             <a:endParaRPr lang="en-US" sz="1700" dirty="0"/>
           </a:p>
         </p:txBody>
@@ -42208,7 +42326,7 @@
           <p:cNvPr id="4" name="Content Placeholder 2">
             <a:extLst>
               <a:ext uri="{FF2B5EF4-FFF2-40B4-BE49-F238E27FC236}">
-                <a16:creationId xmlns:a16="http://schemas.microsoft.com/office/drawing/2014/main" xmlns="" id="{A6A33159-D030-2F82-A142-F75940728319}"/>
+                <a16:creationId xmlns="" xmlns:a16="http://schemas.microsoft.com/office/drawing/2014/main" id="{A6A33159-D030-2F82-A142-F75940728319}"/>
               </a:ext>
             </a:extLst>
           </p:cNvPr>
@@ -42221,8 +42339,8 @@
         </p:nvSpPr>
         <p:spPr>
           <a:xfrm>
-            <a:off x="4714875" y="1378574"/>
-            <a:ext cx="3638550" cy="3213667"/>
+            <a:off x="4714874" y="1378574"/>
+            <a:ext cx="3903831" cy="3213667"/>
           </a:xfrm>
           <a:prstGeom prst="rect">
             <a:avLst/>
@@ -42231,7 +42349,7 @@
         </p:spPr>
         <p:txBody>
           <a:bodyPr vert="horz" lIns="68580" tIns="34290" rIns="68580" bIns="34290" rtlCol="0" anchor="t">
-            <a:normAutofit/>
+            <a:normAutofit lnSpcReduction="10000"/>
           </a:bodyPr>
           <a:lstStyle/>
           <a:p>
@@ -42248,9 +42366,9 @@
             </a:pPr>
             <a:r>
               <a:rPr lang="en-US" sz="2000" dirty="0" smtClean="0"/>
-              <a:t>Applications</a:t>
-            </a:r>
-            <a:endParaRPr lang="en-US" sz="2000" dirty="0"/>
+              <a:t>LLM training</a:t>
+            </a:r>
+            <a:endParaRPr lang="en-US" sz="1700" dirty="0"/>
           </a:p>
           <a:p>
             <a:pPr marL="514350" lvl="2">
@@ -42265,10 +42383,10 @@
               </a:buClr>
             </a:pPr>
             <a:r>
-              <a:rPr lang="en-US" sz="1700" dirty="0" smtClean="0"/>
-              <a:t>Machine translation</a:t>
-            </a:r>
-            <a:endParaRPr lang="en-US" sz="1700" dirty="0"/>
+              <a:rPr lang="en-US" sz="1800" dirty="0" smtClean="0"/>
+              <a:t>1 parameter – float 32 – 4 bytes</a:t>
+            </a:r>
+            <a:endParaRPr lang="en-IN" sz="1700" dirty="0" smtClean="0"/>
           </a:p>
           <a:p>
             <a:pPr marL="514350" lvl="2">
@@ -42283,8 +42401,8 @@
               </a:buClr>
             </a:pPr>
             <a:r>
-              <a:rPr lang="en-US" sz="1700" dirty="0" smtClean="0"/>
-              <a:t>Text summarization</a:t>
+              <a:rPr lang="en-IN" sz="1700" dirty="0" smtClean="0"/>
+              <a:t>Model parameters – 4 bytes</a:t>
             </a:r>
           </a:p>
           <a:p>
@@ -42300,10 +42418,60 @@
               </a:buClr>
             </a:pPr>
             <a:r>
-              <a:rPr lang="en-US" sz="1700" dirty="0" smtClean="0"/>
-              <a:t>Question &amp; Answering </a:t>
-            </a:r>
-            <a:endParaRPr lang="en-US" sz="1700" dirty="0"/>
+              <a:rPr lang="en-IN" sz="1700" dirty="0" smtClean="0"/>
+              <a:t>Optimizer – 8 bytes – Two states</a:t>
+            </a:r>
+          </a:p>
+          <a:p>
+            <a:pPr marL="514350" lvl="2">
+              <a:spcBef>
+                <a:spcPts val="750"/>
+              </a:spcBef>
+              <a:spcAft>
+                <a:spcPts val="600"/>
+              </a:spcAft>
+              <a:buClr>
+                <a:schemeClr val="accent2"/>
+              </a:buClr>
+            </a:pPr>
+            <a:r>
+              <a:rPr lang="en-IN" sz="1700" dirty="0" smtClean="0"/>
+              <a:t>Gradients – 4 bytes</a:t>
+            </a:r>
+          </a:p>
+          <a:p>
+            <a:pPr marL="514350" lvl="2">
+              <a:spcBef>
+                <a:spcPts val="750"/>
+              </a:spcBef>
+              <a:spcAft>
+                <a:spcPts val="600"/>
+              </a:spcAft>
+              <a:buClr>
+                <a:schemeClr val="accent2"/>
+              </a:buClr>
+            </a:pPr>
+            <a:r>
+              <a:rPr lang="en-IN" sz="1700" dirty="0" smtClean="0"/>
+              <a:t>Activations – 4 bytes</a:t>
+            </a:r>
+          </a:p>
+          <a:p>
+            <a:pPr marL="514350" lvl="2">
+              <a:spcBef>
+                <a:spcPts val="750"/>
+              </a:spcBef>
+              <a:spcAft>
+                <a:spcPts val="600"/>
+              </a:spcAft>
+              <a:buClr>
+                <a:schemeClr val="accent2"/>
+              </a:buClr>
+            </a:pPr>
+            <a:r>
+              <a:rPr lang="en-IN" sz="1700" dirty="0" smtClean="0"/>
+              <a:t>Temporary variables – 4 bytes</a:t>
+            </a:r>
           </a:p>
           <a:p>
             <a:pPr marL="171450" lvl="1">
@@ -42318,48 +42486,21 @@
               </a:buClr>
             </a:pPr>
             <a:r>
-              <a:rPr lang="en-IN" sz="2000" dirty="0" smtClean="0"/>
-              <a:t>Examples</a:t>
-            </a:r>
-          </a:p>
-          <a:p>
-            <a:pPr marL="514350" lvl="2">
-              <a:spcBef>
-                <a:spcPts val="750"/>
-              </a:spcBef>
-              <a:spcAft>
-                <a:spcPts val="600"/>
-              </a:spcAft>
-              <a:buClr>
-                <a:schemeClr val="accent2"/>
-              </a:buClr>
-            </a:pPr>
-            <a:r>
-              <a:rPr lang="en-IN" sz="1700" dirty="0" smtClean="0"/>
-              <a:t>Text-to-Text Transfer Transformer – T5 model </a:t>
-            </a:r>
-            <a:endParaRPr lang="en-IN" sz="1700" dirty="0"/>
-          </a:p>
-          <a:p>
-            <a:pPr marL="171450" lvl="1">
-              <a:spcBef>
-                <a:spcPts val="750"/>
-              </a:spcBef>
-              <a:spcAft>
-                <a:spcPts val="600"/>
-              </a:spcAft>
-              <a:buClr>
-                <a:schemeClr val="accent2"/>
-              </a:buClr>
-            </a:pPr>
-            <a:endParaRPr lang="en-US" sz="1700" dirty="0"/>
+              <a:rPr lang="en-US" sz="1700" dirty="0" smtClean="0"/>
+              <a:t>20 times number </a:t>
+            </a:r>
+            <a:r>
+              <a:rPr lang="en-US" sz="1700" smtClean="0"/>
+              <a:t>of parameters</a:t>
+            </a:r>
+            <a:endParaRPr lang="en-US" sz="1700" dirty="0" smtClean="0"/>
           </a:p>
         </p:txBody>
       </p:sp>
     </p:spTree>
     <p:extLst>
       <p:ext uri="{BB962C8B-B14F-4D97-AF65-F5344CB8AC3E}">
-        <p14:creationId xmlns:p14="http://schemas.microsoft.com/office/powerpoint/2010/main" xmlns="" val="1127649784"/>
+        <p14:creationId xmlns="" xmlns:p14="http://schemas.microsoft.com/office/powerpoint/2010/main" val="1127649784"/>
       </p:ext>
     </p:extLst>
   </p:cSld>
@@ -42398,7 +42539,7 @@
           <p:cNvPr id="2" name="Title 1">
             <a:extLst>
               <a:ext uri="{FF2B5EF4-FFF2-40B4-BE49-F238E27FC236}">
-                <a16:creationId xmlns:a16="http://schemas.microsoft.com/office/drawing/2014/main" xmlns="" id="{47A9874B-BCA9-8420-1595-EDD1865A099A}"/>
+                <a16:creationId xmlns="" xmlns:a16="http://schemas.microsoft.com/office/drawing/2014/main" id="{47A9874B-BCA9-8420-1595-EDD1865A099A}"/>
               </a:ext>
             </a:extLst>
           </p:cNvPr>
@@ -42412,7 +42553,7 @@
         <p:spPr>
           <a:xfrm>
             <a:off x="628650" y="273844"/>
-            <a:ext cx="7886700" cy="994172"/>
+            <a:ext cx="8067878" cy="994172"/>
           </a:xfrm>
           <a:noFill/>
         </p:spPr>
@@ -42421,8 +42562,12 @@
           <a:lstStyle/>
           <a:p>
             <a:r>
-              <a:rPr lang="en-US" dirty="0" smtClean="0"/>
-              <a:t>LLM – Computational Challenges</a:t>
+              <a:rPr lang="en-IN" dirty="0"/>
+              <a:t>Reinforcement </a:t>
+            </a:r>
+            <a:r>
+              <a:rPr lang="en-IN" dirty="0" smtClean="0"/>
+              <a:t>Learning</a:t>
             </a:r>
             <a:endParaRPr lang="en-US" dirty="0"/>
           </a:p>
@@ -42433,7 +42578,7 @@
           <p:cNvPr id="7" name="Content Placeholder 2">
             <a:extLst>
               <a:ext uri="{FF2B5EF4-FFF2-40B4-BE49-F238E27FC236}">
-                <a16:creationId xmlns:a16="http://schemas.microsoft.com/office/drawing/2014/main" xmlns="" id="{A6A33159-D030-2F82-A142-F75940728319}"/>
+                <a16:creationId xmlns="" xmlns:a16="http://schemas.microsoft.com/office/drawing/2014/main" id="{A6A33159-D030-2F82-A142-F75940728319}"/>
               </a:ext>
             </a:extLst>
           </p:cNvPr>
@@ -42446,8 +42591,8 @@
         </p:nvSpPr>
         <p:spPr>
           <a:xfrm>
-            <a:off x="628650" y="1378574"/>
-            <a:ext cx="3852560" cy="3213667"/>
+            <a:off x="628649" y="1378574"/>
+            <a:ext cx="3865529" cy="3213667"/>
           </a:xfrm>
           <a:prstGeom prst="rect">
             <a:avLst/>
@@ -42473,91 +42618,7 @@
             </a:pPr>
             <a:r>
               <a:rPr lang="en-US" sz="2000" dirty="0" smtClean="0"/>
-              <a:t>LLM inference</a:t>
-            </a:r>
-          </a:p>
-          <a:p>
-            <a:pPr marL="514350" lvl="2">
-              <a:spcBef>
-                <a:spcPts val="750"/>
-              </a:spcBef>
-              <a:spcAft>
-                <a:spcPts val="600"/>
-              </a:spcAft>
-              <a:buClr>
-                <a:schemeClr val="accent2"/>
-              </a:buClr>
-            </a:pPr>
-            <a:r>
-              <a:rPr lang="en-US" sz="1700" dirty="0" smtClean="0"/>
-              <a:t>1 parameter – float 32 – 4 bytes</a:t>
-            </a:r>
-          </a:p>
-          <a:p>
-            <a:pPr marL="514350" lvl="2">
-              <a:spcBef>
-                <a:spcPts val="750"/>
-              </a:spcBef>
-              <a:spcAft>
-                <a:spcPts val="600"/>
-              </a:spcAft>
-              <a:buClr>
-                <a:schemeClr val="accent2"/>
-              </a:buClr>
-            </a:pPr>
-            <a:r>
-              <a:rPr lang="en-US" sz="1700" dirty="0" smtClean="0"/>
-              <a:t>1B parameters – 10</a:t>
-            </a:r>
-            <a:r>
-              <a:rPr lang="en-US" sz="1700" baseline="30000" dirty="0" smtClean="0"/>
-              <a:t>9</a:t>
-            </a:r>
-            <a:r>
-              <a:rPr lang="en-US" sz="1700" dirty="0" smtClean="0"/>
-              <a:t> parameters</a:t>
-            </a:r>
-          </a:p>
-          <a:p>
-            <a:pPr marL="514350" lvl="2">
-              <a:spcBef>
-                <a:spcPts val="750"/>
-              </a:spcBef>
-              <a:spcAft>
-                <a:spcPts val="600"/>
-              </a:spcAft>
-              <a:buClr>
-                <a:schemeClr val="accent2"/>
-              </a:buClr>
-            </a:pPr>
-            <a:r>
-              <a:rPr lang="en-US" sz="1700" dirty="0" smtClean="0"/>
-              <a:t>1B parameters – 4 x 10</a:t>
-            </a:r>
-            <a:r>
-              <a:rPr lang="en-US" sz="1700" baseline="30000" dirty="0" smtClean="0"/>
-              <a:t>9 </a:t>
-            </a:r>
-            <a:r>
-              <a:rPr lang="en-US" sz="1700" dirty="0" smtClean="0"/>
-              <a:t>bytes</a:t>
-            </a:r>
-          </a:p>
-          <a:p>
-            <a:pPr marL="514350" lvl="2">
-              <a:spcBef>
-                <a:spcPts val="750"/>
-              </a:spcBef>
-              <a:spcAft>
-                <a:spcPts val="600"/>
-              </a:spcAft>
-              <a:buClr>
-                <a:schemeClr val="accent2"/>
-              </a:buClr>
-            </a:pPr>
-            <a:r>
-              <a:rPr lang="en-US" sz="1700" dirty="0" smtClean="0"/>
-              <a:t>1B parameters – 4 GB memory</a:t>
+              <a:t>Agent</a:t>
             </a:r>
           </a:p>
           <a:p>
@@ -42572,41 +42633,11 @@
                 <a:schemeClr val="accent2"/>
               </a:buClr>
             </a:pPr>
-            <a:endParaRPr lang="en-US" sz="1700" dirty="0"/>
-          </a:p>
-        </p:txBody>
-      </p:sp>
-      <p:sp>
-        <p:nvSpPr>
-          <p:cNvPr id="4" name="Content Placeholder 2">
-            <a:extLst>
-              <a:ext uri="{FF2B5EF4-FFF2-40B4-BE49-F238E27FC236}">
-                <a16:creationId xmlns:a16="http://schemas.microsoft.com/office/drawing/2014/main" xmlns="" id="{A6A33159-D030-2F82-A142-F75940728319}"/>
-              </a:ext>
-            </a:extLst>
-          </p:cNvPr>
-          <p:cNvSpPr>
-            <a:spLocks noGrp="1"/>
-          </p:cNvSpPr>
-          <p:nvPr>
-            <p:ph sz="quarter" idx="4294967295"/>
-          </p:nvPr>
-        </p:nvSpPr>
-        <p:spPr>
-          <a:xfrm>
-            <a:off x="4714874" y="1378574"/>
-            <a:ext cx="3903831" cy="3213667"/>
-          </a:xfrm>
-          <a:prstGeom prst="rect">
-            <a:avLst/>
-          </a:prstGeom>
-          <a:noFill/>
-        </p:spPr>
-        <p:txBody>
-          <a:bodyPr vert="horz" lIns="68580" tIns="34290" rIns="68580" bIns="34290" rtlCol="0" anchor="t">
-            <a:normAutofit lnSpcReduction="10000"/>
-          </a:bodyPr>
-          <a:lstStyle/>
+            <a:r>
+              <a:rPr lang="en-US" sz="2000" dirty="0" smtClean="0"/>
+              <a:t>Environment</a:t>
+            </a:r>
+          </a:p>
           <a:p>
             <a:pPr marL="171450" lvl="1">
               <a:spcBef>
@@ -42621,111 +42652,7 @@
             </a:pPr>
             <a:r>
               <a:rPr lang="en-US" sz="2000" dirty="0" smtClean="0"/>
-              <a:t>LLM training</a:t>
-            </a:r>
-            <a:endParaRPr lang="en-US" sz="1700" dirty="0"/>
-          </a:p>
-          <a:p>
-            <a:pPr marL="514350" lvl="2">
-              <a:spcBef>
-                <a:spcPts val="750"/>
-              </a:spcBef>
-              <a:spcAft>
-                <a:spcPts val="600"/>
-              </a:spcAft>
-              <a:buClr>
-                <a:schemeClr val="accent2"/>
-              </a:buClr>
-            </a:pPr>
-            <a:r>
-              <a:rPr lang="en-US" sz="1800" dirty="0" smtClean="0"/>
-              <a:t>1 parameter – float 32 – 4 bytes</a:t>
-            </a:r>
-            <a:endParaRPr lang="en-IN" sz="1700" dirty="0" smtClean="0"/>
-          </a:p>
-          <a:p>
-            <a:pPr marL="514350" lvl="2">
-              <a:spcBef>
-                <a:spcPts val="750"/>
-              </a:spcBef>
-              <a:spcAft>
-                <a:spcPts val="600"/>
-              </a:spcAft>
-              <a:buClr>
-                <a:schemeClr val="accent2"/>
-              </a:buClr>
-            </a:pPr>
-            <a:r>
-              <a:rPr lang="en-IN" sz="1700" dirty="0" smtClean="0"/>
-              <a:t>Model parameters – 4 bytes</a:t>
-            </a:r>
-          </a:p>
-          <a:p>
-            <a:pPr marL="514350" lvl="2">
-              <a:spcBef>
-                <a:spcPts val="750"/>
-              </a:spcBef>
-              <a:spcAft>
-                <a:spcPts val="600"/>
-              </a:spcAft>
-              <a:buClr>
-                <a:schemeClr val="accent2"/>
-              </a:buClr>
-            </a:pPr>
-            <a:r>
-              <a:rPr lang="en-IN" sz="1700" dirty="0" smtClean="0"/>
-              <a:t>Optimizer – 8 bytes – Two states</a:t>
-            </a:r>
-          </a:p>
-          <a:p>
-            <a:pPr marL="514350" lvl="2">
-              <a:spcBef>
-                <a:spcPts val="750"/>
-              </a:spcBef>
-              <a:spcAft>
-                <a:spcPts val="600"/>
-              </a:spcAft>
-              <a:buClr>
-                <a:schemeClr val="accent2"/>
-              </a:buClr>
-            </a:pPr>
-            <a:r>
-              <a:rPr lang="en-IN" sz="1700" dirty="0" smtClean="0"/>
-              <a:t>Gradients – 4 bytes</a:t>
-            </a:r>
-          </a:p>
-          <a:p>
-            <a:pPr marL="514350" lvl="2">
-              <a:spcBef>
-                <a:spcPts val="750"/>
-              </a:spcBef>
-              <a:spcAft>
-                <a:spcPts val="600"/>
-              </a:spcAft>
-              <a:buClr>
-                <a:schemeClr val="accent2"/>
-              </a:buClr>
-            </a:pPr>
-            <a:r>
-              <a:rPr lang="en-IN" sz="1700" dirty="0" smtClean="0"/>
-              <a:t>Activations – 4 bytes</a:t>
-            </a:r>
-          </a:p>
-          <a:p>
-            <a:pPr marL="514350" lvl="2">
-              <a:spcBef>
-                <a:spcPts val="750"/>
-              </a:spcBef>
-              <a:spcAft>
-                <a:spcPts val="600"/>
-              </a:spcAft>
-              <a:buClr>
-                <a:schemeClr val="accent2"/>
-              </a:buClr>
-            </a:pPr>
-            <a:r>
-              <a:rPr lang="en-IN" sz="1700" dirty="0" smtClean="0"/>
-              <a:t>Temporary variables – 4 bytes</a:t>
+              <a:t>Action</a:t>
             </a:r>
           </a:p>
           <a:p>
@@ -42741,21 +42668,383 @@
               </a:buClr>
             </a:pPr>
             <a:r>
-              <a:rPr lang="en-US" sz="1700" dirty="0" smtClean="0"/>
-              <a:t>20 times number </a:t>
-            </a:r>
-            <a:r>
-              <a:rPr lang="en-US" sz="1700" smtClean="0"/>
-              <a:t>of parameters</a:t>
-            </a:r>
-            <a:endParaRPr lang="en-US" sz="1700" dirty="0" smtClean="0"/>
+              <a:rPr lang="en-US" sz="2000" dirty="0" smtClean="0"/>
+              <a:t>State</a:t>
+            </a:r>
+          </a:p>
+          <a:p>
+            <a:pPr marL="171450" lvl="1">
+              <a:spcBef>
+                <a:spcPts val="750"/>
+              </a:spcBef>
+              <a:spcAft>
+                <a:spcPts val="600"/>
+              </a:spcAft>
+              <a:buClr>
+                <a:schemeClr val="accent2"/>
+              </a:buClr>
+            </a:pPr>
+            <a:r>
+              <a:rPr lang="en-US" sz="2000" dirty="0" smtClean="0"/>
+              <a:t>Reward or Penalty</a:t>
+            </a:r>
+          </a:p>
+          <a:p>
+            <a:pPr marL="171450" lvl="1">
+              <a:spcBef>
+                <a:spcPts val="750"/>
+              </a:spcBef>
+              <a:spcAft>
+                <a:spcPts val="600"/>
+              </a:spcAft>
+              <a:buClr>
+                <a:schemeClr val="accent2"/>
+              </a:buClr>
+            </a:pPr>
+            <a:r>
+              <a:rPr lang="en-US" sz="2000" dirty="0" smtClean="0"/>
+              <a:t>Maximize reward</a:t>
+            </a:r>
           </a:p>
         </p:txBody>
       </p:sp>
+      <p:grpSp>
+        <p:nvGrpSpPr>
+          <p:cNvPr id="27" name="Group 26"/>
+          <p:cNvGrpSpPr/>
+          <p:nvPr/>
+        </p:nvGrpSpPr>
+        <p:grpSpPr>
+          <a:xfrm>
+            <a:off x="3796749" y="1793830"/>
+            <a:ext cx="4885088" cy="1930737"/>
+            <a:chOff x="3796749" y="1404730"/>
+            <a:chExt cx="4885088" cy="1930737"/>
+          </a:xfrm>
+        </p:grpSpPr>
+        <p:sp>
+          <p:nvSpPr>
+            <p:cNvPr id="6" name="TextBox 5"/>
+            <p:cNvSpPr txBox="1"/>
+            <p:nvPr/>
+          </p:nvSpPr>
+          <p:spPr>
+            <a:xfrm>
+              <a:off x="5387006" y="1404730"/>
+              <a:ext cx="1722783" cy="400110"/>
+            </a:xfrm>
+            <a:prstGeom prst="rect">
+              <a:avLst/>
+            </a:prstGeom>
+            <a:noFill/>
+            <a:ln w="19050">
+              <a:solidFill>
+                <a:schemeClr val="accent6">
+                  <a:lumMod val="50000"/>
+                </a:schemeClr>
+              </a:solidFill>
+            </a:ln>
+          </p:spPr>
+          <p:txBody>
+            <a:bodyPr wrap="square" rtlCol="0">
+              <a:spAutoFit/>
+            </a:bodyPr>
+            <a:lstStyle/>
+            <a:p>
+              <a:pPr algn="ctr"/>
+              <a:r>
+                <a:rPr lang="en-US" sz="2000" b="1" dirty="0" smtClean="0"/>
+                <a:t>Agent</a:t>
+              </a:r>
+            </a:p>
+          </p:txBody>
+        </p:sp>
+        <p:sp>
+          <p:nvSpPr>
+            <p:cNvPr id="8" name="TextBox 7"/>
+            <p:cNvSpPr txBox="1"/>
+            <p:nvPr/>
+          </p:nvSpPr>
+          <p:spPr>
+            <a:xfrm>
+              <a:off x="5380382" y="2935357"/>
+              <a:ext cx="1762540" cy="400110"/>
+            </a:xfrm>
+            <a:prstGeom prst="rect">
+              <a:avLst/>
+            </a:prstGeom>
+            <a:noFill/>
+            <a:ln w="19050">
+              <a:solidFill>
+                <a:schemeClr val="accent4">
+                  <a:lumMod val="50000"/>
+                </a:schemeClr>
+              </a:solidFill>
+            </a:ln>
+          </p:spPr>
+          <p:txBody>
+            <a:bodyPr wrap="square" rtlCol="0">
+              <a:spAutoFit/>
+            </a:bodyPr>
+            <a:lstStyle/>
+            <a:p>
+              <a:pPr algn="ctr"/>
+              <a:r>
+                <a:rPr lang="en-US" sz="2000" b="1" dirty="0" smtClean="0"/>
+                <a:t>Environment</a:t>
+              </a:r>
+            </a:p>
+          </p:txBody>
+        </p:sp>
+        <p:cxnSp>
+          <p:nvCxnSpPr>
+            <p:cNvPr id="10" name="Shape 9"/>
+            <p:cNvCxnSpPr>
+              <a:stCxn id="6" idx="3"/>
+              <a:endCxn id="8" idx="3"/>
+            </p:cNvCxnSpPr>
+            <p:nvPr/>
+          </p:nvCxnSpPr>
+          <p:spPr>
+            <a:xfrm>
+              <a:off x="7109789" y="1604785"/>
+              <a:ext cx="33133" cy="1530627"/>
+            </a:xfrm>
+            <a:prstGeom prst="bentConnector3">
+              <a:avLst>
+                <a:gd name="adj1" fmla="val 1949857"/>
+              </a:avLst>
+            </a:prstGeom>
+            <a:ln>
+              <a:solidFill>
+                <a:schemeClr val="accent5">
+                  <a:lumMod val="50000"/>
+                </a:schemeClr>
+              </a:solidFill>
+              <a:tailEnd type="arrow"/>
+            </a:ln>
+          </p:spPr>
+          <p:style>
+            <a:lnRef idx="2">
+              <a:schemeClr val="accent1"/>
+            </a:lnRef>
+            <a:fillRef idx="0">
+              <a:schemeClr val="accent1"/>
+            </a:fillRef>
+            <a:effectRef idx="1">
+              <a:schemeClr val="accent1"/>
+            </a:effectRef>
+            <a:fontRef idx="minor">
+              <a:schemeClr val="tx1"/>
+            </a:fontRef>
+          </p:style>
+        </p:cxnSp>
+        <p:cxnSp>
+          <p:nvCxnSpPr>
+            <p:cNvPr id="17" name="Straight Arrow Connector 16"/>
+            <p:cNvCxnSpPr>
+              <a:stCxn id="8" idx="0"/>
+              <a:endCxn id="6" idx="2"/>
+            </p:cNvCxnSpPr>
+            <p:nvPr/>
+          </p:nvCxnSpPr>
+          <p:spPr>
+            <a:xfrm rot="16200000" flipV="1">
+              <a:off x="5689767" y="2363472"/>
+              <a:ext cx="1130517" cy="13254"/>
+            </a:xfrm>
+            <a:prstGeom prst="straightConnector1">
+              <a:avLst/>
+            </a:prstGeom>
+            <a:ln>
+              <a:tailEnd type="arrow"/>
+            </a:ln>
+          </p:spPr>
+          <p:style>
+            <a:lnRef idx="2">
+              <a:schemeClr val="accent1"/>
+            </a:lnRef>
+            <a:fillRef idx="0">
+              <a:schemeClr val="accent1"/>
+            </a:fillRef>
+            <a:effectRef idx="1">
+              <a:schemeClr val="accent1"/>
+            </a:effectRef>
+            <a:fontRef idx="minor">
+              <a:schemeClr val="tx1"/>
+            </a:fontRef>
+          </p:style>
+        </p:cxnSp>
+        <p:cxnSp>
+          <p:nvCxnSpPr>
+            <p:cNvPr id="20" name="Shape 19"/>
+            <p:cNvCxnSpPr>
+              <a:stCxn id="8" idx="1"/>
+              <a:endCxn id="6" idx="1"/>
+            </p:cNvCxnSpPr>
+            <p:nvPr/>
+          </p:nvCxnSpPr>
+          <p:spPr>
+            <a:xfrm rot="10800000" flipH="1">
+              <a:off x="5380382" y="1604786"/>
+              <a:ext cx="6624" cy="1530627"/>
+            </a:xfrm>
+            <a:prstGeom prst="bentConnector3">
+              <a:avLst>
+                <a:gd name="adj1" fmla="val -12253869"/>
+              </a:avLst>
+            </a:prstGeom>
+            <a:ln>
+              <a:solidFill>
+                <a:schemeClr val="accent1">
+                  <a:lumMod val="50000"/>
+                </a:schemeClr>
+              </a:solidFill>
+              <a:tailEnd type="arrow"/>
+            </a:ln>
+          </p:spPr>
+          <p:style>
+            <a:lnRef idx="2">
+              <a:schemeClr val="accent1"/>
+            </a:lnRef>
+            <a:fillRef idx="0">
+              <a:schemeClr val="accent1"/>
+            </a:fillRef>
+            <a:effectRef idx="1">
+              <a:schemeClr val="accent1"/>
+            </a:effectRef>
+            <a:fontRef idx="minor">
+              <a:schemeClr val="tx1"/>
+            </a:fontRef>
+          </p:style>
+        </p:cxnSp>
+        <p:sp>
+          <p:nvSpPr>
+            <p:cNvPr id="24" name="TextBox 23"/>
+            <p:cNvSpPr txBox="1"/>
+            <p:nvPr/>
+          </p:nvSpPr>
+          <p:spPr>
+            <a:xfrm>
+              <a:off x="7779026" y="2213112"/>
+              <a:ext cx="902811" cy="369332"/>
+            </a:xfrm>
+            <a:prstGeom prst="rect">
+              <a:avLst/>
+            </a:prstGeom>
+            <a:noFill/>
+          </p:spPr>
+          <p:txBody>
+            <a:bodyPr wrap="none" rtlCol="0">
+              <a:spAutoFit/>
+            </a:bodyPr>
+            <a:lstStyle/>
+            <a:p>
+              <a:r>
+                <a:rPr lang="en-US" sz="1800" b="1" dirty="0" smtClean="0">
+                  <a:solidFill>
+                    <a:srgbClr val="002060"/>
+                  </a:solidFill>
+                </a:rPr>
+                <a:t>Action</a:t>
+              </a:r>
+              <a:endParaRPr lang="en-US" sz="1800" b="1" dirty="0">
+                <a:solidFill>
+                  <a:srgbClr val="002060"/>
+                </a:solidFill>
+              </a:endParaRPr>
+            </a:p>
+          </p:txBody>
+        </p:sp>
+        <p:sp>
+          <p:nvSpPr>
+            <p:cNvPr id="25" name="TextBox 24"/>
+            <p:cNvSpPr txBox="1"/>
+            <p:nvPr/>
+          </p:nvSpPr>
+          <p:spPr>
+            <a:xfrm>
+              <a:off x="6268279" y="2199860"/>
+              <a:ext cx="1018227" cy="369332"/>
+            </a:xfrm>
+            <a:prstGeom prst="rect">
+              <a:avLst/>
+            </a:prstGeom>
+            <a:noFill/>
+          </p:spPr>
+          <p:txBody>
+            <a:bodyPr wrap="none" rtlCol="0">
+              <a:spAutoFit/>
+            </a:bodyPr>
+            <a:lstStyle/>
+            <a:p>
+              <a:r>
+                <a:rPr lang="en-US" sz="1800" b="1" dirty="0" smtClean="0">
+                  <a:solidFill>
+                    <a:schemeClr val="accent1">
+                      <a:lumMod val="50000"/>
+                    </a:schemeClr>
+                  </a:solidFill>
+                </a:rPr>
+                <a:t>Reward</a:t>
+              </a:r>
+              <a:endParaRPr lang="en-US" sz="1800" b="1" dirty="0">
+                <a:solidFill>
+                  <a:schemeClr val="accent1">
+                    <a:lumMod val="50000"/>
+                  </a:schemeClr>
+                </a:solidFill>
+              </a:endParaRPr>
+            </a:p>
+          </p:txBody>
+        </p:sp>
+        <p:sp>
+          <p:nvSpPr>
+            <p:cNvPr id="26" name="TextBox 25"/>
+            <p:cNvSpPr txBox="1"/>
+            <p:nvPr/>
+          </p:nvSpPr>
+          <p:spPr>
+            <a:xfrm>
+              <a:off x="3796749" y="2179982"/>
+              <a:ext cx="748923" cy="369332"/>
+            </a:xfrm>
+            <a:prstGeom prst="rect">
+              <a:avLst/>
+            </a:prstGeom>
+            <a:noFill/>
+          </p:spPr>
+          <p:txBody>
+            <a:bodyPr wrap="none" rtlCol="0">
+              <a:spAutoFit/>
+            </a:bodyPr>
+            <a:lstStyle/>
+            <a:p>
+              <a:r>
+                <a:rPr lang="en-US" sz="1800" b="1" dirty="0" smtClean="0">
+                  <a:solidFill>
+                    <a:schemeClr val="accent6">
+                      <a:lumMod val="50000"/>
+                    </a:schemeClr>
+                  </a:solidFill>
+                </a:rPr>
+                <a:t>State</a:t>
+              </a:r>
+              <a:endParaRPr lang="en-US" sz="1800" b="1" dirty="0">
+                <a:solidFill>
+                  <a:schemeClr val="accent6">
+                    <a:lumMod val="50000"/>
+                  </a:schemeClr>
+                </a:solidFill>
+              </a:endParaRPr>
+            </a:p>
+          </p:txBody>
+        </p:sp>
+      </p:grpSp>
     </p:spTree>
     <p:extLst>
       <p:ext uri="{BB962C8B-B14F-4D97-AF65-F5344CB8AC3E}">
-        <p14:creationId xmlns:p14="http://schemas.microsoft.com/office/powerpoint/2010/main" xmlns="" val="1127649784"/>
+        <p14:creationId xmlns="" xmlns:p14="http://schemas.microsoft.com/office/powerpoint/2010/main" val="1127649784"/>
       </p:ext>
     </p:extLst>
   </p:cSld>
@@ -42791,10 +43080,10 @@
       </p:grpSpPr>
       <p:sp>
         <p:nvSpPr>
-          <p:cNvPr id="2" name="Title 1">
+          <p:cNvPr id="8" name="Title 1">
             <a:extLst>
               <a:ext uri="{FF2B5EF4-FFF2-40B4-BE49-F238E27FC236}">
-                <a16:creationId xmlns:a16="http://schemas.microsoft.com/office/drawing/2014/main" xmlns="" id="{47A9874B-BCA9-8420-1595-EDD1865A099A}"/>
+                <a16:creationId xmlns="" xmlns:a16="http://schemas.microsoft.com/office/drawing/2014/main" id="{47A9874B-BCA9-8420-1595-EDD1865A099A}"/>
               </a:ext>
             </a:extLst>
           </p:cNvPr>
@@ -42808,7 +43097,7 @@
         <p:spPr>
           <a:xfrm>
             <a:off x="628650" y="273844"/>
-            <a:ext cx="8067878" cy="994172"/>
+            <a:ext cx="7886700" cy="994172"/>
           </a:xfrm>
           <a:noFill/>
         </p:spPr>
@@ -42817,23 +43106,29 @@
           <a:lstStyle/>
           <a:p>
             <a:r>
-              <a:rPr lang="en-IN" dirty="0"/>
-              <a:t>Reinforcement </a:t>
-            </a:r>
-            <a:r>
-              <a:rPr lang="en-IN" dirty="0" smtClean="0"/>
-              <a:t>Learning</a:t>
-            </a:r>
-            <a:endParaRPr lang="en-US" dirty="0"/>
+              <a:rPr lang="en-US" dirty="0"/>
+              <a:t>Retrieval Augmented </a:t>
+            </a:r>
+            <a:r>
+              <a:rPr lang="en-US" dirty="0" smtClean="0"/>
+              <a:t>Generation – Evaluation</a:t>
+            </a:r>
+            <a:endParaRPr lang="en-US" dirty="0">
+              <a:solidFill>
+                <a:schemeClr val="accent2">
+                  <a:lumMod val="50000"/>
+                </a:schemeClr>
+              </a:solidFill>
+            </a:endParaRPr>
           </a:p>
         </p:txBody>
       </p:sp>
       <p:sp>
         <p:nvSpPr>
-          <p:cNvPr id="7" name="Content Placeholder 2">
+          <p:cNvPr id="5" name="Content Placeholder 2">
             <a:extLst>
               <a:ext uri="{FF2B5EF4-FFF2-40B4-BE49-F238E27FC236}">
-                <a16:creationId xmlns:a16="http://schemas.microsoft.com/office/drawing/2014/main" xmlns="" id="{A6A33159-D030-2F82-A142-F75940728319}"/>
+                <a16:creationId xmlns="" xmlns:a16="http://schemas.microsoft.com/office/drawing/2014/main" id="{A6A33159-D030-2F82-A142-F75940728319}"/>
               </a:ext>
             </a:extLst>
           </p:cNvPr>
@@ -42846,8 +43141,8 @@
         </p:nvSpPr>
         <p:spPr>
           <a:xfrm>
-            <a:off x="628649" y="1378574"/>
-            <a:ext cx="3865529" cy="3213667"/>
+            <a:off x="628650" y="1378574"/>
+            <a:ext cx="3761767" cy="3213667"/>
           </a:xfrm>
           <a:prstGeom prst="rect">
             <a:avLst/>
@@ -42872,10 +43167,9 @@
               </a:buClr>
             </a:pPr>
             <a:r>
-              <a:rPr lang="en-US" sz="2000" dirty="0" smtClean="0"/>
-              <a:t>Agent</a:t>
-            </a:r>
-            <a:endParaRPr lang="en-US" sz="2000" dirty="0" smtClean="0"/>
+              <a:rPr lang="en-IN" sz="2000" dirty="0" smtClean="0"/>
+              <a:t>Ground Truth (GT) by Human </a:t>
+            </a:r>
           </a:p>
           <a:p>
             <a:pPr marL="171450" lvl="1">
@@ -42890,10 +43184,26 @@
               </a:buClr>
             </a:pPr>
             <a:r>
-              <a:rPr lang="en-US" sz="2000" dirty="0" smtClean="0"/>
-              <a:t>Environment</a:t>
-            </a:r>
-            <a:endParaRPr lang="en-US" sz="2000" dirty="0" smtClean="0"/>
+              <a:rPr lang="en-IN" sz="2000" dirty="0" smtClean="0"/>
+              <a:t>Character based evaluation</a:t>
+            </a:r>
+          </a:p>
+          <a:p>
+            <a:pPr marL="514350" lvl="2">
+              <a:spcBef>
+                <a:spcPts val="750"/>
+              </a:spcBef>
+              <a:spcAft>
+                <a:spcPts val="600"/>
+              </a:spcAft>
+              <a:buClr>
+                <a:schemeClr val="accent2"/>
+              </a:buClr>
+            </a:pPr>
+            <a:r>
+              <a:rPr lang="en-IN" sz="1700" dirty="0" smtClean="0"/>
+              <a:t>Edit distance</a:t>
+            </a:r>
           </a:p>
           <a:p>
             <a:pPr marL="171450" lvl="1">
@@ -42908,9 +43218,27 @@
               </a:buClr>
             </a:pPr>
             <a:r>
-              <a:rPr lang="en-US" sz="2000" dirty="0" smtClean="0"/>
-              <a:t>Action</a:t>
-            </a:r>
+              <a:rPr lang="en-IN" sz="2000" dirty="0" smtClean="0"/>
+              <a:t>Word based evaluation</a:t>
+            </a:r>
+          </a:p>
+          <a:p>
+            <a:pPr marL="514350" lvl="2">
+              <a:spcBef>
+                <a:spcPts val="750"/>
+              </a:spcBef>
+              <a:spcAft>
+                <a:spcPts val="600"/>
+              </a:spcAft>
+              <a:buClr>
+                <a:schemeClr val="accent2"/>
+              </a:buClr>
+            </a:pPr>
+            <a:r>
+              <a:rPr lang="en-IN" sz="1700" dirty="0" smtClean="0"/>
+              <a:t>WER, BLEU</a:t>
+            </a:r>
+            <a:endParaRPr lang="en-IN" sz="1700" dirty="0"/>
           </a:p>
           <a:p>
             <a:pPr marL="171450" lvl="1">
@@ -42925,10 +43253,60 @@
               </a:buClr>
             </a:pPr>
             <a:r>
-              <a:rPr lang="en-US" sz="2000" dirty="0" smtClean="0"/>
-              <a:t>State</a:t>
-            </a:r>
-          </a:p>
+              <a:rPr lang="en-IN" sz="2000" dirty="0" smtClean="0"/>
+              <a:t>Embedding based evaluation</a:t>
+            </a:r>
+          </a:p>
+          <a:p>
+            <a:pPr marL="514350" lvl="2">
+              <a:spcBef>
+                <a:spcPts val="750"/>
+              </a:spcBef>
+              <a:spcAft>
+                <a:spcPts val="600"/>
+              </a:spcAft>
+              <a:buClr>
+                <a:schemeClr val="accent2"/>
+              </a:buClr>
+            </a:pPr>
+            <a:r>
+              <a:rPr lang="en-IN" sz="1700" dirty="0" smtClean="0"/>
+              <a:t>BERT score, Mover score</a:t>
+            </a:r>
+          </a:p>
+        </p:txBody>
+      </p:sp>
+      <p:sp>
+        <p:nvSpPr>
+          <p:cNvPr id="4" name="Content Placeholder 2">
+            <a:extLst>
+              <a:ext uri="{FF2B5EF4-FFF2-40B4-BE49-F238E27FC236}">
+                <a16:creationId xmlns="" xmlns:a16="http://schemas.microsoft.com/office/drawing/2014/main" id="{A6A33159-D030-2F82-A142-F75940728319}"/>
+              </a:ext>
+            </a:extLst>
+          </p:cNvPr>
+          <p:cNvSpPr>
+            <a:spLocks noGrp="1"/>
+          </p:cNvSpPr>
+          <p:nvPr>
+            <p:ph sz="quarter" idx="4294967295"/>
+          </p:nvPr>
+        </p:nvSpPr>
+        <p:spPr>
+          <a:xfrm>
+            <a:off x="4513634" y="1378574"/>
+            <a:ext cx="3982665" cy="3213667"/>
+          </a:xfrm>
+          <a:prstGeom prst="rect">
+            <a:avLst/>
+          </a:prstGeom>
+          <a:noFill/>
+        </p:spPr>
+        <p:txBody>
+          <a:bodyPr vert="horz" lIns="68580" tIns="34290" rIns="68580" bIns="34290" rtlCol="0" anchor="t">
+            <a:normAutofit/>
+          </a:bodyPr>
+          <a:lstStyle/>
           <a:p>
             <a:pPr marL="171450" lvl="1">
               <a:spcBef>
@@ -42942,10 +43320,9 @@
               </a:buClr>
             </a:pPr>
             <a:r>
-              <a:rPr lang="en-US" sz="2000" dirty="0" smtClean="0"/>
-              <a:t>Reward or Penalty</a:t>
-            </a:r>
-            <a:endParaRPr lang="en-US" sz="2000" dirty="0" smtClean="0"/>
+              <a:rPr lang="en-IN" sz="2000" dirty="0" smtClean="0"/>
+              <a:t>Ground Truth (GT) by LLM </a:t>
+            </a:r>
           </a:p>
           <a:p>
             <a:pPr marL="171450" lvl="1">
@@ -42960,53 +43337,121 @@
               </a:buClr>
             </a:pPr>
             <a:r>
-              <a:rPr lang="en-US" sz="2000" dirty="0" smtClean="0"/>
-              <a:t>Maximize reward</a:t>
-            </a:r>
+              <a:rPr lang="en-IN" sz="2000" dirty="0" smtClean="0"/>
+              <a:t>Mathematical Framework</a:t>
+            </a:r>
+          </a:p>
+          <a:p>
+            <a:pPr marL="514350" lvl="2">
+              <a:spcBef>
+                <a:spcPts val="750"/>
+              </a:spcBef>
+              <a:spcAft>
+                <a:spcPts val="600"/>
+              </a:spcAft>
+              <a:buClr>
+                <a:schemeClr val="accent2"/>
+              </a:buClr>
+            </a:pPr>
+            <a:r>
+              <a:rPr lang="en-IN" sz="1700" dirty="0" smtClean="0"/>
+              <a:t>RAGAS framework</a:t>
+            </a:r>
+          </a:p>
+          <a:p>
+            <a:pPr marL="171450" lvl="1">
+              <a:spcBef>
+                <a:spcPts val="750"/>
+              </a:spcBef>
+              <a:spcAft>
+                <a:spcPts val="600"/>
+              </a:spcAft>
+              <a:buClr>
+                <a:schemeClr val="accent2"/>
+              </a:buClr>
+            </a:pPr>
+            <a:r>
+              <a:rPr lang="en-IN" sz="2000" dirty="0" smtClean="0"/>
+              <a:t>Experimental based Framework</a:t>
+            </a:r>
+          </a:p>
+          <a:p>
+            <a:pPr marL="514350" lvl="2">
+              <a:spcBef>
+                <a:spcPts val="750"/>
+              </a:spcBef>
+              <a:spcAft>
+                <a:spcPts val="600"/>
+              </a:spcAft>
+              <a:buClr>
+                <a:schemeClr val="accent2"/>
+              </a:buClr>
+            </a:pPr>
+            <a:r>
+              <a:rPr lang="en-IN" sz="1700" dirty="0" smtClean="0"/>
+              <a:t>Number of tasks and datasets </a:t>
+            </a:r>
+          </a:p>
+          <a:p>
+            <a:pPr marL="514350" lvl="2">
+              <a:spcBef>
+                <a:spcPts val="750"/>
+              </a:spcBef>
+              <a:spcAft>
+                <a:spcPts val="600"/>
+              </a:spcAft>
+              <a:buClr>
+                <a:schemeClr val="accent2"/>
+              </a:buClr>
+            </a:pPr>
+            <a:r>
+              <a:rPr lang="en-IN" sz="1700" dirty="0" smtClean="0"/>
+              <a:t>Number of aspects</a:t>
+            </a:r>
+          </a:p>
+          <a:p>
+            <a:pPr marL="514350" lvl="2">
+              <a:spcBef>
+                <a:spcPts val="750"/>
+              </a:spcBef>
+              <a:spcAft>
+                <a:spcPts val="600"/>
+              </a:spcAft>
+              <a:buClr>
+                <a:schemeClr val="accent2"/>
+              </a:buClr>
+            </a:pPr>
+            <a:r>
+              <a:rPr lang="en-IN" sz="1700" dirty="0" smtClean="0"/>
+              <a:t>GPT score</a:t>
+            </a:r>
+          </a:p>
+          <a:p>
+            <a:pPr marL="514350" lvl="2">
+              <a:spcBef>
+                <a:spcPts val="750"/>
+              </a:spcBef>
+              <a:spcAft>
+                <a:spcPts val="600"/>
+              </a:spcAft>
+              <a:buClr>
+                <a:schemeClr val="accent2"/>
+              </a:buClr>
+            </a:pPr>
+            <a:endParaRPr lang="en-IN" sz="1700" dirty="0"/>
           </a:p>
         </p:txBody>
       </p:sp>
-      <p:pic>
-        <p:nvPicPr>
-          <p:cNvPr id="5" name="Picture 4" descr="ReinforcementLearning.jpg"/>
-          <p:cNvPicPr>
-            <a:picLocks noChangeAspect="1"/>
-          </p:cNvPicPr>
-          <p:nvPr/>
-        </p:nvPicPr>
-        <p:blipFill>
-          <a:blip r:embed="rId3"/>
-          <a:stretch>
-            <a:fillRect/>
-          </a:stretch>
-        </p:blipFill>
-        <p:spPr>
-          <a:xfrm>
-            <a:off x="3022513" y="1381328"/>
-            <a:ext cx="5522829" cy="2476905"/>
-          </a:xfrm>
-          <a:prstGeom prst="rect">
-            <a:avLst/>
-          </a:prstGeom>
-        </p:spPr>
-      </p:pic>
     </p:spTree>
     <p:extLst>
       <p:ext uri="{BB962C8B-B14F-4D97-AF65-F5344CB8AC3E}">
-        <p14:creationId xmlns:p14="http://schemas.microsoft.com/office/powerpoint/2010/main" xmlns="" val="1127649784"/>
+        <p14:creationId xmlns="" xmlns:p14="http://schemas.microsoft.com/office/powerpoint/2010/main" val="414613742"/>
       </p:ext>
     </p:extLst>
   </p:cSld>
   <p:clrMapOvr>
     <a:masterClrMapping/>
   </p:clrMapOvr>
-  <p:timing>
-    <p:tnLst>
-      <p:par>
-        <p:cTn id="1" dur="indefinite" restart="never" nodeType="tmRoot"/>
-      </p:par>
-    </p:tnLst>
-  </p:timing>
 </p:sld>
 </file>
 
@@ -43032,7 +43477,7 @@
           <p:cNvPr id="2" name="Title 1">
             <a:extLst>
               <a:ext uri="{FF2B5EF4-FFF2-40B4-BE49-F238E27FC236}">
-                <a16:creationId xmlns:a16="http://schemas.microsoft.com/office/drawing/2014/main" xmlns="" id="{47A9874B-BCA9-8420-1595-EDD1865A099A}"/>
+                <a16:creationId xmlns="" xmlns:a16="http://schemas.microsoft.com/office/drawing/2014/main" id="{47A9874B-BCA9-8420-1595-EDD1865A099A}"/>
               </a:ext>
             </a:extLst>
           </p:cNvPr>
@@ -43066,7 +43511,7 @@
           <p:cNvPr id="7" name="Content Placeholder 2">
             <a:extLst>
               <a:ext uri="{FF2B5EF4-FFF2-40B4-BE49-F238E27FC236}">
-                <a16:creationId xmlns:a16="http://schemas.microsoft.com/office/drawing/2014/main" xmlns="" id="{A6A33159-D030-2F82-A142-F75940728319}"/>
+                <a16:creationId xmlns="" xmlns:a16="http://schemas.microsoft.com/office/drawing/2014/main" id="{A6A33159-D030-2F82-A142-F75940728319}"/>
               </a:ext>
             </a:extLst>
           </p:cNvPr>
@@ -43384,7 +43829,7 @@
     </p:spTree>
     <p:extLst>
       <p:ext uri="{BB962C8B-B14F-4D97-AF65-F5344CB8AC3E}">
-        <p14:creationId xmlns:p14="http://schemas.microsoft.com/office/powerpoint/2010/main" xmlns="" val="1127649784"/>
+        <p14:creationId xmlns="" xmlns:p14="http://schemas.microsoft.com/office/powerpoint/2010/main" val="1127649784"/>
       </p:ext>
     </p:extLst>
   </p:cSld>
@@ -43423,7 +43868,7 @@
           <p:cNvPr id="8" name="Title 1">
             <a:extLst>
               <a:ext uri="{FF2B5EF4-FFF2-40B4-BE49-F238E27FC236}">
-                <a16:creationId xmlns:a16="http://schemas.microsoft.com/office/drawing/2014/main" xmlns="" id="{47A9874B-BCA9-8420-1595-EDD1865A099A}"/>
+                <a16:creationId xmlns="" xmlns:a16="http://schemas.microsoft.com/office/drawing/2014/main" id="{47A9874B-BCA9-8420-1595-EDD1865A099A}"/>
               </a:ext>
             </a:extLst>
           </p:cNvPr>
@@ -43446,12 +43891,8 @@
           <a:lstStyle/>
           <a:p>
             <a:r>
-              <a:rPr lang="en-US" dirty="0"/>
-              <a:t>Retrieval Augmented </a:t>
-            </a:r>
-            <a:r>
               <a:rPr lang="en-US" dirty="0" smtClean="0"/>
-              <a:t>Generation – Evaluation</a:t>
+              <a:t>Knowledge Distillation</a:t>
             </a:r>
             <a:endParaRPr lang="en-US" dirty="0">
               <a:solidFill>
@@ -43468,7 +43909,7 @@
           <p:cNvPr id="5" name="Content Placeholder 2">
             <a:extLst>
               <a:ext uri="{FF2B5EF4-FFF2-40B4-BE49-F238E27FC236}">
-                <a16:creationId xmlns:a16="http://schemas.microsoft.com/office/drawing/2014/main" xmlns="" id="{A6A33159-D030-2F82-A142-F75940728319}"/>
+                <a16:creationId xmlns="" xmlns:a16="http://schemas.microsoft.com/office/drawing/2014/main" id="{A6A33159-D030-2F82-A142-F75940728319}"/>
               </a:ext>
             </a:extLst>
           </p:cNvPr>
@@ -43491,7 +43932,7 @@
         </p:spPr>
         <p:txBody>
           <a:bodyPr vert="horz" lIns="68580" tIns="34290" rIns="68580" bIns="34290" rtlCol="0" anchor="t">
-            <a:normAutofit/>
+            <a:normAutofit fontScale="92500" lnSpcReduction="10000"/>
           </a:bodyPr>
           <a:lstStyle/>
           <a:p>
@@ -43508,7 +43949,7 @@
             </a:pPr>
             <a:r>
               <a:rPr lang="en-IN" sz="2000" dirty="0" smtClean="0"/>
-              <a:t>Ground Truth (GT) by Human </a:t>
+              <a:t>Knowledge transfer</a:t>
             </a:r>
           </a:p>
           <a:p>
@@ -43525,24 +43966,7 @@
             </a:pPr>
             <a:r>
               <a:rPr lang="en-IN" sz="2000" dirty="0" smtClean="0"/>
-              <a:t>Character based evaluation</a:t>
-            </a:r>
-          </a:p>
-          <a:p>
-            <a:pPr marL="514350" lvl="2">
-              <a:spcBef>
-                <a:spcPts val="750"/>
-              </a:spcBef>
-              <a:spcAft>
-                <a:spcPts val="600"/>
-              </a:spcAft>
-              <a:buClr>
-                <a:schemeClr val="accent2"/>
-              </a:buClr>
-            </a:pPr>
-            <a:r>
-              <a:rPr lang="en-IN" sz="1700" dirty="0" smtClean="0"/>
-              <a:t>Edit distance</a:t>
+              <a:t>Large pre-trained model </a:t>
             </a:r>
           </a:p>
           <a:p>
@@ -43559,26 +43983,8 @@
             </a:pPr>
             <a:r>
               <a:rPr lang="en-IN" sz="2000" dirty="0" smtClean="0"/>
-              <a:t>Word based evaluation</a:t>
-            </a:r>
-          </a:p>
-          <a:p>
-            <a:pPr marL="514350" lvl="2">
-              <a:spcBef>
-                <a:spcPts val="750"/>
-              </a:spcBef>
-              <a:spcAft>
-                <a:spcPts val="600"/>
-              </a:spcAft>
-              <a:buClr>
-                <a:schemeClr val="accent2"/>
-              </a:buClr>
-            </a:pPr>
-            <a:r>
-              <a:rPr lang="en-IN" sz="1700" dirty="0" smtClean="0"/>
-              <a:t>WER, BLEU</a:t>
-            </a:r>
-            <a:endParaRPr lang="en-IN" sz="1700" dirty="0"/>
+              <a:t>Set of models</a:t>
+            </a:r>
           </a:p>
           <a:p>
             <a:pPr marL="171450" lvl="1">
@@ -43593,12 +43999,13 @@
               </a:buClr>
             </a:pPr>
             <a:r>
-              <a:rPr lang="en-IN" sz="2000" dirty="0" smtClean="0"/>
-              <a:t>Embedding based evaluation</a:t>
-            </a:r>
-          </a:p>
-          <a:p>
-            <a:pPr marL="514350" lvl="2">
+              <a:rPr lang="en-IN" sz="2000" smtClean="0"/>
+              <a:t>Teacher model</a:t>
+            </a:r>
+            <a:endParaRPr lang="en-IN" sz="2000" dirty="0" smtClean="0"/>
+          </a:p>
+          <a:p>
+            <a:pPr marL="171450" lvl="1">
               <a:spcBef>
                 <a:spcPts val="750"/>
               </a:spcBef>
@@ -43610,9 +44017,61 @@
               </a:buClr>
             </a:pPr>
             <a:r>
-              <a:rPr lang="en-IN" sz="1700" dirty="0" smtClean="0"/>
-              <a:t>BERT score, Mover score</a:t>
-            </a:r>
+              <a:rPr lang="en-IN" sz="2000" dirty="0" smtClean="0"/>
+              <a:t>Ensemble of models</a:t>
+            </a:r>
+          </a:p>
+          <a:p>
+            <a:pPr marL="171450" lvl="1">
+              <a:spcBef>
+                <a:spcPts val="750"/>
+              </a:spcBef>
+              <a:spcAft>
+                <a:spcPts val="600"/>
+              </a:spcAft>
+              <a:buClr>
+                <a:schemeClr val="accent2"/>
+              </a:buClr>
+            </a:pPr>
+            <a:r>
+              <a:rPr lang="en-IN" sz="2000" dirty="0" smtClean="0"/>
+              <a:t>Single smaller model</a:t>
+            </a:r>
+          </a:p>
+          <a:p>
+            <a:pPr marL="171450" lvl="1">
+              <a:spcBef>
+                <a:spcPts val="750"/>
+              </a:spcBef>
+              <a:spcAft>
+                <a:spcPts val="600"/>
+              </a:spcAft>
+              <a:buClr>
+                <a:schemeClr val="accent2"/>
+              </a:buClr>
+            </a:pPr>
+            <a:r>
+              <a:rPr lang="en-IN" sz="2000" dirty="0" smtClean="0"/>
+              <a:t>Student model</a:t>
+            </a:r>
+          </a:p>
+          <a:p>
+            <a:pPr marL="171450" lvl="1">
+              <a:spcBef>
+                <a:spcPts val="750"/>
+              </a:spcBef>
+              <a:spcAft>
+                <a:spcPts val="600"/>
+              </a:spcAft>
+              <a:buClr>
+                <a:schemeClr val="accent2"/>
+              </a:buClr>
+            </a:pPr>
+            <a:r>
+              <a:rPr lang="en-IN" sz="2000" dirty="0" smtClean="0"/>
+              <a:t>Model compression</a:t>
+            </a:r>
+            <a:endParaRPr lang="en-IN" sz="1700" dirty="0" smtClean="0"/>
           </a:p>
         </p:txBody>
       </p:sp>
@@ -43621,7 +44080,7 @@
           <p:cNvPr id="4" name="Content Placeholder 2">
             <a:extLst>
               <a:ext uri="{FF2B5EF4-FFF2-40B4-BE49-F238E27FC236}">
-                <a16:creationId xmlns:a16="http://schemas.microsoft.com/office/drawing/2014/main" xmlns="" id="{A6A33159-D030-2F82-A142-F75940728319}"/>
+                <a16:creationId xmlns="" xmlns:a16="http://schemas.microsoft.com/office/drawing/2014/main" id="{A6A33159-D030-2F82-A142-F75940728319}"/>
               </a:ext>
             </a:extLst>
           </p:cNvPr>
@@ -43661,7 +44120,7 @@
             </a:pPr>
             <a:r>
               <a:rPr lang="en-IN" sz="2000" dirty="0" smtClean="0"/>
-              <a:t>Ground Truth (GT) by LLM </a:t>
+              <a:t>Small student model </a:t>
             </a:r>
           </a:p>
           <a:p>
@@ -43678,24 +44137,7 @@
             </a:pPr>
             <a:r>
               <a:rPr lang="en-IN" sz="2000" dirty="0" smtClean="0"/>
-              <a:t>Mathematical Framework</a:t>
-            </a:r>
-          </a:p>
-          <a:p>
-            <a:pPr marL="514350" lvl="2">
-              <a:spcBef>
-                <a:spcPts val="750"/>
-              </a:spcBef>
-              <a:spcAft>
-                <a:spcPts val="600"/>
-              </a:spcAft>
-              <a:buClr>
-                <a:schemeClr val="accent2"/>
-              </a:buClr>
-            </a:pPr>
-            <a:r>
-              <a:rPr lang="en-IN" sz="1700" dirty="0" smtClean="0"/>
-              <a:t>RAGAS framework</a:t>
+              <a:t>Learn to emulate </a:t>
             </a:r>
           </a:p>
           <a:p>
@@ -43712,11 +44154,11 @@
             </a:pPr>
             <a:r>
               <a:rPr lang="en-IN" sz="2000" dirty="0" smtClean="0"/>
-              <a:t>Experimental based Framework</a:t>
-            </a:r>
-          </a:p>
-          <a:p>
-            <a:pPr marL="514350" lvl="2">
+              <a:t>Large teacher model</a:t>
+            </a:r>
+          </a:p>
+          <a:p>
+            <a:pPr marL="171450" lvl="1">
               <a:spcBef>
                 <a:spcPts val="750"/>
               </a:spcBef>
@@ -43728,12 +44170,12 @@
               </a:buClr>
             </a:pPr>
             <a:r>
-              <a:rPr lang="en-IN" sz="1700" dirty="0" smtClean="0"/>
-              <a:t>Number of tasks and datasets </a:t>
-            </a:r>
-          </a:p>
-          <a:p>
-            <a:pPr marL="514350" lvl="2">
+              <a:rPr lang="en-IN" sz="2000" dirty="0" smtClean="0"/>
+              <a:t>Leverage teacher knowledge </a:t>
+            </a:r>
+          </a:p>
+          <a:p>
+            <a:pPr marL="171450" lvl="1">
               <a:spcBef>
                 <a:spcPts val="750"/>
               </a:spcBef>
@@ -43745,12 +44187,12 @@
               </a:buClr>
             </a:pPr>
             <a:r>
-              <a:rPr lang="en-IN" sz="1700" dirty="0" smtClean="0"/>
-              <a:t>Number of aspects</a:t>
-            </a:r>
-          </a:p>
-          <a:p>
-            <a:pPr marL="514350" lvl="2">
+              <a:rPr lang="en-IN" sz="2000" dirty="0" smtClean="0"/>
+              <a:t>Emulate thought process</a:t>
+            </a:r>
+          </a:p>
+          <a:p>
+            <a:pPr marL="171450" lvl="1">
               <a:spcBef>
                 <a:spcPts val="750"/>
               </a:spcBef>
@@ -43762,30 +44204,16 @@
               </a:buClr>
             </a:pPr>
             <a:r>
-              <a:rPr lang="en-IN" sz="1700" dirty="0" smtClean="0"/>
-              <a:t>GPT score</a:t>
-            </a:r>
-          </a:p>
-          <a:p>
-            <a:pPr marL="514350" lvl="2">
-              <a:spcBef>
-                <a:spcPts val="750"/>
-              </a:spcBef>
-              <a:spcAft>
-                <a:spcPts val="600"/>
-              </a:spcAft>
-              <a:buClr>
-                <a:schemeClr val="accent2"/>
-              </a:buClr>
-            </a:pPr>
-            <a:endParaRPr lang="en-IN" sz="1700" dirty="0"/>
+              <a:rPr lang="en-IN" sz="2000" dirty="0" smtClean="0"/>
+              <a:t>Obtain similar / higher accuracy</a:t>
+            </a:r>
           </a:p>
         </p:txBody>
       </p:sp>
     </p:spTree>
     <p:extLst>
       <p:ext uri="{BB962C8B-B14F-4D97-AF65-F5344CB8AC3E}">
-        <p14:creationId xmlns:p14="http://schemas.microsoft.com/office/powerpoint/2010/main" xmlns="" val="414613742"/>
+        <p14:creationId xmlns="" xmlns:p14="http://schemas.microsoft.com/office/powerpoint/2010/main" val="414613742"/>
       </p:ext>
     </p:extLst>
   </p:cSld>
@@ -43814,10 +44242,10 @@
       </p:grpSpPr>
       <p:sp>
         <p:nvSpPr>
-          <p:cNvPr id="8" name="Title 1">
+          <p:cNvPr id="2" name="Title 1">
             <a:extLst>
               <a:ext uri="{FF2B5EF4-FFF2-40B4-BE49-F238E27FC236}">
-                <a16:creationId xmlns:a16="http://schemas.microsoft.com/office/drawing/2014/main" xmlns="" id="{47A9874B-BCA9-8420-1595-EDD1865A099A}"/>
+                <a16:creationId xmlns="" xmlns:a16="http://schemas.microsoft.com/office/drawing/2014/main" id="{D1FC59F6-9B22-C211-4B4C-A2FD4B914C46}"/>
               </a:ext>
             </a:extLst>
           </p:cNvPr>
@@ -43841,383 +44269,6 @@
           <a:p>
             <a:r>
               <a:rPr lang="en-US" dirty="0" smtClean="0"/>
-              <a:t>Knowledge Distillation</a:t>
-            </a:r>
-            <a:endParaRPr lang="en-US" dirty="0">
-              <a:solidFill>
-                <a:schemeClr val="accent2">
-                  <a:lumMod val="50000"/>
-                </a:schemeClr>
-              </a:solidFill>
-            </a:endParaRPr>
-          </a:p>
-        </p:txBody>
-      </p:sp>
-      <p:sp>
-        <p:nvSpPr>
-          <p:cNvPr id="5" name="Content Placeholder 2">
-            <a:extLst>
-              <a:ext uri="{FF2B5EF4-FFF2-40B4-BE49-F238E27FC236}">
-                <a16:creationId xmlns:a16="http://schemas.microsoft.com/office/drawing/2014/main" xmlns="" id="{A6A33159-D030-2F82-A142-F75940728319}"/>
-              </a:ext>
-            </a:extLst>
-          </p:cNvPr>
-          <p:cNvSpPr>
-            <a:spLocks noGrp="1"/>
-          </p:cNvSpPr>
-          <p:nvPr>
-            <p:ph sz="quarter" idx="4294967295"/>
-          </p:nvPr>
-        </p:nvSpPr>
-        <p:spPr>
-          <a:xfrm>
-            <a:off x="628650" y="1378574"/>
-            <a:ext cx="3761767" cy="3213667"/>
-          </a:xfrm>
-          <a:prstGeom prst="rect">
-            <a:avLst/>
-          </a:prstGeom>
-          <a:noFill/>
-        </p:spPr>
-        <p:txBody>
-          <a:bodyPr vert="horz" lIns="68580" tIns="34290" rIns="68580" bIns="34290" rtlCol="0" anchor="t">
-            <a:normAutofit fontScale="92500" lnSpcReduction="10000"/>
-          </a:bodyPr>
-          <a:lstStyle/>
-          <a:p>
-            <a:pPr marL="171450" lvl="1">
-              <a:spcBef>
-                <a:spcPts val="750"/>
-              </a:spcBef>
-              <a:spcAft>
-                <a:spcPts val="600"/>
-              </a:spcAft>
-              <a:buClr>
-                <a:schemeClr val="accent2"/>
-              </a:buClr>
-            </a:pPr>
-            <a:r>
-              <a:rPr lang="en-IN" sz="2000" dirty="0" smtClean="0"/>
-              <a:t>Knowledge transfer</a:t>
-            </a:r>
-          </a:p>
-          <a:p>
-            <a:pPr marL="171450" lvl="1">
-              <a:spcBef>
-                <a:spcPts val="750"/>
-              </a:spcBef>
-              <a:spcAft>
-                <a:spcPts val="600"/>
-              </a:spcAft>
-              <a:buClr>
-                <a:schemeClr val="accent2"/>
-              </a:buClr>
-            </a:pPr>
-            <a:r>
-              <a:rPr lang="en-IN" sz="2000" dirty="0" smtClean="0"/>
-              <a:t>Large pre-trained model </a:t>
-            </a:r>
-          </a:p>
-          <a:p>
-            <a:pPr marL="171450" lvl="1">
-              <a:spcBef>
-                <a:spcPts val="750"/>
-              </a:spcBef>
-              <a:spcAft>
-                <a:spcPts val="600"/>
-              </a:spcAft>
-              <a:buClr>
-                <a:schemeClr val="accent2"/>
-              </a:buClr>
-            </a:pPr>
-            <a:r>
-              <a:rPr lang="en-IN" sz="2000" dirty="0" smtClean="0"/>
-              <a:t>Set of models</a:t>
-            </a:r>
-          </a:p>
-          <a:p>
-            <a:pPr marL="171450" lvl="1">
-              <a:spcBef>
-                <a:spcPts val="750"/>
-              </a:spcBef>
-              <a:spcAft>
-                <a:spcPts val="600"/>
-              </a:spcAft>
-              <a:buClr>
-                <a:schemeClr val="accent2"/>
-              </a:buClr>
-            </a:pPr>
-            <a:r>
-              <a:rPr lang="en-IN" sz="2000" smtClean="0"/>
-              <a:t>Teacher model</a:t>
-            </a:r>
-            <a:endParaRPr lang="en-IN" sz="2000" dirty="0" smtClean="0"/>
-          </a:p>
-          <a:p>
-            <a:pPr marL="171450" lvl="1">
-              <a:spcBef>
-                <a:spcPts val="750"/>
-              </a:spcBef>
-              <a:spcAft>
-                <a:spcPts val="600"/>
-              </a:spcAft>
-              <a:buClr>
-                <a:schemeClr val="accent2"/>
-              </a:buClr>
-            </a:pPr>
-            <a:r>
-              <a:rPr lang="en-IN" sz="2000" dirty="0" smtClean="0"/>
-              <a:t>Ensemble of models</a:t>
-            </a:r>
-          </a:p>
-          <a:p>
-            <a:pPr marL="171450" lvl="1">
-              <a:spcBef>
-                <a:spcPts val="750"/>
-              </a:spcBef>
-              <a:spcAft>
-                <a:spcPts val="600"/>
-              </a:spcAft>
-              <a:buClr>
-                <a:schemeClr val="accent2"/>
-              </a:buClr>
-            </a:pPr>
-            <a:r>
-              <a:rPr lang="en-IN" sz="2000" dirty="0" smtClean="0"/>
-              <a:t>Single smaller model</a:t>
-            </a:r>
-          </a:p>
-          <a:p>
-            <a:pPr marL="171450" lvl="1">
-              <a:spcBef>
-                <a:spcPts val="750"/>
-              </a:spcBef>
-              <a:spcAft>
-                <a:spcPts val="600"/>
-              </a:spcAft>
-              <a:buClr>
-                <a:schemeClr val="accent2"/>
-              </a:buClr>
-            </a:pPr>
-            <a:r>
-              <a:rPr lang="en-IN" sz="2000" dirty="0" smtClean="0"/>
-              <a:t>Student model</a:t>
-            </a:r>
-          </a:p>
-          <a:p>
-            <a:pPr marL="171450" lvl="1">
-              <a:spcBef>
-                <a:spcPts val="750"/>
-              </a:spcBef>
-              <a:spcAft>
-                <a:spcPts val="600"/>
-              </a:spcAft>
-              <a:buClr>
-                <a:schemeClr val="accent2"/>
-              </a:buClr>
-            </a:pPr>
-            <a:r>
-              <a:rPr lang="en-IN" sz="2000" dirty="0" smtClean="0"/>
-              <a:t>Model compression</a:t>
-            </a:r>
-            <a:endParaRPr lang="en-IN" sz="1700" dirty="0" smtClean="0"/>
-          </a:p>
-        </p:txBody>
-      </p:sp>
-      <p:sp>
-        <p:nvSpPr>
-          <p:cNvPr id="4" name="Content Placeholder 2">
-            <a:extLst>
-              <a:ext uri="{FF2B5EF4-FFF2-40B4-BE49-F238E27FC236}">
-                <a16:creationId xmlns:a16="http://schemas.microsoft.com/office/drawing/2014/main" xmlns="" id="{A6A33159-D030-2F82-A142-F75940728319}"/>
-              </a:ext>
-            </a:extLst>
-          </p:cNvPr>
-          <p:cNvSpPr>
-            <a:spLocks noGrp="1"/>
-          </p:cNvSpPr>
-          <p:nvPr>
-            <p:ph sz="quarter" idx="4294967295"/>
-          </p:nvPr>
-        </p:nvSpPr>
-        <p:spPr>
-          <a:xfrm>
-            <a:off x="4513634" y="1378574"/>
-            <a:ext cx="3982665" cy="3213667"/>
-          </a:xfrm>
-          <a:prstGeom prst="rect">
-            <a:avLst/>
-          </a:prstGeom>
-          <a:noFill/>
-        </p:spPr>
-        <p:txBody>
-          <a:bodyPr vert="horz" lIns="68580" tIns="34290" rIns="68580" bIns="34290" rtlCol="0" anchor="t">
-            <a:normAutofit/>
-          </a:bodyPr>
-          <a:lstStyle/>
-          <a:p>
-            <a:pPr marL="171450" lvl="1">
-              <a:spcBef>
-                <a:spcPts val="750"/>
-              </a:spcBef>
-              <a:spcAft>
-                <a:spcPts val="600"/>
-              </a:spcAft>
-              <a:buClr>
-                <a:schemeClr val="accent2"/>
-              </a:buClr>
-            </a:pPr>
-            <a:r>
-              <a:rPr lang="en-IN" sz="2000" dirty="0" smtClean="0"/>
-              <a:t>Small student model </a:t>
-            </a:r>
-          </a:p>
-          <a:p>
-            <a:pPr marL="171450" lvl="1">
-              <a:spcBef>
-                <a:spcPts val="750"/>
-              </a:spcBef>
-              <a:spcAft>
-                <a:spcPts val="600"/>
-              </a:spcAft>
-              <a:buClr>
-                <a:schemeClr val="accent2"/>
-              </a:buClr>
-            </a:pPr>
-            <a:r>
-              <a:rPr lang="en-IN" sz="2000" dirty="0" smtClean="0"/>
-              <a:t>Learn to emulate </a:t>
-            </a:r>
-          </a:p>
-          <a:p>
-            <a:pPr marL="171450" lvl="1">
-              <a:spcBef>
-                <a:spcPts val="750"/>
-              </a:spcBef>
-              <a:spcAft>
-                <a:spcPts val="600"/>
-              </a:spcAft>
-              <a:buClr>
-                <a:schemeClr val="accent2"/>
-              </a:buClr>
-            </a:pPr>
-            <a:r>
-              <a:rPr lang="en-IN" sz="2000" dirty="0" smtClean="0"/>
-              <a:t>Large teacher model</a:t>
-            </a:r>
-          </a:p>
-          <a:p>
-            <a:pPr marL="171450" lvl="1">
-              <a:spcBef>
-                <a:spcPts val="750"/>
-              </a:spcBef>
-              <a:spcAft>
-                <a:spcPts val="600"/>
-              </a:spcAft>
-              <a:buClr>
-                <a:schemeClr val="accent2"/>
-              </a:buClr>
-            </a:pPr>
-            <a:r>
-              <a:rPr lang="en-IN" sz="2000" dirty="0" smtClean="0"/>
-              <a:t>Leverage teacher knowledge </a:t>
-            </a:r>
-          </a:p>
-          <a:p>
-            <a:pPr marL="171450" lvl="1">
-              <a:spcBef>
-                <a:spcPts val="750"/>
-              </a:spcBef>
-              <a:spcAft>
-                <a:spcPts val="600"/>
-              </a:spcAft>
-              <a:buClr>
-                <a:schemeClr val="accent2"/>
-              </a:buClr>
-            </a:pPr>
-            <a:r>
-              <a:rPr lang="en-IN" sz="2000" dirty="0" smtClean="0"/>
-              <a:t>Emulate thought process</a:t>
-            </a:r>
-          </a:p>
-          <a:p>
-            <a:pPr marL="171450" lvl="1">
-              <a:spcBef>
-                <a:spcPts val="750"/>
-              </a:spcBef>
-              <a:spcAft>
-                <a:spcPts val="600"/>
-              </a:spcAft>
-              <a:buClr>
-                <a:schemeClr val="accent2"/>
-              </a:buClr>
-            </a:pPr>
-            <a:r>
-              <a:rPr lang="en-IN" sz="2000" dirty="0" smtClean="0"/>
-              <a:t>Obtain similar / higher accuracy</a:t>
-            </a:r>
-          </a:p>
-        </p:txBody>
-      </p:sp>
-    </p:spTree>
-    <p:extLst>
-      <p:ext uri="{BB962C8B-B14F-4D97-AF65-F5344CB8AC3E}">
-        <p14:creationId xmlns:p14="http://schemas.microsoft.com/office/powerpoint/2010/main" xmlns="" val="414613742"/>
-      </p:ext>
-    </p:extLst>
-  </p:cSld>
-  <p:clrMapOvr>
-    <a:masterClrMapping/>
-  </p:clrMapOvr>
-</p:sld>
-</file>
-
-<file path=ppt/slides/slide62.xml><?xml version="1.0" encoding="utf-8"?>
-<p:sld xmlns:a="http://schemas.openxmlformats.org/drawingml/2006/main" xmlns:r="http://schemas.openxmlformats.org/officeDocument/2006/relationships" xmlns:p="http://schemas.openxmlformats.org/presentationml/2006/main">
-  <p:cSld>
-    <p:spTree>
-      <p:nvGrpSpPr>
-        <p:cNvPr id="1" name=""/>
-        <p:cNvGrpSpPr/>
-        <p:nvPr/>
-      </p:nvGrpSpPr>
-      <p:grpSpPr>
-        <a:xfrm>
-          <a:off x="0" y="0"/>
-          <a:ext cx="0" cy="0"/>
-          <a:chOff x="0" y="0"/>
-          <a:chExt cx="0" cy="0"/>
-        </a:xfrm>
-      </p:grpSpPr>
-      <p:sp>
-        <p:nvSpPr>
-          <p:cNvPr id="2" name="Title 1">
-            <a:extLst>
-              <a:ext uri="{FF2B5EF4-FFF2-40B4-BE49-F238E27FC236}">
-                <a16:creationId xmlns:a16="http://schemas.microsoft.com/office/drawing/2014/main" xmlns="" id="{D1FC59F6-9B22-C211-4B4C-A2FD4B914C46}"/>
-              </a:ext>
-            </a:extLst>
-          </p:cNvPr>
-          <p:cNvSpPr>
-            <a:spLocks noGrp="1"/>
-          </p:cNvSpPr>
-          <p:nvPr>
-            <p:ph type="title"/>
-          </p:nvPr>
-        </p:nvSpPr>
-        <p:spPr>
-          <a:xfrm>
-            <a:off x="628650" y="273844"/>
-            <a:ext cx="7886700" cy="994172"/>
-          </a:xfrm>
-          <a:noFill/>
-        </p:spPr>
-        <p:txBody>
-          <a:bodyPr anchor="ctr"/>
-          <a:lstStyle/>
-          <a:p>
-            <a:r>
-              <a:rPr lang="en-US" dirty="0" smtClean="0"/>
               <a:t>Models – Fashion Captioning Dataset (FACAD)</a:t>
             </a:r>
             <a:endParaRPr lang="en-US" dirty="0"/>
@@ -44229,7 +44280,7 @@
           <p:cNvPr id="4" name="Table Placeholder 3">
             <a:extLst>
               <a:ext uri="{FF2B5EF4-FFF2-40B4-BE49-F238E27FC236}">
-                <a16:creationId xmlns:a16="http://schemas.microsoft.com/office/drawing/2014/main" xmlns="" id="{0519CAC4-33D8-0B1E-88FF-086E69894AFB}"/>
+                <a16:creationId xmlns="" xmlns:a16="http://schemas.microsoft.com/office/drawing/2014/main" id="{0519CAC4-33D8-0B1E-88FF-086E69894AFB}"/>
               </a:ext>
             </a:extLst>
           </p:cNvPr>
@@ -44240,7 +44291,7 @@
             <p:ph type="tbl" sz="quarter" idx="13"/>
             <p:extLst>
               <p:ext uri="{D42A27DB-BD31-4B8C-83A1-F6EECF244321}">
-                <p14:modId xmlns:p14="http://schemas.microsoft.com/office/powerpoint/2010/main" xmlns="" val="3019515003"/>
+                <p14:modId xmlns="" xmlns:p14="http://schemas.microsoft.com/office/powerpoint/2010/main" val="3019515003"/>
               </p:ext>
             </p:extLst>
           </p:nvPr>
@@ -44259,35 +44310,35 @@
                 <a:gridCol w="1926482">
                   <a:extLst>
                     <a:ext uri="{9D8B030D-6E8A-4147-A177-3AD203B41FA5}">
-                      <a16:colId xmlns:a16="http://schemas.microsoft.com/office/drawing/2014/main" xmlns="" val="2382218087"/>
+                      <a16:colId xmlns="" xmlns:a16="http://schemas.microsoft.com/office/drawing/2014/main" val="2382218087"/>
                     </a:ext>
                   </a:extLst>
                 </a:gridCol>
                 <a:gridCol w="1504545">
                   <a:extLst>
                     <a:ext uri="{9D8B030D-6E8A-4147-A177-3AD203B41FA5}">
-                      <a16:colId xmlns:a16="http://schemas.microsoft.com/office/drawing/2014/main" xmlns="" val="3953468724"/>
+                      <a16:colId xmlns="" xmlns:a16="http://schemas.microsoft.com/office/drawing/2014/main" val="3953468724"/>
                     </a:ext>
                   </a:extLst>
                 </a:gridCol>
                 <a:gridCol w="1512987">
                   <a:extLst>
                     <a:ext uri="{9D8B030D-6E8A-4147-A177-3AD203B41FA5}">
-                      <a16:colId xmlns:a16="http://schemas.microsoft.com/office/drawing/2014/main" xmlns="" val="2438884888"/>
+                      <a16:colId xmlns="" xmlns:a16="http://schemas.microsoft.com/office/drawing/2014/main" val="2438884888"/>
                     </a:ext>
                   </a:extLst>
                 </a:gridCol>
                 <a:gridCol w="1017917">
                   <a:extLst>
                     <a:ext uri="{9D8B030D-6E8A-4147-A177-3AD203B41FA5}">
-                      <a16:colId xmlns:a16="http://schemas.microsoft.com/office/drawing/2014/main" xmlns="" val="3058700555"/>
+                      <a16:colId xmlns="" xmlns:a16="http://schemas.microsoft.com/office/drawing/2014/main" val="3058700555"/>
                     </a:ext>
                   </a:extLst>
                 </a:gridCol>
                 <a:gridCol w="1509317">
                   <a:extLst>
                     <a:ext uri="{9D8B030D-6E8A-4147-A177-3AD203B41FA5}">
-                      <a16:colId xmlns:a16="http://schemas.microsoft.com/office/drawing/2014/main" xmlns="" val="489067259"/>
+                      <a16:colId xmlns="" xmlns:a16="http://schemas.microsoft.com/office/drawing/2014/main" val="489067259"/>
                     </a:ext>
                   </a:extLst>
                 </a:gridCol>
@@ -44390,7 +44441,7 @@
                 </a:tc>
                 <a:extLst>
                   <a:ext uri="{0D108BD9-81ED-4DB2-BD59-A6C34878D82A}">
-                    <a16:rowId xmlns:a16="http://schemas.microsoft.com/office/drawing/2014/main" xmlns="" val="2857107962"/>
+                    <a16:rowId xmlns="" xmlns:a16="http://schemas.microsoft.com/office/drawing/2014/main" val="2857107962"/>
                   </a:ext>
                 </a:extLst>
               </a:tr>
@@ -44498,7 +44549,7 @@
                 </a:tc>
                 <a:extLst>
                   <a:ext uri="{0D108BD9-81ED-4DB2-BD59-A6C34878D82A}">
-                    <a16:rowId xmlns:a16="http://schemas.microsoft.com/office/drawing/2014/main" xmlns="" val="1671386868"/>
+                    <a16:rowId xmlns="" xmlns:a16="http://schemas.microsoft.com/office/drawing/2014/main" val="1671386868"/>
                   </a:ext>
                 </a:extLst>
               </a:tr>
@@ -44606,7 +44657,7 @@
                 </a:tc>
                 <a:extLst>
                   <a:ext uri="{0D108BD9-81ED-4DB2-BD59-A6C34878D82A}">
-                    <a16:rowId xmlns:a16="http://schemas.microsoft.com/office/drawing/2014/main" xmlns="" val="380626418"/>
+                    <a16:rowId xmlns="" xmlns:a16="http://schemas.microsoft.com/office/drawing/2014/main" val="380626418"/>
                   </a:ext>
                 </a:extLst>
               </a:tr>
@@ -44724,7 +44775,7 @@
                 </a:tc>
                 <a:extLst>
                   <a:ext uri="{0D108BD9-81ED-4DB2-BD59-A6C34878D82A}">
-                    <a16:rowId xmlns:a16="http://schemas.microsoft.com/office/drawing/2014/main" xmlns="" val="2132482967"/>
+                    <a16:rowId xmlns="" xmlns:a16="http://schemas.microsoft.com/office/drawing/2014/main" val="2132482967"/>
                   </a:ext>
                 </a:extLst>
               </a:tr>
@@ -44826,7 +44877,7 @@
                 </a:tc>
                 <a:extLst>
                   <a:ext uri="{0D108BD9-81ED-4DB2-BD59-A6C34878D82A}">
-                    <a16:rowId xmlns:a16="http://schemas.microsoft.com/office/drawing/2014/main" xmlns="" val="3936251906"/>
+                    <a16:rowId xmlns="" xmlns:a16="http://schemas.microsoft.com/office/drawing/2014/main" val="3936251906"/>
                   </a:ext>
                 </a:extLst>
               </a:tr>
@@ -44837,7 +44888,277 @@
     </p:spTree>
     <p:extLst>
       <p:ext uri="{BB962C8B-B14F-4D97-AF65-F5344CB8AC3E}">
-        <p14:creationId xmlns:p14="http://schemas.microsoft.com/office/powerpoint/2010/main" xmlns="" val="1510706933"/>
+        <p14:creationId xmlns="" xmlns:p14="http://schemas.microsoft.com/office/powerpoint/2010/main" val="1510706933"/>
+      </p:ext>
+    </p:extLst>
+  </p:cSld>
+  <p:clrMapOvr>
+    <a:masterClrMapping/>
+  </p:clrMapOvr>
+</p:sld>
+</file>
+
+<file path=ppt/slides/slide62.xml><?xml version="1.0" encoding="utf-8"?>
+<p:sld xmlns:a="http://schemas.openxmlformats.org/drawingml/2006/main" xmlns:r="http://schemas.openxmlformats.org/officeDocument/2006/relationships" xmlns:p="http://schemas.openxmlformats.org/presentationml/2006/main">
+  <p:cSld>
+    <p:spTree>
+      <p:nvGrpSpPr>
+        <p:cNvPr id="1" name=""/>
+        <p:cNvGrpSpPr/>
+        <p:nvPr/>
+      </p:nvGrpSpPr>
+      <p:grpSpPr>
+        <a:xfrm>
+          <a:off x="0" y="0"/>
+          <a:ext cx="0" cy="0"/>
+          <a:chOff x="0" y="0"/>
+          <a:chExt cx="0" cy="0"/>
+        </a:xfrm>
+      </p:grpSpPr>
+      <p:sp>
+        <p:nvSpPr>
+          <p:cNvPr id="2" name="Title 1">
+            <a:extLst>
+              <a:ext uri="{FF2B5EF4-FFF2-40B4-BE49-F238E27FC236}">
+                <a16:creationId xmlns="" xmlns:a16="http://schemas.microsoft.com/office/drawing/2014/main" id="{5D030A76-B788-B363-104E-266B7C7F7208}"/>
+              </a:ext>
+            </a:extLst>
+          </p:cNvPr>
+          <p:cNvSpPr>
+            <a:spLocks noGrp="1"/>
+          </p:cNvSpPr>
+          <p:nvPr>
+            <p:ph type="title"/>
+          </p:nvPr>
+        </p:nvSpPr>
+        <p:spPr>
+          <a:xfrm>
+            <a:off x="628650" y="273844"/>
+            <a:ext cx="7886700" cy="994172"/>
+          </a:xfrm>
+          <a:noFill/>
+        </p:spPr>
+        <p:txBody>
+          <a:bodyPr anchor="ctr"/>
+          <a:lstStyle/>
+          <a:p>
+            <a:r>
+              <a:rPr lang="en-US" dirty="0"/>
+              <a:t>Code Generation</a:t>
+            </a:r>
+          </a:p>
+        </p:txBody>
+      </p:sp>
+      <p:sp>
+        <p:nvSpPr>
+          <p:cNvPr id="6" name="Content Placeholder 2">
+            <a:extLst>
+              <a:ext uri="{FF2B5EF4-FFF2-40B4-BE49-F238E27FC236}">
+                <a16:creationId xmlns="" xmlns:a16="http://schemas.microsoft.com/office/drawing/2014/main" id="{A6A33159-D030-2F82-A142-F75940728319}"/>
+              </a:ext>
+            </a:extLst>
+          </p:cNvPr>
+          <p:cNvSpPr>
+            <a:spLocks noGrp="1"/>
+          </p:cNvSpPr>
+          <p:nvPr>
+            <p:ph sz="quarter" idx="4294967295"/>
+          </p:nvPr>
+        </p:nvSpPr>
+        <p:spPr>
+          <a:xfrm>
+            <a:off x="628650" y="1378574"/>
+            <a:ext cx="7867650" cy="3213667"/>
+          </a:xfrm>
+          <a:prstGeom prst="rect">
+            <a:avLst/>
+          </a:prstGeom>
+          <a:noFill/>
+        </p:spPr>
+        <p:txBody>
+          <a:bodyPr vert="horz" lIns="68580" tIns="34290" rIns="68580" bIns="34290" rtlCol="0" anchor="t">
+            <a:normAutofit lnSpcReduction="10000"/>
+          </a:bodyPr>
+          <a:lstStyle/>
+          <a:p>
+            <a:pPr marL="171450" lvl="1">
+              <a:spcBef>
+                <a:spcPts val="750"/>
+              </a:spcBef>
+              <a:spcAft>
+                <a:spcPts val="600"/>
+              </a:spcAft>
+              <a:buClr>
+                <a:schemeClr val="accent2"/>
+              </a:buClr>
+            </a:pPr>
+            <a:r>
+              <a:rPr lang="en-IN" sz="2000" dirty="0"/>
+              <a:t>Mistral AI</a:t>
+            </a:r>
+          </a:p>
+          <a:p>
+            <a:pPr marL="514350" lvl="2">
+              <a:spcBef>
+                <a:spcPts val="750"/>
+              </a:spcBef>
+              <a:spcAft>
+                <a:spcPts val="600"/>
+              </a:spcAft>
+              <a:buClr>
+                <a:schemeClr val="accent2"/>
+              </a:buClr>
+            </a:pPr>
+            <a:r>
+              <a:rPr lang="en-IN" sz="1700" dirty="0"/>
+              <a:t>Mistral 7B and </a:t>
+            </a:r>
+            <a:r>
+              <a:rPr lang="en-IN" sz="1700" dirty="0" err="1"/>
+              <a:t>Mixtral</a:t>
+            </a:r>
+            <a:r>
+              <a:rPr lang="en-IN" sz="1700" dirty="0"/>
+              <a:t> 8X7B</a:t>
+            </a:r>
+          </a:p>
+          <a:p>
+            <a:pPr marL="171450" lvl="1">
+              <a:spcBef>
+                <a:spcPts val="750"/>
+              </a:spcBef>
+              <a:spcAft>
+                <a:spcPts val="600"/>
+              </a:spcAft>
+              <a:buClr>
+                <a:schemeClr val="accent2"/>
+              </a:buClr>
+            </a:pPr>
+            <a:r>
+              <a:rPr lang="en-IN" sz="2000" dirty="0"/>
+              <a:t>Meta</a:t>
+            </a:r>
+          </a:p>
+          <a:p>
+            <a:pPr marL="514350" lvl="2">
+              <a:spcBef>
+                <a:spcPts val="750"/>
+              </a:spcBef>
+              <a:spcAft>
+                <a:spcPts val="600"/>
+              </a:spcAft>
+              <a:buClr>
+                <a:schemeClr val="accent2"/>
+              </a:buClr>
+            </a:pPr>
+            <a:r>
+              <a:rPr lang="en-IN" sz="1700" dirty="0" err="1"/>
+              <a:t>CodeLlama</a:t>
+            </a:r>
+            <a:r>
+              <a:rPr lang="en-IN" sz="1700" dirty="0"/>
+              <a:t>, </a:t>
+            </a:r>
+            <a:r>
+              <a:rPr lang="en-IN" sz="1700" dirty="0" err="1"/>
+              <a:t>CodeLlama</a:t>
+            </a:r>
+            <a:r>
+              <a:rPr lang="en-IN" sz="1700" dirty="0"/>
+              <a:t>-Python, </a:t>
+            </a:r>
+            <a:r>
+              <a:rPr lang="en-IN" sz="1700" dirty="0" err="1"/>
+              <a:t>CodeLlama</a:t>
+            </a:r>
+            <a:r>
+              <a:rPr lang="en-IN" sz="1700" dirty="0"/>
+              <a:t>-Instruct</a:t>
+            </a:r>
+          </a:p>
+          <a:p>
+            <a:pPr marL="171450" lvl="1">
+              <a:spcBef>
+                <a:spcPts val="750"/>
+              </a:spcBef>
+              <a:spcAft>
+                <a:spcPts val="600"/>
+              </a:spcAft>
+              <a:buClr>
+                <a:schemeClr val="accent2"/>
+              </a:buClr>
+            </a:pPr>
+            <a:r>
+              <a:rPr lang="en-IN" sz="2000" dirty="0" err="1"/>
+              <a:t>Phind</a:t>
+            </a:r>
+            <a:endParaRPr lang="en-IN" sz="2000" dirty="0"/>
+          </a:p>
+          <a:p>
+            <a:pPr marL="514350" lvl="2">
+              <a:spcBef>
+                <a:spcPts val="750"/>
+              </a:spcBef>
+              <a:spcAft>
+                <a:spcPts val="600"/>
+              </a:spcAft>
+              <a:buClr>
+                <a:schemeClr val="accent2"/>
+              </a:buClr>
+            </a:pPr>
+            <a:r>
+              <a:rPr lang="en-IN" sz="1700" dirty="0"/>
+              <a:t>Phind-CodeLlama-34B, Phind-CodeLlama-34B-Python</a:t>
+            </a:r>
+          </a:p>
+          <a:p>
+            <a:pPr marL="171450" lvl="1">
+              <a:spcBef>
+                <a:spcPts val="750"/>
+              </a:spcBef>
+              <a:spcAft>
+                <a:spcPts val="600"/>
+              </a:spcAft>
+              <a:buClr>
+                <a:schemeClr val="accent2"/>
+              </a:buClr>
+            </a:pPr>
+            <a:r>
+              <a:rPr lang="en-IN" sz="2000" dirty="0" err="1"/>
+              <a:t>BigCode</a:t>
+            </a:r>
+            <a:r>
+              <a:rPr lang="en-IN" sz="2000" dirty="0"/>
+              <a:t> Project</a:t>
+            </a:r>
+          </a:p>
+          <a:p>
+            <a:pPr marL="514350" lvl="2">
+              <a:spcBef>
+                <a:spcPts val="750"/>
+              </a:spcBef>
+              <a:spcAft>
+                <a:spcPts val="600"/>
+              </a:spcAft>
+              <a:buClr>
+                <a:schemeClr val="accent2"/>
+              </a:buClr>
+            </a:pPr>
+            <a:r>
+              <a:rPr lang="en-US" sz="1700" dirty="0" err="1"/>
+              <a:t>StarCoder</a:t>
+            </a:r>
+            <a:r>
+              <a:rPr lang="en-US" sz="1700" dirty="0"/>
+              <a:t>, StarCoder2</a:t>
+            </a:r>
+          </a:p>
+        </p:txBody>
+      </p:sp>
+    </p:spTree>
+    <p:extLst>
+      <p:ext uri="{BB962C8B-B14F-4D97-AF65-F5344CB8AC3E}">
+        <p14:creationId xmlns="" xmlns:p14="http://schemas.microsoft.com/office/powerpoint/2010/main" val="414613742"/>
       </p:ext>
     </p:extLst>
   </p:cSld>
@@ -44867,7 +45188,7 @@
     </p:spTree>
     <p:extLst>
       <p:ext uri="{BB962C8B-B14F-4D97-AF65-F5344CB8AC3E}">
-        <p14:creationId xmlns:p14="http://schemas.microsoft.com/office/powerpoint/2010/main" xmlns="" val="363098972"/>
+        <p14:creationId xmlns="" xmlns:p14="http://schemas.microsoft.com/office/powerpoint/2010/main" val="363098972"/>
       </p:ext>
     </p:extLst>
   </p:cSld>
@@ -44897,7 +45218,7 @@
     </p:spTree>
     <p:extLst>
       <p:ext uri="{BB962C8B-B14F-4D97-AF65-F5344CB8AC3E}">
-        <p14:creationId xmlns:p14="http://schemas.microsoft.com/office/powerpoint/2010/main" xmlns="" val="729609147"/>
+        <p14:creationId xmlns="" xmlns:p14="http://schemas.microsoft.com/office/powerpoint/2010/main" val="729609147"/>
       </p:ext>
     </p:extLst>
   </p:cSld>
@@ -44929,7 +45250,7 @@
           <p:cNvPr id="2" name="Title 1">
             <a:extLst>
               <a:ext uri="{FF2B5EF4-FFF2-40B4-BE49-F238E27FC236}">
-                <a16:creationId xmlns:a16="http://schemas.microsoft.com/office/drawing/2014/main" xmlns="" id="{47A9874B-BCA9-8420-1595-EDD1865A099A}"/>
+                <a16:creationId xmlns="" xmlns:a16="http://schemas.microsoft.com/office/drawing/2014/main" id="{47A9874B-BCA9-8420-1595-EDD1865A099A}"/>
               </a:ext>
             </a:extLst>
           </p:cNvPr>
@@ -44963,7 +45284,7 @@
           <p:cNvPr id="7" name="Content Placeholder 2">
             <a:extLst>
               <a:ext uri="{FF2B5EF4-FFF2-40B4-BE49-F238E27FC236}">
-                <a16:creationId xmlns:a16="http://schemas.microsoft.com/office/drawing/2014/main" xmlns="" id="{A6A33159-D030-2F82-A142-F75940728319}"/>
+                <a16:creationId xmlns="" xmlns:a16="http://schemas.microsoft.com/office/drawing/2014/main" id="{A6A33159-D030-2F82-A142-F75940728319}"/>
               </a:ext>
             </a:extLst>
           </p:cNvPr>
@@ -45120,7 +45441,7 @@
     </p:spTree>
     <p:extLst>
       <p:ext uri="{BB962C8B-B14F-4D97-AF65-F5344CB8AC3E}">
-        <p14:creationId xmlns:p14="http://schemas.microsoft.com/office/powerpoint/2010/main" xmlns="" val="1127649784"/>
+        <p14:creationId xmlns="" xmlns:p14="http://schemas.microsoft.com/office/powerpoint/2010/main" val="1127649784"/>
       </p:ext>
     </p:extLst>
   </p:cSld>
@@ -45159,7 +45480,7 @@
           <p:cNvPr id="2" name="Title 1">
             <a:extLst>
               <a:ext uri="{FF2B5EF4-FFF2-40B4-BE49-F238E27FC236}">
-                <a16:creationId xmlns:a16="http://schemas.microsoft.com/office/drawing/2014/main" xmlns="" id="{47A9874B-BCA9-8420-1595-EDD1865A099A}"/>
+                <a16:creationId xmlns="" xmlns:a16="http://schemas.microsoft.com/office/drawing/2014/main" id="{47A9874B-BCA9-8420-1595-EDD1865A099A}"/>
               </a:ext>
             </a:extLst>
           </p:cNvPr>
@@ -45193,7 +45514,7 @@
           <p:cNvPr id="7" name="Content Placeholder 2">
             <a:extLst>
               <a:ext uri="{FF2B5EF4-FFF2-40B4-BE49-F238E27FC236}">
-                <a16:creationId xmlns:a16="http://schemas.microsoft.com/office/drawing/2014/main" xmlns="" id="{A6A33159-D030-2F82-A142-F75940728319}"/>
+                <a16:creationId xmlns="" xmlns:a16="http://schemas.microsoft.com/office/drawing/2014/main" id="{A6A33159-D030-2F82-A142-F75940728319}"/>
               </a:ext>
             </a:extLst>
           </p:cNvPr>
@@ -45391,7 +45712,7 @@
     </p:spTree>
     <p:extLst>
       <p:ext uri="{BB962C8B-B14F-4D97-AF65-F5344CB8AC3E}">
-        <p14:creationId xmlns:p14="http://schemas.microsoft.com/office/powerpoint/2010/main" xmlns="" val="1127649784"/>
+        <p14:creationId xmlns="" xmlns:p14="http://schemas.microsoft.com/office/powerpoint/2010/main" val="1127649784"/>
       </p:ext>
     </p:extLst>
   </p:cSld>
@@ -45430,7 +45751,7 @@
           <p:cNvPr id="8" name="Title 1">
             <a:extLst>
               <a:ext uri="{FF2B5EF4-FFF2-40B4-BE49-F238E27FC236}">
-                <a16:creationId xmlns:a16="http://schemas.microsoft.com/office/drawing/2014/main" xmlns="" id="{47A9874B-BCA9-8420-1595-EDD1865A099A}"/>
+                <a16:creationId xmlns="" xmlns:a16="http://schemas.microsoft.com/office/drawing/2014/main" id="{47A9874B-BCA9-8420-1595-EDD1865A099A}"/>
               </a:ext>
             </a:extLst>
           </p:cNvPr>
@@ -45464,7 +45785,7 @@
           <p:cNvPr id="26" name="Content Placeholder 2">
             <a:extLst>
               <a:ext uri="{FF2B5EF4-FFF2-40B4-BE49-F238E27FC236}">
-                <a16:creationId xmlns:a16="http://schemas.microsoft.com/office/drawing/2014/main" xmlns="" id="{68A5FD2B-E3E5-1C2B-0151-21F216B14A33}"/>
+                <a16:creationId xmlns="" xmlns:a16="http://schemas.microsoft.com/office/drawing/2014/main" id="{68A5FD2B-E3E5-1C2B-0151-21F216B14A33}"/>
               </a:ext>
             </a:extLst>
           </p:cNvPr>
@@ -45536,7 +45857,7 @@
           <p:cNvPr id="7" name="Content Placeholder 2">
             <a:extLst>
               <a:ext uri="{FF2B5EF4-FFF2-40B4-BE49-F238E27FC236}">
-                <a16:creationId xmlns:a16="http://schemas.microsoft.com/office/drawing/2014/main" xmlns="" id="{68A5FD2B-E3E5-1C2B-0151-21F216B14A33}"/>
+                <a16:creationId xmlns="" xmlns:a16="http://schemas.microsoft.com/office/drawing/2014/main" id="{68A5FD2B-E3E5-1C2B-0151-21F216B14A33}"/>
               </a:ext>
             </a:extLst>
           </p:cNvPr>
@@ -45818,7 +46139,7 @@
     </p:spTree>
     <p:extLst>
       <p:ext uri="{BB962C8B-B14F-4D97-AF65-F5344CB8AC3E}">
-        <p14:creationId xmlns:p14="http://schemas.microsoft.com/office/powerpoint/2010/main" xmlns="" val="2737241225"/>
+        <p14:creationId xmlns="" xmlns:p14="http://schemas.microsoft.com/office/powerpoint/2010/main" val="2737241225"/>
       </p:ext>
     </p:extLst>
   </p:cSld>
@@ -46050,7 +46371,7 @@
   <a:extraClrSchemeLst/>
   <a:extLst>
     <a:ext uri="{05A4C25C-085E-4340-85A3-A5531E510DB2}">
-      <thm15:themeFamily xmlns:thm15="http://schemas.microsoft.com/office/thememl/2012/main" xmlns="" name="TM78504181_Win32_SL_V11" id="{D9600F65-346D-4C25-A611-673E5C44A142}" vid="{299F2556-E258-444F-A1E6-FA759CE22851}"/>
+      <thm15:themeFamily xmlns="" xmlns:thm15="http://schemas.microsoft.com/office/thememl/2012/main" name="TM78504181_Win32_SL_V11" id="{D9600F65-346D-4C25-A611-673E5C44A142}" vid="{299F2556-E258-444F-A1E6-FA759CE22851}"/>
     </a:ext>
   </a:extLst>
 </a:theme>
@@ -46345,7 +46666,7 @@
   <a:extraClrSchemeLst/>
   <a:extLst>
     <a:ext uri="{05A4C25C-085E-4340-85A3-A5531E510DB2}">
-      <thm15:themeFamily xmlns:thm15="http://schemas.microsoft.com/office/thememl/2012/main" xmlns="" name="Office Theme" id="{62F939B6-93AF-4DB8-9C6B-D6C7DFDC589F}" vid="{4A3C46E8-61CC-4603-A589-7422A47A8E4A}"/>
+      <thm15:themeFamily xmlns="" xmlns:thm15="http://schemas.microsoft.com/office/thememl/2012/main" name="Office Theme" id="{62F939B6-93AF-4DB8-9C6B-D6C7DFDC589F}" vid="{4A3C46E8-61CC-4603-A589-7422A47A8E4A}"/>
     </a:ext>
   </a:extLst>
 </a:theme>
@@ -46660,13 +46981,42 @@
   <a:extraClrSchemeLst/>
   <a:extLst>
     <a:ext uri="{05A4C25C-085E-4340-85A3-A5531E510DB2}">
-      <thm15:themeFamily xmlns:thm15="http://schemas.microsoft.com/office/thememl/2012/main" xmlns="" name="Office Theme" id="{2E142A2C-CD16-42D6-873A-C26D2A0506FA}" vid="{1BDDFF52-6CD6-40A5-AB3C-68EB2F1E4D0A}"/>
+      <thm15:themeFamily xmlns="" xmlns:thm15="http://schemas.microsoft.com/office/thememl/2012/main" name="Office Theme" id="{2E142A2C-CD16-42D6-873A-C26D2A0506FA}" vid="{1BDDFF52-6CD6-40A5-AB3C-68EB2F1E4D0A}"/>
     </a:ext>
   </a:extLst>
 </a:theme>
 </file>
 
 <file path=customXml/item1.xml><?xml version="1.0" encoding="utf-8"?>
+<?mso-contentType ?>
+<FormTemplates xmlns="http://schemas.microsoft.com/sharepoint/v3/contenttype/forms">
+  <Display>DocumentLibraryForm</Display>
+  <Edit>DocumentLibraryForm</Edit>
+  <New>DocumentLibraryForm</New>
+</FormTemplates>
+</file>
+
+<file path=customXml/item2.xml><?xml version="1.0" encoding="utf-8"?>
+<p:properties xmlns:p="http://schemas.microsoft.com/office/2006/metadata/properties" xmlns:xsi="http://www.w3.org/2001/XMLSchema-instance" xmlns:pc="http://schemas.microsoft.com/office/infopath/2007/PartnerControls">
+  <documentManagement>
+    <_ip_UnifiedCompliancePolicyUIAction xmlns="http://schemas.microsoft.com/sharepoint/v3" xsi:nil="true"/>
+    <Image xmlns="71af3243-3dd4-4a8d-8c0d-dd76da1f02a5">
+      <Url xsi:nil="true"/>
+      <Description xsi:nil="true"/>
+    </Image>
+    <Status xmlns="71af3243-3dd4-4a8d-8c0d-dd76da1f02a5">Not started</Status>
+    <Background xmlns="71af3243-3dd4-4a8d-8c0d-dd76da1f02a5">false</Background>
+    <_ip_UnifiedCompliancePolicyProperties xmlns="http://schemas.microsoft.com/sharepoint/v3" xsi:nil="true"/>
+    <ImageTagsTaxHTField xmlns="71af3243-3dd4-4a8d-8c0d-dd76da1f02a5">
+      <Terms xmlns="http://schemas.microsoft.com/office/infopath/2007/PartnerControls"/>
+    </ImageTagsTaxHTField>
+    <TaxCatchAll xmlns="230e9df3-be65-4c73-a93b-d1236ebd677e" xsi:nil="true"/>
+    <MediaServiceKeyPoints xmlns="71af3243-3dd4-4a8d-8c0d-dd76da1f02a5" xsi:nil="true"/>
+  </documentManagement>
+</p:properties>
+</file>
+
+<file path=customXml/item3.xml><?xml version="1.0" encoding="utf-8"?>
 <ct:contentTypeSchema xmlns:ct="http://schemas.microsoft.com/office/2006/metadata/contentType" xmlns:ma="http://schemas.microsoft.com/office/2006/metadata/properties/metaAttributes" ct:_="" ma:_="" ma:contentTypeName="Document" ma:contentTypeID="0x01010079F111ED35F8CC479449609E8A0923A6" ma:contentTypeVersion="28" ma:contentTypeDescription="Create a new document." ma:contentTypeScope="" ma:versionID="60f5a4f2d2b0abadcf532d48ebf9cb71">
   <xsd:schema xmlns:xsd="http://www.w3.org/2001/XMLSchema" xmlns:xs="http://www.w3.org/2001/XMLSchema" xmlns:p="http://schemas.microsoft.com/office/2006/metadata/properties" xmlns:ns1="http://schemas.microsoft.com/sharepoint/v3" xmlns:ns2="71af3243-3dd4-4a8d-8c0d-dd76da1f02a5" xmlns:ns3="16c05727-aa75-4e4a-9b5f-8a80a1165891" xmlns:ns4="230e9df3-be65-4c73-a93b-d1236ebd677e" targetNamespace="http://schemas.microsoft.com/office/2006/metadata/properties" ma:root="true" ma:fieldsID="7dd78129e6a1811f84807ad11c651531" ns1:_="" ns2:_="" ns3:_="" ns4:_="">
     <xsd:import namespace="http://schemas.microsoft.com/sharepoint/v3"/>
@@ -46978,36 +47328,27 @@
 </ct:contentTypeSchema>
 </file>
 
-<file path=customXml/item2.xml><?xml version="1.0" encoding="utf-8"?>
-<?mso-contentType ?>
-<FormTemplates xmlns="http://schemas.microsoft.com/sharepoint/v3/contenttype/forms">
-  <Display>DocumentLibraryForm</Display>
-  <Edit>DocumentLibraryForm</Edit>
-  <New>DocumentLibraryForm</New>
-</FormTemplates>
+<file path=customXml/itemProps1.xml><?xml version="1.0" encoding="utf-8"?>
+<ds:datastoreItem xmlns:ds="http://schemas.openxmlformats.org/officeDocument/2006/customXml" ds:itemID="{67FFD73E-D96B-4428-99CD-717A4897D3B4}">
+  <ds:schemaRefs>
+    <ds:schemaRef ds:uri="http://schemas.microsoft.com/sharepoint/v3/contenttype/forms"/>
+  </ds:schemaRefs>
+</ds:datastoreItem>
 </file>
 
-<file path=customXml/item3.xml><?xml version="1.0" encoding="utf-8"?>
-<p:properties xmlns:p="http://schemas.microsoft.com/office/2006/metadata/properties" xmlns:xsi="http://www.w3.org/2001/XMLSchema-instance" xmlns:pc="http://schemas.microsoft.com/office/infopath/2007/PartnerControls">
-  <documentManagement>
-    <_ip_UnifiedCompliancePolicyUIAction xmlns="http://schemas.microsoft.com/sharepoint/v3" xsi:nil="true"/>
-    <Image xmlns="71af3243-3dd4-4a8d-8c0d-dd76da1f02a5">
-      <Url xsi:nil="true"/>
-      <Description xsi:nil="true"/>
-    </Image>
-    <Status xmlns="71af3243-3dd4-4a8d-8c0d-dd76da1f02a5">Not started</Status>
-    <Background xmlns="71af3243-3dd4-4a8d-8c0d-dd76da1f02a5">false</Background>
-    <_ip_UnifiedCompliancePolicyProperties xmlns="http://schemas.microsoft.com/sharepoint/v3" xsi:nil="true"/>
-    <ImageTagsTaxHTField xmlns="71af3243-3dd4-4a8d-8c0d-dd76da1f02a5">
-      <Terms xmlns="http://schemas.microsoft.com/office/infopath/2007/PartnerControls"/>
-    </ImageTagsTaxHTField>
-    <TaxCatchAll xmlns="230e9df3-be65-4c73-a93b-d1236ebd677e" xsi:nil="true"/>
-    <MediaServiceKeyPoints xmlns="71af3243-3dd4-4a8d-8c0d-dd76da1f02a5" xsi:nil="true"/>
-  </documentManagement>
-</p:properties>
+<file path=customXml/itemProps2.xml><?xml version="1.0" encoding="utf-8"?>
+<ds:datastoreItem xmlns:ds="http://schemas.openxmlformats.org/officeDocument/2006/customXml" ds:itemID="{A3165DE6-2DCE-44FC-94B7-A499559DBF88}">
+  <ds:schemaRefs>
+    <ds:schemaRef ds:uri="http://schemas.microsoft.com/office/2006/metadata/properties"/>
+    <ds:schemaRef ds:uri="http://schemas.microsoft.com/office/infopath/2007/PartnerControls"/>
+    <ds:schemaRef ds:uri="http://schemas.microsoft.com/sharepoint/v3"/>
+    <ds:schemaRef ds:uri="71af3243-3dd4-4a8d-8c0d-dd76da1f02a5"/>
+    <ds:schemaRef ds:uri="230e9df3-be65-4c73-a93b-d1236ebd677e"/>
+  </ds:schemaRefs>
+</ds:datastoreItem>
 </file>
 
-<file path=customXml/itemProps1.xml><?xml version="1.0" encoding="utf-8"?>
+<file path=customXml/itemProps3.xml><?xml version="1.0" encoding="utf-8"?>
 <ds:datastoreItem xmlns:ds="http://schemas.openxmlformats.org/officeDocument/2006/customXml" ds:itemID="{1285E733-8340-4FDD-A6FC-B22F1B75E4E2}">
   <ds:schemaRefs>
     <ds:schemaRef ds:uri="http://schemas.microsoft.com/office/2006/metadata/contentType"/>
@@ -47028,26 +47369,6 @@
 </ds:datastoreItem>
 </file>
 
-<file path=customXml/itemProps2.xml><?xml version="1.0" encoding="utf-8"?>
-<ds:datastoreItem xmlns:ds="http://schemas.openxmlformats.org/officeDocument/2006/customXml" ds:itemID="{67FFD73E-D96B-4428-99CD-717A4897D3B4}">
-  <ds:schemaRefs>
-    <ds:schemaRef ds:uri="http://schemas.microsoft.com/sharepoint/v3/contenttype/forms"/>
-  </ds:schemaRefs>
-</ds:datastoreItem>
-</file>
-
-<file path=customXml/itemProps3.xml><?xml version="1.0" encoding="utf-8"?>
-<ds:datastoreItem xmlns:ds="http://schemas.openxmlformats.org/officeDocument/2006/customXml" ds:itemID="{A3165DE6-2DCE-44FC-94B7-A499559DBF88}">
-  <ds:schemaRefs>
-    <ds:schemaRef ds:uri="http://schemas.microsoft.com/office/2006/metadata/properties"/>
-    <ds:schemaRef ds:uri="http://schemas.microsoft.com/office/infopath/2007/PartnerControls"/>
-    <ds:schemaRef ds:uri="http://schemas.microsoft.com/sharepoint/v3"/>
-    <ds:schemaRef ds:uri="71af3243-3dd4-4a8d-8c0d-dd76da1f02a5"/>
-    <ds:schemaRef ds:uri="230e9df3-be65-4c73-a93b-d1236ebd677e"/>
-  </ds:schemaRefs>
-</ds:datastoreItem>
-</file>
-
 <file path=docMetadata/LabelInfo.xml><?xml version="1.0" encoding="utf-8"?>
 <clbl:labelList xmlns:clbl="http://schemas.microsoft.com/office/2020/mipLabelMetadata"/>
 </file>
--- a/Presentations/IUAC-2024/Introduction_to_Large_Language_Models-From_Foundation_to_Real_World_Applications.pptx
+++ b/Presentations/IUAC-2024/Introduction_to_Large_Language_Models-From_Foundation_to_Real_World_Applications.pptx
@@ -5,10 +5,10 @@
     <p:sldMasterId id="2147483648" r:id="rId4"/>
   </p:sldMasterIdLst>
   <p:notesMasterIdLst>
-    <p:notesMasterId r:id="rId69"/>
+    <p:notesMasterId r:id="rId70"/>
   </p:notesMasterIdLst>
   <p:handoutMasterIdLst>
-    <p:handoutMasterId r:id="rId70"/>
+    <p:handoutMasterId r:id="rId71"/>
   </p:handoutMasterIdLst>
   <p:sldIdLst>
     <p:sldId id="256" r:id="rId5"/>
@@ -69,12 +69,13 @@
     <p:sldId id="3937" r:id="rId60"/>
     <p:sldId id="3938" r:id="rId61"/>
     <p:sldId id="3939" r:id="rId62"/>
-    <p:sldId id="3932" r:id="rId63"/>
-    <p:sldId id="3933" r:id="rId64"/>
-    <p:sldId id="3930" r:id="rId65"/>
-    <p:sldId id="3940" r:id="rId66"/>
-    <p:sldId id="3850" r:id="rId67"/>
-    <p:sldId id="265" r:id="rId68"/>
+    <p:sldId id="3941" r:id="rId63"/>
+    <p:sldId id="3932" r:id="rId64"/>
+    <p:sldId id="3933" r:id="rId65"/>
+    <p:sldId id="3930" r:id="rId66"/>
+    <p:sldId id="3940" r:id="rId67"/>
+    <p:sldId id="3850" r:id="rId68"/>
+    <p:sldId id="265" r:id="rId69"/>
   </p:sldIdLst>
   <p:sldSz cx="9144000" cy="5143500" type="screen16x9"/>
   <p:notesSz cx="6858000" cy="9144000"/>
@@ -5899,7 +5900,7 @@
     </p:spTree>
     <p:extLst>
       <p:ext uri="{BB962C8B-B14F-4D97-AF65-F5344CB8AC3E}">
-        <p14:creationId xmlns="" xmlns:p14="http://schemas.microsoft.com/office/powerpoint/2010/main" val="2840793627"/>
+        <p14:creationId xmlns="" xmlns:p14="http://schemas.microsoft.com/office/powerpoint/2010/main" val="737681818"/>
       </p:ext>
     </p:extLst>
   </p:cSld>
@@ -5984,7 +5985,7 @@
     </p:spTree>
     <p:extLst>
       <p:ext uri="{BB962C8B-B14F-4D97-AF65-F5344CB8AC3E}">
-        <p14:creationId xmlns="" xmlns:p14="http://schemas.microsoft.com/office/powerpoint/2010/main" val="737681818"/>
+        <p14:creationId xmlns="" xmlns:p14="http://schemas.microsoft.com/office/powerpoint/2010/main" val="2840793627"/>
       </p:ext>
     </p:extLst>
   </p:cSld>
@@ -6069,7 +6070,7 @@
     </p:spTree>
     <p:extLst>
       <p:ext uri="{BB962C8B-B14F-4D97-AF65-F5344CB8AC3E}">
-        <p14:creationId xmlns="" xmlns:p14="http://schemas.microsoft.com/office/powerpoint/2010/main" val="3522538323"/>
+        <p14:creationId xmlns="" xmlns:p14="http://schemas.microsoft.com/office/powerpoint/2010/main" val="737681818"/>
       </p:ext>
     </p:extLst>
   </p:cSld>
@@ -6146,6 +6147,91 @@
               <a:rPr lang="en-US" smtClean="0"/>
               <a:pPr/>
               <a:t>64</a:t>
+            </a:fld>
+            <a:endParaRPr lang="en-US" dirty="0"/>
+          </a:p>
+        </p:txBody>
+      </p:sp>
+    </p:spTree>
+    <p:extLst>
+      <p:ext uri="{BB962C8B-B14F-4D97-AF65-F5344CB8AC3E}">
+        <p14:creationId xmlns="" xmlns:p14="http://schemas.microsoft.com/office/powerpoint/2010/main" val="3522538323"/>
+      </p:ext>
+    </p:extLst>
+  </p:cSld>
+  <p:clrMapOvr>
+    <a:masterClrMapping/>
+  </p:clrMapOvr>
+</p:notes>
+</file>
+
+<file path=ppt/notesSlides/notesSlide65.xml><?xml version="1.0" encoding="utf-8"?>
+<p:notes xmlns:a="http://schemas.openxmlformats.org/drawingml/2006/main" xmlns:r="http://schemas.openxmlformats.org/officeDocument/2006/relationships" xmlns:p="http://schemas.openxmlformats.org/presentationml/2006/main">
+  <p:cSld>
+    <p:spTree>
+      <p:nvGrpSpPr>
+        <p:cNvPr id="1" name=""/>
+        <p:cNvGrpSpPr/>
+        <p:nvPr/>
+      </p:nvGrpSpPr>
+      <p:grpSpPr>
+        <a:xfrm>
+          <a:off x="0" y="0"/>
+          <a:ext cx="0" cy="0"/>
+          <a:chOff x="0" y="0"/>
+          <a:chExt cx="0" cy="0"/>
+        </a:xfrm>
+      </p:grpSpPr>
+      <p:sp>
+        <p:nvSpPr>
+          <p:cNvPr id="2" name="Slide Image Placeholder 1"/>
+          <p:cNvSpPr>
+            <a:spLocks noGrp="1" noRot="1" noChangeAspect="1"/>
+          </p:cNvSpPr>
+          <p:nvPr>
+            <p:ph type="sldImg"/>
+          </p:nvPr>
+        </p:nvSpPr>
+        <p:spPr/>
+      </p:sp>
+      <p:sp>
+        <p:nvSpPr>
+          <p:cNvPr id="3" name="Notes Placeholder 2"/>
+          <p:cNvSpPr>
+            <a:spLocks noGrp="1"/>
+          </p:cNvSpPr>
+          <p:nvPr>
+            <p:ph type="body" idx="1"/>
+          </p:nvPr>
+        </p:nvSpPr>
+        <p:spPr/>
+        <p:txBody>
+          <a:bodyPr/>
+          <a:lstStyle/>
+          <a:p>
+            <a:endParaRPr lang="en-US" dirty="0"/>
+          </a:p>
+        </p:txBody>
+      </p:sp>
+      <p:sp>
+        <p:nvSpPr>
+          <p:cNvPr id="4" name="Slide Number Placeholder 3"/>
+          <p:cNvSpPr>
+            <a:spLocks noGrp="1"/>
+          </p:cNvSpPr>
+          <p:nvPr>
+            <p:ph type="sldNum" sz="quarter" idx="5"/>
+          </p:nvPr>
+        </p:nvSpPr>
+        <p:spPr/>
+        <p:txBody>
+          <a:bodyPr/>
+          <a:lstStyle/>
+          <a:p>
+            <a:fld id="{8B57D50D-BAA9-464B-B391-243138E078D8}" type="slidenum">
+              <a:rPr lang="en-US" smtClean="0"/>
+              <a:pPr/>
+              <a:t>65</a:t>
             </a:fld>
             <a:endParaRPr lang="en-US" dirty="0"/>
           </a:p>
@@ -43106,12 +43192,8 @@
           <a:lstStyle/>
           <a:p>
             <a:r>
-              <a:rPr lang="en-US" dirty="0"/>
-              <a:t>Retrieval Augmented </a:t>
-            </a:r>
-            <a:r>
               <a:rPr lang="en-US" dirty="0" smtClean="0"/>
-              <a:t>Generation – Evaluation</a:t>
+              <a:t>Reinforcement Learning</a:t>
             </a:r>
             <a:endParaRPr lang="en-US" dirty="0">
               <a:solidFill>
@@ -43168,7 +43250,7 @@
             </a:pPr>
             <a:r>
               <a:rPr lang="en-IN" sz="2000" dirty="0" smtClean="0"/>
-              <a:t>Ground Truth (GT) by Human </a:t>
+              <a:t>Playout or Rollout</a:t>
             </a:r>
           </a:p>
           <a:p>
@@ -43185,24 +43267,7 @@
             </a:pPr>
             <a:r>
               <a:rPr lang="en-IN" sz="2000" dirty="0" smtClean="0"/>
-              <a:t>Character based evaluation</a:t>
-            </a:r>
-          </a:p>
-          <a:p>
-            <a:pPr marL="514350" lvl="2">
-              <a:spcBef>
-                <a:spcPts val="750"/>
-              </a:spcBef>
-              <a:spcAft>
-                <a:spcPts val="600"/>
-              </a:spcAft>
-              <a:buClr>
-                <a:schemeClr val="accent2"/>
-              </a:buClr>
-            </a:pPr>
-            <a:r>
-              <a:rPr lang="en-IN" sz="1700" dirty="0" smtClean="0"/>
-              <a:t>Edit distance</a:t>
+              <a:t>Exploration </a:t>
             </a:r>
           </a:p>
           <a:p>
@@ -43219,26 +43284,8 @@
             </a:pPr>
             <a:r>
               <a:rPr lang="en-IN" sz="2000" dirty="0" smtClean="0"/>
-              <a:t>Word based evaluation</a:t>
-            </a:r>
-          </a:p>
-          <a:p>
-            <a:pPr marL="514350" lvl="2">
-              <a:spcBef>
-                <a:spcPts val="750"/>
-              </a:spcBef>
-              <a:spcAft>
-                <a:spcPts val="600"/>
-              </a:spcAft>
-              <a:buClr>
-                <a:schemeClr val="accent2"/>
-              </a:buClr>
-            </a:pPr>
-            <a:r>
-              <a:rPr lang="en-IN" sz="1700" dirty="0" smtClean="0"/>
-              <a:t>WER, BLEU</a:t>
-            </a:r>
-            <a:endParaRPr lang="en-IN" sz="1700" dirty="0"/>
+              <a:t>Exploitation</a:t>
+            </a:r>
           </a:p>
           <a:p>
             <a:pPr marL="171450" lvl="1">
@@ -43254,191 +43301,9 @@
             </a:pPr>
             <a:r>
               <a:rPr lang="en-IN" sz="2000" dirty="0" smtClean="0"/>
-              <a:t>Embedding based evaluation</a:t>
-            </a:r>
-          </a:p>
-          <a:p>
-            <a:pPr marL="514350" lvl="2">
-              <a:spcBef>
-                <a:spcPts val="750"/>
-              </a:spcBef>
-              <a:spcAft>
-                <a:spcPts val="600"/>
-              </a:spcAft>
-              <a:buClr>
-                <a:schemeClr val="accent2"/>
-              </a:buClr>
-            </a:pPr>
-            <a:r>
-              <a:rPr lang="en-IN" sz="1700" dirty="0" smtClean="0"/>
-              <a:t>BERT score, Mover score</a:t>
-            </a:r>
-          </a:p>
-        </p:txBody>
-      </p:sp>
-      <p:sp>
-        <p:nvSpPr>
-          <p:cNvPr id="4" name="Content Placeholder 2">
-            <a:extLst>
-              <a:ext uri="{FF2B5EF4-FFF2-40B4-BE49-F238E27FC236}">
-                <a16:creationId xmlns="" xmlns:a16="http://schemas.microsoft.com/office/drawing/2014/main" id="{A6A33159-D030-2F82-A142-F75940728319}"/>
-              </a:ext>
-            </a:extLst>
-          </p:cNvPr>
-          <p:cNvSpPr>
-            <a:spLocks noGrp="1"/>
-          </p:cNvSpPr>
-          <p:nvPr>
-            <p:ph sz="quarter" idx="4294967295"/>
-          </p:nvPr>
-        </p:nvSpPr>
-        <p:spPr>
-          <a:xfrm>
-            <a:off x="4513634" y="1378574"/>
-            <a:ext cx="3982665" cy="3213667"/>
-          </a:xfrm>
-          <a:prstGeom prst="rect">
-            <a:avLst/>
-          </a:prstGeom>
-          <a:noFill/>
-        </p:spPr>
-        <p:txBody>
-          <a:bodyPr vert="horz" lIns="68580" tIns="34290" rIns="68580" bIns="34290" rtlCol="0" anchor="t">
-            <a:normAutofit/>
-          </a:bodyPr>
-          <a:lstStyle/>
-          <a:p>
-            <a:pPr marL="171450" lvl="1">
-              <a:spcBef>
-                <a:spcPts val="750"/>
-              </a:spcBef>
-              <a:spcAft>
-                <a:spcPts val="600"/>
-              </a:spcAft>
-              <a:buClr>
-                <a:schemeClr val="accent2"/>
-              </a:buClr>
-            </a:pPr>
-            <a:r>
-              <a:rPr lang="en-IN" sz="2000" dirty="0" smtClean="0"/>
-              <a:t>Ground Truth (GT) by LLM </a:t>
-            </a:r>
-          </a:p>
-          <a:p>
-            <a:pPr marL="171450" lvl="1">
-              <a:spcBef>
-                <a:spcPts val="750"/>
-              </a:spcBef>
-              <a:spcAft>
-                <a:spcPts val="600"/>
-              </a:spcAft>
-              <a:buClr>
-                <a:schemeClr val="accent2"/>
-              </a:buClr>
-            </a:pPr>
-            <a:r>
-              <a:rPr lang="en-IN" sz="2000" dirty="0" smtClean="0"/>
-              <a:t>Mathematical Framework</a:t>
-            </a:r>
-          </a:p>
-          <a:p>
-            <a:pPr marL="514350" lvl="2">
-              <a:spcBef>
-                <a:spcPts val="750"/>
-              </a:spcBef>
-              <a:spcAft>
-                <a:spcPts val="600"/>
-              </a:spcAft>
-              <a:buClr>
-                <a:schemeClr val="accent2"/>
-              </a:buClr>
-            </a:pPr>
-            <a:r>
-              <a:rPr lang="en-IN" sz="1700" dirty="0" smtClean="0"/>
-              <a:t>RAGAS framework</a:t>
-            </a:r>
-          </a:p>
-          <a:p>
-            <a:pPr marL="171450" lvl="1">
-              <a:spcBef>
-                <a:spcPts val="750"/>
-              </a:spcBef>
-              <a:spcAft>
-                <a:spcPts val="600"/>
-              </a:spcAft>
-              <a:buClr>
-                <a:schemeClr val="accent2"/>
-              </a:buClr>
-            </a:pPr>
-            <a:r>
-              <a:rPr lang="en-IN" sz="2000" dirty="0" smtClean="0"/>
-              <a:t>Experimental based Framework</a:t>
-            </a:r>
-          </a:p>
-          <a:p>
-            <a:pPr marL="514350" lvl="2">
-              <a:spcBef>
-                <a:spcPts val="750"/>
-              </a:spcBef>
-              <a:spcAft>
-                <a:spcPts val="600"/>
-              </a:spcAft>
-              <a:buClr>
-                <a:schemeClr val="accent2"/>
-              </a:buClr>
-            </a:pPr>
-            <a:r>
-              <a:rPr lang="en-IN" sz="1700" dirty="0" smtClean="0"/>
-              <a:t>Number of tasks and datasets </a:t>
-            </a:r>
-          </a:p>
-          <a:p>
-            <a:pPr marL="514350" lvl="2">
-              <a:spcBef>
-                <a:spcPts val="750"/>
-              </a:spcBef>
-              <a:spcAft>
-                <a:spcPts val="600"/>
-              </a:spcAft>
-              <a:buClr>
-                <a:schemeClr val="accent2"/>
-              </a:buClr>
-            </a:pPr>
-            <a:r>
-              <a:rPr lang="en-IN" sz="1700" dirty="0" smtClean="0"/>
-              <a:t>Number of aspects</a:t>
-            </a:r>
-          </a:p>
-          <a:p>
-            <a:pPr marL="514350" lvl="2">
-              <a:spcBef>
-                <a:spcPts val="750"/>
-              </a:spcBef>
-              <a:spcAft>
-                <a:spcPts val="600"/>
-              </a:spcAft>
-              <a:buClr>
-                <a:schemeClr val="accent2"/>
-              </a:buClr>
-            </a:pPr>
-            <a:r>
-              <a:rPr lang="en-IN" sz="1700" dirty="0" smtClean="0"/>
-              <a:t>GPT score</a:t>
-            </a:r>
-          </a:p>
-          <a:p>
-            <a:pPr marL="514350" lvl="2">
-              <a:spcBef>
-                <a:spcPts val="750"/>
-              </a:spcBef>
-              <a:spcAft>
-                <a:spcPts val="600"/>
-              </a:spcAft>
-              <a:buClr>
-                <a:schemeClr val="accent2"/>
-              </a:buClr>
-            </a:pPr>
-            <a:endParaRPr lang="en-IN" sz="1700" dirty="0"/>
+              <a:t>Reward hacking</a:t>
+            </a:r>
+            <a:endParaRPr lang="en-IN" sz="1700" dirty="0" smtClean="0"/>
           </a:p>
         </p:txBody>
       </p:sp>
@@ -43891,6 +43756,400 @@
           <a:lstStyle/>
           <a:p>
             <a:r>
+              <a:rPr lang="en-US" dirty="0"/>
+              <a:t>Retrieval Augmented </a:t>
+            </a:r>
+            <a:r>
+              <a:rPr lang="en-US" dirty="0" smtClean="0"/>
+              <a:t>Generation – Evaluation</a:t>
+            </a:r>
+            <a:endParaRPr lang="en-US" dirty="0">
+              <a:solidFill>
+                <a:schemeClr val="accent2">
+                  <a:lumMod val="50000"/>
+                </a:schemeClr>
+              </a:solidFill>
+            </a:endParaRPr>
+          </a:p>
+        </p:txBody>
+      </p:sp>
+      <p:sp>
+        <p:nvSpPr>
+          <p:cNvPr id="5" name="Content Placeholder 2">
+            <a:extLst>
+              <a:ext uri="{FF2B5EF4-FFF2-40B4-BE49-F238E27FC236}">
+                <a16:creationId xmlns="" xmlns:a16="http://schemas.microsoft.com/office/drawing/2014/main" id="{A6A33159-D030-2F82-A142-F75940728319}"/>
+              </a:ext>
+            </a:extLst>
+          </p:cNvPr>
+          <p:cNvSpPr>
+            <a:spLocks noGrp="1"/>
+          </p:cNvSpPr>
+          <p:nvPr>
+            <p:ph sz="quarter" idx="4294967295"/>
+          </p:nvPr>
+        </p:nvSpPr>
+        <p:spPr>
+          <a:xfrm>
+            <a:off x="628650" y="1378574"/>
+            <a:ext cx="3761767" cy="3213667"/>
+          </a:xfrm>
+          <a:prstGeom prst="rect">
+            <a:avLst/>
+          </a:prstGeom>
+          <a:noFill/>
+        </p:spPr>
+        <p:txBody>
+          <a:bodyPr vert="horz" lIns="68580" tIns="34290" rIns="68580" bIns="34290" rtlCol="0" anchor="t">
+            <a:normAutofit/>
+          </a:bodyPr>
+          <a:lstStyle/>
+          <a:p>
+            <a:pPr marL="171450" lvl="1">
+              <a:spcBef>
+                <a:spcPts val="750"/>
+              </a:spcBef>
+              <a:spcAft>
+                <a:spcPts val="600"/>
+              </a:spcAft>
+              <a:buClr>
+                <a:schemeClr val="accent2"/>
+              </a:buClr>
+            </a:pPr>
+            <a:r>
+              <a:rPr lang="en-IN" sz="2000" dirty="0" smtClean="0"/>
+              <a:t>Ground Truth (GT) by Human </a:t>
+            </a:r>
+          </a:p>
+          <a:p>
+            <a:pPr marL="171450" lvl="1">
+              <a:spcBef>
+                <a:spcPts val="750"/>
+              </a:spcBef>
+              <a:spcAft>
+                <a:spcPts val="600"/>
+              </a:spcAft>
+              <a:buClr>
+                <a:schemeClr val="accent2"/>
+              </a:buClr>
+            </a:pPr>
+            <a:r>
+              <a:rPr lang="en-IN" sz="2000" dirty="0" smtClean="0"/>
+              <a:t>Character based evaluation</a:t>
+            </a:r>
+          </a:p>
+          <a:p>
+            <a:pPr marL="514350" lvl="2">
+              <a:spcBef>
+                <a:spcPts val="750"/>
+              </a:spcBef>
+              <a:spcAft>
+                <a:spcPts val="600"/>
+              </a:spcAft>
+              <a:buClr>
+                <a:schemeClr val="accent2"/>
+              </a:buClr>
+            </a:pPr>
+            <a:r>
+              <a:rPr lang="en-IN" sz="1700" dirty="0" smtClean="0"/>
+              <a:t>Edit distance</a:t>
+            </a:r>
+          </a:p>
+          <a:p>
+            <a:pPr marL="171450" lvl="1">
+              <a:spcBef>
+                <a:spcPts val="750"/>
+              </a:spcBef>
+              <a:spcAft>
+                <a:spcPts val="600"/>
+              </a:spcAft>
+              <a:buClr>
+                <a:schemeClr val="accent2"/>
+              </a:buClr>
+            </a:pPr>
+            <a:r>
+              <a:rPr lang="en-IN" sz="2000" dirty="0" smtClean="0"/>
+              <a:t>Word based evaluation</a:t>
+            </a:r>
+          </a:p>
+          <a:p>
+            <a:pPr marL="514350" lvl="2">
+              <a:spcBef>
+                <a:spcPts val="750"/>
+              </a:spcBef>
+              <a:spcAft>
+                <a:spcPts val="600"/>
+              </a:spcAft>
+              <a:buClr>
+                <a:schemeClr val="accent2"/>
+              </a:buClr>
+            </a:pPr>
+            <a:r>
+              <a:rPr lang="en-IN" sz="1700" dirty="0" smtClean="0"/>
+              <a:t>WER, BLEU</a:t>
+            </a:r>
+            <a:endParaRPr lang="en-IN" sz="1700" dirty="0"/>
+          </a:p>
+          <a:p>
+            <a:pPr marL="171450" lvl="1">
+              <a:spcBef>
+                <a:spcPts val="750"/>
+              </a:spcBef>
+              <a:spcAft>
+                <a:spcPts val="600"/>
+              </a:spcAft>
+              <a:buClr>
+                <a:schemeClr val="accent2"/>
+              </a:buClr>
+            </a:pPr>
+            <a:r>
+              <a:rPr lang="en-IN" sz="2000" dirty="0" smtClean="0"/>
+              <a:t>Embedding based evaluation</a:t>
+            </a:r>
+          </a:p>
+          <a:p>
+            <a:pPr marL="514350" lvl="2">
+              <a:spcBef>
+                <a:spcPts val="750"/>
+              </a:spcBef>
+              <a:spcAft>
+                <a:spcPts val="600"/>
+              </a:spcAft>
+              <a:buClr>
+                <a:schemeClr val="accent2"/>
+              </a:buClr>
+            </a:pPr>
+            <a:r>
+              <a:rPr lang="en-IN" sz="1700" dirty="0" smtClean="0"/>
+              <a:t>BERT score, Mover score</a:t>
+            </a:r>
+          </a:p>
+        </p:txBody>
+      </p:sp>
+      <p:sp>
+        <p:nvSpPr>
+          <p:cNvPr id="4" name="Content Placeholder 2">
+            <a:extLst>
+              <a:ext uri="{FF2B5EF4-FFF2-40B4-BE49-F238E27FC236}">
+                <a16:creationId xmlns="" xmlns:a16="http://schemas.microsoft.com/office/drawing/2014/main" id="{A6A33159-D030-2F82-A142-F75940728319}"/>
+              </a:ext>
+            </a:extLst>
+          </p:cNvPr>
+          <p:cNvSpPr>
+            <a:spLocks noGrp="1"/>
+          </p:cNvSpPr>
+          <p:nvPr>
+            <p:ph sz="quarter" idx="4294967295"/>
+          </p:nvPr>
+        </p:nvSpPr>
+        <p:spPr>
+          <a:xfrm>
+            <a:off x="4513634" y="1378574"/>
+            <a:ext cx="3982665" cy="3213667"/>
+          </a:xfrm>
+          <a:prstGeom prst="rect">
+            <a:avLst/>
+          </a:prstGeom>
+          <a:noFill/>
+        </p:spPr>
+        <p:txBody>
+          <a:bodyPr vert="horz" lIns="68580" tIns="34290" rIns="68580" bIns="34290" rtlCol="0" anchor="t">
+            <a:normAutofit/>
+          </a:bodyPr>
+          <a:lstStyle/>
+          <a:p>
+            <a:pPr marL="171450" lvl="1">
+              <a:spcBef>
+                <a:spcPts val="750"/>
+              </a:spcBef>
+              <a:spcAft>
+                <a:spcPts val="600"/>
+              </a:spcAft>
+              <a:buClr>
+                <a:schemeClr val="accent2"/>
+              </a:buClr>
+            </a:pPr>
+            <a:r>
+              <a:rPr lang="en-IN" sz="2000" dirty="0" smtClean="0"/>
+              <a:t>Ground Truth (GT) by LLM </a:t>
+            </a:r>
+          </a:p>
+          <a:p>
+            <a:pPr marL="171450" lvl="1">
+              <a:spcBef>
+                <a:spcPts val="750"/>
+              </a:spcBef>
+              <a:spcAft>
+                <a:spcPts val="600"/>
+              </a:spcAft>
+              <a:buClr>
+                <a:schemeClr val="accent2"/>
+              </a:buClr>
+            </a:pPr>
+            <a:r>
+              <a:rPr lang="en-IN" sz="2000" dirty="0" smtClean="0"/>
+              <a:t>Mathematical Framework</a:t>
+            </a:r>
+          </a:p>
+          <a:p>
+            <a:pPr marL="514350" lvl="2">
+              <a:spcBef>
+                <a:spcPts val="750"/>
+              </a:spcBef>
+              <a:spcAft>
+                <a:spcPts val="600"/>
+              </a:spcAft>
+              <a:buClr>
+                <a:schemeClr val="accent2"/>
+              </a:buClr>
+            </a:pPr>
+            <a:r>
+              <a:rPr lang="en-IN" sz="1700" dirty="0" smtClean="0"/>
+              <a:t>RAGAS framework</a:t>
+            </a:r>
+          </a:p>
+          <a:p>
+            <a:pPr marL="171450" lvl="1">
+              <a:spcBef>
+                <a:spcPts val="750"/>
+              </a:spcBef>
+              <a:spcAft>
+                <a:spcPts val="600"/>
+              </a:spcAft>
+              <a:buClr>
+                <a:schemeClr val="accent2"/>
+              </a:buClr>
+            </a:pPr>
+            <a:r>
+              <a:rPr lang="en-IN" sz="2000" dirty="0" smtClean="0"/>
+              <a:t>Experimental based Framework</a:t>
+            </a:r>
+          </a:p>
+          <a:p>
+            <a:pPr marL="514350" lvl="2">
+              <a:spcBef>
+                <a:spcPts val="750"/>
+              </a:spcBef>
+              <a:spcAft>
+                <a:spcPts val="600"/>
+              </a:spcAft>
+              <a:buClr>
+                <a:schemeClr val="accent2"/>
+              </a:buClr>
+            </a:pPr>
+            <a:r>
+              <a:rPr lang="en-IN" sz="1700" dirty="0" smtClean="0"/>
+              <a:t>Number of tasks and datasets </a:t>
+            </a:r>
+          </a:p>
+          <a:p>
+            <a:pPr marL="514350" lvl="2">
+              <a:spcBef>
+                <a:spcPts val="750"/>
+              </a:spcBef>
+              <a:spcAft>
+                <a:spcPts val="600"/>
+              </a:spcAft>
+              <a:buClr>
+                <a:schemeClr val="accent2"/>
+              </a:buClr>
+            </a:pPr>
+            <a:r>
+              <a:rPr lang="en-IN" sz="1700" dirty="0" smtClean="0"/>
+              <a:t>Number of aspects</a:t>
+            </a:r>
+          </a:p>
+          <a:p>
+            <a:pPr marL="514350" lvl="2">
+              <a:spcBef>
+                <a:spcPts val="750"/>
+              </a:spcBef>
+              <a:spcAft>
+                <a:spcPts val="600"/>
+              </a:spcAft>
+              <a:buClr>
+                <a:schemeClr val="accent2"/>
+              </a:buClr>
+            </a:pPr>
+            <a:r>
+              <a:rPr lang="en-IN" sz="1700" dirty="0" smtClean="0"/>
+              <a:t>GPT score</a:t>
+            </a:r>
+          </a:p>
+          <a:p>
+            <a:pPr marL="514350" lvl="2">
+              <a:spcBef>
+                <a:spcPts val="750"/>
+              </a:spcBef>
+              <a:spcAft>
+                <a:spcPts val="600"/>
+              </a:spcAft>
+              <a:buClr>
+                <a:schemeClr val="accent2"/>
+              </a:buClr>
+            </a:pPr>
+            <a:endParaRPr lang="en-IN" sz="1700" dirty="0"/>
+          </a:p>
+        </p:txBody>
+      </p:sp>
+    </p:spTree>
+    <p:extLst>
+      <p:ext uri="{BB962C8B-B14F-4D97-AF65-F5344CB8AC3E}">
+        <p14:creationId xmlns="" xmlns:p14="http://schemas.microsoft.com/office/powerpoint/2010/main" val="414613742"/>
+      </p:ext>
+    </p:extLst>
+  </p:cSld>
+  <p:clrMapOvr>
+    <a:masterClrMapping/>
+  </p:clrMapOvr>
+</p:sld>
+</file>
+
+<file path=ppt/slides/slide61.xml><?xml version="1.0" encoding="utf-8"?>
+<p:sld xmlns:a="http://schemas.openxmlformats.org/drawingml/2006/main" xmlns:r="http://schemas.openxmlformats.org/officeDocument/2006/relationships" xmlns:p="http://schemas.openxmlformats.org/presentationml/2006/main">
+  <p:cSld>
+    <p:spTree>
+      <p:nvGrpSpPr>
+        <p:cNvPr id="1" name=""/>
+        <p:cNvGrpSpPr/>
+        <p:nvPr/>
+      </p:nvGrpSpPr>
+      <p:grpSpPr>
+        <a:xfrm>
+          <a:off x="0" y="0"/>
+          <a:ext cx="0" cy="0"/>
+          <a:chOff x="0" y="0"/>
+          <a:chExt cx="0" cy="0"/>
+        </a:xfrm>
+      </p:grpSpPr>
+      <p:sp>
+        <p:nvSpPr>
+          <p:cNvPr id="8" name="Title 1">
+            <a:extLst>
+              <a:ext uri="{FF2B5EF4-FFF2-40B4-BE49-F238E27FC236}">
+                <a16:creationId xmlns="" xmlns:a16="http://schemas.microsoft.com/office/drawing/2014/main" id="{47A9874B-BCA9-8420-1595-EDD1865A099A}"/>
+              </a:ext>
+            </a:extLst>
+          </p:cNvPr>
+          <p:cNvSpPr>
+            <a:spLocks noGrp="1"/>
+          </p:cNvSpPr>
+          <p:nvPr>
+            <p:ph type="title"/>
+          </p:nvPr>
+        </p:nvSpPr>
+        <p:spPr>
+          <a:xfrm>
+            <a:off x="628650" y="273844"/>
+            <a:ext cx="7886700" cy="994172"/>
+          </a:xfrm>
+          <a:noFill/>
+        </p:spPr>
+        <p:txBody>
+          <a:bodyPr anchor="ctr"/>
+          <a:lstStyle/>
+          <a:p>
+            <a:r>
               <a:rPr lang="en-US" dirty="0" smtClean="0"/>
               <a:t>Knowledge Distillation</a:t>
             </a:r>
@@ -44223,7 +44482,7 @@
 </p:sld>
 </file>
 
-<file path=ppt/slides/slide61.xml><?xml version="1.0" encoding="utf-8"?>
+<file path=ppt/slides/slide62.xml><?xml version="1.0" encoding="utf-8"?>
 <p:sld xmlns:a="http://schemas.openxmlformats.org/drawingml/2006/main" xmlns:r="http://schemas.openxmlformats.org/officeDocument/2006/relationships" xmlns:p="http://schemas.openxmlformats.org/presentationml/2006/main">
   <p:cSld>
     <p:spTree>
@@ -44898,7 +45157,7 @@
 </p:sld>
 </file>
 
-<file path=ppt/slides/slide62.xml><?xml version="1.0" encoding="utf-8"?>
+<file path=ppt/slides/slide63.xml><?xml version="1.0" encoding="utf-8"?>
 <p:sld xmlns:a="http://schemas.openxmlformats.org/drawingml/2006/main" xmlns:r="http://schemas.openxmlformats.org/officeDocument/2006/relationships" xmlns:p="http://schemas.openxmlformats.org/presentationml/2006/main">
   <p:cSld>
     <p:spTree>
@@ -45168,7 +45427,7 @@
 </p:sld>
 </file>
 
-<file path=ppt/slides/slide63.xml><?xml version="1.0" encoding="utf-8"?>
+<file path=ppt/slides/slide64.xml><?xml version="1.0" encoding="utf-8"?>
 <p:sld xmlns:a="http://schemas.openxmlformats.org/drawingml/2006/main" xmlns:r="http://schemas.openxmlformats.org/officeDocument/2006/relationships" xmlns:p="http://schemas.openxmlformats.org/presentationml/2006/main">
   <p:cSld>
     <p:spTree>
@@ -45198,7 +45457,7 @@
 </p:sld>
 </file>
 
-<file path=ppt/slides/slide64.xml><?xml version="1.0" encoding="utf-8"?>
+<file path=ppt/slides/slide65.xml><?xml version="1.0" encoding="utf-8"?>
 <p:sld xmlns:a="http://schemas.openxmlformats.org/drawingml/2006/main" xmlns:r="http://schemas.openxmlformats.org/officeDocument/2006/relationships" xmlns:p="http://schemas.openxmlformats.org/presentationml/2006/main">
   <p:cSld>
     <p:spTree>

--- a/Presentations/IUAC-2024/Introduction_to_Large_Language_Models-From_Foundation_to_Real_World_Applications.pptx
+++ b/Presentations/IUAC-2024/Introduction_to_Large_Language_Models-From_Foundation_to_Real_World_Applications.pptx
@@ -57,23 +57,23 @@
     <p:sldId id="3878" r:id="rId48"/>
     <p:sldId id="3888" r:id="rId49"/>
     <p:sldId id="3912" r:id="rId50"/>
-    <p:sldId id="3915" r:id="rId51"/>
-    <p:sldId id="3909" r:id="rId52"/>
-    <p:sldId id="3910" r:id="rId53"/>
-    <p:sldId id="3916" r:id="rId54"/>
-    <p:sldId id="3875" r:id="rId55"/>
-    <p:sldId id="3859" r:id="rId56"/>
-    <p:sldId id="3929" r:id="rId57"/>
-    <p:sldId id="3935" r:id="rId58"/>
-    <p:sldId id="3936" r:id="rId59"/>
-    <p:sldId id="3937" r:id="rId60"/>
-    <p:sldId id="3938" r:id="rId61"/>
-    <p:sldId id="3939" r:id="rId62"/>
-    <p:sldId id="3941" r:id="rId63"/>
-    <p:sldId id="3932" r:id="rId64"/>
-    <p:sldId id="3933" r:id="rId65"/>
-    <p:sldId id="3930" r:id="rId66"/>
-    <p:sldId id="3940" r:id="rId67"/>
+    <p:sldId id="3909" r:id="rId51"/>
+    <p:sldId id="3910" r:id="rId52"/>
+    <p:sldId id="3916" r:id="rId53"/>
+    <p:sldId id="3875" r:id="rId54"/>
+    <p:sldId id="3859" r:id="rId55"/>
+    <p:sldId id="3929" r:id="rId56"/>
+    <p:sldId id="3935" r:id="rId57"/>
+    <p:sldId id="3936" r:id="rId58"/>
+    <p:sldId id="3937" r:id="rId59"/>
+    <p:sldId id="3938" r:id="rId60"/>
+    <p:sldId id="3939" r:id="rId61"/>
+    <p:sldId id="3941" r:id="rId62"/>
+    <p:sldId id="3932" r:id="rId63"/>
+    <p:sldId id="3933" r:id="rId64"/>
+    <p:sldId id="3930" r:id="rId65"/>
+    <p:sldId id="3940" r:id="rId66"/>
+    <p:sldId id="3942" r:id="rId67"/>
     <p:sldId id="3850" r:id="rId68"/>
     <p:sldId id="265" r:id="rId69"/>
   </p:sldIdLst>
@@ -4710,7 +4710,7 @@
     </p:spTree>
     <p:extLst>
       <p:ext uri="{BB962C8B-B14F-4D97-AF65-F5344CB8AC3E}">
-        <p14:creationId xmlns="" xmlns:p14="http://schemas.microsoft.com/office/powerpoint/2010/main" val="922949278"/>
+        <p14:creationId xmlns="" xmlns:p14="http://schemas.microsoft.com/office/powerpoint/2010/main" val="2840793627"/>
       </p:ext>
     </p:extLst>
   </p:cSld>
@@ -4880,7 +4880,7 @@
     </p:spTree>
     <p:extLst>
       <p:ext uri="{BB962C8B-B14F-4D97-AF65-F5344CB8AC3E}">
-        <p14:creationId xmlns="" xmlns:p14="http://schemas.microsoft.com/office/powerpoint/2010/main" val="2840793627"/>
+        <p14:creationId xmlns="" xmlns:p14="http://schemas.microsoft.com/office/powerpoint/2010/main" val="737681818"/>
       </p:ext>
     </p:extLst>
   </p:cSld>
@@ -4965,7 +4965,7 @@
     </p:spTree>
     <p:extLst>
       <p:ext uri="{BB962C8B-B14F-4D97-AF65-F5344CB8AC3E}">
-        <p14:creationId xmlns="" xmlns:p14="http://schemas.microsoft.com/office/powerpoint/2010/main" val="737681818"/>
+        <p14:creationId xmlns="" xmlns:p14="http://schemas.microsoft.com/office/powerpoint/2010/main" val="4151229091"/>
       </p:ext>
     </p:extLst>
   </p:cSld>
@@ -5050,7 +5050,7 @@
     </p:spTree>
     <p:extLst>
       <p:ext uri="{BB962C8B-B14F-4D97-AF65-F5344CB8AC3E}">
-        <p14:creationId xmlns="" xmlns:p14="http://schemas.microsoft.com/office/powerpoint/2010/main" val="4151229091"/>
+        <p14:creationId xmlns="" xmlns:p14="http://schemas.microsoft.com/office/powerpoint/2010/main" val="737681818"/>
       </p:ext>
     </p:extLst>
   </p:cSld>
@@ -5135,7 +5135,7 @@
     </p:spTree>
     <p:extLst>
       <p:ext uri="{BB962C8B-B14F-4D97-AF65-F5344CB8AC3E}">
-        <p14:creationId xmlns="" xmlns:p14="http://schemas.microsoft.com/office/powerpoint/2010/main" val="737681818"/>
+        <p14:creationId xmlns="" xmlns:p14="http://schemas.microsoft.com/office/powerpoint/2010/main" val="922949278"/>
       </p:ext>
     </p:extLst>
   </p:cSld>
@@ -5560,7 +5560,7 @@
     </p:spTree>
     <p:extLst>
       <p:ext uri="{BB962C8B-B14F-4D97-AF65-F5344CB8AC3E}">
-        <p14:creationId xmlns="" xmlns:p14="http://schemas.microsoft.com/office/powerpoint/2010/main" val="922949278"/>
+        <p14:creationId xmlns="" xmlns:p14="http://schemas.microsoft.com/office/powerpoint/2010/main" val="737681818"/>
       </p:ext>
     </p:extLst>
   </p:cSld>
@@ -5900,7 +5900,7 @@
     </p:spTree>
     <p:extLst>
       <p:ext uri="{BB962C8B-B14F-4D97-AF65-F5344CB8AC3E}">
-        <p14:creationId xmlns="" xmlns:p14="http://schemas.microsoft.com/office/powerpoint/2010/main" val="737681818"/>
+        <p14:creationId xmlns="" xmlns:p14="http://schemas.microsoft.com/office/powerpoint/2010/main" val="2840793627"/>
       </p:ext>
     </p:extLst>
   </p:cSld>
@@ -5985,7 +5985,7 @@
     </p:spTree>
     <p:extLst>
       <p:ext uri="{BB962C8B-B14F-4D97-AF65-F5344CB8AC3E}">
-        <p14:creationId xmlns="" xmlns:p14="http://schemas.microsoft.com/office/powerpoint/2010/main" val="2840793627"/>
+        <p14:creationId xmlns="" xmlns:p14="http://schemas.microsoft.com/office/powerpoint/2010/main" val="737681818"/>
       </p:ext>
     </p:extLst>
   </p:cSld>
@@ -6070,7 +6070,7 @@
     </p:spTree>
     <p:extLst>
       <p:ext uri="{BB962C8B-B14F-4D97-AF65-F5344CB8AC3E}">
-        <p14:creationId xmlns="" xmlns:p14="http://schemas.microsoft.com/office/powerpoint/2010/main" val="737681818"/>
+        <p14:creationId xmlns="" xmlns:p14="http://schemas.microsoft.com/office/powerpoint/2010/main" val="922949278"/>
       </p:ext>
     </p:extLst>
   </p:cSld>
@@ -38226,7 +38226,7 @@
           <a:p>
             <a:r>
               <a:rPr lang="en-US" dirty="0"/>
-              <a:t>Medical Diagnosis</a:t>
+              <a:t>Creative Writing</a:t>
             </a:r>
           </a:p>
         </p:txBody>
@@ -38250,7 +38250,7 @@
         <p:spPr>
           <a:xfrm>
             <a:off x="628651" y="1369219"/>
-            <a:ext cx="3771899" cy="3223260"/>
+            <a:ext cx="3686372" cy="3223260"/>
           </a:xfrm>
           <a:noFill/>
         </p:spPr>
@@ -38260,55 +38260,46 @@
           </a:bodyPr>
           <a:lstStyle/>
           <a:p>
-            <a:pPr lvl="1"/>
-            <a:r>
-              <a:rPr lang="en-US" sz="2000" dirty="0"/>
-              <a:t>Symptom analysis</a:t>
-            </a:r>
-          </a:p>
-          <a:p>
-            <a:pPr lvl="1"/>
-            <a:r>
-              <a:rPr lang="en-US" sz="2000" dirty="0"/>
-              <a:t>Disease identification</a:t>
-            </a:r>
-          </a:p>
-          <a:p>
-            <a:pPr lvl="1"/>
-            <a:r>
-              <a:rPr lang="en-US" sz="2000" dirty="0"/>
-              <a:t>Treatment recommendations</a:t>
-            </a:r>
-          </a:p>
-          <a:p>
-            <a:pPr lvl="1"/>
-            <a:r>
-              <a:rPr lang="en-US" sz="2000" dirty="0"/>
-              <a:t>Medical literature analysis</a:t>
-            </a:r>
-          </a:p>
-          <a:p>
-            <a:pPr lvl="1"/>
-            <a:r>
-              <a:rPr lang="en-US" sz="2000" dirty="0"/>
-              <a:t>Medical question answering</a:t>
-            </a:r>
-          </a:p>
-          <a:p>
-            <a:pPr lvl="1"/>
-            <a:r>
-              <a:rPr lang="en-US" sz="2000" dirty="0"/>
-              <a:t>Medical imaging analysis</a:t>
-            </a:r>
+            <a:pPr algn="just"/>
+            <a:r>
+              <a:rPr lang="en-IN" b="1" dirty="0">
+                <a:solidFill>
+                  <a:schemeClr val="accent5">
+                    <a:lumMod val="50000"/>
+                  </a:schemeClr>
+                </a:solidFill>
+              </a:rPr>
+              <a:t>Write a story on atom for first standard student.</a:t>
+            </a:r>
+            <a:r>
+              <a:rPr lang="en-IN" dirty="0">
+                <a:solidFill>
+                  <a:schemeClr val="accent5">
+                    <a:lumMod val="50000"/>
+                  </a:schemeClr>
+                </a:solidFill>
+              </a:rPr>
+              <a:t> </a:t>
+            </a:r>
+          </a:p>
+          <a:p>
+            <a:pPr algn="just"/>
+            <a:endParaRPr lang="en-US" sz="1800" dirty="0">
+              <a:solidFill>
+                <a:schemeClr val="accent5">
+                  <a:lumMod val="50000"/>
+                </a:schemeClr>
+              </a:solidFill>
+            </a:endParaRPr>
           </a:p>
         </p:txBody>
       </p:sp>
       <p:sp>
         <p:nvSpPr>
-          <p:cNvPr id="10" name="Content Placeholder 2">
+          <p:cNvPr id="4" name="Content Placeholder 3">
             <a:extLst>
               <a:ext uri="{FF2B5EF4-FFF2-40B4-BE49-F238E27FC236}">
-                <a16:creationId xmlns="" xmlns:a16="http://schemas.microsoft.com/office/drawing/2014/main" id="{A6A33159-D030-2F82-A142-F75940728319}"/>
+                <a16:creationId xmlns="" xmlns:a16="http://schemas.microsoft.com/office/drawing/2014/main" id="{ACFBB810-3430-2C29-1AA0-9744AA0A1AA3}"/>
               </a:ext>
             </a:extLst>
           </p:cNvPr>
@@ -38316,13 +38307,125 @@
             <a:spLocks noGrp="1"/>
           </p:cNvSpPr>
           <p:nvPr>
-            <p:ph sz="quarter" idx="4294967295"/>
+            <p:ph sz="half" idx="15"/>
           </p:nvPr>
         </p:nvSpPr>
         <p:spPr>
           <a:xfrm>
-            <a:off x="4714875" y="1378574"/>
-            <a:ext cx="3638550" cy="3213667"/>
+            <a:off x="4610922" y="1362687"/>
+            <a:ext cx="3909060" cy="3223260"/>
+          </a:xfrm>
+          <a:noFill/>
+        </p:spPr>
+        <p:txBody>
+          <a:bodyPr>
+            <a:normAutofit fontScale="92500" lnSpcReduction="20000"/>
+          </a:bodyPr>
+          <a:lstStyle/>
+          <a:p>
+            <a:pPr algn="just"/>
+            <a:r>
+              <a:rPr lang="en-IN" sz="1600" dirty="0">
+                <a:solidFill>
+                  <a:schemeClr val="accent4">
+                    <a:lumMod val="50000"/>
+                  </a:schemeClr>
+                </a:solidFill>
+              </a:rPr>
+              <a:t>The Adventures of Atom</a:t>
+            </a:r>
+          </a:p>
+          <a:p>
+            <a:pPr algn="just"/>
+            <a:r>
+              <a:rPr lang="en-IN" sz="1600" dirty="0">
+                <a:solidFill>
+                  <a:schemeClr val="accent4">
+                    <a:lumMod val="50000"/>
+                  </a:schemeClr>
+                </a:solidFill>
+              </a:rPr>
+              <a:t>Once upon a time, in a tiny world, there was a tiny creature named Atom. Atom was so small that you needed a special tool to see him.</a:t>
+            </a:r>
+          </a:p>
+          <a:p>
+            <a:pPr algn="just"/>
+            <a:r>
+              <a:rPr lang="en-IN" sz="1600" dirty="0">
+                <a:solidFill>
+                  <a:schemeClr val="accent4">
+                    <a:lumMod val="50000"/>
+                  </a:schemeClr>
+                </a:solidFill>
+              </a:rPr>
+              <a:t>... </a:t>
+            </a:r>
+          </a:p>
+          <a:p>
+            <a:pPr algn="just"/>
+            <a:r>
+              <a:rPr lang="en-IN" sz="1600" dirty="0">
+                <a:solidFill>
+                  <a:schemeClr val="accent4">
+                    <a:lumMod val="50000"/>
+                  </a:schemeClr>
+                </a:solidFill>
+              </a:rPr>
+              <a:t>One day, Atom decided to go on an adventure. He packed a small bag and said goodbye to his family.</a:t>
+            </a:r>
+          </a:p>
+          <a:p>
+            <a:pPr algn="just"/>
+            <a:r>
+              <a:rPr lang="en-IN" sz="1600" dirty="0">
+                <a:solidFill>
+                  <a:schemeClr val="accent4">
+                    <a:lumMod val="50000"/>
+                  </a:schemeClr>
+                </a:solidFill>
+              </a:rPr>
+              <a:t>... </a:t>
+            </a:r>
+          </a:p>
+          <a:p>
+            <a:pPr algn="just"/>
+            <a:r>
+              <a:rPr lang="en-IN" sz="1600" dirty="0">
+                <a:solidFill>
+                  <a:schemeClr val="accent4">
+                    <a:lumMod val="50000"/>
+                  </a:schemeClr>
+                </a:solidFill>
+              </a:rPr>
+              <a:t>The End</a:t>
+            </a:r>
+          </a:p>
+          <a:p>
+            <a:pPr algn="just"/>
+            <a:r>
+              <a:rPr lang="en-IN" sz="1600" dirty="0">
+                <a:solidFill>
+                  <a:schemeClr val="accent4">
+                    <a:lumMod val="50000"/>
+                  </a:schemeClr>
+                </a:solidFill>
+              </a:rPr>
+              <a:t>This story is designed to be simple and easy to understand for a first standard student. </a:t>
+            </a:r>
+            <a:endParaRPr lang="en-US" sz="1800" dirty="0"/>
+          </a:p>
+        </p:txBody>
+      </p:sp>
+      <p:sp>
+        <p:nvSpPr>
+          <p:cNvPr id="6" name="TextBox 5"/>
+          <p:cNvSpPr txBox="1"/>
+          <p:nvPr/>
+        </p:nvSpPr>
+        <p:spPr>
+          <a:xfrm>
+            <a:off x="1733550" y="4714875"/>
+            <a:ext cx="5761969" cy="307777"/>
           </a:xfrm>
           <a:prstGeom prst="rect">
             <a:avLst/>
@@ -38330,151 +38433,22 @@
           <a:noFill/>
         </p:spPr>
         <p:txBody>
-          <a:bodyPr vert="horz" lIns="68580" tIns="34290" rIns="68580" bIns="34290" rtlCol="0" anchor="t">
-            <a:normAutofit/>
+          <a:bodyPr wrap="square" rtlCol="0">
+            <a:spAutoFit/>
           </a:bodyPr>
           <a:lstStyle/>
           <a:p>
-            <a:pPr marL="171450" lvl="1">
-              <a:spcBef>
-                <a:spcPts val="750"/>
-              </a:spcBef>
-              <a:spcAft>
-                <a:spcPts val="600"/>
-              </a:spcAft>
-              <a:buClr>
-                <a:schemeClr val="accent2"/>
-              </a:buClr>
-            </a:pPr>
-            <a:r>
-              <a:rPr lang="en-US" sz="2000" dirty="0"/>
-              <a:t>Google Med–</a:t>
-            </a:r>
-            <a:r>
-              <a:rPr lang="en-US" sz="2000" dirty="0" err="1"/>
-              <a:t>PaLM</a:t>
-            </a:r>
-            <a:r>
-              <a:rPr lang="en-US" sz="2000" dirty="0"/>
-              <a:t> 2</a:t>
-            </a:r>
-          </a:p>
-          <a:p>
-            <a:pPr marL="514350" lvl="2">
-              <a:spcBef>
-                <a:spcPts val="750"/>
-              </a:spcBef>
-              <a:spcAft>
-                <a:spcPts val="600"/>
-              </a:spcAft>
-              <a:buClr>
-                <a:schemeClr val="accent2"/>
-              </a:buClr>
-            </a:pPr>
-            <a:r>
-              <a:rPr lang="en-US" sz="1700" dirty="0"/>
-              <a:t>Medical question answering</a:t>
-            </a:r>
-          </a:p>
-          <a:p>
-            <a:pPr marL="171450" lvl="1">
-              <a:spcBef>
-                <a:spcPts val="750"/>
-              </a:spcBef>
-              <a:spcAft>
-                <a:spcPts val="600"/>
-              </a:spcAft>
-              <a:buClr>
-                <a:schemeClr val="accent2"/>
-              </a:buClr>
-            </a:pPr>
-            <a:r>
-              <a:rPr lang="en-US" sz="2000" dirty="0"/>
-              <a:t>Google Med-Gemini</a:t>
-            </a:r>
-          </a:p>
-          <a:p>
-            <a:pPr marL="514350" lvl="2">
-              <a:spcBef>
-                <a:spcPts val="750"/>
-              </a:spcBef>
-              <a:spcAft>
-                <a:spcPts val="600"/>
-              </a:spcAft>
-              <a:buClr>
-                <a:schemeClr val="accent2"/>
-              </a:buClr>
-            </a:pPr>
-            <a:r>
-              <a:rPr lang="en-US" sz="1700" dirty="0"/>
-              <a:t>Medical question answering</a:t>
-            </a:r>
-          </a:p>
-          <a:p>
-            <a:pPr marL="171450" lvl="1">
-              <a:spcBef>
-                <a:spcPts val="750"/>
-              </a:spcBef>
-              <a:spcAft>
-                <a:spcPts val="600"/>
-              </a:spcAft>
-              <a:buClr>
-                <a:schemeClr val="accent2"/>
-              </a:buClr>
-            </a:pPr>
-            <a:r>
-              <a:rPr lang="en-IN" sz="2000" dirty="0" err="1"/>
-              <a:t>BiomedGPT</a:t>
-            </a:r>
-            <a:endParaRPr lang="en-IN" sz="2000" dirty="0"/>
-          </a:p>
-          <a:p>
-            <a:pPr marL="514350" lvl="2">
-              <a:spcBef>
-                <a:spcPts val="750"/>
-              </a:spcBef>
-              <a:spcAft>
-                <a:spcPts val="600"/>
-              </a:spcAft>
-              <a:buClr>
-                <a:schemeClr val="accent2"/>
-              </a:buClr>
-            </a:pPr>
-            <a:r>
-              <a:rPr lang="en-IN" sz="1700" dirty="0"/>
-              <a:t>Vision language model</a:t>
-            </a:r>
-          </a:p>
-          <a:p>
-            <a:pPr marL="514350" lvl="2">
-              <a:spcBef>
-                <a:spcPts val="750"/>
-              </a:spcBef>
-              <a:spcAft>
-                <a:spcPts val="600"/>
-              </a:spcAft>
-              <a:buClr>
-                <a:schemeClr val="accent2"/>
-              </a:buClr>
-            </a:pPr>
-            <a:r>
-              <a:rPr lang="en-IN" sz="1700" dirty="0"/>
-              <a:t>Visual question answering</a:t>
-            </a:r>
-          </a:p>
-          <a:p>
-            <a:pPr marL="171450" lvl="1">
-              <a:spcBef>
-                <a:spcPts val="750"/>
-              </a:spcBef>
-              <a:spcAft>
-                <a:spcPts val="600"/>
-              </a:spcAft>
-              <a:buClr>
-                <a:schemeClr val="accent2"/>
-              </a:buClr>
-            </a:pPr>
-            <a:endParaRPr lang="en-US" sz="1700" dirty="0"/>
+            <a:pPr algn="r"/>
+            <a:r>
+              <a:rPr lang="en-IN" b="1" dirty="0">
+                <a:solidFill>
+                  <a:schemeClr val="accent2">
+                    <a:lumMod val="50000"/>
+                  </a:schemeClr>
+                </a:solidFill>
+              </a:rPr>
+              <a:t>*Meta-Llama-3.1-8B-Instruct</a:t>
+            </a:r>
           </a:p>
         </p:txBody>
       </p:sp>
@@ -38537,7 +38511,7 @@
           <a:p>
             <a:r>
               <a:rPr lang="en-US" dirty="0"/>
-              <a:t>Creative Writing</a:t>
+              <a:t>Education</a:t>
             </a:r>
           </a:p>
         </p:txBody>
@@ -38573,24 +38547,14 @@
           <a:p>
             <a:pPr algn="just"/>
             <a:r>
-              <a:rPr lang="en-IN" b="1" dirty="0">
+              <a:rPr lang="en-IN" sz="1800" dirty="0">
                 <a:solidFill>
                   <a:schemeClr val="accent5">
                     <a:lumMod val="50000"/>
                   </a:schemeClr>
                 </a:solidFill>
               </a:rPr>
-              <a:t>Write a story on atom for first standard student.</a:t>
-            </a:r>
-            <a:r>
-              <a:rPr lang="en-IN" dirty="0">
-                <a:solidFill>
-                  <a:schemeClr val="accent5">
-                    <a:lumMod val="50000"/>
-                  </a:schemeClr>
-                </a:solidFill>
-              </a:rPr>
-              <a:t> </a:t>
+              <a:t>In six sentences, explain proton, neutron and electron to first standard student.</a:t>
             </a:r>
           </a:p>
           <a:p>
@@ -38643,7 +38607,7 @@
                   </a:schemeClr>
                 </a:solidFill>
               </a:rPr>
-              <a:t>The Adventures of Atom</a:t>
+              <a:t>Here's an explanation of protons, neutrons, and electrons that a first standard student can understand:</a:t>
             </a:r>
           </a:p>
           <a:p>
@@ -38656,7 +38620,7 @@
                   </a:schemeClr>
                 </a:solidFill>
               </a:rPr>
-              <a:t>Once upon a time, in a tiny world, there was a tiny creature named Atom. Atom was so small that you needed a special tool to see him.</a:t>
+              <a:t>The Tiny Building Blocks of Atoms</a:t>
             </a:r>
           </a:p>
           <a:p>
@@ -38669,60 +38633,11 @@
                   </a:schemeClr>
                 </a:solidFill>
               </a:rPr>
-              <a:t>... </a:t>
+              <a:t>You know how we're made up of tiny things called atoms? Well, atoms are made up of even smaller things called protons, neutrons, and electrons. Protons are like the strong and brave soldiers that live in the center of the atom. Neutrons are like the quiet and calm friends who live with the protons in the center. Electrons are like the fast and energetic runners who zoom around the outside of the atom. All three of them work together to make the atom strong and stable!</a:t>
             </a:r>
           </a:p>
           <a:p>
             <a:pPr algn="just"/>
-            <a:r>
-              <a:rPr lang="en-IN" sz="1600" dirty="0">
-                <a:solidFill>
-                  <a:schemeClr val="accent4">
-                    <a:lumMod val="50000"/>
-                  </a:schemeClr>
-                </a:solidFill>
-              </a:rPr>
-              <a:t>One day, Atom decided to go on an adventure. He packed a small bag and said goodbye to his family.</a:t>
-            </a:r>
-          </a:p>
-          <a:p>
-            <a:pPr algn="just"/>
-            <a:r>
-              <a:rPr lang="en-IN" sz="1600" dirty="0">
-                <a:solidFill>
-                  <a:schemeClr val="accent4">
-                    <a:lumMod val="50000"/>
-                  </a:schemeClr>
-                </a:solidFill>
-              </a:rPr>
-              <a:t>... </a:t>
-            </a:r>
-          </a:p>
-          <a:p>
-            <a:pPr algn="just"/>
-            <a:r>
-              <a:rPr lang="en-IN" sz="1600" dirty="0">
-                <a:solidFill>
-                  <a:schemeClr val="accent4">
-                    <a:lumMod val="50000"/>
-                  </a:schemeClr>
-                </a:solidFill>
-              </a:rPr>
-              <a:t>The End</a:t>
-            </a:r>
-          </a:p>
-          <a:p>
-            <a:pPr algn="just"/>
-            <a:r>
-              <a:rPr lang="en-IN" sz="1600" dirty="0">
-                <a:solidFill>
-                  <a:schemeClr val="accent4">
-                    <a:lumMod val="50000"/>
-                  </a:schemeClr>
-                </a:solidFill>
-              </a:rPr>
-              <a:t>This story is designed to be simple and easy to understand for a first standard student. </a:t>
-            </a:r>
             <a:endParaRPr lang="en-US" sz="1800" dirty="0"/>
           </a:p>
         </p:txBody>
@@ -38777,664 +38692,6 @@
 </file>
 
 <file path=ppt/slides/slide49.xml><?xml version="1.0" encoding="utf-8"?>
-<p:sld xmlns:a="http://schemas.openxmlformats.org/drawingml/2006/main" xmlns:r="http://schemas.openxmlformats.org/officeDocument/2006/relationships" xmlns:p="http://schemas.openxmlformats.org/presentationml/2006/main">
-  <p:cSld>
-    <p:spTree>
-      <p:nvGrpSpPr>
-        <p:cNvPr id="1" name=""/>
-        <p:cNvGrpSpPr/>
-        <p:nvPr/>
-      </p:nvGrpSpPr>
-      <p:grpSpPr>
-        <a:xfrm>
-          <a:off x="0" y="0"/>
-          <a:ext cx="0" cy="0"/>
-          <a:chOff x="0" y="0"/>
-          <a:chExt cx="0" cy="0"/>
-        </a:xfrm>
-      </p:grpSpPr>
-      <p:sp>
-        <p:nvSpPr>
-          <p:cNvPr id="2" name="Title 1">
-            <a:extLst>
-              <a:ext uri="{FF2B5EF4-FFF2-40B4-BE49-F238E27FC236}">
-                <a16:creationId xmlns="" xmlns:a16="http://schemas.microsoft.com/office/drawing/2014/main" id="{47A9874B-BCA9-8420-1595-EDD1865A099A}"/>
-              </a:ext>
-            </a:extLst>
-          </p:cNvPr>
-          <p:cNvSpPr>
-            <a:spLocks noGrp="1"/>
-          </p:cNvSpPr>
-          <p:nvPr>
-            <p:ph type="title"/>
-          </p:nvPr>
-        </p:nvSpPr>
-        <p:spPr>
-          <a:xfrm>
-            <a:off x="628650" y="273844"/>
-            <a:ext cx="7886700" cy="994172"/>
-          </a:xfrm>
-          <a:noFill/>
-        </p:spPr>
-        <p:txBody>
-          <a:bodyPr anchor="ctr"/>
-          <a:lstStyle/>
-          <a:p>
-            <a:r>
-              <a:rPr lang="en-US" dirty="0"/>
-              <a:t>Education</a:t>
-            </a:r>
-          </a:p>
-        </p:txBody>
-      </p:sp>
-      <p:sp>
-        <p:nvSpPr>
-          <p:cNvPr id="3" name="Content Placeholder 2">
-            <a:extLst>
-              <a:ext uri="{FF2B5EF4-FFF2-40B4-BE49-F238E27FC236}">
-                <a16:creationId xmlns="" xmlns:a16="http://schemas.microsoft.com/office/drawing/2014/main" id="{68A5FD2B-E3E5-1C2B-0151-21F216B14A33}"/>
-              </a:ext>
-            </a:extLst>
-          </p:cNvPr>
-          <p:cNvSpPr>
-            <a:spLocks noGrp="1"/>
-          </p:cNvSpPr>
-          <p:nvPr>
-            <p:ph sz="half" idx="1"/>
-          </p:nvPr>
-        </p:nvSpPr>
-        <p:spPr>
-          <a:xfrm>
-            <a:off x="628651" y="1369219"/>
-            <a:ext cx="3686372" cy="3223260"/>
-          </a:xfrm>
-          <a:noFill/>
-        </p:spPr>
-        <p:txBody>
-          <a:bodyPr>
-            <a:normAutofit/>
-          </a:bodyPr>
-          <a:lstStyle/>
-          <a:p>
-            <a:pPr algn="just"/>
-            <a:r>
-              <a:rPr lang="en-IN" sz="1800" dirty="0">
-                <a:solidFill>
-                  <a:schemeClr val="accent5">
-                    <a:lumMod val="50000"/>
-                  </a:schemeClr>
-                </a:solidFill>
-              </a:rPr>
-              <a:t>In six sentences, explain proton, neutron and electron to first standard student.</a:t>
-            </a:r>
-          </a:p>
-          <a:p>
-            <a:pPr algn="just"/>
-            <a:endParaRPr lang="en-US" sz="1800" dirty="0">
-              <a:solidFill>
-                <a:schemeClr val="accent5">
-                  <a:lumMod val="50000"/>
-                </a:schemeClr>
-              </a:solidFill>
-            </a:endParaRPr>
-          </a:p>
-        </p:txBody>
-      </p:sp>
-      <p:sp>
-        <p:nvSpPr>
-          <p:cNvPr id="4" name="Content Placeholder 3">
-            <a:extLst>
-              <a:ext uri="{FF2B5EF4-FFF2-40B4-BE49-F238E27FC236}">
-                <a16:creationId xmlns="" xmlns:a16="http://schemas.microsoft.com/office/drawing/2014/main" id="{ACFBB810-3430-2C29-1AA0-9744AA0A1AA3}"/>
-              </a:ext>
-            </a:extLst>
-          </p:cNvPr>
-          <p:cNvSpPr>
-            <a:spLocks noGrp="1"/>
-          </p:cNvSpPr>
-          <p:nvPr>
-            <p:ph sz="half" idx="15"/>
-          </p:nvPr>
-        </p:nvSpPr>
-        <p:spPr>
-          <a:xfrm>
-            <a:off x="4610922" y="1362687"/>
-            <a:ext cx="3909060" cy="3223260"/>
-          </a:xfrm>
-          <a:noFill/>
-        </p:spPr>
-        <p:txBody>
-          <a:bodyPr>
-            <a:normAutofit fontScale="92500" lnSpcReduction="20000"/>
-          </a:bodyPr>
-          <a:lstStyle/>
-          <a:p>
-            <a:pPr algn="just"/>
-            <a:r>
-              <a:rPr lang="en-IN" sz="1600" dirty="0">
-                <a:solidFill>
-                  <a:schemeClr val="accent4">
-                    <a:lumMod val="50000"/>
-                  </a:schemeClr>
-                </a:solidFill>
-              </a:rPr>
-              <a:t>Here's an explanation of protons, neutrons, and electrons that a first standard student can understand:</a:t>
-            </a:r>
-          </a:p>
-          <a:p>
-            <a:pPr algn="just"/>
-            <a:r>
-              <a:rPr lang="en-IN" sz="1600" dirty="0">
-                <a:solidFill>
-                  <a:schemeClr val="accent4">
-                    <a:lumMod val="50000"/>
-                  </a:schemeClr>
-                </a:solidFill>
-              </a:rPr>
-              <a:t>The Tiny Building Blocks of Atoms</a:t>
-            </a:r>
-          </a:p>
-          <a:p>
-            <a:pPr algn="just"/>
-            <a:r>
-              <a:rPr lang="en-IN" sz="1600" dirty="0">
-                <a:solidFill>
-                  <a:schemeClr val="accent4">
-                    <a:lumMod val="50000"/>
-                  </a:schemeClr>
-                </a:solidFill>
-              </a:rPr>
-              <a:t>You know how we're made up of tiny things called atoms? Well, atoms are made up of even smaller things called protons, neutrons, and electrons. Protons are like the strong and brave soldiers that live in the center of the atom. Neutrons are like the quiet and calm friends who live with the protons in the center. Electrons are like the fast and energetic runners who zoom around the outside of the atom. All three of them work together to make the atom strong and stable!</a:t>
-            </a:r>
-          </a:p>
-          <a:p>
-            <a:pPr algn="just"/>
-            <a:endParaRPr lang="en-US" sz="1800" dirty="0"/>
-          </a:p>
-        </p:txBody>
-      </p:sp>
-      <p:sp>
-        <p:nvSpPr>
-          <p:cNvPr id="6" name="TextBox 5"/>
-          <p:cNvSpPr txBox="1"/>
-          <p:nvPr/>
-        </p:nvSpPr>
-        <p:spPr>
-          <a:xfrm>
-            <a:off x="1733550" y="4714875"/>
-            <a:ext cx="5761969" cy="307777"/>
-          </a:xfrm>
-          <a:prstGeom prst="rect">
-            <a:avLst/>
-          </a:prstGeom>
-          <a:noFill/>
-        </p:spPr>
-        <p:txBody>
-          <a:bodyPr wrap="square" rtlCol="0">
-            <a:spAutoFit/>
-          </a:bodyPr>
-          <a:lstStyle/>
-          <a:p>
-            <a:pPr algn="r"/>
-            <a:r>
-              <a:rPr lang="en-IN" b="1" dirty="0">
-                <a:solidFill>
-                  <a:schemeClr val="accent2">
-                    <a:lumMod val="50000"/>
-                  </a:schemeClr>
-                </a:solidFill>
-              </a:rPr>
-              <a:t>*Meta-Llama-3.1-8B-Instruct</a:t>
-            </a:r>
-          </a:p>
-        </p:txBody>
-      </p:sp>
-    </p:spTree>
-    <p:extLst>
-      <p:ext uri="{BB962C8B-B14F-4D97-AF65-F5344CB8AC3E}">
-        <p14:creationId xmlns="" xmlns:p14="http://schemas.microsoft.com/office/powerpoint/2010/main" val="1127649784"/>
-      </p:ext>
-    </p:extLst>
-  </p:cSld>
-  <p:clrMapOvr>
-    <a:masterClrMapping/>
-  </p:clrMapOvr>
-</p:sld>
-</file>
-
-<file path=ppt/slides/slide5.xml><?xml version="1.0" encoding="utf-8"?>
-<p:sld xmlns:a="http://schemas.openxmlformats.org/drawingml/2006/main" xmlns:r="http://schemas.openxmlformats.org/officeDocument/2006/relationships" xmlns:p="http://schemas.openxmlformats.org/presentationml/2006/main">
-  <p:cSld>
-    <p:spTree>
-      <p:nvGrpSpPr>
-        <p:cNvPr id="1" name=""/>
-        <p:cNvGrpSpPr/>
-        <p:nvPr/>
-      </p:nvGrpSpPr>
-      <p:grpSpPr>
-        <a:xfrm>
-          <a:off x="0" y="0"/>
-          <a:ext cx="0" cy="0"/>
-          <a:chOff x="0" y="0"/>
-          <a:chExt cx="0" cy="0"/>
-        </a:xfrm>
-      </p:grpSpPr>
-      <p:sp>
-        <p:nvSpPr>
-          <p:cNvPr id="8" name="Title 1">
-            <a:extLst>
-              <a:ext uri="{FF2B5EF4-FFF2-40B4-BE49-F238E27FC236}">
-                <a16:creationId xmlns="" xmlns:a16="http://schemas.microsoft.com/office/drawing/2014/main" id="{47A9874B-BCA9-8420-1595-EDD1865A099A}"/>
-              </a:ext>
-            </a:extLst>
-          </p:cNvPr>
-          <p:cNvSpPr>
-            <a:spLocks noGrp="1"/>
-          </p:cNvSpPr>
-          <p:nvPr>
-            <p:ph type="title"/>
-          </p:nvPr>
-        </p:nvSpPr>
-        <p:spPr>
-          <a:xfrm>
-            <a:off x="628650" y="273844"/>
-            <a:ext cx="7886700" cy="994172"/>
-          </a:xfrm>
-          <a:noFill/>
-        </p:spPr>
-        <p:txBody>
-          <a:bodyPr anchor="ctr"/>
-          <a:lstStyle/>
-          <a:p>
-            <a:r>
-              <a:rPr lang="en-US" dirty="0"/>
-              <a:t>Introduction</a:t>
-            </a:r>
-          </a:p>
-        </p:txBody>
-      </p:sp>
-      <p:sp>
-        <p:nvSpPr>
-          <p:cNvPr id="26" name="Content Placeholder 2">
-            <a:extLst>
-              <a:ext uri="{FF2B5EF4-FFF2-40B4-BE49-F238E27FC236}">
-                <a16:creationId xmlns="" xmlns:a16="http://schemas.microsoft.com/office/drawing/2014/main" id="{68A5FD2B-E3E5-1C2B-0151-21F216B14A33}"/>
-              </a:ext>
-            </a:extLst>
-          </p:cNvPr>
-          <p:cNvSpPr>
-            <a:spLocks noGrp="1"/>
-          </p:cNvSpPr>
-          <p:nvPr>
-            <p:ph sz="half" idx="1"/>
-          </p:nvPr>
-        </p:nvSpPr>
-        <p:spPr>
-          <a:xfrm>
-            <a:off x="628651" y="1369219"/>
-            <a:ext cx="3686372" cy="3223260"/>
-          </a:xfrm>
-          <a:noFill/>
-        </p:spPr>
-        <p:txBody>
-          <a:bodyPr>
-            <a:normAutofit/>
-          </a:bodyPr>
-          <a:lstStyle/>
-          <a:p>
-            <a:pPr marL="171450" lvl="1" indent="-171450"/>
-            <a:r>
-              <a:rPr lang="es-ES" sz="2000" b="1" dirty="0"/>
-              <a:t>Meta</a:t>
-            </a:r>
-          </a:p>
-          <a:p>
-            <a:pPr marL="514350" lvl="2" indent="-171450"/>
-            <a:r>
-              <a:rPr lang="es-ES" sz="1900" dirty="0"/>
-              <a:t>Llama 2, Llama 3</a:t>
-            </a:r>
-          </a:p>
-          <a:p>
-            <a:pPr marL="514350" lvl="2" indent="-171450"/>
-            <a:r>
-              <a:rPr lang="es-ES" sz="1900" dirty="0"/>
-              <a:t>Llama 3.1, Llama 3.2</a:t>
-            </a:r>
-          </a:p>
-          <a:p>
-            <a:pPr marL="171450" lvl="1" indent="-171450"/>
-            <a:r>
-              <a:rPr lang="en-US" sz="2000" dirty="0"/>
-              <a:t>Access – </a:t>
-            </a:r>
-            <a:r>
-              <a:rPr lang="es-ES" sz="2000" dirty="0"/>
-              <a:t>Open </a:t>
-            </a:r>
-            <a:r>
-              <a:rPr lang="en-US" sz="2000" dirty="0"/>
-              <a:t>Source</a:t>
-            </a:r>
-          </a:p>
-          <a:p>
-            <a:pPr marL="171450" lvl="1" indent="-171450"/>
-            <a:r>
-              <a:rPr lang="pt-BR" sz="2000" dirty="0"/>
-              <a:t> Multimodal</a:t>
-            </a:r>
-          </a:p>
-          <a:p>
-            <a:pPr marL="514350" lvl="2" indent="-171450"/>
-            <a:r>
-              <a:rPr lang="pt-BR" sz="1900" dirty="0"/>
-              <a:t>Text, Image</a:t>
-            </a:r>
-            <a:endParaRPr lang="en-US" sz="1900" dirty="0"/>
-          </a:p>
-          <a:p>
-            <a:pPr marL="171450" lvl="1" indent="-171450"/>
-            <a:endParaRPr lang="en-US" sz="2000" dirty="0"/>
-          </a:p>
-        </p:txBody>
-      </p:sp>
-      <p:sp>
-        <p:nvSpPr>
-          <p:cNvPr id="7" name="Content Placeholder 2">
-            <a:extLst>
-              <a:ext uri="{FF2B5EF4-FFF2-40B4-BE49-F238E27FC236}">
-                <a16:creationId xmlns="" xmlns:a16="http://schemas.microsoft.com/office/drawing/2014/main" id="{68A5FD2B-E3E5-1C2B-0151-21F216B14A33}"/>
-              </a:ext>
-            </a:extLst>
-          </p:cNvPr>
-          <p:cNvSpPr txBox="1">
-            <a:spLocks/>
-          </p:cNvSpPr>
-          <p:nvPr/>
-        </p:nvSpPr>
-        <p:spPr>
-          <a:xfrm>
-            <a:off x="4810126" y="1369219"/>
-            <a:ext cx="3686372" cy="3223260"/>
-          </a:xfrm>
-          <a:prstGeom prst="rect">
-            <a:avLst/>
-          </a:prstGeom>
-          <a:noFill/>
-        </p:spPr>
-        <p:txBody>
-          <a:bodyPr vert="horz" lIns="68580" tIns="34290" rIns="68580" bIns="34290" rtlCol="0">
-            <a:normAutofit/>
-          </a:bodyPr>
-          <a:lstStyle/>
-          <a:p>
-            <a:pPr marL="171450" lvl="1" indent="-171450">
-              <a:lnSpc>
-                <a:spcPct val="90000"/>
-              </a:lnSpc>
-              <a:spcBef>
-                <a:spcPts val="750"/>
-              </a:spcBef>
-              <a:spcAft>
-                <a:spcPts val="600"/>
-              </a:spcAft>
-              <a:buClr>
-                <a:schemeClr val="accent2"/>
-              </a:buClr>
-              <a:buFont typeface="Arial" panose="020B0604020202020204" pitchFamily="34" charset="0"/>
-              <a:buChar char="•"/>
-            </a:pPr>
-            <a:r>
-              <a:rPr lang="nl-NL" sz="2000" b="1" dirty="0"/>
-              <a:t>Google</a:t>
-            </a:r>
-          </a:p>
-          <a:p>
-            <a:pPr marL="514350" lvl="2" indent="-171450">
-              <a:lnSpc>
-                <a:spcPct val="90000"/>
-              </a:lnSpc>
-              <a:spcBef>
-                <a:spcPts val="750"/>
-              </a:spcBef>
-              <a:spcAft>
-                <a:spcPts val="600"/>
-              </a:spcAft>
-              <a:buClr>
-                <a:schemeClr val="accent2"/>
-              </a:buClr>
-              <a:buFont typeface="Arial" panose="020B0604020202020204" pitchFamily="34" charset="0"/>
-              <a:buChar char="•"/>
-            </a:pPr>
-            <a:r>
-              <a:rPr lang="nl-NL" sz="2000" dirty="0"/>
-              <a:t>Gemma</a:t>
-            </a:r>
-          </a:p>
-          <a:p>
-            <a:pPr marL="514350" lvl="2" indent="-171450">
-              <a:lnSpc>
-                <a:spcPct val="90000"/>
-              </a:lnSpc>
-              <a:spcBef>
-                <a:spcPts val="750"/>
-              </a:spcBef>
-              <a:spcAft>
-                <a:spcPts val="600"/>
-              </a:spcAft>
-              <a:buClr>
-                <a:schemeClr val="accent2"/>
-              </a:buClr>
-              <a:buFont typeface="Arial" panose="020B0604020202020204" pitchFamily="34" charset="0"/>
-              <a:buChar char="•"/>
-            </a:pPr>
-            <a:r>
-              <a:rPr lang="nl-NL" sz="2000" dirty="0"/>
-              <a:t>Gemma 2</a:t>
-            </a:r>
-          </a:p>
-          <a:p>
-            <a:pPr marL="171450" lvl="1" indent="-171450">
-              <a:lnSpc>
-                <a:spcPct val="90000"/>
-              </a:lnSpc>
-              <a:spcBef>
-                <a:spcPts val="750"/>
-              </a:spcBef>
-              <a:spcAft>
-                <a:spcPts val="600"/>
-              </a:spcAft>
-              <a:buClr>
-                <a:schemeClr val="accent2"/>
-              </a:buClr>
-              <a:buFont typeface="Arial" panose="020B0604020202020204" pitchFamily="34" charset="0"/>
-              <a:buChar char="•"/>
-            </a:pPr>
-            <a:r>
-              <a:rPr lang="en-US" sz="2000" dirty="0"/>
-              <a:t>Access – </a:t>
-            </a:r>
-            <a:r>
-              <a:rPr lang="nl-NL" sz="2000" dirty="0"/>
-              <a:t>Open Source</a:t>
-            </a:r>
-          </a:p>
-          <a:p>
-            <a:pPr marL="171450" lvl="1" indent="-171450">
-              <a:lnSpc>
-                <a:spcPct val="90000"/>
-              </a:lnSpc>
-              <a:spcBef>
-                <a:spcPts val="750"/>
-              </a:spcBef>
-              <a:spcAft>
-                <a:spcPts val="600"/>
-              </a:spcAft>
-              <a:buClr>
-                <a:schemeClr val="accent2"/>
-              </a:buClr>
-              <a:buFont typeface="Arial" panose="020B0604020202020204" pitchFamily="34" charset="0"/>
-              <a:buChar char="•"/>
-            </a:pPr>
-            <a:r>
-              <a:rPr lang="pt-BR" sz="2000" dirty="0"/>
-              <a:t>Multimodal</a:t>
-            </a:r>
-          </a:p>
-          <a:p>
-            <a:pPr marL="514350" lvl="2" indent="-171450">
-              <a:lnSpc>
-                <a:spcPct val="90000"/>
-              </a:lnSpc>
-              <a:spcBef>
-                <a:spcPts val="750"/>
-              </a:spcBef>
-              <a:spcAft>
-                <a:spcPts val="600"/>
-              </a:spcAft>
-              <a:buClr>
-                <a:schemeClr val="accent2"/>
-              </a:buClr>
-              <a:buFont typeface="Arial" panose="020B0604020202020204" pitchFamily="34" charset="0"/>
-              <a:buChar char="•"/>
-            </a:pPr>
-            <a:r>
-              <a:rPr lang="pt-BR" sz="1900" dirty="0"/>
-              <a:t>Text, Image</a:t>
-            </a:r>
-            <a:endParaRPr lang="en-US" sz="1900" dirty="0"/>
-          </a:p>
-          <a:p>
-            <a:pPr marL="171450" lvl="1" indent="-171450">
-              <a:lnSpc>
-                <a:spcPct val="90000"/>
-              </a:lnSpc>
-              <a:spcBef>
-                <a:spcPts val="750"/>
-              </a:spcBef>
-              <a:spcAft>
-                <a:spcPts val="600"/>
-              </a:spcAft>
-              <a:buClr>
-                <a:schemeClr val="accent2"/>
-              </a:buClr>
-              <a:buFont typeface="Arial" panose="020B0604020202020204" pitchFamily="34" charset="0"/>
-              <a:buChar char="•"/>
-            </a:pPr>
-            <a:endParaRPr lang="nl-NL" sz="2000" dirty="0"/>
-          </a:p>
-          <a:p>
-            <a:pPr marL="171450" lvl="1" indent="-171450">
-              <a:lnSpc>
-                <a:spcPct val="90000"/>
-              </a:lnSpc>
-              <a:spcBef>
-                <a:spcPts val="750"/>
-              </a:spcBef>
-              <a:spcAft>
-                <a:spcPts val="600"/>
-              </a:spcAft>
-              <a:buClr>
-                <a:schemeClr val="accent2"/>
-              </a:buClr>
-              <a:buFont typeface="Arial" panose="020B0604020202020204" pitchFamily="34" charset="0"/>
-              <a:buChar char="•"/>
-            </a:pPr>
-            <a:endParaRPr lang="en-US" sz="2000" dirty="0"/>
-          </a:p>
-          <a:p>
-            <a:pPr marL="171450" lvl="1" indent="-171450">
-              <a:lnSpc>
-                <a:spcPct val="90000"/>
-              </a:lnSpc>
-              <a:spcBef>
-                <a:spcPts val="750"/>
-              </a:spcBef>
-              <a:spcAft>
-                <a:spcPts val="600"/>
-              </a:spcAft>
-              <a:buClr>
-                <a:schemeClr val="accent2"/>
-              </a:buClr>
-              <a:buFont typeface="Arial" panose="020B0604020202020204" pitchFamily="34" charset="0"/>
-              <a:buChar char="•"/>
-            </a:pPr>
-            <a:endParaRPr lang="en-US" sz="2000" dirty="0"/>
-          </a:p>
-          <a:p>
-            <a:pPr marL="171450" lvl="1" indent="-171450">
-              <a:lnSpc>
-                <a:spcPct val="90000"/>
-              </a:lnSpc>
-              <a:spcBef>
-                <a:spcPts val="750"/>
-              </a:spcBef>
-              <a:spcAft>
-                <a:spcPts val="600"/>
-              </a:spcAft>
-              <a:buClr>
-                <a:schemeClr val="accent2"/>
-              </a:buClr>
-              <a:buFont typeface="Arial" panose="020B0604020202020204" pitchFamily="34" charset="0"/>
-              <a:buChar char="•"/>
-            </a:pPr>
-            <a:endParaRPr lang="en-US" sz="2000" dirty="0"/>
-          </a:p>
-          <a:p>
-            <a:pPr marL="171450" lvl="1" indent="-171450">
-              <a:lnSpc>
-                <a:spcPct val="90000"/>
-              </a:lnSpc>
-              <a:spcBef>
-                <a:spcPts val="750"/>
-              </a:spcBef>
-              <a:spcAft>
-                <a:spcPts val="600"/>
-              </a:spcAft>
-              <a:buClr>
-                <a:schemeClr val="accent2"/>
-              </a:buClr>
-              <a:buFont typeface="Arial" panose="020B0604020202020204" pitchFamily="34" charset="0"/>
-              <a:buChar char="•"/>
-            </a:pPr>
-            <a:endParaRPr kumimoji="0" lang="en-US" sz="2000" b="0" i="0" u="none" strike="noStrike" kern="1200" cap="none" spc="0" normalizeH="0" baseline="0" noProof="0" dirty="0">
-              <a:ln>
-                <a:noFill/>
-              </a:ln>
-              <a:solidFill>
-                <a:schemeClr val="tx1"/>
-              </a:solidFill>
-              <a:effectLst/>
-              <a:uLnTx/>
-              <a:uFillTx/>
-              <a:latin typeface="+mn-lt"/>
-              <a:ea typeface="+mn-ea"/>
-              <a:cs typeface="+mn-cs"/>
-            </a:endParaRPr>
-          </a:p>
-        </p:txBody>
-      </p:sp>
-    </p:spTree>
-    <p:extLst>
-      <p:ext uri="{BB962C8B-B14F-4D97-AF65-F5344CB8AC3E}">
-        <p14:creationId xmlns="" xmlns:p14="http://schemas.microsoft.com/office/powerpoint/2010/main" val="2737241225"/>
-      </p:ext>
-    </p:extLst>
-  </p:cSld>
-  <p:clrMapOvr>
-    <a:masterClrMapping/>
-  </p:clrMapOvr>
-  <p:timing>
-    <p:tnLst>
-      <p:par>
-        <p:cTn id="1" dur="indefinite" restart="never" nodeType="tmRoot"/>
-      </p:par>
-    </p:tnLst>
-  </p:timing>
-</p:sld>
-</file>
-
-<file path=ppt/slides/slide50.xml><?xml version="1.0" encoding="utf-8"?>
 <p:sld xmlns:a="http://schemas.openxmlformats.org/drawingml/2006/main" xmlns:r="http://schemas.openxmlformats.org/officeDocument/2006/relationships" xmlns:p="http://schemas.openxmlformats.org/presentationml/2006/main">
   <p:cSld>
     <p:spTree>
@@ -39696,11 +38953,14 @@
                     <a:p>
                       <a:pPr algn="ctr"/>
                       <a:r>
-                        <a:rPr lang="en-US" sz="1400" b="1" i="0" dirty="0">
+                        <a:rPr lang="en-US" sz="1400" b="1" i="0" dirty="0" smtClean="0">
                           <a:latin typeface="+mn-lt"/>
                         </a:rPr>
-                        <a:t>18,432</a:t>
+                        <a:t>14,592</a:t>
                       </a:r>
+                      <a:endParaRPr lang="en-US" sz="1400" b="1" i="0" dirty="0">
+                        <a:latin typeface="+mn-lt"/>
+                      </a:endParaRPr>
                     </a:p>
                   </a:txBody>
                   <a:tcPr marL="68580" marR="68580" marT="34290" marB="34290" anchor="ctr"/>
@@ -39728,7 +38988,7 @@
                     <a:p>
                       <a:pPr algn="ctr"/>
                       <a:r>
-                        <a:rPr lang="en-US" sz="1400" b="0" i="0" dirty="0">
+                        <a:rPr lang="en-US" sz="1400" b="1" i="0" dirty="0">
                           <a:latin typeface="+mn-lt"/>
                         </a:rPr>
                         <a:t>67 TFLOPS</a:t>
@@ -39847,11 +39107,14 @@
                     <a:p>
                       <a:pPr algn="ctr"/>
                       <a:r>
-                        <a:rPr lang="en-US" sz="1400" b="0" i="0" dirty="0">
+                        <a:rPr lang="en-US" sz="1400" b="0" i="0" dirty="0" smtClean="0">
                           <a:latin typeface="+mn-lt"/>
                         </a:rPr>
-                        <a:t>400W</a:t>
+                        <a:t>500W</a:t>
                       </a:r>
+                      <a:endParaRPr lang="en-US" sz="1400" b="0" i="0" dirty="0">
+                        <a:latin typeface="+mn-lt"/>
+                      </a:endParaRPr>
                     </a:p>
                   </a:txBody>
                   <a:tcPr marL="68580" marR="68580" marT="34290" marB="34290" anchor="ctr"/>
@@ -39950,7 +39213,7 @@
                         <a:defRPr/>
                       </a:pPr>
                       <a:r>
-                        <a:rPr lang="en-US" sz="1400" b="0" i="0" dirty="0">
+                        <a:rPr lang="en-US" sz="1400" b="1" i="0" dirty="0">
                           <a:latin typeface="+mn-lt"/>
                         </a:rPr>
                         <a:t>90.5 TFLOPS</a:t>
@@ -40053,7 +39316,7 @@
                     <a:p>
                       <a:pPr algn="ctr"/>
                       <a:r>
-                        <a:rPr lang="en-US" sz="1400" b="0" i="0" dirty="0">
+                        <a:rPr lang="en-US" sz="1400" b="1" i="0" dirty="0">
                           <a:latin typeface="+mn-lt"/>
                         </a:rPr>
                         <a:t>82.58 TFLOPS</a:t>
@@ -40223,7 +39486,7 @@
 </p:sld>
 </file>
 
-<file path=ppt/slides/slide51.xml><?xml version="1.0" encoding="utf-8"?>
+<file path=ppt/slides/slide5.xml><?xml version="1.0" encoding="utf-8"?>
 <p:sld xmlns:a="http://schemas.openxmlformats.org/drawingml/2006/main" xmlns:r="http://schemas.openxmlformats.org/officeDocument/2006/relationships" xmlns:p="http://schemas.openxmlformats.org/presentationml/2006/main">
   <p:cSld>
     <p:spTree>
@@ -40269,6 +39532,438 @@
           <a:p>
             <a:r>
               <a:rPr lang="en-US" dirty="0"/>
+              <a:t>Introduction</a:t>
+            </a:r>
+          </a:p>
+        </p:txBody>
+      </p:sp>
+      <p:sp>
+        <p:nvSpPr>
+          <p:cNvPr id="26" name="Content Placeholder 2">
+            <a:extLst>
+              <a:ext uri="{FF2B5EF4-FFF2-40B4-BE49-F238E27FC236}">
+                <a16:creationId xmlns="" xmlns:a16="http://schemas.microsoft.com/office/drawing/2014/main" id="{68A5FD2B-E3E5-1C2B-0151-21F216B14A33}"/>
+              </a:ext>
+            </a:extLst>
+          </p:cNvPr>
+          <p:cNvSpPr>
+            <a:spLocks noGrp="1"/>
+          </p:cNvSpPr>
+          <p:nvPr>
+            <p:ph sz="half" idx="1"/>
+          </p:nvPr>
+        </p:nvSpPr>
+        <p:spPr>
+          <a:xfrm>
+            <a:off x="628651" y="1369219"/>
+            <a:ext cx="3686372" cy="3223260"/>
+          </a:xfrm>
+          <a:noFill/>
+        </p:spPr>
+        <p:txBody>
+          <a:bodyPr>
+            <a:normAutofit/>
+          </a:bodyPr>
+          <a:lstStyle/>
+          <a:p>
+            <a:pPr marL="171450" lvl="1" indent="-171450"/>
+            <a:r>
+              <a:rPr lang="es-ES" sz="2000" b="1" dirty="0"/>
+              <a:t>Meta</a:t>
+            </a:r>
+          </a:p>
+          <a:p>
+            <a:pPr marL="514350" lvl="2" indent="-171450"/>
+            <a:r>
+              <a:rPr lang="es-ES" sz="1900" dirty="0"/>
+              <a:t>Llama 2, Llama 3</a:t>
+            </a:r>
+          </a:p>
+          <a:p>
+            <a:pPr marL="514350" lvl="2" indent="-171450"/>
+            <a:r>
+              <a:rPr lang="es-ES" sz="1900" dirty="0"/>
+              <a:t>Llama 3.1, Llama 3.2</a:t>
+            </a:r>
+          </a:p>
+          <a:p>
+            <a:pPr marL="171450" lvl="1" indent="-171450"/>
+            <a:r>
+              <a:rPr lang="en-US" sz="2000" dirty="0"/>
+              <a:t>Access – </a:t>
+            </a:r>
+            <a:r>
+              <a:rPr lang="es-ES" sz="2000" dirty="0"/>
+              <a:t>Open </a:t>
+            </a:r>
+            <a:r>
+              <a:rPr lang="en-US" sz="2000" dirty="0"/>
+              <a:t>Source</a:t>
+            </a:r>
+          </a:p>
+          <a:p>
+            <a:pPr marL="171450" lvl="1" indent="-171450"/>
+            <a:r>
+              <a:rPr lang="pt-BR" sz="2000" dirty="0"/>
+              <a:t> Multimodal</a:t>
+            </a:r>
+          </a:p>
+          <a:p>
+            <a:pPr marL="514350" lvl="2" indent="-171450"/>
+            <a:r>
+              <a:rPr lang="pt-BR" sz="1900" dirty="0"/>
+              <a:t>Text, Image</a:t>
+            </a:r>
+            <a:endParaRPr lang="en-US" sz="1900" dirty="0"/>
+          </a:p>
+          <a:p>
+            <a:pPr marL="171450" lvl="1" indent="-171450"/>
+            <a:endParaRPr lang="en-US" sz="2000" dirty="0"/>
+          </a:p>
+        </p:txBody>
+      </p:sp>
+      <p:sp>
+        <p:nvSpPr>
+          <p:cNvPr id="7" name="Content Placeholder 2">
+            <a:extLst>
+              <a:ext uri="{FF2B5EF4-FFF2-40B4-BE49-F238E27FC236}">
+                <a16:creationId xmlns="" xmlns:a16="http://schemas.microsoft.com/office/drawing/2014/main" id="{68A5FD2B-E3E5-1C2B-0151-21F216B14A33}"/>
+              </a:ext>
+            </a:extLst>
+          </p:cNvPr>
+          <p:cNvSpPr txBox="1">
+            <a:spLocks/>
+          </p:cNvSpPr>
+          <p:nvPr/>
+        </p:nvSpPr>
+        <p:spPr>
+          <a:xfrm>
+            <a:off x="4810126" y="1369219"/>
+            <a:ext cx="3686372" cy="3223260"/>
+          </a:xfrm>
+          <a:prstGeom prst="rect">
+            <a:avLst/>
+          </a:prstGeom>
+          <a:noFill/>
+        </p:spPr>
+        <p:txBody>
+          <a:bodyPr vert="horz" lIns="68580" tIns="34290" rIns="68580" bIns="34290" rtlCol="0">
+            <a:normAutofit/>
+          </a:bodyPr>
+          <a:lstStyle/>
+          <a:p>
+            <a:pPr marL="171450" lvl="1" indent="-171450">
+              <a:lnSpc>
+                <a:spcPct val="90000"/>
+              </a:lnSpc>
+              <a:spcBef>
+                <a:spcPts val="750"/>
+              </a:spcBef>
+              <a:spcAft>
+                <a:spcPts val="600"/>
+              </a:spcAft>
+              <a:buClr>
+                <a:schemeClr val="accent2"/>
+              </a:buClr>
+              <a:buFont typeface="Arial" panose="020B0604020202020204" pitchFamily="34" charset="0"/>
+              <a:buChar char="•"/>
+            </a:pPr>
+            <a:r>
+              <a:rPr lang="nl-NL" sz="2000" b="1" dirty="0"/>
+              <a:t>Google</a:t>
+            </a:r>
+          </a:p>
+          <a:p>
+            <a:pPr marL="514350" lvl="2" indent="-171450">
+              <a:lnSpc>
+                <a:spcPct val="90000"/>
+              </a:lnSpc>
+              <a:spcBef>
+                <a:spcPts val="750"/>
+              </a:spcBef>
+              <a:spcAft>
+                <a:spcPts val="600"/>
+              </a:spcAft>
+              <a:buClr>
+                <a:schemeClr val="accent2"/>
+              </a:buClr>
+              <a:buFont typeface="Arial" panose="020B0604020202020204" pitchFamily="34" charset="0"/>
+              <a:buChar char="•"/>
+            </a:pPr>
+            <a:r>
+              <a:rPr lang="nl-NL" sz="2000" dirty="0"/>
+              <a:t>Gemma</a:t>
+            </a:r>
+          </a:p>
+          <a:p>
+            <a:pPr marL="514350" lvl="2" indent="-171450">
+              <a:lnSpc>
+                <a:spcPct val="90000"/>
+              </a:lnSpc>
+              <a:spcBef>
+                <a:spcPts val="750"/>
+              </a:spcBef>
+              <a:spcAft>
+                <a:spcPts val="600"/>
+              </a:spcAft>
+              <a:buClr>
+                <a:schemeClr val="accent2"/>
+              </a:buClr>
+              <a:buFont typeface="Arial" panose="020B0604020202020204" pitchFamily="34" charset="0"/>
+              <a:buChar char="•"/>
+            </a:pPr>
+            <a:r>
+              <a:rPr lang="nl-NL" sz="2000" dirty="0"/>
+              <a:t>Gemma 2</a:t>
+            </a:r>
+          </a:p>
+          <a:p>
+            <a:pPr marL="171450" lvl="1" indent="-171450">
+              <a:lnSpc>
+                <a:spcPct val="90000"/>
+              </a:lnSpc>
+              <a:spcBef>
+                <a:spcPts val="750"/>
+              </a:spcBef>
+              <a:spcAft>
+                <a:spcPts val="600"/>
+              </a:spcAft>
+              <a:buClr>
+                <a:schemeClr val="accent2"/>
+              </a:buClr>
+              <a:buFont typeface="Arial" panose="020B0604020202020204" pitchFamily="34" charset="0"/>
+              <a:buChar char="•"/>
+            </a:pPr>
+            <a:r>
+              <a:rPr lang="en-US" sz="2000" dirty="0"/>
+              <a:t>Access – </a:t>
+            </a:r>
+            <a:r>
+              <a:rPr lang="nl-NL" sz="2000" dirty="0"/>
+              <a:t>Open Source</a:t>
+            </a:r>
+          </a:p>
+          <a:p>
+            <a:pPr marL="171450" lvl="1" indent="-171450">
+              <a:lnSpc>
+                <a:spcPct val="90000"/>
+              </a:lnSpc>
+              <a:spcBef>
+                <a:spcPts val="750"/>
+              </a:spcBef>
+              <a:spcAft>
+                <a:spcPts val="600"/>
+              </a:spcAft>
+              <a:buClr>
+                <a:schemeClr val="accent2"/>
+              </a:buClr>
+              <a:buFont typeface="Arial" panose="020B0604020202020204" pitchFamily="34" charset="0"/>
+              <a:buChar char="•"/>
+            </a:pPr>
+            <a:r>
+              <a:rPr lang="pt-BR" sz="2000" dirty="0"/>
+              <a:t>Multimodal</a:t>
+            </a:r>
+          </a:p>
+          <a:p>
+            <a:pPr marL="514350" lvl="2" indent="-171450">
+              <a:lnSpc>
+                <a:spcPct val="90000"/>
+              </a:lnSpc>
+              <a:spcBef>
+                <a:spcPts val="750"/>
+              </a:spcBef>
+              <a:spcAft>
+                <a:spcPts val="600"/>
+              </a:spcAft>
+              <a:buClr>
+                <a:schemeClr val="accent2"/>
+              </a:buClr>
+              <a:buFont typeface="Arial" panose="020B0604020202020204" pitchFamily="34" charset="0"/>
+              <a:buChar char="•"/>
+            </a:pPr>
+            <a:r>
+              <a:rPr lang="pt-BR" sz="1900" dirty="0"/>
+              <a:t>Text, Image</a:t>
+            </a:r>
+            <a:endParaRPr lang="en-US" sz="1900" dirty="0"/>
+          </a:p>
+          <a:p>
+            <a:pPr marL="171450" lvl="1" indent="-171450">
+              <a:lnSpc>
+                <a:spcPct val="90000"/>
+              </a:lnSpc>
+              <a:spcBef>
+                <a:spcPts val="750"/>
+              </a:spcBef>
+              <a:spcAft>
+                <a:spcPts val="600"/>
+              </a:spcAft>
+              <a:buClr>
+                <a:schemeClr val="accent2"/>
+              </a:buClr>
+              <a:buFont typeface="Arial" panose="020B0604020202020204" pitchFamily="34" charset="0"/>
+              <a:buChar char="•"/>
+            </a:pPr>
+            <a:endParaRPr lang="nl-NL" sz="2000" dirty="0"/>
+          </a:p>
+          <a:p>
+            <a:pPr marL="171450" lvl="1" indent="-171450">
+              <a:lnSpc>
+                <a:spcPct val="90000"/>
+              </a:lnSpc>
+              <a:spcBef>
+                <a:spcPts val="750"/>
+              </a:spcBef>
+              <a:spcAft>
+                <a:spcPts val="600"/>
+              </a:spcAft>
+              <a:buClr>
+                <a:schemeClr val="accent2"/>
+              </a:buClr>
+              <a:buFont typeface="Arial" panose="020B0604020202020204" pitchFamily="34" charset="0"/>
+              <a:buChar char="•"/>
+            </a:pPr>
+            <a:endParaRPr lang="en-US" sz="2000" dirty="0"/>
+          </a:p>
+          <a:p>
+            <a:pPr marL="171450" lvl="1" indent="-171450">
+              <a:lnSpc>
+                <a:spcPct val="90000"/>
+              </a:lnSpc>
+              <a:spcBef>
+                <a:spcPts val="750"/>
+              </a:spcBef>
+              <a:spcAft>
+                <a:spcPts val="600"/>
+              </a:spcAft>
+              <a:buClr>
+                <a:schemeClr val="accent2"/>
+              </a:buClr>
+              <a:buFont typeface="Arial" panose="020B0604020202020204" pitchFamily="34" charset="0"/>
+              <a:buChar char="•"/>
+            </a:pPr>
+            <a:endParaRPr lang="en-US" sz="2000" dirty="0"/>
+          </a:p>
+          <a:p>
+            <a:pPr marL="171450" lvl="1" indent="-171450">
+              <a:lnSpc>
+                <a:spcPct val="90000"/>
+              </a:lnSpc>
+              <a:spcBef>
+                <a:spcPts val="750"/>
+              </a:spcBef>
+              <a:spcAft>
+                <a:spcPts val="600"/>
+              </a:spcAft>
+              <a:buClr>
+                <a:schemeClr val="accent2"/>
+              </a:buClr>
+              <a:buFont typeface="Arial" panose="020B0604020202020204" pitchFamily="34" charset="0"/>
+              <a:buChar char="•"/>
+            </a:pPr>
+            <a:endParaRPr lang="en-US" sz="2000" dirty="0"/>
+          </a:p>
+          <a:p>
+            <a:pPr marL="171450" lvl="1" indent="-171450">
+              <a:lnSpc>
+                <a:spcPct val="90000"/>
+              </a:lnSpc>
+              <a:spcBef>
+                <a:spcPts val="750"/>
+              </a:spcBef>
+              <a:spcAft>
+                <a:spcPts val="600"/>
+              </a:spcAft>
+              <a:buClr>
+                <a:schemeClr val="accent2"/>
+              </a:buClr>
+              <a:buFont typeface="Arial" panose="020B0604020202020204" pitchFamily="34" charset="0"/>
+              <a:buChar char="•"/>
+            </a:pPr>
+            <a:endParaRPr kumimoji="0" lang="en-US" sz="2000" b="0" i="0" u="none" strike="noStrike" kern="1200" cap="none" spc="0" normalizeH="0" baseline="0" noProof="0" dirty="0">
+              <a:ln>
+                <a:noFill/>
+              </a:ln>
+              <a:solidFill>
+                <a:schemeClr val="tx1"/>
+              </a:solidFill>
+              <a:effectLst/>
+              <a:uLnTx/>
+              <a:uFillTx/>
+              <a:latin typeface="+mn-lt"/>
+              <a:ea typeface="+mn-ea"/>
+              <a:cs typeface="+mn-cs"/>
+            </a:endParaRPr>
+          </a:p>
+        </p:txBody>
+      </p:sp>
+    </p:spTree>
+    <p:extLst>
+      <p:ext uri="{BB962C8B-B14F-4D97-AF65-F5344CB8AC3E}">
+        <p14:creationId xmlns="" xmlns:p14="http://schemas.microsoft.com/office/powerpoint/2010/main" val="2737241225"/>
+      </p:ext>
+    </p:extLst>
+  </p:cSld>
+  <p:clrMapOvr>
+    <a:masterClrMapping/>
+  </p:clrMapOvr>
+  <p:timing>
+    <p:tnLst>
+      <p:par>
+        <p:cTn id="1" dur="indefinite" restart="never" nodeType="tmRoot"/>
+      </p:par>
+    </p:tnLst>
+  </p:timing>
+</p:sld>
+</file>
+
+<file path=ppt/slides/slide50.xml><?xml version="1.0" encoding="utf-8"?>
+<p:sld xmlns:a="http://schemas.openxmlformats.org/drawingml/2006/main" xmlns:r="http://schemas.openxmlformats.org/officeDocument/2006/relationships" xmlns:p="http://schemas.openxmlformats.org/presentationml/2006/main">
+  <p:cSld>
+    <p:spTree>
+      <p:nvGrpSpPr>
+        <p:cNvPr id="1" name=""/>
+        <p:cNvGrpSpPr/>
+        <p:nvPr/>
+      </p:nvGrpSpPr>
+      <p:grpSpPr>
+        <a:xfrm>
+          <a:off x="0" y="0"/>
+          <a:ext cx="0" cy="0"/>
+          <a:chOff x="0" y="0"/>
+          <a:chExt cx="0" cy="0"/>
+        </a:xfrm>
+      </p:grpSpPr>
+      <p:sp>
+        <p:nvSpPr>
+          <p:cNvPr id="8" name="Title 1">
+            <a:extLst>
+              <a:ext uri="{FF2B5EF4-FFF2-40B4-BE49-F238E27FC236}">
+                <a16:creationId xmlns="" xmlns:a16="http://schemas.microsoft.com/office/drawing/2014/main" id="{47A9874B-BCA9-8420-1595-EDD1865A099A}"/>
+              </a:ext>
+            </a:extLst>
+          </p:cNvPr>
+          <p:cNvSpPr>
+            <a:spLocks noGrp="1"/>
+          </p:cNvSpPr>
+          <p:nvPr>
+            <p:ph type="title"/>
+          </p:nvPr>
+        </p:nvSpPr>
+        <p:spPr>
+          <a:xfrm>
+            <a:off x="628650" y="273844"/>
+            <a:ext cx="7886700" cy="994172"/>
+          </a:xfrm>
+          <a:noFill/>
+        </p:spPr>
+        <p:txBody>
+          <a:bodyPr anchor="ctr"/>
+          <a:lstStyle/>
+          <a:p>
+            <a:r>
+              <a:rPr lang="en-US" dirty="0"/>
               <a:t>Conclusions</a:t>
             </a:r>
           </a:p>
@@ -40436,7 +40131,7 @@
 </p:sld>
 </file>
 
-<file path=ppt/slides/slide52.xml><?xml version="1.0" encoding="utf-8"?>
+<file path=ppt/slides/slide51.xml><?xml version="1.0" encoding="utf-8"?>
 <p:sld xmlns:a="http://schemas.openxmlformats.org/drawingml/2006/main" xmlns:r="http://schemas.openxmlformats.org/officeDocument/2006/relationships" xmlns:p="http://schemas.openxmlformats.org/presentationml/2006/main">
   <p:cSld>
     <p:spTree>
@@ -40551,7 +40246,7 @@
 </p:sld>
 </file>
 
-<file path=ppt/slides/slide53.xml><?xml version="1.0" encoding="utf-8"?>
+<file path=ppt/slides/slide52.xml><?xml version="1.0" encoding="utf-8"?>
 <p:sld xmlns:a="http://schemas.openxmlformats.org/drawingml/2006/main" xmlns:r="http://schemas.openxmlformats.org/officeDocument/2006/relationships" xmlns:p="http://schemas.openxmlformats.org/presentationml/2006/main">
   <p:cSld>
     <p:spTree>
@@ -41076,6 +40771,368 @@
   <p:clrMapOvr>
     <a:masterClrMapping/>
   </p:clrMapOvr>
+</p:sld>
+</file>
+
+<file path=ppt/slides/slide53.xml><?xml version="1.0" encoding="utf-8"?>
+<p:sld xmlns:a="http://schemas.openxmlformats.org/drawingml/2006/main" xmlns:r="http://schemas.openxmlformats.org/officeDocument/2006/relationships" xmlns:p="http://schemas.openxmlformats.org/presentationml/2006/main">
+  <p:cSld>
+    <p:spTree>
+      <p:nvGrpSpPr>
+        <p:cNvPr id="1" name=""/>
+        <p:cNvGrpSpPr/>
+        <p:nvPr/>
+      </p:nvGrpSpPr>
+      <p:grpSpPr>
+        <a:xfrm>
+          <a:off x="0" y="0"/>
+          <a:ext cx="0" cy="0"/>
+          <a:chOff x="0" y="0"/>
+          <a:chExt cx="0" cy="0"/>
+        </a:xfrm>
+      </p:grpSpPr>
+      <p:sp>
+        <p:nvSpPr>
+          <p:cNvPr id="2" name="Title 1">
+            <a:extLst>
+              <a:ext uri="{FF2B5EF4-FFF2-40B4-BE49-F238E27FC236}">
+                <a16:creationId xmlns="" xmlns:a16="http://schemas.microsoft.com/office/drawing/2014/main" id="{47A9874B-BCA9-8420-1595-EDD1865A099A}"/>
+              </a:ext>
+            </a:extLst>
+          </p:cNvPr>
+          <p:cNvSpPr>
+            <a:spLocks noGrp="1"/>
+          </p:cNvSpPr>
+          <p:nvPr>
+            <p:ph type="title"/>
+          </p:nvPr>
+        </p:nvSpPr>
+        <p:spPr>
+          <a:xfrm>
+            <a:off x="628650" y="273844"/>
+            <a:ext cx="7886700" cy="994172"/>
+          </a:xfrm>
+          <a:noFill/>
+        </p:spPr>
+        <p:txBody>
+          <a:bodyPr anchor="ctr"/>
+          <a:lstStyle/>
+          <a:p>
+            <a:r>
+              <a:rPr lang="en-US" dirty="0" smtClean="0"/>
+              <a:t>LLM – Model Pre-training</a:t>
+            </a:r>
+            <a:endParaRPr lang="en-US" dirty="0"/>
+          </a:p>
+        </p:txBody>
+      </p:sp>
+      <p:sp>
+        <p:nvSpPr>
+          <p:cNvPr id="7" name="Content Placeholder 2">
+            <a:extLst>
+              <a:ext uri="{FF2B5EF4-FFF2-40B4-BE49-F238E27FC236}">
+                <a16:creationId xmlns="" xmlns:a16="http://schemas.microsoft.com/office/drawing/2014/main" id="{A6A33159-D030-2F82-A142-F75940728319}"/>
+              </a:ext>
+            </a:extLst>
+          </p:cNvPr>
+          <p:cNvSpPr>
+            <a:spLocks noGrp="1"/>
+          </p:cNvSpPr>
+          <p:nvPr>
+            <p:ph sz="quarter" idx="4294967295"/>
+          </p:nvPr>
+        </p:nvSpPr>
+        <p:spPr>
+          <a:xfrm>
+            <a:off x="628650" y="1378574"/>
+            <a:ext cx="3638550" cy="3213667"/>
+          </a:xfrm>
+          <a:prstGeom prst="rect">
+            <a:avLst/>
+          </a:prstGeom>
+          <a:noFill/>
+        </p:spPr>
+        <p:txBody>
+          <a:bodyPr vert="horz" lIns="68580" tIns="34290" rIns="68580" bIns="34290" rtlCol="0" anchor="t">
+            <a:normAutofit/>
+          </a:bodyPr>
+          <a:lstStyle/>
+          <a:p>
+            <a:pPr marL="171450" lvl="1">
+              <a:spcBef>
+                <a:spcPts val="750"/>
+              </a:spcBef>
+              <a:spcAft>
+                <a:spcPts val="600"/>
+              </a:spcAft>
+              <a:buClr>
+                <a:schemeClr val="accent2"/>
+              </a:buClr>
+            </a:pPr>
+            <a:r>
+              <a:rPr lang="en-US" sz="2000" dirty="0" smtClean="0"/>
+              <a:t>Encoder only LLM</a:t>
+            </a:r>
+            <a:endParaRPr lang="en-US" sz="2000" dirty="0"/>
+          </a:p>
+          <a:p>
+            <a:pPr marL="514350" lvl="2">
+              <a:spcBef>
+                <a:spcPts val="750"/>
+              </a:spcBef>
+              <a:spcAft>
+                <a:spcPts val="600"/>
+              </a:spcAft>
+              <a:buClr>
+                <a:schemeClr val="accent2"/>
+              </a:buClr>
+            </a:pPr>
+            <a:r>
+              <a:rPr lang="en-US" sz="1700" dirty="0" smtClean="0"/>
+              <a:t>Auto–encoding models </a:t>
+            </a:r>
+          </a:p>
+          <a:p>
+            <a:pPr marL="514350" lvl="2">
+              <a:spcBef>
+                <a:spcPts val="750"/>
+              </a:spcBef>
+              <a:spcAft>
+                <a:spcPts val="600"/>
+              </a:spcAft>
+              <a:buClr>
+                <a:schemeClr val="accent2"/>
+              </a:buClr>
+            </a:pPr>
+            <a:r>
+              <a:rPr lang="en-US" sz="1700" dirty="0" smtClean="0"/>
+              <a:t>Masked Language Modeling</a:t>
+            </a:r>
+          </a:p>
+          <a:p>
+            <a:pPr marL="514350" lvl="2">
+              <a:spcBef>
+                <a:spcPts val="750"/>
+              </a:spcBef>
+              <a:spcAft>
+                <a:spcPts val="600"/>
+              </a:spcAft>
+              <a:buClr>
+                <a:schemeClr val="accent2"/>
+              </a:buClr>
+            </a:pPr>
+            <a:r>
+              <a:rPr lang="en-US" sz="1700" dirty="0" smtClean="0"/>
+              <a:t>Reconstruct text</a:t>
+            </a:r>
+          </a:p>
+          <a:p>
+            <a:pPr marL="514350" lvl="2">
+              <a:spcBef>
+                <a:spcPts val="750"/>
+              </a:spcBef>
+              <a:spcAft>
+                <a:spcPts val="600"/>
+              </a:spcAft>
+              <a:buClr>
+                <a:schemeClr val="accent2"/>
+              </a:buClr>
+            </a:pPr>
+            <a:r>
+              <a:rPr lang="en-US" sz="1700" dirty="0" smtClean="0"/>
+              <a:t>De–noising objective    </a:t>
+            </a:r>
+          </a:p>
+          <a:p>
+            <a:pPr marL="514350" lvl="2">
+              <a:spcBef>
+                <a:spcPts val="750"/>
+              </a:spcBef>
+              <a:spcAft>
+                <a:spcPts val="600"/>
+              </a:spcAft>
+              <a:buClr>
+                <a:schemeClr val="accent2"/>
+              </a:buClr>
+            </a:pPr>
+            <a:r>
+              <a:rPr lang="en-US" sz="1700" dirty="0" smtClean="0"/>
+              <a:t>Bidirectional context</a:t>
+            </a:r>
+            <a:endParaRPr lang="en-US" sz="2000" dirty="0"/>
+          </a:p>
+        </p:txBody>
+      </p:sp>
+      <p:sp>
+        <p:nvSpPr>
+          <p:cNvPr id="4" name="Content Placeholder 2">
+            <a:extLst>
+              <a:ext uri="{FF2B5EF4-FFF2-40B4-BE49-F238E27FC236}">
+                <a16:creationId xmlns="" xmlns:a16="http://schemas.microsoft.com/office/drawing/2014/main" id="{A6A33159-D030-2F82-A142-F75940728319}"/>
+              </a:ext>
+            </a:extLst>
+          </p:cNvPr>
+          <p:cNvSpPr>
+            <a:spLocks noGrp="1"/>
+          </p:cNvSpPr>
+          <p:nvPr>
+            <p:ph sz="quarter" idx="4294967295"/>
+          </p:nvPr>
+        </p:nvSpPr>
+        <p:spPr>
+          <a:xfrm>
+            <a:off x="4714875" y="1378574"/>
+            <a:ext cx="3638550" cy="3213667"/>
+          </a:xfrm>
+          <a:prstGeom prst="rect">
+            <a:avLst/>
+          </a:prstGeom>
+          <a:noFill/>
+        </p:spPr>
+        <p:txBody>
+          <a:bodyPr vert="horz" lIns="68580" tIns="34290" rIns="68580" bIns="34290" rtlCol="0" anchor="t">
+            <a:normAutofit/>
+          </a:bodyPr>
+          <a:lstStyle/>
+          <a:p>
+            <a:pPr marL="171450" lvl="1">
+              <a:spcBef>
+                <a:spcPts val="750"/>
+              </a:spcBef>
+              <a:spcAft>
+                <a:spcPts val="600"/>
+              </a:spcAft>
+              <a:buClr>
+                <a:schemeClr val="accent2"/>
+              </a:buClr>
+            </a:pPr>
+            <a:r>
+              <a:rPr lang="en-US" sz="2000" dirty="0" smtClean="0"/>
+              <a:t>Applications</a:t>
+            </a:r>
+            <a:endParaRPr lang="en-US" sz="2000" dirty="0"/>
+          </a:p>
+          <a:p>
+            <a:pPr marL="514350" lvl="2">
+              <a:spcBef>
+                <a:spcPts val="750"/>
+              </a:spcBef>
+              <a:spcAft>
+                <a:spcPts val="600"/>
+              </a:spcAft>
+              <a:buClr>
+                <a:schemeClr val="accent2"/>
+              </a:buClr>
+            </a:pPr>
+            <a:r>
+              <a:rPr lang="en-US" sz="1700" dirty="0" smtClean="0"/>
+              <a:t>Sentiment analysis</a:t>
+            </a:r>
+            <a:endParaRPr lang="en-US" sz="1700" dirty="0"/>
+          </a:p>
+          <a:p>
+            <a:pPr marL="514350" lvl="2">
+              <a:spcBef>
+                <a:spcPts val="750"/>
+              </a:spcBef>
+              <a:spcAft>
+                <a:spcPts val="600"/>
+              </a:spcAft>
+              <a:buClr>
+                <a:schemeClr val="accent2"/>
+              </a:buClr>
+            </a:pPr>
+            <a:r>
+              <a:rPr lang="en-US" sz="1700" dirty="0" smtClean="0"/>
+              <a:t>Word classification</a:t>
+            </a:r>
+            <a:endParaRPr lang="en-US" sz="1400" dirty="0"/>
+          </a:p>
+          <a:p>
+            <a:pPr marL="171450" lvl="1">
+              <a:spcBef>
+                <a:spcPts val="750"/>
+              </a:spcBef>
+              <a:spcAft>
+                <a:spcPts val="600"/>
+              </a:spcAft>
+              <a:buClr>
+                <a:schemeClr val="accent2"/>
+              </a:buClr>
+            </a:pPr>
+            <a:r>
+              <a:rPr lang="en-IN" sz="2000" dirty="0" smtClean="0"/>
+              <a:t>Examples</a:t>
+            </a:r>
+          </a:p>
+          <a:p>
+            <a:pPr marL="514350" lvl="2">
+              <a:spcBef>
+                <a:spcPts val="750"/>
+              </a:spcBef>
+              <a:spcAft>
+                <a:spcPts val="600"/>
+              </a:spcAft>
+              <a:buClr>
+                <a:schemeClr val="accent2"/>
+              </a:buClr>
+            </a:pPr>
+            <a:r>
+              <a:rPr lang="en-IN" sz="1700" dirty="0" smtClean="0"/>
+              <a:t>BERT model</a:t>
+            </a:r>
+          </a:p>
+          <a:p>
+            <a:pPr marL="514350" lvl="2">
+              <a:spcBef>
+                <a:spcPts val="750"/>
+              </a:spcBef>
+              <a:spcAft>
+                <a:spcPts val="600"/>
+              </a:spcAft>
+              <a:buClr>
+                <a:schemeClr val="accent2"/>
+              </a:buClr>
+            </a:pPr>
+            <a:r>
+              <a:rPr lang="en-IN" sz="1700" dirty="0" smtClean="0"/>
+              <a:t>ROBERTA model </a:t>
+            </a:r>
+            <a:endParaRPr lang="en-IN" sz="1700" dirty="0"/>
+          </a:p>
+          <a:p>
+            <a:pPr marL="171450" lvl="1">
+              <a:spcBef>
+                <a:spcPts val="750"/>
+              </a:spcBef>
+              <a:spcAft>
+                <a:spcPts val="600"/>
+              </a:spcAft>
+              <a:buClr>
+                <a:schemeClr val="accent2"/>
+              </a:buClr>
+            </a:pPr>
+            <a:endParaRPr lang="en-US" sz="1700" dirty="0"/>
+          </a:p>
+        </p:txBody>
+      </p:sp>
+    </p:spTree>
+    <p:extLst>
+      <p:ext uri="{BB962C8B-B14F-4D97-AF65-F5344CB8AC3E}">
+        <p14:creationId xmlns="" xmlns:p14="http://schemas.microsoft.com/office/powerpoint/2010/main" val="1127649784"/>
+      </p:ext>
+    </p:extLst>
+  </p:cSld>
+  <p:clrMapOvr>
+    <a:masterClrMapping/>
+  </p:clrMapOvr>
+  <p:timing>
+    <p:tnLst>
+      <p:par>
+        <p:cTn id="1" dur="indefinite" restart="never" nodeType="tmRoot"/>
+      </p:par>
+    </p:tnLst>
+  </p:timing>
 </p:sld>
 </file>
 
@@ -41176,7 +41233,7 @@
             </a:pPr>
             <a:r>
               <a:rPr lang="en-US" sz="2000" dirty="0" smtClean="0"/>
-              <a:t>Encoder only LLM</a:t>
+              <a:t>Decoder only LLM</a:t>
             </a:r>
             <a:endParaRPr lang="en-US" sz="2000" dirty="0"/>
           </a:p>
@@ -41194,7 +41251,7 @@
             </a:pPr>
             <a:r>
               <a:rPr lang="en-US" sz="1700" dirty="0" smtClean="0"/>
-              <a:t>Auto–encoding models </a:t>
+              <a:t>Autoregressive models </a:t>
             </a:r>
           </a:p>
           <a:p>
@@ -41211,7 +41268,7 @@
             </a:pPr>
             <a:r>
               <a:rPr lang="en-US" sz="1700" dirty="0" smtClean="0"/>
-              <a:t>Masked Language Modeling</a:t>
+              <a:t>No encoder model</a:t>
             </a:r>
           </a:p>
           <a:p>
@@ -41228,7 +41285,7 @@
             </a:pPr>
             <a:r>
               <a:rPr lang="en-US" sz="1700" dirty="0" smtClean="0"/>
-              <a:t>Reconstruct text</a:t>
+              <a:t>Causal Language Modeling</a:t>
             </a:r>
           </a:p>
           <a:p>
@@ -41245,7 +41302,7 @@
             </a:pPr>
             <a:r>
               <a:rPr lang="en-US" sz="1700" dirty="0" smtClean="0"/>
-              <a:t>De–noising objective    </a:t>
+              <a:t>Predict next token</a:t>
             </a:r>
           </a:p>
           <a:p>
@@ -41262,7 +41319,24 @@
             </a:pPr>
             <a:r>
               <a:rPr lang="en-US" sz="1700" dirty="0" smtClean="0"/>
-              <a:t>Bidirectional context</a:t>
+              <a:t>Unidirectional context</a:t>
+            </a:r>
+          </a:p>
+          <a:p>
+            <a:pPr marL="514350" lvl="2">
+              <a:spcBef>
+                <a:spcPts val="750"/>
+              </a:spcBef>
+              <a:spcAft>
+                <a:spcPts val="600"/>
+              </a:spcAft>
+              <a:buClr>
+                <a:schemeClr val="accent2"/>
+              </a:buClr>
+            </a:pPr>
+            <a:r>
+              <a:rPr lang="en-US" sz="1700" dirty="0" smtClean="0"/>
+              <a:t>Statistical representation of language  </a:t>
             </a:r>
             <a:endParaRPr lang="en-US" sz="2000" dirty="0"/>
           </a:p>
@@ -41331,7 +41405,7 @@
             </a:pPr>
             <a:r>
               <a:rPr lang="en-US" sz="1700" dirty="0" smtClean="0"/>
-              <a:t>Sentiment analysis</a:t>
+              <a:t>Text generation</a:t>
             </a:r>
             <a:endParaRPr lang="en-US" sz="1700" dirty="0"/>
           </a:p>
@@ -41349,9 +41423,9 @@
             </a:pPr>
             <a:r>
               <a:rPr lang="en-US" sz="1700" dirty="0" smtClean="0"/>
-              <a:t>Word classification</a:t>
-            </a:r>
-            <a:endParaRPr lang="en-US" sz="1400" dirty="0"/>
+              <a:t>Zero–shot inference </a:t>
+            </a:r>
+            <a:endParaRPr lang="en-US" sz="1700" dirty="0"/>
           </a:p>
           <a:p>
             <a:pPr marL="171450" lvl="1">
@@ -41383,8 +41457,12 @@
               </a:buClr>
             </a:pPr>
             <a:r>
+              <a:rPr lang="en-IN" sz="1700" dirty="0" err="1" smtClean="0"/>
+              <a:t>OpenAI</a:t>
+            </a:r>
+            <a:r>
               <a:rPr lang="en-IN" sz="1700" dirty="0" smtClean="0"/>
-              <a:t>BERT model</a:t>
+              <a:t> GPT</a:t>
             </a:r>
           </a:p>
           <a:p>
@@ -41401,7 +41479,7 @@
             </a:pPr>
             <a:r>
               <a:rPr lang="en-IN" sz="1700" dirty="0" smtClean="0"/>
-              <a:t>ROBERTA model </a:t>
+              <a:t>Meta Llama </a:t>
             </a:r>
             <a:endParaRPr lang="en-IN" sz="1700" dirty="0"/>
           </a:p>
@@ -41512,7 +41590,7 @@
         <p:spPr>
           <a:xfrm>
             <a:off x="628650" y="1378574"/>
-            <a:ext cx="3638550" cy="3213667"/>
+            <a:ext cx="3781222" cy="3213667"/>
           </a:xfrm>
           <a:prstGeom prst="rect">
             <a:avLst/>
@@ -41538,7 +41616,7 @@
             </a:pPr>
             <a:r>
               <a:rPr lang="en-US" sz="2000" dirty="0" smtClean="0"/>
-              <a:t>Decoder only LLM</a:t>
+              <a:t>Encoder–Decoder LLM</a:t>
             </a:r>
             <a:endParaRPr lang="en-US" sz="2000" dirty="0"/>
           </a:p>
@@ -41556,7 +41634,7 @@
             </a:pPr>
             <a:r>
               <a:rPr lang="en-US" sz="1700" dirty="0" smtClean="0"/>
-              <a:t>Autoregressive models </a:t>
+              <a:t>Encoder and Decoder</a:t>
             </a:r>
           </a:p>
           <a:p>
@@ -41573,7 +41651,7 @@
             </a:pPr>
             <a:r>
               <a:rPr lang="en-US" sz="1700" dirty="0" smtClean="0"/>
-              <a:t>No encoder model</a:t>
+              <a:t>Sequence-to-sequence models </a:t>
             </a:r>
           </a:p>
           <a:p>
@@ -41590,7 +41668,45 @@
             </a:pPr>
             <a:r>
               <a:rPr lang="en-US" sz="1700" dirty="0" smtClean="0"/>
-              <a:t>Causal Language Modeling</a:t>
+              <a:t>Span corruption – T5 model</a:t>
+            </a:r>
+          </a:p>
+          <a:p>
+            <a:pPr marL="857250" lvl="3">
+              <a:spcBef>
+                <a:spcPts val="750"/>
+              </a:spcBef>
+              <a:spcAft>
+                <a:spcPts val="600"/>
+              </a:spcAft>
+              <a:buClr>
+                <a:schemeClr val="accent2"/>
+              </a:buClr>
+            </a:pPr>
+            <a:r>
+              <a:rPr lang="en-US" sz="1600" smtClean="0"/>
+              <a:t>Mask random </a:t>
+            </a:r>
+            <a:r>
+              <a:rPr lang="en-US" sz="1600" dirty="0" smtClean="0"/>
+              <a:t>input tokens</a:t>
+            </a:r>
+          </a:p>
+          <a:p>
+            <a:pPr marL="857250" lvl="3">
+              <a:spcBef>
+                <a:spcPts val="750"/>
+              </a:spcBef>
+              <a:spcAft>
+                <a:spcPts val="600"/>
+              </a:spcAft>
+              <a:buClr>
+                <a:schemeClr val="accent2"/>
+              </a:buClr>
+            </a:pPr>
+            <a:r>
+              <a:rPr lang="en-US" sz="1600" dirty="0" smtClean="0"/>
+              <a:t>Reconstruct masked input tokens</a:t>
             </a:r>
           </a:p>
           <a:p>
@@ -41607,43 +41723,9 @@
             </a:pPr>
             <a:r>
               <a:rPr lang="en-US" sz="1700" dirty="0" smtClean="0"/>
-              <a:t>Predict next token</a:t>
-            </a:r>
-          </a:p>
-          <a:p>
-            <a:pPr marL="514350" lvl="2">
-              <a:spcBef>
-                <a:spcPts val="750"/>
-              </a:spcBef>
-              <a:spcAft>
-                <a:spcPts val="600"/>
-              </a:spcAft>
-              <a:buClr>
-                <a:schemeClr val="accent2"/>
-              </a:buClr>
-            </a:pPr>
-            <a:r>
-              <a:rPr lang="en-US" sz="1700" dirty="0" smtClean="0"/>
-              <a:t>Unidirectional context</a:t>
-            </a:r>
-          </a:p>
-          <a:p>
-            <a:pPr marL="514350" lvl="2">
-              <a:spcBef>
-                <a:spcPts val="750"/>
-              </a:spcBef>
-              <a:spcAft>
-                <a:spcPts val="600"/>
-              </a:spcAft>
-              <a:buClr>
-                <a:schemeClr val="accent2"/>
-              </a:buClr>
-            </a:pPr>
-            <a:r>
-              <a:rPr lang="en-US" sz="1700" dirty="0" smtClean="0"/>
-              <a:t>Statistical representation of language  </a:t>
-            </a:r>
-            <a:endParaRPr lang="en-US" sz="2000" dirty="0"/>
+              <a:t>Bidirectional context    </a:t>
+            </a:r>
+            <a:endParaRPr lang="en-US" sz="1700" dirty="0"/>
           </a:p>
         </p:txBody>
       </p:sp>
@@ -41710,7 +41792,7 @@
             </a:pPr>
             <a:r>
               <a:rPr lang="en-US" sz="1700" dirty="0" smtClean="0"/>
-              <a:t>Text generation</a:t>
+              <a:t>Machine translation</a:t>
             </a:r>
             <a:endParaRPr lang="en-US" sz="1700" dirty="0"/>
           </a:p>
@@ -41728,7 +41810,24 @@
             </a:pPr>
             <a:r>
               <a:rPr lang="en-US" sz="1700" dirty="0" smtClean="0"/>
-              <a:t>Zero–shot inference </a:t>
+              <a:t>Text summarization</a:t>
+            </a:r>
+          </a:p>
+          <a:p>
+            <a:pPr marL="514350" lvl="2">
+              <a:spcBef>
+                <a:spcPts val="750"/>
+              </a:spcBef>
+              <a:spcAft>
+                <a:spcPts val="600"/>
+              </a:spcAft>
+              <a:buClr>
+                <a:schemeClr val="accent2"/>
+              </a:buClr>
+            </a:pPr>
+            <a:r>
+              <a:rPr lang="en-US" sz="1700" dirty="0" smtClean="0"/>
+              <a:t>Question &amp; Answering </a:t>
             </a:r>
             <a:endParaRPr lang="en-US" sz="1700" dirty="0"/>
           </a:p>
@@ -41762,29 +41861,8 @@
               </a:buClr>
             </a:pPr>
             <a:r>
-              <a:rPr lang="en-IN" sz="1700" dirty="0" err="1" smtClean="0"/>
-              <a:t>OpenAI</a:t>
-            </a:r>
-            <a:r>
               <a:rPr lang="en-IN" sz="1700" dirty="0" smtClean="0"/>
-              <a:t> GPT</a:t>
-            </a:r>
-          </a:p>
-          <a:p>
-            <a:pPr marL="514350" lvl="2">
-              <a:spcBef>
-                <a:spcPts val="750"/>
-              </a:spcBef>
-              <a:spcAft>
-                <a:spcPts val="600"/>
-              </a:spcAft>
-              <a:buClr>
-                <a:schemeClr val="accent2"/>
-              </a:buClr>
-            </a:pPr>
-            <a:r>
-              <a:rPr lang="en-IN" sz="1700" dirty="0" smtClean="0"/>
-              <a:t>Meta Llama </a:t>
+              <a:t>Text-to-Text Transfer Transformer – T5 model </a:t>
             </a:r>
             <a:endParaRPr lang="en-IN" sz="1700" dirty="0"/>
           </a:p>
@@ -41870,389 +41948,6 @@
           <a:p>
             <a:r>
               <a:rPr lang="en-US" dirty="0" smtClean="0"/>
-              <a:t>LLM – Model Pre-training</a:t>
-            </a:r>
-            <a:endParaRPr lang="en-US" dirty="0"/>
-          </a:p>
-        </p:txBody>
-      </p:sp>
-      <p:sp>
-        <p:nvSpPr>
-          <p:cNvPr id="7" name="Content Placeholder 2">
-            <a:extLst>
-              <a:ext uri="{FF2B5EF4-FFF2-40B4-BE49-F238E27FC236}">
-                <a16:creationId xmlns="" xmlns:a16="http://schemas.microsoft.com/office/drawing/2014/main" id="{A6A33159-D030-2F82-A142-F75940728319}"/>
-              </a:ext>
-            </a:extLst>
-          </p:cNvPr>
-          <p:cNvSpPr>
-            <a:spLocks noGrp="1"/>
-          </p:cNvSpPr>
-          <p:nvPr>
-            <p:ph sz="quarter" idx="4294967295"/>
-          </p:nvPr>
-        </p:nvSpPr>
-        <p:spPr>
-          <a:xfrm>
-            <a:off x="628650" y="1378574"/>
-            <a:ext cx="3781222" cy="3213667"/>
-          </a:xfrm>
-          <a:prstGeom prst="rect">
-            <a:avLst/>
-          </a:prstGeom>
-          <a:noFill/>
-        </p:spPr>
-        <p:txBody>
-          <a:bodyPr vert="horz" lIns="68580" tIns="34290" rIns="68580" bIns="34290" rtlCol="0" anchor="t">
-            <a:normAutofit/>
-          </a:bodyPr>
-          <a:lstStyle/>
-          <a:p>
-            <a:pPr marL="171450" lvl="1">
-              <a:spcBef>
-                <a:spcPts val="750"/>
-              </a:spcBef>
-              <a:spcAft>
-                <a:spcPts val="600"/>
-              </a:spcAft>
-              <a:buClr>
-                <a:schemeClr val="accent2"/>
-              </a:buClr>
-            </a:pPr>
-            <a:r>
-              <a:rPr lang="en-US" sz="2000" dirty="0" smtClean="0"/>
-              <a:t>Encoder–Decoder LLM</a:t>
-            </a:r>
-            <a:endParaRPr lang="en-US" sz="2000" dirty="0"/>
-          </a:p>
-          <a:p>
-            <a:pPr marL="514350" lvl="2">
-              <a:spcBef>
-                <a:spcPts val="750"/>
-              </a:spcBef>
-              <a:spcAft>
-                <a:spcPts val="600"/>
-              </a:spcAft>
-              <a:buClr>
-                <a:schemeClr val="accent2"/>
-              </a:buClr>
-            </a:pPr>
-            <a:r>
-              <a:rPr lang="en-US" sz="1700" dirty="0" smtClean="0"/>
-              <a:t>Encoder and Decoder</a:t>
-            </a:r>
-          </a:p>
-          <a:p>
-            <a:pPr marL="514350" lvl="2">
-              <a:spcBef>
-                <a:spcPts val="750"/>
-              </a:spcBef>
-              <a:spcAft>
-                <a:spcPts val="600"/>
-              </a:spcAft>
-              <a:buClr>
-                <a:schemeClr val="accent2"/>
-              </a:buClr>
-            </a:pPr>
-            <a:r>
-              <a:rPr lang="en-US" sz="1700" dirty="0" smtClean="0"/>
-              <a:t>Sequence-to-sequence models </a:t>
-            </a:r>
-          </a:p>
-          <a:p>
-            <a:pPr marL="514350" lvl="2">
-              <a:spcBef>
-                <a:spcPts val="750"/>
-              </a:spcBef>
-              <a:spcAft>
-                <a:spcPts val="600"/>
-              </a:spcAft>
-              <a:buClr>
-                <a:schemeClr val="accent2"/>
-              </a:buClr>
-            </a:pPr>
-            <a:r>
-              <a:rPr lang="en-US" sz="1700" dirty="0" smtClean="0"/>
-              <a:t>Span corruption – T5 model</a:t>
-            </a:r>
-          </a:p>
-          <a:p>
-            <a:pPr marL="857250" lvl="3">
-              <a:spcBef>
-                <a:spcPts val="750"/>
-              </a:spcBef>
-              <a:spcAft>
-                <a:spcPts val="600"/>
-              </a:spcAft>
-              <a:buClr>
-                <a:schemeClr val="accent2"/>
-              </a:buClr>
-            </a:pPr>
-            <a:r>
-              <a:rPr lang="en-US" sz="1600" smtClean="0"/>
-              <a:t>Mask random </a:t>
-            </a:r>
-            <a:r>
-              <a:rPr lang="en-US" sz="1600" dirty="0" smtClean="0"/>
-              <a:t>input tokens</a:t>
-            </a:r>
-          </a:p>
-          <a:p>
-            <a:pPr marL="857250" lvl="3">
-              <a:spcBef>
-                <a:spcPts val="750"/>
-              </a:spcBef>
-              <a:spcAft>
-                <a:spcPts val="600"/>
-              </a:spcAft>
-              <a:buClr>
-                <a:schemeClr val="accent2"/>
-              </a:buClr>
-            </a:pPr>
-            <a:r>
-              <a:rPr lang="en-US" sz="1600" dirty="0" smtClean="0"/>
-              <a:t>Reconstruct masked input tokens</a:t>
-            </a:r>
-          </a:p>
-          <a:p>
-            <a:pPr marL="514350" lvl="2">
-              <a:spcBef>
-                <a:spcPts val="750"/>
-              </a:spcBef>
-              <a:spcAft>
-                <a:spcPts val="600"/>
-              </a:spcAft>
-              <a:buClr>
-                <a:schemeClr val="accent2"/>
-              </a:buClr>
-            </a:pPr>
-            <a:r>
-              <a:rPr lang="en-US" sz="1700" dirty="0" smtClean="0"/>
-              <a:t>Bidirectional context    </a:t>
-            </a:r>
-            <a:endParaRPr lang="en-US" sz="1700" dirty="0"/>
-          </a:p>
-        </p:txBody>
-      </p:sp>
-      <p:sp>
-        <p:nvSpPr>
-          <p:cNvPr id="4" name="Content Placeholder 2">
-            <a:extLst>
-              <a:ext uri="{FF2B5EF4-FFF2-40B4-BE49-F238E27FC236}">
-                <a16:creationId xmlns="" xmlns:a16="http://schemas.microsoft.com/office/drawing/2014/main" id="{A6A33159-D030-2F82-A142-F75940728319}"/>
-              </a:ext>
-            </a:extLst>
-          </p:cNvPr>
-          <p:cNvSpPr>
-            <a:spLocks noGrp="1"/>
-          </p:cNvSpPr>
-          <p:nvPr>
-            <p:ph sz="quarter" idx="4294967295"/>
-          </p:nvPr>
-        </p:nvSpPr>
-        <p:spPr>
-          <a:xfrm>
-            <a:off x="4714875" y="1378574"/>
-            <a:ext cx="3638550" cy="3213667"/>
-          </a:xfrm>
-          <a:prstGeom prst="rect">
-            <a:avLst/>
-          </a:prstGeom>
-          <a:noFill/>
-        </p:spPr>
-        <p:txBody>
-          <a:bodyPr vert="horz" lIns="68580" tIns="34290" rIns="68580" bIns="34290" rtlCol="0" anchor="t">
-            <a:normAutofit/>
-          </a:bodyPr>
-          <a:lstStyle/>
-          <a:p>
-            <a:pPr marL="171450" lvl="1">
-              <a:spcBef>
-                <a:spcPts val="750"/>
-              </a:spcBef>
-              <a:spcAft>
-                <a:spcPts val="600"/>
-              </a:spcAft>
-              <a:buClr>
-                <a:schemeClr val="accent2"/>
-              </a:buClr>
-            </a:pPr>
-            <a:r>
-              <a:rPr lang="en-US" sz="2000" dirty="0" smtClean="0"/>
-              <a:t>Applications</a:t>
-            </a:r>
-            <a:endParaRPr lang="en-US" sz="2000" dirty="0"/>
-          </a:p>
-          <a:p>
-            <a:pPr marL="514350" lvl="2">
-              <a:spcBef>
-                <a:spcPts val="750"/>
-              </a:spcBef>
-              <a:spcAft>
-                <a:spcPts val="600"/>
-              </a:spcAft>
-              <a:buClr>
-                <a:schemeClr val="accent2"/>
-              </a:buClr>
-            </a:pPr>
-            <a:r>
-              <a:rPr lang="en-US" sz="1700" dirty="0" smtClean="0"/>
-              <a:t>Machine translation</a:t>
-            </a:r>
-            <a:endParaRPr lang="en-US" sz="1700" dirty="0"/>
-          </a:p>
-          <a:p>
-            <a:pPr marL="514350" lvl="2">
-              <a:spcBef>
-                <a:spcPts val="750"/>
-              </a:spcBef>
-              <a:spcAft>
-                <a:spcPts val="600"/>
-              </a:spcAft>
-              <a:buClr>
-                <a:schemeClr val="accent2"/>
-              </a:buClr>
-            </a:pPr>
-            <a:r>
-              <a:rPr lang="en-US" sz="1700" dirty="0" smtClean="0"/>
-              <a:t>Text summarization</a:t>
-            </a:r>
-          </a:p>
-          <a:p>
-            <a:pPr marL="514350" lvl="2">
-              <a:spcBef>
-                <a:spcPts val="750"/>
-              </a:spcBef>
-              <a:spcAft>
-                <a:spcPts val="600"/>
-              </a:spcAft>
-              <a:buClr>
-                <a:schemeClr val="accent2"/>
-              </a:buClr>
-            </a:pPr>
-            <a:r>
-              <a:rPr lang="en-US" sz="1700" dirty="0" smtClean="0"/>
-              <a:t>Question &amp; Answering </a:t>
-            </a:r>
-            <a:endParaRPr lang="en-US" sz="1700" dirty="0"/>
-          </a:p>
-          <a:p>
-            <a:pPr marL="171450" lvl="1">
-              <a:spcBef>
-                <a:spcPts val="750"/>
-              </a:spcBef>
-              <a:spcAft>
-                <a:spcPts val="600"/>
-              </a:spcAft>
-              <a:buClr>
-                <a:schemeClr val="accent2"/>
-              </a:buClr>
-            </a:pPr>
-            <a:r>
-              <a:rPr lang="en-IN" sz="2000" dirty="0" smtClean="0"/>
-              <a:t>Examples</a:t>
-            </a:r>
-          </a:p>
-          <a:p>
-            <a:pPr marL="514350" lvl="2">
-              <a:spcBef>
-                <a:spcPts val="750"/>
-              </a:spcBef>
-              <a:spcAft>
-                <a:spcPts val="600"/>
-              </a:spcAft>
-              <a:buClr>
-                <a:schemeClr val="accent2"/>
-              </a:buClr>
-            </a:pPr>
-            <a:r>
-              <a:rPr lang="en-IN" sz="1700" dirty="0" smtClean="0"/>
-              <a:t>Text-to-Text Transfer Transformer – T5 model </a:t>
-            </a:r>
-            <a:endParaRPr lang="en-IN" sz="1700" dirty="0"/>
-          </a:p>
-          <a:p>
-            <a:pPr marL="171450" lvl="1">
-              <a:spcBef>
-                <a:spcPts val="750"/>
-              </a:spcBef>
-              <a:spcAft>
-                <a:spcPts val="600"/>
-              </a:spcAft>
-              <a:buClr>
-                <a:schemeClr val="accent2"/>
-              </a:buClr>
-            </a:pPr>
-            <a:endParaRPr lang="en-US" sz="1700" dirty="0"/>
-          </a:p>
-        </p:txBody>
-      </p:sp>
-    </p:spTree>
-    <p:extLst>
-      <p:ext uri="{BB962C8B-B14F-4D97-AF65-F5344CB8AC3E}">
-        <p14:creationId xmlns="" xmlns:p14="http://schemas.microsoft.com/office/powerpoint/2010/main" val="1127649784"/>
-      </p:ext>
-    </p:extLst>
-  </p:cSld>
-  <p:clrMapOvr>
-    <a:masterClrMapping/>
-  </p:clrMapOvr>
-  <p:timing>
-    <p:tnLst>
-      <p:par>
-        <p:cTn id="1" dur="indefinite" restart="never" nodeType="tmRoot"/>
-      </p:par>
-    </p:tnLst>
-  </p:timing>
-</p:sld>
-</file>
-
-<file path=ppt/slides/slide57.xml><?xml version="1.0" encoding="utf-8"?>
-<p:sld xmlns:a="http://schemas.openxmlformats.org/drawingml/2006/main" xmlns:r="http://schemas.openxmlformats.org/officeDocument/2006/relationships" xmlns:p="http://schemas.openxmlformats.org/presentationml/2006/main">
-  <p:cSld>
-    <p:spTree>
-      <p:nvGrpSpPr>
-        <p:cNvPr id="1" name=""/>
-        <p:cNvGrpSpPr/>
-        <p:nvPr/>
-      </p:nvGrpSpPr>
-      <p:grpSpPr>
-        <a:xfrm>
-          <a:off x="0" y="0"/>
-          <a:ext cx="0" cy="0"/>
-          <a:chOff x="0" y="0"/>
-          <a:chExt cx="0" cy="0"/>
-        </a:xfrm>
-      </p:grpSpPr>
-      <p:sp>
-        <p:nvSpPr>
-          <p:cNvPr id="2" name="Title 1">
-            <a:extLst>
-              <a:ext uri="{FF2B5EF4-FFF2-40B4-BE49-F238E27FC236}">
-                <a16:creationId xmlns="" xmlns:a16="http://schemas.microsoft.com/office/drawing/2014/main" id="{47A9874B-BCA9-8420-1595-EDD1865A099A}"/>
-              </a:ext>
-            </a:extLst>
-          </p:cNvPr>
-          <p:cNvSpPr>
-            <a:spLocks noGrp="1"/>
-          </p:cNvSpPr>
-          <p:nvPr>
-            <p:ph type="title"/>
-          </p:nvPr>
-        </p:nvSpPr>
-        <p:spPr>
-          <a:xfrm>
-            <a:off x="628650" y="273844"/>
-            <a:ext cx="7886700" cy="994172"/>
-          </a:xfrm>
-          <a:noFill/>
-        </p:spPr>
-        <p:txBody>
-          <a:bodyPr anchor="ctr"/>
-          <a:lstStyle/>
-          <a:p>
-            <a:r>
-              <a:rPr lang="en-US" dirty="0" smtClean="0"/>
               <a:t>LLM – Computational Challenges</a:t>
             </a:r>
             <a:endParaRPr lang="en-US" dirty="0"/>
@@ -42603,7 +42298,7 @@
 </p:sld>
 </file>
 
-<file path=ppt/slides/slide58.xml><?xml version="1.0" encoding="utf-8"?>
+<file path=ppt/slides/slide57.xml><?xml version="1.0" encoding="utf-8"?>
 <p:sld xmlns:a="http://schemas.openxmlformats.org/drawingml/2006/main" xmlns:r="http://schemas.openxmlformats.org/officeDocument/2006/relationships" xmlns:p="http://schemas.openxmlformats.org/presentationml/2006/main">
   <p:cSld>
     <p:spTree>
@@ -43147,6 +42842,179 @@
 </p:sld>
 </file>
 
+<file path=ppt/slides/slide58.xml><?xml version="1.0" encoding="utf-8"?>
+<p:sld xmlns:a="http://schemas.openxmlformats.org/drawingml/2006/main" xmlns:r="http://schemas.openxmlformats.org/officeDocument/2006/relationships" xmlns:p="http://schemas.openxmlformats.org/presentationml/2006/main">
+  <p:cSld>
+    <p:spTree>
+      <p:nvGrpSpPr>
+        <p:cNvPr id="1" name=""/>
+        <p:cNvGrpSpPr/>
+        <p:nvPr/>
+      </p:nvGrpSpPr>
+      <p:grpSpPr>
+        <a:xfrm>
+          <a:off x="0" y="0"/>
+          <a:ext cx="0" cy="0"/>
+          <a:chOff x="0" y="0"/>
+          <a:chExt cx="0" cy="0"/>
+        </a:xfrm>
+      </p:grpSpPr>
+      <p:sp>
+        <p:nvSpPr>
+          <p:cNvPr id="8" name="Title 1">
+            <a:extLst>
+              <a:ext uri="{FF2B5EF4-FFF2-40B4-BE49-F238E27FC236}">
+                <a16:creationId xmlns="" xmlns:a16="http://schemas.microsoft.com/office/drawing/2014/main" id="{47A9874B-BCA9-8420-1595-EDD1865A099A}"/>
+              </a:ext>
+            </a:extLst>
+          </p:cNvPr>
+          <p:cNvSpPr>
+            <a:spLocks noGrp="1"/>
+          </p:cNvSpPr>
+          <p:nvPr>
+            <p:ph type="title"/>
+          </p:nvPr>
+        </p:nvSpPr>
+        <p:spPr>
+          <a:xfrm>
+            <a:off x="628650" y="273844"/>
+            <a:ext cx="7886700" cy="994172"/>
+          </a:xfrm>
+          <a:noFill/>
+        </p:spPr>
+        <p:txBody>
+          <a:bodyPr anchor="ctr"/>
+          <a:lstStyle/>
+          <a:p>
+            <a:r>
+              <a:rPr lang="en-US" dirty="0" smtClean="0"/>
+              <a:t>Reinforcement Learning</a:t>
+            </a:r>
+            <a:endParaRPr lang="en-US" dirty="0">
+              <a:solidFill>
+                <a:schemeClr val="accent2">
+                  <a:lumMod val="50000"/>
+                </a:schemeClr>
+              </a:solidFill>
+            </a:endParaRPr>
+          </a:p>
+        </p:txBody>
+      </p:sp>
+      <p:sp>
+        <p:nvSpPr>
+          <p:cNvPr id="5" name="Content Placeholder 2">
+            <a:extLst>
+              <a:ext uri="{FF2B5EF4-FFF2-40B4-BE49-F238E27FC236}">
+                <a16:creationId xmlns="" xmlns:a16="http://schemas.microsoft.com/office/drawing/2014/main" id="{A6A33159-D030-2F82-A142-F75940728319}"/>
+              </a:ext>
+            </a:extLst>
+          </p:cNvPr>
+          <p:cNvSpPr>
+            <a:spLocks noGrp="1"/>
+          </p:cNvSpPr>
+          <p:nvPr>
+            <p:ph sz="quarter" idx="4294967295"/>
+          </p:nvPr>
+        </p:nvSpPr>
+        <p:spPr>
+          <a:xfrm>
+            <a:off x="628650" y="1378574"/>
+            <a:ext cx="3761767" cy="3213667"/>
+          </a:xfrm>
+          <a:prstGeom prst="rect">
+            <a:avLst/>
+          </a:prstGeom>
+          <a:noFill/>
+        </p:spPr>
+        <p:txBody>
+          <a:bodyPr vert="horz" lIns="68580" tIns="34290" rIns="68580" bIns="34290" rtlCol="0" anchor="t">
+            <a:normAutofit/>
+          </a:bodyPr>
+          <a:lstStyle/>
+          <a:p>
+            <a:pPr marL="171450" lvl="1">
+              <a:spcBef>
+                <a:spcPts val="750"/>
+              </a:spcBef>
+              <a:spcAft>
+                <a:spcPts val="600"/>
+              </a:spcAft>
+              <a:buClr>
+                <a:schemeClr val="accent2"/>
+              </a:buClr>
+            </a:pPr>
+            <a:r>
+              <a:rPr lang="en-IN" sz="2000" dirty="0" smtClean="0"/>
+              <a:t>Playout or Rollout</a:t>
+            </a:r>
+          </a:p>
+          <a:p>
+            <a:pPr marL="171450" lvl="1">
+              <a:spcBef>
+                <a:spcPts val="750"/>
+              </a:spcBef>
+              <a:spcAft>
+                <a:spcPts val="600"/>
+              </a:spcAft>
+              <a:buClr>
+                <a:schemeClr val="accent2"/>
+              </a:buClr>
+            </a:pPr>
+            <a:r>
+              <a:rPr lang="en-IN" sz="2000" dirty="0" smtClean="0"/>
+              <a:t>Exploration </a:t>
+            </a:r>
+          </a:p>
+          <a:p>
+            <a:pPr marL="171450" lvl="1">
+              <a:spcBef>
+                <a:spcPts val="750"/>
+              </a:spcBef>
+              <a:spcAft>
+                <a:spcPts val="600"/>
+              </a:spcAft>
+              <a:buClr>
+                <a:schemeClr val="accent2"/>
+              </a:buClr>
+            </a:pPr>
+            <a:r>
+              <a:rPr lang="en-IN" sz="2000" dirty="0" smtClean="0"/>
+              <a:t>Exploitation</a:t>
+            </a:r>
+          </a:p>
+          <a:p>
+            <a:pPr marL="171450" lvl="1">
+              <a:spcBef>
+                <a:spcPts val="750"/>
+              </a:spcBef>
+              <a:spcAft>
+                <a:spcPts val="600"/>
+              </a:spcAft>
+              <a:buClr>
+                <a:schemeClr val="accent2"/>
+              </a:buClr>
+            </a:pPr>
+            <a:r>
+              <a:rPr lang="en-IN" sz="2000" dirty="0" smtClean="0"/>
+              <a:t>Reward hacking</a:t>
+            </a:r>
+            <a:endParaRPr lang="en-IN" sz="1700" dirty="0" smtClean="0"/>
+          </a:p>
+        </p:txBody>
+      </p:sp>
+    </p:spTree>
+    <p:extLst>
+      <p:ext uri="{BB962C8B-B14F-4D97-AF65-F5344CB8AC3E}">
+        <p14:creationId xmlns="" xmlns:p14="http://schemas.microsoft.com/office/powerpoint/2010/main" val="414613742"/>
+      </p:ext>
+    </p:extLst>
+  </p:cSld>
+  <p:clrMapOvr>
+    <a:masterClrMapping/>
+  </p:clrMapOvr>
+</p:sld>
+</file>
+
 <file path=ppt/slides/slide59.xml><?xml version="1.0" encoding="utf-8"?>
 <p:sld xmlns:a="http://schemas.openxmlformats.org/drawingml/2006/main" xmlns:r="http://schemas.openxmlformats.org/officeDocument/2006/relationships" xmlns:p="http://schemas.openxmlformats.org/presentationml/2006/main">
   <p:cSld>
@@ -43192,8 +43060,12 @@
           <a:lstStyle/>
           <a:p>
             <a:r>
+              <a:rPr lang="en-US" dirty="0"/>
+              <a:t>Retrieval Augmented </a:t>
+            </a:r>
+            <a:r>
               <a:rPr lang="en-US" dirty="0" smtClean="0"/>
-              <a:t>Reinforcement Learning</a:t>
+              <a:t>Generation – Evaluation</a:t>
             </a:r>
             <a:endParaRPr lang="en-US" dirty="0">
               <a:solidFill>
@@ -43250,7 +43122,7 @@
             </a:pPr>
             <a:r>
               <a:rPr lang="en-IN" sz="2000" dirty="0" smtClean="0"/>
-              <a:t>Playout or Rollout</a:t>
+              <a:t>Ground Truth (GT) by Human </a:t>
             </a:r>
           </a:p>
           <a:p>
@@ -43267,7 +43139,24 @@
             </a:pPr>
             <a:r>
               <a:rPr lang="en-IN" sz="2000" dirty="0" smtClean="0"/>
-              <a:t>Exploration </a:t>
+              <a:t>Character based evaluation</a:t>
+            </a:r>
+          </a:p>
+          <a:p>
+            <a:pPr marL="514350" lvl="2">
+              <a:spcBef>
+                <a:spcPts val="750"/>
+              </a:spcBef>
+              <a:spcAft>
+                <a:spcPts val="600"/>
+              </a:spcAft>
+              <a:buClr>
+                <a:schemeClr val="accent2"/>
+              </a:buClr>
+            </a:pPr>
+            <a:r>
+              <a:rPr lang="en-IN" sz="1700" dirty="0" smtClean="0"/>
+              <a:t>Edit distance</a:t>
             </a:r>
           </a:p>
           <a:p>
@@ -43284,8 +43173,26 @@
             </a:pPr>
             <a:r>
               <a:rPr lang="en-IN" sz="2000" dirty="0" smtClean="0"/>
-              <a:t>Exploitation</a:t>
-            </a:r>
+              <a:t>Word based evaluation</a:t>
+            </a:r>
+          </a:p>
+          <a:p>
+            <a:pPr marL="514350" lvl="2">
+              <a:spcBef>
+                <a:spcPts val="750"/>
+              </a:spcBef>
+              <a:spcAft>
+                <a:spcPts val="600"/>
+              </a:spcAft>
+              <a:buClr>
+                <a:schemeClr val="accent2"/>
+              </a:buClr>
+            </a:pPr>
+            <a:r>
+              <a:rPr lang="en-IN" sz="1700" dirty="0" smtClean="0"/>
+              <a:t>WER, BLEU</a:t>
+            </a:r>
+            <a:endParaRPr lang="en-IN" sz="1700" dirty="0"/>
           </a:p>
           <a:p>
             <a:pPr marL="171450" lvl="1">
@@ -43301,9 +43208,191 @@
             </a:pPr>
             <a:r>
               <a:rPr lang="en-IN" sz="2000" dirty="0" smtClean="0"/>
-              <a:t>Reward hacking</a:t>
-            </a:r>
-            <a:endParaRPr lang="en-IN" sz="1700" dirty="0" smtClean="0"/>
+              <a:t>Embedding based evaluation</a:t>
+            </a:r>
+          </a:p>
+          <a:p>
+            <a:pPr marL="514350" lvl="2">
+              <a:spcBef>
+                <a:spcPts val="750"/>
+              </a:spcBef>
+              <a:spcAft>
+                <a:spcPts val="600"/>
+              </a:spcAft>
+              <a:buClr>
+                <a:schemeClr val="accent2"/>
+              </a:buClr>
+            </a:pPr>
+            <a:r>
+              <a:rPr lang="en-IN" sz="1700" dirty="0" smtClean="0"/>
+              <a:t>BERT score, Mover score</a:t>
+            </a:r>
+          </a:p>
+        </p:txBody>
+      </p:sp>
+      <p:sp>
+        <p:nvSpPr>
+          <p:cNvPr id="4" name="Content Placeholder 2">
+            <a:extLst>
+              <a:ext uri="{FF2B5EF4-FFF2-40B4-BE49-F238E27FC236}">
+                <a16:creationId xmlns="" xmlns:a16="http://schemas.microsoft.com/office/drawing/2014/main" id="{A6A33159-D030-2F82-A142-F75940728319}"/>
+              </a:ext>
+            </a:extLst>
+          </p:cNvPr>
+          <p:cNvSpPr>
+            <a:spLocks noGrp="1"/>
+          </p:cNvSpPr>
+          <p:nvPr>
+            <p:ph sz="quarter" idx="4294967295"/>
+          </p:nvPr>
+        </p:nvSpPr>
+        <p:spPr>
+          <a:xfrm>
+            <a:off x="4513634" y="1378574"/>
+            <a:ext cx="3982665" cy="3213667"/>
+          </a:xfrm>
+          <a:prstGeom prst="rect">
+            <a:avLst/>
+          </a:prstGeom>
+          <a:noFill/>
+        </p:spPr>
+        <p:txBody>
+          <a:bodyPr vert="horz" lIns="68580" tIns="34290" rIns="68580" bIns="34290" rtlCol="0" anchor="t">
+            <a:normAutofit/>
+          </a:bodyPr>
+          <a:lstStyle/>
+          <a:p>
+            <a:pPr marL="171450" lvl="1">
+              <a:spcBef>
+                <a:spcPts val="750"/>
+              </a:spcBef>
+              <a:spcAft>
+                <a:spcPts val="600"/>
+              </a:spcAft>
+              <a:buClr>
+                <a:schemeClr val="accent2"/>
+              </a:buClr>
+            </a:pPr>
+            <a:r>
+              <a:rPr lang="en-IN" sz="2000" dirty="0" smtClean="0"/>
+              <a:t>Ground Truth (GT) by LLM </a:t>
+            </a:r>
+          </a:p>
+          <a:p>
+            <a:pPr marL="171450" lvl="1">
+              <a:spcBef>
+                <a:spcPts val="750"/>
+              </a:spcBef>
+              <a:spcAft>
+                <a:spcPts val="600"/>
+              </a:spcAft>
+              <a:buClr>
+                <a:schemeClr val="accent2"/>
+              </a:buClr>
+            </a:pPr>
+            <a:r>
+              <a:rPr lang="en-IN" sz="2000" dirty="0" smtClean="0"/>
+              <a:t>Mathematical Framework</a:t>
+            </a:r>
+          </a:p>
+          <a:p>
+            <a:pPr marL="514350" lvl="2">
+              <a:spcBef>
+                <a:spcPts val="750"/>
+              </a:spcBef>
+              <a:spcAft>
+                <a:spcPts val="600"/>
+              </a:spcAft>
+              <a:buClr>
+                <a:schemeClr val="accent2"/>
+              </a:buClr>
+            </a:pPr>
+            <a:r>
+              <a:rPr lang="en-IN" sz="1700" dirty="0" smtClean="0"/>
+              <a:t>RAGAS framework</a:t>
+            </a:r>
+          </a:p>
+          <a:p>
+            <a:pPr marL="171450" lvl="1">
+              <a:spcBef>
+                <a:spcPts val="750"/>
+              </a:spcBef>
+              <a:spcAft>
+                <a:spcPts val="600"/>
+              </a:spcAft>
+              <a:buClr>
+                <a:schemeClr val="accent2"/>
+              </a:buClr>
+            </a:pPr>
+            <a:r>
+              <a:rPr lang="en-IN" sz="2000" dirty="0" smtClean="0"/>
+              <a:t>Experimental based Framework</a:t>
+            </a:r>
+          </a:p>
+          <a:p>
+            <a:pPr marL="514350" lvl="2">
+              <a:spcBef>
+                <a:spcPts val="750"/>
+              </a:spcBef>
+              <a:spcAft>
+                <a:spcPts val="600"/>
+              </a:spcAft>
+              <a:buClr>
+                <a:schemeClr val="accent2"/>
+              </a:buClr>
+            </a:pPr>
+            <a:r>
+              <a:rPr lang="en-IN" sz="1700" dirty="0" smtClean="0"/>
+              <a:t>Number of tasks and datasets </a:t>
+            </a:r>
+          </a:p>
+          <a:p>
+            <a:pPr marL="514350" lvl="2">
+              <a:spcBef>
+                <a:spcPts val="750"/>
+              </a:spcBef>
+              <a:spcAft>
+                <a:spcPts val="600"/>
+              </a:spcAft>
+              <a:buClr>
+                <a:schemeClr val="accent2"/>
+              </a:buClr>
+            </a:pPr>
+            <a:r>
+              <a:rPr lang="en-IN" sz="1700" dirty="0" smtClean="0"/>
+              <a:t>Number of aspects</a:t>
+            </a:r>
+          </a:p>
+          <a:p>
+            <a:pPr marL="514350" lvl="2">
+              <a:spcBef>
+                <a:spcPts val="750"/>
+              </a:spcBef>
+              <a:spcAft>
+                <a:spcPts val="600"/>
+              </a:spcAft>
+              <a:buClr>
+                <a:schemeClr val="accent2"/>
+              </a:buClr>
+            </a:pPr>
+            <a:r>
+              <a:rPr lang="en-IN" sz="1700" dirty="0" smtClean="0"/>
+              <a:t>GPT score</a:t>
+            </a:r>
+          </a:p>
+          <a:p>
+            <a:pPr marL="514350" lvl="2">
+              <a:spcBef>
+                <a:spcPts val="750"/>
+              </a:spcBef>
+              <a:spcAft>
+                <a:spcPts val="600"/>
+              </a:spcAft>
+              <a:buClr>
+                <a:schemeClr val="accent2"/>
+              </a:buClr>
+            </a:pPr>
+            <a:endParaRPr lang="en-IN" sz="1700" dirty="0"/>
           </a:p>
         </p:txBody>
       </p:sp>
@@ -43756,12 +43845,8 @@
           <a:lstStyle/>
           <a:p>
             <a:r>
-              <a:rPr lang="en-US" dirty="0"/>
-              <a:t>Retrieval Augmented </a:t>
-            </a:r>
-            <a:r>
               <a:rPr lang="en-US" dirty="0" smtClean="0"/>
-              <a:t>Generation – Evaluation</a:t>
+              <a:t>Knowledge Distillation</a:t>
             </a:r>
             <a:endParaRPr lang="en-US" dirty="0">
               <a:solidFill>
@@ -43801,7 +43886,7 @@
         </p:spPr>
         <p:txBody>
           <a:bodyPr vert="horz" lIns="68580" tIns="34290" rIns="68580" bIns="34290" rtlCol="0" anchor="t">
-            <a:normAutofit/>
+            <a:normAutofit fontScale="92500" lnSpcReduction="10000"/>
           </a:bodyPr>
           <a:lstStyle/>
           <a:p>
@@ -43818,7 +43903,7 @@
             </a:pPr>
             <a:r>
               <a:rPr lang="en-IN" sz="2000" dirty="0" smtClean="0"/>
-              <a:t>Ground Truth (GT) by Human </a:t>
+              <a:t>Knowledge transfer</a:t>
             </a:r>
           </a:p>
           <a:p>
@@ -43835,24 +43920,7 @@
             </a:pPr>
             <a:r>
               <a:rPr lang="en-IN" sz="2000" dirty="0" smtClean="0"/>
-              <a:t>Character based evaluation</a:t>
-            </a:r>
-          </a:p>
-          <a:p>
-            <a:pPr marL="514350" lvl="2">
-              <a:spcBef>
-                <a:spcPts val="750"/>
-              </a:spcBef>
-              <a:spcAft>
-                <a:spcPts val="600"/>
-              </a:spcAft>
-              <a:buClr>
-                <a:schemeClr val="accent2"/>
-              </a:buClr>
-            </a:pPr>
-            <a:r>
-              <a:rPr lang="en-IN" sz="1700" dirty="0" smtClean="0"/>
-              <a:t>Edit distance</a:t>
+              <a:t>Large pre-trained model </a:t>
             </a:r>
           </a:p>
           <a:p>
@@ -43869,26 +43937,8 @@
             </a:pPr>
             <a:r>
               <a:rPr lang="en-IN" sz="2000" dirty="0" smtClean="0"/>
-              <a:t>Word based evaluation</a:t>
-            </a:r>
-          </a:p>
-          <a:p>
-            <a:pPr marL="514350" lvl="2">
-              <a:spcBef>
-                <a:spcPts val="750"/>
-              </a:spcBef>
-              <a:spcAft>
-                <a:spcPts val="600"/>
-              </a:spcAft>
-              <a:buClr>
-                <a:schemeClr val="accent2"/>
-              </a:buClr>
-            </a:pPr>
-            <a:r>
-              <a:rPr lang="en-IN" sz="1700" dirty="0" smtClean="0"/>
-              <a:t>WER, BLEU</a:t>
-            </a:r>
-            <a:endParaRPr lang="en-IN" sz="1700" dirty="0"/>
+              <a:t>Set of models</a:t>
+            </a:r>
           </a:p>
           <a:p>
             <a:pPr marL="171450" lvl="1">
@@ -43903,12 +43953,13 @@
               </a:buClr>
             </a:pPr>
             <a:r>
-              <a:rPr lang="en-IN" sz="2000" dirty="0" smtClean="0"/>
-              <a:t>Embedding based evaluation</a:t>
-            </a:r>
-          </a:p>
-          <a:p>
-            <a:pPr marL="514350" lvl="2">
+              <a:rPr lang="en-IN" sz="2000" smtClean="0"/>
+              <a:t>Teacher model</a:t>
+            </a:r>
+            <a:endParaRPr lang="en-IN" sz="2000" dirty="0" smtClean="0"/>
+          </a:p>
+          <a:p>
+            <a:pPr marL="171450" lvl="1">
               <a:spcBef>
                 <a:spcPts val="750"/>
               </a:spcBef>
@@ -43920,9 +43971,61 @@
               </a:buClr>
             </a:pPr>
             <a:r>
-              <a:rPr lang="en-IN" sz="1700" dirty="0" smtClean="0"/>
-              <a:t>BERT score, Mover score</a:t>
-            </a:r>
+              <a:rPr lang="en-IN" sz="2000" dirty="0" smtClean="0"/>
+              <a:t>Ensemble of models</a:t>
+            </a:r>
+          </a:p>
+          <a:p>
+            <a:pPr marL="171450" lvl="1">
+              <a:spcBef>
+                <a:spcPts val="750"/>
+              </a:spcBef>
+              <a:spcAft>
+                <a:spcPts val="600"/>
+              </a:spcAft>
+              <a:buClr>
+                <a:schemeClr val="accent2"/>
+              </a:buClr>
+            </a:pPr>
+            <a:r>
+              <a:rPr lang="en-IN" sz="2000" dirty="0" smtClean="0"/>
+              <a:t>Single smaller model</a:t>
+            </a:r>
+          </a:p>
+          <a:p>
+            <a:pPr marL="171450" lvl="1">
+              <a:spcBef>
+                <a:spcPts val="750"/>
+              </a:spcBef>
+              <a:spcAft>
+                <a:spcPts val="600"/>
+              </a:spcAft>
+              <a:buClr>
+                <a:schemeClr val="accent2"/>
+              </a:buClr>
+            </a:pPr>
+            <a:r>
+              <a:rPr lang="en-IN" sz="2000" dirty="0" smtClean="0"/>
+              <a:t>Student model</a:t>
+            </a:r>
+          </a:p>
+          <a:p>
+            <a:pPr marL="171450" lvl="1">
+              <a:spcBef>
+                <a:spcPts val="750"/>
+              </a:spcBef>
+              <a:spcAft>
+                <a:spcPts val="600"/>
+              </a:spcAft>
+              <a:buClr>
+                <a:schemeClr val="accent2"/>
+              </a:buClr>
+            </a:pPr>
+            <a:r>
+              <a:rPr lang="en-IN" sz="2000" dirty="0" smtClean="0"/>
+              <a:t>Model compression</a:t>
+            </a:r>
+            <a:endParaRPr lang="en-IN" sz="1700" dirty="0" smtClean="0"/>
           </a:p>
         </p:txBody>
       </p:sp>
@@ -43971,7 +44074,7 @@
             </a:pPr>
             <a:r>
               <a:rPr lang="en-IN" sz="2000" dirty="0" smtClean="0"/>
-              <a:t>Ground Truth (GT) by LLM </a:t>
+              <a:t>Small student model </a:t>
             </a:r>
           </a:p>
           <a:p>
@@ -43988,24 +44091,7 @@
             </a:pPr>
             <a:r>
               <a:rPr lang="en-IN" sz="2000" dirty="0" smtClean="0"/>
-              <a:t>Mathematical Framework</a:t>
-            </a:r>
-          </a:p>
-          <a:p>
-            <a:pPr marL="514350" lvl="2">
-              <a:spcBef>
-                <a:spcPts val="750"/>
-              </a:spcBef>
-              <a:spcAft>
-                <a:spcPts val="600"/>
-              </a:spcAft>
-              <a:buClr>
-                <a:schemeClr val="accent2"/>
-              </a:buClr>
-            </a:pPr>
-            <a:r>
-              <a:rPr lang="en-IN" sz="1700" dirty="0" smtClean="0"/>
-              <a:t>RAGAS framework</a:t>
+              <a:t>Learn to emulate </a:t>
             </a:r>
           </a:p>
           <a:p>
@@ -44022,11 +44108,11 @@
             </a:pPr>
             <a:r>
               <a:rPr lang="en-IN" sz="2000" dirty="0" smtClean="0"/>
-              <a:t>Experimental based Framework</a:t>
-            </a:r>
-          </a:p>
-          <a:p>
-            <a:pPr marL="514350" lvl="2">
+              <a:t>Large teacher model</a:t>
+            </a:r>
+          </a:p>
+          <a:p>
+            <a:pPr marL="171450" lvl="1">
               <a:spcBef>
                 <a:spcPts val="750"/>
               </a:spcBef>
@@ -44038,12 +44124,12 @@
               </a:buClr>
             </a:pPr>
             <a:r>
-              <a:rPr lang="en-IN" sz="1700" dirty="0" smtClean="0"/>
-              <a:t>Number of tasks and datasets </a:t>
-            </a:r>
-          </a:p>
-          <a:p>
-            <a:pPr marL="514350" lvl="2">
+              <a:rPr lang="en-IN" sz="2000" dirty="0" smtClean="0"/>
+              <a:t>Leverage teacher knowledge </a:t>
+            </a:r>
+          </a:p>
+          <a:p>
+            <a:pPr marL="171450" lvl="1">
               <a:spcBef>
                 <a:spcPts val="750"/>
               </a:spcBef>
@@ -44055,12 +44141,12 @@
               </a:buClr>
             </a:pPr>
             <a:r>
-              <a:rPr lang="en-IN" sz="1700" dirty="0" smtClean="0"/>
-              <a:t>Number of aspects</a:t>
-            </a:r>
-          </a:p>
-          <a:p>
-            <a:pPr marL="514350" lvl="2">
+              <a:rPr lang="en-IN" sz="2000" dirty="0" smtClean="0"/>
+              <a:t>Emulate thought process</a:t>
+            </a:r>
+          </a:p>
+          <a:p>
+            <a:pPr marL="171450" lvl="1">
               <a:spcBef>
                 <a:spcPts val="750"/>
               </a:spcBef>
@@ -44072,23 +44158,9 @@
               </a:buClr>
             </a:pPr>
             <a:r>
-              <a:rPr lang="en-IN" sz="1700" dirty="0" smtClean="0"/>
-              <a:t>GPT score</a:t>
-            </a:r>
-          </a:p>
-          <a:p>
-            <a:pPr marL="514350" lvl="2">
-              <a:spcBef>
-                <a:spcPts val="750"/>
-              </a:spcBef>
-              <a:spcAft>
-                <a:spcPts val="600"/>
-              </a:spcAft>
-              <a:buClr>
-                <a:schemeClr val="accent2"/>
-              </a:buClr>
-            </a:pPr>
-            <a:endParaRPr lang="en-IN" sz="1700" dirty="0"/>
+              <a:rPr lang="en-IN" sz="2000" dirty="0" smtClean="0"/>
+              <a:t>Obtain similar / higher accuracy</a:t>
+            </a:r>
           </a:p>
         </p:txBody>
       </p:sp>
@@ -44106,383 +44178,6 @@
 </file>
 
 <file path=ppt/slides/slide61.xml><?xml version="1.0" encoding="utf-8"?>
-<p:sld xmlns:a="http://schemas.openxmlformats.org/drawingml/2006/main" xmlns:r="http://schemas.openxmlformats.org/officeDocument/2006/relationships" xmlns:p="http://schemas.openxmlformats.org/presentationml/2006/main">
-  <p:cSld>
-    <p:spTree>
-      <p:nvGrpSpPr>
-        <p:cNvPr id="1" name=""/>
-        <p:cNvGrpSpPr/>
-        <p:nvPr/>
-      </p:nvGrpSpPr>
-      <p:grpSpPr>
-        <a:xfrm>
-          <a:off x="0" y="0"/>
-          <a:ext cx="0" cy="0"/>
-          <a:chOff x="0" y="0"/>
-          <a:chExt cx="0" cy="0"/>
-        </a:xfrm>
-      </p:grpSpPr>
-      <p:sp>
-        <p:nvSpPr>
-          <p:cNvPr id="8" name="Title 1">
-            <a:extLst>
-              <a:ext uri="{FF2B5EF4-FFF2-40B4-BE49-F238E27FC236}">
-                <a16:creationId xmlns="" xmlns:a16="http://schemas.microsoft.com/office/drawing/2014/main" id="{47A9874B-BCA9-8420-1595-EDD1865A099A}"/>
-              </a:ext>
-            </a:extLst>
-          </p:cNvPr>
-          <p:cNvSpPr>
-            <a:spLocks noGrp="1"/>
-          </p:cNvSpPr>
-          <p:nvPr>
-            <p:ph type="title"/>
-          </p:nvPr>
-        </p:nvSpPr>
-        <p:spPr>
-          <a:xfrm>
-            <a:off x="628650" y="273844"/>
-            <a:ext cx="7886700" cy="994172"/>
-          </a:xfrm>
-          <a:noFill/>
-        </p:spPr>
-        <p:txBody>
-          <a:bodyPr anchor="ctr"/>
-          <a:lstStyle/>
-          <a:p>
-            <a:r>
-              <a:rPr lang="en-US" dirty="0" smtClean="0"/>
-              <a:t>Knowledge Distillation</a:t>
-            </a:r>
-            <a:endParaRPr lang="en-US" dirty="0">
-              <a:solidFill>
-                <a:schemeClr val="accent2">
-                  <a:lumMod val="50000"/>
-                </a:schemeClr>
-              </a:solidFill>
-            </a:endParaRPr>
-          </a:p>
-        </p:txBody>
-      </p:sp>
-      <p:sp>
-        <p:nvSpPr>
-          <p:cNvPr id="5" name="Content Placeholder 2">
-            <a:extLst>
-              <a:ext uri="{FF2B5EF4-FFF2-40B4-BE49-F238E27FC236}">
-                <a16:creationId xmlns="" xmlns:a16="http://schemas.microsoft.com/office/drawing/2014/main" id="{A6A33159-D030-2F82-A142-F75940728319}"/>
-              </a:ext>
-            </a:extLst>
-          </p:cNvPr>
-          <p:cNvSpPr>
-            <a:spLocks noGrp="1"/>
-          </p:cNvSpPr>
-          <p:nvPr>
-            <p:ph sz="quarter" idx="4294967295"/>
-          </p:nvPr>
-        </p:nvSpPr>
-        <p:spPr>
-          <a:xfrm>
-            <a:off x="628650" y="1378574"/>
-            <a:ext cx="3761767" cy="3213667"/>
-          </a:xfrm>
-          <a:prstGeom prst="rect">
-            <a:avLst/>
-          </a:prstGeom>
-          <a:noFill/>
-        </p:spPr>
-        <p:txBody>
-          <a:bodyPr vert="horz" lIns="68580" tIns="34290" rIns="68580" bIns="34290" rtlCol="0" anchor="t">
-            <a:normAutofit fontScale="92500" lnSpcReduction="10000"/>
-          </a:bodyPr>
-          <a:lstStyle/>
-          <a:p>
-            <a:pPr marL="171450" lvl="1">
-              <a:spcBef>
-                <a:spcPts val="750"/>
-              </a:spcBef>
-              <a:spcAft>
-                <a:spcPts val="600"/>
-              </a:spcAft>
-              <a:buClr>
-                <a:schemeClr val="accent2"/>
-              </a:buClr>
-            </a:pPr>
-            <a:r>
-              <a:rPr lang="en-IN" sz="2000" dirty="0" smtClean="0"/>
-              <a:t>Knowledge transfer</a:t>
-            </a:r>
-          </a:p>
-          <a:p>
-            <a:pPr marL="171450" lvl="1">
-              <a:spcBef>
-                <a:spcPts val="750"/>
-              </a:spcBef>
-              <a:spcAft>
-                <a:spcPts val="600"/>
-              </a:spcAft>
-              <a:buClr>
-                <a:schemeClr val="accent2"/>
-              </a:buClr>
-            </a:pPr>
-            <a:r>
-              <a:rPr lang="en-IN" sz="2000" dirty="0" smtClean="0"/>
-              <a:t>Large pre-trained model </a:t>
-            </a:r>
-          </a:p>
-          <a:p>
-            <a:pPr marL="171450" lvl="1">
-              <a:spcBef>
-                <a:spcPts val="750"/>
-              </a:spcBef>
-              <a:spcAft>
-                <a:spcPts val="600"/>
-              </a:spcAft>
-              <a:buClr>
-                <a:schemeClr val="accent2"/>
-              </a:buClr>
-            </a:pPr>
-            <a:r>
-              <a:rPr lang="en-IN" sz="2000" dirty="0" smtClean="0"/>
-              <a:t>Set of models</a:t>
-            </a:r>
-          </a:p>
-          <a:p>
-            <a:pPr marL="171450" lvl="1">
-              <a:spcBef>
-                <a:spcPts val="750"/>
-              </a:spcBef>
-              <a:spcAft>
-                <a:spcPts val="600"/>
-              </a:spcAft>
-              <a:buClr>
-                <a:schemeClr val="accent2"/>
-              </a:buClr>
-            </a:pPr>
-            <a:r>
-              <a:rPr lang="en-IN" sz="2000" smtClean="0"/>
-              <a:t>Teacher model</a:t>
-            </a:r>
-            <a:endParaRPr lang="en-IN" sz="2000" dirty="0" smtClean="0"/>
-          </a:p>
-          <a:p>
-            <a:pPr marL="171450" lvl="1">
-              <a:spcBef>
-                <a:spcPts val="750"/>
-              </a:spcBef>
-              <a:spcAft>
-                <a:spcPts val="600"/>
-              </a:spcAft>
-              <a:buClr>
-                <a:schemeClr val="accent2"/>
-              </a:buClr>
-            </a:pPr>
-            <a:r>
-              <a:rPr lang="en-IN" sz="2000" dirty="0" smtClean="0"/>
-              <a:t>Ensemble of models</a:t>
-            </a:r>
-          </a:p>
-          <a:p>
-            <a:pPr marL="171450" lvl="1">
-              <a:spcBef>
-                <a:spcPts val="750"/>
-              </a:spcBef>
-              <a:spcAft>
-                <a:spcPts val="600"/>
-              </a:spcAft>
-              <a:buClr>
-                <a:schemeClr val="accent2"/>
-              </a:buClr>
-            </a:pPr>
-            <a:r>
-              <a:rPr lang="en-IN" sz="2000" dirty="0" smtClean="0"/>
-              <a:t>Single smaller model</a:t>
-            </a:r>
-          </a:p>
-          <a:p>
-            <a:pPr marL="171450" lvl="1">
-              <a:spcBef>
-                <a:spcPts val="750"/>
-              </a:spcBef>
-              <a:spcAft>
-                <a:spcPts val="600"/>
-              </a:spcAft>
-              <a:buClr>
-                <a:schemeClr val="accent2"/>
-              </a:buClr>
-            </a:pPr>
-            <a:r>
-              <a:rPr lang="en-IN" sz="2000" dirty="0" smtClean="0"/>
-              <a:t>Student model</a:t>
-            </a:r>
-          </a:p>
-          <a:p>
-            <a:pPr marL="171450" lvl="1">
-              <a:spcBef>
-                <a:spcPts val="750"/>
-              </a:spcBef>
-              <a:spcAft>
-                <a:spcPts val="600"/>
-              </a:spcAft>
-              <a:buClr>
-                <a:schemeClr val="accent2"/>
-              </a:buClr>
-            </a:pPr>
-            <a:r>
-              <a:rPr lang="en-IN" sz="2000" dirty="0" smtClean="0"/>
-              <a:t>Model compression</a:t>
-            </a:r>
-            <a:endParaRPr lang="en-IN" sz="1700" dirty="0" smtClean="0"/>
-          </a:p>
-        </p:txBody>
-      </p:sp>
-      <p:sp>
-        <p:nvSpPr>
-          <p:cNvPr id="4" name="Content Placeholder 2">
-            <a:extLst>
-              <a:ext uri="{FF2B5EF4-FFF2-40B4-BE49-F238E27FC236}">
-                <a16:creationId xmlns="" xmlns:a16="http://schemas.microsoft.com/office/drawing/2014/main" id="{A6A33159-D030-2F82-A142-F75940728319}"/>
-              </a:ext>
-            </a:extLst>
-          </p:cNvPr>
-          <p:cNvSpPr>
-            <a:spLocks noGrp="1"/>
-          </p:cNvSpPr>
-          <p:nvPr>
-            <p:ph sz="quarter" idx="4294967295"/>
-          </p:nvPr>
-        </p:nvSpPr>
-        <p:spPr>
-          <a:xfrm>
-            <a:off x="4513634" y="1378574"/>
-            <a:ext cx="3982665" cy="3213667"/>
-          </a:xfrm>
-          <a:prstGeom prst="rect">
-            <a:avLst/>
-          </a:prstGeom>
-          <a:noFill/>
-        </p:spPr>
-        <p:txBody>
-          <a:bodyPr vert="horz" lIns="68580" tIns="34290" rIns="68580" bIns="34290" rtlCol="0" anchor="t">
-            <a:normAutofit/>
-          </a:bodyPr>
-          <a:lstStyle/>
-          <a:p>
-            <a:pPr marL="171450" lvl="1">
-              <a:spcBef>
-                <a:spcPts val="750"/>
-              </a:spcBef>
-              <a:spcAft>
-                <a:spcPts val="600"/>
-              </a:spcAft>
-              <a:buClr>
-                <a:schemeClr val="accent2"/>
-              </a:buClr>
-            </a:pPr>
-            <a:r>
-              <a:rPr lang="en-IN" sz="2000" dirty="0" smtClean="0"/>
-              <a:t>Small student model </a:t>
-            </a:r>
-          </a:p>
-          <a:p>
-            <a:pPr marL="171450" lvl="1">
-              <a:spcBef>
-                <a:spcPts val="750"/>
-              </a:spcBef>
-              <a:spcAft>
-                <a:spcPts val="600"/>
-              </a:spcAft>
-              <a:buClr>
-                <a:schemeClr val="accent2"/>
-              </a:buClr>
-            </a:pPr>
-            <a:r>
-              <a:rPr lang="en-IN" sz="2000" dirty="0" smtClean="0"/>
-              <a:t>Learn to emulate </a:t>
-            </a:r>
-          </a:p>
-          <a:p>
-            <a:pPr marL="171450" lvl="1">
-              <a:spcBef>
-                <a:spcPts val="750"/>
-              </a:spcBef>
-              <a:spcAft>
-                <a:spcPts val="600"/>
-              </a:spcAft>
-              <a:buClr>
-                <a:schemeClr val="accent2"/>
-              </a:buClr>
-            </a:pPr>
-            <a:r>
-              <a:rPr lang="en-IN" sz="2000" dirty="0" smtClean="0"/>
-              <a:t>Large teacher model</a:t>
-            </a:r>
-          </a:p>
-          <a:p>
-            <a:pPr marL="171450" lvl="1">
-              <a:spcBef>
-                <a:spcPts val="750"/>
-              </a:spcBef>
-              <a:spcAft>
-                <a:spcPts val="600"/>
-              </a:spcAft>
-              <a:buClr>
-                <a:schemeClr val="accent2"/>
-              </a:buClr>
-            </a:pPr>
-            <a:r>
-              <a:rPr lang="en-IN" sz="2000" dirty="0" smtClean="0"/>
-              <a:t>Leverage teacher knowledge </a:t>
-            </a:r>
-          </a:p>
-          <a:p>
-            <a:pPr marL="171450" lvl="1">
-              <a:spcBef>
-                <a:spcPts val="750"/>
-              </a:spcBef>
-              <a:spcAft>
-                <a:spcPts val="600"/>
-              </a:spcAft>
-              <a:buClr>
-                <a:schemeClr val="accent2"/>
-              </a:buClr>
-            </a:pPr>
-            <a:r>
-              <a:rPr lang="en-IN" sz="2000" dirty="0" smtClean="0"/>
-              <a:t>Emulate thought process</a:t>
-            </a:r>
-          </a:p>
-          <a:p>
-            <a:pPr marL="171450" lvl="1">
-              <a:spcBef>
-                <a:spcPts val="750"/>
-              </a:spcBef>
-              <a:spcAft>
-                <a:spcPts val="600"/>
-              </a:spcAft>
-              <a:buClr>
-                <a:schemeClr val="accent2"/>
-              </a:buClr>
-            </a:pPr>
-            <a:r>
-              <a:rPr lang="en-IN" sz="2000" dirty="0" smtClean="0"/>
-              <a:t>Obtain similar / higher accuracy</a:t>
-            </a:r>
-          </a:p>
-        </p:txBody>
-      </p:sp>
-    </p:spTree>
-    <p:extLst>
-      <p:ext uri="{BB962C8B-B14F-4D97-AF65-F5344CB8AC3E}">
-        <p14:creationId xmlns="" xmlns:p14="http://schemas.microsoft.com/office/powerpoint/2010/main" val="414613742"/>
-      </p:ext>
-    </p:extLst>
-  </p:cSld>
-  <p:clrMapOvr>
-    <a:masterClrMapping/>
-  </p:clrMapOvr>
-</p:sld>
-</file>
-
-<file path=ppt/slides/slide62.xml><?xml version="1.0" encoding="utf-8"?>
 <p:sld xmlns:a="http://schemas.openxmlformats.org/drawingml/2006/main" xmlns:r="http://schemas.openxmlformats.org/officeDocument/2006/relationships" xmlns:p="http://schemas.openxmlformats.org/presentationml/2006/main">
   <p:cSld>
     <p:spTree>
@@ -45157,7 +44852,7 @@
 </p:sld>
 </file>
 
-<file path=ppt/slides/slide63.xml><?xml version="1.0" encoding="utf-8"?>
+<file path=ppt/slides/slide62.xml><?xml version="1.0" encoding="utf-8"?>
 <p:sld xmlns:a="http://schemas.openxmlformats.org/drawingml/2006/main" xmlns:r="http://schemas.openxmlformats.org/officeDocument/2006/relationships" xmlns:p="http://schemas.openxmlformats.org/presentationml/2006/main">
   <p:cSld>
     <p:spTree>
@@ -45418,6 +45113,317 @@
     <p:extLst>
       <p:ext uri="{BB962C8B-B14F-4D97-AF65-F5344CB8AC3E}">
         <p14:creationId xmlns="" xmlns:p14="http://schemas.microsoft.com/office/powerpoint/2010/main" val="414613742"/>
+      </p:ext>
+    </p:extLst>
+  </p:cSld>
+  <p:clrMapOvr>
+    <a:masterClrMapping/>
+  </p:clrMapOvr>
+</p:sld>
+</file>
+
+<file path=ppt/slides/slide63.xml><?xml version="1.0" encoding="utf-8"?>
+<p:sld xmlns:a="http://schemas.openxmlformats.org/drawingml/2006/main" xmlns:r="http://schemas.openxmlformats.org/officeDocument/2006/relationships" xmlns:p="http://schemas.openxmlformats.org/presentationml/2006/main">
+  <p:cSld>
+    <p:spTree>
+      <p:nvGrpSpPr>
+        <p:cNvPr id="1" name=""/>
+        <p:cNvGrpSpPr/>
+        <p:nvPr/>
+      </p:nvGrpSpPr>
+      <p:grpSpPr>
+        <a:xfrm>
+          <a:off x="0" y="0"/>
+          <a:ext cx="0" cy="0"/>
+          <a:chOff x="0" y="0"/>
+          <a:chExt cx="0" cy="0"/>
+        </a:xfrm>
+      </p:grpSpPr>
+      <p:sp>
+        <p:nvSpPr>
+          <p:cNvPr id="2" name="Title 1">
+            <a:extLst>
+              <a:ext uri="{FF2B5EF4-FFF2-40B4-BE49-F238E27FC236}">
+                <a16:creationId xmlns="" xmlns:a16="http://schemas.microsoft.com/office/drawing/2014/main" id="{47A9874B-BCA9-8420-1595-EDD1865A099A}"/>
+              </a:ext>
+            </a:extLst>
+          </p:cNvPr>
+          <p:cNvSpPr>
+            <a:spLocks noGrp="1"/>
+          </p:cNvSpPr>
+          <p:nvPr>
+            <p:ph type="title"/>
+          </p:nvPr>
+        </p:nvSpPr>
+        <p:spPr>
+          <a:xfrm>
+            <a:off x="628650" y="273844"/>
+            <a:ext cx="7886700" cy="994172"/>
+          </a:xfrm>
+          <a:noFill/>
+        </p:spPr>
+        <p:txBody>
+          <a:bodyPr anchor="ctr"/>
+          <a:lstStyle/>
+          <a:p>
+            <a:r>
+              <a:rPr lang="en-US" dirty="0"/>
+              <a:t>Medical Diagnosis</a:t>
+            </a:r>
+          </a:p>
+        </p:txBody>
+      </p:sp>
+      <p:sp>
+        <p:nvSpPr>
+          <p:cNvPr id="3" name="Content Placeholder 2">
+            <a:extLst>
+              <a:ext uri="{FF2B5EF4-FFF2-40B4-BE49-F238E27FC236}">
+                <a16:creationId xmlns="" xmlns:a16="http://schemas.microsoft.com/office/drawing/2014/main" id="{68A5FD2B-E3E5-1C2B-0151-21F216B14A33}"/>
+              </a:ext>
+            </a:extLst>
+          </p:cNvPr>
+          <p:cNvSpPr>
+            <a:spLocks noGrp="1"/>
+          </p:cNvSpPr>
+          <p:nvPr>
+            <p:ph sz="half" idx="1"/>
+          </p:nvPr>
+        </p:nvSpPr>
+        <p:spPr>
+          <a:xfrm>
+            <a:off x="628651" y="1369219"/>
+            <a:ext cx="3771899" cy="3223260"/>
+          </a:xfrm>
+          <a:noFill/>
+        </p:spPr>
+        <p:txBody>
+          <a:bodyPr>
+            <a:normAutofit/>
+          </a:bodyPr>
+          <a:lstStyle/>
+          <a:p>
+            <a:pPr lvl="1"/>
+            <a:r>
+              <a:rPr lang="en-US" sz="2000" dirty="0"/>
+              <a:t>Symptom analysis</a:t>
+            </a:r>
+          </a:p>
+          <a:p>
+            <a:pPr lvl="1"/>
+            <a:r>
+              <a:rPr lang="en-US" sz="2000" dirty="0"/>
+              <a:t>Disease identification</a:t>
+            </a:r>
+          </a:p>
+          <a:p>
+            <a:pPr lvl="1"/>
+            <a:r>
+              <a:rPr lang="en-US" sz="2000" dirty="0"/>
+              <a:t>Treatment recommendations</a:t>
+            </a:r>
+          </a:p>
+          <a:p>
+            <a:pPr lvl="1"/>
+            <a:r>
+              <a:rPr lang="en-US" sz="2000" dirty="0"/>
+              <a:t>Medical literature analysis</a:t>
+            </a:r>
+          </a:p>
+          <a:p>
+            <a:pPr lvl="1"/>
+            <a:r>
+              <a:rPr lang="en-US" sz="2000" dirty="0"/>
+              <a:t>Medical question answering</a:t>
+            </a:r>
+          </a:p>
+          <a:p>
+            <a:pPr lvl="1"/>
+            <a:r>
+              <a:rPr lang="en-US" sz="2000" dirty="0"/>
+              <a:t>Medical imaging analysis</a:t>
+            </a:r>
+          </a:p>
+        </p:txBody>
+      </p:sp>
+      <p:sp>
+        <p:nvSpPr>
+          <p:cNvPr id="10" name="Content Placeholder 2">
+            <a:extLst>
+              <a:ext uri="{FF2B5EF4-FFF2-40B4-BE49-F238E27FC236}">
+                <a16:creationId xmlns="" xmlns:a16="http://schemas.microsoft.com/office/drawing/2014/main" id="{A6A33159-D030-2F82-A142-F75940728319}"/>
+              </a:ext>
+            </a:extLst>
+          </p:cNvPr>
+          <p:cNvSpPr>
+            <a:spLocks noGrp="1"/>
+          </p:cNvSpPr>
+          <p:nvPr>
+            <p:ph sz="quarter" idx="4294967295"/>
+          </p:nvPr>
+        </p:nvSpPr>
+        <p:spPr>
+          <a:xfrm>
+            <a:off x="4714875" y="1378574"/>
+            <a:ext cx="3638550" cy="3213667"/>
+          </a:xfrm>
+          <a:prstGeom prst="rect">
+            <a:avLst/>
+          </a:prstGeom>
+          <a:noFill/>
+        </p:spPr>
+        <p:txBody>
+          <a:bodyPr vert="horz" lIns="68580" tIns="34290" rIns="68580" bIns="34290" rtlCol="0" anchor="t">
+            <a:normAutofit/>
+          </a:bodyPr>
+          <a:lstStyle/>
+          <a:p>
+            <a:pPr marL="171450" lvl="1">
+              <a:spcBef>
+                <a:spcPts val="750"/>
+              </a:spcBef>
+              <a:spcAft>
+                <a:spcPts val="600"/>
+              </a:spcAft>
+              <a:buClr>
+                <a:schemeClr val="accent2"/>
+              </a:buClr>
+            </a:pPr>
+            <a:r>
+              <a:rPr lang="en-US" sz="2000" dirty="0"/>
+              <a:t>Google Med–</a:t>
+            </a:r>
+            <a:r>
+              <a:rPr lang="en-US" sz="2000" dirty="0" err="1"/>
+              <a:t>PaLM</a:t>
+            </a:r>
+            <a:r>
+              <a:rPr lang="en-US" sz="2000" dirty="0"/>
+              <a:t> 2</a:t>
+            </a:r>
+          </a:p>
+          <a:p>
+            <a:pPr marL="514350" lvl="2">
+              <a:spcBef>
+                <a:spcPts val="750"/>
+              </a:spcBef>
+              <a:spcAft>
+                <a:spcPts val="600"/>
+              </a:spcAft>
+              <a:buClr>
+                <a:schemeClr val="accent2"/>
+              </a:buClr>
+            </a:pPr>
+            <a:r>
+              <a:rPr lang="en-US" sz="1700" dirty="0"/>
+              <a:t>Medical question answering</a:t>
+            </a:r>
+          </a:p>
+          <a:p>
+            <a:pPr marL="171450" lvl="1">
+              <a:spcBef>
+                <a:spcPts val="750"/>
+              </a:spcBef>
+              <a:spcAft>
+                <a:spcPts val="600"/>
+              </a:spcAft>
+              <a:buClr>
+                <a:schemeClr val="accent2"/>
+              </a:buClr>
+            </a:pPr>
+            <a:r>
+              <a:rPr lang="en-US" sz="2000" dirty="0"/>
+              <a:t>Google Med-Gemini</a:t>
+            </a:r>
+          </a:p>
+          <a:p>
+            <a:pPr marL="514350" lvl="2">
+              <a:spcBef>
+                <a:spcPts val="750"/>
+              </a:spcBef>
+              <a:spcAft>
+                <a:spcPts val="600"/>
+              </a:spcAft>
+              <a:buClr>
+                <a:schemeClr val="accent2"/>
+              </a:buClr>
+            </a:pPr>
+            <a:r>
+              <a:rPr lang="en-US" sz="1700" dirty="0"/>
+              <a:t>Medical question answering</a:t>
+            </a:r>
+          </a:p>
+          <a:p>
+            <a:pPr marL="171450" lvl="1">
+              <a:spcBef>
+                <a:spcPts val="750"/>
+              </a:spcBef>
+              <a:spcAft>
+                <a:spcPts val="600"/>
+              </a:spcAft>
+              <a:buClr>
+                <a:schemeClr val="accent2"/>
+              </a:buClr>
+            </a:pPr>
+            <a:r>
+              <a:rPr lang="en-IN" sz="2000" dirty="0" err="1"/>
+              <a:t>BiomedGPT</a:t>
+            </a:r>
+            <a:endParaRPr lang="en-IN" sz="2000" dirty="0"/>
+          </a:p>
+          <a:p>
+            <a:pPr marL="514350" lvl="2">
+              <a:spcBef>
+                <a:spcPts val="750"/>
+              </a:spcBef>
+              <a:spcAft>
+                <a:spcPts val="600"/>
+              </a:spcAft>
+              <a:buClr>
+                <a:schemeClr val="accent2"/>
+              </a:buClr>
+            </a:pPr>
+            <a:r>
+              <a:rPr lang="en-IN" sz="1700" dirty="0"/>
+              <a:t>Vision language model</a:t>
+            </a:r>
+          </a:p>
+          <a:p>
+            <a:pPr marL="514350" lvl="2">
+              <a:spcBef>
+                <a:spcPts val="750"/>
+              </a:spcBef>
+              <a:spcAft>
+                <a:spcPts val=